--- a/Enterprise Architech Presentation.pptx
+++ b/Enterprise Architech Presentation.pptx
@@ -4995,25 +4995,60 @@
           </a:p>
         </p:txBody>
       </p:sp>
-      <p:sp>
-        <p:nvSpPr>
-          <p:cNvPr id="3" name="Content Placeholder 2"/>
-          <p:cNvSpPr>
-            <a:spLocks noGrp="1"/>
-          </p:cNvSpPr>
-          <p:nvPr>
-            <p:ph sz="quarter" idx="1"/>
-          </p:nvPr>
-        </p:nvSpPr>
-        <p:spPr/>
-        <p:txBody>
-          <a:bodyPr/>
-          <a:lstStyle/>
-          <a:p>
-            <a:endParaRPr lang="en-SG"/>
-          </a:p>
-        </p:txBody>
-      </p:sp>
+      <p:pic>
+        <p:nvPicPr>
+          <p:cNvPr id="1026" name="Picture 2"/>
+          <p:cNvPicPr>
+            <a:picLocks noChangeAspect="1" noChangeArrowheads="1"/>
+          </p:cNvPicPr>
+          <p:nvPr/>
+        </p:nvPicPr>
+        <p:blipFill>
+          <a:blip r:embed="rId2">
+            <a:extLst>
+              <a:ext uri="{28A0092B-C50C-407E-A947-70E740481C1C}">
+                <a14:useLocalDpi xmlns:a14="http://schemas.microsoft.com/office/drawing/2010/main" val="0"/>
+              </a:ext>
+            </a:extLst>
+          </a:blip>
+          <a:srcRect/>
+          <a:stretch>
+            <a:fillRect/>
+          </a:stretch>
+        </p:blipFill>
+        <p:spPr bwMode="auto">
+          <a:xfrm>
+            <a:off x="1691680" y="1243013"/>
+            <a:ext cx="5754017" cy="5138315"/>
+          </a:xfrm>
+          <a:prstGeom prst="rect">
+            <a:avLst/>
+          </a:prstGeom>
+          <a:noFill/>
+          <a:ln>
+            <a:noFill/>
+          </a:ln>
+          <a:extLst>
+            <a:ext uri="{909E8E84-426E-40DD-AFC4-6F175D3DCCD1}">
+              <a14:hiddenFill xmlns:a14="http://schemas.microsoft.com/office/drawing/2010/main">
+                <a:solidFill>
+                  <a:schemeClr val="accent1"/>
+                </a:solidFill>
+              </a14:hiddenFill>
+            </a:ext>
+            <a:ext uri="{91240B29-F687-4F45-9708-019B960494DF}">
+              <a14:hiddenLine xmlns:a14="http://schemas.microsoft.com/office/drawing/2010/main" w="9525">
+                <a:solidFill>
+                  <a:schemeClr val="tx1"/>
+                </a:solidFill>
+                <a:miter lim="800000"/>
+                <a:headEnd/>
+                <a:tailEnd/>
+              </a14:hiddenLine>
+            </a:ext>
+          </a:extLst>
+        </p:spPr>
+      </p:pic>
     </p:spTree>
     <p:extLst>
       <p:ext uri="{BB962C8B-B14F-4D97-AF65-F5344CB8AC3E}">
@@ -8926,7 +8961,6 @@
               <a:rPr lang="en-US" sz="1200" b="1" dirty="0" smtClean="0"/>
               <a:t>Regulatory and Social Processes</a:t>
             </a:r>
-            <a:endParaRPr lang="en-US" sz="1200" b="1" dirty="0" smtClean="0"/>
           </a:p>
           <a:p>
             <a:pPr algn="ctr" rtl="0">
@@ -13043,46 +13077,26 @@
           <a:p>
             <a:r>
               <a:rPr lang="en-US" dirty="0" smtClean="0"/>
-              <a:t>Business </a:t>
-            </a:r>
+              <a:t>Business Architecture</a:t>
+            </a:r>
+          </a:p>
+          <a:p>
             <a:r>
               <a:rPr lang="en-US" dirty="0" smtClean="0"/>
-              <a:t>Architecture</a:t>
-            </a:r>
-            <a:endParaRPr lang="en-US" dirty="0" smtClean="0"/>
+              <a:t>Information Architecture</a:t>
+            </a:r>
           </a:p>
           <a:p>
             <a:r>
               <a:rPr lang="en-US" dirty="0" smtClean="0"/>
-              <a:t>Information </a:t>
-            </a:r>
+              <a:t>Application Architecture</a:t>
+            </a:r>
+          </a:p>
+          <a:p>
             <a:r>
               <a:rPr lang="en-US" dirty="0" smtClean="0"/>
-              <a:t>Architecture</a:t>
-            </a:r>
-            <a:endParaRPr lang="en-US" dirty="0" smtClean="0"/>
-          </a:p>
-          <a:p>
-            <a:r>
-              <a:rPr lang="en-US" dirty="0" smtClean="0"/>
-              <a:t>Application </a:t>
-            </a:r>
-            <a:r>
-              <a:rPr lang="en-US" dirty="0" smtClean="0"/>
-              <a:t>Architecture</a:t>
-            </a:r>
-            <a:endParaRPr lang="en-US" dirty="0" smtClean="0"/>
-          </a:p>
-          <a:p>
-            <a:r>
-              <a:rPr lang="en-US" dirty="0" smtClean="0"/>
-              <a:t>Technology </a:t>
-            </a:r>
-            <a:r>
-              <a:rPr lang="en-US" dirty="0" smtClean="0"/>
-              <a:t>Architecture</a:t>
-            </a:r>
-            <a:endParaRPr lang="en-US" dirty="0" smtClean="0"/>
+              <a:t>Technology Architecture</a:t>
+            </a:r>
           </a:p>
           <a:p>
             <a:r>
@@ -13093,13 +13107,8 @@
           <a:p>
             <a:r>
               <a:rPr lang="en-US" dirty="0" smtClean="0"/>
-              <a:t>Migration </a:t>
-            </a:r>
-            <a:r>
-              <a:rPr lang="en-US" dirty="0" smtClean="0"/>
-              <a:t>Plan</a:t>
-            </a:r>
-            <a:endParaRPr lang="en-US" dirty="0" smtClean="0"/>
+              <a:t>Migration Plan</a:t>
+            </a:r>
           </a:p>
           <a:p>
             <a:r>
@@ -15483,6 +15492,1578 @@
           </a:p>
         </p:txBody>
       </p:sp>
+      <p:pic>
+        <p:nvPicPr>
+          <p:cNvPr id="4" name="Chart 1"/>
+          <p:cNvPicPr>
+            <a:picLocks noChangeArrowheads="1"/>
+          </p:cNvPicPr>
+          <p:nvPr/>
+        </p:nvPicPr>
+        <p:blipFill>
+          <a:blip r:embed="rId2">
+            <a:extLst>
+              <a:ext uri="{28A0092B-C50C-407E-A947-70E740481C1C}">
+                <a14:useLocalDpi xmlns:a14="http://schemas.microsoft.com/office/drawing/2010/main" val="0"/>
+              </a:ext>
+            </a:extLst>
+          </a:blip>
+          <a:srcRect/>
+          <a:stretch>
+            <a:fillRect/>
+          </a:stretch>
+        </p:blipFill>
+        <p:spPr bwMode="auto">
+          <a:xfrm>
+            <a:off x="115881" y="2060848"/>
+            <a:ext cx="5381625" cy="4502150"/>
+          </a:xfrm>
+          <a:prstGeom prst="rect">
+            <a:avLst/>
+          </a:prstGeom>
+          <a:noFill/>
+          <a:ln>
+            <a:noFill/>
+          </a:ln>
+          <a:extLst>
+            <a:ext uri="{909E8E84-426E-40DD-AFC4-6F175D3DCCD1}">
+              <a14:hiddenFill xmlns:a14="http://schemas.microsoft.com/office/drawing/2010/main">
+                <a:solidFill>
+                  <a:srgbClr val="FFFFFF"/>
+                </a:solidFill>
+              </a14:hiddenFill>
+            </a:ext>
+            <a:ext uri="{91240B29-F687-4F45-9708-019B960494DF}">
+              <a14:hiddenLine xmlns:a14="http://schemas.microsoft.com/office/drawing/2010/main" w="9525">
+                <a:solidFill>
+                  <a:srgbClr val="000000"/>
+                </a:solidFill>
+                <a:miter lim="800000"/>
+                <a:headEnd/>
+                <a:tailEnd/>
+              </a14:hiddenLine>
+            </a:ext>
+          </a:extLst>
+        </p:spPr>
+      </p:pic>
+      <p:graphicFrame>
+        <p:nvGraphicFramePr>
+          <p:cNvPr id="5" name="Table 4"/>
+          <p:cNvGraphicFramePr>
+            <a:graphicFrameLocks noGrp="1"/>
+          </p:cNvGraphicFramePr>
+          <p:nvPr>
+            <p:extLst>
+              <p:ext uri="{D42A27DB-BD31-4B8C-83A1-F6EECF244321}">
+                <p14:modId xmlns:p14="http://schemas.microsoft.com/office/powerpoint/2010/main" val="909076639"/>
+              </p:ext>
+            </p:extLst>
+          </p:nvPr>
+        </p:nvGraphicFramePr>
+        <p:xfrm>
+          <a:off x="5714875" y="2126231"/>
+          <a:ext cx="3186112" cy="4371383"/>
+        </p:xfrm>
+        <a:graphic>
+          <a:graphicData uri="http://schemas.openxmlformats.org/drawingml/2006/table">
+            <a:tbl>
+              <a:tblPr firstRow="1" firstCol="1" bandRow="1">
+                <a:tableStyleId>{5C22544A-7EE6-4342-B048-85BDC9FD1C3A}</a:tableStyleId>
+              </a:tblPr>
+              <a:tblGrid>
+                <a:gridCol w="558780"/>
+                <a:gridCol w="1313666"/>
+                <a:gridCol w="1313666"/>
+              </a:tblGrid>
+              <a:tr h="272757">
+                <a:tc>
+                  <a:txBody>
+                    <a:bodyPr/>
+                    <a:lstStyle/>
+                    <a:p>
+                      <a:endParaRPr lang="en-US" sz="1000" dirty="0">
+                        <a:effectLst/>
+                        <a:latin typeface="Cambria"/>
+                      </a:endParaRPr>
+                    </a:p>
+                  </a:txBody>
+                  <a:tcPr marL="68580" marR="68580" marT="0" marB="0" anchor="b"/>
+                </a:tc>
+                <a:tc>
+                  <a:txBody>
+                    <a:bodyPr/>
+                    <a:lstStyle/>
+                    <a:p>
+                      <a:pPr marL="0" marR="0">
+                        <a:lnSpc>
+                          <a:spcPct val="105000"/>
+                        </a:lnSpc>
+                        <a:spcBef>
+                          <a:spcPts val="0"/>
+                        </a:spcBef>
+                        <a:spcAft>
+                          <a:spcPts val="0"/>
+                        </a:spcAft>
+                      </a:pPr>
+                      <a:r>
+                        <a:rPr lang="en-US" sz="1400">
+                          <a:effectLst/>
+                        </a:rPr>
+                        <a:t>Projects</a:t>
+                      </a:r>
+                      <a:endParaRPr lang="en-US" sz="1100">
+                        <a:effectLst/>
+                        <a:latin typeface="Cambria"/>
+                        <a:ea typeface="Times New Roman"/>
+                        <a:cs typeface="Times New Roman"/>
+                      </a:endParaRPr>
+                    </a:p>
+                  </a:txBody>
+                  <a:tcPr marL="68580" marR="68580" marT="0" marB="0" anchor="b"/>
+                </a:tc>
+                <a:tc>
+                  <a:txBody>
+                    <a:bodyPr/>
+                    <a:lstStyle/>
+                    <a:p>
+                      <a:pPr marL="0" marR="0">
+                        <a:lnSpc>
+                          <a:spcPct val="105000"/>
+                        </a:lnSpc>
+                        <a:spcBef>
+                          <a:spcPts val="0"/>
+                        </a:spcBef>
+                        <a:spcAft>
+                          <a:spcPts val="0"/>
+                        </a:spcAft>
+                      </a:pPr>
+                      <a:r>
+                        <a:rPr lang="en-US" sz="1400">
+                          <a:effectLst/>
+                        </a:rPr>
+                        <a:t>Ownership</a:t>
+                      </a:r>
+                      <a:endParaRPr lang="en-US" sz="1100">
+                        <a:effectLst/>
+                        <a:latin typeface="Cambria"/>
+                        <a:ea typeface="Times New Roman"/>
+                        <a:cs typeface="Times New Roman"/>
+                      </a:endParaRPr>
+                    </a:p>
+                  </a:txBody>
+                  <a:tcPr marL="68580" marR="68580" marT="0" marB="0" anchor="b"/>
+                </a:tc>
+              </a:tr>
+              <a:tr h="209813">
+                <a:tc rowSpan="5">
+                  <a:txBody>
+                    <a:bodyPr/>
+                    <a:lstStyle/>
+                    <a:p>
+                      <a:pPr marL="0" marR="0" algn="ctr">
+                        <a:lnSpc>
+                          <a:spcPct val="105000"/>
+                        </a:lnSpc>
+                        <a:spcBef>
+                          <a:spcPts val="0"/>
+                        </a:spcBef>
+                        <a:spcAft>
+                          <a:spcPts val="0"/>
+                        </a:spcAft>
+                      </a:pPr>
+                      <a:r>
+                        <a:rPr lang="en-US" sz="2000">
+                          <a:effectLst/>
+                        </a:rPr>
+                        <a:t>Phase 1</a:t>
+                      </a:r>
+                      <a:endParaRPr lang="en-US" sz="1100">
+                        <a:effectLst/>
+                        <a:latin typeface="Cambria"/>
+                        <a:ea typeface="Times New Roman"/>
+                        <a:cs typeface="Times New Roman"/>
+                      </a:endParaRPr>
+                    </a:p>
+                  </a:txBody>
+                  <a:tcPr marL="68580" marR="68580" marT="0" marB="0" vert="vert270" anchor="b"/>
+                </a:tc>
+                <a:tc>
+                  <a:txBody>
+                    <a:bodyPr/>
+                    <a:lstStyle/>
+                    <a:p>
+                      <a:pPr marL="0" marR="0">
+                        <a:lnSpc>
+                          <a:spcPct val="105000"/>
+                        </a:lnSpc>
+                        <a:spcBef>
+                          <a:spcPts val="0"/>
+                        </a:spcBef>
+                        <a:spcAft>
+                          <a:spcPts val="0"/>
+                        </a:spcAft>
+                      </a:pPr>
+                      <a:r>
+                        <a:rPr lang="en-US" sz="1000" dirty="0">
+                          <a:effectLst/>
+                        </a:rPr>
+                        <a:t>ESB</a:t>
+                      </a:r>
+                      <a:endParaRPr lang="en-US" sz="1100" dirty="0">
+                        <a:effectLst/>
+                        <a:latin typeface="Cambria"/>
+                        <a:ea typeface="Times New Roman"/>
+                        <a:cs typeface="Times New Roman"/>
+                      </a:endParaRPr>
+                    </a:p>
+                  </a:txBody>
+                  <a:tcPr marL="68580" marR="68580" marT="0" marB="0" anchor="b">
+                    <a:solidFill>
+                      <a:schemeClr val="accent3">
+                        <a:lumMod val="60000"/>
+                        <a:lumOff val="40000"/>
+                      </a:schemeClr>
+                    </a:solidFill>
+                  </a:tcPr>
+                </a:tc>
+                <a:tc>
+                  <a:txBody>
+                    <a:bodyPr/>
+                    <a:lstStyle/>
+                    <a:p>
+                      <a:pPr marL="0" marR="0">
+                        <a:lnSpc>
+                          <a:spcPct val="105000"/>
+                        </a:lnSpc>
+                        <a:spcBef>
+                          <a:spcPts val="0"/>
+                        </a:spcBef>
+                        <a:spcAft>
+                          <a:spcPts val="0"/>
+                        </a:spcAft>
+                      </a:pPr>
+                      <a:r>
+                        <a:rPr lang="en-US" sz="1000">
+                          <a:effectLst/>
+                        </a:rPr>
+                        <a:t>IT/Operations</a:t>
+                      </a:r>
+                      <a:endParaRPr lang="en-US" sz="1100">
+                        <a:effectLst/>
+                        <a:latin typeface="Cambria"/>
+                        <a:ea typeface="Times New Roman"/>
+                        <a:cs typeface="Times New Roman"/>
+                      </a:endParaRPr>
+                    </a:p>
+                  </a:txBody>
+                  <a:tcPr marL="68580" marR="68580" marT="0" marB="0" anchor="b">
+                    <a:solidFill>
+                      <a:schemeClr val="accent3">
+                        <a:lumMod val="60000"/>
+                        <a:lumOff val="40000"/>
+                      </a:schemeClr>
+                    </a:solidFill>
+                  </a:tcPr>
+                </a:tc>
+              </a:tr>
+              <a:tr h="344233">
+                <a:tc vMerge="1">
+                  <a:txBody>
+                    <a:bodyPr/>
+                    <a:lstStyle/>
+                    <a:p>
+                      <a:endParaRPr lang="en-US"/>
+                    </a:p>
+                  </a:txBody>
+                  <a:tcPr/>
+                </a:tc>
+                <a:tc>
+                  <a:txBody>
+                    <a:bodyPr/>
+                    <a:lstStyle/>
+                    <a:p>
+                      <a:pPr marL="0" marR="0">
+                        <a:lnSpc>
+                          <a:spcPct val="105000"/>
+                        </a:lnSpc>
+                        <a:spcBef>
+                          <a:spcPts val="0"/>
+                        </a:spcBef>
+                        <a:spcAft>
+                          <a:spcPts val="0"/>
+                        </a:spcAft>
+                      </a:pPr>
+                      <a:r>
+                        <a:rPr lang="en-US" sz="1000">
+                          <a:effectLst/>
+                        </a:rPr>
+                        <a:t>VCMS</a:t>
+                      </a:r>
+                      <a:endParaRPr lang="en-US" sz="1100">
+                        <a:effectLst/>
+                        <a:latin typeface="Cambria"/>
+                        <a:ea typeface="Times New Roman"/>
+                        <a:cs typeface="Times New Roman"/>
+                      </a:endParaRPr>
+                    </a:p>
+                  </a:txBody>
+                  <a:tcPr marL="68580" marR="68580" marT="0" marB="0" anchor="b">
+                    <a:solidFill>
+                      <a:schemeClr val="accent3">
+                        <a:lumMod val="60000"/>
+                        <a:lumOff val="40000"/>
+                      </a:schemeClr>
+                    </a:solidFill>
+                  </a:tcPr>
+                </a:tc>
+                <a:tc>
+                  <a:txBody>
+                    <a:bodyPr/>
+                    <a:lstStyle/>
+                    <a:p>
+                      <a:pPr marL="0" marR="0">
+                        <a:lnSpc>
+                          <a:spcPct val="105000"/>
+                        </a:lnSpc>
+                        <a:spcBef>
+                          <a:spcPts val="0"/>
+                        </a:spcBef>
+                        <a:spcAft>
+                          <a:spcPts val="0"/>
+                        </a:spcAft>
+                      </a:pPr>
+                      <a:r>
+                        <a:rPr lang="en-US" sz="1000">
+                          <a:effectLst/>
+                        </a:rPr>
+                        <a:t>Container Management Team</a:t>
+                      </a:r>
+                      <a:endParaRPr lang="en-US" sz="1100">
+                        <a:effectLst/>
+                        <a:latin typeface="Cambria"/>
+                        <a:ea typeface="Times New Roman"/>
+                        <a:cs typeface="Times New Roman"/>
+                      </a:endParaRPr>
+                    </a:p>
+                  </a:txBody>
+                  <a:tcPr marL="68580" marR="68580" marT="0" marB="0" anchor="b">
+                    <a:solidFill>
+                      <a:schemeClr val="accent3">
+                        <a:lumMod val="60000"/>
+                        <a:lumOff val="40000"/>
+                      </a:schemeClr>
+                    </a:solidFill>
+                  </a:tcPr>
+                </a:tc>
+              </a:tr>
+              <a:tr h="209813">
+                <a:tc vMerge="1">
+                  <a:txBody>
+                    <a:bodyPr/>
+                    <a:lstStyle/>
+                    <a:p>
+                      <a:endParaRPr lang="en-US"/>
+                    </a:p>
+                  </a:txBody>
+                  <a:tcPr/>
+                </a:tc>
+                <a:tc>
+                  <a:txBody>
+                    <a:bodyPr/>
+                    <a:lstStyle/>
+                    <a:p>
+                      <a:pPr marL="0" marR="0">
+                        <a:lnSpc>
+                          <a:spcPct val="105000"/>
+                        </a:lnSpc>
+                        <a:spcBef>
+                          <a:spcPts val="0"/>
+                        </a:spcBef>
+                        <a:spcAft>
+                          <a:spcPts val="0"/>
+                        </a:spcAft>
+                      </a:pPr>
+                      <a:r>
+                        <a:rPr lang="en-US" sz="1000">
+                          <a:effectLst/>
+                        </a:rPr>
+                        <a:t>IE</a:t>
+                      </a:r>
+                      <a:endParaRPr lang="en-US" sz="1100">
+                        <a:effectLst/>
+                        <a:latin typeface="Cambria"/>
+                        <a:ea typeface="Times New Roman"/>
+                        <a:cs typeface="Times New Roman"/>
+                      </a:endParaRPr>
+                    </a:p>
+                  </a:txBody>
+                  <a:tcPr marL="68580" marR="68580" marT="0" marB="0" anchor="b">
+                    <a:solidFill>
+                      <a:schemeClr val="accent3">
+                        <a:lumMod val="60000"/>
+                        <a:lumOff val="40000"/>
+                      </a:schemeClr>
+                    </a:solidFill>
+                  </a:tcPr>
+                </a:tc>
+                <a:tc>
+                  <a:txBody>
+                    <a:bodyPr/>
+                    <a:lstStyle/>
+                    <a:p>
+                      <a:pPr marL="0" marR="0">
+                        <a:lnSpc>
+                          <a:spcPct val="105000"/>
+                        </a:lnSpc>
+                        <a:spcBef>
+                          <a:spcPts val="0"/>
+                        </a:spcBef>
+                        <a:spcAft>
+                          <a:spcPts val="0"/>
+                        </a:spcAft>
+                      </a:pPr>
+                      <a:r>
+                        <a:rPr lang="en-US" sz="1000">
+                          <a:effectLst/>
+                        </a:rPr>
+                        <a:t>IT/Operations</a:t>
+                      </a:r>
+                      <a:endParaRPr lang="en-US" sz="1100">
+                        <a:effectLst/>
+                        <a:latin typeface="Cambria"/>
+                        <a:ea typeface="Times New Roman"/>
+                        <a:cs typeface="Times New Roman"/>
+                      </a:endParaRPr>
+                    </a:p>
+                  </a:txBody>
+                  <a:tcPr marL="68580" marR="68580" marT="0" marB="0" anchor="b">
+                    <a:solidFill>
+                      <a:schemeClr val="accent3">
+                        <a:lumMod val="60000"/>
+                        <a:lumOff val="40000"/>
+                      </a:schemeClr>
+                    </a:solidFill>
+                  </a:tcPr>
+                </a:tc>
+              </a:tr>
+              <a:tr h="344233">
+                <a:tc vMerge="1">
+                  <a:txBody>
+                    <a:bodyPr/>
+                    <a:lstStyle/>
+                    <a:p>
+                      <a:endParaRPr lang="en-US"/>
+                    </a:p>
+                  </a:txBody>
+                  <a:tcPr/>
+                </a:tc>
+                <a:tc>
+                  <a:txBody>
+                    <a:bodyPr/>
+                    <a:lstStyle/>
+                    <a:p>
+                      <a:pPr marL="0" marR="0">
+                        <a:lnSpc>
+                          <a:spcPct val="105000"/>
+                        </a:lnSpc>
+                        <a:spcBef>
+                          <a:spcPts val="0"/>
+                        </a:spcBef>
+                        <a:spcAft>
+                          <a:spcPts val="0"/>
+                        </a:spcAft>
+                      </a:pPr>
+                      <a:r>
+                        <a:rPr lang="en-US" sz="1000">
+                          <a:effectLst/>
+                        </a:rPr>
+                        <a:t>Web portal</a:t>
+                      </a:r>
+                      <a:endParaRPr lang="en-US" sz="1100">
+                        <a:effectLst/>
+                        <a:latin typeface="Cambria"/>
+                        <a:ea typeface="Times New Roman"/>
+                        <a:cs typeface="Times New Roman"/>
+                      </a:endParaRPr>
+                    </a:p>
+                  </a:txBody>
+                  <a:tcPr marL="68580" marR="68580" marT="0" marB="0" anchor="b">
+                    <a:solidFill>
+                      <a:schemeClr val="accent3">
+                        <a:lumMod val="60000"/>
+                        <a:lumOff val="40000"/>
+                      </a:schemeClr>
+                    </a:solidFill>
+                  </a:tcPr>
+                </a:tc>
+                <a:tc>
+                  <a:txBody>
+                    <a:bodyPr/>
+                    <a:lstStyle/>
+                    <a:p>
+                      <a:pPr marL="0" marR="0">
+                        <a:lnSpc>
+                          <a:spcPct val="105000"/>
+                        </a:lnSpc>
+                        <a:spcBef>
+                          <a:spcPts val="0"/>
+                        </a:spcBef>
+                        <a:spcAft>
+                          <a:spcPts val="0"/>
+                        </a:spcAft>
+                      </a:pPr>
+                      <a:r>
+                        <a:rPr lang="en-US" sz="1000">
+                          <a:effectLst/>
+                        </a:rPr>
+                        <a:t>Container Management Team</a:t>
+                      </a:r>
+                      <a:endParaRPr lang="en-US" sz="1100">
+                        <a:effectLst/>
+                        <a:latin typeface="Cambria"/>
+                        <a:ea typeface="Times New Roman"/>
+                        <a:cs typeface="Times New Roman"/>
+                      </a:endParaRPr>
+                    </a:p>
+                  </a:txBody>
+                  <a:tcPr marL="68580" marR="68580" marT="0" marB="0" anchor="b">
+                    <a:solidFill>
+                      <a:schemeClr val="accent3">
+                        <a:lumMod val="60000"/>
+                        <a:lumOff val="40000"/>
+                      </a:schemeClr>
+                    </a:solidFill>
+                  </a:tcPr>
+                </a:tc>
+              </a:tr>
+              <a:tr h="344233">
+                <a:tc vMerge="1">
+                  <a:txBody>
+                    <a:bodyPr/>
+                    <a:lstStyle/>
+                    <a:p>
+                      <a:endParaRPr lang="en-US"/>
+                    </a:p>
+                  </a:txBody>
+                  <a:tcPr/>
+                </a:tc>
+                <a:tc>
+                  <a:txBody>
+                    <a:bodyPr/>
+                    <a:lstStyle/>
+                    <a:p>
+                      <a:pPr marL="0" marR="0">
+                        <a:lnSpc>
+                          <a:spcPct val="105000"/>
+                        </a:lnSpc>
+                        <a:spcBef>
+                          <a:spcPts val="0"/>
+                        </a:spcBef>
+                        <a:spcAft>
+                          <a:spcPts val="0"/>
+                        </a:spcAft>
+                      </a:pPr>
+                      <a:r>
+                        <a:rPr lang="en-US" sz="1000">
+                          <a:effectLst/>
+                        </a:rPr>
+                        <a:t>Reports</a:t>
+                      </a:r>
+                      <a:endParaRPr lang="en-US" sz="1100">
+                        <a:effectLst/>
+                        <a:latin typeface="Cambria"/>
+                        <a:ea typeface="Times New Roman"/>
+                        <a:cs typeface="Times New Roman"/>
+                      </a:endParaRPr>
+                    </a:p>
+                  </a:txBody>
+                  <a:tcPr marL="68580" marR="68580" marT="0" marB="0" anchor="b">
+                    <a:solidFill>
+                      <a:schemeClr val="accent3">
+                        <a:lumMod val="60000"/>
+                        <a:lumOff val="40000"/>
+                      </a:schemeClr>
+                    </a:solidFill>
+                  </a:tcPr>
+                </a:tc>
+                <a:tc>
+                  <a:txBody>
+                    <a:bodyPr/>
+                    <a:lstStyle/>
+                    <a:p>
+                      <a:pPr marL="0" marR="0">
+                        <a:lnSpc>
+                          <a:spcPct val="105000"/>
+                        </a:lnSpc>
+                        <a:spcBef>
+                          <a:spcPts val="0"/>
+                        </a:spcBef>
+                        <a:spcAft>
+                          <a:spcPts val="0"/>
+                        </a:spcAft>
+                      </a:pPr>
+                      <a:r>
+                        <a:rPr lang="en-US" sz="1000" dirty="0">
+                          <a:effectLst/>
+                        </a:rPr>
+                        <a:t>Container Management Team</a:t>
+                      </a:r>
+                      <a:endParaRPr lang="en-US" sz="1100" dirty="0">
+                        <a:effectLst/>
+                        <a:latin typeface="Cambria"/>
+                        <a:ea typeface="Times New Roman"/>
+                        <a:cs typeface="Times New Roman"/>
+                      </a:endParaRPr>
+                    </a:p>
+                  </a:txBody>
+                  <a:tcPr marL="68580" marR="68580" marT="0" marB="0" anchor="b">
+                    <a:solidFill>
+                      <a:schemeClr val="accent3">
+                        <a:lumMod val="60000"/>
+                        <a:lumOff val="40000"/>
+                      </a:schemeClr>
+                    </a:solidFill>
+                  </a:tcPr>
+                </a:tc>
+              </a:tr>
+              <a:tr h="344233">
+                <a:tc rowSpan="5">
+                  <a:txBody>
+                    <a:bodyPr/>
+                    <a:lstStyle/>
+                    <a:p>
+                      <a:pPr marL="0" marR="0" algn="ctr">
+                        <a:lnSpc>
+                          <a:spcPct val="105000"/>
+                        </a:lnSpc>
+                        <a:spcBef>
+                          <a:spcPts val="0"/>
+                        </a:spcBef>
+                        <a:spcAft>
+                          <a:spcPts val="0"/>
+                        </a:spcAft>
+                      </a:pPr>
+                      <a:r>
+                        <a:rPr lang="en-US" sz="2000">
+                          <a:effectLst/>
+                        </a:rPr>
+                        <a:t>Phase 2</a:t>
+                      </a:r>
+                      <a:endParaRPr lang="en-US" sz="1100">
+                        <a:effectLst/>
+                        <a:latin typeface="Cambria"/>
+                        <a:ea typeface="Times New Roman"/>
+                        <a:cs typeface="Times New Roman"/>
+                      </a:endParaRPr>
+                    </a:p>
+                  </a:txBody>
+                  <a:tcPr marL="68580" marR="68580" marT="0" marB="0" vert="vert270" anchor="b"/>
+                </a:tc>
+                <a:tc>
+                  <a:txBody>
+                    <a:bodyPr/>
+                    <a:lstStyle/>
+                    <a:p>
+                      <a:pPr marL="0" marR="0">
+                        <a:lnSpc>
+                          <a:spcPct val="105000"/>
+                        </a:lnSpc>
+                        <a:spcBef>
+                          <a:spcPts val="0"/>
+                        </a:spcBef>
+                        <a:spcAft>
+                          <a:spcPts val="0"/>
+                        </a:spcAft>
+                      </a:pPr>
+                      <a:r>
+                        <a:rPr lang="en-US" sz="1000" dirty="0">
+                          <a:effectLst/>
+                        </a:rPr>
+                        <a:t>SCBS</a:t>
+                      </a:r>
+                      <a:endParaRPr lang="en-US" sz="1100" dirty="0">
+                        <a:effectLst/>
+                        <a:latin typeface="Cambria"/>
+                        <a:ea typeface="Times New Roman"/>
+                        <a:cs typeface="Times New Roman"/>
+                      </a:endParaRPr>
+                    </a:p>
+                  </a:txBody>
+                  <a:tcPr marL="68580" marR="68580" marT="0" marB="0" anchor="b">
+                    <a:solidFill>
+                      <a:schemeClr val="accent2">
+                        <a:lumMod val="60000"/>
+                        <a:lumOff val="40000"/>
+                      </a:schemeClr>
+                    </a:solidFill>
+                  </a:tcPr>
+                </a:tc>
+                <a:tc>
+                  <a:txBody>
+                    <a:bodyPr/>
+                    <a:lstStyle/>
+                    <a:p>
+                      <a:pPr marL="0" marR="0">
+                        <a:lnSpc>
+                          <a:spcPct val="105000"/>
+                        </a:lnSpc>
+                        <a:spcBef>
+                          <a:spcPts val="0"/>
+                        </a:spcBef>
+                        <a:spcAft>
+                          <a:spcPts val="0"/>
+                        </a:spcAft>
+                      </a:pPr>
+                      <a:r>
+                        <a:rPr lang="en-US" sz="1000">
+                          <a:effectLst/>
+                        </a:rPr>
+                        <a:t>Order Processing Team</a:t>
+                      </a:r>
+                      <a:endParaRPr lang="en-US" sz="1100">
+                        <a:effectLst/>
+                        <a:latin typeface="Cambria"/>
+                        <a:ea typeface="Times New Roman"/>
+                        <a:cs typeface="Times New Roman"/>
+                      </a:endParaRPr>
+                    </a:p>
+                  </a:txBody>
+                  <a:tcPr marL="68580" marR="68580" marT="0" marB="0" anchor="b">
+                    <a:solidFill>
+                      <a:schemeClr val="accent2">
+                        <a:lumMod val="60000"/>
+                        <a:lumOff val="40000"/>
+                      </a:schemeClr>
+                    </a:solidFill>
+                  </a:tcPr>
+                </a:tc>
+              </a:tr>
+              <a:tr h="344233">
+                <a:tc vMerge="1">
+                  <a:txBody>
+                    <a:bodyPr/>
+                    <a:lstStyle/>
+                    <a:p>
+                      <a:endParaRPr lang="en-US"/>
+                    </a:p>
+                  </a:txBody>
+                  <a:tcPr/>
+                </a:tc>
+                <a:tc>
+                  <a:txBody>
+                    <a:bodyPr/>
+                    <a:lstStyle/>
+                    <a:p>
+                      <a:pPr marL="0" marR="0">
+                        <a:lnSpc>
+                          <a:spcPct val="105000"/>
+                        </a:lnSpc>
+                        <a:spcBef>
+                          <a:spcPts val="0"/>
+                        </a:spcBef>
+                        <a:spcAft>
+                          <a:spcPts val="0"/>
+                        </a:spcAft>
+                      </a:pPr>
+                      <a:r>
+                        <a:rPr lang="en-US" sz="1000">
+                          <a:effectLst/>
+                        </a:rPr>
+                        <a:t>ShipTrack</a:t>
+                      </a:r>
+                      <a:endParaRPr lang="en-US" sz="1100">
+                        <a:effectLst/>
+                        <a:latin typeface="Cambria"/>
+                        <a:ea typeface="Times New Roman"/>
+                        <a:cs typeface="Times New Roman"/>
+                      </a:endParaRPr>
+                    </a:p>
+                  </a:txBody>
+                  <a:tcPr marL="68580" marR="68580" marT="0" marB="0" anchor="b">
+                    <a:solidFill>
+                      <a:schemeClr val="accent2">
+                        <a:lumMod val="60000"/>
+                        <a:lumOff val="40000"/>
+                      </a:schemeClr>
+                    </a:solidFill>
+                  </a:tcPr>
+                </a:tc>
+                <a:tc>
+                  <a:txBody>
+                    <a:bodyPr/>
+                    <a:lstStyle/>
+                    <a:p>
+                      <a:pPr marL="0" marR="0">
+                        <a:lnSpc>
+                          <a:spcPct val="105000"/>
+                        </a:lnSpc>
+                        <a:spcBef>
+                          <a:spcPts val="0"/>
+                        </a:spcBef>
+                        <a:spcAft>
+                          <a:spcPts val="0"/>
+                        </a:spcAft>
+                      </a:pPr>
+                      <a:r>
+                        <a:rPr lang="en-US" sz="1000">
+                          <a:effectLst/>
+                        </a:rPr>
+                        <a:t>Order Processing Team</a:t>
+                      </a:r>
+                      <a:endParaRPr lang="en-US" sz="1100">
+                        <a:effectLst/>
+                        <a:latin typeface="Cambria"/>
+                        <a:ea typeface="Times New Roman"/>
+                        <a:cs typeface="Times New Roman"/>
+                      </a:endParaRPr>
+                    </a:p>
+                  </a:txBody>
+                  <a:tcPr marL="68580" marR="68580" marT="0" marB="0" anchor="b">
+                    <a:solidFill>
+                      <a:schemeClr val="accent2">
+                        <a:lumMod val="60000"/>
+                        <a:lumOff val="40000"/>
+                      </a:schemeClr>
+                    </a:solidFill>
+                  </a:tcPr>
+                </a:tc>
+              </a:tr>
+              <a:tr h="209813">
+                <a:tc vMerge="1">
+                  <a:txBody>
+                    <a:bodyPr/>
+                    <a:lstStyle/>
+                    <a:p>
+                      <a:endParaRPr lang="en-US"/>
+                    </a:p>
+                  </a:txBody>
+                  <a:tcPr/>
+                </a:tc>
+                <a:tc>
+                  <a:txBody>
+                    <a:bodyPr/>
+                    <a:lstStyle/>
+                    <a:p>
+                      <a:pPr marL="0" marR="0">
+                        <a:lnSpc>
+                          <a:spcPct val="105000"/>
+                        </a:lnSpc>
+                        <a:spcBef>
+                          <a:spcPts val="0"/>
+                        </a:spcBef>
+                        <a:spcAft>
+                          <a:spcPts val="0"/>
+                        </a:spcAft>
+                      </a:pPr>
+                      <a:r>
+                        <a:rPr lang="en-US" sz="1000">
+                          <a:effectLst/>
+                        </a:rPr>
+                        <a:t>IE</a:t>
+                      </a:r>
+                      <a:endParaRPr lang="en-US" sz="1100">
+                        <a:effectLst/>
+                        <a:latin typeface="Cambria"/>
+                        <a:ea typeface="Times New Roman"/>
+                        <a:cs typeface="Times New Roman"/>
+                      </a:endParaRPr>
+                    </a:p>
+                  </a:txBody>
+                  <a:tcPr marL="68580" marR="68580" marT="0" marB="0" anchor="b">
+                    <a:solidFill>
+                      <a:schemeClr val="accent2">
+                        <a:lumMod val="60000"/>
+                        <a:lumOff val="40000"/>
+                      </a:schemeClr>
+                    </a:solidFill>
+                  </a:tcPr>
+                </a:tc>
+                <a:tc>
+                  <a:txBody>
+                    <a:bodyPr/>
+                    <a:lstStyle/>
+                    <a:p>
+                      <a:pPr marL="0" marR="0">
+                        <a:lnSpc>
+                          <a:spcPct val="105000"/>
+                        </a:lnSpc>
+                        <a:spcBef>
+                          <a:spcPts val="0"/>
+                        </a:spcBef>
+                        <a:spcAft>
+                          <a:spcPts val="0"/>
+                        </a:spcAft>
+                      </a:pPr>
+                      <a:r>
+                        <a:rPr lang="en-US" sz="1000">
+                          <a:effectLst/>
+                        </a:rPr>
+                        <a:t>IT/Operations</a:t>
+                      </a:r>
+                      <a:endParaRPr lang="en-US" sz="1100">
+                        <a:effectLst/>
+                        <a:latin typeface="Cambria"/>
+                        <a:ea typeface="Times New Roman"/>
+                        <a:cs typeface="Times New Roman"/>
+                      </a:endParaRPr>
+                    </a:p>
+                  </a:txBody>
+                  <a:tcPr marL="68580" marR="68580" marT="0" marB="0" anchor="b">
+                    <a:solidFill>
+                      <a:schemeClr val="accent2">
+                        <a:lumMod val="60000"/>
+                        <a:lumOff val="40000"/>
+                      </a:schemeClr>
+                    </a:solidFill>
+                  </a:tcPr>
+                </a:tc>
+              </a:tr>
+              <a:tr h="344233">
+                <a:tc vMerge="1">
+                  <a:txBody>
+                    <a:bodyPr/>
+                    <a:lstStyle/>
+                    <a:p>
+                      <a:endParaRPr lang="en-US"/>
+                    </a:p>
+                  </a:txBody>
+                  <a:tcPr/>
+                </a:tc>
+                <a:tc>
+                  <a:txBody>
+                    <a:bodyPr/>
+                    <a:lstStyle/>
+                    <a:p>
+                      <a:pPr marL="0" marR="0">
+                        <a:lnSpc>
+                          <a:spcPct val="105000"/>
+                        </a:lnSpc>
+                        <a:spcBef>
+                          <a:spcPts val="0"/>
+                        </a:spcBef>
+                        <a:spcAft>
+                          <a:spcPts val="0"/>
+                        </a:spcAft>
+                      </a:pPr>
+                      <a:r>
+                        <a:rPr lang="en-US" sz="1000">
+                          <a:effectLst/>
+                        </a:rPr>
+                        <a:t>Web portal</a:t>
+                      </a:r>
+                      <a:endParaRPr lang="en-US" sz="1100">
+                        <a:effectLst/>
+                        <a:latin typeface="Cambria"/>
+                        <a:ea typeface="Times New Roman"/>
+                        <a:cs typeface="Times New Roman"/>
+                      </a:endParaRPr>
+                    </a:p>
+                  </a:txBody>
+                  <a:tcPr marL="68580" marR="68580" marT="0" marB="0" anchor="b">
+                    <a:solidFill>
+                      <a:schemeClr val="accent2">
+                        <a:lumMod val="60000"/>
+                        <a:lumOff val="40000"/>
+                      </a:schemeClr>
+                    </a:solidFill>
+                  </a:tcPr>
+                </a:tc>
+                <a:tc>
+                  <a:txBody>
+                    <a:bodyPr/>
+                    <a:lstStyle/>
+                    <a:p>
+                      <a:pPr marL="0" marR="0">
+                        <a:lnSpc>
+                          <a:spcPct val="105000"/>
+                        </a:lnSpc>
+                        <a:spcBef>
+                          <a:spcPts val="0"/>
+                        </a:spcBef>
+                        <a:spcAft>
+                          <a:spcPts val="0"/>
+                        </a:spcAft>
+                      </a:pPr>
+                      <a:r>
+                        <a:rPr lang="en-US" sz="1000">
+                          <a:effectLst/>
+                        </a:rPr>
+                        <a:t>Order Processing Team</a:t>
+                      </a:r>
+                      <a:endParaRPr lang="en-US" sz="1100">
+                        <a:effectLst/>
+                        <a:latin typeface="Cambria"/>
+                        <a:ea typeface="Times New Roman"/>
+                        <a:cs typeface="Times New Roman"/>
+                      </a:endParaRPr>
+                    </a:p>
+                  </a:txBody>
+                  <a:tcPr marL="68580" marR="68580" marT="0" marB="0" anchor="b">
+                    <a:solidFill>
+                      <a:schemeClr val="accent2">
+                        <a:lumMod val="60000"/>
+                        <a:lumOff val="40000"/>
+                      </a:schemeClr>
+                    </a:solidFill>
+                  </a:tcPr>
+                </a:tc>
+              </a:tr>
+              <a:tr h="344233">
+                <a:tc vMerge="1">
+                  <a:txBody>
+                    <a:bodyPr/>
+                    <a:lstStyle/>
+                    <a:p>
+                      <a:endParaRPr lang="en-US"/>
+                    </a:p>
+                  </a:txBody>
+                  <a:tcPr/>
+                </a:tc>
+                <a:tc>
+                  <a:txBody>
+                    <a:bodyPr/>
+                    <a:lstStyle/>
+                    <a:p>
+                      <a:pPr marL="0" marR="0">
+                        <a:lnSpc>
+                          <a:spcPct val="105000"/>
+                        </a:lnSpc>
+                        <a:spcBef>
+                          <a:spcPts val="0"/>
+                        </a:spcBef>
+                        <a:spcAft>
+                          <a:spcPts val="0"/>
+                        </a:spcAft>
+                      </a:pPr>
+                      <a:r>
+                        <a:rPr lang="en-US" sz="1000">
+                          <a:effectLst/>
+                        </a:rPr>
+                        <a:t>Reports</a:t>
+                      </a:r>
+                      <a:endParaRPr lang="en-US" sz="1100">
+                        <a:effectLst/>
+                        <a:latin typeface="Cambria"/>
+                        <a:ea typeface="Times New Roman"/>
+                        <a:cs typeface="Times New Roman"/>
+                      </a:endParaRPr>
+                    </a:p>
+                  </a:txBody>
+                  <a:tcPr marL="68580" marR="68580" marT="0" marB="0" anchor="b">
+                    <a:solidFill>
+                      <a:schemeClr val="accent2">
+                        <a:lumMod val="60000"/>
+                        <a:lumOff val="40000"/>
+                      </a:schemeClr>
+                    </a:solidFill>
+                  </a:tcPr>
+                </a:tc>
+                <a:tc>
+                  <a:txBody>
+                    <a:bodyPr/>
+                    <a:lstStyle/>
+                    <a:p>
+                      <a:pPr marL="0" marR="0">
+                        <a:lnSpc>
+                          <a:spcPct val="105000"/>
+                        </a:lnSpc>
+                        <a:spcBef>
+                          <a:spcPts val="0"/>
+                        </a:spcBef>
+                        <a:spcAft>
+                          <a:spcPts val="0"/>
+                        </a:spcAft>
+                      </a:pPr>
+                      <a:r>
+                        <a:rPr lang="en-US" sz="1000" dirty="0">
+                          <a:effectLst/>
+                        </a:rPr>
+                        <a:t>Order Processing Team</a:t>
+                      </a:r>
+                      <a:endParaRPr lang="en-US" sz="1100" dirty="0">
+                        <a:effectLst/>
+                        <a:latin typeface="Cambria"/>
+                        <a:ea typeface="Times New Roman"/>
+                        <a:cs typeface="Times New Roman"/>
+                      </a:endParaRPr>
+                    </a:p>
+                  </a:txBody>
+                  <a:tcPr marL="68580" marR="68580" marT="0" marB="0" anchor="b">
+                    <a:solidFill>
+                      <a:schemeClr val="accent2">
+                        <a:lumMod val="60000"/>
+                        <a:lumOff val="40000"/>
+                      </a:schemeClr>
+                    </a:solidFill>
+                  </a:tcPr>
+                </a:tc>
+              </a:tr>
+              <a:tr h="209813">
+                <a:tc rowSpan="5">
+                  <a:txBody>
+                    <a:bodyPr/>
+                    <a:lstStyle/>
+                    <a:p>
+                      <a:pPr marL="0" marR="0" algn="ctr">
+                        <a:lnSpc>
+                          <a:spcPct val="105000"/>
+                        </a:lnSpc>
+                        <a:spcBef>
+                          <a:spcPts val="0"/>
+                        </a:spcBef>
+                        <a:spcAft>
+                          <a:spcPts val="0"/>
+                        </a:spcAft>
+                      </a:pPr>
+                      <a:r>
+                        <a:rPr lang="en-US" sz="2000">
+                          <a:effectLst/>
+                        </a:rPr>
+                        <a:t>Phase 3</a:t>
+                      </a:r>
+                      <a:endParaRPr lang="en-US" sz="1100">
+                        <a:effectLst/>
+                        <a:latin typeface="Cambria"/>
+                        <a:ea typeface="Times New Roman"/>
+                        <a:cs typeface="Times New Roman"/>
+                      </a:endParaRPr>
+                    </a:p>
+                  </a:txBody>
+                  <a:tcPr marL="68580" marR="68580" marT="0" marB="0" vert="vert270" anchor="b"/>
+                </a:tc>
+                <a:tc>
+                  <a:txBody>
+                    <a:bodyPr/>
+                    <a:lstStyle/>
+                    <a:p>
+                      <a:pPr marL="0" marR="0">
+                        <a:lnSpc>
+                          <a:spcPct val="105000"/>
+                        </a:lnSpc>
+                        <a:spcBef>
+                          <a:spcPts val="0"/>
+                        </a:spcBef>
+                        <a:spcAft>
+                          <a:spcPts val="0"/>
+                        </a:spcAft>
+                      </a:pPr>
+                      <a:r>
+                        <a:rPr lang="en-US" sz="1000" dirty="0">
+                          <a:effectLst/>
+                        </a:rPr>
+                        <a:t>MQ HRS</a:t>
+                      </a:r>
+                      <a:endParaRPr lang="en-US" sz="1100" dirty="0">
+                        <a:effectLst/>
+                        <a:latin typeface="Cambria"/>
+                        <a:ea typeface="Times New Roman"/>
+                        <a:cs typeface="Times New Roman"/>
+                      </a:endParaRPr>
+                    </a:p>
+                  </a:txBody>
+                  <a:tcPr marL="68580" marR="68580" marT="0" marB="0" anchor="b">
+                    <a:solidFill>
+                      <a:schemeClr val="bg2">
+                        <a:lumMod val="75000"/>
+                      </a:schemeClr>
+                    </a:solidFill>
+                  </a:tcPr>
+                </a:tc>
+                <a:tc>
+                  <a:txBody>
+                    <a:bodyPr/>
+                    <a:lstStyle/>
+                    <a:p>
+                      <a:pPr marL="0" marR="0">
+                        <a:lnSpc>
+                          <a:spcPct val="105000"/>
+                        </a:lnSpc>
+                        <a:spcBef>
+                          <a:spcPts val="0"/>
+                        </a:spcBef>
+                        <a:spcAft>
+                          <a:spcPts val="0"/>
+                        </a:spcAft>
+                      </a:pPr>
+                      <a:r>
+                        <a:rPr lang="en-US" sz="1000" dirty="0">
+                          <a:effectLst/>
+                        </a:rPr>
+                        <a:t>HR &amp; Finance Team</a:t>
+                      </a:r>
+                      <a:endParaRPr lang="en-US" sz="1100" dirty="0">
+                        <a:effectLst/>
+                        <a:latin typeface="Cambria"/>
+                        <a:ea typeface="Times New Roman"/>
+                        <a:cs typeface="Times New Roman"/>
+                      </a:endParaRPr>
+                    </a:p>
+                  </a:txBody>
+                  <a:tcPr marL="68580" marR="68580" marT="0" marB="0" anchor="b">
+                    <a:solidFill>
+                      <a:schemeClr val="bg2">
+                        <a:lumMod val="75000"/>
+                      </a:schemeClr>
+                    </a:solidFill>
+                  </a:tcPr>
+                </a:tc>
+              </a:tr>
+              <a:tr h="209813">
+                <a:tc vMerge="1">
+                  <a:txBody>
+                    <a:bodyPr/>
+                    <a:lstStyle/>
+                    <a:p>
+                      <a:endParaRPr lang="en-US"/>
+                    </a:p>
+                  </a:txBody>
+                  <a:tcPr/>
+                </a:tc>
+                <a:tc>
+                  <a:txBody>
+                    <a:bodyPr/>
+                    <a:lstStyle/>
+                    <a:p>
+                      <a:pPr marL="0" marR="0">
+                        <a:lnSpc>
+                          <a:spcPct val="105000"/>
+                        </a:lnSpc>
+                        <a:spcBef>
+                          <a:spcPts val="0"/>
+                        </a:spcBef>
+                        <a:spcAft>
+                          <a:spcPts val="0"/>
+                        </a:spcAft>
+                      </a:pPr>
+                      <a:r>
+                        <a:rPr lang="en-US" sz="1000">
+                          <a:effectLst/>
+                        </a:rPr>
+                        <a:t>MQ AFIS</a:t>
+                      </a:r>
+                      <a:endParaRPr lang="en-US" sz="1100">
+                        <a:effectLst/>
+                        <a:latin typeface="Cambria"/>
+                        <a:ea typeface="Times New Roman"/>
+                        <a:cs typeface="Times New Roman"/>
+                      </a:endParaRPr>
+                    </a:p>
+                  </a:txBody>
+                  <a:tcPr marL="68580" marR="68580" marT="0" marB="0" anchor="b">
+                    <a:solidFill>
+                      <a:schemeClr val="bg2">
+                        <a:lumMod val="75000"/>
+                      </a:schemeClr>
+                    </a:solidFill>
+                  </a:tcPr>
+                </a:tc>
+                <a:tc>
+                  <a:txBody>
+                    <a:bodyPr/>
+                    <a:lstStyle/>
+                    <a:p>
+                      <a:pPr marL="0" marR="0">
+                        <a:lnSpc>
+                          <a:spcPct val="105000"/>
+                        </a:lnSpc>
+                        <a:spcBef>
+                          <a:spcPts val="0"/>
+                        </a:spcBef>
+                        <a:spcAft>
+                          <a:spcPts val="0"/>
+                        </a:spcAft>
+                      </a:pPr>
+                      <a:r>
+                        <a:rPr lang="en-US" sz="1000">
+                          <a:effectLst/>
+                        </a:rPr>
+                        <a:t>HR &amp; Finance Team</a:t>
+                      </a:r>
+                      <a:endParaRPr lang="en-US" sz="1100">
+                        <a:effectLst/>
+                        <a:latin typeface="Cambria"/>
+                        <a:ea typeface="Times New Roman"/>
+                        <a:cs typeface="Times New Roman"/>
+                      </a:endParaRPr>
+                    </a:p>
+                  </a:txBody>
+                  <a:tcPr marL="68580" marR="68580" marT="0" marB="0" anchor="b">
+                    <a:solidFill>
+                      <a:schemeClr val="bg2">
+                        <a:lumMod val="75000"/>
+                      </a:schemeClr>
+                    </a:solidFill>
+                  </a:tcPr>
+                </a:tc>
+              </a:tr>
+              <a:tr h="209813">
+                <a:tc vMerge="1">
+                  <a:txBody>
+                    <a:bodyPr/>
+                    <a:lstStyle/>
+                    <a:p>
+                      <a:endParaRPr lang="en-US"/>
+                    </a:p>
+                  </a:txBody>
+                  <a:tcPr/>
+                </a:tc>
+                <a:tc>
+                  <a:txBody>
+                    <a:bodyPr/>
+                    <a:lstStyle/>
+                    <a:p>
+                      <a:pPr marL="0" marR="0">
+                        <a:lnSpc>
+                          <a:spcPct val="105000"/>
+                        </a:lnSpc>
+                        <a:spcBef>
+                          <a:spcPts val="0"/>
+                        </a:spcBef>
+                        <a:spcAft>
+                          <a:spcPts val="0"/>
+                        </a:spcAft>
+                      </a:pPr>
+                      <a:r>
+                        <a:rPr lang="en-US" sz="1000">
+                          <a:effectLst/>
+                        </a:rPr>
+                        <a:t>IE</a:t>
+                      </a:r>
+                      <a:endParaRPr lang="en-US" sz="1100">
+                        <a:effectLst/>
+                        <a:latin typeface="Cambria"/>
+                        <a:ea typeface="Times New Roman"/>
+                        <a:cs typeface="Times New Roman"/>
+                      </a:endParaRPr>
+                    </a:p>
+                  </a:txBody>
+                  <a:tcPr marL="68580" marR="68580" marT="0" marB="0" anchor="b">
+                    <a:solidFill>
+                      <a:schemeClr val="bg2">
+                        <a:lumMod val="75000"/>
+                      </a:schemeClr>
+                    </a:solidFill>
+                  </a:tcPr>
+                </a:tc>
+                <a:tc>
+                  <a:txBody>
+                    <a:bodyPr/>
+                    <a:lstStyle/>
+                    <a:p>
+                      <a:pPr marL="0" marR="0">
+                        <a:lnSpc>
+                          <a:spcPct val="105000"/>
+                        </a:lnSpc>
+                        <a:spcBef>
+                          <a:spcPts val="0"/>
+                        </a:spcBef>
+                        <a:spcAft>
+                          <a:spcPts val="0"/>
+                        </a:spcAft>
+                      </a:pPr>
+                      <a:r>
+                        <a:rPr lang="en-US" sz="1000">
+                          <a:effectLst/>
+                        </a:rPr>
+                        <a:t>IT/Operations</a:t>
+                      </a:r>
+                      <a:endParaRPr lang="en-US" sz="1100">
+                        <a:effectLst/>
+                        <a:latin typeface="Cambria"/>
+                        <a:ea typeface="Times New Roman"/>
+                        <a:cs typeface="Times New Roman"/>
+                      </a:endParaRPr>
+                    </a:p>
+                  </a:txBody>
+                  <a:tcPr marL="68580" marR="68580" marT="0" marB="0" anchor="b">
+                    <a:solidFill>
+                      <a:schemeClr val="bg2">
+                        <a:lumMod val="75000"/>
+                      </a:schemeClr>
+                    </a:solidFill>
+                  </a:tcPr>
+                </a:tc>
+              </a:tr>
+              <a:tr h="209813">
+                <a:tc vMerge="1">
+                  <a:txBody>
+                    <a:bodyPr/>
+                    <a:lstStyle/>
+                    <a:p>
+                      <a:endParaRPr lang="en-US"/>
+                    </a:p>
+                  </a:txBody>
+                  <a:tcPr/>
+                </a:tc>
+                <a:tc>
+                  <a:txBody>
+                    <a:bodyPr/>
+                    <a:lstStyle/>
+                    <a:p>
+                      <a:pPr marL="0" marR="0">
+                        <a:lnSpc>
+                          <a:spcPct val="105000"/>
+                        </a:lnSpc>
+                        <a:spcBef>
+                          <a:spcPts val="0"/>
+                        </a:spcBef>
+                        <a:spcAft>
+                          <a:spcPts val="0"/>
+                        </a:spcAft>
+                      </a:pPr>
+                      <a:r>
+                        <a:rPr lang="en-US" sz="1000">
+                          <a:effectLst/>
+                        </a:rPr>
+                        <a:t>Web portal</a:t>
+                      </a:r>
+                      <a:endParaRPr lang="en-US" sz="1100">
+                        <a:effectLst/>
+                        <a:latin typeface="Cambria"/>
+                        <a:ea typeface="Times New Roman"/>
+                        <a:cs typeface="Times New Roman"/>
+                      </a:endParaRPr>
+                    </a:p>
+                  </a:txBody>
+                  <a:tcPr marL="68580" marR="68580" marT="0" marB="0" anchor="b">
+                    <a:solidFill>
+                      <a:schemeClr val="bg2">
+                        <a:lumMod val="75000"/>
+                      </a:schemeClr>
+                    </a:solidFill>
+                  </a:tcPr>
+                </a:tc>
+                <a:tc>
+                  <a:txBody>
+                    <a:bodyPr/>
+                    <a:lstStyle/>
+                    <a:p>
+                      <a:pPr marL="0" marR="0">
+                        <a:lnSpc>
+                          <a:spcPct val="105000"/>
+                        </a:lnSpc>
+                        <a:spcBef>
+                          <a:spcPts val="0"/>
+                        </a:spcBef>
+                        <a:spcAft>
+                          <a:spcPts val="0"/>
+                        </a:spcAft>
+                      </a:pPr>
+                      <a:r>
+                        <a:rPr lang="en-US" sz="1000">
+                          <a:effectLst/>
+                        </a:rPr>
+                        <a:t>HR &amp; Finance Team</a:t>
+                      </a:r>
+                      <a:endParaRPr lang="en-US" sz="1100">
+                        <a:effectLst/>
+                        <a:latin typeface="Cambria"/>
+                        <a:ea typeface="Times New Roman"/>
+                        <a:cs typeface="Times New Roman"/>
+                      </a:endParaRPr>
+                    </a:p>
+                  </a:txBody>
+                  <a:tcPr marL="68580" marR="68580" marT="0" marB="0" anchor="b">
+                    <a:solidFill>
+                      <a:schemeClr val="bg2">
+                        <a:lumMod val="75000"/>
+                      </a:schemeClr>
+                    </a:solidFill>
+                  </a:tcPr>
+                </a:tc>
+              </a:tr>
+              <a:tr h="220304">
+                <a:tc vMerge="1">
+                  <a:txBody>
+                    <a:bodyPr/>
+                    <a:lstStyle/>
+                    <a:p>
+                      <a:endParaRPr lang="en-US"/>
+                    </a:p>
+                  </a:txBody>
+                  <a:tcPr/>
+                </a:tc>
+                <a:tc>
+                  <a:txBody>
+                    <a:bodyPr/>
+                    <a:lstStyle/>
+                    <a:p>
+                      <a:pPr marL="0" marR="0">
+                        <a:lnSpc>
+                          <a:spcPct val="105000"/>
+                        </a:lnSpc>
+                        <a:spcBef>
+                          <a:spcPts val="0"/>
+                        </a:spcBef>
+                        <a:spcAft>
+                          <a:spcPts val="0"/>
+                        </a:spcAft>
+                      </a:pPr>
+                      <a:r>
+                        <a:rPr lang="en-US" sz="1000">
+                          <a:effectLst/>
+                        </a:rPr>
+                        <a:t>Reports</a:t>
+                      </a:r>
+                      <a:endParaRPr lang="en-US" sz="1100">
+                        <a:effectLst/>
+                        <a:latin typeface="Cambria"/>
+                        <a:ea typeface="Times New Roman"/>
+                        <a:cs typeface="Times New Roman"/>
+                      </a:endParaRPr>
+                    </a:p>
+                  </a:txBody>
+                  <a:tcPr marL="68580" marR="68580" marT="0" marB="0" anchor="b">
+                    <a:solidFill>
+                      <a:schemeClr val="bg2">
+                        <a:lumMod val="75000"/>
+                      </a:schemeClr>
+                    </a:solidFill>
+                  </a:tcPr>
+                </a:tc>
+                <a:tc>
+                  <a:txBody>
+                    <a:bodyPr/>
+                    <a:lstStyle/>
+                    <a:p>
+                      <a:pPr marL="0" marR="0">
+                        <a:lnSpc>
+                          <a:spcPct val="105000"/>
+                        </a:lnSpc>
+                        <a:spcBef>
+                          <a:spcPts val="0"/>
+                        </a:spcBef>
+                        <a:spcAft>
+                          <a:spcPts val="0"/>
+                        </a:spcAft>
+                      </a:pPr>
+                      <a:r>
+                        <a:rPr lang="en-US" sz="1000" dirty="0">
+                          <a:effectLst/>
+                        </a:rPr>
+                        <a:t>HR &amp; Finance Team</a:t>
+                      </a:r>
+                      <a:endParaRPr lang="en-US" sz="1100" dirty="0">
+                        <a:effectLst/>
+                        <a:latin typeface="Cambria"/>
+                        <a:ea typeface="Times New Roman"/>
+                        <a:cs typeface="Times New Roman"/>
+                      </a:endParaRPr>
+                    </a:p>
+                  </a:txBody>
+                  <a:tcPr marL="68580" marR="68580" marT="0" marB="0" anchor="b">
+                    <a:solidFill>
+                      <a:schemeClr val="bg2">
+                        <a:lumMod val="75000"/>
+                      </a:schemeClr>
+                    </a:solidFill>
+                  </a:tcPr>
+                </a:tc>
+              </a:tr>
+            </a:tbl>
+          </a:graphicData>
+        </a:graphic>
+      </p:graphicFrame>
     </p:spTree>
     <p:extLst>
       <p:ext uri="{BB962C8B-B14F-4D97-AF65-F5344CB8AC3E}">
@@ -15566,6 +17147,70 @@
           </a:p>
         </p:txBody>
       </p:sp>
+      <p:graphicFrame>
+        <p:nvGraphicFramePr>
+          <p:cNvPr id="4" name="Object 3"/>
+          <p:cNvGraphicFramePr>
+            <a:graphicFrameLocks noChangeAspect="1"/>
+          </p:cNvGraphicFramePr>
+          <p:nvPr>
+            <p:extLst>
+              <p:ext uri="{D42A27DB-BD31-4B8C-83A1-F6EECF244321}">
+                <p14:modId xmlns:p14="http://schemas.microsoft.com/office/powerpoint/2010/main" val="4071004610"/>
+              </p:ext>
+            </p:extLst>
+          </p:nvPr>
+        </p:nvGraphicFramePr>
+        <p:xfrm>
+          <a:off x="827584" y="1780693"/>
+          <a:ext cx="7721922" cy="4802123"/>
+        </p:xfrm>
+        <a:graphic>
+          <a:graphicData uri="http://schemas.openxmlformats.org/presentationml/2006/ole">
+            <mc:AlternateContent xmlns:mc="http://schemas.openxmlformats.org/markup-compatibility/2006">
+              <mc:Choice xmlns:v="urn:schemas-microsoft-com:vml" Requires="v">
+                <p:oleObj spid="_x0000_s2051" name="Visio" r:id="rId3" imgW="9660374" imgH="6002783" progId="Visio.Drawing.11">
+                  <p:embed/>
+                </p:oleObj>
+              </mc:Choice>
+              <mc:Fallback>
+                <p:oleObj name="Visio" r:id="rId3" imgW="9660374" imgH="6002783" progId="Visio.Drawing.11">
+                  <p:embed/>
+                  <p:pic>
+                    <p:nvPicPr>
+                      <p:cNvPr id="0" name="Object 2"/>
+                      <p:cNvPicPr>
+                        <a:picLocks noChangeAspect="1" noChangeArrowheads="1"/>
+                      </p:cNvPicPr>
+                      <p:nvPr/>
+                    </p:nvPicPr>
+                    <p:blipFill>
+                      <a:blip r:embed="rId4"/>
+                      <a:srcRect/>
+                      <a:stretch>
+                        <a:fillRect/>
+                      </a:stretch>
+                    </p:blipFill>
+                    <p:spPr bwMode="auto">
+                      <a:xfrm>
+                        <a:off x="827584" y="1780693"/>
+                        <a:ext cx="7721922" cy="4802123"/>
+                      </a:xfrm>
+                      <a:prstGeom prst="rect">
+                        <a:avLst/>
+                      </a:prstGeom>
+                      <a:noFill/>
+                      <a:ln>
+                        <a:noFill/>
+                      </a:ln>
+                    </p:spPr>
+                  </p:pic>
+                </p:oleObj>
+              </mc:Fallback>
+            </mc:AlternateContent>
+          </a:graphicData>
+        </a:graphic>
+      </p:graphicFrame>
     </p:spTree>
     <p:extLst>
       <p:ext uri="{BB962C8B-B14F-4D97-AF65-F5344CB8AC3E}">

--- a/Enterprise Architech Presentation.pptx
+++ b/Enterprise Architech Presentation.pptx
@@ -5,7 +5,7 @@
     <p:sldMasterId id="2147483720" r:id="rId1"/>
   </p:sldMasterIdLst>
   <p:notesMasterIdLst>
-    <p:notesMasterId r:id="rId32"/>
+    <p:notesMasterId r:id="rId33"/>
   </p:notesMasterIdLst>
   <p:sldIdLst>
     <p:sldId id="256" r:id="rId2"/>
@@ -33,11 +33,12 @@
     <p:sldId id="279" r:id="rId24"/>
     <p:sldId id="287" r:id="rId25"/>
     <p:sldId id="284" r:id="rId26"/>
-    <p:sldId id="285" r:id="rId27"/>
-    <p:sldId id="281" r:id="rId28"/>
-    <p:sldId id="282" r:id="rId29"/>
-    <p:sldId id="283" r:id="rId30"/>
-    <p:sldId id="286" r:id="rId31"/>
+    <p:sldId id="288" r:id="rId27"/>
+    <p:sldId id="285" r:id="rId28"/>
+    <p:sldId id="281" r:id="rId29"/>
+    <p:sldId id="282" r:id="rId30"/>
+    <p:sldId id="283" r:id="rId31"/>
+    <p:sldId id="286" r:id="rId32"/>
   </p:sldIdLst>
   <p:sldSz cx="9144000" cy="6858000" type="screen4x3"/>
   <p:notesSz cx="6858000" cy="9144000"/>
@@ -263,7 +264,7 @@
               <a:spcAft>
                 <a:spcPts val="0"/>
               </a:spcAft>
-              <a:defRPr sz="1200" smtClean="0">
+              <a:defRPr sz="1200">
                 <a:latin typeface="+mn-lt"/>
                 <a:cs typeface="+mn-cs"/>
               </a:defRPr>
@@ -273,7 +274,7 @@
             <a:pPr>
               <a:defRPr/>
             </a:pPr>
-            <a:fld id="{471A217A-9520-499A-8E66-6461632EE57D}" type="datetimeFigureOut">
+            <a:fld id="{38EC7E87-4028-455D-854C-C2D499C6D9C8}" type="datetimeFigureOut">
               <a:rPr lang="en-US"/>
               <a:pPr>
                 <a:defRPr/>
@@ -450,7 +451,7 @@
               <a:spcAft>
                 <a:spcPts val="0"/>
               </a:spcAft>
-              <a:defRPr sz="1200" smtClean="0">
+              <a:defRPr sz="1200">
                 <a:latin typeface="+mn-lt"/>
                 <a:cs typeface="+mn-cs"/>
               </a:defRPr>
@@ -460,7 +461,7 @@
             <a:pPr>
               <a:defRPr/>
             </a:pPr>
-            <a:fld id="{CFFCF479-4D9D-4864-A101-2C3C687BB9FC}" type="slidenum">
+            <a:fld id="{48B6F1FA-FD63-4D09-A23F-F024E39E0352}" type="slidenum">
               <a:rPr lang="en-US"/>
               <a:pPr>
                 <a:defRPr/>
@@ -475,7 +476,7 @@
   </p:cSld>
   <p:clrMap bg1="lt1" tx1="dk1" bg2="lt2" tx2="dk2" accent1="accent1" accent2="accent2" accent3="accent3" accent4="accent4" accent5="accent5" accent6="accent6" hlink="hlink" folHlink="folHlink"/>
   <p:notesStyle>
-    <a:lvl1pPr algn="l" rtl="0" fontAlgn="base">
+    <a:lvl1pPr algn="l" rtl="0" eaLnBrk="0" fontAlgn="base" hangingPunct="0">
       <a:spcBef>
         <a:spcPct val="30000"/>
       </a:spcBef>
@@ -491,7 +492,7 @@
         <a:cs typeface="+mn-cs"/>
       </a:defRPr>
     </a:lvl1pPr>
-    <a:lvl2pPr marL="457200" algn="l" rtl="0" fontAlgn="base">
+    <a:lvl2pPr marL="457200" algn="l" rtl="0" eaLnBrk="0" fontAlgn="base" hangingPunct="0">
       <a:spcBef>
         <a:spcPct val="30000"/>
       </a:spcBef>
@@ -507,7 +508,7 @@
         <a:cs typeface="+mn-cs"/>
       </a:defRPr>
     </a:lvl2pPr>
-    <a:lvl3pPr marL="914400" algn="l" rtl="0" fontAlgn="base">
+    <a:lvl3pPr marL="914400" algn="l" rtl="0" eaLnBrk="0" fontAlgn="base" hangingPunct="0">
       <a:spcBef>
         <a:spcPct val="30000"/>
       </a:spcBef>
@@ -523,7 +524,7 @@
         <a:cs typeface="+mn-cs"/>
       </a:defRPr>
     </a:lvl3pPr>
-    <a:lvl4pPr marL="1371600" algn="l" rtl="0" fontAlgn="base">
+    <a:lvl4pPr marL="1371600" algn="l" rtl="0" eaLnBrk="0" fontAlgn="base" hangingPunct="0">
       <a:spcBef>
         <a:spcPct val="30000"/>
       </a:spcBef>
@@ -539,7 +540,7 @@
         <a:cs typeface="+mn-cs"/>
       </a:defRPr>
     </a:lvl4pPr>
-    <a:lvl5pPr marL="1828800" algn="l" rtl="0" fontAlgn="base">
+    <a:lvl5pPr marL="1828800" algn="l" rtl="0" eaLnBrk="0" fontAlgn="base" hangingPunct="0">
       <a:spcBef>
         <a:spcPct val="30000"/>
       </a:spcBef>
@@ -618,7 +619,7 @@
       </p:grpSpPr>
       <p:sp>
         <p:nvSpPr>
-          <p:cNvPr id="15361" name="Slide Image Placeholder 1"/>
+          <p:cNvPr id="16385" name="Slide Image Placeholder 1"/>
           <p:cNvSpPr>
             <a:spLocks noGrp="1" noRot="1" noChangeAspect="1"/>
           </p:cNvSpPr>
@@ -640,7 +641,7 @@
       </p:sp>
       <p:sp>
         <p:nvSpPr>
-          <p:cNvPr id="15362" name="Notes Placeholder 2"/>
+          <p:cNvPr id="16386" name="Notes Placeholder 2"/>
           <p:cNvSpPr>
             <a:spLocks noGrp="1"/>
           </p:cNvSpPr>
@@ -659,7 +660,7 @@
           </a:bodyPr>
           <a:lstStyle/>
           <a:p>
-            <a:pPr>
+            <a:pPr eaLnBrk="1" hangingPunct="1">
               <a:spcBef>
                 <a:spcPct val="0"/>
               </a:spcBef>
@@ -679,7 +680,6 @@
           </p:nvPr>
         </p:nvSpPr>
         <p:spPr bwMode="auto">
-          <a:noFill/>
           <a:ln>
             <a:miter lim="800000"/>
             <a:headEnd/>
@@ -701,8 +701,9 @@
               <a:spcAft>
                 <a:spcPct val="0"/>
               </a:spcAft>
+              <a:defRPr/>
             </a:pPr>
-            <a:fld id="{ACA1A06A-09E5-420B-B1EF-9D830D1E6E7B}" type="slidenum">
+            <a:fld id="{04636208-9205-4680-8783-35D8B1478EB8}" type="slidenum">
               <a:rPr lang="en-US">
                 <a:cs typeface="Arial" charset="0"/>
               </a:rPr>
@@ -713,6 +714,7 @@
                 <a:spcAft>
                   <a:spcPct val="0"/>
                 </a:spcAft>
+                <a:defRPr/>
               </a:pPr>
               <a:t>1</a:t>
             </a:fld>
@@ -758,7 +760,6 @@
           </p:nvPr>
         </p:nvSpPr>
         <p:spPr bwMode="auto">
-          <a:noFill/>
           <a:ln>
             <a:miter lim="800000"/>
             <a:headEnd/>
@@ -780,8 +781,9 @@
               <a:spcAft>
                 <a:spcPct val="0"/>
               </a:spcAft>
+              <a:defRPr/>
             </a:pPr>
-            <a:fld id="{873FF89D-87FB-44AD-ACA7-61618A937A22}" type="slidenum">
+            <a:fld id="{BC2E8450-2B64-47B2-B35B-F93C512A7DAA}" type="slidenum">
               <a:rPr lang="he-IL"/>
               <a:pPr fontAlgn="base">
                 <a:spcBef>
@@ -790,6 +792,7 @@
                 <a:spcAft>
                   <a:spcPct val="0"/>
                 </a:spcAft>
+                <a:defRPr/>
               </a:pPr>
               <a:t>16</a:t>
             </a:fld>
@@ -801,7 +804,7 @@
       </p:sp>
       <p:sp>
         <p:nvSpPr>
-          <p:cNvPr id="31746" name="Rectangle 2"/>
+          <p:cNvPr id="32770" name="Rectangle 2"/>
           <p:cNvSpPr>
             <a:spLocks noGrp="1" noRot="1" noChangeAspect="1" noChangeArrowheads="1" noTextEdit="1"/>
           </p:cNvSpPr>
@@ -827,7 +830,7 @@
       </p:sp>
       <p:sp>
         <p:nvSpPr>
-          <p:cNvPr id="31747" name="Rectangle 3"/>
+          <p:cNvPr id="32771" name="Rectangle 3"/>
           <p:cNvSpPr>
             <a:spLocks noGrp="1" noChangeArrowheads="1"/>
           </p:cNvSpPr>
@@ -846,7 +849,7 @@
           </a:bodyPr>
           <a:lstStyle/>
           <a:p>
-            <a:pPr>
+            <a:pPr eaLnBrk="1" hangingPunct="1">
               <a:spcBef>
                 <a:spcPct val="0"/>
               </a:spcBef>
@@ -891,7 +894,6 @@
           </p:nvPr>
         </p:nvSpPr>
         <p:spPr bwMode="auto">
-          <a:noFill/>
           <a:ln>
             <a:miter lim="800000"/>
             <a:headEnd/>
@@ -913,8 +915,9 @@
               <a:spcAft>
                 <a:spcPct val="0"/>
               </a:spcAft>
+              <a:defRPr/>
             </a:pPr>
-            <a:fld id="{F5EB395A-1BEE-4BF3-9445-ED6BE1BAD155}" type="slidenum">
+            <a:fld id="{0937FE02-0D52-4EED-9648-5F47F7B368C2}" type="slidenum">
               <a:rPr lang="he-IL"/>
               <a:pPr fontAlgn="base">
                 <a:spcBef>
@@ -923,6 +926,7 @@
                 <a:spcAft>
                   <a:spcPct val="0"/>
                 </a:spcAft>
+                <a:defRPr/>
               </a:pPr>
               <a:t>17</a:t>
             </a:fld>
@@ -934,7 +938,7 @@
       </p:sp>
       <p:sp>
         <p:nvSpPr>
-          <p:cNvPr id="33794" name="Rectangle 2"/>
+          <p:cNvPr id="34818" name="Rectangle 2"/>
           <p:cNvSpPr>
             <a:spLocks noGrp="1" noRot="1" noChangeAspect="1" noChangeArrowheads="1" noTextEdit="1"/>
           </p:cNvSpPr>
@@ -960,7 +964,7 @@
       </p:sp>
       <p:sp>
         <p:nvSpPr>
-          <p:cNvPr id="33795" name="Rectangle 3"/>
+          <p:cNvPr id="34819" name="Rectangle 3"/>
           <p:cNvSpPr>
             <a:spLocks noGrp="1" noChangeArrowheads="1"/>
           </p:cNvSpPr>
@@ -979,7 +983,7 @@
           </a:bodyPr>
           <a:lstStyle/>
           <a:p>
-            <a:pPr>
+            <a:pPr eaLnBrk="1" hangingPunct="1">
               <a:spcBef>
                 <a:spcPct val="0"/>
               </a:spcBef>
@@ -1015,7 +1019,7 @@
       </p:grpSpPr>
       <p:sp>
         <p:nvSpPr>
-          <p:cNvPr id="35841" name="Slide Image Placeholder 1"/>
+          <p:cNvPr id="36865" name="Slide Image Placeholder 1"/>
           <p:cNvSpPr>
             <a:spLocks noGrp="1" noRot="1" noChangeAspect="1"/>
           </p:cNvSpPr>
@@ -1037,7 +1041,7 @@
       </p:sp>
       <p:sp>
         <p:nvSpPr>
-          <p:cNvPr id="35842" name="Notes Placeholder 2"/>
+          <p:cNvPr id="36866" name="Notes Placeholder 2"/>
           <p:cNvSpPr>
             <a:spLocks noGrp="1"/>
           </p:cNvSpPr>
@@ -1056,7 +1060,7 @@
           </a:bodyPr>
           <a:lstStyle/>
           <a:p>
-            <a:pPr>
+            <a:pPr eaLnBrk="1" hangingPunct="1">
               <a:spcBef>
                 <a:spcPct val="0"/>
               </a:spcBef>
@@ -1076,7 +1080,6 @@
           </p:nvPr>
         </p:nvSpPr>
         <p:spPr bwMode="auto">
-          <a:noFill/>
           <a:ln>
             <a:miter lim="800000"/>
             <a:headEnd/>
@@ -1098,8 +1101,9 @@
               <a:spcAft>
                 <a:spcPct val="0"/>
               </a:spcAft>
+              <a:defRPr/>
             </a:pPr>
-            <a:fld id="{7B651170-1FFC-4507-87D7-B52CA25FE7C2}" type="slidenum">
+            <a:fld id="{60D60106-0460-48E3-8748-9AEF462A5E8F}" type="slidenum">
               <a:rPr lang="he-IL"/>
               <a:pPr fontAlgn="base">
                 <a:spcBef>
@@ -1108,6 +1112,7 @@
                 <a:spcAft>
                   <a:spcPct val="0"/>
                 </a:spcAft>
+                <a:defRPr/>
               </a:pPr>
               <a:t>18</a:t>
             </a:fld>
@@ -1144,7 +1149,7 @@
       </p:grpSpPr>
       <p:sp>
         <p:nvSpPr>
-          <p:cNvPr id="38913" name="Slide Image Placeholder 1"/>
+          <p:cNvPr id="39937" name="Slide Image Placeholder 1"/>
           <p:cNvSpPr>
             <a:spLocks noGrp="1" noRot="1" noChangeAspect="1"/>
           </p:cNvSpPr>
@@ -1166,7 +1171,7 @@
       </p:sp>
       <p:sp>
         <p:nvSpPr>
-          <p:cNvPr id="38914" name="Notes Placeholder 2"/>
+          <p:cNvPr id="39938" name="Notes Placeholder 2"/>
           <p:cNvSpPr>
             <a:spLocks noGrp="1"/>
           </p:cNvSpPr>
@@ -1185,7 +1190,7 @@
           </a:bodyPr>
           <a:lstStyle/>
           <a:p>
-            <a:pPr>
+            <a:pPr eaLnBrk="1" hangingPunct="1">
               <a:spcBef>
                 <a:spcPct val="0"/>
               </a:spcBef>
@@ -1205,7 +1210,6 @@
           </p:nvPr>
         </p:nvSpPr>
         <p:spPr bwMode="auto">
-          <a:noFill/>
           <a:ln>
             <a:miter lim="800000"/>
             <a:headEnd/>
@@ -1227,8 +1231,9 @@
               <a:spcAft>
                 <a:spcPct val="0"/>
               </a:spcAft>
+              <a:defRPr/>
             </a:pPr>
-            <a:fld id="{3FFC84B1-A715-4ABA-A588-8AF749EF737C}" type="slidenum">
+            <a:fld id="{C6C8D03E-1BB5-45FC-BCA4-1C752127DE24}" type="slidenum">
               <a:rPr lang="he-IL"/>
               <a:pPr fontAlgn="base">
                 <a:spcBef>
@@ -1237,6 +1242,7 @@
                 <a:spcAft>
                   <a:spcPct val="0"/>
                 </a:spcAft>
+                <a:defRPr/>
               </a:pPr>
               <a:t>20</a:t>
             </a:fld>
@@ -1273,7 +1279,7 @@
       </p:grpSpPr>
       <p:sp>
         <p:nvSpPr>
-          <p:cNvPr id="40961" name="Slide Image Placeholder 1"/>
+          <p:cNvPr id="41985" name="Slide Image Placeholder 1"/>
           <p:cNvSpPr>
             <a:spLocks noGrp="1" noRot="1" noChangeAspect="1"/>
           </p:cNvSpPr>
@@ -1295,7 +1301,7 @@
       </p:sp>
       <p:sp>
         <p:nvSpPr>
-          <p:cNvPr id="40962" name="Notes Placeholder 2"/>
+          <p:cNvPr id="41986" name="Notes Placeholder 2"/>
           <p:cNvSpPr>
             <a:spLocks noGrp="1"/>
           </p:cNvSpPr>
@@ -1314,7 +1320,7 @@
           </a:bodyPr>
           <a:lstStyle/>
           <a:p>
-            <a:pPr>
+            <a:pPr eaLnBrk="1" hangingPunct="1">
               <a:spcBef>
                 <a:spcPct val="0"/>
               </a:spcBef>
@@ -1334,7 +1340,6 @@
           </p:nvPr>
         </p:nvSpPr>
         <p:spPr bwMode="auto">
-          <a:noFill/>
           <a:ln>
             <a:miter lim="800000"/>
             <a:headEnd/>
@@ -1356,8 +1361,9 @@
               <a:spcAft>
                 <a:spcPct val="0"/>
               </a:spcAft>
+              <a:defRPr/>
             </a:pPr>
-            <a:fld id="{00BBAE00-30F8-4200-B650-7479A5F3DB26}" type="slidenum">
+            <a:fld id="{F30BAB50-8428-4B5F-8155-AFB929E1AAFB}" type="slidenum">
               <a:rPr lang="he-IL"/>
               <a:pPr fontAlgn="base">
                 <a:spcBef>
@@ -1366,6 +1372,7 @@
                 <a:spcAft>
                   <a:spcPct val="0"/>
                 </a:spcAft>
+                <a:defRPr/>
               </a:pPr>
               <a:t>21</a:t>
             </a:fld>
@@ -1736,14 +1743,14 @@
           <a:bodyPr/>
           <a:lstStyle>
             <a:lvl1pPr>
-              <a:defRPr sz="1400" smtClean="0"/>
+              <a:defRPr sz="1400"/>
             </a:lvl1pPr>
           </a:lstStyle>
           <a:p>
             <a:pPr>
               <a:defRPr/>
             </a:pPr>
-            <a:fld id="{3EA258E2-B913-450B-B243-EB660E6CFFC9}" type="datetimeFigureOut">
+            <a:fld id="{C9457878-C246-4C49-B95A-8F9445F01F8B}" type="datetimeFigureOut">
               <a:rPr lang="en-SG"/>
               <a:pPr>
                 <a:defRPr/>
@@ -1812,7 +1819,7 @@
             <a:pPr>
               <a:defRPr/>
             </a:pPr>
-            <a:fld id="{C1CD6103-726D-4697-A3B8-17A7E8E67F3E}" type="slidenum">
+            <a:fld id="{0FA50A6F-FA5D-4516-877F-98F816017895}" type="slidenum">
               <a:rPr lang="en-SG"/>
               <a:pPr>
                 <a:defRPr/>
@@ -1945,7 +1952,7 @@
             <a:pPr>
               <a:defRPr/>
             </a:pPr>
-            <a:fld id="{2F167B5A-E715-4374-BE70-1A619E3CC4F1}" type="datetimeFigureOut">
+            <a:fld id="{8121E9E1-E54F-4A20-9F60-FA11DEE37443}" type="datetimeFigureOut">
               <a:rPr lang="en-SG"/>
               <a:pPr>
                 <a:defRPr/>
@@ -2004,7 +2011,7 @@
             <a:pPr>
               <a:defRPr/>
             </a:pPr>
-            <a:fld id="{1B104601-1471-43BE-B31D-3CCEC1B49C19}" type="slidenum">
+            <a:fld id="{CBB4C6DD-C954-4FD6-9E18-50CB906458A0}" type="slidenum">
               <a:rPr lang="en-SG"/>
               <a:pPr>
                 <a:defRPr/>
@@ -2301,7 +2308,7 @@
             <a:pPr>
               <a:defRPr/>
             </a:pPr>
-            <a:fld id="{4385134F-3104-435F-9C0E-3EE458257B20}" type="datetimeFigureOut">
+            <a:fld id="{85C5ED19-AB9A-48C9-BC81-D4C34B9C4C73}" type="datetimeFigureOut">
               <a:rPr lang="en-SG"/>
               <a:pPr>
                 <a:defRPr/>
@@ -2360,7 +2367,7 @@
             <a:pPr>
               <a:defRPr/>
             </a:pPr>
-            <a:fld id="{936EC678-EECE-45E8-93B5-05FA57FEFAC6}" type="slidenum">
+            <a:fld id="{1CF41068-76E1-4193-A82E-369EE86829E8}" type="slidenum">
               <a:rPr lang="en-SG"/>
               <a:pPr>
                 <a:defRPr/>
@@ -2398,7 +2405,7 @@
       </p:grpSpPr>
       <p:sp>
         <p:nvSpPr>
-          <p:cNvPr id="2" name="Date Placeholder 1"/>
+          <p:cNvPr id="2" name="Date Placeholder 13"/>
           <p:cNvSpPr>
             <a:spLocks noGrp="1"/>
           </p:cNvSpPr>
@@ -2406,12 +2413,7 @@
             <p:ph type="dt" sz="half" idx="10"/>
           </p:nvPr>
         </p:nvSpPr>
-        <p:spPr>
-          <a:xfrm>
-            <a:off x="6400800" y="6356350"/>
-            <a:ext cx="2289175" cy="365125"/>
-          </a:xfrm>
-        </p:spPr>
+        <p:spPr/>
         <p:txBody>
           <a:bodyPr/>
           <a:lstStyle>
@@ -2423,7 +2425,7 @@
             <a:pPr>
               <a:defRPr/>
             </a:pPr>
-            <a:fld id="{46A406F9-1951-4640-89E7-9EDDB4EE2157}" type="datetimeFigureOut">
+            <a:fld id="{820E1FAE-E699-4F13-AE2D-931250A90276}" type="datetimeFigureOut">
               <a:rPr lang="en-SG"/>
               <a:pPr>
                 <a:defRPr/>
@@ -2444,12 +2446,7 @@
             <p:ph type="ftr" sz="quarter" idx="11"/>
           </p:nvPr>
         </p:nvSpPr>
-        <p:spPr>
-          <a:xfrm>
-            <a:off x="2898775" y="6356350"/>
-            <a:ext cx="3505200" cy="365125"/>
-          </a:xfrm>
-        </p:spPr>
+        <p:spPr/>
         <p:txBody>
           <a:bodyPr/>
           <a:lstStyle>
@@ -2467,7 +2464,7 @@
       </p:sp>
       <p:sp>
         <p:nvSpPr>
-          <p:cNvPr id="4" name="Slide Number Placeholder 3"/>
+          <p:cNvPr id="4" name="Slide Number Placeholder 22"/>
           <p:cNvSpPr>
             <a:spLocks noGrp="1"/>
           </p:cNvSpPr>
@@ -2475,12 +2472,7 @@
             <p:ph type="sldNum" sz="quarter" idx="12"/>
           </p:nvPr>
         </p:nvSpPr>
-        <p:spPr>
-          <a:xfrm>
-            <a:off x="612775" y="6356350"/>
-            <a:ext cx="1981200" cy="365125"/>
-          </a:xfrm>
-        </p:spPr>
+        <p:spPr/>
         <p:txBody>
           <a:bodyPr/>
           <a:lstStyle>
@@ -2492,7 +2484,7 @@
             <a:pPr>
               <a:defRPr/>
             </a:pPr>
-            <a:fld id="{8DE109BA-F6A0-471D-89F5-6A7B3D68FF4A}" type="slidenum">
+            <a:fld id="{26E6F5F1-D2E5-4810-A435-24972D91AB4F}" type="slidenum">
               <a:rPr lang="en-SG"/>
               <a:pPr>
                 <a:defRPr/>
@@ -2630,7 +2622,7 @@
             <a:pPr>
               <a:defRPr/>
             </a:pPr>
-            <a:fld id="{20AA156F-4139-4CA6-B1E0-AFF347ECBBBF}" type="datetimeFigureOut">
+            <a:fld id="{4EB47CFE-0779-45F1-B71C-A92AB990583A}" type="datetimeFigureOut">
               <a:rPr lang="en-SG"/>
               <a:pPr>
                 <a:defRPr/>
@@ -2689,7 +2681,7 @@
             <a:pPr>
               <a:defRPr/>
             </a:pPr>
-            <a:fld id="{583788D2-4B74-40DD-A64F-80677A43657F}" type="slidenum">
+            <a:fld id="{B0840E82-34C9-4267-B003-B38879BB52CF}" type="slidenum">
               <a:rPr lang="en-SG"/>
               <a:pPr>
                 <a:defRPr/>
@@ -2977,7 +2969,7 @@
             <a:pPr>
               <a:defRPr/>
             </a:pPr>
-            <a:fld id="{686163C8-C752-498B-BB56-B49ED450CDEA}" type="datetimeFigureOut">
+            <a:fld id="{6F5BAD64-B7D1-4B2B-8774-A9BD2824B37E}" type="datetimeFigureOut">
               <a:rPr lang="en-SG"/>
               <a:pPr>
                 <a:defRPr/>
@@ -3046,7 +3038,7 @@
             <a:pPr>
               <a:defRPr/>
             </a:pPr>
-            <a:fld id="{5EA6B304-4881-4B73-8875-7E7D282470D5}" type="slidenum">
+            <a:fld id="{4AEE09B3-9C5C-4272-9E39-95632828BEE0}" type="slidenum">
               <a:rPr lang="en-SG"/>
               <a:pPr>
                 <a:defRPr/>
@@ -3246,7 +3238,7 @@
             <a:pPr>
               <a:defRPr/>
             </a:pPr>
-            <a:fld id="{8C9FCCF8-0DFE-425C-9C8E-43D262B4C147}" type="datetimeFigureOut">
+            <a:fld id="{D040B756-D609-4115-833E-48E790D9E84E}" type="datetimeFigureOut">
               <a:rPr lang="en-SG"/>
               <a:pPr>
                 <a:defRPr/>
@@ -3305,7 +3297,7 @@
             <a:pPr>
               <a:defRPr/>
             </a:pPr>
-            <a:fld id="{319A3A6F-B403-4B6D-AC97-DAF3F6B04948}" type="slidenum">
+            <a:fld id="{AFC4315E-80C6-4684-B1FB-7C3EBA0374FE}" type="slidenum">
               <a:rPr lang="en-SG"/>
               <a:pPr>
                 <a:defRPr/>
@@ -3625,7 +3617,7 @@
             <a:pPr>
               <a:defRPr/>
             </a:pPr>
-            <a:fld id="{1FB3501A-78C1-4B11-9D3E-24EC4507D8C9}" type="datetimeFigureOut">
+            <a:fld id="{118BCA4C-B832-47B9-939F-37ECA789FBD3}" type="datetimeFigureOut">
               <a:rPr lang="en-SG"/>
               <a:pPr>
                 <a:defRPr/>
@@ -3684,7 +3676,7 @@
             <a:pPr>
               <a:defRPr/>
             </a:pPr>
-            <a:fld id="{6F753107-A207-404B-A391-E2625C78EE60}" type="slidenum">
+            <a:fld id="{613E00F1-FEA8-438B-A89E-CEA3C07327D7}" type="slidenum">
               <a:rPr lang="en-SG"/>
               <a:pPr>
                 <a:defRPr/>
@@ -3828,7 +3820,7 @@
             <a:pPr>
               <a:defRPr/>
             </a:pPr>
-            <a:fld id="{DFBEED25-ADBC-4E74-BCEE-45EA9FA39FEE}" type="datetimeFigureOut">
+            <a:fld id="{360B3F6C-4812-4059-AA48-36841835B6A7}" type="datetimeFigureOut">
               <a:rPr lang="en-SG"/>
               <a:pPr>
                 <a:defRPr/>
@@ -3887,7 +3879,7 @@
             <a:pPr>
               <a:defRPr/>
             </a:pPr>
-            <a:fld id="{C696FB27-5ABE-4988-8E95-78C9C3BE13CD}" type="slidenum">
+            <a:fld id="{E3A3565B-8DB6-4954-9791-8A94405B9954}" type="slidenum">
               <a:rPr lang="en-SG"/>
               <a:pPr>
                 <a:defRPr/>
@@ -4051,7 +4043,7 @@
             <a:pPr>
               <a:defRPr/>
             </a:pPr>
-            <a:fld id="{E4B81003-8CC8-4DC8-86EE-CEE51C61C834}" type="datetimeFigureOut">
+            <a:fld id="{84907779-E6CF-4128-AA0F-7FAAF151D0D8}" type="datetimeFigureOut">
               <a:rPr lang="en-SG"/>
               <a:pPr>
                 <a:defRPr/>
@@ -4110,7 +4102,7 @@
             <a:pPr>
               <a:defRPr/>
             </a:pPr>
-            <a:fld id="{AF18E055-1F45-40FF-B394-CDAAD9790B33}" type="slidenum">
+            <a:fld id="{FE574BDF-1350-4650-9192-F6AF53CF726C}" type="slidenum">
               <a:rPr lang="en-SG"/>
               <a:pPr>
                 <a:defRPr/>
@@ -4480,7 +4472,7 @@
             <a:pPr>
               <a:defRPr/>
             </a:pPr>
-            <a:fld id="{FE4768F0-6D2D-45F2-A89A-3DD6C8EEEBE2}" type="datetimeFigureOut">
+            <a:fld id="{546F15A2-2F37-4FBE-A5AA-89443AC4B657}" type="datetimeFigureOut">
               <a:rPr lang="en-SG"/>
               <a:pPr>
                 <a:defRPr/>
@@ -4539,7 +4531,7 @@
             <a:pPr>
               <a:defRPr/>
             </a:pPr>
-            <a:fld id="{95A83EA7-C396-468D-B6AB-24DAB6DE9013}" type="slidenum">
+            <a:fld id="{CCB7C64E-3F17-4381-90B4-4689BADB83FC}" type="slidenum">
               <a:rPr lang="en-SG"/>
               <a:pPr>
                 <a:defRPr/>
@@ -4898,7 +4890,7 @@
             <a:pPr>
               <a:defRPr/>
             </a:pPr>
-            <a:fld id="{C413F6E4-B583-422E-B570-9529F9FE861F}" type="datetimeFigureOut">
+            <a:fld id="{37BB37E3-201A-4545-BF97-0EBCF011DEEF}" type="datetimeFigureOut">
               <a:rPr lang="en-SG"/>
               <a:pPr>
                 <a:defRPr/>
@@ -4957,7 +4949,7 @@
             <a:pPr>
               <a:defRPr/>
             </a:pPr>
-            <a:fld id="{245C4A9A-A53B-4C4D-BFE5-D89264AF886E}" type="slidenum">
+            <a:fld id="{6FA7E75C-CEAF-49CF-A8C9-7337CD122DA7}" type="slidenum">
               <a:rPr lang="en-SG"/>
               <a:pPr>
                 <a:defRPr/>
@@ -5139,7 +5131,7 @@
               <a:spcAft>
                 <a:spcPts val="0"/>
               </a:spcAft>
-              <a:defRPr kumimoji="0" sz="1400" smtClean="0">
+              <a:defRPr kumimoji="0" sz="1400">
                 <a:solidFill>
                   <a:schemeClr val="tx2"/>
                 </a:solidFill>
@@ -5152,7 +5144,7 @@
             <a:pPr>
               <a:defRPr/>
             </a:pPr>
-            <a:fld id="{AC06A272-03B5-4A54-9942-09D7D2C75F65}" type="datetimeFigureOut">
+            <a:fld id="{114B72D4-1778-4F64-8A14-8CF9C6B3CC06}" type="datetimeFigureOut">
               <a:rPr lang="en-SG"/>
               <a:pPr>
                 <a:defRPr/>
@@ -5238,7 +5230,7 @@
               <a:spcAft>
                 <a:spcPts val="0"/>
               </a:spcAft>
-              <a:defRPr kumimoji="0" sz="1400" smtClean="0">
+              <a:defRPr kumimoji="0" sz="1400">
                 <a:solidFill>
                   <a:schemeClr val="tx2"/>
                 </a:solidFill>
@@ -5251,7 +5243,7 @@
             <a:pPr>
               <a:defRPr/>
             </a:pPr>
-            <a:fld id="{CEA4011B-C91D-4C34-B82F-9FF360DBEE1A}" type="slidenum">
+            <a:fld id="{B0487205-824A-417D-9140-B2BE197D6869}" type="slidenum">
               <a:rPr lang="en-SG"/>
               <a:pPr>
                 <a:defRPr/>
@@ -5435,7 +5427,7 @@
   </p:sldLayoutIdLst>
   <p:txStyles>
     <p:titleStyle>
-      <a:lvl1pPr algn="l" rtl="0" fontAlgn="base">
+      <a:lvl1pPr algn="l" rtl="0" eaLnBrk="0" fontAlgn="base" hangingPunct="0">
         <a:spcBef>
           <a:spcPct val="0"/>
         </a:spcBef>
@@ -5451,7 +5443,7 @@
           <a:cs typeface="+mj-cs"/>
         </a:defRPr>
       </a:lvl1pPr>
-      <a:lvl2pPr algn="l" rtl="0" fontAlgn="base">
+      <a:lvl2pPr algn="l" rtl="0" eaLnBrk="0" fontAlgn="base" hangingPunct="0">
         <a:spcBef>
           <a:spcPct val="0"/>
         </a:spcBef>
@@ -5465,7 +5457,7 @@
           <a:latin typeface="Bookman Old Style" pitchFamily="18" charset="0"/>
         </a:defRPr>
       </a:lvl2pPr>
-      <a:lvl3pPr algn="l" rtl="0" fontAlgn="base">
+      <a:lvl3pPr algn="l" rtl="0" eaLnBrk="0" fontAlgn="base" hangingPunct="0">
         <a:spcBef>
           <a:spcPct val="0"/>
         </a:spcBef>
@@ -5479,7 +5471,7 @@
           <a:latin typeface="Bookman Old Style" pitchFamily="18" charset="0"/>
         </a:defRPr>
       </a:lvl3pPr>
-      <a:lvl4pPr algn="l" rtl="0" fontAlgn="base">
+      <a:lvl4pPr algn="l" rtl="0" eaLnBrk="0" fontAlgn="base" hangingPunct="0">
         <a:spcBef>
           <a:spcPct val="0"/>
         </a:spcBef>
@@ -5493,7 +5485,7 @@
           <a:latin typeface="Bookman Old Style" pitchFamily="18" charset="0"/>
         </a:defRPr>
       </a:lvl4pPr>
-      <a:lvl5pPr algn="l" rtl="0" fontAlgn="base">
+      <a:lvl5pPr algn="l" rtl="0" eaLnBrk="0" fontAlgn="base" hangingPunct="0">
         <a:spcBef>
           <a:spcPct val="0"/>
         </a:spcBef>
@@ -5565,7 +5557,7 @@
       </a:lvl9pPr>
     </p:titleStyle>
     <p:bodyStyle>
-      <a:lvl1pPr marL="273050" indent="-273050" algn="l" rtl="0" fontAlgn="base">
+      <a:lvl1pPr marL="273050" indent="-273050" algn="l" rtl="0" eaLnBrk="0" fontAlgn="base" hangingPunct="0">
         <a:spcBef>
           <a:spcPts val="600"/>
         </a:spcBef>
@@ -5587,7 +5579,7 @@
           <a:cs typeface="+mn-cs"/>
         </a:defRPr>
       </a:lvl1pPr>
-      <a:lvl2pPr marL="547688" indent="-273050" algn="l" rtl="0" fontAlgn="base">
+      <a:lvl2pPr marL="547688" indent="-273050" algn="l" rtl="0" eaLnBrk="0" fontAlgn="base" hangingPunct="0">
         <a:spcBef>
           <a:spcPts val="500"/>
         </a:spcBef>
@@ -5609,7 +5601,7 @@
           <a:cs typeface="+mn-cs"/>
         </a:defRPr>
       </a:lvl2pPr>
-      <a:lvl3pPr marL="822325" indent="-228600" algn="l" rtl="0" fontAlgn="base">
+      <a:lvl3pPr marL="822325" indent="-228600" algn="l" rtl="0" eaLnBrk="0" fontAlgn="base" hangingPunct="0">
         <a:spcBef>
           <a:spcPts val="500"/>
         </a:spcBef>
@@ -5631,7 +5623,7 @@
           <a:cs typeface="+mn-cs"/>
         </a:defRPr>
       </a:lvl3pPr>
-      <a:lvl4pPr marL="1096963" indent="-228600" algn="l" rtl="0" fontAlgn="base">
+      <a:lvl4pPr marL="1096963" indent="-228600" algn="l" rtl="0" eaLnBrk="0" fontAlgn="base" hangingPunct="0">
         <a:spcBef>
           <a:spcPts val="400"/>
         </a:spcBef>
@@ -5653,7 +5645,7 @@
           <a:cs typeface="+mn-cs"/>
         </a:defRPr>
       </a:lvl4pPr>
-      <a:lvl5pPr marL="1371600" indent="-228600" algn="l" rtl="0" fontAlgn="base">
+      <a:lvl5pPr marL="1371600" indent="-228600" algn="l" rtl="0" eaLnBrk="0" fontAlgn="base" hangingPunct="0">
         <a:spcBef>
           <a:spcPts val="300"/>
         </a:spcBef>
@@ -5893,7 +5885,7 @@
           </a:bodyPr>
           <a:lstStyle/>
           <a:p>
-            <a:pPr fontAlgn="auto">
+            <a:pPr eaLnBrk="1" fontAlgn="auto" hangingPunct="1">
               <a:spcAft>
                 <a:spcPts val="0"/>
               </a:spcAft>
@@ -5924,7 +5916,7 @@
           </a:bodyPr>
           <a:lstStyle/>
           <a:p>
-            <a:pPr fontAlgn="auto">
+            <a:pPr eaLnBrk="1" fontAlgn="auto" hangingPunct="1">
               <a:spcAft>
                 <a:spcPts val="0"/>
               </a:spcAft>
@@ -6030,7 +6022,7 @@
       </p:grpSpPr>
       <p:sp>
         <p:nvSpPr>
-          <p:cNvPr id="24577" name="Title 1"/>
+          <p:cNvPr id="25601" name="Title 1"/>
           <p:cNvSpPr>
             <a:spLocks noGrp="1"/>
           </p:cNvSpPr>
@@ -6043,6 +6035,7 @@
           <a:bodyPr/>
           <a:lstStyle/>
           <a:p>
+            <a:pPr eaLnBrk="1" hangingPunct="1"/>
             <a:r>
               <a:rPr lang="en-SG" smtClean="0"/>
               <a:t>Constraints</a:t>
@@ -6052,7 +6045,7 @@
       </p:sp>
       <p:sp>
         <p:nvSpPr>
-          <p:cNvPr id="24578" name="Content Placeholder 2"/>
+          <p:cNvPr id="25602" name="Content Placeholder 2"/>
           <p:cNvSpPr>
             <a:spLocks noGrp="1"/>
           </p:cNvSpPr>
@@ -6070,36 +6063,42 @@
           <a:bodyPr/>
           <a:lstStyle/>
           <a:p>
+            <a:pPr eaLnBrk="1" hangingPunct="1"/>
             <a:r>
               <a:rPr lang="en-GB" b="1" smtClean="0"/>
               <a:t>Staff skill set	</a:t>
             </a:r>
           </a:p>
           <a:p>
+            <a:pPr eaLnBrk="1" hangingPunct="1"/>
             <a:r>
               <a:rPr lang="en-GB" b="1" smtClean="0"/>
               <a:t>Transition period for critical system</a:t>
             </a:r>
           </a:p>
           <a:p>
+            <a:pPr eaLnBrk="1" hangingPunct="1"/>
             <a:r>
               <a:rPr lang="en-GB" b="1" smtClean="0"/>
               <a:t>Infrastructure capability</a:t>
             </a:r>
           </a:p>
           <a:p>
+            <a:pPr eaLnBrk="1" hangingPunct="1"/>
             <a:r>
               <a:rPr lang="en-GB" b="1" smtClean="0"/>
               <a:t>Information exchange between local horizon office</a:t>
             </a:r>
           </a:p>
           <a:p>
+            <a:pPr eaLnBrk="1" hangingPunct="1"/>
             <a:r>
               <a:rPr lang="en-GB" b="1" smtClean="0"/>
               <a:t>Internal Politics</a:t>
             </a:r>
           </a:p>
           <a:p>
+            <a:pPr eaLnBrk="1" hangingPunct="1"/>
             <a:r>
               <a:rPr lang="en-GB" b="1" smtClean="0"/>
               <a:t>Budgeting</a:t>
@@ -6142,7 +6141,7 @@
       </p:grpSpPr>
       <p:sp>
         <p:nvSpPr>
-          <p:cNvPr id="25601" name="Title 1"/>
+          <p:cNvPr id="26625" name="Title 1"/>
           <p:cNvSpPr>
             <a:spLocks noGrp="1"/>
           </p:cNvSpPr>
@@ -6155,6 +6154,7 @@
           <a:bodyPr/>
           <a:lstStyle/>
           <a:p>
+            <a:pPr eaLnBrk="1" hangingPunct="1"/>
             <a:r>
               <a:rPr lang="en-US" smtClean="0"/>
               <a:t>Transition Artifacts</a:t>
@@ -6165,7 +6165,7 @@
       </p:sp>
       <p:pic>
         <p:nvPicPr>
-          <p:cNvPr id="25602" name="Picture 2"/>
+          <p:cNvPr id="26626" name="Picture 2"/>
           <p:cNvPicPr>
             <a:picLocks noChangeAspect="1" noChangeArrowheads="1"/>
           </p:cNvPicPr>
@@ -6229,7 +6229,7 @@
       </p:grpSpPr>
       <p:sp>
         <p:nvSpPr>
-          <p:cNvPr id="26625" name="Title 1"/>
+          <p:cNvPr id="27649" name="Title 1"/>
           <p:cNvSpPr>
             <a:spLocks noGrp="1"/>
           </p:cNvSpPr>
@@ -6242,13 +6242,14 @@
           <a:bodyPr/>
           <a:lstStyle/>
           <a:p>
+            <a:pPr eaLnBrk="1" hangingPunct="1"/>
             <a:endParaRPr lang="en-SG" smtClean="0"/>
           </a:p>
         </p:txBody>
       </p:sp>
       <p:sp>
         <p:nvSpPr>
-          <p:cNvPr id="26626" name="Content Placeholder 2"/>
+          <p:cNvPr id="27650" name="Content Placeholder 2"/>
           <p:cNvSpPr>
             <a:spLocks noGrp="1"/>
           </p:cNvSpPr>
@@ -6266,6 +6267,7 @@
           <a:bodyPr/>
           <a:lstStyle/>
           <a:p>
+            <a:pPr eaLnBrk="1" hangingPunct="1"/>
             <a:r>
               <a:rPr lang="en-US" smtClean="0"/>
               <a:t>Business Architecture</a:t>
@@ -6308,7 +6310,7 @@
       </p:grpSpPr>
       <p:sp>
         <p:nvSpPr>
-          <p:cNvPr id="27649" name="Title 1"/>
+          <p:cNvPr id="28673" name="Title 1"/>
           <p:cNvSpPr>
             <a:spLocks noGrp="1"/>
           </p:cNvSpPr>
@@ -6321,6 +6323,7 @@
           <a:bodyPr/>
           <a:lstStyle/>
           <a:p>
+            <a:pPr eaLnBrk="1" hangingPunct="1"/>
             <a:r>
               <a:rPr lang="en-SG" smtClean="0"/>
               <a:t>Key Factors</a:t>
@@ -6330,7 +6333,7 @@
       </p:sp>
       <p:sp>
         <p:nvSpPr>
-          <p:cNvPr id="27650" name="Content Placeholder 2"/>
+          <p:cNvPr id="28674" name="Content Placeholder 2"/>
           <p:cNvSpPr>
             <a:spLocks noGrp="1"/>
           </p:cNvSpPr>
@@ -6348,53 +6351,56 @@
           <a:bodyPr/>
           <a:lstStyle/>
           <a:p>
+            <a:pPr eaLnBrk="1" hangingPunct="1"/>
             <a:r>
               <a:rPr lang="en-US" sz="2000" b="1" smtClean="0"/>
               <a:t>To achieve greater internal business process efficiency, through process integration and better use of its IT systems</a:t>
             </a:r>
           </a:p>
           <a:p>
-            <a:pPr lvl="1"/>
+            <a:pPr lvl="1" eaLnBrk="1" hangingPunct="1"/>
             <a:r>
               <a:rPr lang="en-US" sz="1700" b="1" smtClean="0"/>
               <a:t>System consolidation and integration (SCBS, VCMS)</a:t>
             </a:r>
           </a:p>
           <a:p>
-            <a:pPr lvl="1"/>
+            <a:pPr lvl="1" eaLnBrk="1" hangingPunct="1"/>
             <a:r>
               <a:rPr lang="en-US" sz="1700" b="1" smtClean="0"/>
               <a:t>Web store front order</a:t>
             </a:r>
           </a:p>
           <a:p>
-            <a:pPr lvl="1"/>
+            <a:pPr lvl="1" eaLnBrk="1" hangingPunct="1"/>
             <a:r>
               <a:rPr lang="en-US" sz="1700" b="1" smtClean="0"/>
               <a:t>Service Oriented Architecture</a:t>
             </a:r>
           </a:p>
           <a:p>
+            <a:pPr eaLnBrk="1" hangingPunct="1"/>
             <a:r>
               <a:rPr lang="en-US" sz="2000" b="1" smtClean="0"/>
               <a:t>To take full advantage of the Internet and broaden the existing customer base</a:t>
             </a:r>
           </a:p>
           <a:p>
-            <a:pPr lvl="1"/>
+            <a:pPr lvl="1" eaLnBrk="1" hangingPunct="1"/>
             <a:r>
               <a:rPr lang="en-US" sz="1700" b="1" smtClean="0"/>
               <a:t>Online order submission and status checking</a:t>
             </a:r>
           </a:p>
           <a:p>
-            <a:pPr lvl="1"/>
+            <a:pPr lvl="1" eaLnBrk="1" hangingPunct="1"/>
             <a:r>
               <a:rPr lang="en-US" sz="1700" b="1" smtClean="0"/>
               <a:t>Integration with customers’ procurement system</a:t>
             </a:r>
           </a:p>
           <a:p>
+            <a:pPr eaLnBrk="1" hangingPunct="1"/>
             <a:r>
               <a:rPr lang="en-US" sz="2000" b="1" smtClean="0"/>
               <a:t>To improve the overall customer experience and customer service</a:t>
@@ -6402,6 +6408,7 @@
             <a:endParaRPr lang="en-GB" sz="2000" b="1" smtClean="0"/>
           </a:p>
           <a:p>
+            <a:pPr eaLnBrk="1" hangingPunct="1"/>
             <a:r>
               <a:rPr lang="en-US" sz="2000" b="1" smtClean="0"/>
               <a:t>To use e-business to establish a more effective manner for the business processes to integrate with company’s suppliers’ IT systems</a:t>
@@ -6444,7 +6451,7 @@
       </p:grpSpPr>
       <p:sp>
         <p:nvSpPr>
-          <p:cNvPr id="28673" name="Title 1"/>
+          <p:cNvPr id="29697" name="Title 1"/>
           <p:cNvSpPr>
             <a:spLocks noGrp="1"/>
           </p:cNvSpPr>
@@ -6457,6 +6464,7 @@
           <a:bodyPr/>
           <a:lstStyle/>
           <a:p>
+            <a:pPr eaLnBrk="1" hangingPunct="1"/>
             <a:r>
               <a:rPr lang="en-SG" smtClean="0"/>
               <a:t>SWOT (1)</a:t>
@@ -6874,7 +6882,7 @@
       </p:grpSpPr>
       <p:sp>
         <p:nvSpPr>
-          <p:cNvPr id="29697" name="Title 1"/>
+          <p:cNvPr id="30721" name="Title 1"/>
           <p:cNvSpPr>
             <a:spLocks noGrp="1"/>
           </p:cNvSpPr>
@@ -6887,6 +6895,7 @@
           <a:bodyPr/>
           <a:lstStyle/>
           <a:p>
+            <a:pPr eaLnBrk="1" hangingPunct="1"/>
             <a:r>
               <a:rPr lang="en-SG" smtClean="0"/>
               <a:t>SWOT (2)</a:t>
@@ -7086,7 +7095,7 @@
       </p:grpSpPr>
       <p:grpSp>
         <p:nvGrpSpPr>
-          <p:cNvPr id="30721" name="Group 3"/>
+          <p:cNvPr id="31745" name="Group 3"/>
           <p:cNvGrpSpPr>
             <a:grpSpLocks/>
           </p:cNvGrpSpPr>
@@ -7102,7 +7111,7 @@
         </p:grpSpPr>
         <p:sp>
           <p:nvSpPr>
-            <p:cNvPr id="30735" name="Rectangle 4"/>
+            <p:cNvPr id="31759" name="Rectangle 4"/>
             <p:cNvSpPr>
               <a:spLocks noChangeArrowheads="1"/>
             </p:cNvSpPr>
@@ -7157,7 +7166,7 @@
         </p:sp>
         <p:sp>
           <p:nvSpPr>
-            <p:cNvPr id="30736" name="Rectangle 6"/>
+            <p:cNvPr id="31760" name="Rectangle 6"/>
             <p:cNvSpPr>
               <a:spLocks noChangeArrowheads="1"/>
             </p:cNvSpPr>
@@ -7212,7 +7221,7 @@
         </p:sp>
         <p:sp>
           <p:nvSpPr>
-            <p:cNvPr id="30737" name="Text Box 7"/>
+            <p:cNvPr id="31761" name="Text Box 7"/>
             <p:cNvSpPr txBox="1">
               <a:spLocks noChangeArrowheads="1"/>
             </p:cNvSpPr>
@@ -7258,7 +7267,7 @@
         </p:sp>
         <p:sp>
           <p:nvSpPr>
-            <p:cNvPr id="30738" name="Rectangle 8"/>
+            <p:cNvPr id="31762" name="Rectangle 8"/>
             <p:cNvSpPr>
               <a:spLocks noChangeArrowheads="1"/>
             </p:cNvSpPr>
@@ -7313,7 +7322,7 @@
         </p:sp>
         <p:sp>
           <p:nvSpPr>
-            <p:cNvPr id="30739" name="Text Box 9"/>
+            <p:cNvPr id="31763" name="Text Box 9"/>
             <p:cNvSpPr txBox="1">
               <a:spLocks noChangeArrowheads="1"/>
             </p:cNvSpPr>
@@ -7359,7 +7368,7 @@
         </p:sp>
         <p:sp>
           <p:nvSpPr>
-            <p:cNvPr id="30740" name="Oval 10"/>
+            <p:cNvPr id="31764" name="Oval 10"/>
             <p:cNvSpPr>
               <a:spLocks noChangeArrowheads="1"/>
             </p:cNvSpPr>
@@ -7416,7 +7425,7 @@
         </p:sp>
         <p:sp>
           <p:nvSpPr>
-            <p:cNvPr id="30741" name="Oval 11"/>
+            <p:cNvPr id="31765" name="Oval 11"/>
             <p:cNvSpPr>
               <a:spLocks noChangeArrowheads="1"/>
             </p:cNvSpPr>
@@ -7473,7 +7482,7 @@
         </p:sp>
         <p:sp>
           <p:nvSpPr>
-            <p:cNvPr id="30742" name="Oval 12"/>
+            <p:cNvPr id="31766" name="Oval 12"/>
             <p:cNvSpPr>
               <a:spLocks noChangeArrowheads="1"/>
             </p:cNvSpPr>
@@ -7530,7 +7539,7 @@
         </p:sp>
         <p:sp>
           <p:nvSpPr>
-            <p:cNvPr id="30743" name="Oval 13"/>
+            <p:cNvPr id="31767" name="Oval 13"/>
             <p:cNvSpPr>
               <a:spLocks noChangeArrowheads="1"/>
             </p:cNvSpPr>
@@ -7587,7 +7596,7 @@
         </p:sp>
         <p:sp>
           <p:nvSpPr>
-            <p:cNvPr id="30744" name="Rectangle 15"/>
+            <p:cNvPr id="31768" name="Rectangle 15"/>
             <p:cNvSpPr>
               <a:spLocks noChangeArrowheads="1"/>
             </p:cNvSpPr>
@@ -7639,7 +7648,7 @@
         </p:sp>
         <p:sp>
           <p:nvSpPr>
-            <p:cNvPr id="30745" name="Rectangle 16"/>
+            <p:cNvPr id="31769" name="Rectangle 16"/>
             <p:cNvSpPr>
               <a:spLocks noChangeArrowheads="1"/>
             </p:cNvSpPr>
@@ -7691,7 +7700,7 @@
         </p:sp>
         <p:sp>
           <p:nvSpPr>
-            <p:cNvPr id="30746" name="Oval 17"/>
+            <p:cNvPr id="31770" name="Oval 17"/>
             <p:cNvSpPr>
               <a:spLocks noChangeArrowheads="1"/>
             </p:cNvSpPr>
@@ -7748,7 +7757,7 @@
         </p:sp>
         <p:sp>
           <p:nvSpPr>
-            <p:cNvPr id="30747" name="Oval 18"/>
+            <p:cNvPr id="31771" name="Oval 18"/>
             <p:cNvSpPr>
               <a:spLocks noChangeArrowheads="1"/>
             </p:cNvSpPr>
@@ -7805,7 +7814,7 @@
         </p:sp>
         <p:sp>
           <p:nvSpPr>
-            <p:cNvPr id="30748" name="Oval 19"/>
+            <p:cNvPr id="31772" name="Oval 19"/>
             <p:cNvSpPr>
               <a:spLocks noChangeArrowheads="1"/>
             </p:cNvSpPr>
@@ -7862,7 +7871,7 @@
         </p:sp>
         <p:sp>
           <p:nvSpPr>
-            <p:cNvPr id="30749" name="Oval 20"/>
+            <p:cNvPr id="31773" name="Oval 20"/>
             <p:cNvSpPr>
               <a:spLocks noChangeArrowheads="1"/>
             </p:cNvSpPr>
@@ -7919,11 +7928,11 @@
         </p:sp>
         <p:cxnSp>
           <p:nvCxnSpPr>
-            <p:cNvPr id="30750" name="AutoShape 21"/>
+            <p:cNvPr id="31774" name="AutoShape 21"/>
             <p:cNvCxnSpPr>
               <a:cxnSpLocks noChangeShapeType="1"/>
-              <a:stCxn id="30748" idx="1"/>
-              <a:endCxn id="30739" idx="3"/>
+              <a:stCxn id="31772" idx="1"/>
+              <a:endCxn id="31763" idx="3"/>
             </p:cNvCxnSpPr>
             <p:nvPr/>
           </p:nvCxnSpPr>
@@ -7948,7 +7957,7 @@
         </p:cxnSp>
         <p:sp>
           <p:nvSpPr>
-            <p:cNvPr id="30751" name="Rectangle 24"/>
+            <p:cNvPr id="31775" name="Rectangle 24"/>
             <p:cNvSpPr>
               <a:spLocks noChangeArrowheads="1"/>
             </p:cNvSpPr>
@@ -8003,7 +8012,7 @@
         </p:sp>
         <p:sp>
           <p:nvSpPr>
-            <p:cNvPr id="30752" name="Oval 26"/>
+            <p:cNvPr id="31776" name="Oval 26"/>
             <p:cNvSpPr>
               <a:spLocks noChangeArrowheads="1"/>
             </p:cNvSpPr>
@@ -8066,7 +8075,7 @@
         </p:sp>
         <p:sp>
           <p:nvSpPr>
-            <p:cNvPr id="30753" name="Oval 27"/>
+            <p:cNvPr id="31777" name="Oval 27"/>
             <p:cNvSpPr>
               <a:spLocks noChangeArrowheads="1"/>
             </p:cNvSpPr>
@@ -8123,7 +8132,7 @@
         </p:sp>
         <p:sp>
           <p:nvSpPr>
-            <p:cNvPr id="30754" name="Oval 28"/>
+            <p:cNvPr id="31778" name="Oval 28"/>
             <p:cNvSpPr>
               <a:spLocks noChangeArrowheads="1"/>
             </p:cNvSpPr>
@@ -8180,7 +8189,7 @@
         </p:sp>
         <p:sp>
           <p:nvSpPr>
-            <p:cNvPr id="30755" name="Oval 29"/>
+            <p:cNvPr id="31779" name="Oval 29"/>
             <p:cNvSpPr>
               <a:spLocks noChangeArrowheads="1"/>
             </p:cNvSpPr>
@@ -8237,7 +8246,7 @@
         </p:sp>
         <p:sp>
           <p:nvSpPr>
-            <p:cNvPr id="30756" name="Text Box 31"/>
+            <p:cNvPr id="31780" name="Text Box 31"/>
             <p:cNvSpPr txBox="1">
               <a:spLocks noChangeArrowheads="1"/>
             </p:cNvSpPr>
@@ -8279,7 +8288,7 @@
         </p:sp>
         <p:sp>
           <p:nvSpPr>
-            <p:cNvPr id="30757" name="Text Box 32"/>
+            <p:cNvPr id="31781" name="Text Box 32"/>
             <p:cNvSpPr txBox="1">
               <a:spLocks noChangeArrowheads="1"/>
             </p:cNvSpPr>
@@ -8321,7 +8330,7 @@
         </p:sp>
         <p:sp>
           <p:nvSpPr>
-            <p:cNvPr id="30758" name="Oval 33"/>
+            <p:cNvPr id="31782" name="Oval 33"/>
             <p:cNvSpPr>
               <a:spLocks noChangeArrowheads="1"/>
             </p:cNvSpPr>
@@ -8378,7 +8387,7 @@
         </p:sp>
         <p:sp>
           <p:nvSpPr>
-            <p:cNvPr id="30759" name="Oval 34"/>
+            <p:cNvPr id="31783" name="Oval 34"/>
             <p:cNvSpPr>
               <a:spLocks noChangeArrowheads="1"/>
             </p:cNvSpPr>
@@ -8435,7 +8444,7 @@
         </p:sp>
         <p:sp>
           <p:nvSpPr>
-            <p:cNvPr id="30760" name="Oval 35"/>
+            <p:cNvPr id="31784" name="Oval 35"/>
             <p:cNvSpPr>
               <a:spLocks noChangeArrowheads="1"/>
             </p:cNvSpPr>
@@ -8492,7 +8501,7 @@
         </p:sp>
         <p:grpSp>
           <p:nvGrpSpPr>
-            <p:cNvPr id="30761" name="Group 36"/>
+            <p:cNvPr id="31785" name="Group 36"/>
             <p:cNvGrpSpPr>
               <a:grpSpLocks/>
             </p:cNvGrpSpPr>
@@ -8508,7 +8517,7 @@
           </p:grpSpPr>
           <p:sp>
             <p:nvSpPr>
-              <p:cNvPr id="30762" name="Oval 37"/>
+              <p:cNvPr id="31786" name="Oval 37"/>
               <p:cNvSpPr>
                 <a:spLocks noChangeArrowheads="1"/>
               </p:cNvSpPr>
@@ -8565,7 +8574,7 @@
           </p:sp>
           <p:sp>
             <p:nvSpPr>
-              <p:cNvPr id="30763" name="Oval 38"/>
+              <p:cNvPr id="31787" name="Oval 38"/>
               <p:cNvSpPr>
                 <a:spLocks noChangeArrowheads="1"/>
               </p:cNvSpPr>
@@ -8622,7 +8631,7 @@
           </p:sp>
           <p:sp>
             <p:nvSpPr>
-              <p:cNvPr id="30764" name="Oval 39"/>
+              <p:cNvPr id="31788" name="Oval 39"/>
               <p:cNvSpPr>
                 <a:spLocks noChangeArrowheads="1"/>
               </p:cNvSpPr>
@@ -8681,10 +8690,10 @@
       </p:grpSp>
       <p:cxnSp>
         <p:nvCxnSpPr>
-          <p:cNvPr id="30722" name="AutoShape 21"/>
+          <p:cNvPr id="31746" name="AutoShape 21"/>
           <p:cNvCxnSpPr>
             <a:cxnSpLocks noChangeShapeType="1"/>
-            <a:stCxn id="30746" idx="7"/>
+            <a:stCxn id="31770" idx="7"/>
           </p:cNvCxnSpPr>
           <p:nvPr/>
         </p:nvCxnSpPr>
@@ -8709,10 +8718,10 @@
       </p:cxnSp>
       <p:cxnSp>
         <p:nvCxnSpPr>
-          <p:cNvPr id="30723" name="AutoShape 21"/>
+          <p:cNvPr id="31747" name="AutoShape 21"/>
           <p:cNvCxnSpPr>
             <a:cxnSpLocks noChangeShapeType="1"/>
-            <a:stCxn id="30749" idx="7"/>
+            <a:stCxn id="31773" idx="7"/>
           </p:cNvCxnSpPr>
           <p:nvPr/>
         </p:nvCxnSpPr>
@@ -8737,11 +8746,11 @@
       </p:cxnSp>
       <p:cxnSp>
         <p:nvCxnSpPr>
-          <p:cNvPr id="30724" name="AutoShape 21"/>
+          <p:cNvPr id="31748" name="AutoShape 21"/>
           <p:cNvCxnSpPr>
             <a:cxnSpLocks noChangeShapeType="1"/>
-            <a:stCxn id="30747" idx="7"/>
-            <a:endCxn id="30739" idx="1"/>
+            <a:stCxn id="31771" idx="7"/>
+            <a:endCxn id="31763" idx="1"/>
           </p:cNvCxnSpPr>
           <p:nvPr/>
         </p:nvCxnSpPr>
@@ -8766,7 +8775,7 @@
       </p:cxnSp>
       <p:sp>
         <p:nvSpPr>
-          <p:cNvPr id="30725" name="Oval 10"/>
+          <p:cNvPr id="31749" name="Oval 10"/>
           <p:cNvSpPr>
             <a:spLocks noChangeArrowheads="1"/>
           </p:cNvSpPr>
@@ -8823,7 +8832,7 @@
       </p:sp>
       <p:sp>
         <p:nvSpPr>
-          <p:cNvPr id="30726" name="Oval 12"/>
+          <p:cNvPr id="31750" name="Oval 12"/>
           <p:cNvSpPr>
             <a:spLocks noChangeArrowheads="1"/>
           </p:cNvSpPr>
@@ -8880,7 +8889,7 @@
       </p:sp>
       <p:sp>
         <p:nvSpPr>
-          <p:cNvPr id="30727" name="Text Box 7"/>
+          <p:cNvPr id="31751" name="Text Box 7"/>
           <p:cNvSpPr txBox="1">
             <a:spLocks noChangeArrowheads="1"/>
           </p:cNvSpPr>
@@ -8926,7 +8935,7 @@
       </p:sp>
       <p:sp>
         <p:nvSpPr>
-          <p:cNvPr id="30728" name="Text Box 7"/>
+          <p:cNvPr id="31752" name="Text Box 7"/>
           <p:cNvSpPr txBox="1">
             <a:spLocks noChangeArrowheads="1"/>
           </p:cNvSpPr>
@@ -8972,7 +8981,7 @@
       </p:sp>
       <p:sp>
         <p:nvSpPr>
-          <p:cNvPr id="30729" name="Rectangle 14"/>
+          <p:cNvPr id="31753" name="Rectangle 14"/>
           <p:cNvSpPr>
             <a:spLocks noChangeArrowheads="1"/>
           </p:cNvSpPr>
@@ -9024,7 +9033,7 @@
       </p:sp>
       <p:sp>
         <p:nvSpPr>
-          <p:cNvPr id="30730" name="Text Box 30"/>
+          <p:cNvPr id="31754" name="Text Box 30"/>
           <p:cNvSpPr txBox="1">
             <a:spLocks noChangeArrowheads="1"/>
           </p:cNvSpPr>
@@ -9074,7 +9083,7 @@
       </p:sp>
       <p:sp>
         <p:nvSpPr>
-          <p:cNvPr id="30731" name="Oval 41"/>
+          <p:cNvPr id="31755" name="Oval 41"/>
           <p:cNvSpPr>
             <a:spLocks noChangeArrowheads="1"/>
           </p:cNvSpPr>
@@ -9131,7 +9140,7 @@
       </p:sp>
       <p:sp>
         <p:nvSpPr>
-          <p:cNvPr id="30732" name="Oval 42"/>
+          <p:cNvPr id="31756" name="Oval 42"/>
           <p:cNvSpPr>
             <a:spLocks noChangeArrowheads="1"/>
           </p:cNvSpPr>
@@ -9188,7 +9197,7 @@
       </p:sp>
       <p:sp>
         <p:nvSpPr>
-          <p:cNvPr id="30733" name="Oval 43"/>
+          <p:cNvPr id="31757" name="Oval 43"/>
           <p:cNvSpPr>
             <a:spLocks noChangeArrowheads="1"/>
           </p:cNvSpPr>
@@ -9245,7 +9254,7 @@
       </p:sp>
       <p:sp>
         <p:nvSpPr>
-          <p:cNvPr id="30734" name="Title 1"/>
+          <p:cNvPr id="31758" name="Title 1"/>
           <p:cNvSpPr txBox="1">
             <a:spLocks/>
           </p:cNvSpPr>
@@ -9318,7 +9327,7 @@
       </p:grpSpPr>
       <p:grpSp>
         <p:nvGrpSpPr>
-          <p:cNvPr id="32769" name="Group 3"/>
+          <p:cNvPr id="33793" name="Group 3"/>
           <p:cNvGrpSpPr>
             <a:grpSpLocks/>
           </p:cNvGrpSpPr>
@@ -9334,7 +9343,7 @@
         </p:grpSpPr>
         <p:sp>
           <p:nvSpPr>
-            <p:cNvPr id="32791" name="Rectangle 8"/>
+            <p:cNvPr id="33815" name="Rectangle 8"/>
             <p:cNvSpPr>
               <a:spLocks noChangeArrowheads="1"/>
             </p:cNvSpPr>
@@ -9386,7 +9395,7 @@
         </p:sp>
         <p:sp>
           <p:nvSpPr>
-            <p:cNvPr id="32792" name="Rectangle 15"/>
+            <p:cNvPr id="33816" name="Rectangle 15"/>
             <p:cNvSpPr>
               <a:spLocks noChangeArrowheads="1"/>
             </p:cNvSpPr>
@@ -9439,7 +9448,7 @@
       </p:grpSp>
       <p:sp>
         <p:nvSpPr>
-          <p:cNvPr id="32770" name="Text Box 9"/>
+          <p:cNvPr id="33794" name="Text Box 9"/>
           <p:cNvSpPr txBox="1">
             <a:spLocks noChangeArrowheads="1"/>
           </p:cNvSpPr>
@@ -9534,19 +9543,12 @@
               </a:rPr>
               <a:t>Online order Submission</a:t>
             </a:r>
-            <a:endParaRPr lang="en-US" sz="1000" b="1" dirty="0">
-              <a:solidFill>
-                <a:srgbClr val="000000"/>
-              </a:solidFill>
-              <a:latin typeface="+mn-lt"/>
-              <a:cs typeface="+mn-cs"/>
-            </a:endParaRPr>
-          </a:p>
-        </p:txBody>
-      </p:sp>
-      <p:sp>
-        <p:nvSpPr>
-          <p:cNvPr id="32772" name="Rectangle 8"/>
+          </a:p>
+        </p:txBody>
+      </p:sp>
+      <p:sp>
+        <p:nvSpPr>
+          <p:cNvPr id="33796" name="Rectangle 8"/>
           <p:cNvSpPr>
             <a:spLocks noChangeArrowheads="1"/>
           </p:cNvSpPr>
@@ -9598,7 +9600,7 @@
       </p:sp>
       <p:sp>
         <p:nvSpPr>
-          <p:cNvPr id="32773" name="Left Arrow 2"/>
+          <p:cNvPr id="33797" name="Left Arrow 2"/>
           <p:cNvSpPr>
             <a:spLocks noChangeArrowheads="1"/>
           </p:cNvSpPr>
@@ -9653,7 +9655,7 @@
       </p:sp>
       <p:sp>
         <p:nvSpPr>
-          <p:cNvPr id="32774" name="Rectangle 8"/>
+          <p:cNvPr id="33798" name="Rectangle 8"/>
           <p:cNvSpPr>
             <a:spLocks noChangeArrowheads="1"/>
           </p:cNvSpPr>
@@ -9705,7 +9707,7 @@
       </p:sp>
       <p:sp>
         <p:nvSpPr>
-          <p:cNvPr id="32775" name="Left Arrow 49"/>
+          <p:cNvPr id="33799" name="Left Arrow 49"/>
           <p:cNvSpPr>
             <a:spLocks noChangeArrowheads="1"/>
           </p:cNvSpPr>
@@ -9809,13 +9811,6 @@
               </a:rPr>
               <a:t>Order status checking</a:t>
             </a:r>
-            <a:endParaRPr lang="en-US" sz="1000" b="1" dirty="0">
-              <a:solidFill>
-                <a:srgbClr val="000000"/>
-              </a:solidFill>
-              <a:latin typeface="+mn-lt"/>
-              <a:cs typeface="+mn-cs"/>
-            </a:endParaRPr>
           </a:p>
         </p:txBody>
       </p:sp>
@@ -9870,13 +9865,6 @@
               </a:rPr>
               <a:t>Integration with Procurement system</a:t>
             </a:r>
-            <a:endParaRPr lang="en-US" sz="1000" b="1" dirty="0">
-              <a:solidFill>
-                <a:srgbClr val="000000"/>
-              </a:solidFill>
-              <a:latin typeface="+mn-lt"/>
-              <a:cs typeface="+mn-cs"/>
-            </a:endParaRPr>
           </a:p>
         </p:txBody>
       </p:sp>
@@ -9931,19 +9919,12 @@
               </a:rPr>
               <a:t>Port operator management</a:t>
             </a:r>
-            <a:endParaRPr lang="en-US" sz="1000" b="1" dirty="0">
-              <a:solidFill>
-                <a:srgbClr val="000000"/>
-              </a:solidFill>
-              <a:latin typeface="+mn-lt"/>
-              <a:cs typeface="+mn-cs"/>
-            </a:endParaRPr>
-          </a:p>
-        </p:txBody>
-      </p:sp>
-      <p:sp>
-        <p:nvSpPr>
-          <p:cNvPr id="32779" name="TextBox 3"/>
+          </a:p>
+        </p:txBody>
+      </p:sp>
+      <p:sp>
+        <p:nvSpPr>
+          <p:cNvPr id="33803" name="TextBox 3"/>
           <p:cNvSpPr txBox="1">
             <a:spLocks noChangeArrowheads="1"/>
           </p:cNvSpPr>
@@ -10004,7 +9985,7 @@
       </p:sp>
       <p:sp>
         <p:nvSpPr>
-          <p:cNvPr id="32780" name="Text Box 9"/>
+          <p:cNvPr id="33804" name="Text Box 9"/>
           <p:cNvSpPr txBox="1">
             <a:spLocks noChangeArrowheads="1"/>
           </p:cNvSpPr>
@@ -10050,7 +10031,7 @@
       </p:sp>
       <p:sp>
         <p:nvSpPr>
-          <p:cNvPr id="32781" name="TextBox 59"/>
+          <p:cNvPr id="33805" name="TextBox 59"/>
           <p:cNvSpPr txBox="1">
             <a:spLocks noChangeArrowheads="1"/>
           </p:cNvSpPr>
@@ -10096,7 +10077,7 @@
       </p:sp>
       <p:sp>
         <p:nvSpPr>
-          <p:cNvPr id="32782" name="TextBox 60"/>
+          <p:cNvPr id="33806" name="TextBox 60"/>
           <p:cNvSpPr txBox="1">
             <a:spLocks noChangeArrowheads="1"/>
           </p:cNvSpPr>
@@ -10142,7 +10123,7 @@
       </p:sp>
       <p:sp>
         <p:nvSpPr>
-          <p:cNvPr id="32783" name="TextBox 61"/>
+          <p:cNvPr id="33807" name="TextBox 61"/>
           <p:cNvSpPr txBox="1">
             <a:spLocks noChangeArrowheads="1"/>
           </p:cNvSpPr>
@@ -10188,7 +10169,7 @@
       </p:sp>
       <p:sp>
         <p:nvSpPr>
-          <p:cNvPr id="32784" name="TextBox 62"/>
+          <p:cNvPr id="33808" name="TextBox 62"/>
           <p:cNvSpPr txBox="1">
             <a:spLocks noChangeArrowheads="1"/>
           </p:cNvSpPr>
@@ -10234,7 +10215,7 @@
       </p:sp>
       <p:sp>
         <p:nvSpPr>
-          <p:cNvPr id="32785" name="TextBox 63"/>
+          <p:cNvPr id="33809" name="TextBox 63"/>
           <p:cNvSpPr txBox="1">
             <a:spLocks noChangeArrowheads="1"/>
           </p:cNvSpPr>
@@ -10280,7 +10261,7 @@
       </p:sp>
       <p:sp>
         <p:nvSpPr>
-          <p:cNvPr id="32786" name="TextBox 64"/>
+          <p:cNvPr id="33810" name="TextBox 64"/>
           <p:cNvSpPr txBox="1">
             <a:spLocks noChangeArrowheads="1"/>
           </p:cNvSpPr>
@@ -10326,7 +10307,7 @@
       </p:sp>
       <p:sp>
         <p:nvSpPr>
-          <p:cNvPr id="32787" name="TextBox 65"/>
+          <p:cNvPr id="33811" name="TextBox 65"/>
           <p:cNvSpPr txBox="1">
             <a:spLocks noChangeArrowheads="1"/>
           </p:cNvSpPr>
@@ -10372,7 +10353,7 @@
       </p:sp>
       <p:sp>
         <p:nvSpPr>
-          <p:cNvPr id="32788" name="TextBox 5"/>
+          <p:cNvPr id="33812" name="TextBox 5"/>
           <p:cNvSpPr txBox="1">
             <a:spLocks noChangeArrowheads="1"/>
           </p:cNvSpPr>
@@ -10430,7 +10411,7 @@
       </p:sp>
       <p:sp>
         <p:nvSpPr>
-          <p:cNvPr id="32789" name="TextBox 75"/>
+          <p:cNvPr id="33813" name="TextBox 75"/>
           <p:cNvSpPr txBox="1">
             <a:spLocks noChangeArrowheads="1"/>
           </p:cNvSpPr>
@@ -10472,7 +10453,7 @@
       </p:sp>
       <p:sp>
         <p:nvSpPr>
-          <p:cNvPr id="32790" name="Title 1"/>
+          <p:cNvPr id="33814" name="Title 1"/>
           <p:cNvSpPr txBox="1">
             <a:spLocks/>
           </p:cNvSpPr>
@@ -10545,7 +10526,7 @@
       </p:grpSpPr>
       <p:sp>
         <p:nvSpPr>
-          <p:cNvPr id="34817" name="Up Arrow 5"/>
+          <p:cNvPr id="35841" name="Up Arrow 5"/>
           <p:cNvSpPr>
             <a:spLocks noChangeArrowheads="1"/>
           </p:cNvSpPr>
@@ -10600,7 +10581,7 @@
       </p:sp>
       <p:sp>
         <p:nvSpPr>
-          <p:cNvPr id="34818" name="Right Triangle 6"/>
+          <p:cNvPr id="35842" name="Right Triangle 6"/>
           <p:cNvSpPr>
             <a:spLocks noChangeArrowheads="1"/>
           </p:cNvSpPr>
@@ -10776,7 +10757,7 @@
       </p:sp>
       <p:sp>
         <p:nvSpPr>
-          <p:cNvPr id="34821" name="Right Triangle 8"/>
+          <p:cNvPr id="35845" name="Right Triangle 8"/>
           <p:cNvSpPr>
             <a:spLocks noChangeArrowheads="1"/>
           </p:cNvSpPr>
@@ -10828,7 +10809,7 @@
       </p:sp>
       <p:sp>
         <p:nvSpPr>
-          <p:cNvPr id="34822" name="Rectangle 16"/>
+          <p:cNvPr id="35846" name="Rectangle 16"/>
           <p:cNvSpPr>
             <a:spLocks noChangeArrowheads="1"/>
           </p:cNvSpPr>
@@ -10880,7 +10861,7 @@
       </p:sp>
       <p:sp>
         <p:nvSpPr>
-          <p:cNvPr id="34823" name="Text Box 32"/>
+          <p:cNvPr id="35847" name="Text Box 32"/>
           <p:cNvSpPr txBox="1">
             <a:spLocks noChangeArrowheads="1"/>
           </p:cNvSpPr>
@@ -10922,7 +10903,7 @@
       </p:sp>
       <p:sp>
         <p:nvSpPr>
-          <p:cNvPr id="34824" name="TextBox 11"/>
+          <p:cNvPr id="35848" name="TextBox 11"/>
           <p:cNvSpPr txBox="1">
             <a:spLocks noChangeArrowheads="1"/>
           </p:cNvSpPr>
@@ -10985,7 +10966,7 @@
       </p:sp>
       <p:sp>
         <p:nvSpPr>
-          <p:cNvPr id="34825" name="Rectangle 16"/>
+          <p:cNvPr id="35849" name="Rectangle 16"/>
           <p:cNvSpPr>
             <a:spLocks noChangeArrowheads="1"/>
           </p:cNvSpPr>
@@ -11037,7 +11018,7 @@
       </p:sp>
       <p:sp>
         <p:nvSpPr>
-          <p:cNvPr id="34826" name="Text Box 32"/>
+          <p:cNvPr id="35850" name="Text Box 32"/>
           <p:cNvSpPr txBox="1">
             <a:spLocks noChangeArrowheads="1"/>
           </p:cNvSpPr>
@@ -11079,7 +11060,7 @@
       </p:sp>
       <p:sp>
         <p:nvSpPr>
-          <p:cNvPr id="34827" name="TextBox 14"/>
+          <p:cNvPr id="35851" name="TextBox 14"/>
           <p:cNvSpPr txBox="1">
             <a:spLocks noChangeArrowheads="1"/>
           </p:cNvSpPr>
@@ -11142,7 +11123,7 @@
       </p:sp>
       <p:sp>
         <p:nvSpPr>
-          <p:cNvPr id="34828" name="Rectangle 16"/>
+          <p:cNvPr id="35852" name="Rectangle 16"/>
           <p:cNvSpPr>
             <a:spLocks noChangeArrowheads="1"/>
           </p:cNvSpPr>
@@ -11194,7 +11175,7 @@
       </p:sp>
       <p:sp>
         <p:nvSpPr>
-          <p:cNvPr id="34829" name="Text Box 32"/>
+          <p:cNvPr id="35853" name="Text Box 32"/>
           <p:cNvSpPr txBox="1">
             <a:spLocks noChangeArrowheads="1"/>
           </p:cNvSpPr>
@@ -11236,7 +11217,7 @@
       </p:sp>
       <p:sp>
         <p:nvSpPr>
-          <p:cNvPr id="34830" name="TextBox 17"/>
+          <p:cNvPr id="35854" name="TextBox 17"/>
           <p:cNvSpPr txBox="1">
             <a:spLocks noChangeArrowheads="1"/>
           </p:cNvSpPr>
@@ -11291,7 +11272,7 @@
       </p:sp>
       <p:sp>
         <p:nvSpPr>
-          <p:cNvPr id="34831" name="TextBox 18"/>
+          <p:cNvPr id="35855" name="TextBox 18"/>
           <p:cNvSpPr txBox="1">
             <a:spLocks noChangeArrowheads="1"/>
           </p:cNvSpPr>
@@ -11346,7 +11327,7 @@
       </p:sp>
       <p:sp>
         <p:nvSpPr>
-          <p:cNvPr id="34832" name="Up Arrow 19"/>
+          <p:cNvPr id="35856" name="Up Arrow 19"/>
           <p:cNvSpPr>
             <a:spLocks noChangeArrowheads="1"/>
           </p:cNvSpPr>
@@ -11419,7 +11400,7 @@
       </p:sp>
       <p:sp>
         <p:nvSpPr>
-          <p:cNvPr id="34833" name="Up Arrow 20"/>
+          <p:cNvPr id="35857" name="Up Arrow 20"/>
           <p:cNvSpPr>
             <a:spLocks noChangeArrowheads="1"/>
           </p:cNvSpPr>
@@ -11492,7 +11473,7 @@
       </p:sp>
       <p:sp>
         <p:nvSpPr>
-          <p:cNvPr id="34834" name="Oval 37"/>
+          <p:cNvPr id="35858" name="Oval 37"/>
           <p:cNvSpPr>
             <a:spLocks noChangeArrowheads="1"/>
           </p:cNvSpPr>
@@ -11549,7 +11530,7 @@
       </p:sp>
       <p:sp>
         <p:nvSpPr>
-          <p:cNvPr id="34835" name="Rectangle 16"/>
+          <p:cNvPr id="35859" name="Rectangle 16"/>
           <p:cNvSpPr>
             <a:spLocks noChangeArrowheads="1"/>
           </p:cNvSpPr>
@@ -11601,7 +11582,7 @@
       </p:sp>
       <p:sp>
         <p:nvSpPr>
-          <p:cNvPr id="34836" name="Text Box 32"/>
+          <p:cNvPr id="35860" name="Text Box 32"/>
           <p:cNvSpPr txBox="1">
             <a:spLocks noChangeArrowheads="1"/>
           </p:cNvSpPr>
@@ -11643,7 +11624,7 @@
       </p:sp>
       <p:sp>
         <p:nvSpPr>
-          <p:cNvPr id="34837" name="TextBox 25"/>
+          <p:cNvPr id="35861" name="TextBox 25"/>
           <p:cNvSpPr txBox="1">
             <a:spLocks noChangeArrowheads="1"/>
           </p:cNvSpPr>
@@ -11706,7 +11687,7 @@
       </p:sp>
       <p:sp>
         <p:nvSpPr>
-          <p:cNvPr id="34838" name="TextBox 26"/>
+          <p:cNvPr id="35862" name="TextBox 26"/>
           <p:cNvSpPr txBox="1">
             <a:spLocks noChangeArrowheads="1"/>
           </p:cNvSpPr>
@@ -11754,7 +11735,7 @@
       </p:sp>
       <p:sp>
         <p:nvSpPr>
-          <p:cNvPr id="34839" name="Rectangle 16"/>
+          <p:cNvPr id="35863" name="Rectangle 16"/>
           <p:cNvSpPr>
             <a:spLocks noChangeArrowheads="1"/>
           </p:cNvSpPr>
@@ -11806,7 +11787,7 @@
       </p:sp>
       <p:sp>
         <p:nvSpPr>
-          <p:cNvPr id="34840" name="Text Box 32"/>
+          <p:cNvPr id="35864" name="Text Box 32"/>
           <p:cNvSpPr txBox="1">
             <a:spLocks noChangeArrowheads="1"/>
           </p:cNvSpPr>
@@ -11848,7 +11829,7 @@
       </p:sp>
       <p:sp>
         <p:nvSpPr>
-          <p:cNvPr id="34841" name="TextBox 29"/>
+          <p:cNvPr id="35865" name="TextBox 29"/>
           <p:cNvSpPr txBox="1">
             <a:spLocks noChangeArrowheads="1"/>
           </p:cNvSpPr>
@@ -11911,7 +11892,7 @@
       </p:sp>
       <p:sp>
         <p:nvSpPr>
-          <p:cNvPr id="34842" name="Rectangle 16"/>
+          <p:cNvPr id="35866" name="Rectangle 16"/>
           <p:cNvSpPr>
             <a:spLocks noChangeArrowheads="1"/>
           </p:cNvSpPr>
@@ -11963,7 +11944,7 @@
       </p:sp>
       <p:sp>
         <p:nvSpPr>
-          <p:cNvPr id="34843" name="Text Box 32"/>
+          <p:cNvPr id="35867" name="Text Box 32"/>
           <p:cNvSpPr txBox="1">
             <a:spLocks noChangeArrowheads="1"/>
           </p:cNvSpPr>
@@ -12005,7 +11986,7 @@
       </p:sp>
       <p:sp>
         <p:nvSpPr>
-          <p:cNvPr id="34844" name="TextBox 32"/>
+          <p:cNvPr id="35868" name="TextBox 32"/>
           <p:cNvSpPr txBox="1">
             <a:spLocks noChangeArrowheads="1"/>
           </p:cNvSpPr>
@@ -12060,7 +12041,7 @@
       </p:sp>
       <p:sp>
         <p:nvSpPr>
-          <p:cNvPr id="34845" name="Title 1"/>
+          <p:cNvPr id="35869" name="Title 1"/>
           <p:cNvSpPr txBox="1">
             <a:spLocks/>
           </p:cNvSpPr>
@@ -12143,7 +12124,7 @@
       </p:grpSpPr>
       <p:sp>
         <p:nvSpPr>
-          <p:cNvPr id="36865" name="Title 1"/>
+          <p:cNvPr id="37889" name="Title 1"/>
           <p:cNvSpPr>
             <a:spLocks noGrp="1"/>
           </p:cNvSpPr>
@@ -12156,6 +12137,7 @@
           <a:bodyPr/>
           <a:lstStyle/>
           <a:p>
+            <a:pPr eaLnBrk="1" hangingPunct="1"/>
             <a:r>
               <a:rPr lang="en-SG" smtClean="0"/>
               <a:t>Operating Model - Coordination</a:t>
@@ -12185,7 +12167,7 @@
           </a:bodyPr>
           <a:lstStyle/>
           <a:p>
-            <a:pPr marL="274320" indent="-274320" fontAlgn="auto">
+            <a:pPr marL="274320" indent="-274320" eaLnBrk="1" fontAlgn="auto" hangingPunct="1">
               <a:spcAft>
                 <a:spcPts val="0"/>
               </a:spcAft>
@@ -12203,7 +12185,7 @@
             </a:r>
           </a:p>
           <a:p>
-            <a:pPr marL="274320" indent="-274320" fontAlgn="auto">
+            <a:pPr marL="274320" indent="-274320" eaLnBrk="1" fontAlgn="auto" hangingPunct="1">
               <a:spcAft>
                 <a:spcPts val="0"/>
               </a:spcAft>
@@ -12221,7 +12203,7 @@
             </a:r>
           </a:p>
           <a:p>
-            <a:pPr marL="274320" indent="-274320" fontAlgn="auto">
+            <a:pPr marL="274320" indent="-274320" eaLnBrk="1" fontAlgn="auto" hangingPunct="1">
               <a:spcAft>
                 <a:spcPts val="0"/>
               </a:spcAft>
@@ -12239,7 +12221,7 @@
             </a:r>
           </a:p>
           <a:p>
-            <a:pPr marL="274320" indent="-274320" fontAlgn="auto">
+            <a:pPr marL="274320" indent="-274320" eaLnBrk="1" fontAlgn="auto" hangingPunct="1">
               <a:spcAft>
                 <a:spcPts val="0"/>
               </a:spcAft>
@@ -12257,7 +12239,7 @@
             </a:r>
           </a:p>
           <a:p>
-            <a:pPr marL="274320" indent="-274320" fontAlgn="auto">
+            <a:pPr marL="274320" indent="-274320" eaLnBrk="1" fontAlgn="auto" hangingPunct="1">
               <a:spcAft>
                 <a:spcPts val="0"/>
               </a:spcAft>
@@ -12275,7 +12257,7 @@
             </a:r>
           </a:p>
           <a:p>
-            <a:pPr marL="274320" indent="-274320" fontAlgn="auto">
+            <a:pPr marL="274320" indent="-274320" eaLnBrk="1" fontAlgn="auto" hangingPunct="1">
               <a:spcAft>
                 <a:spcPts val="0"/>
               </a:spcAft>
@@ -12293,7 +12275,7 @@
             </a:r>
           </a:p>
           <a:p>
-            <a:pPr marL="274320" indent="-274320" fontAlgn="auto">
+            <a:pPr marL="274320" indent="-274320" eaLnBrk="1" fontAlgn="auto" hangingPunct="1">
               <a:spcAft>
                 <a:spcPts val="0"/>
               </a:spcAft>
@@ -12311,7 +12293,7 @@
             </a:r>
           </a:p>
           <a:p>
-            <a:pPr marL="274320" indent="-274320" fontAlgn="auto">
+            <a:pPr marL="274320" indent="-274320" eaLnBrk="1" fontAlgn="auto" hangingPunct="1">
               <a:spcAft>
                 <a:spcPts val="0"/>
               </a:spcAft>
@@ -12329,7 +12311,7 @@
             </a:r>
           </a:p>
           <a:p>
-            <a:pPr marL="274320" indent="-274320" fontAlgn="auto">
+            <a:pPr marL="274320" indent="-274320" eaLnBrk="1" fontAlgn="auto" hangingPunct="1">
               <a:spcAft>
                 <a:spcPts val="0"/>
               </a:spcAft>
@@ -12382,7 +12364,7 @@
       </p:grpSpPr>
       <p:sp>
         <p:nvSpPr>
-          <p:cNvPr id="16385" name="Title 1"/>
+          <p:cNvPr id="17409" name="Title 1"/>
           <p:cNvSpPr>
             <a:spLocks noGrp="1"/>
           </p:cNvSpPr>
@@ -12395,6 +12377,7 @@
           <a:bodyPr/>
           <a:lstStyle/>
           <a:p>
+            <a:pPr eaLnBrk="1" hangingPunct="1"/>
             <a:r>
               <a:rPr lang="en-US" smtClean="0"/>
               <a:t>Content	</a:t>
@@ -12405,7 +12388,7 @@
       </p:sp>
       <p:sp>
         <p:nvSpPr>
-          <p:cNvPr id="16386" name="Content Placeholder 2"/>
+          <p:cNvPr id="17410" name="Content Placeholder 2"/>
           <p:cNvSpPr>
             <a:spLocks noGrp="1"/>
           </p:cNvSpPr>
@@ -12423,54 +12406,63 @@
           <a:bodyPr/>
           <a:lstStyle/>
           <a:p>
+            <a:pPr eaLnBrk="1" hangingPunct="1"/>
             <a:r>
               <a:rPr lang="en-US" smtClean="0"/>
               <a:t>Architecture Vision</a:t>
             </a:r>
           </a:p>
           <a:p>
+            <a:pPr eaLnBrk="1" hangingPunct="1"/>
             <a:r>
               <a:rPr lang="en-US" smtClean="0"/>
               <a:t>Business Architecture</a:t>
             </a:r>
           </a:p>
           <a:p>
+            <a:pPr eaLnBrk="1" hangingPunct="1"/>
             <a:r>
               <a:rPr lang="en-US" smtClean="0"/>
               <a:t>Information Architecture</a:t>
             </a:r>
           </a:p>
           <a:p>
+            <a:pPr eaLnBrk="1" hangingPunct="1"/>
             <a:r>
               <a:rPr lang="en-US" smtClean="0"/>
               <a:t>Application Architecture</a:t>
             </a:r>
           </a:p>
           <a:p>
+            <a:pPr eaLnBrk="1" hangingPunct="1"/>
             <a:r>
               <a:rPr lang="en-US" smtClean="0"/>
               <a:t>Technology Architecture</a:t>
             </a:r>
           </a:p>
           <a:p>
+            <a:pPr eaLnBrk="1" hangingPunct="1"/>
             <a:r>
               <a:rPr lang="en-US" smtClean="0"/>
               <a:t>Opportunity and Solution</a:t>
             </a:r>
           </a:p>
           <a:p>
+            <a:pPr eaLnBrk="1" hangingPunct="1"/>
             <a:r>
               <a:rPr lang="en-US" smtClean="0"/>
               <a:t>Migration Plan</a:t>
             </a:r>
           </a:p>
           <a:p>
+            <a:pPr eaLnBrk="1" hangingPunct="1"/>
             <a:r>
               <a:rPr lang="en-US" smtClean="0"/>
               <a:t>Governance</a:t>
             </a:r>
           </a:p>
           <a:p>
+            <a:pPr eaLnBrk="1" hangingPunct="1"/>
             <a:endParaRPr lang="en-SG" smtClean="0"/>
           </a:p>
         </p:txBody>
@@ -12509,7 +12501,7 @@
       </p:grpSpPr>
       <p:sp>
         <p:nvSpPr>
-          <p:cNvPr id="37889" name="Title 1"/>
+          <p:cNvPr id="38913" name="Title 1"/>
           <p:cNvSpPr txBox="1">
             <a:spLocks/>
           </p:cNvSpPr>
@@ -12560,7 +12552,7 @@
       </p:sp>
       <p:pic>
         <p:nvPicPr>
-          <p:cNvPr id="37890" name="Picture 3"/>
+          <p:cNvPr id="38914" name="Picture 3"/>
           <p:cNvPicPr>
             <a:picLocks noChangeAspect="1" noChangeArrowheads="1"/>
           </p:cNvPicPr>
@@ -12624,7 +12616,7 @@
       </p:grpSpPr>
       <p:sp>
         <p:nvSpPr>
-          <p:cNvPr id="39937" name="Title 1"/>
+          <p:cNvPr id="40961" name="Title 1"/>
           <p:cNvSpPr txBox="1">
             <a:spLocks/>
           </p:cNvSpPr>
@@ -12675,7 +12667,7 @@
       </p:sp>
       <p:pic>
         <p:nvPicPr>
-          <p:cNvPr id="39938" name="Picture 2"/>
+          <p:cNvPr id="40962" name="Picture 2"/>
           <p:cNvPicPr>
             <a:picLocks noChangeAspect="1" noChangeArrowheads="1"/>
           </p:cNvPicPr>
@@ -14374,7 +14366,7 @@
       </p:graphicFrame>
       <p:sp>
         <p:nvSpPr>
-          <p:cNvPr id="42051" name="Title 1"/>
+          <p:cNvPr id="43075" name="Title 1"/>
           <p:cNvSpPr txBox="1">
             <a:spLocks/>
           </p:cNvSpPr>
@@ -14446,7 +14438,7 @@
       </p:grpSpPr>
       <p:sp>
         <p:nvSpPr>
-          <p:cNvPr id="43009" name="Title 1"/>
+          <p:cNvPr id="44033" name="Title 1"/>
           <p:cNvSpPr>
             <a:spLocks noGrp="1"/>
           </p:cNvSpPr>
@@ -14459,13 +14451,14 @@
           <a:bodyPr/>
           <a:lstStyle/>
           <a:p>
+            <a:pPr eaLnBrk="1" hangingPunct="1"/>
             <a:endParaRPr lang="en-SG" smtClean="0"/>
           </a:p>
         </p:txBody>
       </p:sp>
       <p:sp>
         <p:nvSpPr>
-          <p:cNvPr id="43010" name="Content Placeholder 2"/>
+          <p:cNvPr id="44034" name="Content Placeholder 2"/>
           <p:cNvSpPr>
             <a:spLocks noGrp="1"/>
           </p:cNvSpPr>
@@ -14483,6 +14476,7 @@
           <a:bodyPr/>
           <a:lstStyle/>
           <a:p>
+            <a:pPr eaLnBrk="1" hangingPunct="1"/>
             <a:r>
               <a:rPr lang="en-SG" sz="2000" smtClean="0"/>
               <a:t>Information Architecture</a:t>
@@ -14524,7 +14518,7 @@
       </p:grpSpPr>
       <p:sp>
         <p:nvSpPr>
-          <p:cNvPr id="58370" name="Title 1"/>
+          <p:cNvPr id="45057" name="Title 1"/>
           <p:cNvSpPr>
             <a:spLocks noGrp="1"/>
           </p:cNvSpPr>
@@ -14537,6 +14531,7 @@
           <a:bodyPr/>
           <a:lstStyle/>
           <a:p>
+            <a:pPr eaLnBrk="1" hangingPunct="1"/>
             <a:r>
               <a:rPr lang="en-SG" smtClean="0"/>
               <a:t>Data Principles</a:t>
@@ -16911,7 +16906,7 @@
       </p:grpSpPr>
       <p:sp>
         <p:nvSpPr>
-          <p:cNvPr id="44033" name="Title 1"/>
+          <p:cNvPr id="46081" name="Title 1"/>
           <p:cNvSpPr>
             <a:spLocks noGrp="1"/>
           </p:cNvSpPr>
@@ -16924,38 +16919,69 @@
           <a:bodyPr/>
           <a:lstStyle/>
           <a:p>
-            <a:endParaRPr lang="en-SG" smtClean="0"/>
-          </a:p>
-        </p:txBody>
-      </p:sp>
-      <p:sp>
-        <p:nvSpPr>
-          <p:cNvPr id="44034" name="Content Placeholder 2"/>
+            <a:pPr eaLnBrk="1" hangingPunct="1"/>
+            <a:r>
+              <a:rPr lang="en-SG" smtClean="0"/>
+              <a:t>Target Conceptual Data Model</a:t>
+            </a:r>
+          </a:p>
+        </p:txBody>
+      </p:sp>
+      <p:sp>
+        <p:nvSpPr>
+          <p:cNvPr id="46084" name="Rectangle 4"/>
           <p:cNvSpPr>
-            <a:spLocks noGrp="1"/>
+            <a:spLocks noChangeArrowheads="1"/>
           </p:cNvSpPr>
-          <p:nvPr>
-            <p:ph sz="quarter" idx="1"/>
-          </p:nvPr>
-        </p:nvSpPr>
-        <p:spPr>
+          <p:nvPr/>
+        </p:nvSpPr>
+        <p:spPr bwMode="auto">
           <a:xfrm>
-            <a:off x="457200" y="1219200"/>
-            <a:ext cx="8229600" cy="4937125"/>
+            <a:off x="0" y="0"/>
+            <a:ext cx="9144000" cy="0"/>
           </a:xfrm>
+          <a:prstGeom prst="rect">
+            <a:avLst/>
+          </a:prstGeom>
+          <a:noFill/>
+          <a:ln w="9525">
+            <a:noFill/>
+            <a:miter lim="800000"/>
+            <a:headEnd/>
+            <a:tailEnd/>
+          </a:ln>
+          <a:effectLst/>
         </p:spPr>
         <p:txBody>
-          <a:bodyPr/>
+          <a:bodyPr wrap="none" anchor="ctr">
+            <a:spAutoFit/>
+          </a:bodyPr>
           <a:lstStyle/>
           <a:p>
-            <a:r>
-              <a:rPr lang="en-US" smtClean="0"/>
-              <a:t>Application Architecture</a:t>
-            </a:r>
-            <a:endParaRPr lang="en-SG" smtClean="0"/>
-          </a:p>
-        </p:txBody>
-      </p:sp>
+            <a:endParaRPr lang="en-US"/>
+          </a:p>
+        </p:txBody>
+      </p:sp>
+      <p:graphicFrame>
+        <p:nvGraphicFramePr>
+          <p:cNvPr id="46083" name="Object 3"/>
+          <p:cNvGraphicFramePr>
+            <a:graphicFrameLocks noChangeAspect="1"/>
+          </p:cNvGraphicFramePr>
+          <p:nvPr/>
+        </p:nvGraphicFramePr>
+        <p:xfrm>
+          <a:off x="1692275" y="1268413"/>
+          <a:ext cx="5943600" cy="5029200"/>
+        </p:xfrm>
+        <a:graphic>
+          <a:graphicData uri="http://schemas.openxmlformats.org/presentationml/2006/ole">
+            <p:oleObj spid="_x0000_s46083" name="Visio" r:id="rId3" imgW="6434247" imgH="5449047" progId="Visio.Drawing.11">
+              <p:embed/>
+            </p:oleObj>
+          </a:graphicData>
+        </a:graphic>
+      </p:graphicFrame>
     </p:spTree>
   </p:cSld>
   <p:clrMapOvr>
@@ -16990,12 +17016,12 @@
       </p:grpSpPr>
       <p:sp>
         <p:nvSpPr>
-          <p:cNvPr id="45057" name="Title 1"/>
+          <p:cNvPr id="60418" name="Title 1"/>
           <p:cNvSpPr>
             <a:spLocks noGrp="1"/>
           </p:cNvSpPr>
           <p:nvPr>
-            <p:ph type="title"/>
+            <p:ph type="title" idx="4294967295"/>
           </p:nvPr>
         </p:nvSpPr>
         <p:spPr/>
@@ -17003,18 +17029,19 @@
           <a:bodyPr/>
           <a:lstStyle/>
           <a:p>
+            <a:pPr eaLnBrk="1" hangingPunct="1"/>
             <a:endParaRPr lang="en-SG" smtClean="0"/>
           </a:p>
         </p:txBody>
       </p:sp>
       <p:sp>
         <p:nvSpPr>
-          <p:cNvPr id="45058" name="Content Placeholder 2"/>
+          <p:cNvPr id="60419" name="Content Placeholder 2"/>
           <p:cNvSpPr>
             <a:spLocks noGrp="1"/>
           </p:cNvSpPr>
           <p:nvPr>
-            <p:ph sz="quarter" idx="1"/>
+            <p:ph sz="quarter" idx="4294967295"/>
           </p:nvPr>
         </p:nvSpPr>
         <p:spPr>
@@ -17027,9 +17054,10 @@
           <a:bodyPr/>
           <a:lstStyle/>
           <a:p>
+            <a:pPr eaLnBrk="1" hangingPunct="1"/>
             <a:r>
               <a:rPr lang="en-US" smtClean="0"/>
-              <a:t>Technology Architecture</a:t>
+              <a:t>Application Architecture</a:t>
             </a:r>
             <a:endParaRPr lang="en-SG" smtClean="0"/>
           </a:p>
@@ -17069,7 +17097,7 @@
       </p:grpSpPr>
       <p:sp>
         <p:nvSpPr>
-          <p:cNvPr id="46081" name="Title 1"/>
+          <p:cNvPr id="47105" name="Title 1"/>
           <p:cNvSpPr>
             <a:spLocks noGrp="1"/>
           </p:cNvSpPr>
@@ -17082,13 +17110,14 @@
           <a:bodyPr/>
           <a:lstStyle/>
           <a:p>
+            <a:pPr eaLnBrk="1" hangingPunct="1"/>
             <a:endParaRPr lang="en-SG" smtClean="0"/>
           </a:p>
         </p:txBody>
       </p:sp>
       <p:sp>
         <p:nvSpPr>
-          <p:cNvPr id="46082" name="Content Placeholder 2"/>
+          <p:cNvPr id="47106" name="Content Placeholder 2"/>
           <p:cNvSpPr>
             <a:spLocks noGrp="1"/>
           </p:cNvSpPr>
@@ -17106,9 +17135,10 @@
           <a:bodyPr/>
           <a:lstStyle/>
           <a:p>
+            <a:pPr eaLnBrk="1" hangingPunct="1"/>
             <a:r>
               <a:rPr lang="en-US" smtClean="0"/>
-              <a:t>Opportunity and Solution</a:t>
+              <a:t>Technology Architecture</a:t>
             </a:r>
             <a:endParaRPr lang="en-SG" smtClean="0"/>
           </a:p>
@@ -17148,7 +17178,7 @@
       </p:grpSpPr>
       <p:sp>
         <p:nvSpPr>
-          <p:cNvPr id="47105" name="Title 1"/>
+          <p:cNvPr id="48129" name="Title 1"/>
           <p:cNvSpPr>
             <a:spLocks noGrp="1"/>
           </p:cNvSpPr>
@@ -17161,13 +17191,14 @@
           <a:bodyPr/>
           <a:lstStyle/>
           <a:p>
+            <a:pPr eaLnBrk="1" hangingPunct="1"/>
             <a:endParaRPr lang="en-SG" smtClean="0"/>
           </a:p>
         </p:txBody>
       </p:sp>
       <p:sp>
         <p:nvSpPr>
-          <p:cNvPr id="47106" name="Content Placeholder 2"/>
+          <p:cNvPr id="48130" name="Content Placeholder 2"/>
           <p:cNvSpPr>
             <a:spLocks noGrp="1"/>
           </p:cNvSpPr>
@@ -17185,6 +17216,88 @@
           <a:bodyPr/>
           <a:lstStyle/>
           <a:p>
+            <a:pPr eaLnBrk="1" hangingPunct="1"/>
+            <a:r>
+              <a:rPr lang="en-US" smtClean="0"/>
+              <a:t>Opportunity and Solution</a:t>
+            </a:r>
+            <a:endParaRPr lang="en-SG" smtClean="0"/>
+          </a:p>
+        </p:txBody>
+      </p:sp>
+    </p:spTree>
+  </p:cSld>
+  <p:clrMapOvr>
+    <a:masterClrMapping/>
+  </p:clrMapOvr>
+  <p:timing>
+    <p:tnLst>
+      <p:par>
+        <p:cTn id="1" dur="indefinite" restart="never" nodeType="tmRoot"/>
+      </p:par>
+    </p:tnLst>
+  </p:timing>
+</p:sld>
+</file>
+
+<file path=ppt/slides/slide29.xml><?xml version="1.0" encoding="utf-8"?>
+<p:sld xmlns:a="http://schemas.openxmlformats.org/drawingml/2006/main" xmlns:r="http://schemas.openxmlformats.org/officeDocument/2006/relationships" xmlns:p="http://schemas.openxmlformats.org/presentationml/2006/main">
+  <p:cSld>
+    <p:spTree>
+      <p:nvGrpSpPr>
+        <p:cNvPr id="1" name=""/>
+        <p:cNvGrpSpPr/>
+        <p:nvPr/>
+      </p:nvGrpSpPr>
+      <p:grpSpPr>
+        <a:xfrm>
+          <a:off x="0" y="0"/>
+          <a:ext cx="0" cy="0"/>
+          <a:chOff x="0" y="0"/>
+          <a:chExt cx="0" cy="0"/>
+        </a:xfrm>
+      </p:grpSpPr>
+      <p:sp>
+        <p:nvSpPr>
+          <p:cNvPr id="49153" name="Title 1"/>
+          <p:cNvSpPr>
+            <a:spLocks noGrp="1"/>
+          </p:cNvSpPr>
+          <p:nvPr>
+            <p:ph type="title"/>
+          </p:nvPr>
+        </p:nvSpPr>
+        <p:spPr/>
+        <p:txBody>
+          <a:bodyPr/>
+          <a:lstStyle/>
+          <a:p>
+            <a:pPr eaLnBrk="1" hangingPunct="1"/>
+            <a:endParaRPr lang="en-SG" smtClean="0"/>
+          </a:p>
+        </p:txBody>
+      </p:sp>
+      <p:sp>
+        <p:nvSpPr>
+          <p:cNvPr id="49154" name="Content Placeholder 2"/>
+          <p:cNvSpPr>
+            <a:spLocks noGrp="1"/>
+          </p:cNvSpPr>
+          <p:nvPr>
+            <p:ph sz="quarter" idx="1"/>
+          </p:nvPr>
+        </p:nvSpPr>
+        <p:spPr>
+          <a:xfrm>
+            <a:off x="457200" y="1219200"/>
+            <a:ext cx="8229600" cy="4937125"/>
+          </a:xfrm>
+        </p:spPr>
+        <p:txBody>
+          <a:bodyPr/>
+          <a:lstStyle/>
+          <a:p>
+            <a:pPr eaLnBrk="1" hangingPunct="1"/>
             <a:r>
               <a:rPr lang="en-US" smtClean="0"/>
               <a:t>Migration plan</a:t>
@@ -17195,7 +17308,7 @@
       </p:sp>
       <p:pic>
         <p:nvPicPr>
-          <p:cNvPr id="47107" name="Chart 1"/>
+          <p:cNvPr id="49155" name="Chart 1"/>
           <p:cNvPicPr>
             <a:picLocks noChangeArrowheads="1"/>
           </p:cNvPicPr>
@@ -18752,7 +18865,7 @@
 </p:sld>
 </file>
 
-<file path=ppt/slides/slide29.xml><?xml version="1.0" encoding="utf-8"?>
+<file path=ppt/slides/slide3.xml><?xml version="1.0" encoding="utf-8"?>
 <p:sld xmlns:a="http://schemas.openxmlformats.org/drawingml/2006/main" xmlns:r="http://schemas.openxmlformats.org/officeDocument/2006/relationships" xmlns:p="http://schemas.openxmlformats.org/presentationml/2006/main">
   <p:cSld>
     <p:spTree>
@@ -18771,6 +18884,87 @@
       </p:grpSpPr>
       <p:sp>
         <p:nvSpPr>
+          <p:cNvPr id="18433" name="Title 1"/>
+          <p:cNvSpPr>
+            <a:spLocks noGrp="1"/>
+          </p:cNvSpPr>
+          <p:nvPr>
+            <p:ph type="title"/>
+          </p:nvPr>
+        </p:nvSpPr>
+        <p:spPr/>
+        <p:txBody>
+          <a:bodyPr/>
+          <a:lstStyle/>
+          <a:p>
+            <a:pPr eaLnBrk="1" hangingPunct="1"/>
+            <a:endParaRPr lang="en-SG" smtClean="0"/>
+          </a:p>
+        </p:txBody>
+      </p:sp>
+      <p:sp>
+        <p:nvSpPr>
+          <p:cNvPr id="18434" name="Content Placeholder 2"/>
+          <p:cNvSpPr>
+            <a:spLocks noGrp="1"/>
+          </p:cNvSpPr>
+          <p:nvPr>
+            <p:ph sz="quarter" idx="1"/>
+          </p:nvPr>
+        </p:nvSpPr>
+        <p:spPr>
+          <a:xfrm>
+            <a:off x="457200" y="1219200"/>
+            <a:ext cx="8229600" cy="4937125"/>
+          </a:xfrm>
+        </p:spPr>
+        <p:txBody>
+          <a:bodyPr/>
+          <a:lstStyle/>
+          <a:p>
+            <a:pPr eaLnBrk="1" hangingPunct="1"/>
+            <a:r>
+              <a:rPr lang="en-US" smtClean="0"/>
+              <a:t>Architecture Vision</a:t>
+            </a:r>
+            <a:endParaRPr lang="en-SG" smtClean="0"/>
+          </a:p>
+        </p:txBody>
+      </p:sp>
+    </p:spTree>
+  </p:cSld>
+  <p:clrMapOvr>
+    <a:masterClrMapping/>
+  </p:clrMapOvr>
+  <p:timing>
+    <p:tnLst>
+      <p:par>
+        <p:cTn id="1" dur="indefinite" restart="never" nodeType="tmRoot"/>
+      </p:par>
+    </p:tnLst>
+  </p:timing>
+</p:sld>
+</file>
+
+<file path=ppt/slides/slide30.xml><?xml version="1.0" encoding="utf-8"?>
+<p:sld xmlns:a="http://schemas.openxmlformats.org/drawingml/2006/main" xmlns:r="http://schemas.openxmlformats.org/officeDocument/2006/relationships" xmlns:p="http://schemas.openxmlformats.org/presentationml/2006/main">
+  <p:cSld>
+    <p:spTree>
+      <p:nvGrpSpPr>
+        <p:cNvPr id="1" name=""/>
+        <p:cNvGrpSpPr/>
+        <p:nvPr/>
+      </p:nvGrpSpPr>
+      <p:grpSpPr>
+        <a:xfrm>
+          <a:off x="0" y="0"/>
+          <a:ext cx="0" cy="0"/>
+          <a:chOff x="0" y="0"/>
+          <a:chExt cx="0" cy="0"/>
+        </a:xfrm>
+      </p:grpSpPr>
+      <p:sp>
+        <p:nvSpPr>
           <p:cNvPr id="2052" name="Title 1"/>
           <p:cNvSpPr>
             <a:spLocks noGrp="1"/>
@@ -18784,6 +18978,7 @@
           <a:bodyPr/>
           <a:lstStyle/>
           <a:p>
+            <a:pPr eaLnBrk="1" hangingPunct="1"/>
             <a:endParaRPr lang="en-SG" smtClean="0"/>
           </a:p>
         </p:txBody>
@@ -18808,6 +19003,7 @@
           <a:bodyPr/>
           <a:lstStyle/>
           <a:p>
+            <a:pPr eaLnBrk="1" hangingPunct="1"/>
             <a:r>
               <a:rPr lang="en-US" smtClean="0"/>
               <a:t>Migration Plan</a:t>
@@ -18851,7 +19047,7 @@
 </p:sld>
 </file>
 
-<file path=ppt/slides/slide3.xml><?xml version="1.0" encoding="utf-8"?>
+<file path=ppt/slides/slide31.xml><?xml version="1.0" encoding="utf-8"?>
 <p:sld xmlns:a="http://schemas.openxmlformats.org/drawingml/2006/main" xmlns:r="http://schemas.openxmlformats.org/officeDocument/2006/relationships" xmlns:p="http://schemas.openxmlformats.org/presentationml/2006/main">
   <p:cSld>
     <p:spTree>
@@ -18870,7 +19066,7 @@
       </p:grpSpPr>
       <p:sp>
         <p:nvSpPr>
-          <p:cNvPr id="17409" name="Title 1"/>
+          <p:cNvPr id="52225" name="Title 1"/>
           <p:cNvSpPr>
             <a:spLocks noGrp="1"/>
           </p:cNvSpPr>
@@ -18883,13 +19079,17 @@
           <a:bodyPr/>
           <a:lstStyle/>
           <a:p>
-            <a:endParaRPr lang="en-SG" smtClean="0"/>
-          </a:p>
-        </p:txBody>
-      </p:sp>
-      <p:sp>
-        <p:nvSpPr>
-          <p:cNvPr id="17410" name="Content Placeholder 2"/>
+            <a:pPr eaLnBrk="1" hangingPunct="1"/>
+            <a:r>
+              <a:rPr lang="en-US" smtClean="0"/>
+              <a:t>Thank You</a:t>
+            </a:r>
+          </a:p>
+        </p:txBody>
+      </p:sp>
+      <p:sp>
+        <p:nvSpPr>
+          <p:cNvPr id="52226" name="Content Placeholder 2"/>
           <p:cNvSpPr>
             <a:spLocks noGrp="1"/>
           </p:cNvSpPr>
@@ -18907,95 +19107,14 @@
           <a:bodyPr/>
           <a:lstStyle/>
           <a:p>
-            <a:r>
-              <a:rPr lang="en-US" smtClean="0"/>
-              <a:t>Architecture Vision</a:t>
-            </a:r>
-            <a:endParaRPr lang="en-SG" smtClean="0"/>
-          </a:p>
-        </p:txBody>
-      </p:sp>
-    </p:spTree>
-  </p:cSld>
-  <p:clrMapOvr>
-    <a:masterClrMapping/>
-  </p:clrMapOvr>
-  <p:timing>
-    <p:tnLst>
-      <p:par>
-        <p:cTn id="1" dur="indefinite" restart="never" nodeType="tmRoot"/>
-      </p:par>
-    </p:tnLst>
-  </p:timing>
-</p:sld>
-</file>
-
-<file path=ppt/slides/slide30.xml><?xml version="1.0" encoding="utf-8"?>
-<p:sld xmlns:a="http://schemas.openxmlformats.org/drawingml/2006/main" xmlns:r="http://schemas.openxmlformats.org/officeDocument/2006/relationships" xmlns:p="http://schemas.openxmlformats.org/presentationml/2006/main">
-  <p:cSld>
-    <p:spTree>
-      <p:nvGrpSpPr>
-        <p:cNvPr id="1" name=""/>
-        <p:cNvGrpSpPr/>
-        <p:nvPr/>
-      </p:nvGrpSpPr>
-      <p:grpSpPr>
-        <a:xfrm>
-          <a:off x="0" y="0"/>
-          <a:ext cx="0" cy="0"/>
-          <a:chOff x="0" y="0"/>
-          <a:chExt cx="0" cy="0"/>
-        </a:xfrm>
-      </p:grpSpPr>
-      <p:sp>
-        <p:nvSpPr>
-          <p:cNvPr id="50177" name="Title 1"/>
-          <p:cNvSpPr>
-            <a:spLocks noGrp="1"/>
-          </p:cNvSpPr>
-          <p:nvPr>
-            <p:ph type="title"/>
-          </p:nvPr>
-        </p:nvSpPr>
-        <p:spPr/>
-        <p:txBody>
-          <a:bodyPr/>
-          <a:lstStyle/>
-          <a:p>
-            <a:r>
-              <a:rPr lang="en-US" smtClean="0"/>
-              <a:t>Thank You</a:t>
-            </a:r>
-          </a:p>
-        </p:txBody>
-      </p:sp>
-      <p:sp>
-        <p:nvSpPr>
-          <p:cNvPr id="50178" name="Content Placeholder 2"/>
-          <p:cNvSpPr>
-            <a:spLocks noGrp="1"/>
-          </p:cNvSpPr>
-          <p:nvPr>
-            <p:ph sz="quarter" idx="1"/>
-          </p:nvPr>
-        </p:nvSpPr>
-        <p:spPr>
-          <a:xfrm>
-            <a:off x="457200" y="1219200"/>
-            <a:ext cx="8229600" cy="4937125"/>
-          </a:xfrm>
-        </p:spPr>
-        <p:txBody>
-          <a:bodyPr/>
-          <a:lstStyle/>
-          <a:p>
+            <a:pPr eaLnBrk="1" hangingPunct="1"/>
             <a:endParaRPr lang="en-US" smtClean="0"/>
           </a:p>
         </p:txBody>
       </p:sp>
       <p:pic>
         <p:nvPicPr>
-          <p:cNvPr id="50179" name="Picture 7" descr="C:\Users\changfeng\AppData\Local\Microsoft\Windows\Temporary Internet Files\Content.IE5\6IJ1KQH3\MC900441498[1].png"/>
+          <p:cNvPr id="52227" name="Picture 7" descr="C:\Users\changfeng\AppData\Local\Microsoft\Windows\Temporary Internet Files\Content.IE5\6IJ1KQH3\MC900441498[1].png"/>
           <p:cNvPicPr>
             <a:picLocks noChangeAspect="1" noChangeArrowheads="1"/>
           </p:cNvPicPr>
@@ -19059,7 +19178,7 @@
       </p:grpSpPr>
       <p:sp>
         <p:nvSpPr>
-          <p:cNvPr id="18433" name="Title 1"/>
+          <p:cNvPr id="19457" name="Title 1"/>
           <p:cNvSpPr>
             <a:spLocks noGrp="1"/>
           </p:cNvSpPr>
@@ -19072,6 +19191,7 @@
           <a:bodyPr/>
           <a:lstStyle/>
           <a:p>
+            <a:pPr eaLnBrk="1" hangingPunct="1"/>
             <a:r>
               <a:rPr lang="en-US" smtClean="0"/>
               <a:t>Concerns</a:t>
@@ -19092,7 +19212,7 @@
         </p:nvGraphicFramePr>
         <p:xfrm>
           <a:off x="827088" y="1557338"/>
-          <a:ext cx="7216775" cy="3311525"/>
+          <a:ext cx="7216775" cy="3313112"/>
         </p:xfrm>
         <a:graphic>
           <a:graphicData uri="http://schemas.openxmlformats.org/drawingml/2006/table">
@@ -19548,7 +19668,7 @@
       </p:grpSpPr>
       <p:sp>
         <p:nvSpPr>
-          <p:cNvPr id="19457" name="Title 1"/>
+          <p:cNvPr id="20481" name="Title 1"/>
           <p:cNvSpPr>
             <a:spLocks noGrp="1"/>
           </p:cNvSpPr>
@@ -19561,6 +19681,7 @@
           <a:bodyPr/>
           <a:lstStyle/>
           <a:p>
+            <a:pPr eaLnBrk="1" hangingPunct="1"/>
             <a:r>
               <a:rPr lang="en-GB" smtClean="0"/>
               <a:t>Business Vision</a:t>
@@ -19571,7 +19692,7 @@
       </p:sp>
       <p:sp>
         <p:nvSpPr>
-          <p:cNvPr id="19458" name="Content Placeholder 2"/>
+          <p:cNvPr id="20482" name="Content Placeholder 2"/>
           <p:cNvSpPr>
             <a:spLocks noGrp="1"/>
           </p:cNvSpPr>
@@ -19589,24 +19710,28 @@
           <a:bodyPr/>
           <a:lstStyle/>
           <a:p>
+            <a:pPr eaLnBrk="1" hangingPunct="1"/>
             <a:r>
               <a:rPr lang="en-GB" b="1" smtClean="0"/>
               <a:t>restructuring and reorganising the processes</a:t>
             </a:r>
           </a:p>
           <a:p>
+            <a:pPr eaLnBrk="1" hangingPunct="1"/>
             <a:r>
               <a:rPr lang="en-GB" b="1" smtClean="0"/>
               <a:t>improvement in terms of revenue and operating profit</a:t>
             </a:r>
           </a:p>
           <a:p>
+            <a:pPr eaLnBrk="1" hangingPunct="1"/>
             <a:r>
               <a:rPr lang="en-GB" b="1" smtClean="0"/>
               <a:t>modularity within department</a:t>
             </a:r>
           </a:p>
           <a:p>
+            <a:pPr eaLnBrk="1" hangingPunct="1"/>
             <a:r>
               <a:rPr lang="en-GB" b="1" smtClean="0"/>
               <a:t>shared services / Information across multiple department</a:t>
@@ -19649,7 +19774,7 @@
       </p:grpSpPr>
       <p:sp>
         <p:nvSpPr>
-          <p:cNvPr id="20481" name="Title 1"/>
+          <p:cNvPr id="21505" name="Title 1"/>
           <p:cNvSpPr>
             <a:spLocks noGrp="1"/>
           </p:cNvSpPr>
@@ -19662,6 +19787,7 @@
           <a:bodyPr/>
           <a:lstStyle/>
           <a:p>
+            <a:pPr eaLnBrk="1" hangingPunct="1"/>
             <a:r>
               <a:rPr lang="en-SG" smtClean="0"/>
               <a:t>Change Drivers &amp; Opportunities</a:t>
@@ -19691,7 +19817,7 @@
           </a:bodyPr>
           <a:lstStyle/>
           <a:p>
-            <a:pPr marL="274320" indent="-274320" fontAlgn="auto">
+            <a:pPr marL="274320" indent="-274320" eaLnBrk="1" fontAlgn="auto" hangingPunct="1">
               <a:spcAft>
                 <a:spcPts val="0"/>
               </a:spcAft>
@@ -19709,7 +19835,7 @@
             </a:r>
           </a:p>
           <a:p>
-            <a:pPr marL="274320" indent="-274320" fontAlgn="auto">
+            <a:pPr marL="274320" indent="-274320" eaLnBrk="1" fontAlgn="auto" hangingPunct="1">
               <a:spcAft>
                 <a:spcPts val="0"/>
               </a:spcAft>
@@ -19727,7 +19853,7 @@
             </a:r>
           </a:p>
           <a:p>
-            <a:pPr marL="274320" indent="-274320" fontAlgn="auto">
+            <a:pPr marL="274320" indent="-274320" eaLnBrk="1" fontAlgn="auto" hangingPunct="1">
               <a:spcAft>
                 <a:spcPts val="0"/>
               </a:spcAft>
@@ -19745,7 +19871,7 @@
             </a:r>
           </a:p>
           <a:p>
-            <a:pPr marL="274320" indent="-274320" fontAlgn="auto">
+            <a:pPr marL="274320" indent="-274320" eaLnBrk="1" fontAlgn="auto" hangingPunct="1">
               <a:spcAft>
                 <a:spcPts val="0"/>
               </a:spcAft>
@@ -19763,7 +19889,7 @@
             </a:r>
           </a:p>
           <a:p>
-            <a:pPr marL="274320" indent="-274320" fontAlgn="auto">
+            <a:pPr marL="274320" indent="-274320" eaLnBrk="1" fontAlgn="auto" hangingPunct="1">
               <a:spcAft>
                 <a:spcPts val="0"/>
               </a:spcAft>
@@ -19781,7 +19907,7 @@
             </a:r>
           </a:p>
           <a:p>
-            <a:pPr marL="274320" indent="-274320" fontAlgn="auto">
+            <a:pPr marL="274320" indent="-274320" eaLnBrk="1" fontAlgn="auto" hangingPunct="1">
               <a:spcAft>
                 <a:spcPts val="0"/>
               </a:spcAft>
@@ -19799,7 +19925,7 @@
             </a:r>
           </a:p>
           <a:p>
-            <a:pPr marL="274320" indent="-274320" fontAlgn="auto">
+            <a:pPr marL="274320" indent="-274320" eaLnBrk="1" fontAlgn="auto" hangingPunct="1">
               <a:spcAft>
                 <a:spcPts val="0"/>
               </a:spcAft>
@@ -19817,7 +19943,7 @@
             </a:r>
           </a:p>
           <a:p>
-            <a:pPr marL="274320" indent="-274320" fontAlgn="auto">
+            <a:pPr marL="274320" indent="-274320" eaLnBrk="1" fontAlgn="auto" hangingPunct="1">
               <a:spcAft>
                 <a:spcPts val="0"/>
               </a:spcAft>
@@ -19835,7 +19961,7 @@
             </a:r>
           </a:p>
           <a:p>
-            <a:pPr marL="274320" indent="-274320" fontAlgn="auto">
+            <a:pPr marL="274320" indent="-274320" eaLnBrk="1" fontAlgn="auto" hangingPunct="1">
               <a:spcAft>
                 <a:spcPts val="0"/>
               </a:spcAft>
@@ -19853,7 +19979,7 @@
             </a:r>
           </a:p>
           <a:p>
-            <a:pPr marL="274320" indent="-274320" fontAlgn="auto">
+            <a:pPr marL="274320" indent="-274320" eaLnBrk="1" fontAlgn="auto" hangingPunct="1">
               <a:spcAft>
                 <a:spcPts val="0"/>
               </a:spcAft>
@@ -19903,7 +20029,7 @@
       </p:grpSpPr>
       <p:sp>
         <p:nvSpPr>
-          <p:cNvPr id="21505" name="Title 1"/>
+          <p:cNvPr id="22529" name="Title 1"/>
           <p:cNvSpPr>
             <a:spLocks noGrp="1"/>
           </p:cNvSpPr>
@@ -19916,6 +20042,7 @@
           <a:bodyPr/>
           <a:lstStyle/>
           <a:p>
+            <a:pPr eaLnBrk="1" hangingPunct="1"/>
             <a:r>
               <a:rPr lang="en-GB" smtClean="0"/>
               <a:t>Environment and Process Models</a:t>
@@ -19926,7 +20053,7 @@
       </p:sp>
       <p:sp>
         <p:nvSpPr>
-          <p:cNvPr id="21506" name="Content Placeholder 2"/>
+          <p:cNvPr id="22530" name="Content Placeholder 2"/>
           <p:cNvSpPr>
             <a:spLocks noGrp="1"/>
           </p:cNvSpPr>
@@ -19944,6 +20071,7 @@
           <a:bodyPr/>
           <a:lstStyle/>
           <a:p>
+            <a:pPr eaLnBrk="1" hangingPunct="1"/>
             <a:r>
               <a:rPr lang="en-GB" sz="1800" b="1" smtClean="0"/>
               <a:t>Global Sales , </a:t>
@@ -19955,6 +20083,7 @@
             <a:endParaRPr lang="en-SG" sz="1800" smtClean="0"/>
           </a:p>
           <a:p>
+            <a:pPr eaLnBrk="1" hangingPunct="1"/>
             <a:r>
               <a:rPr lang="en-GB" sz="1800" b="1" smtClean="0"/>
               <a:t>Space Tracing ¸</a:t>
@@ -19966,6 +20095,7 @@
             <a:endParaRPr lang="en-SG" sz="1800" smtClean="0"/>
           </a:p>
           <a:p>
+            <a:pPr eaLnBrk="1" hangingPunct="1"/>
             <a:r>
               <a:rPr lang="en-GB" sz="1800" b="1" smtClean="0"/>
               <a:t>Global Payment ,</a:t>
@@ -19977,6 +20107,7 @@
             <a:endParaRPr lang="en-SG" sz="1800" smtClean="0"/>
           </a:p>
           <a:p>
+            <a:pPr eaLnBrk="1" hangingPunct="1"/>
             <a:r>
               <a:rPr lang="en-GB" sz="1800" b="1" smtClean="0"/>
               <a:t>Shipment Tracking </a:t>
@@ -19991,7 +20122,7 @@
       </p:sp>
       <p:pic>
         <p:nvPicPr>
-          <p:cNvPr id="21507" name="Picture 2"/>
+          <p:cNvPr id="22531" name="Picture 2"/>
           <p:cNvPicPr>
             <a:picLocks noChangeAspect="1" noChangeArrowheads="1"/>
           </p:cNvPicPr>
@@ -20055,7 +20186,7 @@
       </p:grpSpPr>
       <p:sp>
         <p:nvSpPr>
-          <p:cNvPr id="22529" name="Title 1"/>
+          <p:cNvPr id="23553" name="Title 1"/>
           <p:cNvSpPr>
             <a:spLocks noGrp="1"/>
           </p:cNvSpPr>
@@ -20068,6 +20199,7 @@
           <a:bodyPr/>
           <a:lstStyle/>
           <a:p>
+            <a:pPr eaLnBrk="1" hangingPunct="1"/>
             <a:r>
               <a:rPr lang="en-US" smtClean="0"/>
               <a:t>Target Architecture Model</a:t>
@@ -20078,7 +20210,7 @@
       </p:sp>
       <p:sp>
         <p:nvSpPr>
-          <p:cNvPr id="22530" name="Content Placeholder 2"/>
+          <p:cNvPr id="23554" name="Content Placeholder 2"/>
           <p:cNvSpPr>
             <a:spLocks noGrp="1"/>
           </p:cNvSpPr>
@@ -20096,13 +20228,14 @@
           <a:bodyPr/>
           <a:lstStyle/>
           <a:p>
+            <a:pPr eaLnBrk="1" hangingPunct="1"/>
             <a:endParaRPr lang="en-SG" smtClean="0"/>
           </a:p>
         </p:txBody>
       </p:sp>
       <p:pic>
         <p:nvPicPr>
-          <p:cNvPr id="22531" name="Picture 2" descr="Slide1"/>
+          <p:cNvPr id="23555" name="Picture 2" descr="Slide1"/>
           <p:cNvPicPr>
             <a:picLocks noChangeAspect="1" noChangeArrowheads="1"/>
           </p:cNvPicPr>
@@ -20166,7 +20299,7 @@
       </p:grpSpPr>
       <p:sp>
         <p:nvSpPr>
-          <p:cNvPr id="23553" name="Title 1"/>
+          <p:cNvPr id="24577" name="Title 1"/>
           <p:cNvSpPr>
             <a:spLocks noGrp="1"/>
           </p:cNvSpPr>
@@ -20179,6 +20312,7 @@
           <a:bodyPr/>
           <a:lstStyle/>
           <a:p>
+            <a:pPr eaLnBrk="1" hangingPunct="1"/>
             <a:r>
               <a:rPr lang="en-US" smtClean="0"/>
               <a:t>Architecture support process</a:t>
@@ -20189,7 +20323,7 @@
       </p:sp>
       <p:sp>
         <p:nvSpPr>
-          <p:cNvPr id="23554" name="Content Placeholder 2"/>
+          <p:cNvPr id="24578" name="Content Placeholder 2"/>
           <p:cNvSpPr>
             <a:spLocks noGrp="1"/>
           </p:cNvSpPr>
@@ -20207,13 +20341,14 @@
           <a:bodyPr/>
           <a:lstStyle/>
           <a:p>
+            <a:pPr eaLnBrk="1" hangingPunct="1"/>
             <a:endParaRPr lang="en-SG" smtClean="0"/>
           </a:p>
         </p:txBody>
       </p:sp>
       <p:pic>
         <p:nvPicPr>
-          <p:cNvPr id="23555" name="Picture 2" descr="Slide2"/>
+          <p:cNvPr id="24579" name="Picture 2" descr="Slide2"/>
           <p:cNvPicPr>
             <a:picLocks noChangeAspect="1" noChangeArrowheads="1"/>
           </p:cNvPicPr>

--- a/Enterprise Architech Presentation.pptx
+++ b/Enterprise Architech Presentation.pptx
@@ -5,7 +5,7 @@
     <p:sldMasterId id="2147483720" r:id="rId1"/>
   </p:sldMasterIdLst>
   <p:notesMasterIdLst>
-    <p:notesMasterId r:id="rId33"/>
+    <p:notesMasterId r:id="rId34"/>
   </p:notesMasterIdLst>
   <p:sldIdLst>
     <p:sldId id="256" r:id="rId2"/>
@@ -33,12 +33,13 @@
     <p:sldId id="279" r:id="rId24"/>
     <p:sldId id="287" r:id="rId25"/>
     <p:sldId id="284" r:id="rId26"/>
-    <p:sldId id="288" r:id="rId27"/>
-    <p:sldId id="285" r:id="rId28"/>
-    <p:sldId id="281" r:id="rId29"/>
-    <p:sldId id="282" r:id="rId30"/>
-    <p:sldId id="283" r:id="rId31"/>
-    <p:sldId id="286" r:id="rId32"/>
+    <p:sldId id="289" r:id="rId27"/>
+    <p:sldId id="288" r:id="rId28"/>
+    <p:sldId id="285" r:id="rId29"/>
+    <p:sldId id="281" r:id="rId30"/>
+    <p:sldId id="282" r:id="rId31"/>
+    <p:sldId id="283" r:id="rId32"/>
+    <p:sldId id="286" r:id="rId33"/>
   </p:sldIdLst>
   <p:sldSz cx="9144000" cy="6858000" type="screen4x3"/>
   <p:notesSz cx="6858000" cy="9144000"/>
@@ -274,7 +275,7 @@
             <a:pPr>
               <a:defRPr/>
             </a:pPr>
-            <a:fld id="{38EC7E87-4028-455D-854C-C2D499C6D9C8}" type="datetimeFigureOut">
+            <a:fld id="{9CBB7F20-84D2-4FA9-96E2-3673CE3F26E7}" type="datetimeFigureOut">
               <a:rPr lang="en-US"/>
               <a:pPr>
                 <a:defRPr/>
@@ -461,7 +462,7 @@
             <a:pPr>
               <a:defRPr/>
             </a:pPr>
-            <a:fld id="{48B6F1FA-FD63-4D09-A23F-F024E39E0352}" type="slidenum">
+            <a:fld id="{018612A9-4E0D-4703-9313-592DB0130006}" type="slidenum">
               <a:rPr lang="en-US"/>
               <a:pPr>
                 <a:defRPr/>
@@ -703,7 +704,7 @@
               </a:spcAft>
               <a:defRPr/>
             </a:pPr>
-            <a:fld id="{04636208-9205-4680-8783-35D8B1478EB8}" type="slidenum">
+            <a:fld id="{627BACFA-AE73-4819-9A15-9ABCDE9539A5}" type="slidenum">
               <a:rPr lang="en-US">
                 <a:cs typeface="Arial" charset="0"/>
               </a:rPr>
@@ -783,7 +784,7 @@
               </a:spcAft>
               <a:defRPr/>
             </a:pPr>
-            <a:fld id="{BC2E8450-2B64-47B2-B35B-F93C512A7DAA}" type="slidenum">
+            <a:fld id="{9DE4E3B8-7C22-41BE-A6EB-EC56780C28F0}" type="slidenum">
               <a:rPr lang="he-IL"/>
               <a:pPr fontAlgn="base">
                 <a:spcBef>
@@ -917,7 +918,7 @@
               </a:spcAft>
               <a:defRPr/>
             </a:pPr>
-            <a:fld id="{0937FE02-0D52-4EED-9648-5F47F7B368C2}" type="slidenum">
+            <a:fld id="{A82113B4-8CE5-4135-A9B8-B427FA9A2D4A}" type="slidenum">
               <a:rPr lang="he-IL"/>
               <a:pPr fontAlgn="base">
                 <a:spcBef>
@@ -1103,7 +1104,7 @@
               </a:spcAft>
               <a:defRPr/>
             </a:pPr>
-            <a:fld id="{60D60106-0460-48E3-8748-9AEF462A5E8F}" type="slidenum">
+            <a:fld id="{FDA5E3CD-9D79-4617-89BA-9F1F51CCE124}" type="slidenum">
               <a:rPr lang="he-IL"/>
               <a:pPr fontAlgn="base">
                 <a:spcBef>
@@ -1233,7 +1234,7 @@
               </a:spcAft>
               <a:defRPr/>
             </a:pPr>
-            <a:fld id="{C6C8D03E-1BB5-45FC-BCA4-1C752127DE24}" type="slidenum">
+            <a:fld id="{F69D1534-EF97-4B0B-B7DF-52F87E7B6666}" type="slidenum">
               <a:rPr lang="he-IL"/>
               <a:pPr fontAlgn="base">
                 <a:spcBef>
@@ -1363,7 +1364,7 @@
               </a:spcAft>
               <a:defRPr/>
             </a:pPr>
-            <a:fld id="{F30BAB50-8428-4B5F-8155-AFB929E1AAFB}" type="slidenum">
+            <a:fld id="{96CAB3F7-5CAC-43CA-B968-58E817BF1687}" type="slidenum">
               <a:rPr lang="he-IL"/>
               <a:pPr fontAlgn="base">
                 <a:spcBef>
@@ -1750,7 +1751,7 @@
             <a:pPr>
               <a:defRPr/>
             </a:pPr>
-            <a:fld id="{C9457878-C246-4C49-B95A-8F9445F01F8B}" type="datetimeFigureOut">
+            <a:fld id="{F8AFE3A2-398C-4A97-A4AB-05CC2FE1F89E}" type="datetimeFigureOut">
               <a:rPr lang="en-SG"/>
               <a:pPr>
                 <a:defRPr/>
@@ -1819,7 +1820,7 @@
             <a:pPr>
               <a:defRPr/>
             </a:pPr>
-            <a:fld id="{0FA50A6F-FA5D-4516-877F-98F816017895}" type="slidenum">
+            <a:fld id="{E23D7D42-F607-4990-9BC2-DA7D26F4EEDB}" type="slidenum">
               <a:rPr lang="en-SG"/>
               <a:pPr>
                 <a:defRPr/>
@@ -1952,7 +1953,7 @@
             <a:pPr>
               <a:defRPr/>
             </a:pPr>
-            <a:fld id="{8121E9E1-E54F-4A20-9F60-FA11DEE37443}" type="datetimeFigureOut">
+            <a:fld id="{076A74EC-5D05-43DD-B279-40BFA613B903}" type="datetimeFigureOut">
               <a:rPr lang="en-SG"/>
               <a:pPr>
                 <a:defRPr/>
@@ -2011,7 +2012,7 @@
             <a:pPr>
               <a:defRPr/>
             </a:pPr>
-            <a:fld id="{CBB4C6DD-C954-4FD6-9E18-50CB906458A0}" type="slidenum">
+            <a:fld id="{5CE96297-6DC2-4EEE-B304-BD65E7E6BF07}" type="slidenum">
               <a:rPr lang="en-SG"/>
               <a:pPr>
                 <a:defRPr/>
@@ -2308,7 +2309,7 @@
             <a:pPr>
               <a:defRPr/>
             </a:pPr>
-            <a:fld id="{85C5ED19-AB9A-48C9-BC81-D4C34B9C4C73}" type="datetimeFigureOut">
+            <a:fld id="{BF1B28F2-AA1F-48D0-831B-DBB826856A39}" type="datetimeFigureOut">
               <a:rPr lang="en-SG"/>
               <a:pPr>
                 <a:defRPr/>
@@ -2367,7 +2368,7 @@
             <a:pPr>
               <a:defRPr/>
             </a:pPr>
-            <a:fld id="{1CF41068-76E1-4193-A82E-369EE86829E8}" type="slidenum">
+            <a:fld id="{2020C130-DF6B-42C3-9E5A-2FCDE1A2AC65}" type="slidenum">
               <a:rPr lang="en-SG"/>
               <a:pPr>
                 <a:defRPr/>
@@ -2425,7 +2426,7 @@
             <a:pPr>
               <a:defRPr/>
             </a:pPr>
-            <a:fld id="{820E1FAE-E699-4F13-AE2D-931250A90276}" type="datetimeFigureOut">
+            <a:fld id="{CFAC22CA-77B2-4EF9-AE43-2E454A5E4312}" type="datetimeFigureOut">
               <a:rPr lang="en-SG"/>
               <a:pPr>
                 <a:defRPr/>
@@ -2484,7 +2485,7 @@
             <a:pPr>
               <a:defRPr/>
             </a:pPr>
-            <a:fld id="{26E6F5F1-D2E5-4810-A435-24972D91AB4F}" type="slidenum">
+            <a:fld id="{B87AFB3B-EF62-43B0-A5CA-2EB0925AD9F6}" type="slidenum">
               <a:rPr lang="en-SG"/>
               <a:pPr>
                 <a:defRPr/>
@@ -2622,7 +2623,7 @@
             <a:pPr>
               <a:defRPr/>
             </a:pPr>
-            <a:fld id="{4EB47CFE-0779-45F1-B71C-A92AB990583A}" type="datetimeFigureOut">
+            <a:fld id="{3FBFC36F-581E-4EA9-834D-7F9F1E6CF001}" type="datetimeFigureOut">
               <a:rPr lang="en-SG"/>
               <a:pPr>
                 <a:defRPr/>
@@ -2681,7 +2682,7 @@
             <a:pPr>
               <a:defRPr/>
             </a:pPr>
-            <a:fld id="{B0840E82-34C9-4267-B003-B38879BB52CF}" type="slidenum">
+            <a:fld id="{11109F7A-EDB0-4FBA-8BF7-1B1C3040D3E7}" type="slidenum">
               <a:rPr lang="en-SG"/>
               <a:pPr>
                 <a:defRPr/>
@@ -2969,7 +2970,7 @@
             <a:pPr>
               <a:defRPr/>
             </a:pPr>
-            <a:fld id="{6F5BAD64-B7D1-4B2B-8774-A9BD2824B37E}" type="datetimeFigureOut">
+            <a:fld id="{481A860A-E301-427F-BF32-617C82C57564}" type="datetimeFigureOut">
               <a:rPr lang="en-SG"/>
               <a:pPr>
                 <a:defRPr/>
@@ -3038,7 +3039,7 @@
             <a:pPr>
               <a:defRPr/>
             </a:pPr>
-            <a:fld id="{4AEE09B3-9C5C-4272-9E39-95632828BEE0}" type="slidenum">
+            <a:fld id="{A19BEEF5-33BE-4E98-844B-DF919FEC9292}" type="slidenum">
               <a:rPr lang="en-SG"/>
               <a:pPr>
                 <a:defRPr/>
@@ -3238,7 +3239,7 @@
             <a:pPr>
               <a:defRPr/>
             </a:pPr>
-            <a:fld id="{D040B756-D609-4115-833E-48E790D9E84E}" type="datetimeFigureOut">
+            <a:fld id="{81FBAB51-E7DE-4456-95F3-1C64D08ED96B}" type="datetimeFigureOut">
               <a:rPr lang="en-SG"/>
               <a:pPr>
                 <a:defRPr/>
@@ -3297,7 +3298,7 @@
             <a:pPr>
               <a:defRPr/>
             </a:pPr>
-            <a:fld id="{AFC4315E-80C6-4684-B1FB-7C3EBA0374FE}" type="slidenum">
+            <a:fld id="{EDCD3FC5-A1F2-4286-9D9A-83B163DDEC8A}" type="slidenum">
               <a:rPr lang="en-SG"/>
               <a:pPr>
                 <a:defRPr/>
@@ -3617,7 +3618,7 @@
             <a:pPr>
               <a:defRPr/>
             </a:pPr>
-            <a:fld id="{118BCA4C-B832-47B9-939F-37ECA789FBD3}" type="datetimeFigureOut">
+            <a:fld id="{861B0F7C-2F00-4AAD-B1D6-C7021BB31011}" type="datetimeFigureOut">
               <a:rPr lang="en-SG"/>
               <a:pPr>
                 <a:defRPr/>
@@ -3676,7 +3677,7 @@
             <a:pPr>
               <a:defRPr/>
             </a:pPr>
-            <a:fld id="{613E00F1-FEA8-438B-A89E-CEA3C07327D7}" type="slidenum">
+            <a:fld id="{79D5D794-D0D9-49BB-B492-1F89C6475FE8}" type="slidenum">
               <a:rPr lang="en-SG"/>
               <a:pPr>
                 <a:defRPr/>
@@ -3820,7 +3821,7 @@
             <a:pPr>
               <a:defRPr/>
             </a:pPr>
-            <a:fld id="{360B3F6C-4812-4059-AA48-36841835B6A7}" type="datetimeFigureOut">
+            <a:fld id="{8A4838F6-BBA4-4A61-9CC7-E809B47B75AA}" type="datetimeFigureOut">
               <a:rPr lang="en-SG"/>
               <a:pPr>
                 <a:defRPr/>
@@ -3879,7 +3880,7 @@
             <a:pPr>
               <a:defRPr/>
             </a:pPr>
-            <a:fld id="{E3A3565B-8DB6-4954-9791-8A94405B9954}" type="slidenum">
+            <a:fld id="{00276AA0-4902-4251-B48D-4CADC4AECEF0}" type="slidenum">
               <a:rPr lang="en-SG"/>
               <a:pPr>
                 <a:defRPr/>
@@ -4043,7 +4044,7 @@
             <a:pPr>
               <a:defRPr/>
             </a:pPr>
-            <a:fld id="{84907779-E6CF-4128-AA0F-7FAAF151D0D8}" type="datetimeFigureOut">
+            <a:fld id="{98F485E4-A636-445C-AFD9-4F7683FC8085}" type="datetimeFigureOut">
               <a:rPr lang="en-SG"/>
               <a:pPr>
                 <a:defRPr/>
@@ -4102,7 +4103,7 @@
             <a:pPr>
               <a:defRPr/>
             </a:pPr>
-            <a:fld id="{FE574BDF-1350-4650-9192-F6AF53CF726C}" type="slidenum">
+            <a:fld id="{85AF3F3E-3C77-4BA3-AB5D-CD942CDACE55}" type="slidenum">
               <a:rPr lang="en-SG"/>
               <a:pPr>
                 <a:defRPr/>
@@ -4472,7 +4473,7 @@
             <a:pPr>
               <a:defRPr/>
             </a:pPr>
-            <a:fld id="{546F15A2-2F37-4FBE-A5AA-89443AC4B657}" type="datetimeFigureOut">
+            <a:fld id="{1E651179-BE51-4798-AA1B-3217B524B5B4}" type="datetimeFigureOut">
               <a:rPr lang="en-SG"/>
               <a:pPr>
                 <a:defRPr/>
@@ -4531,7 +4532,7 @@
             <a:pPr>
               <a:defRPr/>
             </a:pPr>
-            <a:fld id="{CCB7C64E-3F17-4381-90B4-4689BADB83FC}" type="slidenum">
+            <a:fld id="{5C65B34B-00AF-4844-BA7D-97F7C1B9F945}" type="slidenum">
               <a:rPr lang="en-SG"/>
               <a:pPr>
                 <a:defRPr/>
@@ -4890,7 +4891,7 @@
             <a:pPr>
               <a:defRPr/>
             </a:pPr>
-            <a:fld id="{37BB37E3-201A-4545-BF97-0EBCF011DEEF}" type="datetimeFigureOut">
+            <a:fld id="{F88BA02C-D05B-41FA-9B2D-E6980CE64421}" type="datetimeFigureOut">
               <a:rPr lang="en-SG"/>
               <a:pPr>
                 <a:defRPr/>
@@ -4949,7 +4950,7 @@
             <a:pPr>
               <a:defRPr/>
             </a:pPr>
-            <a:fld id="{6FA7E75C-CEAF-49CF-A8C9-7337CD122DA7}" type="slidenum">
+            <a:fld id="{7E178A06-6E8E-49E6-860F-BD314423A08F}" type="slidenum">
               <a:rPr lang="en-SG"/>
               <a:pPr>
                 <a:defRPr/>
@@ -5144,7 +5145,7 @@
             <a:pPr>
               <a:defRPr/>
             </a:pPr>
-            <a:fld id="{114B72D4-1778-4F64-8A14-8CF9C6B3CC06}" type="datetimeFigureOut">
+            <a:fld id="{59080DCF-21C7-4ABF-8FAD-2E144AD4DBE8}" type="datetimeFigureOut">
               <a:rPr lang="en-SG"/>
               <a:pPr>
                 <a:defRPr/>
@@ -5243,7 +5244,7 @@
             <a:pPr>
               <a:defRPr/>
             </a:pPr>
-            <a:fld id="{B0487205-824A-417D-9140-B2BE197D6869}" type="slidenum">
+            <a:fld id="{4AB94165-22F4-4482-BA30-D447F1E8DA92}" type="slidenum">
               <a:rPr lang="en-SG"/>
               <a:pPr>
                 <a:defRPr/>
@@ -16906,7 +16907,7 @@
       </p:grpSpPr>
       <p:sp>
         <p:nvSpPr>
-          <p:cNvPr id="46081" name="Title 1"/>
+          <p:cNvPr id="46084" name="Title 1"/>
           <p:cNvSpPr>
             <a:spLocks noGrp="1"/>
           </p:cNvSpPr>
@@ -16922,14 +16923,14 @@
             <a:pPr eaLnBrk="1" hangingPunct="1"/>
             <a:r>
               <a:rPr lang="en-SG" smtClean="0"/>
-              <a:t>Target Conceptual Data Model</a:t>
-            </a:r>
-          </a:p>
-        </p:txBody>
-      </p:sp>
-      <p:sp>
-        <p:nvSpPr>
-          <p:cNvPr id="46084" name="Rectangle 4"/>
+              <a:t>Current Conceptual Data Model</a:t>
+            </a:r>
+          </a:p>
+        </p:txBody>
+      </p:sp>
+      <p:sp>
+        <p:nvSpPr>
+          <p:cNvPr id="46085" name="Rectangle 4"/>
           <p:cNvSpPr>
             <a:spLocks noChangeArrowheads="1"/>
           </p:cNvSpPr>
@@ -16950,7 +16951,6 @@
             <a:headEnd/>
             <a:tailEnd/>
           </a:ln>
-          <a:effectLst/>
         </p:spPr>
         <p:txBody>
           <a:bodyPr wrap="none" anchor="ctr">
@@ -16962,21 +16962,56 @@
           </a:p>
         </p:txBody>
       </p:sp>
+      <p:sp>
+        <p:nvSpPr>
+          <p:cNvPr id="46087" name="Rectangle 7"/>
+          <p:cNvSpPr>
+            <a:spLocks noChangeArrowheads="1"/>
+          </p:cNvSpPr>
+          <p:nvPr/>
+        </p:nvSpPr>
+        <p:spPr bwMode="auto">
+          <a:xfrm>
+            <a:off x="0" y="404813"/>
+            <a:ext cx="9144000" cy="0"/>
+          </a:xfrm>
+          <a:prstGeom prst="rect">
+            <a:avLst/>
+          </a:prstGeom>
+          <a:noFill/>
+          <a:ln w="9525">
+            <a:noFill/>
+            <a:miter lim="800000"/>
+            <a:headEnd/>
+            <a:tailEnd/>
+          </a:ln>
+          <a:effectLst/>
+        </p:spPr>
+        <p:txBody>
+          <a:bodyPr wrap="none" anchor="ctr">
+            <a:spAutoFit/>
+          </a:bodyPr>
+          <a:lstStyle/>
+          <a:p>
+            <a:endParaRPr lang="en-US"/>
+          </a:p>
+        </p:txBody>
+      </p:sp>
       <p:graphicFrame>
         <p:nvGraphicFramePr>
-          <p:cNvPr id="46083" name="Object 3"/>
+          <p:cNvPr id="46090" name="Object 10"/>
           <p:cNvGraphicFramePr>
             <a:graphicFrameLocks noChangeAspect="1"/>
           </p:cNvGraphicFramePr>
           <p:nvPr/>
         </p:nvGraphicFramePr>
         <p:xfrm>
-          <a:off x="1692275" y="1268413"/>
-          <a:ext cx="5943600" cy="5029200"/>
+          <a:off x="1619250" y="1341438"/>
+          <a:ext cx="6051550" cy="4660900"/>
         </p:xfrm>
         <a:graphic>
           <a:graphicData uri="http://schemas.openxmlformats.org/presentationml/2006/ole">
-            <p:oleObj spid="_x0000_s46083" name="Visio" r:id="rId3" imgW="6434247" imgH="5449047" progId="Visio.Drawing.11">
+            <p:oleObj spid="_x0000_s46090" name="Visio" r:id="rId3" imgW="6050954" imgH="4660654" progId="Visio.Drawing.11">
               <p:embed/>
             </p:oleObj>
           </a:graphicData>
@@ -17016,7 +17051,7 @@
       </p:grpSpPr>
       <p:sp>
         <p:nvSpPr>
-          <p:cNvPr id="60418" name="Title 1"/>
+          <p:cNvPr id="61442" name="Title 1"/>
           <p:cNvSpPr>
             <a:spLocks noGrp="1"/>
           </p:cNvSpPr>
@@ -17030,39 +17065,67 @@
           <a:lstStyle/>
           <a:p>
             <a:pPr eaLnBrk="1" hangingPunct="1"/>
-            <a:endParaRPr lang="en-SG" smtClean="0"/>
-          </a:p>
-        </p:txBody>
-      </p:sp>
-      <p:sp>
-        <p:nvSpPr>
-          <p:cNvPr id="60419" name="Content Placeholder 2"/>
+            <a:r>
+              <a:rPr lang="en-SG" smtClean="0"/>
+              <a:t>Target Conceptual Data Model</a:t>
+            </a:r>
+          </a:p>
+        </p:txBody>
+      </p:sp>
+      <p:sp>
+        <p:nvSpPr>
+          <p:cNvPr id="61443" name="Rectangle 4"/>
           <p:cNvSpPr>
-            <a:spLocks noGrp="1"/>
+            <a:spLocks noChangeArrowheads="1"/>
           </p:cNvSpPr>
-          <p:nvPr>
-            <p:ph sz="quarter" idx="4294967295"/>
-          </p:nvPr>
-        </p:nvSpPr>
-        <p:spPr>
+          <p:nvPr/>
+        </p:nvSpPr>
+        <p:spPr bwMode="auto">
           <a:xfrm>
-            <a:off x="457200" y="1219200"/>
-            <a:ext cx="8229600" cy="4937125"/>
+            <a:off x="0" y="0"/>
+            <a:ext cx="9144000" cy="0"/>
           </a:xfrm>
+          <a:prstGeom prst="rect">
+            <a:avLst/>
+          </a:prstGeom>
+          <a:noFill/>
+          <a:ln w="9525">
+            <a:noFill/>
+            <a:miter lim="800000"/>
+            <a:headEnd/>
+            <a:tailEnd/>
+          </a:ln>
         </p:spPr>
         <p:txBody>
-          <a:bodyPr/>
+          <a:bodyPr wrap="none" anchor="ctr">
+            <a:spAutoFit/>
+          </a:bodyPr>
           <a:lstStyle/>
           <a:p>
-            <a:pPr eaLnBrk="1" hangingPunct="1"/>
-            <a:r>
-              <a:rPr lang="en-US" smtClean="0"/>
-              <a:t>Application Architecture</a:t>
-            </a:r>
-            <a:endParaRPr lang="en-SG" smtClean="0"/>
-          </a:p>
-        </p:txBody>
-      </p:sp>
+            <a:endParaRPr lang="en-US"/>
+          </a:p>
+        </p:txBody>
+      </p:sp>
+      <p:graphicFrame>
+        <p:nvGraphicFramePr>
+          <p:cNvPr id="61444" name="Object 4"/>
+          <p:cNvGraphicFramePr>
+            <a:graphicFrameLocks noChangeAspect="1"/>
+          </p:cNvGraphicFramePr>
+          <p:nvPr/>
+        </p:nvGraphicFramePr>
+        <p:xfrm>
+          <a:off x="1692275" y="1268413"/>
+          <a:ext cx="5943600" cy="5029200"/>
+        </p:xfrm>
+        <a:graphic>
+          <a:graphicData uri="http://schemas.openxmlformats.org/presentationml/2006/ole">
+            <p:oleObj spid="_x0000_s61444" name="Visio" r:id="rId3" imgW="6434247" imgH="5449047" progId="Visio.Drawing.11">
+              <p:embed/>
+            </p:oleObj>
+          </a:graphicData>
+        </a:graphic>
+      </p:graphicFrame>
     </p:spTree>
   </p:cSld>
   <p:clrMapOvr>
@@ -17102,7 +17165,7 @@
             <a:spLocks noGrp="1"/>
           </p:cNvSpPr>
           <p:nvPr>
-            <p:ph type="title"/>
+            <p:ph type="title" idx="4294967295"/>
           </p:nvPr>
         </p:nvSpPr>
         <p:spPr/>
@@ -17122,7 +17185,7 @@
             <a:spLocks noGrp="1"/>
           </p:cNvSpPr>
           <p:nvPr>
-            <p:ph sz="quarter" idx="1"/>
+            <p:ph sz="quarter" idx="4294967295"/>
           </p:nvPr>
         </p:nvSpPr>
         <p:spPr>
@@ -17138,7 +17201,7 @@
             <a:pPr eaLnBrk="1" hangingPunct="1"/>
             <a:r>
               <a:rPr lang="en-US" smtClean="0"/>
-              <a:t>Technology Architecture</a:t>
+              <a:t>Application Architecture</a:t>
             </a:r>
             <a:endParaRPr lang="en-SG" smtClean="0"/>
           </a:p>
@@ -17219,7 +17282,7 @@
             <a:pPr eaLnBrk="1" hangingPunct="1"/>
             <a:r>
               <a:rPr lang="en-US" smtClean="0"/>
-              <a:t>Opportunity and Solution</a:t>
+              <a:t>Technology Architecture</a:t>
             </a:r>
             <a:endParaRPr lang="en-SG" smtClean="0"/>
           </a:p>
@@ -17300,6 +17363,168 @@
             <a:pPr eaLnBrk="1" hangingPunct="1"/>
             <a:r>
               <a:rPr lang="en-US" smtClean="0"/>
+              <a:t>Opportunity and Solution</a:t>
+            </a:r>
+            <a:endParaRPr lang="en-SG" smtClean="0"/>
+          </a:p>
+        </p:txBody>
+      </p:sp>
+    </p:spTree>
+  </p:cSld>
+  <p:clrMapOvr>
+    <a:masterClrMapping/>
+  </p:clrMapOvr>
+  <p:timing>
+    <p:tnLst>
+      <p:par>
+        <p:cTn id="1" dur="indefinite" restart="never" nodeType="tmRoot"/>
+      </p:par>
+    </p:tnLst>
+  </p:timing>
+</p:sld>
+</file>
+
+<file path=ppt/slides/slide3.xml><?xml version="1.0" encoding="utf-8"?>
+<p:sld xmlns:a="http://schemas.openxmlformats.org/drawingml/2006/main" xmlns:r="http://schemas.openxmlformats.org/officeDocument/2006/relationships" xmlns:p="http://schemas.openxmlformats.org/presentationml/2006/main">
+  <p:cSld>
+    <p:spTree>
+      <p:nvGrpSpPr>
+        <p:cNvPr id="1" name=""/>
+        <p:cNvGrpSpPr/>
+        <p:nvPr/>
+      </p:nvGrpSpPr>
+      <p:grpSpPr>
+        <a:xfrm>
+          <a:off x="0" y="0"/>
+          <a:ext cx="0" cy="0"/>
+          <a:chOff x="0" y="0"/>
+          <a:chExt cx="0" cy="0"/>
+        </a:xfrm>
+      </p:grpSpPr>
+      <p:sp>
+        <p:nvSpPr>
+          <p:cNvPr id="18433" name="Title 1"/>
+          <p:cNvSpPr>
+            <a:spLocks noGrp="1"/>
+          </p:cNvSpPr>
+          <p:nvPr>
+            <p:ph type="title"/>
+          </p:nvPr>
+        </p:nvSpPr>
+        <p:spPr/>
+        <p:txBody>
+          <a:bodyPr/>
+          <a:lstStyle/>
+          <a:p>
+            <a:pPr eaLnBrk="1" hangingPunct="1"/>
+            <a:endParaRPr lang="en-SG" smtClean="0"/>
+          </a:p>
+        </p:txBody>
+      </p:sp>
+      <p:sp>
+        <p:nvSpPr>
+          <p:cNvPr id="18434" name="Content Placeholder 2"/>
+          <p:cNvSpPr>
+            <a:spLocks noGrp="1"/>
+          </p:cNvSpPr>
+          <p:nvPr>
+            <p:ph sz="quarter" idx="1"/>
+          </p:nvPr>
+        </p:nvSpPr>
+        <p:spPr>
+          <a:xfrm>
+            <a:off x="457200" y="1219200"/>
+            <a:ext cx="8229600" cy="4937125"/>
+          </a:xfrm>
+        </p:spPr>
+        <p:txBody>
+          <a:bodyPr/>
+          <a:lstStyle/>
+          <a:p>
+            <a:pPr eaLnBrk="1" hangingPunct="1"/>
+            <a:r>
+              <a:rPr lang="en-US" smtClean="0"/>
+              <a:t>Architecture Vision</a:t>
+            </a:r>
+            <a:endParaRPr lang="en-SG" smtClean="0"/>
+          </a:p>
+        </p:txBody>
+      </p:sp>
+    </p:spTree>
+  </p:cSld>
+  <p:clrMapOvr>
+    <a:masterClrMapping/>
+  </p:clrMapOvr>
+  <p:timing>
+    <p:tnLst>
+      <p:par>
+        <p:cTn id="1" dur="indefinite" restart="never" nodeType="tmRoot"/>
+      </p:par>
+    </p:tnLst>
+  </p:timing>
+</p:sld>
+</file>
+
+<file path=ppt/slides/slide30.xml><?xml version="1.0" encoding="utf-8"?>
+<p:sld xmlns:a="http://schemas.openxmlformats.org/drawingml/2006/main" xmlns:r="http://schemas.openxmlformats.org/officeDocument/2006/relationships" xmlns:p="http://schemas.openxmlformats.org/presentationml/2006/main">
+  <p:cSld>
+    <p:spTree>
+      <p:nvGrpSpPr>
+        <p:cNvPr id="1" name=""/>
+        <p:cNvGrpSpPr/>
+        <p:nvPr/>
+      </p:nvGrpSpPr>
+      <p:grpSpPr>
+        <a:xfrm>
+          <a:off x="0" y="0"/>
+          <a:ext cx="0" cy="0"/>
+          <a:chOff x="0" y="0"/>
+          <a:chExt cx="0" cy="0"/>
+        </a:xfrm>
+      </p:grpSpPr>
+      <p:sp>
+        <p:nvSpPr>
+          <p:cNvPr id="50177" name="Title 1"/>
+          <p:cNvSpPr>
+            <a:spLocks noGrp="1"/>
+          </p:cNvSpPr>
+          <p:nvPr>
+            <p:ph type="title"/>
+          </p:nvPr>
+        </p:nvSpPr>
+        <p:spPr/>
+        <p:txBody>
+          <a:bodyPr/>
+          <a:lstStyle/>
+          <a:p>
+            <a:pPr eaLnBrk="1" hangingPunct="1"/>
+            <a:endParaRPr lang="en-SG" smtClean="0"/>
+          </a:p>
+        </p:txBody>
+      </p:sp>
+      <p:sp>
+        <p:nvSpPr>
+          <p:cNvPr id="50178" name="Content Placeholder 2"/>
+          <p:cNvSpPr>
+            <a:spLocks noGrp="1"/>
+          </p:cNvSpPr>
+          <p:nvPr>
+            <p:ph sz="quarter" idx="1"/>
+          </p:nvPr>
+        </p:nvSpPr>
+        <p:spPr>
+          <a:xfrm>
+            <a:off x="457200" y="1219200"/>
+            <a:ext cx="8229600" cy="4937125"/>
+          </a:xfrm>
+        </p:spPr>
+        <p:txBody>
+          <a:bodyPr/>
+          <a:lstStyle/>
+          <a:p>
+            <a:pPr eaLnBrk="1" hangingPunct="1"/>
+            <a:r>
+              <a:rPr lang="en-US" smtClean="0"/>
               <a:t>Migration plan</a:t>
             </a:r>
             <a:endParaRPr lang="en-SG" smtClean="0"/>
@@ -17308,7 +17533,7 @@
       </p:sp>
       <p:pic>
         <p:nvPicPr>
-          <p:cNvPr id="49155" name="Chart 1"/>
+          <p:cNvPr id="50179" name="Chart 1"/>
           <p:cNvPicPr>
             <a:picLocks noChangeArrowheads="1"/>
           </p:cNvPicPr>
@@ -18865,88 +19090,7 @@
 </p:sld>
 </file>
 
-<file path=ppt/slides/slide3.xml><?xml version="1.0" encoding="utf-8"?>
-<p:sld xmlns:a="http://schemas.openxmlformats.org/drawingml/2006/main" xmlns:r="http://schemas.openxmlformats.org/officeDocument/2006/relationships" xmlns:p="http://schemas.openxmlformats.org/presentationml/2006/main">
-  <p:cSld>
-    <p:spTree>
-      <p:nvGrpSpPr>
-        <p:cNvPr id="1" name=""/>
-        <p:cNvGrpSpPr/>
-        <p:nvPr/>
-      </p:nvGrpSpPr>
-      <p:grpSpPr>
-        <a:xfrm>
-          <a:off x="0" y="0"/>
-          <a:ext cx="0" cy="0"/>
-          <a:chOff x="0" y="0"/>
-          <a:chExt cx="0" cy="0"/>
-        </a:xfrm>
-      </p:grpSpPr>
-      <p:sp>
-        <p:nvSpPr>
-          <p:cNvPr id="18433" name="Title 1"/>
-          <p:cNvSpPr>
-            <a:spLocks noGrp="1"/>
-          </p:cNvSpPr>
-          <p:nvPr>
-            <p:ph type="title"/>
-          </p:nvPr>
-        </p:nvSpPr>
-        <p:spPr/>
-        <p:txBody>
-          <a:bodyPr/>
-          <a:lstStyle/>
-          <a:p>
-            <a:pPr eaLnBrk="1" hangingPunct="1"/>
-            <a:endParaRPr lang="en-SG" smtClean="0"/>
-          </a:p>
-        </p:txBody>
-      </p:sp>
-      <p:sp>
-        <p:nvSpPr>
-          <p:cNvPr id="18434" name="Content Placeholder 2"/>
-          <p:cNvSpPr>
-            <a:spLocks noGrp="1"/>
-          </p:cNvSpPr>
-          <p:nvPr>
-            <p:ph sz="quarter" idx="1"/>
-          </p:nvPr>
-        </p:nvSpPr>
-        <p:spPr>
-          <a:xfrm>
-            <a:off x="457200" y="1219200"/>
-            <a:ext cx="8229600" cy="4937125"/>
-          </a:xfrm>
-        </p:spPr>
-        <p:txBody>
-          <a:bodyPr/>
-          <a:lstStyle/>
-          <a:p>
-            <a:pPr eaLnBrk="1" hangingPunct="1"/>
-            <a:r>
-              <a:rPr lang="en-US" smtClean="0"/>
-              <a:t>Architecture Vision</a:t>
-            </a:r>
-            <a:endParaRPr lang="en-SG" smtClean="0"/>
-          </a:p>
-        </p:txBody>
-      </p:sp>
-    </p:spTree>
-  </p:cSld>
-  <p:clrMapOvr>
-    <a:masterClrMapping/>
-  </p:clrMapOvr>
-  <p:timing>
-    <p:tnLst>
-      <p:par>
-        <p:cTn id="1" dur="indefinite" restart="never" nodeType="tmRoot"/>
-      </p:par>
-    </p:tnLst>
-  </p:timing>
-</p:sld>
-</file>
-
-<file path=ppt/slides/slide30.xml><?xml version="1.0" encoding="utf-8"?>
+<file path=ppt/slides/slide31.xml><?xml version="1.0" encoding="utf-8"?>
 <p:sld xmlns:a="http://schemas.openxmlformats.org/drawingml/2006/main" xmlns:r="http://schemas.openxmlformats.org/officeDocument/2006/relationships" xmlns:p="http://schemas.openxmlformats.org/presentationml/2006/main">
   <p:cSld>
     <p:spTree>
@@ -19047,7 +19191,7 @@
 </p:sld>
 </file>
 
-<file path=ppt/slides/slide31.xml><?xml version="1.0" encoding="utf-8"?>
+<file path=ppt/slides/slide32.xml><?xml version="1.0" encoding="utf-8"?>
 <p:sld xmlns:a="http://schemas.openxmlformats.org/drawingml/2006/main" xmlns:r="http://schemas.openxmlformats.org/officeDocument/2006/relationships" xmlns:p="http://schemas.openxmlformats.org/presentationml/2006/main">
   <p:cSld>
     <p:spTree>
@@ -19066,7 +19210,7 @@
       </p:grpSpPr>
       <p:sp>
         <p:nvSpPr>
-          <p:cNvPr id="52225" name="Title 1"/>
+          <p:cNvPr id="53249" name="Title 1"/>
           <p:cNvSpPr>
             <a:spLocks noGrp="1"/>
           </p:cNvSpPr>
@@ -19089,7 +19233,7 @@
       </p:sp>
       <p:sp>
         <p:nvSpPr>
-          <p:cNvPr id="52226" name="Content Placeholder 2"/>
+          <p:cNvPr id="53250" name="Content Placeholder 2"/>
           <p:cNvSpPr>
             <a:spLocks noGrp="1"/>
           </p:cNvSpPr>
@@ -19114,7 +19258,7 @@
       </p:sp>
       <p:pic>
         <p:nvPicPr>
-          <p:cNvPr id="52227" name="Picture 7" descr="C:\Users\changfeng\AppData\Local\Microsoft\Windows\Temporary Internet Files\Content.IE5\6IJ1KQH3\MC900441498[1].png"/>
+          <p:cNvPr id="53251" name="Picture 7" descr="C:\Users\changfeng\AppData\Local\Microsoft\Windows\Temporary Internet Files\Content.IE5\6IJ1KQH3\MC900441498[1].png"/>
           <p:cNvPicPr>
             <a:picLocks noChangeAspect="1" noChangeArrowheads="1"/>
           </p:cNvPicPr>

--- a/Enterprise Architech Presentation.pptx
+++ b/Enterprise Architech Presentation.pptx
@@ -280,7 +280,7 @@
               <a:pPr>
                 <a:defRPr/>
               </a:pPr>
-              <a:t>4/4/2014</a:t>
+              <a:t>4/5/2014</a:t>
             </a:fld>
             <a:endParaRPr lang="en-US"/>
           </a:p>
@@ -474,6 +474,11 @@
         </p:txBody>
       </p:sp>
     </p:spTree>
+    <p:extLst>
+      <p:ext uri="{BB962C8B-B14F-4D97-AF65-F5344CB8AC3E}">
+        <p14:creationId xmlns:p14="http://schemas.microsoft.com/office/powerpoint/2010/main" val="3888881912"/>
+      </p:ext>
+    </p:extLst>
   </p:cSld>
   <p:clrMap bg1="lt1" tx1="dk1" bg2="lt2" tx2="dk2" accent1="accent1" accent2="accent2" accent3="accent3" accent4="accent4" accent5="accent5" accent6="accent6" hlink="hlink" folHlink="folHlink"/>
   <p:notesStyle>
@@ -1756,7 +1761,7 @@
               <a:pPr>
                 <a:defRPr/>
               </a:pPr>
-              <a:t>4/4/2014</a:t>
+              <a:t>5/4/2014</a:t>
             </a:fld>
             <a:endParaRPr lang="en-SG"/>
           </a:p>
@@ -1958,7 +1963,7 @@
               <a:pPr>
                 <a:defRPr/>
               </a:pPr>
-              <a:t>4/4/2014</a:t>
+              <a:t>5/4/2014</a:t>
             </a:fld>
             <a:endParaRPr lang="en-SG"/>
           </a:p>
@@ -2314,7 +2319,7 @@
               <a:pPr>
                 <a:defRPr/>
               </a:pPr>
-              <a:t>4/4/2014</a:t>
+              <a:t>5/4/2014</a:t>
             </a:fld>
             <a:endParaRPr lang="en-SG"/>
           </a:p>
@@ -2431,7 +2436,7 @@
               <a:pPr>
                 <a:defRPr/>
               </a:pPr>
-              <a:t>4/4/2014</a:t>
+              <a:t>5/4/2014</a:t>
             </a:fld>
             <a:endParaRPr lang="en-SG"/>
           </a:p>
@@ -2628,7 +2633,7 @@
               <a:pPr>
                 <a:defRPr/>
               </a:pPr>
-              <a:t>4/4/2014</a:t>
+              <a:t>5/4/2014</a:t>
             </a:fld>
             <a:endParaRPr lang="en-SG"/>
           </a:p>
@@ -2975,7 +2980,7 @@
               <a:pPr>
                 <a:defRPr/>
               </a:pPr>
-              <a:t>4/4/2014</a:t>
+              <a:t>5/4/2014</a:t>
             </a:fld>
             <a:endParaRPr lang="en-SG"/>
           </a:p>
@@ -3244,7 +3249,7 @@
               <a:pPr>
                 <a:defRPr/>
               </a:pPr>
-              <a:t>4/4/2014</a:t>
+              <a:t>5/4/2014</a:t>
             </a:fld>
             <a:endParaRPr lang="en-SG"/>
           </a:p>
@@ -3623,7 +3628,7 @@
               <a:pPr>
                 <a:defRPr/>
               </a:pPr>
-              <a:t>4/4/2014</a:t>
+              <a:t>5/4/2014</a:t>
             </a:fld>
             <a:endParaRPr lang="en-SG"/>
           </a:p>
@@ -3826,7 +3831,7 @@
               <a:pPr>
                 <a:defRPr/>
               </a:pPr>
-              <a:t>4/4/2014</a:t>
+              <a:t>5/4/2014</a:t>
             </a:fld>
             <a:endParaRPr lang="en-SG"/>
           </a:p>
@@ -4049,7 +4054,7 @@
               <a:pPr>
                 <a:defRPr/>
               </a:pPr>
-              <a:t>4/4/2014</a:t>
+              <a:t>5/4/2014</a:t>
             </a:fld>
             <a:endParaRPr lang="en-SG"/>
           </a:p>
@@ -4478,7 +4483,7 @@
               <a:pPr>
                 <a:defRPr/>
               </a:pPr>
-              <a:t>4/4/2014</a:t>
+              <a:t>5/4/2014</a:t>
             </a:fld>
             <a:endParaRPr lang="en-SG"/>
           </a:p>
@@ -4896,7 +4901,7 @@
               <a:pPr>
                 <a:defRPr/>
               </a:pPr>
-              <a:t>4/4/2014</a:t>
+              <a:t>5/4/2014</a:t>
             </a:fld>
             <a:endParaRPr lang="en-SG"/>
           </a:p>
@@ -5150,7 +5155,7 @@
               <a:pPr>
                 <a:defRPr/>
               </a:pPr>
-              <a:t>4/4/2014</a:t>
+              <a:t>5/4/2014</a:t>
             </a:fld>
             <a:endParaRPr lang="en-SG"/>
           </a:p>
@@ -5943,9 +5948,7 @@
         </p:nvPicPr>
         <p:blipFill>
           <a:blip r:embed="rId3">
-            <a:extLst>
-              <a:ext uri="{28A0092B-C50C-407E-A947-70E740481C1C}"/>
-            </a:extLst>
+            <a:extLst/>
           </a:blip>
           <a:srcRect/>
           <a:stretch>
@@ -5984,9 +5987,7 @@
               <a:srgbClr val="969696"/>
             </a:contourClr>
           </a:sp3d>
-          <a:extLst>
-            <a:ext uri="{909E8E84-426E-40DD-AFC4-6F175D3DCCD1}"/>
-          </a:extLst>
+          <a:extLst/>
         </p:spPr>
       </p:pic>
     </p:spTree>
@@ -6485,7 +6486,7 @@
         </p:nvGraphicFramePr>
         <p:xfrm>
           <a:off x="457200" y="1219200"/>
-          <a:ext cx="8229600" cy="5106988"/>
+          <a:ext cx="8229600" cy="5018112"/>
         </p:xfrm>
         <a:graphic>
           <a:graphicData uri="http://schemas.openxmlformats.org/drawingml/2006/table">
@@ -6916,7 +6917,7 @@
         </p:nvGraphicFramePr>
         <p:xfrm>
           <a:off x="457200" y="1219200"/>
-          <a:ext cx="8229600" cy="1982788"/>
+          <a:ext cx="8229600" cy="1983119"/>
         </p:xfrm>
         <a:graphic>
           <a:graphicData uri="http://schemas.openxmlformats.org/drawingml/2006/table">
@@ -7859,7 +7860,7 @@
             <a:p>
               <a:pPr algn="ctr"/>
               <a:r>
-                <a:rPr lang="en-US" sz="900">
+                <a:rPr lang="en-US" sz="900" dirty="0">
                   <a:solidFill>
                     <a:srgbClr val="000000"/>
                   </a:solidFill>
@@ -12740,7 +12741,7 @@
         </p:nvGraphicFramePr>
         <p:xfrm>
           <a:off x="179388" y="836613"/>
-          <a:ext cx="8785225" cy="5545137"/>
+          <a:ext cx="8784978" cy="5544616"/>
         </p:xfrm>
         <a:graphic>
           <a:graphicData uri="http://schemas.openxmlformats.org/drawingml/2006/table">
@@ -14550,7 +14551,7 @@
         </p:nvGraphicFramePr>
         <p:xfrm>
           <a:off x="468313" y="1412875"/>
-          <a:ext cx="8207375" cy="1085850"/>
+          <a:ext cx="8207375" cy="1086486"/>
         </p:xfrm>
         <a:graphic>
           <a:graphicData uri="http://schemas.openxmlformats.org/drawingml/2006/table">
@@ -15336,7 +15337,7 @@
         </p:nvGraphicFramePr>
         <p:xfrm>
           <a:off x="468313" y="2708275"/>
-          <a:ext cx="8207375" cy="1085850"/>
+          <a:ext cx="8207375" cy="1085852"/>
         </p:xfrm>
         <a:graphic>
           <a:graphicData uri="http://schemas.openxmlformats.org/drawingml/2006/table">
@@ -16109,7 +16110,7 @@
         </p:nvGraphicFramePr>
         <p:xfrm>
           <a:off x="468313" y="4005263"/>
-          <a:ext cx="8207375" cy="1157287"/>
+          <a:ext cx="8207375" cy="1085852"/>
         </p:xfrm>
         <a:graphic>
           <a:graphicData uri="http://schemas.openxmlformats.org/drawingml/2006/table">
@@ -17011,9 +17012,82 @@
         </p:xfrm>
         <a:graphic>
           <a:graphicData uri="http://schemas.openxmlformats.org/presentationml/2006/ole">
-            <p:oleObj spid="_x0000_s46090" name="Visio" r:id="rId3" imgW="6050954" imgH="4660654" progId="Visio.Drawing.11">
-              <p:embed/>
-            </p:oleObj>
+            <mc:AlternateContent xmlns:mc="http://schemas.openxmlformats.org/markup-compatibility/2006">
+              <mc:Choice xmlns:v="urn:schemas-microsoft-com:vml" Requires="v">
+                <p:oleObj spid="_x0000_s46091" name="Visio" r:id="rId3" imgW="6050954" imgH="4660654" progId="Visio.Drawing.11">
+                  <p:embed/>
+                </p:oleObj>
+              </mc:Choice>
+              <mc:Fallback>
+                <p:oleObj name="Visio" r:id="rId3" imgW="6050954" imgH="4660654" progId="Visio.Drawing.11">
+                  <p:embed/>
+                  <p:pic>
+                    <p:nvPicPr>
+                      <p:cNvPr id="0" name="Picture 10"/>
+                      <p:cNvPicPr>
+                        <a:picLocks noChangeAspect="1" noChangeArrowheads="1"/>
+                      </p:cNvPicPr>
+                      <p:nvPr/>
+                    </p:nvPicPr>
+                    <p:blipFill>
+                      <a:blip r:embed="rId4">
+                        <a:extLst>
+                          <a:ext uri="{28A0092B-C50C-407E-A947-70E740481C1C}">
+                            <a14:useLocalDpi xmlns:a14="http://schemas.microsoft.com/office/drawing/2010/main" val="0"/>
+                          </a:ext>
+                        </a:extLst>
+                      </a:blip>
+                      <a:srcRect/>
+                      <a:stretch>
+                        <a:fillRect/>
+                      </a:stretch>
+                    </p:blipFill>
+                    <p:spPr bwMode="auto">
+                      <a:xfrm>
+                        <a:off x="1619250" y="1341438"/>
+                        <a:ext cx="6051550" cy="4660900"/>
+                      </a:xfrm>
+                      <a:prstGeom prst="rect">
+                        <a:avLst/>
+                      </a:prstGeom>
+                      <a:noFill/>
+                      <a:ln>
+                        <a:noFill/>
+                      </a:ln>
+                      <a:effectLst/>
+                      <a:extLst>
+                        <a:ext uri="{909E8E84-426E-40DD-AFC4-6F175D3DCCD1}">
+                          <a14:hiddenFill xmlns:a14="http://schemas.microsoft.com/office/drawing/2010/main">
+                            <a:solidFill>
+                              <a:schemeClr val="accent1"/>
+                            </a:solidFill>
+                          </a14:hiddenFill>
+                        </a:ext>
+                        <a:ext uri="{91240B29-F687-4F45-9708-019B960494DF}">
+                          <a14:hiddenLine xmlns:a14="http://schemas.microsoft.com/office/drawing/2010/main" w="9525">
+                            <a:solidFill>
+                              <a:schemeClr val="tx1"/>
+                            </a:solidFill>
+                            <a:miter lim="800000"/>
+                            <a:headEnd/>
+                            <a:tailEnd/>
+                          </a14:hiddenLine>
+                        </a:ext>
+                        <a:ext uri="{AF507438-7753-43E0-B8FC-AC1667EBCBE1}">
+                          <a14:hiddenEffects xmlns:a14="http://schemas.microsoft.com/office/drawing/2010/main">
+                            <a:effectLst>
+                              <a:outerShdw dist="35921" dir="2700000" algn="ctr" rotWithShape="0">
+                                <a:schemeClr val="bg2"/>
+                              </a:outerShdw>
+                            </a:effectLst>
+                          </a14:hiddenEffects>
+                        </a:ext>
+                      </a:extLst>
+                    </p:spPr>
+                  </p:pic>
+                </p:oleObj>
+              </mc:Fallback>
+            </mc:AlternateContent>
           </a:graphicData>
         </a:graphic>
       </p:graphicFrame>
@@ -17120,9 +17194,59 @@
         </p:xfrm>
         <a:graphic>
           <a:graphicData uri="http://schemas.openxmlformats.org/presentationml/2006/ole">
-            <p:oleObj spid="_x0000_s61444" name="Visio" r:id="rId3" imgW="6434247" imgH="5449047" progId="Visio.Drawing.11">
-              <p:embed/>
-            </p:oleObj>
+            <mc:AlternateContent xmlns:mc="http://schemas.openxmlformats.org/markup-compatibility/2006">
+              <mc:Choice xmlns:v="urn:schemas-microsoft-com:vml" Requires="v">
+                <p:oleObj spid="_x0000_s61445" name="Visio" r:id="rId3" imgW="6434247" imgH="5449047" progId="Visio.Drawing.11">
+                  <p:embed/>
+                </p:oleObj>
+              </mc:Choice>
+              <mc:Fallback>
+                <p:oleObj name="Visio" r:id="rId3" imgW="6434247" imgH="5449047" progId="Visio.Drawing.11">
+                  <p:embed/>
+                  <p:pic>
+                    <p:nvPicPr>
+                      <p:cNvPr id="0" name="Picture 4"/>
+                      <p:cNvPicPr>
+                        <a:picLocks noChangeAspect="1" noChangeArrowheads="1"/>
+                      </p:cNvPicPr>
+                      <p:nvPr/>
+                    </p:nvPicPr>
+                    <p:blipFill>
+                      <a:blip r:embed="rId4">
+                        <a:extLst>
+                          <a:ext uri="{28A0092B-C50C-407E-A947-70E740481C1C}">
+                            <a14:useLocalDpi xmlns:a14="http://schemas.microsoft.com/office/drawing/2010/main" val="0"/>
+                          </a:ext>
+                        </a:extLst>
+                      </a:blip>
+                      <a:srcRect/>
+                      <a:stretch>
+                        <a:fillRect/>
+                      </a:stretch>
+                    </p:blipFill>
+                    <p:spPr bwMode="auto">
+                      <a:xfrm>
+                        <a:off x="1692275" y="1268413"/>
+                        <a:ext cx="5943600" cy="5029200"/>
+                      </a:xfrm>
+                      <a:prstGeom prst="rect">
+                        <a:avLst/>
+                      </a:prstGeom>
+                      <a:noFill/>
+                      <a:extLst>
+                        <a:ext uri="{909E8E84-426E-40DD-AFC4-6F175D3DCCD1}">
+                          <a14:hiddenFill xmlns:a14="http://schemas.microsoft.com/office/drawing/2010/main">
+                            <a:solidFill>
+                              <a:srgbClr val="FFFFFF"/>
+                            </a:solidFill>
+                          </a14:hiddenFill>
+                        </a:ext>
+                      </a:extLst>
+                    </p:spPr>
+                  </p:pic>
+                </p:oleObj>
+              </mc:Fallback>
+            </mc:AlternateContent>
           </a:graphicData>
         </a:graphic>
       </p:graphicFrame>
@@ -17281,13 +17405,78 @@
           <a:p>
             <a:pPr eaLnBrk="1" hangingPunct="1"/>
             <a:r>
-              <a:rPr lang="en-US" smtClean="0"/>
-              <a:t>Technology Architecture</a:t>
-            </a:r>
-            <a:endParaRPr lang="en-SG" smtClean="0"/>
-          </a:p>
-        </p:txBody>
-      </p:sp>
+              <a:rPr lang="en-US" dirty="0" smtClean="0"/>
+              <a:t>Technology </a:t>
+            </a:r>
+            <a:r>
+              <a:rPr lang="en-US" dirty="0" smtClean="0"/>
+              <a:t>Architecture</a:t>
+            </a:r>
+          </a:p>
+          <a:p>
+            <a:pPr lvl="1" eaLnBrk="1" hangingPunct="1"/>
+            <a:r>
+              <a:rPr lang="en-US" dirty="0" smtClean="0"/>
+              <a:t>TRM</a:t>
+            </a:r>
+            <a:endParaRPr lang="en-SG" dirty="0" smtClean="0"/>
+          </a:p>
+        </p:txBody>
+      </p:sp>
+      <p:pic>
+        <p:nvPicPr>
+          <p:cNvPr id="62466" name="Picture 2"/>
+          <p:cNvPicPr>
+            <a:picLocks noChangeAspect="1" noChangeArrowheads="1"/>
+          </p:cNvPicPr>
+          <p:nvPr/>
+        </p:nvPicPr>
+        <p:blipFill>
+          <a:blip r:embed="rId2">
+            <a:extLst>
+              <a:ext uri="{28A0092B-C50C-407E-A947-70E740481C1C}">
+                <a14:useLocalDpi xmlns:a14="http://schemas.microsoft.com/office/drawing/2010/main" val="0"/>
+              </a:ext>
+            </a:extLst>
+          </a:blip>
+          <a:srcRect/>
+          <a:stretch>
+            <a:fillRect/>
+          </a:stretch>
+        </p:blipFill>
+        <p:spPr bwMode="auto">
+          <a:xfrm>
+            <a:off x="1763688" y="1772816"/>
+            <a:ext cx="6624736" cy="4104456"/>
+          </a:xfrm>
+          <a:prstGeom prst="rect">
+            <a:avLst/>
+          </a:prstGeom>
+          <a:noFill/>
+          <a:ln>
+            <a:noFill/>
+          </a:ln>
+          <a:extLst>
+            <a:ext uri="{909E8E84-426E-40DD-AFC4-6F175D3DCCD1}">
+              <a14:hiddenFill xmlns:a14="http://schemas.microsoft.com/office/drawing/2010/main">
+                <a:solidFill>
+                  <a:schemeClr val="accent1"/>
+                </a:solidFill>
+              </a14:hiddenFill>
+            </a:ext>
+            <a:ext uri="{91240B29-F687-4F45-9708-019B960494DF}">
+              <a14:hiddenLine xmlns:a14="http://schemas.microsoft.com/office/drawing/2010/main" w="9525">
+                <a:solidFill>
+                  <a:schemeClr val="tx1"/>
+                </a:solidFill>
+                <a:miter lim="800000"/>
+                <a:headEnd/>
+                <a:tailEnd/>
+              </a14:hiddenLine>
+            </a:ext>
+          </a:extLst>
+        </p:spPr>
+      </p:pic>
     </p:spTree>
   </p:cSld>
   <p:clrMapOvr>
@@ -19170,9 +19359,59 @@
         </p:xfrm>
         <a:graphic>
           <a:graphicData uri="http://schemas.openxmlformats.org/presentationml/2006/ole">
-            <p:oleObj spid="_x0000_s2051" name="Visio" r:id="rId3" imgW="9660374" imgH="6002783" progId="Visio.Drawing.11">
-              <p:embed/>
-            </p:oleObj>
+            <mc:AlternateContent xmlns:mc="http://schemas.openxmlformats.org/markup-compatibility/2006">
+              <mc:Choice xmlns:v="urn:schemas-microsoft-com:vml" Requires="v">
+                <p:oleObj spid="_x0000_s2052" name="Visio" r:id="rId3" imgW="9660374" imgH="6002783" progId="Visio.Drawing.11">
+                  <p:embed/>
+                </p:oleObj>
+              </mc:Choice>
+              <mc:Fallback>
+                <p:oleObj name="Visio" r:id="rId3" imgW="9660374" imgH="6002783" progId="Visio.Drawing.11">
+                  <p:embed/>
+                  <p:pic>
+                    <p:nvPicPr>
+                      <p:cNvPr id="0" name="Picture 3"/>
+                      <p:cNvPicPr>
+                        <a:picLocks noChangeAspect="1" noChangeArrowheads="1"/>
+                      </p:cNvPicPr>
+                      <p:nvPr/>
+                    </p:nvPicPr>
+                    <p:blipFill>
+                      <a:blip r:embed="rId4">
+                        <a:extLst>
+                          <a:ext uri="{28A0092B-C50C-407E-A947-70E740481C1C}">
+                            <a14:useLocalDpi xmlns:a14="http://schemas.microsoft.com/office/drawing/2010/main" val="0"/>
+                          </a:ext>
+                        </a:extLst>
+                      </a:blip>
+                      <a:srcRect/>
+                      <a:stretch>
+                        <a:fillRect/>
+                      </a:stretch>
+                    </p:blipFill>
+                    <p:spPr bwMode="auto">
+                      <a:xfrm>
+                        <a:off x="827088" y="1781175"/>
+                        <a:ext cx="7723187" cy="4802188"/>
+                      </a:xfrm>
+                      <a:prstGeom prst="rect">
+                        <a:avLst/>
+                      </a:prstGeom>
+                      <a:noFill/>
+                      <a:extLst>
+                        <a:ext uri="{909E8E84-426E-40DD-AFC4-6F175D3DCCD1}">
+                          <a14:hiddenFill xmlns:a14="http://schemas.microsoft.com/office/drawing/2010/main">
+                            <a:solidFill>
+                              <a:srgbClr val="FFFFFF"/>
+                            </a:solidFill>
+                          </a14:hiddenFill>
+                        </a:ext>
+                      </a:extLst>
+                    </p:spPr>
+                  </p:pic>
+                </p:oleObj>
+              </mc:Fallback>
+            </mc:AlternateContent>
           </a:graphicData>
         </a:graphic>
       </p:graphicFrame>
@@ -19356,7 +19595,7 @@
         </p:nvGraphicFramePr>
         <p:xfrm>
           <a:off x="827088" y="1557338"/>
-          <a:ext cx="7216775" cy="3313112"/>
+          <a:ext cx="7216844" cy="3312367"/>
         </p:xfrm>
         <a:graphic>
           <a:graphicData uri="http://schemas.openxmlformats.org/drawingml/2006/table">

--- a/Enterprise Architech Presentation.pptx
+++ b/Enterprise Architech Presentation.pptx
@@ -5,7 +5,7 @@
     <p:sldMasterId id="2147483720" r:id="rId1"/>
   </p:sldMasterIdLst>
   <p:notesMasterIdLst>
-    <p:notesMasterId r:id="rId34"/>
+    <p:notesMasterId r:id="rId37"/>
   </p:notesMasterIdLst>
   <p:sldIdLst>
     <p:sldId id="256" r:id="rId2"/>
@@ -36,10 +36,13 @@
     <p:sldId id="289" r:id="rId27"/>
     <p:sldId id="288" r:id="rId28"/>
     <p:sldId id="285" r:id="rId29"/>
-    <p:sldId id="281" r:id="rId30"/>
-    <p:sldId id="282" r:id="rId31"/>
-    <p:sldId id="283" r:id="rId32"/>
-    <p:sldId id="286" r:id="rId33"/>
+    <p:sldId id="290" r:id="rId30"/>
+    <p:sldId id="291" r:id="rId31"/>
+    <p:sldId id="292" r:id="rId32"/>
+    <p:sldId id="281" r:id="rId33"/>
+    <p:sldId id="282" r:id="rId34"/>
+    <p:sldId id="283" r:id="rId35"/>
+    <p:sldId id="286" r:id="rId36"/>
   </p:sldIdLst>
   <p:sldSz cx="9144000" cy="6858000" type="screen4x3"/>
   <p:notesSz cx="6858000" cy="9144000"/>
@@ -17014,7 +17017,7 @@
           <a:graphicData uri="http://schemas.openxmlformats.org/presentationml/2006/ole">
             <mc:AlternateContent xmlns:mc="http://schemas.openxmlformats.org/markup-compatibility/2006">
               <mc:Choice xmlns:v="urn:schemas-microsoft-com:vml" Requires="v">
-                <p:oleObj spid="_x0000_s46091" name="Visio" r:id="rId3" imgW="6050954" imgH="4660654" progId="Visio.Drawing.11">
+                <p:oleObj spid="_x0000_s46092" name="Visio" r:id="rId3" imgW="6050954" imgH="4660654" progId="Visio.Drawing.11">
                   <p:embed/>
                 </p:oleObj>
               </mc:Choice>
@@ -17196,7 +17199,7 @@
           <a:graphicData uri="http://schemas.openxmlformats.org/presentationml/2006/ole">
             <mc:AlternateContent xmlns:mc="http://schemas.openxmlformats.org/markup-compatibility/2006">
               <mc:Choice xmlns:v="urn:schemas-microsoft-com:vml" Requires="v">
-                <p:oleObj spid="_x0000_s61445" name="Visio" r:id="rId3" imgW="6434247" imgH="5449047" progId="Visio.Drawing.11">
+                <p:oleObj spid="_x0000_s61446" name="Visio" r:id="rId3" imgW="6434247" imgH="5449047" progId="Visio.Drawing.11">
                   <p:embed/>
                 </p:oleObj>
               </mc:Choice>
@@ -17379,7 +17382,11 @@
           <a:lstStyle/>
           <a:p>
             <a:pPr eaLnBrk="1" hangingPunct="1"/>
-            <a:endParaRPr lang="en-SG" smtClean="0"/>
+            <a:r>
+              <a:rPr lang="en-SG" dirty="0" smtClean="0"/>
+              <a:t>Technology Architecture</a:t>
+            </a:r>
+            <a:endParaRPr lang="en-SG" dirty="0" smtClean="0"/>
           </a:p>
         </p:txBody>
       </p:sp>
@@ -17406,20 +17413,9 @@
             <a:pPr eaLnBrk="1" hangingPunct="1"/>
             <a:r>
               <a:rPr lang="en-US" dirty="0" smtClean="0"/>
-              <a:t>Technology </a:t>
-            </a:r>
-            <a:r>
-              <a:rPr lang="en-US" dirty="0" smtClean="0"/>
-              <a:t>Architecture</a:t>
-            </a:r>
-          </a:p>
-          <a:p>
-            <a:pPr lvl="1" eaLnBrk="1" hangingPunct="1"/>
-            <a:r>
-              <a:rPr lang="en-US" dirty="0" smtClean="0"/>
               <a:t>TRM</a:t>
             </a:r>
-            <a:endParaRPr lang="en-SG" dirty="0" smtClean="0"/>
+            <a:endParaRPr lang="en-US" dirty="0" smtClean="0"/>
           </a:p>
         </p:txBody>
       </p:sp>
@@ -17446,8 +17442,8 @@
         </p:blipFill>
         <p:spPr bwMode="auto">
           <a:xfrm>
-            <a:off x="1763688" y="1772816"/>
-            <a:ext cx="6624736" cy="4104456"/>
+            <a:off x="971600" y="1628800"/>
+            <a:ext cx="7416824" cy="4595206"/>
           </a:xfrm>
           <a:prstGeom prst="rect">
             <a:avLst/>
@@ -17511,7 +17507,7 @@
       </p:grpSpPr>
       <p:sp>
         <p:nvSpPr>
-          <p:cNvPr id="49153" name="Title 1"/>
+          <p:cNvPr id="2" name="标题 1"/>
           <p:cNvSpPr>
             <a:spLocks noGrp="1"/>
           </p:cNvSpPr>
@@ -17524,14 +17520,17 @@
           <a:bodyPr/>
           <a:lstStyle/>
           <a:p>
-            <a:pPr eaLnBrk="1" hangingPunct="1"/>
-            <a:endParaRPr lang="en-SG" smtClean="0"/>
+            <a:r>
+              <a:rPr lang="en-SG" altLang="zh-CN" dirty="0"/>
+              <a:t>Technology Architecture</a:t>
+            </a:r>
+            <a:endParaRPr lang="zh-CN" altLang="en-US" dirty="0"/>
           </a:p>
         </p:txBody>
       </p:sp>
       <p:sp>
         <p:nvSpPr>
-          <p:cNvPr id="49154" name="Content Placeholder 2"/>
+          <p:cNvPr id="5" name="内容占位符 4"/>
           <p:cNvSpPr>
             <a:spLocks noGrp="1"/>
           </p:cNvSpPr>
@@ -17539,26 +17538,663 @@
             <p:ph sz="quarter" idx="1"/>
           </p:nvPr>
         </p:nvSpPr>
-        <p:spPr>
-          <a:xfrm>
-            <a:off x="457200" y="1219200"/>
-            <a:ext cx="8229600" cy="4937125"/>
-          </a:xfrm>
-        </p:spPr>
+        <p:spPr/>
         <p:txBody>
           <a:bodyPr/>
           <a:lstStyle/>
           <a:p>
-            <a:pPr eaLnBrk="1" hangingPunct="1"/>
-            <a:r>
-              <a:rPr lang="en-US" smtClean="0"/>
-              <a:t>Opportunity and Solution</a:t>
-            </a:r>
-            <a:endParaRPr lang="en-SG" smtClean="0"/>
+            <a:pPr marL="0" indent="0">
+              <a:buNone/>
+            </a:pPr>
+            <a:r>
+              <a:rPr lang="en-US" altLang="zh-CN" dirty="0" smtClean="0"/>
+              <a:t>Technical Principles</a:t>
+            </a:r>
+          </a:p>
+          <a:p>
+            <a:pPr marL="0" indent="0">
+              <a:buNone/>
+            </a:pPr>
+            <a:endParaRPr lang="en-US" altLang="zh-CN" dirty="0" smtClean="0"/>
           </a:p>
         </p:txBody>
       </p:sp>
+      <p:graphicFrame>
+        <p:nvGraphicFramePr>
+          <p:cNvPr id="6" name="表格 5"/>
+          <p:cNvGraphicFramePr>
+            <a:graphicFrameLocks noGrp="1"/>
+          </p:cNvGraphicFramePr>
+          <p:nvPr>
+            <p:extLst>
+              <p:ext uri="{D42A27DB-BD31-4B8C-83A1-F6EECF244321}">
+                <p14:modId xmlns:p14="http://schemas.microsoft.com/office/powerpoint/2010/main" val="2971642857"/>
+              </p:ext>
+            </p:extLst>
+          </p:nvPr>
+        </p:nvGraphicFramePr>
+        <p:xfrm>
+          <a:off x="755576" y="1772816"/>
+          <a:ext cx="7200800" cy="3816424"/>
+        </p:xfrm>
+        <a:graphic>
+          <a:graphicData uri="http://schemas.openxmlformats.org/drawingml/2006/table">
+            <a:tbl>
+              <a:tblPr firstRow="1" firstCol="1" bandRow="1">
+                <a:tableStyleId>{5C22544A-7EE6-4342-B048-85BDC9FD1C3A}</a:tableStyleId>
+              </a:tblPr>
+              <a:tblGrid>
+                <a:gridCol w="1987022"/>
+                <a:gridCol w="2138489"/>
+                <a:gridCol w="3075289"/>
+              </a:tblGrid>
+              <a:tr h="334018">
+                <a:tc>
+                  <a:txBody>
+                    <a:bodyPr/>
+                    <a:lstStyle/>
+                    <a:p>
+                      <a:pPr algn="just">
+                        <a:spcBef>
+                          <a:spcPts val="600"/>
+                        </a:spcBef>
+                        <a:spcAft>
+                          <a:spcPts val="300"/>
+                        </a:spcAft>
+                        <a:tabLst>
+                          <a:tab pos="1007110" algn="ctr"/>
+                        </a:tabLst>
+                      </a:pPr>
+                      <a:r>
+                        <a:rPr lang="en-GB" sz="1100">
+                          <a:effectLst/>
+                        </a:rPr>
+                        <a:t>Model Name</a:t>
+                      </a:r>
+                      <a:endParaRPr lang="zh-CN" sz="1100">
+                        <a:effectLst/>
+                        <a:latin typeface="Times New Roman"/>
+                        <a:ea typeface="宋体"/>
+                      </a:endParaRPr>
+                    </a:p>
+                  </a:txBody>
+                  <a:tcPr marL="68580" marR="68580" marT="0" marB="0"/>
+                </a:tc>
+                <a:tc>
+                  <a:txBody>
+                    <a:bodyPr/>
+                    <a:lstStyle/>
+                    <a:p>
+                      <a:pPr algn="l">
+                        <a:spcBef>
+                          <a:spcPts val="600"/>
+                        </a:spcBef>
+                        <a:spcAft>
+                          <a:spcPts val="300"/>
+                        </a:spcAft>
+                      </a:pPr>
+                      <a:r>
+                        <a:rPr lang="en-GB" sz="1100">
+                          <a:effectLst/>
+                        </a:rPr>
+                        <a:t>Technical Principles</a:t>
+                      </a:r>
+                      <a:endParaRPr lang="zh-CN" sz="1100">
+                        <a:effectLst/>
+                        <a:latin typeface="Times New Roman"/>
+                        <a:ea typeface="宋体"/>
+                      </a:endParaRPr>
+                    </a:p>
+                  </a:txBody>
+                  <a:tcPr marL="68580" marR="68580" marT="0" marB="0"/>
+                </a:tc>
+                <a:tc>
+                  <a:txBody>
+                    <a:bodyPr/>
+                    <a:lstStyle/>
+                    <a:p>
+                      <a:pPr algn="ctr">
+                        <a:spcBef>
+                          <a:spcPts val="600"/>
+                        </a:spcBef>
+                        <a:spcAft>
+                          <a:spcPts val="300"/>
+                        </a:spcAft>
+                      </a:pPr>
+                      <a:r>
+                        <a:rPr lang="en-GB" sz="1100">
+                          <a:effectLst/>
+                        </a:rPr>
+                        <a:t>Best Practise</a:t>
+                      </a:r>
+                      <a:endParaRPr lang="zh-CN" sz="1100">
+                        <a:effectLst/>
+                        <a:latin typeface="Times New Roman"/>
+                        <a:ea typeface="宋体"/>
+                      </a:endParaRPr>
+                    </a:p>
+                  </a:txBody>
+                  <a:tcPr marL="68580" marR="68580" marT="0" marB="0"/>
+                </a:tc>
+              </a:tr>
+              <a:tr h="758544">
+                <a:tc>
+                  <a:txBody>
+                    <a:bodyPr/>
+                    <a:lstStyle/>
+                    <a:p>
+                      <a:pPr algn="just">
+                        <a:spcBef>
+                          <a:spcPts val="600"/>
+                        </a:spcBef>
+                        <a:spcAft>
+                          <a:spcPts val="300"/>
+                        </a:spcAft>
+                        <a:tabLst>
+                          <a:tab pos="1007110" algn="ctr"/>
+                        </a:tabLst>
+                      </a:pPr>
+                      <a:r>
+                        <a:rPr lang="en-GB" sz="1100">
+                          <a:effectLst/>
+                        </a:rPr>
+                        <a:t>Internet/Intranet</a:t>
+                      </a:r>
+                      <a:endParaRPr lang="zh-CN" sz="1100">
+                        <a:effectLst/>
+                        <a:latin typeface="Times New Roman"/>
+                        <a:ea typeface="宋体"/>
+                      </a:endParaRPr>
+                    </a:p>
+                  </a:txBody>
+                  <a:tcPr marL="68580" marR="68580" marT="0" marB="0"/>
+                </a:tc>
+                <a:tc>
+                  <a:txBody>
+                    <a:bodyPr/>
+                    <a:lstStyle/>
+                    <a:p>
+                      <a:pPr algn="l">
+                        <a:spcBef>
+                          <a:spcPts val="600"/>
+                        </a:spcBef>
+                        <a:spcAft>
+                          <a:spcPts val="300"/>
+                        </a:spcAft>
+                      </a:pPr>
+                      <a:r>
+                        <a:rPr lang="en-GB" sz="1100">
+                          <a:effectLst/>
+                        </a:rPr>
+                        <a:t>The appropriate security measures must be put in place to ensure security and privacy protection.</a:t>
+                      </a:r>
+                      <a:endParaRPr lang="zh-CN" sz="1100">
+                        <a:effectLst/>
+                        <a:latin typeface="Times New Roman"/>
+                        <a:ea typeface="宋体"/>
+                      </a:endParaRPr>
+                    </a:p>
+                  </a:txBody>
+                  <a:tcPr marL="68580" marR="68580" marT="0" marB="0"/>
+                </a:tc>
+                <a:tc>
+                  <a:txBody>
+                    <a:bodyPr/>
+                    <a:lstStyle/>
+                    <a:p>
+                      <a:pPr algn="ctr">
+                        <a:spcBef>
+                          <a:spcPts val="600"/>
+                        </a:spcBef>
+                        <a:spcAft>
+                          <a:spcPts val="300"/>
+                        </a:spcAft>
+                      </a:pPr>
+                      <a:r>
+                        <a:rPr lang="en-GB" sz="1100">
+                          <a:effectLst/>
+                        </a:rPr>
+                        <a:t>HTTP,FTP,Email Service</a:t>
+                      </a:r>
+                      <a:endParaRPr lang="zh-CN" sz="1100">
+                        <a:effectLst/>
+                        <a:latin typeface="Times New Roman"/>
+                        <a:ea typeface="宋体"/>
+                      </a:endParaRPr>
+                    </a:p>
+                  </a:txBody>
+                  <a:tcPr marL="68580" marR="68580" marT="0" marB="0"/>
+                </a:tc>
+              </a:tr>
+              <a:tr h="758544">
+                <a:tc>
+                  <a:txBody>
+                    <a:bodyPr/>
+                    <a:lstStyle/>
+                    <a:p>
+                      <a:pPr algn="just">
+                        <a:spcBef>
+                          <a:spcPts val="600"/>
+                        </a:spcBef>
+                        <a:spcAft>
+                          <a:spcPts val="300"/>
+                        </a:spcAft>
+                        <a:tabLst>
+                          <a:tab pos="1007110" algn="ctr"/>
+                        </a:tabLst>
+                      </a:pPr>
+                      <a:r>
+                        <a:rPr lang="en-GB" sz="1100">
+                          <a:effectLst/>
+                        </a:rPr>
+                        <a:t>Security</a:t>
+                      </a:r>
+                      <a:endParaRPr lang="zh-CN" sz="1100">
+                        <a:effectLst/>
+                        <a:latin typeface="Times New Roman"/>
+                        <a:ea typeface="宋体"/>
+                      </a:endParaRPr>
+                    </a:p>
+                  </a:txBody>
+                  <a:tcPr marL="68580" marR="68580" marT="0" marB="0"/>
+                </a:tc>
+                <a:tc>
+                  <a:txBody>
+                    <a:bodyPr/>
+                    <a:lstStyle/>
+                    <a:p>
+                      <a:pPr algn="l">
+                        <a:spcBef>
+                          <a:spcPts val="600"/>
+                        </a:spcBef>
+                        <a:spcAft>
+                          <a:spcPts val="300"/>
+                        </a:spcAft>
+                      </a:pPr>
+                      <a:r>
+                        <a:rPr lang="en-GB" sz="1100">
+                          <a:effectLst/>
+                        </a:rPr>
+                        <a:t>The appropriate security measures must be put in place to ensure security and privacy protection</a:t>
+                      </a:r>
+                      <a:endParaRPr lang="zh-CN" sz="1100">
+                        <a:effectLst/>
+                        <a:latin typeface="Times New Roman"/>
+                        <a:ea typeface="宋体"/>
+                      </a:endParaRPr>
+                    </a:p>
+                  </a:txBody>
+                  <a:tcPr marL="68580" marR="68580" marT="0" marB="0"/>
+                </a:tc>
+                <a:tc>
+                  <a:txBody>
+                    <a:bodyPr/>
+                    <a:lstStyle/>
+                    <a:p>
+                      <a:pPr algn="ctr">
+                        <a:spcBef>
+                          <a:spcPts val="600"/>
+                        </a:spcBef>
+                        <a:spcAft>
+                          <a:spcPts val="300"/>
+                        </a:spcAft>
+                      </a:pPr>
+                      <a:r>
+                        <a:rPr lang="en-GB" sz="1100">
+                          <a:effectLst/>
+                        </a:rPr>
+                        <a:t>C2 Firewall Service</a:t>
+                      </a:r>
+                      <a:endParaRPr lang="zh-CN" sz="1100">
+                        <a:effectLst/>
+                      </a:endParaRPr>
+                    </a:p>
+                    <a:p>
+                      <a:pPr algn="ctr">
+                        <a:spcBef>
+                          <a:spcPts val="600"/>
+                        </a:spcBef>
+                        <a:spcAft>
+                          <a:spcPts val="300"/>
+                        </a:spcAft>
+                      </a:pPr>
+                      <a:r>
+                        <a:rPr lang="en-GB" sz="1100">
+                          <a:effectLst/>
+                        </a:rPr>
+                        <a:t>Norton Security Service</a:t>
+                      </a:r>
+                      <a:endParaRPr lang="zh-CN" sz="1100">
+                        <a:effectLst/>
+                        <a:latin typeface="Times New Roman"/>
+                        <a:ea typeface="宋体"/>
+                      </a:endParaRPr>
+                    </a:p>
+                  </a:txBody>
+                  <a:tcPr marL="68580" marR="68580" marT="0" marB="0"/>
+                </a:tc>
+              </a:tr>
+              <a:tr h="568908">
+                <a:tc>
+                  <a:txBody>
+                    <a:bodyPr/>
+                    <a:lstStyle/>
+                    <a:p>
+                      <a:pPr algn="just">
+                        <a:spcBef>
+                          <a:spcPts val="600"/>
+                        </a:spcBef>
+                        <a:spcAft>
+                          <a:spcPts val="300"/>
+                        </a:spcAft>
+                        <a:tabLst>
+                          <a:tab pos="1007110" algn="ctr"/>
+                        </a:tabLst>
+                      </a:pPr>
+                      <a:r>
+                        <a:rPr lang="en-GB" sz="1100">
+                          <a:effectLst/>
+                        </a:rPr>
+                        <a:t>Applications(VCMS,ST,SCBS,etc)</a:t>
+                      </a:r>
+                      <a:endParaRPr lang="zh-CN" sz="1100">
+                        <a:effectLst/>
+                        <a:latin typeface="Times New Roman"/>
+                        <a:ea typeface="宋体"/>
+                      </a:endParaRPr>
+                    </a:p>
+                  </a:txBody>
+                  <a:tcPr marL="68580" marR="68580" marT="0" marB="0"/>
+                </a:tc>
+                <a:tc>
+                  <a:txBody>
+                    <a:bodyPr/>
+                    <a:lstStyle/>
+                    <a:p>
+                      <a:pPr algn="l">
+                        <a:spcBef>
+                          <a:spcPts val="600"/>
+                        </a:spcBef>
+                        <a:spcAft>
+                          <a:spcPts val="300"/>
+                        </a:spcAft>
+                      </a:pPr>
+                      <a:r>
+                        <a:rPr lang="en-GB" sz="1100">
+                          <a:effectLst/>
+                        </a:rPr>
+                        <a:t>Reuse everything that can be reused. Design and produce with reusability in mind.</a:t>
+                      </a:r>
+                      <a:endParaRPr lang="zh-CN" sz="1100">
+                        <a:effectLst/>
+                        <a:latin typeface="Times New Roman"/>
+                        <a:ea typeface="宋体"/>
+                      </a:endParaRPr>
+                    </a:p>
+                  </a:txBody>
+                  <a:tcPr marL="68580" marR="68580" marT="0" marB="0"/>
+                </a:tc>
+                <a:tc>
+                  <a:txBody>
+                    <a:bodyPr/>
+                    <a:lstStyle/>
+                    <a:p>
+                      <a:pPr algn="ctr">
+                        <a:spcBef>
+                          <a:spcPts val="600"/>
+                        </a:spcBef>
+                        <a:spcAft>
+                          <a:spcPts val="300"/>
+                        </a:spcAft>
+                      </a:pPr>
+                      <a:r>
+                        <a:rPr lang="en-GB" sz="1100">
+                          <a:effectLst/>
+                        </a:rPr>
+                        <a:t>Oracle-Java programming best practise</a:t>
+                      </a:r>
+                      <a:endParaRPr lang="zh-CN" sz="1100">
+                        <a:effectLst/>
+                        <a:latin typeface="Times New Roman"/>
+                        <a:ea typeface="宋体"/>
+                      </a:endParaRPr>
+                    </a:p>
+                  </a:txBody>
+                  <a:tcPr marL="68580" marR="68580" marT="0" marB="0"/>
+                </a:tc>
+              </a:tr>
+              <a:tr h="568908">
+                <a:tc>
+                  <a:txBody>
+                    <a:bodyPr/>
+                    <a:lstStyle/>
+                    <a:p>
+                      <a:pPr algn="just">
+                        <a:spcBef>
+                          <a:spcPts val="600"/>
+                        </a:spcBef>
+                        <a:spcAft>
+                          <a:spcPts val="300"/>
+                        </a:spcAft>
+                        <a:tabLst>
+                          <a:tab pos="1007110" algn="ctr"/>
+                        </a:tabLst>
+                      </a:pPr>
+                      <a:r>
+                        <a:rPr lang="en-GB" sz="1100">
+                          <a:effectLst/>
+                        </a:rPr>
+                        <a:t>Data Storage Set</a:t>
+                      </a:r>
+                      <a:endParaRPr lang="zh-CN" sz="1100">
+                        <a:effectLst/>
+                        <a:latin typeface="Times New Roman"/>
+                        <a:ea typeface="宋体"/>
+                      </a:endParaRPr>
+                    </a:p>
+                  </a:txBody>
+                  <a:tcPr marL="68580" marR="68580" marT="0" marB="0"/>
+                </a:tc>
+                <a:tc>
+                  <a:txBody>
+                    <a:bodyPr/>
+                    <a:lstStyle/>
+                    <a:p>
+                      <a:pPr algn="l">
+                        <a:spcBef>
+                          <a:spcPts val="600"/>
+                        </a:spcBef>
+                        <a:spcAft>
+                          <a:spcPts val="300"/>
+                        </a:spcAft>
+                      </a:pPr>
+                      <a:r>
+                        <a:rPr lang="en-GB" sz="1100">
+                          <a:effectLst/>
+                        </a:rPr>
+                        <a:t>Reuse everything that can be reused. Design and produce with reusability in mind. </a:t>
+                      </a:r>
+                      <a:endParaRPr lang="zh-CN" sz="1100">
+                        <a:effectLst/>
+                        <a:latin typeface="Times New Roman"/>
+                        <a:ea typeface="宋体"/>
+                      </a:endParaRPr>
+                    </a:p>
+                  </a:txBody>
+                  <a:tcPr marL="68580" marR="68580" marT="0" marB="0"/>
+                </a:tc>
+                <a:tc>
+                  <a:txBody>
+                    <a:bodyPr/>
+                    <a:lstStyle/>
+                    <a:p>
+                      <a:pPr algn="ctr">
+                        <a:spcBef>
+                          <a:spcPts val="600"/>
+                        </a:spcBef>
+                        <a:spcAft>
+                          <a:spcPts val="300"/>
+                        </a:spcAft>
+                      </a:pPr>
+                      <a:r>
+                        <a:rPr lang="en-GB" sz="1100">
+                          <a:effectLst/>
+                        </a:rPr>
+                        <a:t>Oracle Database group</a:t>
+                      </a:r>
+                      <a:endParaRPr lang="zh-CN" sz="1100">
+                        <a:effectLst/>
+                        <a:latin typeface="Times New Roman"/>
+                        <a:ea typeface="宋体"/>
+                      </a:endParaRPr>
+                    </a:p>
+                  </a:txBody>
+                  <a:tcPr marL="68580" marR="68580" marT="0" marB="0"/>
+                </a:tc>
+              </a:tr>
+              <a:tr h="827502">
+                <a:tc>
+                  <a:txBody>
+                    <a:bodyPr/>
+                    <a:lstStyle/>
+                    <a:p>
+                      <a:pPr algn="just">
+                        <a:spcBef>
+                          <a:spcPts val="600"/>
+                        </a:spcBef>
+                        <a:spcAft>
+                          <a:spcPts val="300"/>
+                        </a:spcAft>
+                        <a:tabLst>
+                          <a:tab pos="1007110" algn="ctr"/>
+                        </a:tabLst>
+                      </a:pPr>
+                      <a:r>
+                        <a:rPr lang="en-GB" sz="1100">
+                          <a:effectLst/>
+                        </a:rPr>
+                        <a:t>ESB,IE,MessageBus,Web Service</a:t>
+                      </a:r>
+                      <a:endParaRPr lang="zh-CN" sz="1100">
+                        <a:effectLst/>
+                        <a:latin typeface="Times New Roman"/>
+                        <a:ea typeface="宋体"/>
+                      </a:endParaRPr>
+                    </a:p>
+                  </a:txBody>
+                  <a:tcPr marL="68580" marR="68580" marT="0" marB="0"/>
+                </a:tc>
+                <a:tc>
+                  <a:txBody>
+                    <a:bodyPr/>
+                    <a:lstStyle/>
+                    <a:p>
+                      <a:pPr algn="l">
+                        <a:spcBef>
+                          <a:spcPts val="600"/>
+                        </a:spcBef>
+                        <a:spcAft>
+                          <a:spcPts val="300"/>
+                        </a:spcAft>
+                      </a:pPr>
+                      <a:r>
+                        <a:rPr lang="en-GB" sz="1100">
+                          <a:effectLst/>
+                        </a:rPr>
+                        <a:t>Information from across all the regional units, customers and port operators should be integrated. </a:t>
+                      </a:r>
+                      <a:endParaRPr lang="zh-CN" sz="1100">
+                        <a:effectLst/>
+                        <a:latin typeface="Times New Roman"/>
+                        <a:ea typeface="宋体"/>
+                      </a:endParaRPr>
+                    </a:p>
+                  </a:txBody>
+                  <a:tcPr marL="68580" marR="68580" marT="0" marB="0"/>
+                </a:tc>
+                <a:tc>
+                  <a:txBody>
+                    <a:bodyPr/>
+                    <a:lstStyle/>
+                    <a:p>
+                      <a:pPr algn="ctr">
+                        <a:spcBef>
+                          <a:spcPts val="600"/>
+                        </a:spcBef>
+                        <a:spcAft>
+                          <a:spcPts val="300"/>
+                        </a:spcAft>
+                      </a:pPr>
+                      <a:r>
+                        <a:rPr lang="en-GB" sz="1100" dirty="0" err="1">
+                          <a:effectLst/>
+                        </a:rPr>
+                        <a:t>Json</a:t>
+                      </a:r>
+                      <a:r>
+                        <a:rPr lang="en-GB" sz="1100" dirty="0">
+                          <a:effectLst/>
+                        </a:rPr>
+                        <a:t> 1.0</a:t>
+                      </a:r>
+                      <a:endParaRPr lang="zh-CN" sz="1100" dirty="0">
+                        <a:effectLst/>
+                      </a:endParaRPr>
+                    </a:p>
+                    <a:p>
+                      <a:pPr algn="ctr">
+                        <a:spcBef>
+                          <a:spcPts val="600"/>
+                        </a:spcBef>
+                        <a:spcAft>
+                          <a:spcPts val="300"/>
+                        </a:spcAft>
+                      </a:pPr>
+                      <a:r>
+                        <a:rPr lang="en-GB" sz="1100" dirty="0">
+                          <a:effectLst/>
+                        </a:rPr>
+                        <a:t>XML</a:t>
+                      </a:r>
+                      <a:endParaRPr lang="zh-CN" sz="1100" dirty="0">
+                        <a:effectLst/>
+                      </a:endParaRPr>
+                    </a:p>
+                    <a:p>
+                      <a:pPr algn="ctr">
+                        <a:spcBef>
+                          <a:spcPts val="600"/>
+                        </a:spcBef>
+                        <a:spcAft>
+                          <a:spcPts val="300"/>
+                        </a:spcAft>
+                      </a:pPr>
+                      <a:r>
+                        <a:rPr lang="en-GB" sz="1100" dirty="0">
+                          <a:effectLst/>
+                        </a:rPr>
+                        <a:t>Message Queue</a:t>
+                      </a:r>
+                      <a:endParaRPr lang="zh-CN" sz="1100" dirty="0">
+                        <a:effectLst/>
+                        <a:latin typeface="Times New Roman"/>
+                        <a:ea typeface="宋体"/>
+                      </a:endParaRPr>
+                    </a:p>
+                  </a:txBody>
+                  <a:tcPr marL="68580" marR="68580" marT="0" marB="0"/>
+                </a:tc>
+              </a:tr>
+            </a:tbl>
+          </a:graphicData>
+        </a:graphic>
+      </p:graphicFrame>
     </p:spTree>
+    <p:extLst>
+      <p:ext uri="{BB962C8B-B14F-4D97-AF65-F5344CB8AC3E}">
+        <p14:creationId xmlns:p14="http://schemas.microsoft.com/office/powerpoint/2010/main" val="498859289"/>
+      </p:ext>
+    </p:extLst>
   </p:cSld>
   <p:clrMapOvr>
     <a:masterClrMapping/>
@@ -17655,6 +18291,439 @@
 </file>
 
 <file path=ppt/slides/slide30.xml><?xml version="1.0" encoding="utf-8"?>
+<p:sld xmlns:a="http://schemas.openxmlformats.org/drawingml/2006/main" xmlns:r="http://schemas.openxmlformats.org/officeDocument/2006/relationships" xmlns:p="http://schemas.openxmlformats.org/presentationml/2006/main">
+  <p:cSld>
+    <p:spTree>
+      <p:nvGrpSpPr>
+        <p:cNvPr id="1" name=""/>
+        <p:cNvGrpSpPr/>
+        <p:nvPr/>
+      </p:nvGrpSpPr>
+      <p:grpSpPr>
+        <a:xfrm>
+          <a:off x="0" y="0"/>
+          <a:ext cx="0" cy="0"/>
+          <a:chOff x="0" y="0"/>
+          <a:chExt cx="0" cy="0"/>
+        </a:xfrm>
+      </p:grpSpPr>
+      <p:pic>
+        <p:nvPicPr>
+          <p:cNvPr id="63492" name="Picture 4"/>
+          <p:cNvPicPr>
+            <a:picLocks noChangeAspect="1" noChangeArrowheads="1"/>
+          </p:cNvPicPr>
+          <p:nvPr/>
+        </p:nvPicPr>
+        <p:blipFill>
+          <a:blip r:embed="rId2">
+            <a:extLst>
+              <a:ext uri="{28A0092B-C50C-407E-A947-70E740481C1C}">
+                <a14:useLocalDpi xmlns:a14="http://schemas.microsoft.com/office/drawing/2010/main" val="0"/>
+              </a:ext>
+            </a:extLst>
+          </a:blip>
+          <a:srcRect/>
+          <a:stretch>
+            <a:fillRect/>
+          </a:stretch>
+        </p:blipFill>
+        <p:spPr bwMode="auto">
+          <a:xfrm>
+            <a:off x="1452017" y="1638722"/>
+            <a:ext cx="5495925" cy="4267200"/>
+          </a:xfrm>
+          <a:prstGeom prst="rect">
+            <a:avLst/>
+          </a:prstGeom>
+          <a:noFill/>
+          <a:ln>
+            <a:noFill/>
+          </a:ln>
+          <a:extLst>
+            <a:ext uri="{909E8E84-426E-40DD-AFC4-6F175D3DCCD1}">
+              <a14:hiddenFill xmlns:a14="http://schemas.microsoft.com/office/drawing/2010/main">
+                <a:solidFill>
+                  <a:schemeClr val="accent1"/>
+                </a:solidFill>
+              </a14:hiddenFill>
+            </a:ext>
+            <a:ext uri="{91240B29-F687-4F45-9708-019B960494DF}">
+              <a14:hiddenLine xmlns:a14="http://schemas.microsoft.com/office/drawing/2010/main" w="9525">
+                <a:solidFill>
+                  <a:schemeClr val="tx1"/>
+                </a:solidFill>
+                <a:miter lim="800000"/>
+                <a:headEnd/>
+                <a:tailEnd/>
+              </a14:hiddenLine>
+            </a:ext>
+          </a:extLst>
+        </p:spPr>
+      </p:pic>
+      <p:sp>
+        <p:nvSpPr>
+          <p:cNvPr id="2" name="标题 1"/>
+          <p:cNvSpPr>
+            <a:spLocks noGrp="1"/>
+          </p:cNvSpPr>
+          <p:nvPr>
+            <p:ph type="title"/>
+          </p:nvPr>
+        </p:nvSpPr>
+        <p:spPr/>
+        <p:txBody>
+          <a:bodyPr/>
+          <a:lstStyle/>
+          <a:p>
+            <a:r>
+              <a:rPr lang="en-US" altLang="zh-CN" dirty="0" smtClean="0"/>
+              <a:t>Technology Architecture</a:t>
+            </a:r>
+            <a:endParaRPr lang="zh-CN" altLang="en-US" dirty="0"/>
+          </a:p>
+        </p:txBody>
+      </p:sp>
+      <p:sp>
+        <p:nvSpPr>
+          <p:cNvPr id="3" name="内容占位符 2"/>
+          <p:cNvSpPr>
+            <a:spLocks noGrp="1"/>
+          </p:cNvSpPr>
+          <p:nvPr>
+            <p:ph sz="quarter" idx="1"/>
+          </p:nvPr>
+        </p:nvSpPr>
+        <p:spPr/>
+        <p:txBody>
+          <a:bodyPr/>
+          <a:lstStyle/>
+          <a:p>
+            <a:r>
+              <a:rPr lang="en-US" altLang="zh-CN" dirty="0" smtClean="0"/>
+              <a:t>From current  architecture to target architecture</a:t>
+            </a:r>
+          </a:p>
+          <a:p>
+            <a:endParaRPr lang="zh-CN" altLang="en-US" dirty="0"/>
+          </a:p>
+        </p:txBody>
+      </p:sp>
+      <p:pic>
+        <p:nvPicPr>
+          <p:cNvPr id="63491" name="图片 1"/>
+          <p:cNvPicPr>
+            <a:picLocks noChangeAspect="1" noChangeArrowheads="1"/>
+          </p:cNvPicPr>
+          <p:nvPr/>
+        </p:nvPicPr>
+        <p:blipFill>
+          <a:blip r:embed="rId3">
+            <a:extLst>
+              <a:ext uri="{28A0092B-C50C-407E-A947-70E740481C1C}">
+                <a14:useLocalDpi xmlns:a14="http://schemas.microsoft.com/office/drawing/2010/main" val="0"/>
+              </a:ext>
+            </a:extLst>
+          </a:blip>
+          <a:srcRect/>
+          <a:stretch>
+            <a:fillRect/>
+          </a:stretch>
+        </p:blipFill>
+        <p:spPr bwMode="auto">
+          <a:xfrm>
+            <a:off x="1434082" y="1628800"/>
+            <a:ext cx="6534807" cy="4277122"/>
+          </a:xfrm>
+          <a:prstGeom prst="rect">
+            <a:avLst/>
+          </a:prstGeom>
+          <a:noFill/>
+          <a:ln>
+            <a:noFill/>
+          </a:ln>
+          <a:extLst>
+            <a:ext uri="{909E8E84-426E-40DD-AFC4-6F175D3DCCD1}">
+              <a14:hiddenFill xmlns:a14="http://schemas.microsoft.com/office/drawing/2010/main">
+                <a:solidFill>
+                  <a:srgbClr val="FFFFFF"/>
+                </a:solidFill>
+              </a14:hiddenFill>
+            </a:ext>
+            <a:ext uri="{91240B29-F687-4F45-9708-019B960494DF}">
+              <a14:hiddenLine xmlns:a14="http://schemas.microsoft.com/office/drawing/2010/main" w="9525">
+                <a:solidFill>
+                  <a:srgbClr val="000000"/>
+                </a:solidFill>
+                <a:miter lim="800000"/>
+                <a:headEnd/>
+                <a:tailEnd/>
+              </a14:hiddenLine>
+            </a:ext>
+          </a:extLst>
+        </p:spPr>
+      </p:pic>
+    </p:spTree>
+    <p:extLst>
+      <p:ext uri="{BB962C8B-B14F-4D97-AF65-F5344CB8AC3E}">
+        <p14:creationId xmlns:p14="http://schemas.microsoft.com/office/powerpoint/2010/main" val="2145220897"/>
+      </p:ext>
+    </p:extLst>
+  </p:cSld>
+  <p:clrMapOvr>
+    <a:masterClrMapping/>
+  </p:clrMapOvr>
+  <p:timing>
+    <p:tnLst>
+      <p:par>
+        <p:cTn id="1" dur="indefinite" restart="never" nodeType="tmRoot">
+          <p:childTnLst>
+            <p:seq concurrent="1" nextAc="seek">
+              <p:cTn id="2" dur="indefinite" nodeType="mainSeq">
+                <p:childTnLst>
+                  <p:par>
+                    <p:cTn id="3" fill="hold">
+                      <p:stCondLst>
+                        <p:cond delay="indefinite"/>
+                      </p:stCondLst>
+                      <p:childTnLst>
+                        <p:par>
+                          <p:cTn id="4" fill="hold">
+                            <p:stCondLst>
+                              <p:cond delay="0"/>
+                            </p:stCondLst>
+                            <p:childTnLst>
+                              <p:par>
+                                <p:cTn id="5" presetID="16" presetClass="entr" presetSubtype="21" fill="hold" nodeType="clickEffect">
+                                  <p:stCondLst>
+                                    <p:cond delay="0"/>
+                                  </p:stCondLst>
+                                  <p:childTnLst>
+                                    <p:set>
+                                      <p:cBhvr>
+                                        <p:cTn id="6" dur="1" fill="hold">
+                                          <p:stCondLst>
+                                            <p:cond delay="0"/>
+                                          </p:stCondLst>
+                                        </p:cTn>
+                                        <p:tgtEl>
+                                          <p:spTgt spid="63491"/>
+                                        </p:tgtEl>
+                                        <p:attrNameLst>
+                                          <p:attrName>style.visibility</p:attrName>
+                                        </p:attrNameLst>
+                                      </p:cBhvr>
+                                      <p:to>
+                                        <p:strVal val="visible"/>
+                                      </p:to>
+                                    </p:set>
+                                    <p:animEffect transition="in" filter="barn(inVertical)">
+                                      <p:cBhvr>
+                                        <p:cTn id="7" dur="500"/>
+                                        <p:tgtEl>
+                                          <p:spTgt spid="63491"/>
+                                        </p:tgtEl>
+                                      </p:cBhvr>
+                                    </p:animEffect>
+                                  </p:childTnLst>
+                                </p:cTn>
+                              </p:par>
+                            </p:childTnLst>
+                          </p:cTn>
+                        </p:par>
+                      </p:childTnLst>
+                    </p:cTn>
+                  </p:par>
+                </p:childTnLst>
+              </p:cTn>
+              <p:prevCondLst>
+                <p:cond evt="onPrev" delay="0">
+                  <p:tgtEl>
+                    <p:sldTgt/>
+                  </p:tgtEl>
+                </p:cond>
+              </p:prevCondLst>
+              <p:nextCondLst>
+                <p:cond evt="onNext" delay="0">
+                  <p:tgtEl>
+                    <p:sldTgt/>
+                  </p:tgtEl>
+                </p:cond>
+              </p:nextCondLst>
+            </p:seq>
+          </p:childTnLst>
+        </p:cTn>
+      </p:par>
+    </p:tnLst>
+  </p:timing>
+</p:sld>
+</file>
+
+<file path=ppt/slides/slide31.xml><?xml version="1.0" encoding="utf-8"?>
+<p:sld xmlns:a="http://schemas.openxmlformats.org/drawingml/2006/main" xmlns:r="http://schemas.openxmlformats.org/officeDocument/2006/relationships" xmlns:p="http://schemas.openxmlformats.org/presentationml/2006/main">
+  <p:cSld>
+    <p:spTree>
+      <p:nvGrpSpPr>
+        <p:cNvPr id="1" name=""/>
+        <p:cNvGrpSpPr/>
+        <p:nvPr/>
+      </p:nvGrpSpPr>
+      <p:grpSpPr>
+        <a:xfrm>
+          <a:off x="0" y="0"/>
+          <a:ext cx="0" cy="0"/>
+          <a:chOff x="0" y="0"/>
+          <a:chExt cx="0" cy="0"/>
+        </a:xfrm>
+      </p:grpSpPr>
+      <p:sp>
+        <p:nvSpPr>
+          <p:cNvPr id="2" name="标题 1"/>
+          <p:cNvSpPr>
+            <a:spLocks noGrp="1"/>
+          </p:cNvSpPr>
+          <p:nvPr>
+            <p:ph type="title"/>
+          </p:nvPr>
+        </p:nvSpPr>
+        <p:spPr/>
+        <p:txBody>
+          <a:bodyPr/>
+          <a:lstStyle/>
+          <a:p>
+            <a:r>
+              <a:rPr lang="en-US" altLang="zh-CN" dirty="0" smtClean="0"/>
+              <a:t>Technical Architecture</a:t>
+            </a:r>
+            <a:endParaRPr lang="zh-CN" altLang="en-US" dirty="0"/>
+          </a:p>
+        </p:txBody>
+      </p:sp>
+      <p:sp>
+        <p:nvSpPr>
+          <p:cNvPr id="3" name="内容占位符 2"/>
+          <p:cNvSpPr>
+            <a:spLocks noGrp="1"/>
+          </p:cNvSpPr>
+          <p:nvPr>
+            <p:ph sz="quarter" idx="1"/>
+          </p:nvPr>
+        </p:nvSpPr>
+        <p:spPr/>
+        <p:txBody>
+          <a:bodyPr/>
+          <a:lstStyle/>
+          <a:p>
+            <a:r>
+              <a:rPr lang="en-US" altLang="zh-CN" smtClean="0"/>
+              <a:t>Gaps</a:t>
+            </a:r>
+            <a:endParaRPr lang="zh-CN" altLang="en-US"/>
+          </a:p>
+        </p:txBody>
+      </p:sp>
+    </p:spTree>
+    <p:extLst>
+      <p:ext uri="{BB962C8B-B14F-4D97-AF65-F5344CB8AC3E}">
+        <p14:creationId xmlns:p14="http://schemas.microsoft.com/office/powerpoint/2010/main" val="4013605889"/>
+      </p:ext>
+    </p:extLst>
+  </p:cSld>
+  <p:clrMapOvr>
+    <a:masterClrMapping/>
+  </p:clrMapOvr>
+  <p:timing>
+    <p:tnLst>
+      <p:par>
+        <p:cTn id="1" dur="indefinite" restart="never" nodeType="tmRoot"/>
+      </p:par>
+    </p:tnLst>
+  </p:timing>
+</p:sld>
+</file>
+
+<file path=ppt/slides/slide32.xml><?xml version="1.0" encoding="utf-8"?>
+<p:sld xmlns:a="http://schemas.openxmlformats.org/drawingml/2006/main" xmlns:r="http://schemas.openxmlformats.org/officeDocument/2006/relationships" xmlns:p="http://schemas.openxmlformats.org/presentationml/2006/main">
+  <p:cSld>
+    <p:spTree>
+      <p:nvGrpSpPr>
+        <p:cNvPr id="1" name=""/>
+        <p:cNvGrpSpPr/>
+        <p:nvPr/>
+      </p:nvGrpSpPr>
+      <p:grpSpPr>
+        <a:xfrm>
+          <a:off x="0" y="0"/>
+          <a:ext cx="0" cy="0"/>
+          <a:chOff x="0" y="0"/>
+          <a:chExt cx="0" cy="0"/>
+        </a:xfrm>
+      </p:grpSpPr>
+      <p:sp>
+        <p:nvSpPr>
+          <p:cNvPr id="49153" name="Title 1"/>
+          <p:cNvSpPr>
+            <a:spLocks noGrp="1"/>
+          </p:cNvSpPr>
+          <p:nvPr>
+            <p:ph type="title"/>
+          </p:nvPr>
+        </p:nvSpPr>
+        <p:spPr/>
+        <p:txBody>
+          <a:bodyPr/>
+          <a:lstStyle/>
+          <a:p>
+            <a:pPr eaLnBrk="1" hangingPunct="1"/>
+            <a:endParaRPr lang="en-SG" smtClean="0"/>
+          </a:p>
+        </p:txBody>
+      </p:sp>
+      <p:sp>
+        <p:nvSpPr>
+          <p:cNvPr id="49154" name="Content Placeholder 2"/>
+          <p:cNvSpPr>
+            <a:spLocks noGrp="1"/>
+          </p:cNvSpPr>
+          <p:nvPr>
+            <p:ph sz="quarter" idx="1"/>
+          </p:nvPr>
+        </p:nvSpPr>
+        <p:spPr>
+          <a:xfrm>
+            <a:off x="457200" y="1219200"/>
+            <a:ext cx="8229600" cy="4937125"/>
+          </a:xfrm>
+        </p:spPr>
+        <p:txBody>
+          <a:bodyPr/>
+          <a:lstStyle/>
+          <a:p>
+            <a:pPr eaLnBrk="1" hangingPunct="1"/>
+            <a:r>
+              <a:rPr lang="en-US" smtClean="0"/>
+              <a:t>Opportunity and Solution</a:t>
+            </a:r>
+            <a:endParaRPr lang="en-SG" smtClean="0"/>
+          </a:p>
+        </p:txBody>
+      </p:sp>
+    </p:spTree>
+  </p:cSld>
+  <p:clrMapOvr>
+    <a:masterClrMapping/>
+  </p:clrMapOvr>
+  <p:timing>
+    <p:tnLst>
+      <p:par>
+        <p:cTn id="1" dur="indefinite" restart="never" nodeType="tmRoot"/>
+      </p:par>
+    </p:tnLst>
+  </p:timing>
+</p:sld>
+</file>
+
+<file path=ppt/slides/slide33.xml><?xml version="1.0" encoding="utf-8"?>
 <p:sld xmlns:a="http://schemas.openxmlformats.org/drawingml/2006/main" xmlns:r="http://schemas.openxmlformats.org/officeDocument/2006/relationships" xmlns:p="http://schemas.openxmlformats.org/presentationml/2006/main">
   <p:cSld>
     <p:spTree>
@@ -19279,7 +20348,7 @@
 </p:sld>
 </file>
 
-<file path=ppt/slides/slide31.xml><?xml version="1.0" encoding="utf-8"?>
+<file path=ppt/slides/slide34.xml><?xml version="1.0" encoding="utf-8"?>
 <p:sld xmlns:a="http://schemas.openxmlformats.org/drawingml/2006/main" xmlns:r="http://schemas.openxmlformats.org/officeDocument/2006/relationships" xmlns:p="http://schemas.openxmlformats.org/presentationml/2006/main">
   <p:cSld>
     <p:spTree>
@@ -19361,7 +20430,7 @@
           <a:graphicData uri="http://schemas.openxmlformats.org/presentationml/2006/ole">
             <mc:AlternateContent xmlns:mc="http://schemas.openxmlformats.org/markup-compatibility/2006">
               <mc:Choice xmlns:v="urn:schemas-microsoft-com:vml" Requires="v">
-                <p:oleObj spid="_x0000_s2052" name="Visio" r:id="rId3" imgW="9660374" imgH="6002783" progId="Visio.Drawing.11">
+                <p:oleObj spid="_x0000_s2053" name="Visio" r:id="rId3" imgW="9660374" imgH="6002783" progId="Visio.Drawing.11">
                   <p:embed/>
                 </p:oleObj>
               </mc:Choice>
@@ -19430,7 +20499,7 @@
 </p:sld>
 </file>
 
-<file path=ppt/slides/slide32.xml><?xml version="1.0" encoding="utf-8"?>
+<file path=ppt/slides/slide35.xml><?xml version="1.0" encoding="utf-8"?>
 <p:sld xmlns:a="http://schemas.openxmlformats.org/drawingml/2006/main" xmlns:r="http://schemas.openxmlformats.org/officeDocument/2006/relationships" xmlns:p="http://schemas.openxmlformats.org/presentationml/2006/main">
   <p:cSld>
     <p:spTree>
@@ -20066,10 +21135,10 @@
           <a:p>
             <a:pPr eaLnBrk="1" hangingPunct="1"/>
             <a:r>
-              <a:rPr lang="en-GB" smtClean="0"/>
+              <a:rPr lang="en-GB" dirty="0" smtClean="0"/>
               <a:t>Business Vision</a:t>
             </a:r>
-            <a:endParaRPr lang="en-SG" smtClean="0"/>
+            <a:endParaRPr lang="en-SG" dirty="0" smtClean="0"/>
           </a:p>
         </p:txBody>
       </p:sp>

--- a/Enterprise Architech Presentation.pptx
+++ b/Enterprise Architech Presentation.pptx
@@ -17017,7 +17017,7 @@
           <a:graphicData uri="http://schemas.openxmlformats.org/presentationml/2006/ole">
             <mc:AlternateContent xmlns:mc="http://schemas.openxmlformats.org/markup-compatibility/2006">
               <mc:Choice xmlns:v="urn:schemas-microsoft-com:vml" Requires="v">
-                <p:oleObj spid="_x0000_s46092" name="Visio" r:id="rId3" imgW="6050954" imgH="4660654" progId="Visio.Drawing.11">
+                <p:oleObj spid="_x0000_s46093" name="Visio" r:id="rId3" imgW="6050954" imgH="4660654" progId="Visio.Drawing.11">
                   <p:embed/>
                 </p:oleObj>
               </mc:Choice>
@@ -17199,7 +17199,7 @@
           <a:graphicData uri="http://schemas.openxmlformats.org/presentationml/2006/ole">
             <mc:AlternateContent xmlns:mc="http://schemas.openxmlformats.org/markup-compatibility/2006">
               <mc:Choice xmlns:v="urn:schemas-microsoft-com:vml" Requires="v">
-                <p:oleObj spid="_x0000_s61446" name="Visio" r:id="rId3" imgW="6434247" imgH="5449047" progId="Visio.Drawing.11">
+                <p:oleObj spid="_x0000_s61447" name="Visio" r:id="rId3" imgW="6434247" imgH="5449047" progId="Visio.Drawing.11">
                   <p:embed/>
                 </p:oleObj>
               </mc:Choice>
@@ -17386,7 +17386,6 @@
               <a:rPr lang="en-SG" dirty="0" smtClean="0"/>
               <a:t>Technology Architecture</a:t>
             </a:r>
-            <a:endParaRPr lang="en-SG" dirty="0" smtClean="0"/>
           </a:p>
         </p:txBody>
       </p:sp>
@@ -17415,7 +17414,6 @@
               <a:rPr lang="en-US" dirty="0" smtClean="0"/>
               <a:t>TRM</a:t>
             </a:r>
-            <a:endParaRPr lang="en-US" dirty="0" smtClean="0"/>
           </a:p>
         </p:txBody>
       </p:sp>
@@ -18675,7 +18673,15 @@
           <a:lstStyle/>
           <a:p>
             <a:pPr eaLnBrk="1" hangingPunct="1"/>
-            <a:endParaRPr lang="en-SG" smtClean="0"/>
+            <a:r>
+              <a:rPr lang="en-US" dirty="0"/>
+              <a:t>Opportunity and </a:t>
+            </a:r>
+            <a:r>
+              <a:rPr lang="en-US" dirty="0" smtClean="0"/>
+              <a:t>Solution</a:t>
+            </a:r>
+            <a:endParaRPr lang="en-SG" dirty="0" smtClean="0"/>
           </a:p>
         </p:txBody>
       </p:sp>
@@ -18699,15 +18705,641 @@
           <a:bodyPr/>
           <a:lstStyle/>
           <a:p>
-            <a:pPr eaLnBrk="1" hangingPunct="1"/>
-            <a:r>
-              <a:rPr lang="en-US" smtClean="0"/>
-              <a:t>Opportunity and Solution</a:t>
-            </a:r>
-            <a:endParaRPr lang="en-SG" smtClean="0"/>
+            <a:pPr marL="0" indent="0" eaLnBrk="1" hangingPunct="1">
+              <a:buNone/>
+            </a:pPr>
+            <a:r>
+              <a:rPr lang="en-SG" dirty="0" smtClean="0"/>
+              <a:t> </a:t>
+            </a:r>
+            <a:endParaRPr lang="en-SG" dirty="0" smtClean="0"/>
           </a:p>
         </p:txBody>
       </p:sp>
+      <p:graphicFrame>
+        <p:nvGraphicFramePr>
+          <p:cNvPr id="2" name="Table 1"/>
+          <p:cNvGraphicFramePr>
+            <a:graphicFrameLocks noGrp="1"/>
+          </p:cNvGraphicFramePr>
+          <p:nvPr>
+            <p:extLst>
+              <p:ext uri="{D42A27DB-BD31-4B8C-83A1-F6EECF244321}">
+                <p14:modId xmlns:p14="http://schemas.microsoft.com/office/powerpoint/2010/main" val="2848246203"/>
+              </p:ext>
+            </p:extLst>
+          </p:nvPr>
+        </p:nvGraphicFramePr>
+        <p:xfrm>
+          <a:off x="611560" y="1628800"/>
+          <a:ext cx="6696743" cy="3946062"/>
+        </p:xfrm>
+        <a:graphic>
+          <a:graphicData uri="http://schemas.openxmlformats.org/drawingml/2006/table">
+            <a:tbl>
+              <a:tblPr firstRow="1" firstCol="1" bandRow="1">
+                <a:tableStyleId>{5C22544A-7EE6-4342-B048-85BDC9FD1C3A}</a:tableStyleId>
+              </a:tblPr>
+              <a:tblGrid>
+                <a:gridCol w="4852776"/>
+                <a:gridCol w="1843967"/>
+              </a:tblGrid>
+              <a:tr h="360040">
+                <a:tc>
+                  <a:txBody>
+                    <a:bodyPr/>
+                    <a:lstStyle/>
+                    <a:p>
+                      <a:pPr marL="0" marR="0" algn="l">
+                        <a:spcBef>
+                          <a:spcPts val="600"/>
+                        </a:spcBef>
+                        <a:spcAft>
+                          <a:spcPts val="300"/>
+                        </a:spcAft>
+                      </a:pPr>
+                      <a:r>
+                        <a:rPr lang="en-GB" sz="1600" dirty="0">
+                          <a:effectLst/>
+                        </a:rPr>
+                        <a:t>Initiatives</a:t>
+                      </a:r>
+                      <a:endParaRPr lang="en-US" sz="1600" dirty="0">
+                        <a:effectLst/>
+                        <a:latin typeface="Times New Roman"/>
+                        <a:ea typeface="Times New Roman"/>
+                      </a:endParaRPr>
+                    </a:p>
+                  </a:txBody>
+                  <a:tcPr marL="68580" marR="68580" marT="0" marB="0"/>
+                </a:tc>
+                <a:tc>
+                  <a:txBody>
+                    <a:bodyPr/>
+                    <a:lstStyle/>
+                    <a:p>
+                      <a:pPr marL="0" marR="0" algn="l">
+                        <a:spcBef>
+                          <a:spcPts val="600"/>
+                        </a:spcBef>
+                        <a:spcAft>
+                          <a:spcPts val="300"/>
+                        </a:spcAft>
+                      </a:pPr>
+                      <a:r>
+                        <a:rPr lang="en-GB" sz="1600" dirty="0">
+                          <a:effectLst/>
+                        </a:rPr>
+                        <a:t>Priority</a:t>
+                      </a:r>
+                      <a:endParaRPr lang="en-US" sz="1600" dirty="0">
+                        <a:effectLst/>
+                        <a:latin typeface="Times New Roman"/>
+                        <a:ea typeface="Times New Roman"/>
+                      </a:endParaRPr>
+                    </a:p>
+                  </a:txBody>
+                  <a:tcPr marL="68580" marR="68580" marT="0" marB="0"/>
+                </a:tc>
+              </a:tr>
+              <a:tr h="230399">
+                <a:tc>
+                  <a:txBody>
+                    <a:bodyPr/>
+                    <a:lstStyle/>
+                    <a:p>
+                      <a:pPr marL="0" marR="0" algn="l">
+                        <a:spcBef>
+                          <a:spcPts val="600"/>
+                        </a:spcBef>
+                        <a:spcAft>
+                          <a:spcPts val="300"/>
+                        </a:spcAft>
+                      </a:pPr>
+                      <a:r>
+                        <a:rPr lang="en-GB" sz="1100" dirty="0">
+                          <a:effectLst/>
+                        </a:rPr>
+                        <a:t>Re-engineer </a:t>
+                      </a:r>
+                      <a:r>
+                        <a:rPr lang="en-GB" sz="1100" dirty="0" smtClean="0">
+                          <a:effectLst/>
+                        </a:rPr>
+                        <a:t>existing business </a:t>
+                      </a:r>
+                      <a:r>
+                        <a:rPr lang="en-GB" sz="1100" dirty="0">
+                          <a:effectLst/>
+                        </a:rPr>
+                        <a:t>processes</a:t>
+                      </a:r>
+                      <a:endParaRPr lang="en-US" sz="1100" dirty="0">
+                        <a:effectLst/>
+                        <a:latin typeface="Times New Roman"/>
+                        <a:ea typeface="Times New Roman"/>
+                      </a:endParaRPr>
+                    </a:p>
+                  </a:txBody>
+                  <a:tcPr marL="68580" marR="68580" marT="0" marB="0"/>
+                </a:tc>
+                <a:tc>
+                  <a:txBody>
+                    <a:bodyPr/>
+                    <a:lstStyle/>
+                    <a:p>
+                      <a:pPr marL="0" marR="0" algn="just">
+                        <a:spcBef>
+                          <a:spcPts val="600"/>
+                        </a:spcBef>
+                        <a:spcAft>
+                          <a:spcPts val="300"/>
+                        </a:spcAft>
+                      </a:pPr>
+                      <a:r>
+                        <a:rPr lang="en-GB" sz="1100">
+                          <a:effectLst/>
+                        </a:rPr>
+                        <a:t>High</a:t>
+                      </a:r>
+                      <a:endParaRPr lang="en-US" sz="1100">
+                        <a:effectLst/>
+                        <a:latin typeface="Times New Roman"/>
+                        <a:ea typeface="Times New Roman"/>
+                      </a:endParaRPr>
+                    </a:p>
+                  </a:txBody>
+                  <a:tcPr marL="68580" marR="68580" marT="0" marB="0"/>
+                </a:tc>
+              </a:tr>
+              <a:tr h="460798">
+                <a:tc>
+                  <a:txBody>
+                    <a:bodyPr/>
+                    <a:lstStyle/>
+                    <a:p>
+                      <a:pPr marL="0" marR="0" algn="just">
+                        <a:spcBef>
+                          <a:spcPts val="600"/>
+                        </a:spcBef>
+                        <a:spcAft>
+                          <a:spcPts val="300"/>
+                        </a:spcAft>
+                      </a:pPr>
+                      <a:r>
+                        <a:rPr lang="en-GB" sz="1100" dirty="0">
+                          <a:effectLst/>
+                        </a:rPr>
+                        <a:t>Establish more customer focused services to improve customer satisfaction.</a:t>
+                      </a:r>
+                      <a:endParaRPr lang="en-US" sz="1100" dirty="0">
+                        <a:effectLst/>
+                        <a:latin typeface="Times New Roman"/>
+                        <a:ea typeface="Times New Roman"/>
+                      </a:endParaRPr>
+                    </a:p>
+                  </a:txBody>
+                  <a:tcPr marL="68580" marR="68580" marT="0" marB="0"/>
+                </a:tc>
+                <a:tc>
+                  <a:txBody>
+                    <a:bodyPr/>
+                    <a:lstStyle/>
+                    <a:p>
+                      <a:pPr marL="0" marR="0" algn="just">
+                        <a:spcBef>
+                          <a:spcPts val="600"/>
+                        </a:spcBef>
+                        <a:spcAft>
+                          <a:spcPts val="300"/>
+                        </a:spcAft>
+                      </a:pPr>
+                      <a:r>
+                        <a:rPr lang="en-GB" sz="1100">
+                          <a:effectLst/>
+                        </a:rPr>
+                        <a:t>High</a:t>
+                      </a:r>
+                      <a:endParaRPr lang="en-US" sz="1100">
+                        <a:effectLst/>
+                        <a:latin typeface="Times New Roman"/>
+                        <a:ea typeface="Times New Roman"/>
+                      </a:endParaRPr>
+                    </a:p>
+                  </a:txBody>
+                  <a:tcPr marL="68580" marR="68580" marT="0" marB="0"/>
+                </a:tc>
+              </a:tr>
+              <a:tr h="230399">
+                <a:tc>
+                  <a:txBody>
+                    <a:bodyPr/>
+                    <a:lstStyle/>
+                    <a:p>
+                      <a:pPr marL="0" marR="0" algn="just">
+                        <a:spcBef>
+                          <a:spcPts val="600"/>
+                        </a:spcBef>
+                        <a:spcAft>
+                          <a:spcPts val="300"/>
+                        </a:spcAft>
+                      </a:pPr>
+                      <a:r>
+                        <a:rPr lang="en-GB" sz="1100" dirty="0">
+                          <a:effectLst/>
+                        </a:rPr>
+                        <a:t>Re-structure application systems</a:t>
+                      </a:r>
+                      <a:endParaRPr lang="en-US" sz="1100" dirty="0">
+                        <a:effectLst/>
+                        <a:latin typeface="Times New Roman"/>
+                        <a:ea typeface="Times New Roman"/>
+                      </a:endParaRPr>
+                    </a:p>
+                  </a:txBody>
+                  <a:tcPr marL="68580" marR="68580" marT="0" marB="0"/>
+                </a:tc>
+                <a:tc>
+                  <a:txBody>
+                    <a:bodyPr/>
+                    <a:lstStyle/>
+                    <a:p>
+                      <a:pPr marL="0" marR="0" algn="just">
+                        <a:spcBef>
+                          <a:spcPts val="600"/>
+                        </a:spcBef>
+                        <a:spcAft>
+                          <a:spcPts val="300"/>
+                        </a:spcAft>
+                      </a:pPr>
+                      <a:r>
+                        <a:rPr lang="en-GB" sz="1100" dirty="0">
+                          <a:effectLst/>
+                        </a:rPr>
+                        <a:t>High</a:t>
+                      </a:r>
+                      <a:endParaRPr lang="en-US" sz="1100" dirty="0">
+                        <a:effectLst/>
+                        <a:latin typeface="Times New Roman"/>
+                        <a:ea typeface="Times New Roman"/>
+                      </a:endParaRPr>
+                    </a:p>
+                  </a:txBody>
+                  <a:tcPr marL="68580" marR="68580" marT="0" marB="0"/>
+                </a:tc>
+              </a:tr>
+              <a:tr h="460798">
+                <a:tc>
+                  <a:txBody>
+                    <a:bodyPr/>
+                    <a:lstStyle/>
+                    <a:p>
+                      <a:pPr marL="0" marR="0" algn="just">
+                        <a:spcBef>
+                          <a:spcPts val="600"/>
+                        </a:spcBef>
+                        <a:spcAft>
+                          <a:spcPts val="300"/>
+                        </a:spcAft>
+                      </a:pPr>
+                      <a:r>
+                        <a:rPr lang="en-GB" sz="1100">
+                          <a:effectLst/>
+                        </a:rPr>
+                        <a:t>Provide interface for internal/external system to integrate.</a:t>
+                      </a:r>
+                      <a:endParaRPr lang="en-US" sz="1100">
+                        <a:effectLst/>
+                        <a:latin typeface="Times New Roman"/>
+                        <a:ea typeface="Times New Roman"/>
+                      </a:endParaRPr>
+                    </a:p>
+                  </a:txBody>
+                  <a:tcPr marL="68580" marR="68580" marT="0" marB="0"/>
+                </a:tc>
+                <a:tc>
+                  <a:txBody>
+                    <a:bodyPr/>
+                    <a:lstStyle/>
+                    <a:p>
+                      <a:pPr marL="0" marR="0" algn="just">
+                        <a:spcBef>
+                          <a:spcPts val="600"/>
+                        </a:spcBef>
+                        <a:spcAft>
+                          <a:spcPts val="300"/>
+                        </a:spcAft>
+                      </a:pPr>
+                      <a:r>
+                        <a:rPr lang="en-GB" sz="1100">
+                          <a:effectLst/>
+                        </a:rPr>
+                        <a:t>Medium</a:t>
+                      </a:r>
+                      <a:endParaRPr lang="en-US" sz="1100">
+                        <a:effectLst/>
+                        <a:latin typeface="Times New Roman"/>
+                        <a:ea typeface="Times New Roman"/>
+                      </a:endParaRPr>
+                    </a:p>
+                  </a:txBody>
+                  <a:tcPr marL="68580" marR="68580" marT="0" marB="0"/>
+                </a:tc>
+              </a:tr>
+              <a:tr h="460798">
+                <a:tc>
+                  <a:txBody>
+                    <a:bodyPr/>
+                    <a:lstStyle/>
+                    <a:p>
+                      <a:pPr marL="0" marR="0" algn="just">
+                        <a:spcBef>
+                          <a:spcPts val="600"/>
+                        </a:spcBef>
+                        <a:spcAft>
+                          <a:spcPts val="300"/>
+                        </a:spcAft>
+                      </a:pPr>
+                      <a:r>
+                        <a:rPr lang="en-GB" sz="1100">
+                          <a:effectLst/>
+                        </a:rPr>
+                        <a:t>Improve performance and enhance security in systems.</a:t>
+                      </a:r>
+                      <a:endParaRPr lang="en-US" sz="1100">
+                        <a:effectLst/>
+                        <a:latin typeface="Times New Roman"/>
+                        <a:ea typeface="Times New Roman"/>
+                      </a:endParaRPr>
+                    </a:p>
+                  </a:txBody>
+                  <a:tcPr marL="68580" marR="68580" marT="0" marB="0"/>
+                </a:tc>
+                <a:tc>
+                  <a:txBody>
+                    <a:bodyPr/>
+                    <a:lstStyle/>
+                    <a:p>
+                      <a:pPr marL="0" marR="0" algn="just">
+                        <a:spcBef>
+                          <a:spcPts val="600"/>
+                        </a:spcBef>
+                        <a:spcAft>
+                          <a:spcPts val="300"/>
+                        </a:spcAft>
+                      </a:pPr>
+                      <a:r>
+                        <a:rPr lang="en-GB" sz="1100">
+                          <a:effectLst/>
+                        </a:rPr>
+                        <a:t>High</a:t>
+                      </a:r>
+                      <a:endParaRPr lang="en-US" sz="1100">
+                        <a:effectLst/>
+                        <a:latin typeface="Times New Roman"/>
+                        <a:ea typeface="Times New Roman"/>
+                      </a:endParaRPr>
+                    </a:p>
+                  </a:txBody>
+                  <a:tcPr marL="68580" marR="68580" marT="0" marB="0"/>
+                </a:tc>
+              </a:tr>
+              <a:tr h="230399">
+                <a:tc>
+                  <a:txBody>
+                    <a:bodyPr/>
+                    <a:lstStyle/>
+                    <a:p>
+                      <a:pPr marL="0" marR="0" algn="just">
+                        <a:spcBef>
+                          <a:spcPts val="600"/>
+                        </a:spcBef>
+                        <a:spcAft>
+                          <a:spcPts val="300"/>
+                        </a:spcAft>
+                      </a:pPr>
+                      <a:r>
+                        <a:rPr lang="en-GB" sz="1100">
+                          <a:effectLst/>
+                        </a:rPr>
+                        <a:t>Standardize data storage for system integration.</a:t>
+                      </a:r>
+                      <a:endParaRPr lang="en-US" sz="1100">
+                        <a:effectLst/>
+                        <a:latin typeface="Times New Roman"/>
+                        <a:ea typeface="Times New Roman"/>
+                      </a:endParaRPr>
+                    </a:p>
+                  </a:txBody>
+                  <a:tcPr marL="68580" marR="68580" marT="0" marB="0"/>
+                </a:tc>
+                <a:tc>
+                  <a:txBody>
+                    <a:bodyPr/>
+                    <a:lstStyle/>
+                    <a:p>
+                      <a:pPr marL="0" marR="0" algn="just">
+                        <a:spcBef>
+                          <a:spcPts val="600"/>
+                        </a:spcBef>
+                        <a:spcAft>
+                          <a:spcPts val="300"/>
+                        </a:spcAft>
+                      </a:pPr>
+                      <a:r>
+                        <a:rPr lang="en-GB" sz="1100">
+                          <a:effectLst/>
+                        </a:rPr>
+                        <a:t>High</a:t>
+                      </a:r>
+                      <a:endParaRPr lang="en-US" sz="1100">
+                        <a:effectLst/>
+                        <a:latin typeface="Times New Roman"/>
+                        <a:ea typeface="Times New Roman"/>
+                      </a:endParaRPr>
+                    </a:p>
+                  </a:txBody>
+                  <a:tcPr marL="68580" marR="68580" marT="0" marB="0"/>
+                </a:tc>
+              </a:tr>
+              <a:tr h="460798">
+                <a:tc>
+                  <a:txBody>
+                    <a:bodyPr/>
+                    <a:lstStyle/>
+                    <a:p>
+                      <a:pPr marL="0" marR="0" algn="just">
+                        <a:spcBef>
+                          <a:spcPts val="600"/>
+                        </a:spcBef>
+                        <a:spcAft>
+                          <a:spcPts val="300"/>
+                        </a:spcAft>
+                      </a:pPr>
+                      <a:r>
+                        <a:rPr lang="en-GB" sz="1100">
+                          <a:effectLst/>
+                        </a:rPr>
+                        <a:t>Adapt new technology to improve system stability and ease for maintenance.</a:t>
+                      </a:r>
+                      <a:endParaRPr lang="en-US" sz="1100">
+                        <a:effectLst/>
+                        <a:latin typeface="Times New Roman"/>
+                        <a:ea typeface="Times New Roman"/>
+                      </a:endParaRPr>
+                    </a:p>
+                  </a:txBody>
+                  <a:tcPr marL="68580" marR="68580" marT="0" marB="0"/>
+                </a:tc>
+                <a:tc>
+                  <a:txBody>
+                    <a:bodyPr/>
+                    <a:lstStyle/>
+                    <a:p>
+                      <a:pPr marL="0" marR="0" algn="just">
+                        <a:spcBef>
+                          <a:spcPts val="600"/>
+                        </a:spcBef>
+                        <a:spcAft>
+                          <a:spcPts val="300"/>
+                        </a:spcAft>
+                      </a:pPr>
+                      <a:r>
+                        <a:rPr lang="en-GB" sz="1100">
+                          <a:effectLst/>
+                        </a:rPr>
+                        <a:t>Medium</a:t>
+                      </a:r>
+                      <a:endParaRPr lang="en-US" sz="1100">
+                        <a:effectLst/>
+                        <a:latin typeface="Times New Roman"/>
+                        <a:ea typeface="Times New Roman"/>
+                      </a:endParaRPr>
+                    </a:p>
+                  </a:txBody>
+                  <a:tcPr marL="68580" marR="68580" marT="0" marB="0"/>
+                </a:tc>
+              </a:tr>
+              <a:tr h="631852">
+                <a:tc>
+                  <a:txBody>
+                    <a:bodyPr/>
+                    <a:lstStyle/>
+                    <a:p>
+                      <a:pPr marL="0" marR="0" algn="just">
+                        <a:spcBef>
+                          <a:spcPts val="600"/>
+                        </a:spcBef>
+                        <a:spcAft>
+                          <a:spcPts val="300"/>
+                        </a:spcAft>
+                      </a:pPr>
+                      <a:r>
+                        <a:rPr lang="en-GB" sz="1100">
+                          <a:effectLst/>
+                        </a:rPr>
+                        <a:t>Produce management report for marketing analysis and strategy change.</a:t>
+                      </a:r>
+                      <a:endParaRPr lang="en-US" sz="1100">
+                        <a:effectLst/>
+                        <a:latin typeface="Times New Roman"/>
+                        <a:ea typeface="Times New Roman"/>
+                      </a:endParaRPr>
+                    </a:p>
+                  </a:txBody>
+                  <a:tcPr marL="68580" marR="68580" marT="0" marB="0"/>
+                </a:tc>
+                <a:tc>
+                  <a:txBody>
+                    <a:bodyPr/>
+                    <a:lstStyle/>
+                    <a:p>
+                      <a:pPr marL="0" marR="0" algn="just">
+                        <a:spcBef>
+                          <a:spcPts val="600"/>
+                        </a:spcBef>
+                        <a:spcAft>
+                          <a:spcPts val="300"/>
+                        </a:spcAft>
+                      </a:pPr>
+                      <a:r>
+                        <a:rPr lang="en-GB" sz="1100">
+                          <a:effectLst/>
+                        </a:rPr>
+                        <a:t>Medium</a:t>
+                      </a:r>
+                      <a:endParaRPr lang="en-US" sz="1100">
+                        <a:effectLst/>
+                        <a:latin typeface="Times New Roman"/>
+                        <a:ea typeface="Times New Roman"/>
+                      </a:endParaRPr>
+                    </a:p>
+                  </a:txBody>
+                  <a:tcPr marL="68580" marR="68580" marT="0" marB="0"/>
+                </a:tc>
+              </a:tr>
+              <a:tr h="419781">
+                <a:tc>
+                  <a:txBody>
+                    <a:bodyPr/>
+                    <a:lstStyle/>
+                    <a:p>
+                      <a:pPr marL="0" marR="0" algn="just">
+                        <a:spcBef>
+                          <a:spcPts val="600"/>
+                        </a:spcBef>
+                        <a:spcAft>
+                          <a:spcPts val="300"/>
+                        </a:spcAft>
+                      </a:pPr>
+                      <a:r>
+                        <a:rPr lang="en-GB" sz="1100" dirty="0">
+                          <a:effectLst/>
+                        </a:rPr>
+                        <a:t>Procure new hardware.</a:t>
+                      </a:r>
+                      <a:endParaRPr lang="en-US" sz="1100" dirty="0">
+                        <a:effectLst/>
+                        <a:latin typeface="Times New Roman"/>
+                        <a:ea typeface="Times New Roman"/>
+                      </a:endParaRPr>
+                    </a:p>
+                  </a:txBody>
+                  <a:tcPr marL="68580" marR="68580" marT="0" marB="0"/>
+                </a:tc>
+                <a:tc>
+                  <a:txBody>
+                    <a:bodyPr/>
+                    <a:lstStyle/>
+                    <a:p>
+                      <a:pPr marL="0" marR="0" algn="just">
+                        <a:spcBef>
+                          <a:spcPts val="600"/>
+                        </a:spcBef>
+                        <a:spcAft>
+                          <a:spcPts val="300"/>
+                        </a:spcAft>
+                      </a:pPr>
+                      <a:r>
+                        <a:rPr lang="en-GB" sz="1100" dirty="0">
+                          <a:effectLst/>
+                        </a:rPr>
+                        <a:t>Low</a:t>
+                      </a:r>
+                      <a:endParaRPr lang="en-US" sz="1100" dirty="0">
+                        <a:effectLst/>
+                        <a:latin typeface="Times New Roman"/>
+                        <a:ea typeface="Times New Roman"/>
+                      </a:endParaRPr>
+                    </a:p>
+                  </a:txBody>
+                  <a:tcPr marL="68580" marR="68580" marT="0" marB="0"/>
+                </a:tc>
+              </a:tr>
+            </a:tbl>
+          </a:graphicData>
+        </a:graphic>
+      </p:graphicFrame>
     </p:spTree>
   </p:cSld>
   <p:clrMapOvr>
@@ -20430,7 +21062,7 @@
           <a:graphicData uri="http://schemas.openxmlformats.org/presentationml/2006/ole">
             <mc:AlternateContent xmlns:mc="http://schemas.openxmlformats.org/markup-compatibility/2006">
               <mc:Choice xmlns:v="urn:schemas-microsoft-com:vml" Requires="v">
-                <p:oleObj spid="_x0000_s2053" name="Visio" r:id="rId3" imgW="9660374" imgH="6002783" progId="Visio.Drawing.11">
+                <p:oleObj spid="_x0000_s2054" name="Visio" r:id="rId3" imgW="9660374" imgH="6002783" progId="Visio.Drawing.11">
                   <p:embed/>
                 </p:oleObj>
               </mc:Choice>

--- a/Enterprise Architech Presentation.pptx
+++ b/Enterprise Architech Presentation.pptx
@@ -5,7 +5,7 @@
     <p:sldMasterId id="2147483720" r:id="rId1"/>
   </p:sldMasterIdLst>
   <p:notesMasterIdLst>
-    <p:notesMasterId r:id="rId37"/>
+    <p:notesMasterId r:id="rId38"/>
   </p:notesMasterIdLst>
   <p:sldIdLst>
     <p:sldId id="256" r:id="rId2"/>
@@ -18,31 +18,32 @@
     <p:sldId id="263" r:id="rId9"/>
     <p:sldId id="264" r:id="rId10"/>
     <p:sldId id="265" r:id="rId11"/>
-    <p:sldId id="266" r:id="rId12"/>
-    <p:sldId id="267" r:id="rId13"/>
-    <p:sldId id="268" r:id="rId14"/>
-    <p:sldId id="269" r:id="rId15"/>
-    <p:sldId id="270" r:id="rId16"/>
-    <p:sldId id="272" r:id="rId17"/>
-    <p:sldId id="273" r:id="rId18"/>
-    <p:sldId id="274" r:id="rId19"/>
-    <p:sldId id="275" r:id="rId20"/>
-    <p:sldId id="277" r:id="rId21"/>
-    <p:sldId id="278" r:id="rId22"/>
-    <p:sldId id="280" r:id="rId23"/>
-    <p:sldId id="279" r:id="rId24"/>
-    <p:sldId id="287" r:id="rId25"/>
-    <p:sldId id="284" r:id="rId26"/>
-    <p:sldId id="289" r:id="rId27"/>
-    <p:sldId id="288" r:id="rId28"/>
-    <p:sldId id="285" r:id="rId29"/>
-    <p:sldId id="290" r:id="rId30"/>
-    <p:sldId id="291" r:id="rId31"/>
-    <p:sldId id="292" r:id="rId32"/>
-    <p:sldId id="281" r:id="rId33"/>
-    <p:sldId id="282" r:id="rId34"/>
-    <p:sldId id="283" r:id="rId35"/>
-    <p:sldId id="286" r:id="rId36"/>
+    <p:sldId id="267" r:id="rId12"/>
+    <p:sldId id="268" r:id="rId13"/>
+    <p:sldId id="269" r:id="rId14"/>
+    <p:sldId id="270" r:id="rId15"/>
+    <p:sldId id="272" r:id="rId16"/>
+    <p:sldId id="273" r:id="rId17"/>
+    <p:sldId id="274" r:id="rId18"/>
+    <p:sldId id="275" r:id="rId19"/>
+    <p:sldId id="277" r:id="rId20"/>
+    <p:sldId id="278" r:id="rId21"/>
+    <p:sldId id="280" r:id="rId22"/>
+    <p:sldId id="279" r:id="rId23"/>
+    <p:sldId id="287" r:id="rId24"/>
+    <p:sldId id="284" r:id="rId25"/>
+    <p:sldId id="289" r:id="rId26"/>
+    <p:sldId id="288" r:id="rId27"/>
+    <p:sldId id="285" r:id="rId28"/>
+    <p:sldId id="290" r:id="rId29"/>
+    <p:sldId id="291" r:id="rId30"/>
+    <p:sldId id="292" r:id="rId31"/>
+    <p:sldId id="281" r:id="rId32"/>
+    <p:sldId id="293" r:id="rId33"/>
+    <p:sldId id="266" r:id="rId34"/>
+    <p:sldId id="282" r:id="rId35"/>
+    <p:sldId id="283" r:id="rId36"/>
+    <p:sldId id="286" r:id="rId37"/>
   </p:sldIdLst>
   <p:sldSz cx="9144000" cy="6858000" type="screen4x3"/>
   <p:notesSz cx="6858000" cy="9144000"/>
@@ -171,6 +172,22 @@
       </a:defRPr>
     </a:lvl9pPr>
   </p:defaultTextStyle>
+  <p:extLst>
+    <p:ext uri="{EFAFB233-063F-42B5-8137-9DF3F51BA10A}">
+      <p15:sldGuideLst xmlns:p15="http://schemas.microsoft.com/office/powerpoint/2012/main">
+        <p15:guide id="1" orient="horz" pos="2160">
+          <p15:clr>
+            <a:srgbClr val="A4A3A4"/>
+          </p15:clr>
+        </p15:guide>
+        <p15:guide id="2" pos="2880">
+          <p15:clr>
+            <a:srgbClr val="A4A3A4"/>
+          </p15:clr>
+        </p15:guide>
+      </p15:sldGuideLst>
+    </p:ext>
+  </p:extLst>
 </p:presentation>
 </file>
 
@@ -734,6 +751,11 @@
         </p:txBody>
       </p:sp>
     </p:spTree>
+    <p:extLst>
+      <p:ext uri="{BB962C8B-B14F-4D97-AF65-F5344CB8AC3E}">
+        <p14:creationId xmlns:p14="http://schemas.microsoft.com/office/powerpoint/2010/main" val="1528159562"/>
+      </p:ext>
+    </p:extLst>
   </p:cSld>
   <p:clrMapOvr>
     <a:masterClrMapping/>
@@ -803,7 +825,7 @@
                 </a:spcAft>
                 <a:defRPr/>
               </a:pPr>
-              <a:t>16</a:t>
+              <a:t>15</a:t>
             </a:fld>
             <a:endParaRPr lang="en-US">
               <a:cs typeface="Arial" charset="0"/>
@@ -868,6 +890,11 @@
         </p:txBody>
       </p:sp>
     </p:spTree>
+    <p:extLst>
+      <p:ext uri="{BB962C8B-B14F-4D97-AF65-F5344CB8AC3E}">
+        <p14:creationId xmlns:p14="http://schemas.microsoft.com/office/powerpoint/2010/main" val="490914552"/>
+      </p:ext>
+    </p:extLst>
   </p:cSld>
   <p:clrMapOvr>
     <a:masterClrMapping/>
@@ -937,7 +964,7 @@
                 </a:spcAft>
                 <a:defRPr/>
               </a:pPr>
-              <a:t>17</a:t>
+              <a:t>16</a:t>
             </a:fld>
             <a:endParaRPr lang="en-US">
               <a:cs typeface="Arial" charset="0"/>
@@ -1002,6 +1029,11 @@
         </p:txBody>
       </p:sp>
     </p:spTree>
+    <p:extLst>
+      <p:ext uri="{BB962C8B-B14F-4D97-AF65-F5344CB8AC3E}">
+        <p14:creationId xmlns:p14="http://schemas.microsoft.com/office/powerpoint/2010/main" val="3648198337"/>
+      </p:ext>
+    </p:extLst>
   </p:cSld>
   <p:clrMapOvr>
     <a:masterClrMapping/>
@@ -1123,7 +1155,7 @@
                 </a:spcAft>
                 <a:defRPr/>
               </a:pPr>
-              <a:t>18</a:t>
+              <a:t>17</a:t>
             </a:fld>
             <a:endParaRPr lang="en-US">
               <a:cs typeface="Arial" charset="0"/>
@@ -1132,6 +1164,11 @@
         </p:txBody>
       </p:sp>
     </p:spTree>
+    <p:extLst>
+      <p:ext uri="{BB962C8B-B14F-4D97-AF65-F5344CB8AC3E}">
+        <p14:creationId xmlns:p14="http://schemas.microsoft.com/office/powerpoint/2010/main" val="999279360"/>
+      </p:ext>
+    </p:extLst>
   </p:cSld>
   <p:clrMapOvr>
     <a:masterClrMapping/>
@@ -1253,7 +1290,7 @@
                 </a:spcAft>
                 <a:defRPr/>
               </a:pPr>
-              <a:t>20</a:t>
+              <a:t>19</a:t>
             </a:fld>
             <a:endParaRPr lang="en-US">
               <a:cs typeface="Arial" charset="0"/>
@@ -1262,6 +1299,11 @@
         </p:txBody>
       </p:sp>
     </p:spTree>
+    <p:extLst>
+      <p:ext uri="{BB962C8B-B14F-4D97-AF65-F5344CB8AC3E}">
+        <p14:creationId xmlns:p14="http://schemas.microsoft.com/office/powerpoint/2010/main" val="7814052"/>
+      </p:ext>
+    </p:extLst>
   </p:cSld>
   <p:clrMapOvr>
     <a:masterClrMapping/>
@@ -1383,7 +1425,7 @@
                 </a:spcAft>
                 <a:defRPr/>
               </a:pPr>
-              <a:t>21</a:t>
+              <a:t>20</a:t>
             </a:fld>
             <a:endParaRPr lang="en-US">
               <a:cs typeface="Arial" charset="0"/>
@@ -1392,6 +1434,11 @@
         </p:txBody>
       </p:sp>
     </p:spTree>
+    <p:extLst>
+      <p:ext uri="{BB962C8B-B14F-4D97-AF65-F5344CB8AC3E}">
+        <p14:creationId xmlns:p14="http://schemas.microsoft.com/office/powerpoint/2010/main" val="2288989094"/>
+      </p:ext>
+    </p:extLst>
   </p:cSld>
   <p:clrMapOvr>
     <a:masterClrMapping/>
@@ -5935,7 +5982,11 @@
             </a:pPr>
             <a:r>
               <a:rPr lang="en-US" dirty="0" smtClean="0"/>
-              <a:t>Team 1</a:t>
+              <a:t>NUS ISS Team </a:t>
+            </a:r>
+            <a:r>
+              <a:rPr lang="en-US" dirty="0" smtClean="0"/>
+              <a:t>1</a:t>
             </a:r>
             <a:endParaRPr lang="en-SG" dirty="0"/>
           </a:p>
@@ -6146,7 +6197,7 @@
       </p:grpSpPr>
       <p:sp>
         <p:nvSpPr>
-          <p:cNvPr id="26625" name="Title 1"/>
+          <p:cNvPr id="27649" name="Title 1"/>
           <p:cNvSpPr>
             <a:spLocks noGrp="1"/>
           </p:cNvSpPr>
@@ -6160,46 +6211,39 @@
           <a:lstStyle/>
           <a:p>
             <a:pPr eaLnBrk="1" hangingPunct="1"/>
-            <a:r>
-              <a:rPr lang="en-US" smtClean="0"/>
-              <a:t>Transition Artifacts</a:t>
-            </a:r>
             <a:endParaRPr lang="en-SG" smtClean="0"/>
           </a:p>
         </p:txBody>
       </p:sp>
-      <p:pic>
-        <p:nvPicPr>
-          <p:cNvPr id="26626" name="Picture 2"/>
-          <p:cNvPicPr>
-            <a:picLocks noChangeAspect="1" noChangeArrowheads="1"/>
-          </p:cNvPicPr>
-          <p:nvPr/>
-        </p:nvPicPr>
-        <p:blipFill>
-          <a:blip r:embed="rId2"/>
-          <a:srcRect/>
-          <a:stretch>
-            <a:fillRect/>
-          </a:stretch>
-        </p:blipFill>
-        <p:spPr bwMode="auto">
+      <p:sp>
+        <p:nvSpPr>
+          <p:cNvPr id="27650" name="Content Placeholder 2"/>
+          <p:cNvSpPr>
+            <a:spLocks noGrp="1"/>
+          </p:cNvSpPr>
+          <p:nvPr>
+            <p:ph sz="quarter" idx="1"/>
+          </p:nvPr>
+        </p:nvSpPr>
+        <p:spPr>
           <a:xfrm>
-            <a:off x="1692275" y="1243013"/>
-            <a:ext cx="5753100" cy="5138737"/>
+            <a:off x="457200" y="1219200"/>
+            <a:ext cx="8229600" cy="4937125"/>
           </a:xfrm>
-          <a:prstGeom prst="rect">
-            <a:avLst/>
-          </a:prstGeom>
-          <a:noFill/>
-          <a:ln w="9525">
-            <a:noFill/>
-            <a:miter lim="800000"/>
-            <a:headEnd/>
-            <a:tailEnd/>
-          </a:ln>
         </p:spPr>
-      </p:pic>
+        <p:txBody>
+          <a:bodyPr/>
+          <a:lstStyle/>
+          <a:p>
+            <a:pPr eaLnBrk="1" hangingPunct="1"/>
+            <a:r>
+              <a:rPr lang="en-US" smtClean="0"/>
+              <a:t>Business Architecture</a:t>
+            </a:r>
+            <a:endParaRPr lang="en-SG" smtClean="0"/>
+          </a:p>
+        </p:txBody>
+      </p:sp>
     </p:spTree>
   </p:cSld>
   <p:clrMapOvr>
@@ -6234,87 +6278,6 @@
       </p:grpSpPr>
       <p:sp>
         <p:nvSpPr>
-          <p:cNvPr id="27649" name="Title 1"/>
-          <p:cNvSpPr>
-            <a:spLocks noGrp="1"/>
-          </p:cNvSpPr>
-          <p:nvPr>
-            <p:ph type="title"/>
-          </p:nvPr>
-        </p:nvSpPr>
-        <p:spPr/>
-        <p:txBody>
-          <a:bodyPr/>
-          <a:lstStyle/>
-          <a:p>
-            <a:pPr eaLnBrk="1" hangingPunct="1"/>
-            <a:endParaRPr lang="en-SG" smtClean="0"/>
-          </a:p>
-        </p:txBody>
-      </p:sp>
-      <p:sp>
-        <p:nvSpPr>
-          <p:cNvPr id="27650" name="Content Placeholder 2"/>
-          <p:cNvSpPr>
-            <a:spLocks noGrp="1"/>
-          </p:cNvSpPr>
-          <p:nvPr>
-            <p:ph sz="quarter" idx="1"/>
-          </p:nvPr>
-        </p:nvSpPr>
-        <p:spPr>
-          <a:xfrm>
-            <a:off x="457200" y="1219200"/>
-            <a:ext cx="8229600" cy="4937125"/>
-          </a:xfrm>
-        </p:spPr>
-        <p:txBody>
-          <a:bodyPr/>
-          <a:lstStyle/>
-          <a:p>
-            <a:pPr eaLnBrk="1" hangingPunct="1"/>
-            <a:r>
-              <a:rPr lang="en-US" smtClean="0"/>
-              <a:t>Business Architecture</a:t>
-            </a:r>
-            <a:endParaRPr lang="en-SG" smtClean="0"/>
-          </a:p>
-        </p:txBody>
-      </p:sp>
-    </p:spTree>
-  </p:cSld>
-  <p:clrMapOvr>
-    <a:masterClrMapping/>
-  </p:clrMapOvr>
-  <p:timing>
-    <p:tnLst>
-      <p:par>
-        <p:cTn id="1" dur="indefinite" restart="never" nodeType="tmRoot"/>
-      </p:par>
-    </p:tnLst>
-  </p:timing>
-</p:sld>
-</file>
-
-<file path=ppt/slides/slide13.xml><?xml version="1.0" encoding="utf-8"?>
-<p:sld xmlns:a="http://schemas.openxmlformats.org/drawingml/2006/main" xmlns:r="http://schemas.openxmlformats.org/officeDocument/2006/relationships" xmlns:p="http://schemas.openxmlformats.org/presentationml/2006/main">
-  <p:cSld>
-    <p:spTree>
-      <p:nvGrpSpPr>
-        <p:cNvPr id="1" name=""/>
-        <p:cNvGrpSpPr/>
-        <p:nvPr/>
-      </p:nvGrpSpPr>
-      <p:grpSpPr>
-        <a:xfrm>
-          <a:off x="0" y="0"/>
-          <a:ext cx="0" cy="0"/>
-          <a:chOff x="0" y="0"/>
-          <a:chExt cx="0" cy="0"/>
-        </a:xfrm>
-      </p:grpSpPr>
-      <p:sp>
-        <p:nvSpPr>
           <p:cNvPr id="28673" name="Title 1"/>
           <p:cNvSpPr>
             <a:spLocks noGrp="1"/>
@@ -6437,7 +6400,7 @@
 </p:sld>
 </file>
 
-<file path=ppt/slides/slide14.xml><?xml version="1.0" encoding="utf-8"?>
+<file path=ppt/slides/slide13.xml><?xml version="1.0" encoding="utf-8"?>
 <p:sld xmlns:a="http://schemas.openxmlformats.org/drawingml/2006/main" xmlns:r="http://schemas.openxmlformats.org/officeDocument/2006/relationships" xmlns:p="http://schemas.openxmlformats.org/presentationml/2006/main">
   <p:cSld>
     <p:spTree>
@@ -6868,7 +6831,7 @@
 </p:sld>
 </file>
 
-<file path=ppt/slides/slide15.xml><?xml version="1.0" encoding="utf-8"?>
+<file path=ppt/slides/slide14.xml><?xml version="1.0" encoding="utf-8"?>
 <p:sld xmlns:a="http://schemas.openxmlformats.org/drawingml/2006/main" xmlns:r="http://schemas.openxmlformats.org/officeDocument/2006/relationships" xmlns:p="http://schemas.openxmlformats.org/presentationml/2006/main">
   <p:cSld>
     <p:spTree>
@@ -7081,7 +7044,7 @@
 </p:sld>
 </file>
 
-<file path=ppt/slides/slide16.xml><?xml version="1.0" encoding="utf-8"?>
+<file path=ppt/slides/slide15.xml><?xml version="1.0" encoding="utf-8"?>
 <p:sld xmlns:a="http://schemas.openxmlformats.org/drawingml/2006/main" xmlns:r="http://schemas.openxmlformats.org/officeDocument/2006/relationships" xmlns:p="http://schemas.openxmlformats.org/presentationml/2006/main">
   <p:cSld>
     <p:spTree>
@@ -9313,7 +9276,7 @@
 </p:sld>
 </file>
 
-<file path=ppt/slides/slide17.xml><?xml version="1.0" encoding="utf-8"?>
+<file path=ppt/slides/slide16.xml><?xml version="1.0" encoding="utf-8"?>
 <p:sld xmlns:a="http://schemas.openxmlformats.org/drawingml/2006/main" xmlns:r="http://schemas.openxmlformats.org/officeDocument/2006/relationships" xmlns:p="http://schemas.openxmlformats.org/presentationml/2006/main">
   <p:cSld>
     <p:spTree>
@@ -10512,7 +10475,7 @@
 </p:sld>
 </file>
 
-<file path=ppt/slides/slide18.xml><?xml version="1.0" encoding="utf-8"?>
+<file path=ppt/slides/slide17.xml><?xml version="1.0" encoding="utf-8"?>
 <p:sld xmlns:a="http://schemas.openxmlformats.org/drawingml/2006/main" xmlns:r="http://schemas.openxmlformats.org/officeDocument/2006/relationships" xmlns:p="http://schemas.openxmlformats.org/presentationml/2006/main">
   <p:cSld>
     <p:spTree>
@@ -12110,7 +12073,7 @@
 </p:sld>
 </file>
 
-<file path=ppt/slides/slide19.xml><?xml version="1.0" encoding="utf-8"?>
+<file path=ppt/slides/slide18.xml><?xml version="1.0" encoding="utf-8"?>
 <p:sld xmlns:a="http://schemas.openxmlformats.org/drawingml/2006/main" xmlns:r="http://schemas.openxmlformats.org/officeDocument/2006/relationships" xmlns:p="http://schemas.openxmlformats.org/presentationml/2006/main">
   <p:cSld>
     <p:spTree>
@@ -12350,144 +12313,7 @@
 </p:sld>
 </file>
 
-<file path=ppt/slides/slide2.xml><?xml version="1.0" encoding="utf-8"?>
-<p:sld xmlns:a="http://schemas.openxmlformats.org/drawingml/2006/main" xmlns:r="http://schemas.openxmlformats.org/officeDocument/2006/relationships" xmlns:p="http://schemas.openxmlformats.org/presentationml/2006/main">
-  <p:cSld>
-    <p:spTree>
-      <p:nvGrpSpPr>
-        <p:cNvPr id="1" name=""/>
-        <p:cNvGrpSpPr/>
-        <p:nvPr/>
-      </p:nvGrpSpPr>
-      <p:grpSpPr>
-        <a:xfrm>
-          <a:off x="0" y="0"/>
-          <a:ext cx="0" cy="0"/>
-          <a:chOff x="0" y="0"/>
-          <a:chExt cx="0" cy="0"/>
-        </a:xfrm>
-      </p:grpSpPr>
-      <p:sp>
-        <p:nvSpPr>
-          <p:cNvPr id="17409" name="Title 1"/>
-          <p:cNvSpPr>
-            <a:spLocks noGrp="1"/>
-          </p:cNvSpPr>
-          <p:nvPr>
-            <p:ph type="title"/>
-          </p:nvPr>
-        </p:nvSpPr>
-        <p:spPr/>
-        <p:txBody>
-          <a:bodyPr/>
-          <a:lstStyle/>
-          <a:p>
-            <a:pPr eaLnBrk="1" hangingPunct="1"/>
-            <a:r>
-              <a:rPr lang="en-US" smtClean="0"/>
-              <a:t>Content	</a:t>
-            </a:r>
-            <a:endParaRPr lang="en-SG" smtClean="0"/>
-          </a:p>
-        </p:txBody>
-      </p:sp>
-      <p:sp>
-        <p:nvSpPr>
-          <p:cNvPr id="17410" name="Content Placeholder 2"/>
-          <p:cNvSpPr>
-            <a:spLocks noGrp="1"/>
-          </p:cNvSpPr>
-          <p:nvPr>
-            <p:ph sz="quarter" idx="1"/>
-          </p:nvPr>
-        </p:nvSpPr>
-        <p:spPr>
-          <a:xfrm>
-            <a:off x="457200" y="1219200"/>
-            <a:ext cx="8229600" cy="4937125"/>
-          </a:xfrm>
-        </p:spPr>
-        <p:txBody>
-          <a:bodyPr/>
-          <a:lstStyle/>
-          <a:p>
-            <a:pPr eaLnBrk="1" hangingPunct="1"/>
-            <a:r>
-              <a:rPr lang="en-US" smtClean="0"/>
-              <a:t>Architecture Vision</a:t>
-            </a:r>
-          </a:p>
-          <a:p>
-            <a:pPr eaLnBrk="1" hangingPunct="1"/>
-            <a:r>
-              <a:rPr lang="en-US" smtClean="0"/>
-              <a:t>Business Architecture</a:t>
-            </a:r>
-          </a:p>
-          <a:p>
-            <a:pPr eaLnBrk="1" hangingPunct="1"/>
-            <a:r>
-              <a:rPr lang="en-US" smtClean="0"/>
-              <a:t>Information Architecture</a:t>
-            </a:r>
-          </a:p>
-          <a:p>
-            <a:pPr eaLnBrk="1" hangingPunct="1"/>
-            <a:r>
-              <a:rPr lang="en-US" smtClean="0"/>
-              <a:t>Application Architecture</a:t>
-            </a:r>
-          </a:p>
-          <a:p>
-            <a:pPr eaLnBrk="1" hangingPunct="1"/>
-            <a:r>
-              <a:rPr lang="en-US" smtClean="0"/>
-              <a:t>Technology Architecture</a:t>
-            </a:r>
-          </a:p>
-          <a:p>
-            <a:pPr eaLnBrk="1" hangingPunct="1"/>
-            <a:r>
-              <a:rPr lang="en-US" smtClean="0"/>
-              <a:t>Opportunity and Solution</a:t>
-            </a:r>
-          </a:p>
-          <a:p>
-            <a:pPr eaLnBrk="1" hangingPunct="1"/>
-            <a:r>
-              <a:rPr lang="en-US" smtClean="0"/>
-              <a:t>Migration Plan</a:t>
-            </a:r>
-          </a:p>
-          <a:p>
-            <a:pPr eaLnBrk="1" hangingPunct="1"/>
-            <a:r>
-              <a:rPr lang="en-US" smtClean="0"/>
-              <a:t>Governance</a:t>
-            </a:r>
-          </a:p>
-          <a:p>
-            <a:pPr eaLnBrk="1" hangingPunct="1"/>
-            <a:endParaRPr lang="en-SG" smtClean="0"/>
-          </a:p>
-        </p:txBody>
-      </p:sp>
-    </p:spTree>
-  </p:cSld>
-  <p:clrMapOvr>
-    <a:masterClrMapping/>
-  </p:clrMapOvr>
-  <p:timing>
-    <p:tnLst>
-      <p:par>
-        <p:cTn id="1" dur="indefinite" restart="never" nodeType="tmRoot"/>
-      </p:par>
-    </p:tnLst>
-  </p:timing>
-</p:sld>
-</file>
-
-<file path=ppt/slides/slide20.xml><?xml version="1.0" encoding="utf-8"?>
+<file path=ppt/slides/slide19.xml><?xml version="1.0" encoding="utf-8"?>
 <p:sld xmlns:a="http://schemas.openxmlformats.org/drawingml/2006/main" xmlns:r="http://schemas.openxmlformats.org/officeDocument/2006/relationships" xmlns:p="http://schemas.openxmlformats.org/presentationml/2006/main">
   <p:cSld>
     <p:spTree>
@@ -12602,7 +12428,144 @@
 </p:sld>
 </file>
 
-<file path=ppt/slides/slide21.xml><?xml version="1.0" encoding="utf-8"?>
+<file path=ppt/slides/slide2.xml><?xml version="1.0" encoding="utf-8"?>
+<p:sld xmlns:a="http://schemas.openxmlformats.org/drawingml/2006/main" xmlns:r="http://schemas.openxmlformats.org/officeDocument/2006/relationships" xmlns:p="http://schemas.openxmlformats.org/presentationml/2006/main">
+  <p:cSld>
+    <p:spTree>
+      <p:nvGrpSpPr>
+        <p:cNvPr id="1" name=""/>
+        <p:cNvGrpSpPr/>
+        <p:nvPr/>
+      </p:nvGrpSpPr>
+      <p:grpSpPr>
+        <a:xfrm>
+          <a:off x="0" y="0"/>
+          <a:ext cx="0" cy="0"/>
+          <a:chOff x="0" y="0"/>
+          <a:chExt cx="0" cy="0"/>
+        </a:xfrm>
+      </p:grpSpPr>
+      <p:sp>
+        <p:nvSpPr>
+          <p:cNvPr id="17409" name="Title 1"/>
+          <p:cNvSpPr>
+            <a:spLocks noGrp="1"/>
+          </p:cNvSpPr>
+          <p:nvPr>
+            <p:ph type="title"/>
+          </p:nvPr>
+        </p:nvSpPr>
+        <p:spPr/>
+        <p:txBody>
+          <a:bodyPr/>
+          <a:lstStyle/>
+          <a:p>
+            <a:pPr eaLnBrk="1" hangingPunct="1"/>
+            <a:r>
+              <a:rPr lang="en-US" smtClean="0"/>
+              <a:t>Content	</a:t>
+            </a:r>
+            <a:endParaRPr lang="en-SG" smtClean="0"/>
+          </a:p>
+        </p:txBody>
+      </p:sp>
+      <p:sp>
+        <p:nvSpPr>
+          <p:cNvPr id="17410" name="Content Placeholder 2"/>
+          <p:cNvSpPr>
+            <a:spLocks noGrp="1"/>
+          </p:cNvSpPr>
+          <p:nvPr>
+            <p:ph sz="quarter" idx="1"/>
+          </p:nvPr>
+        </p:nvSpPr>
+        <p:spPr>
+          <a:xfrm>
+            <a:off x="457200" y="1219200"/>
+            <a:ext cx="8229600" cy="4937125"/>
+          </a:xfrm>
+        </p:spPr>
+        <p:txBody>
+          <a:bodyPr/>
+          <a:lstStyle/>
+          <a:p>
+            <a:pPr eaLnBrk="1" hangingPunct="1"/>
+            <a:r>
+              <a:rPr lang="en-US" dirty="0" smtClean="0"/>
+              <a:t>Architecture Vision</a:t>
+            </a:r>
+          </a:p>
+          <a:p>
+            <a:pPr eaLnBrk="1" hangingPunct="1"/>
+            <a:r>
+              <a:rPr lang="en-US" dirty="0" smtClean="0"/>
+              <a:t>Business Architecture</a:t>
+            </a:r>
+          </a:p>
+          <a:p>
+            <a:pPr eaLnBrk="1" hangingPunct="1"/>
+            <a:r>
+              <a:rPr lang="en-US" dirty="0" smtClean="0"/>
+              <a:t>Information Architecture</a:t>
+            </a:r>
+          </a:p>
+          <a:p>
+            <a:pPr eaLnBrk="1" hangingPunct="1"/>
+            <a:r>
+              <a:rPr lang="en-US" dirty="0" smtClean="0"/>
+              <a:t>Application Architecture</a:t>
+            </a:r>
+          </a:p>
+          <a:p>
+            <a:pPr eaLnBrk="1" hangingPunct="1"/>
+            <a:r>
+              <a:rPr lang="en-US" dirty="0" smtClean="0"/>
+              <a:t>Technology Architecture</a:t>
+            </a:r>
+          </a:p>
+          <a:p>
+            <a:pPr eaLnBrk="1" hangingPunct="1"/>
+            <a:r>
+              <a:rPr lang="en-US" dirty="0" smtClean="0"/>
+              <a:t>Opportunity and Solution</a:t>
+            </a:r>
+          </a:p>
+          <a:p>
+            <a:pPr eaLnBrk="1" hangingPunct="1"/>
+            <a:r>
+              <a:rPr lang="en-US" dirty="0" smtClean="0"/>
+              <a:t>Migration Plan</a:t>
+            </a:r>
+          </a:p>
+          <a:p>
+            <a:pPr eaLnBrk="1" hangingPunct="1"/>
+            <a:r>
+              <a:rPr lang="en-US" dirty="0" smtClean="0"/>
+              <a:t>Governance</a:t>
+            </a:r>
+          </a:p>
+          <a:p>
+            <a:pPr eaLnBrk="1" hangingPunct="1"/>
+            <a:endParaRPr lang="en-SG" dirty="0" smtClean="0"/>
+          </a:p>
+        </p:txBody>
+      </p:sp>
+    </p:spTree>
+  </p:cSld>
+  <p:clrMapOvr>
+    <a:masterClrMapping/>
+  </p:clrMapOvr>
+  <p:timing>
+    <p:tnLst>
+      <p:par>
+        <p:cTn id="1" dur="indefinite" restart="never" nodeType="tmRoot"/>
+      </p:par>
+    </p:tnLst>
+  </p:timing>
+</p:sld>
+</file>
+
+<file path=ppt/slides/slide20.xml><?xml version="1.0" encoding="utf-8"?>
 <p:sld xmlns:a="http://schemas.openxmlformats.org/drawingml/2006/main" xmlns:r="http://schemas.openxmlformats.org/officeDocument/2006/relationships" xmlns:p="http://schemas.openxmlformats.org/presentationml/2006/main">
   <p:cSld>
     <p:spTree>
@@ -12717,7 +12680,7 @@
 </p:sld>
 </file>
 
-<file path=ppt/slides/slide22.xml><?xml version="1.0" encoding="utf-8"?>
+<file path=ppt/slides/slide21.xml><?xml version="1.0" encoding="utf-8"?>
 <p:sld xmlns:a="http://schemas.openxmlformats.org/drawingml/2006/main" xmlns:r="http://schemas.openxmlformats.org/officeDocument/2006/relationships" xmlns:p="http://schemas.openxmlformats.org/presentationml/2006/main">
   <p:cSld>
     <p:spTree>
@@ -14424,7 +14387,7 @@
 </p:sld>
 </file>
 
-<file path=ppt/slides/slide23.xml><?xml version="1.0" encoding="utf-8"?>
+<file path=ppt/slides/slide22.xml><?xml version="1.0" encoding="utf-8"?>
 <p:sld xmlns:a="http://schemas.openxmlformats.org/drawingml/2006/main" xmlns:r="http://schemas.openxmlformats.org/officeDocument/2006/relationships" xmlns:p="http://schemas.openxmlformats.org/presentationml/2006/main">
   <p:cSld>
     <p:spTree>
@@ -14504,7 +14467,7 @@
 </p:sld>
 </file>
 
-<file path=ppt/slides/slide24.xml><?xml version="1.0" encoding="utf-8"?>
+<file path=ppt/slides/slide23.xml><?xml version="1.0" encoding="utf-8"?>
 <p:sld xmlns:a="http://schemas.openxmlformats.org/drawingml/2006/main" xmlns:r="http://schemas.openxmlformats.org/officeDocument/2006/relationships" xmlns:p="http://schemas.openxmlformats.org/presentationml/2006/main">
   <p:cSld>
     <p:spTree>
@@ -16892,7 +16855,7 @@
 </p:sld>
 </file>
 
-<file path=ppt/slides/slide25.xml><?xml version="1.0" encoding="utf-8"?>
+<file path=ppt/slides/slide24.xml><?xml version="1.0" encoding="utf-8"?>
 <p:sld xmlns:a="http://schemas.openxmlformats.org/drawingml/2006/main" xmlns:r="http://schemas.openxmlformats.org/officeDocument/2006/relationships" xmlns:p="http://schemas.openxmlformats.org/presentationml/2006/main">
   <p:cSld>
     <p:spTree>
@@ -17017,7 +16980,7 @@
           <a:graphicData uri="http://schemas.openxmlformats.org/presentationml/2006/ole">
             <mc:AlternateContent xmlns:mc="http://schemas.openxmlformats.org/markup-compatibility/2006">
               <mc:Choice xmlns:v="urn:schemas-microsoft-com:vml" Requires="v">
-                <p:oleObj spid="_x0000_s46093" name="Visio" r:id="rId3" imgW="6050954" imgH="4660654" progId="Visio.Drawing.11">
+                <p:oleObj spid="_x0000_s46094" name="Visio" r:id="rId3" imgW="6050954" imgH="4660654" progId="Visio.Drawing.11">
                   <p:embed/>
                 </p:oleObj>
               </mc:Choice>
@@ -17109,7 +17072,7 @@
 </p:sld>
 </file>
 
-<file path=ppt/slides/slide26.xml><?xml version="1.0" encoding="utf-8"?>
+<file path=ppt/slides/slide25.xml><?xml version="1.0" encoding="utf-8"?>
 <p:sld xmlns:a="http://schemas.openxmlformats.org/drawingml/2006/main" xmlns:r="http://schemas.openxmlformats.org/officeDocument/2006/relationships" xmlns:p="http://schemas.openxmlformats.org/presentationml/2006/main">
   <p:cSld>
     <p:spTree>
@@ -17199,7 +17162,7 @@
           <a:graphicData uri="http://schemas.openxmlformats.org/presentationml/2006/ole">
             <mc:AlternateContent xmlns:mc="http://schemas.openxmlformats.org/markup-compatibility/2006">
               <mc:Choice xmlns:v="urn:schemas-microsoft-com:vml" Requires="v">
-                <p:oleObj spid="_x0000_s61447" name="Visio" r:id="rId3" imgW="6434247" imgH="5449047" progId="Visio.Drawing.11">
+                <p:oleObj spid="_x0000_s61448" name="Visio" r:id="rId3" imgW="6434247" imgH="5449047" progId="Visio.Drawing.11">
                   <p:embed/>
                 </p:oleObj>
               </mc:Choice>
@@ -17268,7 +17231,7 @@
 </p:sld>
 </file>
 
-<file path=ppt/slides/slide27.xml><?xml version="1.0" encoding="utf-8"?>
+<file path=ppt/slides/slide26.xml><?xml version="1.0" encoding="utf-8"?>
 <p:sld xmlns:a="http://schemas.openxmlformats.org/drawingml/2006/main" xmlns:r="http://schemas.openxmlformats.org/officeDocument/2006/relationships" xmlns:p="http://schemas.openxmlformats.org/presentationml/2006/main">
   <p:cSld>
     <p:spTree>
@@ -17349,7 +17312,7 @@
 </p:sld>
 </file>
 
-<file path=ppt/slides/slide28.xml><?xml version="1.0" encoding="utf-8"?>
+<file path=ppt/slides/slide27.xml><?xml version="1.0" encoding="utf-8"?>
 <p:sld xmlns:a="http://schemas.openxmlformats.org/drawingml/2006/main" xmlns:r="http://schemas.openxmlformats.org/officeDocument/2006/relationships" xmlns:p="http://schemas.openxmlformats.org/presentationml/2006/main">
   <p:cSld>
     <p:spTree>
@@ -17486,7 +17449,7 @@
 </p:sld>
 </file>
 
-<file path=ppt/slides/slide29.xml><?xml version="1.0" encoding="utf-8"?>
+<file path=ppt/slides/slide28.xml><?xml version="1.0" encoding="utf-8"?>
 <p:sld xmlns:a="http://schemas.openxmlformats.org/drawingml/2006/main" xmlns:r="http://schemas.openxmlformats.org/officeDocument/2006/relationships" xmlns:p="http://schemas.openxmlformats.org/presentationml/2006/main">
   <p:cSld>
     <p:spTree>
@@ -18207,88 +18170,7 @@
 </p:sld>
 </file>
 
-<file path=ppt/slides/slide3.xml><?xml version="1.0" encoding="utf-8"?>
-<p:sld xmlns:a="http://schemas.openxmlformats.org/drawingml/2006/main" xmlns:r="http://schemas.openxmlformats.org/officeDocument/2006/relationships" xmlns:p="http://schemas.openxmlformats.org/presentationml/2006/main">
-  <p:cSld>
-    <p:spTree>
-      <p:nvGrpSpPr>
-        <p:cNvPr id="1" name=""/>
-        <p:cNvGrpSpPr/>
-        <p:nvPr/>
-      </p:nvGrpSpPr>
-      <p:grpSpPr>
-        <a:xfrm>
-          <a:off x="0" y="0"/>
-          <a:ext cx="0" cy="0"/>
-          <a:chOff x="0" y="0"/>
-          <a:chExt cx="0" cy="0"/>
-        </a:xfrm>
-      </p:grpSpPr>
-      <p:sp>
-        <p:nvSpPr>
-          <p:cNvPr id="18433" name="Title 1"/>
-          <p:cNvSpPr>
-            <a:spLocks noGrp="1"/>
-          </p:cNvSpPr>
-          <p:nvPr>
-            <p:ph type="title"/>
-          </p:nvPr>
-        </p:nvSpPr>
-        <p:spPr/>
-        <p:txBody>
-          <a:bodyPr/>
-          <a:lstStyle/>
-          <a:p>
-            <a:pPr eaLnBrk="1" hangingPunct="1"/>
-            <a:endParaRPr lang="en-SG" smtClean="0"/>
-          </a:p>
-        </p:txBody>
-      </p:sp>
-      <p:sp>
-        <p:nvSpPr>
-          <p:cNvPr id="18434" name="Content Placeholder 2"/>
-          <p:cNvSpPr>
-            <a:spLocks noGrp="1"/>
-          </p:cNvSpPr>
-          <p:nvPr>
-            <p:ph sz="quarter" idx="1"/>
-          </p:nvPr>
-        </p:nvSpPr>
-        <p:spPr>
-          <a:xfrm>
-            <a:off x="457200" y="1219200"/>
-            <a:ext cx="8229600" cy="4937125"/>
-          </a:xfrm>
-        </p:spPr>
-        <p:txBody>
-          <a:bodyPr/>
-          <a:lstStyle/>
-          <a:p>
-            <a:pPr eaLnBrk="1" hangingPunct="1"/>
-            <a:r>
-              <a:rPr lang="en-US" smtClean="0"/>
-              <a:t>Architecture Vision</a:t>
-            </a:r>
-            <a:endParaRPr lang="en-SG" smtClean="0"/>
-          </a:p>
-        </p:txBody>
-      </p:sp>
-    </p:spTree>
-  </p:cSld>
-  <p:clrMapOvr>
-    <a:masterClrMapping/>
-  </p:clrMapOvr>
-  <p:timing>
-    <p:tnLst>
-      <p:par>
-        <p:cTn id="1" dur="indefinite" restart="never" nodeType="tmRoot"/>
-      </p:par>
-    </p:tnLst>
-  </p:timing>
-</p:sld>
-</file>
-
-<file path=ppt/slides/slide30.xml><?xml version="1.0" encoding="utf-8"?>
+<file path=ppt/slides/slide29.xml><?xml version="1.0" encoding="utf-8"?>
 <p:sld xmlns:a="http://schemas.openxmlformats.org/drawingml/2006/main" xmlns:r="http://schemas.openxmlformats.org/officeDocument/2006/relationships" xmlns:p="http://schemas.openxmlformats.org/presentationml/2006/main">
   <p:cSld>
     <p:spTree>
@@ -18557,7 +18439,88 @@
 </p:sld>
 </file>
 
-<file path=ppt/slides/slide31.xml><?xml version="1.0" encoding="utf-8"?>
+<file path=ppt/slides/slide3.xml><?xml version="1.0" encoding="utf-8"?>
+<p:sld xmlns:a="http://schemas.openxmlformats.org/drawingml/2006/main" xmlns:r="http://schemas.openxmlformats.org/officeDocument/2006/relationships" xmlns:p="http://schemas.openxmlformats.org/presentationml/2006/main">
+  <p:cSld>
+    <p:spTree>
+      <p:nvGrpSpPr>
+        <p:cNvPr id="1" name=""/>
+        <p:cNvGrpSpPr/>
+        <p:nvPr/>
+      </p:nvGrpSpPr>
+      <p:grpSpPr>
+        <a:xfrm>
+          <a:off x="0" y="0"/>
+          <a:ext cx="0" cy="0"/>
+          <a:chOff x="0" y="0"/>
+          <a:chExt cx="0" cy="0"/>
+        </a:xfrm>
+      </p:grpSpPr>
+      <p:sp>
+        <p:nvSpPr>
+          <p:cNvPr id="18433" name="Title 1"/>
+          <p:cNvSpPr>
+            <a:spLocks noGrp="1"/>
+          </p:cNvSpPr>
+          <p:nvPr>
+            <p:ph type="title"/>
+          </p:nvPr>
+        </p:nvSpPr>
+        <p:spPr/>
+        <p:txBody>
+          <a:bodyPr/>
+          <a:lstStyle/>
+          <a:p>
+            <a:pPr eaLnBrk="1" hangingPunct="1"/>
+            <a:endParaRPr lang="en-SG" smtClean="0"/>
+          </a:p>
+        </p:txBody>
+      </p:sp>
+      <p:sp>
+        <p:nvSpPr>
+          <p:cNvPr id="18434" name="Content Placeholder 2"/>
+          <p:cNvSpPr>
+            <a:spLocks noGrp="1"/>
+          </p:cNvSpPr>
+          <p:nvPr>
+            <p:ph sz="quarter" idx="1"/>
+          </p:nvPr>
+        </p:nvSpPr>
+        <p:spPr>
+          <a:xfrm>
+            <a:off x="457200" y="1219200"/>
+            <a:ext cx="8229600" cy="4937125"/>
+          </a:xfrm>
+        </p:spPr>
+        <p:txBody>
+          <a:bodyPr/>
+          <a:lstStyle/>
+          <a:p>
+            <a:pPr eaLnBrk="1" hangingPunct="1"/>
+            <a:r>
+              <a:rPr lang="en-US" smtClean="0"/>
+              <a:t>Architecture Vision</a:t>
+            </a:r>
+            <a:endParaRPr lang="en-SG" smtClean="0"/>
+          </a:p>
+        </p:txBody>
+      </p:sp>
+    </p:spTree>
+  </p:cSld>
+  <p:clrMapOvr>
+    <a:masterClrMapping/>
+  </p:clrMapOvr>
+  <p:timing>
+    <p:tnLst>
+      <p:par>
+        <p:cTn id="1" dur="indefinite" restart="never" nodeType="tmRoot"/>
+      </p:par>
+    </p:tnLst>
+  </p:timing>
+</p:sld>
+</file>
+
+<file path=ppt/slides/slide30.xml><?xml version="1.0" encoding="utf-8"?>
 <p:sld xmlns:a="http://schemas.openxmlformats.org/drawingml/2006/main" xmlns:r="http://schemas.openxmlformats.org/officeDocument/2006/relationships" xmlns:p="http://schemas.openxmlformats.org/presentationml/2006/main">
   <p:cSld>
     <p:spTree>
@@ -18640,7 +18603,7 @@
 </p:sld>
 </file>
 
-<file path=ppt/slides/slide32.xml><?xml version="1.0" encoding="utf-8"?>
+<file path=ppt/slides/slide31.xml><?xml version="1.0" encoding="utf-8"?>
 <p:sld xmlns:a="http://schemas.openxmlformats.org/drawingml/2006/main" xmlns:r="http://schemas.openxmlformats.org/officeDocument/2006/relationships" xmlns:p="http://schemas.openxmlformats.org/presentationml/2006/main">
   <p:cSld>
     <p:spTree>
@@ -18712,7 +18675,6 @@
               <a:rPr lang="en-SG" dirty="0" smtClean="0"/>
               <a:t> </a:t>
             </a:r>
-            <a:endParaRPr lang="en-SG" dirty="0" smtClean="0"/>
           </a:p>
         </p:txBody>
       </p:sp>
@@ -19355,6 +19317,92 @@
 </p:sld>
 </file>
 
+<file path=ppt/slides/slide32.xml><?xml version="1.0" encoding="utf-8"?>
+<p:sld xmlns:a="http://schemas.openxmlformats.org/drawingml/2006/main" xmlns:r="http://schemas.openxmlformats.org/officeDocument/2006/relationships" xmlns:p="http://schemas.openxmlformats.org/presentationml/2006/main">
+  <p:cSld>
+    <p:spTree>
+      <p:nvGrpSpPr>
+        <p:cNvPr id="1" name=""/>
+        <p:cNvGrpSpPr/>
+        <p:nvPr/>
+      </p:nvGrpSpPr>
+      <p:grpSpPr>
+        <a:xfrm>
+          <a:off x="0" y="0"/>
+          <a:ext cx="0" cy="0"/>
+          <a:chOff x="0" y="0"/>
+          <a:chExt cx="0" cy="0"/>
+        </a:xfrm>
+      </p:grpSpPr>
+      <p:sp>
+        <p:nvSpPr>
+          <p:cNvPr id="18433" name="Title 1"/>
+          <p:cNvSpPr>
+            <a:spLocks noGrp="1"/>
+          </p:cNvSpPr>
+          <p:nvPr>
+            <p:ph type="title"/>
+          </p:nvPr>
+        </p:nvSpPr>
+        <p:spPr/>
+        <p:txBody>
+          <a:bodyPr/>
+          <a:lstStyle/>
+          <a:p>
+            <a:pPr eaLnBrk="1" hangingPunct="1"/>
+            <a:endParaRPr lang="en-SG" smtClean="0"/>
+          </a:p>
+        </p:txBody>
+      </p:sp>
+      <p:sp>
+        <p:nvSpPr>
+          <p:cNvPr id="18434" name="Content Placeholder 2"/>
+          <p:cNvSpPr>
+            <a:spLocks noGrp="1"/>
+          </p:cNvSpPr>
+          <p:nvPr>
+            <p:ph sz="quarter" idx="1"/>
+          </p:nvPr>
+        </p:nvSpPr>
+        <p:spPr>
+          <a:xfrm>
+            <a:off x="457200" y="1219200"/>
+            <a:ext cx="8229600" cy="4937125"/>
+          </a:xfrm>
+        </p:spPr>
+        <p:txBody>
+          <a:bodyPr/>
+          <a:lstStyle/>
+          <a:p>
+            <a:pPr eaLnBrk="1" hangingPunct="1"/>
+            <a:r>
+              <a:rPr lang="en-US" dirty="0" smtClean="0"/>
+              <a:t>Migration Plan</a:t>
+            </a:r>
+            <a:endParaRPr lang="en-SG" dirty="0" smtClean="0"/>
+          </a:p>
+        </p:txBody>
+      </p:sp>
+    </p:spTree>
+    <p:extLst>
+      <p:ext uri="{BB962C8B-B14F-4D97-AF65-F5344CB8AC3E}">
+        <p14:creationId xmlns:p14="http://schemas.microsoft.com/office/powerpoint/2010/main" val="2070855828"/>
+      </p:ext>
+    </p:extLst>
+  </p:cSld>
+  <p:clrMapOvr>
+    <a:masterClrMapping/>
+  </p:clrMapOvr>
+  <p:timing>
+    <p:tnLst>
+      <p:par>
+        <p:cTn id="1" dur="indefinite" restart="never" nodeType="tmRoot"/>
+      </p:par>
+    </p:tnLst>
+  </p:timing>
+</p:sld>
+</file>
+
 <file path=ppt/slides/slide33.xml><?xml version="1.0" encoding="utf-8"?>
 <p:sld xmlns:a="http://schemas.openxmlformats.org/drawingml/2006/main" xmlns:r="http://schemas.openxmlformats.org/officeDocument/2006/relationships" xmlns:p="http://schemas.openxmlformats.org/presentationml/2006/main">
   <p:cSld>
@@ -19374,7 +19422,7 @@
       </p:grpSpPr>
       <p:sp>
         <p:nvSpPr>
-          <p:cNvPr id="50177" name="Title 1"/>
+          <p:cNvPr id="26625" name="Title 1"/>
           <p:cNvSpPr>
             <a:spLocks noGrp="1"/>
           </p:cNvSpPr>
@@ -19388,39 +19436,78 @@
           <a:lstStyle/>
           <a:p>
             <a:pPr eaLnBrk="1" hangingPunct="1"/>
-            <a:endParaRPr lang="en-SG" smtClean="0"/>
+            <a:r>
+              <a:rPr lang="en-US" dirty="0" smtClean="0"/>
+              <a:t>Transition Artifacts</a:t>
+            </a:r>
+            <a:endParaRPr lang="en-SG" dirty="0" smtClean="0"/>
           </a:p>
         </p:txBody>
       </p:sp>
-      <p:sp>
-        <p:nvSpPr>
-          <p:cNvPr id="50178" name="Content Placeholder 2"/>
-          <p:cNvSpPr>
-            <a:spLocks noGrp="1"/>
-          </p:cNvSpPr>
-          <p:nvPr>
-            <p:ph sz="quarter" idx="1"/>
-          </p:nvPr>
-        </p:nvSpPr>
-        <p:spPr>
+      <p:pic>
+        <p:nvPicPr>
+          <p:cNvPr id="26626" name="Picture 2"/>
+          <p:cNvPicPr>
+            <a:picLocks noChangeAspect="1" noChangeArrowheads="1"/>
+          </p:cNvPicPr>
+          <p:nvPr/>
+        </p:nvPicPr>
+        <p:blipFill>
+          <a:blip r:embed="rId2"/>
+          <a:srcRect/>
+          <a:stretch>
+            <a:fillRect/>
+          </a:stretch>
+        </p:blipFill>
+        <p:spPr bwMode="auto">
           <a:xfrm>
-            <a:off x="457200" y="1219200"/>
-            <a:ext cx="8229600" cy="4937125"/>
+            <a:off x="1692275" y="1243013"/>
+            <a:ext cx="5672011" cy="5066307"/>
           </a:xfrm>
+          <a:prstGeom prst="rect">
+            <a:avLst/>
+          </a:prstGeom>
+          <a:noFill/>
+          <a:ln w="9525">
+            <a:noFill/>
+            <a:miter lim="800000"/>
+            <a:headEnd/>
+            <a:tailEnd/>
+          </a:ln>
         </p:spPr>
-        <p:txBody>
-          <a:bodyPr/>
-          <a:lstStyle/>
-          <a:p>
-            <a:pPr eaLnBrk="1" hangingPunct="1"/>
-            <a:r>
-              <a:rPr lang="en-US" smtClean="0"/>
-              <a:t>Migration plan</a:t>
-            </a:r>
-            <a:endParaRPr lang="en-SG" smtClean="0"/>
-          </a:p>
-        </p:txBody>
-      </p:sp>
+      </p:pic>
+    </p:spTree>
+  </p:cSld>
+  <p:clrMapOvr>
+    <a:masterClrMapping/>
+  </p:clrMapOvr>
+  <p:timing>
+    <p:tnLst>
+      <p:par>
+        <p:cTn id="1" dur="indefinite" restart="never" nodeType="tmRoot"/>
+      </p:par>
+    </p:tnLst>
+  </p:timing>
+</p:sld>
+</file>
+
+<file path=ppt/slides/slide34.xml><?xml version="1.0" encoding="utf-8"?>
+<p:sld xmlns:a="http://schemas.openxmlformats.org/drawingml/2006/main" xmlns:r="http://schemas.openxmlformats.org/officeDocument/2006/relationships" xmlns:p="http://schemas.openxmlformats.org/presentationml/2006/main">
+  <p:cSld>
+    <p:spTree>
+      <p:nvGrpSpPr>
+        <p:cNvPr id="1" name=""/>
+        <p:cNvGrpSpPr/>
+        <p:nvPr/>
+      </p:nvGrpSpPr>
+      <p:grpSpPr>
+        <a:xfrm>
+          <a:off x="0" y="0"/>
+          <a:ext cx="0" cy="0"/>
+          <a:chOff x="0" y="0"/>
+          <a:chExt cx="0" cy="0"/>
+        </a:xfrm>
+      </p:grpSpPr>
       <p:pic>
         <p:nvPicPr>
           <p:cNvPr id="50179" name="Chart 1"/>
@@ -19438,7 +19525,7 @@
         </p:blipFill>
         <p:spPr bwMode="auto">
           <a:xfrm>
-            <a:off x="115888" y="2060575"/>
+            <a:off x="115888" y="1772816"/>
             <a:ext cx="5381625" cy="4502150"/>
           </a:xfrm>
           <a:prstGeom prst="rect">
@@ -19459,10 +19546,16 @@
           <p:cNvGraphicFramePr>
             <a:graphicFrameLocks noGrp="1"/>
           </p:cNvGraphicFramePr>
-          <p:nvPr/>
+          <p:nvPr>
+            <p:extLst>
+              <p:ext uri="{D42A27DB-BD31-4B8C-83A1-F6EECF244321}">
+                <p14:modId xmlns:p14="http://schemas.microsoft.com/office/powerpoint/2010/main" val="2344635740"/>
+              </p:ext>
+            </p:extLst>
+          </p:nvPr>
         </p:nvGraphicFramePr>
         <p:xfrm>
-          <a:off x="5714875" y="2126231"/>
+          <a:off x="5714875" y="1865929"/>
           <a:ext cx="3186112" cy="4371383"/>
         </p:xfrm>
         <a:graphic>
@@ -19644,12 +19737,12 @@
                         </a:spcAft>
                       </a:pPr>
                       <a:r>
-                        <a:rPr lang="en-US" sz="1000">
+                        <a:rPr lang="en-US" sz="1000" dirty="0">
                           <a:effectLst/>
                         </a:rPr>
                         <a:t>IT/Operations</a:t>
                       </a:r>
-                      <a:endParaRPr lang="en-US" sz="1100">
+                      <a:endParaRPr lang="en-US" sz="1100" dirty="0">
                         <a:effectLst/>
                         <a:latin typeface="Cambria"/>
                         <a:ea typeface="Times New Roman"/>
@@ -19734,12 +19827,12 @@
                         </a:spcAft>
                       </a:pPr>
                       <a:r>
-                        <a:rPr lang="en-US" sz="1000">
+                        <a:rPr lang="en-US" sz="1000" dirty="0">
                           <a:effectLst/>
                         </a:rPr>
                         <a:t>Container Management Team</a:t>
                       </a:r>
-                      <a:endParaRPr lang="en-US" sz="1100">
+                      <a:endParaRPr lang="en-US" sz="1100" dirty="0">
                         <a:effectLst/>
                         <a:latin typeface="Cambria"/>
                         <a:ea typeface="Times New Roman"/>
@@ -19824,12 +19917,12 @@
                         </a:spcAft>
                       </a:pPr>
                       <a:r>
-                        <a:rPr lang="en-US" sz="1000">
+                        <a:rPr lang="en-US" sz="1000" dirty="0">
                           <a:effectLst/>
                         </a:rPr>
                         <a:t>IT/Operations</a:t>
                       </a:r>
-                      <a:endParaRPr lang="en-US" sz="1100">
+                      <a:endParaRPr lang="en-US" sz="1100" dirty="0">
                         <a:effectLst/>
                         <a:latin typeface="Cambria"/>
                         <a:ea typeface="Times New Roman"/>
@@ -20965,6 +21058,58 @@
           </a:graphicData>
         </a:graphic>
       </p:graphicFrame>
+      <p:sp>
+        <p:nvSpPr>
+          <p:cNvPr id="2" name="Content Placeholder 1"/>
+          <p:cNvSpPr>
+            <a:spLocks noGrp="1"/>
+          </p:cNvSpPr>
+          <p:nvPr>
+            <p:ph sz="quarter" idx="1"/>
+          </p:nvPr>
+        </p:nvSpPr>
+        <p:spPr/>
+        <p:txBody>
+          <a:bodyPr/>
+          <a:lstStyle/>
+          <a:p>
+            <a:r>
+              <a:rPr lang="en-US" dirty="0" smtClean="0"/>
+              <a:t>Cost and Risk</a:t>
+            </a:r>
+            <a:endParaRPr lang="en-SG" dirty="0"/>
+          </a:p>
+        </p:txBody>
+      </p:sp>
+      <p:sp>
+        <p:nvSpPr>
+          <p:cNvPr id="7" name="Title 1"/>
+          <p:cNvSpPr>
+            <a:spLocks noGrp="1"/>
+          </p:cNvSpPr>
+          <p:nvPr>
+            <p:ph type="title"/>
+          </p:nvPr>
+        </p:nvSpPr>
+        <p:spPr>
+          <a:xfrm>
+            <a:off x="457200" y="152400"/>
+            <a:ext cx="8229600" cy="990600"/>
+          </a:xfrm>
+        </p:spPr>
+        <p:txBody>
+          <a:bodyPr/>
+          <a:lstStyle/>
+          <a:p>
+            <a:pPr eaLnBrk="1" hangingPunct="1"/>
+            <a:r>
+              <a:rPr lang="en-US" dirty="0" smtClean="0"/>
+              <a:t>Migration Plan (1)</a:t>
+            </a:r>
+            <a:endParaRPr lang="en-SG" dirty="0" smtClean="0"/>
+          </a:p>
+        </p:txBody>
+      </p:sp>
     </p:spTree>
   </p:cSld>
   <p:clrMapOvr>
@@ -20980,7 +21125,7 @@
 </p:sld>
 </file>
 
-<file path=ppt/slides/slide34.xml><?xml version="1.0" encoding="utf-8"?>
+<file path=ppt/slides/slide35.xml><?xml version="1.0" encoding="utf-8"?>
 <p:sld xmlns:a="http://schemas.openxmlformats.org/drawingml/2006/main" xmlns:r="http://schemas.openxmlformats.org/officeDocument/2006/relationships" xmlns:p="http://schemas.openxmlformats.org/presentationml/2006/main">
   <p:cSld>
     <p:spTree>
@@ -20997,26 +21142,6 @@
           <a:chExt cx="0" cy="0"/>
         </a:xfrm>
       </p:grpSpPr>
-      <p:sp>
-        <p:nvSpPr>
-          <p:cNvPr id="2052" name="Title 1"/>
-          <p:cNvSpPr>
-            <a:spLocks noGrp="1"/>
-          </p:cNvSpPr>
-          <p:nvPr>
-            <p:ph type="title"/>
-          </p:nvPr>
-        </p:nvSpPr>
-        <p:spPr/>
-        <p:txBody>
-          <a:bodyPr/>
-          <a:lstStyle/>
-          <a:p>
-            <a:pPr eaLnBrk="1" hangingPunct="1"/>
-            <a:endParaRPr lang="en-SG" smtClean="0"/>
-          </a:p>
-        </p:txBody>
-      </p:sp>
       <p:sp>
         <p:nvSpPr>
           <p:cNvPr id="2053" name="Content Placeholder 2"/>
@@ -21039,10 +21164,10 @@
           <a:p>
             <a:pPr eaLnBrk="1" hangingPunct="1"/>
             <a:r>
-              <a:rPr lang="en-US" smtClean="0"/>
-              <a:t>Migration Plan</a:t>
-            </a:r>
-            <a:endParaRPr lang="en-SG" smtClean="0"/>
+              <a:rPr lang="en-US" dirty="0" smtClean="0"/>
+              <a:t>Implementation Timeline</a:t>
+            </a:r>
+            <a:endParaRPr lang="en-SG" dirty="0" smtClean="0"/>
           </a:p>
         </p:txBody>
       </p:sp>
@@ -21052,17 +21177,23 @@
           <p:cNvGraphicFramePr>
             <a:graphicFrameLocks noChangeAspect="1"/>
           </p:cNvGraphicFramePr>
-          <p:nvPr/>
+          <p:nvPr>
+            <p:extLst>
+              <p:ext uri="{D42A27DB-BD31-4B8C-83A1-F6EECF244321}">
+                <p14:modId xmlns:p14="http://schemas.microsoft.com/office/powerpoint/2010/main" val="587412593"/>
+              </p:ext>
+            </p:extLst>
+          </p:nvPr>
         </p:nvGraphicFramePr>
         <p:xfrm>
-          <a:off x="827088" y="1781175"/>
-          <a:ext cx="7723187" cy="4802188"/>
+          <a:off x="827089" y="1781175"/>
+          <a:ext cx="7345312" cy="4567230"/>
         </p:xfrm>
         <a:graphic>
           <a:graphicData uri="http://schemas.openxmlformats.org/presentationml/2006/ole">
             <mc:AlternateContent xmlns:mc="http://schemas.openxmlformats.org/markup-compatibility/2006">
               <mc:Choice xmlns:v="urn:schemas-microsoft-com:vml" Requires="v">
-                <p:oleObj spid="_x0000_s2054" name="Visio" r:id="rId3" imgW="9660374" imgH="6002783" progId="Visio.Drawing.11">
+                <p:oleObj spid="_x0000_s2055" name="Visio" r:id="rId3" imgW="9660374" imgH="6002783" progId="Visio.Drawing.11">
                   <p:embed/>
                 </p:oleObj>
               </mc:Choice>
@@ -21092,22 +21223,14 @@
                     </p:blipFill>
                     <p:spPr bwMode="auto">
                       <a:xfrm>
-                        <a:off x="827088" y="1781175"/>
-                        <a:ext cx="7723187" cy="4802188"/>
+                        <a:off x="827089" y="1781175"/>
+                        <a:ext cx="7345312" cy="4567230"/>
                       </a:xfrm>
                       <a:prstGeom prst="rect">
                         <a:avLst/>
                       </a:prstGeom>
                       <a:noFill/>
-                      <a:extLst>
-                        <a:ext uri="{909E8E84-426E-40DD-AFC4-6F175D3DCCD1}">
-                          <a14:hiddenFill xmlns:a14="http://schemas.microsoft.com/office/drawing/2010/main">
-                            <a:solidFill>
-                              <a:srgbClr val="FFFFFF"/>
-                            </a:solidFill>
-                          </a14:hiddenFill>
-                        </a:ext>
-                      </a:extLst>
+                      <a:extLst/>
                     </p:spPr>
                   </p:pic>
                 </p:oleObj>
@@ -21116,6 +21239,35 @@
           </a:graphicData>
         </a:graphic>
       </p:graphicFrame>
+      <p:sp>
+        <p:nvSpPr>
+          <p:cNvPr id="5" name="Title 1"/>
+          <p:cNvSpPr>
+            <a:spLocks noGrp="1"/>
+          </p:cNvSpPr>
+          <p:nvPr>
+            <p:ph type="title"/>
+          </p:nvPr>
+        </p:nvSpPr>
+        <p:spPr>
+          <a:xfrm>
+            <a:off x="457200" y="152400"/>
+            <a:ext cx="8229600" cy="990600"/>
+          </a:xfrm>
+        </p:spPr>
+        <p:txBody>
+          <a:bodyPr/>
+          <a:lstStyle/>
+          <a:p>
+            <a:pPr eaLnBrk="1" hangingPunct="1"/>
+            <a:r>
+              <a:rPr lang="en-US" dirty="0" smtClean="0"/>
+              <a:t>Migration Plan (2)</a:t>
+            </a:r>
+            <a:endParaRPr lang="en-SG" dirty="0" smtClean="0"/>
+          </a:p>
+        </p:txBody>
+      </p:sp>
     </p:spTree>
   </p:cSld>
   <p:clrMapOvr>
@@ -21131,7 +21283,7 @@
 </p:sld>
 </file>
 
-<file path=ppt/slides/slide35.xml><?xml version="1.0" encoding="utf-8"?>
+<file path=ppt/slides/slide36.xml><?xml version="1.0" encoding="utf-8"?>
 <p:sld xmlns:a="http://schemas.openxmlformats.org/drawingml/2006/main" xmlns:r="http://schemas.openxmlformats.org/officeDocument/2006/relationships" xmlns:p="http://schemas.openxmlformats.org/presentationml/2006/main">
   <p:cSld>
     <p:spTree>

--- a/Enterprise Architech Presentation.pptx
+++ b/Enterprise Architech Presentation.pptx
@@ -5,7 +5,7 @@
     <p:sldMasterId id="2147483720" r:id="rId1"/>
   </p:sldMasterIdLst>
   <p:notesMasterIdLst>
-    <p:notesMasterId r:id="rId38"/>
+    <p:notesMasterId r:id="rId41"/>
   </p:notesMasterIdLst>
   <p:sldIdLst>
     <p:sldId id="256" r:id="rId2"/>
@@ -39,11 +39,14 @@
     <p:sldId id="291" r:id="rId30"/>
     <p:sldId id="292" r:id="rId31"/>
     <p:sldId id="281" r:id="rId32"/>
-    <p:sldId id="293" r:id="rId33"/>
-    <p:sldId id="266" r:id="rId34"/>
-    <p:sldId id="282" r:id="rId35"/>
-    <p:sldId id="283" r:id="rId36"/>
-    <p:sldId id="286" r:id="rId37"/>
+    <p:sldId id="294" r:id="rId33"/>
+    <p:sldId id="295" r:id="rId34"/>
+    <p:sldId id="296" r:id="rId35"/>
+    <p:sldId id="293" r:id="rId36"/>
+    <p:sldId id="266" r:id="rId37"/>
+    <p:sldId id="282" r:id="rId38"/>
+    <p:sldId id="283" r:id="rId39"/>
+    <p:sldId id="286" r:id="rId40"/>
   </p:sldIdLst>
   <p:sldSz cx="9144000" cy="6858000" type="screen4x3"/>
   <p:notesSz cx="6858000" cy="9144000"/>
@@ -5982,11 +5985,7 @@
             </a:pPr>
             <a:r>
               <a:rPr lang="en-US" dirty="0" smtClean="0"/>
-              <a:t>NUS ISS Team </a:t>
-            </a:r>
-            <a:r>
-              <a:rPr lang="en-US" dirty="0" smtClean="0"/>
-              <a:t>1</a:t>
+              <a:t>NUS ISS Team 1</a:t>
             </a:r>
             <a:endParaRPr lang="en-SG" dirty="0"/>
           </a:p>
@@ -16980,7 +16979,7 @@
           <a:graphicData uri="http://schemas.openxmlformats.org/presentationml/2006/ole">
             <mc:AlternateContent xmlns:mc="http://schemas.openxmlformats.org/markup-compatibility/2006">
               <mc:Choice xmlns:v="urn:schemas-microsoft-com:vml" Requires="v">
-                <p:oleObj spid="_x0000_s46094" name="Visio" r:id="rId3" imgW="6050954" imgH="4660654" progId="Visio.Drawing.11">
+                <p:oleObj spid="_x0000_s46095" name="Visio" r:id="rId3" imgW="6050954" imgH="4660654" progId="Visio.Drawing.11">
                   <p:embed/>
                 </p:oleObj>
               </mc:Choice>
@@ -17162,7 +17161,7 @@
           <a:graphicData uri="http://schemas.openxmlformats.org/presentationml/2006/ole">
             <mc:AlternateContent xmlns:mc="http://schemas.openxmlformats.org/markup-compatibility/2006">
               <mc:Choice xmlns:v="urn:schemas-microsoft-com:vml" Requires="v">
-                <p:oleObj spid="_x0000_s61448" name="Visio" r:id="rId3" imgW="6434247" imgH="5449047" progId="Visio.Drawing.11">
+                <p:oleObj spid="_x0000_s61449" name="Visio" r:id="rId3" imgW="6434247" imgH="5449047" progId="Visio.Drawing.11">
                   <p:embed/>
                 </p:oleObj>
               </mc:Choice>
@@ -19336,6 +19335,2595 @@
       </p:grpSpPr>
       <p:sp>
         <p:nvSpPr>
+          <p:cNvPr id="49153" name="Title 1"/>
+          <p:cNvSpPr>
+            <a:spLocks noGrp="1"/>
+          </p:cNvSpPr>
+          <p:nvPr>
+            <p:ph type="title"/>
+          </p:nvPr>
+        </p:nvSpPr>
+        <p:spPr/>
+        <p:txBody>
+          <a:bodyPr/>
+          <a:lstStyle/>
+          <a:p>
+            <a:pPr eaLnBrk="1" hangingPunct="1"/>
+            <a:r>
+              <a:rPr lang="en-US" dirty="0"/>
+              <a:t>Opportunity and </a:t>
+            </a:r>
+            <a:r>
+              <a:rPr lang="en-US" dirty="0" smtClean="0"/>
+              <a:t>Solution</a:t>
+            </a:r>
+            <a:endParaRPr lang="en-SG" dirty="0" smtClean="0"/>
+          </a:p>
+        </p:txBody>
+      </p:sp>
+      <p:sp>
+        <p:nvSpPr>
+          <p:cNvPr id="49154" name="Content Placeholder 2"/>
+          <p:cNvSpPr>
+            <a:spLocks noGrp="1"/>
+          </p:cNvSpPr>
+          <p:nvPr>
+            <p:ph sz="quarter" idx="1"/>
+          </p:nvPr>
+        </p:nvSpPr>
+        <p:spPr>
+          <a:xfrm>
+            <a:off x="457200" y="1219200"/>
+            <a:ext cx="8229600" cy="4937125"/>
+          </a:xfrm>
+        </p:spPr>
+        <p:txBody>
+          <a:bodyPr/>
+          <a:lstStyle/>
+          <a:p>
+            <a:pPr marL="0" indent="0" eaLnBrk="1" hangingPunct="1">
+              <a:buNone/>
+            </a:pPr>
+            <a:r>
+              <a:rPr lang="en-SG" dirty="0" smtClean="0"/>
+              <a:t> </a:t>
+            </a:r>
+          </a:p>
+        </p:txBody>
+      </p:sp>
+      <p:graphicFrame>
+        <p:nvGraphicFramePr>
+          <p:cNvPr id="4" name="Table 3"/>
+          <p:cNvGraphicFramePr>
+            <a:graphicFrameLocks noGrp="1"/>
+          </p:cNvGraphicFramePr>
+          <p:nvPr>
+            <p:extLst/>
+          </p:nvPr>
+        </p:nvGraphicFramePr>
+        <p:xfrm>
+          <a:off x="457200" y="1412777"/>
+          <a:ext cx="8229599" cy="4557106"/>
+        </p:xfrm>
+        <a:graphic>
+          <a:graphicData uri="http://schemas.openxmlformats.org/drawingml/2006/table">
+            <a:tbl>
+              <a:tblPr firstRow="1" firstCol="1" bandRow="1">
+                <a:tableStyleId>{5C22544A-7EE6-4342-B048-85BDC9FD1C3A}</a:tableStyleId>
+              </a:tblPr>
+              <a:tblGrid>
+                <a:gridCol w="2727637"/>
+                <a:gridCol w="5501962"/>
+              </a:tblGrid>
+              <a:tr h="283810">
+                <a:tc>
+                  <a:txBody>
+                    <a:bodyPr/>
+                    <a:lstStyle/>
+                    <a:p>
+                      <a:pPr algn="l">
+                        <a:lnSpc>
+                          <a:spcPct val="107000"/>
+                        </a:lnSpc>
+                        <a:spcBef>
+                          <a:spcPts val="600"/>
+                        </a:spcBef>
+                        <a:spcAft>
+                          <a:spcPts val="300"/>
+                        </a:spcAft>
+                      </a:pPr>
+                      <a:r>
+                        <a:rPr lang="en-GB" sz="1400" dirty="0">
+                          <a:effectLst/>
+                        </a:rPr>
+                        <a:t>Gap</a:t>
+                      </a:r>
+                      <a:endParaRPr lang="en-SG" sz="1400" dirty="0">
+                        <a:effectLst/>
+                        <a:latin typeface="Times New Roman" panose="02020603050405020304" pitchFamily="18" charset="0"/>
+                        <a:ea typeface="Times New Roman" panose="02020603050405020304" pitchFamily="18" charset="0"/>
+                      </a:endParaRPr>
+                    </a:p>
+                  </a:txBody>
+                  <a:tcPr marL="60772" marR="60772" marT="0" marB="0"/>
+                </a:tc>
+                <a:tc>
+                  <a:txBody>
+                    <a:bodyPr/>
+                    <a:lstStyle/>
+                    <a:p>
+                      <a:pPr algn="l">
+                        <a:lnSpc>
+                          <a:spcPct val="107000"/>
+                        </a:lnSpc>
+                        <a:spcBef>
+                          <a:spcPts val="600"/>
+                        </a:spcBef>
+                        <a:spcAft>
+                          <a:spcPts val="300"/>
+                        </a:spcAft>
+                      </a:pPr>
+                      <a:r>
+                        <a:rPr lang="en-GB" sz="1400" dirty="0">
+                          <a:effectLst/>
+                        </a:rPr>
+                        <a:t>Potential Solution</a:t>
+                      </a:r>
+                      <a:endParaRPr lang="en-SG" sz="1400" dirty="0">
+                        <a:effectLst/>
+                        <a:latin typeface="Times New Roman" panose="02020603050405020304" pitchFamily="18" charset="0"/>
+                        <a:ea typeface="Times New Roman" panose="02020603050405020304" pitchFamily="18" charset="0"/>
+                      </a:endParaRPr>
+                    </a:p>
+                  </a:txBody>
+                  <a:tcPr marL="60772" marR="60772" marT="0" marB="0"/>
+                </a:tc>
+              </a:tr>
+              <a:tr h="158965">
+                <a:tc>
+                  <a:txBody>
+                    <a:bodyPr/>
+                    <a:lstStyle/>
+                    <a:p>
+                      <a:pPr algn="l">
+                        <a:lnSpc>
+                          <a:spcPct val="107000"/>
+                        </a:lnSpc>
+                        <a:spcBef>
+                          <a:spcPts val="600"/>
+                        </a:spcBef>
+                        <a:spcAft>
+                          <a:spcPts val="300"/>
+                        </a:spcAft>
+                      </a:pPr>
+                      <a:r>
+                        <a:rPr lang="en-GB" sz="1000">
+                          <a:effectLst/>
+                        </a:rPr>
+                        <a:t>Too much manual intervene required.</a:t>
+                      </a:r>
+                      <a:endParaRPr lang="en-SG" sz="1000">
+                        <a:effectLst/>
+                        <a:latin typeface="Times New Roman" panose="02020603050405020304" pitchFamily="18" charset="0"/>
+                        <a:ea typeface="Times New Roman" panose="02020603050405020304" pitchFamily="18" charset="0"/>
+                      </a:endParaRPr>
+                    </a:p>
+                  </a:txBody>
+                  <a:tcPr marL="60772" marR="60772" marT="0" marB="0"/>
+                </a:tc>
+                <a:tc>
+                  <a:txBody>
+                    <a:bodyPr/>
+                    <a:lstStyle/>
+                    <a:p>
+                      <a:pPr marL="342900" lvl="0" indent="-342900" algn="l">
+                        <a:lnSpc>
+                          <a:spcPct val="107000"/>
+                        </a:lnSpc>
+                        <a:spcBef>
+                          <a:spcPts val="600"/>
+                        </a:spcBef>
+                        <a:spcAft>
+                          <a:spcPts val="300"/>
+                        </a:spcAft>
+                        <a:buFont typeface="Symbol" panose="05050102010706020507" pitchFamily="18" charset="2"/>
+                        <a:buChar char=""/>
+                      </a:pPr>
+                      <a:r>
+                        <a:rPr lang="en-GB" sz="1000">
+                          <a:effectLst/>
+                        </a:rPr>
+                        <a:t>Re-engineer business processes to reduce manual effort and improve business efficiency.</a:t>
+                      </a:r>
+                      <a:endParaRPr lang="en-SG" sz="1000">
+                        <a:effectLst/>
+                        <a:latin typeface="Times New Roman" panose="02020603050405020304" pitchFamily="18" charset="0"/>
+                        <a:ea typeface="Times New Roman" panose="02020603050405020304" pitchFamily="18" charset="0"/>
+                      </a:endParaRPr>
+                    </a:p>
+                  </a:txBody>
+                  <a:tcPr marL="60772" marR="60772" marT="0" marB="0"/>
+                </a:tc>
+              </a:tr>
+              <a:tr h="679470">
+                <a:tc>
+                  <a:txBody>
+                    <a:bodyPr/>
+                    <a:lstStyle/>
+                    <a:p>
+                      <a:pPr algn="just">
+                        <a:lnSpc>
+                          <a:spcPct val="107000"/>
+                        </a:lnSpc>
+                        <a:spcBef>
+                          <a:spcPts val="600"/>
+                        </a:spcBef>
+                        <a:spcAft>
+                          <a:spcPts val="300"/>
+                        </a:spcAft>
+                      </a:pPr>
+                      <a:r>
+                        <a:rPr lang="en-GB" sz="1000">
+                          <a:effectLst/>
+                        </a:rPr>
+                        <a:t>Integrate e-Business with partner and customer’s IT system</a:t>
+                      </a:r>
+                      <a:endParaRPr lang="en-SG" sz="1000">
+                        <a:effectLst/>
+                        <a:latin typeface="Times New Roman" panose="02020603050405020304" pitchFamily="18" charset="0"/>
+                        <a:ea typeface="Times New Roman" panose="02020603050405020304" pitchFamily="18" charset="0"/>
+                      </a:endParaRPr>
+                    </a:p>
+                  </a:txBody>
+                  <a:tcPr marL="60772" marR="60772" marT="0" marB="0"/>
+                </a:tc>
+                <a:tc>
+                  <a:txBody>
+                    <a:bodyPr/>
+                    <a:lstStyle/>
+                    <a:p>
+                      <a:pPr marL="342900" lvl="0" indent="-342900" algn="l">
+                        <a:lnSpc>
+                          <a:spcPct val="107000"/>
+                        </a:lnSpc>
+                        <a:spcBef>
+                          <a:spcPts val="600"/>
+                        </a:spcBef>
+                        <a:spcAft>
+                          <a:spcPts val="300"/>
+                        </a:spcAft>
+                        <a:buFont typeface="Symbol" panose="05050102010706020507" pitchFamily="18" charset="2"/>
+                        <a:buChar char=""/>
+                      </a:pPr>
+                      <a:r>
+                        <a:rPr lang="en-GB" sz="1000">
+                          <a:effectLst/>
+                        </a:rPr>
+                        <a:t>Revamp and consolidate SOS and CBS.</a:t>
+                      </a:r>
+                      <a:endParaRPr lang="en-SG" sz="1000">
+                        <a:effectLst/>
+                      </a:endParaRPr>
+                    </a:p>
+                    <a:p>
+                      <a:pPr marL="342900" lvl="0" indent="-342900" algn="l">
+                        <a:lnSpc>
+                          <a:spcPct val="107000"/>
+                        </a:lnSpc>
+                        <a:spcBef>
+                          <a:spcPts val="600"/>
+                        </a:spcBef>
+                        <a:spcAft>
+                          <a:spcPts val="300"/>
+                        </a:spcAft>
+                        <a:buFont typeface="Symbol" panose="05050102010706020507" pitchFamily="18" charset="2"/>
+                        <a:buChar char=""/>
+                      </a:pPr>
+                      <a:r>
+                        <a:rPr lang="en-GB" sz="1000">
+                          <a:effectLst/>
+                        </a:rPr>
+                        <a:t>Revamp and consolidate VMS and CMS.</a:t>
+                      </a:r>
+                      <a:endParaRPr lang="en-SG" sz="1000">
+                        <a:effectLst/>
+                      </a:endParaRPr>
+                    </a:p>
+                    <a:p>
+                      <a:pPr marL="342900" lvl="0" indent="-342900" algn="l">
+                        <a:lnSpc>
+                          <a:spcPct val="107000"/>
+                        </a:lnSpc>
+                        <a:spcBef>
+                          <a:spcPts val="600"/>
+                        </a:spcBef>
+                        <a:spcAft>
+                          <a:spcPts val="300"/>
+                        </a:spcAft>
+                        <a:buFont typeface="Symbol" panose="05050102010706020507" pitchFamily="18" charset="2"/>
+                        <a:buChar char=""/>
+                      </a:pPr>
+                      <a:r>
+                        <a:rPr lang="en-GB" sz="1000">
+                          <a:effectLst/>
+                        </a:rPr>
+                        <a:t>Integrate internal systems to improve business process efficiency.</a:t>
+                      </a:r>
+                      <a:endParaRPr lang="en-SG" sz="1000">
+                        <a:effectLst/>
+                        <a:latin typeface="Times New Roman" panose="02020603050405020304" pitchFamily="18" charset="0"/>
+                        <a:ea typeface="Times New Roman" panose="02020603050405020304" pitchFamily="18" charset="0"/>
+                      </a:endParaRPr>
+                    </a:p>
+                  </a:txBody>
+                  <a:tcPr marL="60772" marR="60772" marT="0" marB="0"/>
+                </a:tc>
+              </a:tr>
+              <a:tr h="939722">
+                <a:tc>
+                  <a:txBody>
+                    <a:bodyPr/>
+                    <a:lstStyle/>
+                    <a:p>
+                      <a:pPr algn="l">
+                        <a:lnSpc>
+                          <a:spcPct val="107000"/>
+                        </a:lnSpc>
+                        <a:spcBef>
+                          <a:spcPts val="600"/>
+                        </a:spcBef>
+                        <a:spcAft>
+                          <a:spcPts val="300"/>
+                        </a:spcAft>
+                      </a:pPr>
+                      <a:r>
+                        <a:rPr lang="en-GB" sz="1000" dirty="0">
+                          <a:effectLst/>
+                        </a:rPr>
+                        <a:t>Focus on customer service is not enough</a:t>
+                      </a:r>
+                      <a:endParaRPr lang="en-SG" sz="1000" dirty="0">
+                        <a:effectLst/>
+                        <a:latin typeface="Times New Roman" panose="02020603050405020304" pitchFamily="18" charset="0"/>
+                        <a:ea typeface="Times New Roman" panose="02020603050405020304" pitchFamily="18" charset="0"/>
+                      </a:endParaRPr>
+                    </a:p>
+                  </a:txBody>
+                  <a:tcPr marL="60772" marR="60772" marT="0" marB="0"/>
+                </a:tc>
+                <a:tc>
+                  <a:txBody>
+                    <a:bodyPr/>
+                    <a:lstStyle/>
+                    <a:p>
+                      <a:pPr marL="342900" lvl="0" indent="-342900" algn="l">
+                        <a:lnSpc>
+                          <a:spcPct val="107000"/>
+                        </a:lnSpc>
+                        <a:spcBef>
+                          <a:spcPts val="600"/>
+                        </a:spcBef>
+                        <a:spcAft>
+                          <a:spcPts val="300"/>
+                        </a:spcAft>
+                        <a:buFont typeface="Symbol" panose="05050102010706020507" pitchFamily="18" charset="2"/>
+                        <a:buChar char=""/>
+                      </a:pPr>
+                      <a:r>
+                        <a:rPr lang="en-GB" sz="1000">
+                          <a:effectLst/>
+                        </a:rPr>
+                        <a:t>Provide customer registration.</a:t>
+                      </a:r>
+                      <a:endParaRPr lang="en-SG" sz="1000">
+                        <a:effectLst/>
+                      </a:endParaRPr>
+                    </a:p>
+                    <a:p>
+                      <a:pPr marL="342900" lvl="0" indent="-342900" algn="l">
+                        <a:lnSpc>
+                          <a:spcPct val="107000"/>
+                        </a:lnSpc>
+                        <a:spcBef>
+                          <a:spcPts val="600"/>
+                        </a:spcBef>
+                        <a:spcAft>
+                          <a:spcPts val="300"/>
+                        </a:spcAft>
+                        <a:buFont typeface="Symbol" panose="05050102010706020507" pitchFamily="18" charset="2"/>
+                        <a:buChar char=""/>
+                      </a:pPr>
+                      <a:r>
+                        <a:rPr lang="en-GB" sz="1000">
+                          <a:effectLst/>
+                        </a:rPr>
+                        <a:t>Provide online order submission and order status tracking.</a:t>
+                      </a:r>
+                      <a:endParaRPr lang="en-SG" sz="1000">
+                        <a:effectLst/>
+                      </a:endParaRPr>
+                    </a:p>
+                    <a:p>
+                      <a:pPr marL="342900" lvl="0" indent="-342900" algn="l">
+                        <a:lnSpc>
+                          <a:spcPct val="107000"/>
+                        </a:lnSpc>
+                        <a:spcBef>
+                          <a:spcPts val="600"/>
+                        </a:spcBef>
+                        <a:spcAft>
+                          <a:spcPts val="300"/>
+                        </a:spcAft>
+                        <a:buFont typeface="Symbol" panose="05050102010706020507" pitchFamily="18" charset="2"/>
+                        <a:buChar char=""/>
+                      </a:pPr>
+                      <a:r>
+                        <a:rPr lang="en-GB" sz="1000">
+                          <a:effectLst/>
+                        </a:rPr>
+                        <a:t>Provide online shipment tracking.</a:t>
+                      </a:r>
+                      <a:endParaRPr lang="en-SG" sz="1000">
+                        <a:effectLst/>
+                      </a:endParaRPr>
+                    </a:p>
+                    <a:p>
+                      <a:pPr marL="342900" lvl="0" indent="-342900" algn="l">
+                        <a:lnSpc>
+                          <a:spcPct val="107000"/>
+                        </a:lnSpc>
+                        <a:spcBef>
+                          <a:spcPts val="600"/>
+                        </a:spcBef>
+                        <a:spcAft>
+                          <a:spcPts val="300"/>
+                        </a:spcAft>
+                        <a:buFont typeface="Symbol" panose="05050102010706020507" pitchFamily="18" charset="2"/>
+                        <a:buChar char=""/>
+                      </a:pPr>
+                      <a:r>
+                        <a:rPr lang="en-GB" sz="1000">
+                          <a:effectLst/>
+                        </a:rPr>
+                        <a:t>Accelerate process for repeat orders.</a:t>
+                      </a:r>
+                      <a:endParaRPr lang="en-SG" sz="1000">
+                        <a:effectLst/>
+                        <a:latin typeface="Times New Roman" panose="02020603050405020304" pitchFamily="18" charset="0"/>
+                        <a:ea typeface="Times New Roman" panose="02020603050405020304" pitchFamily="18" charset="0"/>
+                      </a:endParaRPr>
+                    </a:p>
+                  </a:txBody>
+                  <a:tcPr marL="60772" marR="60772" marT="0" marB="0"/>
+                </a:tc>
+              </a:tr>
+              <a:tr h="158965">
+                <a:tc>
+                  <a:txBody>
+                    <a:bodyPr/>
+                    <a:lstStyle/>
+                    <a:p>
+                      <a:pPr algn="l">
+                        <a:lnSpc>
+                          <a:spcPct val="107000"/>
+                        </a:lnSpc>
+                        <a:spcBef>
+                          <a:spcPts val="600"/>
+                        </a:spcBef>
+                        <a:spcAft>
+                          <a:spcPts val="300"/>
+                        </a:spcAft>
+                      </a:pPr>
+                      <a:r>
+                        <a:rPr lang="en-GB" sz="1000" dirty="0">
+                          <a:effectLst/>
+                        </a:rPr>
+                        <a:t>Inaccuracy in sales report transaction data. </a:t>
+                      </a:r>
+                      <a:endParaRPr lang="en-SG" sz="1000" dirty="0">
+                        <a:effectLst/>
+                        <a:latin typeface="Times New Roman" panose="02020603050405020304" pitchFamily="18" charset="0"/>
+                        <a:ea typeface="Times New Roman" panose="02020603050405020304" pitchFamily="18" charset="0"/>
+                      </a:endParaRPr>
+                    </a:p>
+                  </a:txBody>
+                  <a:tcPr marL="60772" marR="60772" marT="0" marB="0"/>
+                </a:tc>
+                <a:tc>
+                  <a:txBody>
+                    <a:bodyPr/>
+                    <a:lstStyle/>
+                    <a:p>
+                      <a:pPr marL="342900" lvl="0" indent="-342900" algn="l">
+                        <a:lnSpc>
+                          <a:spcPct val="107000"/>
+                        </a:lnSpc>
+                        <a:spcBef>
+                          <a:spcPts val="600"/>
+                        </a:spcBef>
+                        <a:spcAft>
+                          <a:spcPts val="300"/>
+                        </a:spcAft>
+                        <a:buFont typeface="Symbol" panose="05050102010706020507" pitchFamily="18" charset="2"/>
+                        <a:buChar char=""/>
+                      </a:pPr>
+                      <a:r>
+                        <a:rPr lang="en-GB" sz="1000">
+                          <a:effectLst/>
+                        </a:rPr>
+                        <a:t>To provide management report from consolidated system for better marketing analysis and decision.</a:t>
+                      </a:r>
+                      <a:endParaRPr lang="en-SG" sz="1000">
+                        <a:effectLst/>
+                        <a:latin typeface="Times New Roman" panose="02020603050405020304" pitchFamily="18" charset="0"/>
+                        <a:ea typeface="Times New Roman" panose="02020603050405020304" pitchFamily="18" charset="0"/>
+                      </a:endParaRPr>
+                    </a:p>
+                  </a:txBody>
+                  <a:tcPr marL="60772" marR="60772" marT="0" marB="0"/>
+                </a:tc>
+              </a:tr>
+              <a:tr h="476895">
+                <a:tc>
+                  <a:txBody>
+                    <a:bodyPr/>
+                    <a:lstStyle/>
+                    <a:p>
+                      <a:pPr algn="l">
+                        <a:lnSpc>
+                          <a:spcPct val="107000"/>
+                        </a:lnSpc>
+                        <a:spcBef>
+                          <a:spcPts val="600"/>
+                        </a:spcBef>
+                        <a:spcAft>
+                          <a:spcPts val="300"/>
+                        </a:spcAft>
+                      </a:pPr>
+                      <a:r>
+                        <a:rPr lang="en-GB" sz="1000">
+                          <a:effectLst/>
+                        </a:rPr>
+                        <a:t>Lack of management and monitoring in cooperation with local operators of tow-heads and port operators</a:t>
+                      </a:r>
+                      <a:endParaRPr lang="en-SG" sz="1000">
+                        <a:effectLst/>
+                        <a:latin typeface="Times New Roman" panose="02020603050405020304" pitchFamily="18" charset="0"/>
+                        <a:ea typeface="Times New Roman" panose="02020603050405020304" pitchFamily="18" charset="0"/>
+                      </a:endParaRPr>
+                    </a:p>
+                  </a:txBody>
+                  <a:tcPr marL="60772" marR="60772" marT="0" marB="0"/>
+                </a:tc>
+                <a:tc>
+                  <a:txBody>
+                    <a:bodyPr/>
+                    <a:lstStyle/>
+                    <a:p>
+                      <a:pPr marL="342900" lvl="0" indent="-342900" algn="l">
+                        <a:lnSpc>
+                          <a:spcPct val="107000"/>
+                        </a:lnSpc>
+                        <a:spcBef>
+                          <a:spcPts val="600"/>
+                        </a:spcBef>
+                        <a:spcAft>
+                          <a:spcPts val="300"/>
+                        </a:spcAft>
+                        <a:buFont typeface="Symbol" panose="05050102010706020507" pitchFamily="18" charset="2"/>
+                        <a:buChar char=""/>
+                      </a:pPr>
+                      <a:r>
+                        <a:rPr lang="en-GB" sz="1000">
+                          <a:effectLst/>
+                        </a:rPr>
+                        <a:t>Enhance existing systems to manage tow-heads operators and port operators.</a:t>
+                      </a:r>
+                      <a:endParaRPr lang="en-SG" sz="1000">
+                        <a:effectLst/>
+                      </a:endParaRPr>
+                    </a:p>
+                    <a:p>
+                      <a:pPr marL="342900" lvl="0" indent="-342900" algn="l">
+                        <a:lnSpc>
+                          <a:spcPct val="107000"/>
+                        </a:lnSpc>
+                        <a:spcBef>
+                          <a:spcPts val="600"/>
+                        </a:spcBef>
+                        <a:spcAft>
+                          <a:spcPts val="300"/>
+                        </a:spcAft>
+                        <a:buFont typeface="Symbol" panose="05050102010706020507" pitchFamily="18" charset="2"/>
+                        <a:buChar char=""/>
+                      </a:pPr>
+                      <a:r>
+                        <a:rPr lang="en-GB" sz="1000">
+                          <a:effectLst/>
+                        </a:rPr>
+                        <a:t>Keep track of co-operators to help to make engagement and manage cost. </a:t>
+                      </a:r>
+                      <a:endParaRPr lang="en-SG" sz="1000">
+                        <a:effectLst/>
+                        <a:latin typeface="Times New Roman" panose="02020603050405020304" pitchFamily="18" charset="0"/>
+                        <a:ea typeface="Times New Roman" panose="02020603050405020304" pitchFamily="18" charset="0"/>
+                      </a:endParaRPr>
+                    </a:p>
+                  </a:txBody>
+                  <a:tcPr marL="60772" marR="60772" marT="0" marB="0"/>
+                </a:tc>
+              </a:tr>
+              <a:tr h="419217">
+                <a:tc>
+                  <a:txBody>
+                    <a:bodyPr/>
+                    <a:lstStyle/>
+                    <a:p>
+                      <a:pPr algn="l">
+                        <a:lnSpc>
+                          <a:spcPct val="107000"/>
+                        </a:lnSpc>
+                        <a:spcBef>
+                          <a:spcPts val="600"/>
+                        </a:spcBef>
+                        <a:spcAft>
+                          <a:spcPts val="300"/>
+                        </a:spcAft>
+                      </a:pPr>
+                      <a:r>
+                        <a:rPr lang="en-GB" sz="1000">
+                          <a:effectLst/>
+                        </a:rPr>
+                        <a:t>Lack of knowledge in SOS system</a:t>
+                      </a:r>
+                      <a:endParaRPr lang="en-SG" sz="1000">
+                        <a:effectLst/>
+                        <a:latin typeface="Times New Roman" panose="02020603050405020304" pitchFamily="18" charset="0"/>
+                        <a:ea typeface="Times New Roman" panose="02020603050405020304" pitchFamily="18" charset="0"/>
+                      </a:endParaRPr>
+                    </a:p>
+                  </a:txBody>
+                  <a:tcPr marL="60772" marR="60772" marT="0" marB="0"/>
+                </a:tc>
+                <a:tc>
+                  <a:txBody>
+                    <a:bodyPr/>
+                    <a:lstStyle/>
+                    <a:p>
+                      <a:pPr marL="342900" lvl="0" indent="-342900" algn="l">
+                        <a:lnSpc>
+                          <a:spcPct val="107000"/>
+                        </a:lnSpc>
+                        <a:spcBef>
+                          <a:spcPts val="600"/>
+                        </a:spcBef>
+                        <a:spcAft>
+                          <a:spcPts val="300"/>
+                        </a:spcAft>
+                        <a:buFont typeface="Symbol" panose="05050102010706020507" pitchFamily="18" charset="2"/>
+                        <a:buChar char=""/>
+                      </a:pPr>
+                      <a:r>
+                        <a:rPr lang="en-GB" sz="1000">
+                          <a:effectLst/>
+                        </a:rPr>
+                        <a:t>Study the implementation of SOS.</a:t>
+                      </a:r>
+                      <a:endParaRPr lang="en-SG" sz="1000">
+                        <a:effectLst/>
+                      </a:endParaRPr>
+                    </a:p>
+                    <a:p>
+                      <a:pPr marL="342900" lvl="0" indent="-342900" algn="l">
+                        <a:lnSpc>
+                          <a:spcPct val="107000"/>
+                        </a:lnSpc>
+                        <a:spcBef>
+                          <a:spcPts val="600"/>
+                        </a:spcBef>
+                        <a:spcAft>
+                          <a:spcPts val="300"/>
+                        </a:spcAft>
+                        <a:buFont typeface="Symbol" panose="05050102010706020507" pitchFamily="18" charset="2"/>
+                        <a:buChar char=""/>
+                      </a:pPr>
+                      <a:r>
+                        <a:rPr lang="en-GB" sz="1000">
+                          <a:effectLst/>
+                        </a:rPr>
+                        <a:t>Gather requirement of SOS before revamping the system.</a:t>
+                      </a:r>
+                      <a:endParaRPr lang="en-SG" sz="1000">
+                        <a:effectLst/>
+                        <a:latin typeface="Times New Roman" panose="02020603050405020304" pitchFamily="18" charset="0"/>
+                        <a:ea typeface="Times New Roman" panose="02020603050405020304" pitchFamily="18" charset="0"/>
+                      </a:endParaRPr>
+                    </a:p>
+                  </a:txBody>
+                  <a:tcPr marL="60772" marR="60772" marT="0" marB="0"/>
+                </a:tc>
+              </a:tr>
+              <a:tr h="158965">
+                <a:tc>
+                  <a:txBody>
+                    <a:bodyPr/>
+                    <a:lstStyle/>
+                    <a:p>
+                      <a:pPr algn="l">
+                        <a:lnSpc>
+                          <a:spcPct val="107000"/>
+                        </a:lnSpc>
+                        <a:spcBef>
+                          <a:spcPts val="600"/>
+                        </a:spcBef>
+                        <a:spcAft>
+                          <a:spcPts val="300"/>
+                        </a:spcAft>
+                      </a:pPr>
+                      <a:r>
+                        <a:rPr lang="en-GB" sz="1000">
+                          <a:effectLst/>
+                        </a:rPr>
+                        <a:t>Legacy data from SOS system</a:t>
+                      </a:r>
+                      <a:endParaRPr lang="en-SG" sz="1000">
+                        <a:effectLst/>
+                        <a:latin typeface="Times New Roman" panose="02020603050405020304" pitchFamily="18" charset="0"/>
+                        <a:ea typeface="Times New Roman" panose="02020603050405020304" pitchFamily="18" charset="0"/>
+                      </a:endParaRPr>
+                    </a:p>
+                  </a:txBody>
+                  <a:tcPr marL="60772" marR="60772" marT="0" marB="0"/>
+                </a:tc>
+                <a:tc>
+                  <a:txBody>
+                    <a:bodyPr/>
+                    <a:lstStyle/>
+                    <a:p>
+                      <a:pPr marL="342900" lvl="0" indent="-342900" algn="l">
+                        <a:lnSpc>
+                          <a:spcPct val="107000"/>
+                        </a:lnSpc>
+                        <a:spcBef>
+                          <a:spcPts val="600"/>
+                        </a:spcBef>
+                        <a:spcAft>
+                          <a:spcPts val="300"/>
+                        </a:spcAft>
+                        <a:buFont typeface="Symbol" panose="05050102010706020507" pitchFamily="18" charset="2"/>
+                        <a:buChar char=""/>
+                      </a:pPr>
+                      <a:r>
+                        <a:rPr lang="en-GB" sz="1000">
+                          <a:effectLst/>
+                        </a:rPr>
+                        <a:t>Proper data migration to move the data to new system.</a:t>
+                      </a:r>
+                      <a:endParaRPr lang="en-SG" sz="1000">
+                        <a:effectLst/>
+                        <a:latin typeface="Times New Roman" panose="02020603050405020304" pitchFamily="18" charset="0"/>
+                        <a:ea typeface="Times New Roman" panose="02020603050405020304" pitchFamily="18" charset="0"/>
+                      </a:endParaRPr>
+                    </a:p>
+                  </a:txBody>
+                  <a:tcPr marL="60772" marR="60772" marT="0" marB="0"/>
+                </a:tc>
+              </a:tr>
+              <a:tr h="317930">
+                <a:tc>
+                  <a:txBody>
+                    <a:bodyPr/>
+                    <a:lstStyle/>
+                    <a:p>
+                      <a:pPr algn="l">
+                        <a:lnSpc>
+                          <a:spcPct val="107000"/>
+                        </a:lnSpc>
+                        <a:spcBef>
+                          <a:spcPts val="600"/>
+                        </a:spcBef>
+                        <a:spcAft>
+                          <a:spcPts val="300"/>
+                        </a:spcAft>
+                      </a:pPr>
+                      <a:r>
+                        <a:rPr lang="en-GB" sz="1000">
+                          <a:effectLst/>
+                        </a:rPr>
+                        <a:t>Data are stored with different standard in different systems</a:t>
+                      </a:r>
+                      <a:endParaRPr lang="en-SG" sz="1000">
+                        <a:effectLst/>
+                        <a:latin typeface="Times New Roman" panose="02020603050405020304" pitchFamily="18" charset="0"/>
+                        <a:ea typeface="Times New Roman" panose="02020603050405020304" pitchFamily="18" charset="0"/>
+                      </a:endParaRPr>
+                    </a:p>
+                  </a:txBody>
+                  <a:tcPr marL="60772" marR="60772" marT="0" marB="0"/>
+                </a:tc>
+                <a:tc>
+                  <a:txBody>
+                    <a:bodyPr/>
+                    <a:lstStyle/>
+                    <a:p>
+                      <a:pPr marL="342900" lvl="0" indent="-342900" algn="l">
+                        <a:lnSpc>
+                          <a:spcPct val="107000"/>
+                        </a:lnSpc>
+                        <a:spcBef>
+                          <a:spcPts val="600"/>
+                        </a:spcBef>
+                        <a:spcAft>
+                          <a:spcPts val="300"/>
+                        </a:spcAft>
+                        <a:buFont typeface="Symbol" panose="05050102010706020507" pitchFamily="18" charset="2"/>
+                        <a:buChar char=""/>
+                      </a:pPr>
+                      <a:r>
+                        <a:rPr lang="en-GB" sz="1000">
+                          <a:effectLst/>
+                        </a:rPr>
+                        <a:t>Standardize the data storage. To develop a common data dictionary as guideline.</a:t>
+                      </a:r>
+                      <a:endParaRPr lang="en-SG" sz="1000">
+                        <a:effectLst/>
+                        <a:latin typeface="Times New Roman" panose="02020603050405020304" pitchFamily="18" charset="0"/>
+                        <a:ea typeface="Times New Roman" panose="02020603050405020304" pitchFamily="18" charset="0"/>
+                      </a:endParaRPr>
+                    </a:p>
+                  </a:txBody>
+                  <a:tcPr marL="60772" marR="60772" marT="0" marB="0"/>
+                </a:tc>
+              </a:tr>
+              <a:tr h="317930">
+                <a:tc>
+                  <a:txBody>
+                    <a:bodyPr/>
+                    <a:lstStyle/>
+                    <a:p>
+                      <a:pPr algn="l">
+                        <a:lnSpc>
+                          <a:spcPct val="107000"/>
+                        </a:lnSpc>
+                        <a:spcBef>
+                          <a:spcPts val="600"/>
+                        </a:spcBef>
+                        <a:spcAft>
+                          <a:spcPts val="300"/>
+                        </a:spcAft>
+                      </a:pPr>
+                      <a:r>
+                        <a:rPr lang="en-GB" sz="1000">
+                          <a:effectLst/>
+                        </a:rPr>
+                        <a:t>Lack of consistency in container and vessel optimization decision</a:t>
+                      </a:r>
+                      <a:endParaRPr lang="en-SG" sz="1000">
+                        <a:effectLst/>
+                        <a:latin typeface="Times New Roman" panose="02020603050405020304" pitchFamily="18" charset="0"/>
+                        <a:ea typeface="Times New Roman" panose="02020603050405020304" pitchFamily="18" charset="0"/>
+                      </a:endParaRPr>
+                    </a:p>
+                  </a:txBody>
+                  <a:tcPr marL="60772" marR="60772" marT="0" marB="0"/>
+                </a:tc>
+                <a:tc>
+                  <a:txBody>
+                    <a:bodyPr/>
+                    <a:lstStyle/>
+                    <a:p>
+                      <a:pPr marL="342900" lvl="0" indent="-342900" algn="l">
+                        <a:lnSpc>
+                          <a:spcPct val="107000"/>
+                        </a:lnSpc>
+                        <a:spcBef>
+                          <a:spcPts val="600"/>
+                        </a:spcBef>
+                        <a:spcAft>
+                          <a:spcPts val="300"/>
+                        </a:spcAft>
+                        <a:buFont typeface="Symbol" panose="05050102010706020507" pitchFamily="18" charset="2"/>
+                        <a:buChar char=""/>
+                      </a:pPr>
+                      <a:r>
+                        <a:rPr lang="en-GB" sz="1000">
+                          <a:effectLst/>
+                        </a:rPr>
+                        <a:t>Centralize and standardize the optimization algorithm for organizing container.</a:t>
+                      </a:r>
+                      <a:endParaRPr lang="en-SG" sz="1000">
+                        <a:effectLst/>
+                        <a:latin typeface="Times New Roman" panose="02020603050405020304" pitchFamily="18" charset="0"/>
+                        <a:ea typeface="Times New Roman" panose="02020603050405020304" pitchFamily="18" charset="0"/>
+                      </a:endParaRPr>
+                    </a:p>
+                  </a:txBody>
+                  <a:tcPr marL="60772" marR="60772" marT="0" marB="0"/>
+                </a:tc>
+              </a:tr>
+              <a:tr h="158965">
+                <a:tc>
+                  <a:txBody>
+                    <a:bodyPr/>
+                    <a:lstStyle/>
+                    <a:p>
+                      <a:pPr algn="l">
+                        <a:lnSpc>
+                          <a:spcPct val="107000"/>
+                        </a:lnSpc>
+                        <a:spcBef>
+                          <a:spcPts val="600"/>
+                        </a:spcBef>
+                        <a:spcAft>
+                          <a:spcPts val="300"/>
+                        </a:spcAft>
+                      </a:pPr>
+                      <a:r>
+                        <a:rPr lang="en-GB" sz="1000">
+                          <a:effectLst/>
+                        </a:rPr>
+                        <a:t>Tow-head operator information is not managed</a:t>
+                      </a:r>
+                      <a:endParaRPr lang="en-SG" sz="1000">
+                        <a:effectLst/>
+                        <a:latin typeface="Times New Roman" panose="02020603050405020304" pitchFamily="18" charset="0"/>
+                        <a:ea typeface="Times New Roman" panose="02020603050405020304" pitchFamily="18" charset="0"/>
+                      </a:endParaRPr>
+                    </a:p>
+                  </a:txBody>
+                  <a:tcPr marL="60772" marR="60772" marT="0" marB="0"/>
+                </a:tc>
+                <a:tc>
+                  <a:txBody>
+                    <a:bodyPr/>
+                    <a:lstStyle/>
+                    <a:p>
+                      <a:pPr marL="342900" lvl="0" indent="-342900" algn="l">
+                        <a:lnSpc>
+                          <a:spcPct val="107000"/>
+                        </a:lnSpc>
+                        <a:spcBef>
+                          <a:spcPts val="600"/>
+                        </a:spcBef>
+                        <a:spcAft>
+                          <a:spcPts val="300"/>
+                        </a:spcAft>
+                        <a:buFont typeface="Symbol" panose="05050102010706020507" pitchFamily="18" charset="2"/>
+                        <a:buChar char=""/>
+                      </a:pPr>
+                      <a:r>
+                        <a:rPr lang="en-GB" sz="1000" dirty="0">
+                          <a:effectLst/>
+                        </a:rPr>
+                        <a:t>To capture tow-head operator details information in system.</a:t>
+                      </a:r>
+                      <a:endParaRPr lang="en-SG" sz="1000" dirty="0">
+                        <a:effectLst/>
+                        <a:latin typeface="Times New Roman" panose="02020603050405020304" pitchFamily="18" charset="0"/>
+                        <a:ea typeface="Times New Roman" panose="02020603050405020304" pitchFamily="18" charset="0"/>
+                      </a:endParaRPr>
+                    </a:p>
+                  </a:txBody>
+                  <a:tcPr marL="60772" marR="60772" marT="0" marB="0"/>
+                </a:tc>
+              </a:tr>
+            </a:tbl>
+          </a:graphicData>
+        </a:graphic>
+      </p:graphicFrame>
+    </p:spTree>
+    <p:extLst>
+      <p:ext uri="{BB962C8B-B14F-4D97-AF65-F5344CB8AC3E}">
+        <p14:creationId xmlns:p14="http://schemas.microsoft.com/office/powerpoint/2010/main" val="3067278586"/>
+      </p:ext>
+    </p:extLst>
+  </p:cSld>
+  <p:clrMapOvr>
+    <a:masterClrMapping/>
+  </p:clrMapOvr>
+  <p:timing>
+    <p:tnLst>
+      <p:par>
+        <p:cTn id="1" dur="indefinite" restart="never" nodeType="tmRoot"/>
+      </p:par>
+    </p:tnLst>
+  </p:timing>
+</p:sld>
+</file>
+
+<file path=ppt/slides/slide33.xml><?xml version="1.0" encoding="utf-8"?>
+<p:sld xmlns:a="http://schemas.openxmlformats.org/drawingml/2006/main" xmlns:r="http://schemas.openxmlformats.org/officeDocument/2006/relationships" xmlns:p="http://schemas.openxmlformats.org/presentationml/2006/main">
+  <p:cSld>
+    <p:spTree>
+      <p:nvGrpSpPr>
+        <p:cNvPr id="1" name=""/>
+        <p:cNvGrpSpPr/>
+        <p:nvPr/>
+      </p:nvGrpSpPr>
+      <p:grpSpPr>
+        <a:xfrm>
+          <a:off x="0" y="0"/>
+          <a:ext cx="0" cy="0"/>
+          <a:chOff x="0" y="0"/>
+          <a:chExt cx="0" cy="0"/>
+        </a:xfrm>
+      </p:grpSpPr>
+      <p:sp>
+        <p:nvSpPr>
+          <p:cNvPr id="49153" name="Title 1"/>
+          <p:cNvSpPr>
+            <a:spLocks noGrp="1"/>
+          </p:cNvSpPr>
+          <p:nvPr>
+            <p:ph type="title"/>
+          </p:nvPr>
+        </p:nvSpPr>
+        <p:spPr/>
+        <p:txBody>
+          <a:bodyPr/>
+          <a:lstStyle/>
+          <a:p>
+            <a:pPr eaLnBrk="1" hangingPunct="1"/>
+            <a:r>
+              <a:rPr lang="en-US" dirty="0"/>
+              <a:t>Opportunity and </a:t>
+            </a:r>
+            <a:r>
+              <a:rPr lang="en-US" dirty="0" smtClean="0"/>
+              <a:t>Solution</a:t>
+            </a:r>
+            <a:endParaRPr lang="en-SG" dirty="0" smtClean="0"/>
+          </a:p>
+        </p:txBody>
+      </p:sp>
+      <p:sp>
+        <p:nvSpPr>
+          <p:cNvPr id="49154" name="Content Placeholder 2"/>
+          <p:cNvSpPr>
+            <a:spLocks noGrp="1"/>
+          </p:cNvSpPr>
+          <p:nvPr>
+            <p:ph sz="quarter" idx="1"/>
+          </p:nvPr>
+        </p:nvSpPr>
+        <p:spPr>
+          <a:xfrm>
+            <a:off x="457200" y="1219200"/>
+            <a:ext cx="8229600" cy="4937125"/>
+          </a:xfrm>
+        </p:spPr>
+        <p:txBody>
+          <a:bodyPr/>
+          <a:lstStyle/>
+          <a:p>
+            <a:pPr marL="0" indent="0" eaLnBrk="1" hangingPunct="1">
+              <a:buNone/>
+            </a:pPr>
+            <a:r>
+              <a:rPr lang="en-SG" dirty="0" smtClean="0"/>
+              <a:t> </a:t>
+            </a:r>
+          </a:p>
+        </p:txBody>
+      </p:sp>
+      <p:graphicFrame>
+        <p:nvGraphicFramePr>
+          <p:cNvPr id="6" name="Table 5"/>
+          <p:cNvGraphicFramePr>
+            <a:graphicFrameLocks noGrp="1"/>
+          </p:cNvGraphicFramePr>
+          <p:nvPr>
+            <p:extLst/>
+          </p:nvPr>
+        </p:nvGraphicFramePr>
+        <p:xfrm>
+          <a:off x="457200" y="1340769"/>
+          <a:ext cx="8229600" cy="4580346"/>
+        </p:xfrm>
+        <a:graphic>
+          <a:graphicData uri="http://schemas.openxmlformats.org/drawingml/2006/table">
+            <a:tbl>
+              <a:tblPr firstRow="1" firstCol="1" bandRow="1">
+                <a:tableStyleId>{5C22544A-7EE6-4342-B048-85BDC9FD1C3A}</a:tableStyleId>
+              </a:tblPr>
+              <a:tblGrid>
+                <a:gridCol w="2727637"/>
+                <a:gridCol w="5501963"/>
+              </a:tblGrid>
+              <a:tr h="290286">
+                <a:tc>
+                  <a:txBody>
+                    <a:bodyPr/>
+                    <a:lstStyle/>
+                    <a:p>
+                      <a:pPr algn="l">
+                        <a:lnSpc>
+                          <a:spcPct val="107000"/>
+                        </a:lnSpc>
+                        <a:spcBef>
+                          <a:spcPts val="600"/>
+                        </a:spcBef>
+                        <a:spcAft>
+                          <a:spcPts val="300"/>
+                        </a:spcAft>
+                      </a:pPr>
+                      <a:r>
+                        <a:rPr lang="en-GB" sz="1400" dirty="0">
+                          <a:effectLst/>
+                        </a:rPr>
+                        <a:t>Gap</a:t>
+                      </a:r>
+                      <a:endParaRPr lang="en-SG" sz="1400" dirty="0">
+                        <a:effectLst/>
+                        <a:latin typeface="Times New Roman" panose="02020603050405020304" pitchFamily="18" charset="0"/>
+                        <a:ea typeface="Times New Roman" panose="02020603050405020304" pitchFamily="18" charset="0"/>
+                      </a:endParaRPr>
+                    </a:p>
+                  </a:txBody>
+                  <a:tcPr marL="60772" marR="60772" marT="0" marB="0"/>
+                </a:tc>
+                <a:tc>
+                  <a:txBody>
+                    <a:bodyPr/>
+                    <a:lstStyle/>
+                    <a:p>
+                      <a:pPr algn="l">
+                        <a:lnSpc>
+                          <a:spcPct val="107000"/>
+                        </a:lnSpc>
+                        <a:spcBef>
+                          <a:spcPts val="600"/>
+                        </a:spcBef>
+                        <a:spcAft>
+                          <a:spcPts val="300"/>
+                        </a:spcAft>
+                      </a:pPr>
+                      <a:r>
+                        <a:rPr lang="en-GB" sz="1400" dirty="0">
+                          <a:effectLst/>
+                        </a:rPr>
+                        <a:t>Potential Solution</a:t>
+                      </a:r>
+                      <a:endParaRPr lang="en-SG" sz="1400" dirty="0">
+                        <a:effectLst/>
+                        <a:latin typeface="Times New Roman" panose="02020603050405020304" pitchFamily="18" charset="0"/>
+                        <a:ea typeface="Times New Roman" panose="02020603050405020304" pitchFamily="18" charset="0"/>
+                      </a:endParaRPr>
+                    </a:p>
+                  </a:txBody>
+                  <a:tcPr marL="60772" marR="60772" marT="0" marB="0"/>
+                </a:tc>
+              </a:tr>
+              <a:tr h="419217">
+                <a:tc>
+                  <a:txBody>
+                    <a:bodyPr/>
+                    <a:lstStyle/>
+                    <a:p>
+                      <a:pPr algn="l">
+                        <a:lnSpc>
+                          <a:spcPct val="107000"/>
+                        </a:lnSpc>
+                        <a:spcBef>
+                          <a:spcPts val="600"/>
+                        </a:spcBef>
+                        <a:spcAft>
+                          <a:spcPts val="300"/>
+                        </a:spcAft>
+                      </a:pPr>
+                      <a:r>
+                        <a:rPr lang="en-GB" sz="1000">
+                          <a:effectLst/>
+                        </a:rPr>
+                        <a:t>Develop centralized SCBS system by consolidating and revamping SOS and CBS system</a:t>
+                      </a:r>
+                      <a:endParaRPr lang="en-SG" sz="1000">
+                        <a:effectLst/>
+                        <a:latin typeface="Times New Roman" panose="02020603050405020304" pitchFamily="18" charset="0"/>
+                        <a:ea typeface="Times New Roman" panose="02020603050405020304" pitchFamily="18" charset="0"/>
+                      </a:endParaRPr>
+                    </a:p>
+                  </a:txBody>
+                  <a:tcPr marL="60772" marR="60772" marT="0" marB="0"/>
+                </a:tc>
+                <a:tc>
+                  <a:txBody>
+                    <a:bodyPr/>
+                    <a:lstStyle/>
+                    <a:p>
+                      <a:pPr marL="342900" lvl="0" indent="-342900" algn="l">
+                        <a:lnSpc>
+                          <a:spcPct val="107000"/>
+                        </a:lnSpc>
+                        <a:spcBef>
+                          <a:spcPts val="600"/>
+                        </a:spcBef>
+                        <a:spcAft>
+                          <a:spcPts val="300"/>
+                        </a:spcAft>
+                        <a:buFont typeface="Symbol" panose="05050102010706020507" pitchFamily="18" charset="2"/>
+                        <a:buChar char=""/>
+                      </a:pPr>
+                      <a:r>
+                        <a:rPr lang="en-GB" sz="1000">
+                          <a:effectLst/>
+                        </a:rPr>
+                        <a:t>Develop the required system</a:t>
+                      </a:r>
+                      <a:endParaRPr lang="en-SG" sz="1000">
+                        <a:effectLst/>
+                      </a:endParaRPr>
+                    </a:p>
+                    <a:p>
+                      <a:pPr marL="342900" lvl="0" indent="-342900" algn="l">
+                        <a:lnSpc>
+                          <a:spcPct val="107000"/>
+                        </a:lnSpc>
+                        <a:spcBef>
+                          <a:spcPts val="600"/>
+                        </a:spcBef>
+                        <a:spcAft>
+                          <a:spcPts val="300"/>
+                        </a:spcAft>
+                        <a:buFont typeface="Symbol" panose="05050102010706020507" pitchFamily="18" charset="2"/>
+                        <a:buChar char=""/>
+                      </a:pPr>
+                      <a:r>
+                        <a:rPr lang="en-GB" sz="1000">
+                          <a:effectLst/>
+                        </a:rPr>
+                        <a:t>Implement system failover to ensure system high availability.</a:t>
+                      </a:r>
+                      <a:endParaRPr lang="en-SG" sz="1000">
+                        <a:effectLst/>
+                        <a:latin typeface="Times New Roman" panose="02020603050405020304" pitchFamily="18" charset="0"/>
+                        <a:ea typeface="Times New Roman" panose="02020603050405020304" pitchFamily="18" charset="0"/>
+                      </a:endParaRPr>
+                    </a:p>
+                  </a:txBody>
+                  <a:tcPr marL="60772" marR="60772" marT="0" marB="0"/>
+                </a:tc>
+              </a:tr>
+              <a:tr h="679470">
+                <a:tc>
+                  <a:txBody>
+                    <a:bodyPr/>
+                    <a:lstStyle/>
+                    <a:p>
+                      <a:pPr algn="l">
+                        <a:lnSpc>
+                          <a:spcPct val="107000"/>
+                        </a:lnSpc>
+                        <a:spcBef>
+                          <a:spcPts val="600"/>
+                        </a:spcBef>
+                        <a:spcAft>
+                          <a:spcPts val="300"/>
+                        </a:spcAft>
+                      </a:pPr>
+                      <a:r>
+                        <a:rPr lang="en-GB" sz="1000">
+                          <a:effectLst/>
+                        </a:rPr>
+                        <a:t>Develop centralized VCMS system by consolidating and revamping VMS and CMS system</a:t>
+                      </a:r>
+                      <a:endParaRPr lang="en-SG" sz="1000">
+                        <a:effectLst/>
+                        <a:latin typeface="Times New Roman" panose="02020603050405020304" pitchFamily="18" charset="0"/>
+                        <a:ea typeface="Times New Roman" panose="02020603050405020304" pitchFamily="18" charset="0"/>
+                      </a:endParaRPr>
+                    </a:p>
+                  </a:txBody>
+                  <a:tcPr marL="60772" marR="60772" marT="0" marB="0"/>
+                </a:tc>
+                <a:tc>
+                  <a:txBody>
+                    <a:bodyPr/>
+                    <a:lstStyle/>
+                    <a:p>
+                      <a:pPr marL="342900" lvl="0" indent="-342900" algn="l">
+                        <a:lnSpc>
+                          <a:spcPct val="107000"/>
+                        </a:lnSpc>
+                        <a:spcBef>
+                          <a:spcPts val="600"/>
+                        </a:spcBef>
+                        <a:spcAft>
+                          <a:spcPts val="300"/>
+                        </a:spcAft>
+                        <a:buFont typeface="Symbol" panose="05050102010706020507" pitchFamily="18" charset="2"/>
+                        <a:buChar char=""/>
+                      </a:pPr>
+                      <a:r>
+                        <a:rPr lang="en-GB" sz="1000">
+                          <a:effectLst/>
+                        </a:rPr>
+                        <a:t>To develop the required system</a:t>
+                      </a:r>
+                      <a:endParaRPr lang="en-SG" sz="1000">
+                        <a:effectLst/>
+                      </a:endParaRPr>
+                    </a:p>
+                    <a:p>
+                      <a:pPr marL="342900" lvl="0" indent="-342900" algn="l">
+                        <a:lnSpc>
+                          <a:spcPct val="107000"/>
+                        </a:lnSpc>
+                        <a:spcBef>
+                          <a:spcPts val="600"/>
+                        </a:spcBef>
+                        <a:spcAft>
+                          <a:spcPts val="300"/>
+                        </a:spcAft>
+                        <a:buFont typeface="Symbol" panose="05050102010706020507" pitchFamily="18" charset="2"/>
+                        <a:buChar char=""/>
+                      </a:pPr>
+                      <a:r>
+                        <a:rPr lang="en-GB" sz="1000">
+                          <a:effectLst/>
+                        </a:rPr>
+                        <a:t>To include tow-head operator management functions.</a:t>
+                      </a:r>
+                      <a:endParaRPr lang="en-SG" sz="1000">
+                        <a:effectLst/>
+                      </a:endParaRPr>
+                    </a:p>
+                    <a:p>
+                      <a:pPr marL="342900" lvl="0" indent="-342900" algn="l">
+                        <a:lnSpc>
+                          <a:spcPct val="107000"/>
+                        </a:lnSpc>
+                        <a:spcBef>
+                          <a:spcPts val="600"/>
+                        </a:spcBef>
+                        <a:spcAft>
+                          <a:spcPts val="300"/>
+                        </a:spcAft>
+                        <a:buFont typeface="Symbol" panose="05050102010706020507" pitchFamily="18" charset="2"/>
+                        <a:buChar char=""/>
+                      </a:pPr>
+                      <a:r>
+                        <a:rPr lang="en-GB" sz="1000">
+                          <a:effectLst/>
+                        </a:rPr>
+                        <a:t>To implement system failover to reduce the unscheduled downtime.</a:t>
+                      </a:r>
+                      <a:endParaRPr lang="en-SG" sz="1000">
+                        <a:effectLst/>
+                        <a:latin typeface="Times New Roman" panose="02020603050405020304" pitchFamily="18" charset="0"/>
+                        <a:ea typeface="Times New Roman" panose="02020603050405020304" pitchFamily="18" charset="0"/>
+                      </a:endParaRPr>
+                    </a:p>
+                  </a:txBody>
+                  <a:tcPr marL="60772" marR="60772" marT="0" marB="0"/>
+                </a:tc>
+              </a:tr>
+              <a:tr h="679470">
+                <a:tc>
+                  <a:txBody>
+                    <a:bodyPr/>
+                    <a:lstStyle/>
+                    <a:p>
+                      <a:pPr algn="l">
+                        <a:lnSpc>
+                          <a:spcPct val="107000"/>
+                        </a:lnSpc>
+                        <a:spcBef>
+                          <a:spcPts val="600"/>
+                        </a:spcBef>
+                        <a:spcAft>
+                          <a:spcPts val="300"/>
+                        </a:spcAft>
+                      </a:pPr>
+                      <a:r>
+                        <a:rPr lang="en-GB" sz="1000">
+                          <a:effectLst/>
+                        </a:rPr>
+                        <a:t>Container Movement prediction engine requires high computational load and it would affect the performance of VCMS.</a:t>
+                      </a:r>
+                      <a:endParaRPr lang="en-SG" sz="1000">
+                        <a:effectLst/>
+                        <a:latin typeface="Times New Roman" panose="02020603050405020304" pitchFamily="18" charset="0"/>
+                        <a:ea typeface="Times New Roman" panose="02020603050405020304" pitchFamily="18" charset="0"/>
+                      </a:endParaRPr>
+                    </a:p>
+                  </a:txBody>
+                  <a:tcPr marL="60772" marR="60772" marT="0" marB="0"/>
+                </a:tc>
+                <a:tc>
+                  <a:txBody>
+                    <a:bodyPr/>
+                    <a:lstStyle/>
+                    <a:p>
+                      <a:pPr marL="342900" lvl="0" indent="-342900" algn="l">
+                        <a:lnSpc>
+                          <a:spcPct val="107000"/>
+                        </a:lnSpc>
+                        <a:spcBef>
+                          <a:spcPts val="600"/>
+                        </a:spcBef>
+                        <a:spcAft>
+                          <a:spcPts val="300"/>
+                        </a:spcAft>
+                        <a:buFont typeface="Symbol" panose="05050102010706020507" pitchFamily="18" charset="2"/>
+                        <a:buChar char=""/>
+                      </a:pPr>
+                      <a:r>
+                        <a:rPr lang="en-GB" sz="1000">
+                          <a:effectLst/>
+                        </a:rPr>
+                        <a:t>Separate the Container Movement prediction engine.</a:t>
+                      </a:r>
+                      <a:endParaRPr lang="en-SG" sz="1000">
+                        <a:effectLst/>
+                      </a:endParaRPr>
+                    </a:p>
+                    <a:p>
+                      <a:pPr marL="342900" lvl="0" indent="-342900" algn="l">
+                        <a:lnSpc>
+                          <a:spcPct val="107000"/>
+                        </a:lnSpc>
+                        <a:spcBef>
+                          <a:spcPts val="600"/>
+                        </a:spcBef>
+                        <a:spcAft>
+                          <a:spcPts val="300"/>
+                        </a:spcAft>
+                        <a:buFont typeface="Symbol" panose="05050102010706020507" pitchFamily="18" charset="2"/>
+                        <a:buChar char=""/>
+                      </a:pPr>
+                      <a:r>
+                        <a:rPr lang="en-GB" sz="1000">
+                          <a:effectLst/>
+                        </a:rPr>
+                        <a:t>Deploy the engine in another distributed server.</a:t>
+                      </a:r>
+                      <a:endParaRPr lang="en-SG" sz="1000">
+                        <a:effectLst/>
+                      </a:endParaRPr>
+                    </a:p>
+                    <a:p>
+                      <a:pPr marL="342900" lvl="0" indent="-342900" algn="l">
+                        <a:lnSpc>
+                          <a:spcPct val="107000"/>
+                        </a:lnSpc>
+                        <a:spcBef>
+                          <a:spcPts val="600"/>
+                        </a:spcBef>
+                        <a:spcAft>
+                          <a:spcPts val="300"/>
+                        </a:spcAft>
+                        <a:buFont typeface="Symbol" panose="05050102010706020507" pitchFamily="18" charset="2"/>
+                        <a:buChar char=""/>
+                      </a:pPr>
+                      <a:r>
+                        <a:rPr lang="en-GB" sz="1000">
+                          <a:effectLst/>
+                        </a:rPr>
+                        <a:t>To provide the remote method invocation to VCMS.</a:t>
+                      </a:r>
+                      <a:endParaRPr lang="en-SG" sz="1000">
+                        <a:effectLst/>
+                        <a:latin typeface="Times New Roman" panose="02020603050405020304" pitchFamily="18" charset="0"/>
+                        <a:ea typeface="Times New Roman" panose="02020603050405020304" pitchFamily="18" charset="0"/>
+                      </a:endParaRPr>
+                    </a:p>
+                  </a:txBody>
+                  <a:tcPr marL="60772" marR="60772" marT="0" marB="0"/>
+                </a:tc>
+              </a:tr>
+              <a:tr h="317930">
+                <a:tc>
+                  <a:txBody>
+                    <a:bodyPr/>
+                    <a:lstStyle/>
+                    <a:p>
+                      <a:pPr algn="l">
+                        <a:lnSpc>
+                          <a:spcPct val="107000"/>
+                        </a:lnSpc>
+                        <a:spcBef>
+                          <a:spcPts val="600"/>
+                        </a:spcBef>
+                        <a:spcAft>
+                          <a:spcPts val="300"/>
+                        </a:spcAft>
+                      </a:pPr>
+                      <a:r>
+                        <a:rPr lang="en-GB" sz="1000">
+                          <a:effectLst/>
+                        </a:rPr>
+                        <a:t>Integration to SCBS for sophisticated customer’s procurement system</a:t>
+                      </a:r>
+                      <a:endParaRPr lang="en-SG" sz="1000">
+                        <a:effectLst/>
+                        <a:latin typeface="Times New Roman" panose="02020603050405020304" pitchFamily="18" charset="0"/>
+                        <a:ea typeface="Times New Roman" panose="02020603050405020304" pitchFamily="18" charset="0"/>
+                      </a:endParaRPr>
+                    </a:p>
+                  </a:txBody>
+                  <a:tcPr marL="60772" marR="60772" marT="0" marB="0"/>
+                </a:tc>
+                <a:tc>
+                  <a:txBody>
+                    <a:bodyPr/>
+                    <a:lstStyle/>
+                    <a:p>
+                      <a:pPr marL="342900" lvl="0" indent="-342900" algn="l">
+                        <a:lnSpc>
+                          <a:spcPct val="107000"/>
+                        </a:lnSpc>
+                        <a:spcBef>
+                          <a:spcPts val="600"/>
+                        </a:spcBef>
+                        <a:spcAft>
+                          <a:spcPts val="300"/>
+                        </a:spcAft>
+                        <a:buFont typeface="Symbol" panose="05050102010706020507" pitchFamily="18" charset="2"/>
+                        <a:buChar char=""/>
+                      </a:pPr>
+                      <a:r>
+                        <a:rPr lang="en-GB" sz="1000">
+                          <a:effectLst/>
+                        </a:rPr>
+                        <a:t>Develop a set of Web Services in SCBS for integration.</a:t>
+                      </a:r>
+                      <a:endParaRPr lang="en-SG" sz="1000">
+                        <a:effectLst/>
+                        <a:latin typeface="Times New Roman" panose="02020603050405020304" pitchFamily="18" charset="0"/>
+                        <a:ea typeface="Times New Roman" panose="02020603050405020304" pitchFamily="18" charset="0"/>
+                      </a:endParaRPr>
+                    </a:p>
+                  </a:txBody>
+                  <a:tcPr marL="60772" marR="60772" marT="0" marB="0"/>
+                </a:tc>
+              </a:tr>
+              <a:tr h="419217">
+                <a:tc>
+                  <a:txBody>
+                    <a:bodyPr/>
+                    <a:lstStyle/>
+                    <a:p>
+                      <a:pPr algn="l">
+                        <a:lnSpc>
+                          <a:spcPct val="107000"/>
+                        </a:lnSpc>
+                        <a:spcBef>
+                          <a:spcPts val="600"/>
+                        </a:spcBef>
+                        <a:spcAft>
+                          <a:spcPts val="300"/>
+                        </a:spcAft>
+                      </a:pPr>
+                      <a:r>
+                        <a:rPr lang="en-GB" sz="1000">
+                          <a:effectLst/>
+                        </a:rPr>
+                        <a:t>Integration to VCMS for Port Operators and internal applications</a:t>
+                      </a:r>
+                      <a:endParaRPr lang="en-SG" sz="1000">
+                        <a:effectLst/>
+                        <a:latin typeface="Times New Roman" panose="02020603050405020304" pitchFamily="18" charset="0"/>
+                        <a:ea typeface="Times New Roman" panose="02020603050405020304" pitchFamily="18" charset="0"/>
+                      </a:endParaRPr>
+                    </a:p>
+                  </a:txBody>
+                  <a:tcPr marL="60772" marR="60772" marT="0" marB="0"/>
+                </a:tc>
+                <a:tc>
+                  <a:txBody>
+                    <a:bodyPr/>
+                    <a:lstStyle/>
+                    <a:p>
+                      <a:pPr marL="342900" lvl="0" indent="-342900" algn="l">
+                        <a:lnSpc>
+                          <a:spcPct val="107000"/>
+                        </a:lnSpc>
+                        <a:spcBef>
+                          <a:spcPts val="600"/>
+                        </a:spcBef>
+                        <a:spcAft>
+                          <a:spcPts val="300"/>
+                        </a:spcAft>
+                        <a:buFont typeface="Symbol" panose="05050102010706020507" pitchFamily="18" charset="2"/>
+                        <a:buChar char=""/>
+                      </a:pPr>
+                      <a:r>
+                        <a:rPr lang="en-GB" sz="1000">
+                          <a:effectLst/>
+                        </a:rPr>
+                        <a:t>Develop a set of Web Service in VCMS for Port Operators to integrate.</a:t>
+                      </a:r>
+                      <a:endParaRPr lang="en-SG" sz="1000">
+                        <a:effectLst/>
+                      </a:endParaRPr>
+                    </a:p>
+                    <a:p>
+                      <a:pPr marL="342900" lvl="0" indent="-342900" algn="l">
+                        <a:lnSpc>
+                          <a:spcPct val="107000"/>
+                        </a:lnSpc>
+                        <a:spcBef>
+                          <a:spcPts val="600"/>
+                        </a:spcBef>
+                        <a:spcAft>
+                          <a:spcPts val="300"/>
+                        </a:spcAft>
+                        <a:buFont typeface="Symbol" panose="05050102010706020507" pitchFamily="18" charset="2"/>
+                        <a:buChar char=""/>
+                      </a:pPr>
+                      <a:r>
+                        <a:rPr lang="en-GB" sz="1000">
+                          <a:effectLst/>
+                        </a:rPr>
+                        <a:t>Develop another set of Web Service in VCMS for internal system to integrate.</a:t>
+                      </a:r>
+                      <a:endParaRPr lang="en-SG" sz="1000">
+                        <a:effectLst/>
+                        <a:latin typeface="Times New Roman" panose="02020603050405020304" pitchFamily="18" charset="0"/>
+                        <a:ea typeface="Times New Roman" panose="02020603050405020304" pitchFamily="18" charset="0"/>
+                      </a:endParaRPr>
+                    </a:p>
+                  </a:txBody>
+                  <a:tcPr marL="60772" marR="60772" marT="0" marB="0"/>
+                </a:tc>
+              </a:tr>
+              <a:tr h="1098687">
+                <a:tc>
+                  <a:txBody>
+                    <a:bodyPr/>
+                    <a:lstStyle/>
+                    <a:p>
+                      <a:pPr algn="l">
+                        <a:lnSpc>
+                          <a:spcPct val="107000"/>
+                        </a:lnSpc>
+                        <a:spcBef>
+                          <a:spcPts val="600"/>
+                        </a:spcBef>
+                        <a:spcAft>
+                          <a:spcPts val="300"/>
+                        </a:spcAft>
+                      </a:pPr>
+                      <a:r>
+                        <a:rPr lang="en-GB" sz="1000">
+                          <a:effectLst/>
+                        </a:rPr>
+                        <a:t>Online RFQ and order submission is not supported</a:t>
+                      </a:r>
+                      <a:endParaRPr lang="en-SG" sz="1000">
+                        <a:effectLst/>
+                        <a:latin typeface="Times New Roman" panose="02020603050405020304" pitchFamily="18" charset="0"/>
+                        <a:ea typeface="Times New Roman" panose="02020603050405020304" pitchFamily="18" charset="0"/>
+                      </a:endParaRPr>
+                    </a:p>
+                  </a:txBody>
+                  <a:tcPr marL="60772" marR="60772" marT="0" marB="0"/>
+                </a:tc>
+                <a:tc>
+                  <a:txBody>
+                    <a:bodyPr/>
+                    <a:lstStyle/>
+                    <a:p>
+                      <a:pPr marL="342900" lvl="0" indent="-342900" algn="l">
+                        <a:lnSpc>
+                          <a:spcPct val="107000"/>
+                        </a:lnSpc>
+                        <a:spcBef>
+                          <a:spcPts val="600"/>
+                        </a:spcBef>
+                        <a:spcAft>
+                          <a:spcPts val="300"/>
+                        </a:spcAft>
+                        <a:buFont typeface="Symbol" panose="05050102010706020507" pitchFamily="18" charset="2"/>
+                        <a:buChar char=""/>
+                      </a:pPr>
+                      <a:r>
+                        <a:rPr lang="en-GB" sz="1000">
+                          <a:effectLst/>
+                        </a:rPr>
+                        <a:t>Integrate SGLines Web site with SCBS to allow customer registration.</a:t>
+                      </a:r>
+                      <a:endParaRPr lang="en-SG" sz="1000">
+                        <a:effectLst/>
+                      </a:endParaRPr>
+                    </a:p>
+                    <a:p>
+                      <a:pPr marL="342900" lvl="0" indent="-342900" algn="l">
+                        <a:lnSpc>
+                          <a:spcPct val="107000"/>
+                        </a:lnSpc>
+                        <a:spcBef>
+                          <a:spcPts val="600"/>
+                        </a:spcBef>
+                        <a:spcAft>
+                          <a:spcPts val="300"/>
+                        </a:spcAft>
+                        <a:buFont typeface="Symbol" panose="05050102010706020507" pitchFamily="18" charset="2"/>
+                        <a:buChar char=""/>
+                      </a:pPr>
+                      <a:r>
+                        <a:rPr lang="en-GB" sz="1000">
+                          <a:effectLst/>
+                        </a:rPr>
+                        <a:t>Integrate SGLines Web site with SCBS to allow customer to submit RFQ and order online from a new Web storefront.</a:t>
+                      </a:r>
+                      <a:endParaRPr lang="en-SG" sz="1000">
+                        <a:effectLst/>
+                      </a:endParaRPr>
+                    </a:p>
+                    <a:p>
+                      <a:pPr marL="342900" lvl="0" indent="-342900" algn="l">
+                        <a:lnSpc>
+                          <a:spcPct val="107000"/>
+                        </a:lnSpc>
+                        <a:spcBef>
+                          <a:spcPts val="600"/>
+                        </a:spcBef>
+                        <a:spcAft>
+                          <a:spcPts val="300"/>
+                        </a:spcAft>
+                        <a:buFont typeface="Symbol" panose="05050102010706020507" pitchFamily="18" charset="2"/>
+                        <a:buChar char=""/>
+                      </a:pPr>
+                      <a:r>
+                        <a:rPr lang="en-GB" sz="1000">
+                          <a:effectLst/>
+                        </a:rPr>
+                        <a:t>Customize the Web contents for different customer type and country.</a:t>
+                      </a:r>
+                      <a:endParaRPr lang="en-SG" sz="1000">
+                        <a:effectLst/>
+                      </a:endParaRPr>
+                    </a:p>
+                    <a:p>
+                      <a:pPr marL="342900" lvl="0" indent="-342900" algn="l">
+                        <a:lnSpc>
+                          <a:spcPct val="107000"/>
+                        </a:lnSpc>
+                        <a:spcBef>
+                          <a:spcPts val="600"/>
+                        </a:spcBef>
+                        <a:spcAft>
+                          <a:spcPts val="300"/>
+                        </a:spcAft>
+                        <a:buFont typeface="Symbol" panose="05050102010706020507" pitchFamily="18" charset="2"/>
+                        <a:buChar char=""/>
+                      </a:pPr>
+                      <a:r>
+                        <a:rPr lang="en-GB" sz="1000">
+                          <a:effectLst/>
+                        </a:rPr>
+                        <a:t>Support different types of browsers.</a:t>
+                      </a:r>
+                      <a:endParaRPr lang="en-SG" sz="1000">
+                        <a:effectLst/>
+                        <a:latin typeface="Times New Roman" panose="02020603050405020304" pitchFamily="18" charset="0"/>
+                        <a:ea typeface="Times New Roman" panose="02020603050405020304" pitchFamily="18" charset="0"/>
+                      </a:endParaRPr>
+                    </a:p>
+                  </a:txBody>
+                  <a:tcPr marL="60772" marR="60772" marT="0" marB="0"/>
+                </a:tc>
+              </a:tr>
+              <a:tr h="419217">
+                <a:tc>
+                  <a:txBody>
+                    <a:bodyPr/>
+                    <a:lstStyle/>
+                    <a:p>
+                      <a:pPr algn="l">
+                        <a:lnSpc>
+                          <a:spcPct val="107000"/>
+                        </a:lnSpc>
+                        <a:spcBef>
+                          <a:spcPts val="600"/>
+                        </a:spcBef>
+                        <a:spcAft>
+                          <a:spcPts val="300"/>
+                        </a:spcAft>
+                      </a:pPr>
+                      <a:r>
+                        <a:rPr lang="en-GB" sz="1000">
+                          <a:effectLst/>
+                        </a:rPr>
+                        <a:t>Generating management report would impact VCMS performance</a:t>
+                      </a:r>
+                      <a:endParaRPr lang="en-SG" sz="1000">
+                        <a:effectLst/>
+                        <a:latin typeface="Times New Roman" panose="02020603050405020304" pitchFamily="18" charset="0"/>
+                        <a:ea typeface="Times New Roman" panose="02020603050405020304" pitchFamily="18" charset="0"/>
+                      </a:endParaRPr>
+                    </a:p>
+                  </a:txBody>
+                  <a:tcPr marL="60772" marR="60772" marT="0" marB="0"/>
+                </a:tc>
+                <a:tc>
+                  <a:txBody>
+                    <a:bodyPr/>
+                    <a:lstStyle/>
+                    <a:p>
+                      <a:pPr marL="342900" lvl="0" indent="-342900" algn="l">
+                        <a:lnSpc>
+                          <a:spcPct val="107000"/>
+                        </a:lnSpc>
+                        <a:spcBef>
+                          <a:spcPts val="600"/>
+                        </a:spcBef>
+                        <a:spcAft>
+                          <a:spcPts val="300"/>
+                        </a:spcAft>
+                        <a:buFont typeface="Symbol" panose="05050102010706020507" pitchFamily="18" charset="2"/>
+                        <a:buChar char=""/>
+                      </a:pPr>
+                      <a:r>
+                        <a:rPr lang="en-GB" sz="1000" dirty="0">
+                          <a:effectLst/>
+                        </a:rPr>
+                        <a:t>Replicate data for VCMS system using DB feature and set the replicated data to be read only.</a:t>
+                      </a:r>
+                      <a:endParaRPr lang="en-SG" sz="1000" dirty="0">
+                        <a:effectLst/>
+                      </a:endParaRPr>
+                    </a:p>
+                    <a:p>
+                      <a:pPr marL="342900" lvl="0" indent="-342900" algn="l">
+                        <a:lnSpc>
+                          <a:spcPct val="107000"/>
+                        </a:lnSpc>
+                        <a:spcBef>
+                          <a:spcPts val="600"/>
+                        </a:spcBef>
+                        <a:spcAft>
+                          <a:spcPts val="300"/>
+                        </a:spcAft>
+                        <a:buFont typeface="Symbol" panose="05050102010706020507" pitchFamily="18" charset="2"/>
+                        <a:buChar char=""/>
+                      </a:pPr>
+                      <a:r>
+                        <a:rPr lang="en-GB" sz="1000" dirty="0">
+                          <a:effectLst/>
+                        </a:rPr>
+                        <a:t>Access replicated DB to generate management report.</a:t>
+                      </a:r>
+                      <a:endParaRPr lang="en-SG" sz="1000" dirty="0">
+                        <a:effectLst/>
+                        <a:latin typeface="Times New Roman" panose="02020603050405020304" pitchFamily="18" charset="0"/>
+                        <a:ea typeface="Times New Roman" panose="02020603050405020304" pitchFamily="18" charset="0"/>
+                      </a:endParaRPr>
+                    </a:p>
+                  </a:txBody>
+                  <a:tcPr marL="60772" marR="60772" marT="0" marB="0"/>
+                </a:tc>
+              </a:tr>
+            </a:tbl>
+          </a:graphicData>
+        </a:graphic>
+      </p:graphicFrame>
+    </p:spTree>
+    <p:extLst>
+      <p:ext uri="{BB962C8B-B14F-4D97-AF65-F5344CB8AC3E}">
+        <p14:creationId xmlns:p14="http://schemas.microsoft.com/office/powerpoint/2010/main" val="622608438"/>
+      </p:ext>
+    </p:extLst>
+  </p:cSld>
+  <p:clrMapOvr>
+    <a:masterClrMapping/>
+  </p:clrMapOvr>
+  <p:timing>
+    <p:tnLst>
+      <p:par>
+        <p:cTn id="1" dur="indefinite" restart="never" nodeType="tmRoot"/>
+      </p:par>
+    </p:tnLst>
+  </p:timing>
+</p:sld>
+</file>
+
+<file path=ppt/slides/slide34.xml><?xml version="1.0" encoding="utf-8"?>
+<p:sld xmlns:a="http://schemas.openxmlformats.org/drawingml/2006/main" xmlns:r="http://schemas.openxmlformats.org/officeDocument/2006/relationships" xmlns:p="http://schemas.openxmlformats.org/presentationml/2006/main">
+  <p:cSld>
+    <p:spTree>
+      <p:nvGrpSpPr>
+        <p:cNvPr id="1" name=""/>
+        <p:cNvGrpSpPr/>
+        <p:nvPr/>
+      </p:nvGrpSpPr>
+      <p:grpSpPr>
+        <a:xfrm>
+          <a:off x="0" y="0"/>
+          <a:ext cx="0" cy="0"/>
+          <a:chOff x="0" y="0"/>
+          <a:chExt cx="0" cy="0"/>
+        </a:xfrm>
+      </p:grpSpPr>
+      <p:sp>
+        <p:nvSpPr>
+          <p:cNvPr id="49153" name="Title 1"/>
+          <p:cNvSpPr>
+            <a:spLocks noGrp="1"/>
+          </p:cNvSpPr>
+          <p:nvPr>
+            <p:ph type="title"/>
+          </p:nvPr>
+        </p:nvSpPr>
+        <p:spPr/>
+        <p:txBody>
+          <a:bodyPr/>
+          <a:lstStyle/>
+          <a:p>
+            <a:pPr eaLnBrk="1" hangingPunct="1"/>
+            <a:r>
+              <a:rPr lang="en-US" dirty="0"/>
+              <a:t>Opportunity and </a:t>
+            </a:r>
+            <a:r>
+              <a:rPr lang="en-US" dirty="0" smtClean="0"/>
+              <a:t>Solution</a:t>
+            </a:r>
+            <a:endParaRPr lang="en-SG" dirty="0" smtClean="0"/>
+          </a:p>
+        </p:txBody>
+      </p:sp>
+      <p:sp>
+        <p:nvSpPr>
+          <p:cNvPr id="49154" name="Content Placeholder 2"/>
+          <p:cNvSpPr>
+            <a:spLocks noGrp="1"/>
+          </p:cNvSpPr>
+          <p:nvPr>
+            <p:ph sz="quarter" idx="1"/>
+          </p:nvPr>
+        </p:nvSpPr>
+        <p:spPr>
+          <a:xfrm>
+            <a:off x="457200" y="1219200"/>
+            <a:ext cx="8229600" cy="4937125"/>
+          </a:xfrm>
+        </p:spPr>
+        <p:txBody>
+          <a:bodyPr/>
+          <a:lstStyle/>
+          <a:p>
+            <a:pPr marL="0" indent="0" eaLnBrk="1" hangingPunct="1">
+              <a:buNone/>
+            </a:pPr>
+            <a:r>
+              <a:rPr lang="en-SG" dirty="0" smtClean="0"/>
+              <a:t> </a:t>
+            </a:r>
+          </a:p>
+        </p:txBody>
+      </p:sp>
+      <p:graphicFrame>
+        <p:nvGraphicFramePr>
+          <p:cNvPr id="3" name="Table 2"/>
+          <p:cNvGraphicFramePr>
+            <a:graphicFrameLocks noGrp="1"/>
+          </p:cNvGraphicFramePr>
+          <p:nvPr>
+            <p:extLst/>
+          </p:nvPr>
+        </p:nvGraphicFramePr>
+        <p:xfrm>
+          <a:off x="457200" y="1484784"/>
+          <a:ext cx="8229600" cy="3601944"/>
+        </p:xfrm>
+        <a:graphic>
+          <a:graphicData uri="http://schemas.openxmlformats.org/drawingml/2006/table">
+            <a:tbl>
+              <a:tblPr firstRow="1" firstCol="1" bandRow="1">
+                <a:tableStyleId>{5C22544A-7EE6-4342-B048-85BDC9FD1C3A}</a:tableStyleId>
+              </a:tblPr>
+              <a:tblGrid>
+                <a:gridCol w="2727637"/>
+                <a:gridCol w="5501963"/>
+              </a:tblGrid>
+              <a:tr h="355824">
+                <a:tc>
+                  <a:txBody>
+                    <a:bodyPr/>
+                    <a:lstStyle/>
+                    <a:p>
+                      <a:pPr algn="l">
+                        <a:lnSpc>
+                          <a:spcPct val="107000"/>
+                        </a:lnSpc>
+                        <a:spcBef>
+                          <a:spcPts val="600"/>
+                        </a:spcBef>
+                        <a:spcAft>
+                          <a:spcPts val="300"/>
+                        </a:spcAft>
+                      </a:pPr>
+                      <a:r>
+                        <a:rPr lang="en-GB" sz="1400" dirty="0">
+                          <a:effectLst/>
+                        </a:rPr>
+                        <a:t>Gap</a:t>
+                      </a:r>
+                      <a:endParaRPr lang="en-SG" sz="1400" dirty="0">
+                        <a:effectLst/>
+                        <a:latin typeface="Times New Roman" panose="02020603050405020304" pitchFamily="18" charset="0"/>
+                        <a:ea typeface="Times New Roman" panose="02020603050405020304" pitchFamily="18" charset="0"/>
+                      </a:endParaRPr>
+                    </a:p>
+                  </a:txBody>
+                  <a:tcPr marL="60772" marR="60772" marT="0" marB="0"/>
+                </a:tc>
+                <a:tc>
+                  <a:txBody>
+                    <a:bodyPr/>
+                    <a:lstStyle/>
+                    <a:p>
+                      <a:pPr algn="l">
+                        <a:lnSpc>
+                          <a:spcPct val="107000"/>
+                        </a:lnSpc>
+                        <a:spcBef>
+                          <a:spcPts val="600"/>
+                        </a:spcBef>
+                        <a:spcAft>
+                          <a:spcPts val="300"/>
+                        </a:spcAft>
+                      </a:pPr>
+                      <a:r>
+                        <a:rPr lang="en-GB" sz="1400" dirty="0">
+                          <a:effectLst/>
+                        </a:rPr>
+                        <a:t>Potential Solution</a:t>
+                      </a:r>
+                      <a:endParaRPr lang="en-SG" sz="1400" dirty="0">
+                        <a:effectLst/>
+                        <a:latin typeface="Times New Roman" panose="02020603050405020304" pitchFamily="18" charset="0"/>
+                        <a:ea typeface="Times New Roman" panose="02020603050405020304" pitchFamily="18" charset="0"/>
+                      </a:endParaRPr>
+                    </a:p>
+                  </a:txBody>
+                  <a:tcPr marL="60772" marR="60772" marT="0" marB="0"/>
+                </a:tc>
+              </a:tr>
+              <a:tr h="578183">
+                <a:tc>
+                  <a:txBody>
+                    <a:bodyPr/>
+                    <a:lstStyle/>
+                    <a:p>
+                      <a:pPr algn="l">
+                        <a:lnSpc>
+                          <a:spcPct val="107000"/>
+                        </a:lnSpc>
+                        <a:spcBef>
+                          <a:spcPts val="600"/>
+                        </a:spcBef>
+                        <a:spcAft>
+                          <a:spcPts val="300"/>
+                        </a:spcAft>
+                      </a:pPr>
+                      <a:r>
+                        <a:rPr lang="en-GB" sz="1000">
+                          <a:effectLst/>
+                        </a:rPr>
+                        <a:t>Order process is not fully automated.</a:t>
+                      </a:r>
+                      <a:endParaRPr lang="en-SG" sz="1000">
+                        <a:effectLst/>
+                        <a:latin typeface="Times New Roman" panose="02020603050405020304" pitchFamily="18" charset="0"/>
+                        <a:ea typeface="Times New Roman" panose="02020603050405020304" pitchFamily="18" charset="0"/>
+                      </a:endParaRPr>
+                    </a:p>
+                  </a:txBody>
+                  <a:tcPr marL="60772" marR="60772" marT="0" marB="0"/>
+                </a:tc>
+                <a:tc>
+                  <a:txBody>
+                    <a:bodyPr/>
+                    <a:lstStyle/>
+                    <a:p>
+                      <a:pPr marL="342900" lvl="0" indent="-342900" algn="l">
+                        <a:lnSpc>
+                          <a:spcPct val="107000"/>
+                        </a:lnSpc>
+                        <a:spcBef>
+                          <a:spcPts val="600"/>
+                        </a:spcBef>
+                        <a:spcAft>
+                          <a:spcPts val="300"/>
+                        </a:spcAft>
+                        <a:buFont typeface="Symbol" panose="05050102010706020507" pitchFamily="18" charset="2"/>
+                        <a:buChar char=""/>
+                      </a:pPr>
+                      <a:r>
+                        <a:rPr lang="en-GB" sz="1000">
+                          <a:effectLst/>
+                        </a:rPr>
+                        <a:t>Allow customer to continue to place order after RFQ with the details stated in RFQ.</a:t>
+                      </a:r>
+                      <a:endParaRPr lang="en-SG" sz="1000">
+                        <a:effectLst/>
+                      </a:endParaRPr>
+                    </a:p>
+                    <a:p>
+                      <a:pPr marL="342900" lvl="0" indent="-342900" algn="l">
+                        <a:lnSpc>
+                          <a:spcPct val="107000"/>
+                        </a:lnSpc>
+                        <a:spcBef>
+                          <a:spcPts val="600"/>
+                        </a:spcBef>
+                        <a:spcAft>
+                          <a:spcPts val="300"/>
+                        </a:spcAft>
+                        <a:buFont typeface="Symbol" panose="05050102010706020507" pitchFamily="18" charset="2"/>
+                        <a:buChar char=""/>
+                      </a:pPr>
+                      <a:r>
+                        <a:rPr lang="en-GB" sz="1000">
+                          <a:effectLst/>
+                        </a:rPr>
+                        <a:t>Integrated SCBS and VCMS using Web Services provided for internal use to automate RFQ and order process.</a:t>
+                      </a:r>
+                      <a:endParaRPr lang="en-SG" sz="1000">
+                        <a:effectLst/>
+                        <a:latin typeface="Times New Roman" panose="02020603050405020304" pitchFamily="18" charset="0"/>
+                        <a:ea typeface="Times New Roman" panose="02020603050405020304" pitchFamily="18" charset="0"/>
+                      </a:endParaRPr>
+                    </a:p>
+                  </a:txBody>
+                  <a:tcPr marL="60772" marR="60772" marT="0" marB="0"/>
+                </a:tc>
+              </a:tr>
+              <a:tr h="317930">
+                <a:tc>
+                  <a:txBody>
+                    <a:bodyPr/>
+                    <a:lstStyle/>
+                    <a:p>
+                      <a:pPr algn="l">
+                        <a:lnSpc>
+                          <a:spcPct val="107000"/>
+                        </a:lnSpc>
+                        <a:spcBef>
+                          <a:spcPts val="600"/>
+                        </a:spcBef>
+                        <a:spcAft>
+                          <a:spcPts val="300"/>
+                        </a:spcAft>
+                      </a:pPr>
+                      <a:r>
+                        <a:rPr lang="en-GB" sz="1000">
+                          <a:effectLst/>
+                        </a:rPr>
+                        <a:t>VMS and CMS were developed based on old technology</a:t>
+                      </a:r>
+                      <a:endParaRPr lang="en-SG" sz="1000">
+                        <a:effectLst/>
+                        <a:latin typeface="Times New Roman" panose="02020603050405020304" pitchFamily="18" charset="0"/>
+                        <a:ea typeface="Times New Roman" panose="02020603050405020304" pitchFamily="18" charset="0"/>
+                      </a:endParaRPr>
+                    </a:p>
+                  </a:txBody>
+                  <a:tcPr marL="60772" marR="60772" marT="0" marB="0"/>
+                </a:tc>
+                <a:tc>
+                  <a:txBody>
+                    <a:bodyPr/>
+                    <a:lstStyle/>
+                    <a:p>
+                      <a:pPr marL="342900" lvl="0" indent="-342900" algn="l">
+                        <a:lnSpc>
+                          <a:spcPct val="107000"/>
+                        </a:lnSpc>
+                        <a:spcBef>
+                          <a:spcPts val="600"/>
+                        </a:spcBef>
+                        <a:spcAft>
+                          <a:spcPts val="300"/>
+                        </a:spcAft>
+                        <a:buFont typeface="Symbol" panose="05050102010706020507" pitchFamily="18" charset="2"/>
+                        <a:buChar char=""/>
+                      </a:pPr>
+                      <a:r>
+                        <a:rPr lang="en-GB" sz="1000">
+                          <a:effectLst/>
+                        </a:rPr>
+                        <a:t>Adapt new technology when developing the consolidated VCMS system.</a:t>
+                      </a:r>
+                      <a:endParaRPr lang="en-SG" sz="1000">
+                        <a:effectLst/>
+                        <a:latin typeface="Times New Roman" panose="02020603050405020304" pitchFamily="18" charset="0"/>
+                        <a:ea typeface="Times New Roman" panose="02020603050405020304" pitchFamily="18" charset="0"/>
+                      </a:endParaRPr>
+                    </a:p>
+                  </a:txBody>
+                  <a:tcPr marL="60772" marR="60772" marT="0" marB="0"/>
+                </a:tc>
+              </a:tr>
+              <a:tr h="1098687">
+                <a:tc>
+                  <a:txBody>
+                    <a:bodyPr/>
+                    <a:lstStyle/>
+                    <a:p>
+                      <a:pPr algn="l">
+                        <a:lnSpc>
+                          <a:spcPct val="107000"/>
+                        </a:lnSpc>
+                        <a:spcBef>
+                          <a:spcPts val="600"/>
+                        </a:spcBef>
+                        <a:spcAft>
+                          <a:spcPts val="300"/>
+                        </a:spcAft>
+                      </a:pPr>
+                      <a:r>
+                        <a:rPr lang="en-GB" sz="1000">
+                          <a:effectLst/>
+                        </a:rPr>
+                        <a:t>VMS and CMS tend to have unscheduled downtime</a:t>
+                      </a:r>
+                      <a:endParaRPr lang="en-SG" sz="1000">
+                        <a:effectLst/>
+                        <a:latin typeface="Times New Roman" panose="02020603050405020304" pitchFamily="18" charset="0"/>
+                        <a:ea typeface="Times New Roman" panose="02020603050405020304" pitchFamily="18" charset="0"/>
+                      </a:endParaRPr>
+                    </a:p>
+                  </a:txBody>
+                  <a:tcPr marL="60772" marR="60772" marT="0" marB="0"/>
+                </a:tc>
+                <a:tc>
+                  <a:txBody>
+                    <a:bodyPr/>
+                    <a:lstStyle/>
+                    <a:p>
+                      <a:pPr marL="342900" lvl="0" indent="-342900" algn="l">
+                        <a:lnSpc>
+                          <a:spcPct val="107000"/>
+                        </a:lnSpc>
+                        <a:spcBef>
+                          <a:spcPts val="600"/>
+                        </a:spcBef>
+                        <a:spcAft>
+                          <a:spcPts val="300"/>
+                        </a:spcAft>
+                        <a:buFont typeface="Symbol" panose="05050102010706020507" pitchFamily="18" charset="2"/>
+                        <a:buChar char=""/>
+                      </a:pPr>
+                      <a:r>
+                        <a:rPr lang="en-GB" sz="1000">
+                          <a:effectLst/>
+                        </a:rPr>
+                        <a:t>Improve application architecture when developing the VCMS system.</a:t>
+                      </a:r>
+                      <a:endParaRPr lang="en-SG" sz="1000">
+                        <a:effectLst/>
+                      </a:endParaRPr>
+                    </a:p>
+                    <a:p>
+                      <a:pPr marL="342900" lvl="0" indent="-342900" algn="l">
+                        <a:lnSpc>
+                          <a:spcPct val="107000"/>
+                        </a:lnSpc>
+                        <a:spcBef>
+                          <a:spcPts val="600"/>
+                        </a:spcBef>
+                        <a:spcAft>
+                          <a:spcPts val="300"/>
+                        </a:spcAft>
+                        <a:buFont typeface="Symbol" panose="05050102010706020507" pitchFamily="18" charset="2"/>
+                        <a:buChar char=""/>
+                      </a:pPr>
+                      <a:r>
+                        <a:rPr lang="en-GB" sz="1000">
+                          <a:effectLst/>
+                        </a:rPr>
+                        <a:t>Improve code quality for VCMS development.</a:t>
+                      </a:r>
+                      <a:endParaRPr lang="en-SG" sz="1000">
+                        <a:effectLst/>
+                      </a:endParaRPr>
+                    </a:p>
+                    <a:p>
+                      <a:pPr marL="342900" lvl="0" indent="-342900" algn="l">
+                        <a:lnSpc>
+                          <a:spcPct val="107000"/>
+                        </a:lnSpc>
+                        <a:spcBef>
+                          <a:spcPts val="600"/>
+                        </a:spcBef>
+                        <a:spcAft>
+                          <a:spcPts val="300"/>
+                        </a:spcAft>
+                        <a:buFont typeface="Symbol" panose="05050102010706020507" pitchFamily="18" charset="2"/>
+                        <a:buChar char=""/>
+                      </a:pPr>
+                      <a:r>
+                        <a:rPr lang="en-GB" sz="1000">
+                          <a:effectLst/>
+                        </a:rPr>
+                        <a:t>Emphasize QA and plan sufficient review and testing to ensure the quality for the mission critical system.</a:t>
+                      </a:r>
+                      <a:endParaRPr lang="en-SG" sz="1000">
+                        <a:effectLst/>
+                      </a:endParaRPr>
+                    </a:p>
+                    <a:p>
+                      <a:pPr marL="342900" lvl="0" indent="-342900" algn="l">
+                        <a:lnSpc>
+                          <a:spcPct val="107000"/>
+                        </a:lnSpc>
+                        <a:spcBef>
+                          <a:spcPts val="600"/>
+                        </a:spcBef>
+                        <a:spcAft>
+                          <a:spcPts val="300"/>
+                        </a:spcAft>
+                        <a:buFont typeface="Symbol" panose="05050102010706020507" pitchFamily="18" charset="2"/>
+                        <a:buChar char=""/>
+                      </a:pPr>
+                      <a:r>
+                        <a:rPr lang="en-GB" sz="1000">
+                          <a:effectLst/>
+                        </a:rPr>
+                        <a:t>To implement system failover to reduce the unscheduled downtime.</a:t>
+                      </a:r>
+                      <a:endParaRPr lang="en-SG" sz="1000">
+                        <a:effectLst/>
+                        <a:latin typeface="Times New Roman" panose="02020603050405020304" pitchFamily="18" charset="0"/>
+                        <a:ea typeface="Times New Roman" panose="02020603050405020304" pitchFamily="18" charset="0"/>
+                      </a:endParaRPr>
+                    </a:p>
+                  </a:txBody>
+                  <a:tcPr marL="60772" marR="60772" marT="0" marB="0"/>
+                </a:tc>
+              </a:tr>
+              <a:tr h="419217">
+                <a:tc>
+                  <a:txBody>
+                    <a:bodyPr/>
+                    <a:lstStyle/>
+                    <a:p>
+                      <a:pPr algn="l">
+                        <a:lnSpc>
+                          <a:spcPct val="107000"/>
+                        </a:lnSpc>
+                        <a:spcBef>
+                          <a:spcPts val="600"/>
+                        </a:spcBef>
+                        <a:spcAft>
+                          <a:spcPts val="300"/>
+                        </a:spcAft>
+                      </a:pPr>
+                      <a:r>
+                        <a:rPr lang="en-GB" sz="1000">
+                          <a:effectLst/>
+                        </a:rPr>
+                        <a:t>Network latency</a:t>
+                      </a:r>
+                      <a:endParaRPr lang="en-SG" sz="1000">
+                        <a:effectLst/>
+                        <a:latin typeface="Times New Roman" panose="02020603050405020304" pitchFamily="18" charset="0"/>
+                        <a:ea typeface="Times New Roman" panose="02020603050405020304" pitchFamily="18" charset="0"/>
+                      </a:endParaRPr>
+                    </a:p>
+                  </a:txBody>
+                  <a:tcPr marL="60772" marR="60772" marT="0" marB="0"/>
+                </a:tc>
+                <a:tc>
+                  <a:txBody>
+                    <a:bodyPr/>
+                    <a:lstStyle/>
+                    <a:p>
+                      <a:pPr marL="342900" lvl="0" indent="-342900" algn="l">
+                        <a:lnSpc>
+                          <a:spcPct val="107000"/>
+                        </a:lnSpc>
+                        <a:spcBef>
+                          <a:spcPts val="600"/>
+                        </a:spcBef>
+                        <a:spcAft>
+                          <a:spcPts val="300"/>
+                        </a:spcAft>
+                        <a:buFont typeface="Symbol" panose="05050102010706020507" pitchFamily="18" charset="2"/>
+                        <a:buChar char=""/>
+                      </a:pPr>
+                      <a:r>
+                        <a:rPr lang="en-GB" sz="1000">
+                          <a:effectLst/>
+                        </a:rPr>
+                        <a:t>Separate Web Servers for transaction from staff and customer.</a:t>
+                      </a:r>
+                      <a:endParaRPr lang="en-SG" sz="1000">
+                        <a:effectLst/>
+                      </a:endParaRPr>
+                    </a:p>
+                    <a:p>
+                      <a:pPr marL="342900" lvl="0" indent="-342900" algn="l">
+                        <a:lnSpc>
+                          <a:spcPct val="107000"/>
+                        </a:lnSpc>
+                        <a:spcBef>
+                          <a:spcPts val="600"/>
+                        </a:spcBef>
+                        <a:spcAft>
+                          <a:spcPts val="300"/>
+                        </a:spcAft>
+                        <a:buFont typeface="Symbol" panose="05050102010706020507" pitchFamily="18" charset="2"/>
+                        <a:buChar char=""/>
+                      </a:pPr>
+                      <a:r>
+                        <a:rPr lang="en-GB" sz="1000">
+                          <a:effectLst/>
+                        </a:rPr>
+                        <a:t>Install load balancer on top of Web Servers.</a:t>
+                      </a:r>
+                      <a:endParaRPr lang="en-SG" sz="1000">
+                        <a:effectLst/>
+                        <a:latin typeface="Times New Roman" panose="02020603050405020304" pitchFamily="18" charset="0"/>
+                        <a:ea typeface="Times New Roman" panose="02020603050405020304" pitchFamily="18" charset="0"/>
+                      </a:endParaRPr>
+                    </a:p>
+                  </a:txBody>
+                  <a:tcPr marL="60772" marR="60772" marT="0" marB="0"/>
+                </a:tc>
+              </a:tr>
+              <a:tr h="679470">
+                <a:tc>
+                  <a:txBody>
+                    <a:bodyPr/>
+                    <a:lstStyle/>
+                    <a:p>
+                      <a:pPr algn="l">
+                        <a:lnSpc>
+                          <a:spcPct val="107000"/>
+                        </a:lnSpc>
+                        <a:spcBef>
+                          <a:spcPts val="600"/>
+                        </a:spcBef>
+                        <a:spcAft>
+                          <a:spcPts val="300"/>
+                        </a:spcAft>
+                      </a:pPr>
+                      <a:r>
+                        <a:rPr lang="en-GB" sz="1000">
+                          <a:effectLst/>
+                        </a:rPr>
+                        <a:t>System security</a:t>
+                      </a:r>
+                      <a:endParaRPr lang="en-SG" sz="1000">
+                        <a:effectLst/>
+                        <a:latin typeface="Times New Roman" panose="02020603050405020304" pitchFamily="18" charset="0"/>
+                        <a:ea typeface="Times New Roman" panose="02020603050405020304" pitchFamily="18" charset="0"/>
+                      </a:endParaRPr>
+                    </a:p>
+                  </a:txBody>
+                  <a:tcPr marL="60772" marR="60772" marT="0" marB="0"/>
+                </a:tc>
+                <a:tc>
+                  <a:txBody>
+                    <a:bodyPr/>
+                    <a:lstStyle/>
+                    <a:p>
+                      <a:pPr marL="342900" lvl="0" indent="-342900" algn="l">
+                        <a:lnSpc>
+                          <a:spcPct val="107000"/>
+                        </a:lnSpc>
+                        <a:spcBef>
+                          <a:spcPts val="600"/>
+                        </a:spcBef>
+                        <a:spcAft>
+                          <a:spcPts val="300"/>
+                        </a:spcAft>
+                        <a:buFont typeface="Symbol" panose="05050102010706020507" pitchFamily="18" charset="2"/>
+                        <a:buChar char=""/>
+                      </a:pPr>
+                      <a:r>
+                        <a:rPr lang="en-GB" sz="1000" dirty="0">
+                          <a:effectLst/>
+                        </a:rPr>
+                        <a:t>Install and configure firewall for systems</a:t>
+                      </a:r>
+                      <a:endParaRPr lang="en-SG" sz="1000" dirty="0">
+                        <a:effectLst/>
+                      </a:endParaRPr>
+                    </a:p>
+                    <a:p>
+                      <a:pPr marL="342900" lvl="0" indent="-342900" algn="l">
+                        <a:lnSpc>
+                          <a:spcPct val="107000"/>
+                        </a:lnSpc>
+                        <a:spcBef>
+                          <a:spcPts val="600"/>
+                        </a:spcBef>
+                        <a:spcAft>
+                          <a:spcPts val="300"/>
+                        </a:spcAft>
+                        <a:buFont typeface="Symbol" panose="05050102010706020507" pitchFamily="18" charset="2"/>
+                        <a:buChar char=""/>
+                      </a:pPr>
+                      <a:r>
+                        <a:rPr lang="en-GB" sz="1000" dirty="0">
+                          <a:effectLst/>
+                        </a:rPr>
+                        <a:t>Separate Web Servers for transaction from staff and customer.</a:t>
+                      </a:r>
+                      <a:endParaRPr lang="en-SG" sz="1000" dirty="0">
+                        <a:effectLst/>
+                      </a:endParaRPr>
+                    </a:p>
+                    <a:p>
+                      <a:pPr marL="342900" lvl="0" indent="-342900" algn="l">
+                        <a:lnSpc>
+                          <a:spcPct val="107000"/>
+                        </a:lnSpc>
+                        <a:spcBef>
+                          <a:spcPts val="600"/>
+                        </a:spcBef>
+                        <a:spcAft>
+                          <a:spcPts val="300"/>
+                        </a:spcAft>
+                        <a:buFont typeface="Symbol" panose="05050102010706020507" pitchFamily="18" charset="2"/>
+                        <a:buChar char=""/>
+                      </a:pPr>
+                      <a:r>
+                        <a:rPr lang="en-GB" sz="1000" dirty="0">
+                          <a:effectLst/>
+                        </a:rPr>
+                        <a:t>Require staff to use signed Java applets for secured login and encrypted client side processing.</a:t>
+                      </a:r>
+                      <a:endParaRPr lang="en-SG" sz="1000" dirty="0">
+                        <a:effectLst/>
+                        <a:latin typeface="Times New Roman" panose="02020603050405020304" pitchFamily="18" charset="0"/>
+                        <a:ea typeface="Times New Roman" panose="02020603050405020304" pitchFamily="18" charset="0"/>
+                      </a:endParaRPr>
+                    </a:p>
+                  </a:txBody>
+                  <a:tcPr marL="60772" marR="60772" marT="0" marB="0"/>
+                </a:tc>
+              </a:tr>
+            </a:tbl>
+          </a:graphicData>
+        </a:graphic>
+      </p:graphicFrame>
+    </p:spTree>
+    <p:extLst>
+      <p:ext uri="{BB962C8B-B14F-4D97-AF65-F5344CB8AC3E}">
+        <p14:creationId xmlns:p14="http://schemas.microsoft.com/office/powerpoint/2010/main" val="2452609840"/>
+      </p:ext>
+    </p:extLst>
+  </p:cSld>
+  <p:clrMapOvr>
+    <a:masterClrMapping/>
+  </p:clrMapOvr>
+  <p:timing>
+    <p:tnLst>
+      <p:par>
+        <p:cTn id="1" dur="indefinite" restart="never" nodeType="tmRoot"/>
+      </p:par>
+    </p:tnLst>
+  </p:timing>
+</p:sld>
+</file>
+
+<file path=ppt/slides/slide35.xml><?xml version="1.0" encoding="utf-8"?>
+<p:sld xmlns:a="http://schemas.openxmlformats.org/drawingml/2006/main" xmlns:r="http://schemas.openxmlformats.org/officeDocument/2006/relationships" xmlns:p="http://schemas.openxmlformats.org/presentationml/2006/main">
+  <p:cSld>
+    <p:spTree>
+      <p:nvGrpSpPr>
+        <p:cNvPr id="1" name=""/>
+        <p:cNvGrpSpPr/>
+        <p:nvPr/>
+      </p:nvGrpSpPr>
+      <p:grpSpPr>
+        <a:xfrm>
+          <a:off x="0" y="0"/>
+          <a:ext cx="0" cy="0"/>
+          <a:chOff x="0" y="0"/>
+          <a:chExt cx="0" cy="0"/>
+        </a:xfrm>
+      </p:grpSpPr>
+      <p:sp>
+        <p:nvSpPr>
           <p:cNvPr id="18433" name="Title 1"/>
           <p:cNvSpPr>
             <a:spLocks noGrp="1"/>
@@ -19403,7 +21991,7 @@
 </p:sld>
 </file>
 
-<file path=ppt/slides/slide33.xml><?xml version="1.0" encoding="utf-8"?>
+<file path=ppt/slides/slide36.xml><?xml version="1.0" encoding="utf-8"?>
 <p:sld xmlns:a="http://schemas.openxmlformats.org/drawingml/2006/main" xmlns:r="http://schemas.openxmlformats.org/officeDocument/2006/relationships" xmlns:p="http://schemas.openxmlformats.org/presentationml/2006/main">
   <p:cSld>
     <p:spTree>
@@ -19491,7 +22079,7 @@
 </p:sld>
 </file>
 
-<file path=ppt/slides/slide34.xml><?xml version="1.0" encoding="utf-8"?>
+<file path=ppt/slides/slide37.xml><?xml version="1.0" encoding="utf-8"?>
 <p:sld xmlns:a="http://schemas.openxmlformats.org/drawingml/2006/main" xmlns:r="http://schemas.openxmlformats.org/officeDocument/2006/relationships" xmlns:p="http://schemas.openxmlformats.org/presentationml/2006/main">
   <p:cSld>
     <p:spTree>
@@ -21125,7 +23713,7 @@
 </p:sld>
 </file>
 
-<file path=ppt/slides/slide35.xml><?xml version="1.0" encoding="utf-8"?>
+<file path=ppt/slides/slide38.xml><?xml version="1.0" encoding="utf-8"?>
 <p:sld xmlns:a="http://schemas.openxmlformats.org/drawingml/2006/main" xmlns:r="http://schemas.openxmlformats.org/officeDocument/2006/relationships" xmlns:p="http://schemas.openxmlformats.org/presentationml/2006/main">
   <p:cSld>
     <p:spTree>
@@ -21193,7 +23781,7 @@
           <a:graphicData uri="http://schemas.openxmlformats.org/presentationml/2006/ole">
             <mc:AlternateContent xmlns:mc="http://schemas.openxmlformats.org/markup-compatibility/2006">
               <mc:Choice xmlns:v="urn:schemas-microsoft-com:vml" Requires="v">
-                <p:oleObj spid="_x0000_s2055" name="Visio" r:id="rId3" imgW="9660374" imgH="6002783" progId="Visio.Drawing.11">
+                <p:oleObj spid="_x0000_s2056" name="Visio" r:id="rId3" imgW="9660374" imgH="6002783" progId="Visio.Drawing.11">
                   <p:embed/>
                 </p:oleObj>
               </mc:Choice>
@@ -21283,7 +23871,7 @@
 </p:sld>
 </file>
 
-<file path=ppt/slides/slide36.xml><?xml version="1.0" encoding="utf-8"?>
+<file path=ppt/slides/slide39.xml><?xml version="1.0" encoding="utf-8"?>
 <p:sld xmlns:a="http://schemas.openxmlformats.org/drawingml/2006/main" xmlns:r="http://schemas.openxmlformats.org/officeDocument/2006/relationships" xmlns:p="http://schemas.openxmlformats.org/presentationml/2006/main">
   <p:cSld>
     <p:spTree>

--- a/Enterprise Architech Presentation.pptx
+++ b/Enterprise Architech Presentation.pptx
@@ -5,7 +5,7 @@
     <p:sldMasterId id="2147483720" r:id="rId1"/>
   </p:sldMasterIdLst>
   <p:notesMasterIdLst>
-    <p:notesMasterId r:id="rId41"/>
+    <p:notesMasterId r:id="rId43"/>
   </p:notesMasterIdLst>
   <p:sldIdLst>
     <p:sldId id="256" r:id="rId2"/>
@@ -34,19 +34,21 @@
     <p:sldId id="284" r:id="rId25"/>
     <p:sldId id="289" r:id="rId26"/>
     <p:sldId id="288" r:id="rId27"/>
-    <p:sldId id="285" r:id="rId28"/>
-    <p:sldId id="290" r:id="rId29"/>
-    <p:sldId id="291" r:id="rId30"/>
-    <p:sldId id="292" r:id="rId31"/>
-    <p:sldId id="281" r:id="rId32"/>
-    <p:sldId id="294" r:id="rId33"/>
-    <p:sldId id="295" r:id="rId34"/>
-    <p:sldId id="296" r:id="rId35"/>
-    <p:sldId id="293" r:id="rId36"/>
-    <p:sldId id="266" r:id="rId37"/>
-    <p:sldId id="282" r:id="rId38"/>
-    <p:sldId id="283" r:id="rId39"/>
-    <p:sldId id="286" r:id="rId40"/>
+    <p:sldId id="298" r:id="rId28"/>
+    <p:sldId id="285" r:id="rId29"/>
+    <p:sldId id="290" r:id="rId30"/>
+    <p:sldId id="291" r:id="rId31"/>
+    <p:sldId id="292" r:id="rId32"/>
+    <p:sldId id="297" r:id="rId33"/>
+    <p:sldId id="281" r:id="rId34"/>
+    <p:sldId id="294" r:id="rId35"/>
+    <p:sldId id="295" r:id="rId36"/>
+    <p:sldId id="296" r:id="rId37"/>
+    <p:sldId id="293" r:id="rId38"/>
+    <p:sldId id="266" r:id="rId39"/>
+    <p:sldId id="282" r:id="rId40"/>
+    <p:sldId id="283" r:id="rId41"/>
+    <p:sldId id="286" r:id="rId42"/>
   </p:sldIdLst>
   <p:sldSz cx="9144000" cy="6858000" type="screen4x3"/>
   <p:notesSz cx="6858000" cy="9144000"/>
@@ -16979,7 +16981,7 @@
           <a:graphicData uri="http://schemas.openxmlformats.org/presentationml/2006/ole">
             <mc:AlternateContent xmlns:mc="http://schemas.openxmlformats.org/markup-compatibility/2006">
               <mc:Choice xmlns:v="urn:schemas-microsoft-com:vml" Requires="v">
-                <p:oleObj spid="_x0000_s46095" name="Visio" r:id="rId3" imgW="6050954" imgH="4660654" progId="Visio.Drawing.11">
+                <p:oleObj spid="_x0000_s46096" name="Visio" r:id="rId3" imgW="6050954" imgH="4660654" progId="Visio.Drawing.11">
                   <p:embed/>
                 </p:oleObj>
               </mc:Choice>
@@ -17161,7 +17163,7 @@
           <a:graphicData uri="http://schemas.openxmlformats.org/presentationml/2006/ole">
             <mc:AlternateContent xmlns:mc="http://schemas.openxmlformats.org/markup-compatibility/2006">
               <mc:Choice xmlns:v="urn:schemas-microsoft-com:vml" Requires="v">
-                <p:oleObj spid="_x0000_s61449" name="Visio" r:id="rId3" imgW="6434247" imgH="5449047" progId="Visio.Drawing.11">
+                <p:oleObj spid="_x0000_s61450" name="Visio" r:id="rId3" imgW="6434247" imgH="5449047" progId="Visio.Drawing.11">
                   <p:embed/>
                 </p:oleObj>
               </mc:Choice>
@@ -17330,6 +17332,92 @@
       </p:grpSpPr>
       <p:sp>
         <p:nvSpPr>
+          <p:cNvPr id="44033" name="Title 1"/>
+          <p:cNvSpPr>
+            <a:spLocks noGrp="1"/>
+          </p:cNvSpPr>
+          <p:nvPr>
+            <p:ph type="title"/>
+          </p:nvPr>
+        </p:nvSpPr>
+        <p:spPr/>
+        <p:txBody>
+          <a:bodyPr/>
+          <a:lstStyle/>
+          <a:p>
+            <a:pPr eaLnBrk="1" hangingPunct="1"/>
+            <a:endParaRPr lang="en-SG" smtClean="0"/>
+          </a:p>
+        </p:txBody>
+      </p:sp>
+      <p:sp>
+        <p:nvSpPr>
+          <p:cNvPr id="44034" name="Content Placeholder 2"/>
+          <p:cNvSpPr>
+            <a:spLocks noGrp="1"/>
+          </p:cNvSpPr>
+          <p:nvPr>
+            <p:ph sz="quarter" idx="1"/>
+          </p:nvPr>
+        </p:nvSpPr>
+        <p:spPr>
+          <a:xfrm>
+            <a:off x="468313" y="1196975"/>
+            <a:ext cx="8229600" cy="431800"/>
+          </a:xfrm>
+        </p:spPr>
+        <p:txBody>
+          <a:bodyPr/>
+          <a:lstStyle/>
+          <a:p>
+            <a:pPr eaLnBrk="1" hangingPunct="1"/>
+            <a:r>
+              <a:rPr lang="en-SG" sz="2000" dirty="0" smtClean="0"/>
+              <a:t>Technical Architecture</a:t>
+            </a:r>
+            <a:endParaRPr lang="en-SG" sz="2000" dirty="0" smtClean="0"/>
+          </a:p>
+        </p:txBody>
+      </p:sp>
+    </p:spTree>
+    <p:extLst>
+      <p:ext uri="{BB962C8B-B14F-4D97-AF65-F5344CB8AC3E}">
+        <p14:creationId xmlns:p14="http://schemas.microsoft.com/office/powerpoint/2010/main" val="860750076"/>
+      </p:ext>
+    </p:extLst>
+  </p:cSld>
+  <p:clrMapOvr>
+    <a:masterClrMapping/>
+  </p:clrMapOvr>
+  <p:timing>
+    <p:tnLst>
+      <p:par>
+        <p:cTn id="1" dur="indefinite" restart="never" nodeType="tmRoot"/>
+      </p:par>
+    </p:tnLst>
+  </p:timing>
+</p:sld>
+</file>
+
+<file path=ppt/slides/slide28.xml><?xml version="1.0" encoding="utf-8"?>
+<p:sld xmlns:a="http://schemas.openxmlformats.org/drawingml/2006/main" xmlns:r="http://schemas.openxmlformats.org/officeDocument/2006/relationships" xmlns:p="http://schemas.openxmlformats.org/presentationml/2006/main">
+  <p:cSld>
+    <p:spTree>
+      <p:nvGrpSpPr>
+        <p:cNvPr id="1" name=""/>
+        <p:cNvGrpSpPr/>
+        <p:nvPr/>
+      </p:nvGrpSpPr>
+      <p:grpSpPr>
+        <a:xfrm>
+          <a:off x="0" y="0"/>
+          <a:ext cx="0" cy="0"/>
+          <a:chOff x="0" y="0"/>
+          <a:chExt cx="0" cy="0"/>
+        </a:xfrm>
+      </p:grpSpPr>
+      <p:sp>
+        <p:nvSpPr>
           <p:cNvPr id="48129" name="Title 1"/>
           <p:cNvSpPr>
             <a:spLocks noGrp="1"/>
@@ -17346,36 +17434,9 @@
             <a:pPr eaLnBrk="1" hangingPunct="1"/>
             <a:r>
               <a:rPr lang="en-SG" dirty="0" smtClean="0"/>
-              <a:t>Technology Architecture</a:t>
-            </a:r>
-          </a:p>
-        </p:txBody>
-      </p:sp>
-      <p:sp>
-        <p:nvSpPr>
-          <p:cNvPr id="48130" name="Content Placeholder 2"/>
-          <p:cNvSpPr>
-            <a:spLocks noGrp="1"/>
-          </p:cNvSpPr>
-          <p:nvPr>
-            <p:ph sz="quarter" idx="1"/>
-          </p:nvPr>
-        </p:nvSpPr>
-        <p:spPr>
-          <a:xfrm>
-            <a:off x="457200" y="1219200"/>
-            <a:ext cx="8229600" cy="4937125"/>
-          </a:xfrm>
-        </p:spPr>
-        <p:txBody>
-          <a:bodyPr/>
-          <a:lstStyle/>
-          <a:p>
-            <a:pPr eaLnBrk="1" hangingPunct="1"/>
-            <a:r>
-              <a:rPr lang="en-US" dirty="0" smtClean="0"/>
-              <a:t>TRM</a:t>
-            </a:r>
+              <a:t>Technical Reference Model</a:t>
+            </a:r>
+            <a:endParaRPr lang="en-SG" dirty="0" smtClean="0"/>
           </a:p>
         </p:txBody>
       </p:sp>
@@ -17433,6 +17494,25 @@
           </a:extLst>
         </p:spPr>
       </p:pic>
+      <p:sp>
+        <p:nvSpPr>
+          <p:cNvPr id="2" name="Content Placeholder 1"/>
+          <p:cNvSpPr>
+            <a:spLocks noGrp="1"/>
+          </p:cNvSpPr>
+          <p:nvPr>
+            <p:ph sz="quarter" idx="1"/>
+          </p:nvPr>
+        </p:nvSpPr>
+        <p:spPr/>
+        <p:txBody>
+          <a:bodyPr/>
+          <a:lstStyle/>
+          <a:p>
+            <a:endParaRPr lang="en-SG"/>
+          </a:p>
+        </p:txBody>
+      </p:sp>
     </p:spTree>
   </p:cSld>
   <p:clrMapOvr>
@@ -17448,7 +17528,7 @@
 </p:sld>
 </file>
 
-<file path=ppt/slides/slide28.xml><?xml version="1.0" encoding="utf-8"?>
+<file path=ppt/slides/slide29.xml><?xml version="1.0" encoding="utf-8"?>
 <p:sld xmlns:a="http://schemas.openxmlformats.org/drawingml/2006/main" xmlns:r="http://schemas.openxmlformats.org/officeDocument/2006/relationships" xmlns:p="http://schemas.openxmlformats.org/presentationml/2006/main">
   <p:cSld>
     <p:spTree>
@@ -17481,8 +17561,8 @@
           <a:lstStyle/>
           <a:p>
             <a:r>
-              <a:rPr lang="en-SG" altLang="zh-CN" dirty="0"/>
-              <a:t>Technology Architecture</a:t>
+              <a:rPr lang="en-SG" altLang="zh-CN" dirty="0" smtClean="0"/>
+              <a:t>Technical Principles</a:t>
             </a:r>
             <a:endParaRPr lang="zh-CN" altLang="en-US" dirty="0"/>
           </a:p>
@@ -17502,15 +17582,6 @@
         <p:txBody>
           <a:bodyPr/>
           <a:lstStyle/>
-          <a:p>
-            <a:pPr marL="0" indent="0">
-              <a:buNone/>
-            </a:pPr>
-            <a:r>
-              <a:rPr lang="en-US" altLang="zh-CN" dirty="0" smtClean="0"/>
-              <a:t>Technical Principles</a:t>
-            </a:r>
-          </a:p>
           <a:p>
             <a:pPr marL="0" indent="0">
               <a:buNone/>
@@ -18169,7 +18240,88 @@
 </p:sld>
 </file>
 
-<file path=ppt/slides/slide29.xml><?xml version="1.0" encoding="utf-8"?>
+<file path=ppt/slides/slide3.xml><?xml version="1.0" encoding="utf-8"?>
+<p:sld xmlns:a="http://schemas.openxmlformats.org/drawingml/2006/main" xmlns:r="http://schemas.openxmlformats.org/officeDocument/2006/relationships" xmlns:p="http://schemas.openxmlformats.org/presentationml/2006/main">
+  <p:cSld>
+    <p:spTree>
+      <p:nvGrpSpPr>
+        <p:cNvPr id="1" name=""/>
+        <p:cNvGrpSpPr/>
+        <p:nvPr/>
+      </p:nvGrpSpPr>
+      <p:grpSpPr>
+        <a:xfrm>
+          <a:off x="0" y="0"/>
+          <a:ext cx="0" cy="0"/>
+          <a:chOff x="0" y="0"/>
+          <a:chExt cx="0" cy="0"/>
+        </a:xfrm>
+      </p:grpSpPr>
+      <p:sp>
+        <p:nvSpPr>
+          <p:cNvPr id="18433" name="Title 1"/>
+          <p:cNvSpPr>
+            <a:spLocks noGrp="1"/>
+          </p:cNvSpPr>
+          <p:nvPr>
+            <p:ph type="title"/>
+          </p:nvPr>
+        </p:nvSpPr>
+        <p:spPr/>
+        <p:txBody>
+          <a:bodyPr/>
+          <a:lstStyle/>
+          <a:p>
+            <a:pPr eaLnBrk="1" hangingPunct="1"/>
+            <a:endParaRPr lang="en-SG" smtClean="0"/>
+          </a:p>
+        </p:txBody>
+      </p:sp>
+      <p:sp>
+        <p:nvSpPr>
+          <p:cNvPr id="18434" name="Content Placeholder 2"/>
+          <p:cNvSpPr>
+            <a:spLocks noGrp="1"/>
+          </p:cNvSpPr>
+          <p:nvPr>
+            <p:ph sz="quarter" idx="1"/>
+          </p:nvPr>
+        </p:nvSpPr>
+        <p:spPr>
+          <a:xfrm>
+            <a:off x="457200" y="1219200"/>
+            <a:ext cx="8229600" cy="4937125"/>
+          </a:xfrm>
+        </p:spPr>
+        <p:txBody>
+          <a:bodyPr/>
+          <a:lstStyle/>
+          <a:p>
+            <a:pPr eaLnBrk="1" hangingPunct="1"/>
+            <a:r>
+              <a:rPr lang="en-US" smtClean="0"/>
+              <a:t>Architecture Vision</a:t>
+            </a:r>
+            <a:endParaRPr lang="en-SG" smtClean="0"/>
+          </a:p>
+        </p:txBody>
+      </p:sp>
+    </p:spTree>
+  </p:cSld>
+  <p:clrMapOvr>
+    <a:masterClrMapping/>
+  </p:clrMapOvr>
+  <p:timing>
+    <p:tnLst>
+      <p:par>
+        <p:cTn id="1" dur="indefinite" restart="never" nodeType="tmRoot"/>
+      </p:par>
+    </p:tnLst>
+  </p:timing>
+</p:sld>
+</file>
+
+<file path=ppt/slides/slide30.xml><?xml version="1.0" encoding="utf-8"?>
 <p:sld xmlns:a="http://schemas.openxmlformats.org/drawingml/2006/main" xmlns:r="http://schemas.openxmlformats.org/officeDocument/2006/relationships" xmlns:p="http://schemas.openxmlformats.org/presentationml/2006/main">
   <p:cSld>
     <p:spTree>
@@ -18257,7 +18409,14 @@
           <a:p>
             <a:r>
               <a:rPr lang="en-US" altLang="zh-CN" dirty="0" smtClean="0"/>
-              <a:t>Technology Architecture</a:t>
+              <a:t>Architecture </a:t>
+            </a:r>
+            <a:br>
+              <a:rPr lang="en-US" altLang="zh-CN" dirty="0" smtClean="0"/>
+            </a:br>
+            <a:r>
+              <a:rPr lang="en-US" altLang="zh-CN" dirty="0" smtClean="0"/>
+              <a:t>					Current to Target</a:t>
             </a:r>
             <a:endParaRPr lang="zh-CN" altLang="en-US" dirty="0"/>
           </a:p>
@@ -18277,12 +18436,6 @@
         <p:txBody>
           <a:bodyPr/>
           <a:lstStyle/>
-          <a:p>
-            <a:r>
-              <a:rPr lang="en-US" altLang="zh-CN" dirty="0" smtClean="0"/>
-              <a:t>From current  architecture to target architecture</a:t>
-            </a:r>
-          </a:p>
           <a:p>
             <a:endParaRPr lang="zh-CN" altLang="en-US" dirty="0"/>
           </a:p>
@@ -18438,88 +18591,7 @@
 </p:sld>
 </file>
 
-<file path=ppt/slides/slide3.xml><?xml version="1.0" encoding="utf-8"?>
-<p:sld xmlns:a="http://schemas.openxmlformats.org/drawingml/2006/main" xmlns:r="http://schemas.openxmlformats.org/officeDocument/2006/relationships" xmlns:p="http://schemas.openxmlformats.org/presentationml/2006/main">
-  <p:cSld>
-    <p:spTree>
-      <p:nvGrpSpPr>
-        <p:cNvPr id="1" name=""/>
-        <p:cNvGrpSpPr/>
-        <p:nvPr/>
-      </p:nvGrpSpPr>
-      <p:grpSpPr>
-        <a:xfrm>
-          <a:off x="0" y="0"/>
-          <a:ext cx="0" cy="0"/>
-          <a:chOff x="0" y="0"/>
-          <a:chExt cx="0" cy="0"/>
-        </a:xfrm>
-      </p:grpSpPr>
-      <p:sp>
-        <p:nvSpPr>
-          <p:cNvPr id="18433" name="Title 1"/>
-          <p:cNvSpPr>
-            <a:spLocks noGrp="1"/>
-          </p:cNvSpPr>
-          <p:nvPr>
-            <p:ph type="title"/>
-          </p:nvPr>
-        </p:nvSpPr>
-        <p:spPr/>
-        <p:txBody>
-          <a:bodyPr/>
-          <a:lstStyle/>
-          <a:p>
-            <a:pPr eaLnBrk="1" hangingPunct="1"/>
-            <a:endParaRPr lang="en-SG" smtClean="0"/>
-          </a:p>
-        </p:txBody>
-      </p:sp>
-      <p:sp>
-        <p:nvSpPr>
-          <p:cNvPr id="18434" name="Content Placeholder 2"/>
-          <p:cNvSpPr>
-            <a:spLocks noGrp="1"/>
-          </p:cNvSpPr>
-          <p:nvPr>
-            <p:ph sz="quarter" idx="1"/>
-          </p:nvPr>
-        </p:nvSpPr>
-        <p:spPr>
-          <a:xfrm>
-            <a:off x="457200" y="1219200"/>
-            <a:ext cx="8229600" cy="4937125"/>
-          </a:xfrm>
-        </p:spPr>
-        <p:txBody>
-          <a:bodyPr/>
-          <a:lstStyle/>
-          <a:p>
-            <a:pPr eaLnBrk="1" hangingPunct="1"/>
-            <a:r>
-              <a:rPr lang="en-US" smtClean="0"/>
-              <a:t>Architecture Vision</a:t>
-            </a:r>
-            <a:endParaRPr lang="en-SG" smtClean="0"/>
-          </a:p>
-        </p:txBody>
-      </p:sp>
-    </p:spTree>
-  </p:cSld>
-  <p:clrMapOvr>
-    <a:masterClrMapping/>
-  </p:clrMapOvr>
-  <p:timing>
-    <p:tnLst>
-      <p:par>
-        <p:cTn id="1" dur="indefinite" restart="never" nodeType="tmRoot"/>
-      </p:par>
-    </p:tnLst>
-  </p:timing>
-</p:sld>
-</file>
-
-<file path=ppt/slides/slide30.xml><?xml version="1.0" encoding="utf-8"?>
+<file path=ppt/slides/slide31.xml><?xml version="1.0" encoding="utf-8"?>
 <p:sld xmlns:a="http://schemas.openxmlformats.org/drawingml/2006/main" xmlns:r="http://schemas.openxmlformats.org/officeDocument/2006/relationships" xmlns:p="http://schemas.openxmlformats.org/presentationml/2006/main">
   <p:cSld>
     <p:spTree>
@@ -18588,720 +18660,6 @@
         <p14:creationId xmlns:p14="http://schemas.microsoft.com/office/powerpoint/2010/main" val="4013605889"/>
       </p:ext>
     </p:extLst>
-  </p:cSld>
-  <p:clrMapOvr>
-    <a:masterClrMapping/>
-  </p:clrMapOvr>
-  <p:timing>
-    <p:tnLst>
-      <p:par>
-        <p:cTn id="1" dur="indefinite" restart="never" nodeType="tmRoot"/>
-      </p:par>
-    </p:tnLst>
-  </p:timing>
-</p:sld>
-</file>
-
-<file path=ppt/slides/slide31.xml><?xml version="1.0" encoding="utf-8"?>
-<p:sld xmlns:a="http://schemas.openxmlformats.org/drawingml/2006/main" xmlns:r="http://schemas.openxmlformats.org/officeDocument/2006/relationships" xmlns:p="http://schemas.openxmlformats.org/presentationml/2006/main">
-  <p:cSld>
-    <p:spTree>
-      <p:nvGrpSpPr>
-        <p:cNvPr id="1" name=""/>
-        <p:cNvGrpSpPr/>
-        <p:nvPr/>
-      </p:nvGrpSpPr>
-      <p:grpSpPr>
-        <a:xfrm>
-          <a:off x="0" y="0"/>
-          <a:ext cx="0" cy="0"/>
-          <a:chOff x="0" y="0"/>
-          <a:chExt cx="0" cy="0"/>
-        </a:xfrm>
-      </p:grpSpPr>
-      <p:sp>
-        <p:nvSpPr>
-          <p:cNvPr id="49153" name="Title 1"/>
-          <p:cNvSpPr>
-            <a:spLocks noGrp="1"/>
-          </p:cNvSpPr>
-          <p:nvPr>
-            <p:ph type="title"/>
-          </p:nvPr>
-        </p:nvSpPr>
-        <p:spPr/>
-        <p:txBody>
-          <a:bodyPr/>
-          <a:lstStyle/>
-          <a:p>
-            <a:pPr eaLnBrk="1" hangingPunct="1"/>
-            <a:r>
-              <a:rPr lang="en-US" dirty="0"/>
-              <a:t>Opportunity and </a:t>
-            </a:r>
-            <a:r>
-              <a:rPr lang="en-US" dirty="0" smtClean="0"/>
-              <a:t>Solution</a:t>
-            </a:r>
-            <a:endParaRPr lang="en-SG" dirty="0" smtClean="0"/>
-          </a:p>
-        </p:txBody>
-      </p:sp>
-      <p:sp>
-        <p:nvSpPr>
-          <p:cNvPr id="49154" name="Content Placeholder 2"/>
-          <p:cNvSpPr>
-            <a:spLocks noGrp="1"/>
-          </p:cNvSpPr>
-          <p:nvPr>
-            <p:ph sz="quarter" idx="1"/>
-          </p:nvPr>
-        </p:nvSpPr>
-        <p:spPr>
-          <a:xfrm>
-            <a:off x="457200" y="1219200"/>
-            <a:ext cx="8229600" cy="4937125"/>
-          </a:xfrm>
-        </p:spPr>
-        <p:txBody>
-          <a:bodyPr/>
-          <a:lstStyle/>
-          <a:p>
-            <a:pPr marL="0" indent="0" eaLnBrk="1" hangingPunct="1">
-              <a:buNone/>
-            </a:pPr>
-            <a:r>
-              <a:rPr lang="en-SG" dirty="0" smtClean="0"/>
-              <a:t> </a:t>
-            </a:r>
-          </a:p>
-        </p:txBody>
-      </p:sp>
-      <p:graphicFrame>
-        <p:nvGraphicFramePr>
-          <p:cNvPr id="2" name="Table 1"/>
-          <p:cNvGraphicFramePr>
-            <a:graphicFrameLocks noGrp="1"/>
-          </p:cNvGraphicFramePr>
-          <p:nvPr>
-            <p:extLst>
-              <p:ext uri="{D42A27DB-BD31-4B8C-83A1-F6EECF244321}">
-                <p14:modId xmlns:p14="http://schemas.microsoft.com/office/powerpoint/2010/main" val="2848246203"/>
-              </p:ext>
-            </p:extLst>
-          </p:nvPr>
-        </p:nvGraphicFramePr>
-        <p:xfrm>
-          <a:off x="611560" y="1628800"/>
-          <a:ext cx="6696743" cy="3946062"/>
-        </p:xfrm>
-        <a:graphic>
-          <a:graphicData uri="http://schemas.openxmlformats.org/drawingml/2006/table">
-            <a:tbl>
-              <a:tblPr firstRow="1" firstCol="1" bandRow="1">
-                <a:tableStyleId>{5C22544A-7EE6-4342-B048-85BDC9FD1C3A}</a:tableStyleId>
-              </a:tblPr>
-              <a:tblGrid>
-                <a:gridCol w="4852776"/>
-                <a:gridCol w="1843967"/>
-              </a:tblGrid>
-              <a:tr h="360040">
-                <a:tc>
-                  <a:txBody>
-                    <a:bodyPr/>
-                    <a:lstStyle/>
-                    <a:p>
-                      <a:pPr marL="0" marR="0" algn="l">
-                        <a:spcBef>
-                          <a:spcPts val="600"/>
-                        </a:spcBef>
-                        <a:spcAft>
-                          <a:spcPts val="300"/>
-                        </a:spcAft>
-                      </a:pPr>
-                      <a:r>
-                        <a:rPr lang="en-GB" sz="1600" dirty="0">
-                          <a:effectLst/>
-                        </a:rPr>
-                        <a:t>Initiatives</a:t>
-                      </a:r>
-                      <a:endParaRPr lang="en-US" sz="1600" dirty="0">
-                        <a:effectLst/>
-                        <a:latin typeface="Times New Roman"/>
-                        <a:ea typeface="Times New Roman"/>
-                      </a:endParaRPr>
-                    </a:p>
-                  </a:txBody>
-                  <a:tcPr marL="68580" marR="68580" marT="0" marB="0"/>
-                </a:tc>
-                <a:tc>
-                  <a:txBody>
-                    <a:bodyPr/>
-                    <a:lstStyle/>
-                    <a:p>
-                      <a:pPr marL="0" marR="0" algn="l">
-                        <a:spcBef>
-                          <a:spcPts val="600"/>
-                        </a:spcBef>
-                        <a:spcAft>
-                          <a:spcPts val="300"/>
-                        </a:spcAft>
-                      </a:pPr>
-                      <a:r>
-                        <a:rPr lang="en-GB" sz="1600" dirty="0">
-                          <a:effectLst/>
-                        </a:rPr>
-                        <a:t>Priority</a:t>
-                      </a:r>
-                      <a:endParaRPr lang="en-US" sz="1600" dirty="0">
-                        <a:effectLst/>
-                        <a:latin typeface="Times New Roman"/>
-                        <a:ea typeface="Times New Roman"/>
-                      </a:endParaRPr>
-                    </a:p>
-                  </a:txBody>
-                  <a:tcPr marL="68580" marR="68580" marT="0" marB="0"/>
-                </a:tc>
-              </a:tr>
-              <a:tr h="230399">
-                <a:tc>
-                  <a:txBody>
-                    <a:bodyPr/>
-                    <a:lstStyle/>
-                    <a:p>
-                      <a:pPr marL="0" marR="0" algn="l">
-                        <a:spcBef>
-                          <a:spcPts val="600"/>
-                        </a:spcBef>
-                        <a:spcAft>
-                          <a:spcPts val="300"/>
-                        </a:spcAft>
-                      </a:pPr>
-                      <a:r>
-                        <a:rPr lang="en-GB" sz="1100" dirty="0">
-                          <a:effectLst/>
-                        </a:rPr>
-                        <a:t>Re-engineer </a:t>
-                      </a:r>
-                      <a:r>
-                        <a:rPr lang="en-GB" sz="1100" dirty="0" smtClean="0">
-                          <a:effectLst/>
-                        </a:rPr>
-                        <a:t>existing business </a:t>
-                      </a:r>
-                      <a:r>
-                        <a:rPr lang="en-GB" sz="1100" dirty="0">
-                          <a:effectLst/>
-                        </a:rPr>
-                        <a:t>processes</a:t>
-                      </a:r>
-                      <a:endParaRPr lang="en-US" sz="1100" dirty="0">
-                        <a:effectLst/>
-                        <a:latin typeface="Times New Roman"/>
-                        <a:ea typeface="Times New Roman"/>
-                      </a:endParaRPr>
-                    </a:p>
-                  </a:txBody>
-                  <a:tcPr marL="68580" marR="68580" marT="0" marB="0"/>
-                </a:tc>
-                <a:tc>
-                  <a:txBody>
-                    <a:bodyPr/>
-                    <a:lstStyle/>
-                    <a:p>
-                      <a:pPr marL="0" marR="0" algn="just">
-                        <a:spcBef>
-                          <a:spcPts val="600"/>
-                        </a:spcBef>
-                        <a:spcAft>
-                          <a:spcPts val="300"/>
-                        </a:spcAft>
-                      </a:pPr>
-                      <a:r>
-                        <a:rPr lang="en-GB" sz="1100">
-                          <a:effectLst/>
-                        </a:rPr>
-                        <a:t>High</a:t>
-                      </a:r>
-                      <a:endParaRPr lang="en-US" sz="1100">
-                        <a:effectLst/>
-                        <a:latin typeface="Times New Roman"/>
-                        <a:ea typeface="Times New Roman"/>
-                      </a:endParaRPr>
-                    </a:p>
-                  </a:txBody>
-                  <a:tcPr marL="68580" marR="68580" marT="0" marB="0"/>
-                </a:tc>
-              </a:tr>
-              <a:tr h="460798">
-                <a:tc>
-                  <a:txBody>
-                    <a:bodyPr/>
-                    <a:lstStyle/>
-                    <a:p>
-                      <a:pPr marL="0" marR="0" algn="just">
-                        <a:spcBef>
-                          <a:spcPts val="600"/>
-                        </a:spcBef>
-                        <a:spcAft>
-                          <a:spcPts val="300"/>
-                        </a:spcAft>
-                      </a:pPr>
-                      <a:r>
-                        <a:rPr lang="en-GB" sz="1100" dirty="0">
-                          <a:effectLst/>
-                        </a:rPr>
-                        <a:t>Establish more customer focused services to improve customer satisfaction.</a:t>
-                      </a:r>
-                      <a:endParaRPr lang="en-US" sz="1100" dirty="0">
-                        <a:effectLst/>
-                        <a:latin typeface="Times New Roman"/>
-                        <a:ea typeface="Times New Roman"/>
-                      </a:endParaRPr>
-                    </a:p>
-                  </a:txBody>
-                  <a:tcPr marL="68580" marR="68580" marT="0" marB="0"/>
-                </a:tc>
-                <a:tc>
-                  <a:txBody>
-                    <a:bodyPr/>
-                    <a:lstStyle/>
-                    <a:p>
-                      <a:pPr marL="0" marR="0" algn="just">
-                        <a:spcBef>
-                          <a:spcPts val="600"/>
-                        </a:spcBef>
-                        <a:spcAft>
-                          <a:spcPts val="300"/>
-                        </a:spcAft>
-                      </a:pPr>
-                      <a:r>
-                        <a:rPr lang="en-GB" sz="1100">
-                          <a:effectLst/>
-                        </a:rPr>
-                        <a:t>High</a:t>
-                      </a:r>
-                      <a:endParaRPr lang="en-US" sz="1100">
-                        <a:effectLst/>
-                        <a:latin typeface="Times New Roman"/>
-                        <a:ea typeface="Times New Roman"/>
-                      </a:endParaRPr>
-                    </a:p>
-                  </a:txBody>
-                  <a:tcPr marL="68580" marR="68580" marT="0" marB="0"/>
-                </a:tc>
-              </a:tr>
-              <a:tr h="230399">
-                <a:tc>
-                  <a:txBody>
-                    <a:bodyPr/>
-                    <a:lstStyle/>
-                    <a:p>
-                      <a:pPr marL="0" marR="0" algn="just">
-                        <a:spcBef>
-                          <a:spcPts val="600"/>
-                        </a:spcBef>
-                        <a:spcAft>
-                          <a:spcPts val="300"/>
-                        </a:spcAft>
-                      </a:pPr>
-                      <a:r>
-                        <a:rPr lang="en-GB" sz="1100" dirty="0">
-                          <a:effectLst/>
-                        </a:rPr>
-                        <a:t>Re-structure application systems</a:t>
-                      </a:r>
-                      <a:endParaRPr lang="en-US" sz="1100" dirty="0">
-                        <a:effectLst/>
-                        <a:latin typeface="Times New Roman"/>
-                        <a:ea typeface="Times New Roman"/>
-                      </a:endParaRPr>
-                    </a:p>
-                  </a:txBody>
-                  <a:tcPr marL="68580" marR="68580" marT="0" marB="0"/>
-                </a:tc>
-                <a:tc>
-                  <a:txBody>
-                    <a:bodyPr/>
-                    <a:lstStyle/>
-                    <a:p>
-                      <a:pPr marL="0" marR="0" algn="just">
-                        <a:spcBef>
-                          <a:spcPts val="600"/>
-                        </a:spcBef>
-                        <a:spcAft>
-                          <a:spcPts val="300"/>
-                        </a:spcAft>
-                      </a:pPr>
-                      <a:r>
-                        <a:rPr lang="en-GB" sz="1100" dirty="0">
-                          <a:effectLst/>
-                        </a:rPr>
-                        <a:t>High</a:t>
-                      </a:r>
-                      <a:endParaRPr lang="en-US" sz="1100" dirty="0">
-                        <a:effectLst/>
-                        <a:latin typeface="Times New Roman"/>
-                        <a:ea typeface="Times New Roman"/>
-                      </a:endParaRPr>
-                    </a:p>
-                  </a:txBody>
-                  <a:tcPr marL="68580" marR="68580" marT="0" marB="0"/>
-                </a:tc>
-              </a:tr>
-              <a:tr h="460798">
-                <a:tc>
-                  <a:txBody>
-                    <a:bodyPr/>
-                    <a:lstStyle/>
-                    <a:p>
-                      <a:pPr marL="0" marR="0" algn="just">
-                        <a:spcBef>
-                          <a:spcPts val="600"/>
-                        </a:spcBef>
-                        <a:spcAft>
-                          <a:spcPts val="300"/>
-                        </a:spcAft>
-                      </a:pPr>
-                      <a:r>
-                        <a:rPr lang="en-GB" sz="1100">
-                          <a:effectLst/>
-                        </a:rPr>
-                        <a:t>Provide interface for internal/external system to integrate.</a:t>
-                      </a:r>
-                      <a:endParaRPr lang="en-US" sz="1100">
-                        <a:effectLst/>
-                        <a:latin typeface="Times New Roman"/>
-                        <a:ea typeface="Times New Roman"/>
-                      </a:endParaRPr>
-                    </a:p>
-                  </a:txBody>
-                  <a:tcPr marL="68580" marR="68580" marT="0" marB="0"/>
-                </a:tc>
-                <a:tc>
-                  <a:txBody>
-                    <a:bodyPr/>
-                    <a:lstStyle/>
-                    <a:p>
-                      <a:pPr marL="0" marR="0" algn="just">
-                        <a:spcBef>
-                          <a:spcPts val="600"/>
-                        </a:spcBef>
-                        <a:spcAft>
-                          <a:spcPts val="300"/>
-                        </a:spcAft>
-                      </a:pPr>
-                      <a:r>
-                        <a:rPr lang="en-GB" sz="1100">
-                          <a:effectLst/>
-                        </a:rPr>
-                        <a:t>Medium</a:t>
-                      </a:r>
-                      <a:endParaRPr lang="en-US" sz="1100">
-                        <a:effectLst/>
-                        <a:latin typeface="Times New Roman"/>
-                        <a:ea typeface="Times New Roman"/>
-                      </a:endParaRPr>
-                    </a:p>
-                  </a:txBody>
-                  <a:tcPr marL="68580" marR="68580" marT="0" marB="0"/>
-                </a:tc>
-              </a:tr>
-              <a:tr h="460798">
-                <a:tc>
-                  <a:txBody>
-                    <a:bodyPr/>
-                    <a:lstStyle/>
-                    <a:p>
-                      <a:pPr marL="0" marR="0" algn="just">
-                        <a:spcBef>
-                          <a:spcPts val="600"/>
-                        </a:spcBef>
-                        <a:spcAft>
-                          <a:spcPts val="300"/>
-                        </a:spcAft>
-                      </a:pPr>
-                      <a:r>
-                        <a:rPr lang="en-GB" sz="1100">
-                          <a:effectLst/>
-                        </a:rPr>
-                        <a:t>Improve performance and enhance security in systems.</a:t>
-                      </a:r>
-                      <a:endParaRPr lang="en-US" sz="1100">
-                        <a:effectLst/>
-                        <a:latin typeface="Times New Roman"/>
-                        <a:ea typeface="Times New Roman"/>
-                      </a:endParaRPr>
-                    </a:p>
-                  </a:txBody>
-                  <a:tcPr marL="68580" marR="68580" marT="0" marB="0"/>
-                </a:tc>
-                <a:tc>
-                  <a:txBody>
-                    <a:bodyPr/>
-                    <a:lstStyle/>
-                    <a:p>
-                      <a:pPr marL="0" marR="0" algn="just">
-                        <a:spcBef>
-                          <a:spcPts val="600"/>
-                        </a:spcBef>
-                        <a:spcAft>
-                          <a:spcPts val="300"/>
-                        </a:spcAft>
-                      </a:pPr>
-                      <a:r>
-                        <a:rPr lang="en-GB" sz="1100">
-                          <a:effectLst/>
-                        </a:rPr>
-                        <a:t>High</a:t>
-                      </a:r>
-                      <a:endParaRPr lang="en-US" sz="1100">
-                        <a:effectLst/>
-                        <a:latin typeface="Times New Roman"/>
-                        <a:ea typeface="Times New Roman"/>
-                      </a:endParaRPr>
-                    </a:p>
-                  </a:txBody>
-                  <a:tcPr marL="68580" marR="68580" marT="0" marB="0"/>
-                </a:tc>
-              </a:tr>
-              <a:tr h="230399">
-                <a:tc>
-                  <a:txBody>
-                    <a:bodyPr/>
-                    <a:lstStyle/>
-                    <a:p>
-                      <a:pPr marL="0" marR="0" algn="just">
-                        <a:spcBef>
-                          <a:spcPts val="600"/>
-                        </a:spcBef>
-                        <a:spcAft>
-                          <a:spcPts val="300"/>
-                        </a:spcAft>
-                      </a:pPr>
-                      <a:r>
-                        <a:rPr lang="en-GB" sz="1100">
-                          <a:effectLst/>
-                        </a:rPr>
-                        <a:t>Standardize data storage for system integration.</a:t>
-                      </a:r>
-                      <a:endParaRPr lang="en-US" sz="1100">
-                        <a:effectLst/>
-                        <a:latin typeface="Times New Roman"/>
-                        <a:ea typeface="Times New Roman"/>
-                      </a:endParaRPr>
-                    </a:p>
-                  </a:txBody>
-                  <a:tcPr marL="68580" marR="68580" marT="0" marB="0"/>
-                </a:tc>
-                <a:tc>
-                  <a:txBody>
-                    <a:bodyPr/>
-                    <a:lstStyle/>
-                    <a:p>
-                      <a:pPr marL="0" marR="0" algn="just">
-                        <a:spcBef>
-                          <a:spcPts val="600"/>
-                        </a:spcBef>
-                        <a:spcAft>
-                          <a:spcPts val="300"/>
-                        </a:spcAft>
-                      </a:pPr>
-                      <a:r>
-                        <a:rPr lang="en-GB" sz="1100">
-                          <a:effectLst/>
-                        </a:rPr>
-                        <a:t>High</a:t>
-                      </a:r>
-                      <a:endParaRPr lang="en-US" sz="1100">
-                        <a:effectLst/>
-                        <a:latin typeface="Times New Roman"/>
-                        <a:ea typeface="Times New Roman"/>
-                      </a:endParaRPr>
-                    </a:p>
-                  </a:txBody>
-                  <a:tcPr marL="68580" marR="68580" marT="0" marB="0"/>
-                </a:tc>
-              </a:tr>
-              <a:tr h="460798">
-                <a:tc>
-                  <a:txBody>
-                    <a:bodyPr/>
-                    <a:lstStyle/>
-                    <a:p>
-                      <a:pPr marL="0" marR="0" algn="just">
-                        <a:spcBef>
-                          <a:spcPts val="600"/>
-                        </a:spcBef>
-                        <a:spcAft>
-                          <a:spcPts val="300"/>
-                        </a:spcAft>
-                      </a:pPr>
-                      <a:r>
-                        <a:rPr lang="en-GB" sz="1100">
-                          <a:effectLst/>
-                        </a:rPr>
-                        <a:t>Adapt new technology to improve system stability and ease for maintenance.</a:t>
-                      </a:r>
-                      <a:endParaRPr lang="en-US" sz="1100">
-                        <a:effectLst/>
-                        <a:latin typeface="Times New Roman"/>
-                        <a:ea typeface="Times New Roman"/>
-                      </a:endParaRPr>
-                    </a:p>
-                  </a:txBody>
-                  <a:tcPr marL="68580" marR="68580" marT="0" marB="0"/>
-                </a:tc>
-                <a:tc>
-                  <a:txBody>
-                    <a:bodyPr/>
-                    <a:lstStyle/>
-                    <a:p>
-                      <a:pPr marL="0" marR="0" algn="just">
-                        <a:spcBef>
-                          <a:spcPts val="600"/>
-                        </a:spcBef>
-                        <a:spcAft>
-                          <a:spcPts val="300"/>
-                        </a:spcAft>
-                      </a:pPr>
-                      <a:r>
-                        <a:rPr lang="en-GB" sz="1100">
-                          <a:effectLst/>
-                        </a:rPr>
-                        <a:t>Medium</a:t>
-                      </a:r>
-                      <a:endParaRPr lang="en-US" sz="1100">
-                        <a:effectLst/>
-                        <a:latin typeface="Times New Roman"/>
-                        <a:ea typeface="Times New Roman"/>
-                      </a:endParaRPr>
-                    </a:p>
-                  </a:txBody>
-                  <a:tcPr marL="68580" marR="68580" marT="0" marB="0"/>
-                </a:tc>
-              </a:tr>
-              <a:tr h="631852">
-                <a:tc>
-                  <a:txBody>
-                    <a:bodyPr/>
-                    <a:lstStyle/>
-                    <a:p>
-                      <a:pPr marL="0" marR="0" algn="just">
-                        <a:spcBef>
-                          <a:spcPts val="600"/>
-                        </a:spcBef>
-                        <a:spcAft>
-                          <a:spcPts val="300"/>
-                        </a:spcAft>
-                      </a:pPr>
-                      <a:r>
-                        <a:rPr lang="en-GB" sz="1100">
-                          <a:effectLst/>
-                        </a:rPr>
-                        <a:t>Produce management report for marketing analysis and strategy change.</a:t>
-                      </a:r>
-                      <a:endParaRPr lang="en-US" sz="1100">
-                        <a:effectLst/>
-                        <a:latin typeface="Times New Roman"/>
-                        <a:ea typeface="Times New Roman"/>
-                      </a:endParaRPr>
-                    </a:p>
-                  </a:txBody>
-                  <a:tcPr marL="68580" marR="68580" marT="0" marB="0"/>
-                </a:tc>
-                <a:tc>
-                  <a:txBody>
-                    <a:bodyPr/>
-                    <a:lstStyle/>
-                    <a:p>
-                      <a:pPr marL="0" marR="0" algn="just">
-                        <a:spcBef>
-                          <a:spcPts val="600"/>
-                        </a:spcBef>
-                        <a:spcAft>
-                          <a:spcPts val="300"/>
-                        </a:spcAft>
-                      </a:pPr>
-                      <a:r>
-                        <a:rPr lang="en-GB" sz="1100">
-                          <a:effectLst/>
-                        </a:rPr>
-                        <a:t>Medium</a:t>
-                      </a:r>
-                      <a:endParaRPr lang="en-US" sz="1100">
-                        <a:effectLst/>
-                        <a:latin typeface="Times New Roman"/>
-                        <a:ea typeface="Times New Roman"/>
-                      </a:endParaRPr>
-                    </a:p>
-                  </a:txBody>
-                  <a:tcPr marL="68580" marR="68580" marT="0" marB="0"/>
-                </a:tc>
-              </a:tr>
-              <a:tr h="419781">
-                <a:tc>
-                  <a:txBody>
-                    <a:bodyPr/>
-                    <a:lstStyle/>
-                    <a:p>
-                      <a:pPr marL="0" marR="0" algn="just">
-                        <a:spcBef>
-                          <a:spcPts val="600"/>
-                        </a:spcBef>
-                        <a:spcAft>
-                          <a:spcPts val="300"/>
-                        </a:spcAft>
-                      </a:pPr>
-                      <a:r>
-                        <a:rPr lang="en-GB" sz="1100" dirty="0">
-                          <a:effectLst/>
-                        </a:rPr>
-                        <a:t>Procure new hardware.</a:t>
-                      </a:r>
-                      <a:endParaRPr lang="en-US" sz="1100" dirty="0">
-                        <a:effectLst/>
-                        <a:latin typeface="Times New Roman"/>
-                        <a:ea typeface="Times New Roman"/>
-                      </a:endParaRPr>
-                    </a:p>
-                  </a:txBody>
-                  <a:tcPr marL="68580" marR="68580" marT="0" marB="0"/>
-                </a:tc>
-                <a:tc>
-                  <a:txBody>
-                    <a:bodyPr/>
-                    <a:lstStyle/>
-                    <a:p>
-                      <a:pPr marL="0" marR="0" algn="just">
-                        <a:spcBef>
-                          <a:spcPts val="600"/>
-                        </a:spcBef>
-                        <a:spcAft>
-                          <a:spcPts val="300"/>
-                        </a:spcAft>
-                      </a:pPr>
-                      <a:r>
-                        <a:rPr lang="en-GB" sz="1100" dirty="0">
-                          <a:effectLst/>
-                        </a:rPr>
-                        <a:t>Low</a:t>
-                      </a:r>
-                      <a:endParaRPr lang="en-US" sz="1100" dirty="0">
-                        <a:effectLst/>
-                        <a:latin typeface="Times New Roman"/>
-                        <a:ea typeface="Times New Roman"/>
-                      </a:endParaRPr>
-                    </a:p>
-                  </a:txBody>
-                  <a:tcPr marL="68580" marR="68580" marT="0" marB="0"/>
-                </a:tc>
-              </a:tr>
-            </a:tbl>
-          </a:graphicData>
-        </a:graphic>
-      </p:graphicFrame>
-    </p:spTree>
   </p:cSld>
   <p:clrMapOvr>
     <a:masterClrMapping/>
@@ -19335,12 +18693,12 @@
       </p:grpSpPr>
       <p:sp>
         <p:nvSpPr>
-          <p:cNvPr id="49153" name="Title 1"/>
+          <p:cNvPr id="47105" name="Title 1"/>
           <p:cNvSpPr>
             <a:spLocks noGrp="1"/>
           </p:cNvSpPr>
           <p:nvPr>
-            <p:ph type="title"/>
+            <p:ph type="title" idx="4294967295"/>
           </p:nvPr>
         </p:nvSpPr>
         <p:spPr/>
@@ -19349,26 +18707,18 @@
           <a:lstStyle/>
           <a:p>
             <a:pPr eaLnBrk="1" hangingPunct="1"/>
-            <a:r>
-              <a:rPr lang="en-US" dirty="0"/>
-              <a:t>Opportunity and </a:t>
-            </a:r>
-            <a:r>
-              <a:rPr lang="en-US" dirty="0" smtClean="0"/>
-              <a:t>Solution</a:t>
-            </a:r>
-            <a:endParaRPr lang="en-SG" dirty="0" smtClean="0"/>
+            <a:endParaRPr lang="en-SG" smtClean="0"/>
           </a:p>
         </p:txBody>
       </p:sp>
       <p:sp>
         <p:nvSpPr>
-          <p:cNvPr id="49154" name="Content Placeholder 2"/>
+          <p:cNvPr id="47106" name="Content Placeholder 2"/>
           <p:cNvSpPr>
             <a:spLocks noGrp="1"/>
           </p:cNvSpPr>
           <p:nvPr>
-            <p:ph sz="quarter" idx="1"/>
+            <p:ph sz="quarter" idx="4294967295"/>
           </p:nvPr>
         </p:nvSpPr>
         <p:spPr>
@@ -19381,940 +18731,19 @@
           <a:bodyPr/>
           <a:lstStyle/>
           <a:p>
-            <a:pPr marL="0" indent="0" eaLnBrk="1" hangingPunct="1">
-              <a:buNone/>
-            </a:pPr>
-            <a:r>
-              <a:rPr lang="en-SG" dirty="0" smtClean="0"/>
-              <a:t> </a:t>
-            </a:r>
+            <a:pPr eaLnBrk="1" hangingPunct="1"/>
+            <a:r>
+              <a:rPr lang="en-US" dirty="0" smtClean="0"/>
+              <a:t>Opportunity and Solution</a:t>
+            </a:r>
+            <a:endParaRPr lang="en-SG" dirty="0" smtClean="0"/>
           </a:p>
         </p:txBody>
       </p:sp>
-      <p:graphicFrame>
-        <p:nvGraphicFramePr>
-          <p:cNvPr id="4" name="Table 3"/>
-          <p:cNvGraphicFramePr>
-            <a:graphicFrameLocks noGrp="1"/>
-          </p:cNvGraphicFramePr>
-          <p:nvPr>
-            <p:extLst/>
-          </p:nvPr>
-        </p:nvGraphicFramePr>
-        <p:xfrm>
-          <a:off x="457200" y="1412777"/>
-          <a:ext cx="8229599" cy="4557106"/>
-        </p:xfrm>
-        <a:graphic>
-          <a:graphicData uri="http://schemas.openxmlformats.org/drawingml/2006/table">
-            <a:tbl>
-              <a:tblPr firstRow="1" firstCol="1" bandRow="1">
-                <a:tableStyleId>{5C22544A-7EE6-4342-B048-85BDC9FD1C3A}</a:tableStyleId>
-              </a:tblPr>
-              <a:tblGrid>
-                <a:gridCol w="2727637"/>
-                <a:gridCol w="5501962"/>
-              </a:tblGrid>
-              <a:tr h="283810">
-                <a:tc>
-                  <a:txBody>
-                    <a:bodyPr/>
-                    <a:lstStyle/>
-                    <a:p>
-                      <a:pPr algn="l">
-                        <a:lnSpc>
-                          <a:spcPct val="107000"/>
-                        </a:lnSpc>
-                        <a:spcBef>
-                          <a:spcPts val="600"/>
-                        </a:spcBef>
-                        <a:spcAft>
-                          <a:spcPts val="300"/>
-                        </a:spcAft>
-                      </a:pPr>
-                      <a:r>
-                        <a:rPr lang="en-GB" sz="1400" dirty="0">
-                          <a:effectLst/>
-                        </a:rPr>
-                        <a:t>Gap</a:t>
-                      </a:r>
-                      <a:endParaRPr lang="en-SG" sz="1400" dirty="0">
-                        <a:effectLst/>
-                        <a:latin typeface="Times New Roman" panose="02020603050405020304" pitchFamily="18" charset="0"/>
-                        <a:ea typeface="Times New Roman" panose="02020603050405020304" pitchFamily="18" charset="0"/>
-                      </a:endParaRPr>
-                    </a:p>
-                  </a:txBody>
-                  <a:tcPr marL="60772" marR="60772" marT="0" marB="0"/>
-                </a:tc>
-                <a:tc>
-                  <a:txBody>
-                    <a:bodyPr/>
-                    <a:lstStyle/>
-                    <a:p>
-                      <a:pPr algn="l">
-                        <a:lnSpc>
-                          <a:spcPct val="107000"/>
-                        </a:lnSpc>
-                        <a:spcBef>
-                          <a:spcPts val="600"/>
-                        </a:spcBef>
-                        <a:spcAft>
-                          <a:spcPts val="300"/>
-                        </a:spcAft>
-                      </a:pPr>
-                      <a:r>
-                        <a:rPr lang="en-GB" sz="1400" dirty="0">
-                          <a:effectLst/>
-                        </a:rPr>
-                        <a:t>Potential Solution</a:t>
-                      </a:r>
-                      <a:endParaRPr lang="en-SG" sz="1400" dirty="0">
-                        <a:effectLst/>
-                        <a:latin typeface="Times New Roman" panose="02020603050405020304" pitchFamily="18" charset="0"/>
-                        <a:ea typeface="Times New Roman" panose="02020603050405020304" pitchFamily="18" charset="0"/>
-                      </a:endParaRPr>
-                    </a:p>
-                  </a:txBody>
-                  <a:tcPr marL="60772" marR="60772" marT="0" marB="0"/>
-                </a:tc>
-              </a:tr>
-              <a:tr h="158965">
-                <a:tc>
-                  <a:txBody>
-                    <a:bodyPr/>
-                    <a:lstStyle/>
-                    <a:p>
-                      <a:pPr algn="l">
-                        <a:lnSpc>
-                          <a:spcPct val="107000"/>
-                        </a:lnSpc>
-                        <a:spcBef>
-                          <a:spcPts val="600"/>
-                        </a:spcBef>
-                        <a:spcAft>
-                          <a:spcPts val="300"/>
-                        </a:spcAft>
-                      </a:pPr>
-                      <a:r>
-                        <a:rPr lang="en-GB" sz="1000">
-                          <a:effectLst/>
-                        </a:rPr>
-                        <a:t>Too much manual intervene required.</a:t>
-                      </a:r>
-                      <a:endParaRPr lang="en-SG" sz="1000">
-                        <a:effectLst/>
-                        <a:latin typeface="Times New Roman" panose="02020603050405020304" pitchFamily="18" charset="0"/>
-                        <a:ea typeface="Times New Roman" panose="02020603050405020304" pitchFamily="18" charset="0"/>
-                      </a:endParaRPr>
-                    </a:p>
-                  </a:txBody>
-                  <a:tcPr marL="60772" marR="60772" marT="0" marB="0"/>
-                </a:tc>
-                <a:tc>
-                  <a:txBody>
-                    <a:bodyPr/>
-                    <a:lstStyle/>
-                    <a:p>
-                      <a:pPr marL="342900" lvl="0" indent="-342900" algn="l">
-                        <a:lnSpc>
-                          <a:spcPct val="107000"/>
-                        </a:lnSpc>
-                        <a:spcBef>
-                          <a:spcPts val="600"/>
-                        </a:spcBef>
-                        <a:spcAft>
-                          <a:spcPts val="300"/>
-                        </a:spcAft>
-                        <a:buFont typeface="Symbol" panose="05050102010706020507" pitchFamily="18" charset="2"/>
-                        <a:buChar char=""/>
-                      </a:pPr>
-                      <a:r>
-                        <a:rPr lang="en-GB" sz="1000">
-                          <a:effectLst/>
-                        </a:rPr>
-                        <a:t>Re-engineer business processes to reduce manual effort and improve business efficiency.</a:t>
-                      </a:r>
-                      <a:endParaRPr lang="en-SG" sz="1000">
-                        <a:effectLst/>
-                        <a:latin typeface="Times New Roman" panose="02020603050405020304" pitchFamily="18" charset="0"/>
-                        <a:ea typeface="Times New Roman" panose="02020603050405020304" pitchFamily="18" charset="0"/>
-                      </a:endParaRPr>
-                    </a:p>
-                  </a:txBody>
-                  <a:tcPr marL="60772" marR="60772" marT="0" marB="0"/>
-                </a:tc>
-              </a:tr>
-              <a:tr h="679470">
-                <a:tc>
-                  <a:txBody>
-                    <a:bodyPr/>
-                    <a:lstStyle/>
-                    <a:p>
-                      <a:pPr algn="just">
-                        <a:lnSpc>
-                          <a:spcPct val="107000"/>
-                        </a:lnSpc>
-                        <a:spcBef>
-                          <a:spcPts val="600"/>
-                        </a:spcBef>
-                        <a:spcAft>
-                          <a:spcPts val="300"/>
-                        </a:spcAft>
-                      </a:pPr>
-                      <a:r>
-                        <a:rPr lang="en-GB" sz="1000">
-                          <a:effectLst/>
-                        </a:rPr>
-                        <a:t>Integrate e-Business with partner and customer’s IT system</a:t>
-                      </a:r>
-                      <a:endParaRPr lang="en-SG" sz="1000">
-                        <a:effectLst/>
-                        <a:latin typeface="Times New Roman" panose="02020603050405020304" pitchFamily="18" charset="0"/>
-                        <a:ea typeface="Times New Roman" panose="02020603050405020304" pitchFamily="18" charset="0"/>
-                      </a:endParaRPr>
-                    </a:p>
-                  </a:txBody>
-                  <a:tcPr marL="60772" marR="60772" marT="0" marB="0"/>
-                </a:tc>
-                <a:tc>
-                  <a:txBody>
-                    <a:bodyPr/>
-                    <a:lstStyle/>
-                    <a:p>
-                      <a:pPr marL="342900" lvl="0" indent="-342900" algn="l">
-                        <a:lnSpc>
-                          <a:spcPct val="107000"/>
-                        </a:lnSpc>
-                        <a:spcBef>
-                          <a:spcPts val="600"/>
-                        </a:spcBef>
-                        <a:spcAft>
-                          <a:spcPts val="300"/>
-                        </a:spcAft>
-                        <a:buFont typeface="Symbol" panose="05050102010706020507" pitchFamily="18" charset="2"/>
-                        <a:buChar char=""/>
-                      </a:pPr>
-                      <a:r>
-                        <a:rPr lang="en-GB" sz="1000">
-                          <a:effectLst/>
-                        </a:rPr>
-                        <a:t>Revamp and consolidate SOS and CBS.</a:t>
-                      </a:r>
-                      <a:endParaRPr lang="en-SG" sz="1000">
-                        <a:effectLst/>
-                      </a:endParaRPr>
-                    </a:p>
-                    <a:p>
-                      <a:pPr marL="342900" lvl="0" indent="-342900" algn="l">
-                        <a:lnSpc>
-                          <a:spcPct val="107000"/>
-                        </a:lnSpc>
-                        <a:spcBef>
-                          <a:spcPts val="600"/>
-                        </a:spcBef>
-                        <a:spcAft>
-                          <a:spcPts val="300"/>
-                        </a:spcAft>
-                        <a:buFont typeface="Symbol" panose="05050102010706020507" pitchFamily="18" charset="2"/>
-                        <a:buChar char=""/>
-                      </a:pPr>
-                      <a:r>
-                        <a:rPr lang="en-GB" sz="1000">
-                          <a:effectLst/>
-                        </a:rPr>
-                        <a:t>Revamp and consolidate VMS and CMS.</a:t>
-                      </a:r>
-                      <a:endParaRPr lang="en-SG" sz="1000">
-                        <a:effectLst/>
-                      </a:endParaRPr>
-                    </a:p>
-                    <a:p>
-                      <a:pPr marL="342900" lvl="0" indent="-342900" algn="l">
-                        <a:lnSpc>
-                          <a:spcPct val="107000"/>
-                        </a:lnSpc>
-                        <a:spcBef>
-                          <a:spcPts val="600"/>
-                        </a:spcBef>
-                        <a:spcAft>
-                          <a:spcPts val="300"/>
-                        </a:spcAft>
-                        <a:buFont typeface="Symbol" panose="05050102010706020507" pitchFamily="18" charset="2"/>
-                        <a:buChar char=""/>
-                      </a:pPr>
-                      <a:r>
-                        <a:rPr lang="en-GB" sz="1000">
-                          <a:effectLst/>
-                        </a:rPr>
-                        <a:t>Integrate internal systems to improve business process efficiency.</a:t>
-                      </a:r>
-                      <a:endParaRPr lang="en-SG" sz="1000">
-                        <a:effectLst/>
-                        <a:latin typeface="Times New Roman" panose="02020603050405020304" pitchFamily="18" charset="0"/>
-                        <a:ea typeface="Times New Roman" panose="02020603050405020304" pitchFamily="18" charset="0"/>
-                      </a:endParaRPr>
-                    </a:p>
-                  </a:txBody>
-                  <a:tcPr marL="60772" marR="60772" marT="0" marB="0"/>
-                </a:tc>
-              </a:tr>
-              <a:tr h="939722">
-                <a:tc>
-                  <a:txBody>
-                    <a:bodyPr/>
-                    <a:lstStyle/>
-                    <a:p>
-                      <a:pPr algn="l">
-                        <a:lnSpc>
-                          <a:spcPct val="107000"/>
-                        </a:lnSpc>
-                        <a:spcBef>
-                          <a:spcPts val="600"/>
-                        </a:spcBef>
-                        <a:spcAft>
-                          <a:spcPts val="300"/>
-                        </a:spcAft>
-                      </a:pPr>
-                      <a:r>
-                        <a:rPr lang="en-GB" sz="1000" dirty="0">
-                          <a:effectLst/>
-                        </a:rPr>
-                        <a:t>Focus on customer service is not enough</a:t>
-                      </a:r>
-                      <a:endParaRPr lang="en-SG" sz="1000" dirty="0">
-                        <a:effectLst/>
-                        <a:latin typeface="Times New Roman" panose="02020603050405020304" pitchFamily="18" charset="0"/>
-                        <a:ea typeface="Times New Roman" panose="02020603050405020304" pitchFamily="18" charset="0"/>
-                      </a:endParaRPr>
-                    </a:p>
-                  </a:txBody>
-                  <a:tcPr marL="60772" marR="60772" marT="0" marB="0"/>
-                </a:tc>
-                <a:tc>
-                  <a:txBody>
-                    <a:bodyPr/>
-                    <a:lstStyle/>
-                    <a:p>
-                      <a:pPr marL="342900" lvl="0" indent="-342900" algn="l">
-                        <a:lnSpc>
-                          <a:spcPct val="107000"/>
-                        </a:lnSpc>
-                        <a:spcBef>
-                          <a:spcPts val="600"/>
-                        </a:spcBef>
-                        <a:spcAft>
-                          <a:spcPts val="300"/>
-                        </a:spcAft>
-                        <a:buFont typeface="Symbol" panose="05050102010706020507" pitchFamily="18" charset="2"/>
-                        <a:buChar char=""/>
-                      </a:pPr>
-                      <a:r>
-                        <a:rPr lang="en-GB" sz="1000">
-                          <a:effectLst/>
-                        </a:rPr>
-                        <a:t>Provide customer registration.</a:t>
-                      </a:r>
-                      <a:endParaRPr lang="en-SG" sz="1000">
-                        <a:effectLst/>
-                      </a:endParaRPr>
-                    </a:p>
-                    <a:p>
-                      <a:pPr marL="342900" lvl="0" indent="-342900" algn="l">
-                        <a:lnSpc>
-                          <a:spcPct val="107000"/>
-                        </a:lnSpc>
-                        <a:spcBef>
-                          <a:spcPts val="600"/>
-                        </a:spcBef>
-                        <a:spcAft>
-                          <a:spcPts val="300"/>
-                        </a:spcAft>
-                        <a:buFont typeface="Symbol" panose="05050102010706020507" pitchFamily="18" charset="2"/>
-                        <a:buChar char=""/>
-                      </a:pPr>
-                      <a:r>
-                        <a:rPr lang="en-GB" sz="1000">
-                          <a:effectLst/>
-                        </a:rPr>
-                        <a:t>Provide online order submission and order status tracking.</a:t>
-                      </a:r>
-                      <a:endParaRPr lang="en-SG" sz="1000">
-                        <a:effectLst/>
-                      </a:endParaRPr>
-                    </a:p>
-                    <a:p>
-                      <a:pPr marL="342900" lvl="0" indent="-342900" algn="l">
-                        <a:lnSpc>
-                          <a:spcPct val="107000"/>
-                        </a:lnSpc>
-                        <a:spcBef>
-                          <a:spcPts val="600"/>
-                        </a:spcBef>
-                        <a:spcAft>
-                          <a:spcPts val="300"/>
-                        </a:spcAft>
-                        <a:buFont typeface="Symbol" panose="05050102010706020507" pitchFamily="18" charset="2"/>
-                        <a:buChar char=""/>
-                      </a:pPr>
-                      <a:r>
-                        <a:rPr lang="en-GB" sz="1000">
-                          <a:effectLst/>
-                        </a:rPr>
-                        <a:t>Provide online shipment tracking.</a:t>
-                      </a:r>
-                      <a:endParaRPr lang="en-SG" sz="1000">
-                        <a:effectLst/>
-                      </a:endParaRPr>
-                    </a:p>
-                    <a:p>
-                      <a:pPr marL="342900" lvl="0" indent="-342900" algn="l">
-                        <a:lnSpc>
-                          <a:spcPct val="107000"/>
-                        </a:lnSpc>
-                        <a:spcBef>
-                          <a:spcPts val="600"/>
-                        </a:spcBef>
-                        <a:spcAft>
-                          <a:spcPts val="300"/>
-                        </a:spcAft>
-                        <a:buFont typeface="Symbol" panose="05050102010706020507" pitchFamily="18" charset="2"/>
-                        <a:buChar char=""/>
-                      </a:pPr>
-                      <a:r>
-                        <a:rPr lang="en-GB" sz="1000">
-                          <a:effectLst/>
-                        </a:rPr>
-                        <a:t>Accelerate process for repeat orders.</a:t>
-                      </a:r>
-                      <a:endParaRPr lang="en-SG" sz="1000">
-                        <a:effectLst/>
-                        <a:latin typeface="Times New Roman" panose="02020603050405020304" pitchFamily="18" charset="0"/>
-                        <a:ea typeface="Times New Roman" panose="02020603050405020304" pitchFamily="18" charset="0"/>
-                      </a:endParaRPr>
-                    </a:p>
-                  </a:txBody>
-                  <a:tcPr marL="60772" marR="60772" marT="0" marB="0"/>
-                </a:tc>
-              </a:tr>
-              <a:tr h="158965">
-                <a:tc>
-                  <a:txBody>
-                    <a:bodyPr/>
-                    <a:lstStyle/>
-                    <a:p>
-                      <a:pPr algn="l">
-                        <a:lnSpc>
-                          <a:spcPct val="107000"/>
-                        </a:lnSpc>
-                        <a:spcBef>
-                          <a:spcPts val="600"/>
-                        </a:spcBef>
-                        <a:spcAft>
-                          <a:spcPts val="300"/>
-                        </a:spcAft>
-                      </a:pPr>
-                      <a:r>
-                        <a:rPr lang="en-GB" sz="1000" dirty="0">
-                          <a:effectLst/>
-                        </a:rPr>
-                        <a:t>Inaccuracy in sales report transaction data. </a:t>
-                      </a:r>
-                      <a:endParaRPr lang="en-SG" sz="1000" dirty="0">
-                        <a:effectLst/>
-                        <a:latin typeface="Times New Roman" panose="02020603050405020304" pitchFamily="18" charset="0"/>
-                        <a:ea typeface="Times New Roman" panose="02020603050405020304" pitchFamily="18" charset="0"/>
-                      </a:endParaRPr>
-                    </a:p>
-                  </a:txBody>
-                  <a:tcPr marL="60772" marR="60772" marT="0" marB="0"/>
-                </a:tc>
-                <a:tc>
-                  <a:txBody>
-                    <a:bodyPr/>
-                    <a:lstStyle/>
-                    <a:p>
-                      <a:pPr marL="342900" lvl="0" indent="-342900" algn="l">
-                        <a:lnSpc>
-                          <a:spcPct val="107000"/>
-                        </a:lnSpc>
-                        <a:spcBef>
-                          <a:spcPts val="600"/>
-                        </a:spcBef>
-                        <a:spcAft>
-                          <a:spcPts val="300"/>
-                        </a:spcAft>
-                        <a:buFont typeface="Symbol" panose="05050102010706020507" pitchFamily="18" charset="2"/>
-                        <a:buChar char=""/>
-                      </a:pPr>
-                      <a:r>
-                        <a:rPr lang="en-GB" sz="1000">
-                          <a:effectLst/>
-                        </a:rPr>
-                        <a:t>To provide management report from consolidated system for better marketing analysis and decision.</a:t>
-                      </a:r>
-                      <a:endParaRPr lang="en-SG" sz="1000">
-                        <a:effectLst/>
-                        <a:latin typeface="Times New Roman" panose="02020603050405020304" pitchFamily="18" charset="0"/>
-                        <a:ea typeface="Times New Roman" panose="02020603050405020304" pitchFamily="18" charset="0"/>
-                      </a:endParaRPr>
-                    </a:p>
-                  </a:txBody>
-                  <a:tcPr marL="60772" marR="60772" marT="0" marB="0"/>
-                </a:tc>
-              </a:tr>
-              <a:tr h="476895">
-                <a:tc>
-                  <a:txBody>
-                    <a:bodyPr/>
-                    <a:lstStyle/>
-                    <a:p>
-                      <a:pPr algn="l">
-                        <a:lnSpc>
-                          <a:spcPct val="107000"/>
-                        </a:lnSpc>
-                        <a:spcBef>
-                          <a:spcPts val="600"/>
-                        </a:spcBef>
-                        <a:spcAft>
-                          <a:spcPts val="300"/>
-                        </a:spcAft>
-                      </a:pPr>
-                      <a:r>
-                        <a:rPr lang="en-GB" sz="1000">
-                          <a:effectLst/>
-                        </a:rPr>
-                        <a:t>Lack of management and monitoring in cooperation with local operators of tow-heads and port operators</a:t>
-                      </a:r>
-                      <a:endParaRPr lang="en-SG" sz="1000">
-                        <a:effectLst/>
-                        <a:latin typeface="Times New Roman" panose="02020603050405020304" pitchFamily="18" charset="0"/>
-                        <a:ea typeface="Times New Roman" panose="02020603050405020304" pitchFamily="18" charset="0"/>
-                      </a:endParaRPr>
-                    </a:p>
-                  </a:txBody>
-                  <a:tcPr marL="60772" marR="60772" marT="0" marB="0"/>
-                </a:tc>
-                <a:tc>
-                  <a:txBody>
-                    <a:bodyPr/>
-                    <a:lstStyle/>
-                    <a:p>
-                      <a:pPr marL="342900" lvl="0" indent="-342900" algn="l">
-                        <a:lnSpc>
-                          <a:spcPct val="107000"/>
-                        </a:lnSpc>
-                        <a:spcBef>
-                          <a:spcPts val="600"/>
-                        </a:spcBef>
-                        <a:spcAft>
-                          <a:spcPts val="300"/>
-                        </a:spcAft>
-                        <a:buFont typeface="Symbol" panose="05050102010706020507" pitchFamily="18" charset="2"/>
-                        <a:buChar char=""/>
-                      </a:pPr>
-                      <a:r>
-                        <a:rPr lang="en-GB" sz="1000">
-                          <a:effectLst/>
-                        </a:rPr>
-                        <a:t>Enhance existing systems to manage tow-heads operators and port operators.</a:t>
-                      </a:r>
-                      <a:endParaRPr lang="en-SG" sz="1000">
-                        <a:effectLst/>
-                      </a:endParaRPr>
-                    </a:p>
-                    <a:p>
-                      <a:pPr marL="342900" lvl="0" indent="-342900" algn="l">
-                        <a:lnSpc>
-                          <a:spcPct val="107000"/>
-                        </a:lnSpc>
-                        <a:spcBef>
-                          <a:spcPts val="600"/>
-                        </a:spcBef>
-                        <a:spcAft>
-                          <a:spcPts val="300"/>
-                        </a:spcAft>
-                        <a:buFont typeface="Symbol" panose="05050102010706020507" pitchFamily="18" charset="2"/>
-                        <a:buChar char=""/>
-                      </a:pPr>
-                      <a:r>
-                        <a:rPr lang="en-GB" sz="1000">
-                          <a:effectLst/>
-                        </a:rPr>
-                        <a:t>Keep track of co-operators to help to make engagement and manage cost. </a:t>
-                      </a:r>
-                      <a:endParaRPr lang="en-SG" sz="1000">
-                        <a:effectLst/>
-                        <a:latin typeface="Times New Roman" panose="02020603050405020304" pitchFamily="18" charset="0"/>
-                        <a:ea typeface="Times New Roman" panose="02020603050405020304" pitchFamily="18" charset="0"/>
-                      </a:endParaRPr>
-                    </a:p>
-                  </a:txBody>
-                  <a:tcPr marL="60772" marR="60772" marT="0" marB="0"/>
-                </a:tc>
-              </a:tr>
-              <a:tr h="419217">
-                <a:tc>
-                  <a:txBody>
-                    <a:bodyPr/>
-                    <a:lstStyle/>
-                    <a:p>
-                      <a:pPr algn="l">
-                        <a:lnSpc>
-                          <a:spcPct val="107000"/>
-                        </a:lnSpc>
-                        <a:spcBef>
-                          <a:spcPts val="600"/>
-                        </a:spcBef>
-                        <a:spcAft>
-                          <a:spcPts val="300"/>
-                        </a:spcAft>
-                      </a:pPr>
-                      <a:r>
-                        <a:rPr lang="en-GB" sz="1000">
-                          <a:effectLst/>
-                        </a:rPr>
-                        <a:t>Lack of knowledge in SOS system</a:t>
-                      </a:r>
-                      <a:endParaRPr lang="en-SG" sz="1000">
-                        <a:effectLst/>
-                        <a:latin typeface="Times New Roman" panose="02020603050405020304" pitchFamily="18" charset="0"/>
-                        <a:ea typeface="Times New Roman" panose="02020603050405020304" pitchFamily="18" charset="0"/>
-                      </a:endParaRPr>
-                    </a:p>
-                  </a:txBody>
-                  <a:tcPr marL="60772" marR="60772" marT="0" marB="0"/>
-                </a:tc>
-                <a:tc>
-                  <a:txBody>
-                    <a:bodyPr/>
-                    <a:lstStyle/>
-                    <a:p>
-                      <a:pPr marL="342900" lvl="0" indent="-342900" algn="l">
-                        <a:lnSpc>
-                          <a:spcPct val="107000"/>
-                        </a:lnSpc>
-                        <a:spcBef>
-                          <a:spcPts val="600"/>
-                        </a:spcBef>
-                        <a:spcAft>
-                          <a:spcPts val="300"/>
-                        </a:spcAft>
-                        <a:buFont typeface="Symbol" panose="05050102010706020507" pitchFamily="18" charset="2"/>
-                        <a:buChar char=""/>
-                      </a:pPr>
-                      <a:r>
-                        <a:rPr lang="en-GB" sz="1000">
-                          <a:effectLst/>
-                        </a:rPr>
-                        <a:t>Study the implementation of SOS.</a:t>
-                      </a:r>
-                      <a:endParaRPr lang="en-SG" sz="1000">
-                        <a:effectLst/>
-                      </a:endParaRPr>
-                    </a:p>
-                    <a:p>
-                      <a:pPr marL="342900" lvl="0" indent="-342900" algn="l">
-                        <a:lnSpc>
-                          <a:spcPct val="107000"/>
-                        </a:lnSpc>
-                        <a:spcBef>
-                          <a:spcPts val="600"/>
-                        </a:spcBef>
-                        <a:spcAft>
-                          <a:spcPts val="300"/>
-                        </a:spcAft>
-                        <a:buFont typeface="Symbol" panose="05050102010706020507" pitchFamily="18" charset="2"/>
-                        <a:buChar char=""/>
-                      </a:pPr>
-                      <a:r>
-                        <a:rPr lang="en-GB" sz="1000">
-                          <a:effectLst/>
-                        </a:rPr>
-                        <a:t>Gather requirement of SOS before revamping the system.</a:t>
-                      </a:r>
-                      <a:endParaRPr lang="en-SG" sz="1000">
-                        <a:effectLst/>
-                        <a:latin typeface="Times New Roman" panose="02020603050405020304" pitchFamily="18" charset="0"/>
-                        <a:ea typeface="Times New Roman" panose="02020603050405020304" pitchFamily="18" charset="0"/>
-                      </a:endParaRPr>
-                    </a:p>
-                  </a:txBody>
-                  <a:tcPr marL="60772" marR="60772" marT="0" marB="0"/>
-                </a:tc>
-              </a:tr>
-              <a:tr h="158965">
-                <a:tc>
-                  <a:txBody>
-                    <a:bodyPr/>
-                    <a:lstStyle/>
-                    <a:p>
-                      <a:pPr algn="l">
-                        <a:lnSpc>
-                          <a:spcPct val="107000"/>
-                        </a:lnSpc>
-                        <a:spcBef>
-                          <a:spcPts val="600"/>
-                        </a:spcBef>
-                        <a:spcAft>
-                          <a:spcPts val="300"/>
-                        </a:spcAft>
-                      </a:pPr>
-                      <a:r>
-                        <a:rPr lang="en-GB" sz="1000">
-                          <a:effectLst/>
-                        </a:rPr>
-                        <a:t>Legacy data from SOS system</a:t>
-                      </a:r>
-                      <a:endParaRPr lang="en-SG" sz="1000">
-                        <a:effectLst/>
-                        <a:latin typeface="Times New Roman" panose="02020603050405020304" pitchFamily="18" charset="0"/>
-                        <a:ea typeface="Times New Roman" panose="02020603050405020304" pitchFamily="18" charset="0"/>
-                      </a:endParaRPr>
-                    </a:p>
-                  </a:txBody>
-                  <a:tcPr marL="60772" marR="60772" marT="0" marB="0"/>
-                </a:tc>
-                <a:tc>
-                  <a:txBody>
-                    <a:bodyPr/>
-                    <a:lstStyle/>
-                    <a:p>
-                      <a:pPr marL="342900" lvl="0" indent="-342900" algn="l">
-                        <a:lnSpc>
-                          <a:spcPct val="107000"/>
-                        </a:lnSpc>
-                        <a:spcBef>
-                          <a:spcPts val="600"/>
-                        </a:spcBef>
-                        <a:spcAft>
-                          <a:spcPts val="300"/>
-                        </a:spcAft>
-                        <a:buFont typeface="Symbol" panose="05050102010706020507" pitchFamily="18" charset="2"/>
-                        <a:buChar char=""/>
-                      </a:pPr>
-                      <a:r>
-                        <a:rPr lang="en-GB" sz="1000">
-                          <a:effectLst/>
-                        </a:rPr>
-                        <a:t>Proper data migration to move the data to new system.</a:t>
-                      </a:r>
-                      <a:endParaRPr lang="en-SG" sz="1000">
-                        <a:effectLst/>
-                        <a:latin typeface="Times New Roman" panose="02020603050405020304" pitchFamily="18" charset="0"/>
-                        <a:ea typeface="Times New Roman" panose="02020603050405020304" pitchFamily="18" charset="0"/>
-                      </a:endParaRPr>
-                    </a:p>
-                  </a:txBody>
-                  <a:tcPr marL="60772" marR="60772" marT="0" marB="0"/>
-                </a:tc>
-              </a:tr>
-              <a:tr h="317930">
-                <a:tc>
-                  <a:txBody>
-                    <a:bodyPr/>
-                    <a:lstStyle/>
-                    <a:p>
-                      <a:pPr algn="l">
-                        <a:lnSpc>
-                          <a:spcPct val="107000"/>
-                        </a:lnSpc>
-                        <a:spcBef>
-                          <a:spcPts val="600"/>
-                        </a:spcBef>
-                        <a:spcAft>
-                          <a:spcPts val="300"/>
-                        </a:spcAft>
-                      </a:pPr>
-                      <a:r>
-                        <a:rPr lang="en-GB" sz="1000">
-                          <a:effectLst/>
-                        </a:rPr>
-                        <a:t>Data are stored with different standard in different systems</a:t>
-                      </a:r>
-                      <a:endParaRPr lang="en-SG" sz="1000">
-                        <a:effectLst/>
-                        <a:latin typeface="Times New Roman" panose="02020603050405020304" pitchFamily="18" charset="0"/>
-                        <a:ea typeface="Times New Roman" panose="02020603050405020304" pitchFamily="18" charset="0"/>
-                      </a:endParaRPr>
-                    </a:p>
-                  </a:txBody>
-                  <a:tcPr marL="60772" marR="60772" marT="0" marB="0"/>
-                </a:tc>
-                <a:tc>
-                  <a:txBody>
-                    <a:bodyPr/>
-                    <a:lstStyle/>
-                    <a:p>
-                      <a:pPr marL="342900" lvl="0" indent="-342900" algn="l">
-                        <a:lnSpc>
-                          <a:spcPct val="107000"/>
-                        </a:lnSpc>
-                        <a:spcBef>
-                          <a:spcPts val="600"/>
-                        </a:spcBef>
-                        <a:spcAft>
-                          <a:spcPts val="300"/>
-                        </a:spcAft>
-                        <a:buFont typeface="Symbol" panose="05050102010706020507" pitchFamily="18" charset="2"/>
-                        <a:buChar char=""/>
-                      </a:pPr>
-                      <a:r>
-                        <a:rPr lang="en-GB" sz="1000">
-                          <a:effectLst/>
-                        </a:rPr>
-                        <a:t>Standardize the data storage. To develop a common data dictionary as guideline.</a:t>
-                      </a:r>
-                      <a:endParaRPr lang="en-SG" sz="1000">
-                        <a:effectLst/>
-                        <a:latin typeface="Times New Roman" panose="02020603050405020304" pitchFamily="18" charset="0"/>
-                        <a:ea typeface="Times New Roman" panose="02020603050405020304" pitchFamily="18" charset="0"/>
-                      </a:endParaRPr>
-                    </a:p>
-                  </a:txBody>
-                  <a:tcPr marL="60772" marR="60772" marT="0" marB="0"/>
-                </a:tc>
-              </a:tr>
-              <a:tr h="317930">
-                <a:tc>
-                  <a:txBody>
-                    <a:bodyPr/>
-                    <a:lstStyle/>
-                    <a:p>
-                      <a:pPr algn="l">
-                        <a:lnSpc>
-                          <a:spcPct val="107000"/>
-                        </a:lnSpc>
-                        <a:spcBef>
-                          <a:spcPts val="600"/>
-                        </a:spcBef>
-                        <a:spcAft>
-                          <a:spcPts val="300"/>
-                        </a:spcAft>
-                      </a:pPr>
-                      <a:r>
-                        <a:rPr lang="en-GB" sz="1000">
-                          <a:effectLst/>
-                        </a:rPr>
-                        <a:t>Lack of consistency in container and vessel optimization decision</a:t>
-                      </a:r>
-                      <a:endParaRPr lang="en-SG" sz="1000">
-                        <a:effectLst/>
-                        <a:latin typeface="Times New Roman" panose="02020603050405020304" pitchFamily="18" charset="0"/>
-                        <a:ea typeface="Times New Roman" panose="02020603050405020304" pitchFamily="18" charset="0"/>
-                      </a:endParaRPr>
-                    </a:p>
-                  </a:txBody>
-                  <a:tcPr marL="60772" marR="60772" marT="0" marB="0"/>
-                </a:tc>
-                <a:tc>
-                  <a:txBody>
-                    <a:bodyPr/>
-                    <a:lstStyle/>
-                    <a:p>
-                      <a:pPr marL="342900" lvl="0" indent="-342900" algn="l">
-                        <a:lnSpc>
-                          <a:spcPct val="107000"/>
-                        </a:lnSpc>
-                        <a:spcBef>
-                          <a:spcPts val="600"/>
-                        </a:spcBef>
-                        <a:spcAft>
-                          <a:spcPts val="300"/>
-                        </a:spcAft>
-                        <a:buFont typeface="Symbol" panose="05050102010706020507" pitchFamily="18" charset="2"/>
-                        <a:buChar char=""/>
-                      </a:pPr>
-                      <a:r>
-                        <a:rPr lang="en-GB" sz="1000">
-                          <a:effectLst/>
-                        </a:rPr>
-                        <a:t>Centralize and standardize the optimization algorithm for organizing container.</a:t>
-                      </a:r>
-                      <a:endParaRPr lang="en-SG" sz="1000">
-                        <a:effectLst/>
-                        <a:latin typeface="Times New Roman" panose="02020603050405020304" pitchFamily="18" charset="0"/>
-                        <a:ea typeface="Times New Roman" panose="02020603050405020304" pitchFamily="18" charset="0"/>
-                      </a:endParaRPr>
-                    </a:p>
-                  </a:txBody>
-                  <a:tcPr marL="60772" marR="60772" marT="0" marB="0"/>
-                </a:tc>
-              </a:tr>
-              <a:tr h="158965">
-                <a:tc>
-                  <a:txBody>
-                    <a:bodyPr/>
-                    <a:lstStyle/>
-                    <a:p>
-                      <a:pPr algn="l">
-                        <a:lnSpc>
-                          <a:spcPct val="107000"/>
-                        </a:lnSpc>
-                        <a:spcBef>
-                          <a:spcPts val="600"/>
-                        </a:spcBef>
-                        <a:spcAft>
-                          <a:spcPts val="300"/>
-                        </a:spcAft>
-                      </a:pPr>
-                      <a:r>
-                        <a:rPr lang="en-GB" sz="1000">
-                          <a:effectLst/>
-                        </a:rPr>
-                        <a:t>Tow-head operator information is not managed</a:t>
-                      </a:r>
-                      <a:endParaRPr lang="en-SG" sz="1000">
-                        <a:effectLst/>
-                        <a:latin typeface="Times New Roman" panose="02020603050405020304" pitchFamily="18" charset="0"/>
-                        <a:ea typeface="Times New Roman" panose="02020603050405020304" pitchFamily="18" charset="0"/>
-                      </a:endParaRPr>
-                    </a:p>
-                  </a:txBody>
-                  <a:tcPr marL="60772" marR="60772" marT="0" marB="0"/>
-                </a:tc>
-                <a:tc>
-                  <a:txBody>
-                    <a:bodyPr/>
-                    <a:lstStyle/>
-                    <a:p>
-                      <a:pPr marL="342900" lvl="0" indent="-342900" algn="l">
-                        <a:lnSpc>
-                          <a:spcPct val="107000"/>
-                        </a:lnSpc>
-                        <a:spcBef>
-                          <a:spcPts val="600"/>
-                        </a:spcBef>
-                        <a:spcAft>
-                          <a:spcPts val="300"/>
-                        </a:spcAft>
-                        <a:buFont typeface="Symbol" panose="05050102010706020507" pitchFamily="18" charset="2"/>
-                        <a:buChar char=""/>
-                      </a:pPr>
-                      <a:r>
-                        <a:rPr lang="en-GB" sz="1000" dirty="0">
-                          <a:effectLst/>
-                        </a:rPr>
-                        <a:t>To capture tow-head operator details information in system.</a:t>
-                      </a:r>
-                      <a:endParaRPr lang="en-SG" sz="1000" dirty="0">
-                        <a:effectLst/>
-                        <a:latin typeface="Times New Roman" panose="02020603050405020304" pitchFamily="18" charset="0"/>
-                        <a:ea typeface="Times New Roman" panose="02020603050405020304" pitchFamily="18" charset="0"/>
-                      </a:endParaRPr>
-                    </a:p>
-                  </a:txBody>
-                  <a:tcPr marL="60772" marR="60772" marT="0" marB="0"/>
-                </a:tc>
-              </a:tr>
-            </a:tbl>
-          </a:graphicData>
-        </a:graphic>
-      </p:graphicFrame>
     </p:spTree>
     <p:extLst>
       <p:ext uri="{BB962C8B-B14F-4D97-AF65-F5344CB8AC3E}">
-        <p14:creationId xmlns:p14="http://schemas.microsoft.com/office/powerpoint/2010/main" val="3067278586"/>
+        <p14:creationId xmlns:p14="http://schemas.microsoft.com/office/powerpoint/2010/main" val="3805048687"/>
       </p:ext>
     </p:extLst>
   </p:cSld>
@@ -20365,12 +18794,8 @@
           <a:p>
             <a:pPr eaLnBrk="1" hangingPunct="1"/>
             <a:r>
-              <a:rPr lang="en-US" dirty="0"/>
-              <a:t>Opportunity and </a:t>
-            </a:r>
-            <a:r>
               <a:rPr lang="en-US" dirty="0" smtClean="0"/>
-              <a:t>Solution</a:t>
+              <a:t>Initiatives </a:t>
             </a:r>
             <a:endParaRPr lang="en-SG" dirty="0" smtClean="0"/>
           </a:p>
@@ -20408,17 +18833,21 @@
       </p:sp>
       <p:graphicFrame>
         <p:nvGraphicFramePr>
-          <p:cNvPr id="6" name="Table 5"/>
+          <p:cNvPr id="2" name="Table 1"/>
           <p:cNvGraphicFramePr>
             <a:graphicFrameLocks noGrp="1"/>
           </p:cNvGraphicFramePr>
           <p:nvPr>
-            <p:extLst/>
+            <p:extLst>
+              <p:ext uri="{D42A27DB-BD31-4B8C-83A1-F6EECF244321}">
+                <p14:modId xmlns:p14="http://schemas.microsoft.com/office/powerpoint/2010/main" val="2848246203"/>
+              </p:ext>
+            </p:extLst>
           </p:nvPr>
         </p:nvGraphicFramePr>
         <p:xfrm>
-          <a:off x="457200" y="1340769"/>
-          <a:ext cx="8229600" cy="4580346"/>
+          <a:off x="611560" y="1628800"/>
+          <a:ext cx="6696743" cy="3946062"/>
         </p:xfrm>
         <a:graphic>
           <a:graphicData uri="http://schemas.openxmlformats.org/drawingml/2006/table">
@@ -20427,19 +18856,16 @@
                 <a:tableStyleId>{5C22544A-7EE6-4342-B048-85BDC9FD1C3A}</a:tableStyleId>
               </a:tblPr>
               <a:tblGrid>
-                <a:gridCol w="2727637"/>
-                <a:gridCol w="5501963"/>
+                <a:gridCol w="4852776"/>
+                <a:gridCol w="1843967"/>
               </a:tblGrid>
-              <a:tr h="290286">
+              <a:tr h="360040">
                 <a:tc>
                   <a:txBody>
                     <a:bodyPr/>
                     <a:lstStyle/>
                     <a:p>
-                      <a:pPr algn="l">
-                        <a:lnSpc>
-                          <a:spcPct val="107000"/>
-                        </a:lnSpc>
+                      <a:pPr marL="0" marR="0" algn="l">
                         <a:spcBef>
                           <a:spcPts val="600"/>
                         </a:spcBef>
@@ -20448,29 +18874,26 @@
                         </a:spcAft>
                       </a:pPr>
                       <a:r>
-                        <a:rPr lang="en-GB" sz="1400" dirty="0">
+                        <a:rPr lang="en-GB" sz="1600" dirty="0">
                           <a:effectLst/>
                         </a:rPr>
-                        <a:t>Gap</a:t>
-                      </a:r>
-                      <a:endParaRPr lang="en-SG" sz="1400" dirty="0">
+                        <a:t>Initiatives</a:t>
+                      </a:r>
+                      <a:endParaRPr lang="en-US" sz="1600" dirty="0">
                         <a:effectLst/>
-                        <a:latin typeface="Times New Roman" panose="02020603050405020304" pitchFamily="18" charset="0"/>
-                        <a:ea typeface="Times New Roman" panose="02020603050405020304" pitchFamily="18" charset="0"/>
+                        <a:latin typeface="Times New Roman"/>
+                        <a:ea typeface="Times New Roman"/>
                       </a:endParaRPr>
                     </a:p>
                   </a:txBody>
-                  <a:tcPr marL="60772" marR="60772" marT="0" marB="0"/>
+                  <a:tcPr marL="68580" marR="68580" marT="0" marB="0"/>
                 </a:tc>
                 <a:tc>
                   <a:txBody>
                     <a:bodyPr/>
                     <a:lstStyle/>
                     <a:p>
-                      <a:pPr algn="l">
-                        <a:lnSpc>
-                          <a:spcPct val="107000"/>
-                        </a:lnSpc>
+                      <a:pPr marL="0" marR="0" algn="l">
                         <a:spcBef>
                           <a:spcPts val="600"/>
                         </a:spcBef>
@@ -20479,31 +18902,28 @@
                         </a:spcAft>
                       </a:pPr>
                       <a:r>
-                        <a:rPr lang="en-GB" sz="1400" dirty="0">
+                        <a:rPr lang="en-GB" sz="1600" dirty="0">
                           <a:effectLst/>
                         </a:rPr>
-                        <a:t>Potential Solution</a:t>
-                      </a:r>
-                      <a:endParaRPr lang="en-SG" sz="1400" dirty="0">
+                        <a:t>Priority</a:t>
+                      </a:r>
+                      <a:endParaRPr lang="en-US" sz="1600" dirty="0">
                         <a:effectLst/>
-                        <a:latin typeface="Times New Roman" panose="02020603050405020304" pitchFamily="18" charset="0"/>
-                        <a:ea typeface="Times New Roman" panose="02020603050405020304" pitchFamily="18" charset="0"/>
+                        <a:latin typeface="Times New Roman"/>
+                        <a:ea typeface="Times New Roman"/>
                       </a:endParaRPr>
                     </a:p>
                   </a:txBody>
-                  <a:tcPr marL="60772" marR="60772" marT="0" marB="0"/>
+                  <a:tcPr marL="68580" marR="68580" marT="0" marB="0"/>
                 </a:tc>
               </a:tr>
-              <a:tr h="419217">
+              <a:tr h="230399">
                 <a:tc>
                   <a:txBody>
                     <a:bodyPr/>
                     <a:lstStyle/>
                     <a:p>
-                      <a:pPr algn="l">
-                        <a:lnSpc>
-                          <a:spcPct val="107000"/>
-                        </a:lnSpc>
+                      <a:pPr marL="0" marR="0" algn="l">
                         <a:spcBef>
                           <a:spcPts val="600"/>
                         </a:spcBef>
@@ -20512,88 +18932,38 @@
                         </a:spcAft>
                       </a:pPr>
                       <a:r>
-                        <a:rPr lang="en-GB" sz="1000">
+                        <a:rPr lang="en-GB" sz="1100" dirty="0">
                           <a:effectLst/>
                         </a:rPr>
-                        <a:t>Develop centralized SCBS system by consolidating and revamping SOS and CBS system</a:t>
-                      </a:r>
-                      <a:endParaRPr lang="en-SG" sz="1000">
+                        <a:t>Re-engineer </a:t>
+                      </a:r>
+                      <a:r>
+                        <a:rPr lang="en-GB" sz="1100" dirty="0" smtClean="0">
+                          <a:effectLst/>
+                        </a:rPr>
+                        <a:t>existing business </a:t>
+                      </a:r>
+                      <a:r>
+                        <a:rPr lang="en-GB" sz="1100" dirty="0">
+                          <a:effectLst/>
+                        </a:rPr>
+                        <a:t>processes</a:t>
+                      </a:r>
+                      <a:endParaRPr lang="en-US" sz="1100" dirty="0">
                         <a:effectLst/>
-                        <a:latin typeface="Times New Roman" panose="02020603050405020304" pitchFamily="18" charset="0"/>
-                        <a:ea typeface="Times New Roman" panose="02020603050405020304" pitchFamily="18" charset="0"/>
+                        <a:latin typeface="Times New Roman"/>
+                        <a:ea typeface="Times New Roman"/>
                       </a:endParaRPr>
                     </a:p>
                   </a:txBody>
-                  <a:tcPr marL="60772" marR="60772" marT="0" marB="0"/>
+                  <a:tcPr marL="68580" marR="68580" marT="0" marB="0"/>
                 </a:tc>
                 <a:tc>
                   <a:txBody>
                     <a:bodyPr/>
                     <a:lstStyle/>
                     <a:p>
-                      <a:pPr marL="342900" lvl="0" indent="-342900" algn="l">
-                        <a:lnSpc>
-                          <a:spcPct val="107000"/>
-                        </a:lnSpc>
-                        <a:spcBef>
-                          <a:spcPts val="600"/>
-                        </a:spcBef>
-                        <a:spcAft>
-                          <a:spcPts val="300"/>
-                        </a:spcAft>
-                        <a:buFont typeface="Symbol" panose="05050102010706020507" pitchFamily="18" charset="2"/>
-                        <a:buChar char=""/>
-                      </a:pPr>
-                      <a:r>
-                        <a:rPr lang="en-GB" sz="1000">
-                          <a:effectLst/>
-                        </a:rPr>
-                        <a:t>Develop the required system</a:t>
-                      </a:r>
-                      <a:endParaRPr lang="en-SG" sz="1000">
-                        <a:effectLst/>
-                      </a:endParaRPr>
-                    </a:p>
-                    <a:p>
-                      <a:pPr marL="342900" lvl="0" indent="-342900" algn="l">
-                        <a:lnSpc>
-                          <a:spcPct val="107000"/>
-                        </a:lnSpc>
-                        <a:spcBef>
-                          <a:spcPts val="600"/>
-                        </a:spcBef>
-                        <a:spcAft>
-                          <a:spcPts val="300"/>
-                        </a:spcAft>
-                        <a:buFont typeface="Symbol" panose="05050102010706020507" pitchFamily="18" charset="2"/>
-                        <a:buChar char=""/>
-                      </a:pPr>
-                      <a:r>
-                        <a:rPr lang="en-GB" sz="1000">
-                          <a:effectLst/>
-                        </a:rPr>
-                        <a:t>Implement system failover to ensure system high availability.</a:t>
-                      </a:r>
-                      <a:endParaRPr lang="en-SG" sz="1000">
-                        <a:effectLst/>
-                        <a:latin typeface="Times New Roman" panose="02020603050405020304" pitchFamily="18" charset="0"/>
-                        <a:ea typeface="Times New Roman" panose="02020603050405020304" pitchFamily="18" charset="0"/>
-                      </a:endParaRPr>
-                    </a:p>
-                  </a:txBody>
-                  <a:tcPr marL="60772" marR="60772" marT="0" marB="0"/>
-                </a:tc>
-              </a:tr>
-              <a:tr h="679470">
-                <a:tc>
-                  <a:txBody>
-                    <a:bodyPr/>
-                    <a:lstStyle/>
-                    <a:p>
-                      <a:pPr algn="l">
-                        <a:lnSpc>
-                          <a:spcPct val="107000"/>
-                        </a:lnSpc>
+                      <a:pPr marL="0" marR="0" algn="just">
                         <a:spcBef>
                           <a:spcPts val="600"/>
                         </a:spcBef>
@@ -20602,112 +18972,28 @@
                         </a:spcAft>
                       </a:pPr>
                       <a:r>
-                        <a:rPr lang="en-GB" sz="1000">
+                        <a:rPr lang="en-GB" sz="1100">
                           <a:effectLst/>
                         </a:rPr>
-                        <a:t>Develop centralized VCMS system by consolidating and revamping VMS and CMS system</a:t>
-                      </a:r>
-                      <a:endParaRPr lang="en-SG" sz="1000">
+                        <a:t>High</a:t>
+                      </a:r>
+                      <a:endParaRPr lang="en-US" sz="1100">
                         <a:effectLst/>
-                        <a:latin typeface="Times New Roman" panose="02020603050405020304" pitchFamily="18" charset="0"/>
-                        <a:ea typeface="Times New Roman" panose="02020603050405020304" pitchFamily="18" charset="0"/>
+                        <a:latin typeface="Times New Roman"/>
+                        <a:ea typeface="Times New Roman"/>
                       </a:endParaRPr>
                     </a:p>
                   </a:txBody>
-                  <a:tcPr marL="60772" marR="60772" marT="0" marB="0"/>
+                  <a:tcPr marL="68580" marR="68580" marT="0" marB="0"/>
                 </a:tc>
+              </a:tr>
+              <a:tr h="460798">
                 <a:tc>
                   <a:txBody>
                     <a:bodyPr/>
                     <a:lstStyle/>
                     <a:p>
-                      <a:pPr marL="342900" lvl="0" indent="-342900" algn="l">
-                        <a:lnSpc>
-                          <a:spcPct val="107000"/>
-                        </a:lnSpc>
-                        <a:spcBef>
-                          <a:spcPts val="600"/>
-                        </a:spcBef>
-                        <a:spcAft>
-                          <a:spcPts val="300"/>
-                        </a:spcAft>
-                        <a:buFont typeface="Symbol" panose="05050102010706020507" pitchFamily="18" charset="2"/>
-                        <a:buChar char=""/>
-                      </a:pPr>
-                      <a:r>
-                        <a:rPr lang="en-GB" sz="1000">
-                          <a:effectLst/>
-                        </a:rPr>
-                        <a:t>To develop the required system</a:t>
-                      </a:r>
-                      <a:endParaRPr lang="en-SG" sz="1000">
-                        <a:effectLst/>
-                      </a:endParaRPr>
-                    </a:p>
-                    <a:p>
-                      <a:pPr marL="342900" lvl="0" indent="-342900" algn="l">
-                        <a:lnSpc>
-                          <a:spcPct val="107000"/>
-                        </a:lnSpc>
-                        <a:spcBef>
-                          <a:spcPts val="600"/>
-                        </a:spcBef>
-                        <a:spcAft>
-                          <a:spcPts val="300"/>
-                        </a:spcAft>
-                        <a:buFont typeface="Symbol" panose="05050102010706020507" pitchFamily="18" charset="2"/>
-                        <a:buChar char=""/>
-                      </a:pPr>
-                      <a:r>
-                        <a:rPr lang="en-GB" sz="1000">
-                          <a:effectLst/>
-                        </a:rPr>
-                        <a:t>To include tow-head operator management functions.</a:t>
-                      </a:r>
-                      <a:endParaRPr lang="en-SG" sz="1000">
-                        <a:effectLst/>
-                      </a:endParaRPr>
-                    </a:p>
-                    <a:p>
-                      <a:pPr marL="342900" lvl="0" indent="-342900" algn="l">
-                        <a:lnSpc>
-                          <a:spcPct val="107000"/>
-                        </a:lnSpc>
-                        <a:spcBef>
-                          <a:spcPts val="600"/>
-                        </a:spcBef>
-                        <a:spcAft>
-                          <a:spcPts val="300"/>
-                        </a:spcAft>
-                        <a:buFont typeface="Symbol" panose="05050102010706020507" pitchFamily="18" charset="2"/>
-                        <a:buChar char=""/>
-                      </a:pPr>
-                      <a:r>
-                        <a:rPr lang="en-GB" sz="1000">
-                          <a:effectLst/>
-                        </a:rPr>
-                        <a:t>To implement system failover to reduce the unscheduled downtime.</a:t>
-                      </a:r>
-                      <a:endParaRPr lang="en-SG" sz="1000">
-                        <a:effectLst/>
-                        <a:latin typeface="Times New Roman" panose="02020603050405020304" pitchFamily="18" charset="0"/>
-                        <a:ea typeface="Times New Roman" panose="02020603050405020304" pitchFamily="18" charset="0"/>
-                      </a:endParaRPr>
-                    </a:p>
-                  </a:txBody>
-                  <a:tcPr marL="60772" marR="60772" marT="0" marB="0"/>
-                </a:tc>
-              </a:tr>
-              <a:tr h="679470">
-                <a:tc>
-                  <a:txBody>
-                    <a:bodyPr/>
-                    <a:lstStyle/>
-                    <a:p>
-                      <a:pPr algn="l">
-                        <a:lnSpc>
-                          <a:spcPct val="107000"/>
-                        </a:lnSpc>
+                      <a:pPr marL="0" marR="0" algn="just">
                         <a:spcBef>
                           <a:spcPts val="600"/>
                         </a:spcBef>
@@ -20716,112 +19002,26 @@
                         </a:spcAft>
                       </a:pPr>
                       <a:r>
-                        <a:rPr lang="en-GB" sz="1000">
+                        <a:rPr lang="en-GB" sz="1100" dirty="0">
                           <a:effectLst/>
                         </a:rPr>
-                        <a:t>Container Movement prediction engine requires high computational load and it would affect the performance of VCMS.</a:t>
-                      </a:r>
-                      <a:endParaRPr lang="en-SG" sz="1000">
+                        <a:t>Establish more customer focused services to improve customer satisfaction.</a:t>
+                      </a:r>
+                      <a:endParaRPr lang="en-US" sz="1100" dirty="0">
                         <a:effectLst/>
-                        <a:latin typeface="Times New Roman" panose="02020603050405020304" pitchFamily="18" charset="0"/>
-                        <a:ea typeface="Times New Roman" panose="02020603050405020304" pitchFamily="18" charset="0"/>
+                        <a:latin typeface="Times New Roman"/>
+                        <a:ea typeface="Times New Roman"/>
                       </a:endParaRPr>
                     </a:p>
                   </a:txBody>
-                  <a:tcPr marL="60772" marR="60772" marT="0" marB="0"/>
+                  <a:tcPr marL="68580" marR="68580" marT="0" marB="0"/>
                 </a:tc>
                 <a:tc>
                   <a:txBody>
                     <a:bodyPr/>
                     <a:lstStyle/>
                     <a:p>
-                      <a:pPr marL="342900" lvl="0" indent="-342900" algn="l">
-                        <a:lnSpc>
-                          <a:spcPct val="107000"/>
-                        </a:lnSpc>
-                        <a:spcBef>
-                          <a:spcPts val="600"/>
-                        </a:spcBef>
-                        <a:spcAft>
-                          <a:spcPts val="300"/>
-                        </a:spcAft>
-                        <a:buFont typeface="Symbol" panose="05050102010706020507" pitchFamily="18" charset="2"/>
-                        <a:buChar char=""/>
-                      </a:pPr>
-                      <a:r>
-                        <a:rPr lang="en-GB" sz="1000">
-                          <a:effectLst/>
-                        </a:rPr>
-                        <a:t>Separate the Container Movement prediction engine.</a:t>
-                      </a:r>
-                      <a:endParaRPr lang="en-SG" sz="1000">
-                        <a:effectLst/>
-                      </a:endParaRPr>
-                    </a:p>
-                    <a:p>
-                      <a:pPr marL="342900" lvl="0" indent="-342900" algn="l">
-                        <a:lnSpc>
-                          <a:spcPct val="107000"/>
-                        </a:lnSpc>
-                        <a:spcBef>
-                          <a:spcPts val="600"/>
-                        </a:spcBef>
-                        <a:spcAft>
-                          <a:spcPts val="300"/>
-                        </a:spcAft>
-                        <a:buFont typeface="Symbol" panose="05050102010706020507" pitchFamily="18" charset="2"/>
-                        <a:buChar char=""/>
-                      </a:pPr>
-                      <a:r>
-                        <a:rPr lang="en-GB" sz="1000">
-                          <a:effectLst/>
-                        </a:rPr>
-                        <a:t>Deploy the engine in another distributed server.</a:t>
-                      </a:r>
-                      <a:endParaRPr lang="en-SG" sz="1000">
-                        <a:effectLst/>
-                      </a:endParaRPr>
-                    </a:p>
-                    <a:p>
-                      <a:pPr marL="342900" lvl="0" indent="-342900" algn="l">
-                        <a:lnSpc>
-                          <a:spcPct val="107000"/>
-                        </a:lnSpc>
-                        <a:spcBef>
-                          <a:spcPts val="600"/>
-                        </a:spcBef>
-                        <a:spcAft>
-                          <a:spcPts val="300"/>
-                        </a:spcAft>
-                        <a:buFont typeface="Symbol" panose="05050102010706020507" pitchFamily="18" charset="2"/>
-                        <a:buChar char=""/>
-                      </a:pPr>
-                      <a:r>
-                        <a:rPr lang="en-GB" sz="1000">
-                          <a:effectLst/>
-                        </a:rPr>
-                        <a:t>To provide the remote method invocation to VCMS.</a:t>
-                      </a:r>
-                      <a:endParaRPr lang="en-SG" sz="1000">
-                        <a:effectLst/>
-                        <a:latin typeface="Times New Roman" panose="02020603050405020304" pitchFamily="18" charset="0"/>
-                        <a:ea typeface="Times New Roman" panose="02020603050405020304" pitchFamily="18" charset="0"/>
-                      </a:endParaRPr>
-                    </a:p>
-                  </a:txBody>
-                  <a:tcPr marL="60772" marR="60772" marT="0" marB="0"/>
-                </a:tc>
-              </a:tr>
-              <a:tr h="317930">
-                <a:tc>
-                  <a:txBody>
-                    <a:bodyPr/>
-                    <a:lstStyle/>
-                    <a:p>
-                      <a:pPr algn="l">
-                        <a:lnSpc>
-                          <a:spcPct val="107000"/>
-                        </a:lnSpc>
+                      <a:pPr marL="0" marR="0" algn="just">
                         <a:spcBef>
                           <a:spcPts val="600"/>
                         </a:spcBef>
@@ -20830,64 +19030,28 @@
                         </a:spcAft>
                       </a:pPr>
                       <a:r>
-                        <a:rPr lang="en-GB" sz="1000">
+                        <a:rPr lang="en-GB" sz="1100">
                           <a:effectLst/>
                         </a:rPr>
-                        <a:t>Integration to SCBS for sophisticated customer’s procurement system</a:t>
-                      </a:r>
-                      <a:endParaRPr lang="en-SG" sz="1000">
+                        <a:t>High</a:t>
+                      </a:r>
+                      <a:endParaRPr lang="en-US" sz="1100">
                         <a:effectLst/>
-                        <a:latin typeface="Times New Roman" panose="02020603050405020304" pitchFamily="18" charset="0"/>
-                        <a:ea typeface="Times New Roman" panose="02020603050405020304" pitchFamily="18" charset="0"/>
+                        <a:latin typeface="Times New Roman"/>
+                        <a:ea typeface="Times New Roman"/>
                       </a:endParaRPr>
                     </a:p>
                   </a:txBody>
-                  <a:tcPr marL="60772" marR="60772" marT="0" marB="0"/>
+                  <a:tcPr marL="68580" marR="68580" marT="0" marB="0"/>
                 </a:tc>
+              </a:tr>
+              <a:tr h="230399">
                 <a:tc>
                   <a:txBody>
                     <a:bodyPr/>
                     <a:lstStyle/>
                     <a:p>
-                      <a:pPr marL="342900" lvl="0" indent="-342900" algn="l">
-                        <a:lnSpc>
-                          <a:spcPct val="107000"/>
-                        </a:lnSpc>
-                        <a:spcBef>
-                          <a:spcPts val="600"/>
-                        </a:spcBef>
-                        <a:spcAft>
-                          <a:spcPts val="300"/>
-                        </a:spcAft>
-                        <a:buFont typeface="Symbol" panose="05050102010706020507" pitchFamily="18" charset="2"/>
-                        <a:buChar char=""/>
-                      </a:pPr>
-                      <a:r>
-                        <a:rPr lang="en-GB" sz="1000">
-                          <a:effectLst/>
-                        </a:rPr>
-                        <a:t>Develop a set of Web Services in SCBS for integration.</a:t>
-                      </a:r>
-                      <a:endParaRPr lang="en-SG" sz="1000">
-                        <a:effectLst/>
-                        <a:latin typeface="Times New Roman" panose="02020603050405020304" pitchFamily="18" charset="0"/>
-                        <a:ea typeface="Times New Roman" panose="02020603050405020304" pitchFamily="18" charset="0"/>
-                      </a:endParaRPr>
-                    </a:p>
-                  </a:txBody>
-                  <a:tcPr marL="60772" marR="60772" marT="0" marB="0"/>
-                </a:tc>
-              </a:tr>
-              <a:tr h="419217">
-                <a:tc>
-                  <a:txBody>
-                    <a:bodyPr/>
-                    <a:lstStyle/>
-                    <a:p>
-                      <a:pPr algn="l">
-                        <a:lnSpc>
-                          <a:spcPct val="107000"/>
-                        </a:lnSpc>
+                      <a:pPr marL="0" marR="0" algn="just">
                         <a:spcBef>
                           <a:spcPts val="600"/>
                         </a:spcBef>
@@ -20896,88 +19060,26 @@
                         </a:spcAft>
                       </a:pPr>
                       <a:r>
-                        <a:rPr lang="en-GB" sz="1000">
+                        <a:rPr lang="en-GB" sz="1100" dirty="0">
                           <a:effectLst/>
                         </a:rPr>
-                        <a:t>Integration to VCMS for Port Operators and internal applications</a:t>
-                      </a:r>
-                      <a:endParaRPr lang="en-SG" sz="1000">
+                        <a:t>Re-structure application systems</a:t>
+                      </a:r>
+                      <a:endParaRPr lang="en-US" sz="1100" dirty="0">
                         <a:effectLst/>
-                        <a:latin typeface="Times New Roman" panose="02020603050405020304" pitchFamily="18" charset="0"/>
-                        <a:ea typeface="Times New Roman" panose="02020603050405020304" pitchFamily="18" charset="0"/>
+                        <a:latin typeface="Times New Roman"/>
+                        <a:ea typeface="Times New Roman"/>
                       </a:endParaRPr>
                     </a:p>
                   </a:txBody>
-                  <a:tcPr marL="60772" marR="60772" marT="0" marB="0"/>
+                  <a:tcPr marL="68580" marR="68580" marT="0" marB="0"/>
                 </a:tc>
                 <a:tc>
                   <a:txBody>
                     <a:bodyPr/>
                     <a:lstStyle/>
                     <a:p>
-                      <a:pPr marL="342900" lvl="0" indent="-342900" algn="l">
-                        <a:lnSpc>
-                          <a:spcPct val="107000"/>
-                        </a:lnSpc>
-                        <a:spcBef>
-                          <a:spcPts val="600"/>
-                        </a:spcBef>
-                        <a:spcAft>
-                          <a:spcPts val="300"/>
-                        </a:spcAft>
-                        <a:buFont typeface="Symbol" panose="05050102010706020507" pitchFamily="18" charset="2"/>
-                        <a:buChar char=""/>
-                      </a:pPr>
-                      <a:r>
-                        <a:rPr lang="en-GB" sz="1000">
-                          <a:effectLst/>
-                        </a:rPr>
-                        <a:t>Develop a set of Web Service in VCMS for Port Operators to integrate.</a:t>
-                      </a:r>
-                      <a:endParaRPr lang="en-SG" sz="1000">
-                        <a:effectLst/>
-                      </a:endParaRPr>
-                    </a:p>
-                    <a:p>
-                      <a:pPr marL="342900" lvl="0" indent="-342900" algn="l">
-                        <a:lnSpc>
-                          <a:spcPct val="107000"/>
-                        </a:lnSpc>
-                        <a:spcBef>
-                          <a:spcPts val="600"/>
-                        </a:spcBef>
-                        <a:spcAft>
-                          <a:spcPts val="300"/>
-                        </a:spcAft>
-                        <a:buFont typeface="Symbol" panose="05050102010706020507" pitchFamily="18" charset="2"/>
-                        <a:buChar char=""/>
-                      </a:pPr>
-                      <a:r>
-                        <a:rPr lang="en-GB" sz="1000">
-                          <a:effectLst/>
-                        </a:rPr>
-                        <a:t>Develop another set of Web Service in VCMS for internal system to integrate.</a:t>
-                      </a:r>
-                      <a:endParaRPr lang="en-SG" sz="1000">
-                        <a:effectLst/>
-                        <a:latin typeface="Times New Roman" panose="02020603050405020304" pitchFamily="18" charset="0"/>
-                        <a:ea typeface="Times New Roman" panose="02020603050405020304" pitchFamily="18" charset="0"/>
-                      </a:endParaRPr>
-                    </a:p>
-                  </a:txBody>
-                  <a:tcPr marL="60772" marR="60772" marT="0" marB="0"/>
-                </a:tc>
-              </a:tr>
-              <a:tr h="1098687">
-                <a:tc>
-                  <a:txBody>
-                    <a:bodyPr/>
-                    <a:lstStyle/>
-                    <a:p>
-                      <a:pPr algn="l">
-                        <a:lnSpc>
-                          <a:spcPct val="107000"/>
-                        </a:lnSpc>
+                      <a:pPr marL="0" marR="0" algn="just">
                         <a:spcBef>
                           <a:spcPts val="600"/>
                         </a:spcBef>
@@ -20986,136 +19088,28 @@
                         </a:spcAft>
                       </a:pPr>
                       <a:r>
-                        <a:rPr lang="en-GB" sz="1000">
+                        <a:rPr lang="en-GB" sz="1100" dirty="0">
                           <a:effectLst/>
                         </a:rPr>
-                        <a:t>Online RFQ and order submission is not supported</a:t>
-                      </a:r>
-                      <a:endParaRPr lang="en-SG" sz="1000">
+                        <a:t>High</a:t>
+                      </a:r>
+                      <a:endParaRPr lang="en-US" sz="1100" dirty="0">
                         <a:effectLst/>
-                        <a:latin typeface="Times New Roman" panose="02020603050405020304" pitchFamily="18" charset="0"/>
-                        <a:ea typeface="Times New Roman" panose="02020603050405020304" pitchFamily="18" charset="0"/>
+                        <a:latin typeface="Times New Roman"/>
+                        <a:ea typeface="Times New Roman"/>
                       </a:endParaRPr>
                     </a:p>
                   </a:txBody>
-                  <a:tcPr marL="60772" marR="60772" marT="0" marB="0"/>
+                  <a:tcPr marL="68580" marR="68580" marT="0" marB="0"/>
                 </a:tc>
+              </a:tr>
+              <a:tr h="460798">
                 <a:tc>
                   <a:txBody>
                     <a:bodyPr/>
                     <a:lstStyle/>
                     <a:p>
-                      <a:pPr marL="342900" lvl="0" indent="-342900" algn="l">
-                        <a:lnSpc>
-                          <a:spcPct val="107000"/>
-                        </a:lnSpc>
-                        <a:spcBef>
-                          <a:spcPts val="600"/>
-                        </a:spcBef>
-                        <a:spcAft>
-                          <a:spcPts val="300"/>
-                        </a:spcAft>
-                        <a:buFont typeface="Symbol" panose="05050102010706020507" pitchFamily="18" charset="2"/>
-                        <a:buChar char=""/>
-                      </a:pPr>
-                      <a:r>
-                        <a:rPr lang="en-GB" sz="1000">
-                          <a:effectLst/>
-                        </a:rPr>
-                        <a:t>Integrate SGLines Web site with SCBS to allow customer registration.</a:t>
-                      </a:r>
-                      <a:endParaRPr lang="en-SG" sz="1000">
-                        <a:effectLst/>
-                      </a:endParaRPr>
-                    </a:p>
-                    <a:p>
-                      <a:pPr marL="342900" lvl="0" indent="-342900" algn="l">
-                        <a:lnSpc>
-                          <a:spcPct val="107000"/>
-                        </a:lnSpc>
-                        <a:spcBef>
-                          <a:spcPts val="600"/>
-                        </a:spcBef>
-                        <a:spcAft>
-                          <a:spcPts val="300"/>
-                        </a:spcAft>
-                        <a:buFont typeface="Symbol" panose="05050102010706020507" pitchFamily="18" charset="2"/>
-                        <a:buChar char=""/>
-                      </a:pPr>
-                      <a:r>
-                        <a:rPr lang="en-GB" sz="1000">
-                          <a:effectLst/>
-                        </a:rPr>
-                        <a:t>Integrate SGLines Web site with SCBS to allow customer to submit RFQ and order online from a new Web storefront.</a:t>
-                      </a:r>
-                      <a:endParaRPr lang="en-SG" sz="1000">
-                        <a:effectLst/>
-                      </a:endParaRPr>
-                    </a:p>
-                    <a:p>
-                      <a:pPr marL="342900" lvl="0" indent="-342900" algn="l">
-                        <a:lnSpc>
-                          <a:spcPct val="107000"/>
-                        </a:lnSpc>
-                        <a:spcBef>
-                          <a:spcPts val="600"/>
-                        </a:spcBef>
-                        <a:spcAft>
-                          <a:spcPts val="300"/>
-                        </a:spcAft>
-                        <a:buFont typeface="Symbol" panose="05050102010706020507" pitchFamily="18" charset="2"/>
-                        <a:buChar char=""/>
-                      </a:pPr>
-                      <a:r>
-                        <a:rPr lang="en-GB" sz="1000">
-                          <a:effectLst/>
-                        </a:rPr>
-                        <a:t>Customize the Web contents for different customer type and country.</a:t>
-                      </a:r>
-                      <a:endParaRPr lang="en-SG" sz="1000">
-                        <a:effectLst/>
-                      </a:endParaRPr>
-                    </a:p>
-                    <a:p>
-                      <a:pPr marL="342900" lvl="0" indent="-342900" algn="l">
-                        <a:lnSpc>
-                          <a:spcPct val="107000"/>
-                        </a:lnSpc>
-                        <a:spcBef>
-                          <a:spcPts val="600"/>
-                        </a:spcBef>
-                        <a:spcAft>
-                          <a:spcPts val="300"/>
-                        </a:spcAft>
-                        <a:buFont typeface="Symbol" panose="05050102010706020507" pitchFamily="18" charset="2"/>
-                        <a:buChar char=""/>
-                      </a:pPr>
-                      <a:r>
-                        <a:rPr lang="en-GB" sz="1000">
-                          <a:effectLst/>
-                        </a:rPr>
-                        <a:t>Support different types of browsers.</a:t>
-                      </a:r>
-                      <a:endParaRPr lang="en-SG" sz="1000">
-                        <a:effectLst/>
-                        <a:latin typeface="Times New Roman" panose="02020603050405020304" pitchFamily="18" charset="0"/>
-                        <a:ea typeface="Times New Roman" panose="02020603050405020304" pitchFamily="18" charset="0"/>
-                      </a:endParaRPr>
-                    </a:p>
-                  </a:txBody>
-                  <a:tcPr marL="60772" marR="60772" marT="0" marB="0"/>
-                </a:tc>
-              </a:tr>
-              <a:tr h="419217">
-                <a:tc>
-                  <a:txBody>
-                    <a:bodyPr/>
-                    <a:lstStyle/>
-                    <a:p>
-                      <a:pPr algn="l">
-                        <a:lnSpc>
-                          <a:spcPct val="107000"/>
-                        </a:lnSpc>
+                      <a:pPr marL="0" marR="0" algn="just">
                         <a:spcBef>
                           <a:spcPts val="600"/>
                         </a:spcBef>
@@ -21124,76 +19118,337 @@
                         </a:spcAft>
                       </a:pPr>
                       <a:r>
-                        <a:rPr lang="en-GB" sz="1000">
+                        <a:rPr lang="en-GB" sz="1100">
                           <a:effectLst/>
                         </a:rPr>
-                        <a:t>Generating management report would impact VCMS performance</a:t>
-                      </a:r>
-                      <a:endParaRPr lang="en-SG" sz="1000">
+                        <a:t>Provide interface for internal/external system to integrate.</a:t>
+                      </a:r>
+                      <a:endParaRPr lang="en-US" sz="1100">
                         <a:effectLst/>
-                        <a:latin typeface="Times New Roman" panose="02020603050405020304" pitchFamily="18" charset="0"/>
-                        <a:ea typeface="Times New Roman" panose="02020603050405020304" pitchFamily="18" charset="0"/>
+                        <a:latin typeface="Times New Roman"/>
+                        <a:ea typeface="Times New Roman"/>
                       </a:endParaRPr>
                     </a:p>
                   </a:txBody>
-                  <a:tcPr marL="60772" marR="60772" marT="0" marB="0"/>
+                  <a:tcPr marL="68580" marR="68580" marT="0" marB="0"/>
                 </a:tc>
                 <a:tc>
                   <a:txBody>
                     <a:bodyPr/>
                     <a:lstStyle/>
                     <a:p>
-                      <a:pPr marL="342900" lvl="0" indent="-342900" algn="l">
-                        <a:lnSpc>
-                          <a:spcPct val="107000"/>
-                        </a:lnSpc>
+                      <a:pPr marL="0" marR="0" algn="just">
                         <a:spcBef>
                           <a:spcPts val="600"/>
                         </a:spcBef>
                         <a:spcAft>
                           <a:spcPts val="300"/>
                         </a:spcAft>
-                        <a:buFont typeface="Symbol" panose="05050102010706020507" pitchFamily="18" charset="2"/>
-                        <a:buChar char=""/>
                       </a:pPr>
                       <a:r>
-                        <a:rPr lang="en-GB" sz="1000" dirty="0">
+                        <a:rPr lang="en-GB" sz="1100">
                           <a:effectLst/>
                         </a:rPr>
-                        <a:t>Replicate data for VCMS system using DB feature and set the replicated data to be read only.</a:t>
-                      </a:r>
-                      <a:endParaRPr lang="en-SG" sz="1000" dirty="0">
+                        <a:t>Medium</a:t>
+                      </a:r>
+                      <a:endParaRPr lang="en-US" sz="1100">
                         <a:effectLst/>
+                        <a:latin typeface="Times New Roman"/>
+                        <a:ea typeface="Times New Roman"/>
                       </a:endParaRPr>
                     </a:p>
-                    <a:p>
-                      <a:pPr marL="342900" lvl="0" indent="-342900" algn="l">
-                        <a:lnSpc>
-                          <a:spcPct val="107000"/>
-                        </a:lnSpc>
+                  </a:txBody>
+                  <a:tcPr marL="68580" marR="68580" marT="0" marB="0"/>
+                </a:tc>
+              </a:tr>
+              <a:tr h="460798">
+                <a:tc>
+                  <a:txBody>
+                    <a:bodyPr/>
+                    <a:lstStyle/>
+                    <a:p>
+                      <a:pPr marL="0" marR="0" algn="just">
                         <a:spcBef>
                           <a:spcPts val="600"/>
                         </a:spcBef>
                         <a:spcAft>
                           <a:spcPts val="300"/>
                         </a:spcAft>
-                        <a:buFont typeface="Symbol" panose="05050102010706020507" pitchFamily="18" charset="2"/>
-                        <a:buChar char=""/>
                       </a:pPr>
                       <a:r>
-                        <a:rPr lang="en-GB" sz="1000" dirty="0">
+                        <a:rPr lang="en-GB" sz="1100">
                           <a:effectLst/>
                         </a:rPr>
-                        <a:t>Access replicated DB to generate management report.</a:t>
-                      </a:r>
-                      <a:endParaRPr lang="en-SG" sz="1000" dirty="0">
+                        <a:t>Improve performance and enhance security in systems.</a:t>
+                      </a:r>
+                      <a:endParaRPr lang="en-US" sz="1100">
                         <a:effectLst/>
-                        <a:latin typeface="Times New Roman" panose="02020603050405020304" pitchFamily="18" charset="0"/>
-                        <a:ea typeface="Times New Roman" panose="02020603050405020304" pitchFamily="18" charset="0"/>
+                        <a:latin typeface="Times New Roman"/>
+                        <a:ea typeface="Times New Roman"/>
                       </a:endParaRPr>
                     </a:p>
                   </a:txBody>
-                  <a:tcPr marL="60772" marR="60772" marT="0" marB="0"/>
+                  <a:tcPr marL="68580" marR="68580" marT="0" marB="0"/>
+                </a:tc>
+                <a:tc>
+                  <a:txBody>
+                    <a:bodyPr/>
+                    <a:lstStyle/>
+                    <a:p>
+                      <a:pPr marL="0" marR="0" algn="just">
+                        <a:spcBef>
+                          <a:spcPts val="600"/>
+                        </a:spcBef>
+                        <a:spcAft>
+                          <a:spcPts val="300"/>
+                        </a:spcAft>
+                      </a:pPr>
+                      <a:r>
+                        <a:rPr lang="en-GB" sz="1100">
+                          <a:effectLst/>
+                        </a:rPr>
+                        <a:t>High</a:t>
+                      </a:r>
+                      <a:endParaRPr lang="en-US" sz="1100">
+                        <a:effectLst/>
+                        <a:latin typeface="Times New Roman"/>
+                        <a:ea typeface="Times New Roman"/>
+                      </a:endParaRPr>
+                    </a:p>
+                  </a:txBody>
+                  <a:tcPr marL="68580" marR="68580" marT="0" marB="0"/>
+                </a:tc>
+              </a:tr>
+              <a:tr h="230399">
+                <a:tc>
+                  <a:txBody>
+                    <a:bodyPr/>
+                    <a:lstStyle/>
+                    <a:p>
+                      <a:pPr marL="0" marR="0" algn="just">
+                        <a:spcBef>
+                          <a:spcPts val="600"/>
+                        </a:spcBef>
+                        <a:spcAft>
+                          <a:spcPts val="300"/>
+                        </a:spcAft>
+                      </a:pPr>
+                      <a:r>
+                        <a:rPr lang="en-GB" sz="1100">
+                          <a:effectLst/>
+                        </a:rPr>
+                        <a:t>Standardize data storage for system integration.</a:t>
+                      </a:r>
+                      <a:endParaRPr lang="en-US" sz="1100">
+                        <a:effectLst/>
+                        <a:latin typeface="Times New Roman"/>
+                        <a:ea typeface="Times New Roman"/>
+                      </a:endParaRPr>
+                    </a:p>
+                  </a:txBody>
+                  <a:tcPr marL="68580" marR="68580" marT="0" marB="0"/>
+                </a:tc>
+                <a:tc>
+                  <a:txBody>
+                    <a:bodyPr/>
+                    <a:lstStyle/>
+                    <a:p>
+                      <a:pPr marL="0" marR="0" algn="just">
+                        <a:spcBef>
+                          <a:spcPts val="600"/>
+                        </a:spcBef>
+                        <a:spcAft>
+                          <a:spcPts val="300"/>
+                        </a:spcAft>
+                      </a:pPr>
+                      <a:r>
+                        <a:rPr lang="en-GB" sz="1100">
+                          <a:effectLst/>
+                        </a:rPr>
+                        <a:t>High</a:t>
+                      </a:r>
+                      <a:endParaRPr lang="en-US" sz="1100">
+                        <a:effectLst/>
+                        <a:latin typeface="Times New Roman"/>
+                        <a:ea typeface="Times New Roman"/>
+                      </a:endParaRPr>
+                    </a:p>
+                  </a:txBody>
+                  <a:tcPr marL="68580" marR="68580" marT="0" marB="0"/>
+                </a:tc>
+              </a:tr>
+              <a:tr h="460798">
+                <a:tc>
+                  <a:txBody>
+                    <a:bodyPr/>
+                    <a:lstStyle/>
+                    <a:p>
+                      <a:pPr marL="0" marR="0" algn="just">
+                        <a:spcBef>
+                          <a:spcPts val="600"/>
+                        </a:spcBef>
+                        <a:spcAft>
+                          <a:spcPts val="300"/>
+                        </a:spcAft>
+                      </a:pPr>
+                      <a:r>
+                        <a:rPr lang="en-GB" sz="1100">
+                          <a:effectLst/>
+                        </a:rPr>
+                        <a:t>Adapt new technology to improve system stability and ease for maintenance.</a:t>
+                      </a:r>
+                      <a:endParaRPr lang="en-US" sz="1100">
+                        <a:effectLst/>
+                        <a:latin typeface="Times New Roman"/>
+                        <a:ea typeface="Times New Roman"/>
+                      </a:endParaRPr>
+                    </a:p>
+                  </a:txBody>
+                  <a:tcPr marL="68580" marR="68580" marT="0" marB="0"/>
+                </a:tc>
+                <a:tc>
+                  <a:txBody>
+                    <a:bodyPr/>
+                    <a:lstStyle/>
+                    <a:p>
+                      <a:pPr marL="0" marR="0" algn="just">
+                        <a:spcBef>
+                          <a:spcPts val="600"/>
+                        </a:spcBef>
+                        <a:spcAft>
+                          <a:spcPts val="300"/>
+                        </a:spcAft>
+                      </a:pPr>
+                      <a:r>
+                        <a:rPr lang="en-GB" sz="1100">
+                          <a:effectLst/>
+                        </a:rPr>
+                        <a:t>Medium</a:t>
+                      </a:r>
+                      <a:endParaRPr lang="en-US" sz="1100">
+                        <a:effectLst/>
+                        <a:latin typeface="Times New Roman"/>
+                        <a:ea typeface="Times New Roman"/>
+                      </a:endParaRPr>
+                    </a:p>
+                  </a:txBody>
+                  <a:tcPr marL="68580" marR="68580" marT="0" marB="0"/>
+                </a:tc>
+              </a:tr>
+              <a:tr h="631852">
+                <a:tc>
+                  <a:txBody>
+                    <a:bodyPr/>
+                    <a:lstStyle/>
+                    <a:p>
+                      <a:pPr marL="0" marR="0" algn="just">
+                        <a:spcBef>
+                          <a:spcPts val="600"/>
+                        </a:spcBef>
+                        <a:spcAft>
+                          <a:spcPts val="300"/>
+                        </a:spcAft>
+                      </a:pPr>
+                      <a:r>
+                        <a:rPr lang="en-GB" sz="1100">
+                          <a:effectLst/>
+                        </a:rPr>
+                        <a:t>Produce management report for marketing analysis and strategy change.</a:t>
+                      </a:r>
+                      <a:endParaRPr lang="en-US" sz="1100">
+                        <a:effectLst/>
+                        <a:latin typeface="Times New Roman"/>
+                        <a:ea typeface="Times New Roman"/>
+                      </a:endParaRPr>
+                    </a:p>
+                  </a:txBody>
+                  <a:tcPr marL="68580" marR="68580" marT="0" marB="0"/>
+                </a:tc>
+                <a:tc>
+                  <a:txBody>
+                    <a:bodyPr/>
+                    <a:lstStyle/>
+                    <a:p>
+                      <a:pPr marL="0" marR="0" algn="just">
+                        <a:spcBef>
+                          <a:spcPts val="600"/>
+                        </a:spcBef>
+                        <a:spcAft>
+                          <a:spcPts val="300"/>
+                        </a:spcAft>
+                      </a:pPr>
+                      <a:r>
+                        <a:rPr lang="en-GB" sz="1100">
+                          <a:effectLst/>
+                        </a:rPr>
+                        <a:t>Medium</a:t>
+                      </a:r>
+                      <a:endParaRPr lang="en-US" sz="1100">
+                        <a:effectLst/>
+                        <a:latin typeface="Times New Roman"/>
+                        <a:ea typeface="Times New Roman"/>
+                      </a:endParaRPr>
+                    </a:p>
+                  </a:txBody>
+                  <a:tcPr marL="68580" marR="68580" marT="0" marB="0"/>
+                </a:tc>
+              </a:tr>
+              <a:tr h="419781">
+                <a:tc>
+                  <a:txBody>
+                    <a:bodyPr/>
+                    <a:lstStyle/>
+                    <a:p>
+                      <a:pPr marL="0" marR="0" algn="just">
+                        <a:spcBef>
+                          <a:spcPts val="600"/>
+                        </a:spcBef>
+                        <a:spcAft>
+                          <a:spcPts val="300"/>
+                        </a:spcAft>
+                      </a:pPr>
+                      <a:r>
+                        <a:rPr lang="en-GB" sz="1100" dirty="0">
+                          <a:effectLst/>
+                        </a:rPr>
+                        <a:t>Procure new hardware.</a:t>
+                      </a:r>
+                      <a:endParaRPr lang="en-US" sz="1100" dirty="0">
+                        <a:effectLst/>
+                        <a:latin typeface="Times New Roman"/>
+                        <a:ea typeface="Times New Roman"/>
+                      </a:endParaRPr>
+                    </a:p>
+                  </a:txBody>
+                  <a:tcPr marL="68580" marR="68580" marT="0" marB="0"/>
+                </a:tc>
+                <a:tc>
+                  <a:txBody>
+                    <a:bodyPr/>
+                    <a:lstStyle/>
+                    <a:p>
+                      <a:pPr marL="0" marR="0" algn="just">
+                        <a:spcBef>
+                          <a:spcPts val="600"/>
+                        </a:spcBef>
+                        <a:spcAft>
+                          <a:spcPts val="300"/>
+                        </a:spcAft>
+                      </a:pPr>
+                      <a:r>
+                        <a:rPr lang="en-GB" sz="1100" dirty="0">
+                          <a:effectLst/>
+                        </a:rPr>
+                        <a:t>Low</a:t>
+                      </a:r>
+                      <a:endParaRPr lang="en-US" sz="1100" dirty="0">
+                        <a:effectLst/>
+                        <a:latin typeface="Times New Roman"/>
+                        <a:ea typeface="Times New Roman"/>
+                      </a:endParaRPr>
+                    </a:p>
+                  </a:txBody>
+                  <a:tcPr marL="68580" marR="68580" marT="0" marB="0"/>
                 </a:tc>
               </a:tr>
             </a:tbl>
@@ -21201,11 +19456,6 @@
         </a:graphic>
       </p:graphicFrame>
     </p:spTree>
-    <p:extLst>
-      <p:ext uri="{BB962C8B-B14F-4D97-AF65-F5344CB8AC3E}">
-        <p14:creationId xmlns:p14="http://schemas.microsoft.com/office/powerpoint/2010/main" val="622608438"/>
-      </p:ext>
-    </p:extLst>
   </p:cSld>
   <p:clrMapOvr>
     <a:masterClrMapping/>
@@ -21254,12 +19504,8 @@
           <a:p>
             <a:pPr eaLnBrk="1" hangingPunct="1"/>
             <a:r>
-              <a:rPr lang="en-US" dirty="0"/>
-              <a:t>Opportunity and </a:t>
-            </a:r>
-            <a:r>
               <a:rPr lang="en-US" dirty="0" smtClean="0"/>
-              <a:t>Solution</a:t>
+              <a:t>Gap and Potential Solution (1)</a:t>
             </a:r>
             <a:endParaRPr lang="en-SG" dirty="0" smtClean="0"/>
           </a:p>
@@ -21297,7 +19543,7 @@
       </p:sp>
       <p:graphicFrame>
         <p:nvGraphicFramePr>
-          <p:cNvPr id="3" name="Table 2"/>
+          <p:cNvPr id="4" name="Table 3"/>
           <p:cNvGraphicFramePr>
             <a:graphicFrameLocks noGrp="1"/>
           </p:cNvGraphicFramePr>
@@ -21306,8 +19552,8 @@
           </p:nvPr>
         </p:nvGraphicFramePr>
         <p:xfrm>
-          <a:off x="457200" y="1484784"/>
-          <a:ext cx="8229600" cy="3601944"/>
+          <a:off x="457200" y="1412777"/>
+          <a:ext cx="8229599" cy="4557106"/>
         </p:xfrm>
         <a:graphic>
           <a:graphicData uri="http://schemas.openxmlformats.org/drawingml/2006/table">
@@ -21317,9 +19563,9 @@
               </a:tblPr>
               <a:tblGrid>
                 <a:gridCol w="2727637"/>
-                <a:gridCol w="5501963"/>
+                <a:gridCol w="5501962"/>
               </a:tblGrid>
-              <a:tr h="355824">
+              <a:tr h="283810">
                 <a:tc>
                   <a:txBody>
                     <a:bodyPr/>
@@ -21383,7 +19629,7 @@
                   <a:tcPr marL="60772" marR="60772" marT="0" marB="0"/>
                 </a:tc>
               </a:tr>
-              <a:tr h="578183">
+              <a:tr h="158965">
                 <a:tc>
                   <a:txBody>
                     <a:bodyPr/>
@@ -21404,7 +19650,7 @@
                         <a:rPr lang="en-GB" sz="1000">
                           <a:effectLst/>
                         </a:rPr>
-                        <a:t>Order process is not fully automated.</a:t>
+                        <a:t>Too much manual intervene required.</a:t>
                       </a:r>
                       <a:endParaRPr lang="en-SG" sz="1000">
                         <a:effectLst/>
@@ -21437,12 +19683,54 @@
                         <a:rPr lang="en-GB" sz="1000">
                           <a:effectLst/>
                         </a:rPr>
-                        <a:t>Allow customer to continue to place order after RFQ with the details stated in RFQ.</a:t>
+                        <a:t>Re-engineer business processes to reduce manual effort and improve business efficiency.</a:t>
                       </a:r>
                       <a:endParaRPr lang="en-SG" sz="1000">
                         <a:effectLst/>
+                        <a:latin typeface="Times New Roman" panose="02020603050405020304" pitchFamily="18" charset="0"/>
+                        <a:ea typeface="Times New Roman" panose="02020603050405020304" pitchFamily="18" charset="0"/>
                       </a:endParaRPr>
                     </a:p>
+                  </a:txBody>
+                  <a:tcPr marL="60772" marR="60772" marT="0" marB="0"/>
+                </a:tc>
+              </a:tr>
+              <a:tr h="679470">
+                <a:tc>
+                  <a:txBody>
+                    <a:bodyPr/>
+                    <a:lstStyle/>
+                    <a:p>
+                      <a:pPr algn="just">
+                        <a:lnSpc>
+                          <a:spcPct val="107000"/>
+                        </a:lnSpc>
+                        <a:spcBef>
+                          <a:spcPts val="600"/>
+                        </a:spcBef>
+                        <a:spcAft>
+                          <a:spcPts val="300"/>
+                        </a:spcAft>
+                      </a:pPr>
+                      <a:r>
+                        <a:rPr lang="en-GB" sz="1000">
+                          <a:effectLst/>
+                        </a:rPr>
+                        <a:t>Integrate e-Business with partner and customer’s IT system</a:t>
+                      </a:r>
+                      <a:endParaRPr lang="en-SG" sz="1000">
+                        <a:effectLst/>
+                        <a:latin typeface="Times New Roman" panose="02020603050405020304" pitchFamily="18" charset="0"/>
+                        <a:ea typeface="Times New Roman" panose="02020603050405020304" pitchFamily="18" charset="0"/>
+                      </a:endParaRPr>
+                    </a:p>
+                  </a:txBody>
+                  <a:tcPr marL="60772" marR="60772" marT="0" marB="0"/>
+                </a:tc>
+                <a:tc>
+                  <a:txBody>
+                    <a:bodyPr/>
+                    <a:lstStyle/>
                     <a:p>
                       <a:pPr marL="342900" lvl="0" indent="-342900" algn="l">
                         <a:lnSpc>
@@ -21461,54 +19749,12 @@
                         <a:rPr lang="en-GB" sz="1000">
                           <a:effectLst/>
                         </a:rPr>
-                        <a:t>Integrated SCBS and VCMS using Web Services provided for internal use to automate RFQ and order process.</a:t>
+                        <a:t>Revamp and consolidate SOS and CBS.</a:t>
                       </a:r>
                       <a:endParaRPr lang="en-SG" sz="1000">
                         <a:effectLst/>
-                        <a:latin typeface="Times New Roman" panose="02020603050405020304" pitchFamily="18" charset="0"/>
-                        <a:ea typeface="Times New Roman" panose="02020603050405020304" pitchFamily="18" charset="0"/>
                       </a:endParaRPr>
                     </a:p>
-                  </a:txBody>
-                  <a:tcPr marL="60772" marR="60772" marT="0" marB="0"/>
-                </a:tc>
-              </a:tr>
-              <a:tr h="317930">
-                <a:tc>
-                  <a:txBody>
-                    <a:bodyPr/>
-                    <a:lstStyle/>
-                    <a:p>
-                      <a:pPr algn="l">
-                        <a:lnSpc>
-                          <a:spcPct val="107000"/>
-                        </a:lnSpc>
-                        <a:spcBef>
-                          <a:spcPts val="600"/>
-                        </a:spcBef>
-                        <a:spcAft>
-                          <a:spcPts val="300"/>
-                        </a:spcAft>
-                      </a:pPr>
-                      <a:r>
-                        <a:rPr lang="en-GB" sz="1000">
-                          <a:effectLst/>
-                        </a:rPr>
-                        <a:t>VMS and CMS were developed based on old technology</a:t>
-                      </a:r>
-                      <a:endParaRPr lang="en-SG" sz="1000">
-                        <a:effectLst/>
-                        <a:latin typeface="Times New Roman" panose="02020603050405020304" pitchFamily="18" charset="0"/>
-                        <a:ea typeface="Times New Roman" panose="02020603050405020304" pitchFamily="18" charset="0"/>
-                      </a:endParaRPr>
-                    </a:p>
-                  </a:txBody>
-                  <a:tcPr marL="60772" marR="60772" marT="0" marB="0"/>
-                </a:tc>
-                <a:tc>
-                  <a:txBody>
-                    <a:bodyPr/>
-                    <a:lstStyle/>
                     <a:p>
                       <a:pPr marL="342900" lvl="0" indent="-342900" algn="l">
                         <a:lnSpc>
@@ -21527,54 +19773,12 @@
                         <a:rPr lang="en-GB" sz="1000">
                           <a:effectLst/>
                         </a:rPr>
-                        <a:t>Adapt new technology when developing the consolidated VCMS system.</a:t>
+                        <a:t>Revamp and consolidate VMS and CMS.</a:t>
                       </a:r>
                       <a:endParaRPr lang="en-SG" sz="1000">
                         <a:effectLst/>
-                        <a:latin typeface="Times New Roman" panose="02020603050405020304" pitchFamily="18" charset="0"/>
-                        <a:ea typeface="Times New Roman" panose="02020603050405020304" pitchFamily="18" charset="0"/>
                       </a:endParaRPr>
                     </a:p>
-                  </a:txBody>
-                  <a:tcPr marL="60772" marR="60772" marT="0" marB="0"/>
-                </a:tc>
-              </a:tr>
-              <a:tr h="1098687">
-                <a:tc>
-                  <a:txBody>
-                    <a:bodyPr/>
-                    <a:lstStyle/>
-                    <a:p>
-                      <a:pPr algn="l">
-                        <a:lnSpc>
-                          <a:spcPct val="107000"/>
-                        </a:lnSpc>
-                        <a:spcBef>
-                          <a:spcPts val="600"/>
-                        </a:spcBef>
-                        <a:spcAft>
-                          <a:spcPts val="300"/>
-                        </a:spcAft>
-                      </a:pPr>
-                      <a:r>
-                        <a:rPr lang="en-GB" sz="1000">
-                          <a:effectLst/>
-                        </a:rPr>
-                        <a:t>VMS and CMS tend to have unscheduled downtime</a:t>
-                      </a:r>
-                      <a:endParaRPr lang="en-SG" sz="1000">
-                        <a:effectLst/>
-                        <a:latin typeface="Times New Roman" panose="02020603050405020304" pitchFamily="18" charset="0"/>
-                        <a:ea typeface="Times New Roman" panose="02020603050405020304" pitchFamily="18" charset="0"/>
-                      </a:endParaRPr>
-                    </a:p>
-                  </a:txBody>
-                  <a:tcPr marL="60772" marR="60772" marT="0" marB="0"/>
-                </a:tc>
-                <a:tc>
-                  <a:txBody>
-                    <a:bodyPr/>
-                    <a:lstStyle/>
                     <a:p>
                       <a:pPr marL="342900" lvl="0" indent="-342900" algn="l">
                         <a:lnSpc>
@@ -21593,12 +19797,54 @@
                         <a:rPr lang="en-GB" sz="1000">
                           <a:effectLst/>
                         </a:rPr>
-                        <a:t>Improve application architecture when developing the VCMS system.</a:t>
+                        <a:t>Integrate internal systems to improve business process efficiency.</a:t>
                       </a:r>
                       <a:endParaRPr lang="en-SG" sz="1000">
                         <a:effectLst/>
+                        <a:latin typeface="Times New Roman" panose="02020603050405020304" pitchFamily="18" charset="0"/>
+                        <a:ea typeface="Times New Roman" panose="02020603050405020304" pitchFamily="18" charset="0"/>
                       </a:endParaRPr>
                     </a:p>
+                  </a:txBody>
+                  <a:tcPr marL="60772" marR="60772" marT="0" marB="0"/>
+                </a:tc>
+              </a:tr>
+              <a:tr h="939722">
+                <a:tc>
+                  <a:txBody>
+                    <a:bodyPr/>
+                    <a:lstStyle/>
+                    <a:p>
+                      <a:pPr algn="l">
+                        <a:lnSpc>
+                          <a:spcPct val="107000"/>
+                        </a:lnSpc>
+                        <a:spcBef>
+                          <a:spcPts val="600"/>
+                        </a:spcBef>
+                        <a:spcAft>
+                          <a:spcPts val="300"/>
+                        </a:spcAft>
+                      </a:pPr>
+                      <a:r>
+                        <a:rPr lang="en-GB" sz="1000" dirty="0">
+                          <a:effectLst/>
+                        </a:rPr>
+                        <a:t>Focus on customer service is not enough</a:t>
+                      </a:r>
+                      <a:endParaRPr lang="en-SG" sz="1000" dirty="0">
+                        <a:effectLst/>
+                        <a:latin typeface="Times New Roman" panose="02020603050405020304" pitchFamily="18" charset="0"/>
+                        <a:ea typeface="Times New Roman" panose="02020603050405020304" pitchFamily="18" charset="0"/>
+                      </a:endParaRPr>
+                    </a:p>
+                  </a:txBody>
+                  <a:tcPr marL="60772" marR="60772" marT="0" marB="0"/>
+                </a:tc>
+                <a:tc>
+                  <a:txBody>
+                    <a:bodyPr/>
+                    <a:lstStyle/>
                     <a:p>
                       <a:pPr marL="342900" lvl="0" indent="-342900" algn="l">
                         <a:lnSpc>
@@ -21617,7 +19863,7 @@
                         <a:rPr lang="en-GB" sz="1000">
                           <a:effectLst/>
                         </a:rPr>
-                        <a:t>Improve code quality for VCMS development.</a:t>
+                        <a:t>Provide customer registration.</a:t>
                       </a:r>
                       <a:endParaRPr lang="en-SG" sz="1000">
                         <a:effectLst/>
@@ -21641,7 +19887,7 @@
                         <a:rPr lang="en-GB" sz="1000">
                           <a:effectLst/>
                         </a:rPr>
-                        <a:t>Emphasize QA and plan sufficient review and testing to ensure the quality for the mission critical system.</a:t>
+                        <a:t>Provide online order submission and order status tracking.</a:t>
                       </a:r>
                       <a:endParaRPr lang="en-SG" sz="1000">
                         <a:effectLst/>
@@ -21665,54 +19911,12 @@
                         <a:rPr lang="en-GB" sz="1000">
                           <a:effectLst/>
                         </a:rPr>
-                        <a:t>To implement system failover to reduce the unscheduled downtime.</a:t>
+                        <a:t>Provide online shipment tracking.</a:t>
                       </a:r>
                       <a:endParaRPr lang="en-SG" sz="1000">
                         <a:effectLst/>
-                        <a:latin typeface="Times New Roman" panose="02020603050405020304" pitchFamily="18" charset="0"/>
-                        <a:ea typeface="Times New Roman" panose="02020603050405020304" pitchFamily="18" charset="0"/>
                       </a:endParaRPr>
                     </a:p>
-                  </a:txBody>
-                  <a:tcPr marL="60772" marR="60772" marT="0" marB="0"/>
-                </a:tc>
-              </a:tr>
-              <a:tr h="419217">
-                <a:tc>
-                  <a:txBody>
-                    <a:bodyPr/>
-                    <a:lstStyle/>
-                    <a:p>
-                      <a:pPr algn="l">
-                        <a:lnSpc>
-                          <a:spcPct val="107000"/>
-                        </a:lnSpc>
-                        <a:spcBef>
-                          <a:spcPts val="600"/>
-                        </a:spcBef>
-                        <a:spcAft>
-                          <a:spcPts val="300"/>
-                        </a:spcAft>
-                      </a:pPr>
-                      <a:r>
-                        <a:rPr lang="en-GB" sz="1000">
-                          <a:effectLst/>
-                        </a:rPr>
-                        <a:t>Network latency</a:t>
-                      </a:r>
-                      <a:endParaRPr lang="en-SG" sz="1000">
-                        <a:effectLst/>
-                        <a:latin typeface="Times New Roman" panose="02020603050405020304" pitchFamily="18" charset="0"/>
-                        <a:ea typeface="Times New Roman" panose="02020603050405020304" pitchFamily="18" charset="0"/>
-                      </a:endParaRPr>
-                    </a:p>
-                  </a:txBody>
-                  <a:tcPr marL="60772" marR="60772" marT="0" marB="0"/>
-                </a:tc>
-                <a:tc>
-                  <a:txBody>
-                    <a:bodyPr/>
-                    <a:lstStyle/>
                     <a:p>
                       <a:pPr marL="342900" lvl="0" indent="-342900" algn="l">
                         <a:lnSpc>
@@ -21731,12 +19935,54 @@
                         <a:rPr lang="en-GB" sz="1000">
                           <a:effectLst/>
                         </a:rPr>
-                        <a:t>Separate Web Servers for transaction from staff and customer.</a:t>
+                        <a:t>Accelerate process for repeat orders.</a:t>
                       </a:r>
                       <a:endParaRPr lang="en-SG" sz="1000">
                         <a:effectLst/>
+                        <a:latin typeface="Times New Roman" panose="02020603050405020304" pitchFamily="18" charset="0"/>
+                        <a:ea typeface="Times New Roman" panose="02020603050405020304" pitchFamily="18" charset="0"/>
                       </a:endParaRPr>
                     </a:p>
+                  </a:txBody>
+                  <a:tcPr marL="60772" marR="60772" marT="0" marB="0"/>
+                </a:tc>
+              </a:tr>
+              <a:tr h="158965">
+                <a:tc>
+                  <a:txBody>
+                    <a:bodyPr/>
+                    <a:lstStyle/>
+                    <a:p>
+                      <a:pPr algn="l">
+                        <a:lnSpc>
+                          <a:spcPct val="107000"/>
+                        </a:lnSpc>
+                        <a:spcBef>
+                          <a:spcPts val="600"/>
+                        </a:spcBef>
+                        <a:spcAft>
+                          <a:spcPts val="300"/>
+                        </a:spcAft>
+                      </a:pPr>
+                      <a:r>
+                        <a:rPr lang="en-GB" sz="1000" dirty="0">
+                          <a:effectLst/>
+                        </a:rPr>
+                        <a:t>Inaccuracy in sales report transaction data. </a:t>
+                      </a:r>
+                      <a:endParaRPr lang="en-SG" sz="1000" dirty="0">
+                        <a:effectLst/>
+                        <a:latin typeface="Times New Roman" panose="02020603050405020304" pitchFamily="18" charset="0"/>
+                        <a:ea typeface="Times New Roman" panose="02020603050405020304" pitchFamily="18" charset="0"/>
+                      </a:endParaRPr>
+                    </a:p>
+                  </a:txBody>
+                  <a:tcPr marL="60772" marR="60772" marT="0" marB="0"/>
+                </a:tc>
+                <a:tc>
+                  <a:txBody>
+                    <a:bodyPr/>
+                    <a:lstStyle/>
                     <a:p>
                       <a:pPr marL="342900" lvl="0" indent="-342900" algn="l">
                         <a:lnSpc>
@@ -21755,7 +20001,7 @@
                         <a:rPr lang="en-GB" sz="1000">
                           <a:effectLst/>
                         </a:rPr>
-                        <a:t>Install load balancer on top of Web Servers.</a:t>
+                        <a:t>To provide management report from consolidated system for better marketing analysis and decision.</a:t>
                       </a:r>
                       <a:endParaRPr lang="en-SG" sz="1000">
                         <a:effectLst/>
@@ -21767,7 +20013,7 @@
                   <a:tcPr marL="60772" marR="60772" marT="0" marB="0"/>
                 </a:tc>
               </a:tr>
-              <a:tr h="679470">
+              <a:tr h="476895">
                 <a:tc>
                   <a:txBody>
                     <a:bodyPr/>
@@ -21788,7 +20034,7 @@
                         <a:rPr lang="en-GB" sz="1000">
                           <a:effectLst/>
                         </a:rPr>
-                        <a:t>System security</a:t>
+                        <a:t>Lack of management and monitoring in cooperation with local operators of tow-heads and port operators</a:t>
                       </a:r>
                       <a:endParaRPr lang="en-SG" sz="1000">
                         <a:effectLst/>
@@ -21818,12 +20064,12 @@
                         <a:buChar char=""/>
                       </a:pPr>
                       <a:r>
-                        <a:rPr lang="en-GB" sz="1000" dirty="0">
+                        <a:rPr lang="en-GB" sz="1000">
                           <a:effectLst/>
                         </a:rPr>
-                        <a:t>Install and configure firewall for systems</a:t>
-                      </a:r>
-                      <a:endParaRPr lang="en-SG" sz="1000" dirty="0">
+                        <a:t>Enhance existing systems to manage tow-heads operators and port operators.</a:t>
+                      </a:r>
+                      <a:endParaRPr lang="en-SG" sz="1000">
                         <a:effectLst/>
                       </a:endParaRPr>
                     </a:p>
@@ -21842,15 +20088,57 @@
                         <a:buChar char=""/>
                       </a:pPr>
                       <a:r>
-                        <a:rPr lang="en-GB" sz="1000" dirty="0">
+                        <a:rPr lang="en-GB" sz="1000">
                           <a:effectLst/>
                         </a:rPr>
-                        <a:t>Separate Web Servers for transaction from staff and customer.</a:t>
-                      </a:r>
-                      <a:endParaRPr lang="en-SG" sz="1000" dirty="0">
+                        <a:t>Keep track of co-operators to help to make engagement and manage cost. </a:t>
+                      </a:r>
+                      <a:endParaRPr lang="en-SG" sz="1000">
                         <a:effectLst/>
+                        <a:latin typeface="Times New Roman" panose="02020603050405020304" pitchFamily="18" charset="0"/>
+                        <a:ea typeface="Times New Roman" panose="02020603050405020304" pitchFamily="18" charset="0"/>
                       </a:endParaRPr>
                     </a:p>
+                  </a:txBody>
+                  <a:tcPr marL="60772" marR="60772" marT="0" marB="0"/>
+                </a:tc>
+              </a:tr>
+              <a:tr h="419217">
+                <a:tc>
+                  <a:txBody>
+                    <a:bodyPr/>
+                    <a:lstStyle/>
+                    <a:p>
+                      <a:pPr algn="l">
+                        <a:lnSpc>
+                          <a:spcPct val="107000"/>
+                        </a:lnSpc>
+                        <a:spcBef>
+                          <a:spcPts val="600"/>
+                        </a:spcBef>
+                        <a:spcAft>
+                          <a:spcPts val="300"/>
+                        </a:spcAft>
+                      </a:pPr>
+                      <a:r>
+                        <a:rPr lang="en-GB" sz="1000">
+                          <a:effectLst/>
+                        </a:rPr>
+                        <a:t>Lack of knowledge in SOS system</a:t>
+                      </a:r>
+                      <a:endParaRPr lang="en-SG" sz="1000">
+                        <a:effectLst/>
+                        <a:latin typeface="Times New Roman" panose="02020603050405020304" pitchFamily="18" charset="0"/>
+                        <a:ea typeface="Times New Roman" panose="02020603050405020304" pitchFamily="18" charset="0"/>
+                      </a:endParaRPr>
+                    </a:p>
+                  </a:txBody>
+                  <a:tcPr marL="60772" marR="60772" marT="0" marB="0"/>
+                </a:tc>
+                <a:tc>
+                  <a:txBody>
+                    <a:bodyPr/>
+                    <a:lstStyle/>
                     <a:p>
                       <a:pPr marL="342900" lvl="0" indent="-342900" algn="l">
                         <a:lnSpc>
@@ -21866,10 +20154,298 @@
                         <a:buChar char=""/>
                       </a:pPr>
                       <a:r>
+                        <a:rPr lang="en-GB" sz="1000">
+                          <a:effectLst/>
+                        </a:rPr>
+                        <a:t>Study the implementation of SOS.</a:t>
+                      </a:r>
+                      <a:endParaRPr lang="en-SG" sz="1000">
+                        <a:effectLst/>
+                      </a:endParaRPr>
+                    </a:p>
+                    <a:p>
+                      <a:pPr marL="342900" lvl="0" indent="-342900" algn="l">
+                        <a:lnSpc>
+                          <a:spcPct val="107000"/>
+                        </a:lnSpc>
+                        <a:spcBef>
+                          <a:spcPts val="600"/>
+                        </a:spcBef>
+                        <a:spcAft>
+                          <a:spcPts val="300"/>
+                        </a:spcAft>
+                        <a:buFont typeface="Symbol" panose="05050102010706020507" pitchFamily="18" charset="2"/>
+                        <a:buChar char=""/>
+                      </a:pPr>
+                      <a:r>
+                        <a:rPr lang="en-GB" sz="1000">
+                          <a:effectLst/>
+                        </a:rPr>
+                        <a:t>Gather requirement of SOS before revamping the system.</a:t>
+                      </a:r>
+                      <a:endParaRPr lang="en-SG" sz="1000">
+                        <a:effectLst/>
+                        <a:latin typeface="Times New Roman" panose="02020603050405020304" pitchFamily="18" charset="0"/>
+                        <a:ea typeface="Times New Roman" panose="02020603050405020304" pitchFamily="18" charset="0"/>
+                      </a:endParaRPr>
+                    </a:p>
+                  </a:txBody>
+                  <a:tcPr marL="60772" marR="60772" marT="0" marB="0"/>
+                </a:tc>
+              </a:tr>
+              <a:tr h="158965">
+                <a:tc>
+                  <a:txBody>
+                    <a:bodyPr/>
+                    <a:lstStyle/>
+                    <a:p>
+                      <a:pPr algn="l">
+                        <a:lnSpc>
+                          <a:spcPct val="107000"/>
+                        </a:lnSpc>
+                        <a:spcBef>
+                          <a:spcPts val="600"/>
+                        </a:spcBef>
+                        <a:spcAft>
+                          <a:spcPts val="300"/>
+                        </a:spcAft>
+                      </a:pPr>
+                      <a:r>
+                        <a:rPr lang="en-GB" sz="1000">
+                          <a:effectLst/>
+                        </a:rPr>
+                        <a:t>Legacy data from SOS system</a:t>
+                      </a:r>
+                      <a:endParaRPr lang="en-SG" sz="1000">
+                        <a:effectLst/>
+                        <a:latin typeface="Times New Roman" panose="02020603050405020304" pitchFamily="18" charset="0"/>
+                        <a:ea typeface="Times New Roman" panose="02020603050405020304" pitchFamily="18" charset="0"/>
+                      </a:endParaRPr>
+                    </a:p>
+                  </a:txBody>
+                  <a:tcPr marL="60772" marR="60772" marT="0" marB="0"/>
+                </a:tc>
+                <a:tc>
+                  <a:txBody>
+                    <a:bodyPr/>
+                    <a:lstStyle/>
+                    <a:p>
+                      <a:pPr marL="342900" lvl="0" indent="-342900" algn="l">
+                        <a:lnSpc>
+                          <a:spcPct val="107000"/>
+                        </a:lnSpc>
+                        <a:spcBef>
+                          <a:spcPts val="600"/>
+                        </a:spcBef>
+                        <a:spcAft>
+                          <a:spcPts val="300"/>
+                        </a:spcAft>
+                        <a:buFont typeface="Symbol" panose="05050102010706020507" pitchFamily="18" charset="2"/>
+                        <a:buChar char=""/>
+                      </a:pPr>
+                      <a:r>
+                        <a:rPr lang="en-GB" sz="1000">
+                          <a:effectLst/>
+                        </a:rPr>
+                        <a:t>Proper data migration to move the data to new system.</a:t>
+                      </a:r>
+                      <a:endParaRPr lang="en-SG" sz="1000">
+                        <a:effectLst/>
+                        <a:latin typeface="Times New Roman" panose="02020603050405020304" pitchFamily="18" charset="0"/>
+                        <a:ea typeface="Times New Roman" panose="02020603050405020304" pitchFamily="18" charset="0"/>
+                      </a:endParaRPr>
+                    </a:p>
+                  </a:txBody>
+                  <a:tcPr marL="60772" marR="60772" marT="0" marB="0"/>
+                </a:tc>
+              </a:tr>
+              <a:tr h="317930">
+                <a:tc>
+                  <a:txBody>
+                    <a:bodyPr/>
+                    <a:lstStyle/>
+                    <a:p>
+                      <a:pPr algn="l">
+                        <a:lnSpc>
+                          <a:spcPct val="107000"/>
+                        </a:lnSpc>
+                        <a:spcBef>
+                          <a:spcPts val="600"/>
+                        </a:spcBef>
+                        <a:spcAft>
+                          <a:spcPts val="300"/>
+                        </a:spcAft>
+                      </a:pPr>
+                      <a:r>
+                        <a:rPr lang="en-GB" sz="1000">
+                          <a:effectLst/>
+                        </a:rPr>
+                        <a:t>Data are stored with different standard in different systems</a:t>
+                      </a:r>
+                      <a:endParaRPr lang="en-SG" sz="1000">
+                        <a:effectLst/>
+                        <a:latin typeface="Times New Roman" panose="02020603050405020304" pitchFamily="18" charset="0"/>
+                        <a:ea typeface="Times New Roman" panose="02020603050405020304" pitchFamily="18" charset="0"/>
+                      </a:endParaRPr>
+                    </a:p>
+                  </a:txBody>
+                  <a:tcPr marL="60772" marR="60772" marT="0" marB="0"/>
+                </a:tc>
+                <a:tc>
+                  <a:txBody>
+                    <a:bodyPr/>
+                    <a:lstStyle/>
+                    <a:p>
+                      <a:pPr marL="342900" lvl="0" indent="-342900" algn="l">
+                        <a:lnSpc>
+                          <a:spcPct val="107000"/>
+                        </a:lnSpc>
+                        <a:spcBef>
+                          <a:spcPts val="600"/>
+                        </a:spcBef>
+                        <a:spcAft>
+                          <a:spcPts val="300"/>
+                        </a:spcAft>
+                        <a:buFont typeface="Symbol" panose="05050102010706020507" pitchFamily="18" charset="2"/>
+                        <a:buChar char=""/>
+                      </a:pPr>
+                      <a:r>
+                        <a:rPr lang="en-GB" sz="1000">
+                          <a:effectLst/>
+                        </a:rPr>
+                        <a:t>Standardize the data storage. To develop a common data dictionary as guideline.</a:t>
+                      </a:r>
+                      <a:endParaRPr lang="en-SG" sz="1000">
+                        <a:effectLst/>
+                        <a:latin typeface="Times New Roman" panose="02020603050405020304" pitchFamily="18" charset="0"/>
+                        <a:ea typeface="Times New Roman" panose="02020603050405020304" pitchFamily="18" charset="0"/>
+                      </a:endParaRPr>
+                    </a:p>
+                  </a:txBody>
+                  <a:tcPr marL="60772" marR="60772" marT="0" marB="0"/>
+                </a:tc>
+              </a:tr>
+              <a:tr h="317930">
+                <a:tc>
+                  <a:txBody>
+                    <a:bodyPr/>
+                    <a:lstStyle/>
+                    <a:p>
+                      <a:pPr algn="l">
+                        <a:lnSpc>
+                          <a:spcPct val="107000"/>
+                        </a:lnSpc>
+                        <a:spcBef>
+                          <a:spcPts val="600"/>
+                        </a:spcBef>
+                        <a:spcAft>
+                          <a:spcPts val="300"/>
+                        </a:spcAft>
+                      </a:pPr>
+                      <a:r>
+                        <a:rPr lang="en-GB" sz="1000">
+                          <a:effectLst/>
+                        </a:rPr>
+                        <a:t>Lack of consistency in container and vessel optimization decision</a:t>
+                      </a:r>
+                      <a:endParaRPr lang="en-SG" sz="1000">
+                        <a:effectLst/>
+                        <a:latin typeface="Times New Roman" panose="02020603050405020304" pitchFamily="18" charset="0"/>
+                        <a:ea typeface="Times New Roman" panose="02020603050405020304" pitchFamily="18" charset="0"/>
+                      </a:endParaRPr>
+                    </a:p>
+                  </a:txBody>
+                  <a:tcPr marL="60772" marR="60772" marT="0" marB="0"/>
+                </a:tc>
+                <a:tc>
+                  <a:txBody>
+                    <a:bodyPr/>
+                    <a:lstStyle/>
+                    <a:p>
+                      <a:pPr marL="342900" lvl="0" indent="-342900" algn="l">
+                        <a:lnSpc>
+                          <a:spcPct val="107000"/>
+                        </a:lnSpc>
+                        <a:spcBef>
+                          <a:spcPts val="600"/>
+                        </a:spcBef>
+                        <a:spcAft>
+                          <a:spcPts val="300"/>
+                        </a:spcAft>
+                        <a:buFont typeface="Symbol" panose="05050102010706020507" pitchFamily="18" charset="2"/>
+                        <a:buChar char=""/>
+                      </a:pPr>
+                      <a:r>
+                        <a:rPr lang="en-GB" sz="1000">
+                          <a:effectLst/>
+                        </a:rPr>
+                        <a:t>Centralize and standardize the optimization algorithm for organizing container.</a:t>
+                      </a:r>
+                      <a:endParaRPr lang="en-SG" sz="1000">
+                        <a:effectLst/>
+                        <a:latin typeface="Times New Roman" panose="02020603050405020304" pitchFamily="18" charset="0"/>
+                        <a:ea typeface="Times New Roman" panose="02020603050405020304" pitchFamily="18" charset="0"/>
+                      </a:endParaRPr>
+                    </a:p>
+                  </a:txBody>
+                  <a:tcPr marL="60772" marR="60772" marT="0" marB="0"/>
+                </a:tc>
+              </a:tr>
+              <a:tr h="158965">
+                <a:tc>
+                  <a:txBody>
+                    <a:bodyPr/>
+                    <a:lstStyle/>
+                    <a:p>
+                      <a:pPr algn="l">
+                        <a:lnSpc>
+                          <a:spcPct val="107000"/>
+                        </a:lnSpc>
+                        <a:spcBef>
+                          <a:spcPts val="600"/>
+                        </a:spcBef>
+                        <a:spcAft>
+                          <a:spcPts val="300"/>
+                        </a:spcAft>
+                      </a:pPr>
+                      <a:r>
+                        <a:rPr lang="en-GB" sz="1000">
+                          <a:effectLst/>
+                        </a:rPr>
+                        <a:t>Tow-head operator information is not managed</a:t>
+                      </a:r>
+                      <a:endParaRPr lang="en-SG" sz="1000">
+                        <a:effectLst/>
+                        <a:latin typeface="Times New Roman" panose="02020603050405020304" pitchFamily="18" charset="0"/>
+                        <a:ea typeface="Times New Roman" panose="02020603050405020304" pitchFamily="18" charset="0"/>
+                      </a:endParaRPr>
+                    </a:p>
+                  </a:txBody>
+                  <a:tcPr marL="60772" marR="60772" marT="0" marB="0"/>
+                </a:tc>
+                <a:tc>
+                  <a:txBody>
+                    <a:bodyPr/>
+                    <a:lstStyle/>
+                    <a:p>
+                      <a:pPr marL="342900" lvl="0" indent="-342900" algn="l">
+                        <a:lnSpc>
+                          <a:spcPct val="107000"/>
+                        </a:lnSpc>
+                        <a:spcBef>
+                          <a:spcPts val="600"/>
+                        </a:spcBef>
+                        <a:spcAft>
+                          <a:spcPts val="300"/>
+                        </a:spcAft>
+                        <a:buFont typeface="Symbol" panose="05050102010706020507" pitchFamily="18" charset="2"/>
+                        <a:buChar char=""/>
+                      </a:pPr>
+                      <a:r>
                         <a:rPr lang="en-GB" sz="1000" dirty="0">
                           <a:effectLst/>
                         </a:rPr>
-                        <a:t>Require staff to use signed Java applets for secured login and encrypted client side processing.</a:t>
+                        <a:t>To capture tow-head operator details information in system.</a:t>
                       </a:r>
                       <a:endParaRPr lang="en-SG" sz="1000" dirty="0">
                         <a:effectLst/>
@@ -21888,7 +20464,7 @@
     </p:spTree>
     <p:extLst>
       <p:ext uri="{BB962C8B-B14F-4D97-AF65-F5344CB8AC3E}">
-        <p14:creationId xmlns:p14="http://schemas.microsoft.com/office/powerpoint/2010/main" val="2452609840"/>
+        <p14:creationId xmlns:p14="http://schemas.microsoft.com/office/powerpoint/2010/main" val="3067278586"/>
       </p:ext>
     </p:extLst>
   </p:cSld>
@@ -21924,6 +20500,1580 @@
       </p:grpSpPr>
       <p:sp>
         <p:nvSpPr>
+          <p:cNvPr id="49153" name="Title 1"/>
+          <p:cNvSpPr>
+            <a:spLocks noGrp="1"/>
+          </p:cNvSpPr>
+          <p:nvPr>
+            <p:ph type="title"/>
+          </p:nvPr>
+        </p:nvSpPr>
+        <p:spPr/>
+        <p:txBody>
+          <a:bodyPr/>
+          <a:lstStyle/>
+          <a:p>
+            <a:pPr eaLnBrk="1" hangingPunct="1"/>
+            <a:r>
+              <a:rPr lang="en-US" dirty="0"/>
+              <a:t>Gap and Potential Solution </a:t>
+            </a:r>
+            <a:r>
+              <a:rPr lang="en-US" dirty="0" smtClean="0"/>
+              <a:t>(2)</a:t>
+            </a:r>
+            <a:endParaRPr lang="en-SG" dirty="0" smtClean="0"/>
+          </a:p>
+        </p:txBody>
+      </p:sp>
+      <p:sp>
+        <p:nvSpPr>
+          <p:cNvPr id="49154" name="Content Placeholder 2"/>
+          <p:cNvSpPr>
+            <a:spLocks noGrp="1"/>
+          </p:cNvSpPr>
+          <p:nvPr>
+            <p:ph sz="quarter" idx="1"/>
+          </p:nvPr>
+        </p:nvSpPr>
+        <p:spPr>
+          <a:xfrm>
+            <a:off x="457200" y="1219200"/>
+            <a:ext cx="8229600" cy="4937125"/>
+          </a:xfrm>
+        </p:spPr>
+        <p:txBody>
+          <a:bodyPr/>
+          <a:lstStyle/>
+          <a:p>
+            <a:pPr marL="0" indent="0" eaLnBrk="1" hangingPunct="1">
+              <a:buNone/>
+            </a:pPr>
+            <a:r>
+              <a:rPr lang="en-SG" dirty="0" smtClean="0"/>
+              <a:t> </a:t>
+            </a:r>
+          </a:p>
+        </p:txBody>
+      </p:sp>
+      <p:graphicFrame>
+        <p:nvGraphicFramePr>
+          <p:cNvPr id="6" name="Table 5"/>
+          <p:cNvGraphicFramePr>
+            <a:graphicFrameLocks noGrp="1"/>
+          </p:cNvGraphicFramePr>
+          <p:nvPr>
+            <p:extLst/>
+          </p:nvPr>
+        </p:nvGraphicFramePr>
+        <p:xfrm>
+          <a:off x="457200" y="1340769"/>
+          <a:ext cx="8229600" cy="4580346"/>
+        </p:xfrm>
+        <a:graphic>
+          <a:graphicData uri="http://schemas.openxmlformats.org/drawingml/2006/table">
+            <a:tbl>
+              <a:tblPr firstRow="1" firstCol="1" bandRow="1">
+                <a:tableStyleId>{5C22544A-7EE6-4342-B048-85BDC9FD1C3A}</a:tableStyleId>
+              </a:tblPr>
+              <a:tblGrid>
+                <a:gridCol w="2727637"/>
+                <a:gridCol w="5501963"/>
+              </a:tblGrid>
+              <a:tr h="290286">
+                <a:tc>
+                  <a:txBody>
+                    <a:bodyPr/>
+                    <a:lstStyle/>
+                    <a:p>
+                      <a:pPr algn="l">
+                        <a:lnSpc>
+                          <a:spcPct val="107000"/>
+                        </a:lnSpc>
+                        <a:spcBef>
+                          <a:spcPts val="600"/>
+                        </a:spcBef>
+                        <a:spcAft>
+                          <a:spcPts val="300"/>
+                        </a:spcAft>
+                      </a:pPr>
+                      <a:r>
+                        <a:rPr lang="en-GB" sz="1400" dirty="0">
+                          <a:effectLst/>
+                        </a:rPr>
+                        <a:t>Gap</a:t>
+                      </a:r>
+                      <a:endParaRPr lang="en-SG" sz="1400" dirty="0">
+                        <a:effectLst/>
+                        <a:latin typeface="Times New Roman" panose="02020603050405020304" pitchFamily="18" charset="0"/>
+                        <a:ea typeface="Times New Roman" panose="02020603050405020304" pitchFamily="18" charset="0"/>
+                      </a:endParaRPr>
+                    </a:p>
+                  </a:txBody>
+                  <a:tcPr marL="60772" marR="60772" marT="0" marB="0"/>
+                </a:tc>
+                <a:tc>
+                  <a:txBody>
+                    <a:bodyPr/>
+                    <a:lstStyle/>
+                    <a:p>
+                      <a:pPr algn="l">
+                        <a:lnSpc>
+                          <a:spcPct val="107000"/>
+                        </a:lnSpc>
+                        <a:spcBef>
+                          <a:spcPts val="600"/>
+                        </a:spcBef>
+                        <a:spcAft>
+                          <a:spcPts val="300"/>
+                        </a:spcAft>
+                      </a:pPr>
+                      <a:r>
+                        <a:rPr lang="en-GB" sz="1400" dirty="0">
+                          <a:effectLst/>
+                        </a:rPr>
+                        <a:t>Potential Solution</a:t>
+                      </a:r>
+                      <a:endParaRPr lang="en-SG" sz="1400" dirty="0">
+                        <a:effectLst/>
+                        <a:latin typeface="Times New Roman" panose="02020603050405020304" pitchFamily="18" charset="0"/>
+                        <a:ea typeface="Times New Roman" panose="02020603050405020304" pitchFamily="18" charset="0"/>
+                      </a:endParaRPr>
+                    </a:p>
+                  </a:txBody>
+                  <a:tcPr marL="60772" marR="60772" marT="0" marB="0"/>
+                </a:tc>
+              </a:tr>
+              <a:tr h="419217">
+                <a:tc>
+                  <a:txBody>
+                    <a:bodyPr/>
+                    <a:lstStyle/>
+                    <a:p>
+                      <a:pPr algn="l">
+                        <a:lnSpc>
+                          <a:spcPct val="107000"/>
+                        </a:lnSpc>
+                        <a:spcBef>
+                          <a:spcPts val="600"/>
+                        </a:spcBef>
+                        <a:spcAft>
+                          <a:spcPts val="300"/>
+                        </a:spcAft>
+                      </a:pPr>
+                      <a:r>
+                        <a:rPr lang="en-GB" sz="1000">
+                          <a:effectLst/>
+                        </a:rPr>
+                        <a:t>Develop centralized SCBS system by consolidating and revamping SOS and CBS system</a:t>
+                      </a:r>
+                      <a:endParaRPr lang="en-SG" sz="1000">
+                        <a:effectLst/>
+                        <a:latin typeface="Times New Roman" panose="02020603050405020304" pitchFamily="18" charset="0"/>
+                        <a:ea typeface="Times New Roman" panose="02020603050405020304" pitchFamily="18" charset="0"/>
+                      </a:endParaRPr>
+                    </a:p>
+                  </a:txBody>
+                  <a:tcPr marL="60772" marR="60772" marT="0" marB="0"/>
+                </a:tc>
+                <a:tc>
+                  <a:txBody>
+                    <a:bodyPr/>
+                    <a:lstStyle/>
+                    <a:p>
+                      <a:pPr marL="342900" lvl="0" indent="-342900" algn="l">
+                        <a:lnSpc>
+                          <a:spcPct val="107000"/>
+                        </a:lnSpc>
+                        <a:spcBef>
+                          <a:spcPts val="600"/>
+                        </a:spcBef>
+                        <a:spcAft>
+                          <a:spcPts val="300"/>
+                        </a:spcAft>
+                        <a:buFont typeface="Symbol" panose="05050102010706020507" pitchFamily="18" charset="2"/>
+                        <a:buChar char=""/>
+                      </a:pPr>
+                      <a:r>
+                        <a:rPr lang="en-GB" sz="1000">
+                          <a:effectLst/>
+                        </a:rPr>
+                        <a:t>Develop the required system</a:t>
+                      </a:r>
+                      <a:endParaRPr lang="en-SG" sz="1000">
+                        <a:effectLst/>
+                      </a:endParaRPr>
+                    </a:p>
+                    <a:p>
+                      <a:pPr marL="342900" lvl="0" indent="-342900" algn="l">
+                        <a:lnSpc>
+                          <a:spcPct val="107000"/>
+                        </a:lnSpc>
+                        <a:spcBef>
+                          <a:spcPts val="600"/>
+                        </a:spcBef>
+                        <a:spcAft>
+                          <a:spcPts val="300"/>
+                        </a:spcAft>
+                        <a:buFont typeface="Symbol" panose="05050102010706020507" pitchFamily="18" charset="2"/>
+                        <a:buChar char=""/>
+                      </a:pPr>
+                      <a:r>
+                        <a:rPr lang="en-GB" sz="1000">
+                          <a:effectLst/>
+                        </a:rPr>
+                        <a:t>Implement system failover to ensure system high availability.</a:t>
+                      </a:r>
+                      <a:endParaRPr lang="en-SG" sz="1000">
+                        <a:effectLst/>
+                        <a:latin typeface="Times New Roman" panose="02020603050405020304" pitchFamily="18" charset="0"/>
+                        <a:ea typeface="Times New Roman" panose="02020603050405020304" pitchFamily="18" charset="0"/>
+                      </a:endParaRPr>
+                    </a:p>
+                  </a:txBody>
+                  <a:tcPr marL="60772" marR="60772" marT="0" marB="0"/>
+                </a:tc>
+              </a:tr>
+              <a:tr h="679470">
+                <a:tc>
+                  <a:txBody>
+                    <a:bodyPr/>
+                    <a:lstStyle/>
+                    <a:p>
+                      <a:pPr algn="l">
+                        <a:lnSpc>
+                          <a:spcPct val="107000"/>
+                        </a:lnSpc>
+                        <a:spcBef>
+                          <a:spcPts val="600"/>
+                        </a:spcBef>
+                        <a:spcAft>
+                          <a:spcPts val="300"/>
+                        </a:spcAft>
+                      </a:pPr>
+                      <a:r>
+                        <a:rPr lang="en-GB" sz="1000">
+                          <a:effectLst/>
+                        </a:rPr>
+                        <a:t>Develop centralized VCMS system by consolidating and revamping VMS and CMS system</a:t>
+                      </a:r>
+                      <a:endParaRPr lang="en-SG" sz="1000">
+                        <a:effectLst/>
+                        <a:latin typeface="Times New Roman" panose="02020603050405020304" pitchFamily="18" charset="0"/>
+                        <a:ea typeface="Times New Roman" panose="02020603050405020304" pitchFamily="18" charset="0"/>
+                      </a:endParaRPr>
+                    </a:p>
+                  </a:txBody>
+                  <a:tcPr marL="60772" marR="60772" marT="0" marB="0"/>
+                </a:tc>
+                <a:tc>
+                  <a:txBody>
+                    <a:bodyPr/>
+                    <a:lstStyle/>
+                    <a:p>
+                      <a:pPr marL="342900" lvl="0" indent="-342900" algn="l">
+                        <a:lnSpc>
+                          <a:spcPct val="107000"/>
+                        </a:lnSpc>
+                        <a:spcBef>
+                          <a:spcPts val="600"/>
+                        </a:spcBef>
+                        <a:spcAft>
+                          <a:spcPts val="300"/>
+                        </a:spcAft>
+                        <a:buFont typeface="Symbol" panose="05050102010706020507" pitchFamily="18" charset="2"/>
+                        <a:buChar char=""/>
+                      </a:pPr>
+                      <a:r>
+                        <a:rPr lang="en-GB" sz="1000">
+                          <a:effectLst/>
+                        </a:rPr>
+                        <a:t>To develop the required system</a:t>
+                      </a:r>
+                      <a:endParaRPr lang="en-SG" sz="1000">
+                        <a:effectLst/>
+                      </a:endParaRPr>
+                    </a:p>
+                    <a:p>
+                      <a:pPr marL="342900" lvl="0" indent="-342900" algn="l">
+                        <a:lnSpc>
+                          <a:spcPct val="107000"/>
+                        </a:lnSpc>
+                        <a:spcBef>
+                          <a:spcPts val="600"/>
+                        </a:spcBef>
+                        <a:spcAft>
+                          <a:spcPts val="300"/>
+                        </a:spcAft>
+                        <a:buFont typeface="Symbol" panose="05050102010706020507" pitchFamily="18" charset="2"/>
+                        <a:buChar char=""/>
+                      </a:pPr>
+                      <a:r>
+                        <a:rPr lang="en-GB" sz="1000">
+                          <a:effectLst/>
+                        </a:rPr>
+                        <a:t>To include tow-head operator management functions.</a:t>
+                      </a:r>
+                      <a:endParaRPr lang="en-SG" sz="1000">
+                        <a:effectLst/>
+                      </a:endParaRPr>
+                    </a:p>
+                    <a:p>
+                      <a:pPr marL="342900" lvl="0" indent="-342900" algn="l">
+                        <a:lnSpc>
+                          <a:spcPct val="107000"/>
+                        </a:lnSpc>
+                        <a:spcBef>
+                          <a:spcPts val="600"/>
+                        </a:spcBef>
+                        <a:spcAft>
+                          <a:spcPts val="300"/>
+                        </a:spcAft>
+                        <a:buFont typeface="Symbol" panose="05050102010706020507" pitchFamily="18" charset="2"/>
+                        <a:buChar char=""/>
+                      </a:pPr>
+                      <a:r>
+                        <a:rPr lang="en-GB" sz="1000">
+                          <a:effectLst/>
+                        </a:rPr>
+                        <a:t>To implement system failover to reduce the unscheduled downtime.</a:t>
+                      </a:r>
+                      <a:endParaRPr lang="en-SG" sz="1000">
+                        <a:effectLst/>
+                        <a:latin typeface="Times New Roman" panose="02020603050405020304" pitchFamily="18" charset="0"/>
+                        <a:ea typeface="Times New Roman" panose="02020603050405020304" pitchFamily="18" charset="0"/>
+                      </a:endParaRPr>
+                    </a:p>
+                  </a:txBody>
+                  <a:tcPr marL="60772" marR="60772" marT="0" marB="0"/>
+                </a:tc>
+              </a:tr>
+              <a:tr h="679470">
+                <a:tc>
+                  <a:txBody>
+                    <a:bodyPr/>
+                    <a:lstStyle/>
+                    <a:p>
+                      <a:pPr algn="l">
+                        <a:lnSpc>
+                          <a:spcPct val="107000"/>
+                        </a:lnSpc>
+                        <a:spcBef>
+                          <a:spcPts val="600"/>
+                        </a:spcBef>
+                        <a:spcAft>
+                          <a:spcPts val="300"/>
+                        </a:spcAft>
+                      </a:pPr>
+                      <a:r>
+                        <a:rPr lang="en-GB" sz="1000">
+                          <a:effectLst/>
+                        </a:rPr>
+                        <a:t>Container Movement prediction engine requires high computational load and it would affect the performance of VCMS.</a:t>
+                      </a:r>
+                      <a:endParaRPr lang="en-SG" sz="1000">
+                        <a:effectLst/>
+                        <a:latin typeface="Times New Roman" panose="02020603050405020304" pitchFamily="18" charset="0"/>
+                        <a:ea typeface="Times New Roman" panose="02020603050405020304" pitchFamily="18" charset="0"/>
+                      </a:endParaRPr>
+                    </a:p>
+                  </a:txBody>
+                  <a:tcPr marL="60772" marR="60772" marT="0" marB="0"/>
+                </a:tc>
+                <a:tc>
+                  <a:txBody>
+                    <a:bodyPr/>
+                    <a:lstStyle/>
+                    <a:p>
+                      <a:pPr marL="342900" lvl="0" indent="-342900" algn="l">
+                        <a:lnSpc>
+                          <a:spcPct val="107000"/>
+                        </a:lnSpc>
+                        <a:spcBef>
+                          <a:spcPts val="600"/>
+                        </a:spcBef>
+                        <a:spcAft>
+                          <a:spcPts val="300"/>
+                        </a:spcAft>
+                        <a:buFont typeface="Symbol" panose="05050102010706020507" pitchFamily="18" charset="2"/>
+                        <a:buChar char=""/>
+                      </a:pPr>
+                      <a:r>
+                        <a:rPr lang="en-GB" sz="1000">
+                          <a:effectLst/>
+                        </a:rPr>
+                        <a:t>Separate the Container Movement prediction engine.</a:t>
+                      </a:r>
+                      <a:endParaRPr lang="en-SG" sz="1000">
+                        <a:effectLst/>
+                      </a:endParaRPr>
+                    </a:p>
+                    <a:p>
+                      <a:pPr marL="342900" lvl="0" indent="-342900" algn="l">
+                        <a:lnSpc>
+                          <a:spcPct val="107000"/>
+                        </a:lnSpc>
+                        <a:spcBef>
+                          <a:spcPts val="600"/>
+                        </a:spcBef>
+                        <a:spcAft>
+                          <a:spcPts val="300"/>
+                        </a:spcAft>
+                        <a:buFont typeface="Symbol" panose="05050102010706020507" pitchFamily="18" charset="2"/>
+                        <a:buChar char=""/>
+                      </a:pPr>
+                      <a:r>
+                        <a:rPr lang="en-GB" sz="1000">
+                          <a:effectLst/>
+                        </a:rPr>
+                        <a:t>Deploy the engine in another distributed server.</a:t>
+                      </a:r>
+                      <a:endParaRPr lang="en-SG" sz="1000">
+                        <a:effectLst/>
+                      </a:endParaRPr>
+                    </a:p>
+                    <a:p>
+                      <a:pPr marL="342900" lvl="0" indent="-342900" algn="l">
+                        <a:lnSpc>
+                          <a:spcPct val="107000"/>
+                        </a:lnSpc>
+                        <a:spcBef>
+                          <a:spcPts val="600"/>
+                        </a:spcBef>
+                        <a:spcAft>
+                          <a:spcPts val="300"/>
+                        </a:spcAft>
+                        <a:buFont typeface="Symbol" panose="05050102010706020507" pitchFamily="18" charset="2"/>
+                        <a:buChar char=""/>
+                      </a:pPr>
+                      <a:r>
+                        <a:rPr lang="en-GB" sz="1000">
+                          <a:effectLst/>
+                        </a:rPr>
+                        <a:t>To provide the remote method invocation to VCMS.</a:t>
+                      </a:r>
+                      <a:endParaRPr lang="en-SG" sz="1000">
+                        <a:effectLst/>
+                        <a:latin typeface="Times New Roman" panose="02020603050405020304" pitchFamily="18" charset="0"/>
+                        <a:ea typeface="Times New Roman" panose="02020603050405020304" pitchFamily="18" charset="0"/>
+                      </a:endParaRPr>
+                    </a:p>
+                  </a:txBody>
+                  <a:tcPr marL="60772" marR="60772" marT="0" marB="0"/>
+                </a:tc>
+              </a:tr>
+              <a:tr h="317930">
+                <a:tc>
+                  <a:txBody>
+                    <a:bodyPr/>
+                    <a:lstStyle/>
+                    <a:p>
+                      <a:pPr algn="l">
+                        <a:lnSpc>
+                          <a:spcPct val="107000"/>
+                        </a:lnSpc>
+                        <a:spcBef>
+                          <a:spcPts val="600"/>
+                        </a:spcBef>
+                        <a:spcAft>
+                          <a:spcPts val="300"/>
+                        </a:spcAft>
+                      </a:pPr>
+                      <a:r>
+                        <a:rPr lang="en-GB" sz="1000">
+                          <a:effectLst/>
+                        </a:rPr>
+                        <a:t>Integration to SCBS for sophisticated customer’s procurement system</a:t>
+                      </a:r>
+                      <a:endParaRPr lang="en-SG" sz="1000">
+                        <a:effectLst/>
+                        <a:latin typeface="Times New Roman" panose="02020603050405020304" pitchFamily="18" charset="0"/>
+                        <a:ea typeface="Times New Roman" panose="02020603050405020304" pitchFamily="18" charset="0"/>
+                      </a:endParaRPr>
+                    </a:p>
+                  </a:txBody>
+                  <a:tcPr marL="60772" marR="60772" marT="0" marB="0"/>
+                </a:tc>
+                <a:tc>
+                  <a:txBody>
+                    <a:bodyPr/>
+                    <a:lstStyle/>
+                    <a:p>
+                      <a:pPr marL="342900" lvl="0" indent="-342900" algn="l">
+                        <a:lnSpc>
+                          <a:spcPct val="107000"/>
+                        </a:lnSpc>
+                        <a:spcBef>
+                          <a:spcPts val="600"/>
+                        </a:spcBef>
+                        <a:spcAft>
+                          <a:spcPts val="300"/>
+                        </a:spcAft>
+                        <a:buFont typeface="Symbol" panose="05050102010706020507" pitchFamily="18" charset="2"/>
+                        <a:buChar char=""/>
+                      </a:pPr>
+                      <a:r>
+                        <a:rPr lang="en-GB" sz="1000">
+                          <a:effectLst/>
+                        </a:rPr>
+                        <a:t>Develop a set of Web Services in SCBS for integration.</a:t>
+                      </a:r>
+                      <a:endParaRPr lang="en-SG" sz="1000">
+                        <a:effectLst/>
+                        <a:latin typeface="Times New Roman" panose="02020603050405020304" pitchFamily="18" charset="0"/>
+                        <a:ea typeface="Times New Roman" panose="02020603050405020304" pitchFamily="18" charset="0"/>
+                      </a:endParaRPr>
+                    </a:p>
+                  </a:txBody>
+                  <a:tcPr marL="60772" marR="60772" marT="0" marB="0"/>
+                </a:tc>
+              </a:tr>
+              <a:tr h="419217">
+                <a:tc>
+                  <a:txBody>
+                    <a:bodyPr/>
+                    <a:lstStyle/>
+                    <a:p>
+                      <a:pPr algn="l">
+                        <a:lnSpc>
+                          <a:spcPct val="107000"/>
+                        </a:lnSpc>
+                        <a:spcBef>
+                          <a:spcPts val="600"/>
+                        </a:spcBef>
+                        <a:spcAft>
+                          <a:spcPts val="300"/>
+                        </a:spcAft>
+                      </a:pPr>
+                      <a:r>
+                        <a:rPr lang="en-GB" sz="1000">
+                          <a:effectLst/>
+                        </a:rPr>
+                        <a:t>Integration to VCMS for Port Operators and internal applications</a:t>
+                      </a:r>
+                      <a:endParaRPr lang="en-SG" sz="1000">
+                        <a:effectLst/>
+                        <a:latin typeface="Times New Roman" panose="02020603050405020304" pitchFamily="18" charset="0"/>
+                        <a:ea typeface="Times New Roman" panose="02020603050405020304" pitchFamily="18" charset="0"/>
+                      </a:endParaRPr>
+                    </a:p>
+                  </a:txBody>
+                  <a:tcPr marL="60772" marR="60772" marT="0" marB="0"/>
+                </a:tc>
+                <a:tc>
+                  <a:txBody>
+                    <a:bodyPr/>
+                    <a:lstStyle/>
+                    <a:p>
+                      <a:pPr marL="342900" lvl="0" indent="-342900" algn="l">
+                        <a:lnSpc>
+                          <a:spcPct val="107000"/>
+                        </a:lnSpc>
+                        <a:spcBef>
+                          <a:spcPts val="600"/>
+                        </a:spcBef>
+                        <a:spcAft>
+                          <a:spcPts val="300"/>
+                        </a:spcAft>
+                        <a:buFont typeface="Symbol" panose="05050102010706020507" pitchFamily="18" charset="2"/>
+                        <a:buChar char=""/>
+                      </a:pPr>
+                      <a:r>
+                        <a:rPr lang="en-GB" sz="1000">
+                          <a:effectLst/>
+                        </a:rPr>
+                        <a:t>Develop a set of Web Service in VCMS for Port Operators to integrate.</a:t>
+                      </a:r>
+                      <a:endParaRPr lang="en-SG" sz="1000">
+                        <a:effectLst/>
+                      </a:endParaRPr>
+                    </a:p>
+                    <a:p>
+                      <a:pPr marL="342900" lvl="0" indent="-342900" algn="l">
+                        <a:lnSpc>
+                          <a:spcPct val="107000"/>
+                        </a:lnSpc>
+                        <a:spcBef>
+                          <a:spcPts val="600"/>
+                        </a:spcBef>
+                        <a:spcAft>
+                          <a:spcPts val="300"/>
+                        </a:spcAft>
+                        <a:buFont typeface="Symbol" panose="05050102010706020507" pitchFamily="18" charset="2"/>
+                        <a:buChar char=""/>
+                      </a:pPr>
+                      <a:r>
+                        <a:rPr lang="en-GB" sz="1000">
+                          <a:effectLst/>
+                        </a:rPr>
+                        <a:t>Develop another set of Web Service in VCMS for internal system to integrate.</a:t>
+                      </a:r>
+                      <a:endParaRPr lang="en-SG" sz="1000">
+                        <a:effectLst/>
+                        <a:latin typeface="Times New Roman" panose="02020603050405020304" pitchFamily="18" charset="0"/>
+                        <a:ea typeface="Times New Roman" panose="02020603050405020304" pitchFamily="18" charset="0"/>
+                      </a:endParaRPr>
+                    </a:p>
+                  </a:txBody>
+                  <a:tcPr marL="60772" marR="60772" marT="0" marB="0"/>
+                </a:tc>
+              </a:tr>
+              <a:tr h="1098687">
+                <a:tc>
+                  <a:txBody>
+                    <a:bodyPr/>
+                    <a:lstStyle/>
+                    <a:p>
+                      <a:pPr algn="l">
+                        <a:lnSpc>
+                          <a:spcPct val="107000"/>
+                        </a:lnSpc>
+                        <a:spcBef>
+                          <a:spcPts val="600"/>
+                        </a:spcBef>
+                        <a:spcAft>
+                          <a:spcPts val="300"/>
+                        </a:spcAft>
+                      </a:pPr>
+                      <a:r>
+                        <a:rPr lang="en-GB" sz="1000">
+                          <a:effectLst/>
+                        </a:rPr>
+                        <a:t>Online RFQ and order submission is not supported</a:t>
+                      </a:r>
+                      <a:endParaRPr lang="en-SG" sz="1000">
+                        <a:effectLst/>
+                        <a:latin typeface="Times New Roman" panose="02020603050405020304" pitchFamily="18" charset="0"/>
+                        <a:ea typeface="Times New Roman" panose="02020603050405020304" pitchFamily="18" charset="0"/>
+                      </a:endParaRPr>
+                    </a:p>
+                  </a:txBody>
+                  <a:tcPr marL="60772" marR="60772" marT="0" marB="0"/>
+                </a:tc>
+                <a:tc>
+                  <a:txBody>
+                    <a:bodyPr/>
+                    <a:lstStyle/>
+                    <a:p>
+                      <a:pPr marL="342900" lvl="0" indent="-342900" algn="l">
+                        <a:lnSpc>
+                          <a:spcPct val="107000"/>
+                        </a:lnSpc>
+                        <a:spcBef>
+                          <a:spcPts val="600"/>
+                        </a:spcBef>
+                        <a:spcAft>
+                          <a:spcPts val="300"/>
+                        </a:spcAft>
+                        <a:buFont typeface="Symbol" panose="05050102010706020507" pitchFamily="18" charset="2"/>
+                        <a:buChar char=""/>
+                      </a:pPr>
+                      <a:r>
+                        <a:rPr lang="en-GB" sz="1000">
+                          <a:effectLst/>
+                        </a:rPr>
+                        <a:t>Integrate SGLines Web site with SCBS to allow customer registration.</a:t>
+                      </a:r>
+                      <a:endParaRPr lang="en-SG" sz="1000">
+                        <a:effectLst/>
+                      </a:endParaRPr>
+                    </a:p>
+                    <a:p>
+                      <a:pPr marL="342900" lvl="0" indent="-342900" algn="l">
+                        <a:lnSpc>
+                          <a:spcPct val="107000"/>
+                        </a:lnSpc>
+                        <a:spcBef>
+                          <a:spcPts val="600"/>
+                        </a:spcBef>
+                        <a:spcAft>
+                          <a:spcPts val="300"/>
+                        </a:spcAft>
+                        <a:buFont typeface="Symbol" panose="05050102010706020507" pitchFamily="18" charset="2"/>
+                        <a:buChar char=""/>
+                      </a:pPr>
+                      <a:r>
+                        <a:rPr lang="en-GB" sz="1000">
+                          <a:effectLst/>
+                        </a:rPr>
+                        <a:t>Integrate SGLines Web site with SCBS to allow customer to submit RFQ and order online from a new Web storefront.</a:t>
+                      </a:r>
+                      <a:endParaRPr lang="en-SG" sz="1000">
+                        <a:effectLst/>
+                      </a:endParaRPr>
+                    </a:p>
+                    <a:p>
+                      <a:pPr marL="342900" lvl="0" indent="-342900" algn="l">
+                        <a:lnSpc>
+                          <a:spcPct val="107000"/>
+                        </a:lnSpc>
+                        <a:spcBef>
+                          <a:spcPts val="600"/>
+                        </a:spcBef>
+                        <a:spcAft>
+                          <a:spcPts val="300"/>
+                        </a:spcAft>
+                        <a:buFont typeface="Symbol" panose="05050102010706020507" pitchFamily="18" charset="2"/>
+                        <a:buChar char=""/>
+                      </a:pPr>
+                      <a:r>
+                        <a:rPr lang="en-GB" sz="1000">
+                          <a:effectLst/>
+                        </a:rPr>
+                        <a:t>Customize the Web contents for different customer type and country.</a:t>
+                      </a:r>
+                      <a:endParaRPr lang="en-SG" sz="1000">
+                        <a:effectLst/>
+                      </a:endParaRPr>
+                    </a:p>
+                    <a:p>
+                      <a:pPr marL="342900" lvl="0" indent="-342900" algn="l">
+                        <a:lnSpc>
+                          <a:spcPct val="107000"/>
+                        </a:lnSpc>
+                        <a:spcBef>
+                          <a:spcPts val="600"/>
+                        </a:spcBef>
+                        <a:spcAft>
+                          <a:spcPts val="300"/>
+                        </a:spcAft>
+                        <a:buFont typeface="Symbol" panose="05050102010706020507" pitchFamily="18" charset="2"/>
+                        <a:buChar char=""/>
+                      </a:pPr>
+                      <a:r>
+                        <a:rPr lang="en-GB" sz="1000">
+                          <a:effectLst/>
+                        </a:rPr>
+                        <a:t>Support different types of browsers.</a:t>
+                      </a:r>
+                      <a:endParaRPr lang="en-SG" sz="1000">
+                        <a:effectLst/>
+                        <a:latin typeface="Times New Roman" panose="02020603050405020304" pitchFamily="18" charset="0"/>
+                        <a:ea typeface="Times New Roman" panose="02020603050405020304" pitchFamily="18" charset="0"/>
+                      </a:endParaRPr>
+                    </a:p>
+                  </a:txBody>
+                  <a:tcPr marL="60772" marR="60772" marT="0" marB="0"/>
+                </a:tc>
+              </a:tr>
+              <a:tr h="419217">
+                <a:tc>
+                  <a:txBody>
+                    <a:bodyPr/>
+                    <a:lstStyle/>
+                    <a:p>
+                      <a:pPr algn="l">
+                        <a:lnSpc>
+                          <a:spcPct val="107000"/>
+                        </a:lnSpc>
+                        <a:spcBef>
+                          <a:spcPts val="600"/>
+                        </a:spcBef>
+                        <a:spcAft>
+                          <a:spcPts val="300"/>
+                        </a:spcAft>
+                      </a:pPr>
+                      <a:r>
+                        <a:rPr lang="en-GB" sz="1000">
+                          <a:effectLst/>
+                        </a:rPr>
+                        <a:t>Generating management report would impact VCMS performance</a:t>
+                      </a:r>
+                      <a:endParaRPr lang="en-SG" sz="1000">
+                        <a:effectLst/>
+                        <a:latin typeface="Times New Roman" panose="02020603050405020304" pitchFamily="18" charset="0"/>
+                        <a:ea typeface="Times New Roman" panose="02020603050405020304" pitchFamily="18" charset="0"/>
+                      </a:endParaRPr>
+                    </a:p>
+                  </a:txBody>
+                  <a:tcPr marL="60772" marR="60772" marT="0" marB="0"/>
+                </a:tc>
+                <a:tc>
+                  <a:txBody>
+                    <a:bodyPr/>
+                    <a:lstStyle/>
+                    <a:p>
+                      <a:pPr marL="342900" lvl="0" indent="-342900" algn="l">
+                        <a:lnSpc>
+                          <a:spcPct val="107000"/>
+                        </a:lnSpc>
+                        <a:spcBef>
+                          <a:spcPts val="600"/>
+                        </a:spcBef>
+                        <a:spcAft>
+                          <a:spcPts val="300"/>
+                        </a:spcAft>
+                        <a:buFont typeface="Symbol" panose="05050102010706020507" pitchFamily="18" charset="2"/>
+                        <a:buChar char=""/>
+                      </a:pPr>
+                      <a:r>
+                        <a:rPr lang="en-GB" sz="1000" dirty="0">
+                          <a:effectLst/>
+                        </a:rPr>
+                        <a:t>Replicate data for VCMS system using DB feature and set the replicated data to be read only.</a:t>
+                      </a:r>
+                      <a:endParaRPr lang="en-SG" sz="1000" dirty="0">
+                        <a:effectLst/>
+                      </a:endParaRPr>
+                    </a:p>
+                    <a:p>
+                      <a:pPr marL="342900" lvl="0" indent="-342900" algn="l">
+                        <a:lnSpc>
+                          <a:spcPct val="107000"/>
+                        </a:lnSpc>
+                        <a:spcBef>
+                          <a:spcPts val="600"/>
+                        </a:spcBef>
+                        <a:spcAft>
+                          <a:spcPts val="300"/>
+                        </a:spcAft>
+                        <a:buFont typeface="Symbol" panose="05050102010706020507" pitchFamily="18" charset="2"/>
+                        <a:buChar char=""/>
+                      </a:pPr>
+                      <a:r>
+                        <a:rPr lang="en-GB" sz="1000" dirty="0">
+                          <a:effectLst/>
+                        </a:rPr>
+                        <a:t>Access replicated DB to generate management report.</a:t>
+                      </a:r>
+                      <a:endParaRPr lang="en-SG" sz="1000" dirty="0">
+                        <a:effectLst/>
+                        <a:latin typeface="Times New Roman" panose="02020603050405020304" pitchFamily="18" charset="0"/>
+                        <a:ea typeface="Times New Roman" panose="02020603050405020304" pitchFamily="18" charset="0"/>
+                      </a:endParaRPr>
+                    </a:p>
+                  </a:txBody>
+                  <a:tcPr marL="60772" marR="60772" marT="0" marB="0"/>
+                </a:tc>
+              </a:tr>
+            </a:tbl>
+          </a:graphicData>
+        </a:graphic>
+      </p:graphicFrame>
+    </p:spTree>
+    <p:extLst>
+      <p:ext uri="{BB962C8B-B14F-4D97-AF65-F5344CB8AC3E}">
+        <p14:creationId xmlns:p14="http://schemas.microsoft.com/office/powerpoint/2010/main" val="622608438"/>
+      </p:ext>
+    </p:extLst>
+  </p:cSld>
+  <p:clrMapOvr>
+    <a:masterClrMapping/>
+  </p:clrMapOvr>
+  <p:timing>
+    <p:tnLst>
+      <p:par>
+        <p:cTn id="1" dur="indefinite" restart="never" nodeType="tmRoot"/>
+      </p:par>
+    </p:tnLst>
+  </p:timing>
+</p:sld>
+</file>
+
+<file path=ppt/slides/slide36.xml><?xml version="1.0" encoding="utf-8"?>
+<p:sld xmlns:a="http://schemas.openxmlformats.org/drawingml/2006/main" xmlns:r="http://schemas.openxmlformats.org/officeDocument/2006/relationships" xmlns:p="http://schemas.openxmlformats.org/presentationml/2006/main">
+  <p:cSld>
+    <p:spTree>
+      <p:nvGrpSpPr>
+        <p:cNvPr id="1" name=""/>
+        <p:cNvGrpSpPr/>
+        <p:nvPr/>
+      </p:nvGrpSpPr>
+      <p:grpSpPr>
+        <a:xfrm>
+          <a:off x="0" y="0"/>
+          <a:ext cx="0" cy="0"/>
+          <a:chOff x="0" y="0"/>
+          <a:chExt cx="0" cy="0"/>
+        </a:xfrm>
+      </p:grpSpPr>
+      <p:sp>
+        <p:nvSpPr>
+          <p:cNvPr id="49153" name="Title 1"/>
+          <p:cNvSpPr>
+            <a:spLocks noGrp="1"/>
+          </p:cNvSpPr>
+          <p:nvPr>
+            <p:ph type="title"/>
+          </p:nvPr>
+        </p:nvSpPr>
+        <p:spPr/>
+        <p:txBody>
+          <a:bodyPr/>
+          <a:lstStyle/>
+          <a:p>
+            <a:pPr eaLnBrk="1" hangingPunct="1"/>
+            <a:r>
+              <a:rPr lang="en-US" dirty="0"/>
+              <a:t>Gap and Potential Solution </a:t>
+            </a:r>
+            <a:r>
+              <a:rPr lang="en-US" dirty="0" smtClean="0"/>
+              <a:t>(3)</a:t>
+            </a:r>
+            <a:endParaRPr lang="en-SG" dirty="0" smtClean="0"/>
+          </a:p>
+        </p:txBody>
+      </p:sp>
+      <p:sp>
+        <p:nvSpPr>
+          <p:cNvPr id="49154" name="Content Placeholder 2"/>
+          <p:cNvSpPr>
+            <a:spLocks noGrp="1"/>
+          </p:cNvSpPr>
+          <p:nvPr>
+            <p:ph sz="quarter" idx="1"/>
+          </p:nvPr>
+        </p:nvSpPr>
+        <p:spPr>
+          <a:xfrm>
+            <a:off x="457200" y="1219200"/>
+            <a:ext cx="8229600" cy="4937125"/>
+          </a:xfrm>
+        </p:spPr>
+        <p:txBody>
+          <a:bodyPr/>
+          <a:lstStyle/>
+          <a:p>
+            <a:pPr marL="0" indent="0" eaLnBrk="1" hangingPunct="1">
+              <a:buNone/>
+            </a:pPr>
+            <a:r>
+              <a:rPr lang="en-SG" dirty="0" smtClean="0"/>
+              <a:t> </a:t>
+            </a:r>
+          </a:p>
+        </p:txBody>
+      </p:sp>
+      <p:graphicFrame>
+        <p:nvGraphicFramePr>
+          <p:cNvPr id="3" name="Table 2"/>
+          <p:cNvGraphicFramePr>
+            <a:graphicFrameLocks noGrp="1"/>
+          </p:cNvGraphicFramePr>
+          <p:nvPr>
+            <p:extLst/>
+          </p:nvPr>
+        </p:nvGraphicFramePr>
+        <p:xfrm>
+          <a:off x="457200" y="1484784"/>
+          <a:ext cx="8229600" cy="3601944"/>
+        </p:xfrm>
+        <a:graphic>
+          <a:graphicData uri="http://schemas.openxmlformats.org/drawingml/2006/table">
+            <a:tbl>
+              <a:tblPr firstRow="1" firstCol="1" bandRow="1">
+                <a:tableStyleId>{5C22544A-7EE6-4342-B048-85BDC9FD1C3A}</a:tableStyleId>
+              </a:tblPr>
+              <a:tblGrid>
+                <a:gridCol w="2727637"/>
+                <a:gridCol w="5501963"/>
+              </a:tblGrid>
+              <a:tr h="355824">
+                <a:tc>
+                  <a:txBody>
+                    <a:bodyPr/>
+                    <a:lstStyle/>
+                    <a:p>
+                      <a:pPr algn="l">
+                        <a:lnSpc>
+                          <a:spcPct val="107000"/>
+                        </a:lnSpc>
+                        <a:spcBef>
+                          <a:spcPts val="600"/>
+                        </a:spcBef>
+                        <a:spcAft>
+                          <a:spcPts val="300"/>
+                        </a:spcAft>
+                      </a:pPr>
+                      <a:r>
+                        <a:rPr lang="en-GB" sz="1400" dirty="0">
+                          <a:effectLst/>
+                        </a:rPr>
+                        <a:t>Gap</a:t>
+                      </a:r>
+                      <a:endParaRPr lang="en-SG" sz="1400" dirty="0">
+                        <a:effectLst/>
+                        <a:latin typeface="Times New Roman" panose="02020603050405020304" pitchFamily="18" charset="0"/>
+                        <a:ea typeface="Times New Roman" panose="02020603050405020304" pitchFamily="18" charset="0"/>
+                      </a:endParaRPr>
+                    </a:p>
+                  </a:txBody>
+                  <a:tcPr marL="60772" marR="60772" marT="0" marB="0"/>
+                </a:tc>
+                <a:tc>
+                  <a:txBody>
+                    <a:bodyPr/>
+                    <a:lstStyle/>
+                    <a:p>
+                      <a:pPr algn="l">
+                        <a:lnSpc>
+                          <a:spcPct val="107000"/>
+                        </a:lnSpc>
+                        <a:spcBef>
+                          <a:spcPts val="600"/>
+                        </a:spcBef>
+                        <a:spcAft>
+                          <a:spcPts val="300"/>
+                        </a:spcAft>
+                      </a:pPr>
+                      <a:r>
+                        <a:rPr lang="en-GB" sz="1400" dirty="0">
+                          <a:effectLst/>
+                        </a:rPr>
+                        <a:t>Potential Solution</a:t>
+                      </a:r>
+                      <a:endParaRPr lang="en-SG" sz="1400" dirty="0">
+                        <a:effectLst/>
+                        <a:latin typeface="Times New Roman" panose="02020603050405020304" pitchFamily="18" charset="0"/>
+                        <a:ea typeface="Times New Roman" panose="02020603050405020304" pitchFamily="18" charset="0"/>
+                      </a:endParaRPr>
+                    </a:p>
+                  </a:txBody>
+                  <a:tcPr marL="60772" marR="60772" marT="0" marB="0"/>
+                </a:tc>
+              </a:tr>
+              <a:tr h="578183">
+                <a:tc>
+                  <a:txBody>
+                    <a:bodyPr/>
+                    <a:lstStyle/>
+                    <a:p>
+                      <a:pPr algn="l">
+                        <a:lnSpc>
+                          <a:spcPct val="107000"/>
+                        </a:lnSpc>
+                        <a:spcBef>
+                          <a:spcPts val="600"/>
+                        </a:spcBef>
+                        <a:spcAft>
+                          <a:spcPts val="300"/>
+                        </a:spcAft>
+                      </a:pPr>
+                      <a:r>
+                        <a:rPr lang="en-GB" sz="1000">
+                          <a:effectLst/>
+                        </a:rPr>
+                        <a:t>Order process is not fully automated.</a:t>
+                      </a:r>
+                      <a:endParaRPr lang="en-SG" sz="1000">
+                        <a:effectLst/>
+                        <a:latin typeface="Times New Roman" panose="02020603050405020304" pitchFamily="18" charset="0"/>
+                        <a:ea typeface="Times New Roman" panose="02020603050405020304" pitchFamily="18" charset="0"/>
+                      </a:endParaRPr>
+                    </a:p>
+                  </a:txBody>
+                  <a:tcPr marL="60772" marR="60772" marT="0" marB="0"/>
+                </a:tc>
+                <a:tc>
+                  <a:txBody>
+                    <a:bodyPr/>
+                    <a:lstStyle/>
+                    <a:p>
+                      <a:pPr marL="342900" lvl="0" indent="-342900" algn="l">
+                        <a:lnSpc>
+                          <a:spcPct val="107000"/>
+                        </a:lnSpc>
+                        <a:spcBef>
+                          <a:spcPts val="600"/>
+                        </a:spcBef>
+                        <a:spcAft>
+                          <a:spcPts val="300"/>
+                        </a:spcAft>
+                        <a:buFont typeface="Symbol" panose="05050102010706020507" pitchFamily="18" charset="2"/>
+                        <a:buChar char=""/>
+                      </a:pPr>
+                      <a:r>
+                        <a:rPr lang="en-GB" sz="1000">
+                          <a:effectLst/>
+                        </a:rPr>
+                        <a:t>Allow customer to continue to place order after RFQ with the details stated in RFQ.</a:t>
+                      </a:r>
+                      <a:endParaRPr lang="en-SG" sz="1000">
+                        <a:effectLst/>
+                      </a:endParaRPr>
+                    </a:p>
+                    <a:p>
+                      <a:pPr marL="342900" lvl="0" indent="-342900" algn="l">
+                        <a:lnSpc>
+                          <a:spcPct val="107000"/>
+                        </a:lnSpc>
+                        <a:spcBef>
+                          <a:spcPts val="600"/>
+                        </a:spcBef>
+                        <a:spcAft>
+                          <a:spcPts val="300"/>
+                        </a:spcAft>
+                        <a:buFont typeface="Symbol" panose="05050102010706020507" pitchFamily="18" charset="2"/>
+                        <a:buChar char=""/>
+                      </a:pPr>
+                      <a:r>
+                        <a:rPr lang="en-GB" sz="1000">
+                          <a:effectLst/>
+                        </a:rPr>
+                        <a:t>Integrated SCBS and VCMS using Web Services provided for internal use to automate RFQ and order process.</a:t>
+                      </a:r>
+                      <a:endParaRPr lang="en-SG" sz="1000">
+                        <a:effectLst/>
+                        <a:latin typeface="Times New Roman" panose="02020603050405020304" pitchFamily="18" charset="0"/>
+                        <a:ea typeface="Times New Roman" panose="02020603050405020304" pitchFamily="18" charset="0"/>
+                      </a:endParaRPr>
+                    </a:p>
+                  </a:txBody>
+                  <a:tcPr marL="60772" marR="60772" marT="0" marB="0"/>
+                </a:tc>
+              </a:tr>
+              <a:tr h="317930">
+                <a:tc>
+                  <a:txBody>
+                    <a:bodyPr/>
+                    <a:lstStyle/>
+                    <a:p>
+                      <a:pPr algn="l">
+                        <a:lnSpc>
+                          <a:spcPct val="107000"/>
+                        </a:lnSpc>
+                        <a:spcBef>
+                          <a:spcPts val="600"/>
+                        </a:spcBef>
+                        <a:spcAft>
+                          <a:spcPts val="300"/>
+                        </a:spcAft>
+                      </a:pPr>
+                      <a:r>
+                        <a:rPr lang="en-GB" sz="1000">
+                          <a:effectLst/>
+                        </a:rPr>
+                        <a:t>VMS and CMS were developed based on old technology</a:t>
+                      </a:r>
+                      <a:endParaRPr lang="en-SG" sz="1000">
+                        <a:effectLst/>
+                        <a:latin typeface="Times New Roman" panose="02020603050405020304" pitchFamily="18" charset="0"/>
+                        <a:ea typeface="Times New Roman" panose="02020603050405020304" pitchFamily="18" charset="0"/>
+                      </a:endParaRPr>
+                    </a:p>
+                  </a:txBody>
+                  <a:tcPr marL="60772" marR="60772" marT="0" marB="0"/>
+                </a:tc>
+                <a:tc>
+                  <a:txBody>
+                    <a:bodyPr/>
+                    <a:lstStyle/>
+                    <a:p>
+                      <a:pPr marL="342900" lvl="0" indent="-342900" algn="l">
+                        <a:lnSpc>
+                          <a:spcPct val="107000"/>
+                        </a:lnSpc>
+                        <a:spcBef>
+                          <a:spcPts val="600"/>
+                        </a:spcBef>
+                        <a:spcAft>
+                          <a:spcPts val="300"/>
+                        </a:spcAft>
+                        <a:buFont typeface="Symbol" panose="05050102010706020507" pitchFamily="18" charset="2"/>
+                        <a:buChar char=""/>
+                      </a:pPr>
+                      <a:r>
+                        <a:rPr lang="en-GB" sz="1000">
+                          <a:effectLst/>
+                        </a:rPr>
+                        <a:t>Adapt new technology when developing the consolidated VCMS system.</a:t>
+                      </a:r>
+                      <a:endParaRPr lang="en-SG" sz="1000">
+                        <a:effectLst/>
+                        <a:latin typeface="Times New Roman" panose="02020603050405020304" pitchFamily="18" charset="0"/>
+                        <a:ea typeface="Times New Roman" panose="02020603050405020304" pitchFamily="18" charset="0"/>
+                      </a:endParaRPr>
+                    </a:p>
+                  </a:txBody>
+                  <a:tcPr marL="60772" marR="60772" marT="0" marB="0"/>
+                </a:tc>
+              </a:tr>
+              <a:tr h="1098687">
+                <a:tc>
+                  <a:txBody>
+                    <a:bodyPr/>
+                    <a:lstStyle/>
+                    <a:p>
+                      <a:pPr algn="l">
+                        <a:lnSpc>
+                          <a:spcPct val="107000"/>
+                        </a:lnSpc>
+                        <a:spcBef>
+                          <a:spcPts val="600"/>
+                        </a:spcBef>
+                        <a:spcAft>
+                          <a:spcPts val="300"/>
+                        </a:spcAft>
+                      </a:pPr>
+                      <a:r>
+                        <a:rPr lang="en-GB" sz="1000">
+                          <a:effectLst/>
+                        </a:rPr>
+                        <a:t>VMS and CMS tend to have unscheduled downtime</a:t>
+                      </a:r>
+                      <a:endParaRPr lang="en-SG" sz="1000">
+                        <a:effectLst/>
+                        <a:latin typeface="Times New Roman" panose="02020603050405020304" pitchFamily="18" charset="0"/>
+                        <a:ea typeface="Times New Roman" panose="02020603050405020304" pitchFamily="18" charset="0"/>
+                      </a:endParaRPr>
+                    </a:p>
+                  </a:txBody>
+                  <a:tcPr marL="60772" marR="60772" marT="0" marB="0"/>
+                </a:tc>
+                <a:tc>
+                  <a:txBody>
+                    <a:bodyPr/>
+                    <a:lstStyle/>
+                    <a:p>
+                      <a:pPr marL="342900" lvl="0" indent="-342900" algn="l">
+                        <a:lnSpc>
+                          <a:spcPct val="107000"/>
+                        </a:lnSpc>
+                        <a:spcBef>
+                          <a:spcPts val="600"/>
+                        </a:spcBef>
+                        <a:spcAft>
+                          <a:spcPts val="300"/>
+                        </a:spcAft>
+                        <a:buFont typeface="Symbol" panose="05050102010706020507" pitchFamily="18" charset="2"/>
+                        <a:buChar char=""/>
+                      </a:pPr>
+                      <a:r>
+                        <a:rPr lang="en-GB" sz="1000">
+                          <a:effectLst/>
+                        </a:rPr>
+                        <a:t>Improve application architecture when developing the VCMS system.</a:t>
+                      </a:r>
+                      <a:endParaRPr lang="en-SG" sz="1000">
+                        <a:effectLst/>
+                      </a:endParaRPr>
+                    </a:p>
+                    <a:p>
+                      <a:pPr marL="342900" lvl="0" indent="-342900" algn="l">
+                        <a:lnSpc>
+                          <a:spcPct val="107000"/>
+                        </a:lnSpc>
+                        <a:spcBef>
+                          <a:spcPts val="600"/>
+                        </a:spcBef>
+                        <a:spcAft>
+                          <a:spcPts val="300"/>
+                        </a:spcAft>
+                        <a:buFont typeface="Symbol" panose="05050102010706020507" pitchFamily="18" charset="2"/>
+                        <a:buChar char=""/>
+                      </a:pPr>
+                      <a:r>
+                        <a:rPr lang="en-GB" sz="1000">
+                          <a:effectLst/>
+                        </a:rPr>
+                        <a:t>Improve code quality for VCMS development.</a:t>
+                      </a:r>
+                      <a:endParaRPr lang="en-SG" sz="1000">
+                        <a:effectLst/>
+                      </a:endParaRPr>
+                    </a:p>
+                    <a:p>
+                      <a:pPr marL="342900" lvl="0" indent="-342900" algn="l">
+                        <a:lnSpc>
+                          <a:spcPct val="107000"/>
+                        </a:lnSpc>
+                        <a:spcBef>
+                          <a:spcPts val="600"/>
+                        </a:spcBef>
+                        <a:spcAft>
+                          <a:spcPts val="300"/>
+                        </a:spcAft>
+                        <a:buFont typeface="Symbol" panose="05050102010706020507" pitchFamily="18" charset="2"/>
+                        <a:buChar char=""/>
+                      </a:pPr>
+                      <a:r>
+                        <a:rPr lang="en-GB" sz="1000">
+                          <a:effectLst/>
+                        </a:rPr>
+                        <a:t>Emphasize QA and plan sufficient review and testing to ensure the quality for the mission critical system.</a:t>
+                      </a:r>
+                      <a:endParaRPr lang="en-SG" sz="1000">
+                        <a:effectLst/>
+                      </a:endParaRPr>
+                    </a:p>
+                    <a:p>
+                      <a:pPr marL="342900" lvl="0" indent="-342900" algn="l">
+                        <a:lnSpc>
+                          <a:spcPct val="107000"/>
+                        </a:lnSpc>
+                        <a:spcBef>
+                          <a:spcPts val="600"/>
+                        </a:spcBef>
+                        <a:spcAft>
+                          <a:spcPts val="300"/>
+                        </a:spcAft>
+                        <a:buFont typeface="Symbol" panose="05050102010706020507" pitchFamily="18" charset="2"/>
+                        <a:buChar char=""/>
+                      </a:pPr>
+                      <a:r>
+                        <a:rPr lang="en-GB" sz="1000">
+                          <a:effectLst/>
+                        </a:rPr>
+                        <a:t>To implement system failover to reduce the unscheduled downtime.</a:t>
+                      </a:r>
+                      <a:endParaRPr lang="en-SG" sz="1000">
+                        <a:effectLst/>
+                        <a:latin typeface="Times New Roman" panose="02020603050405020304" pitchFamily="18" charset="0"/>
+                        <a:ea typeface="Times New Roman" panose="02020603050405020304" pitchFamily="18" charset="0"/>
+                      </a:endParaRPr>
+                    </a:p>
+                  </a:txBody>
+                  <a:tcPr marL="60772" marR="60772" marT="0" marB="0"/>
+                </a:tc>
+              </a:tr>
+              <a:tr h="419217">
+                <a:tc>
+                  <a:txBody>
+                    <a:bodyPr/>
+                    <a:lstStyle/>
+                    <a:p>
+                      <a:pPr algn="l">
+                        <a:lnSpc>
+                          <a:spcPct val="107000"/>
+                        </a:lnSpc>
+                        <a:spcBef>
+                          <a:spcPts val="600"/>
+                        </a:spcBef>
+                        <a:spcAft>
+                          <a:spcPts val="300"/>
+                        </a:spcAft>
+                      </a:pPr>
+                      <a:r>
+                        <a:rPr lang="en-GB" sz="1000">
+                          <a:effectLst/>
+                        </a:rPr>
+                        <a:t>Network latency</a:t>
+                      </a:r>
+                      <a:endParaRPr lang="en-SG" sz="1000">
+                        <a:effectLst/>
+                        <a:latin typeface="Times New Roman" panose="02020603050405020304" pitchFamily="18" charset="0"/>
+                        <a:ea typeface="Times New Roman" panose="02020603050405020304" pitchFamily="18" charset="0"/>
+                      </a:endParaRPr>
+                    </a:p>
+                  </a:txBody>
+                  <a:tcPr marL="60772" marR="60772" marT="0" marB="0"/>
+                </a:tc>
+                <a:tc>
+                  <a:txBody>
+                    <a:bodyPr/>
+                    <a:lstStyle/>
+                    <a:p>
+                      <a:pPr marL="342900" lvl="0" indent="-342900" algn="l">
+                        <a:lnSpc>
+                          <a:spcPct val="107000"/>
+                        </a:lnSpc>
+                        <a:spcBef>
+                          <a:spcPts val="600"/>
+                        </a:spcBef>
+                        <a:spcAft>
+                          <a:spcPts val="300"/>
+                        </a:spcAft>
+                        <a:buFont typeface="Symbol" panose="05050102010706020507" pitchFamily="18" charset="2"/>
+                        <a:buChar char=""/>
+                      </a:pPr>
+                      <a:r>
+                        <a:rPr lang="en-GB" sz="1000">
+                          <a:effectLst/>
+                        </a:rPr>
+                        <a:t>Separate Web Servers for transaction from staff and customer.</a:t>
+                      </a:r>
+                      <a:endParaRPr lang="en-SG" sz="1000">
+                        <a:effectLst/>
+                      </a:endParaRPr>
+                    </a:p>
+                    <a:p>
+                      <a:pPr marL="342900" lvl="0" indent="-342900" algn="l">
+                        <a:lnSpc>
+                          <a:spcPct val="107000"/>
+                        </a:lnSpc>
+                        <a:spcBef>
+                          <a:spcPts val="600"/>
+                        </a:spcBef>
+                        <a:spcAft>
+                          <a:spcPts val="300"/>
+                        </a:spcAft>
+                        <a:buFont typeface="Symbol" panose="05050102010706020507" pitchFamily="18" charset="2"/>
+                        <a:buChar char=""/>
+                      </a:pPr>
+                      <a:r>
+                        <a:rPr lang="en-GB" sz="1000">
+                          <a:effectLst/>
+                        </a:rPr>
+                        <a:t>Install load balancer on top of Web Servers.</a:t>
+                      </a:r>
+                      <a:endParaRPr lang="en-SG" sz="1000">
+                        <a:effectLst/>
+                        <a:latin typeface="Times New Roman" panose="02020603050405020304" pitchFamily="18" charset="0"/>
+                        <a:ea typeface="Times New Roman" panose="02020603050405020304" pitchFamily="18" charset="0"/>
+                      </a:endParaRPr>
+                    </a:p>
+                  </a:txBody>
+                  <a:tcPr marL="60772" marR="60772" marT="0" marB="0"/>
+                </a:tc>
+              </a:tr>
+              <a:tr h="679470">
+                <a:tc>
+                  <a:txBody>
+                    <a:bodyPr/>
+                    <a:lstStyle/>
+                    <a:p>
+                      <a:pPr algn="l">
+                        <a:lnSpc>
+                          <a:spcPct val="107000"/>
+                        </a:lnSpc>
+                        <a:spcBef>
+                          <a:spcPts val="600"/>
+                        </a:spcBef>
+                        <a:spcAft>
+                          <a:spcPts val="300"/>
+                        </a:spcAft>
+                      </a:pPr>
+                      <a:r>
+                        <a:rPr lang="en-GB" sz="1000">
+                          <a:effectLst/>
+                        </a:rPr>
+                        <a:t>System security</a:t>
+                      </a:r>
+                      <a:endParaRPr lang="en-SG" sz="1000">
+                        <a:effectLst/>
+                        <a:latin typeface="Times New Roman" panose="02020603050405020304" pitchFamily="18" charset="0"/>
+                        <a:ea typeface="Times New Roman" panose="02020603050405020304" pitchFamily="18" charset="0"/>
+                      </a:endParaRPr>
+                    </a:p>
+                  </a:txBody>
+                  <a:tcPr marL="60772" marR="60772" marT="0" marB="0"/>
+                </a:tc>
+                <a:tc>
+                  <a:txBody>
+                    <a:bodyPr/>
+                    <a:lstStyle/>
+                    <a:p>
+                      <a:pPr marL="342900" lvl="0" indent="-342900" algn="l">
+                        <a:lnSpc>
+                          <a:spcPct val="107000"/>
+                        </a:lnSpc>
+                        <a:spcBef>
+                          <a:spcPts val="600"/>
+                        </a:spcBef>
+                        <a:spcAft>
+                          <a:spcPts val="300"/>
+                        </a:spcAft>
+                        <a:buFont typeface="Symbol" panose="05050102010706020507" pitchFamily="18" charset="2"/>
+                        <a:buChar char=""/>
+                      </a:pPr>
+                      <a:r>
+                        <a:rPr lang="en-GB" sz="1000" dirty="0">
+                          <a:effectLst/>
+                        </a:rPr>
+                        <a:t>Install and configure firewall for systems</a:t>
+                      </a:r>
+                      <a:endParaRPr lang="en-SG" sz="1000" dirty="0">
+                        <a:effectLst/>
+                      </a:endParaRPr>
+                    </a:p>
+                    <a:p>
+                      <a:pPr marL="342900" lvl="0" indent="-342900" algn="l">
+                        <a:lnSpc>
+                          <a:spcPct val="107000"/>
+                        </a:lnSpc>
+                        <a:spcBef>
+                          <a:spcPts val="600"/>
+                        </a:spcBef>
+                        <a:spcAft>
+                          <a:spcPts val="300"/>
+                        </a:spcAft>
+                        <a:buFont typeface="Symbol" panose="05050102010706020507" pitchFamily="18" charset="2"/>
+                        <a:buChar char=""/>
+                      </a:pPr>
+                      <a:r>
+                        <a:rPr lang="en-GB" sz="1000" dirty="0">
+                          <a:effectLst/>
+                        </a:rPr>
+                        <a:t>Separate Web Servers for transaction from staff and customer.</a:t>
+                      </a:r>
+                      <a:endParaRPr lang="en-SG" sz="1000" dirty="0">
+                        <a:effectLst/>
+                      </a:endParaRPr>
+                    </a:p>
+                    <a:p>
+                      <a:pPr marL="342900" lvl="0" indent="-342900" algn="l">
+                        <a:lnSpc>
+                          <a:spcPct val="107000"/>
+                        </a:lnSpc>
+                        <a:spcBef>
+                          <a:spcPts val="600"/>
+                        </a:spcBef>
+                        <a:spcAft>
+                          <a:spcPts val="300"/>
+                        </a:spcAft>
+                        <a:buFont typeface="Symbol" panose="05050102010706020507" pitchFamily="18" charset="2"/>
+                        <a:buChar char=""/>
+                      </a:pPr>
+                      <a:r>
+                        <a:rPr lang="en-GB" sz="1000" dirty="0">
+                          <a:effectLst/>
+                        </a:rPr>
+                        <a:t>Require staff to use signed Java applets for secured login and encrypted client side processing.</a:t>
+                      </a:r>
+                      <a:endParaRPr lang="en-SG" sz="1000" dirty="0">
+                        <a:effectLst/>
+                        <a:latin typeface="Times New Roman" panose="02020603050405020304" pitchFamily="18" charset="0"/>
+                        <a:ea typeface="Times New Roman" panose="02020603050405020304" pitchFamily="18" charset="0"/>
+                      </a:endParaRPr>
+                    </a:p>
+                  </a:txBody>
+                  <a:tcPr marL="60772" marR="60772" marT="0" marB="0"/>
+                </a:tc>
+              </a:tr>
+            </a:tbl>
+          </a:graphicData>
+        </a:graphic>
+      </p:graphicFrame>
+    </p:spTree>
+    <p:extLst>
+      <p:ext uri="{BB962C8B-B14F-4D97-AF65-F5344CB8AC3E}">
+        <p14:creationId xmlns:p14="http://schemas.microsoft.com/office/powerpoint/2010/main" val="2452609840"/>
+      </p:ext>
+    </p:extLst>
+  </p:cSld>
+  <p:clrMapOvr>
+    <a:masterClrMapping/>
+  </p:clrMapOvr>
+  <p:timing>
+    <p:tnLst>
+      <p:par>
+        <p:cTn id="1" dur="indefinite" restart="never" nodeType="tmRoot"/>
+      </p:par>
+    </p:tnLst>
+  </p:timing>
+</p:sld>
+</file>
+
+<file path=ppt/slides/slide37.xml><?xml version="1.0" encoding="utf-8"?>
+<p:sld xmlns:a="http://schemas.openxmlformats.org/drawingml/2006/main" xmlns:r="http://schemas.openxmlformats.org/officeDocument/2006/relationships" xmlns:p="http://schemas.openxmlformats.org/presentationml/2006/main">
+  <p:cSld>
+    <p:spTree>
+      <p:nvGrpSpPr>
+        <p:cNvPr id="1" name=""/>
+        <p:cNvGrpSpPr/>
+        <p:nvPr/>
+      </p:nvGrpSpPr>
+      <p:grpSpPr>
+        <a:xfrm>
+          <a:off x="0" y="0"/>
+          <a:ext cx="0" cy="0"/>
+          <a:chOff x="0" y="0"/>
+          <a:chExt cx="0" cy="0"/>
+        </a:xfrm>
+      </p:grpSpPr>
+      <p:sp>
+        <p:nvSpPr>
           <p:cNvPr id="18433" name="Title 1"/>
           <p:cNvSpPr>
             <a:spLocks noGrp="1"/>
@@ -21991,7 +22141,7 @@
 </p:sld>
 </file>
 
-<file path=ppt/slides/slide36.xml><?xml version="1.0" encoding="utf-8"?>
+<file path=ppt/slides/slide38.xml><?xml version="1.0" encoding="utf-8"?>
 <p:sld xmlns:a="http://schemas.openxmlformats.org/drawingml/2006/main" xmlns:r="http://schemas.openxmlformats.org/officeDocument/2006/relationships" xmlns:p="http://schemas.openxmlformats.org/presentationml/2006/main">
   <p:cSld>
     <p:spTree>
@@ -22079,7 +22229,7 @@
 </p:sld>
 </file>
 
-<file path=ppt/slides/slide37.xml><?xml version="1.0" encoding="utf-8"?>
+<file path=ppt/slides/slide39.xml><?xml version="1.0" encoding="utf-8"?>
 <p:sld xmlns:a="http://schemas.openxmlformats.org/drawingml/2006/main" xmlns:r="http://schemas.openxmlformats.org/officeDocument/2006/relationships" xmlns:p="http://schemas.openxmlformats.org/presentationml/2006/main">
   <p:cSld>
     <p:spTree>
@@ -23713,7 +23863,497 @@
 </p:sld>
 </file>
 
-<file path=ppt/slides/slide38.xml><?xml version="1.0" encoding="utf-8"?>
+<file path=ppt/slides/slide4.xml><?xml version="1.0" encoding="utf-8"?>
+<p:sld xmlns:a="http://schemas.openxmlformats.org/drawingml/2006/main" xmlns:r="http://schemas.openxmlformats.org/officeDocument/2006/relationships" xmlns:p="http://schemas.openxmlformats.org/presentationml/2006/main">
+  <p:cSld>
+    <p:spTree>
+      <p:nvGrpSpPr>
+        <p:cNvPr id="1" name=""/>
+        <p:cNvGrpSpPr/>
+        <p:nvPr/>
+      </p:nvGrpSpPr>
+      <p:grpSpPr>
+        <a:xfrm>
+          <a:off x="0" y="0"/>
+          <a:ext cx="0" cy="0"/>
+          <a:chOff x="0" y="0"/>
+          <a:chExt cx="0" cy="0"/>
+        </a:xfrm>
+      </p:grpSpPr>
+      <p:sp>
+        <p:nvSpPr>
+          <p:cNvPr id="19457" name="Title 1"/>
+          <p:cNvSpPr>
+            <a:spLocks noGrp="1"/>
+          </p:cNvSpPr>
+          <p:nvPr>
+            <p:ph type="title"/>
+          </p:nvPr>
+        </p:nvSpPr>
+        <p:spPr/>
+        <p:txBody>
+          <a:bodyPr/>
+          <a:lstStyle/>
+          <a:p>
+            <a:pPr eaLnBrk="1" hangingPunct="1"/>
+            <a:r>
+              <a:rPr lang="en-US" smtClean="0"/>
+              <a:t>Concerns</a:t>
+            </a:r>
+            <a:endParaRPr lang="en-SG" smtClean="0"/>
+          </a:p>
+        </p:txBody>
+      </p:sp>
+      <p:graphicFrame>
+        <p:nvGraphicFramePr>
+          <p:cNvPr id="4" name="Content Placeholder 3"/>
+          <p:cNvGraphicFramePr>
+            <a:graphicFrameLocks noGrp="1"/>
+          </p:cNvGraphicFramePr>
+          <p:nvPr>
+            <p:ph sz="quarter" idx="1"/>
+          </p:nvPr>
+        </p:nvGraphicFramePr>
+        <p:xfrm>
+          <a:off x="827088" y="1557338"/>
+          <a:ext cx="7216844" cy="3312367"/>
+        </p:xfrm>
+        <a:graphic>
+          <a:graphicData uri="http://schemas.openxmlformats.org/drawingml/2006/table">
+            <a:tbl>
+              <a:tblPr firstRow="1" firstCol="1" bandRow="1">
+                <a:tableStyleId>{5C22544A-7EE6-4342-B048-85BDC9FD1C3A}</a:tableStyleId>
+              </a:tblPr>
+              <a:tblGrid>
+                <a:gridCol w="1897662"/>
+                <a:gridCol w="5319182"/>
+              </a:tblGrid>
+              <a:tr h="429283">
+                <a:tc>
+                  <a:txBody>
+                    <a:bodyPr/>
+                    <a:lstStyle/>
+                    <a:p>
+                      <a:pPr algn="just">
+                        <a:spcBef>
+                          <a:spcPts val="600"/>
+                        </a:spcBef>
+                        <a:spcAft>
+                          <a:spcPts val="300"/>
+                        </a:spcAft>
+                      </a:pPr>
+                      <a:r>
+                        <a:rPr lang="en-GB" sz="1100" dirty="0">
+                          <a:effectLst/>
+                        </a:rPr>
+                        <a:t>Stakeholder</a:t>
+                      </a:r>
+                      <a:endParaRPr lang="en-SG" sz="1100" dirty="0">
+                        <a:effectLst/>
+                        <a:latin typeface="Times New Roman"/>
+                        <a:ea typeface="Times New Roman"/>
+                      </a:endParaRPr>
+                    </a:p>
+                  </a:txBody>
+                  <a:tcPr marL="68580" marR="68580" marT="0" marB="0"/>
+                </a:tc>
+                <a:tc>
+                  <a:txBody>
+                    <a:bodyPr/>
+                    <a:lstStyle/>
+                    <a:p>
+                      <a:pPr algn="just">
+                        <a:spcBef>
+                          <a:spcPts val="600"/>
+                        </a:spcBef>
+                        <a:spcAft>
+                          <a:spcPts val="300"/>
+                        </a:spcAft>
+                      </a:pPr>
+                      <a:r>
+                        <a:rPr lang="en-GB" sz="1100">
+                          <a:effectLst/>
+                        </a:rPr>
+                        <a:t>Key Concern</a:t>
+                      </a:r>
+                      <a:endParaRPr lang="en-SG" sz="1100">
+                        <a:effectLst/>
+                        <a:latin typeface="Times New Roman"/>
+                        <a:ea typeface="Times New Roman"/>
+                      </a:endParaRPr>
+                    </a:p>
+                  </a:txBody>
+                  <a:tcPr marL="68580" marR="68580" marT="0" marB="0"/>
+                </a:tc>
+              </a:tr>
+              <a:tr h="240257">
+                <a:tc>
+                  <a:txBody>
+                    <a:bodyPr/>
+                    <a:lstStyle/>
+                    <a:p>
+                      <a:pPr algn="just">
+                        <a:spcBef>
+                          <a:spcPts val="600"/>
+                        </a:spcBef>
+                        <a:spcAft>
+                          <a:spcPts val="300"/>
+                        </a:spcAft>
+                      </a:pPr>
+                      <a:r>
+                        <a:rPr lang="en-GB" sz="1100">
+                          <a:effectLst/>
+                        </a:rPr>
+                        <a:t>Customer</a:t>
+                      </a:r>
+                      <a:endParaRPr lang="en-SG" sz="1100">
+                        <a:effectLst/>
+                        <a:latin typeface="Times New Roman"/>
+                        <a:ea typeface="Times New Roman"/>
+                      </a:endParaRPr>
+                    </a:p>
+                  </a:txBody>
+                  <a:tcPr marL="68580" marR="68580" marT="0" marB="0"/>
+                </a:tc>
+                <a:tc>
+                  <a:txBody>
+                    <a:bodyPr/>
+                    <a:lstStyle/>
+                    <a:p>
+                      <a:pPr algn="just">
+                        <a:spcBef>
+                          <a:spcPts val="600"/>
+                        </a:spcBef>
+                        <a:spcAft>
+                          <a:spcPts val="300"/>
+                        </a:spcAft>
+                      </a:pPr>
+                      <a:r>
+                        <a:rPr lang="en-GB" sz="1100">
+                          <a:effectLst/>
+                        </a:rPr>
+                        <a:t>Ability to place order with higher turn around date</a:t>
+                      </a:r>
+                      <a:endParaRPr lang="en-SG" sz="1100">
+                        <a:effectLst/>
+                        <a:latin typeface="Times New Roman"/>
+                        <a:ea typeface="Times New Roman"/>
+                      </a:endParaRPr>
+                    </a:p>
+                  </a:txBody>
+                  <a:tcPr marL="68580" marR="68580" marT="0" marB="0"/>
+                </a:tc>
+              </a:tr>
+              <a:tr h="240257">
+                <a:tc>
+                  <a:txBody>
+                    <a:bodyPr/>
+                    <a:lstStyle/>
+                    <a:p>
+                      <a:pPr algn="just">
+                        <a:spcBef>
+                          <a:spcPts val="600"/>
+                        </a:spcBef>
+                        <a:spcAft>
+                          <a:spcPts val="300"/>
+                        </a:spcAft>
+                      </a:pPr>
+                      <a:r>
+                        <a:rPr lang="en-GB" sz="1100">
+                          <a:effectLst/>
+                        </a:rPr>
+                        <a:t>CxO</a:t>
+                      </a:r>
+                      <a:endParaRPr lang="en-SG" sz="1100">
+                        <a:effectLst/>
+                        <a:latin typeface="Times New Roman"/>
+                        <a:ea typeface="Times New Roman"/>
+                      </a:endParaRPr>
+                    </a:p>
+                  </a:txBody>
+                  <a:tcPr marL="68580" marR="68580" marT="0" marB="0"/>
+                </a:tc>
+                <a:tc>
+                  <a:txBody>
+                    <a:bodyPr/>
+                    <a:lstStyle/>
+                    <a:p>
+                      <a:pPr algn="just">
+                        <a:spcBef>
+                          <a:spcPts val="600"/>
+                        </a:spcBef>
+                        <a:spcAft>
+                          <a:spcPts val="300"/>
+                        </a:spcAft>
+                      </a:pPr>
+                      <a:r>
+                        <a:rPr lang="en-GB" sz="1100">
+                          <a:effectLst/>
+                        </a:rPr>
+                        <a:t>Losing sales? Prevent delay of shipment errors, Higher SLA, Cutting cost</a:t>
+                      </a:r>
+                      <a:endParaRPr lang="en-SG" sz="1100">
+                        <a:effectLst/>
+                        <a:latin typeface="Times New Roman"/>
+                        <a:ea typeface="Times New Roman"/>
+                      </a:endParaRPr>
+                    </a:p>
+                  </a:txBody>
+                  <a:tcPr marL="68580" marR="68580" marT="0" marB="0"/>
+                </a:tc>
+              </a:tr>
+              <a:tr h="720771">
+                <a:tc>
+                  <a:txBody>
+                    <a:bodyPr/>
+                    <a:lstStyle/>
+                    <a:p>
+                      <a:pPr algn="just">
+                        <a:spcBef>
+                          <a:spcPts val="600"/>
+                        </a:spcBef>
+                        <a:spcAft>
+                          <a:spcPts val="300"/>
+                        </a:spcAft>
+                      </a:pPr>
+                      <a:r>
+                        <a:rPr lang="en-GB" sz="1100">
+                          <a:effectLst/>
+                        </a:rPr>
+                        <a:t>Sales Team</a:t>
+                      </a:r>
+                      <a:endParaRPr lang="en-SG" sz="1100">
+                        <a:effectLst/>
+                        <a:latin typeface="Times New Roman"/>
+                        <a:ea typeface="Times New Roman"/>
+                      </a:endParaRPr>
+                    </a:p>
+                  </a:txBody>
+                  <a:tcPr marL="68580" marR="68580" marT="0" marB="0"/>
+                </a:tc>
+                <a:tc>
+                  <a:txBody>
+                    <a:bodyPr/>
+                    <a:lstStyle/>
+                    <a:p>
+                      <a:pPr algn="just">
+                        <a:spcBef>
+                          <a:spcPts val="600"/>
+                        </a:spcBef>
+                        <a:spcAft>
+                          <a:spcPts val="300"/>
+                        </a:spcAft>
+                      </a:pPr>
+                      <a:r>
+                        <a:rPr lang="en-GB" sz="1100">
+                          <a:effectLst/>
+                        </a:rPr>
+                        <a:t>Real time sales order generation, and faster feedback from RFQ, Improve Up time  for VMS and CMS, at the same time improve customer service level through usage of technology</a:t>
+                      </a:r>
+                      <a:endParaRPr lang="en-SG" sz="1100">
+                        <a:effectLst/>
+                        <a:latin typeface="Times New Roman"/>
+                        <a:ea typeface="Times New Roman"/>
+                      </a:endParaRPr>
+                    </a:p>
+                  </a:txBody>
+                  <a:tcPr marL="68580" marR="68580" marT="0" marB="0"/>
+                </a:tc>
+              </a:tr>
+              <a:tr h="480514">
+                <a:tc>
+                  <a:txBody>
+                    <a:bodyPr/>
+                    <a:lstStyle/>
+                    <a:p>
+                      <a:pPr algn="just">
+                        <a:spcBef>
+                          <a:spcPts val="600"/>
+                        </a:spcBef>
+                        <a:spcAft>
+                          <a:spcPts val="300"/>
+                        </a:spcAft>
+                      </a:pPr>
+                      <a:r>
+                        <a:rPr lang="en-GB" sz="1100">
+                          <a:effectLst/>
+                        </a:rPr>
+                        <a:t>Order Processing Team</a:t>
+                      </a:r>
+                      <a:endParaRPr lang="en-SG" sz="1100">
+                        <a:effectLst/>
+                        <a:latin typeface="Times New Roman"/>
+                        <a:ea typeface="Times New Roman"/>
+                      </a:endParaRPr>
+                    </a:p>
+                  </a:txBody>
+                  <a:tcPr marL="68580" marR="68580" marT="0" marB="0"/>
+                </a:tc>
+                <a:tc>
+                  <a:txBody>
+                    <a:bodyPr/>
+                    <a:lstStyle/>
+                    <a:p>
+                      <a:pPr algn="just">
+                        <a:spcBef>
+                          <a:spcPts val="600"/>
+                        </a:spcBef>
+                        <a:spcAft>
+                          <a:spcPts val="300"/>
+                        </a:spcAft>
+                      </a:pPr>
+                      <a:r>
+                        <a:rPr lang="en-GB" sz="1100">
+                          <a:effectLst/>
+                        </a:rPr>
+                        <a:t>To have real time checking on vessel availability and container availability</a:t>
+                      </a:r>
+                      <a:endParaRPr lang="en-SG" sz="1100">
+                        <a:effectLst/>
+                        <a:latin typeface="Times New Roman"/>
+                        <a:ea typeface="Times New Roman"/>
+                      </a:endParaRPr>
+                    </a:p>
+                  </a:txBody>
+                  <a:tcPr marL="68580" marR="68580" marT="0" marB="0"/>
+                </a:tc>
+              </a:tr>
+              <a:tr h="480514">
+                <a:tc>
+                  <a:txBody>
+                    <a:bodyPr/>
+                    <a:lstStyle/>
+                    <a:p>
+                      <a:pPr algn="just">
+                        <a:spcBef>
+                          <a:spcPts val="600"/>
+                        </a:spcBef>
+                        <a:spcAft>
+                          <a:spcPts val="300"/>
+                        </a:spcAft>
+                      </a:pPr>
+                      <a:r>
+                        <a:rPr lang="en-GB" sz="1100">
+                          <a:effectLst/>
+                        </a:rPr>
+                        <a:t>IT and Operations</a:t>
+                      </a:r>
+                      <a:endParaRPr lang="en-SG" sz="1100">
+                        <a:effectLst/>
+                        <a:latin typeface="Times New Roman"/>
+                        <a:ea typeface="Times New Roman"/>
+                      </a:endParaRPr>
+                    </a:p>
+                  </a:txBody>
+                  <a:tcPr marL="68580" marR="68580" marT="0" marB="0"/>
+                </a:tc>
+                <a:tc>
+                  <a:txBody>
+                    <a:bodyPr/>
+                    <a:lstStyle/>
+                    <a:p>
+                      <a:pPr algn="just">
+                        <a:spcBef>
+                          <a:spcPts val="600"/>
+                        </a:spcBef>
+                        <a:spcAft>
+                          <a:spcPts val="300"/>
+                        </a:spcAft>
+                      </a:pPr>
+                      <a:r>
+                        <a:rPr lang="en-GB" sz="1100">
+                          <a:effectLst/>
+                        </a:rPr>
+                        <a:t>Sceptical on the investment of the new IT business goals, as they have no confident on the new system and technologies</a:t>
+                      </a:r>
+                      <a:endParaRPr lang="en-SG" sz="1100">
+                        <a:effectLst/>
+                        <a:latin typeface="Times New Roman"/>
+                        <a:ea typeface="Times New Roman"/>
+                      </a:endParaRPr>
+                    </a:p>
+                  </a:txBody>
+                  <a:tcPr marL="68580" marR="68580" marT="0" marB="0"/>
+                </a:tc>
+              </a:tr>
+              <a:tr h="720771">
+                <a:tc>
+                  <a:txBody>
+                    <a:bodyPr/>
+                    <a:lstStyle/>
+                    <a:p>
+                      <a:pPr algn="just">
+                        <a:spcBef>
+                          <a:spcPts val="600"/>
+                        </a:spcBef>
+                        <a:spcAft>
+                          <a:spcPts val="300"/>
+                        </a:spcAft>
+                      </a:pPr>
+                      <a:r>
+                        <a:rPr lang="en-GB" sz="1100">
+                          <a:effectLst/>
+                        </a:rPr>
+                        <a:t>Container Management Team</a:t>
+                      </a:r>
+                      <a:endParaRPr lang="en-SG" sz="1100">
+                        <a:effectLst/>
+                        <a:latin typeface="Times New Roman"/>
+                        <a:ea typeface="Times New Roman"/>
+                      </a:endParaRPr>
+                    </a:p>
+                  </a:txBody>
+                  <a:tcPr marL="68580" marR="68580" marT="0" marB="0"/>
+                </a:tc>
+                <a:tc>
+                  <a:txBody>
+                    <a:bodyPr/>
+                    <a:lstStyle/>
+                    <a:p>
+                      <a:pPr algn="just">
+                        <a:spcBef>
+                          <a:spcPts val="600"/>
+                        </a:spcBef>
+                        <a:spcAft>
+                          <a:spcPts val="300"/>
+                        </a:spcAft>
+                      </a:pPr>
+                      <a:r>
+                        <a:rPr lang="en-GB" sz="1100" dirty="0">
+                          <a:effectLst/>
+                        </a:rPr>
+                        <a:t>To have better recorded network with tow head operator, and hope could improve the efficiency of the local tow head operators. Current operation take too long to query a certain information from local tow head operator</a:t>
+                      </a:r>
+                      <a:endParaRPr lang="en-SG" sz="1100" dirty="0">
+                        <a:effectLst/>
+                        <a:latin typeface="Times New Roman"/>
+                        <a:ea typeface="Times New Roman"/>
+                      </a:endParaRPr>
+                    </a:p>
+                  </a:txBody>
+                  <a:tcPr marL="68580" marR="68580" marT="0" marB="0"/>
+                </a:tc>
+              </a:tr>
+            </a:tbl>
+          </a:graphicData>
+        </a:graphic>
+      </p:graphicFrame>
+    </p:spTree>
+  </p:cSld>
+  <p:clrMapOvr>
+    <a:masterClrMapping/>
+  </p:clrMapOvr>
+  <p:timing>
+    <p:tnLst>
+      <p:par>
+        <p:cTn id="1" dur="indefinite" restart="never" nodeType="tmRoot"/>
+      </p:par>
+    </p:tnLst>
+  </p:timing>
+</p:sld>
+</file>
+
+<file path=ppt/slides/slide40.xml><?xml version="1.0" encoding="utf-8"?>
 <p:sld xmlns:a="http://schemas.openxmlformats.org/drawingml/2006/main" xmlns:r="http://schemas.openxmlformats.org/officeDocument/2006/relationships" xmlns:p="http://schemas.openxmlformats.org/presentationml/2006/main">
   <p:cSld>
     <p:spTree>
@@ -23781,7 +24421,7 @@
           <a:graphicData uri="http://schemas.openxmlformats.org/presentationml/2006/ole">
             <mc:AlternateContent xmlns:mc="http://schemas.openxmlformats.org/markup-compatibility/2006">
               <mc:Choice xmlns:v="urn:schemas-microsoft-com:vml" Requires="v">
-                <p:oleObj spid="_x0000_s2056" name="Visio" r:id="rId3" imgW="9660374" imgH="6002783" progId="Visio.Drawing.11">
+                <p:oleObj spid="_x0000_s2057" name="Visio" r:id="rId3" imgW="9660374" imgH="6002783" progId="Visio.Drawing.11">
                   <p:embed/>
                 </p:oleObj>
               </mc:Choice>
@@ -23871,7 +24511,7 @@
 </p:sld>
 </file>
 
-<file path=ppt/slides/slide39.xml><?xml version="1.0" encoding="utf-8"?>
+<file path=ppt/slides/slide41.xml><?xml version="1.0" encoding="utf-8"?>
 <p:sld xmlns:a="http://schemas.openxmlformats.org/drawingml/2006/main" xmlns:r="http://schemas.openxmlformats.org/officeDocument/2006/relationships" xmlns:p="http://schemas.openxmlformats.org/presentationml/2006/main">
   <p:cSld>
     <p:spTree>
@@ -23983,496 +24623,6 @@
 </p:sld>
 </file>
 
-<file path=ppt/slides/slide4.xml><?xml version="1.0" encoding="utf-8"?>
-<p:sld xmlns:a="http://schemas.openxmlformats.org/drawingml/2006/main" xmlns:r="http://schemas.openxmlformats.org/officeDocument/2006/relationships" xmlns:p="http://schemas.openxmlformats.org/presentationml/2006/main">
-  <p:cSld>
-    <p:spTree>
-      <p:nvGrpSpPr>
-        <p:cNvPr id="1" name=""/>
-        <p:cNvGrpSpPr/>
-        <p:nvPr/>
-      </p:nvGrpSpPr>
-      <p:grpSpPr>
-        <a:xfrm>
-          <a:off x="0" y="0"/>
-          <a:ext cx="0" cy="0"/>
-          <a:chOff x="0" y="0"/>
-          <a:chExt cx="0" cy="0"/>
-        </a:xfrm>
-      </p:grpSpPr>
-      <p:sp>
-        <p:nvSpPr>
-          <p:cNvPr id="19457" name="Title 1"/>
-          <p:cNvSpPr>
-            <a:spLocks noGrp="1"/>
-          </p:cNvSpPr>
-          <p:nvPr>
-            <p:ph type="title"/>
-          </p:nvPr>
-        </p:nvSpPr>
-        <p:spPr/>
-        <p:txBody>
-          <a:bodyPr/>
-          <a:lstStyle/>
-          <a:p>
-            <a:pPr eaLnBrk="1" hangingPunct="1"/>
-            <a:r>
-              <a:rPr lang="en-US" smtClean="0"/>
-              <a:t>Concerns</a:t>
-            </a:r>
-            <a:endParaRPr lang="en-SG" smtClean="0"/>
-          </a:p>
-        </p:txBody>
-      </p:sp>
-      <p:graphicFrame>
-        <p:nvGraphicFramePr>
-          <p:cNvPr id="4" name="Content Placeholder 3"/>
-          <p:cNvGraphicFramePr>
-            <a:graphicFrameLocks noGrp="1"/>
-          </p:cNvGraphicFramePr>
-          <p:nvPr>
-            <p:ph sz="quarter" idx="1"/>
-          </p:nvPr>
-        </p:nvGraphicFramePr>
-        <p:xfrm>
-          <a:off x="827088" y="1557338"/>
-          <a:ext cx="7216844" cy="3312367"/>
-        </p:xfrm>
-        <a:graphic>
-          <a:graphicData uri="http://schemas.openxmlformats.org/drawingml/2006/table">
-            <a:tbl>
-              <a:tblPr firstRow="1" firstCol="1" bandRow="1">
-                <a:tableStyleId>{5C22544A-7EE6-4342-B048-85BDC9FD1C3A}</a:tableStyleId>
-              </a:tblPr>
-              <a:tblGrid>
-                <a:gridCol w="1897662"/>
-                <a:gridCol w="5319182"/>
-              </a:tblGrid>
-              <a:tr h="429283">
-                <a:tc>
-                  <a:txBody>
-                    <a:bodyPr/>
-                    <a:lstStyle/>
-                    <a:p>
-                      <a:pPr algn="just">
-                        <a:spcBef>
-                          <a:spcPts val="600"/>
-                        </a:spcBef>
-                        <a:spcAft>
-                          <a:spcPts val="300"/>
-                        </a:spcAft>
-                      </a:pPr>
-                      <a:r>
-                        <a:rPr lang="en-GB" sz="1100" dirty="0">
-                          <a:effectLst/>
-                        </a:rPr>
-                        <a:t>Stakeholder</a:t>
-                      </a:r>
-                      <a:endParaRPr lang="en-SG" sz="1100" dirty="0">
-                        <a:effectLst/>
-                        <a:latin typeface="Times New Roman"/>
-                        <a:ea typeface="Times New Roman"/>
-                      </a:endParaRPr>
-                    </a:p>
-                  </a:txBody>
-                  <a:tcPr marL="68580" marR="68580" marT="0" marB="0"/>
-                </a:tc>
-                <a:tc>
-                  <a:txBody>
-                    <a:bodyPr/>
-                    <a:lstStyle/>
-                    <a:p>
-                      <a:pPr algn="just">
-                        <a:spcBef>
-                          <a:spcPts val="600"/>
-                        </a:spcBef>
-                        <a:spcAft>
-                          <a:spcPts val="300"/>
-                        </a:spcAft>
-                      </a:pPr>
-                      <a:r>
-                        <a:rPr lang="en-GB" sz="1100">
-                          <a:effectLst/>
-                        </a:rPr>
-                        <a:t>Key Concern</a:t>
-                      </a:r>
-                      <a:endParaRPr lang="en-SG" sz="1100">
-                        <a:effectLst/>
-                        <a:latin typeface="Times New Roman"/>
-                        <a:ea typeface="Times New Roman"/>
-                      </a:endParaRPr>
-                    </a:p>
-                  </a:txBody>
-                  <a:tcPr marL="68580" marR="68580" marT="0" marB="0"/>
-                </a:tc>
-              </a:tr>
-              <a:tr h="240257">
-                <a:tc>
-                  <a:txBody>
-                    <a:bodyPr/>
-                    <a:lstStyle/>
-                    <a:p>
-                      <a:pPr algn="just">
-                        <a:spcBef>
-                          <a:spcPts val="600"/>
-                        </a:spcBef>
-                        <a:spcAft>
-                          <a:spcPts val="300"/>
-                        </a:spcAft>
-                      </a:pPr>
-                      <a:r>
-                        <a:rPr lang="en-GB" sz="1100">
-                          <a:effectLst/>
-                        </a:rPr>
-                        <a:t>Customer</a:t>
-                      </a:r>
-                      <a:endParaRPr lang="en-SG" sz="1100">
-                        <a:effectLst/>
-                        <a:latin typeface="Times New Roman"/>
-                        <a:ea typeface="Times New Roman"/>
-                      </a:endParaRPr>
-                    </a:p>
-                  </a:txBody>
-                  <a:tcPr marL="68580" marR="68580" marT="0" marB="0"/>
-                </a:tc>
-                <a:tc>
-                  <a:txBody>
-                    <a:bodyPr/>
-                    <a:lstStyle/>
-                    <a:p>
-                      <a:pPr algn="just">
-                        <a:spcBef>
-                          <a:spcPts val="600"/>
-                        </a:spcBef>
-                        <a:spcAft>
-                          <a:spcPts val="300"/>
-                        </a:spcAft>
-                      </a:pPr>
-                      <a:r>
-                        <a:rPr lang="en-GB" sz="1100">
-                          <a:effectLst/>
-                        </a:rPr>
-                        <a:t>Ability to place order with higher turn around date</a:t>
-                      </a:r>
-                      <a:endParaRPr lang="en-SG" sz="1100">
-                        <a:effectLst/>
-                        <a:latin typeface="Times New Roman"/>
-                        <a:ea typeface="Times New Roman"/>
-                      </a:endParaRPr>
-                    </a:p>
-                  </a:txBody>
-                  <a:tcPr marL="68580" marR="68580" marT="0" marB="0"/>
-                </a:tc>
-              </a:tr>
-              <a:tr h="240257">
-                <a:tc>
-                  <a:txBody>
-                    <a:bodyPr/>
-                    <a:lstStyle/>
-                    <a:p>
-                      <a:pPr algn="just">
-                        <a:spcBef>
-                          <a:spcPts val="600"/>
-                        </a:spcBef>
-                        <a:spcAft>
-                          <a:spcPts val="300"/>
-                        </a:spcAft>
-                      </a:pPr>
-                      <a:r>
-                        <a:rPr lang="en-GB" sz="1100">
-                          <a:effectLst/>
-                        </a:rPr>
-                        <a:t>CxO</a:t>
-                      </a:r>
-                      <a:endParaRPr lang="en-SG" sz="1100">
-                        <a:effectLst/>
-                        <a:latin typeface="Times New Roman"/>
-                        <a:ea typeface="Times New Roman"/>
-                      </a:endParaRPr>
-                    </a:p>
-                  </a:txBody>
-                  <a:tcPr marL="68580" marR="68580" marT="0" marB="0"/>
-                </a:tc>
-                <a:tc>
-                  <a:txBody>
-                    <a:bodyPr/>
-                    <a:lstStyle/>
-                    <a:p>
-                      <a:pPr algn="just">
-                        <a:spcBef>
-                          <a:spcPts val="600"/>
-                        </a:spcBef>
-                        <a:spcAft>
-                          <a:spcPts val="300"/>
-                        </a:spcAft>
-                      </a:pPr>
-                      <a:r>
-                        <a:rPr lang="en-GB" sz="1100">
-                          <a:effectLst/>
-                        </a:rPr>
-                        <a:t>Losing sales? Prevent delay of shipment errors, Higher SLA, Cutting cost</a:t>
-                      </a:r>
-                      <a:endParaRPr lang="en-SG" sz="1100">
-                        <a:effectLst/>
-                        <a:latin typeface="Times New Roman"/>
-                        <a:ea typeface="Times New Roman"/>
-                      </a:endParaRPr>
-                    </a:p>
-                  </a:txBody>
-                  <a:tcPr marL="68580" marR="68580" marT="0" marB="0"/>
-                </a:tc>
-              </a:tr>
-              <a:tr h="720771">
-                <a:tc>
-                  <a:txBody>
-                    <a:bodyPr/>
-                    <a:lstStyle/>
-                    <a:p>
-                      <a:pPr algn="just">
-                        <a:spcBef>
-                          <a:spcPts val="600"/>
-                        </a:spcBef>
-                        <a:spcAft>
-                          <a:spcPts val="300"/>
-                        </a:spcAft>
-                      </a:pPr>
-                      <a:r>
-                        <a:rPr lang="en-GB" sz="1100">
-                          <a:effectLst/>
-                        </a:rPr>
-                        <a:t>Sales Team</a:t>
-                      </a:r>
-                      <a:endParaRPr lang="en-SG" sz="1100">
-                        <a:effectLst/>
-                        <a:latin typeface="Times New Roman"/>
-                        <a:ea typeface="Times New Roman"/>
-                      </a:endParaRPr>
-                    </a:p>
-                  </a:txBody>
-                  <a:tcPr marL="68580" marR="68580" marT="0" marB="0"/>
-                </a:tc>
-                <a:tc>
-                  <a:txBody>
-                    <a:bodyPr/>
-                    <a:lstStyle/>
-                    <a:p>
-                      <a:pPr algn="just">
-                        <a:spcBef>
-                          <a:spcPts val="600"/>
-                        </a:spcBef>
-                        <a:spcAft>
-                          <a:spcPts val="300"/>
-                        </a:spcAft>
-                      </a:pPr>
-                      <a:r>
-                        <a:rPr lang="en-GB" sz="1100">
-                          <a:effectLst/>
-                        </a:rPr>
-                        <a:t>Real time sales order generation, and faster feedback from RFQ, Improve Up time  for VMS and CMS, at the same time improve customer service level through usage of technology</a:t>
-                      </a:r>
-                      <a:endParaRPr lang="en-SG" sz="1100">
-                        <a:effectLst/>
-                        <a:latin typeface="Times New Roman"/>
-                        <a:ea typeface="Times New Roman"/>
-                      </a:endParaRPr>
-                    </a:p>
-                  </a:txBody>
-                  <a:tcPr marL="68580" marR="68580" marT="0" marB="0"/>
-                </a:tc>
-              </a:tr>
-              <a:tr h="480514">
-                <a:tc>
-                  <a:txBody>
-                    <a:bodyPr/>
-                    <a:lstStyle/>
-                    <a:p>
-                      <a:pPr algn="just">
-                        <a:spcBef>
-                          <a:spcPts val="600"/>
-                        </a:spcBef>
-                        <a:spcAft>
-                          <a:spcPts val="300"/>
-                        </a:spcAft>
-                      </a:pPr>
-                      <a:r>
-                        <a:rPr lang="en-GB" sz="1100">
-                          <a:effectLst/>
-                        </a:rPr>
-                        <a:t>Order Processing Team</a:t>
-                      </a:r>
-                      <a:endParaRPr lang="en-SG" sz="1100">
-                        <a:effectLst/>
-                        <a:latin typeface="Times New Roman"/>
-                        <a:ea typeface="Times New Roman"/>
-                      </a:endParaRPr>
-                    </a:p>
-                  </a:txBody>
-                  <a:tcPr marL="68580" marR="68580" marT="0" marB="0"/>
-                </a:tc>
-                <a:tc>
-                  <a:txBody>
-                    <a:bodyPr/>
-                    <a:lstStyle/>
-                    <a:p>
-                      <a:pPr algn="just">
-                        <a:spcBef>
-                          <a:spcPts val="600"/>
-                        </a:spcBef>
-                        <a:spcAft>
-                          <a:spcPts val="300"/>
-                        </a:spcAft>
-                      </a:pPr>
-                      <a:r>
-                        <a:rPr lang="en-GB" sz="1100">
-                          <a:effectLst/>
-                        </a:rPr>
-                        <a:t>To have real time checking on vessel availability and container availability</a:t>
-                      </a:r>
-                      <a:endParaRPr lang="en-SG" sz="1100">
-                        <a:effectLst/>
-                        <a:latin typeface="Times New Roman"/>
-                        <a:ea typeface="Times New Roman"/>
-                      </a:endParaRPr>
-                    </a:p>
-                  </a:txBody>
-                  <a:tcPr marL="68580" marR="68580" marT="0" marB="0"/>
-                </a:tc>
-              </a:tr>
-              <a:tr h="480514">
-                <a:tc>
-                  <a:txBody>
-                    <a:bodyPr/>
-                    <a:lstStyle/>
-                    <a:p>
-                      <a:pPr algn="just">
-                        <a:spcBef>
-                          <a:spcPts val="600"/>
-                        </a:spcBef>
-                        <a:spcAft>
-                          <a:spcPts val="300"/>
-                        </a:spcAft>
-                      </a:pPr>
-                      <a:r>
-                        <a:rPr lang="en-GB" sz="1100">
-                          <a:effectLst/>
-                        </a:rPr>
-                        <a:t>IT and Operations</a:t>
-                      </a:r>
-                      <a:endParaRPr lang="en-SG" sz="1100">
-                        <a:effectLst/>
-                        <a:latin typeface="Times New Roman"/>
-                        <a:ea typeface="Times New Roman"/>
-                      </a:endParaRPr>
-                    </a:p>
-                  </a:txBody>
-                  <a:tcPr marL="68580" marR="68580" marT="0" marB="0"/>
-                </a:tc>
-                <a:tc>
-                  <a:txBody>
-                    <a:bodyPr/>
-                    <a:lstStyle/>
-                    <a:p>
-                      <a:pPr algn="just">
-                        <a:spcBef>
-                          <a:spcPts val="600"/>
-                        </a:spcBef>
-                        <a:spcAft>
-                          <a:spcPts val="300"/>
-                        </a:spcAft>
-                      </a:pPr>
-                      <a:r>
-                        <a:rPr lang="en-GB" sz="1100">
-                          <a:effectLst/>
-                        </a:rPr>
-                        <a:t>Sceptical on the investment of the new IT business goals, as they have no confident on the new system and technologies</a:t>
-                      </a:r>
-                      <a:endParaRPr lang="en-SG" sz="1100">
-                        <a:effectLst/>
-                        <a:latin typeface="Times New Roman"/>
-                        <a:ea typeface="Times New Roman"/>
-                      </a:endParaRPr>
-                    </a:p>
-                  </a:txBody>
-                  <a:tcPr marL="68580" marR="68580" marT="0" marB="0"/>
-                </a:tc>
-              </a:tr>
-              <a:tr h="720771">
-                <a:tc>
-                  <a:txBody>
-                    <a:bodyPr/>
-                    <a:lstStyle/>
-                    <a:p>
-                      <a:pPr algn="just">
-                        <a:spcBef>
-                          <a:spcPts val="600"/>
-                        </a:spcBef>
-                        <a:spcAft>
-                          <a:spcPts val="300"/>
-                        </a:spcAft>
-                      </a:pPr>
-                      <a:r>
-                        <a:rPr lang="en-GB" sz="1100">
-                          <a:effectLst/>
-                        </a:rPr>
-                        <a:t>Container Management Team</a:t>
-                      </a:r>
-                      <a:endParaRPr lang="en-SG" sz="1100">
-                        <a:effectLst/>
-                        <a:latin typeface="Times New Roman"/>
-                        <a:ea typeface="Times New Roman"/>
-                      </a:endParaRPr>
-                    </a:p>
-                  </a:txBody>
-                  <a:tcPr marL="68580" marR="68580" marT="0" marB="0"/>
-                </a:tc>
-                <a:tc>
-                  <a:txBody>
-                    <a:bodyPr/>
-                    <a:lstStyle/>
-                    <a:p>
-                      <a:pPr algn="just">
-                        <a:spcBef>
-                          <a:spcPts val="600"/>
-                        </a:spcBef>
-                        <a:spcAft>
-                          <a:spcPts val="300"/>
-                        </a:spcAft>
-                      </a:pPr>
-                      <a:r>
-                        <a:rPr lang="en-GB" sz="1100" dirty="0">
-                          <a:effectLst/>
-                        </a:rPr>
-                        <a:t>To have better recorded network with tow head operator, and hope could improve the efficiency of the local tow head operators. Current operation take too long to query a certain information from local tow head operator</a:t>
-                      </a:r>
-                      <a:endParaRPr lang="en-SG" sz="1100" dirty="0">
-                        <a:effectLst/>
-                        <a:latin typeface="Times New Roman"/>
-                        <a:ea typeface="Times New Roman"/>
-                      </a:endParaRPr>
-                    </a:p>
-                  </a:txBody>
-                  <a:tcPr marL="68580" marR="68580" marT="0" marB="0"/>
-                </a:tc>
-              </a:tr>
-            </a:tbl>
-          </a:graphicData>
-        </a:graphic>
-      </p:graphicFrame>
-    </p:spTree>
-  </p:cSld>
-  <p:clrMapOvr>
-    <a:masterClrMapping/>
-  </p:clrMapOvr>
-  <p:timing>
-    <p:tnLst>
-      <p:par>
-        <p:cTn id="1" dur="indefinite" restart="never" nodeType="tmRoot"/>
-      </p:par>
-    </p:tnLst>
-  </p:timing>
-</p:sld>
-</file>
-
 <file path=ppt/slides/slide5.xml><?xml version="1.0" encoding="utf-8"?>
 <p:sld xmlns:a="http://schemas.openxmlformats.org/drawingml/2006/main" xmlns:r="http://schemas.openxmlformats.org/officeDocument/2006/relationships" xmlns:p="http://schemas.openxmlformats.org/presentationml/2006/main">
   <p:cSld>
@@ -24536,31 +24686,63 @@
           <a:p>
             <a:pPr eaLnBrk="1" hangingPunct="1"/>
             <a:r>
-              <a:rPr lang="en-GB" b="1" smtClean="0"/>
-              <a:t>restructuring and reorganising the processes</a:t>
+              <a:rPr lang="en-GB" b="1" dirty="0"/>
+              <a:t>R</a:t>
+            </a:r>
+            <a:r>
+              <a:rPr lang="en-GB" b="1" dirty="0" smtClean="0"/>
+              <a:t>estructuring </a:t>
+            </a:r>
+            <a:r>
+              <a:rPr lang="en-GB" b="1" dirty="0" smtClean="0"/>
+              <a:t>and reorganising the processes</a:t>
             </a:r>
           </a:p>
           <a:p>
             <a:pPr eaLnBrk="1" hangingPunct="1"/>
             <a:r>
-              <a:rPr lang="en-GB" b="1" smtClean="0"/>
-              <a:t>improvement in terms of revenue and operating profit</a:t>
+              <a:rPr lang="en-GB" b="1" dirty="0"/>
+              <a:t>I</a:t>
+            </a:r>
+            <a:r>
+              <a:rPr lang="en-GB" b="1" dirty="0" smtClean="0"/>
+              <a:t>mprovement </a:t>
+            </a:r>
+            <a:r>
+              <a:rPr lang="en-GB" b="1" dirty="0" smtClean="0"/>
+              <a:t>in terms of revenue and operating profit</a:t>
             </a:r>
           </a:p>
           <a:p>
             <a:pPr eaLnBrk="1" hangingPunct="1"/>
             <a:r>
-              <a:rPr lang="en-GB" b="1" smtClean="0"/>
-              <a:t>modularity within department</a:t>
+              <a:rPr lang="en-GB" b="1" dirty="0"/>
+              <a:t>M</a:t>
+            </a:r>
+            <a:r>
+              <a:rPr lang="en-GB" b="1" dirty="0" smtClean="0"/>
+              <a:t>odularity </a:t>
+            </a:r>
+            <a:r>
+              <a:rPr lang="en-GB" b="1" dirty="0" smtClean="0"/>
+              <a:t>within department</a:t>
             </a:r>
           </a:p>
           <a:p>
             <a:pPr eaLnBrk="1" hangingPunct="1"/>
             <a:r>
-              <a:rPr lang="en-GB" b="1" smtClean="0"/>
-              <a:t>shared services / Information across multiple department</a:t>
-            </a:r>
-            <a:endParaRPr lang="en-SG" b="1" smtClean="0"/>
+              <a:rPr lang="en-GB" b="1" dirty="0"/>
+              <a:t>S</a:t>
+            </a:r>
+            <a:r>
+              <a:rPr lang="en-GB" b="1" dirty="0" smtClean="0"/>
+              <a:t>hared </a:t>
+            </a:r>
+            <a:r>
+              <a:rPr lang="en-GB" b="1" dirty="0" smtClean="0"/>
+              <a:t>services / Information across multiple department</a:t>
+            </a:r>
+            <a:endParaRPr lang="en-SG" b="1" dirty="0" smtClean="0"/>
           </a:p>
         </p:txBody>
       </p:sp>

--- a/Enterprise Architech Presentation.pptx
+++ b/Enterprise Architech Presentation.pptx
@@ -6238,10 +6238,10 @@
           <a:p>
             <a:pPr eaLnBrk="1" hangingPunct="1"/>
             <a:r>
-              <a:rPr lang="en-US" smtClean="0"/>
+              <a:rPr lang="en-US" dirty="0" smtClean="0"/>
               <a:t>Business Architecture</a:t>
             </a:r>
-            <a:endParaRPr lang="en-SG" smtClean="0"/>
+            <a:endParaRPr lang="en-SG" dirty="0" smtClean="0"/>
           </a:p>
         </p:txBody>
       </p:sp>
@@ -14447,7 +14447,7 @@
           <a:p>
             <a:pPr eaLnBrk="1" hangingPunct="1"/>
             <a:r>
-              <a:rPr lang="en-SG" sz="2000" smtClean="0"/>
+              <a:rPr lang="en-SG" dirty="0" smtClean="0"/>
               <a:t>Information Architecture</a:t>
             </a:r>
           </a:p>
@@ -16981,7 +16981,7 @@
           <a:graphicData uri="http://schemas.openxmlformats.org/presentationml/2006/ole">
             <mc:AlternateContent xmlns:mc="http://schemas.openxmlformats.org/markup-compatibility/2006">
               <mc:Choice xmlns:v="urn:schemas-microsoft-com:vml" Requires="v">
-                <p:oleObj spid="_x0000_s46096" name="Visio" r:id="rId3" imgW="6050954" imgH="4660654" progId="Visio.Drawing.11">
+                <p:oleObj spid="_x0000_s46097" name="Visio" r:id="rId3" imgW="6050954" imgH="4660654" progId="Visio.Drawing.11">
                   <p:embed/>
                 </p:oleObj>
               </mc:Choice>
@@ -17163,7 +17163,7 @@
           <a:graphicData uri="http://schemas.openxmlformats.org/presentationml/2006/ole">
             <mc:AlternateContent xmlns:mc="http://schemas.openxmlformats.org/markup-compatibility/2006">
               <mc:Choice xmlns:v="urn:schemas-microsoft-com:vml" Requires="v">
-                <p:oleObj spid="_x0000_s61450" name="Visio" r:id="rId3" imgW="6434247" imgH="5449047" progId="Visio.Drawing.11">
+                <p:oleObj spid="_x0000_s61451" name="Visio" r:id="rId3" imgW="6434247" imgH="5449047" progId="Visio.Drawing.11">
                   <p:embed/>
                 </p:oleObj>
               </mc:Choice>
@@ -17291,10 +17291,10 @@
           <a:p>
             <a:pPr eaLnBrk="1" hangingPunct="1"/>
             <a:r>
-              <a:rPr lang="en-US" smtClean="0"/>
+              <a:rPr lang="en-US" dirty="0" smtClean="0"/>
               <a:t>Application Architecture</a:t>
             </a:r>
-            <a:endParaRPr lang="en-SG" smtClean="0"/>
+            <a:endParaRPr lang="en-SG" dirty="0" smtClean="0"/>
           </a:p>
         </p:txBody>
       </p:sp>
@@ -17372,10 +17372,9 @@
           <a:p>
             <a:pPr eaLnBrk="1" hangingPunct="1"/>
             <a:r>
-              <a:rPr lang="en-SG" sz="2000" dirty="0" smtClean="0"/>
+              <a:rPr lang="en-SG" dirty="0" smtClean="0"/>
               <a:t>Technical Architecture</a:t>
             </a:r>
-            <a:endParaRPr lang="en-SG" sz="2000" dirty="0" smtClean="0"/>
           </a:p>
         </p:txBody>
       </p:sp>
@@ -17436,7 +17435,6 @@
               <a:rPr lang="en-SG" dirty="0" smtClean="0"/>
               <a:t>Technical Reference Model</a:t>
             </a:r>
-            <a:endParaRPr lang="en-SG" dirty="0" smtClean="0"/>
           </a:p>
         </p:txBody>
       </p:sp>
@@ -18299,10 +18297,10 @@
           <a:p>
             <a:pPr eaLnBrk="1" hangingPunct="1"/>
             <a:r>
-              <a:rPr lang="en-US" smtClean="0"/>
+              <a:rPr lang="en-US" dirty="0" smtClean="0"/>
               <a:t>Architecture Vision</a:t>
             </a:r>
-            <a:endParaRPr lang="en-SG" smtClean="0"/>
+            <a:endParaRPr lang="en-SG" dirty="0" smtClean="0"/>
           </a:p>
         </p:txBody>
       </p:sp>
@@ -24421,7 +24419,7 @@
           <a:graphicData uri="http://schemas.openxmlformats.org/presentationml/2006/ole">
             <mc:AlternateContent xmlns:mc="http://schemas.openxmlformats.org/markup-compatibility/2006">
               <mc:Choice xmlns:v="urn:schemas-microsoft-com:vml" Requires="v">
-                <p:oleObj spid="_x0000_s2057" name="Visio" r:id="rId3" imgW="9660374" imgH="6002783" progId="Visio.Drawing.11">
+                <p:oleObj spid="_x0000_s2058" name="Visio" r:id="rId3" imgW="9660374" imgH="6002783" progId="Visio.Drawing.11">
                   <p:embed/>
                 </p:oleObj>
               </mc:Choice>
@@ -24691,11 +24689,7 @@
             </a:r>
             <a:r>
               <a:rPr lang="en-GB" b="1" dirty="0" smtClean="0"/>
-              <a:t>estructuring </a:t>
-            </a:r>
-            <a:r>
-              <a:rPr lang="en-GB" b="1" dirty="0" smtClean="0"/>
-              <a:t>and reorganising the processes</a:t>
+              <a:t>estructuring and reorganising the processes</a:t>
             </a:r>
           </a:p>
           <a:p>
@@ -24706,11 +24700,7 @@
             </a:r>
             <a:r>
               <a:rPr lang="en-GB" b="1" dirty="0" smtClean="0"/>
-              <a:t>mprovement </a:t>
-            </a:r>
-            <a:r>
-              <a:rPr lang="en-GB" b="1" dirty="0" smtClean="0"/>
-              <a:t>in terms of revenue and operating profit</a:t>
+              <a:t>mprovement in terms of revenue and operating profit</a:t>
             </a:r>
           </a:p>
           <a:p>
@@ -24721,11 +24711,7 @@
             </a:r>
             <a:r>
               <a:rPr lang="en-GB" b="1" dirty="0" smtClean="0"/>
-              <a:t>odularity </a:t>
-            </a:r>
-            <a:r>
-              <a:rPr lang="en-GB" b="1" dirty="0" smtClean="0"/>
-              <a:t>within department</a:t>
+              <a:t>odularity within department</a:t>
             </a:r>
           </a:p>
           <a:p>
@@ -24736,11 +24722,7 @@
             </a:r>
             <a:r>
               <a:rPr lang="en-GB" b="1" dirty="0" smtClean="0"/>
-              <a:t>hared </a:t>
-            </a:r>
-            <a:r>
-              <a:rPr lang="en-GB" b="1" dirty="0" smtClean="0"/>
-              <a:t>services / Information across multiple department</a:t>
+              <a:t>hared services / Information across multiple department</a:t>
             </a:r>
             <a:endParaRPr lang="en-SG" b="1" dirty="0" smtClean="0"/>
           </a:p>

--- a/Enterprise Architech Presentation.pptx
+++ b/Enterprise Architech Presentation.pptx
@@ -179,7 +179,7 @@
   </p:defaultTextStyle>
   <p:extLst>
     <p:ext uri="{EFAFB233-063F-42B5-8137-9DF3F51BA10A}">
-      <p15:sldGuideLst xmlns:p15="http://schemas.microsoft.com/office/powerpoint/2012/main">
+      <p15:sldGuideLst xmlns:p15="http://schemas.microsoft.com/office/powerpoint/2012/main" xmlns="">
         <p15:guide id="1" orient="horz" pos="2160">
           <p15:clr>
             <a:srgbClr val="A4A3A4"/>
@@ -16981,7 +16981,7 @@
           <a:graphicData uri="http://schemas.openxmlformats.org/presentationml/2006/ole">
             <mc:AlternateContent xmlns:mc="http://schemas.openxmlformats.org/markup-compatibility/2006">
               <mc:Choice xmlns:v="urn:schemas-microsoft-com:vml" Requires="v">
-                <p:oleObj spid="_x0000_s46097" name="Visio" r:id="rId3" imgW="6050954" imgH="4660654" progId="Visio.Drawing.11">
+                <p:oleObj spid="_x0000_s46099" name="Visio" r:id="rId3" imgW="6050954" imgH="4660654" progId="Visio.Drawing.11">
                   <p:embed/>
                 </p:oleObj>
               </mc:Choice>
@@ -17163,7 +17163,7 @@
           <a:graphicData uri="http://schemas.openxmlformats.org/presentationml/2006/ole">
             <mc:AlternateContent xmlns:mc="http://schemas.openxmlformats.org/markup-compatibility/2006">
               <mc:Choice xmlns:v="urn:schemas-microsoft-com:vml" Requires="v">
-                <p:oleObj spid="_x0000_s61451" name="Visio" r:id="rId3" imgW="6434247" imgH="5449047" progId="Visio.Drawing.11">
+                <p:oleObj spid="_x0000_s61453" name="Visio" r:id="rId3" imgW="6434247" imgH="5449047" progId="Visio.Drawing.11">
                   <p:embed/>
                 </p:oleObj>
               </mc:Choice>
@@ -18441,7 +18441,7 @@
       </p:sp>
       <p:pic>
         <p:nvPicPr>
-          <p:cNvPr id="63491" name="图片 1"/>
+          <p:cNvPr id="62466" name="图片 1"/>
           <p:cNvPicPr>
             <a:picLocks noChangeAspect="1" noChangeArrowheads="1"/>
           </p:cNvPicPr>
@@ -18462,8 +18462,8 @@
         </p:blipFill>
         <p:spPr bwMode="auto">
           <a:xfrm>
-            <a:off x="1434082" y="1628800"/>
-            <a:ext cx="6534807" cy="4277122"/>
+            <a:off x="1435224" y="1638722"/>
+            <a:ext cx="6400800" cy="4267200"/>
           </a:xfrm>
           <a:prstGeom prst="rect">
             <a:avLst/>
@@ -18524,7 +18524,7 @@
                             </p:stCondLst>
                             <p:childTnLst>
                               <p:par>
-                                <p:cTn id="5" presetID="16" presetClass="entr" presetSubtype="21" fill="hold" nodeType="clickEffect">
+                                <p:cTn id="5" presetID="22" presetClass="entr" presetSubtype="4" fill="hold" nodeType="clickEffect">
                                   <p:stCondLst>
                                     <p:cond delay="0"/>
                                   </p:stCondLst>
@@ -18537,7 +18537,7 @@
                                           </p:stCondLst>
                                         </p:cTn>
                                         <p:tgtEl>
-                                          <p:spTgt spid="63491"/>
+                                          <p:spTgt spid="62466"/>
                                         </p:tgtEl>
                                         <p:attrNameLst>
                                           <p:attrName>style.visibility</p:attrName>
@@ -18547,11 +18547,11 @@
                                         <p:strVal val="visible"/>
                                       </p:to>
                                     </p:set>
-                                    <p:animEffect transition="in" filter="barn(inVertical)">
+                                    <p:animEffect transition="in" filter="wipe(down)">
                                       <p:cBhvr>
                                         <p:cTn id="7" dur="500"/>
                                         <p:tgtEl>
-                                          <p:spTgt spid="63491"/>
+                                          <p:spTgt spid="62466"/>
                                         </p:tgtEl>
                                       </p:cBhvr>
                                     </p:animEffect>
@@ -18623,35 +18623,899 @@
           <a:p>
             <a:r>
               <a:rPr lang="en-US" altLang="zh-CN" dirty="0" smtClean="0"/>
-              <a:t>Technical Architecture</a:t>
+              <a:t>Gaps</a:t>
             </a:r>
             <a:endParaRPr lang="zh-CN" altLang="en-US" dirty="0"/>
           </a:p>
         </p:txBody>
       </p:sp>
-      <p:sp>
-        <p:nvSpPr>
-          <p:cNvPr id="3" name="内容占位符 2"/>
-          <p:cNvSpPr>
-            <a:spLocks noGrp="1"/>
-          </p:cNvSpPr>
+      <p:graphicFrame>
+        <p:nvGraphicFramePr>
+          <p:cNvPr id="4" name="内容占位符 3"/>
+          <p:cNvGraphicFramePr>
+            <a:graphicFrameLocks noGrp="1"/>
+          </p:cNvGraphicFramePr>
           <p:nvPr>
             <p:ph sz="quarter" idx="1"/>
+            <p:extLst>
+              <p:ext uri="{D42A27DB-BD31-4B8C-83A1-F6EECF244321}">
+                <p14:modId xmlns:p14="http://schemas.microsoft.com/office/powerpoint/2010/main" val="121177110"/>
+              </p:ext>
+            </p:extLst>
           </p:nvPr>
-        </p:nvSpPr>
-        <p:spPr/>
-        <p:txBody>
-          <a:bodyPr/>
-          <a:lstStyle/>
-          <a:p>
-            <a:r>
-              <a:rPr lang="en-US" altLang="zh-CN" smtClean="0"/>
-              <a:t>Gaps</a:t>
-            </a:r>
-            <a:endParaRPr lang="zh-CN" altLang="en-US"/>
-          </a:p>
-        </p:txBody>
-      </p:sp>
+        </p:nvGraphicFramePr>
+        <p:xfrm>
+          <a:off x="539552" y="1340768"/>
+          <a:ext cx="8229599" cy="2179320"/>
+        </p:xfrm>
+        <a:graphic>
+          <a:graphicData uri="http://schemas.openxmlformats.org/drawingml/2006/table">
+            <a:tbl>
+              <a:tblPr firstRow="1" firstCol="1" bandRow="1">
+                <a:tableStyleId>{5C22544A-7EE6-4342-B048-85BDC9FD1C3A}</a:tableStyleId>
+              </a:tblPr>
+              <a:tblGrid>
+                <a:gridCol w="517161"/>
+                <a:gridCol w="1630180"/>
+                <a:gridCol w="1686393"/>
+                <a:gridCol w="1573967"/>
+                <a:gridCol w="1573967"/>
+                <a:gridCol w="1247931"/>
+              </a:tblGrid>
+              <a:tr h="329784">
+                <a:tc>
+                  <a:txBody>
+                    <a:bodyPr/>
+                    <a:lstStyle/>
+                    <a:p>
+                      <a:pPr algn="l">
+                        <a:spcBef>
+                          <a:spcPts val="600"/>
+                        </a:spcBef>
+                        <a:spcAft>
+                          <a:spcPts val="300"/>
+                        </a:spcAft>
+                      </a:pPr>
+                      <a:r>
+                        <a:rPr lang="en-GB" sz="1100">
+                          <a:effectLst/>
+                        </a:rPr>
+                        <a:t>Gap</a:t>
+                      </a:r>
+                      <a:endParaRPr lang="zh-CN" sz="1100">
+                        <a:effectLst/>
+                        <a:latin typeface="Times New Roman"/>
+                        <a:ea typeface="宋体"/>
+                      </a:endParaRPr>
+                    </a:p>
+                  </a:txBody>
+                  <a:tcPr marL="67456" marR="67456" marT="0" marB="0"/>
+                </a:tc>
+                <a:tc>
+                  <a:txBody>
+                    <a:bodyPr/>
+                    <a:lstStyle/>
+                    <a:p>
+                      <a:pPr algn="l">
+                        <a:spcBef>
+                          <a:spcPts val="600"/>
+                        </a:spcBef>
+                        <a:spcAft>
+                          <a:spcPts val="300"/>
+                        </a:spcAft>
+                      </a:pPr>
+                      <a:r>
+                        <a:rPr lang="en-GB" sz="1100">
+                          <a:effectLst/>
+                        </a:rPr>
+                        <a:t>Description</a:t>
+                      </a:r>
+                      <a:endParaRPr lang="zh-CN" sz="1100">
+                        <a:effectLst/>
+                        <a:latin typeface="Times New Roman"/>
+                        <a:ea typeface="宋体"/>
+                      </a:endParaRPr>
+                    </a:p>
+                  </a:txBody>
+                  <a:tcPr marL="67456" marR="67456" marT="0" marB="0"/>
+                </a:tc>
+                <a:tc>
+                  <a:txBody>
+                    <a:bodyPr/>
+                    <a:lstStyle/>
+                    <a:p>
+                      <a:pPr algn="l">
+                        <a:spcBef>
+                          <a:spcPts val="600"/>
+                        </a:spcBef>
+                        <a:spcAft>
+                          <a:spcPts val="300"/>
+                        </a:spcAft>
+                      </a:pPr>
+                      <a:r>
+                        <a:rPr lang="en-GB" sz="1100">
+                          <a:effectLst/>
+                        </a:rPr>
+                        <a:t>Current State</a:t>
+                      </a:r>
+                      <a:endParaRPr lang="zh-CN" sz="1100">
+                        <a:effectLst/>
+                        <a:latin typeface="Times New Roman"/>
+                        <a:ea typeface="宋体"/>
+                      </a:endParaRPr>
+                    </a:p>
+                  </a:txBody>
+                  <a:tcPr marL="67456" marR="67456" marT="0" marB="0"/>
+                </a:tc>
+                <a:tc>
+                  <a:txBody>
+                    <a:bodyPr/>
+                    <a:lstStyle/>
+                    <a:p>
+                      <a:pPr algn="l">
+                        <a:spcBef>
+                          <a:spcPts val="600"/>
+                        </a:spcBef>
+                        <a:spcAft>
+                          <a:spcPts val="300"/>
+                        </a:spcAft>
+                      </a:pPr>
+                      <a:r>
+                        <a:rPr lang="en-GB" sz="1100">
+                          <a:effectLst/>
+                        </a:rPr>
+                        <a:t>Future State</a:t>
+                      </a:r>
+                      <a:endParaRPr lang="zh-CN" sz="1100">
+                        <a:effectLst/>
+                        <a:latin typeface="Times New Roman"/>
+                        <a:ea typeface="宋体"/>
+                      </a:endParaRPr>
+                    </a:p>
+                  </a:txBody>
+                  <a:tcPr marL="67456" marR="67456" marT="0" marB="0"/>
+                </a:tc>
+                <a:tc>
+                  <a:txBody>
+                    <a:bodyPr/>
+                    <a:lstStyle/>
+                    <a:p>
+                      <a:pPr algn="l">
+                        <a:spcBef>
+                          <a:spcPts val="600"/>
+                        </a:spcBef>
+                        <a:spcAft>
+                          <a:spcPts val="300"/>
+                        </a:spcAft>
+                      </a:pPr>
+                      <a:r>
+                        <a:rPr lang="en-GB" sz="1100">
+                          <a:effectLst/>
+                        </a:rPr>
+                        <a:t>Importance/Benefit</a:t>
+                      </a:r>
+                      <a:endParaRPr lang="zh-CN" sz="1100">
+                        <a:effectLst/>
+                        <a:latin typeface="Times New Roman"/>
+                        <a:ea typeface="宋体"/>
+                      </a:endParaRPr>
+                    </a:p>
+                  </a:txBody>
+                  <a:tcPr marL="67456" marR="67456" marT="0" marB="0"/>
+                </a:tc>
+                <a:tc>
+                  <a:txBody>
+                    <a:bodyPr/>
+                    <a:lstStyle/>
+                    <a:p>
+                      <a:pPr algn="l">
+                        <a:spcBef>
+                          <a:spcPts val="600"/>
+                        </a:spcBef>
+                        <a:spcAft>
+                          <a:spcPts val="300"/>
+                        </a:spcAft>
+                      </a:pPr>
+                      <a:r>
+                        <a:rPr lang="en-GB" sz="1100">
+                          <a:effectLst/>
+                        </a:rPr>
+                        <a:t>Address by Architecture</a:t>
+                      </a:r>
+                      <a:endParaRPr lang="zh-CN" sz="1100">
+                        <a:effectLst/>
+                        <a:latin typeface="Times New Roman"/>
+                        <a:ea typeface="宋体"/>
+                      </a:endParaRPr>
+                    </a:p>
+                  </a:txBody>
+                  <a:tcPr marL="67456" marR="67456" marT="0" marB="0"/>
+                </a:tc>
+              </a:tr>
+              <a:tr h="329784">
+                <a:tc>
+                  <a:txBody>
+                    <a:bodyPr/>
+                    <a:lstStyle/>
+                    <a:p>
+                      <a:pPr algn="l">
+                        <a:spcBef>
+                          <a:spcPts val="600"/>
+                        </a:spcBef>
+                        <a:spcAft>
+                          <a:spcPts val="300"/>
+                        </a:spcAft>
+                      </a:pPr>
+                      <a:r>
+                        <a:rPr lang="en-GB" sz="1100">
+                          <a:effectLst/>
+                        </a:rPr>
+                        <a:t>Gap 1</a:t>
+                      </a:r>
+                      <a:endParaRPr lang="zh-CN" sz="1100">
+                        <a:effectLst/>
+                        <a:latin typeface="Times New Roman"/>
+                        <a:ea typeface="宋体"/>
+                      </a:endParaRPr>
+                    </a:p>
+                  </a:txBody>
+                  <a:tcPr marL="67456" marR="67456" marT="0" marB="0"/>
+                </a:tc>
+                <a:tc>
+                  <a:txBody>
+                    <a:bodyPr/>
+                    <a:lstStyle/>
+                    <a:p>
+                      <a:pPr algn="l">
+                        <a:spcBef>
+                          <a:spcPts val="600"/>
+                        </a:spcBef>
+                        <a:spcAft>
+                          <a:spcPts val="300"/>
+                        </a:spcAft>
+                      </a:pPr>
+                      <a:r>
+                        <a:rPr lang="en-GB" sz="1100">
+                          <a:effectLst/>
+                        </a:rPr>
+                        <a:t>System security</a:t>
+                      </a:r>
+                      <a:endParaRPr lang="zh-CN" sz="1100">
+                        <a:effectLst/>
+                        <a:latin typeface="Times New Roman"/>
+                        <a:ea typeface="宋体"/>
+                      </a:endParaRPr>
+                    </a:p>
+                  </a:txBody>
+                  <a:tcPr marL="67456" marR="67456" marT="0" marB="0"/>
+                </a:tc>
+                <a:tc>
+                  <a:txBody>
+                    <a:bodyPr/>
+                    <a:lstStyle/>
+                    <a:p>
+                      <a:pPr algn="l">
+                        <a:spcBef>
+                          <a:spcPts val="600"/>
+                        </a:spcBef>
+                        <a:spcAft>
+                          <a:spcPts val="300"/>
+                        </a:spcAft>
+                      </a:pPr>
+                      <a:r>
+                        <a:rPr lang="en-GB" sz="1100">
+                          <a:effectLst/>
+                        </a:rPr>
+                        <a:t>No firewall found</a:t>
+                      </a:r>
+                      <a:endParaRPr lang="zh-CN" sz="1100">
+                        <a:effectLst/>
+                        <a:latin typeface="Times New Roman"/>
+                        <a:ea typeface="宋体"/>
+                      </a:endParaRPr>
+                    </a:p>
+                  </a:txBody>
+                  <a:tcPr marL="67456" marR="67456" marT="0" marB="0"/>
+                </a:tc>
+                <a:tc>
+                  <a:txBody>
+                    <a:bodyPr/>
+                    <a:lstStyle/>
+                    <a:p>
+                      <a:pPr algn="l">
+                        <a:spcBef>
+                          <a:spcPts val="600"/>
+                        </a:spcBef>
+                        <a:spcAft>
+                          <a:spcPts val="300"/>
+                        </a:spcAft>
+                      </a:pPr>
+                      <a:r>
+                        <a:rPr lang="en-GB" sz="1100">
+                          <a:effectLst/>
+                        </a:rPr>
+                        <a:t>Everything will hide under firewalls</a:t>
+                      </a:r>
+                      <a:endParaRPr lang="zh-CN" sz="1100">
+                        <a:effectLst/>
+                        <a:latin typeface="Times New Roman"/>
+                        <a:ea typeface="宋体"/>
+                      </a:endParaRPr>
+                    </a:p>
+                  </a:txBody>
+                  <a:tcPr marL="67456" marR="67456" marT="0" marB="0"/>
+                </a:tc>
+                <a:tc>
+                  <a:txBody>
+                    <a:bodyPr/>
+                    <a:lstStyle/>
+                    <a:p>
+                      <a:pPr algn="l">
+                        <a:spcBef>
+                          <a:spcPts val="600"/>
+                        </a:spcBef>
+                        <a:spcAft>
+                          <a:spcPts val="300"/>
+                        </a:spcAft>
+                      </a:pPr>
+                      <a:r>
+                        <a:rPr lang="en-GB" sz="1100">
+                          <a:effectLst/>
+                        </a:rPr>
+                        <a:t>Increase security</a:t>
+                      </a:r>
+                      <a:endParaRPr lang="zh-CN" sz="1100">
+                        <a:effectLst/>
+                        <a:latin typeface="Times New Roman"/>
+                        <a:ea typeface="宋体"/>
+                      </a:endParaRPr>
+                    </a:p>
+                  </a:txBody>
+                  <a:tcPr marL="67456" marR="67456" marT="0" marB="0"/>
+                </a:tc>
+                <a:tc>
+                  <a:txBody>
+                    <a:bodyPr/>
+                    <a:lstStyle/>
+                    <a:p>
+                      <a:pPr algn="l">
+                        <a:spcBef>
+                          <a:spcPts val="600"/>
+                        </a:spcBef>
+                        <a:spcAft>
+                          <a:spcPts val="300"/>
+                        </a:spcAft>
+                      </a:pPr>
+                      <a:r>
+                        <a:rPr lang="en-GB" sz="1100">
+                          <a:effectLst/>
+                        </a:rPr>
+                        <a:t>Technical</a:t>
+                      </a:r>
+                      <a:endParaRPr lang="zh-CN" sz="1100">
+                        <a:effectLst/>
+                        <a:latin typeface="Times New Roman"/>
+                        <a:ea typeface="宋体"/>
+                      </a:endParaRPr>
+                    </a:p>
+                  </a:txBody>
+                  <a:tcPr marL="67456" marR="67456" marT="0" marB="0"/>
+                </a:tc>
+              </a:tr>
+              <a:tr h="329784">
+                <a:tc>
+                  <a:txBody>
+                    <a:bodyPr/>
+                    <a:lstStyle/>
+                    <a:p>
+                      <a:pPr algn="l">
+                        <a:spcBef>
+                          <a:spcPts val="600"/>
+                        </a:spcBef>
+                        <a:spcAft>
+                          <a:spcPts val="300"/>
+                        </a:spcAft>
+                      </a:pPr>
+                      <a:r>
+                        <a:rPr lang="en-GB" sz="1100">
+                          <a:effectLst/>
+                        </a:rPr>
+                        <a:t>Gap2</a:t>
+                      </a:r>
+                      <a:endParaRPr lang="zh-CN" sz="1100">
+                        <a:effectLst/>
+                        <a:latin typeface="Times New Roman"/>
+                        <a:ea typeface="宋体"/>
+                      </a:endParaRPr>
+                    </a:p>
+                  </a:txBody>
+                  <a:tcPr marL="67456" marR="67456" marT="0" marB="0"/>
+                </a:tc>
+                <a:tc>
+                  <a:txBody>
+                    <a:bodyPr/>
+                    <a:lstStyle/>
+                    <a:p>
+                      <a:pPr algn="l">
+                        <a:spcBef>
+                          <a:spcPts val="600"/>
+                        </a:spcBef>
+                        <a:spcAft>
+                          <a:spcPts val="300"/>
+                        </a:spcAft>
+                      </a:pPr>
+                      <a:r>
+                        <a:rPr lang="en-GB" sz="1100">
+                          <a:effectLst/>
+                        </a:rPr>
+                        <a:t>Network latency</a:t>
+                      </a:r>
+                      <a:endParaRPr lang="zh-CN" sz="1100">
+                        <a:effectLst/>
+                        <a:latin typeface="Times New Roman"/>
+                        <a:ea typeface="宋体"/>
+                      </a:endParaRPr>
+                    </a:p>
+                  </a:txBody>
+                  <a:tcPr marL="67456" marR="67456" marT="0" marB="0"/>
+                </a:tc>
+                <a:tc>
+                  <a:txBody>
+                    <a:bodyPr/>
+                    <a:lstStyle/>
+                    <a:p>
+                      <a:pPr algn="l">
+                        <a:spcBef>
+                          <a:spcPts val="600"/>
+                        </a:spcBef>
+                        <a:spcAft>
+                          <a:spcPts val="300"/>
+                        </a:spcAft>
+                      </a:pPr>
+                      <a:r>
+                        <a:rPr lang="en-GB" sz="1100">
+                          <a:effectLst/>
+                        </a:rPr>
+                        <a:t>Not mention LB not </a:t>
+                      </a:r>
+                      <a:endParaRPr lang="zh-CN" sz="1100">
+                        <a:effectLst/>
+                        <a:latin typeface="Times New Roman"/>
+                        <a:ea typeface="宋体"/>
+                      </a:endParaRPr>
+                    </a:p>
+                  </a:txBody>
+                  <a:tcPr marL="67456" marR="67456" marT="0" marB="0"/>
+                </a:tc>
+                <a:tc>
+                  <a:txBody>
+                    <a:bodyPr/>
+                    <a:lstStyle/>
+                    <a:p>
+                      <a:pPr algn="l">
+                        <a:spcBef>
+                          <a:spcPts val="600"/>
+                        </a:spcBef>
+                        <a:spcAft>
+                          <a:spcPts val="300"/>
+                        </a:spcAft>
+                      </a:pPr>
+                      <a:r>
+                        <a:rPr lang="en-GB" sz="1100">
+                          <a:effectLst/>
+                        </a:rPr>
+                        <a:t>Will include in all web servers</a:t>
+                      </a:r>
+                      <a:endParaRPr lang="zh-CN" sz="1100">
+                        <a:effectLst/>
+                        <a:latin typeface="Times New Roman"/>
+                        <a:ea typeface="宋体"/>
+                      </a:endParaRPr>
+                    </a:p>
+                  </a:txBody>
+                  <a:tcPr marL="67456" marR="67456" marT="0" marB="0"/>
+                </a:tc>
+                <a:tc>
+                  <a:txBody>
+                    <a:bodyPr/>
+                    <a:lstStyle/>
+                    <a:p>
+                      <a:pPr algn="l">
+                        <a:spcBef>
+                          <a:spcPts val="600"/>
+                        </a:spcBef>
+                        <a:spcAft>
+                          <a:spcPts val="300"/>
+                        </a:spcAft>
+                      </a:pPr>
+                      <a:r>
+                        <a:rPr lang="en-GB" sz="1100">
+                          <a:effectLst/>
+                        </a:rPr>
+                        <a:t>Increase performance and usability</a:t>
+                      </a:r>
+                      <a:endParaRPr lang="zh-CN" sz="1100">
+                        <a:effectLst/>
+                        <a:latin typeface="Times New Roman"/>
+                        <a:ea typeface="宋体"/>
+                      </a:endParaRPr>
+                    </a:p>
+                  </a:txBody>
+                  <a:tcPr marL="67456" marR="67456" marT="0" marB="0"/>
+                </a:tc>
+                <a:tc>
+                  <a:txBody>
+                    <a:bodyPr/>
+                    <a:lstStyle/>
+                    <a:p>
+                      <a:pPr algn="l">
+                        <a:spcBef>
+                          <a:spcPts val="600"/>
+                        </a:spcBef>
+                        <a:spcAft>
+                          <a:spcPts val="300"/>
+                        </a:spcAft>
+                      </a:pPr>
+                      <a:r>
+                        <a:rPr lang="en-GB" sz="1100">
+                          <a:effectLst/>
+                        </a:rPr>
+                        <a:t>Technical</a:t>
+                      </a:r>
+                      <a:endParaRPr lang="zh-CN" sz="1100">
+                        <a:effectLst/>
+                        <a:latin typeface="Times New Roman"/>
+                        <a:ea typeface="宋体"/>
+                      </a:endParaRPr>
+                    </a:p>
+                  </a:txBody>
+                  <a:tcPr marL="67456" marR="67456" marT="0" marB="0"/>
+                </a:tc>
+              </a:tr>
+              <a:tr h="494675">
+                <a:tc>
+                  <a:txBody>
+                    <a:bodyPr/>
+                    <a:lstStyle/>
+                    <a:p>
+                      <a:pPr algn="l">
+                        <a:spcBef>
+                          <a:spcPts val="600"/>
+                        </a:spcBef>
+                        <a:spcAft>
+                          <a:spcPts val="300"/>
+                        </a:spcAft>
+                      </a:pPr>
+                      <a:r>
+                        <a:rPr lang="en-GB" sz="1100">
+                          <a:effectLst/>
+                        </a:rPr>
+                        <a:t>Gap3</a:t>
+                      </a:r>
+                      <a:endParaRPr lang="zh-CN" sz="1100">
+                        <a:effectLst/>
+                        <a:latin typeface="Times New Roman"/>
+                        <a:ea typeface="宋体"/>
+                      </a:endParaRPr>
+                    </a:p>
+                  </a:txBody>
+                  <a:tcPr marL="67456" marR="67456" marT="0" marB="0"/>
+                </a:tc>
+                <a:tc>
+                  <a:txBody>
+                    <a:bodyPr/>
+                    <a:lstStyle/>
+                    <a:p>
+                      <a:pPr algn="l">
+                        <a:spcBef>
+                          <a:spcPts val="600"/>
+                        </a:spcBef>
+                        <a:spcAft>
+                          <a:spcPts val="300"/>
+                        </a:spcAft>
+                      </a:pPr>
+                      <a:r>
+                        <a:rPr lang="en-GB" sz="1100">
+                          <a:effectLst/>
+                        </a:rPr>
+                        <a:t>VMS and CMS tend to have unscheduled downtime</a:t>
+                      </a:r>
+                      <a:endParaRPr lang="zh-CN" sz="1100">
+                        <a:effectLst/>
+                        <a:latin typeface="Times New Roman"/>
+                        <a:ea typeface="宋体"/>
+                      </a:endParaRPr>
+                    </a:p>
+                  </a:txBody>
+                  <a:tcPr marL="67456" marR="67456" marT="0" marB="0"/>
+                </a:tc>
+                <a:tc>
+                  <a:txBody>
+                    <a:bodyPr/>
+                    <a:lstStyle/>
+                    <a:p>
+                      <a:pPr algn="ctr">
+                        <a:spcBef>
+                          <a:spcPts val="600"/>
+                        </a:spcBef>
+                        <a:spcAft>
+                          <a:spcPts val="300"/>
+                        </a:spcAft>
+                      </a:pPr>
+                      <a:r>
+                        <a:rPr lang="en-GB" sz="1100">
+                          <a:effectLst/>
+                        </a:rPr>
+                        <a:t>10%-15% unscheduled downtime always happen</a:t>
+                      </a:r>
+                      <a:endParaRPr lang="zh-CN" sz="1100">
+                        <a:effectLst/>
+                        <a:latin typeface="Times New Roman"/>
+                        <a:ea typeface="宋体"/>
+                      </a:endParaRPr>
+                    </a:p>
+                  </a:txBody>
+                  <a:tcPr marL="67456" marR="67456" marT="0" marB="0"/>
+                </a:tc>
+                <a:tc>
+                  <a:txBody>
+                    <a:bodyPr/>
+                    <a:lstStyle/>
+                    <a:p>
+                      <a:pPr algn="l">
+                        <a:spcBef>
+                          <a:spcPts val="600"/>
+                        </a:spcBef>
+                        <a:spcAft>
+                          <a:spcPts val="300"/>
+                        </a:spcAft>
+                      </a:pPr>
+                      <a:r>
+                        <a:rPr lang="en-GB" sz="1100">
+                          <a:effectLst/>
+                        </a:rPr>
+                        <a:t>System availability should reach 99.97% </a:t>
+                      </a:r>
+                      <a:endParaRPr lang="zh-CN" sz="1100">
+                        <a:effectLst/>
+                        <a:latin typeface="Times New Roman"/>
+                        <a:ea typeface="宋体"/>
+                      </a:endParaRPr>
+                    </a:p>
+                  </a:txBody>
+                  <a:tcPr marL="67456" marR="67456" marT="0" marB="0"/>
+                </a:tc>
+                <a:tc>
+                  <a:txBody>
+                    <a:bodyPr/>
+                    <a:lstStyle/>
+                    <a:p>
+                      <a:pPr algn="l">
+                        <a:spcBef>
+                          <a:spcPts val="600"/>
+                        </a:spcBef>
+                        <a:spcAft>
+                          <a:spcPts val="300"/>
+                        </a:spcAft>
+                      </a:pPr>
+                      <a:r>
+                        <a:rPr lang="en-GB" sz="1100">
+                          <a:effectLst/>
+                        </a:rPr>
+                        <a:t>Unscheduled downtime will reduce usability </a:t>
+                      </a:r>
+                      <a:endParaRPr lang="zh-CN" sz="1100">
+                        <a:effectLst/>
+                        <a:latin typeface="Times New Roman"/>
+                        <a:ea typeface="宋体"/>
+                      </a:endParaRPr>
+                    </a:p>
+                  </a:txBody>
+                  <a:tcPr marL="67456" marR="67456" marT="0" marB="0"/>
+                </a:tc>
+                <a:tc>
+                  <a:txBody>
+                    <a:bodyPr/>
+                    <a:lstStyle/>
+                    <a:p>
+                      <a:pPr algn="l">
+                        <a:spcBef>
+                          <a:spcPts val="600"/>
+                        </a:spcBef>
+                        <a:spcAft>
+                          <a:spcPts val="300"/>
+                        </a:spcAft>
+                      </a:pPr>
+                      <a:r>
+                        <a:rPr lang="en-GB" sz="1100" dirty="0">
+                          <a:effectLst/>
+                        </a:rPr>
+                        <a:t>Technical</a:t>
+                      </a:r>
+                      <a:endParaRPr lang="zh-CN" sz="1100" dirty="0">
+                        <a:effectLst/>
+                        <a:latin typeface="Times New Roman"/>
+                        <a:ea typeface="宋体"/>
+                      </a:endParaRPr>
+                    </a:p>
+                  </a:txBody>
+                  <a:tcPr marL="67456" marR="67456" marT="0" marB="0"/>
+                </a:tc>
+              </a:tr>
+              <a:tr h="659567">
+                <a:tc>
+                  <a:txBody>
+                    <a:bodyPr/>
+                    <a:lstStyle/>
+                    <a:p>
+                      <a:pPr algn="l">
+                        <a:spcBef>
+                          <a:spcPts val="600"/>
+                        </a:spcBef>
+                        <a:spcAft>
+                          <a:spcPts val="300"/>
+                        </a:spcAft>
+                      </a:pPr>
+                      <a:r>
+                        <a:rPr lang="en-GB" sz="1100">
+                          <a:effectLst/>
+                        </a:rPr>
+                        <a:t>Gap4</a:t>
+                      </a:r>
+                      <a:endParaRPr lang="zh-CN" sz="1100">
+                        <a:effectLst/>
+                        <a:latin typeface="Times New Roman"/>
+                        <a:ea typeface="宋体"/>
+                      </a:endParaRPr>
+                    </a:p>
+                  </a:txBody>
+                  <a:tcPr marL="67456" marR="67456" marT="0" marB="0"/>
+                </a:tc>
+                <a:tc>
+                  <a:txBody>
+                    <a:bodyPr/>
+                    <a:lstStyle/>
+                    <a:p>
+                      <a:pPr algn="l">
+                        <a:spcBef>
+                          <a:spcPts val="600"/>
+                        </a:spcBef>
+                        <a:spcAft>
+                          <a:spcPts val="300"/>
+                        </a:spcAft>
+                      </a:pPr>
+                      <a:r>
+                        <a:rPr lang="en-GB" sz="1100">
+                          <a:effectLst/>
+                        </a:rPr>
+                        <a:t>VMS and CMS were developed based on old technology</a:t>
+                      </a:r>
+                      <a:endParaRPr lang="zh-CN" sz="1100">
+                        <a:effectLst/>
+                        <a:latin typeface="Times New Roman"/>
+                        <a:ea typeface="宋体"/>
+                      </a:endParaRPr>
+                    </a:p>
+                  </a:txBody>
+                  <a:tcPr marL="67456" marR="67456" marT="0" marB="0"/>
+                </a:tc>
+                <a:tc>
+                  <a:txBody>
+                    <a:bodyPr/>
+                    <a:lstStyle/>
+                    <a:p>
+                      <a:pPr algn="ctr">
+                        <a:spcBef>
+                          <a:spcPts val="600"/>
+                        </a:spcBef>
+                        <a:spcAft>
+                          <a:spcPts val="300"/>
+                        </a:spcAft>
+                      </a:pPr>
+                      <a:r>
+                        <a:rPr lang="en-GB" sz="1100">
+                          <a:effectLst/>
+                        </a:rPr>
+                        <a:t>Nobody can maintain that system</a:t>
+                      </a:r>
+                      <a:endParaRPr lang="zh-CN" sz="1100">
+                        <a:effectLst/>
+                        <a:latin typeface="Times New Roman"/>
+                        <a:ea typeface="宋体"/>
+                      </a:endParaRPr>
+                    </a:p>
+                  </a:txBody>
+                  <a:tcPr marL="67456" marR="67456" marT="0" marB="0"/>
+                </a:tc>
+                <a:tc>
+                  <a:txBody>
+                    <a:bodyPr/>
+                    <a:lstStyle/>
+                    <a:p>
+                      <a:pPr algn="l">
+                        <a:spcBef>
+                          <a:spcPts val="600"/>
+                        </a:spcBef>
+                        <a:spcAft>
+                          <a:spcPts val="300"/>
+                        </a:spcAft>
+                      </a:pPr>
+                      <a:r>
+                        <a:rPr lang="en-GB" sz="1100">
+                          <a:effectLst/>
+                        </a:rPr>
+                        <a:t>Will use Java to develop and follow the java standard, easy to maintain</a:t>
+                      </a:r>
+                      <a:endParaRPr lang="zh-CN" sz="1100">
+                        <a:effectLst/>
+                        <a:latin typeface="Times New Roman"/>
+                        <a:ea typeface="宋体"/>
+                      </a:endParaRPr>
+                    </a:p>
+                  </a:txBody>
+                  <a:tcPr marL="67456" marR="67456" marT="0" marB="0"/>
+                </a:tc>
+                <a:tc>
+                  <a:txBody>
+                    <a:bodyPr/>
+                    <a:lstStyle/>
+                    <a:p>
+                      <a:pPr algn="l">
+                        <a:spcBef>
+                          <a:spcPts val="600"/>
+                        </a:spcBef>
+                        <a:spcAft>
+                          <a:spcPts val="300"/>
+                        </a:spcAft>
+                      </a:pPr>
+                      <a:r>
+                        <a:rPr lang="en-GB" sz="1100">
+                          <a:effectLst/>
+                        </a:rPr>
+                        <a:t>Easy to maintain and enhance the system</a:t>
+                      </a:r>
+                      <a:endParaRPr lang="zh-CN" sz="1100">
+                        <a:effectLst/>
+                        <a:latin typeface="Times New Roman"/>
+                        <a:ea typeface="宋体"/>
+                      </a:endParaRPr>
+                    </a:p>
+                  </a:txBody>
+                  <a:tcPr marL="67456" marR="67456" marT="0" marB="0"/>
+                </a:tc>
+                <a:tc>
+                  <a:txBody>
+                    <a:bodyPr/>
+                    <a:lstStyle/>
+                    <a:p>
+                      <a:pPr algn="l">
+                        <a:spcBef>
+                          <a:spcPts val="600"/>
+                        </a:spcBef>
+                        <a:spcAft>
+                          <a:spcPts val="300"/>
+                        </a:spcAft>
+                      </a:pPr>
+                      <a:r>
+                        <a:rPr lang="en-GB" altLang="zh-CN" sz="1100" smtClean="0">
+                          <a:effectLst/>
+                        </a:rPr>
+                        <a:t>Technical</a:t>
+                      </a:r>
+                      <a:endParaRPr lang="zh-CN" sz="1100" dirty="0">
+                        <a:effectLst/>
+                        <a:latin typeface="Times New Roman"/>
+                        <a:ea typeface="宋体"/>
+                      </a:endParaRPr>
+                    </a:p>
+                  </a:txBody>
+                  <a:tcPr marL="67456" marR="67456" marT="0" marB="0"/>
+                </a:tc>
+              </a:tr>
+            </a:tbl>
+          </a:graphicData>
+        </a:graphic>
+      </p:graphicFrame>
     </p:spTree>
     <p:extLst>
       <p:ext uri="{BB962C8B-B14F-4D97-AF65-F5344CB8AC3E}">
@@ -24419,7 +25283,7 @@
           <a:graphicData uri="http://schemas.openxmlformats.org/presentationml/2006/ole">
             <mc:AlternateContent xmlns:mc="http://schemas.openxmlformats.org/markup-compatibility/2006">
               <mc:Choice xmlns:v="urn:schemas-microsoft-com:vml" Requires="v">
-                <p:oleObj spid="_x0000_s2058" name="Visio" r:id="rId3" imgW="9660374" imgH="6002783" progId="Visio.Drawing.11">
+                <p:oleObj spid="_x0000_s2060" name="Visio" r:id="rId3" imgW="9660374" imgH="6002783" progId="Visio.Drawing.11">
                   <p:embed/>
                 </p:oleObj>
               </mc:Choice>

--- a/Enterprise Architech Presentation.pptx
+++ b/Enterprise Architech Presentation.pptx
@@ -5,7 +5,7 @@
     <p:sldMasterId id="2147483720" r:id="rId1"/>
   </p:sldMasterIdLst>
   <p:notesMasterIdLst>
-    <p:notesMasterId r:id="rId43"/>
+    <p:notesMasterId r:id="rId44"/>
   </p:notesMasterIdLst>
   <p:sldIdLst>
     <p:sldId id="256" r:id="rId2"/>
@@ -48,7 +48,8 @@
     <p:sldId id="266" r:id="rId39"/>
     <p:sldId id="282" r:id="rId40"/>
     <p:sldId id="283" r:id="rId41"/>
-    <p:sldId id="286" r:id="rId42"/>
+    <p:sldId id="299" r:id="rId42"/>
+    <p:sldId id="286" r:id="rId43"/>
   </p:sldIdLst>
   <p:sldSz cx="9144000" cy="6858000" type="screen4x3"/>
   <p:notesSz cx="6858000" cy="9144000"/>
@@ -179,7 +180,7 @@
   </p:defaultTextStyle>
   <p:extLst>
     <p:ext uri="{EFAFB233-063F-42B5-8137-9DF3F51BA10A}">
-      <p15:sldGuideLst xmlns:p15="http://schemas.microsoft.com/office/powerpoint/2012/main" xmlns="">
+      <p15:sldGuideLst xmlns:p15="http://schemas.microsoft.com/office/powerpoint/2012/main">
         <p15:guide id="1" orient="horz" pos="2160">
           <p15:clr>
             <a:srgbClr val="A4A3A4"/>
@@ -16981,7 +16982,7 @@
           <a:graphicData uri="http://schemas.openxmlformats.org/presentationml/2006/ole">
             <mc:AlternateContent xmlns:mc="http://schemas.openxmlformats.org/markup-compatibility/2006">
               <mc:Choice xmlns:v="urn:schemas-microsoft-com:vml" Requires="v">
-                <p:oleObj spid="_x0000_s46099" name="Visio" r:id="rId3" imgW="6050954" imgH="4660654" progId="Visio.Drawing.11">
+                <p:oleObj spid="_x0000_s46103" name="Visio" r:id="rId3" imgW="6050954" imgH="4660654" progId="Visio.Drawing.11">
                   <p:embed/>
                 </p:oleObj>
               </mc:Choice>
@@ -17163,7 +17164,7 @@
           <a:graphicData uri="http://schemas.openxmlformats.org/presentationml/2006/ole">
             <mc:AlternateContent xmlns:mc="http://schemas.openxmlformats.org/markup-compatibility/2006">
               <mc:Choice xmlns:v="urn:schemas-microsoft-com:vml" Requires="v">
-                <p:oleObj spid="_x0000_s61453" name="Visio" r:id="rId3" imgW="6434247" imgH="5449047" progId="Visio.Drawing.11">
+                <p:oleObj spid="_x0000_s61457" name="Visio" r:id="rId3" imgW="6434247" imgH="5449047" progId="Visio.Drawing.11">
                   <p:embed/>
                 </p:oleObj>
               </mc:Choice>
@@ -18336,60 +18337,225 @@
           <a:chExt cx="0" cy="0"/>
         </a:xfrm>
       </p:grpSpPr>
-      <p:pic>
-        <p:nvPicPr>
-          <p:cNvPr id="63492" name="Picture 4"/>
-          <p:cNvPicPr>
-            <a:picLocks noChangeAspect="1" noChangeArrowheads="1"/>
-          </p:cNvPicPr>
+      <p:sp>
+        <p:nvSpPr>
+          <p:cNvPr id="3" name="内容占位符 2"/>
+          <p:cNvSpPr>
+            <a:spLocks noGrp="1"/>
+          </p:cNvSpPr>
+          <p:nvPr>
+            <p:ph sz="quarter" idx="1"/>
+          </p:nvPr>
+        </p:nvSpPr>
+        <p:spPr/>
+        <p:txBody>
+          <a:bodyPr/>
+          <a:lstStyle/>
+          <a:p>
+            <a:endParaRPr lang="zh-CN" altLang="en-US" dirty="0"/>
+          </a:p>
+        </p:txBody>
+      </p:sp>
+      <p:grpSp>
+        <p:nvGrpSpPr>
+          <p:cNvPr id="5" name="Group 4"/>
+          <p:cNvGrpSpPr/>
           <p:nvPr/>
-        </p:nvPicPr>
-        <p:blipFill>
-          <a:blip r:embed="rId2">
+        </p:nvGrpSpPr>
+        <p:grpSpPr>
+          <a:xfrm>
+            <a:off x="497910" y="1638722"/>
+            <a:ext cx="6450032" cy="4267200"/>
+            <a:chOff x="497910" y="1638722"/>
+            <a:chExt cx="6450032" cy="4267200"/>
+          </a:xfrm>
+        </p:grpSpPr>
+        <p:pic>
+          <p:nvPicPr>
+            <p:cNvPr id="63492" name="Picture 4"/>
+            <p:cNvPicPr>
+              <a:picLocks noChangeAspect="1" noChangeArrowheads="1"/>
+            </p:cNvPicPr>
+            <p:nvPr/>
+          </p:nvPicPr>
+          <p:blipFill>
+            <a:blip r:embed="rId2">
+              <a:extLst>
+                <a:ext uri="{28A0092B-C50C-407E-A947-70E740481C1C}">
+                  <a14:useLocalDpi xmlns:a14="http://schemas.microsoft.com/office/drawing/2010/main" val="0"/>
+                </a:ext>
+              </a:extLst>
+            </a:blip>
+            <a:srcRect/>
+            <a:stretch>
+              <a:fillRect/>
+            </a:stretch>
+          </p:blipFill>
+          <p:spPr bwMode="auto">
+            <a:xfrm>
+              <a:off x="1452017" y="1638722"/>
+              <a:ext cx="5495925" cy="4267200"/>
+            </a:xfrm>
+            <a:prstGeom prst="rect">
+              <a:avLst/>
+            </a:prstGeom>
+            <a:noFill/>
+            <a:ln>
+              <a:noFill/>
+            </a:ln>
             <a:extLst>
-              <a:ext uri="{28A0092B-C50C-407E-A947-70E740481C1C}">
-                <a14:useLocalDpi xmlns:a14="http://schemas.microsoft.com/office/drawing/2010/main" val="0"/>
+              <a:ext uri="{909E8E84-426E-40DD-AFC4-6F175D3DCCD1}">
+                <a14:hiddenFill xmlns:a14="http://schemas.microsoft.com/office/drawing/2010/main">
+                  <a:solidFill>
+                    <a:schemeClr val="accent1"/>
+                  </a:solidFill>
+                </a14:hiddenFill>
+              </a:ext>
+              <a:ext uri="{91240B29-F687-4F45-9708-019B960494DF}">
+                <a14:hiddenLine xmlns:a14="http://schemas.microsoft.com/office/drawing/2010/main" w="9525">
+                  <a:solidFill>
+                    <a:schemeClr val="tx1"/>
+                  </a:solidFill>
+                  <a:miter lim="800000"/>
+                  <a:headEnd/>
+                  <a:tailEnd/>
+                </a14:hiddenLine>
               </a:ext>
             </a:extLst>
-          </a:blip>
-          <a:srcRect/>
-          <a:stretch>
-            <a:fillRect/>
-          </a:stretch>
-        </p:blipFill>
-        <p:spPr bwMode="auto">
+          </p:spPr>
+        </p:pic>
+        <p:sp>
+          <p:nvSpPr>
+            <p:cNvPr id="4" name="TextBox 3"/>
+            <p:cNvSpPr txBox="1"/>
+            <p:nvPr/>
+          </p:nvSpPr>
+          <p:spPr>
+            <a:xfrm>
+              <a:off x="497910" y="5534927"/>
+              <a:ext cx="1018227" cy="369332"/>
+            </a:xfrm>
+            <a:prstGeom prst="rect">
+              <a:avLst/>
+            </a:prstGeom>
+            <a:noFill/>
+          </p:spPr>
+          <p:txBody>
+            <a:bodyPr wrap="none" rtlCol="0">
+              <a:spAutoFit/>
+            </a:bodyPr>
+            <a:lstStyle/>
+            <a:p>
+              <a:r>
+                <a:rPr lang="en-US" b="1" i="1" dirty="0" smtClean="0"/>
+                <a:t>Current</a:t>
+              </a:r>
+              <a:endParaRPr lang="en-SG" b="1" i="1" dirty="0"/>
+            </a:p>
+          </p:txBody>
+        </p:sp>
+      </p:grpSp>
+      <p:grpSp>
+        <p:nvGrpSpPr>
+          <p:cNvPr id="7" name="Group 6"/>
+          <p:cNvGrpSpPr/>
+          <p:nvPr/>
+        </p:nvGrpSpPr>
+        <p:grpSpPr>
           <a:xfrm>
-            <a:off x="1452017" y="1638722"/>
-            <a:ext cx="5495925" cy="4267200"/>
+            <a:off x="590046" y="1638722"/>
+            <a:ext cx="7245978" cy="4267200"/>
+            <a:chOff x="590046" y="1638722"/>
+            <a:chExt cx="7245978" cy="4267200"/>
           </a:xfrm>
-          <a:prstGeom prst="rect">
-            <a:avLst/>
-          </a:prstGeom>
-          <a:noFill/>
-          <a:ln>
+        </p:grpSpPr>
+        <p:pic>
+          <p:nvPicPr>
+            <p:cNvPr id="62466" name="图片 1"/>
+            <p:cNvPicPr>
+              <a:picLocks noChangeAspect="1" noChangeArrowheads="1"/>
+            </p:cNvPicPr>
+            <p:nvPr/>
+          </p:nvPicPr>
+          <p:blipFill>
+            <a:blip r:embed="rId3">
+              <a:extLst>
+                <a:ext uri="{28A0092B-C50C-407E-A947-70E740481C1C}">
+                  <a14:useLocalDpi xmlns:a14="http://schemas.microsoft.com/office/drawing/2010/main" val="0"/>
+                </a:ext>
+              </a:extLst>
+            </a:blip>
+            <a:srcRect/>
+            <a:stretch>
+              <a:fillRect/>
+            </a:stretch>
+          </p:blipFill>
+          <p:spPr bwMode="auto">
+            <a:xfrm>
+              <a:off x="1435224" y="1638722"/>
+              <a:ext cx="6400800" cy="4267200"/>
+            </a:xfrm>
+            <a:prstGeom prst="rect">
+              <a:avLst/>
+            </a:prstGeom>
             <a:noFill/>
-          </a:ln>
-          <a:extLst>
-            <a:ext uri="{909E8E84-426E-40DD-AFC4-6F175D3DCCD1}">
-              <a14:hiddenFill xmlns:a14="http://schemas.microsoft.com/office/drawing/2010/main">
-                <a:solidFill>
-                  <a:schemeClr val="accent1"/>
-                </a:solidFill>
-              </a14:hiddenFill>
-            </a:ext>
-            <a:ext uri="{91240B29-F687-4F45-9708-019B960494DF}">
-              <a14:hiddenLine xmlns:a14="http://schemas.microsoft.com/office/drawing/2010/main" w="9525">
-                <a:solidFill>
-                  <a:schemeClr val="tx1"/>
-                </a:solidFill>
-                <a:miter lim="800000"/>
-                <a:headEnd/>
-                <a:tailEnd/>
-              </a14:hiddenLine>
-            </a:ext>
-          </a:extLst>
-        </p:spPr>
-      </p:pic>
+            <a:ln>
+              <a:noFill/>
+            </a:ln>
+            <a:extLst>
+              <a:ext uri="{909E8E84-426E-40DD-AFC4-6F175D3DCCD1}">
+                <a14:hiddenFill xmlns:a14="http://schemas.microsoft.com/office/drawing/2010/main">
+                  <a:solidFill>
+                    <a:srgbClr val="FFFFFF"/>
+                  </a:solidFill>
+                </a14:hiddenFill>
+              </a:ext>
+              <a:ext uri="{91240B29-F687-4F45-9708-019B960494DF}">
+                <a14:hiddenLine xmlns:a14="http://schemas.microsoft.com/office/drawing/2010/main" w="9525">
+                  <a:solidFill>
+                    <a:srgbClr val="000000"/>
+                  </a:solidFill>
+                  <a:miter lim="800000"/>
+                  <a:headEnd/>
+                  <a:tailEnd/>
+                </a14:hiddenLine>
+              </a:ext>
+            </a:extLst>
+          </p:spPr>
+        </p:pic>
+        <p:sp>
+          <p:nvSpPr>
+            <p:cNvPr id="6" name="TextBox 5"/>
+            <p:cNvSpPr txBox="1"/>
+            <p:nvPr/>
+          </p:nvSpPr>
+          <p:spPr>
+            <a:xfrm>
+              <a:off x="590046" y="5476612"/>
+              <a:ext cx="881395" cy="369332"/>
+            </a:xfrm>
+            <a:prstGeom prst="rect">
+              <a:avLst/>
+            </a:prstGeom>
+            <a:solidFill>
+              <a:schemeClr val="bg1"/>
+            </a:solidFill>
+          </p:spPr>
+          <p:txBody>
+            <a:bodyPr wrap="none" rtlCol="0">
+              <a:spAutoFit/>
+            </a:bodyPr>
+            <a:lstStyle/>
+            <a:p>
+              <a:r>
+                <a:rPr lang="en-US" b="1" i="1" dirty="0" smtClean="0"/>
+                <a:t>Target</a:t>
+              </a:r>
+              <a:endParaRPr lang="en-SG" b="1" i="1" dirty="0"/>
+            </a:p>
+          </p:txBody>
+        </p:sp>
+      </p:grpSp>
       <p:sp>
         <p:nvSpPr>
           <p:cNvPr id="2" name="标题 1"/>
@@ -18420,79 +18586,6 @@
           </a:p>
         </p:txBody>
       </p:sp>
-      <p:sp>
-        <p:nvSpPr>
-          <p:cNvPr id="3" name="内容占位符 2"/>
-          <p:cNvSpPr>
-            <a:spLocks noGrp="1"/>
-          </p:cNvSpPr>
-          <p:nvPr>
-            <p:ph sz="quarter" idx="1"/>
-          </p:nvPr>
-        </p:nvSpPr>
-        <p:spPr/>
-        <p:txBody>
-          <a:bodyPr/>
-          <a:lstStyle/>
-          <a:p>
-            <a:endParaRPr lang="zh-CN" altLang="en-US" dirty="0"/>
-          </a:p>
-        </p:txBody>
-      </p:sp>
-      <p:pic>
-        <p:nvPicPr>
-          <p:cNvPr id="62466" name="图片 1"/>
-          <p:cNvPicPr>
-            <a:picLocks noChangeAspect="1" noChangeArrowheads="1"/>
-          </p:cNvPicPr>
-          <p:nvPr/>
-        </p:nvPicPr>
-        <p:blipFill>
-          <a:blip r:embed="rId3">
-            <a:extLst>
-              <a:ext uri="{28A0092B-C50C-407E-A947-70E740481C1C}">
-                <a14:useLocalDpi xmlns:a14="http://schemas.microsoft.com/office/drawing/2010/main" val="0"/>
-              </a:ext>
-            </a:extLst>
-          </a:blip>
-          <a:srcRect/>
-          <a:stretch>
-            <a:fillRect/>
-          </a:stretch>
-        </p:blipFill>
-        <p:spPr bwMode="auto">
-          <a:xfrm>
-            <a:off x="1435224" y="1638722"/>
-            <a:ext cx="6400800" cy="4267200"/>
-          </a:xfrm>
-          <a:prstGeom prst="rect">
-            <a:avLst/>
-          </a:prstGeom>
-          <a:noFill/>
-          <a:ln>
-            <a:noFill/>
-          </a:ln>
-          <a:extLst>
-            <a:ext uri="{909E8E84-426E-40DD-AFC4-6F175D3DCCD1}">
-              <a14:hiddenFill xmlns:a14="http://schemas.microsoft.com/office/drawing/2010/main">
-                <a:solidFill>
-                  <a:srgbClr val="FFFFFF"/>
-                </a:solidFill>
-              </a14:hiddenFill>
-            </a:ext>
-            <a:ext uri="{91240B29-F687-4F45-9708-019B960494DF}">
-              <a14:hiddenLine xmlns:a14="http://schemas.microsoft.com/office/drawing/2010/main" w="9525">
-                <a:solidFill>
-                  <a:srgbClr val="000000"/>
-                </a:solidFill>
-                <a:miter lim="800000"/>
-                <a:headEnd/>
-                <a:tailEnd/>
-              </a14:hiddenLine>
-            </a:ext>
-          </a:extLst>
-        </p:spPr>
-      </p:pic>
     </p:spTree>
     <p:extLst>
       <p:ext uri="{BB962C8B-B14F-4D97-AF65-F5344CB8AC3E}">
@@ -18524,7 +18617,7 @@
                             </p:stCondLst>
                             <p:childTnLst>
                               <p:par>
-                                <p:cTn id="5" presetID="22" presetClass="entr" presetSubtype="4" fill="hold" nodeType="clickEffect">
+                                <p:cTn id="5" presetID="10" presetClass="entr" presetSubtype="0" fill="hold" nodeType="clickEffect">
                                   <p:stCondLst>
                                     <p:cond delay="0"/>
                                   </p:stCondLst>
@@ -18537,7 +18630,7 @@
                                           </p:stCondLst>
                                         </p:cTn>
                                         <p:tgtEl>
-                                          <p:spTgt spid="62466"/>
+                                          <p:spTgt spid="7"/>
                                         </p:tgtEl>
                                         <p:attrNameLst>
                                           <p:attrName>style.visibility</p:attrName>
@@ -18547,11 +18640,11 @@
                                         <p:strVal val="visible"/>
                                       </p:to>
                                     </p:set>
-                                    <p:animEffect transition="in" filter="wipe(down)">
+                                    <p:animEffect transition="in" filter="fade">
                                       <p:cBhvr>
                                         <p:cTn id="7" dur="500"/>
                                         <p:tgtEl>
-                                          <p:spTgt spid="62466"/>
+                                          <p:spTgt spid="7"/>
                                         </p:tgtEl>
                                       </p:cBhvr>
                                     </p:animEffect>
@@ -25283,7 +25376,7 @@
           <a:graphicData uri="http://schemas.openxmlformats.org/presentationml/2006/ole">
             <mc:AlternateContent xmlns:mc="http://schemas.openxmlformats.org/markup-compatibility/2006">
               <mc:Choice xmlns:v="urn:schemas-microsoft-com:vml" Requires="v">
-                <p:oleObj spid="_x0000_s2060" name="Visio" r:id="rId3" imgW="9660374" imgH="6002783" progId="Visio.Drawing.11">
+                <p:oleObj spid="_x0000_s2064" name="Visio" r:id="rId3" imgW="9660374" imgH="6002783" progId="Visio.Drawing.11">
                   <p:embed/>
                 </p:oleObj>
               </mc:Choice>
@@ -25374,6 +25467,92 @@
 </file>
 
 <file path=ppt/slides/slide41.xml><?xml version="1.0" encoding="utf-8"?>
+<p:sld xmlns:a="http://schemas.openxmlformats.org/drawingml/2006/main" xmlns:r="http://schemas.openxmlformats.org/officeDocument/2006/relationships" xmlns:p="http://schemas.openxmlformats.org/presentationml/2006/main">
+  <p:cSld>
+    <p:spTree>
+      <p:nvGrpSpPr>
+        <p:cNvPr id="1" name=""/>
+        <p:cNvGrpSpPr/>
+        <p:nvPr/>
+      </p:nvGrpSpPr>
+      <p:grpSpPr>
+        <a:xfrm>
+          <a:off x="0" y="0"/>
+          <a:ext cx="0" cy="0"/>
+          <a:chOff x="0" y="0"/>
+          <a:chExt cx="0" cy="0"/>
+        </a:xfrm>
+      </p:grpSpPr>
+      <p:sp>
+        <p:nvSpPr>
+          <p:cNvPr id="18433" name="Title 1"/>
+          <p:cNvSpPr>
+            <a:spLocks noGrp="1"/>
+          </p:cNvSpPr>
+          <p:nvPr>
+            <p:ph type="title"/>
+          </p:nvPr>
+        </p:nvSpPr>
+        <p:spPr/>
+        <p:txBody>
+          <a:bodyPr/>
+          <a:lstStyle/>
+          <a:p>
+            <a:pPr eaLnBrk="1" hangingPunct="1"/>
+            <a:endParaRPr lang="en-SG" smtClean="0"/>
+          </a:p>
+        </p:txBody>
+      </p:sp>
+      <p:sp>
+        <p:nvSpPr>
+          <p:cNvPr id="18434" name="Content Placeholder 2"/>
+          <p:cNvSpPr>
+            <a:spLocks noGrp="1"/>
+          </p:cNvSpPr>
+          <p:nvPr>
+            <p:ph sz="quarter" idx="1"/>
+          </p:nvPr>
+        </p:nvSpPr>
+        <p:spPr>
+          <a:xfrm>
+            <a:off x="457200" y="1219200"/>
+            <a:ext cx="8229600" cy="4937125"/>
+          </a:xfrm>
+        </p:spPr>
+        <p:txBody>
+          <a:bodyPr/>
+          <a:lstStyle/>
+          <a:p>
+            <a:pPr eaLnBrk="1" hangingPunct="1"/>
+            <a:r>
+              <a:rPr lang="en-US" dirty="0" smtClean="0"/>
+              <a:t>Governance</a:t>
+            </a:r>
+            <a:endParaRPr lang="en-SG" dirty="0" smtClean="0"/>
+          </a:p>
+        </p:txBody>
+      </p:sp>
+    </p:spTree>
+    <p:extLst>
+      <p:ext uri="{BB962C8B-B14F-4D97-AF65-F5344CB8AC3E}">
+        <p14:creationId xmlns:p14="http://schemas.microsoft.com/office/powerpoint/2010/main" val="4256079485"/>
+      </p:ext>
+    </p:extLst>
+  </p:cSld>
+  <p:clrMapOvr>
+    <a:masterClrMapping/>
+  </p:clrMapOvr>
+  <p:timing>
+    <p:tnLst>
+      <p:par>
+        <p:cTn id="1" dur="indefinite" restart="never" nodeType="tmRoot"/>
+      </p:par>
+    </p:tnLst>
+  </p:timing>
+</p:sld>
+</file>
+
+<file path=ppt/slides/slide42.xml><?xml version="1.0" encoding="utf-8"?>
 <p:sld xmlns:a="http://schemas.openxmlformats.org/drawingml/2006/main" xmlns:r="http://schemas.openxmlformats.org/officeDocument/2006/relationships" xmlns:p="http://schemas.openxmlformats.org/presentationml/2006/main">
   <p:cSld>
     <p:spTree>

--- a/Enterprise Architech Presentation.pptx
+++ b/Enterprise Architech Presentation.pptx
@@ -5,7 +5,7 @@
     <p:sldMasterId id="2147483720" r:id="rId1"/>
   </p:sldMasterIdLst>
   <p:notesMasterIdLst>
-    <p:notesMasterId r:id="rId44"/>
+    <p:notesMasterId r:id="rId50"/>
   </p:notesMasterIdLst>
   <p:sldIdLst>
     <p:sldId id="256" r:id="rId2"/>
@@ -34,22 +34,28 @@
     <p:sldId id="284" r:id="rId25"/>
     <p:sldId id="289" r:id="rId26"/>
     <p:sldId id="288" r:id="rId27"/>
-    <p:sldId id="298" r:id="rId28"/>
-    <p:sldId id="285" r:id="rId29"/>
-    <p:sldId id="290" r:id="rId30"/>
-    <p:sldId id="291" r:id="rId31"/>
-    <p:sldId id="292" r:id="rId32"/>
-    <p:sldId id="297" r:id="rId33"/>
-    <p:sldId id="281" r:id="rId34"/>
-    <p:sldId id="294" r:id="rId35"/>
-    <p:sldId id="295" r:id="rId36"/>
-    <p:sldId id="296" r:id="rId37"/>
-    <p:sldId id="293" r:id="rId38"/>
-    <p:sldId id="266" r:id="rId39"/>
-    <p:sldId id="282" r:id="rId40"/>
-    <p:sldId id="283" r:id="rId41"/>
-    <p:sldId id="299" r:id="rId42"/>
-    <p:sldId id="286" r:id="rId43"/>
+    <p:sldId id="300" r:id="rId28"/>
+    <p:sldId id="301" r:id="rId29"/>
+    <p:sldId id="302" r:id="rId30"/>
+    <p:sldId id="303" r:id="rId31"/>
+    <p:sldId id="304" r:id="rId32"/>
+    <p:sldId id="305" r:id="rId33"/>
+    <p:sldId id="298" r:id="rId34"/>
+    <p:sldId id="285" r:id="rId35"/>
+    <p:sldId id="290" r:id="rId36"/>
+    <p:sldId id="291" r:id="rId37"/>
+    <p:sldId id="292" r:id="rId38"/>
+    <p:sldId id="297" r:id="rId39"/>
+    <p:sldId id="281" r:id="rId40"/>
+    <p:sldId id="294" r:id="rId41"/>
+    <p:sldId id="295" r:id="rId42"/>
+    <p:sldId id="296" r:id="rId43"/>
+    <p:sldId id="293" r:id="rId44"/>
+    <p:sldId id="266" r:id="rId45"/>
+    <p:sldId id="282" r:id="rId46"/>
+    <p:sldId id="283" r:id="rId47"/>
+    <p:sldId id="299" r:id="rId48"/>
+    <p:sldId id="286" r:id="rId49"/>
   </p:sldIdLst>
   <p:sldSz cx="9144000" cy="6858000" type="screen4x3"/>
   <p:notesSz cx="6858000" cy="9144000"/>
@@ -16982,7 +16988,7 @@
           <a:graphicData uri="http://schemas.openxmlformats.org/presentationml/2006/ole">
             <mc:AlternateContent xmlns:mc="http://schemas.openxmlformats.org/markup-compatibility/2006">
               <mc:Choice xmlns:v="urn:schemas-microsoft-com:vml" Requires="v">
-                <p:oleObj spid="_x0000_s46103" name="Visio" r:id="rId3" imgW="6050954" imgH="4660654" progId="Visio.Drawing.11">
+                <p:oleObj spid="_x0000_s46104" name="Visio" r:id="rId3" imgW="6050954" imgH="4660654" progId="Visio.Drawing.11">
                   <p:embed/>
                 </p:oleObj>
               </mc:Choice>
@@ -17164,7 +17170,7 @@
           <a:graphicData uri="http://schemas.openxmlformats.org/presentationml/2006/ole">
             <mc:AlternateContent xmlns:mc="http://schemas.openxmlformats.org/markup-compatibility/2006">
               <mc:Choice xmlns:v="urn:schemas-microsoft-com:vml" Requires="v">
-                <p:oleObj spid="_x0000_s61457" name="Visio" r:id="rId3" imgW="6434247" imgH="5449047" progId="Visio.Drawing.11">
+                <p:oleObj spid="_x0000_s61458" name="Visio" r:id="rId3" imgW="6434247" imgH="5449047" progId="Visio.Drawing.11">
                   <p:embed/>
                 </p:oleObj>
               </mc:Choice>
@@ -17333,6 +17339,8005 @@
       </p:grpSpPr>
       <p:sp>
         <p:nvSpPr>
+          <p:cNvPr id="45057" name="Title 1"/>
+          <p:cNvSpPr>
+            <a:spLocks noGrp="1"/>
+          </p:cNvSpPr>
+          <p:nvPr>
+            <p:ph type="title" idx="4294967295"/>
+          </p:nvPr>
+        </p:nvSpPr>
+        <p:spPr/>
+        <p:txBody>
+          <a:bodyPr/>
+          <a:lstStyle/>
+          <a:p>
+            <a:pPr eaLnBrk="1" hangingPunct="1"/>
+            <a:r>
+              <a:rPr lang="en-SG" dirty="0" smtClean="0"/>
+              <a:t>Application Principles</a:t>
+            </a:r>
+          </a:p>
+        </p:txBody>
+      </p:sp>
+      <p:graphicFrame>
+        <p:nvGraphicFramePr>
+          <p:cNvPr id="58372" name="Group 4"/>
+          <p:cNvGraphicFramePr>
+            <a:graphicFrameLocks noGrp="1"/>
+          </p:cNvGraphicFramePr>
+          <p:nvPr>
+            <p:extLst>
+              <p:ext uri="{D42A27DB-BD31-4B8C-83A1-F6EECF244321}">
+                <p14:modId xmlns:p14="http://schemas.microsoft.com/office/powerpoint/2010/main" val="2004662060"/>
+              </p:ext>
+            </p:extLst>
+          </p:nvPr>
+        </p:nvGraphicFramePr>
+        <p:xfrm>
+          <a:off x="457200" y="1268760"/>
+          <a:ext cx="8207375" cy="3256404"/>
+        </p:xfrm>
+        <a:graphic>
+          <a:graphicData uri="http://schemas.openxmlformats.org/drawingml/2006/table">
+            <a:tbl>
+              <a:tblPr/>
+              <a:tblGrid>
+                <a:gridCol w="1727200"/>
+                <a:gridCol w="6480175"/>
+              </a:tblGrid>
+              <a:tr h="216024">
+                <a:tc>
+                  <a:txBody>
+                    <a:bodyPr/>
+                    <a:lstStyle/>
+                    <a:p>
+                      <a:pPr marL="0" marR="0" lvl="0" indent="0" algn="l" defTabSz="914400" rtl="0" eaLnBrk="1" fontAlgn="base" latinLnBrk="0" hangingPunct="1">
+                        <a:lnSpc>
+                          <a:spcPct val="100000"/>
+                        </a:lnSpc>
+                        <a:spcBef>
+                          <a:spcPts val="600"/>
+                        </a:spcBef>
+                        <a:spcAft>
+                          <a:spcPts val="300"/>
+                        </a:spcAft>
+                        <a:buClrTx/>
+                        <a:buSzTx/>
+                        <a:buFontTx/>
+                        <a:buNone/>
+                        <a:tabLst/>
+                      </a:pPr>
+                      <a:r>
+                        <a:rPr kumimoji="0" lang="en-GB" sz="1200" b="1" i="0" u="none" strike="noStrike" cap="none" normalizeH="0" baseline="0" dirty="0" smtClean="0">
+                          <a:ln>
+                            <a:noFill/>
+                          </a:ln>
+                          <a:solidFill>
+                            <a:srgbClr val="FFFFFF"/>
+                          </a:solidFill>
+                          <a:effectLst/>
+                          <a:latin typeface="Gill Sans MT"/>
+                          <a:cs typeface="Arial" charset="0"/>
+                        </a:rPr>
+                        <a:t>Name</a:t>
+                      </a:r>
+                      <a:endParaRPr kumimoji="0" lang="en-US" sz="1200" b="1" i="0" u="none" strike="noStrike" cap="none" normalizeH="0" baseline="0" dirty="0" smtClean="0">
+                        <a:ln>
+                          <a:noFill/>
+                        </a:ln>
+                        <a:solidFill>
+                          <a:srgbClr val="FFFFFF"/>
+                        </a:solidFill>
+                        <a:effectLst/>
+                        <a:latin typeface="Gill Sans MT"/>
+                        <a:ea typeface="SimSun" pitchFamily="2" charset="-122"/>
+                        <a:cs typeface="Arial" charset="0"/>
+                      </a:endParaRPr>
+                    </a:p>
+                  </a:txBody>
+                  <a:tcPr marL="42876" marR="42876" marT="0" marB="0" horzOverflow="overflow">
+                    <a:lnL w="12700" cap="flat" cmpd="sng" algn="ctr">
+                      <a:solidFill>
+                        <a:schemeClr val="bg1"/>
+                      </a:solidFill>
+                      <a:prstDash val="solid"/>
+                      <a:round/>
+                      <a:headEnd type="none" w="med" len="med"/>
+                      <a:tailEnd type="none" w="med" len="med"/>
+                    </a:lnL>
+                    <a:lnR w="12700" cap="flat" cmpd="sng" algn="ctr">
+                      <a:solidFill>
+                        <a:schemeClr val="bg1"/>
+                      </a:solidFill>
+                      <a:prstDash val="solid"/>
+                      <a:round/>
+                      <a:headEnd type="none" w="med" len="med"/>
+                      <a:tailEnd type="none" w="med" len="med"/>
+                    </a:lnR>
+                    <a:lnT w="12700" cap="flat" cmpd="sng" algn="ctr">
+                      <a:solidFill>
+                        <a:schemeClr val="bg1"/>
+                      </a:solidFill>
+                      <a:prstDash val="solid"/>
+                      <a:round/>
+                      <a:headEnd type="none" w="med" len="med"/>
+                      <a:tailEnd type="none" w="med" len="med"/>
+                    </a:lnT>
+                    <a:lnB w="38100" cap="flat" cmpd="sng" algn="ctr">
+                      <a:solidFill>
+                        <a:schemeClr val="bg1"/>
+                      </a:solidFill>
+                      <a:prstDash val="solid"/>
+                      <a:round/>
+                      <a:headEnd type="none" w="med" len="med"/>
+                      <a:tailEnd type="none" w="med" len="med"/>
+                    </a:lnB>
+                    <a:lnTlToBr>
+                      <a:noFill/>
+                    </a:lnTlToBr>
+                    <a:lnBlToTr>
+                      <a:noFill/>
+                    </a:lnBlToTr>
+                    <a:solidFill>
+                      <a:schemeClr val="accent1"/>
+                    </a:solidFill>
+                  </a:tcPr>
+                </a:tc>
+                <a:tc>
+                  <a:txBody>
+                    <a:bodyPr/>
+                    <a:lstStyle/>
+                    <a:p>
+                      <a:pPr marL="0" marR="0" lvl="0" indent="0" algn="l" defTabSz="914400" rtl="0" eaLnBrk="1" fontAlgn="base" latinLnBrk="0" hangingPunct="1">
+                        <a:lnSpc>
+                          <a:spcPct val="100000"/>
+                        </a:lnSpc>
+                        <a:spcBef>
+                          <a:spcPts val="600"/>
+                        </a:spcBef>
+                        <a:spcAft>
+                          <a:spcPts val="300"/>
+                        </a:spcAft>
+                        <a:buClrTx/>
+                        <a:buSzTx/>
+                        <a:buFontTx/>
+                        <a:buNone/>
+                        <a:tabLst/>
+                      </a:pPr>
+                      <a:r>
+                        <a:rPr kumimoji="0" lang="en-GB" sz="1200" b="1" i="0" u="none" strike="noStrike" cap="none" normalizeH="0" baseline="0" dirty="0" smtClean="0">
+                          <a:ln>
+                            <a:noFill/>
+                          </a:ln>
+                          <a:solidFill>
+                            <a:srgbClr val="FFFFFF"/>
+                          </a:solidFill>
+                          <a:effectLst/>
+                          <a:latin typeface="+mn-lt"/>
+                          <a:cs typeface="Arial" charset="0"/>
+                        </a:rPr>
+                        <a:t>Ease-of-use (Business Principle : Enhance customer value)</a:t>
+                      </a:r>
+                      <a:endParaRPr kumimoji="0" lang="en-US" sz="1200" b="1" i="0" u="none" strike="noStrike" cap="none" normalizeH="0" baseline="0" dirty="0" smtClean="0">
+                        <a:ln>
+                          <a:noFill/>
+                        </a:ln>
+                        <a:solidFill>
+                          <a:srgbClr val="FFFFFF"/>
+                        </a:solidFill>
+                        <a:effectLst/>
+                        <a:latin typeface="Gill Sans MT"/>
+                        <a:ea typeface="SimSun" pitchFamily="2" charset="-122"/>
+                        <a:cs typeface="Arial" charset="0"/>
+                      </a:endParaRPr>
+                    </a:p>
+                  </a:txBody>
+                  <a:tcPr marL="42876" marR="42876" marT="0" marB="0" horzOverflow="overflow">
+                    <a:lnL w="12700" cap="flat" cmpd="sng" algn="ctr">
+                      <a:solidFill>
+                        <a:schemeClr val="bg1"/>
+                      </a:solidFill>
+                      <a:prstDash val="solid"/>
+                      <a:round/>
+                      <a:headEnd type="none" w="med" len="med"/>
+                      <a:tailEnd type="none" w="med" len="med"/>
+                    </a:lnL>
+                    <a:lnR w="12700" cap="flat" cmpd="sng" algn="ctr">
+                      <a:solidFill>
+                        <a:schemeClr val="bg1"/>
+                      </a:solidFill>
+                      <a:prstDash val="solid"/>
+                      <a:round/>
+                      <a:headEnd type="none" w="med" len="med"/>
+                      <a:tailEnd type="none" w="med" len="med"/>
+                    </a:lnR>
+                    <a:lnT w="12700" cap="flat" cmpd="sng" algn="ctr">
+                      <a:solidFill>
+                        <a:schemeClr val="bg1"/>
+                      </a:solidFill>
+                      <a:prstDash val="solid"/>
+                      <a:round/>
+                      <a:headEnd type="none" w="med" len="med"/>
+                      <a:tailEnd type="none" w="med" len="med"/>
+                    </a:lnT>
+                    <a:lnB w="38100" cap="flat" cmpd="sng" algn="ctr">
+                      <a:solidFill>
+                        <a:schemeClr val="bg1"/>
+                      </a:solidFill>
+                      <a:prstDash val="solid"/>
+                      <a:round/>
+                      <a:headEnd type="none" w="med" len="med"/>
+                      <a:tailEnd type="none" w="med" len="med"/>
+                    </a:lnB>
+                    <a:lnTlToBr>
+                      <a:noFill/>
+                    </a:lnTlToBr>
+                    <a:lnBlToTr>
+                      <a:noFill/>
+                    </a:lnBlToTr>
+                    <a:solidFill>
+                      <a:schemeClr val="accent1"/>
+                    </a:solidFill>
+                  </a:tcPr>
+                </a:tc>
+              </a:tr>
+              <a:tr h="306388">
+                <a:tc>
+                  <a:txBody>
+                    <a:bodyPr/>
+                    <a:lstStyle/>
+                    <a:p>
+                      <a:pPr marL="0" marR="0" lvl="0" indent="0" algn="l" defTabSz="914400" rtl="0" eaLnBrk="1" fontAlgn="base" latinLnBrk="0" hangingPunct="1">
+                        <a:lnSpc>
+                          <a:spcPct val="100000"/>
+                        </a:lnSpc>
+                        <a:spcBef>
+                          <a:spcPts val="600"/>
+                        </a:spcBef>
+                        <a:spcAft>
+                          <a:spcPts val="300"/>
+                        </a:spcAft>
+                        <a:buClrTx/>
+                        <a:buSzTx/>
+                        <a:buFontTx/>
+                        <a:buNone/>
+                        <a:tabLst/>
+                      </a:pPr>
+                      <a:r>
+                        <a:rPr kumimoji="0" lang="en-GB" sz="1200" b="1" i="0" u="none" strike="noStrike" cap="none" normalizeH="0" baseline="0" smtClean="0">
+                          <a:ln>
+                            <a:noFill/>
+                          </a:ln>
+                          <a:solidFill>
+                            <a:srgbClr val="FFFFFF"/>
+                          </a:solidFill>
+                          <a:effectLst/>
+                          <a:latin typeface="Gill Sans MT"/>
+                          <a:cs typeface="Arial" charset="0"/>
+                        </a:rPr>
+                        <a:t>Statement</a:t>
+                      </a:r>
+                      <a:endParaRPr kumimoji="0" lang="en-US" sz="1200" b="1" i="0" u="none" strike="noStrike" cap="none" normalizeH="0" baseline="0" smtClean="0">
+                        <a:ln>
+                          <a:noFill/>
+                        </a:ln>
+                        <a:solidFill>
+                          <a:srgbClr val="FFFFFF"/>
+                        </a:solidFill>
+                        <a:effectLst/>
+                        <a:latin typeface="Gill Sans MT"/>
+                        <a:ea typeface="SimSun" pitchFamily="2" charset="-122"/>
+                        <a:cs typeface="Arial" charset="0"/>
+                      </a:endParaRPr>
+                    </a:p>
+                  </a:txBody>
+                  <a:tcPr marL="42876" marR="42876" marT="0" marB="0" horzOverflow="overflow">
+                    <a:lnL w="12700" cap="flat" cmpd="sng" algn="ctr">
+                      <a:solidFill>
+                        <a:schemeClr val="bg1"/>
+                      </a:solidFill>
+                      <a:prstDash val="solid"/>
+                      <a:round/>
+                      <a:headEnd type="none" w="med" len="med"/>
+                      <a:tailEnd type="none" w="med" len="med"/>
+                    </a:lnL>
+                    <a:lnR w="12700" cap="flat" cmpd="sng" algn="ctr">
+                      <a:solidFill>
+                        <a:schemeClr val="bg1"/>
+                      </a:solidFill>
+                      <a:prstDash val="solid"/>
+                      <a:round/>
+                      <a:headEnd type="none" w="med" len="med"/>
+                      <a:tailEnd type="none" w="med" len="med"/>
+                    </a:lnR>
+                    <a:lnT w="38100" cap="flat" cmpd="sng" algn="ctr">
+                      <a:solidFill>
+                        <a:schemeClr val="bg1"/>
+                      </a:solidFill>
+                      <a:prstDash val="solid"/>
+                      <a:round/>
+                      <a:headEnd type="none" w="med" len="med"/>
+                      <a:tailEnd type="none" w="med" len="med"/>
+                    </a:lnT>
+                    <a:lnB w="12700" cap="flat" cmpd="sng" algn="ctr">
+                      <a:solidFill>
+                        <a:schemeClr val="bg1"/>
+                      </a:solidFill>
+                      <a:prstDash val="solid"/>
+                      <a:round/>
+                      <a:headEnd type="none" w="med" len="med"/>
+                      <a:tailEnd type="none" w="med" len="med"/>
+                    </a:lnB>
+                    <a:lnTlToBr>
+                      <a:noFill/>
+                    </a:lnTlToBr>
+                    <a:lnBlToTr>
+                      <a:noFill/>
+                    </a:lnBlToTr>
+                    <a:solidFill>
+                      <a:schemeClr val="accent1"/>
+                    </a:solidFill>
+                  </a:tcPr>
+                </a:tc>
+                <a:tc>
+                  <a:txBody>
+                    <a:bodyPr/>
+                    <a:lstStyle/>
+                    <a:p>
+                      <a:pPr marL="0" marR="0" lvl="0" indent="0" algn="l" defTabSz="914400" rtl="0" eaLnBrk="1" fontAlgn="base" latinLnBrk="0" hangingPunct="1">
+                        <a:lnSpc>
+                          <a:spcPct val="100000"/>
+                        </a:lnSpc>
+                        <a:spcBef>
+                          <a:spcPts val="600"/>
+                        </a:spcBef>
+                        <a:spcAft>
+                          <a:spcPts val="300"/>
+                        </a:spcAft>
+                        <a:buClrTx/>
+                        <a:buSzTx/>
+                        <a:buFontTx/>
+                        <a:buNone/>
+                        <a:tabLst/>
+                      </a:pPr>
+                      <a:r>
+                        <a:rPr kumimoji="0" lang="en-US" sz="1200" b="0" i="0" u="none" strike="noStrike" cap="none" normalizeH="0" baseline="0" dirty="0" smtClean="0">
+                          <a:ln>
+                            <a:noFill/>
+                          </a:ln>
+                          <a:solidFill>
+                            <a:srgbClr val="000000"/>
+                          </a:solidFill>
+                          <a:effectLst/>
+                          <a:latin typeface="+mn-lt"/>
+                          <a:ea typeface="SimSun" pitchFamily="2" charset="-122"/>
+                          <a:cs typeface="Arial" charset="0"/>
+                        </a:rPr>
+                        <a:t>Applications are easy to use. The underlying technology is transparent to users, so they can concentrate on tasks at hand.</a:t>
+                      </a:r>
+                      <a:endParaRPr kumimoji="0" lang="en-US" sz="1200" b="0" i="0" u="none" strike="noStrike" cap="none" normalizeH="0" baseline="0" dirty="0" smtClean="0">
+                        <a:ln>
+                          <a:noFill/>
+                        </a:ln>
+                        <a:solidFill>
+                          <a:srgbClr val="000000"/>
+                        </a:solidFill>
+                        <a:effectLst/>
+                        <a:latin typeface="Gill Sans MT"/>
+                        <a:ea typeface="SimSun" pitchFamily="2" charset="-122"/>
+                        <a:cs typeface="Arial" charset="0"/>
+                      </a:endParaRPr>
+                    </a:p>
+                  </a:txBody>
+                  <a:tcPr marL="42876" marR="42876" marT="0" marB="0" horzOverflow="overflow">
+                    <a:lnL w="12700" cap="flat" cmpd="sng" algn="ctr">
+                      <a:solidFill>
+                        <a:schemeClr val="bg1"/>
+                      </a:solidFill>
+                      <a:prstDash val="solid"/>
+                      <a:round/>
+                      <a:headEnd type="none" w="med" len="med"/>
+                      <a:tailEnd type="none" w="med" len="med"/>
+                    </a:lnL>
+                    <a:lnR w="12700" cap="flat" cmpd="sng" algn="ctr">
+                      <a:solidFill>
+                        <a:schemeClr val="bg1"/>
+                      </a:solidFill>
+                      <a:prstDash val="solid"/>
+                      <a:round/>
+                      <a:headEnd type="none" w="med" len="med"/>
+                      <a:tailEnd type="none" w="med" len="med"/>
+                    </a:lnR>
+                    <a:lnT w="38100" cap="flat" cmpd="sng" algn="ctr">
+                      <a:solidFill>
+                        <a:schemeClr val="bg1"/>
+                      </a:solidFill>
+                      <a:prstDash val="solid"/>
+                      <a:round/>
+                      <a:headEnd type="none" w="med" len="med"/>
+                      <a:tailEnd type="none" w="med" len="med"/>
+                    </a:lnT>
+                    <a:lnB w="12700" cap="flat" cmpd="sng" algn="ctr">
+                      <a:solidFill>
+                        <a:schemeClr val="bg1"/>
+                      </a:solidFill>
+                      <a:prstDash val="solid"/>
+                      <a:round/>
+                      <a:headEnd type="none" w="med" len="med"/>
+                      <a:tailEnd type="none" w="med" len="med"/>
+                    </a:lnB>
+                    <a:lnTlToBr>
+                      <a:noFill/>
+                    </a:lnTlToBr>
+                    <a:lnBlToTr>
+                      <a:noFill/>
+                    </a:lnBlToTr>
+                    <a:solidFill>
+                      <a:srgbClr val="D5D7E0"/>
+                    </a:solidFill>
+                  </a:tcPr>
+                </a:tc>
+              </a:tr>
+              <a:tr h="287338">
+                <a:tc>
+                  <a:txBody>
+                    <a:bodyPr/>
+                    <a:lstStyle/>
+                    <a:p>
+                      <a:pPr marL="0" marR="0" lvl="0" indent="0" algn="l" defTabSz="914400" rtl="0" eaLnBrk="1" fontAlgn="base" latinLnBrk="0" hangingPunct="1">
+                        <a:lnSpc>
+                          <a:spcPct val="100000"/>
+                        </a:lnSpc>
+                        <a:spcBef>
+                          <a:spcPts val="600"/>
+                        </a:spcBef>
+                        <a:spcAft>
+                          <a:spcPts val="300"/>
+                        </a:spcAft>
+                        <a:buClrTx/>
+                        <a:buSzTx/>
+                        <a:buFontTx/>
+                        <a:buNone/>
+                        <a:tabLst/>
+                      </a:pPr>
+                      <a:r>
+                        <a:rPr kumimoji="0" lang="en-GB" sz="1200" b="1" i="0" u="none" strike="noStrike" cap="none" normalizeH="0" baseline="0" smtClean="0">
+                          <a:ln>
+                            <a:noFill/>
+                          </a:ln>
+                          <a:solidFill>
+                            <a:srgbClr val="FFFFFF"/>
+                          </a:solidFill>
+                          <a:effectLst/>
+                          <a:latin typeface="Gill Sans MT"/>
+                          <a:cs typeface="Arial" charset="0"/>
+                        </a:rPr>
+                        <a:t>Rationale</a:t>
+                      </a:r>
+                      <a:endParaRPr kumimoji="0" lang="en-US" sz="1200" b="1" i="0" u="none" strike="noStrike" cap="none" normalizeH="0" baseline="0" smtClean="0">
+                        <a:ln>
+                          <a:noFill/>
+                        </a:ln>
+                        <a:solidFill>
+                          <a:srgbClr val="FFFFFF"/>
+                        </a:solidFill>
+                        <a:effectLst/>
+                        <a:latin typeface="Gill Sans MT"/>
+                        <a:ea typeface="SimSun" pitchFamily="2" charset="-122"/>
+                        <a:cs typeface="Arial" charset="0"/>
+                      </a:endParaRPr>
+                    </a:p>
+                  </a:txBody>
+                  <a:tcPr marL="42876" marR="42876" marT="0" marB="0" horzOverflow="overflow">
+                    <a:lnL w="12700" cap="flat" cmpd="sng" algn="ctr">
+                      <a:solidFill>
+                        <a:schemeClr val="bg1"/>
+                      </a:solidFill>
+                      <a:prstDash val="solid"/>
+                      <a:round/>
+                      <a:headEnd type="none" w="med" len="med"/>
+                      <a:tailEnd type="none" w="med" len="med"/>
+                    </a:lnL>
+                    <a:lnR w="12700" cap="flat" cmpd="sng" algn="ctr">
+                      <a:solidFill>
+                        <a:schemeClr val="bg1"/>
+                      </a:solidFill>
+                      <a:prstDash val="solid"/>
+                      <a:round/>
+                      <a:headEnd type="none" w="med" len="med"/>
+                      <a:tailEnd type="none" w="med" len="med"/>
+                    </a:lnR>
+                    <a:lnT w="12700" cap="flat" cmpd="sng" algn="ctr">
+                      <a:solidFill>
+                        <a:schemeClr val="bg1"/>
+                      </a:solidFill>
+                      <a:prstDash val="solid"/>
+                      <a:round/>
+                      <a:headEnd type="none" w="med" len="med"/>
+                      <a:tailEnd type="none" w="med" len="med"/>
+                    </a:lnT>
+                    <a:lnB w="12700" cap="flat" cmpd="sng" algn="ctr">
+                      <a:solidFill>
+                        <a:schemeClr val="bg1"/>
+                      </a:solidFill>
+                      <a:prstDash val="solid"/>
+                      <a:round/>
+                      <a:headEnd type="none" w="med" len="med"/>
+                      <a:tailEnd type="none" w="med" len="med"/>
+                    </a:lnB>
+                    <a:lnTlToBr>
+                      <a:noFill/>
+                    </a:lnTlToBr>
+                    <a:lnBlToTr>
+                      <a:noFill/>
+                    </a:lnBlToTr>
+                    <a:solidFill>
+                      <a:schemeClr val="accent1"/>
+                    </a:solidFill>
+                  </a:tcPr>
+                </a:tc>
+                <a:tc>
+                  <a:txBody>
+                    <a:bodyPr/>
+                    <a:lstStyle/>
+                    <a:p>
+                      <a:pPr marL="0" marR="0" lvl="0" indent="0" algn="l" defTabSz="914400" rtl="0" eaLnBrk="1" fontAlgn="base" latinLnBrk="0" hangingPunct="1">
+                        <a:lnSpc>
+                          <a:spcPct val="100000"/>
+                        </a:lnSpc>
+                        <a:spcBef>
+                          <a:spcPts val="600"/>
+                        </a:spcBef>
+                        <a:spcAft>
+                          <a:spcPts val="300"/>
+                        </a:spcAft>
+                        <a:buClrTx/>
+                        <a:buSzTx/>
+                        <a:buFontTx/>
+                        <a:buNone/>
+                        <a:tabLst/>
+                      </a:pPr>
+                      <a:r>
+                        <a:rPr kumimoji="0" lang="en-US" sz="1200" b="0" i="0" u="none" strike="noStrike" cap="none" normalizeH="0" baseline="0" dirty="0" smtClean="0">
+                          <a:ln>
+                            <a:noFill/>
+                          </a:ln>
+                          <a:solidFill>
+                            <a:schemeClr val="tx1"/>
+                          </a:solidFill>
+                          <a:effectLst/>
+                          <a:latin typeface="+mn-lt"/>
+                        </a:rPr>
+                        <a:t>The more a user has to understand the underlying technology, the less productive that user is. Ease-of-use is a positive incentive for use of applications. It encourages users to work within the integrated information environment instead of developing isolated systems to accomplish the task outside of the enterprise's integrated information environment. Most of the knowledge required to operate one system will be similar to others. Training is kept to a minimum, and the risk of using a system improperly is low.</a:t>
+                      </a:r>
+                      <a:endParaRPr kumimoji="0" lang="en-US" sz="1200" b="0" i="0" u="none" strike="noStrike" cap="none" normalizeH="0" baseline="0" dirty="0" smtClean="0">
+                        <a:ln>
+                          <a:noFill/>
+                        </a:ln>
+                        <a:solidFill>
+                          <a:schemeClr val="tx1"/>
+                        </a:solidFill>
+                        <a:effectLst/>
+                        <a:latin typeface="Gill Sans MT"/>
+                      </a:endParaRPr>
+                    </a:p>
+                  </a:txBody>
+                  <a:tcPr marL="42876" marR="42876" marT="0" marB="0" horzOverflow="overflow">
+                    <a:lnL w="12700" cap="flat" cmpd="sng" algn="ctr">
+                      <a:solidFill>
+                        <a:schemeClr val="bg1"/>
+                      </a:solidFill>
+                      <a:prstDash val="solid"/>
+                      <a:round/>
+                      <a:headEnd type="none" w="med" len="med"/>
+                      <a:tailEnd type="none" w="med" len="med"/>
+                    </a:lnL>
+                    <a:lnR w="12700" cap="flat" cmpd="sng" algn="ctr">
+                      <a:solidFill>
+                        <a:schemeClr val="bg1"/>
+                      </a:solidFill>
+                      <a:prstDash val="solid"/>
+                      <a:round/>
+                      <a:headEnd type="none" w="med" len="med"/>
+                      <a:tailEnd type="none" w="med" len="med"/>
+                    </a:lnR>
+                    <a:lnT w="12700" cap="flat" cmpd="sng" algn="ctr">
+                      <a:solidFill>
+                        <a:schemeClr val="bg1"/>
+                      </a:solidFill>
+                      <a:prstDash val="solid"/>
+                      <a:round/>
+                      <a:headEnd type="none" w="med" len="med"/>
+                      <a:tailEnd type="none" w="med" len="med"/>
+                    </a:lnT>
+                    <a:lnB w="12700" cap="flat" cmpd="sng" algn="ctr">
+                      <a:solidFill>
+                        <a:schemeClr val="bg1"/>
+                      </a:solidFill>
+                      <a:prstDash val="solid"/>
+                      <a:round/>
+                      <a:headEnd type="none" w="med" len="med"/>
+                      <a:tailEnd type="none" w="med" len="med"/>
+                    </a:lnB>
+                    <a:lnTlToBr>
+                      <a:noFill/>
+                    </a:lnTlToBr>
+                    <a:lnBlToTr>
+                      <a:noFill/>
+                    </a:lnBlToTr>
+                    <a:solidFill>
+                      <a:srgbClr val="EBECF0"/>
+                    </a:solidFill>
+                  </a:tcPr>
+                </a:tc>
+              </a:tr>
+              <a:tr h="236538">
+                <a:tc>
+                  <a:txBody>
+                    <a:bodyPr/>
+                    <a:lstStyle/>
+                    <a:p>
+                      <a:pPr marL="0" marR="0" lvl="0" indent="0" algn="l" defTabSz="914400" rtl="0" eaLnBrk="1" fontAlgn="base" latinLnBrk="0" hangingPunct="1">
+                        <a:lnSpc>
+                          <a:spcPct val="100000"/>
+                        </a:lnSpc>
+                        <a:spcBef>
+                          <a:spcPts val="600"/>
+                        </a:spcBef>
+                        <a:spcAft>
+                          <a:spcPts val="300"/>
+                        </a:spcAft>
+                        <a:buClrTx/>
+                        <a:buSzTx/>
+                        <a:buFontTx/>
+                        <a:buNone/>
+                        <a:tabLst/>
+                      </a:pPr>
+                      <a:r>
+                        <a:rPr kumimoji="0" lang="en-GB" sz="1200" b="1" i="0" u="none" strike="noStrike" cap="none" normalizeH="0" baseline="0" smtClean="0">
+                          <a:ln>
+                            <a:noFill/>
+                          </a:ln>
+                          <a:solidFill>
+                            <a:srgbClr val="FFFFFF"/>
+                          </a:solidFill>
+                          <a:effectLst/>
+                          <a:latin typeface="Gill Sans MT"/>
+                          <a:cs typeface="Arial" charset="0"/>
+                        </a:rPr>
+                        <a:t>Implications</a:t>
+                      </a:r>
+                      <a:endParaRPr kumimoji="0" lang="en-US" sz="1200" b="1" i="0" u="none" strike="noStrike" cap="none" normalizeH="0" baseline="0" smtClean="0">
+                        <a:ln>
+                          <a:noFill/>
+                        </a:ln>
+                        <a:solidFill>
+                          <a:srgbClr val="FFFFFF"/>
+                        </a:solidFill>
+                        <a:effectLst/>
+                        <a:latin typeface="Gill Sans MT"/>
+                        <a:ea typeface="SimSun" pitchFamily="2" charset="-122"/>
+                        <a:cs typeface="Arial" charset="0"/>
+                      </a:endParaRPr>
+                    </a:p>
+                  </a:txBody>
+                  <a:tcPr marL="42876" marR="42876" marT="0" marB="0" horzOverflow="overflow">
+                    <a:lnL w="12700" cap="flat" cmpd="sng" algn="ctr">
+                      <a:solidFill>
+                        <a:schemeClr val="bg1"/>
+                      </a:solidFill>
+                      <a:prstDash val="solid"/>
+                      <a:round/>
+                      <a:headEnd type="none" w="med" len="med"/>
+                      <a:tailEnd type="none" w="med" len="med"/>
+                    </a:lnL>
+                    <a:lnR w="12700" cap="flat" cmpd="sng" algn="ctr">
+                      <a:solidFill>
+                        <a:schemeClr val="bg1"/>
+                      </a:solidFill>
+                      <a:prstDash val="solid"/>
+                      <a:round/>
+                      <a:headEnd type="none" w="med" len="med"/>
+                      <a:tailEnd type="none" w="med" len="med"/>
+                    </a:lnR>
+                    <a:lnT w="12700" cap="flat" cmpd="sng" algn="ctr">
+                      <a:solidFill>
+                        <a:schemeClr val="bg1"/>
+                      </a:solidFill>
+                      <a:prstDash val="solid"/>
+                      <a:round/>
+                      <a:headEnd type="none" w="med" len="med"/>
+                      <a:tailEnd type="none" w="med" len="med"/>
+                    </a:lnT>
+                    <a:lnB w="12700" cap="flat" cmpd="sng" algn="ctr">
+                      <a:solidFill>
+                        <a:schemeClr val="bg1"/>
+                      </a:solidFill>
+                      <a:prstDash val="solid"/>
+                      <a:round/>
+                      <a:headEnd type="none" w="med" len="med"/>
+                      <a:tailEnd type="none" w="med" len="med"/>
+                    </a:lnB>
+                    <a:lnTlToBr>
+                      <a:noFill/>
+                    </a:lnTlToBr>
+                    <a:lnBlToTr>
+                      <a:noFill/>
+                    </a:lnBlToTr>
+                    <a:solidFill>
+                      <a:schemeClr val="accent1"/>
+                    </a:solidFill>
+                  </a:tcPr>
+                </a:tc>
+                <a:tc>
+                  <a:txBody>
+                    <a:bodyPr/>
+                    <a:lstStyle/>
+                    <a:p>
+                      <a:pPr marL="0" marR="0" lvl="0" indent="0" algn="l" defTabSz="914400" rtl="0" eaLnBrk="1" fontAlgn="base" latinLnBrk="0" hangingPunct="1">
+                        <a:lnSpc>
+                          <a:spcPct val="100000"/>
+                        </a:lnSpc>
+                        <a:spcBef>
+                          <a:spcPts val="600"/>
+                        </a:spcBef>
+                        <a:spcAft>
+                          <a:spcPts val="300"/>
+                        </a:spcAft>
+                        <a:buClrTx/>
+                        <a:buSzTx/>
+                        <a:buFontTx/>
+                        <a:buNone/>
+                        <a:tabLst/>
+                      </a:pPr>
+                      <a:r>
+                        <a:rPr kumimoji="0" lang="en-US" sz="1200" b="0" i="0" u="none" strike="noStrike" cap="none" normalizeH="0" baseline="0" dirty="0" smtClean="0">
+                          <a:ln>
+                            <a:noFill/>
+                          </a:ln>
+                          <a:solidFill>
+                            <a:srgbClr val="000000"/>
+                          </a:solidFill>
+                          <a:effectLst/>
+                          <a:latin typeface="+mn-lt"/>
+                          <a:ea typeface="SimSun" pitchFamily="2" charset="-122"/>
+                          <a:cs typeface="Arial" charset="0"/>
+                        </a:rPr>
+                        <a:t>Applications will be required to have a common "look-and-feel" and support ergonomic requirements. Hence, the common look-and-feel standard must be designed and usability test criteria must be developed.</a:t>
+                      </a:r>
+                    </a:p>
+                    <a:p>
+                      <a:pPr marL="0" marR="0" lvl="0" indent="0" algn="l" defTabSz="914400" rtl="0" eaLnBrk="1" fontAlgn="base" latinLnBrk="0" hangingPunct="1">
+                        <a:lnSpc>
+                          <a:spcPct val="100000"/>
+                        </a:lnSpc>
+                        <a:spcBef>
+                          <a:spcPts val="600"/>
+                        </a:spcBef>
+                        <a:spcAft>
+                          <a:spcPts val="300"/>
+                        </a:spcAft>
+                        <a:buClrTx/>
+                        <a:buSzTx/>
+                        <a:buFontTx/>
+                        <a:buNone/>
+                        <a:tabLst/>
+                      </a:pPr>
+                      <a:r>
+                        <a:rPr kumimoji="0" lang="en-US" sz="1200" b="0" i="0" u="none" strike="noStrike" cap="none" normalizeH="0" baseline="0" dirty="0" smtClean="0">
+                          <a:ln>
+                            <a:noFill/>
+                          </a:ln>
+                          <a:solidFill>
+                            <a:srgbClr val="000000"/>
+                          </a:solidFill>
+                          <a:effectLst/>
+                          <a:latin typeface="+mn-lt"/>
+                          <a:ea typeface="SimSun" pitchFamily="2" charset="-122"/>
+                          <a:cs typeface="Arial" charset="0"/>
+                        </a:rPr>
+                        <a:t>Guidelines for user interfaces should not be constrained by narrow assumptions about user location, language, systems training, or physical capability. Factors such as linguistics, customer physical infirmities (visual acuity, ability to use keyboard/mouse), and proficiency in the use of technology have broad ramifications in determining the ease-of-use of an application.</a:t>
+                      </a:r>
+                    </a:p>
+                  </a:txBody>
+                  <a:tcPr marL="42876" marR="42876" marT="0" marB="0" horzOverflow="overflow">
+                    <a:lnL w="12700" cap="flat" cmpd="sng" algn="ctr">
+                      <a:solidFill>
+                        <a:schemeClr val="bg1"/>
+                      </a:solidFill>
+                      <a:prstDash val="solid"/>
+                      <a:round/>
+                      <a:headEnd type="none" w="med" len="med"/>
+                      <a:tailEnd type="none" w="med" len="med"/>
+                    </a:lnL>
+                    <a:lnR w="12700" cap="flat" cmpd="sng" algn="ctr">
+                      <a:solidFill>
+                        <a:schemeClr val="bg1"/>
+                      </a:solidFill>
+                      <a:prstDash val="solid"/>
+                      <a:round/>
+                      <a:headEnd type="none" w="med" len="med"/>
+                      <a:tailEnd type="none" w="med" len="med"/>
+                    </a:lnR>
+                    <a:lnT w="12700" cap="flat" cmpd="sng" algn="ctr">
+                      <a:solidFill>
+                        <a:schemeClr val="bg1"/>
+                      </a:solidFill>
+                      <a:prstDash val="solid"/>
+                      <a:round/>
+                      <a:headEnd type="none" w="med" len="med"/>
+                      <a:tailEnd type="none" w="med" len="med"/>
+                    </a:lnT>
+                    <a:lnB w="12700" cap="flat" cmpd="sng" algn="ctr">
+                      <a:solidFill>
+                        <a:schemeClr val="bg1"/>
+                      </a:solidFill>
+                      <a:prstDash val="solid"/>
+                      <a:round/>
+                      <a:headEnd type="none" w="med" len="med"/>
+                      <a:tailEnd type="none" w="med" len="med"/>
+                    </a:lnB>
+                    <a:lnTlToBr>
+                      <a:noFill/>
+                    </a:lnTlToBr>
+                    <a:lnBlToTr>
+                      <a:noFill/>
+                    </a:lnBlToTr>
+                    <a:solidFill>
+                      <a:srgbClr val="EBECF0"/>
+                    </a:solidFill>
+                  </a:tcPr>
+                </a:tc>
+              </a:tr>
+            </a:tbl>
+          </a:graphicData>
+        </a:graphic>
+      </p:graphicFrame>
+      <p:graphicFrame>
+        <p:nvGraphicFramePr>
+          <p:cNvPr id="58406" name="Group 38"/>
+          <p:cNvGraphicFramePr>
+            <a:graphicFrameLocks noGrp="1"/>
+          </p:cNvGraphicFramePr>
+          <p:nvPr>
+            <p:extLst>
+              <p:ext uri="{D42A27DB-BD31-4B8C-83A1-F6EECF244321}">
+                <p14:modId xmlns:p14="http://schemas.microsoft.com/office/powerpoint/2010/main" val="1955113928"/>
+              </p:ext>
+            </p:extLst>
+          </p:nvPr>
+        </p:nvGraphicFramePr>
+        <p:xfrm>
+          <a:off x="457200" y="4725144"/>
+          <a:ext cx="8207375" cy="1652836"/>
+        </p:xfrm>
+        <a:graphic>
+          <a:graphicData uri="http://schemas.openxmlformats.org/drawingml/2006/table">
+            <a:tbl>
+              <a:tblPr/>
+              <a:tblGrid>
+                <a:gridCol w="1727200"/>
+                <a:gridCol w="6480175"/>
+              </a:tblGrid>
+              <a:tr h="432048">
+                <a:tc>
+                  <a:txBody>
+                    <a:bodyPr/>
+                    <a:lstStyle/>
+                    <a:p>
+                      <a:pPr marL="0" marR="0" lvl="0" indent="0" algn="l" defTabSz="914400" rtl="0" eaLnBrk="1" fontAlgn="base" latinLnBrk="0" hangingPunct="1">
+                        <a:lnSpc>
+                          <a:spcPct val="100000"/>
+                        </a:lnSpc>
+                        <a:spcBef>
+                          <a:spcPts val="600"/>
+                        </a:spcBef>
+                        <a:spcAft>
+                          <a:spcPts val="300"/>
+                        </a:spcAft>
+                        <a:buClrTx/>
+                        <a:buSzTx/>
+                        <a:buFontTx/>
+                        <a:buNone/>
+                        <a:tabLst/>
+                      </a:pPr>
+                      <a:r>
+                        <a:rPr kumimoji="0" lang="en-GB" sz="1200" b="1" i="0" u="none" strike="noStrike" cap="none" normalizeH="0" baseline="0" dirty="0" smtClean="0">
+                          <a:ln>
+                            <a:noFill/>
+                          </a:ln>
+                          <a:solidFill>
+                            <a:srgbClr val="FFFFFF"/>
+                          </a:solidFill>
+                          <a:effectLst/>
+                          <a:latin typeface="Gill Sans MT"/>
+                          <a:cs typeface="Arial" charset="0"/>
+                        </a:rPr>
+                        <a:t>Name</a:t>
+                      </a:r>
+                      <a:endParaRPr kumimoji="0" lang="en-US" sz="1200" b="1" i="0" u="none" strike="noStrike" cap="none" normalizeH="0" baseline="0" dirty="0" smtClean="0">
+                        <a:ln>
+                          <a:noFill/>
+                        </a:ln>
+                        <a:solidFill>
+                          <a:srgbClr val="FFFFFF"/>
+                        </a:solidFill>
+                        <a:effectLst/>
+                        <a:latin typeface="Gill Sans MT"/>
+                        <a:ea typeface="SimSun" pitchFamily="2" charset="-122"/>
+                        <a:cs typeface="Arial" charset="0"/>
+                      </a:endParaRPr>
+                    </a:p>
+                  </a:txBody>
+                  <a:tcPr marL="42876" marR="42876" marT="0" marB="0" horzOverflow="overflow">
+                    <a:lnL w="12700" cap="flat" cmpd="sng" algn="ctr">
+                      <a:solidFill>
+                        <a:schemeClr val="bg1"/>
+                      </a:solidFill>
+                      <a:prstDash val="solid"/>
+                      <a:round/>
+                      <a:headEnd type="none" w="med" len="med"/>
+                      <a:tailEnd type="none" w="med" len="med"/>
+                    </a:lnL>
+                    <a:lnR w="12700" cap="flat" cmpd="sng" algn="ctr">
+                      <a:solidFill>
+                        <a:schemeClr val="bg1"/>
+                      </a:solidFill>
+                      <a:prstDash val="solid"/>
+                      <a:round/>
+                      <a:headEnd type="none" w="med" len="med"/>
+                      <a:tailEnd type="none" w="med" len="med"/>
+                    </a:lnR>
+                    <a:lnT w="12700" cap="flat" cmpd="sng" algn="ctr">
+                      <a:solidFill>
+                        <a:schemeClr val="bg1"/>
+                      </a:solidFill>
+                      <a:prstDash val="solid"/>
+                      <a:round/>
+                      <a:headEnd type="none" w="med" len="med"/>
+                      <a:tailEnd type="none" w="med" len="med"/>
+                    </a:lnT>
+                    <a:lnB w="38100" cap="flat" cmpd="sng" algn="ctr">
+                      <a:solidFill>
+                        <a:schemeClr val="bg1"/>
+                      </a:solidFill>
+                      <a:prstDash val="solid"/>
+                      <a:round/>
+                      <a:headEnd type="none" w="med" len="med"/>
+                      <a:tailEnd type="none" w="med" len="med"/>
+                    </a:lnB>
+                    <a:lnTlToBr>
+                      <a:noFill/>
+                    </a:lnTlToBr>
+                    <a:lnBlToTr>
+                      <a:noFill/>
+                    </a:lnBlToTr>
+                    <a:solidFill>
+                      <a:schemeClr val="accent1"/>
+                    </a:solidFill>
+                  </a:tcPr>
+                </a:tc>
+                <a:tc>
+                  <a:txBody>
+                    <a:bodyPr/>
+                    <a:lstStyle/>
+                    <a:p>
+                      <a:pPr marL="0" marR="0" lvl="0" indent="0" algn="l" defTabSz="914400" rtl="0" eaLnBrk="1" fontAlgn="base" latinLnBrk="0" hangingPunct="1">
+                        <a:lnSpc>
+                          <a:spcPct val="100000"/>
+                        </a:lnSpc>
+                        <a:spcBef>
+                          <a:spcPts val="600"/>
+                        </a:spcBef>
+                        <a:spcAft>
+                          <a:spcPts val="300"/>
+                        </a:spcAft>
+                        <a:buClrTx/>
+                        <a:buSzTx/>
+                        <a:buFontTx/>
+                        <a:buNone/>
+                        <a:tabLst/>
+                        <a:defRPr/>
+                      </a:pPr>
+                      <a:r>
+                        <a:rPr kumimoji="0" lang="en-GB" sz="1200" b="1" i="0" u="none" strike="noStrike" cap="none" normalizeH="0" baseline="0" dirty="0" smtClean="0">
+                          <a:ln>
+                            <a:noFill/>
+                          </a:ln>
+                          <a:solidFill>
+                            <a:srgbClr val="FFFFFF"/>
+                          </a:solidFill>
+                          <a:effectLst/>
+                          <a:latin typeface="+mn-lt"/>
+                          <a:ea typeface="SimSun" pitchFamily="2" charset="-122"/>
+                          <a:cs typeface="Arial" charset="0"/>
+                        </a:rPr>
+                        <a:t>Data Interchange Capabilities</a:t>
+                      </a:r>
+                      <a:r>
+                        <a:rPr kumimoji="0" lang="en-GB" sz="1200" b="1" i="0" u="none" strike="noStrike" cap="none" normalizeH="0" baseline="0" dirty="0" smtClean="0">
+                          <a:ln>
+                            <a:noFill/>
+                          </a:ln>
+                          <a:solidFill>
+                            <a:srgbClr val="FFFFFF"/>
+                          </a:solidFill>
+                          <a:effectLst/>
+                          <a:latin typeface="+mn-lt"/>
+                          <a:cs typeface="Arial" charset="0"/>
+                        </a:rPr>
+                        <a:t> (Business Principle : </a:t>
+                      </a:r>
+                      <a:r>
+                        <a:rPr kumimoji="0" lang="en-US" sz="1200" b="1" i="0" u="none" strike="noStrike" cap="none" normalizeH="0" baseline="0" dirty="0" smtClean="0">
+                          <a:ln>
+                            <a:noFill/>
+                          </a:ln>
+                          <a:solidFill>
+                            <a:srgbClr val="FFFFFF"/>
+                          </a:solidFill>
+                          <a:effectLst/>
+                          <a:latin typeface="+mn-lt"/>
+                          <a:cs typeface="Arial" charset="0"/>
+                        </a:rPr>
+                        <a:t>Business Integration, Improve partner relationships</a:t>
+                      </a:r>
+                      <a:r>
+                        <a:rPr kumimoji="0" lang="en-GB" sz="1200" b="1" i="0" u="none" strike="noStrike" cap="none" normalizeH="0" baseline="0" dirty="0" smtClean="0">
+                          <a:ln>
+                            <a:noFill/>
+                          </a:ln>
+                          <a:solidFill>
+                            <a:srgbClr val="FFFFFF"/>
+                          </a:solidFill>
+                          <a:effectLst/>
+                          <a:latin typeface="+mn-lt"/>
+                          <a:cs typeface="Arial" charset="0"/>
+                        </a:rPr>
+                        <a:t>)</a:t>
+                      </a:r>
+                      <a:endParaRPr kumimoji="0" lang="en-US" sz="1200" b="1" i="0" u="none" strike="noStrike" cap="none" normalizeH="0" baseline="0" dirty="0" smtClean="0">
+                        <a:ln>
+                          <a:noFill/>
+                        </a:ln>
+                        <a:solidFill>
+                          <a:srgbClr val="FFFFFF"/>
+                        </a:solidFill>
+                        <a:effectLst/>
+                        <a:latin typeface="+mn-lt"/>
+                        <a:ea typeface="SimSun" pitchFamily="2" charset="-122"/>
+                        <a:cs typeface="Arial" charset="0"/>
+                      </a:endParaRPr>
+                    </a:p>
+                  </a:txBody>
+                  <a:tcPr marL="42876" marR="42876" marT="0" marB="0" horzOverflow="overflow">
+                    <a:lnL w="12700" cap="flat" cmpd="sng" algn="ctr">
+                      <a:solidFill>
+                        <a:schemeClr val="bg1"/>
+                      </a:solidFill>
+                      <a:prstDash val="solid"/>
+                      <a:round/>
+                      <a:headEnd type="none" w="med" len="med"/>
+                      <a:tailEnd type="none" w="med" len="med"/>
+                    </a:lnL>
+                    <a:lnR w="12700" cap="flat" cmpd="sng" algn="ctr">
+                      <a:solidFill>
+                        <a:schemeClr val="bg1"/>
+                      </a:solidFill>
+                      <a:prstDash val="solid"/>
+                      <a:round/>
+                      <a:headEnd type="none" w="med" len="med"/>
+                      <a:tailEnd type="none" w="med" len="med"/>
+                    </a:lnR>
+                    <a:lnT w="12700" cap="flat" cmpd="sng" algn="ctr">
+                      <a:solidFill>
+                        <a:schemeClr val="bg1"/>
+                      </a:solidFill>
+                      <a:prstDash val="solid"/>
+                      <a:round/>
+                      <a:headEnd type="none" w="med" len="med"/>
+                      <a:tailEnd type="none" w="med" len="med"/>
+                    </a:lnT>
+                    <a:lnB w="38100" cap="flat" cmpd="sng" algn="ctr">
+                      <a:solidFill>
+                        <a:schemeClr val="bg1"/>
+                      </a:solidFill>
+                      <a:prstDash val="solid"/>
+                      <a:round/>
+                      <a:headEnd type="none" w="med" len="med"/>
+                      <a:tailEnd type="none" w="med" len="med"/>
+                    </a:lnB>
+                    <a:lnTlToBr>
+                      <a:noFill/>
+                    </a:lnTlToBr>
+                    <a:lnBlToTr>
+                      <a:noFill/>
+                    </a:lnBlToTr>
+                    <a:solidFill>
+                      <a:schemeClr val="accent1"/>
+                    </a:solidFill>
+                  </a:tcPr>
+                </a:tc>
+              </a:tr>
+              <a:tr h="306388">
+                <a:tc>
+                  <a:txBody>
+                    <a:bodyPr/>
+                    <a:lstStyle/>
+                    <a:p>
+                      <a:pPr marL="0" marR="0" lvl="0" indent="0" algn="l" defTabSz="914400" rtl="0" eaLnBrk="1" fontAlgn="base" latinLnBrk="0" hangingPunct="1">
+                        <a:lnSpc>
+                          <a:spcPct val="100000"/>
+                        </a:lnSpc>
+                        <a:spcBef>
+                          <a:spcPts val="600"/>
+                        </a:spcBef>
+                        <a:spcAft>
+                          <a:spcPts val="300"/>
+                        </a:spcAft>
+                        <a:buClrTx/>
+                        <a:buSzTx/>
+                        <a:buFontTx/>
+                        <a:buNone/>
+                        <a:tabLst/>
+                      </a:pPr>
+                      <a:r>
+                        <a:rPr kumimoji="0" lang="en-GB" sz="1200" b="1" i="0" u="none" strike="noStrike" cap="none" normalizeH="0" baseline="0" smtClean="0">
+                          <a:ln>
+                            <a:noFill/>
+                          </a:ln>
+                          <a:solidFill>
+                            <a:srgbClr val="FFFFFF"/>
+                          </a:solidFill>
+                          <a:effectLst/>
+                          <a:latin typeface="Gill Sans MT"/>
+                          <a:cs typeface="Arial" charset="0"/>
+                        </a:rPr>
+                        <a:t>Statement</a:t>
+                      </a:r>
+                      <a:endParaRPr kumimoji="0" lang="en-US" sz="1200" b="1" i="0" u="none" strike="noStrike" cap="none" normalizeH="0" baseline="0" smtClean="0">
+                        <a:ln>
+                          <a:noFill/>
+                        </a:ln>
+                        <a:solidFill>
+                          <a:srgbClr val="FFFFFF"/>
+                        </a:solidFill>
+                        <a:effectLst/>
+                        <a:latin typeface="Gill Sans MT"/>
+                        <a:ea typeface="SimSun" pitchFamily="2" charset="-122"/>
+                        <a:cs typeface="Arial" charset="0"/>
+                      </a:endParaRPr>
+                    </a:p>
+                  </a:txBody>
+                  <a:tcPr marL="42876" marR="42876" marT="0" marB="0" horzOverflow="overflow">
+                    <a:lnL w="12700" cap="flat" cmpd="sng" algn="ctr">
+                      <a:solidFill>
+                        <a:schemeClr val="bg1"/>
+                      </a:solidFill>
+                      <a:prstDash val="solid"/>
+                      <a:round/>
+                      <a:headEnd type="none" w="med" len="med"/>
+                      <a:tailEnd type="none" w="med" len="med"/>
+                    </a:lnL>
+                    <a:lnR w="12700" cap="flat" cmpd="sng" algn="ctr">
+                      <a:solidFill>
+                        <a:schemeClr val="bg1"/>
+                      </a:solidFill>
+                      <a:prstDash val="solid"/>
+                      <a:round/>
+                      <a:headEnd type="none" w="med" len="med"/>
+                      <a:tailEnd type="none" w="med" len="med"/>
+                    </a:lnR>
+                    <a:lnT w="38100" cap="flat" cmpd="sng" algn="ctr">
+                      <a:solidFill>
+                        <a:schemeClr val="bg1"/>
+                      </a:solidFill>
+                      <a:prstDash val="solid"/>
+                      <a:round/>
+                      <a:headEnd type="none" w="med" len="med"/>
+                      <a:tailEnd type="none" w="med" len="med"/>
+                    </a:lnT>
+                    <a:lnB w="12700" cap="flat" cmpd="sng" algn="ctr">
+                      <a:solidFill>
+                        <a:schemeClr val="bg1"/>
+                      </a:solidFill>
+                      <a:prstDash val="solid"/>
+                      <a:round/>
+                      <a:headEnd type="none" w="med" len="med"/>
+                      <a:tailEnd type="none" w="med" len="med"/>
+                    </a:lnB>
+                    <a:lnTlToBr>
+                      <a:noFill/>
+                    </a:lnTlToBr>
+                    <a:lnBlToTr>
+                      <a:noFill/>
+                    </a:lnBlToTr>
+                    <a:solidFill>
+                      <a:schemeClr val="accent1"/>
+                    </a:solidFill>
+                  </a:tcPr>
+                </a:tc>
+                <a:tc>
+                  <a:txBody>
+                    <a:bodyPr/>
+                    <a:lstStyle/>
+                    <a:p>
+                      <a:pPr marL="0" marR="0" lvl="0" indent="0" algn="l" defTabSz="914400" rtl="0" eaLnBrk="1" fontAlgn="base" latinLnBrk="0" hangingPunct="1">
+                        <a:lnSpc>
+                          <a:spcPct val="100000"/>
+                        </a:lnSpc>
+                        <a:spcBef>
+                          <a:spcPts val="600"/>
+                        </a:spcBef>
+                        <a:spcAft>
+                          <a:spcPts val="300"/>
+                        </a:spcAft>
+                        <a:buClrTx/>
+                        <a:buSzTx/>
+                        <a:buFontTx/>
+                        <a:buNone/>
+                        <a:tabLst/>
+                      </a:pPr>
+                      <a:r>
+                        <a:rPr kumimoji="0" lang="en-US" sz="1200" b="0" i="0" u="none" strike="noStrike" cap="none" normalizeH="0" baseline="0" dirty="0" smtClean="0">
+                          <a:ln>
+                            <a:noFill/>
+                          </a:ln>
+                          <a:solidFill>
+                            <a:srgbClr val="000000"/>
+                          </a:solidFill>
+                          <a:effectLst/>
+                          <a:latin typeface="+mn-lt"/>
+                          <a:ea typeface="SimSun" pitchFamily="2" charset="-122"/>
+                          <a:cs typeface="Arial" charset="0"/>
+                        </a:rPr>
+                        <a:t>Applications are able send and receive data to/from other application in the enterprise.</a:t>
+                      </a:r>
+                      <a:endParaRPr kumimoji="0" lang="en-US" sz="1200" b="0" i="0" u="none" strike="noStrike" cap="none" normalizeH="0" baseline="0" dirty="0" smtClean="0">
+                        <a:ln>
+                          <a:noFill/>
+                        </a:ln>
+                        <a:solidFill>
+                          <a:srgbClr val="000000"/>
+                        </a:solidFill>
+                        <a:effectLst/>
+                        <a:latin typeface="Gill Sans MT"/>
+                        <a:ea typeface="SimSun" pitchFamily="2" charset="-122"/>
+                        <a:cs typeface="Arial" charset="0"/>
+                      </a:endParaRPr>
+                    </a:p>
+                  </a:txBody>
+                  <a:tcPr marL="42876" marR="42876" marT="0" marB="0" horzOverflow="overflow">
+                    <a:lnL w="12700" cap="flat" cmpd="sng" algn="ctr">
+                      <a:solidFill>
+                        <a:schemeClr val="bg1"/>
+                      </a:solidFill>
+                      <a:prstDash val="solid"/>
+                      <a:round/>
+                      <a:headEnd type="none" w="med" len="med"/>
+                      <a:tailEnd type="none" w="med" len="med"/>
+                    </a:lnL>
+                    <a:lnR w="12700" cap="flat" cmpd="sng" algn="ctr">
+                      <a:solidFill>
+                        <a:schemeClr val="bg1"/>
+                      </a:solidFill>
+                      <a:prstDash val="solid"/>
+                      <a:round/>
+                      <a:headEnd type="none" w="med" len="med"/>
+                      <a:tailEnd type="none" w="med" len="med"/>
+                    </a:lnR>
+                    <a:lnT w="38100" cap="flat" cmpd="sng" algn="ctr">
+                      <a:solidFill>
+                        <a:schemeClr val="bg1"/>
+                      </a:solidFill>
+                      <a:prstDash val="solid"/>
+                      <a:round/>
+                      <a:headEnd type="none" w="med" len="med"/>
+                      <a:tailEnd type="none" w="med" len="med"/>
+                    </a:lnT>
+                    <a:lnB w="12700" cap="flat" cmpd="sng" algn="ctr">
+                      <a:solidFill>
+                        <a:schemeClr val="bg1"/>
+                      </a:solidFill>
+                      <a:prstDash val="solid"/>
+                      <a:round/>
+                      <a:headEnd type="none" w="med" len="med"/>
+                      <a:tailEnd type="none" w="med" len="med"/>
+                    </a:lnB>
+                    <a:lnTlToBr>
+                      <a:noFill/>
+                    </a:lnTlToBr>
+                    <a:lnBlToTr>
+                      <a:noFill/>
+                    </a:lnBlToTr>
+                    <a:solidFill>
+                      <a:srgbClr val="D5D7E0"/>
+                    </a:solidFill>
+                  </a:tcPr>
+                </a:tc>
+              </a:tr>
+              <a:tr h="287338">
+                <a:tc>
+                  <a:txBody>
+                    <a:bodyPr/>
+                    <a:lstStyle/>
+                    <a:p>
+                      <a:pPr marL="0" marR="0" lvl="0" indent="0" algn="l" defTabSz="914400" rtl="0" eaLnBrk="1" fontAlgn="base" latinLnBrk="0" hangingPunct="1">
+                        <a:lnSpc>
+                          <a:spcPct val="100000"/>
+                        </a:lnSpc>
+                        <a:spcBef>
+                          <a:spcPts val="600"/>
+                        </a:spcBef>
+                        <a:spcAft>
+                          <a:spcPts val="300"/>
+                        </a:spcAft>
+                        <a:buClrTx/>
+                        <a:buSzTx/>
+                        <a:buFontTx/>
+                        <a:buNone/>
+                        <a:tabLst/>
+                      </a:pPr>
+                      <a:r>
+                        <a:rPr kumimoji="0" lang="en-GB" sz="1200" b="1" i="0" u="none" strike="noStrike" cap="none" normalizeH="0" baseline="0" smtClean="0">
+                          <a:ln>
+                            <a:noFill/>
+                          </a:ln>
+                          <a:solidFill>
+                            <a:srgbClr val="FFFFFF"/>
+                          </a:solidFill>
+                          <a:effectLst/>
+                          <a:latin typeface="Gill Sans MT"/>
+                          <a:cs typeface="Arial" charset="0"/>
+                        </a:rPr>
+                        <a:t>Rationale</a:t>
+                      </a:r>
+                      <a:endParaRPr kumimoji="0" lang="en-US" sz="1200" b="1" i="0" u="none" strike="noStrike" cap="none" normalizeH="0" baseline="0" smtClean="0">
+                        <a:ln>
+                          <a:noFill/>
+                        </a:ln>
+                        <a:solidFill>
+                          <a:srgbClr val="FFFFFF"/>
+                        </a:solidFill>
+                        <a:effectLst/>
+                        <a:latin typeface="Gill Sans MT"/>
+                        <a:ea typeface="SimSun" pitchFamily="2" charset="-122"/>
+                        <a:cs typeface="Arial" charset="0"/>
+                      </a:endParaRPr>
+                    </a:p>
+                  </a:txBody>
+                  <a:tcPr marL="42876" marR="42876" marT="0" marB="0" horzOverflow="overflow">
+                    <a:lnL w="12700" cap="flat" cmpd="sng" algn="ctr">
+                      <a:solidFill>
+                        <a:schemeClr val="bg1"/>
+                      </a:solidFill>
+                      <a:prstDash val="solid"/>
+                      <a:round/>
+                      <a:headEnd type="none" w="med" len="med"/>
+                      <a:tailEnd type="none" w="med" len="med"/>
+                    </a:lnL>
+                    <a:lnR w="12700" cap="flat" cmpd="sng" algn="ctr">
+                      <a:solidFill>
+                        <a:schemeClr val="bg1"/>
+                      </a:solidFill>
+                      <a:prstDash val="solid"/>
+                      <a:round/>
+                      <a:headEnd type="none" w="med" len="med"/>
+                      <a:tailEnd type="none" w="med" len="med"/>
+                    </a:lnR>
+                    <a:lnT w="12700" cap="flat" cmpd="sng" algn="ctr">
+                      <a:solidFill>
+                        <a:schemeClr val="bg1"/>
+                      </a:solidFill>
+                      <a:prstDash val="solid"/>
+                      <a:round/>
+                      <a:headEnd type="none" w="med" len="med"/>
+                      <a:tailEnd type="none" w="med" len="med"/>
+                    </a:lnT>
+                    <a:lnB w="12700" cap="flat" cmpd="sng" algn="ctr">
+                      <a:solidFill>
+                        <a:schemeClr val="bg1"/>
+                      </a:solidFill>
+                      <a:prstDash val="solid"/>
+                      <a:round/>
+                      <a:headEnd type="none" w="med" len="med"/>
+                      <a:tailEnd type="none" w="med" len="med"/>
+                    </a:lnB>
+                    <a:lnTlToBr>
+                      <a:noFill/>
+                    </a:lnTlToBr>
+                    <a:lnBlToTr>
+                      <a:noFill/>
+                    </a:lnBlToTr>
+                    <a:solidFill>
+                      <a:schemeClr val="accent1"/>
+                    </a:solidFill>
+                  </a:tcPr>
+                </a:tc>
+                <a:tc>
+                  <a:txBody>
+                    <a:bodyPr/>
+                    <a:lstStyle/>
+                    <a:p>
+                      <a:pPr marL="0" marR="0" lvl="0" indent="0" algn="l" defTabSz="914400" rtl="0" eaLnBrk="1" fontAlgn="base" latinLnBrk="0" hangingPunct="1">
+                        <a:lnSpc>
+                          <a:spcPct val="100000"/>
+                        </a:lnSpc>
+                        <a:spcBef>
+                          <a:spcPts val="600"/>
+                        </a:spcBef>
+                        <a:spcAft>
+                          <a:spcPts val="300"/>
+                        </a:spcAft>
+                        <a:buClrTx/>
+                        <a:buSzTx/>
+                        <a:buFontTx/>
+                        <a:buNone/>
+                        <a:tabLst/>
+                      </a:pPr>
+                      <a:r>
+                        <a:rPr kumimoji="0" lang="en-US" sz="1200" b="0" i="0" u="none" strike="noStrike" cap="none" normalizeH="0" baseline="0" dirty="0" smtClean="0">
+                          <a:ln>
+                            <a:noFill/>
+                          </a:ln>
+                          <a:solidFill>
+                            <a:schemeClr val="tx1"/>
+                          </a:solidFill>
+                          <a:effectLst/>
+                          <a:latin typeface="+mn-lt"/>
+                        </a:rPr>
+                        <a:t>Data are generated within the application.  The data may be used by other application to automate the business process. The capabilities to interchange data between applications is a high priority task.</a:t>
+                      </a:r>
+                      <a:endParaRPr kumimoji="0" lang="en-US" sz="1200" b="0" i="0" u="none" strike="noStrike" cap="none" normalizeH="0" baseline="0" dirty="0" smtClean="0">
+                        <a:ln>
+                          <a:noFill/>
+                        </a:ln>
+                        <a:solidFill>
+                          <a:schemeClr val="tx1"/>
+                        </a:solidFill>
+                        <a:effectLst/>
+                        <a:latin typeface="Gill Sans MT"/>
+                      </a:endParaRPr>
+                    </a:p>
+                  </a:txBody>
+                  <a:tcPr marL="42876" marR="42876" marT="0" marB="0" horzOverflow="overflow">
+                    <a:lnL w="12700" cap="flat" cmpd="sng" algn="ctr">
+                      <a:solidFill>
+                        <a:schemeClr val="bg1"/>
+                      </a:solidFill>
+                      <a:prstDash val="solid"/>
+                      <a:round/>
+                      <a:headEnd type="none" w="med" len="med"/>
+                      <a:tailEnd type="none" w="med" len="med"/>
+                    </a:lnL>
+                    <a:lnR w="12700" cap="flat" cmpd="sng" algn="ctr">
+                      <a:solidFill>
+                        <a:schemeClr val="bg1"/>
+                      </a:solidFill>
+                      <a:prstDash val="solid"/>
+                      <a:round/>
+                      <a:headEnd type="none" w="med" len="med"/>
+                      <a:tailEnd type="none" w="med" len="med"/>
+                    </a:lnR>
+                    <a:lnT w="12700" cap="flat" cmpd="sng" algn="ctr">
+                      <a:solidFill>
+                        <a:schemeClr val="bg1"/>
+                      </a:solidFill>
+                      <a:prstDash val="solid"/>
+                      <a:round/>
+                      <a:headEnd type="none" w="med" len="med"/>
+                      <a:tailEnd type="none" w="med" len="med"/>
+                    </a:lnT>
+                    <a:lnB w="12700" cap="flat" cmpd="sng" algn="ctr">
+                      <a:solidFill>
+                        <a:schemeClr val="bg1"/>
+                      </a:solidFill>
+                      <a:prstDash val="solid"/>
+                      <a:round/>
+                      <a:headEnd type="none" w="med" len="med"/>
+                      <a:tailEnd type="none" w="med" len="med"/>
+                    </a:lnB>
+                    <a:lnTlToBr>
+                      <a:noFill/>
+                    </a:lnTlToBr>
+                    <a:lnBlToTr>
+                      <a:noFill/>
+                    </a:lnBlToTr>
+                    <a:solidFill>
+                      <a:srgbClr val="EBECF0"/>
+                    </a:solidFill>
+                  </a:tcPr>
+                </a:tc>
+              </a:tr>
+              <a:tr h="293688">
+                <a:tc>
+                  <a:txBody>
+                    <a:bodyPr/>
+                    <a:lstStyle/>
+                    <a:p>
+                      <a:pPr marL="0" marR="0" lvl="0" indent="0" algn="l" defTabSz="914400" rtl="0" eaLnBrk="1" fontAlgn="base" latinLnBrk="0" hangingPunct="1">
+                        <a:lnSpc>
+                          <a:spcPct val="100000"/>
+                        </a:lnSpc>
+                        <a:spcBef>
+                          <a:spcPts val="600"/>
+                        </a:spcBef>
+                        <a:spcAft>
+                          <a:spcPts val="300"/>
+                        </a:spcAft>
+                        <a:buClrTx/>
+                        <a:buSzTx/>
+                        <a:buFontTx/>
+                        <a:buNone/>
+                        <a:tabLst/>
+                      </a:pPr>
+                      <a:r>
+                        <a:rPr kumimoji="0" lang="en-GB" sz="1200" b="1" i="0" u="none" strike="noStrike" cap="none" normalizeH="0" baseline="0" smtClean="0">
+                          <a:ln>
+                            <a:noFill/>
+                          </a:ln>
+                          <a:solidFill>
+                            <a:srgbClr val="FFFFFF"/>
+                          </a:solidFill>
+                          <a:effectLst/>
+                          <a:latin typeface="Gill Sans MT"/>
+                          <a:cs typeface="Arial" charset="0"/>
+                        </a:rPr>
+                        <a:t>Implications</a:t>
+                      </a:r>
+                      <a:endParaRPr kumimoji="0" lang="en-US" sz="1200" b="1" i="0" u="none" strike="noStrike" cap="none" normalizeH="0" baseline="0" smtClean="0">
+                        <a:ln>
+                          <a:noFill/>
+                        </a:ln>
+                        <a:solidFill>
+                          <a:srgbClr val="FFFFFF"/>
+                        </a:solidFill>
+                        <a:effectLst/>
+                        <a:latin typeface="Gill Sans MT"/>
+                        <a:ea typeface="SimSun" pitchFamily="2" charset="-122"/>
+                        <a:cs typeface="Arial" charset="0"/>
+                      </a:endParaRPr>
+                    </a:p>
+                  </a:txBody>
+                  <a:tcPr marL="42876" marR="42876" marT="0" marB="0" horzOverflow="overflow">
+                    <a:lnL w="12700" cap="flat" cmpd="sng" algn="ctr">
+                      <a:solidFill>
+                        <a:schemeClr val="bg1"/>
+                      </a:solidFill>
+                      <a:prstDash val="solid"/>
+                      <a:round/>
+                      <a:headEnd type="none" w="med" len="med"/>
+                      <a:tailEnd type="none" w="med" len="med"/>
+                    </a:lnL>
+                    <a:lnR w="12700" cap="flat" cmpd="sng" algn="ctr">
+                      <a:solidFill>
+                        <a:schemeClr val="bg1"/>
+                      </a:solidFill>
+                      <a:prstDash val="solid"/>
+                      <a:round/>
+                      <a:headEnd type="none" w="med" len="med"/>
+                      <a:tailEnd type="none" w="med" len="med"/>
+                    </a:lnR>
+                    <a:lnT w="12700" cap="flat" cmpd="sng" algn="ctr">
+                      <a:solidFill>
+                        <a:schemeClr val="bg1"/>
+                      </a:solidFill>
+                      <a:prstDash val="solid"/>
+                      <a:round/>
+                      <a:headEnd type="none" w="med" len="med"/>
+                      <a:tailEnd type="none" w="med" len="med"/>
+                    </a:lnT>
+                    <a:lnB w="12700" cap="flat" cmpd="sng" algn="ctr">
+                      <a:solidFill>
+                        <a:schemeClr val="bg1"/>
+                      </a:solidFill>
+                      <a:prstDash val="solid"/>
+                      <a:round/>
+                      <a:headEnd type="none" w="med" len="med"/>
+                      <a:tailEnd type="none" w="med" len="med"/>
+                    </a:lnB>
+                    <a:lnTlToBr>
+                      <a:noFill/>
+                    </a:lnTlToBr>
+                    <a:lnBlToTr>
+                      <a:noFill/>
+                    </a:lnBlToTr>
+                    <a:solidFill>
+                      <a:schemeClr val="accent1"/>
+                    </a:solidFill>
+                  </a:tcPr>
+                </a:tc>
+                <a:tc>
+                  <a:txBody>
+                    <a:bodyPr/>
+                    <a:lstStyle/>
+                    <a:p>
+                      <a:pPr marL="0" marR="0" lvl="0" indent="0" algn="l" defTabSz="914400" rtl="0" eaLnBrk="1" fontAlgn="base" latinLnBrk="0" hangingPunct="1">
+                        <a:lnSpc>
+                          <a:spcPct val="100000"/>
+                        </a:lnSpc>
+                        <a:spcBef>
+                          <a:spcPts val="600"/>
+                        </a:spcBef>
+                        <a:spcAft>
+                          <a:spcPts val="300"/>
+                        </a:spcAft>
+                        <a:buClrTx/>
+                        <a:buSzTx/>
+                        <a:buFontTx/>
+                        <a:buNone/>
+                        <a:tabLst/>
+                      </a:pPr>
+                      <a:r>
+                        <a:rPr kumimoji="0" lang="en-US" sz="1200" b="0" i="0" u="none" strike="noStrike" cap="none" normalizeH="0" baseline="0" dirty="0" smtClean="0">
+                          <a:ln>
+                            <a:noFill/>
+                          </a:ln>
+                          <a:solidFill>
+                            <a:srgbClr val="000000"/>
+                          </a:solidFill>
+                          <a:effectLst/>
+                          <a:latin typeface="+mn-lt"/>
+                          <a:ea typeface="SimSun" pitchFamily="2" charset="-122"/>
+                          <a:cs typeface="Arial" charset="0"/>
+                        </a:rPr>
+                        <a:t>Failure to interchange data between applications will fail the whole applications integration process.</a:t>
+                      </a:r>
+                      <a:endParaRPr kumimoji="0" lang="en-US" sz="1200" b="0" i="0" u="none" strike="noStrike" cap="none" normalizeH="0" baseline="0" dirty="0" smtClean="0">
+                        <a:ln>
+                          <a:noFill/>
+                        </a:ln>
+                        <a:solidFill>
+                          <a:srgbClr val="000000"/>
+                        </a:solidFill>
+                        <a:effectLst/>
+                        <a:latin typeface="Gill Sans MT"/>
+                        <a:ea typeface="SimSun" pitchFamily="2" charset="-122"/>
+                        <a:cs typeface="Arial" charset="0"/>
+                      </a:endParaRPr>
+                    </a:p>
+                  </a:txBody>
+                  <a:tcPr marL="42876" marR="42876" marT="0" marB="0" horzOverflow="overflow">
+                    <a:lnL w="12700" cap="flat" cmpd="sng" algn="ctr">
+                      <a:solidFill>
+                        <a:schemeClr val="bg1"/>
+                      </a:solidFill>
+                      <a:prstDash val="solid"/>
+                      <a:round/>
+                      <a:headEnd type="none" w="med" len="med"/>
+                      <a:tailEnd type="none" w="med" len="med"/>
+                    </a:lnL>
+                    <a:lnR w="12700" cap="flat" cmpd="sng" algn="ctr">
+                      <a:solidFill>
+                        <a:schemeClr val="bg1"/>
+                      </a:solidFill>
+                      <a:prstDash val="solid"/>
+                      <a:round/>
+                      <a:headEnd type="none" w="med" len="med"/>
+                      <a:tailEnd type="none" w="med" len="med"/>
+                    </a:lnR>
+                    <a:lnT w="12700" cap="flat" cmpd="sng" algn="ctr">
+                      <a:solidFill>
+                        <a:schemeClr val="bg1"/>
+                      </a:solidFill>
+                      <a:prstDash val="solid"/>
+                      <a:round/>
+                      <a:headEnd type="none" w="med" len="med"/>
+                      <a:tailEnd type="none" w="med" len="med"/>
+                    </a:lnT>
+                    <a:lnB w="12700" cap="flat" cmpd="sng" algn="ctr">
+                      <a:solidFill>
+                        <a:schemeClr val="bg1"/>
+                      </a:solidFill>
+                      <a:prstDash val="solid"/>
+                      <a:round/>
+                      <a:headEnd type="none" w="med" len="med"/>
+                      <a:tailEnd type="none" w="med" len="med"/>
+                    </a:lnB>
+                    <a:lnTlToBr>
+                      <a:noFill/>
+                    </a:lnTlToBr>
+                    <a:lnBlToTr>
+                      <a:noFill/>
+                    </a:lnBlToTr>
+                    <a:solidFill>
+                      <a:srgbClr val="EBECF0"/>
+                    </a:solidFill>
+                  </a:tcPr>
+                </a:tc>
+              </a:tr>
+            </a:tbl>
+          </a:graphicData>
+        </a:graphic>
+      </p:graphicFrame>
+    </p:spTree>
+    <p:extLst>
+      <p:ext uri="{BB962C8B-B14F-4D97-AF65-F5344CB8AC3E}">
+        <p14:creationId xmlns:p14="http://schemas.microsoft.com/office/powerpoint/2010/main" val="3081147230"/>
+      </p:ext>
+    </p:extLst>
+  </p:cSld>
+  <p:clrMapOvr>
+    <a:masterClrMapping/>
+  </p:clrMapOvr>
+  <p:timing>
+    <p:tnLst>
+      <p:par>
+        <p:cTn id="1" dur="indefinite" restart="never" nodeType="tmRoot"/>
+      </p:par>
+    </p:tnLst>
+  </p:timing>
+</p:sld>
+</file>
+
+<file path=ppt/slides/slide28.xml><?xml version="1.0" encoding="utf-8"?>
+<p:sld xmlns:a="http://schemas.openxmlformats.org/drawingml/2006/main" xmlns:r="http://schemas.openxmlformats.org/officeDocument/2006/relationships" xmlns:p="http://schemas.openxmlformats.org/presentationml/2006/main">
+  <p:cSld>
+    <p:spTree>
+      <p:nvGrpSpPr>
+        <p:cNvPr id="1" name=""/>
+        <p:cNvGrpSpPr/>
+        <p:nvPr/>
+      </p:nvGrpSpPr>
+      <p:grpSpPr>
+        <a:xfrm>
+          <a:off x="0" y="0"/>
+          <a:ext cx="0" cy="0"/>
+          <a:chOff x="0" y="0"/>
+          <a:chExt cx="0" cy="0"/>
+        </a:xfrm>
+      </p:grpSpPr>
+      <p:sp>
+        <p:nvSpPr>
+          <p:cNvPr id="43075" name="Title 1"/>
+          <p:cNvSpPr txBox="1">
+            <a:spLocks/>
+          </p:cNvSpPr>
+          <p:nvPr/>
+        </p:nvSpPr>
+        <p:spPr bwMode="auto">
+          <a:xfrm>
+            <a:off x="457200" y="152400"/>
+            <a:ext cx="8229600" cy="684213"/>
+          </a:xfrm>
+          <a:prstGeom prst="rect">
+            <a:avLst/>
+          </a:prstGeom>
+          <a:noFill/>
+          <a:ln w="9525">
+            <a:noFill/>
+            <a:miter lim="800000"/>
+            <a:headEnd/>
+            <a:tailEnd/>
+          </a:ln>
+        </p:spPr>
+        <p:txBody>
+          <a:bodyPr/>
+          <a:lstStyle/>
+          <a:p>
+            <a:r>
+              <a:rPr lang="en-SG" sz="3200" dirty="0" smtClean="0">
+                <a:solidFill>
+                  <a:schemeClr val="tx2"/>
+                </a:solidFill>
+                <a:latin typeface="Bookman Old Style" pitchFamily="18" charset="0"/>
+              </a:rPr>
+              <a:t>Target Application Portfolio </a:t>
+            </a:r>
+            <a:r>
+              <a:rPr lang="en-SG" sz="3200" dirty="0" err="1" smtClean="0">
+                <a:solidFill>
+                  <a:schemeClr val="tx2"/>
+                </a:solidFill>
+                <a:latin typeface="Bookman Old Style" pitchFamily="18" charset="0"/>
+              </a:rPr>
+              <a:t>Catalog</a:t>
+            </a:r>
+            <a:endParaRPr lang="en-SG" sz="3200" dirty="0">
+              <a:solidFill>
+                <a:schemeClr val="tx2"/>
+              </a:solidFill>
+              <a:latin typeface="Bookman Old Style" pitchFamily="18" charset="0"/>
+            </a:endParaRPr>
+          </a:p>
+        </p:txBody>
+      </p:sp>
+      <p:graphicFrame>
+        <p:nvGraphicFramePr>
+          <p:cNvPr id="4" name="Table 3"/>
+          <p:cNvGraphicFramePr>
+            <a:graphicFrameLocks noGrp="1"/>
+          </p:cNvGraphicFramePr>
+          <p:nvPr>
+            <p:extLst>
+              <p:ext uri="{D42A27DB-BD31-4B8C-83A1-F6EECF244321}">
+                <p14:modId xmlns:p14="http://schemas.microsoft.com/office/powerpoint/2010/main" val="3156918615"/>
+              </p:ext>
+            </p:extLst>
+          </p:nvPr>
+        </p:nvGraphicFramePr>
+        <p:xfrm>
+          <a:off x="457200" y="764703"/>
+          <a:ext cx="8147248" cy="5333733"/>
+        </p:xfrm>
+        <a:graphic>
+          <a:graphicData uri="http://schemas.openxmlformats.org/drawingml/2006/table">
+            <a:tbl>
+              <a:tblPr firstRow="1" firstCol="1" bandRow="1" bandCol="1">
+                <a:tableStyleId>{5C22544A-7EE6-4342-B048-85BDC9FD1C3A}</a:tableStyleId>
+              </a:tblPr>
+              <a:tblGrid>
+                <a:gridCol w="610059"/>
+                <a:gridCol w="1633387"/>
+                <a:gridCol w="2125369"/>
+                <a:gridCol w="1653064"/>
+                <a:gridCol w="2125369"/>
+              </a:tblGrid>
+              <a:tr h="179843">
+                <a:tc>
+                  <a:txBody>
+                    <a:bodyPr/>
+                    <a:lstStyle/>
+                    <a:p>
+                      <a:pPr marL="0" marR="0" algn="just">
+                        <a:spcBef>
+                          <a:spcPts val="600"/>
+                        </a:spcBef>
+                        <a:spcAft>
+                          <a:spcPts val="300"/>
+                        </a:spcAft>
+                      </a:pPr>
+                      <a:r>
+                        <a:rPr lang="en-GB" sz="1000" dirty="0">
+                          <a:effectLst/>
+                        </a:rPr>
+                        <a:t>No.</a:t>
+                      </a:r>
+                      <a:endParaRPr lang="en-US" sz="1000" dirty="0">
+                        <a:effectLst/>
+                        <a:latin typeface="Times New Roman" panose="02020603050405020304" pitchFamily="18" charset="0"/>
+                        <a:ea typeface="Times New Roman" panose="02020603050405020304" pitchFamily="18" charset="0"/>
+                      </a:endParaRPr>
+                    </a:p>
+                  </a:txBody>
+                  <a:tcPr marL="40956" marR="40956" marT="0" marB="0"/>
+                </a:tc>
+                <a:tc>
+                  <a:txBody>
+                    <a:bodyPr/>
+                    <a:lstStyle/>
+                    <a:p>
+                      <a:pPr marL="0" marR="0" algn="just">
+                        <a:spcBef>
+                          <a:spcPts val="600"/>
+                        </a:spcBef>
+                        <a:spcAft>
+                          <a:spcPts val="300"/>
+                        </a:spcAft>
+                      </a:pPr>
+                      <a:r>
+                        <a:rPr lang="en-GB" sz="1000">
+                          <a:effectLst/>
+                        </a:rPr>
+                        <a:t>Application Name</a:t>
+                      </a:r>
+                      <a:endParaRPr lang="en-US" sz="1000">
+                        <a:effectLst/>
+                        <a:latin typeface="Times New Roman" panose="02020603050405020304" pitchFamily="18" charset="0"/>
+                        <a:ea typeface="Times New Roman" panose="02020603050405020304" pitchFamily="18" charset="0"/>
+                      </a:endParaRPr>
+                    </a:p>
+                  </a:txBody>
+                  <a:tcPr marL="40956" marR="40956" marT="0" marB="0"/>
+                </a:tc>
+                <a:tc>
+                  <a:txBody>
+                    <a:bodyPr/>
+                    <a:lstStyle/>
+                    <a:p>
+                      <a:pPr marL="0" marR="0" algn="just">
+                        <a:spcBef>
+                          <a:spcPts val="600"/>
+                        </a:spcBef>
+                        <a:spcAft>
+                          <a:spcPts val="300"/>
+                        </a:spcAft>
+                      </a:pPr>
+                      <a:r>
+                        <a:rPr lang="en-GB" sz="1000">
+                          <a:effectLst/>
+                        </a:rPr>
+                        <a:t>Description</a:t>
+                      </a:r>
+                      <a:endParaRPr lang="en-US" sz="1000">
+                        <a:effectLst/>
+                        <a:latin typeface="Times New Roman" panose="02020603050405020304" pitchFamily="18" charset="0"/>
+                        <a:ea typeface="Times New Roman" panose="02020603050405020304" pitchFamily="18" charset="0"/>
+                      </a:endParaRPr>
+                    </a:p>
+                  </a:txBody>
+                  <a:tcPr marL="40956" marR="40956" marT="0" marB="0"/>
+                </a:tc>
+                <a:tc>
+                  <a:txBody>
+                    <a:bodyPr/>
+                    <a:lstStyle/>
+                    <a:p>
+                      <a:pPr marL="0" marR="0" algn="just">
+                        <a:spcBef>
+                          <a:spcPts val="600"/>
+                        </a:spcBef>
+                        <a:spcAft>
+                          <a:spcPts val="300"/>
+                        </a:spcAft>
+                      </a:pPr>
+                      <a:r>
+                        <a:rPr lang="en-GB" sz="1000">
+                          <a:effectLst/>
+                        </a:rPr>
+                        <a:t>Business Owner</a:t>
+                      </a:r>
+                      <a:endParaRPr lang="en-US" sz="1000">
+                        <a:effectLst/>
+                        <a:latin typeface="Times New Roman" panose="02020603050405020304" pitchFamily="18" charset="0"/>
+                        <a:ea typeface="Times New Roman" panose="02020603050405020304" pitchFamily="18" charset="0"/>
+                      </a:endParaRPr>
+                    </a:p>
+                  </a:txBody>
+                  <a:tcPr marL="40956" marR="40956" marT="0" marB="0"/>
+                </a:tc>
+                <a:tc>
+                  <a:txBody>
+                    <a:bodyPr/>
+                    <a:lstStyle/>
+                    <a:p>
+                      <a:pPr marL="0" marR="0" algn="just">
+                        <a:spcBef>
+                          <a:spcPts val="600"/>
+                        </a:spcBef>
+                        <a:spcAft>
+                          <a:spcPts val="300"/>
+                        </a:spcAft>
+                      </a:pPr>
+                      <a:r>
+                        <a:rPr lang="en-GB" sz="1000" dirty="0">
+                          <a:effectLst/>
+                        </a:rPr>
+                        <a:t>Remarks</a:t>
+                      </a:r>
+                      <a:endParaRPr lang="en-US" sz="1000" dirty="0">
+                        <a:effectLst/>
+                        <a:latin typeface="Times New Roman" panose="02020603050405020304" pitchFamily="18" charset="0"/>
+                        <a:ea typeface="Times New Roman" panose="02020603050405020304" pitchFamily="18" charset="0"/>
+                      </a:endParaRPr>
+                    </a:p>
+                  </a:txBody>
+                  <a:tcPr marL="40956" marR="40956" marT="0" marB="0"/>
+                </a:tc>
+              </a:tr>
+              <a:tr h="2210816">
+                <a:tc>
+                  <a:txBody>
+                    <a:bodyPr/>
+                    <a:lstStyle/>
+                    <a:p>
+                      <a:pPr marL="0" marR="0" algn="just">
+                        <a:spcBef>
+                          <a:spcPts val="600"/>
+                        </a:spcBef>
+                        <a:spcAft>
+                          <a:spcPts val="300"/>
+                        </a:spcAft>
+                      </a:pPr>
+                      <a:r>
+                        <a:rPr lang="en-GB" sz="1000">
+                          <a:effectLst/>
+                        </a:rPr>
+                        <a:t>1.</a:t>
+                      </a:r>
+                      <a:endParaRPr lang="en-US" sz="1000">
+                        <a:effectLst/>
+                        <a:latin typeface="Times New Roman" panose="02020603050405020304" pitchFamily="18" charset="0"/>
+                        <a:ea typeface="Times New Roman" panose="02020603050405020304" pitchFamily="18" charset="0"/>
+                      </a:endParaRPr>
+                    </a:p>
+                  </a:txBody>
+                  <a:tcPr marL="40956" marR="40956" marT="0" marB="0"/>
+                </a:tc>
+                <a:tc>
+                  <a:txBody>
+                    <a:bodyPr/>
+                    <a:lstStyle/>
+                    <a:p>
+                      <a:pPr marL="0" marR="0" algn="just">
+                        <a:spcBef>
+                          <a:spcPts val="600"/>
+                        </a:spcBef>
+                        <a:spcAft>
+                          <a:spcPts val="300"/>
+                        </a:spcAft>
+                      </a:pPr>
+                      <a:r>
+                        <a:rPr lang="en-GB" sz="1000" dirty="0">
+                          <a:effectLst/>
+                        </a:rPr>
+                        <a:t>Vessel and Container Movement System (VCMS)</a:t>
+                      </a:r>
+                      <a:endParaRPr lang="en-US" sz="1000" dirty="0">
+                        <a:effectLst/>
+                        <a:latin typeface="Times New Roman" panose="02020603050405020304" pitchFamily="18" charset="0"/>
+                        <a:ea typeface="Times New Roman" panose="02020603050405020304" pitchFamily="18" charset="0"/>
+                      </a:endParaRPr>
+                    </a:p>
+                  </a:txBody>
+                  <a:tcPr marL="40956" marR="40956" marT="0" marB="0"/>
+                </a:tc>
+                <a:tc>
+                  <a:txBody>
+                    <a:bodyPr/>
+                    <a:lstStyle/>
+                    <a:p>
+                      <a:pPr marL="0" marR="0" algn="just">
+                        <a:spcBef>
+                          <a:spcPts val="600"/>
+                        </a:spcBef>
+                        <a:spcAft>
+                          <a:spcPts val="300"/>
+                        </a:spcAft>
+                      </a:pPr>
+                      <a:r>
+                        <a:rPr lang="en-GB" sz="1000" dirty="0">
+                          <a:effectLst/>
+                        </a:rPr>
+                        <a:t>Order Processing Administrator to check for the availability of vessels.</a:t>
+                      </a:r>
+                      <a:endParaRPr lang="en-US" sz="1000" dirty="0">
+                        <a:effectLst/>
+                      </a:endParaRPr>
+                    </a:p>
+                    <a:p>
+                      <a:pPr marL="0" marR="0" algn="just">
+                        <a:spcBef>
+                          <a:spcPts val="600"/>
+                        </a:spcBef>
+                        <a:spcAft>
+                          <a:spcPts val="300"/>
+                        </a:spcAft>
+                      </a:pPr>
+                      <a:r>
+                        <a:rPr lang="en-GB" sz="1000" dirty="0">
+                          <a:effectLst/>
+                        </a:rPr>
+                        <a:t>Container Management Team to check for vessel schedules and the overall container movement timescales.</a:t>
+                      </a:r>
+                      <a:endParaRPr lang="en-US" sz="1000" dirty="0">
+                        <a:effectLst/>
+                      </a:endParaRPr>
+                    </a:p>
+                    <a:p>
+                      <a:pPr marL="0" marR="0" algn="just">
+                        <a:spcBef>
+                          <a:spcPts val="600"/>
+                        </a:spcBef>
+                        <a:spcAft>
+                          <a:spcPts val="300"/>
+                        </a:spcAft>
+                      </a:pPr>
+                      <a:r>
+                        <a:rPr lang="en-GB" sz="1000" dirty="0">
+                          <a:effectLst/>
+                        </a:rPr>
+                        <a:t>Port Operators to determine optimal container movement, placement within a vessel and support optimization decisions via VCMS’s web services.</a:t>
+                      </a:r>
+                      <a:endParaRPr lang="en-US" sz="1000" dirty="0">
+                        <a:effectLst/>
+                        <a:latin typeface="Times New Roman" panose="02020603050405020304" pitchFamily="18" charset="0"/>
+                        <a:ea typeface="Times New Roman" panose="02020603050405020304" pitchFamily="18" charset="0"/>
+                      </a:endParaRPr>
+                    </a:p>
+                  </a:txBody>
+                  <a:tcPr marL="40956" marR="40956" marT="0" marB="0"/>
+                </a:tc>
+                <a:tc>
+                  <a:txBody>
+                    <a:bodyPr/>
+                    <a:lstStyle/>
+                    <a:p>
+                      <a:pPr marL="0" marR="0" algn="just">
+                        <a:spcBef>
+                          <a:spcPts val="600"/>
+                        </a:spcBef>
+                        <a:spcAft>
+                          <a:spcPts val="300"/>
+                        </a:spcAft>
+                      </a:pPr>
+                      <a:r>
+                        <a:rPr lang="en-GB" sz="1000">
+                          <a:effectLst/>
+                        </a:rPr>
+                        <a:t>Order Processing Administrator</a:t>
+                      </a:r>
+                      <a:endParaRPr lang="en-US" sz="1000">
+                        <a:effectLst/>
+                      </a:endParaRPr>
+                    </a:p>
+                    <a:p>
+                      <a:pPr marL="0" marR="0" algn="just">
+                        <a:spcBef>
+                          <a:spcPts val="600"/>
+                        </a:spcBef>
+                        <a:spcAft>
+                          <a:spcPts val="300"/>
+                        </a:spcAft>
+                      </a:pPr>
+                      <a:r>
+                        <a:rPr lang="en-GB" sz="1000">
+                          <a:effectLst/>
+                        </a:rPr>
+                        <a:t>and</a:t>
+                      </a:r>
+                      <a:endParaRPr lang="en-US" sz="1000">
+                        <a:effectLst/>
+                      </a:endParaRPr>
+                    </a:p>
+                    <a:p>
+                      <a:pPr marL="0" marR="0" algn="just">
+                        <a:spcBef>
+                          <a:spcPts val="600"/>
+                        </a:spcBef>
+                        <a:spcAft>
+                          <a:spcPts val="300"/>
+                        </a:spcAft>
+                      </a:pPr>
+                      <a:r>
+                        <a:rPr lang="en-GB" sz="1000">
+                          <a:effectLst/>
+                        </a:rPr>
+                        <a:t>Container Management Team</a:t>
+                      </a:r>
+                      <a:endParaRPr lang="en-US" sz="1000">
+                        <a:effectLst/>
+                        <a:latin typeface="Times New Roman" panose="02020603050405020304" pitchFamily="18" charset="0"/>
+                        <a:ea typeface="Times New Roman" panose="02020603050405020304" pitchFamily="18" charset="0"/>
+                      </a:endParaRPr>
+                    </a:p>
+                  </a:txBody>
+                  <a:tcPr marL="40956" marR="40956" marT="0" marB="0"/>
+                </a:tc>
+                <a:tc>
+                  <a:txBody>
+                    <a:bodyPr/>
+                    <a:lstStyle/>
+                    <a:p>
+                      <a:pPr marL="0" marR="0" algn="just">
+                        <a:spcBef>
+                          <a:spcPts val="600"/>
+                        </a:spcBef>
+                        <a:spcAft>
+                          <a:spcPts val="300"/>
+                        </a:spcAft>
+                      </a:pPr>
+                      <a:r>
+                        <a:rPr lang="en-GB" sz="1000" dirty="0">
+                          <a:effectLst/>
+                        </a:rPr>
+                        <a:t>Prediction engine from the previous application needs to be migrated to the new system.</a:t>
+                      </a:r>
+                      <a:endParaRPr lang="en-US" sz="1000" dirty="0">
+                        <a:effectLst/>
+                      </a:endParaRPr>
+                    </a:p>
+                    <a:p>
+                      <a:pPr marL="0" marR="0" algn="just">
+                        <a:spcBef>
+                          <a:spcPts val="600"/>
+                        </a:spcBef>
+                        <a:spcAft>
+                          <a:spcPts val="300"/>
+                        </a:spcAft>
+                      </a:pPr>
+                      <a:r>
+                        <a:rPr lang="en-GB" sz="1000" dirty="0">
+                          <a:effectLst/>
+                        </a:rPr>
+                        <a:t>Although prediction engine requires a high computational load, the system response time should not be adversely impacted when the prediction algorithm is running.</a:t>
+                      </a:r>
+                      <a:endParaRPr lang="en-US" sz="1000" dirty="0">
+                        <a:effectLst/>
+                        <a:latin typeface="Times New Roman" panose="02020603050405020304" pitchFamily="18" charset="0"/>
+                        <a:ea typeface="Times New Roman" panose="02020603050405020304" pitchFamily="18" charset="0"/>
+                      </a:endParaRPr>
+                    </a:p>
+                  </a:txBody>
+                  <a:tcPr marL="40956" marR="40956" marT="0" marB="0"/>
+                </a:tc>
+              </a:tr>
+              <a:tr h="1061443">
+                <a:tc>
+                  <a:txBody>
+                    <a:bodyPr/>
+                    <a:lstStyle/>
+                    <a:p>
+                      <a:pPr marL="0" marR="0" algn="just">
+                        <a:spcBef>
+                          <a:spcPts val="600"/>
+                        </a:spcBef>
+                        <a:spcAft>
+                          <a:spcPts val="300"/>
+                        </a:spcAft>
+                      </a:pPr>
+                      <a:r>
+                        <a:rPr lang="en-GB" sz="1000">
+                          <a:effectLst/>
+                        </a:rPr>
+                        <a:t>2.</a:t>
+                      </a:r>
+                      <a:endParaRPr lang="en-US" sz="1000">
+                        <a:effectLst/>
+                        <a:latin typeface="Times New Roman" panose="02020603050405020304" pitchFamily="18" charset="0"/>
+                        <a:ea typeface="Times New Roman" panose="02020603050405020304" pitchFamily="18" charset="0"/>
+                      </a:endParaRPr>
+                    </a:p>
+                  </a:txBody>
+                  <a:tcPr marL="40956" marR="40956" marT="0" marB="0"/>
+                </a:tc>
+                <a:tc>
+                  <a:txBody>
+                    <a:bodyPr/>
+                    <a:lstStyle/>
+                    <a:p>
+                      <a:pPr marL="0" marR="0" algn="just">
+                        <a:spcBef>
+                          <a:spcPts val="600"/>
+                        </a:spcBef>
+                        <a:spcAft>
+                          <a:spcPts val="300"/>
+                        </a:spcAft>
+                      </a:pPr>
+                      <a:r>
+                        <a:rPr lang="en-GB" sz="1000">
+                          <a:effectLst/>
+                        </a:rPr>
+                        <a:t>Sales and Customer Billing System (SCBS)</a:t>
+                      </a:r>
+                      <a:endParaRPr lang="en-US" sz="1000">
+                        <a:effectLst/>
+                        <a:latin typeface="Times New Roman" panose="02020603050405020304" pitchFamily="18" charset="0"/>
+                        <a:ea typeface="Times New Roman" panose="02020603050405020304" pitchFamily="18" charset="0"/>
+                      </a:endParaRPr>
+                    </a:p>
+                  </a:txBody>
+                  <a:tcPr marL="40956" marR="40956" marT="0" marB="0"/>
+                </a:tc>
+                <a:tc>
+                  <a:txBody>
+                    <a:bodyPr/>
+                    <a:lstStyle/>
+                    <a:p>
+                      <a:pPr marL="0" marR="0" algn="just">
+                        <a:spcBef>
+                          <a:spcPts val="600"/>
+                        </a:spcBef>
+                        <a:spcAft>
+                          <a:spcPts val="300"/>
+                        </a:spcAft>
+                      </a:pPr>
+                      <a:r>
+                        <a:rPr lang="en-GB" sz="1000">
+                          <a:effectLst/>
+                        </a:rPr>
+                        <a:t>Provides quotation details, order details, and sales summary to Sales Team.</a:t>
+                      </a:r>
+                      <a:endParaRPr lang="en-US" sz="1000">
+                        <a:effectLst/>
+                      </a:endParaRPr>
+                    </a:p>
+                    <a:p>
+                      <a:pPr marL="0" marR="0" algn="just">
+                        <a:spcBef>
+                          <a:spcPts val="600"/>
+                        </a:spcBef>
+                        <a:spcAft>
+                          <a:spcPts val="300"/>
+                        </a:spcAft>
+                      </a:pPr>
+                      <a:r>
+                        <a:rPr lang="en-GB" sz="1000">
+                          <a:effectLst/>
+                        </a:rPr>
+                        <a:t>Allows Order Processing administrator to requests for the customer to be billed.</a:t>
+                      </a:r>
+                      <a:endParaRPr lang="en-US" sz="1000">
+                        <a:effectLst/>
+                        <a:latin typeface="Times New Roman" panose="02020603050405020304" pitchFamily="18" charset="0"/>
+                        <a:ea typeface="Times New Roman" panose="02020603050405020304" pitchFamily="18" charset="0"/>
+                      </a:endParaRPr>
+                    </a:p>
+                  </a:txBody>
+                  <a:tcPr marL="40956" marR="40956" marT="0" marB="0"/>
+                </a:tc>
+                <a:tc>
+                  <a:txBody>
+                    <a:bodyPr/>
+                    <a:lstStyle/>
+                    <a:p>
+                      <a:pPr marL="0" marR="0" algn="just">
+                        <a:spcBef>
+                          <a:spcPts val="600"/>
+                        </a:spcBef>
+                        <a:spcAft>
+                          <a:spcPts val="300"/>
+                        </a:spcAft>
+                      </a:pPr>
+                      <a:r>
+                        <a:rPr lang="en-GB" sz="1000" dirty="0">
+                          <a:effectLst/>
+                        </a:rPr>
+                        <a:t>Sales Team</a:t>
+                      </a:r>
+                      <a:endParaRPr lang="en-US" sz="1000" dirty="0">
+                        <a:effectLst/>
+                      </a:endParaRPr>
+                    </a:p>
+                    <a:p>
+                      <a:pPr marL="0" marR="0" algn="just">
+                        <a:spcBef>
+                          <a:spcPts val="600"/>
+                        </a:spcBef>
+                        <a:spcAft>
+                          <a:spcPts val="300"/>
+                        </a:spcAft>
+                      </a:pPr>
+                      <a:r>
+                        <a:rPr lang="en-GB" sz="1000" dirty="0">
+                          <a:effectLst/>
+                        </a:rPr>
+                        <a:t>and</a:t>
+                      </a:r>
+                      <a:endParaRPr lang="en-US" sz="1000" dirty="0">
+                        <a:effectLst/>
+                      </a:endParaRPr>
+                    </a:p>
+                    <a:p>
+                      <a:pPr marL="0" marR="0" algn="just">
+                        <a:spcBef>
+                          <a:spcPts val="600"/>
+                        </a:spcBef>
+                        <a:spcAft>
+                          <a:spcPts val="300"/>
+                        </a:spcAft>
+                      </a:pPr>
+                      <a:r>
+                        <a:rPr lang="en-GB" sz="1000" dirty="0">
+                          <a:effectLst/>
+                        </a:rPr>
+                        <a:t>Order Processing Administrator</a:t>
+                      </a:r>
+                      <a:endParaRPr lang="en-US" sz="1000" dirty="0">
+                        <a:effectLst/>
+                        <a:latin typeface="Times New Roman" panose="02020603050405020304" pitchFamily="18" charset="0"/>
+                        <a:ea typeface="Times New Roman" panose="02020603050405020304" pitchFamily="18" charset="0"/>
+                      </a:endParaRPr>
+                    </a:p>
+                  </a:txBody>
+                  <a:tcPr marL="40956" marR="40956" marT="0" marB="0"/>
+                </a:tc>
+                <a:tc>
+                  <a:txBody>
+                    <a:bodyPr/>
+                    <a:lstStyle/>
+                    <a:p>
+                      <a:pPr marL="0" marR="0" algn="just">
+                        <a:spcBef>
+                          <a:spcPts val="600"/>
+                        </a:spcBef>
+                        <a:spcAft>
+                          <a:spcPts val="300"/>
+                        </a:spcAft>
+                      </a:pPr>
+                      <a:r>
+                        <a:rPr lang="en-GB" sz="1000" dirty="0">
+                          <a:effectLst/>
+                        </a:rPr>
+                        <a:t>Ensure 24x7 operations, high level redundancies.</a:t>
+                      </a:r>
+                      <a:endParaRPr lang="en-US" sz="1000" dirty="0">
+                        <a:effectLst/>
+                      </a:endParaRPr>
+                    </a:p>
+                    <a:p>
+                      <a:pPr marL="0" marR="0" algn="just">
+                        <a:spcBef>
+                          <a:spcPts val="600"/>
+                        </a:spcBef>
+                        <a:spcAft>
+                          <a:spcPts val="300"/>
+                        </a:spcAft>
+                      </a:pPr>
+                      <a:r>
+                        <a:rPr lang="en-GB" sz="1000" dirty="0">
+                          <a:effectLst/>
+                        </a:rPr>
+                        <a:t>Application processing and data management are to be hosted on separate servers.</a:t>
+                      </a:r>
+                      <a:endParaRPr lang="en-US" sz="1000" dirty="0">
+                        <a:effectLst/>
+                        <a:latin typeface="Times New Roman" panose="02020603050405020304" pitchFamily="18" charset="0"/>
+                        <a:ea typeface="Times New Roman" panose="02020603050405020304" pitchFamily="18" charset="0"/>
+                      </a:endParaRPr>
+                    </a:p>
+                  </a:txBody>
+                  <a:tcPr marL="40956" marR="40956" marT="0" marB="0"/>
+                </a:tc>
+              </a:tr>
+              <a:tr h="615511">
+                <a:tc>
+                  <a:txBody>
+                    <a:bodyPr/>
+                    <a:lstStyle/>
+                    <a:p>
+                      <a:pPr marL="0" marR="0" algn="just">
+                        <a:spcBef>
+                          <a:spcPts val="600"/>
+                        </a:spcBef>
+                        <a:spcAft>
+                          <a:spcPts val="300"/>
+                        </a:spcAft>
+                      </a:pPr>
+                      <a:r>
+                        <a:rPr lang="en-GB" sz="1000">
+                          <a:effectLst/>
+                        </a:rPr>
+                        <a:t>3.</a:t>
+                      </a:r>
+                      <a:endParaRPr lang="en-US" sz="1000">
+                        <a:effectLst/>
+                        <a:latin typeface="Times New Roman" panose="02020603050405020304" pitchFamily="18" charset="0"/>
+                        <a:ea typeface="Times New Roman" panose="02020603050405020304" pitchFamily="18" charset="0"/>
+                      </a:endParaRPr>
+                    </a:p>
+                  </a:txBody>
+                  <a:tcPr marL="40956" marR="40956" marT="0" marB="0"/>
+                </a:tc>
+                <a:tc>
+                  <a:txBody>
+                    <a:bodyPr/>
+                    <a:lstStyle/>
+                    <a:p>
+                      <a:pPr marL="0" marR="0" algn="just">
+                        <a:spcBef>
+                          <a:spcPts val="600"/>
+                        </a:spcBef>
+                        <a:spcAft>
+                          <a:spcPts val="300"/>
+                        </a:spcAft>
+                      </a:pPr>
+                      <a:r>
+                        <a:rPr lang="en-GB" sz="1000">
+                          <a:effectLst/>
+                        </a:rPr>
+                        <a:t>Integrated Reporting System (IRS)</a:t>
+                      </a:r>
+                      <a:endParaRPr lang="en-US" sz="1000">
+                        <a:effectLst/>
+                        <a:latin typeface="Times New Roman" panose="02020603050405020304" pitchFamily="18" charset="0"/>
+                        <a:ea typeface="Times New Roman" panose="02020603050405020304" pitchFamily="18" charset="0"/>
+                      </a:endParaRPr>
+                    </a:p>
+                  </a:txBody>
+                  <a:tcPr marL="40956" marR="40956" marT="0" marB="0"/>
+                </a:tc>
+                <a:tc>
+                  <a:txBody>
+                    <a:bodyPr/>
+                    <a:lstStyle/>
+                    <a:p>
+                      <a:pPr marL="0" marR="0" algn="just">
+                        <a:spcBef>
+                          <a:spcPts val="600"/>
+                        </a:spcBef>
+                        <a:spcAft>
+                          <a:spcPts val="300"/>
+                        </a:spcAft>
+                      </a:pPr>
+                      <a:r>
+                        <a:rPr lang="en-GB" sz="1000">
+                          <a:effectLst/>
+                        </a:rPr>
+                        <a:t>Provides reports by collecting data from various applications.</a:t>
+                      </a:r>
+                      <a:endParaRPr lang="en-US" sz="1000">
+                        <a:effectLst/>
+                        <a:latin typeface="Times New Roman" panose="02020603050405020304" pitchFamily="18" charset="0"/>
+                        <a:ea typeface="Times New Roman" panose="02020603050405020304" pitchFamily="18" charset="0"/>
+                      </a:endParaRPr>
+                    </a:p>
+                  </a:txBody>
+                  <a:tcPr marL="40956" marR="40956" marT="0" marB="0"/>
+                </a:tc>
+                <a:tc>
+                  <a:txBody>
+                    <a:bodyPr/>
+                    <a:lstStyle/>
+                    <a:p>
+                      <a:pPr marL="0" marR="0" algn="just">
+                        <a:spcBef>
+                          <a:spcPts val="600"/>
+                        </a:spcBef>
+                        <a:spcAft>
+                          <a:spcPts val="300"/>
+                        </a:spcAft>
+                      </a:pPr>
+                      <a:r>
+                        <a:rPr lang="en-GB" sz="1000">
+                          <a:effectLst/>
+                        </a:rPr>
+                        <a:t>Management Team</a:t>
+                      </a:r>
+                      <a:endParaRPr lang="en-US" sz="1000">
+                        <a:effectLst/>
+                        <a:latin typeface="Times New Roman" panose="02020603050405020304" pitchFamily="18" charset="0"/>
+                        <a:ea typeface="Times New Roman" panose="02020603050405020304" pitchFamily="18" charset="0"/>
+                      </a:endParaRPr>
+                    </a:p>
+                  </a:txBody>
+                  <a:tcPr marL="40956" marR="40956" marT="0" marB="0"/>
+                </a:tc>
+                <a:tc>
+                  <a:txBody>
+                    <a:bodyPr/>
+                    <a:lstStyle/>
+                    <a:p>
+                      <a:pPr marL="0" marR="0" algn="just">
+                        <a:spcBef>
+                          <a:spcPts val="600"/>
+                        </a:spcBef>
+                        <a:spcAft>
+                          <a:spcPts val="300"/>
+                        </a:spcAft>
+                      </a:pPr>
+                      <a:r>
+                        <a:rPr lang="en-GB" sz="1000">
+                          <a:effectLst/>
+                        </a:rPr>
+                        <a:t>Collecting data for report generation should not affect the other application operation.</a:t>
+                      </a:r>
+                      <a:endParaRPr lang="en-US" sz="1000">
+                        <a:effectLst/>
+                        <a:latin typeface="Times New Roman" panose="02020603050405020304" pitchFamily="18" charset="0"/>
+                        <a:ea typeface="Times New Roman" panose="02020603050405020304" pitchFamily="18" charset="0"/>
+                      </a:endParaRPr>
+                    </a:p>
+                  </a:txBody>
+                  <a:tcPr marL="40956" marR="40956" marT="0" marB="0"/>
+                </a:tc>
+              </a:tr>
+              <a:tr h="351720">
+                <a:tc>
+                  <a:txBody>
+                    <a:bodyPr/>
+                    <a:lstStyle/>
+                    <a:p>
+                      <a:pPr marL="0" marR="0" algn="just">
+                        <a:spcBef>
+                          <a:spcPts val="600"/>
+                        </a:spcBef>
+                        <a:spcAft>
+                          <a:spcPts val="300"/>
+                        </a:spcAft>
+                      </a:pPr>
+                      <a:r>
+                        <a:rPr lang="en-GB" sz="1000">
+                          <a:effectLst/>
+                        </a:rPr>
+                        <a:t>4.</a:t>
+                      </a:r>
+                      <a:endParaRPr lang="en-US" sz="1000">
+                        <a:effectLst/>
+                        <a:latin typeface="Times New Roman" panose="02020603050405020304" pitchFamily="18" charset="0"/>
+                        <a:ea typeface="Times New Roman" panose="02020603050405020304" pitchFamily="18" charset="0"/>
+                      </a:endParaRPr>
+                    </a:p>
+                  </a:txBody>
+                  <a:tcPr marL="40956" marR="40956" marT="0" marB="0"/>
+                </a:tc>
+                <a:tc>
+                  <a:txBody>
+                    <a:bodyPr/>
+                    <a:lstStyle/>
+                    <a:p>
+                      <a:pPr marL="0" marR="0" algn="just">
+                        <a:spcBef>
+                          <a:spcPts val="600"/>
+                        </a:spcBef>
+                        <a:spcAft>
+                          <a:spcPts val="300"/>
+                        </a:spcAft>
+                      </a:pPr>
+                      <a:r>
+                        <a:rPr lang="en-GB" sz="1000">
+                          <a:effectLst/>
+                        </a:rPr>
+                        <a:t>ShipTrack System (ST)</a:t>
+                      </a:r>
+                      <a:endParaRPr lang="en-US" sz="1000">
+                        <a:effectLst/>
+                        <a:latin typeface="Times New Roman" panose="02020603050405020304" pitchFamily="18" charset="0"/>
+                        <a:ea typeface="Times New Roman" panose="02020603050405020304" pitchFamily="18" charset="0"/>
+                      </a:endParaRPr>
+                    </a:p>
+                  </a:txBody>
+                  <a:tcPr marL="40956" marR="40956" marT="0" marB="0"/>
+                </a:tc>
+                <a:tc>
+                  <a:txBody>
+                    <a:bodyPr/>
+                    <a:lstStyle/>
+                    <a:p>
+                      <a:pPr marL="0" marR="0" algn="just">
+                        <a:spcBef>
+                          <a:spcPts val="600"/>
+                        </a:spcBef>
+                        <a:spcAft>
+                          <a:spcPts val="300"/>
+                        </a:spcAft>
+                      </a:pPr>
+                      <a:r>
+                        <a:rPr lang="en-GB" sz="1000">
+                          <a:effectLst/>
+                        </a:rPr>
+                        <a:t>Maintain shipment details, provides shipment information.</a:t>
+                      </a:r>
+                      <a:endParaRPr lang="en-US" sz="1000">
+                        <a:effectLst/>
+                        <a:latin typeface="Times New Roman" panose="02020603050405020304" pitchFamily="18" charset="0"/>
+                        <a:ea typeface="Times New Roman" panose="02020603050405020304" pitchFamily="18" charset="0"/>
+                      </a:endParaRPr>
+                    </a:p>
+                  </a:txBody>
+                  <a:tcPr marL="40956" marR="40956" marT="0" marB="0"/>
+                </a:tc>
+                <a:tc>
+                  <a:txBody>
+                    <a:bodyPr/>
+                    <a:lstStyle/>
+                    <a:p>
+                      <a:pPr marL="0" marR="0" algn="just">
+                        <a:spcBef>
+                          <a:spcPts val="600"/>
+                        </a:spcBef>
+                        <a:spcAft>
+                          <a:spcPts val="300"/>
+                        </a:spcAft>
+                      </a:pPr>
+                      <a:r>
+                        <a:rPr lang="en-GB" sz="1000">
+                          <a:effectLst/>
+                        </a:rPr>
+                        <a:t>Container Management Team</a:t>
+                      </a:r>
+                      <a:endParaRPr lang="en-US" sz="1000">
+                        <a:effectLst/>
+                        <a:latin typeface="Times New Roman" panose="02020603050405020304" pitchFamily="18" charset="0"/>
+                        <a:ea typeface="Times New Roman" panose="02020603050405020304" pitchFamily="18" charset="0"/>
+                      </a:endParaRPr>
+                    </a:p>
+                  </a:txBody>
+                  <a:tcPr marL="40956" marR="40956" marT="0" marB="0"/>
+                </a:tc>
+                <a:tc>
+                  <a:txBody>
+                    <a:bodyPr/>
+                    <a:lstStyle/>
+                    <a:p>
+                      <a:pPr marL="0" marR="0" algn="just">
+                        <a:spcBef>
+                          <a:spcPts val="600"/>
+                        </a:spcBef>
+                        <a:spcAft>
+                          <a:spcPts val="300"/>
+                        </a:spcAft>
+                      </a:pPr>
+                      <a:r>
+                        <a:rPr lang="en-GB" sz="1000">
+                          <a:effectLst/>
+                        </a:rPr>
+                        <a:t> </a:t>
+                      </a:r>
+                      <a:endParaRPr lang="en-US" sz="1000">
+                        <a:effectLst/>
+                        <a:latin typeface="Times New Roman" panose="02020603050405020304" pitchFamily="18" charset="0"/>
+                        <a:ea typeface="Times New Roman" panose="02020603050405020304" pitchFamily="18" charset="0"/>
+                      </a:endParaRPr>
+                    </a:p>
+                  </a:txBody>
+                  <a:tcPr marL="40956" marR="40956" marT="0" marB="0"/>
+                </a:tc>
+              </a:tr>
+              <a:tr h="454630">
+                <a:tc>
+                  <a:txBody>
+                    <a:bodyPr/>
+                    <a:lstStyle/>
+                    <a:p>
+                      <a:pPr marL="0" marR="0" algn="just">
+                        <a:spcBef>
+                          <a:spcPts val="600"/>
+                        </a:spcBef>
+                        <a:spcAft>
+                          <a:spcPts val="300"/>
+                        </a:spcAft>
+                      </a:pPr>
+                      <a:r>
+                        <a:rPr lang="en-GB" sz="1000">
+                          <a:effectLst/>
+                        </a:rPr>
+                        <a:t>5.</a:t>
+                      </a:r>
+                      <a:endParaRPr lang="en-US" sz="1000">
+                        <a:effectLst/>
+                        <a:latin typeface="Times New Roman" panose="02020603050405020304" pitchFamily="18" charset="0"/>
+                        <a:ea typeface="Times New Roman" panose="02020603050405020304" pitchFamily="18" charset="0"/>
+                      </a:endParaRPr>
+                    </a:p>
+                  </a:txBody>
+                  <a:tcPr marL="40956" marR="40956" marT="0" marB="0"/>
+                </a:tc>
+                <a:tc>
+                  <a:txBody>
+                    <a:bodyPr/>
+                    <a:lstStyle/>
+                    <a:p>
+                      <a:pPr marL="0" marR="0" algn="just">
+                        <a:spcBef>
+                          <a:spcPts val="600"/>
+                        </a:spcBef>
+                        <a:spcAft>
+                          <a:spcPts val="300"/>
+                        </a:spcAft>
+                      </a:pPr>
+                      <a:r>
+                        <a:rPr lang="en-GB" sz="1000">
+                          <a:effectLst/>
+                        </a:rPr>
+                        <a:t>Account and Financial Information System (AFIS)</a:t>
+                      </a:r>
+                      <a:endParaRPr lang="en-US" sz="1000">
+                        <a:effectLst/>
+                        <a:latin typeface="Times New Roman" panose="02020603050405020304" pitchFamily="18" charset="0"/>
+                        <a:ea typeface="Times New Roman" panose="02020603050405020304" pitchFamily="18" charset="0"/>
+                      </a:endParaRPr>
+                    </a:p>
+                  </a:txBody>
+                  <a:tcPr marL="40956" marR="40956" marT="0" marB="0"/>
+                </a:tc>
+                <a:tc>
+                  <a:txBody>
+                    <a:bodyPr/>
+                    <a:lstStyle/>
+                    <a:p>
+                      <a:pPr marL="0" marR="0" algn="just">
+                        <a:spcBef>
+                          <a:spcPts val="600"/>
+                        </a:spcBef>
+                        <a:spcAft>
+                          <a:spcPts val="300"/>
+                        </a:spcAft>
+                      </a:pPr>
+                      <a:r>
+                        <a:rPr lang="en-GB" sz="1000">
+                          <a:effectLst/>
+                        </a:rPr>
+                        <a:t>Keep track of account and financial information.</a:t>
+                      </a:r>
+                      <a:endParaRPr lang="en-US" sz="1000">
+                        <a:effectLst/>
+                        <a:latin typeface="Times New Roman" panose="02020603050405020304" pitchFamily="18" charset="0"/>
+                        <a:ea typeface="Times New Roman" panose="02020603050405020304" pitchFamily="18" charset="0"/>
+                      </a:endParaRPr>
+                    </a:p>
+                  </a:txBody>
+                  <a:tcPr marL="40956" marR="40956" marT="0" marB="0"/>
+                </a:tc>
+                <a:tc>
+                  <a:txBody>
+                    <a:bodyPr/>
+                    <a:lstStyle/>
+                    <a:p>
+                      <a:pPr marL="0" marR="0" algn="just">
+                        <a:spcBef>
+                          <a:spcPts val="600"/>
+                        </a:spcBef>
+                        <a:spcAft>
+                          <a:spcPts val="300"/>
+                        </a:spcAft>
+                      </a:pPr>
+                      <a:r>
+                        <a:rPr lang="en-GB" sz="1000">
+                          <a:effectLst/>
+                        </a:rPr>
+                        <a:t>Finance and Account Team</a:t>
+                      </a:r>
+                      <a:endParaRPr lang="en-US" sz="1000">
+                        <a:effectLst/>
+                        <a:latin typeface="Times New Roman" panose="02020603050405020304" pitchFamily="18" charset="0"/>
+                        <a:ea typeface="Times New Roman" panose="02020603050405020304" pitchFamily="18" charset="0"/>
+                      </a:endParaRPr>
+                    </a:p>
+                  </a:txBody>
+                  <a:tcPr marL="40956" marR="40956" marT="0" marB="0"/>
+                </a:tc>
+                <a:tc>
+                  <a:txBody>
+                    <a:bodyPr/>
+                    <a:lstStyle/>
+                    <a:p>
+                      <a:pPr marL="0" marR="0" algn="just">
+                        <a:spcBef>
+                          <a:spcPts val="600"/>
+                        </a:spcBef>
+                        <a:spcAft>
+                          <a:spcPts val="300"/>
+                        </a:spcAft>
+                      </a:pPr>
+                      <a:r>
+                        <a:rPr lang="en-GB" sz="1000">
+                          <a:effectLst/>
+                        </a:rPr>
+                        <a:t>It has adapters for MQ series and a Java API which never been used before.</a:t>
+                      </a:r>
+                      <a:endParaRPr lang="en-US" sz="1000">
+                        <a:effectLst/>
+                        <a:latin typeface="Times New Roman" panose="02020603050405020304" pitchFamily="18" charset="0"/>
+                        <a:ea typeface="Times New Roman" panose="02020603050405020304" pitchFamily="18" charset="0"/>
+                      </a:endParaRPr>
+                    </a:p>
+                  </a:txBody>
+                  <a:tcPr marL="40956" marR="40956" marT="0" marB="0"/>
+                </a:tc>
+              </a:tr>
+              <a:tr h="454630">
+                <a:tc>
+                  <a:txBody>
+                    <a:bodyPr/>
+                    <a:lstStyle/>
+                    <a:p>
+                      <a:pPr marL="0" marR="0" algn="just">
+                        <a:spcBef>
+                          <a:spcPts val="600"/>
+                        </a:spcBef>
+                        <a:spcAft>
+                          <a:spcPts val="300"/>
+                        </a:spcAft>
+                      </a:pPr>
+                      <a:r>
+                        <a:rPr lang="en-GB" sz="1000">
+                          <a:effectLst/>
+                        </a:rPr>
+                        <a:t>6.</a:t>
+                      </a:r>
+                      <a:endParaRPr lang="en-US" sz="1000">
+                        <a:effectLst/>
+                        <a:latin typeface="Times New Roman" panose="02020603050405020304" pitchFamily="18" charset="0"/>
+                        <a:ea typeface="Times New Roman" panose="02020603050405020304" pitchFamily="18" charset="0"/>
+                      </a:endParaRPr>
+                    </a:p>
+                  </a:txBody>
+                  <a:tcPr marL="40956" marR="40956" marT="0" marB="0"/>
+                </a:tc>
+                <a:tc>
+                  <a:txBody>
+                    <a:bodyPr/>
+                    <a:lstStyle/>
+                    <a:p>
+                      <a:pPr marL="0" marR="0" algn="just">
+                        <a:spcBef>
+                          <a:spcPts val="600"/>
+                        </a:spcBef>
+                        <a:spcAft>
+                          <a:spcPts val="300"/>
+                        </a:spcAft>
+                      </a:pPr>
+                      <a:r>
+                        <a:rPr lang="en-GB" sz="1000">
+                          <a:effectLst/>
+                        </a:rPr>
+                        <a:t>Human Resource System (HRS)</a:t>
+                      </a:r>
+                      <a:endParaRPr lang="en-US" sz="1000">
+                        <a:effectLst/>
+                        <a:latin typeface="Times New Roman" panose="02020603050405020304" pitchFamily="18" charset="0"/>
+                        <a:ea typeface="Times New Roman" panose="02020603050405020304" pitchFamily="18" charset="0"/>
+                      </a:endParaRPr>
+                    </a:p>
+                  </a:txBody>
+                  <a:tcPr marL="40956" marR="40956" marT="0" marB="0"/>
+                </a:tc>
+                <a:tc>
+                  <a:txBody>
+                    <a:bodyPr/>
+                    <a:lstStyle/>
+                    <a:p>
+                      <a:pPr marL="0" marR="0" algn="just">
+                        <a:spcBef>
+                          <a:spcPts val="600"/>
+                        </a:spcBef>
+                        <a:spcAft>
+                          <a:spcPts val="300"/>
+                        </a:spcAft>
+                      </a:pPr>
+                      <a:r>
+                        <a:rPr lang="en-GB" sz="1000">
+                          <a:effectLst/>
+                        </a:rPr>
+                        <a:t>Keep track HR related data.</a:t>
+                      </a:r>
+                      <a:endParaRPr lang="en-US" sz="1000">
+                        <a:effectLst/>
+                        <a:latin typeface="Times New Roman" panose="02020603050405020304" pitchFamily="18" charset="0"/>
+                        <a:ea typeface="Times New Roman" panose="02020603050405020304" pitchFamily="18" charset="0"/>
+                      </a:endParaRPr>
+                    </a:p>
+                  </a:txBody>
+                  <a:tcPr marL="40956" marR="40956" marT="0" marB="0"/>
+                </a:tc>
+                <a:tc>
+                  <a:txBody>
+                    <a:bodyPr/>
+                    <a:lstStyle/>
+                    <a:p>
+                      <a:pPr marL="0" marR="0" algn="just">
+                        <a:spcBef>
+                          <a:spcPts val="600"/>
+                        </a:spcBef>
+                        <a:spcAft>
+                          <a:spcPts val="300"/>
+                        </a:spcAft>
+                      </a:pPr>
+                      <a:r>
+                        <a:rPr lang="en-GB" sz="1000">
+                          <a:effectLst/>
+                        </a:rPr>
+                        <a:t>HR Team</a:t>
+                      </a:r>
+                      <a:endParaRPr lang="en-US" sz="1000">
+                        <a:effectLst/>
+                        <a:latin typeface="Times New Roman" panose="02020603050405020304" pitchFamily="18" charset="0"/>
+                        <a:ea typeface="Times New Roman" panose="02020603050405020304" pitchFamily="18" charset="0"/>
+                      </a:endParaRPr>
+                    </a:p>
+                  </a:txBody>
+                  <a:tcPr marL="40956" marR="40956" marT="0" marB="0"/>
+                </a:tc>
+                <a:tc>
+                  <a:txBody>
+                    <a:bodyPr/>
+                    <a:lstStyle/>
+                    <a:p>
+                      <a:pPr marL="0" marR="0" algn="just">
+                        <a:spcBef>
+                          <a:spcPts val="600"/>
+                        </a:spcBef>
+                        <a:spcAft>
+                          <a:spcPts val="300"/>
+                        </a:spcAft>
+                      </a:pPr>
+                      <a:r>
+                        <a:rPr lang="en-GB" sz="1000" dirty="0">
+                          <a:effectLst/>
+                        </a:rPr>
+                        <a:t>It has adapters for MQ series and a Java API which never been used before.</a:t>
+                      </a:r>
+                      <a:endParaRPr lang="en-US" sz="1000" dirty="0">
+                        <a:effectLst/>
+                        <a:latin typeface="Times New Roman" panose="02020603050405020304" pitchFamily="18" charset="0"/>
+                        <a:ea typeface="Times New Roman" panose="02020603050405020304" pitchFamily="18" charset="0"/>
+                      </a:endParaRPr>
+                    </a:p>
+                  </a:txBody>
+                  <a:tcPr marL="40956" marR="40956" marT="0" marB="0"/>
+                </a:tc>
+              </a:tr>
+            </a:tbl>
+          </a:graphicData>
+        </a:graphic>
+      </p:graphicFrame>
+    </p:spTree>
+  </p:cSld>
+  <p:clrMapOvr>
+    <a:masterClrMapping/>
+  </p:clrMapOvr>
+  <p:timing>
+    <p:tnLst>
+      <p:par>
+        <p:cTn id="1" dur="indefinite" restart="never" nodeType="tmRoot"/>
+      </p:par>
+    </p:tnLst>
+  </p:timing>
+</p:sld>
+</file>
+
+<file path=ppt/slides/slide29.xml><?xml version="1.0" encoding="utf-8"?>
+<p:sld xmlns:a="http://schemas.openxmlformats.org/drawingml/2006/main" xmlns:r="http://schemas.openxmlformats.org/officeDocument/2006/relationships" xmlns:p="http://schemas.openxmlformats.org/presentationml/2006/main">
+  <p:cSld>
+    <p:spTree>
+      <p:nvGrpSpPr>
+        <p:cNvPr id="1" name=""/>
+        <p:cNvGrpSpPr/>
+        <p:nvPr/>
+      </p:nvGrpSpPr>
+      <p:grpSpPr>
+        <a:xfrm>
+          <a:off x="0" y="0"/>
+          <a:ext cx="0" cy="0"/>
+          <a:chOff x="0" y="0"/>
+          <a:chExt cx="0" cy="0"/>
+        </a:xfrm>
+      </p:grpSpPr>
+      <p:sp>
+        <p:nvSpPr>
+          <p:cNvPr id="43075" name="Title 1"/>
+          <p:cNvSpPr txBox="1">
+            <a:spLocks/>
+          </p:cNvSpPr>
+          <p:nvPr/>
+        </p:nvSpPr>
+        <p:spPr bwMode="auto">
+          <a:xfrm>
+            <a:off x="457200" y="152400"/>
+            <a:ext cx="8229600" cy="684213"/>
+          </a:xfrm>
+          <a:prstGeom prst="rect">
+            <a:avLst/>
+          </a:prstGeom>
+          <a:noFill/>
+          <a:ln w="9525">
+            <a:noFill/>
+            <a:miter lim="800000"/>
+            <a:headEnd/>
+            <a:tailEnd/>
+          </a:ln>
+        </p:spPr>
+        <p:txBody>
+          <a:bodyPr/>
+          <a:lstStyle/>
+          <a:p>
+            <a:r>
+              <a:rPr lang="en-SG" sz="3200" dirty="0" smtClean="0">
+                <a:solidFill>
+                  <a:schemeClr val="tx2"/>
+                </a:solidFill>
+                <a:latin typeface="Bookman Old Style" pitchFamily="18" charset="0"/>
+              </a:rPr>
+              <a:t>Target Application Portfolio </a:t>
+            </a:r>
+            <a:r>
+              <a:rPr lang="en-SG" sz="3200" dirty="0" err="1" smtClean="0">
+                <a:solidFill>
+                  <a:schemeClr val="tx2"/>
+                </a:solidFill>
+                <a:latin typeface="Bookman Old Style" pitchFamily="18" charset="0"/>
+              </a:rPr>
+              <a:t>Catalog</a:t>
+            </a:r>
+            <a:endParaRPr lang="en-SG" sz="3200" dirty="0">
+              <a:solidFill>
+                <a:schemeClr val="tx2"/>
+              </a:solidFill>
+              <a:latin typeface="Bookman Old Style" pitchFamily="18" charset="0"/>
+            </a:endParaRPr>
+          </a:p>
+        </p:txBody>
+      </p:sp>
+      <p:sp>
+        <p:nvSpPr>
+          <p:cNvPr id="2" name="Rectangle 2"/>
+          <p:cNvSpPr>
+            <a:spLocks noChangeArrowheads="1"/>
+          </p:cNvSpPr>
+          <p:nvPr/>
+        </p:nvSpPr>
+        <p:spPr bwMode="auto">
+          <a:xfrm>
+            <a:off x="1115616" y="908720"/>
+            <a:ext cx="9144000" cy="0"/>
+          </a:xfrm>
+          <a:prstGeom prst="rect">
+            <a:avLst/>
+          </a:prstGeom>
+          <a:noFill/>
+          <a:ln>
+            <a:noFill/>
+          </a:ln>
+          <a:effectLst/>
+          <a:extLst>
+            <a:ext uri="{909E8E84-426E-40DD-AFC4-6F175D3DCCD1}">
+              <a14:hiddenFill xmlns:a14="http://schemas.microsoft.com/office/drawing/2010/main">
+                <a:solidFill>
+                  <a:schemeClr val="accent1"/>
+                </a:solidFill>
+              </a14:hiddenFill>
+            </a:ext>
+            <a:ext uri="{91240B29-F687-4F45-9708-019B960494DF}">
+              <a14:hiddenLine xmlns:a14="http://schemas.microsoft.com/office/drawing/2010/main" w="9525">
+                <a:solidFill>
+                  <a:schemeClr val="tx1"/>
+                </a:solidFill>
+                <a:miter lim="800000"/>
+                <a:headEnd/>
+                <a:tailEnd/>
+              </a14:hiddenLine>
+            </a:ext>
+            <a:ext uri="{AF507438-7753-43E0-B8FC-AC1667EBCBE1}">
+              <a14:hiddenEffects xmlns:a14="http://schemas.microsoft.com/office/drawing/2010/main">
+                <a:effectLst>
+                  <a:outerShdw dist="35921" dir="2700000" algn="ctr" rotWithShape="0">
+                    <a:schemeClr val="bg2"/>
+                  </a:outerShdw>
+                </a:effectLst>
+              </a14:hiddenEffects>
+            </a:ext>
+          </a:extLst>
+        </p:spPr>
+        <p:txBody>
+          <a:bodyPr vert="horz" wrap="none" lIns="91440" tIns="45720" rIns="91440" bIns="45720" numCol="1" anchor="ctr" anchorCtr="0" compatLnSpc="1">
+            <a:prstTxWarp prst="textNoShape">
+              <a:avLst/>
+            </a:prstTxWarp>
+            <a:spAutoFit/>
+          </a:bodyPr>
+          <a:lstStyle/>
+          <a:p>
+            <a:endParaRPr lang="en-US"/>
+          </a:p>
+        </p:txBody>
+      </p:sp>
+      <p:graphicFrame>
+        <p:nvGraphicFramePr>
+          <p:cNvPr id="4" name="Object 3"/>
+          <p:cNvGraphicFramePr>
+            <a:graphicFrameLocks noChangeAspect="1"/>
+          </p:cNvGraphicFramePr>
+          <p:nvPr>
+            <p:extLst>
+              <p:ext uri="{D42A27DB-BD31-4B8C-83A1-F6EECF244321}">
+                <p14:modId xmlns:p14="http://schemas.microsoft.com/office/powerpoint/2010/main" val="1104690482"/>
+              </p:ext>
+            </p:extLst>
+          </p:nvPr>
+        </p:nvGraphicFramePr>
+        <p:xfrm>
+          <a:off x="1115616" y="908720"/>
+          <a:ext cx="6010275" cy="4143375"/>
+        </p:xfrm>
+        <a:graphic>
+          <a:graphicData uri="http://schemas.openxmlformats.org/presentationml/2006/ole">
+            <mc:AlternateContent xmlns:mc="http://schemas.openxmlformats.org/markup-compatibility/2006">
+              <mc:Choice xmlns:v="urn:schemas-microsoft-com:vml" Requires="v">
+                <p:oleObj spid="_x0000_s62466" name="Visio" r:id="rId4" imgW="3876697" imgH="2667171" progId="Visio.Drawing.15">
+                  <p:embed/>
+                </p:oleObj>
+              </mc:Choice>
+              <mc:Fallback>
+                <p:oleObj name="Visio" r:id="rId4" imgW="3876697" imgH="2667171" progId="Visio.Drawing.15">
+                  <p:embed/>
+                  <p:pic>
+                    <p:nvPicPr>
+                      <p:cNvPr id="0" name=""/>
+                      <p:cNvPicPr>
+                        <a:picLocks noChangeAspect="1" noChangeArrowheads="1"/>
+                      </p:cNvPicPr>
+                      <p:nvPr/>
+                    </p:nvPicPr>
+                    <p:blipFill>
+                      <a:blip r:embed="rId5">
+                        <a:extLst>
+                          <a:ext uri="{28A0092B-C50C-407E-A947-70E740481C1C}">
+                            <a14:useLocalDpi xmlns:a14="http://schemas.microsoft.com/office/drawing/2010/main" val="0"/>
+                          </a:ext>
+                        </a:extLst>
+                      </a:blip>
+                      <a:srcRect/>
+                      <a:stretch>
+                        <a:fillRect/>
+                      </a:stretch>
+                    </p:blipFill>
+                    <p:spPr bwMode="auto">
+                      <a:xfrm>
+                        <a:off x="1115616" y="908720"/>
+                        <a:ext cx="6010275" cy="4143375"/>
+                      </a:xfrm>
+                      <a:prstGeom prst="rect">
+                        <a:avLst/>
+                      </a:prstGeom>
+                      <a:noFill/>
+                      <a:extLst>
+                        <a:ext uri="{909E8E84-426E-40DD-AFC4-6F175D3DCCD1}">
+                          <a14:hiddenFill xmlns:a14="http://schemas.microsoft.com/office/drawing/2010/main">
+                            <a:solidFill>
+                              <a:srgbClr val="FFFFFF"/>
+                            </a:solidFill>
+                          </a14:hiddenFill>
+                        </a:ext>
+                      </a:extLst>
+                    </p:spPr>
+                  </p:pic>
+                </p:oleObj>
+              </mc:Fallback>
+            </mc:AlternateContent>
+          </a:graphicData>
+        </a:graphic>
+      </p:graphicFrame>
+    </p:spTree>
+    <p:extLst>
+      <p:ext uri="{BB962C8B-B14F-4D97-AF65-F5344CB8AC3E}">
+        <p14:creationId xmlns:p14="http://schemas.microsoft.com/office/powerpoint/2010/main" val="2181150700"/>
+      </p:ext>
+    </p:extLst>
+  </p:cSld>
+  <p:clrMapOvr>
+    <a:masterClrMapping/>
+  </p:clrMapOvr>
+  <p:timing>
+    <p:tnLst>
+      <p:par>
+        <p:cTn id="1" dur="indefinite" restart="never" nodeType="tmRoot"/>
+      </p:par>
+    </p:tnLst>
+  </p:timing>
+</p:sld>
+</file>
+
+<file path=ppt/slides/slide3.xml><?xml version="1.0" encoding="utf-8"?>
+<p:sld xmlns:a="http://schemas.openxmlformats.org/drawingml/2006/main" xmlns:r="http://schemas.openxmlformats.org/officeDocument/2006/relationships" xmlns:p="http://schemas.openxmlformats.org/presentationml/2006/main">
+  <p:cSld>
+    <p:spTree>
+      <p:nvGrpSpPr>
+        <p:cNvPr id="1" name=""/>
+        <p:cNvGrpSpPr/>
+        <p:nvPr/>
+      </p:nvGrpSpPr>
+      <p:grpSpPr>
+        <a:xfrm>
+          <a:off x="0" y="0"/>
+          <a:ext cx="0" cy="0"/>
+          <a:chOff x="0" y="0"/>
+          <a:chExt cx="0" cy="0"/>
+        </a:xfrm>
+      </p:grpSpPr>
+      <p:sp>
+        <p:nvSpPr>
+          <p:cNvPr id="18433" name="Title 1"/>
+          <p:cNvSpPr>
+            <a:spLocks noGrp="1"/>
+          </p:cNvSpPr>
+          <p:nvPr>
+            <p:ph type="title"/>
+          </p:nvPr>
+        </p:nvSpPr>
+        <p:spPr/>
+        <p:txBody>
+          <a:bodyPr/>
+          <a:lstStyle/>
+          <a:p>
+            <a:pPr eaLnBrk="1" hangingPunct="1"/>
+            <a:endParaRPr lang="en-SG" smtClean="0"/>
+          </a:p>
+        </p:txBody>
+      </p:sp>
+      <p:sp>
+        <p:nvSpPr>
+          <p:cNvPr id="18434" name="Content Placeholder 2"/>
+          <p:cNvSpPr>
+            <a:spLocks noGrp="1"/>
+          </p:cNvSpPr>
+          <p:nvPr>
+            <p:ph sz="quarter" idx="1"/>
+          </p:nvPr>
+        </p:nvSpPr>
+        <p:spPr>
+          <a:xfrm>
+            <a:off x="457200" y="1219200"/>
+            <a:ext cx="8229600" cy="4937125"/>
+          </a:xfrm>
+        </p:spPr>
+        <p:txBody>
+          <a:bodyPr/>
+          <a:lstStyle/>
+          <a:p>
+            <a:pPr eaLnBrk="1" hangingPunct="1"/>
+            <a:r>
+              <a:rPr lang="en-US" dirty="0" smtClean="0"/>
+              <a:t>Architecture Vision</a:t>
+            </a:r>
+            <a:endParaRPr lang="en-SG" dirty="0" smtClean="0"/>
+          </a:p>
+        </p:txBody>
+      </p:sp>
+    </p:spTree>
+  </p:cSld>
+  <p:clrMapOvr>
+    <a:masterClrMapping/>
+  </p:clrMapOvr>
+  <p:timing>
+    <p:tnLst>
+      <p:par>
+        <p:cTn id="1" dur="indefinite" restart="never" nodeType="tmRoot"/>
+      </p:par>
+    </p:tnLst>
+  </p:timing>
+</p:sld>
+</file>
+
+<file path=ppt/slides/slide30.xml><?xml version="1.0" encoding="utf-8"?>
+<p:sld xmlns:a="http://schemas.openxmlformats.org/drawingml/2006/main" xmlns:r="http://schemas.openxmlformats.org/officeDocument/2006/relationships" xmlns:p="http://schemas.openxmlformats.org/presentationml/2006/main">
+  <p:cSld>
+    <p:spTree>
+      <p:nvGrpSpPr>
+        <p:cNvPr id="1" name=""/>
+        <p:cNvGrpSpPr/>
+        <p:nvPr/>
+      </p:nvGrpSpPr>
+      <p:grpSpPr>
+        <a:xfrm>
+          <a:off x="0" y="0"/>
+          <a:ext cx="0" cy="0"/>
+          <a:chOff x="0" y="0"/>
+          <a:chExt cx="0" cy="0"/>
+        </a:xfrm>
+      </p:grpSpPr>
+      <p:sp>
+        <p:nvSpPr>
+          <p:cNvPr id="43075" name="Title 1"/>
+          <p:cNvSpPr txBox="1">
+            <a:spLocks/>
+          </p:cNvSpPr>
+          <p:nvPr/>
+        </p:nvSpPr>
+        <p:spPr bwMode="auto">
+          <a:xfrm>
+            <a:off x="457200" y="152400"/>
+            <a:ext cx="8229600" cy="684213"/>
+          </a:xfrm>
+          <a:prstGeom prst="rect">
+            <a:avLst/>
+          </a:prstGeom>
+          <a:noFill/>
+          <a:ln w="9525">
+            <a:noFill/>
+            <a:miter lim="800000"/>
+            <a:headEnd/>
+            <a:tailEnd/>
+          </a:ln>
+        </p:spPr>
+        <p:txBody>
+          <a:bodyPr/>
+          <a:lstStyle/>
+          <a:p>
+            <a:r>
+              <a:rPr lang="en-SG" sz="3200" dirty="0" smtClean="0">
+                <a:solidFill>
+                  <a:schemeClr val="tx2"/>
+                </a:solidFill>
+                <a:latin typeface="Bookman Old Style" pitchFamily="18" charset="0"/>
+              </a:rPr>
+              <a:t>Current Application Portfolio </a:t>
+            </a:r>
+            <a:r>
+              <a:rPr lang="en-SG" sz="3200" dirty="0" err="1" smtClean="0">
+                <a:solidFill>
+                  <a:schemeClr val="tx2"/>
+                </a:solidFill>
+                <a:latin typeface="Bookman Old Style" pitchFamily="18" charset="0"/>
+              </a:rPr>
+              <a:t>Catalog</a:t>
+            </a:r>
+            <a:endParaRPr lang="en-SG" sz="3200" dirty="0">
+              <a:solidFill>
+                <a:schemeClr val="tx2"/>
+              </a:solidFill>
+              <a:latin typeface="Bookman Old Style" pitchFamily="18" charset="0"/>
+            </a:endParaRPr>
+          </a:p>
+        </p:txBody>
+      </p:sp>
+      <p:graphicFrame>
+        <p:nvGraphicFramePr>
+          <p:cNvPr id="2" name="Table 1"/>
+          <p:cNvGraphicFramePr>
+            <a:graphicFrameLocks noGrp="1"/>
+          </p:cNvGraphicFramePr>
+          <p:nvPr>
+            <p:extLst>
+              <p:ext uri="{D42A27DB-BD31-4B8C-83A1-F6EECF244321}">
+                <p14:modId xmlns:p14="http://schemas.microsoft.com/office/powerpoint/2010/main" val="411624295"/>
+              </p:ext>
+            </p:extLst>
+          </p:nvPr>
+        </p:nvGraphicFramePr>
+        <p:xfrm>
+          <a:off x="457200" y="692695"/>
+          <a:ext cx="8229600" cy="5636979"/>
+        </p:xfrm>
+        <a:graphic>
+          <a:graphicData uri="http://schemas.openxmlformats.org/drawingml/2006/table">
+            <a:tbl>
+              <a:tblPr firstRow="1" firstCol="1" bandRow="1" bandCol="1">
+                <a:tableStyleId>{5C22544A-7EE6-4342-B048-85BDC9FD1C3A}</a:tableStyleId>
+              </a:tblPr>
+              <a:tblGrid>
+                <a:gridCol w="298376"/>
+                <a:gridCol w="1358652"/>
+                <a:gridCol w="1449832"/>
+                <a:gridCol w="935932"/>
+                <a:gridCol w="2157043"/>
+                <a:gridCol w="2029765"/>
+              </a:tblGrid>
+              <a:tr h="240188">
+                <a:tc>
+                  <a:txBody>
+                    <a:bodyPr/>
+                    <a:lstStyle/>
+                    <a:p>
+                      <a:pPr marL="0" marR="0" algn="just">
+                        <a:spcBef>
+                          <a:spcPts val="600"/>
+                        </a:spcBef>
+                        <a:spcAft>
+                          <a:spcPts val="300"/>
+                        </a:spcAft>
+                      </a:pPr>
+                      <a:r>
+                        <a:rPr lang="en-GB" sz="1050" dirty="0">
+                          <a:effectLst/>
+                        </a:rPr>
+                        <a:t>No.</a:t>
+                      </a:r>
+                      <a:endParaRPr lang="en-US" sz="1050" dirty="0">
+                        <a:effectLst/>
+                        <a:latin typeface="Times New Roman" panose="02020603050405020304" pitchFamily="18" charset="0"/>
+                        <a:ea typeface="Times New Roman" panose="02020603050405020304" pitchFamily="18" charset="0"/>
+                      </a:endParaRPr>
+                    </a:p>
+                  </a:txBody>
+                  <a:tcPr marL="38629" marR="38629" marT="0" marB="0"/>
+                </a:tc>
+                <a:tc>
+                  <a:txBody>
+                    <a:bodyPr/>
+                    <a:lstStyle/>
+                    <a:p>
+                      <a:pPr marL="0" marR="0" algn="just">
+                        <a:spcBef>
+                          <a:spcPts val="600"/>
+                        </a:spcBef>
+                        <a:spcAft>
+                          <a:spcPts val="300"/>
+                        </a:spcAft>
+                      </a:pPr>
+                      <a:r>
+                        <a:rPr lang="en-GB" sz="1050">
+                          <a:effectLst/>
+                        </a:rPr>
+                        <a:t>Application Name</a:t>
+                      </a:r>
+                      <a:endParaRPr lang="en-US" sz="1050">
+                        <a:effectLst/>
+                        <a:latin typeface="Times New Roman" panose="02020603050405020304" pitchFamily="18" charset="0"/>
+                        <a:ea typeface="Times New Roman" panose="02020603050405020304" pitchFamily="18" charset="0"/>
+                      </a:endParaRPr>
+                    </a:p>
+                  </a:txBody>
+                  <a:tcPr marL="38629" marR="38629" marT="0" marB="0"/>
+                </a:tc>
+                <a:tc>
+                  <a:txBody>
+                    <a:bodyPr/>
+                    <a:lstStyle/>
+                    <a:p>
+                      <a:pPr marL="0" marR="0" algn="just">
+                        <a:spcBef>
+                          <a:spcPts val="600"/>
+                        </a:spcBef>
+                        <a:spcAft>
+                          <a:spcPts val="300"/>
+                        </a:spcAft>
+                      </a:pPr>
+                      <a:r>
+                        <a:rPr lang="en-GB" sz="1050">
+                          <a:effectLst/>
+                        </a:rPr>
+                        <a:t>Description</a:t>
+                      </a:r>
+                      <a:endParaRPr lang="en-US" sz="1050">
+                        <a:effectLst/>
+                        <a:latin typeface="Times New Roman" panose="02020603050405020304" pitchFamily="18" charset="0"/>
+                        <a:ea typeface="Times New Roman" panose="02020603050405020304" pitchFamily="18" charset="0"/>
+                      </a:endParaRPr>
+                    </a:p>
+                  </a:txBody>
+                  <a:tcPr marL="38629" marR="38629" marT="0" marB="0"/>
+                </a:tc>
+                <a:tc>
+                  <a:txBody>
+                    <a:bodyPr/>
+                    <a:lstStyle/>
+                    <a:p>
+                      <a:pPr marL="0" marR="0" algn="just">
+                        <a:spcBef>
+                          <a:spcPts val="600"/>
+                        </a:spcBef>
+                        <a:spcAft>
+                          <a:spcPts val="300"/>
+                        </a:spcAft>
+                      </a:pPr>
+                      <a:r>
+                        <a:rPr lang="en-GB" sz="1050">
+                          <a:effectLst/>
+                        </a:rPr>
+                        <a:t>Business Owner</a:t>
+                      </a:r>
+                      <a:endParaRPr lang="en-US" sz="1050">
+                        <a:effectLst/>
+                        <a:latin typeface="Times New Roman" panose="02020603050405020304" pitchFamily="18" charset="0"/>
+                        <a:ea typeface="Times New Roman" panose="02020603050405020304" pitchFamily="18" charset="0"/>
+                      </a:endParaRPr>
+                    </a:p>
+                  </a:txBody>
+                  <a:tcPr marL="38629" marR="38629" marT="0" marB="0"/>
+                </a:tc>
+                <a:tc>
+                  <a:txBody>
+                    <a:bodyPr/>
+                    <a:lstStyle/>
+                    <a:p>
+                      <a:pPr marL="0" marR="0" algn="just">
+                        <a:spcBef>
+                          <a:spcPts val="600"/>
+                        </a:spcBef>
+                        <a:spcAft>
+                          <a:spcPts val="300"/>
+                        </a:spcAft>
+                      </a:pPr>
+                      <a:r>
+                        <a:rPr lang="en-GB" sz="1050" dirty="0">
+                          <a:effectLst/>
+                        </a:rPr>
+                        <a:t>Hardware/Software Platform</a:t>
+                      </a:r>
+                      <a:endParaRPr lang="en-US" sz="1050" dirty="0">
+                        <a:effectLst/>
+                        <a:latin typeface="Times New Roman" panose="02020603050405020304" pitchFamily="18" charset="0"/>
+                        <a:ea typeface="Times New Roman" panose="02020603050405020304" pitchFamily="18" charset="0"/>
+                      </a:endParaRPr>
+                    </a:p>
+                  </a:txBody>
+                  <a:tcPr marL="38629" marR="38629" marT="0" marB="0"/>
+                </a:tc>
+                <a:tc>
+                  <a:txBody>
+                    <a:bodyPr/>
+                    <a:lstStyle/>
+                    <a:p>
+                      <a:pPr marL="0" marR="0" algn="just">
+                        <a:spcBef>
+                          <a:spcPts val="600"/>
+                        </a:spcBef>
+                        <a:spcAft>
+                          <a:spcPts val="300"/>
+                        </a:spcAft>
+                      </a:pPr>
+                      <a:r>
+                        <a:rPr lang="en-GB" sz="1050" dirty="0">
+                          <a:effectLst/>
+                        </a:rPr>
+                        <a:t>Remarks</a:t>
+                      </a:r>
+                      <a:endParaRPr lang="en-US" sz="1050" dirty="0">
+                        <a:effectLst/>
+                        <a:latin typeface="Times New Roman" panose="02020603050405020304" pitchFamily="18" charset="0"/>
+                        <a:ea typeface="Times New Roman" panose="02020603050405020304" pitchFamily="18" charset="0"/>
+                      </a:endParaRPr>
+                    </a:p>
+                  </a:txBody>
+                  <a:tcPr marL="38629" marR="38629" marT="0" marB="0"/>
+                </a:tc>
+              </a:tr>
+              <a:tr h="733649">
+                <a:tc>
+                  <a:txBody>
+                    <a:bodyPr/>
+                    <a:lstStyle/>
+                    <a:p>
+                      <a:pPr marL="0" marR="0" algn="just">
+                        <a:spcBef>
+                          <a:spcPts val="600"/>
+                        </a:spcBef>
+                        <a:spcAft>
+                          <a:spcPts val="300"/>
+                        </a:spcAft>
+                      </a:pPr>
+                      <a:r>
+                        <a:rPr lang="en-GB" sz="1050">
+                          <a:effectLst/>
+                        </a:rPr>
+                        <a:t>1.</a:t>
+                      </a:r>
+                      <a:endParaRPr lang="en-US" sz="1050">
+                        <a:effectLst/>
+                        <a:latin typeface="Times New Roman" panose="02020603050405020304" pitchFamily="18" charset="0"/>
+                        <a:ea typeface="Times New Roman" panose="02020603050405020304" pitchFamily="18" charset="0"/>
+                      </a:endParaRPr>
+                    </a:p>
+                  </a:txBody>
+                  <a:tcPr marL="38629" marR="38629" marT="0" marB="0"/>
+                </a:tc>
+                <a:tc>
+                  <a:txBody>
+                    <a:bodyPr/>
+                    <a:lstStyle/>
+                    <a:p>
+                      <a:pPr marL="0" marR="0" algn="just">
+                        <a:spcBef>
+                          <a:spcPts val="600"/>
+                        </a:spcBef>
+                        <a:spcAft>
+                          <a:spcPts val="300"/>
+                        </a:spcAft>
+                      </a:pPr>
+                      <a:r>
+                        <a:rPr lang="en-GB" sz="1050">
+                          <a:effectLst/>
+                        </a:rPr>
+                        <a:t>Vessel Movement System (VMS)</a:t>
+                      </a:r>
+                      <a:endParaRPr lang="en-US" sz="1050">
+                        <a:effectLst/>
+                        <a:latin typeface="Times New Roman" panose="02020603050405020304" pitchFamily="18" charset="0"/>
+                        <a:ea typeface="Times New Roman" panose="02020603050405020304" pitchFamily="18" charset="0"/>
+                      </a:endParaRPr>
+                    </a:p>
+                  </a:txBody>
+                  <a:tcPr marL="38629" marR="38629" marT="0" marB="0"/>
+                </a:tc>
+                <a:tc>
+                  <a:txBody>
+                    <a:bodyPr/>
+                    <a:lstStyle/>
+                    <a:p>
+                      <a:pPr marL="0" marR="0" algn="just">
+                        <a:spcBef>
+                          <a:spcPts val="600"/>
+                        </a:spcBef>
+                        <a:spcAft>
+                          <a:spcPts val="300"/>
+                        </a:spcAft>
+                      </a:pPr>
+                      <a:r>
+                        <a:rPr lang="en-GB" sz="1050">
+                          <a:effectLst/>
+                        </a:rPr>
+                        <a:t>Provides data about vessel information and availability.</a:t>
+                      </a:r>
+                      <a:endParaRPr lang="en-US" sz="1050">
+                        <a:effectLst/>
+                        <a:latin typeface="Times New Roman" panose="02020603050405020304" pitchFamily="18" charset="0"/>
+                        <a:ea typeface="Times New Roman" panose="02020603050405020304" pitchFamily="18" charset="0"/>
+                      </a:endParaRPr>
+                    </a:p>
+                  </a:txBody>
+                  <a:tcPr marL="38629" marR="38629" marT="0" marB="0"/>
+                </a:tc>
+                <a:tc>
+                  <a:txBody>
+                    <a:bodyPr/>
+                    <a:lstStyle/>
+                    <a:p>
+                      <a:pPr marL="0" marR="0" algn="just">
+                        <a:spcBef>
+                          <a:spcPts val="600"/>
+                        </a:spcBef>
+                        <a:spcAft>
+                          <a:spcPts val="300"/>
+                        </a:spcAft>
+                      </a:pPr>
+                      <a:r>
+                        <a:rPr lang="en-GB" sz="1050">
+                          <a:effectLst/>
+                        </a:rPr>
+                        <a:t>Order Processing Administrator</a:t>
+                      </a:r>
+                      <a:endParaRPr lang="en-US" sz="1050">
+                        <a:effectLst/>
+                        <a:latin typeface="Times New Roman" panose="02020603050405020304" pitchFamily="18" charset="0"/>
+                        <a:ea typeface="Times New Roman" panose="02020603050405020304" pitchFamily="18" charset="0"/>
+                      </a:endParaRPr>
+                    </a:p>
+                  </a:txBody>
+                  <a:tcPr marL="38629" marR="38629" marT="0" marB="0"/>
+                </a:tc>
+                <a:tc>
+                  <a:txBody>
+                    <a:bodyPr/>
+                    <a:lstStyle/>
+                    <a:p>
+                      <a:pPr marL="0" marR="0" algn="just">
+                        <a:spcBef>
+                          <a:spcPts val="600"/>
+                        </a:spcBef>
+                        <a:spcAft>
+                          <a:spcPts val="300"/>
+                        </a:spcAft>
+                      </a:pPr>
+                      <a:r>
+                        <a:rPr lang="en-GB" sz="1050">
+                          <a:effectLst/>
+                        </a:rPr>
+                        <a:t>High-end WinTel servers / Old technology software</a:t>
+                      </a:r>
+                      <a:endParaRPr lang="en-US" sz="1050">
+                        <a:effectLst/>
+                        <a:latin typeface="Times New Roman" panose="02020603050405020304" pitchFamily="18" charset="0"/>
+                        <a:ea typeface="Times New Roman" panose="02020603050405020304" pitchFamily="18" charset="0"/>
+                      </a:endParaRPr>
+                    </a:p>
+                  </a:txBody>
+                  <a:tcPr marL="38629" marR="38629" marT="0" marB="0"/>
+                </a:tc>
+                <a:tc>
+                  <a:txBody>
+                    <a:bodyPr/>
+                    <a:lstStyle/>
+                    <a:p>
+                      <a:pPr marL="0" marR="0" algn="just">
+                        <a:spcBef>
+                          <a:spcPts val="600"/>
+                        </a:spcBef>
+                        <a:spcAft>
+                          <a:spcPts val="300"/>
+                        </a:spcAft>
+                      </a:pPr>
+                      <a:r>
+                        <a:rPr lang="en-GB" sz="1050" dirty="0">
+                          <a:effectLst/>
+                        </a:rPr>
+                        <a:t>Long development time, lack of internal resources, 10% to 15% unscheduled downtime.</a:t>
+                      </a:r>
+                      <a:endParaRPr lang="en-US" sz="1050" dirty="0">
+                        <a:effectLst/>
+                        <a:latin typeface="Times New Roman" panose="02020603050405020304" pitchFamily="18" charset="0"/>
+                        <a:ea typeface="Times New Roman" panose="02020603050405020304" pitchFamily="18" charset="0"/>
+                      </a:endParaRPr>
+                    </a:p>
+                  </a:txBody>
+                  <a:tcPr marL="38629" marR="38629" marT="0" marB="0"/>
+                </a:tc>
+              </a:tr>
+              <a:tr h="733649">
+                <a:tc>
+                  <a:txBody>
+                    <a:bodyPr/>
+                    <a:lstStyle/>
+                    <a:p>
+                      <a:pPr marL="0" marR="0" algn="just">
+                        <a:spcBef>
+                          <a:spcPts val="600"/>
+                        </a:spcBef>
+                        <a:spcAft>
+                          <a:spcPts val="300"/>
+                        </a:spcAft>
+                      </a:pPr>
+                      <a:r>
+                        <a:rPr lang="en-GB" sz="1050">
+                          <a:effectLst/>
+                        </a:rPr>
+                        <a:t>2.</a:t>
+                      </a:r>
+                      <a:endParaRPr lang="en-US" sz="1050">
+                        <a:effectLst/>
+                        <a:latin typeface="Times New Roman" panose="02020603050405020304" pitchFamily="18" charset="0"/>
+                        <a:ea typeface="Times New Roman" panose="02020603050405020304" pitchFamily="18" charset="0"/>
+                      </a:endParaRPr>
+                    </a:p>
+                  </a:txBody>
+                  <a:tcPr marL="38629" marR="38629" marT="0" marB="0"/>
+                </a:tc>
+                <a:tc>
+                  <a:txBody>
+                    <a:bodyPr/>
+                    <a:lstStyle/>
+                    <a:p>
+                      <a:pPr marL="0" marR="0" algn="just">
+                        <a:spcBef>
+                          <a:spcPts val="600"/>
+                        </a:spcBef>
+                        <a:spcAft>
+                          <a:spcPts val="300"/>
+                        </a:spcAft>
+                      </a:pPr>
+                      <a:r>
+                        <a:rPr lang="en-GB" sz="1050" dirty="0">
+                          <a:effectLst/>
+                        </a:rPr>
+                        <a:t>Container Movement System (CMS)</a:t>
+                      </a:r>
+                      <a:endParaRPr lang="en-US" sz="1050" dirty="0">
+                        <a:effectLst/>
+                        <a:latin typeface="Times New Roman" panose="02020603050405020304" pitchFamily="18" charset="0"/>
+                        <a:ea typeface="Times New Roman" panose="02020603050405020304" pitchFamily="18" charset="0"/>
+                      </a:endParaRPr>
+                    </a:p>
+                  </a:txBody>
+                  <a:tcPr marL="38629" marR="38629" marT="0" marB="0"/>
+                </a:tc>
+                <a:tc>
+                  <a:txBody>
+                    <a:bodyPr/>
+                    <a:lstStyle/>
+                    <a:p>
+                      <a:pPr marL="0" marR="0" algn="just">
+                        <a:spcBef>
+                          <a:spcPts val="600"/>
+                        </a:spcBef>
+                        <a:spcAft>
+                          <a:spcPts val="300"/>
+                        </a:spcAft>
+                      </a:pPr>
+                      <a:r>
+                        <a:rPr lang="en-GB" sz="1050">
+                          <a:effectLst/>
+                        </a:rPr>
+                        <a:t>Provides vessel information, schedules, and container movement timescales.</a:t>
+                      </a:r>
+                      <a:endParaRPr lang="en-US" sz="1050">
+                        <a:effectLst/>
+                        <a:latin typeface="Times New Roman" panose="02020603050405020304" pitchFamily="18" charset="0"/>
+                        <a:ea typeface="Times New Roman" panose="02020603050405020304" pitchFamily="18" charset="0"/>
+                      </a:endParaRPr>
+                    </a:p>
+                  </a:txBody>
+                  <a:tcPr marL="38629" marR="38629" marT="0" marB="0"/>
+                </a:tc>
+                <a:tc>
+                  <a:txBody>
+                    <a:bodyPr/>
+                    <a:lstStyle/>
+                    <a:p>
+                      <a:pPr marL="0" marR="0" algn="just">
+                        <a:spcBef>
+                          <a:spcPts val="600"/>
+                        </a:spcBef>
+                        <a:spcAft>
+                          <a:spcPts val="300"/>
+                        </a:spcAft>
+                      </a:pPr>
+                      <a:r>
+                        <a:rPr lang="en-GB" sz="1050">
+                          <a:effectLst/>
+                        </a:rPr>
+                        <a:t>Container Management Team</a:t>
+                      </a:r>
+                      <a:endParaRPr lang="en-US" sz="1050">
+                        <a:effectLst/>
+                        <a:latin typeface="Times New Roman" panose="02020603050405020304" pitchFamily="18" charset="0"/>
+                        <a:ea typeface="Times New Roman" panose="02020603050405020304" pitchFamily="18" charset="0"/>
+                      </a:endParaRPr>
+                    </a:p>
+                  </a:txBody>
+                  <a:tcPr marL="38629" marR="38629" marT="0" marB="0"/>
+                </a:tc>
+                <a:tc>
+                  <a:txBody>
+                    <a:bodyPr/>
+                    <a:lstStyle/>
+                    <a:p>
+                      <a:pPr marL="0" marR="0" algn="just">
+                        <a:spcBef>
+                          <a:spcPts val="600"/>
+                        </a:spcBef>
+                        <a:spcAft>
+                          <a:spcPts val="300"/>
+                        </a:spcAft>
+                      </a:pPr>
+                      <a:r>
+                        <a:rPr lang="en-GB" sz="1050" dirty="0">
+                          <a:effectLst/>
+                        </a:rPr>
+                        <a:t>High-end </a:t>
+                      </a:r>
+                      <a:r>
+                        <a:rPr lang="en-GB" sz="1050" dirty="0" err="1">
+                          <a:effectLst/>
+                        </a:rPr>
+                        <a:t>WinTel</a:t>
+                      </a:r>
+                      <a:r>
+                        <a:rPr lang="en-GB" sz="1050" dirty="0">
+                          <a:effectLst/>
+                        </a:rPr>
+                        <a:t> servers / Old technology software</a:t>
+                      </a:r>
+                      <a:endParaRPr lang="en-US" sz="1050" dirty="0">
+                        <a:effectLst/>
+                        <a:latin typeface="Times New Roman" panose="02020603050405020304" pitchFamily="18" charset="0"/>
+                        <a:ea typeface="Times New Roman" panose="02020603050405020304" pitchFamily="18" charset="0"/>
+                      </a:endParaRPr>
+                    </a:p>
+                  </a:txBody>
+                  <a:tcPr marL="38629" marR="38629" marT="0" marB="0"/>
+                </a:tc>
+                <a:tc>
+                  <a:txBody>
+                    <a:bodyPr/>
+                    <a:lstStyle/>
+                    <a:p>
+                      <a:pPr marL="0" marR="0" algn="just">
+                        <a:spcBef>
+                          <a:spcPts val="600"/>
+                        </a:spcBef>
+                        <a:spcAft>
+                          <a:spcPts val="300"/>
+                        </a:spcAft>
+                      </a:pPr>
+                      <a:r>
+                        <a:rPr lang="en-GB" sz="1050" dirty="0">
+                          <a:effectLst/>
+                        </a:rPr>
+                        <a:t>Long development time, lack of internal resources, 10% to 15% unscheduled downtime.</a:t>
+                      </a:r>
+                      <a:endParaRPr lang="en-US" sz="1050" dirty="0">
+                        <a:effectLst/>
+                        <a:latin typeface="Times New Roman" panose="02020603050405020304" pitchFamily="18" charset="0"/>
+                        <a:ea typeface="Times New Roman" panose="02020603050405020304" pitchFamily="18" charset="0"/>
+                      </a:endParaRPr>
+                    </a:p>
+                  </a:txBody>
+                  <a:tcPr marL="38629" marR="38629" marT="0" marB="0"/>
+                </a:tc>
+              </a:tr>
+              <a:tr h="852305">
+                <a:tc>
+                  <a:txBody>
+                    <a:bodyPr/>
+                    <a:lstStyle/>
+                    <a:p>
+                      <a:pPr marL="0" marR="0" algn="just">
+                        <a:spcBef>
+                          <a:spcPts val="600"/>
+                        </a:spcBef>
+                        <a:spcAft>
+                          <a:spcPts val="300"/>
+                        </a:spcAft>
+                      </a:pPr>
+                      <a:r>
+                        <a:rPr lang="en-GB" sz="1050">
+                          <a:effectLst/>
+                        </a:rPr>
+                        <a:t>3.</a:t>
+                      </a:r>
+                      <a:endParaRPr lang="en-US" sz="1050">
+                        <a:effectLst/>
+                        <a:latin typeface="Times New Roman" panose="02020603050405020304" pitchFamily="18" charset="0"/>
+                        <a:ea typeface="Times New Roman" panose="02020603050405020304" pitchFamily="18" charset="0"/>
+                      </a:endParaRPr>
+                    </a:p>
+                  </a:txBody>
+                  <a:tcPr marL="38629" marR="38629" marT="0" marB="0"/>
+                </a:tc>
+                <a:tc>
+                  <a:txBody>
+                    <a:bodyPr/>
+                    <a:lstStyle/>
+                    <a:p>
+                      <a:pPr marL="0" marR="0" algn="just">
+                        <a:spcBef>
+                          <a:spcPts val="600"/>
+                        </a:spcBef>
+                        <a:spcAft>
+                          <a:spcPts val="300"/>
+                        </a:spcAft>
+                      </a:pPr>
+                      <a:r>
+                        <a:rPr lang="en-GB" sz="1050">
+                          <a:effectLst/>
+                        </a:rPr>
+                        <a:t>Sales Order System (SOS)</a:t>
+                      </a:r>
+                      <a:endParaRPr lang="en-US" sz="1050">
+                        <a:effectLst/>
+                        <a:latin typeface="Times New Roman" panose="02020603050405020304" pitchFamily="18" charset="0"/>
+                        <a:ea typeface="Times New Roman" panose="02020603050405020304" pitchFamily="18" charset="0"/>
+                      </a:endParaRPr>
+                    </a:p>
+                  </a:txBody>
+                  <a:tcPr marL="38629" marR="38629" marT="0" marB="0"/>
+                </a:tc>
+                <a:tc>
+                  <a:txBody>
+                    <a:bodyPr/>
+                    <a:lstStyle/>
+                    <a:p>
+                      <a:pPr marL="0" marR="0" algn="just">
+                        <a:spcBef>
+                          <a:spcPts val="600"/>
+                        </a:spcBef>
+                        <a:spcAft>
+                          <a:spcPts val="300"/>
+                        </a:spcAft>
+                      </a:pPr>
+                      <a:r>
+                        <a:rPr lang="en-GB" sz="1050">
+                          <a:effectLst/>
+                        </a:rPr>
+                        <a:t>Provides quotation details, order details, and sales summary.</a:t>
+                      </a:r>
+                      <a:endParaRPr lang="en-US" sz="1050">
+                        <a:effectLst/>
+                        <a:latin typeface="Times New Roman" panose="02020603050405020304" pitchFamily="18" charset="0"/>
+                        <a:ea typeface="Times New Roman" panose="02020603050405020304" pitchFamily="18" charset="0"/>
+                      </a:endParaRPr>
+                    </a:p>
+                  </a:txBody>
+                  <a:tcPr marL="38629" marR="38629" marT="0" marB="0"/>
+                </a:tc>
+                <a:tc>
+                  <a:txBody>
+                    <a:bodyPr/>
+                    <a:lstStyle/>
+                    <a:p>
+                      <a:pPr marL="0" marR="0" algn="just">
+                        <a:spcBef>
+                          <a:spcPts val="600"/>
+                        </a:spcBef>
+                        <a:spcAft>
+                          <a:spcPts val="300"/>
+                        </a:spcAft>
+                      </a:pPr>
+                      <a:r>
+                        <a:rPr lang="en-GB" sz="1050" dirty="0">
+                          <a:effectLst/>
+                        </a:rPr>
+                        <a:t>Sales Team</a:t>
+                      </a:r>
+                      <a:endParaRPr lang="en-US" sz="1050" dirty="0">
+                        <a:effectLst/>
+                        <a:latin typeface="Times New Roman" panose="02020603050405020304" pitchFamily="18" charset="0"/>
+                        <a:ea typeface="Times New Roman" panose="02020603050405020304" pitchFamily="18" charset="0"/>
+                      </a:endParaRPr>
+                    </a:p>
+                  </a:txBody>
+                  <a:tcPr marL="38629" marR="38629" marT="0" marB="0"/>
+                </a:tc>
+                <a:tc>
+                  <a:txBody>
+                    <a:bodyPr/>
+                    <a:lstStyle/>
+                    <a:p>
+                      <a:pPr marL="0" marR="0" algn="just">
+                        <a:spcBef>
+                          <a:spcPts val="600"/>
+                        </a:spcBef>
+                        <a:spcAft>
+                          <a:spcPts val="300"/>
+                        </a:spcAft>
+                      </a:pPr>
+                      <a:r>
+                        <a:rPr lang="en-GB" sz="1050">
+                          <a:effectLst/>
+                        </a:rPr>
+                        <a:t>Running on a PC at each local office / Custom-built application, written in 1991 by an external software company that has since gone out of business.</a:t>
+                      </a:r>
+                      <a:endParaRPr lang="en-US" sz="1050">
+                        <a:effectLst/>
+                        <a:latin typeface="Times New Roman" panose="02020603050405020304" pitchFamily="18" charset="0"/>
+                        <a:ea typeface="Times New Roman" panose="02020603050405020304" pitchFamily="18" charset="0"/>
+                      </a:endParaRPr>
+                    </a:p>
+                  </a:txBody>
+                  <a:tcPr marL="38629" marR="38629" marT="0" marB="0"/>
+                </a:tc>
+                <a:tc>
+                  <a:txBody>
+                    <a:bodyPr/>
+                    <a:lstStyle/>
+                    <a:p>
+                      <a:pPr marL="0" marR="0" algn="just">
+                        <a:spcBef>
+                          <a:spcPts val="600"/>
+                        </a:spcBef>
+                        <a:spcAft>
+                          <a:spcPts val="300"/>
+                        </a:spcAft>
+                      </a:pPr>
+                      <a:r>
+                        <a:rPr lang="en-GB" sz="1050" dirty="0">
+                          <a:effectLst/>
+                        </a:rPr>
+                        <a:t>More functions are required, but SOS source code is missing. Salesmen need mobile, online access.</a:t>
+                      </a:r>
+                      <a:endParaRPr lang="en-US" sz="1050" dirty="0">
+                        <a:effectLst/>
+                        <a:latin typeface="Times New Roman" panose="02020603050405020304" pitchFamily="18" charset="0"/>
+                        <a:ea typeface="Times New Roman" panose="02020603050405020304" pitchFamily="18" charset="0"/>
+                      </a:endParaRPr>
+                    </a:p>
+                  </a:txBody>
+                  <a:tcPr marL="38629" marR="38629" marT="0" marB="0"/>
+                </a:tc>
+              </a:tr>
+              <a:tr h="600469">
+                <a:tc>
+                  <a:txBody>
+                    <a:bodyPr/>
+                    <a:lstStyle/>
+                    <a:p>
+                      <a:pPr marL="0" marR="0" algn="just">
+                        <a:spcBef>
+                          <a:spcPts val="600"/>
+                        </a:spcBef>
+                        <a:spcAft>
+                          <a:spcPts val="300"/>
+                        </a:spcAft>
+                      </a:pPr>
+                      <a:r>
+                        <a:rPr lang="en-GB" sz="1050">
+                          <a:effectLst/>
+                        </a:rPr>
+                        <a:t>4.</a:t>
+                      </a:r>
+                      <a:endParaRPr lang="en-US" sz="1050">
+                        <a:effectLst/>
+                        <a:latin typeface="Times New Roman" panose="02020603050405020304" pitchFamily="18" charset="0"/>
+                        <a:ea typeface="Times New Roman" panose="02020603050405020304" pitchFamily="18" charset="0"/>
+                      </a:endParaRPr>
+                    </a:p>
+                  </a:txBody>
+                  <a:tcPr marL="38629" marR="38629" marT="0" marB="0"/>
+                </a:tc>
+                <a:tc>
+                  <a:txBody>
+                    <a:bodyPr/>
+                    <a:lstStyle/>
+                    <a:p>
+                      <a:pPr marL="0" marR="0" algn="just">
+                        <a:spcBef>
+                          <a:spcPts val="600"/>
+                        </a:spcBef>
+                        <a:spcAft>
+                          <a:spcPts val="300"/>
+                        </a:spcAft>
+                      </a:pPr>
+                      <a:r>
+                        <a:rPr lang="en-GB" sz="1050">
+                          <a:effectLst/>
+                        </a:rPr>
+                        <a:t>Customer Billing System (CBS)</a:t>
+                      </a:r>
+                      <a:endParaRPr lang="en-US" sz="1050">
+                        <a:effectLst/>
+                        <a:latin typeface="Times New Roman" panose="02020603050405020304" pitchFamily="18" charset="0"/>
+                        <a:ea typeface="Times New Roman" panose="02020603050405020304" pitchFamily="18" charset="0"/>
+                      </a:endParaRPr>
+                    </a:p>
+                  </a:txBody>
+                  <a:tcPr marL="38629" marR="38629" marT="0" marB="0"/>
+                </a:tc>
+                <a:tc>
+                  <a:txBody>
+                    <a:bodyPr/>
+                    <a:lstStyle/>
+                    <a:p>
+                      <a:pPr marL="0" marR="0" algn="just">
+                        <a:spcBef>
+                          <a:spcPts val="600"/>
+                        </a:spcBef>
+                        <a:spcAft>
+                          <a:spcPts val="300"/>
+                        </a:spcAft>
+                      </a:pPr>
+                      <a:r>
+                        <a:rPr lang="en-GB" sz="1050">
+                          <a:effectLst/>
+                        </a:rPr>
+                        <a:t>Allows Order Processing administrator to requests for the customer to be billed.</a:t>
+                      </a:r>
+                      <a:endParaRPr lang="en-US" sz="1050">
+                        <a:effectLst/>
+                        <a:latin typeface="Times New Roman" panose="02020603050405020304" pitchFamily="18" charset="0"/>
+                        <a:ea typeface="Times New Roman" panose="02020603050405020304" pitchFamily="18" charset="0"/>
+                      </a:endParaRPr>
+                    </a:p>
+                  </a:txBody>
+                  <a:tcPr marL="38629" marR="38629" marT="0" marB="0"/>
+                </a:tc>
+                <a:tc>
+                  <a:txBody>
+                    <a:bodyPr/>
+                    <a:lstStyle/>
+                    <a:p>
+                      <a:pPr marL="0" marR="0" algn="just">
+                        <a:spcBef>
+                          <a:spcPts val="600"/>
+                        </a:spcBef>
+                        <a:spcAft>
+                          <a:spcPts val="300"/>
+                        </a:spcAft>
+                      </a:pPr>
+                      <a:r>
+                        <a:rPr lang="en-GB" sz="1050" dirty="0">
+                          <a:effectLst/>
+                        </a:rPr>
+                        <a:t>Order Processing Administrator</a:t>
+                      </a:r>
+                      <a:endParaRPr lang="en-US" sz="1050" dirty="0">
+                        <a:effectLst/>
+                        <a:latin typeface="Times New Roman" panose="02020603050405020304" pitchFamily="18" charset="0"/>
+                        <a:ea typeface="Times New Roman" panose="02020603050405020304" pitchFamily="18" charset="0"/>
+                      </a:endParaRPr>
+                    </a:p>
+                  </a:txBody>
+                  <a:tcPr marL="38629" marR="38629" marT="0" marB="0"/>
+                </a:tc>
+                <a:tc>
+                  <a:txBody>
+                    <a:bodyPr/>
+                    <a:lstStyle/>
+                    <a:p>
+                      <a:pPr marL="0" marR="0" algn="just">
+                        <a:spcBef>
+                          <a:spcPts val="600"/>
+                        </a:spcBef>
+                        <a:spcAft>
+                          <a:spcPts val="300"/>
+                        </a:spcAft>
+                      </a:pPr>
+                      <a:r>
+                        <a:rPr lang="en-GB" sz="1050" dirty="0">
+                          <a:effectLst/>
+                        </a:rPr>
+                        <a:t> </a:t>
+                      </a:r>
+                      <a:endParaRPr lang="en-US" sz="1050" dirty="0">
+                        <a:effectLst/>
+                        <a:latin typeface="Times New Roman" panose="02020603050405020304" pitchFamily="18" charset="0"/>
+                        <a:ea typeface="Times New Roman" panose="02020603050405020304" pitchFamily="18" charset="0"/>
+                      </a:endParaRPr>
+                    </a:p>
+                  </a:txBody>
+                  <a:tcPr marL="38629" marR="38629" marT="0" marB="0"/>
+                </a:tc>
+                <a:tc>
+                  <a:txBody>
+                    <a:bodyPr/>
+                    <a:lstStyle/>
+                    <a:p>
+                      <a:pPr marL="0" marR="0" algn="just">
+                        <a:spcBef>
+                          <a:spcPts val="600"/>
+                        </a:spcBef>
+                        <a:spcAft>
+                          <a:spcPts val="300"/>
+                        </a:spcAft>
+                      </a:pPr>
+                      <a:r>
+                        <a:rPr lang="en-GB" sz="1050">
+                          <a:effectLst/>
+                        </a:rPr>
+                        <a:t> </a:t>
+                      </a:r>
+                      <a:endParaRPr lang="en-US" sz="1050">
+                        <a:effectLst/>
+                        <a:latin typeface="Times New Roman" panose="02020603050405020304" pitchFamily="18" charset="0"/>
+                        <a:ea typeface="Times New Roman" panose="02020603050405020304" pitchFamily="18" charset="0"/>
+                      </a:endParaRPr>
+                    </a:p>
+                  </a:txBody>
+                  <a:tcPr marL="38629" marR="38629" marT="0" marB="0"/>
+                </a:tc>
+              </a:tr>
+              <a:tr h="1030311">
+                <a:tc>
+                  <a:txBody>
+                    <a:bodyPr/>
+                    <a:lstStyle/>
+                    <a:p>
+                      <a:pPr marL="0" marR="0" algn="just">
+                        <a:spcBef>
+                          <a:spcPts val="600"/>
+                        </a:spcBef>
+                        <a:spcAft>
+                          <a:spcPts val="300"/>
+                        </a:spcAft>
+                      </a:pPr>
+                      <a:r>
+                        <a:rPr lang="en-GB" sz="1050">
+                          <a:effectLst/>
+                        </a:rPr>
+                        <a:t>5.</a:t>
+                      </a:r>
+                      <a:endParaRPr lang="en-US" sz="1050">
+                        <a:effectLst/>
+                        <a:latin typeface="Times New Roman" panose="02020603050405020304" pitchFamily="18" charset="0"/>
+                        <a:ea typeface="Times New Roman" panose="02020603050405020304" pitchFamily="18" charset="0"/>
+                      </a:endParaRPr>
+                    </a:p>
+                  </a:txBody>
+                  <a:tcPr marL="38629" marR="38629" marT="0" marB="0"/>
+                </a:tc>
+                <a:tc>
+                  <a:txBody>
+                    <a:bodyPr/>
+                    <a:lstStyle/>
+                    <a:p>
+                      <a:pPr marL="0" marR="0" algn="just">
+                        <a:spcBef>
+                          <a:spcPts val="600"/>
+                        </a:spcBef>
+                        <a:spcAft>
+                          <a:spcPts val="300"/>
+                        </a:spcAft>
+                      </a:pPr>
+                      <a:r>
+                        <a:rPr lang="en-GB" sz="1050">
+                          <a:effectLst/>
+                        </a:rPr>
+                        <a:t>SGLine Website</a:t>
+                      </a:r>
+                      <a:endParaRPr lang="en-US" sz="1050">
+                        <a:effectLst/>
+                        <a:latin typeface="Times New Roman" panose="02020603050405020304" pitchFamily="18" charset="0"/>
+                        <a:ea typeface="Times New Roman" panose="02020603050405020304" pitchFamily="18" charset="0"/>
+                      </a:endParaRPr>
+                    </a:p>
+                  </a:txBody>
+                  <a:tcPr marL="38629" marR="38629" marT="0" marB="0"/>
+                </a:tc>
+                <a:tc>
+                  <a:txBody>
+                    <a:bodyPr/>
+                    <a:lstStyle/>
+                    <a:p>
+                      <a:pPr marL="0" marR="0" algn="just">
+                        <a:spcBef>
+                          <a:spcPts val="600"/>
+                        </a:spcBef>
+                        <a:spcAft>
+                          <a:spcPts val="300"/>
+                        </a:spcAft>
+                      </a:pPr>
+                      <a:r>
+                        <a:rPr lang="en-GB" sz="1050">
+                          <a:effectLst/>
+                        </a:rPr>
+                        <a:t>Displays SGLines’ marketing literature.</a:t>
+                      </a:r>
+                      <a:endParaRPr lang="en-US" sz="1050">
+                        <a:effectLst/>
+                        <a:latin typeface="Times New Roman" panose="02020603050405020304" pitchFamily="18" charset="0"/>
+                        <a:ea typeface="Times New Roman" panose="02020603050405020304" pitchFamily="18" charset="0"/>
+                      </a:endParaRPr>
+                    </a:p>
+                  </a:txBody>
+                  <a:tcPr marL="38629" marR="38629" marT="0" marB="0"/>
+                </a:tc>
+                <a:tc>
+                  <a:txBody>
+                    <a:bodyPr/>
+                    <a:lstStyle/>
+                    <a:p>
+                      <a:pPr marL="0" marR="0" algn="just">
+                        <a:spcBef>
+                          <a:spcPts val="600"/>
+                        </a:spcBef>
+                        <a:spcAft>
+                          <a:spcPts val="300"/>
+                        </a:spcAft>
+                      </a:pPr>
+                      <a:r>
+                        <a:rPr lang="en-GB" sz="1050">
+                          <a:effectLst/>
+                        </a:rPr>
+                        <a:t>Marketing Team</a:t>
+                      </a:r>
+                      <a:endParaRPr lang="en-US" sz="1050">
+                        <a:effectLst/>
+                        <a:latin typeface="Times New Roman" panose="02020603050405020304" pitchFamily="18" charset="0"/>
+                        <a:ea typeface="Times New Roman" panose="02020603050405020304" pitchFamily="18" charset="0"/>
+                      </a:endParaRPr>
+                    </a:p>
+                  </a:txBody>
+                  <a:tcPr marL="38629" marR="38629" marT="0" marB="0"/>
+                </a:tc>
+                <a:tc>
+                  <a:txBody>
+                    <a:bodyPr/>
+                    <a:lstStyle/>
+                    <a:p>
+                      <a:pPr marL="0" marR="0" algn="just">
+                        <a:spcBef>
+                          <a:spcPts val="600"/>
+                        </a:spcBef>
+                        <a:spcAft>
+                          <a:spcPts val="300"/>
+                        </a:spcAft>
+                      </a:pPr>
+                      <a:r>
+                        <a:rPr lang="en-GB" sz="1050">
+                          <a:effectLst/>
+                        </a:rPr>
+                        <a:t>Servers at local ISP’s server</a:t>
+                      </a:r>
+                      <a:endParaRPr lang="en-US" sz="1050">
+                        <a:effectLst/>
+                        <a:latin typeface="Times New Roman" panose="02020603050405020304" pitchFamily="18" charset="0"/>
+                        <a:ea typeface="Times New Roman" panose="02020603050405020304" pitchFamily="18" charset="0"/>
+                      </a:endParaRPr>
+                    </a:p>
+                  </a:txBody>
+                  <a:tcPr marL="38629" marR="38629" marT="0" marB="0"/>
+                </a:tc>
+                <a:tc>
+                  <a:txBody>
+                    <a:bodyPr/>
+                    <a:lstStyle/>
+                    <a:p>
+                      <a:pPr marL="0" marR="0" algn="just">
+                        <a:spcBef>
+                          <a:spcPts val="600"/>
+                        </a:spcBef>
+                        <a:spcAft>
+                          <a:spcPts val="300"/>
+                        </a:spcAft>
+                      </a:pPr>
+                      <a:r>
+                        <a:rPr lang="en-GB" sz="1050" dirty="0">
+                          <a:effectLst/>
+                        </a:rPr>
+                        <a:t>More features are required, e.g. RFQ, ordering, calculations of shipment time between destinations, etc. The website is not integrated with other </a:t>
+                      </a:r>
+                      <a:r>
+                        <a:rPr lang="en-GB" sz="1050" dirty="0" err="1">
+                          <a:effectLst/>
+                        </a:rPr>
+                        <a:t>SGLine</a:t>
+                      </a:r>
+                      <a:r>
+                        <a:rPr lang="en-GB" sz="1050" dirty="0">
+                          <a:effectLst/>
+                        </a:rPr>
+                        <a:t>’ other IT systems.</a:t>
+                      </a:r>
+                      <a:endParaRPr lang="en-US" sz="1050" dirty="0">
+                        <a:effectLst/>
+                        <a:latin typeface="Times New Roman" panose="02020603050405020304" pitchFamily="18" charset="0"/>
+                        <a:ea typeface="Times New Roman" panose="02020603050405020304" pitchFamily="18" charset="0"/>
+                      </a:endParaRPr>
+                    </a:p>
+                  </a:txBody>
+                  <a:tcPr marL="38629" marR="38629" marT="0" marB="0"/>
+                </a:tc>
+              </a:tr>
+              <a:tr h="550237">
+                <a:tc>
+                  <a:txBody>
+                    <a:bodyPr/>
+                    <a:lstStyle/>
+                    <a:p>
+                      <a:pPr marL="0" marR="0" algn="just">
+                        <a:spcBef>
+                          <a:spcPts val="600"/>
+                        </a:spcBef>
+                        <a:spcAft>
+                          <a:spcPts val="300"/>
+                        </a:spcAft>
+                      </a:pPr>
+                      <a:r>
+                        <a:rPr lang="en-GB" sz="1050">
+                          <a:effectLst/>
+                        </a:rPr>
+                        <a:t>6.</a:t>
+                      </a:r>
+                      <a:endParaRPr lang="en-US" sz="1050">
+                        <a:effectLst/>
+                        <a:latin typeface="Times New Roman" panose="02020603050405020304" pitchFamily="18" charset="0"/>
+                        <a:ea typeface="Times New Roman" panose="02020603050405020304" pitchFamily="18" charset="0"/>
+                      </a:endParaRPr>
+                    </a:p>
+                  </a:txBody>
+                  <a:tcPr marL="38629" marR="38629" marT="0" marB="0"/>
+                </a:tc>
+                <a:tc>
+                  <a:txBody>
+                    <a:bodyPr/>
+                    <a:lstStyle/>
+                    <a:p>
+                      <a:pPr marL="0" marR="0" algn="just">
+                        <a:spcBef>
+                          <a:spcPts val="600"/>
+                        </a:spcBef>
+                        <a:spcAft>
+                          <a:spcPts val="300"/>
+                        </a:spcAft>
+                      </a:pPr>
+                      <a:r>
+                        <a:rPr lang="en-GB" sz="1050">
+                          <a:effectLst/>
+                        </a:rPr>
+                        <a:t>Account and Financial Information System (AFIS)</a:t>
+                      </a:r>
+                      <a:endParaRPr lang="en-US" sz="1050">
+                        <a:effectLst/>
+                        <a:latin typeface="Times New Roman" panose="02020603050405020304" pitchFamily="18" charset="0"/>
+                        <a:ea typeface="Times New Roman" panose="02020603050405020304" pitchFamily="18" charset="0"/>
+                      </a:endParaRPr>
+                    </a:p>
+                  </a:txBody>
+                  <a:tcPr marL="38629" marR="38629" marT="0" marB="0"/>
+                </a:tc>
+                <a:tc>
+                  <a:txBody>
+                    <a:bodyPr/>
+                    <a:lstStyle/>
+                    <a:p>
+                      <a:pPr marL="0" marR="0" algn="just">
+                        <a:spcBef>
+                          <a:spcPts val="600"/>
+                        </a:spcBef>
+                        <a:spcAft>
+                          <a:spcPts val="300"/>
+                        </a:spcAft>
+                      </a:pPr>
+                      <a:r>
+                        <a:rPr lang="en-GB" sz="1050">
+                          <a:effectLst/>
+                        </a:rPr>
+                        <a:t>Keep track of account and financial information.</a:t>
+                      </a:r>
+                      <a:endParaRPr lang="en-US" sz="1050">
+                        <a:effectLst/>
+                        <a:latin typeface="Times New Roman" panose="02020603050405020304" pitchFamily="18" charset="0"/>
+                        <a:ea typeface="Times New Roman" panose="02020603050405020304" pitchFamily="18" charset="0"/>
+                      </a:endParaRPr>
+                    </a:p>
+                  </a:txBody>
+                  <a:tcPr marL="38629" marR="38629" marT="0" marB="0"/>
+                </a:tc>
+                <a:tc>
+                  <a:txBody>
+                    <a:bodyPr/>
+                    <a:lstStyle/>
+                    <a:p>
+                      <a:pPr marL="0" marR="0" algn="just">
+                        <a:spcBef>
+                          <a:spcPts val="600"/>
+                        </a:spcBef>
+                        <a:spcAft>
+                          <a:spcPts val="300"/>
+                        </a:spcAft>
+                      </a:pPr>
+                      <a:r>
+                        <a:rPr lang="en-GB" sz="1050">
+                          <a:effectLst/>
+                        </a:rPr>
+                        <a:t>Finance and Account Team</a:t>
+                      </a:r>
+                      <a:endParaRPr lang="en-US" sz="1050">
+                        <a:effectLst/>
+                        <a:latin typeface="Times New Roman" panose="02020603050405020304" pitchFamily="18" charset="0"/>
+                        <a:ea typeface="Times New Roman" panose="02020603050405020304" pitchFamily="18" charset="0"/>
+                      </a:endParaRPr>
+                    </a:p>
+                  </a:txBody>
+                  <a:tcPr marL="38629" marR="38629" marT="0" marB="0"/>
+                </a:tc>
+                <a:tc>
+                  <a:txBody>
+                    <a:bodyPr/>
+                    <a:lstStyle/>
+                    <a:p>
+                      <a:pPr marL="0" marR="0" algn="just">
+                        <a:spcBef>
+                          <a:spcPts val="600"/>
+                        </a:spcBef>
+                        <a:spcAft>
+                          <a:spcPts val="300"/>
+                        </a:spcAft>
+                      </a:pPr>
+                      <a:r>
+                        <a:rPr lang="en-GB" sz="1050">
+                          <a:effectLst/>
+                        </a:rPr>
+                        <a:t>AS400 servers</a:t>
+                      </a:r>
+                      <a:endParaRPr lang="en-US" sz="1050">
+                        <a:effectLst/>
+                        <a:latin typeface="Times New Roman" panose="02020603050405020304" pitchFamily="18" charset="0"/>
+                        <a:ea typeface="Times New Roman" panose="02020603050405020304" pitchFamily="18" charset="0"/>
+                      </a:endParaRPr>
+                    </a:p>
+                  </a:txBody>
+                  <a:tcPr marL="38629" marR="38629" marT="0" marB="0"/>
+                </a:tc>
+                <a:tc>
+                  <a:txBody>
+                    <a:bodyPr/>
+                    <a:lstStyle/>
+                    <a:p>
+                      <a:pPr marL="0" marR="0" algn="just">
+                        <a:spcBef>
+                          <a:spcPts val="600"/>
+                        </a:spcBef>
+                        <a:spcAft>
+                          <a:spcPts val="300"/>
+                        </a:spcAft>
+                      </a:pPr>
+                      <a:r>
+                        <a:rPr lang="en-GB" sz="1050" dirty="0">
+                          <a:effectLst/>
+                        </a:rPr>
+                        <a:t>It has adapters for MQ series and a Java API which never been used before.</a:t>
+                      </a:r>
+                      <a:endParaRPr lang="en-US" sz="1050" dirty="0">
+                        <a:effectLst/>
+                        <a:latin typeface="Times New Roman" panose="02020603050405020304" pitchFamily="18" charset="0"/>
+                        <a:ea typeface="Times New Roman" panose="02020603050405020304" pitchFamily="18" charset="0"/>
+                      </a:endParaRPr>
+                    </a:p>
+                  </a:txBody>
+                  <a:tcPr marL="38629" marR="38629" marT="0" marB="0"/>
+                </a:tc>
+              </a:tr>
+              <a:tr h="550237">
+                <a:tc>
+                  <a:txBody>
+                    <a:bodyPr/>
+                    <a:lstStyle/>
+                    <a:p>
+                      <a:pPr marL="0" marR="0" algn="just">
+                        <a:spcBef>
+                          <a:spcPts val="600"/>
+                        </a:spcBef>
+                        <a:spcAft>
+                          <a:spcPts val="300"/>
+                        </a:spcAft>
+                      </a:pPr>
+                      <a:r>
+                        <a:rPr lang="en-GB" sz="1050">
+                          <a:effectLst/>
+                        </a:rPr>
+                        <a:t>7.</a:t>
+                      </a:r>
+                      <a:endParaRPr lang="en-US" sz="1050">
+                        <a:effectLst/>
+                        <a:latin typeface="Times New Roman" panose="02020603050405020304" pitchFamily="18" charset="0"/>
+                        <a:ea typeface="Times New Roman" panose="02020603050405020304" pitchFamily="18" charset="0"/>
+                      </a:endParaRPr>
+                    </a:p>
+                  </a:txBody>
+                  <a:tcPr marL="38629" marR="38629" marT="0" marB="0"/>
+                </a:tc>
+                <a:tc>
+                  <a:txBody>
+                    <a:bodyPr/>
+                    <a:lstStyle/>
+                    <a:p>
+                      <a:pPr marL="0" marR="0" algn="just">
+                        <a:spcBef>
+                          <a:spcPts val="600"/>
+                        </a:spcBef>
+                        <a:spcAft>
+                          <a:spcPts val="300"/>
+                        </a:spcAft>
+                      </a:pPr>
+                      <a:r>
+                        <a:rPr lang="en-GB" sz="1050">
+                          <a:effectLst/>
+                        </a:rPr>
+                        <a:t>Human Resource System (HRS)</a:t>
+                      </a:r>
+                      <a:endParaRPr lang="en-US" sz="1050">
+                        <a:effectLst/>
+                        <a:latin typeface="Times New Roman" panose="02020603050405020304" pitchFamily="18" charset="0"/>
+                        <a:ea typeface="Times New Roman" panose="02020603050405020304" pitchFamily="18" charset="0"/>
+                      </a:endParaRPr>
+                    </a:p>
+                  </a:txBody>
+                  <a:tcPr marL="38629" marR="38629" marT="0" marB="0"/>
+                </a:tc>
+                <a:tc>
+                  <a:txBody>
+                    <a:bodyPr/>
+                    <a:lstStyle/>
+                    <a:p>
+                      <a:pPr marL="0" marR="0" algn="just">
+                        <a:spcBef>
+                          <a:spcPts val="600"/>
+                        </a:spcBef>
+                        <a:spcAft>
+                          <a:spcPts val="300"/>
+                        </a:spcAft>
+                      </a:pPr>
+                      <a:r>
+                        <a:rPr lang="en-GB" sz="1050">
+                          <a:effectLst/>
+                        </a:rPr>
+                        <a:t>Keep track HR related data.</a:t>
+                      </a:r>
+                      <a:endParaRPr lang="en-US" sz="1050">
+                        <a:effectLst/>
+                        <a:latin typeface="Times New Roman" panose="02020603050405020304" pitchFamily="18" charset="0"/>
+                        <a:ea typeface="Times New Roman" panose="02020603050405020304" pitchFamily="18" charset="0"/>
+                      </a:endParaRPr>
+                    </a:p>
+                  </a:txBody>
+                  <a:tcPr marL="38629" marR="38629" marT="0" marB="0"/>
+                </a:tc>
+                <a:tc>
+                  <a:txBody>
+                    <a:bodyPr/>
+                    <a:lstStyle/>
+                    <a:p>
+                      <a:pPr marL="0" marR="0" algn="just">
+                        <a:spcBef>
+                          <a:spcPts val="600"/>
+                        </a:spcBef>
+                        <a:spcAft>
+                          <a:spcPts val="300"/>
+                        </a:spcAft>
+                      </a:pPr>
+                      <a:r>
+                        <a:rPr lang="en-GB" sz="1050">
+                          <a:effectLst/>
+                        </a:rPr>
+                        <a:t>HR Team</a:t>
+                      </a:r>
+                      <a:endParaRPr lang="en-US" sz="1050">
+                        <a:effectLst/>
+                        <a:latin typeface="Times New Roman" panose="02020603050405020304" pitchFamily="18" charset="0"/>
+                        <a:ea typeface="Times New Roman" panose="02020603050405020304" pitchFamily="18" charset="0"/>
+                      </a:endParaRPr>
+                    </a:p>
+                  </a:txBody>
+                  <a:tcPr marL="38629" marR="38629" marT="0" marB="0"/>
+                </a:tc>
+                <a:tc>
+                  <a:txBody>
+                    <a:bodyPr/>
+                    <a:lstStyle/>
+                    <a:p>
+                      <a:pPr marL="0" marR="0" algn="just">
+                        <a:spcBef>
+                          <a:spcPts val="600"/>
+                        </a:spcBef>
+                        <a:spcAft>
+                          <a:spcPts val="300"/>
+                        </a:spcAft>
+                      </a:pPr>
+                      <a:r>
+                        <a:rPr lang="en-GB" sz="1050">
+                          <a:effectLst/>
+                        </a:rPr>
+                        <a:t>AS400 servers</a:t>
+                      </a:r>
+                      <a:endParaRPr lang="en-US" sz="1050">
+                        <a:effectLst/>
+                        <a:latin typeface="Times New Roman" panose="02020603050405020304" pitchFamily="18" charset="0"/>
+                        <a:ea typeface="Times New Roman" panose="02020603050405020304" pitchFamily="18" charset="0"/>
+                      </a:endParaRPr>
+                    </a:p>
+                  </a:txBody>
+                  <a:tcPr marL="38629" marR="38629" marT="0" marB="0"/>
+                </a:tc>
+                <a:tc>
+                  <a:txBody>
+                    <a:bodyPr/>
+                    <a:lstStyle/>
+                    <a:p>
+                      <a:pPr marL="0" marR="0" algn="just">
+                        <a:spcBef>
+                          <a:spcPts val="600"/>
+                        </a:spcBef>
+                        <a:spcAft>
+                          <a:spcPts val="300"/>
+                        </a:spcAft>
+                      </a:pPr>
+                      <a:r>
+                        <a:rPr lang="en-GB" sz="1050" dirty="0">
+                          <a:effectLst/>
+                        </a:rPr>
+                        <a:t>It has adapters for MQ series and a Java API which never been used before.</a:t>
+                      </a:r>
+                      <a:endParaRPr lang="en-US" sz="1050" dirty="0">
+                        <a:effectLst/>
+                        <a:latin typeface="Times New Roman" panose="02020603050405020304" pitchFamily="18" charset="0"/>
+                        <a:ea typeface="Times New Roman" panose="02020603050405020304" pitchFamily="18" charset="0"/>
+                      </a:endParaRPr>
+                    </a:p>
+                  </a:txBody>
+                  <a:tcPr marL="38629" marR="38629" marT="0" marB="0"/>
+                </a:tc>
+              </a:tr>
+            </a:tbl>
+          </a:graphicData>
+        </a:graphic>
+      </p:graphicFrame>
+    </p:spTree>
+    <p:extLst>
+      <p:ext uri="{BB962C8B-B14F-4D97-AF65-F5344CB8AC3E}">
+        <p14:creationId xmlns:p14="http://schemas.microsoft.com/office/powerpoint/2010/main" val="2594277910"/>
+      </p:ext>
+    </p:extLst>
+  </p:cSld>
+  <p:clrMapOvr>
+    <a:masterClrMapping/>
+  </p:clrMapOvr>
+  <p:timing>
+    <p:tnLst>
+      <p:par>
+        <p:cTn id="1" dur="indefinite" restart="never" nodeType="tmRoot"/>
+      </p:par>
+    </p:tnLst>
+  </p:timing>
+</p:sld>
+</file>
+
+<file path=ppt/slides/slide31.xml><?xml version="1.0" encoding="utf-8"?>
+<p:sld xmlns:a="http://schemas.openxmlformats.org/drawingml/2006/main" xmlns:r="http://schemas.openxmlformats.org/officeDocument/2006/relationships" xmlns:p="http://schemas.openxmlformats.org/presentationml/2006/main">
+  <p:cSld>
+    <p:spTree>
+      <p:nvGrpSpPr>
+        <p:cNvPr id="1" name=""/>
+        <p:cNvGrpSpPr/>
+        <p:nvPr/>
+      </p:nvGrpSpPr>
+      <p:grpSpPr>
+        <a:xfrm>
+          <a:off x="0" y="0"/>
+          <a:ext cx="0" cy="0"/>
+          <a:chOff x="0" y="0"/>
+          <a:chExt cx="0" cy="0"/>
+        </a:xfrm>
+      </p:grpSpPr>
+      <p:sp>
+        <p:nvSpPr>
+          <p:cNvPr id="43075" name="Title 1"/>
+          <p:cNvSpPr txBox="1">
+            <a:spLocks/>
+          </p:cNvSpPr>
+          <p:nvPr/>
+        </p:nvSpPr>
+        <p:spPr bwMode="auto">
+          <a:xfrm>
+            <a:off x="457200" y="152400"/>
+            <a:ext cx="8229600" cy="684213"/>
+          </a:xfrm>
+          <a:prstGeom prst="rect">
+            <a:avLst/>
+          </a:prstGeom>
+          <a:noFill/>
+          <a:ln w="9525">
+            <a:noFill/>
+            <a:miter lim="800000"/>
+            <a:headEnd/>
+            <a:tailEnd/>
+          </a:ln>
+        </p:spPr>
+        <p:txBody>
+          <a:bodyPr/>
+          <a:lstStyle/>
+          <a:p>
+            <a:r>
+              <a:rPr lang="en-SG" sz="3200" dirty="0" smtClean="0">
+                <a:solidFill>
+                  <a:schemeClr val="tx2"/>
+                </a:solidFill>
+                <a:latin typeface="Bookman Old Style" pitchFamily="18" charset="0"/>
+              </a:rPr>
+              <a:t>Current Application Portfolio </a:t>
+            </a:r>
+            <a:r>
+              <a:rPr lang="en-SG" sz="3200" dirty="0" err="1" smtClean="0">
+                <a:solidFill>
+                  <a:schemeClr val="tx2"/>
+                </a:solidFill>
+                <a:latin typeface="Bookman Old Style" pitchFamily="18" charset="0"/>
+              </a:rPr>
+              <a:t>Catalog</a:t>
+            </a:r>
+            <a:endParaRPr lang="en-SG" sz="3200" dirty="0">
+              <a:solidFill>
+                <a:schemeClr val="tx2"/>
+              </a:solidFill>
+              <a:latin typeface="Bookman Old Style" pitchFamily="18" charset="0"/>
+            </a:endParaRPr>
+          </a:p>
+        </p:txBody>
+      </p:sp>
+      <p:sp>
+        <p:nvSpPr>
+          <p:cNvPr id="4" name="Rectangle 2"/>
+          <p:cNvSpPr>
+            <a:spLocks noChangeArrowheads="1"/>
+          </p:cNvSpPr>
+          <p:nvPr/>
+        </p:nvSpPr>
+        <p:spPr bwMode="auto">
+          <a:xfrm>
+            <a:off x="611560" y="836613"/>
+            <a:ext cx="9144000" cy="0"/>
+          </a:xfrm>
+          <a:prstGeom prst="rect">
+            <a:avLst/>
+          </a:prstGeom>
+          <a:noFill/>
+          <a:ln>
+            <a:noFill/>
+          </a:ln>
+          <a:effectLst/>
+          <a:extLst>
+            <a:ext uri="{909E8E84-426E-40DD-AFC4-6F175D3DCCD1}">
+              <a14:hiddenFill xmlns:a14="http://schemas.microsoft.com/office/drawing/2010/main">
+                <a:solidFill>
+                  <a:schemeClr val="accent1"/>
+                </a:solidFill>
+              </a14:hiddenFill>
+            </a:ext>
+            <a:ext uri="{91240B29-F687-4F45-9708-019B960494DF}">
+              <a14:hiddenLine xmlns:a14="http://schemas.microsoft.com/office/drawing/2010/main" w="9525">
+                <a:solidFill>
+                  <a:schemeClr val="tx1"/>
+                </a:solidFill>
+                <a:miter lim="800000"/>
+                <a:headEnd/>
+                <a:tailEnd/>
+              </a14:hiddenLine>
+            </a:ext>
+            <a:ext uri="{AF507438-7753-43E0-B8FC-AC1667EBCBE1}">
+              <a14:hiddenEffects xmlns:a14="http://schemas.microsoft.com/office/drawing/2010/main">
+                <a:effectLst>
+                  <a:outerShdw dist="35921" dir="2700000" algn="ctr" rotWithShape="0">
+                    <a:schemeClr val="bg2"/>
+                  </a:outerShdw>
+                </a:effectLst>
+              </a14:hiddenEffects>
+            </a:ext>
+          </a:extLst>
+        </p:spPr>
+        <p:txBody>
+          <a:bodyPr vert="horz" wrap="none" lIns="91440" tIns="45720" rIns="91440" bIns="45720" numCol="1" anchor="ctr" anchorCtr="0" compatLnSpc="1">
+            <a:prstTxWarp prst="textNoShape">
+              <a:avLst/>
+            </a:prstTxWarp>
+            <a:spAutoFit/>
+          </a:bodyPr>
+          <a:lstStyle/>
+          <a:p>
+            <a:endParaRPr lang="en-US"/>
+          </a:p>
+        </p:txBody>
+      </p:sp>
+      <p:graphicFrame>
+        <p:nvGraphicFramePr>
+          <p:cNvPr id="5" name="Object 4"/>
+          <p:cNvGraphicFramePr>
+            <a:graphicFrameLocks noChangeAspect="1"/>
+          </p:cNvGraphicFramePr>
+          <p:nvPr>
+            <p:extLst>
+              <p:ext uri="{D42A27DB-BD31-4B8C-83A1-F6EECF244321}">
+                <p14:modId xmlns:p14="http://schemas.microsoft.com/office/powerpoint/2010/main" val="3757152461"/>
+              </p:ext>
+            </p:extLst>
+          </p:nvPr>
+        </p:nvGraphicFramePr>
+        <p:xfrm>
+          <a:off x="611560" y="836613"/>
+          <a:ext cx="6438900" cy="4933950"/>
+        </p:xfrm>
+        <a:graphic>
+          <a:graphicData uri="http://schemas.openxmlformats.org/presentationml/2006/ole">
+            <mc:AlternateContent xmlns:mc="http://schemas.openxmlformats.org/markup-compatibility/2006">
+              <mc:Choice xmlns:v="urn:schemas-microsoft-com:vml" Requires="v">
+                <p:oleObj spid="_x0000_s63490" name="Visio" r:id="rId4" imgW="6442626" imgH="4930616" progId="Visio.Drawing.11">
+                  <p:embed/>
+                </p:oleObj>
+              </mc:Choice>
+              <mc:Fallback>
+                <p:oleObj name="Visio" r:id="rId4" imgW="6442626" imgH="4930616" progId="Visio.Drawing.11">
+                  <p:embed/>
+                  <p:pic>
+                    <p:nvPicPr>
+                      <p:cNvPr id="0" name=""/>
+                      <p:cNvPicPr>
+                        <a:picLocks noChangeAspect="1" noChangeArrowheads="1"/>
+                      </p:cNvPicPr>
+                      <p:nvPr/>
+                    </p:nvPicPr>
+                    <p:blipFill>
+                      <a:blip r:embed="rId5">
+                        <a:extLst>
+                          <a:ext uri="{28A0092B-C50C-407E-A947-70E740481C1C}">
+                            <a14:useLocalDpi xmlns:a14="http://schemas.microsoft.com/office/drawing/2010/main" val="0"/>
+                          </a:ext>
+                        </a:extLst>
+                      </a:blip>
+                      <a:srcRect/>
+                      <a:stretch>
+                        <a:fillRect/>
+                      </a:stretch>
+                    </p:blipFill>
+                    <p:spPr bwMode="auto">
+                      <a:xfrm>
+                        <a:off x="611560" y="836613"/>
+                        <a:ext cx="6438900" cy="4933950"/>
+                      </a:xfrm>
+                      <a:prstGeom prst="rect">
+                        <a:avLst/>
+                      </a:prstGeom>
+                      <a:noFill/>
+                      <a:extLst>
+                        <a:ext uri="{909E8E84-426E-40DD-AFC4-6F175D3DCCD1}">
+                          <a14:hiddenFill xmlns:a14="http://schemas.microsoft.com/office/drawing/2010/main">
+                            <a:solidFill>
+                              <a:srgbClr val="FFFFFF"/>
+                            </a:solidFill>
+                          </a14:hiddenFill>
+                        </a:ext>
+                      </a:extLst>
+                    </p:spPr>
+                  </p:pic>
+                </p:oleObj>
+              </mc:Fallback>
+            </mc:AlternateContent>
+          </a:graphicData>
+        </a:graphic>
+      </p:graphicFrame>
+    </p:spTree>
+    <p:extLst>
+      <p:ext uri="{BB962C8B-B14F-4D97-AF65-F5344CB8AC3E}">
+        <p14:creationId xmlns:p14="http://schemas.microsoft.com/office/powerpoint/2010/main" val="3787232086"/>
+      </p:ext>
+    </p:extLst>
+  </p:cSld>
+  <p:clrMapOvr>
+    <a:masterClrMapping/>
+  </p:clrMapOvr>
+  <p:timing>
+    <p:tnLst>
+      <p:par>
+        <p:cTn id="1" dur="indefinite" restart="never" nodeType="tmRoot"/>
+      </p:par>
+    </p:tnLst>
+  </p:timing>
+</p:sld>
+</file>
+
+<file path=ppt/slides/slide32.xml><?xml version="1.0" encoding="utf-8"?>
+<p:sld xmlns:a="http://schemas.openxmlformats.org/drawingml/2006/main" xmlns:r="http://schemas.openxmlformats.org/officeDocument/2006/relationships" xmlns:p="http://schemas.openxmlformats.org/presentationml/2006/main">
+  <p:cSld>
+    <p:spTree>
+      <p:nvGrpSpPr>
+        <p:cNvPr id="1" name=""/>
+        <p:cNvGrpSpPr/>
+        <p:nvPr/>
+      </p:nvGrpSpPr>
+      <p:grpSpPr>
+        <a:xfrm>
+          <a:off x="0" y="0"/>
+          <a:ext cx="0" cy="0"/>
+          <a:chOff x="0" y="0"/>
+          <a:chExt cx="0" cy="0"/>
+        </a:xfrm>
+      </p:grpSpPr>
+      <p:sp>
+        <p:nvSpPr>
+          <p:cNvPr id="43075" name="Title 1"/>
+          <p:cNvSpPr txBox="1">
+            <a:spLocks/>
+          </p:cNvSpPr>
+          <p:nvPr/>
+        </p:nvSpPr>
+        <p:spPr bwMode="auto">
+          <a:xfrm>
+            <a:off x="457200" y="152400"/>
+            <a:ext cx="8229600" cy="684213"/>
+          </a:xfrm>
+          <a:prstGeom prst="rect">
+            <a:avLst/>
+          </a:prstGeom>
+          <a:noFill/>
+          <a:ln w="9525">
+            <a:noFill/>
+            <a:miter lim="800000"/>
+            <a:headEnd/>
+            <a:tailEnd/>
+          </a:ln>
+        </p:spPr>
+        <p:txBody>
+          <a:bodyPr/>
+          <a:lstStyle/>
+          <a:p>
+            <a:r>
+              <a:rPr lang="en-SG" sz="3200" dirty="0" smtClean="0">
+                <a:solidFill>
+                  <a:schemeClr val="tx2"/>
+                </a:solidFill>
+                <a:latin typeface="Bookman Old Style" pitchFamily="18" charset="0"/>
+              </a:rPr>
+              <a:t>Current Application Portfolio </a:t>
+            </a:r>
+            <a:r>
+              <a:rPr lang="en-SG" sz="3200" dirty="0" err="1" smtClean="0">
+                <a:solidFill>
+                  <a:schemeClr val="tx2"/>
+                </a:solidFill>
+                <a:latin typeface="Bookman Old Style" pitchFamily="18" charset="0"/>
+              </a:rPr>
+              <a:t>Catalog</a:t>
+            </a:r>
+            <a:endParaRPr lang="en-SG" sz="3200" dirty="0">
+              <a:solidFill>
+                <a:schemeClr val="tx2"/>
+              </a:solidFill>
+              <a:latin typeface="Bookman Old Style" pitchFamily="18" charset="0"/>
+            </a:endParaRPr>
+          </a:p>
+        </p:txBody>
+      </p:sp>
+      <p:graphicFrame>
+        <p:nvGraphicFramePr>
+          <p:cNvPr id="3" name="Table 2"/>
+          <p:cNvGraphicFramePr>
+            <a:graphicFrameLocks noGrp="1"/>
+          </p:cNvGraphicFramePr>
+          <p:nvPr>
+            <p:extLst>
+              <p:ext uri="{D42A27DB-BD31-4B8C-83A1-F6EECF244321}">
+                <p14:modId xmlns:p14="http://schemas.microsoft.com/office/powerpoint/2010/main" val="3953042530"/>
+              </p:ext>
+            </p:extLst>
+          </p:nvPr>
+        </p:nvGraphicFramePr>
+        <p:xfrm>
+          <a:off x="539556" y="764704"/>
+          <a:ext cx="8064891" cy="5544616"/>
+        </p:xfrm>
+        <a:graphic>
+          <a:graphicData uri="http://schemas.openxmlformats.org/drawingml/2006/table">
+            <a:tbl>
+              <a:tblPr firstRow="1" firstCol="1" bandRow="1">
+                <a:tableStyleId>{5C22544A-7EE6-4342-B048-85BDC9FD1C3A}</a:tableStyleId>
+              </a:tblPr>
+              <a:tblGrid>
+                <a:gridCol w="975346"/>
+                <a:gridCol w="547108"/>
+                <a:gridCol w="617211"/>
+                <a:gridCol w="342895"/>
+                <a:gridCol w="253740"/>
+                <a:gridCol w="843525"/>
+                <a:gridCol w="407665"/>
+                <a:gridCol w="825996"/>
+                <a:gridCol w="412235"/>
+                <a:gridCol w="617211"/>
+                <a:gridCol w="425190"/>
+                <a:gridCol w="768085"/>
+                <a:gridCol w="514342"/>
+                <a:gridCol w="514342"/>
+              </a:tblGrid>
+              <a:tr h="1664746">
+                <a:tc>
+                  <a:txBody>
+                    <a:bodyPr/>
+                    <a:lstStyle/>
+                    <a:p>
+                      <a:pPr marL="0" marR="0" algn="just">
+                        <a:spcBef>
+                          <a:spcPts val="600"/>
+                        </a:spcBef>
+                        <a:spcAft>
+                          <a:spcPts val="300"/>
+                        </a:spcAft>
+                      </a:pPr>
+                      <a:r>
+                        <a:rPr lang="en-GB" sz="1000" dirty="0">
+                          <a:effectLst/>
+                        </a:rPr>
+                        <a:t>System \ Function</a:t>
+                      </a:r>
+                      <a:endParaRPr lang="en-US" sz="1000" dirty="0">
+                        <a:effectLst/>
+                        <a:latin typeface="Times New Roman" panose="02020603050405020304" pitchFamily="18" charset="0"/>
+                        <a:ea typeface="Times New Roman" panose="02020603050405020304" pitchFamily="18" charset="0"/>
+                      </a:endParaRPr>
+                    </a:p>
+                  </a:txBody>
+                  <a:tcPr marL="51600" marR="51600" marT="0" marB="0"/>
+                </a:tc>
+                <a:tc>
+                  <a:txBody>
+                    <a:bodyPr/>
+                    <a:lstStyle/>
+                    <a:p>
+                      <a:pPr marL="71755" marR="71755" algn="just">
+                        <a:spcBef>
+                          <a:spcPts val="600"/>
+                        </a:spcBef>
+                        <a:spcAft>
+                          <a:spcPts val="300"/>
+                        </a:spcAft>
+                      </a:pPr>
+                      <a:r>
+                        <a:rPr lang="en-GB" sz="1000" dirty="0">
+                          <a:effectLst/>
+                        </a:rPr>
+                        <a:t>Vessel Loading/Schedules  Maintenance</a:t>
+                      </a:r>
+                      <a:endParaRPr lang="en-US" sz="1000" dirty="0">
+                        <a:effectLst/>
+                        <a:latin typeface="Times New Roman" panose="02020603050405020304" pitchFamily="18" charset="0"/>
+                        <a:ea typeface="Times New Roman" panose="02020603050405020304" pitchFamily="18" charset="0"/>
+                      </a:endParaRPr>
+                    </a:p>
+                  </a:txBody>
+                  <a:tcPr marL="51600" marR="51600" marT="0" marB="0" vert="vert270"/>
+                </a:tc>
+                <a:tc>
+                  <a:txBody>
+                    <a:bodyPr/>
+                    <a:lstStyle/>
+                    <a:p>
+                      <a:pPr marL="71755" marR="71755" algn="just">
+                        <a:spcBef>
+                          <a:spcPts val="600"/>
+                        </a:spcBef>
+                        <a:spcAft>
+                          <a:spcPts val="300"/>
+                        </a:spcAft>
+                      </a:pPr>
+                      <a:r>
+                        <a:rPr lang="en-GB" sz="1000" dirty="0">
+                          <a:effectLst/>
+                        </a:rPr>
+                        <a:t>Container Movement Timescales Maintenance</a:t>
+                      </a:r>
+                      <a:endParaRPr lang="en-US" sz="1000" dirty="0">
+                        <a:effectLst/>
+                        <a:latin typeface="Times New Roman" panose="02020603050405020304" pitchFamily="18" charset="0"/>
+                        <a:ea typeface="Times New Roman" panose="02020603050405020304" pitchFamily="18" charset="0"/>
+                      </a:endParaRPr>
+                    </a:p>
+                  </a:txBody>
+                  <a:tcPr marL="51600" marR="51600" marT="0" marB="0" vert="vert270"/>
+                </a:tc>
+                <a:tc>
+                  <a:txBody>
+                    <a:bodyPr/>
+                    <a:lstStyle/>
+                    <a:p>
+                      <a:pPr marL="71755" marR="71755" algn="just">
+                        <a:spcBef>
+                          <a:spcPts val="600"/>
+                        </a:spcBef>
+                        <a:spcAft>
+                          <a:spcPts val="300"/>
+                        </a:spcAft>
+                      </a:pPr>
+                      <a:r>
+                        <a:rPr lang="en-GB" sz="1000" dirty="0">
+                          <a:effectLst/>
+                        </a:rPr>
+                        <a:t>Sales Order Maintenance</a:t>
+                      </a:r>
+                      <a:endParaRPr lang="en-US" sz="1000" dirty="0">
+                        <a:effectLst/>
+                        <a:latin typeface="Times New Roman" panose="02020603050405020304" pitchFamily="18" charset="0"/>
+                        <a:ea typeface="Times New Roman" panose="02020603050405020304" pitchFamily="18" charset="0"/>
+                      </a:endParaRPr>
+                    </a:p>
+                  </a:txBody>
+                  <a:tcPr marL="51600" marR="51600" marT="0" marB="0" vert="vert270"/>
+                </a:tc>
+                <a:tc>
+                  <a:txBody>
+                    <a:bodyPr/>
+                    <a:lstStyle/>
+                    <a:p>
+                      <a:pPr marL="71755" marR="71755" algn="just">
+                        <a:spcBef>
+                          <a:spcPts val="600"/>
+                        </a:spcBef>
+                        <a:spcAft>
+                          <a:spcPts val="300"/>
+                        </a:spcAft>
+                      </a:pPr>
+                      <a:r>
+                        <a:rPr lang="en-GB" sz="1000">
+                          <a:effectLst/>
+                        </a:rPr>
+                        <a:t>Billing Maintenance</a:t>
+                      </a:r>
+                      <a:endParaRPr lang="en-US" sz="1000">
+                        <a:effectLst/>
+                        <a:latin typeface="Times New Roman" panose="02020603050405020304" pitchFamily="18" charset="0"/>
+                        <a:ea typeface="Times New Roman" panose="02020603050405020304" pitchFamily="18" charset="0"/>
+                      </a:endParaRPr>
+                    </a:p>
+                  </a:txBody>
+                  <a:tcPr marL="51600" marR="51600" marT="0" marB="0" vert="vert270"/>
+                </a:tc>
+                <a:tc>
+                  <a:txBody>
+                    <a:bodyPr/>
+                    <a:lstStyle/>
+                    <a:p>
+                      <a:pPr marL="71755" marR="71755" algn="just">
+                        <a:spcBef>
+                          <a:spcPts val="600"/>
+                        </a:spcBef>
+                        <a:spcAft>
+                          <a:spcPts val="300"/>
+                        </a:spcAft>
+                      </a:pPr>
+                      <a:r>
+                        <a:rPr lang="en-GB" sz="1000" dirty="0">
+                          <a:effectLst/>
+                        </a:rPr>
+                        <a:t>Distribute empty shipping containers by Prediction Engine or Manual Intervention</a:t>
+                      </a:r>
+                      <a:endParaRPr lang="en-US" sz="1000" dirty="0">
+                        <a:effectLst/>
+                        <a:latin typeface="Times New Roman" panose="02020603050405020304" pitchFamily="18" charset="0"/>
+                        <a:ea typeface="Times New Roman" panose="02020603050405020304" pitchFamily="18" charset="0"/>
+                      </a:endParaRPr>
+                    </a:p>
+                  </a:txBody>
+                  <a:tcPr marL="51600" marR="51600" marT="0" marB="0" vert="vert270"/>
+                </a:tc>
+                <a:tc>
+                  <a:txBody>
+                    <a:bodyPr/>
+                    <a:lstStyle/>
+                    <a:p>
+                      <a:pPr marL="71755" marR="71755" algn="just">
+                        <a:spcBef>
+                          <a:spcPts val="600"/>
+                        </a:spcBef>
+                        <a:spcAft>
+                          <a:spcPts val="300"/>
+                        </a:spcAft>
+                      </a:pPr>
+                      <a:r>
+                        <a:rPr lang="en-GB" sz="1000" dirty="0">
+                          <a:effectLst/>
+                        </a:rPr>
+                        <a:t>Track sales of empty containers</a:t>
+                      </a:r>
+                      <a:endParaRPr lang="en-US" sz="1000" dirty="0">
+                        <a:effectLst/>
+                        <a:latin typeface="Times New Roman" panose="02020603050405020304" pitchFamily="18" charset="0"/>
+                        <a:ea typeface="Times New Roman" panose="02020603050405020304" pitchFamily="18" charset="0"/>
+                      </a:endParaRPr>
+                    </a:p>
+                  </a:txBody>
+                  <a:tcPr marL="51600" marR="51600" marT="0" marB="0" vert="vert270"/>
+                </a:tc>
+                <a:tc>
+                  <a:txBody>
+                    <a:bodyPr/>
+                    <a:lstStyle/>
+                    <a:p>
+                      <a:pPr marL="71755" marR="71755" algn="just">
+                        <a:spcBef>
+                          <a:spcPts val="600"/>
+                        </a:spcBef>
+                        <a:spcAft>
+                          <a:spcPts val="300"/>
+                        </a:spcAft>
+                      </a:pPr>
+                      <a:r>
+                        <a:rPr lang="en-GB" sz="1000">
+                          <a:effectLst/>
+                        </a:rPr>
+                        <a:t>Track transfer of containers from SG’s vessels to 3</a:t>
+                      </a:r>
+                      <a:r>
+                        <a:rPr lang="en-GB" sz="1000" baseline="30000">
+                          <a:effectLst/>
+                        </a:rPr>
+                        <a:t>rd</a:t>
+                      </a:r>
+                      <a:r>
+                        <a:rPr lang="en-GB" sz="1000">
+                          <a:effectLst/>
+                        </a:rPr>
+                        <a:t> party vessels</a:t>
+                      </a:r>
+                      <a:endParaRPr lang="en-US" sz="1000">
+                        <a:effectLst/>
+                        <a:latin typeface="Times New Roman" panose="02020603050405020304" pitchFamily="18" charset="0"/>
+                        <a:ea typeface="Times New Roman" panose="02020603050405020304" pitchFamily="18" charset="0"/>
+                      </a:endParaRPr>
+                    </a:p>
+                  </a:txBody>
+                  <a:tcPr marL="51600" marR="51600" marT="0" marB="0" vert="vert270"/>
+                </a:tc>
+                <a:tc>
+                  <a:txBody>
+                    <a:bodyPr/>
+                    <a:lstStyle/>
+                    <a:p>
+                      <a:pPr marL="71755" marR="71755" algn="just">
+                        <a:spcBef>
+                          <a:spcPts val="600"/>
+                        </a:spcBef>
+                        <a:spcAft>
+                          <a:spcPts val="300"/>
+                        </a:spcAft>
+                      </a:pPr>
+                      <a:r>
+                        <a:rPr lang="en-GB" sz="1000">
+                          <a:effectLst/>
+                        </a:rPr>
+                        <a:t>Marketing literature</a:t>
+                      </a:r>
+                      <a:endParaRPr lang="en-US" sz="1000">
+                        <a:effectLst/>
+                        <a:latin typeface="Times New Roman" panose="02020603050405020304" pitchFamily="18" charset="0"/>
+                        <a:ea typeface="Times New Roman" panose="02020603050405020304" pitchFamily="18" charset="0"/>
+                      </a:endParaRPr>
+                    </a:p>
+                  </a:txBody>
+                  <a:tcPr marL="51600" marR="51600" marT="0" marB="0" vert="vert270"/>
+                </a:tc>
+                <a:tc>
+                  <a:txBody>
+                    <a:bodyPr/>
+                    <a:lstStyle/>
+                    <a:p>
+                      <a:pPr marL="71755" marR="71755" algn="just">
+                        <a:spcBef>
+                          <a:spcPts val="600"/>
+                        </a:spcBef>
+                        <a:spcAft>
+                          <a:spcPts val="300"/>
+                        </a:spcAft>
+                      </a:pPr>
+                      <a:r>
+                        <a:rPr lang="en-GB" sz="1000">
+                          <a:effectLst/>
+                        </a:rPr>
+                        <a:t>Account and Financial Information</a:t>
+                      </a:r>
+                      <a:endParaRPr lang="en-US" sz="1000">
+                        <a:effectLst/>
+                        <a:latin typeface="Times New Roman" panose="02020603050405020304" pitchFamily="18" charset="0"/>
+                        <a:ea typeface="Times New Roman" panose="02020603050405020304" pitchFamily="18" charset="0"/>
+                      </a:endParaRPr>
+                    </a:p>
+                  </a:txBody>
+                  <a:tcPr marL="51600" marR="51600" marT="0" marB="0" vert="vert270"/>
+                </a:tc>
+                <a:tc>
+                  <a:txBody>
+                    <a:bodyPr/>
+                    <a:lstStyle/>
+                    <a:p>
+                      <a:pPr marL="71755" marR="71755" algn="just">
+                        <a:spcBef>
+                          <a:spcPts val="600"/>
+                        </a:spcBef>
+                        <a:spcAft>
+                          <a:spcPts val="300"/>
+                        </a:spcAft>
+                      </a:pPr>
+                      <a:r>
+                        <a:rPr lang="en-GB" sz="1000">
+                          <a:effectLst/>
+                        </a:rPr>
+                        <a:t>Payment</a:t>
+                      </a:r>
+                      <a:endParaRPr lang="en-US" sz="1000">
+                        <a:effectLst/>
+                        <a:latin typeface="Times New Roman" panose="02020603050405020304" pitchFamily="18" charset="0"/>
+                        <a:ea typeface="Times New Roman" panose="02020603050405020304" pitchFamily="18" charset="0"/>
+                      </a:endParaRPr>
+                    </a:p>
+                  </a:txBody>
+                  <a:tcPr marL="51600" marR="51600" marT="0" marB="0" vert="vert270"/>
+                </a:tc>
+                <a:tc>
+                  <a:txBody>
+                    <a:bodyPr/>
+                    <a:lstStyle/>
+                    <a:p>
+                      <a:pPr marL="71755" marR="71755" algn="just">
+                        <a:spcBef>
+                          <a:spcPts val="600"/>
+                        </a:spcBef>
+                        <a:spcAft>
+                          <a:spcPts val="300"/>
+                        </a:spcAft>
+                      </a:pPr>
+                      <a:r>
+                        <a:rPr lang="en-GB" sz="1000">
+                          <a:effectLst/>
+                        </a:rPr>
+                        <a:t>Human Resource Maintenance</a:t>
+                      </a:r>
+                      <a:endParaRPr lang="en-US" sz="1000">
+                        <a:effectLst/>
+                        <a:latin typeface="Times New Roman" panose="02020603050405020304" pitchFamily="18" charset="0"/>
+                        <a:ea typeface="Times New Roman" panose="02020603050405020304" pitchFamily="18" charset="0"/>
+                      </a:endParaRPr>
+                    </a:p>
+                  </a:txBody>
+                  <a:tcPr marL="51600" marR="51600" marT="0" marB="0" vert="vert270"/>
+                </a:tc>
+                <a:tc>
+                  <a:txBody>
+                    <a:bodyPr/>
+                    <a:lstStyle/>
+                    <a:p>
+                      <a:pPr marL="71755" marR="71755" algn="just">
+                        <a:spcBef>
+                          <a:spcPts val="600"/>
+                        </a:spcBef>
+                        <a:spcAft>
+                          <a:spcPts val="300"/>
+                        </a:spcAft>
+                      </a:pPr>
+                      <a:r>
+                        <a:rPr lang="en-GB" sz="1000">
+                          <a:effectLst/>
+                        </a:rPr>
+                        <a:t>Reporting Function</a:t>
+                      </a:r>
+                      <a:endParaRPr lang="en-US" sz="1000">
+                        <a:effectLst/>
+                        <a:latin typeface="Times New Roman" panose="02020603050405020304" pitchFamily="18" charset="0"/>
+                        <a:ea typeface="Times New Roman" panose="02020603050405020304" pitchFamily="18" charset="0"/>
+                      </a:endParaRPr>
+                    </a:p>
+                  </a:txBody>
+                  <a:tcPr marL="51600" marR="51600" marT="0" marB="0" vert="vert270"/>
+                </a:tc>
+                <a:tc>
+                  <a:txBody>
+                    <a:bodyPr/>
+                    <a:lstStyle/>
+                    <a:p>
+                      <a:pPr marL="71755" marR="71755" algn="just">
+                        <a:spcBef>
+                          <a:spcPts val="600"/>
+                        </a:spcBef>
+                        <a:spcAft>
+                          <a:spcPts val="300"/>
+                        </a:spcAft>
+                      </a:pPr>
+                      <a:r>
+                        <a:rPr lang="en-GB" sz="1000">
+                          <a:effectLst/>
+                        </a:rPr>
+                        <a:t>Shipment Tracking Maintenance</a:t>
+                      </a:r>
+                      <a:endParaRPr lang="en-US" sz="1000">
+                        <a:effectLst/>
+                        <a:latin typeface="Times New Roman" panose="02020603050405020304" pitchFamily="18" charset="0"/>
+                        <a:ea typeface="Times New Roman" panose="02020603050405020304" pitchFamily="18" charset="0"/>
+                      </a:endParaRPr>
+                    </a:p>
+                  </a:txBody>
+                  <a:tcPr marL="51600" marR="51600" marT="0" marB="0" vert="vert270"/>
+                </a:tc>
+              </a:tr>
+              <a:tr h="809421">
+                <a:tc>
+                  <a:txBody>
+                    <a:bodyPr/>
+                    <a:lstStyle/>
+                    <a:p>
+                      <a:pPr marL="0" marR="0" algn="just">
+                        <a:spcBef>
+                          <a:spcPts val="600"/>
+                        </a:spcBef>
+                        <a:spcAft>
+                          <a:spcPts val="300"/>
+                        </a:spcAft>
+                      </a:pPr>
+                      <a:r>
+                        <a:rPr lang="en-GB" sz="1000" dirty="0">
+                          <a:effectLst/>
+                        </a:rPr>
+                        <a:t>Vessel and Container Movement System (VCMS)</a:t>
+                      </a:r>
+                      <a:endParaRPr lang="en-US" sz="1000" dirty="0">
+                        <a:effectLst/>
+                        <a:latin typeface="Times New Roman" panose="02020603050405020304" pitchFamily="18" charset="0"/>
+                        <a:ea typeface="Times New Roman" panose="02020603050405020304" pitchFamily="18" charset="0"/>
+                      </a:endParaRPr>
+                    </a:p>
+                  </a:txBody>
+                  <a:tcPr marL="51600" marR="51600" marT="0" marB="0"/>
+                </a:tc>
+                <a:tc>
+                  <a:txBody>
+                    <a:bodyPr/>
+                    <a:lstStyle/>
+                    <a:p>
+                      <a:pPr marL="0" marR="0" algn="just">
+                        <a:spcBef>
+                          <a:spcPts val="600"/>
+                        </a:spcBef>
+                        <a:spcAft>
+                          <a:spcPts val="300"/>
+                        </a:spcAft>
+                      </a:pPr>
+                      <a:r>
+                        <a:rPr lang="en-GB" sz="1000">
+                          <a:effectLst/>
+                        </a:rPr>
+                        <a:t>X</a:t>
+                      </a:r>
+                      <a:endParaRPr lang="en-US" sz="1000">
+                        <a:effectLst/>
+                        <a:latin typeface="Times New Roman" panose="02020603050405020304" pitchFamily="18" charset="0"/>
+                        <a:ea typeface="Times New Roman" panose="02020603050405020304" pitchFamily="18" charset="0"/>
+                      </a:endParaRPr>
+                    </a:p>
+                  </a:txBody>
+                  <a:tcPr marL="51600" marR="51600" marT="0" marB="0"/>
+                </a:tc>
+                <a:tc>
+                  <a:txBody>
+                    <a:bodyPr/>
+                    <a:lstStyle/>
+                    <a:p>
+                      <a:pPr marL="0" marR="0" algn="just">
+                        <a:spcBef>
+                          <a:spcPts val="600"/>
+                        </a:spcBef>
+                        <a:spcAft>
+                          <a:spcPts val="300"/>
+                        </a:spcAft>
+                      </a:pPr>
+                      <a:r>
+                        <a:rPr lang="en-GB" sz="1000">
+                          <a:effectLst/>
+                        </a:rPr>
+                        <a:t>X</a:t>
+                      </a:r>
+                      <a:endParaRPr lang="en-US" sz="1000">
+                        <a:effectLst/>
+                        <a:latin typeface="Times New Roman" panose="02020603050405020304" pitchFamily="18" charset="0"/>
+                        <a:ea typeface="Times New Roman" panose="02020603050405020304" pitchFamily="18" charset="0"/>
+                      </a:endParaRPr>
+                    </a:p>
+                  </a:txBody>
+                  <a:tcPr marL="51600" marR="51600" marT="0" marB="0"/>
+                </a:tc>
+                <a:tc>
+                  <a:txBody>
+                    <a:bodyPr/>
+                    <a:lstStyle/>
+                    <a:p>
+                      <a:pPr marL="0" marR="0" algn="just">
+                        <a:spcBef>
+                          <a:spcPts val="600"/>
+                        </a:spcBef>
+                        <a:spcAft>
+                          <a:spcPts val="300"/>
+                        </a:spcAft>
+                      </a:pPr>
+                      <a:r>
+                        <a:rPr lang="en-GB" sz="1000">
+                          <a:effectLst/>
+                        </a:rPr>
+                        <a:t> </a:t>
+                      </a:r>
+                      <a:endParaRPr lang="en-US" sz="1000">
+                        <a:effectLst/>
+                        <a:latin typeface="Times New Roman" panose="02020603050405020304" pitchFamily="18" charset="0"/>
+                        <a:ea typeface="Times New Roman" panose="02020603050405020304" pitchFamily="18" charset="0"/>
+                      </a:endParaRPr>
+                    </a:p>
+                  </a:txBody>
+                  <a:tcPr marL="51600" marR="51600" marT="0" marB="0"/>
+                </a:tc>
+                <a:tc>
+                  <a:txBody>
+                    <a:bodyPr/>
+                    <a:lstStyle/>
+                    <a:p>
+                      <a:pPr marL="0" marR="0" algn="just">
+                        <a:spcBef>
+                          <a:spcPts val="600"/>
+                        </a:spcBef>
+                        <a:spcAft>
+                          <a:spcPts val="300"/>
+                        </a:spcAft>
+                      </a:pPr>
+                      <a:r>
+                        <a:rPr lang="en-GB" sz="1000">
+                          <a:effectLst/>
+                        </a:rPr>
+                        <a:t> </a:t>
+                      </a:r>
+                      <a:endParaRPr lang="en-US" sz="1000">
+                        <a:effectLst/>
+                        <a:latin typeface="Times New Roman" panose="02020603050405020304" pitchFamily="18" charset="0"/>
+                        <a:ea typeface="Times New Roman" panose="02020603050405020304" pitchFamily="18" charset="0"/>
+                      </a:endParaRPr>
+                    </a:p>
+                  </a:txBody>
+                  <a:tcPr marL="51600" marR="51600" marT="0" marB="0"/>
+                </a:tc>
+                <a:tc>
+                  <a:txBody>
+                    <a:bodyPr/>
+                    <a:lstStyle/>
+                    <a:p>
+                      <a:pPr marL="0" marR="0" algn="just">
+                        <a:spcBef>
+                          <a:spcPts val="600"/>
+                        </a:spcBef>
+                        <a:spcAft>
+                          <a:spcPts val="300"/>
+                        </a:spcAft>
+                      </a:pPr>
+                      <a:r>
+                        <a:rPr lang="en-GB" sz="1000" dirty="0">
+                          <a:effectLst/>
+                        </a:rPr>
+                        <a:t>X</a:t>
+                      </a:r>
+                      <a:endParaRPr lang="en-US" sz="1000" dirty="0">
+                        <a:effectLst/>
+                        <a:latin typeface="Times New Roman" panose="02020603050405020304" pitchFamily="18" charset="0"/>
+                        <a:ea typeface="Times New Roman" panose="02020603050405020304" pitchFamily="18" charset="0"/>
+                      </a:endParaRPr>
+                    </a:p>
+                  </a:txBody>
+                  <a:tcPr marL="51600" marR="51600" marT="0" marB="0"/>
+                </a:tc>
+                <a:tc>
+                  <a:txBody>
+                    <a:bodyPr/>
+                    <a:lstStyle/>
+                    <a:p>
+                      <a:pPr marL="0" marR="0" algn="just">
+                        <a:spcBef>
+                          <a:spcPts val="600"/>
+                        </a:spcBef>
+                        <a:spcAft>
+                          <a:spcPts val="300"/>
+                        </a:spcAft>
+                      </a:pPr>
+                      <a:r>
+                        <a:rPr lang="en-GB" sz="1000" dirty="0">
+                          <a:effectLst/>
+                        </a:rPr>
+                        <a:t>X</a:t>
+                      </a:r>
+                      <a:endParaRPr lang="en-US" sz="1000" dirty="0">
+                        <a:effectLst/>
+                        <a:latin typeface="Times New Roman" panose="02020603050405020304" pitchFamily="18" charset="0"/>
+                        <a:ea typeface="Times New Roman" panose="02020603050405020304" pitchFamily="18" charset="0"/>
+                      </a:endParaRPr>
+                    </a:p>
+                  </a:txBody>
+                  <a:tcPr marL="51600" marR="51600" marT="0" marB="0"/>
+                </a:tc>
+                <a:tc>
+                  <a:txBody>
+                    <a:bodyPr/>
+                    <a:lstStyle/>
+                    <a:p>
+                      <a:pPr marL="0" marR="0" algn="just">
+                        <a:spcBef>
+                          <a:spcPts val="600"/>
+                        </a:spcBef>
+                        <a:spcAft>
+                          <a:spcPts val="300"/>
+                        </a:spcAft>
+                      </a:pPr>
+                      <a:r>
+                        <a:rPr lang="en-GB" sz="1000" dirty="0">
+                          <a:effectLst/>
+                        </a:rPr>
+                        <a:t>X</a:t>
+                      </a:r>
+                      <a:endParaRPr lang="en-US" sz="1000" dirty="0">
+                        <a:effectLst/>
+                        <a:latin typeface="Times New Roman" panose="02020603050405020304" pitchFamily="18" charset="0"/>
+                        <a:ea typeface="Times New Roman" panose="02020603050405020304" pitchFamily="18" charset="0"/>
+                      </a:endParaRPr>
+                    </a:p>
+                  </a:txBody>
+                  <a:tcPr marL="51600" marR="51600" marT="0" marB="0"/>
+                </a:tc>
+                <a:tc>
+                  <a:txBody>
+                    <a:bodyPr/>
+                    <a:lstStyle/>
+                    <a:p>
+                      <a:pPr marL="0" marR="0" algn="just">
+                        <a:spcBef>
+                          <a:spcPts val="600"/>
+                        </a:spcBef>
+                        <a:spcAft>
+                          <a:spcPts val="300"/>
+                        </a:spcAft>
+                      </a:pPr>
+                      <a:r>
+                        <a:rPr lang="en-GB" sz="1000">
+                          <a:effectLst/>
+                        </a:rPr>
+                        <a:t> </a:t>
+                      </a:r>
+                      <a:endParaRPr lang="en-US" sz="1000">
+                        <a:effectLst/>
+                        <a:latin typeface="Times New Roman" panose="02020603050405020304" pitchFamily="18" charset="0"/>
+                        <a:ea typeface="Times New Roman" panose="02020603050405020304" pitchFamily="18" charset="0"/>
+                      </a:endParaRPr>
+                    </a:p>
+                  </a:txBody>
+                  <a:tcPr marL="51600" marR="51600" marT="0" marB="0"/>
+                </a:tc>
+                <a:tc>
+                  <a:txBody>
+                    <a:bodyPr/>
+                    <a:lstStyle/>
+                    <a:p>
+                      <a:pPr marL="0" marR="0" algn="just">
+                        <a:spcBef>
+                          <a:spcPts val="600"/>
+                        </a:spcBef>
+                        <a:spcAft>
+                          <a:spcPts val="300"/>
+                        </a:spcAft>
+                      </a:pPr>
+                      <a:r>
+                        <a:rPr lang="en-GB" sz="1000">
+                          <a:effectLst/>
+                        </a:rPr>
+                        <a:t> </a:t>
+                      </a:r>
+                      <a:endParaRPr lang="en-US" sz="1000">
+                        <a:effectLst/>
+                        <a:latin typeface="Times New Roman" panose="02020603050405020304" pitchFamily="18" charset="0"/>
+                        <a:ea typeface="Times New Roman" panose="02020603050405020304" pitchFamily="18" charset="0"/>
+                      </a:endParaRPr>
+                    </a:p>
+                  </a:txBody>
+                  <a:tcPr marL="51600" marR="51600" marT="0" marB="0"/>
+                </a:tc>
+                <a:tc>
+                  <a:txBody>
+                    <a:bodyPr/>
+                    <a:lstStyle/>
+                    <a:p>
+                      <a:pPr marL="0" marR="0" algn="just">
+                        <a:spcBef>
+                          <a:spcPts val="600"/>
+                        </a:spcBef>
+                        <a:spcAft>
+                          <a:spcPts val="300"/>
+                        </a:spcAft>
+                      </a:pPr>
+                      <a:r>
+                        <a:rPr lang="en-GB" sz="1000">
+                          <a:effectLst/>
+                        </a:rPr>
+                        <a:t> </a:t>
+                      </a:r>
+                      <a:endParaRPr lang="en-US" sz="1000">
+                        <a:effectLst/>
+                        <a:latin typeface="Times New Roman" panose="02020603050405020304" pitchFamily="18" charset="0"/>
+                        <a:ea typeface="Times New Roman" panose="02020603050405020304" pitchFamily="18" charset="0"/>
+                      </a:endParaRPr>
+                    </a:p>
+                  </a:txBody>
+                  <a:tcPr marL="51600" marR="51600" marT="0" marB="0"/>
+                </a:tc>
+                <a:tc>
+                  <a:txBody>
+                    <a:bodyPr/>
+                    <a:lstStyle/>
+                    <a:p>
+                      <a:pPr marL="0" marR="0" algn="just">
+                        <a:spcBef>
+                          <a:spcPts val="600"/>
+                        </a:spcBef>
+                        <a:spcAft>
+                          <a:spcPts val="300"/>
+                        </a:spcAft>
+                      </a:pPr>
+                      <a:r>
+                        <a:rPr lang="en-GB" sz="1000">
+                          <a:effectLst/>
+                        </a:rPr>
+                        <a:t> </a:t>
+                      </a:r>
+                      <a:endParaRPr lang="en-US" sz="1000">
+                        <a:effectLst/>
+                        <a:latin typeface="Times New Roman" panose="02020603050405020304" pitchFamily="18" charset="0"/>
+                        <a:ea typeface="Times New Roman" panose="02020603050405020304" pitchFamily="18" charset="0"/>
+                      </a:endParaRPr>
+                    </a:p>
+                  </a:txBody>
+                  <a:tcPr marL="51600" marR="51600" marT="0" marB="0"/>
+                </a:tc>
+                <a:tc>
+                  <a:txBody>
+                    <a:bodyPr/>
+                    <a:lstStyle/>
+                    <a:p>
+                      <a:pPr marL="0" marR="0" algn="just">
+                        <a:spcBef>
+                          <a:spcPts val="600"/>
+                        </a:spcBef>
+                        <a:spcAft>
+                          <a:spcPts val="300"/>
+                        </a:spcAft>
+                      </a:pPr>
+                      <a:r>
+                        <a:rPr lang="en-GB" sz="1000">
+                          <a:effectLst/>
+                        </a:rPr>
+                        <a:t> </a:t>
+                      </a:r>
+                      <a:endParaRPr lang="en-US" sz="1000">
+                        <a:effectLst/>
+                        <a:latin typeface="Times New Roman" panose="02020603050405020304" pitchFamily="18" charset="0"/>
+                        <a:ea typeface="Times New Roman" panose="02020603050405020304" pitchFamily="18" charset="0"/>
+                      </a:endParaRPr>
+                    </a:p>
+                  </a:txBody>
+                  <a:tcPr marL="51600" marR="51600" marT="0" marB="0"/>
+                </a:tc>
+                <a:tc>
+                  <a:txBody>
+                    <a:bodyPr/>
+                    <a:lstStyle/>
+                    <a:p>
+                      <a:pPr marL="0" marR="0" algn="just">
+                        <a:spcBef>
+                          <a:spcPts val="600"/>
+                        </a:spcBef>
+                        <a:spcAft>
+                          <a:spcPts val="300"/>
+                        </a:spcAft>
+                      </a:pPr>
+                      <a:r>
+                        <a:rPr lang="en-GB" sz="1000">
+                          <a:effectLst/>
+                        </a:rPr>
+                        <a:t> </a:t>
+                      </a:r>
+                      <a:endParaRPr lang="en-US" sz="1000">
+                        <a:effectLst/>
+                        <a:latin typeface="Times New Roman" panose="02020603050405020304" pitchFamily="18" charset="0"/>
+                        <a:ea typeface="Times New Roman" panose="02020603050405020304" pitchFamily="18" charset="0"/>
+                      </a:endParaRPr>
+                    </a:p>
+                  </a:txBody>
+                  <a:tcPr marL="51600" marR="51600" marT="0" marB="0"/>
+                </a:tc>
+              </a:tr>
+              <a:tr h="697830">
+                <a:tc>
+                  <a:txBody>
+                    <a:bodyPr/>
+                    <a:lstStyle/>
+                    <a:p>
+                      <a:pPr marL="0" marR="0" algn="just">
+                        <a:spcBef>
+                          <a:spcPts val="600"/>
+                        </a:spcBef>
+                        <a:spcAft>
+                          <a:spcPts val="300"/>
+                        </a:spcAft>
+                      </a:pPr>
+                      <a:r>
+                        <a:rPr lang="en-GB" sz="1000">
+                          <a:effectLst/>
+                        </a:rPr>
+                        <a:t>Sales and Customer Billing System (SCBS)</a:t>
+                      </a:r>
+                      <a:endParaRPr lang="en-US" sz="1000">
+                        <a:effectLst/>
+                        <a:latin typeface="Times New Roman" panose="02020603050405020304" pitchFamily="18" charset="0"/>
+                        <a:ea typeface="Times New Roman" panose="02020603050405020304" pitchFamily="18" charset="0"/>
+                      </a:endParaRPr>
+                    </a:p>
+                  </a:txBody>
+                  <a:tcPr marL="51600" marR="51600" marT="0" marB="0"/>
+                </a:tc>
+                <a:tc>
+                  <a:txBody>
+                    <a:bodyPr/>
+                    <a:lstStyle/>
+                    <a:p>
+                      <a:pPr marL="0" marR="0" algn="just">
+                        <a:spcBef>
+                          <a:spcPts val="600"/>
+                        </a:spcBef>
+                        <a:spcAft>
+                          <a:spcPts val="300"/>
+                        </a:spcAft>
+                      </a:pPr>
+                      <a:r>
+                        <a:rPr lang="en-GB" sz="1000">
+                          <a:effectLst/>
+                        </a:rPr>
+                        <a:t> </a:t>
+                      </a:r>
+                      <a:endParaRPr lang="en-US" sz="1000">
+                        <a:effectLst/>
+                        <a:latin typeface="Times New Roman" panose="02020603050405020304" pitchFamily="18" charset="0"/>
+                        <a:ea typeface="Times New Roman" panose="02020603050405020304" pitchFamily="18" charset="0"/>
+                      </a:endParaRPr>
+                    </a:p>
+                  </a:txBody>
+                  <a:tcPr marL="51600" marR="51600" marT="0" marB="0"/>
+                </a:tc>
+                <a:tc>
+                  <a:txBody>
+                    <a:bodyPr/>
+                    <a:lstStyle/>
+                    <a:p>
+                      <a:pPr marL="0" marR="0" algn="just">
+                        <a:spcBef>
+                          <a:spcPts val="600"/>
+                        </a:spcBef>
+                        <a:spcAft>
+                          <a:spcPts val="300"/>
+                        </a:spcAft>
+                      </a:pPr>
+                      <a:r>
+                        <a:rPr lang="en-GB" sz="1000">
+                          <a:effectLst/>
+                        </a:rPr>
+                        <a:t> </a:t>
+                      </a:r>
+                      <a:endParaRPr lang="en-US" sz="1000">
+                        <a:effectLst/>
+                        <a:latin typeface="Times New Roman" panose="02020603050405020304" pitchFamily="18" charset="0"/>
+                        <a:ea typeface="Times New Roman" panose="02020603050405020304" pitchFamily="18" charset="0"/>
+                      </a:endParaRPr>
+                    </a:p>
+                  </a:txBody>
+                  <a:tcPr marL="51600" marR="51600" marT="0" marB="0"/>
+                </a:tc>
+                <a:tc>
+                  <a:txBody>
+                    <a:bodyPr/>
+                    <a:lstStyle/>
+                    <a:p>
+                      <a:pPr marL="0" marR="0" algn="just">
+                        <a:spcBef>
+                          <a:spcPts val="600"/>
+                        </a:spcBef>
+                        <a:spcAft>
+                          <a:spcPts val="300"/>
+                        </a:spcAft>
+                      </a:pPr>
+                      <a:r>
+                        <a:rPr lang="en-GB" sz="1000">
+                          <a:effectLst/>
+                        </a:rPr>
+                        <a:t>X</a:t>
+                      </a:r>
+                      <a:endParaRPr lang="en-US" sz="1000">
+                        <a:effectLst/>
+                        <a:latin typeface="Times New Roman" panose="02020603050405020304" pitchFamily="18" charset="0"/>
+                        <a:ea typeface="Times New Roman" panose="02020603050405020304" pitchFamily="18" charset="0"/>
+                      </a:endParaRPr>
+                    </a:p>
+                  </a:txBody>
+                  <a:tcPr marL="51600" marR="51600" marT="0" marB="0"/>
+                </a:tc>
+                <a:tc>
+                  <a:txBody>
+                    <a:bodyPr/>
+                    <a:lstStyle/>
+                    <a:p>
+                      <a:pPr marL="0" marR="0" algn="just">
+                        <a:spcBef>
+                          <a:spcPts val="600"/>
+                        </a:spcBef>
+                        <a:spcAft>
+                          <a:spcPts val="300"/>
+                        </a:spcAft>
+                      </a:pPr>
+                      <a:r>
+                        <a:rPr lang="en-GB" sz="1000">
+                          <a:effectLst/>
+                        </a:rPr>
+                        <a:t>X</a:t>
+                      </a:r>
+                      <a:endParaRPr lang="en-US" sz="1000">
+                        <a:effectLst/>
+                        <a:latin typeface="Times New Roman" panose="02020603050405020304" pitchFamily="18" charset="0"/>
+                        <a:ea typeface="Times New Roman" panose="02020603050405020304" pitchFamily="18" charset="0"/>
+                      </a:endParaRPr>
+                    </a:p>
+                  </a:txBody>
+                  <a:tcPr marL="51600" marR="51600" marT="0" marB="0"/>
+                </a:tc>
+                <a:tc>
+                  <a:txBody>
+                    <a:bodyPr/>
+                    <a:lstStyle/>
+                    <a:p>
+                      <a:pPr marL="0" marR="0" algn="just">
+                        <a:spcBef>
+                          <a:spcPts val="600"/>
+                        </a:spcBef>
+                        <a:spcAft>
+                          <a:spcPts val="300"/>
+                        </a:spcAft>
+                      </a:pPr>
+                      <a:r>
+                        <a:rPr lang="en-GB" sz="1000">
+                          <a:effectLst/>
+                        </a:rPr>
+                        <a:t> </a:t>
+                      </a:r>
+                      <a:endParaRPr lang="en-US" sz="1000">
+                        <a:effectLst/>
+                        <a:latin typeface="Times New Roman" panose="02020603050405020304" pitchFamily="18" charset="0"/>
+                        <a:ea typeface="Times New Roman" panose="02020603050405020304" pitchFamily="18" charset="0"/>
+                      </a:endParaRPr>
+                    </a:p>
+                  </a:txBody>
+                  <a:tcPr marL="51600" marR="51600" marT="0" marB="0"/>
+                </a:tc>
+                <a:tc>
+                  <a:txBody>
+                    <a:bodyPr/>
+                    <a:lstStyle/>
+                    <a:p>
+                      <a:pPr marL="0" marR="0" algn="just">
+                        <a:spcBef>
+                          <a:spcPts val="600"/>
+                        </a:spcBef>
+                        <a:spcAft>
+                          <a:spcPts val="300"/>
+                        </a:spcAft>
+                      </a:pPr>
+                      <a:r>
+                        <a:rPr lang="en-GB" sz="1000">
+                          <a:effectLst/>
+                        </a:rPr>
+                        <a:t> </a:t>
+                      </a:r>
+                      <a:endParaRPr lang="en-US" sz="1000">
+                        <a:effectLst/>
+                        <a:latin typeface="Times New Roman" panose="02020603050405020304" pitchFamily="18" charset="0"/>
+                        <a:ea typeface="Times New Roman" panose="02020603050405020304" pitchFamily="18" charset="0"/>
+                      </a:endParaRPr>
+                    </a:p>
+                  </a:txBody>
+                  <a:tcPr marL="51600" marR="51600" marT="0" marB="0"/>
+                </a:tc>
+                <a:tc>
+                  <a:txBody>
+                    <a:bodyPr/>
+                    <a:lstStyle/>
+                    <a:p>
+                      <a:pPr marL="0" marR="0" algn="just">
+                        <a:spcBef>
+                          <a:spcPts val="600"/>
+                        </a:spcBef>
+                        <a:spcAft>
+                          <a:spcPts val="300"/>
+                        </a:spcAft>
+                      </a:pPr>
+                      <a:r>
+                        <a:rPr lang="en-GB" sz="1000" dirty="0">
+                          <a:effectLst/>
+                        </a:rPr>
+                        <a:t> </a:t>
+                      </a:r>
+                      <a:endParaRPr lang="en-US" sz="1000" dirty="0">
+                        <a:effectLst/>
+                        <a:latin typeface="Times New Roman" panose="02020603050405020304" pitchFamily="18" charset="0"/>
+                        <a:ea typeface="Times New Roman" panose="02020603050405020304" pitchFamily="18" charset="0"/>
+                      </a:endParaRPr>
+                    </a:p>
+                  </a:txBody>
+                  <a:tcPr marL="51600" marR="51600" marT="0" marB="0"/>
+                </a:tc>
+                <a:tc>
+                  <a:txBody>
+                    <a:bodyPr/>
+                    <a:lstStyle/>
+                    <a:p>
+                      <a:pPr marL="0" marR="0" algn="just">
+                        <a:spcBef>
+                          <a:spcPts val="600"/>
+                        </a:spcBef>
+                        <a:spcAft>
+                          <a:spcPts val="300"/>
+                        </a:spcAft>
+                      </a:pPr>
+                      <a:r>
+                        <a:rPr lang="en-GB" sz="1000">
+                          <a:effectLst/>
+                        </a:rPr>
+                        <a:t>X</a:t>
+                      </a:r>
+                      <a:endParaRPr lang="en-US" sz="1000">
+                        <a:effectLst/>
+                        <a:latin typeface="Times New Roman" panose="02020603050405020304" pitchFamily="18" charset="0"/>
+                        <a:ea typeface="Times New Roman" panose="02020603050405020304" pitchFamily="18" charset="0"/>
+                      </a:endParaRPr>
+                    </a:p>
+                  </a:txBody>
+                  <a:tcPr marL="51600" marR="51600" marT="0" marB="0"/>
+                </a:tc>
+                <a:tc>
+                  <a:txBody>
+                    <a:bodyPr/>
+                    <a:lstStyle/>
+                    <a:p>
+                      <a:pPr marL="0" marR="0" algn="just">
+                        <a:spcBef>
+                          <a:spcPts val="600"/>
+                        </a:spcBef>
+                        <a:spcAft>
+                          <a:spcPts val="300"/>
+                        </a:spcAft>
+                      </a:pPr>
+                      <a:r>
+                        <a:rPr lang="en-GB" sz="1000">
+                          <a:effectLst/>
+                        </a:rPr>
+                        <a:t> </a:t>
+                      </a:r>
+                      <a:endParaRPr lang="en-US" sz="1000">
+                        <a:effectLst/>
+                        <a:latin typeface="Times New Roman" panose="02020603050405020304" pitchFamily="18" charset="0"/>
+                        <a:ea typeface="Times New Roman" panose="02020603050405020304" pitchFamily="18" charset="0"/>
+                      </a:endParaRPr>
+                    </a:p>
+                  </a:txBody>
+                  <a:tcPr marL="51600" marR="51600" marT="0" marB="0"/>
+                </a:tc>
+                <a:tc>
+                  <a:txBody>
+                    <a:bodyPr/>
+                    <a:lstStyle/>
+                    <a:p>
+                      <a:pPr marL="0" marR="0" algn="just">
+                        <a:spcBef>
+                          <a:spcPts val="600"/>
+                        </a:spcBef>
+                        <a:spcAft>
+                          <a:spcPts val="300"/>
+                        </a:spcAft>
+                      </a:pPr>
+                      <a:r>
+                        <a:rPr lang="en-GB" sz="1000">
+                          <a:effectLst/>
+                        </a:rPr>
+                        <a:t>X</a:t>
+                      </a:r>
+                      <a:endParaRPr lang="en-US" sz="1000">
+                        <a:effectLst/>
+                        <a:latin typeface="Times New Roman" panose="02020603050405020304" pitchFamily="18" charset="0"/>
+                        <a:ea typeface="Times New Roman" panose="02020603050405020304" pitchFamily="18" charset="0"/>
+                      </a:endParaRPr>
+                    </a:p>
+                  </a:txBody>
+                  <a:tcPr marL="51600" marR="51600" marT="0" marB="0"/>
+                </a:tc>
+                <a:tc>
+                  <a:txBody>
+                    <a:bodyPr/>
+                    <a:lstStyle/>
+                    <a:p>
+                      <a:pPr marL="0" marR="0" algn="just">
+                        <a:spcBef>
+                          <a:spcPts val="600"/>
+                        </a:spcBef>
+                        <a:spcAft>
+                          <a:spcPts val="300"/>
+                        </a:spcAft>
+                      </a:pPr>
+                      <a:r>
+                        <a:rPr lang="en-GB" sz="1000">
+                          <a:effectLst/>
+                        </a:rPr>
+                        <a:t> </a:t>
+                      </a:r>
+                      <a:endParaRPr lang="en-US" sz="1000">
+                        <a:effectLst/>
+                        <a:latin typeface="Times New Roman" panose="02020603050405020304" pitchFamily="18" charset="0"/>
+                        <a:ea typeface="Times New Roman" panose="02020603050405020304" pitchFamily="18" charset="0"/>
+                      </a:endParaRPr>
+                    </a:p>
+                  </a:txBody>
+                  <a:tcPr marL="51600" marR="51600" marT="0" marB="0"/>
+                </a:tc>
+                <a:tc>
+                  <a:txBody>
+                    <a:bodyPr/>
+                    <a:lstStyle/>
+                    <a:p>
+                      <a:pPr marL="0" marR="0" algn="just">
+                        <a:spcBef>
+                          <a:spcPts val="600"/>
+                        </a:spcBef>
+                        <a:spcAft>
+                          <a:spcPts val="300"/>
+                        </a:spcAft>
+                      </a:pPr>
+                      <a:r>
+                        <a:rPr lang="en-GB" sz="1000">
+                          <a:effectLst/>
+                        </a:rPr>
+                        <a:t> </a:t>
+                      </a:r>
+                      <a:endParaRPr lang="en-US" sz="1000">
+                        <a:effectLst/>
+                        <a:latin typeface="Times New Roman" panose="02020603050405020304" pitchFamily="18" charset="0"/>
+                        <a:ea typeface="Times New Roman" panose="02020603050405020304" pitchFamily="18" charset="0"/>
+                      </a:endParaRPr>
+                    </a:p>
+                  </a:txBody>
+                  <a:tcPr marL="51600" marR="51600" marT="0" marB="0"/>
+                </a:tc>
+                <a:tc>
+                  <a:txBody>
+                    <a:bodyPr/>
+                    <a:lstStyle/>
+                    <a:p>
+                      <a:pPr marL="0" marR="0" algn="just">
+                        <a:spcBef>
+                          <a:spcPts val="600"/>
+                        </a:spcBef>
+                        <a:spcAft>
+                          <a:spcPts val="300"/>
+                        </a:spcAft>
+                      </a:pPr>
+                      <a:r>
+                        <a:rPr lang="en-GB" sz="1000">
+                          <a:effectLst/>
+                        </a:rPr>
+                        <a:t> </a:t>
+                      </a:r>
+                      <a:endParaRPr lang="en-US" sz="1000">
+                        <a:effectLst/>
+                        <a:latin typeface="Times New Roman" panose="02020603050405020304" pitchFamily="18" charset="0"/>
+                        <a:ea typeface="Times New Roman" panose="02020603050405020304" pitchFamily="18" charset="0"/>
+                      </a:endParaRPr>
+                    </a:p>
+                  </a:txBody>
+                  <a:tcPr marL="51600" marR="51600" marT="0" marB="0"/>
+                </a:tc>
+              </a:tr>
+              <a:tr h="837395">
+                <a:tc>
+                  <a:txBody>
+                    <a:bodyPr/>
+                    <a:lstStyle/>
+                    <a:p>
+                      <a:pPr marL="0" marR="0" algn="just">
+                        <a:spcBef>
+                          <a:spcPts val="600"/>
+                        </a:spcBef>
+                        <a:spcAft>
+                          <a:spcPts val="300"/>
+                        </a:spcAft>
+                      </a:pPr>
+                      <a:r>
+                        <a:rPr lang="en-GB" sz="1000">
+                          <a:effectLst/>
+                        </a:rPr>
+                        <a:t>Account and Financial Information System (AFIS)</a:t>
+                      </a:r>
+                      <a:endParaRPr lang="en-US" sz="1000">
+                        <a:effectLst/>
+                        <a:latin typeface="Times New Roman" panose="02020603050405020304" pitchFamily="18" charset="0"/>
+                        <a:ea typeface="Times New Roman" panose="02020603050405020304" pitchFamily="18" charset="0"/>
+                      </a:endParaRPr>
+                    </a:p>
+                  </a:txBody>
+                  <a:tcPr marL="51600" marR="51600" marT="0" marB="0"/>
+                </a:tc>
+                <a:tc>
+                  <a:txBody>
+                    <a:bodyPr/>
+                    <a:lstStyle/>
+                    <a:p>
+                      <a:pPr marL="0" marR="0" algn="just">
+                        <a:spcBef>
+                          <a:spcPts val="600"/>
+                        </a:spcBef>
+                        <a:spcAft>
+                          <a:spcPts val="300"/>
+                        </a:spcAft>
+                      </a:pPr>
+                      <a:r>
+                        <a:rPr lang="en-GB" sz="1000">
+                          <a:effectLst/>
+                        </a:rPr>
+                        <a:t> </a:t>
+                      </a:r>
+                      <a:endParaRPr lang="en-US" sz="1000">
+                        <a:effectLst/>
+                        <a:latin typeface="Times New Roman" panose="02020603050405020304" pitchFamily="18" charset="0"/>
+                        <a:ea typeface="Times New Roman" panose="02020603050405020304" pitchFamily="18" charset="0"/>
+                      </a:endParaRPr>
+                    </a:p>
+                  </a:txBody>
+                  <a:tcPr marL="51600" marR="51600" marT="0" marB="0"/>
+                </a:tc>
+                <a:tc>
+                  <a:txBody>
+                    <a:bodyPr/>
+                    <a:lstStyle/>
+                    <a:p>
+                      <a:pPr marL="0" marR="0" algn="just">
+                        <a:spcBef>
+                          <a:spcPts val="600"/>
+                        </a:spcBef>
+                        <a:spcAft>
+                          <a:spcPts val="300"/>
+                        </a:spcAft>
+                      </a:pPr>
+                      <a:r>
+                        <a:rPr lang="en-GB" sz="1000">
+                          <a:effectLst/>
+                        </a:rPr>
+                        <a:t> </a:t>
+                      </a:r>
+                      <a:endParaRPr lang="en-US" sz="1000">
+                        <a:effectLst/>
+                        <a:latin typeface="Times New Roman" panose="02020603050405020304" pitchFamily="18" charset="0"/>
+                        <a:ea typeface="Times New Roman" panose="02020603050405020304" pitchFamily="18" charset="0"/>
+                      </a:endParaRPr>
+                    </a:p>
+                  </a:txBody>
+                  <a:tcPr marL="51600" marR="51600" marT="0" marB="0"/>
+                </a:tc>
+                <a:tc>
+                  <a:txBody>
+                    <a:bodyPr/>
+                    <a:lstStyle/>
+                    <a:p>
+                      <a:pPr marL="0" marR="0" algn="just">
+                        <a:spcBef>
+                          <a:spcPts val="600"/>
+                        </a:spcBef>
+                        <a:spcAft>
+                          <a:spcPts val="300"/>
+                        </a:spcAft>
+                      </a:pPr>
+                      <a:r>
+                        <a:rPr lang="en-GB" sz="1000">
+                          <a:effectLst/>
+                        </a:rPr>
+                        <a:t> </a:t>
+                      </a:r>
+                      <a:endParaRPr lang="en-US" sz="1000">
+                        <a:effectLst/>
+                        <a:latin typeface="Times New Roman" panose="02020603050405020304" pitchFamily="18" charset="0"/>
+                        <a:ea typeface="Times New Roman" panose="02020603050405020304" pitchFamily="18" charset="0"/>
+                      </a:endParaRPr>
+                    </a:p>
+                  </a:txBody>
+                  <a:tcPr marL="51600" marR="51600" marT="0" marB="0"/>
+                </a:tc>
+                <a:tc>
+                  <a:txBody>
+                    <a:bodyPr/>
+                    <a:lstStyle/>
+                    <a:p>
+                      <a:pPr marL="0" marR="0" algn="just">
+                        <a:spcBef>
+                          <a:spcPts val="600"/>
+                        </a:spcBef>
+                        <a:spcAft>
+                          <a:spcPts val="300"/>
+                        </a:spcAft>
+                      </a:pPr>
+                      <a:r>
+                        <a:rPr lang="en-GB" sz="1000" dirty="0">
+                          <a:effectLst/>
+                        </a:rPr>
+                        <a:t> </a:t>
+                      </a:r>
+                      <a:endParaRPr lang="en-US" sz="1000" dirty="0">
+                        <a:effectLst/>
+                        <a:latin typeface="Times New Roman" panose="02020603050405020304" pitchFamily="18" charset="0"/>
+                        <a:ea typeface="Times New Roman" panose="02020603050405020304" pitchFamily="18" charset="0"/>
+                      </a:endParaRPr>
+                    </a:p>
+                  </a:txBody>
+                  <a:tcPr marL="51600" marR="51600" marT="0" marB="0"/>
+                </a:tc>
+                <a:tc>
+                  <a:txBody>
+                    <a:bodyPr/>
+                    <a:lstStyle/>
+                    <a:p>
+                      <a:pPr marL="0" marR="0" algn="just">
+                        <a:spcBef>
+                          <a:spcPts val="600"/>
+                        </a:spcBef>
+                        <a:spcAft>
+                          <a:spcPts val="300"/>
+                        </a:spcAft>
+                      </a:pPr>
+                      <a:r>
+                        <a:rPr lang="en-GB" sz="1000">
+                          <a:effectLst/>
+                        </a:rPr>
+                        <a:t> </a:t>
+                      </a:r>
+                      <a:endParaRPr lang="en-US" sz="1000">
+                        <a:effectLst/>
+                        <a:latin typeface="Times New Roman" panose="02020603050405020304" pitchFamily="18" charset="0"/>
+                        <a:ea typeface="Times New Roman" panose="02020603050405020304" pitchFamily="18" charset="0"/>
+                      </a:endParaRPr>
+                    </a:p>
+                  </a:txBody>
+                  <a:tcPr marL="51600" marR="51600" marT="0" marB="0"/>
+                </a:tc>
+                <a:tc>
+                  <a:txBody>
+                    <a:bodyPr/>
+                    <a:lstStyle/>
+                    <a:p>
+                      <a:pPr marL="0" marR="0" algn="just">
+                        <a:spcBef>
+                          <a:spcPts val="600"/>
+                        </a:spcBef>
+                        <a:spcAft>
+                          <a:spcPts val="300"/>
+                        </a:spcAft>
+                      </a:pPr>
+                      <a:r>
+                        <a:rPr lang="en-GB" sz="1000">
+                          <a:effectLst/>
+                        </a:rPr>
+                        <a:t> </a:t>
+                      </a:r>
+                      <a:endParaRPr lang="en-US" sz="1000">
+                        <a:effectLst/>
+                        <a:latin typeface="Times New Roman" panose="02020603050405020304" pitchFamily="18" charset="0"/>
+                        <a:ea typeface="Times New Roman" panose="02020603050405020304" pitchFamily="18" charset="0"/>
+                      </a:endParaRPr>
+                    </a:p>
+                  </a:txBody>
+                  <a:tcPr marL="51600" marR="51600" marT="0" marB="0"/>
+                </a:tc>
+                <a:tc>
+                  <a:txBody>
+                    <a:bodyPr/>
+                    <a:lstStyle/>
+                    <a:p>
+                      <a:pPr marL="0" marR="0" algn="just">
+                        <a:spcBef>
+                          <a:spcPts val="600"/>
+                        </a:spcBef>
+                        <a:spcAft>
+                          <a:spcPts val="300"/>
+                        </a:spcAft>
+                      </a:pPr>
+                      <a:r>
+                        <a:rPr lang="en-GB" sz="1000">
+                          <a:effectLst/>
+                        </a:rPr>
+                        <a:t> </a:t>
+                      </a:r>
+                      <a:endParaRPr lang="en-US" sz="1000">
+                        <a:effectLst/>
+                        <a:latin typeface="Times New Roman" panose="02020603050405020304" pitchFamily="18" charset="0"/>
+                        <a:ea typeface="Times New Roman" panose="02020603050405020304" pitchFamily="18" charset="0"/>
+                      </a:endParaRPr>
+                    </a:p>
+                  </a:txBody>
+                  <a:tcPr marL="51600" marR="51600" marT="0" marB="0"/>
+                </a:tc>
+                <a:tc>
+                  <a:txBody>
+                    <a:bodyPr/>
+                    <a:lstStyle/>
+                    <a:p>
+                      <a:pPr marL="0" marR="0" algn="just">
+                        <a:spcBef>
+                          <a:spcPts val="600"/>
+                        </a:spcBef>
+                        <a:spcAft>
+                          <a:spcPts val="300"/>
+                        </a:spcAft>
+                      </a:pPr>
+                      <a:r>
+                        <a:rPr lang="en-GB" sz="1000" dirty="0">
+                          <a:effectLst/>
+                        </a:rPr>
+                        <a:t> </a:t>
+                      </a:r>
+                      <a:endParaRPr lang="en-US" sz="1000" dirty="0">
+                        <a:effectLst/>
+                        <a:latin typeface="Times New Roman" panose="02020603050405020304" pitchFamily="18" charset="0"/>
+                        <a:ea typeface="Times New Roman" panose="02020603050405020304" pitchFamily="18" charset="0"/>
+                      </a:endParaRPr>
+                    </a:p>
+                  </a:txBody>
+                  <a:tcPr marL="51600" marR="51600" marT="0" marB="0"/>
+                </a:tc>
+                <a:tc>
+                  <a:txBody>
+                    <a:bodyPr/>
+                    <a:lstStyle/>
+                    <a:p>
+                      <a:pPr marL="0" marR="0" algn="just">
+                        <a:spcBef>
+                          <a:spcPts val="600"/>
+                        </a:spcBef>
+                        <a:spcAft>
+                          <a:spcPts val="300"/>
+                        </a:spcAft>
+                      </a:pPr>
+                      <a:r>
+                        <a:rPr lang="en-GB" sz="1000" dirty="0">
+                          <a:effectLst/>
+                        </a:rPr>
+                        <a:t>X</a:t>
+                      </a:r>
+                      <a:endParaRPr lang="en-US" sz="1000" dirty="0">
+                        <a:effectLst/>
+                        <a:latin typeface="Times New Roman" panose="02020603050405020304" pitchFamily="18" charset="0"/>
+                        <a:ea typeface="Times New Roman" panose="02020603050405020304" pitchFamily="18" charset="0"/>
+                      </a:endParaRPr>
+                    </a:p>
+                  </a:txBody>
+                  <a:tcPr marL="51600" marR="51600" marT="0" marB="0"/>
+                </a:tc>
+                <a:tc>
+                  <a:txBody>
+                    <a:bodyPr/>
+                    <a:lstStyle/>
+                    <a:p>
+                      <a:pPr marL="0" marR="0" algn="just">
+                        <a:spcBef>
+                          <a:spcPts val="600"/>
+                        </a:spcBef>
+                        <a:spcAft>
+                          <a:spcPts val="300"/>
+                        </a:spcAft>
+                      </a:pPr>
+                      <a:r>
+                        <a:rPr lang="en-GB" sz="1000">
+                          <a:effectLst/>
+                        </a:rPr>
+                        <a:t>X</a:t>
+                      </a:r>
+                      <a:endParaRPr lang="en-US" sz="1000">
+                        <a:effectLst/>
+                        <a:latin typeface="Times New Roman" panose="02020603050405020304" pitchFamily="18" charset="0"/>
+                        <a:ea typeface="Times New Roman" panose="02020603050405020304" pitchFamily="18" charset="0"/>
+                      </a:endParaRPr>
+                    </a:p>
+                  </a:txBody>
+                  <a:tcPr marL="51600" marR="51600" marT="0" marB="0"/>
+                </a:tc>
+                <a:tc>
+                  <a:txBody>
+                    <a:bodyPr/>
+                    <a:lstStyle/>
+                    <a:p>
+                      <a:pPr marL="0" marR="0" algn="just">
+                        <a:spcBef>
+                          <a:spcPts val="600"/>
+                        </a:spcBef>
+                        <a:spcAft>
+                          <a:spcPts val="300"/>
+                        </a:spcAft>
+                      </a:pPr>
+                      <a:r>
+                        <a:rPr lang="en-GB" sz="1000">
+                          <a:effectLst/>
+                        </a:rPr>
+                        <a:t> </a:t>
+                      </a:r>
+                      <a:endParaRPr lang="en-US" sz="1000">
+                        <a:effectLst/>
+                        <a:latin typeface="Times New Roman" panose="02020603050405020304" pitchFamily="18" charset="0"/>
+                        <a:ea typeface="Times New Roman" panose="02020603050405020304" pitchFamily="18" charset="0"/>
+                      </a:endParaRPr>
+                    </a:p>
+                  </a:txBody>
+                  <a:tcPr marL="51600" marR="51600" marT="0" marB="0"/>
+                </a:tc>
+                <a:tc>
+                  <a:txBody>
+                    <a:bodyPr/>
+                    <a:lstStyle/>
+                    <a:p>
+                      <a:pPr marL="0" marR="0" algn="just">
+                        <a:spcBef>
+                          <a:spcPts val="600"/>
+                        </a:spcBef>
+                        <a:spcAft>
+                          <a:spcPts val="300"/>
+                        </a:spcAft>
+                      </a:pPr>
+                      <a:r>
+                        <a:rPr lang="en-GB" sz="1000">
+                          <a:effectLst/>
+                        </a:rPr>
+                        <a:t> </a:t>
+                      </a:r>
+                      <a:endParaRPr lang="en-US" sz="1000">
+                        <a:effectLst/>
+                        <a:latin typeface="Times New Roman" panose="02020603050405020304" pitchFamily="18" charset="0"/>
+                        <a:ea typeface="Times New Roman" panose="02020603050405020304" pitchFamily="18" charset="0"/>
+                      </a:endParaRPr>
+                    </a:p>
+                  </a:txBody>
+                  <a:tcPr marL="51600" marR="51600" marT="0" marB="0"/>
+                </a:tc>
+                <a:tc>
+                  <a:txBody>
+                    <a:bodyPr/>
+                    <a:lstStyle/>
+                    <a:p>
+                      <a:pPr marL="0" marR="0" algn="just">
+                        <a:spcBef>
+                          <a:spcPts val="600"/>
+                        </a:spcBef>
+                        <a:spcAft>
+                          <a:spcPts val="300"/>
+                        </a:spcAft>
+                      </a:pPr>
+                      <a:r>
+                        <a:rPr lang="en-GB" sz="1000">
+                          <a:effectLst/>
+                        </a:rPr>
+                        <a:t> </a:t>
+                      </a:r>
+                      <a:endParaRPr lang="en-US" sz="1000">
+                        <a:effectLst/>
+                        <a:latin typeface="Times New Roman" panose="02020603050405020304" pitchFamily="18" charset="0"/>
+                        <a:ea typeface="Times New Roman" panose="02020603050405020304" pitchFamily="18" charset="0"/>
+                      </a:endParaRPr>
+                    </a:p>
+                  </a:txBody>
+                  <a:tcPr marL="51600" marR="51600" marT="0" marB="0"/>
+                </a:tc>
+              </a:tr>
+              <a:tr h="558263">
+                <a:tc>
+                  <a:txBody>
+                    <a:bodyPr/>
+                    <a:lstStyle/>
+                    <a:p>
+                      <a:pPr marL="0" marR="0" algn="just">
+                        <a:spcBef>
+                          <a:spcPts val="600"/>
+                        </a:spcBef>
+                        <a:spcAft>
+                          <a:spcPts val="300"/>
+                        </a:spcAft>
+                      </a:pPr>
+                      <a:r>
+                        <a:rPr lang="en-GB" sz="1000">
+                          <a:effectLst/>
+                        </a:rPr>
+                        <a:t>Human Resource System (HRS)</a:t>
+                      </a:r>
+                      <a:endParaRPr lang="en-US" sz="1000">
+                        <a:effectLst/>
+                        <a:latin typeface="Times New Roman" panose="02020603050405020304" pitchFamily="18" charset="0"/>
+                        <a:ea typeface="Times New Roman" panose="02020603050405020304" pitchFamily="18" charset="0"/>
+                      </a:endParaRPr>
+                    </a:p>
+                  </a:txBody>
+                  <a:tcPr marL="51600" marR="51600" marT="0" marB="0"/>
+                </a:tc>
+                <a:tc>
+                  <a:txBody>
+                    <a:bodyPr/>
+                    <a:lstStyle/>
+                    <a:p>
+                      <a:pPr marL="0" marR="0" algn="just">
+                        <a:spcBef>
+                          <a:spcPts val="600"/>
+                        </a:spcBef>
+                        <a:spcAft>
+                          <a:spcPts val="300"/>
+                        </a:spcAft>
+                      </a:pPr>
+                      <a:r>
+                        <a:rPr lang="en-GB" sz="1000">
+                          <a:effectLst/>
+                        </a:rPr>
+                        <a:t> </a:t>
+                      </a:r>
+                      <a:endParaRPr lang="en-US" sz="1000">
+                        <a:effectLst/>
+                        <a:latin typeface="Times New Roman" panose="02020603050405020304" pitchFamily="18" charset="0"/>
+                        <a:ea typeface="Times New Roman" panose="02020603050405020304" pitchFamily="18" charset="0"/>
+                      </a:endParaRPr>
+                    </a:p>
+                  </a:txBody>
+                  <a:tcPr marL="51600" marR="51600" marT="0" marB="0"/>
+                </a:tc>
+                <a:tc>
+                  <a:txBody>
+                    <a:bodyPr/>
+                    <a:lstStyle/>
+                    <a:p>
+                      <a:pPr marL="0" marR="0" algn="just">
+                        <a:spcBef>
+                          <a:spcPts val="600"/>
+                        </a:spcBef>
+                        <a:spcAft>
+                          <a:spcPts val="300"/>
+                        </a:spcAft>
+                      </a:pPr>
+                      <a:r>
+                        <a:rPr lang="en-GB" sz="1000">
+                          <a:effectLst/>
+                        </a:rPr>
+                        <a:t> </a:t>
+                      </a:r>
+                      <a:endParaRPr lang="en-US" sz="1000">
+                        <a:effectLst/>
+                        <a:latin typeface="Times New Roman" panose="02020603050405020304" pitchFamily="18" charset="0"/>
+                        <a:ea typeface="Times New Roman" panose="02020603050405020304" pitchFamily="18" charset="0"/>
+                      </a:endParaRPr>
+                    </a:p>
+                  </a:txBody>
+                  <a:tcPr marL="51600" marR="51600" marT="0" marB="0"/>
+                </a:tc>
+                <a:tc>
+                  <a:txBody>
+                    <a:bodyPr/>
+                    <a:lstStyle/>
+                    <a:p>
+                      <a:pPr marL="0" marR="0" algn="just">
+                        <a:spcBef>
+                          <a:spcPts val="600"/>
+                        </a:spcBef>
+                        <a:spcAft>
+                          <a:spcPts val="300"/>
+                        </a:spcAft>
+                      </a:pPr>
+                      <a:r>
+                        <a:rPr lang="en-GB" sz="1000">
+                          <a:effectLst/>
+                        </a:rPr>
+                        <a:t> </a:t>
+                      </a:r>
+                      <a:endParaRPr lang="en-US" sz="1000">
+                        <a:effectLst/>
+                        <a:latin typeface="Times New Roman" panose="02020603050405020304" pitchFamily="18" charset="0"/>
+                        <a:ea typeface="Times New Roman" panose="02020603050405020304" pitchFamily="18" charset="0"/>
+                      </a:endParaRPr>
+                    </a:p>
+                  </a:txBody>
+                  <a:tcPr marL="51600" marR="51600" marT="0" marB="0"/>
+                </a:tc>
+                <a:tc>
+                  <a:txBody>
+                    <a:bodyPr/>
+                    <a:lstStyle/>
+                    <a:p>
+                      <a:pPr marL="0" marR="0" algn="just">
+                        <a:spcBef>
+                          <a:spcPts val="600"/>
+                        </a:spcBef>
+                        <a:spcAft>
+                          <a:spcPts val="300"/>
+                        </a:spcAft>
+                      </a:pPr>
+                      <a:r>
+                        <a:rPr lang="en-GB" sz="1000">
+                          <a:effectLst/>
+                        </a:rPr>
+                        <a:t> </a:t>
+                      </a:r>
+                      <a:endParaRPr lang="en-US" sz="1000">
+                        <a:effectLst/>
+                        <a:latin typeface="Times New Roman" panose="02020603050405020304" pitchFamily="18" charset="0"/>
+                        <a:ea typeface="Times New Roman" panose="02020603050405020304" pitchFamily="18" charset="0"/>
+                      </a:endParaRPr>
+                    </a:p>
+                  </a:txBody>
+                  <a:tcPr marL="51600" marR="51600" marT="0" marB="0"/>
+                </a:tc>
+                <a:tc>
+                  <a:txBody>
+                    <a:bodyPr/>
+                    <a:lstStyle/>
+                    <a:p>
+                      <a:pPr marL="0" marR="0" algn="just">
+                        <a:spcBef>
+                          <a:spcPts val="600"/>
+                        </a:spcBef>
+                        <a:spcAft>
+                          <a:spcPts val="300"/>
+                        </a:spcAft>
+                      </a:pPr>
+                      <a:r>
+                        <a:rPr lang="en-GB" sz="1000">
+                          <a:effectLst/>
+                        </a:rPr>
+                        <a:t> </a:t>
+                      </a:r>
+                      <a:endParaRPr lang="en-US" sz="1000">
+                        <a:effectLst/>
+                        <a:latin typeface="Times New Roman" panose="02020603050405020304" pitchFamily="18" charset="0"/>
+                        <a:ea typeface="Times New Roman" panose="02020603050405020304" pitchFamily="18" charset="0"/>
+                      </a:endParaRPr>
+                    </a:p>
+                  </a:txBody>
+                  <a:tcPr marL="51600" marR="51600" marT="0" marB="0"/>
+                </a:tc>
+                <a:tc>
+                  <a:txBody>
+                    <a:bodyPr/>
+                    <a:lstStyle/>
+                    <a:p>
+                      <a:pPr marL="0" marR="0" algn="just">
+                        <a:spcBef>
+                          <a:spcPts val="600"/>
+                        </a:spcBef>
+                        <a:spcAft>
+                          <a:spcPts val="300"/>
+                        </a:spcAft>
+                      </a:pPr>
+                      <a:r>
+                        <a:rPr lang="en-GB" sz="1000">
+                          <a:effectLst/>
+                        </a:rPr>
+                        <a:t> </a:t>
+                      </a:r>
+                      <a:endParaRPr lang="en-US" sz="1000">
+                        <a:effectLst/>
+                        <a:latin typeface="Times New Roman" panose="02020603050405020304" pitchFamily="18" charset="0"/>
+                        <a:ea typeface="Times New Roman" panose="02020603050405020304" pitchFamily="18" charset="0"/>
+                      </a:endParaRPr>
+                    </a:p>
+                  </a:txBody>
+                  <a:tcPr marL="51600" marR="51600" marT="0" marB="0"/>
+                </a:tc>
+                <a:tc>
+                  <a:txBody>
+                    <a:bodyPr/>
+                    <a:lstStyle/>
+                    <a:p>
+                      <a:pPr marL="0" marR="0" algn="just">
+                        <a:spcBef>
+                          <a:spcPts val="600"/>
+                        </a:spcBef>
+                        <a:spcAft>
+                          <a:spcPts val="300"/>
+                        </a:spcAft>
+                      </a:pPr>
+                      <a:r>
+                        <a:rPr lang="en-GB" sz="1000">
+                          <a:effectLst/>
+                        </a:rPr>
+                        <a:t> </a:t>
+                      </a:r>
+                      <a:endParaRPr lang="en-US" sz="1000">
+                        <a:effectLst/>
+                        <a:latin typeface="Times New Roman" panose="02020603050405020304" pitchFamily="18" charset="0"/>
+                        <a:ea typeface="Times New Roman" panose="02020603050405020304" pitchFamily="18" charset="0"/>
+                      </a:endParaRPr>
+                    </a:p>
+                  </a:txBody>
+                  <a:tcPr marL="51600" marR="51600" marT="0" marB="0"/>
+                </a:tc>
+                <a:tc>
+                  <a:txBody>
+                    <a:bodyPr/>
+                    <a:lstStyle/>
+                    <a:p>
+                      <a:pPr marL="0" marR="0" algn="just">
+                        <a:spcBef>
+                          <a:spcPts val="600"/>
+                        </a:spcBef>
+                        <a:spcAft>
+                          <a:spcPts val="300"/>
+                        </a:spcAft>
+                      </a:pPr>
+                      <a:r>
+                        <a:rPr lang="en-GB" sz="1000">
+                          <a:effectLst/>
+                        </a:rPr>
+                        <a:t> </a:t>
+                      </a:r>
+                      <a:endParaRPr lang="en-US" sz="1000">
+                        <a:effectLst/>
+                        <a:latin typeface="Times New Roman" panose="02020603050405020304" pitchFamily="18" charset="0"/>
+                        <a:ea typeface="Times New Roman" panose="02020603050405020304" pitchFamily="18" charset="0"/>
+                      </a:endParaRPr>
+                    </a:p>
+                  </a:txBody>
+                  <a:tcPr marL="51600" marR="51600" marT="0" marB="0"/>
+                </a:tc>
+                <a:tc>
+                  <a:txBody>
+                    <a:bodyPr/>
+                    <a:lstStyle/>
+                    <a:p>
+                      <a:pPr marL="0" marR="0" algn="just">
+                        <a:spcBef>
+                          <a:spcPts val="600"/>
+                        </a:spcBef>
+                        <a:spcAft>
+                          <a:spcPts val="300"/>
+                        </a:spcAft>
+                      </a:pPr>
+                      <a:r>
+                        <a:rPr lang="en-GB" sz="1000" dirty="0">
+                          <a:effectLst/>
+                        </a:rPr>
+                        <a:t> </a:t>
+                      </a:r>
+                      <a:endParaRPr lang="en-US" sz="1000" dirty="0">
+                        <a:effectLst/>
+                        <a:latin typeface="Times New Roman" panose="02020603050405020304" pitchFamily="18" charset="0"/>
+                        <a:ea typeface="Times New Roman" panose="02020603050405020304" pitchFamily="18" charset="0"/>
+                      </a:endParaRPr>
+                    </a:p>
+                  </a:txBody>
+                  <a:tcPr marL="51600" marR="51600" marT="0" marB="0"/>
+                </a:tc>
+                <a:tc>
+                  <a:txBody>
+                    <a:bodyPr/>
+                    <a:lstStyle/>
+                    <a:p>
+                      <a:pPr marL="0" marR="0" algn="just">
+                        <a:spcBef>
+                          <a:spcPts val="600"/>
+                        </a:spcBef>
+                        <a:spcAft>
+                          <a:spcPts val="300"/>
+                        </a:spcAft>
+                      </a:pPr>
+                      <a:r>
+                        <a:rPr lang="en-GB" sz="1000" dirty="0">
+                          <a:effectLst/>
+                        </a:rPr>
+                        <a:t> </a:t>
+                      </a:r>
+                      <a:endParaRPr lang="en-US" sz="1000" dirty="0">
+                        <a:effectLst/>
+                        <a:latin typeface="Times New Roman" panose="02020603050405020304" pitchFamily="18" charset="0"/>
+                        <a:ea typeface="Times New Roman" panose="02020603050405020304" pitchFamily="18" charset="0"/>
+                      </a:endParaRPr>
+                    </a:p>
+                  </a:txBody>
+                  <a:tcPr marL="51600" marR="51600" marT="0" marB="0"/>
+                </a:tc>
+                <a:tc>
+                  <a:txBody>
+                    <a:bodyPr/>
+                    <a:lstStyle/>
+                    <a:p>
+                      <a:pPr marL="0" marR="0" algn="just">
+                        <a:spcBef>
+                          <a:spcPts val="600"/>
+                        </a:spcBef>
+                        <a:spcAft>
+                          <a:spcPts val="300"/>
+                        </a:spcAft>
+                      </a:pPr>
+                      <a:r>
+                        <a:rPr lang="en-GB" sz="1000">
+                          <a:effectLst/>
+                        </a:rPr>
+                        <a:t>X</a:t>
+                      </a:r>
+                      <a:endParaRPr lang="en-US" sz="1000">
+                        <a:effectLst/>
+                        <a:latin typeface="Times New Roman" panose="02020603050405020304" pitchFamily="18" charset="0"/>
+                        <a:ea typeface="Times New Roman" panose="02020603050405020304" pitchFamily="18" charset="0"/>
+                      </a:endParaRPr>
+                    </a:p>
+                  </a:txBody>
+                  <a:tcPr marL="51600" marR="51600" marT="0" marB="0"/>
+                </a:tc>
+                <a:tc>
+                  <a:txBody>
+                    <a:bodyPr/>
+                    <a:lstStyle/>
+                    <a:p>
+                      <a:pPr marL="0" marR="0" algn="just">
+                        <a:spcBef>
+                          <a:spcPts val="600"/>
+                        </a:spcBef>
+                        <a:spcAft>
+                          <a:spcPts val="300"/>
+                        </a:spcAft>
+                      </a:pPr>
+                      <a:r>
+                        <a:rPr lang="en-GB" sz="1000">
+                          <a:effectLst/>
+                        </a:rPr>
+                        <a:t> </a:t>
+                      </a:r>
+                      <a:endParaRPr lang="en-US" sz="1000">
+                        <a:effectLst/>
+                        <a:latin typeface="Times New Roman" panose="02020603050405020304" pitchFamily="18" charset="0"/>
+                        <a:ea typeface="Times New Roman" panose="02020603050405020304" pitchFamily="18" charset="0"/>
+                      </a:endParaRPr>
+                    </a:p>
+                  </a:txBody>
+                  <a:tcPr marL="51600" marR="51600" marT="0" marB="0"/>
+                </a:tc>
+                <a:tc>
+                  <a:txBody>
+                    <a:bodyPr/>
+                    <a:lstStyle/>
+                    <a:p>
+                      <a:pPr marL="0" marR="0" algn="just">
+                        <a:spcBef>
+                          <a:spcPts val="600"/>
+                        </a:spcBef>
+                        <a:spcAft>
+                          <a:spcPts val="300"/>
+                        </a:spcAft>
+                      </a:pPr>
+                      <a:r>
+                        <a:rPr lang="en-GB" sz="1000">
+                          <a:effectLst/>
+                        </a:rPr>
+                        <a:t> </a:t>
+                      </a:r>
+                      <a:endParaRPr lang="en-US" sz="1000">
+                        <a:effectLst/>
+                        <a:latin typeface="Times New Roman" panose="02020603050405020304" pitchFamily="18" charset="0"/>
+                        <a:ea typeface="Times New Roman" panose="02020603050405020304" pitchFamily="18" charset="0"/>
+                      </a:endParaRPr>
+                    </a:p>
+                  </a:txBody>
+                  <a:tcPr marL="51600" marR="51600" marT="0" marB="0"/>
+                </a:tc>
+              </a:tr>
+              <a:tr h="558263">
+                <a:tc>
+                  <a:txBody>
+                    <a:bodyPr/>
+                    <a:lstStyle/>
+                    <a:p>
+                      <a:pPr marL="0" marR="0" algn="just">
+                        <a:spcBef>
+                          <a:spcPts val="600"/>
+                        </a:spcBef>
+                        <a:spcAft>
+                          <a:spcPts val="300"/>
+                        </a:spcAft>
+                      </a:pPr>
+                      <a:r>
+                        <a:rPr lang="en-GB" sz="1000">
+                          <a:effectLst/>
+                        </a:rPr>
+                        <a:t>Integrated Reporting System (IRS)</a:t>
+                      </a:r>
+                      <a:endParaRPr lang="en-US" sz="1000">
+                        <a:effectLst/>
+                        <a:latin typeface="Times New Roman" panose="02020603050405020304" pitchFamily="18" charset="0"/>
+                        <a:ea typeface="Times New Roman" panose="02020603050405020304" pitchFamily="18" charset="0"/>
+                      </a:endParaRPr>
+                    </a:p>
+                  </a:txBody>
+                  <a:tcPr marL="51600" marR="51600" marT="0" marB="0"/>
+                </a:tc>
+                <a:tc>
+                  <a:txBody>
+                    <a:bodyPr/>
+                    <a:lstStyle/>
+                    <a:p>
+                      <a:pPr marL="0" marR="0" algn="just">
+                        <a:spcBef>
+                          <a:spcPts val="600"/>
+                        </a:spcBef>
+                        <a:spcAft>
+                          <a:spcPts val="300"/>
+                        </a:spcAft>
+                      </a:pPr>
+                      <a:r>
+                        <a:rPr lang="en-GB" sz="1000">
+                          <a:effectLst/>
+                        </a:rPr>
+                        <a:t> </a:t>
+                      </a:r>
+                      <a:endParaRPr lang="en-US" sz="1000">
+                        <a:effectLst/>
+                        <a:latin typeface="Times New Roman" panose="02020603050405020304" pitchFamily="18" charset="0"/>
+                        <a:ea typeface="Times New Roman" panose="02020603050405020304" pitchFamily="18" charset="0"/>
+                      </a:endParaRPr>
+                    </a:p>
+                  </a:txBody>
+                  <a:tcPr marL="51600" marR="51600" marT="0" marB="0"/>
+                </a:tc>
+                <a:tc>
+                  <a:txBody>
+                    <a:bodyPr/>
+                    <a:lstStyle/>
+                    <a:p>
+                      <a:pPr marL="0" marR="0" algn="just">
+                        <a:spcBef>
+                          <a:spcPts val="600"/>
+                        </a:spcBef>
+                        <a:spcAft>
+                          <a:spcPts val="300"/>
+                        </a:spcAft>
+                      </a:pPr>
+                      <a:r>
+                        <a:rPr lang="en-GB" sz="1000">
+                          <a:effectLst/>
+                        </a:rPr>
+                        <a:t> </a:t>
+                      </a:r>
+                      <a:endParaRPr lang="en-US" sz="1000">
+                        <a:effectLst/>
+                        <a:latin typeface="Times New Roman" panose="02020603050405020304" pitchFamily="18" charset="0"/>
+                        <a:ea typeface="Times New Roman" panose="02020603050405020304" pitchFamily="18" charset="0"/>
+                      </a:endParaRPr>
+                    </a:p>
+                  </a:txBody>
+                  <a:tcPr marL="51600" marR="51600" marT="0" marB="0"/>
+                </a:tc>
+                <a:tc>
+                  <a:txBody>
+                    <a:bodyPr/>
+                    <a:lstStyle/>
+                    <a:p>
+                      <a:pPr marL="0" marR="0" algn="just">
+                        <a:spcBef>
+                          <a:spcPts val="600"/>
+                        </a:spcBef>
+                        <a:spcAft>
+                          <a:spcPts val="300"/>
+                        </a:spcAft>
+                      </a:pPr>
+                      <a:r>
+                        <a:rPr lang="en-GB" sz="1000">
+                          <a:effectLst/>
+                        </a:rPr>
+                        <a:t> </a:t>
+                      </a:r>
+                      <a:endParaRPr lang="en-US" sz="1000">
+                        <a:effectLst/>
+                        <a:latin typeface="Times New Roman" panose="02020603050405020304" pitchFamily="18" charset="0"/>
+                        <a:ea typeface="Times New Roman" panose="02020603050405020304" pitchFamily="18" charset="0"/>
+                      </a:endParaRPr>
+                    </a:p>
+                  </a:txBody>
+                  <a:tcPr marL="51600" marR="51600" marT="0" marB="0"/>
+                </a:tc>
+                <a:tc>
+                  <a:txBody>
+                    <a:bodyPr/>
+                    <a:lstStyle/>
+                    <a:p>
+                      <a:pPr marL="0" marR="0" algn="just">
+                        <a:spcBef>
+                          <a:spcPts val="600"/>
+                        </a:spcBef>
+                        <a:spcAft>
+                          <a:spcPts val="300"/>
+                        </a:spcAft>
+                      </a:pPr>
+                      <a:r>
+                        <a:rPr lang="en-GB" sz="1000">
+                          <a:effectLst/>
+                        </a:rPr>
+                        <a:t> </a:t>
+                      </a:r>
+                      <a:endParaRPr lang="en-US" sz="1000">
+                        <a:effectLst/>
+                        <a:latin typeface="Times New Roman" panose="02020603050405020304" pitchFamily="18" charset="0"/>
+                        <a:ea typeface="Times New Roman" panose="02020603050405020304" pitchFamily="18" charset="0"/>
+                      </a:endParaRPr>
+                    </a:p>
+                  </a:txBody>
+                  <a:tcPr marL="51600" marR="51600" marT="0" marB="0"/>
+                </a:tc>
+                <a:tc>
+                  <a:txBody>
+                    <a:bodyPr/>
+                    <a:lstStyle/>
+                    <a:p>
+                      <a:pPr marL="0" marR="0" algn="just">
+                        <a:spcBef>
+                          <a:spcPts val="600"/>
+                        </a:spcBef>
+                        <a:spcAft>
+                          <a:spcPts val="300"/>
+                        </a:spcAft>
+                      </a:pPr>
+                      <a:r>
+                        <a:rPr lang="en-GB" sz="1000">
+                          <a:effectLst/>
+                        </a:rPr>
+                        <a:t> </a:t>
+                      </a:r>
+                      <a:endParaRPr lang="en-US" sz="1000">
+                        <a:effectLst/>
+                        <a:latin typeface="Times New Roman" panose="02020603050405020304" pitchFamily="18" charset="0"/>
+                        <a:ea typeface="Times New Roman" panose="02020603050405020304" pitchFamily="18" charset="0"/>
+                      </a:endParaRPr>
+                    </a:p>
+                  </a:txBody>
+                  <a:tcPr marL="51600" marR="51600" marT="0" marB="0"/>
+                </a:tc>
+                <a:tc>
+                  <a:txBody>
+                    <a:bodyPr/>
+                    <a:lstStyle/>
+                    <a:p>
+                      <a:pPr marL="0" marR="0" algn="just">
+                        <a:spcBef>
+                          <a:spcPts val="600"/>
+                        </a:spcBef>
+                        <a:spcAft>
+                          <a:spcPts val="300"/>
+                        </a:spcAft>
+                      </a:pPr>
+                      <a:r>
+                        <a:rPr lang="en-GB" sz="1000">
+                          <a:effectLst/>
+                        </a:rPr>
+                        <a:t> </a:t>
+                      </a:r>
+                      <a:endParaRPr lang="en-US" sz="1000">
+                        <a:effectLst/>
+                        <a:latin typeface="Times New Roman" panose="02020603050405020304" pitchFamily="18" charset="0"/>
+                        <a:ea typeface="Times New Roman" panose="02020603050405020304" pitchFamily="18" charset="0"/>
+                      </a:endParaRPr>
+                    </a:p>
+                  </a:txBody>
+                  <a:tcPr marL="51600" marR="51600" marT="0" marB="0"/>
+                </a:tc>
+                <a:tc>
+                  <a:txBody>
+                    <a:bodyPr/>
+                    <a:lstStyle/>
+                    <a:p>
+                      <a:pPr marL="0" marR="0" algn="just">
+                        <a:spcBef>
+                          <a:spcPts val="600"/>
+                        </a:spcBef>
+                        <a:spcAft>
+                          <a:spcPts val="300"/>
+                        </a:spcAft>
+                      </a:pPr>
+                      <a:r>
+                        <a:rPr lang="en-GB" sz="1000">
+                          <a:effectLst/>
+                        </a:rPr>
+                        <a:t> </a:t>
+                      </a:r>
+                      <a:endParaRPr lang="en-US" sz="1000">
+                        <a:effectLst/>
+                        <a:latin typeface="Times New Roman" panose="02020603050405020304" pitchFamily="18" charset="0"/>
+                        <a:ea typeface="Times New Roman" panose="02020603050405020304" pitchFamily="18" charset="0"/>
+                      </a:endParaRPr>
+                    </a:p>
+                  </a:txBody>
+                  <a:tcPr marL="51600" marR="51600" marT="0" marB="0"/>
+                </a:tc>
+                <a:tc>
+                  <a:txBody>
+                    <a:bodyPr/>
+                    <a:lstStyle/>
+                    <a:p>
+                      <a:pPr marL="0" marR="0" algn="just">
+                        <a:spcBef>
+                          <a:spcPts val="600"/>
+                        </a:spcBef>
+                        <a:spcAft>
+                          <a:spcPts val="300"/>
+                        </a:spcAft>
+                      </a:pPr>
+                      <a:r>
+                        <a:rPr lang="en-GB" sz="1000">
+                          <a:effectLst/>
+                        </a:rPr>
+                        <a:t> </a:t>
+                      </a:r>
+                      <a:endParaRPr lang="en-US" sz="1000">
+                        <a:effectLst/>
+                        <a:latin typeface="Times New Roman" panose="02020603050405020304" pitchFamily="18" charset="0"/>
+                        <a:ea typeface="Times New Roman" panose="02020603050405020304" pitchFamily="18" charset="0"/>
+                      </a:endParaRPr>
+                    </a:p>
+                  </a:txBody>
+                  <a:tcPr marL="51600" marR="51600" marT="0" marB="0"/>
+                </a:tc>
+                <a:tc>
+                  <a:txBody>
+                    <a:bodyPr/>
+                    <a:lstStyle/>
+                    <a:p>
+                      <a:pPr marL="0" marR="0" algn="just">
+                        <a:spcBef>
+                          <a:spcPts val="600"/>
+                        </a:spcBef>
+                        <a:spcAft>
+                          <a:spcPts val="300"/>
+                        </a:spcAft>
+                      </a:pPr>
+                      <a:r>
+                        <a:rPr lang="en-GB" sz="1000">
+                          <a:effectLst/>
+                        </a:rPr>
+                        <a:t> </a:t>
+                      </a:r>
+                      <a:endParaRPr lang="en-US" sz="1000">
+                        <a:effectLst/>
+                        <a:latin typeface="Times New Roman" panose="02020603050405020304" pitchFamily="18" charset="0"/>
+                        <a:ea typeface="Times New Roman" panose="02020603050405020304" pitchFamily="18" charset="0"/>
+                      </a:endParaRPr>
+                    </a:p>
+                  </a:txBody>
+                  <a:tcPr marL="51600" marR="51600" marT="0" marB="0"/>
+                </a:tc>
+                <a:tc>
+                  <a:txBody>
+                    <a:bodyPr/>
+                    <a:lstStyle/>
+                    <a:p>
+                      <a:pPr marL="0" marR="0" algn="just">
+                        <a:spcBef>
+                          <a:spcPts val="600"/>
+                        </a:spcBef>
+                        <a:spcAft>
+                          <a:spcPts val="300"/>
+                        </a:spcAft>
+                      </a:pPr>
+                      <a:r>
+                        <a:rPr lang="en-GB" sz="1000" dirty="0">
+                          <a:effectLst/>
+                        </a:rPr>
+                        <a:t> </a:t>
+                      </a:r>
+                      <a:endParaRPr lang="en-US" sz="1000" dirty="0">
+                        <a:effectLst/>
+                        <a:latin typeface="Times New Roman" panose="02020603050405020304" pitchFamily="18" charset="0"/>
+                        <a:ea typeface="Times New Roman" panose="02020603050405020304" pitchFamily="18" charset="0"/>
+                      </a:endParaRPr>
+                    </a:p>
+                  </a:txBody>
+                  <a:tcPr marL="51600" marR="51600" marT="0" marB="0"/>
+                </a:tc>
+                <a:tc>
+                  <a:txBody>
+                    <a:bodyPr/>
+                    <a:lstStyle/>
+                    <a:p>
+                      <a:pPr marL="0" marR="0" algn="just">
+                        <a:spcBef>
+                          <a:spcPts val="600"/>
+                        </a:spcBef>
+                        <a:spcAft>
+                          <a:spcPts val="300"/>
+                        </a:spcAft>
+                      </a:pPr>
+                      <a:r>
+                        <a:rPr lang="en-GB" sz="1000" dirty="0">
+                          <a:effectLst/>
+                        </a:rPr>
+                        <a:t> </a:t>
+                      </a:r>
+                      <a:endParaRPr lang="en-US" sz="1000" dirty="0">
+                        <a:effectLst/>
+                        <a:latin typeface="Times New Roman" panose="02020603050405020304" pitchFamily="18" charset="0"/>
+                        <a:ea typeface="Times New Roman" panose="02020603050405020304" pitchFamily="18" charset="0"/>
+                      </a:endParaRPr>
+                    </a:p>
+                  </a:txBody>
+                  <a:tcPr marL="51600" marR="51600" marT="0" marB="0"/>
+                </a:tc>
+                <a:tc>
+                  <a:txBody>
+                    <a:bodyPr/>
+                    <a:lstStyle/>
+                    <a:p>
+                      <a:pPr marL="0" marR="0" algn="just">
+                        <a:spcBef>
+                          <a:spcPts val="600"/>
+                        </a:spcBef>
+                        <a:spcAft>
+                          <a:spcPts val="300"/>
+                        </a:spcAft>
+                      </a:pPr>
+                      <a:r>
+                        <a:rPr lang="en-GB" sz="1000">
+                          <a:effectLst/>
+                        </a:rPr>
+                        <a:t>X</a:t>
+                      </a:r>
+                      <a:endParaRPr lang="en-US" sz="1000">
+                        <a:effectLst/>
+                        <a:latin typeface="Times New Roman" panose="02020603050405020304" pitchFamily="18" charset="0"/>
+                        <a:ea typeface="Times New Roman" panose="02020603050405020304" pitchFamily="18" charset="0"/>
+                      </a:endParaRPr>
+                    </a:p>
+                  </a:txBody>
+                  <a:tcPr marL="51600" marR="51600" marT="0" marB="0"/>
+                </a:tc>
+                <a:tc>
+                  <a:txBody>
+                    <a:bodyPr/>
+                    <a:lstStyle/>
+                    <a:p>
+                      <a:pPr marL="0" marR="0" algn="just">
+                        <a:spcBef>
+                          <a:spcPts val="600"/>
+                        </a:spcBef>
+                        <a:spcAft>
+                          <a:spcPts val="300"/>
+                        </a:spcAft>
+                      </a:pPr>
+                      <a:r>
+                        <a:rPr lang="en-GB" sz="1000">
+                          <a:effectLst/>
+                        </a:rPr>
+                        <a:t> </a:t>
+                      </a:r>
+                      <a:endParaRPr lang="en-US" sz="1000">
+                        <a:effectLst/>
+                        <a:latin typeface="Times New Roman" panose="02020603050405020304" pitchFamily="18" charset="0"/>
+                        <a:ea typeface="Times New Roman" panose="02020603050405020304" pitchFamily="18" charset="0"/>
+                      </a:endParaRPr>
+                    </a:p>
+                  </a:txBody>
+                  <a:tcPr marL="51600" marR="51600" marT="0" marB="0"/>
+                </a:tc>
+              </a:tr>
+              <a:tr h="418698">
+                <a:tc>
+                  <a:txBody>
+                    <a:bodyPr/>
+                    <a:lstStyle/>
+                    <a:p>
+                      <a:pPr marL="0" marR="0" algn="just">
+                        <a:spcBef>
+                          <a:spcPts val="600"/>
+                        </a:spcBef>
+                        <a:spcAft>
+                          <a:spcPts val="300"/>
+                        </a:spcAft>
+                      </a:pPr>
+                      <a:r>
+                        <a:rPr lang="en-GB" sz="1000">
+                          <a:effectLst/>
+                        </a:rPr>
+                        <a:t>ShipTrack System (ST)</a:t>
+                      </a:r>
+                      <a:endParaRPr lang="en-US" sz="1000">
+                        <a:effectLst/>
+                        <a:latin typeface="Times New Roman" panose="02020603050405020304" pitchFamily="18" charset="0"/>
+                        <a:ea typeface="Times New Roman" panose="02020603050405020304" pitchFamily="18" charset="0"/>
+                      </a:endParaRPr>
+                    </a:p>
+                  </a:txBody>
+                  <a:tcPr marL="51600" marR="51600" marT="0" marB="0"/>
+                </a:tc>
+                <a:tc>
+                  <a:txBody>
+                    <a:bodyPr/>
+                    <a:lstStyle/>
+                    <a:p>
+                      <a:pPr marL="0" marR="0" algn="just">
+                        <a:spcBef>
+                          <a:spcPts val="600"/>
+                        </a:spcBef>
+                        <a:spcAft>
+                          <a:spcPts val="300"/>
+                        </a:spcAft>
+                      </a:pPr>
+                      <a:r>
+                        <a:rPr lang="en-GB" sz="1000">
+                          <a:effectLst/>
+                        </a:rPr>
+                        <a:t> </a:t>
+                      </a:r>
+                      <a:endParaRPr lang="en-US" sz="1000">
+                        <a:effectLst/>
+                        <a:latin typeface="Times New Roman" panose="02020603050405020304" pitchFamily="18" charset="0"/>
+                        <a:ea typeface="Times New Roman" panose="02020603050405020304" pitchFamily="18" charset="0"/>
+                      </a:endParaRPr>
+                    </a:p>
+                  </a:txBody>
+                  <a:tcPr marL="51600" marR="51600" marT="0" marB="0"/>
+                </a:tc>
+                <a:tc>
+                  <a:txBody>
+                    <a:bodyPr/>
+                    <a:lstStyle/>
+                    <a:p>
+                      <a:pPr marL="0" marR="0" algn="just">
+                        <a:spcBef>
+                          <a:spcPts val="600"/>
+                        </a:spcBef>
+                        <a:spcAft>
+                          <a:spcPts val="300"/>
+                        </a:spcAft>
+                      </a:pPr>
+                      <a:r>
+                        <a:rPr lang="en-GB" sz="1000">
+                          <a:effectLst/>
+                        </a:rPr>
+                        <a:t> </a:t>
+                      </a:r>
+                      <a:endParaRPr lang="en-US" sz="1000">
+                        <a:effectLst/>
+                        <a:latin typeface="Times New Roman" panose="02020603050405020304" pitchFamily="18" charset="0"/>
+                        <a:ea typeface="Times New Roman" panose="02020603050405020304" pitchFamily="18" charset="0"/>
+                      </a:endParaRPr>
+                    </a:p>
+                  </a:txBody>
+                  <a:tcPr marL="51600" marR="51600" marT="0" marB="0"/>
+                </a:tc>
+                <a:tc>
+                  <a:txBody>
+                    <a:bodyPr/>
+                    <a:lstStyle/>
+                    <a:p>
+                      <a:pPr marL="0" marR="0" algn="just">
+                        <a:spcBef>
+                          <a:spcPts val="600"/>
+                        </a:spcBef>
+                        <a:spcAft>
+                          <a:spcPts val="300"/>
+                        </a:spcAft>
+                      </a:pPr>
+                      <a:r>
+                        <a:rPr lang="en-GB" sz="1000">
+                          <a:effectLst/>
+                        </a:rPr>
+                        <a:t> </a:t>
+                      </a:r>
+                      <a:endParaRPr lang="en-US" sz="1000">
+                        <a:effectLst/>
+                        <a:latin typeface="Times New Roman" panose="02020603050405020304" pitchFamily="18" charset="0"/>
+                        <a:ea typeface="Times New Roman" panose="02020603050405020304" pitchFamily="18" charset="0"/>
+                      </a:endParaRPr>
+                    </a:p>
+                  </a:txBody>
+                  <a:tcPr marL="51600" marR="51600" marT="0" marB="0"/>
+                </a:tc>
+                <a:tc>
+                  <a:txBody>
+                    <a:bodyPr/>
+                    <a:lstStyle/>
+                    <a:p>
+                      <a:pPr marL="0" marR="0" algn="just">
+                        <a:spcBef>
+                          <a:spcPts val="600"/>
+                        </a:spcBef>
+                        <a:spcAft>
+                          <a:spcPts val="300"/>
+                        </a:spcAft>
+                      </a:pPr>
+                      <a:r>
+                        <a:rPr lang="en-GB" sz="1000">
+                          <a:effectLst/>
+                        </a:rPr>
+                        <a:t> </a:t>
+                      </a:r>
+                      <a:endParaRPr lang="en-US" sz="1000">
+                        <a:effectLst/>
+                        <a:latin typeface="Times New Roman" panose="02020603050405020304" pitchFamily="18" charset="0"/>
+                        <a:ea typeface="Times New Roman" panose="02020603050405020304" pitchFamily="18" charset="0"/>
+                      </a:endParaRPr>
+                    </a:p>
+                  </a:txBody>
+                  <a:tcPr marL="51600" marR="51600" marT="0" marB="0"/>
+                </a:tc>
+                <a:tc>
+                  <a:txBody>
+                    <a:bodyPr/>
+                    <a:lstStyle/>
+                    <a:p>
+                      <a:pPr marL="0" marR="0" algn="just">
+                        <a:spcBef>
+                          <a:spcPts val="600"/>
+                        </a:spcBef>
+                        <a:spcAft>
+                          <a:spcPts val="300"/>
+                        </a:spcAft>
+                      </a:pPr>
+                      <a:r>
+                        <a:rPr lang="en-GB" sz="1000">
+                          <a:effectLst/>
+                        </a:rPr>
+                        <a:t> </a:t>
+                      </a:r>
+                      <a:endParaRPr lang="en-US" sz="1000">
+                        <a:effectLst/>
+                        <a:latin typeface="Times New Roman" panose="02020603050405020304" pitchFamily="18" charset="0"/>
+                        <a:ea typeface="Times New Roman" panose="02020603050405020304" pitchFamily="18" charset="0"/>
+                      </a:endParaRPr>
+                    </a:p>
+                  </a:txBody>
+                  <a:tcPr marL="51600" marR="51600" marT="0" marB="0"/>
+                </a:tc>
+                <a:tc>
+                  <a:txBody>
+                    <a:bodyPr/>
+                    <a:lstStyle/>
+                    <a:p>
+                      <a:pPr marL="0" marR="0" algn="just">
+                        <a:spcBef>
+                          <a:spcPts val="600"/>
+                        </a:spcBef>
+                        <a:spcAft>
+                          <a:spcPts val="300"/>
+                        </a:spcAft>
+                      </a:pPr>
+                      <a:r>
+                        <a:rPr lang="en-GB" sz="1000">
+                          <a:effectLst/>
+                        </a:rPr>
+                        <a:t> </a:t>
+                      </a:r>
+                      <a:endParaRPr lang="en-US" sz="1000">
+                        <a:effectLst/>
+                        <a:latin typeface="Times New Roman" panose="02020603050405020304" pitchFamily="18" charset="0"/>
+                        <a:ea typeface="Times New Roman" panose="02020603050405020304" pitchFamily="18" charset="0"/>
+                      </a:endParaRPr>
+                    </a:p>
+                  </a:txBody>
+                  <a:tcPr marL="51600" marR="51600" marT="0" marB="0"/>
+                </a:tc>
+                <a:tc>
+                  <a:txBody>
+                    <a:bodyPr/>
+                    <a:lstStyle/>
+                    <a:p>
+                      <a:pPr marL="0" marR="0" algn="just">
+                        <a:spcBef>
+                          <a:spcPts val="600"/>
+                        </a:spcBef>
+                        <a:spcAft>
+                          <a:spcPts val="300"/>
+                        </a:spcAft>
+                      </a:pPr>
+                      <a:r>
+                        <a:rPr lang="en-GB" sz="1000">
+                          <a:effectLst/>
+                        </a:rPr>
+                        <a:t>X</a:t>
+                      </a:r>
+                      <a:endParaRPr lang="en-US" sz="1000">
+                        <a:effectLst/>
+                        <a:latin typeface="Times New Roman" panose="02020603050405020304" pitchFamily="18" charset="0"/>
+                        <a:ea typeface="Times New Roman" panose="02020603050405020304" pitchFamily="18" charset="0"/>
+                      </a:endParaRPr>
+                    </a:p>
+                  </a:txBody>
+                  <a:tcPr marL="51600" marR="51600" marT="0" marB="0"/>
+                </a:tc>
+                <a:tc>
+                  <a:txBody>
+                    <a:bodyPr/>
+                    <a:lstStyle/>
+                    <a:p>
+                      <a:pPr marL="0" marR="0" algn="just">
+                        <a:spcBef>
+                          <a:spcPts val="600"/>
+                        </a:spcBef>
+                        <a:spcAft>
+                          <a:spcPts val="300"/>
+                        </a:spcAft>
+                      </a:pPr>
+                      <a:r>
+                        <a:rPr lang="en-GB" sz="1000">
+                          <a:effectLst/>
+                        </a:rPr>
+                        <a:t> </a:t>
+                      </a:r>
+                      <a:endParaRPr lang="en-US" sz="1000">
+                        <a:effectLst/>
+                        <a:latin typeface="Times New Roman" panose="02020603050405020304" pitchFamily="18" charset="0"/>
+                        <a:ea typeface="Times New Roman" panose="02020603050405020304" pitchFamily="18" charset="0"/>
+                      </a:endParaRPr>
+                    </a:p>
+                  </a:txBody>
+                  <a:tcPr marL="51600" marR="51600" marT="0" marB="0"/>
+                </a:tc>
+                <a:tc>
+                  <a:txBody>
+                    <a:bodyPr/>
+                    <a:lstStyle/>
+                    <a:p>
+                      <a:pPr marL="0" marR="0" algn="just">
+                        <a:spcBef>
+                          <a:spcPts val="600"/>
+                        </a:spcBef>
+                        <a:spcAft>
+                          <a:spcPts val="300"/>
+                        </a:spcAft>
+                      </a:pPr>
+                      <a:r>
+                        <a:rPr lang="en-GB" sz="1000">
+                          <a:effectLst/>
+                        </a:rPr>
+                        <a:t> </a:t>
+                      </a:r>
+                      <a:endParaRPr lang="en-US" sz="1000">
+                        <a:effectLst/>
+                        <a:latin typeface="Times New Roman" panose="02020603050405020304" pitchFamily="18" charset="0"/>
+                        <a:ea typeface="Times New Roman" panose="02020603050405020304" pitchFamily="18" charset="0"/>
+                      </a:endParaRPr>
+                    </a:p>
+                  </a:txBody>
+                  <a:tcPr marL="51600" marR="51600" marT="0" marB="0"/>
+                </a:tc>
+                <a:tc>
+                  <a:txBody>
+                    <a:bodyPr/>
+                    <a:lstStyle/>
+                    <a:p>
+                      <a:pPr marL="0" marR="0" algn="just">
+                        <a:spcBef>
+                          <a:spcPts val="600"/>
+                        </a:spcBef>
+                        <a:spcAft>
+                          <a:spcPts val="300"/>
+                        </a:spcAft>
+                      </a:pPr>
+                      <a:r>
+                        <a:rPr lang="en-GB" sz="1000">
+                          <a:effectLst/>
+                        </a:rPr>
+                        <a:t> </a:t>
+                      </a:r>
+                      <a:endParaRPr lang="en-US" sz="1000">
+                        <a:effectLst/>
+                        <a:latin typeface="Times New Roman" panose="02020603050405020304" pitchFamily="18" charset="0"/>
+                        <a:ea typeface="Times New Roman" panose="02020603050405020304" pitchFamily="18" charset="0"/>
+                      </a:endParaRPr>
+                    </a:p>
+                  </a:txBody>
+                  <a:tcPr marL="51600" marR="51600" marT="0" marB="0"/>
+                </a:tc>
+                <a:tc>
+                  <a:txBody>
+                    <a:bodyPr/>
+                    <a:lstStyle/>
+                    <a:p>
+                      <a:pPr marL="0" marR="0" algn="just">
+                        <a:spcBef>
+                          <a:spcPts val="600"/>
+                        </a:spcBef>
+                        <a:spcAft>
+                          <a:spcPts val="300"/>
+                        </a:spcAft>
+                      </a:pPr>
+                      <a:r>
+                        <a:rPr lang="en-GB" sz="1000" dirty="0">
+                          <a:effectLst/>
+                        </a:rPr>
+                        <a:t> </a:t>
+                      </a:r>
+                      <a:endParaRPr lang="en-US" sz="1000" dirty="0">
+                        <a:effectLst/>
+                        <a:latin typeface="Times New Roman" panose="02020603050405020304" pitchFamily="18" charset="0"/>
+                        <a:ea typeface="Times New Roman" panose="02020603050405020304" pitchFamily="18" charset="0"/>
+                      </a:endParaRPr>
+                    </a:p>
+                  </a:txBody>
+                  <a:tcPr marL="51600" marR="51600" marT="0" marB="0"/>
+                </a:tc>
+                <a:tc>
+                  <a:txBody>
+                    <a:bodyPr/>
+                    <a:lstStyle/>
+                    <a:p>
+                      <a:pPr marL="0" marR="0" algn="just">
+                        <a:spcBef>
+                          <a:spcPts val="600"/>
+                        </a:spcBef>
+                        <a:spcAft>
+                          <a:spcPts val="300"/>
+                        </a:spcAft>
+                      </a:pPr>
+                      <a:r>
+                        <a:rPr lang="en-GB" sz="1000" dirty="0">
+                          <a:effectLst/>
+                        </a:rPr>
+                        <a:t> </a:t>
+                      </a:r>
+                      <a:endParaRPr lang="en-US" sz="1000" dirty="0">
+                        <a:effectLst/>
+                        <a:latin typeface="Times New Roman" panose="02020603050405020304" pitchFamily="18" charset="0"/>
+                        <a:ea typeface="Times New Roman" panose="02020603050405020304" pitchFamily="18" charset="0"/>
+                      </a:endParaRPr>
+                    </a:p>
+                  </a:txBody>
+                  <a:tcPr marL="51600" marR="51600" marT="0" marB="0"/>
+                </a:tc>
+                <a:tc>
+                  <a:txBody>
+                    <a:bodyPr/>
+                    <a:lstStyle/>
+                    <a:p>
+                      <a:pPr marL="0" marR="0" algn="just">
+                        <a:spcBef>
+                          <a:spcPts val="600"/>
+                        </a:spcBef>
+                        <a:spcAft>
+                          <a:spcPts val="300"/>
+                        </a:spcAft>
+                      </a:pPr>
+                      <a:r>
+                        <a:rPr lang="en-GB" sz="1000" dirty="0">
+                          <a:effectLst/>
+                        </a:rPr>
+                        <a:t>X</a:t>
+                      </a:r>
+                      <a:endParaRPr lang="en-US" sz="1000" dirty="0">
+                        <a:effectLst/>
+                        <a:latin typeface="Times New Roman" panose="02020603050405020304" pitchFamily="18" charset="0"/>
+                        <a:ea typeface="Times New Roman" panose="02020603050405020304" pitchFamily="18" charset="0"/>
+                      </a:endParaRPr>
+                    </a:p>
+                  </a:txBody>
+                  <a:tcPr marL="51600" marR="51600" marT="0" marB="0"/>
+                </a:tc>
+              </a:tr>
+            </a:tbl>
+          </a:graphicData>
+        </a:graphic>
+      </p:graphicFrame>
+    </p:spTree>
+    <p:extLst>
+      <p:ext uri="{BB962C8B-B14F-4D97-AF65-F5344CB8AC3E}">
+        <p14:creationId xmlns:p14="http://schemas.microsoft.com/office/powerpoint/2010/main" val="4056752153"/>
+      </p:ext>
+    </p:extLst>
+  </p:cSld>
+  <p:clrMapOvr>
+    <a:masterClrMapping/>
+  </p:clrMapOvr>
+  <p:timing>
+    <p:tnLst>
+      <p:par>
+        <p:cTn id="1" dur="indefinite" restart="never" nodeType="tmRoot"/>
+      </p:par>
+    </p:tnLst>
+  </p:timing>
+</p:sld>
+</file>
+
+<file path=ppt/slides/slide33.xml><?xml version="1.0" encoding="utf-8"?>
+<p:sld xmlns:a="http://schemas.openxmlformats.org/drawingml/2006/main" xmlns:r="http://schemas.openxmlformats.org/officeDocument/2006/relationships" xmlns:p="http://schemas.openxmlformats.org/presentationml/2006/main">
+  <p:cSld>
+    <p:spTree>
+      <p:nvGrpSpPr>
+        <p:cNvPr id="1" name=""/>
+        <p:cNvGrpSpPr/>
+        <p:nvPr/>
+      </p:nvGrpSpPr>
+      <p:grpSpPr>
+        <a:xfrm>
+          <a:off x="0" y="0"/>
+          <a:ext cx="0" cy="0"/>
+          <a:chOff x="0" y="0"/>
+          <a:chExt cx="0" cy="0"/>
+        </a:xfrm>
+      </p:grpSpPr>
+      <p:sp>
+        <p:nvSpPr>
           <p:cNvPr id="44033" name="Title 1"/>
           <p:cNvSpPr>
             <a:spLocks noGrp="1"/>
@@ -17399,7 +25404,7 @@
 </p:sld>
 </file>
 
-<file path=ppt/slides/slide28.xml><?xml version="1.0" encoding="utf-8"?>
+<file path=ppt/slides/slide34.xml><?xml version="1.0" encoding="utf-8"?>
 <p:sld xmlns:a="http://schemas.openxmlformats.org/drawingml/2006/main" xmlns:r="http://schemas.openxmlformats.org/officeDocument/2006/relationships" xmlns:p="http://schemas.openxmlformats.org/presentationml/2006/main">
   <p:cSld>
     <p:spTree>
@@ -17527,7 +25532,7 @@
 </p:sld>
 </file>
 
-<file path=ppt/slides/slide29.xml><?xml version="1.0" encoding="utf-8"?>
+<file path=ppt/slides/slide35.xml><?xml version="1.0" encoding="utf-8"?>
 <p:sld xmlns:a="http://schemas.openxmlformats.org/drawingml/2006/main" xmlns:r="http://schemas.openxmlformats.org/officeDocument/2006/relationships" xmlns:p="http://schemas.openxmlformats.org/presentationml/2006/main">
   <p:cSld>
     <p:spTree>
@@ -18239,88 +26244,7 @@
 </p:sld>
 </file>
 
-<file path=ppt/slides/slide3.xml><?xml version="1.0" encoding="utf-8"?>
-<p:sld xmlns:a="http://schemas.openxmlformats.org/drawingml/2006/main" xmlns:r="http://schemas.openxmlformats.org/officeDocument/2006/relationships" xmlns:p="http://schemas.openxmlformats.org/presentationml/2006/main">
-  <p:cSld>
-    <p:spTree>
-      <p:nvGrpSpPr>
-        <p:cNvPr id="1" name=""/>
-        <p:cNvGrpSpPr/>
-        <p:nvPr/>
-      </p:nvGrpSpPr>
-      <p:grpSpPr>
-        <a:xfrm>
-          <a:off x="0" y="0"/>
-          <a:ext cx="0" cy="0"/>
-          <a:chOff x="0" y="0"/>
-          <a:chExt cx="0" cy="0"/>
-        </a:xfrm>
-      </p:grpSpPr>
-      <p:sp>
-        <p:nvSpPr>
-          <p:cNvPr id="18433" name="Title 1"/>
-          <p:cNvSpPr>
-            <a:spLocks noGrp="1"/>
-          </p:cNvSpPr>
-          <p:nvPr>
-            <p:ph type="title"/>
-          </p:nvPr>
-        </p:nvSpPr>
-        <p:spPr/>
-        <p:txBody>
-          <a:bodyPr/>
-          <a:lstStyle/>
-          <a:p>
-            <a:pPr eaLnBrk="1" hangingPunct="1"/>
-            <a:endParaRPr lang="en-SG" smtClean="0"/>
-          </a:p>
-        </p:txBody>
-      </p:sp>
-      <p:sp>
-        <p:nvSpPr>
-          <p:cNvPr id="18434" name="Content Placeholder 2"/>
-          <p:cNvSpPr>
-            <a:spLocks noGrp="1"/>
-          </p:cNvSpPr>
-          <p:nvPr>
-            <p:ph sz="quarter" idx="1"/>
-          </p:nvPr>
-        </p:nvSpPr>
-        <p:spPr>
-          <a:xfrm>
-            <a:off x="457200" y="1219200"/>
-            <a:ext cx="8229600" cy="4937125"/>
-          </a:xfrm>
-        </p:spPr>
-        <p:txBody>
-          <a:bodyPr/>
-          <a:lstStyle/>
-          <a:p>
-            <a:pPr eaLnBrk="1" hangingPunct="1"/>
-            <a:r>
-              <a:rPr lang="en-US" dirty="0" smtClean="0"/>
-              <a:t>Architecture Vision</a:t>
-            </a:r>
-            <a:endParaRPr lang="en-SG" dirty="0" smtClean="0"/>
-          </a:p>
-        </p:txBody>
-      </p:sp>
-    </p:spTree>
-  </p:cSld>
-  <p:clrMapOvr>
-    <a:masterClrMapping/>
-  </p:clrMapOvr>
-  <p:timing>
-    <p:tnLst>
-      <p:par>
-        <p:cTn id="1" dur="indefinite" restart="never" nodeType="tmRoot"/>
-      </p:par>
-    </p:tnLst>
-  </p:timing>
-</p:sld>
-</file>
-
-<file path=ppt/slides/slide30.xml><?xml version="1.0" encoding="utf-8"?>
+<file path=ppt/slides/slide36.xml><?xml version="1.0" encoding="utf-8"?>
 <p:sld xmlns:a="http://schemas.openxmlformats.org/drawingml/2006/main" xmlns:r="http://schemas.openxmlformats.org/officeDocument/2006/relationships" xmlns:p="http://schemas.openxmlformats.org/presentationml/2006/main">
   <p:cSld>
     <p:spTree>
@@ -18682,7 +26606,7 @@
 </p:sld>
 </file>
 
-<file path=ppt/slides/slide31.xml><?xml version="1.0" encoding="utf-8"?>
+<file path=ppt/slides/slide37.xml><?xml version="1.0" encoding="utf-8"?>
 <p:sld xmlns:a="http://schemas.openxmlformats.org/drawingml/2006/main" xmlns:r="http://schemas.openxmlformats.org/officeDocument/2006/relationships" xmlns:p="http://schemas.openxmlformats.org/presentationml/2006/main">
   <p:cSld>
     <p:spTree>
@@ -19629,7 +27553,7 @@
 </p:sld>
 </file>
 
-<file path=ppt/slides/slide32.xml><?xml version="1.0" encoding="utf-8"?>
+<file path=ppt/slides/slide38.xml><?xml version="1.0" encoding="utf-8"?>
 <p:sld xmlns:a="http://schemas.openxmlformats.org/drawingml/2006/main" xmlns:r="http://schemas.openxmlformats.org/officeDocument/2006/relationships" xmlns:p="http://schemas.openxmlformats.org/presentationml/2006/main">
   <p:cSld>
     <p:spTree>
@@ -19715,7 +27639,7 @@
 </p:sld>
 </file>
 
-<file path=ppt/slides/slide33.xml><?xml version="1.0" encoding="utf-8"?>
+<file path=ppt/slides/slide39.xml><?xml version="1.0" encoding="utf-8"?>
 <p:sld xmlns:a="http://schemas.openxmlformats.org/drawingml/2006/main" xmlns:r="http://schemas.openxmlformats.org/officeDocument/2006/relationships" xmlns:p="http://schemas.openxmlformats.org/presentationml/2006/main">
   <p:cSld>
     <p:spTree>
@@ -20425,7 +28349,497 @@
 </p:sld>
 </file>
 
-<file path=ppt/slides/slide34.xml><?xml version="1.0" encoding="utf-8"?>
+<file path=ppt/slides/slide4.xml><?xml version="1.0" encoding="utf-8"?>
+<p:sld xmlns:a="http://schemas.openxmlformats.org/drawingml/2006/main" xmlns:r="http://schemas.openxmlformats.org/officeDocument/2006/relationships" xmlns:p="http://schemas.openxmlformats.org/presentationml/2006/main">
+  <p:cSld>
+    <p:spTree>
+      <p:nvGrpSpPr>
+        <p:cNvPr id="1" name=""/>
+        <p:cNvGrpSpPr/>
+        <p:nvPr/>
+      </p:nvGrpSpPr>
+      <p:grpSpPr>
+        <a:xfrm>
+          <a:off x="0" y="0"/>
+          <a:ext cx="0" cy="0"/>
+          <a:chOff x="0" y="0"/>
+          <a:chExt cx="0" cy="0"/>
+        </a:xfrm>
+      </p:grpSpPr>
+      <p:sp>
+        <p:nvSpPr>
+          <p:cNvPr id="19457" name="Title 1"/>
+          <p:cNvSpPr>
+            <a:spLocks noGrp="1"/>
+          </p:cNvSpPr>
+          <p:nvPr>
+            <p:ph type="title"/>
+          </p:nvPr>
+        </p:nvSpPr>
+        <p:spPr/>
+        <p:txBody>
+          <a:bodyPr/>
+          <a:lstStyle/>
+          <a:p>
+            <a:pPr eaLnBrk="1" hangingPunct="1"/>
+            <a:r>
+              <a:rPr lang="en-US" smtClean="0"/>
+              <a:t>Concerns</a:t>
+            </a:r>
+            <a:endParaRPr lang="en-SG" smtClean="0"/>
+          </a:p>
+        </p:txBody>
+      </p:sp>
+      <p:graphicFrame>
+        <p:nvGraphicFramePr>
+          <p:cNvPr id="4" name="Content Placeholder 3"/>
+          <p:cNvGraphicFramePr>
+            <a:graphicFrameLocks noGrp="1"/>
+          </p:cNvGraphicFramePr>
+          <p:nvPr>
+            <p:ph sz="quarter" idx="1"/>
+          </p:nvPr>
+        </p:nvGraphicFramePr>
+        <p:xfrm>
+          <a:off x="827088" y="1557338"/>
+          <a:ext cx="7216844" cy="3312367"/>
+        </p:xfrm>
+        <a:graphic>
+          <a:graphicData uri="http://schemas.openxmlformats.org/drawingml/2006/table">
+            <a:tbl>
+              <a:tblPr firstRow="1" firstCol="1" bandRow="1">
+                <a:tableStyleId>{5C22544A-7EE6-4342-B048-85BDC9FD1C3A}</a:tableStyleId>
+              </a:tblPr>
+              <a:tblGrid>
+                <a:gridCol w="1897662"/>
+                <a:gridCol w="5319182"/>
+              </a:tblGrid>
+              <a:tr h="429283">
+                <a:tc>
+                  <a:txBody>
+                    <a:bodyPr/>
+                    <a:lstStyle/>
+                    <a:p>
+                      <a:pPr algn="just">
+                        <a:spcBef>
+                          <a:spcPts val="600"/>
+                        </a:spcBef>
+                        <a:spcAft>
+                          <a:spcPts val="300"/>
+                        </a:spcAft>
+                      </a:pPr>
+                      <a:r>
+                        <a:rPr lang="en-GB" sz="1100" dirty="0">
+                          <a:effectLst/>
+                        </a:rPr>
+                        <a:t>Stakeholder</a:t>
+                      </a:r>
+                      <a:endParaRPr lang="en-SG" sz="1100" dirty="0">
+                        <a:effectLst/>
+                        <a:latin typeface="Times New Roman"/>
+                        <a:ea typeface="Times New Roman"/>
+                      </a:endParaRPr>
+                    </a:p>
+                  </a:txBody>
+                  <a:tcPr marL="68580" marR="68580" marT="0" marB="0"/>
+                </a:tc>
+                <a:tc>
+                  <a:txBody>
+                    <a:bodyPr/>
+                    <a:lstStyle/>
+                    <a:p>
+                      <a:pPr algn="just">
+                        <a:spcBef>
+                          <a:spcPts val="600"/>
+                        </a:spcBef>
+                        <a:spcAft>
+                          <a:spcPts val="300"/>
+                        </a:spcAft>
+                      </a:pPr>
+                      <a:r>
+                        <a:rPr lang="en-GB" sz="1100">
+                          <a:effectLst/>
+                        </a:rPr>
+                        <a:t>Key Concern</a:t>
+                      </a:r>
+                      <a:endParaRPr lang="en-SG" sz="1100">
+                        <a:effectLst/>
+                        <a:latin typeface="Times New Roman"/>
+                        <a:ea typeface="Times New Roman"/>
+                      </a:endParaRPr>
+                    </a:p>
+                  </a:txBody>
+                  <a:tcPr marL="68580" marR="68580" marT="0" marB="0"/>
+                </a:tc>
+              </a:tr>
+              <a:tr h="240257">
+                <a:tc>
+                  <a:txBody>
+                    <a:bodyPr/>
+                    <a:lstStyle/>
+                    <a:p>
+                      <a:pPr algn="just">
+                        <a:spcBef>
+                          <a:spcPts val="600"/>
+                        </a:spcBef>
+                        <a:spcAft>
+                          <a:spcPts val="300"/>
+                        </a:spcAft>
+                      </a:pPr>
+                      <a:r>
+                        <a:rPr lang="en-GB" sz="1100">
+                          <a:effectLst/>
+                        </a:rPr>
+                        <a:t>Customer</a:t>
+                      </a:r>
+                      <a:endParaRPr lang="en-SG" sz="1100">
+                        <a:effectLst/>
+                        <a:latin typeface="Times New Roman"/>
+                        <a:ea typeface="Times New Roman"/>
+                      </a:endParaRPr>
+                    </a:p>
+                  </a:txBody>
+                  <a:tcPr marL="68580" marR="68580" marT="0" marB="0"/>
+                </a:tc>
+                <a:tc>
+                  <a:txBody>
+                    <a:bodyPr/>
+                    <a:lstStyle/>
+                    <a:p>
+                      <a:pPr algn="just">
+                        <a:spcBef>
+                          <a:spcPts val="600"/>
+                        </a:spcBef>
+                        <a:spcAft>
+                          <a:spcPts val="300"/>
+                        </a:spcAft>
+                      </a:pPr>
+                      <a:r>
+                        <a:rPr lang="en-GB" sz="1100">
+                          <a:effectLst/>
+                        </a:rPr>
+                        <a:t>Ability to place order with higher turn around date</a:t>
+                      </a:r>
+                      <a:endParaRPr lang="en-SG" sz="1100">
+                        <a:effectLst/>
+                        <a:latin typeface="Times New Roman"/>
+                        <a:ea typeface="Times New Roman"/>
+                      </a:endParaRPr>
+                    </a:p>
+                  </a:txBody>
+                  <a:tcPr marL="68580" marR="68580" marT="0" marB="0"/>
+                </a:tc>
+              </a:tr>
+              <a:tr h="240257">
+                <a:tc>
+                  <a:txBody>
+                    <a:bodyPr/>
+                    <a:lstStyle/>
+                    <a:p>
+                      <a:pPr algn="just">
+                        <a:spcBef>
+                          <a:spcPts val="600"/>
+                        </a:spcBef>
+                        <a:spcAft>
+                          <a:spcPts val="300"/>
+                        </a:spcAft>
+                      </a:pPr>
+                      <a:r>
+                        <a:rPr lang="en-GB" sz="1100">
+                          <a:effectLst/>
+                        </a:rPr>
+                        <a:t>CxO</a:t>
+                      </a:r>
+                      <a:endParaRPr lang="en-SG" sz="1100">
+                        <a:effectLst/>
+                        <a:latin typeface="Times New Roman"/>
+                        <a:ea typeface="Times New Roman"/>
+                      </a:endParaRPr>
+                    </a:p>
+                  </a:txBody>
+                  <a:tcPr marL="68580" marR="68580" marT="0" marB="0"/>
+                </a:tc>
+                <a:tc>
+                  <a:txBody>
+                    <a:bodyPr/>
+                    <a:lstStyle/>
+                    <a:p>
+                      <a:pPr algn="just">
+                        <a:spcBef>
+                          <a:spcPts val="600"/>
+                        </a:spcBef>
+                        <a:spcAft>
+                          <a:spcPts val="300"/>
+                        </a:spcAft>
+                      </a:pPr>
+                      <a:r>
+                        <a:rPr lang="en-GB" sz="1100">
+                          <a:effectLst/>
+                        </a:rPr>
+                        <a:t>Losing sales? Prevent delay of shipment errors, Higher SLA, Cutting cost</a:t>
+                      </a:r>
+                      <a:endParaRPr lang="en-SG" sz="1100">
+                        <a:effectLst/>
+                        <a:latin typeface="Times New Roman"/>
+                        <a:ea typeface="Times New Roman"/>
+                      </a:endParaRPr>
+                    </a:p>
+                  </a:txBody>
+                  <a:tcPr marL="68580" marR="68580" marT="0" marB="0"/>
+                </a:tc>
+              </a:tr>
+              <a:tr h="720771">
+                <a:tc>
+                  <a:txBody>
+                    <a:bodyPr/>
+                    <a:lstStyle/>
+                    <a:p>
+                      <a:pPr algn="just">
+                        <a:spcBef>
+                          <a:spcPts val="600"/>
+                        </a:spcBef>
+                        <a:spcAft>
+                          <a:spcPts val="300"/>
+                        </a:spcAft>
+                      </a:pPr>
+                      <a:r>
+                        <a:rPr lang="en-GB" sz="1100">
+                          <a:effectLst/>
+                        </a:rPr>
+                        <a:t>Sales Team</a:t>
+                      </a:r>
+                      <a:endParaRPr lang="en-SG" sz="1100">
+                        <a:effectLst/>
+                        <a:latin typeface="Times New Roman"/>
+                        <a:ea typeface="Times New Roman"/>
+                      </a:endParaRPr>
+                    </a:p>
+                  </a:txBody>
+                  <a:tcPr marL="68580" marR="68580" marT="0" marB="0"/>
+                </a:tc>
+                <a:tc>
+                  <a:txBody>
+                    <a:bodyPr/>
+                    <a:lstStyle/>
+                    <a:p>
+                      <a:pPr algn="just">
+                        <a:spcBef>
+                          <a:spcPts val="600"/>
+                        </a:spcBef>
+                        <a:spcAft>
+                          <a:spcPts val="300"/>
+                        </a:spcAft>
+                      </a:pPr>
+                      <a:r>
+                        <a:rPr lang="en-GB" sz="1100">
+                          <a:effectLst/>
+                        </a:rPr>
+                        <a:t>Real time sales order generation, and faster feedback from RFQ, Improve Up time  for VMS and CMS, at the same time improve customer service level through usage of technology</a:t>
+                      </a:r>
+                      <a:endParaRPr lang="en-SG" sz="1100">
+                        <a:effectLst/>
+                        <a:latin typeface="Times New Roman"/>
+                        <a:ea typeface="Times New Roman"/>
+                      </a:endParaRPr>
+                    </a:p>
+                  </a:txBody>
+                  <a:tcPr marL="68580" marR="68580" marT="0" marB="0"/>
+                </a:tc>
+              </a:tr>
+              <a:tr h="480514">
+                <a:tc>
+                  <a:txBody>
+                    <a:bodyPr/>
+                    <a:lstStyle/>
+                    <a:p>
+                      <a:pPr algn="just">
+                        <a:spcBef>
+                          <a:spcPts val="600"/>
+                        </a:spcBef>
+                        <a:spcAft>
+                          <a:spcPts val="300"/>
+                        </a:spcAft>
+                      </a:pPr>
+                      <a:r>
+                        <a:rPr lang="en-GB" sz="1100">
+                          <a:effectLst/>
+                        </a:rPr>
+                        <a:t>Order Processing Team</a:t>
+                      </a:r>
+                      <a:endParaRPr lang="en-SG" sz="1100">
+                        <a:effectLst/>
+                        <a:latin typeface="Times New Roman"/>
+                        <a:ea typeface="Times New Roman"/>
+                      </a:endParaRPr>
+                    </a:p>
+                  </a:txBody>
+                  <a:tcPr marL="68580" marR="68580" marT="0" marB="0"/>
+                </a:tc>
+                <a:tc>
+                  <a:txBody>
+                    <a:bodyPr/>
+                    <a:lstStyle/>
+                    <a:p>
+                      <a:pPr algn="just">
+                        <a:spcBef>
+                          <a:spcPts val="600"/>
+                        </a:spcBef>
+                        <a:spcAft>
+                          <a:spcPts val="300"/>
+                        </a:spcAft>
+                      </a:pPr>
+                      <a:r>
+                        <a:rPr lang="en-GB" sz="1100">
+                          <a:effectLst/>
+                        </a:rPr>
+                        <a:t>To have real time checking on vessel availability and container availability</a:t>
+                      </a:r>
+                      <a:endParaRPr lang="en-SG" sz="1100">
+                        <a:effectLst/>
+                        <a:latin typeface="Times New Roman"/>
+                        <a:ea typeface="Times New Roman"/>
+                      </a:endParaRPr>
+                    </a:p>
+                  </a:txBody>
+                  <a:tcPr marL="68580" marR="68580" marT="0" marB="0"/>
+                </a:tc>
+              </a:tr>
+              <a:tr h="480514">
+                <a:tc>
+                  <a:txBody>
+                    <a:bodyPr/>
+                    <a:lstStyle/>
+                    <a:p>
+                      <a:pPr algn="just">
+                        <a:spcBef>
+                          <a:spcPts val="600"/>
+                        </a:spcBef>
+                        <a:spcAft>
+                          <a:spcPts val="300"/>
+                        </a:spcAft>
+                      </a:pPr>
+                      <a:r>
+                        <a:rPr lang="en-GB" sz="1100">
+                          <a:effectLst/>
+                        </a:rPr>
+                        <a:t>IT and Operations</a:t>
+                      </a:r>
+                      <a:endParaRPr lang="en-SG" sz="1100">
+                        <a:effectLst/>
+                        <a:latin typeface="Times New Roman"/>
+                        <a:ea typeface="Times New Roman"/>
+                      </a:endParaRPr>
+                    </a:p>
+                  </a:txBody>
+                  <a:tcPr marL="68580" marR="68580" marT="0" marB="0"/>
+                </a:tc>
+                <a:tc>
+                  <a:txBody>
+                    <a:bodyPr/>
+                    <a:lstStyle/>
+                    <a:p>
+                      <a:pPr algn="just">
+                        <a:spcBef>
+                          <a:spcPts val="600"/>
+                        </a:spcBef>
+                        <a:spcAft>
+                          <a:spcPts val="300"/>
+                        </a:spcAft>
+                      </a:pPr>
+                      <a:r>
+                        <a:rPr lang="en-GB" sz="1100">
+                          <a:effectLst/>
+                        </a:rPr>
+                        <a:t>Sceptical on the investment of the new IT business goals, as they have no confident on the new system and technologies</a:t>
+                      </a:r>
+                      <a:endParaRPr lang="en-SG" sz="1100">
+                        <a:effectLst/>
+                        <a:latin typeface="Times New Roman"/>
+                        <a:ea typeface="Times New Roman"/>
+                      </a:endParaRPr>
+                    </a:p>
+                  </a:txBody>
+                  <a:tcPr marL="68580" marR="68580" marT="0" marB="0"/>
+                </a:tc>
+              </a:tr>
+              <a:tr h="720771">
+                <a:tc>
+                  <a:txBody>
+                    <a:bodyPr/>
+                    <a:lstStyle/>
+                    <a:p>
+                      <a:pPr algn="just">
+                        <a:spcBef>
+                          <a:spcPts val="600"/>
+                        </a:spcBef>
+                        <a:spcAft>
+                          <a:spcPts val="300"/>
+                        </a:spcAft>
+                      </a:pPr>
+                      <a:r>
+                        <a:rPr lang="en-GB" sz="1100">
+                          <a:effectLst/>
+                        </a:rPr>
+                        <a:t>Container Management Team</a:t>
+                      </a:r>
+                      <a:endParaRPr lang="en-SG" sz="1100">
+                        <a:effectLst/>
+                        <a:latin typeface="Times New Roman"/>
+                        <a:ea typeface="Times New Roman"/>
+                      </a:endParaRPr>
+                    </a:p>
+                  </a:txBody>
+                  <a:tcPr marL="68580" marR="68580" marT="0" marB="0"/>
+                </a:tc>
+                <a:tc>
+                  <a:txBody>
+                    <a:bodyPr/>
+                    <a:lstStyle/>
+                    <a:p>
+                      <a:pPr algn="just">
+                        <a:spcBef>
+                          <a:spcPts val="600"/>
+                        </a:spcBef>
+                        <a:spcAft>
+                          <a:spcPts val="300"/>
+                        </a:spcAft>
+                      </a:pPr>
+                      <a:r>
+                        <a:rPr lang="en-GB" sz="1100" dirty="0">
+                          <a:effectLst/>
+                        </a:rPr>
+                        <a:t>To have better recorded network with tow head operator, and hope could improve the efficiency of the local tow head operators. Current operation take too long to query a certain information from local tow head operator</a:t>
+                      </a:r>
+                      <a:endParaRPr lang="en-SG" sz="1100" dirty="0">
+                        <a:effectLst/>
+                        <a:latin typeface="Times New Roman"/>
+                        <a:ea typeface="Times New Roman"/>
+                      </a:endParaRPr>
+                    </a:p>
+                  </a:txBody>
+                  <a:tcPr marL="68580" marR="68580" marT="0" marB="0"/>
+                </a:tc>
+              </a:tr>
+            </a:tbl>
+          </a:graphicData>
+        </a:graphic>
+      </p:graphicFrame>
+    </p:spTree>
+  </p:cSld>
+  <p:clrMapOvr>
+    <a:masterClrMapping/>
+  </p:clrMapOvr>
+  <p:timing>
+    <p:tnLst>
+      <p:par>
+        <p:cTn id="1" dur="indefinite" restart="never" nodeType="tmRoot"/>
+      </p:par>
+    </p:tnLst>
+  </p:timing>
+</p:sld>
+</file>
+
+<file path=ppt/slides/slide40.xml><?xml version="1.0" encoding="utf-8"?>
 <p:sld xmlns:a="http://schemas.openxmlformats.org/drawingml/2006/main" xmlns:r="http://schemas.openxmlformats.org/officeDocument/2006/relationships" xmlns:p="http://schemas.openxmlformats.org/presentationml/2006/main">
   <p:cSld>
     <p:spTree>
@@ -21436,7 +29850,7 @@
 </p:sld>
 </file>
 
-<file path=ppt/slides/slide35.xml><?xml version="1.0" encoding="utf-8"?>
+<file path=ppt/slides/slide41.xml><?xml version="1.0" encoding="utf-8"?>
 <p:sld xmlns:a="http://schemas.openxmlformats.org/drawingml/2006/main" xmlns:r="http://schemas.openxmlformats.org/officeDocument/2006/relationships" xmlns:p="http://schemas.openxmlformats.org/presentationml/2006/main">
   <p:cSld>
     <p:spTree>
@@ -22325,7 +30739,7 @@
 </p:sld>
 </file>
 
-<file path=ppt/slides/slide36.xml><?xml version="1.0" encoding="utf-8"?>
+<file path=ppt/slides/slide42.xml><?xml version="1.0" encoding="utf-8"?>
 <p:sld xmlns:a="http://schemas.openxmlformats.org/drawingml/2006/main" xmlns:r="http://schemas.openxmlformats.org/officeDocument/2006/relationships" xmlns:p="http://schemas.openxmlformats.org/presentationml/2006/main">
   <p:cSld>
     <p:spTree>
@@ -23010,7 +31424,7 @@
 </p:sld>
 </file>
 
-<file path=ppt/slides/slide37.xml><?xml version="1.0" encoding="utf-8"?>
+<file path=ppt/slides/slide43.xml><?xml version="1.0" encoding="utf-8"?>
 <p:sld xmlns:a="http://schemas.openxmlformats.org/drawingml/2006/main" xmlns:r="http://schemas.openxmlformats.org/officeDocument/2006/relationships" xmlns:p="http://schemas.openxmlformats.org/presentationml/2006/main">
   <p:cSld>
     <p:spTree>
@@ -23096,7 +31510,7 @@
 </p:sld>
 </file>
 
-<file path=ppt/slides/slide38.xml><?xml version="1.0" encoding="utf-8"?>
+<file path=ppt/slides/slide44.xml><?xml version="1.0" encoding="utf-8"?>
 <p:sld xmlns:a="http://schemas.openxmlformats.org/drawingml/2006/main" xmlns:r="http://schemas.openxmlformats.org/officeDocument/2006/relationships" xmlns:p="http://schemas.openxmlformats.org/presentationml/2006/main">
   <p:cSld>
     <p:spTree>
@@ -23184,7 +31598,7 @@
 </p:sld>
 </file>
 
-<file path=ppt/slides/slide39.xml><?xml version="1.0" encoding="utf-8"?>
+<file path=ppt/slides/slide45.xml><?xml version="1.0" encoding="utf-8"?>
 <p:sld xmlns:a="http://schemas.openxmlformats.org/drawingml/2006/main" xmlns:r="http://schemas.openxmlformats.org/officeDocument/2006/relationships" xmlns:p="http://schemas.openxmlformats.org/presentationml/2006/main">
   <p:cSld>
     <p:spTree>
@@ -24818,497 +33232,7 @@
 </p:sld>
 </file>
 
-<file path=ppt/slides/slide4.xml><?xml version="1.0" encoding="utf-8"?>
-<p:sld xmlns:a="http://schemas.openxmlformats.org/drawingml/2006/main" xmlns:r="http://schemas.openxmlformats.org/officeDocument/2006/relationships" xmlns:p="http://schemas.openxmlformats.org/presentationml/2006/main">
-  <p:cSld>
-    <p:spTree>
-      <p:nvGrpSpPr>
-        <p:cNvPr id="1" name=""/>
-        <p:cNvGrpSpPr/>
-        <p:nvPr/>
-      </p:nvGrpSpPr>
-      <p:grpSpPr>
-        <a:xfrm>
-          <a:off x="0" y="0"/>
-          <a:ext cx="0" cy="0"/>
-          <a:chOff x="0" y="0"/>
-          <a:chExt cx="0" cy="0"/>
-        </a:xfrm>
-      </p:grpSpPr>
-      <p:sp>
-        <p:nvSpPr>
-          <p:cNvPr id="19457" name="Title 1"/>
-          <p:cNvSpPr>
-            <a:spLocks noGrp="1"/>
-          </p:cNvSpPr>
-          <p:nvPr>
-            <p:ph type="title"/>
-          </p:nvPr>
-        </p:nvSpPr>
-        <p:spPr/>
-        <p:txBody>
-          <a:bodyPr/>
-          <a:lstStyle/>
-          <a:p>
-            <a:pPr eaLnBrk="1" hangingPunct="1"/>
-            <a:r>
-              <a:rPr lang="en-US" smtClean="0"/>
-              <a:t>Concerns</a:t>
-            </a:r>
-            <a:endParaRPr lang="en-SG" smtClean="0"/>
-          </a:p>
-        </p:txBody>
-      </p:sp>
-      <p:graphicFrame>
-        <p:nvGraphicFramePr>
-          <p:cNvPr id="4" name="Content Placeholder 3"/>
-          <p:cNvGraphicFramePr>
-            <a:graphicFrameLocks noGrp="1"/>
-          </p:cNvGraphicFramePr>
-          <p:nvPr>
-            <p:ph sz="quarter" idx="1"/>
-          </p:nvPr>
-        </p:nvGraphicFramePr>
-        <p:xfrm>
-          <a:off x="827088" y="1557338"/>
-          <a:ext cx="7216844" cy="3312367"/>
-        </p:xfrm>
-        <a:graphic>
-          <a:graphicData uri="http://schemas.openxmlformats.org/drawingml/2006/table">
-            <a:tbl>
-              <a:tblPr firstRow="1" firstCol="1" bandRow="1">
-                <a:tableStyleId>{5C22544A-7EE6-4342-B048-85BDC9FD1C3A}</a:tableStyleId>
-              </a:tblPr>
-              <a:tblGrid>
-                <a:gridCol w="1897662"/>
-                <a:gridCol w="5319182"/>
-              </a:tblGrid>
-              <a:tr h="429283">
-                <a:tc>
-                  <a:txBody>
-                    <a:bodyPr/>
-                    <a:lstStyle/>
-                    <a:p>
-                      <a:pPr algn="just">
-                        <a:spcBef>
-                          <a:spcPts val="600"/>
-                        </a:spcBef>
-                        <a:spcAft>
-                          <a:spcPts val="300"/>
-                        </a:spcAft>
-                      </a:pPr>
-                      <a:r>
-                        <a:rPr lang="en-GB" sz="1100" dirty="0">
-                          <a:effectLst/>
-                        </a:rPr>
-                        <a:t>Stakeholder</a:t>
-                      </a:r>
-                      <a:endParaRPr lang="en-SG" sz="1100" dirty="0">
-                        <a:effectLst/>
-                        <a:latin typeface="Times New Roman"/>
-                        <a:ea typeface="Times New Roman"/>
-                      </a:endParaRPr>
-                    </a:p>
-                  </a:txBody>
-                  <a:tcPr marL="68580" marR="68580" marT="0" marB="0"/>
-                </a:tc>
-                <a:tc>
-                  <a:txBody>
-                    <a:bodyPr/>
-                    <a:lstStyle/>
-                    <a:p>
-                      <a:pPr algn="just">
-                        <a:spcBef>
-                          <a:spcPts val="600"/>
-                        </a:spcBef>
-                        <a:spcAft>
-                          <a:spcPts val="300"/>
-                        </a:spcAft>
-                      </a:pPr>
-                      <a:r>
-                        <a:rPr lang="en-GB" sz="1100">
-                          <a:effectLst/>
-                        </a:rPr>
-                        <a:t>Key Concern</a:t>
-                      </a:r>
-                      <a:endParaRPr lang="en-SG" sz="1100">
-                        <a:effectLst/>
-                        <a:latin typeface="Times New Roman"/>
-                        <a:ea typeface="Times New Roman"/>
-                      </a:endParaRPr>
-                    </a:p>
-                  </a:txBody>
-                  <a:tcPr marL="68580" marR="68580" marT="0" marB="0"/>
-                </a:tc>
-              </a:tr>
-              <a:tr h="240257">
-                <a:tc>
-                  <a:txBody>
-                    <a:bodyPr/>
-                    <a:lstStyle/>
-                    <a:p>
-                      <a:pPr algn="just">
-                        <a:spcBef>
-                          <a:spcPts val="600"/>
-                        </a:spcBef>
-                        <a:spcAft>
-                          <a:spcPts val="300"/>
-                        </a:spcAft>
-                      </a:pPr>
-                      <a:r>
-                        <a:rPr lang="en-GB" sz="1100">
-                          <a:effectLst/>
-                        </a:rPr>
-                        <a:t>Customer</a:t>
-                      </a:r>
-                      <a:endParaRPr lang="en-SG" sz="1100">
-                        <a:effectLst/>
-                        <a:latin typeface="Times New Roman"/>
-                        <a:ea typeface="Times New Roman"/>
-                      </a:endParaRPr>
-                    </a:p>
-                  </a:txBody>
-                  <a:tcPr marL="68580" marR="68580" marT="0" marB="0"/>
-                </a:tc>
-                <a:tc>
-                  <a:txBody>
-                    <a:bodyPr/>
-                    <a:lstStyle/>
-                    <a:p>
-                      <a:pPr algn="just">
-                        <a:spcBef>
-                          <a:spcPts val="600"/>
-                        </a:spcBef>
-                        <a:spcAft>
-                          <a:spcPts val="300"/>
-                        </a:spcAft>
-                      </a:pPr>
-                      <a:r>
-                        <a:rPr lang="en-GB" sz="1100">
-                          <a:effectLst/>
-                        </a:rPr>
-                        <a:t>Ability to place order with higher turn around date</a:t>
-                      </a:r>
-                      <a:endParaRPr lang="en-SG" sz="1100">
-                        <a:effectLst/>
-                        <a:latin typeface="Times New Roman"/>
-                        <a:ea typeface="Times New Roman"/>
-                      </a:endParaRPr>
-                    </a:p>
-                  </a:txBody>
-                  <a:tcPr marL="68580" marR="68580" marT="0" marB="0"/>
-                </a:tc>
-              </a:tr>
-              <a:tr h="240257">
-                <a:tc>
-                  <a:txBody>
-                    <a:bodyPr/>
-                    <a:lstStyle/>
-                    <a:p>
-                      <a:pPr algn="just">
-                        <a:spcBef>
-                          <a:spcPts val="600"/>
-                        </a:spcBef>
-                        <a:spcAft>
-                          <a:spcPts val="300"/>
-                        </a:spcAft>
-                      </a:pPr>
-                      <a:r>
-                        <a:rPr lang="en-GB" sz="1100">
-                          <a:effectLst/>
-                        </a:rPr>
-                        <a:t>CxO</a:t>
-                      </a:r>
-                      <a:endParaRPr lang="en-SG" sz="1100">
-                        <a:effectLst/>
-                        <a:latin typeface="Times New Roman"/>
-                        <a:ea typeface="Times New Roman"/>
-                      </a:endParaRPr>
-                    </a:p>
-                  </a:txBody>
-                  <a:tcPr marL="68580" marR="68580" marT="0" marB="0"/>
-                </a:tc>
-                <a:tc>
-                  <a:txBody>
-                    <a:bodyPr/>
-                    <a:lstStyle/>
-                    <a:p>
-                      <a:pPr algn="just">
-                        <a:spcBef>
-                          <a:spcPts val="600"/>
-                        </a:spcBef>
-                        <a:spcAft>
-                          <a:spcPts val="300"/>
-                        </a:spcAft>
-                      </a:pPr>
-                      <a:r>
-                        <a:rPr lang="en-GB" sz="1100">
-                          <a:effectLst/>
-                        </a:rPr>
-                        <a:t>Losing sales? Prevent delay of shipment errors, Higher SLA, Cutting cost</a:t>
-                      </a:r>
-                      <a:endParaRPr lang="en-SG" sz="1100">
-                        <a:effectLst/>
-                        <a:latin typeface="Times New Roman"/>
-                        <a:ea typeface="Times New Roman"/>
-                      </a:endParaRPr>
-                    </a:p>
-                  </a:txBody>
-                  <a:tcPr marL="68580" marR="68580" marT="0" marB="0"/>
-                </a:tc>
-              </a:tr>
-              <a:tr h="720771">
-                <a:tc>
-                  <a:txBody>
-                    <a:bodyPr/>
-                    <a:lstStyle/>
-                    <a:p>
-                      <a:pPr algn="just">
-                        <a:spcBef>
-                          <a:spcPts val="600"/>
-                        </a:spcBef>
-                        <a:spcAft>
-                          <a:spcPts val="300"/>
-                        </a:spcAft>
-                      </a:pPr>
-                      <a:r>
-                        <a:rPr lang="en-GB" sz="1100">
-                          <a:effectLst/>
-                        </a:rPr>
-                        <a:t>Sales Team</a:t>
-                      </a:r>
-                      <a:endParaRPr lang="en-SG" sz="1100">
-                        <a:effectLst/>
-                        <a:latin typeface="Times New Roman"/>
-                        <a:ea typeface="Times New Roman"/>
-                      </a:endParaRPr>
-                    </a:p>
-                  </a:txBody>
-                  <a:tcPr marL="68580" marR="68580" marT="0" marB="0"/>
-                </a:tc>
-                <a:tc>
-                  <a:txBody>
-                    <a:bodyPr/>
-                    <a:lstStyle/>
-                    <a:p>
-                      <a:pPr algn="just">
-                        <a:spcBef>
-                          <a:spcPts val="600"/>
-                        </a:spcBef>
-                        <a:spcAft>
-                          <a:spcPts val="300"/>
-                        </a:spcAft>
-                      </a:pPr>
-                      <a:r>
-                        <a:rPr lang="en-GB" sz="1100">
-                          <a:effectLst/>
-                        </a:rPr>
-                        <a:t>Real time sales order generation, and faster feedback from RFQ, Improve Up time  for VMS and CMS, at the same time improve customer service level through usage of technology</a:t>
-                      </a:r>
-                      <a:endParaRPr lang="en-SG" sz="1100">
-                        <a:effectLst/>
-                        <a:latin typeface="Times New Roman"/>
-                        <a:ea typeface="Times New Roman"/>
-                      </a:endParaRPr>
-                    </a:p>
-                  </a:txBody>
-                  <a:tcPr marL="68580" marR="68580" marT="0" marB="0"/>
-                </a:tc>
-              </a:tr>
-              <a:tr h="480514">
-                <a:tc>
-                  <a:txBody>
-                    <a:bodyPr/>
-                    <a:lstStyle/>
-                    <a:p>
-                      <a:pPr algn="just">
-                        <a:spcBef>
-                          <a:spcPts val="600"/>
-                        </a:spcBef>
-                        <a:spcAft>
-                          <a:spcPts val="300"/>
-                        </a:spcAft>
-                      </a:pPr>
-                      <a:r>
-                        <a:rPr lang="en-GB" sz="1100">
-                          <a:effectLst/>
-                        </a:rPr>
-                        <a:t>Order Processing Team</a:t>
-                      </a:r>
-                      <a:endParaRPr lang="en-SG" sz="1100">
-                        <a:effectLst/>
-                        <a:latin typeface="Times New Roman"/>
-                        <a:ea typeface="Times New Roman"/>
-                      </a:endParaRPr>
-                    </a:p>
-                  </a:txBody>
-                  <a:tcPr marL="68580" marR="68580" marT="0" marB="0"/>
-                </a:tc>
-                <a:tc>
-                  <a:txBody>
-                    <a:bodyPr/>
-                    <a:lstStyle/>
-                    <a:p>
-                      <a:pPr algn="just">
-                        <a:spcBef>
-                          <a:spcPts val="600"/>
-                        </a:spcBef>
-                        <a:spcAft>
-                          <a:spcPts val="300"/>
-                        </a:spcAft>
-                      </a:pPr>
-                      <a:r>
-                        <a:rPr lang="en-GB" sz="1100">
-                          <a:effectLst/>
-                        </a:rPr>
-                        <a:t>To have real time checking on vessel availability and container availability</a:t>
-                      </a:r>
-                      <a:endParaRPr lang="en-SG" sz="1100">
-                        <a:effectLst/>
-                        <a:latin typeface="Times New Roman"/>
-                        <a:ea typeface="Times New Roman"/>
-                      </a:endParaRPr>
-                    </a:p>
-                  </a:txBody>
-                  <a:tcPr marL="68580" marR="68580" marT="0" marB="0"/>
-                </a:tc>
-              </a:tr>
-              <a:tr h="480514">
-                <a:tc>
-                  <a:txBody>
-                    <a:bodyPr/>
-                    <a:lstStyle/>
-                    <a:p>
-                      <a:pPr algn="just">
-                        <a:spcBef>
-                          <a:spcPts val="600"/>
-                        </a:spcBef>
-                        <a:spcAft>
-                          <a:spcPts val="300"/>
-                        </a:spcAft>
-                      </a:pPr>
-                      <a:r>
-                        <a:rPr lang="en-GB" sz="1100">
-                          <a:effectLst/>
-                        </a:rPr>
-                        <a:t>IT and Operations</a:t>
-                      </a:r>
-                      <a:endParaRPr lang="en-SG" sz="1100">
-                        <a:effectLst/>
-                        <a:latin typeface="Times New Roman"/>
-                        <a:ea typeface="Times New Roman"/>
-                      </a:endParaRPr>
-                    </a:p>
-                  </a:txBody>
-                  <a:tcPr marL="68580" marR="68580" marT="0" marB="0"/>
-                </a:tc>
-                <a:tc>
-                  <a:txBody>
-                    <a:bodyPr/>
-                    <a:lstStyle/>
-                    <a:p>
-                      <a:pPr algn="just">
-                        <a:spcBef>
-                          <a:spcPts val="600"/>
-                        </a:spcBef>
-                        <a:spcAft>
-                          <a:spcPts val="300"/>
-                        </a:spcAft>
-                      </a:pPr>
-                      <a:r>
-                        <a:rPr lang="en-GB" sz="1100">
-                          <a:effectLst/>
-                        </a:rPr>
-                        <a:t>Sceptical on the investment of the new IT business goals, as they have no confident on the new system and technologies</a:t>
-                      </a:r>
-                      <a:endParaRPr lang="en-SG" sz="1100">
-                        <a:effectLst/>
-                        <a:latin typeface="Times New Roman"/>
-                        <a:ea typeface="Times New Roman"/>
-                      </a:endParaRPr>
-                    </a:p>
-                  </a:txBody>
-                  <a:tcPr marL="68580" marR="68580" marT="0" marB="0"/>
-                </a:tc>
-              </a:tr>
-              <a:tr h="720771">
-                <a:tc>
-                  <a:txBody>
-                    <a:bodyPr/>
-                    <a:lstStyle/>
-                    <a:p>
-                      <a:pPr algn="just">
-                        <a:spcBef>
-                          <a:spcPts val="600"/>
-                        </a:spcBef>
-                        <a:spcAft>
-                          <a:spcPts val="300"/>
-                        </a:spcAft>
-                      </a:pPr>
-                      <a:r>
-                        <a:rPr lang="en-GB" sz="1100">
-                          <a:effectLst/>
-                        </a:rPr>
-                        <a:t>Container Management Team</a:t>
-                      </a:r>
-                      <a:endParaRPr lang="en-SG" sz="1100">
-                        <a:effectLst/>
-                        <a:latin typeface="Times New Roman"/>
-                        <a:ea typeface="Times New Roman"/>
-                      </a:endParaRPr>
-                    </a:p>
-                  </a:txBody>
-                  <a:tcPr marL="68580" marR="68580" marT="0" marB="0"/>
-                </a:tc>
-                <a:tc>
-                  <a:txBody>
-                    <a:bodyPr/>
-                    <a:lstStyle/>
-                    <a:p>
-                      <a:pPr algn="just">
-                        <a:spcBef>
-                          <a:spcPts val="600"/>
-                        </a:spcBef>
-                        <a:spcAft>
-                          <a:spcPts val="300"/>
-                        </a:spcAft>
-                      </a:pPr>
-                      <a:r>
-                        <a:rPr lang="en-GB" sz="1100" dirty="0">
-                          <a:effectLst/>
-                        </a:rPr>
-                        <a:t>To have better recorded network with tow head operator, and hope could improve the efficiency of the local tow head operators. Current operation take too long to query a certain information from local tow head operator</a:t>
-                      </a:r>
-                      <a:endParaRPr lang="en-SG" sz="1100" dirty="0">
-                        <a:effectLst/>
-                        <a:latin typeface="Times New Roman"/>
-                        <a:ea typeface="Times New Roman"/>
-                      </a:endParaRPr>
-                    </a:p>
-                  </a:txBody>
-                  <a:tcPr marL="68580" marR="68580" marT="0" marB="0"/>
-                </a:tc>
-              </a:tr>
-            </a:tbl>
-          </a:graphicData>
-        </a:graphic>
-      </p:graphicFrame>
-    </p:spTree>
-  </p:cSld>
-  <p:clrMapOvr>
-    <a:masterClrMapping/>
-  </p:clrMapOvr>
-  <p:timing>
-    <p:tnLst>
-      <p:par>
-        <p:cTn id="1" dur="indefinite" restart="never" nodeType="tmRoot"/>
-      </p:par>
-    </p:tnLst>
-  </p:timing>
-</p:sld>
-</file>
-
-<file path=ppt/slides/slide40.xml><?xml version="1.0" encoding="utf-8"?>
+<file path=ppt/slides/slide46.xml><?xml version="1.0" encoding="utf-8"?>
 <p:sld xmlns:a="http://schemas.openxmlformats.org/drawingml/2006/main" xmlns:r="http://schemas.openxmlformats.org/officeDocument/2006/relationships" xmlns:p="http://schemas.openxmlformats.org/presentationml/2006/main">
   <p:cSld>
     <p:spTree>
@@ -25376,7 +33300,7 @@
           <a:graphicData uri="http://schemas.openxmlformats.org/presentationml/2006/ole">
             <mc:AlternateContent xmlns:mc="http://schemas.openxmlformats.org/markup-compatibility/2006">
               <mc:Choice xmlns:v="urn:schemas-microsoft-com:vml" Requires="v">
-                <p:oleObj spid="_x0000_s2064" name="Visio" r:id="rId3" imgW="9660374" imgH="6002783" progId="Visio.Drawing.11">
+                <p:oleObj spid="_x0000_s2065" name="Visio" r:id="rId3" imgW="9660374" imgH="6002783" progId="Visio.Drawing.11">
                   <p:embed/>
                 </p:oleObj>
               </mc:Choice>
@@ -25466,7 +33390,7 @@
 </p:sld>
 </file>
 
-<file path=ppt/slides/slide41.xml><?xml version="1.0" encoding="utf-8"?>
+<file path=ppt/slides/slide47.xml><?xml version="1.0" encoding="utf-8"?>
 <p:sld xmlns:a="http://schemas.openxmlformats.org/drawingml/2006/main" xmlns:r="http://schemas.openxmlformats.org/officeDocument/2006/relationships" xmlns:p="http://schemas.openxmlformats.org/presentationml/2006/main">
   <p:cSld>
     <p:spTree>
@@ -25552,7 +33476,7 @@
 </p:sld>
 </file>
 
-<file path=ppt/slides/slide42.xml><?xml version="1.0" encoding="utf-8"?>
+<file path=ppt/slides/slide48.xml><?xml version="1.0" encoding="utf-8"?>
 <p:sld xmlns:a="http://schemas.openxmlformats.org/drawingml/2006/main" xmlns:r="http://schemas.openxmlformats.org/officeDocument/2006/relationships" xmlns:p="http://schemas.openxmlformats.org/presentationml/2006/main">
   <p:cSld>
     <p:spTree>

--- a/Enterprise Architech Presentation.pptx
+++ b/Enterprise Architech Presentation.pptx
@@ -185,7 +185,7 @@
   </p:defaultTextStyle>
   <p:extLst>
     <p:ext uri="{EFAFB233-063F-42B5-8137-9DF3F51BA10A}">
-      <p15:sldGuideLst xmlns:p15="http://schemas.microsoft.com/office/powerpoint/2012/main" xmlns="">
+      <p15:sldGuideLst xmlns:p15="http://schemas.microsoft.com/office/powerpoint/2012/main">
         <p15:guide id="1" orient="horz" pos="2160">
           <p15:clr>
             <a:srgbClr val="A4A3A4"/>
@@ -200,6 +200,32 @@
     </p:ext>
   </p:extLst>
 </p:presentation>
+</file>
+
+<file path=ppt/commentAuthors.xml><?xml version="1.0" encoding="utf-8"?>
+<p:cmAuthorLst xmlns:a="http://schemas.openxmlformats.org/drawingml/2006/main" xmlns:r="http://schemas.openxmlformats.org/officeDocument/2006/relationships" xmlns:p="http://schemas.openxmlformats.org/presentationml/2006/main">
+  <p:cmAuthor id="1" name="User81" initials="U" lastIdx="1" clrIdx="0">
+    <p:extLst>
+      <p:ext uri="{19B8F6BF-5375-455C-9EA6-DF929625EA0E}">
+        <p15:presenceInfo xmlns:p15="http://schemas.microsoft.com/office/powerpoint/2012/main" userId="User81" providerId="None"/>
+      </p:ext>
+    </p:extLst>
+  </p:cmAuthor>
+</p:cmAuthorLst>
+</file>
+
+<file path=ppt/comments/comment1.xml><?xml version="1.0" encoding="utf-8"?>
+<p:cmLst xmlns:a="http://schemas.openxmlformats.org/drawingml/2006/main" xmlns:r="http://schemas.openxmlformats.org/officeDocument/2006/relationships" xmlns:p="http://schemas.openxmlformats.org/presentationml/2006/main">
+  <p:cm authorId="1" dt="2014-04-05T16:14:38.363" idx="1">
+    <p:pos x="10" y="10"/>
+    <p:text/>
+    <p:extLst>
+      <p:ext uri="{C676402C-5697-4E1C-873F-D02D1690AC5C}">
+        <p15:threadingInfo xmlns:p15="http://schemas.microsoft.com/office/powerpoint/2012/main" timeZoneBias="-480"/>
+      </p:ext>
+    </p:extLst>
+  </p:cm>
+</p:cmLst>
 </file>
 
 <file path=ppt/notesMasters/notesMaster1.xml><?xml version="1.0" encoding="utf-8"?>
@@ -6464,7 +6490,7 @@
         </p:nvGraphicFramePr>
         <p:xfrm>
           <a:off x="457200" y="1219200"/>
-          <a:ext cx="8229600" cy="5018112"/>
+          <a:ext cx="8229600" cy="5106802"/>
         </p:xfrm>
         <a:graphic>
           <a:graphicData uri="http://schemas.openxmlformats.org/drawingml/2006/table">
@@ -16222,7 +16248,7 @@
         </p:nvGraphicFramePr>
         <p:xfrm>
           <a:off x="468313" y="4005263"/>
-          <a:ext cx="8207375" cy="1085852"/>
+          <a:ext cx="8207375" cy="1157924"/>
         </p:xfrm>
         <a:graphic>
           <a:graphicData uri="http://schemas.openxmlformats.org/drawingml/2006/table">
@@ -17126,7 +17152,7 @@
           <a:graphicData uri="http://schemas.openxmlformats.org/presentationml/2006/ole">
             <mc:AlternateContent xmlns:mc="http://schemas.openxmlformats.org/markup-compatibility/2006">
               <mc:Choice xmlns:v="urn:schemas-microsoft-com:vml" Requires="v">
-                <p:oleObj spid="_x0000_s46115" name="Visio" r:id="rId3" imgW="6050954" imgH="4660654" progId="Visio.Drawing.11">
+                <p:oleObj spid="_x0000_s46117" name="Visio" r:id="rId3" imgW="6050954" imgH="4660654" progId="Visio.Drawing.11">
                   <p:embed/>
                 </p:oleObj>
               </mc:Choice>
@@ -17308,7 +17334,7 @@
           <a:graphicData uri="http://schemas.openxmlformats.org/presentationml/2006/ole">
             <mc:AlternateContent xmlns:mc="http://schemas.openxmlformats.org/markup-compatibility/2006">
               <mc:Choice xmlns:v="urn:schemas-microsoft-com:vml" Requires="v">
-                <p:oleObj spid="_x0000_s61469" name="Visio" r:id="rId3" imgW="6434247" imgH="5449047" progId="Visio.Drawing.11">
+                <p:oleObj spid="_x0000_s61471" name="Visio" r:id="rId3" imgW="6434247" imgH="5449047" progId="Visio.Drawing.11">
                   <p:embed/>
                 </p:oleObj>
               </mc:Choice>
@@ -17514,7 +17540,7 @@
         </p:nvGraphicFramePr>
         <p:xfrm>
           <a:off x="457200" y="1268760"/>
-          <a:ext cx="8207375" cy="3073524"/>
+          <a:ext cx="8207375" cy="3256404"/>
         </p:xfrm>
         <a:graphic>
           <a:graphicData uri="http://schemas.openxmlformats.org/drawingml/2006/table">
@@ -18348,7 +18374,7 @@
         </p:nvGraphicFramePr>
         <p:xfrm>
           <a:off x="457200" y="4725144"/>
-          <a:ext cx="8207375" cy="1397884"/>
+          <a:ext cx="8207375" cy="1652836"/>
         </p:xfrm>
         <a:graphic>
           <a:graphicData uri="http://schemas.openxmlformats.org/drawingml/2006/table">
@@ -19297,7 +19323,7 @@
         </p:nvGraphicFramePr>
         <p:xfrm>
           <a:off x="457200" y="826804"/>
-          <a:ext cx="8229600" cy="5410508"/>
+          <a:ext cx="8229600" cy="5636979"/>
         </p:xfrm>
         <a:graphic>
           <a:graphicData uri="http://schemas.openxmlformats.org/drawingml/2006/table">
@@ -20809,7 +20835,7 @@
         </p:nvGraphicFramePr>
         <p:xfrm>
           <a:off x="457200" y="908719"/>
-          <a:ext cx="8147248" cy="5328593"/>
+          <a:ext cx="8147248" cy="5333733"/>
         </p:xfrm>
         <a:graphic>
           <a:graphicData uri="http://schemas.openxmlformats.org/drawingml/2006/table">
@@ -22141,16 +22167,7 @@
                 </a:solidFill>
                 <a:latin typeface="Bookman Old Style" pitchFamily="18" charset="0"/>
               </a:rPr>
-              <a:t>Current Application </a:t>
-            </a:r>
-            <a:r>
-              <a:rPr lang="en-SG" sz="3200" dirty="0" smtClean="0">
-                <a:solidFill>
-                  <a:schemeClr val="tx2"/>
-                </a:solidFill>
-                <a:latin typeface="Bookman Old Style" pitchFamily="18" charset="0"/>
-              </a:rPr>
-              <a:t>Architecture</a:t>
+              <a:t>Current Application Architecture</a:t>
             </a:r>
             <a:endParaRPr lang="en-SG" sz="3200" dirty="0">
               <a:solidFill>
@@ -22221,6 +22238,134 @@
           <a:lstStyle/>
           <a:p>
             <a:endParaRPr lang="en-US"/>
+          </a:p>
+        </p:txBody>
+      </p:sp>
+      <p:graphicFrame>
+        <p:nvGraphicFramePr>
+          <p:cNvPr id="7" name="Object 6"/>
+          <p:cNvGraphicFramePr>
+            <a:graphicFrameLocks noChangeAspect="1"/>
+          </p:cNvGraphicFramePr>
+          <p:nvPr>
+            <p:extLst>
+              <p:ext uri="{D42A27DB-BD31-4B8C-83A1-F6EECF244321}">
+                <p14:modId xmlns:p14="http://schemas.microsoft.com/office/powerpoint/2010/main" val="3335478301"/>
+              </p:ext>
+            </p:extLst>
+          </p:nvPr>
+        </p:nvGraphicFramePr>
+        <p:xfrm>
+          <a:off x="538163" y="1157288"/>
+          <a:ext cx="8067675" cy="4543425"/>
+        </p:xfrm>
+        <a:graphic>
+          <a:graphicData uri="http://schemas.openxmlformats.org/presentationml/2006/ole">
+            <mc:AlternateContent xmlns:mc="http://schemas.openxmlformats.org/markup-compatibility/2006">
+              <mc:Choice xmlns:v="urn:schemas-microsoft-com:vml" Requires="v">
+                <p:oleObj spid="_x0000_s62466" name="Visio" r:id="rId3" imgW="8067518" imgH="4543307" progId="Visio.Drawing.15">
+                  <p:embed/>
+                </p:oleObj>
+              </mc:Choice>
+              <mc:Fallback>
+                <p:oleObj name="Visio" r:id="rId3" imgW="8067518" imgH="4543307" progId="Visio.Drawing.15">
+                  <p:embed/>
+                  <p:pic>
+                    <p:nvPicPr>
+                      <p:cNvPr id="0" name=""/>
+                      <p:cNvPicPr/>
+                      <p:nvPr/>
+                    </p:nvPicPr>
+                    <p:blipFill>
+                      <a:blip r:embed="rId4"/>
+                      <a:stretch>
+                        <a:fillRect/>
+                      </a:stretch>
+                    </p:blipFill>
+                    <p:spPr>
+                      <a:xfrm>
+                        <a:off x="538163" y="1157288"/>
+                        <a:ext cx="8067675" cy="4543425"/>
+                      </a:xfrm>
+                      <a:prstGeom prst="rect">
+                        <a:avLst/>
+                      </a:prstGeom>
+                    </p:spPr>
+                  </p:pic>
+                </p:oleObj>
+              </mc:Fallback>
+            </mc:AlternateContent>
+          </a:graphicData>
+        </a:graphic>
+      </p:graphicFrame>
+      <p:sp>
+        <p:nvSpPr>
+          <p:cNvPr id="8" name="TextBox 7"/>
+          <p:cNvSpPr txBox="1"/>
+          <p:nvPr/>
+        </p:nvSpPr>
+        <p:spPr>
+          <a:xfrm>
+            <a:off x="6948264" y="4077072"/>
+            <a:ext cx="1657574" cy="1384995"/>
+          </a:xfrm>
+          <a:prstGeom prst="rect">
+            <a:avLst/>
+          </a:prstGeom>
+          <a:solidFill>
+            <a:schemeClr val="accent4">
+              <a:lumMod val="20000"/>
+              <a:lumOff val="80000"/>
+            </a:schemeClr>
+          </a:solidFill>
+        </p:spPr>
+        <p:style>
+          <a:lnRef idx="2">
+            <a:schemeClr val="accent5"/>
+          </a:lnRef>
+          <a:fillRef idx="1">
+            <a:schemeClr val="lt1"/>
+          </a:fillRef>
+          <a:effectRef idx="0">
+            <a:schemeClr val="accent5"/>
+          </a:effectRef>
+          <a:fontRef idx="minor">
+            <a:schemeClr val="dk1"/>
+          </a:fontRef>
+        </p:style>
+        <p:txBody>
+          <a:bodyPr wrap="square" rtlCol="0">
+            <a:spAutoFit/>
+          </a:bodyPr>
+          <a:lstStyle/>
+          <a:p>
+            <a:r>
+              <a:rPr lang="en-US" sz="1400" dirty="0" smtClean="0"/>
+              <a:t>SILO in legacy applications.</a:t>
+            </a:r>
+          </a:p>
+          <a:p>
+            <a:r>
+              <a:rPr lang="en-US" sz="1400" dirty="0" smtClean="0"/>
+              <a:t>Not capable providing </a:t>
+            </a:r>
+            <a:r>
+              <a:rPr lang="en-US" sz="1400" dirty="0" err="1" smtClean="0"/>
+              <a:t>Boundaryless</a:t>
+            </a:r>
+            <a:r>
+              <a:rPr lang="en-US" sz="1400" dirty="0" smtClean="0"/>
+              <a:t> </a:t>
+            </a:r>
+            <a:r>
+              <a:rPr lang="en-US" sz="1400" dirty="0"/>
+              <a:t>Information </a:t>
+            </a:r>
+            <a:r>
+              <a:rPr lang="en-US" sz="1400" dirty="0" smtClean="0"/>
+              <a:t>Flow.</a:t>
+            </a:r>
+            <a:endParaRPr lang="en-US" sz="1400" dirty="0"/>
           </a:p>
         </p:txBody>
       </p:sp>
@@ -22296,16 +22441,7 @@
                 </a:solidFill>
                 <a:latin typeface="Bookman Old Style" pitchFamily="18" charset="0"/>
               </a:rPr>
-              <a:t>Target Application </a:t>
-            </a:r>
-            <a:r>
-              <a:rPr lang="en-SG" sz="3200" dirty="0" smtClean="0">
-                <a:solidFill>
-                  <a:schemeClr val="tx2"/>
-                </a:solidFill>
-                <a:latin typeface="Bookman Old Style" pitchFamily="18" charset="0"/>
-              </a:rPr>
-              <a:t>Architecture</a:t>
+              <a:t>Target Application Architecture</a:t>
             </a:r>
             <a:endParaRPr lang="en-SG" sz="3200" dirty="0">
               <a:solidFill>
@@ -25516,7 +25652,7 @@
         </p:nvGraphicFramePr>
         <p:xfrm>
           <a:off x="457200" y="1412777"/>
-          <a:ext cx="8229599" cy="4468864"/>
+          <a:ext cx="8229599" cy="4557106"/>
         </p:xfrm>
         <a:graphic>
           <a:graphicData uri="http://schemas.openxmlformats.org/drawingml/2006/table">
@@ -27030,7 +27166,7 @@
         </p:nvGraphicFramePr>
         <p:xfrm>
           <a:off x="457200" y="1340769"/>
-          <a:ext cx="8229600" cy="4508516"/>
+          <a:ext cx="8229600" cy="4743414"/>
         </p:xfrm>
         <a:graphic>
           <a:graphicData uri="http://schemas.openxmlformats.org/drawingml/2006/table">
@@ -27923,7 +28059,7 @@
         </p:nvGraphicFramePr>
         <p:xfrm>
           <a:off x="457200" y="1484784"/>
-          <a:ext cx="8229600" cy="3551322"/>
+          <a:ext cx="8229600" cy="3765012"/>
         </p:xfrm>
         <a:graphic>
           <a:graphicData uri="http://schemas.openxmlformats.org/drawingml/2006/table">
@@ -30397,7 +30533,7 @@
           <a:graphicData uri="http://schemas.openxmlformats.org/presentationml/2006/ole">
             <mc:AlternateContent xmlns:mc="http://schemas.openxmlformats.org/markup-compatibility/2006">
               <mc:Choice xmlns:v="urn:schemas-microsoft-com:vml" Requires="v">
-                <p:oleObj spid="_x0000_s2076" name="Visio" r:id="rId3" imgW="9660374" imgH="6002783" progId="Visio.Drawing.11">
+                <p:oleObj spid="_x0000_s2078" name="Visio" r:id="rId3" imgW="9660374" imgH="6002783" progId="Visio.Drawing.11">
                   <p:embed/>
                 </p:oleObj>
               </mc:Choice>

--- a/Enterprise Architech Presentation.pptx
+++ b/Enterprise Architech Presentation.pptx
@@ -17152,7 +17152,7 @@
           <a:graphicData uri="http://schemas.openxmlformats.org/presentationml/2006/ole">
             <mc:AlternateContent xmlns:mc="http://schemas.openxmlformats.org/markup-compatibility/2006">
               <mc:Choice xmlns:v="urn:schemas-microsoft-com:vml" Requires="v">
-                <p:oleObj spid="_x0000_s46117" name="Visio" r:id="rId3" imgW="6050954" imgH="4660654" progId="Visio.Drawing.11">
+                <p:oleObj spid="_x0000_s46119" name="Visio" r:id="rId3" imgW="6050954" imgH="4660654" progId="Visio.Drawing.11">
                   <p:embed/>
                 </p:oleObj>
               </mc:Choice>
@@ -17334,7 +17334,7 @@
           <a:graphicData uri="http://schemas.openxmlformats.org/presentationml/2006/ole">
             <mc:AlternateContent xmlns:mc="http://schemas.openxmlformats.org/markup-compatibility/2006">
               <mc:Choice xmlns:v="urn:schemas-microsoft-com:vml" Requires="v">
-                <p:oleObj spid="_x0000_s61471" name="Visio" r:id="rId3" imgW="6434247" imgH="5449047" progId="Visio.Drawing.11">
+                <p:oleObj spid="_x0000_s61473" name="Visio" r:id="rId3" imgW="6434247" imgH="5449047" progId="Visio.Drawing.11">
                   <p:embed/>
                 </p:oleObj>
               </mc:Choice>
@@ -22263,7 +22263,7 @@
           <a:graphicData uri="http://schemas.openxmlformats.org/presentationml/2006/ole">
             <mc:AlternateContent xmlns:mc="http://schemas.openxmlformats.org/markup-compatibility/2006">
               <mc:Choice xmlns:v="urn:schemas-microsoft-com:vml" Requires="v">
-                <p:oleObj spid="_x0000_s62466" name="Visio" r:id="rId3" imgW="8067518" imgH="4543307" progId="Visio.Drawing.15">
+                <p:oleObj spid="_x0000_s62468" name="Visio" r:id="rId3" imgW="8067518" imgH="4543307" progId="Visio.Drawing.15">
                   <p:embed/>
                 </p:oleObj>
               </mc:Choice>
@@ -22515,6 +22515,63 @@
           </a:p>
         </p:txBody>
       </p:sp>
+      <p:graphicFrame>
+        <p:nvGraphicFramePr>
+          <p:cNvPr id="3" name="Object 2"/>
+          <p:cNvGraphicFramePr>
+            <a:graphicFrameLocks noChangeAspect="1"/>
+          </p:cNvGraphicFramePr>
+          <p:nvPr>
+            <p:extLst>
+              <p:ext uri="{D42A27DB-BD31-4B8C-83A1-F6EECF244321}">
+                <p14:modId xmlns:p14="http://schemas.microsoft.com/office/powerpoint/2010/main" val="2563863845"/>
+              </p:ext>
+            </p:extLst>
+          </p:nvPr>
+        </p:nvGraphicFramePr>
+        <p:xfrm>
+          <a:off x="611560" y="806105"/>
+          <a:ext cx="7992888" cy="5484265"/>
+        </p:xfrm>
+        <a:graphic>
+          <a:graphicData uri="http://schemas.openxmlformats.org/presentationml/2006/ole">
+            <mc:AlternateContent xmlns:mc="http://schemas.openxmlformats.org/markup-compatibility/2006">
+              <mc:Choice xmlns:v="urn:schemas-microsoft-com:vml" Requires="v">
+                <p:oleObj spid="_x0000_s63491" name="Visio" r:id="rId3" imgW="9467805" imgH="6496063" progId="Visio.Drawing.15">
+                  <p:embed/>
+                </p:oleObj>
+              </mc:Choice>
+              <mc:Fallback>
+                <p:oleObj name="Visio" r:id="rId3" imgW="9467805" imgH="6496063" progId="Visio.Drawing.15">
+                  <p:embed/>
+                  <p:pic>
+                    <p:nvPicPr>
+                      <p:cNvPr id="0" name=""/>
+                      <p:cNvPicPr/>
+                      <p:nvPr/>
+                    </p:nvPicPr>
+                    <p:blipFill>
+                      <a:blip r:embed="rId4"/>
+                      <a:stretch>
+                        <a:fillRect/>
+                      </a:stretch>
+                    </p:blipFill>
+                    <p:spPr>
+                      <a:xfrm>
+                        <a:off x="611560" y="806105"/>
+                        <a:ext cx="7992888" cy="5484265"/>
+                      </a:xfrm>
+                      <a:prstGeom prst="rect">
+                        <a:avLst/>
+                      </a:prstGeom>
+                    </p:spPr>
+                  </p:pic>
+                </p:oleObj>
+              </mc:Fallback>
+            </mc:AlternateContent>
+          </a:graphicData>
+        </a:graphic>
+      </p:graphicFrame>
     </p:spTree>
     <p:extLst>
       <p:ext uri="{BB962C8B-B14F-4D97-AF65-F5344CB8AC3E}">
@@ -30533,7 +30590,7 @@
           <a:graphicData uri="http://schemas.openxmlformats.org/presentationml/2006/ole">
             <mc:AlternateContent xmlns:mc="http://schemas.openxmlformats.org/markup-compatibility/2006">
               <mc:Choice xmlns:v="urn:schemas-microsoft-com:vml" Requires="v">
-                <p:oleObj spid="_x0000_s2078" name="Visio" r:id="rId3" imgW="9660374" imgH="6002783" progId="Visio.Drawing.11">
+                <p:oleObj spid="_x0000_s2080" name="Visio" r:id="rId3" imgW="9660374" imgH="6002783" progId="Visio.Drawing.11">
                   <p:embed/>
                 </p:oleObj>
               </mc:Choice>

--- a/Enterprise Architech Presentation.pptx
+++ b/Enterprise Architech Presentation.pptx
@@ -189,7 +189,7 @@
   </p:defaultTextStyle>
   <p:extLst>
     <p:ext uri="{EFAFB233-063F-42B5-8137-9DF3F51BA10A}">
-      <p15:sldGuideLst xmlns:p15="http://schemas.microsoft.com/office/powerpoint/2012/main">
+      <p15:sldGuideLst xmlns:p15="http://schemas.microsoft.com/office/powerpoint/2012/main" xmlns="">
         <p15:guide id="1" orient="horz" pos="2160">
           <p15:clr>
             <a:srgbClr val="A4A3A4"/>
@@ -211,7 +211,7 @@
   <p:cmAuthor id="1" name="User81" initials="U" lastIdx="1" clrIdx="0">
     <p:extLst>
       <p:ext uri="{19B8F6BF-5375-455C-9EA6-DF929625EA0E}">
-        <p15:presenceInfo xmlns:p15="http://schemas.microsoft.com/office/powerpoint/2012/main" userId="User81" providerId="None"/>
+        <p15:presenceInfo xmlns:p15="http://schemas.microsoft.com/office/powerpoint/2012/main" xmlns="" userId="User81" providerId="None"/>
       </p:ext>
     </p:extLst>
   </p:cmAuthor>
@@ -225,7 +225,7 @@
     <p:text/>
     <p:extLst>
       <p:ext uri="{C676402C-5697-4E1C-873F-D02D1690AC5C}">
-        <p15:threadingInfo xmlns:p15="http://schemas.microsoft.com/office/powerpoint/2012/main" timeZoneBias="-480"/>
+        <p15:threadingInfo xmlns:p15="http://schemas.microsoft.com/office/powerpoint/2012/main" xmlns="" timeZoneBias="-480"/>
       </p:ext>
     </p:extLst>
   </p:cm>
@@ -2036,11 +2036,7 @@
         <a:p>
           <a:r>
             <a:rPr lang="en-SG" sz="800" dirty="0" smtClean="0"/>
-            <a:t>Lead Architect</a:t>
-          </a:r>
-          <a:r>
-            <a:rPr lang="en-SG" sz="800" dirty="0" smtClean="0"/>
-            <a:t>:</a:t>
+            <a:t>Lead Architect:</a:t>
           </a:r>
           <a:br>
             <a:rPr lang="en-SG" sz="800" dirty="0" smtClean="0"/>
@@ -2209,11 +2205,7 @@
         <a:p>
           <a:r>
             <a:rPr lang="en-SG" sz="800" dirty="0" smtClean="0"/>
-            <a:t>Lead </a:t>
-          </a:r>
-          <a:r>
-            <a:rPr lang="en-SG" sz="800" dirty="0" smtClean="0"/>
-            <a:t>Architect</a:t>
+            <a:t>Lead Architect</a:t>
           </a:r>
           <a:br>
             <a:rPr lang="en-SG" sz="800" dirty="0" smtClean="0"/>
@@ -2686,6 +2678,13 @@
         </dgm:presLayoutVars>
       </dgm:prSet>
       <dgm:spPr/>
+      <dgm:t>
+        <a:bodyPr/>
+        <a:lstStyle/>
+        <a:p>
+          <a:endParaRPr lang="en-SG"/>
+        </a:p>
+      </dgm:t>
     </dgm:pt>
     <dgm:pt modelId="{AF4AF97C-7901-47FD-8263-E81F2D3AC87B}" type="pres">
       <dgm:prSet presAssocID="{25F94212-3B2B-4D62-B39B-B68A2ACB6610}" presName="node" presStyleLbl="node1" presStyleIdx="0" presStyleCnt="11">
@@ -2694,14 +2693,35 @@
         </dgm:presLayoutVars>
       </dgm:prSet>
       <dgm:spPr/>
+      <dgm:t>
+        <a:bodyPr/>
+        <a:lstStyle/>
+        <a:p>
+          <a:endParaRPr lang="en-SG"/>
+        </a:p>
+      </dgm:t>
     </dgm:pt>
     <dgm:pt modelId="{BDD798C9-1337-4333-A2A2-EAFE709D345C}" type="pres">
       <dgm:prSet presAssocID="{FCD7909B-B7FD-4428-A9DE-4C4483FB8635}" presName="sibTrans" presStyleLbl="sibTrans2D1" presStyleIdx="0" presStyleCnt="10"/>
       <dgm:spPr/>
+      <dgm:t>
+        <a:bodyPr/>
+        <a:lstStyle/>
+        <a:p>
+          <a:endParaRPr lang="en-SG"/>
+        </a:p>
+      </dgm:t>
     </dgm:pt>
     <dgm:pt modelId="{B7DB7E90-D0C0-42AD-A431-571F11F03739}" type="pres">
       <dgm:prSet presAssocID="{FCD7909B-B7FD-4428-A9DE-4C4483FB8635}" presName="connectorText" presStyleLbl="sibTrans2D1" presStyleIdx="0" presStyleCnt="10"/>
       <dgm:spPr/>
+      <dgm:t>
+        <a:bodyPr/>
+        <a:lstStyle/>
+        <a:p>
+          <a:endParaRPr lang="en-SG"/>
+        </a:p>
+      </dgm:t>
     </dgm:pt>
     <dgm:pt modelId="{3EDC1076-9DA9-4D3B-8EDC-E06622C16B09}" type="pres">
       <dgm:prSet presAssocID="{DFD68C9A-FFCD-42C1-830A-EF91A91EB841}" presName="node" presStyleLbl="node1" presStyleIdx="1" presStyleCnt="11">
@@ -2710,14 +2730,35 @@
         </dgm:presLayoutVars>
       </dgm:prSet>
       <dgm:spPr/>
+      <dgm:t>
+        <a:bodyPr/>
+        <a:lstStyle/>
+        <a:p>
+          <a:endParaRPr lang="en-SG"/>
+        </a:p>
+      </dgm:t>
     </dgm:pt>
     <dgm:pt modelId="{CF68994B-313F-4B97-BBED-0A71347F43FD}" type="pres">
       <dgm:prSet presAssocID="{03879816-5CA8-451B-B9AC-9C4F424F51F5}" presName="sibTrans" presStyleLbl="sibTrans2D1" presStyleIdx="1" presStyleCnt="10"/>
       <dgm:spPr/>
+      <dgm:t>
+        <a:bodyPr/>
+        <a:lstStyle/>
+        <a:p>
+          <a:endParaRPr lang="en-SG"/>
+        </a:p>
+      </dgm:t>
     </dgm:pt>
     <dgm:pt modelId="{7B7D6BB8-ADBC-4103-ACC3-34782A7C4A7B}" type="pres">
       <dgm:prSet presAssocID="{03879816-5CA8-451B-B9AC-9C4F424F51F5}" presName="connectorText" presStyleLbl="sibTrans2D1" presStyleIdx="1" presStyleCnt="10"/>
       <dgm:spPr/>
+      <dgm:t>
+        <a:bodyPr/>
+        <a:lstStyle/>
+        <a:p>
+          <a:endParaRPr lang="en-SG"/>
+        </a:p>
+      </dgm:t>
     </dgm:pt>
     <dgm:pt modelId="{981A6D3C-885E-4950-9CE5-080CB68683F6}" type="pres">
       <dgm:prSet presAssocID="{E90E3C00-F866-400E-B87C-9B5FDD30247C}" presName="node" presStyleLbl="node1" presStyleIdx="2" presStyleCnt="11">
@@ -2726,14 +2767,35 @@
         </dgm:presLayoutVars>
       </dgm:prSet>
       <dgm:spPr/>
+      <dgm:t>
+        <a:bodyPr/>
+        <a:lstStyle/>
+        <a:p>
+          <a:endParaRPr lang="en-SG"/>
+        </a:p>
+      </dgm:t>
     </dgm:pt>
     <dgm:pt modelId="{8758A5F0-B30F-4244-9AC6-FF6BC7836429}" type="pres">
       <dgm:prSet presAssocID="{E2472A66-36CA-412C-93F8-8A5E3B1EC1AD}" presName="sibTrans" presStyleLbl="sibTrans2D1" presStyleIdx="2" presStyleCnt="10"/>
       <dgm:spPr/>
+      <dgm:t>
+        <a:bodyPr/>
+        <a:lstStyle/>
+        <a:p>
+          <a:endParaRPr lang="en-SG"/>
+        </a:p>
+      </dgm:t>
     </dgm:pt>
     <dgm:pt modelId="{F036BF1A-5B9A-4C67-94C6-E0D372D031E1}" type="pres">
       <dgm:prSet presAssocID="{E2472A66-36CA-412C-93F8-8A5E3B1EC1AD}" presName="connectorText" presStyleLbl="sibTrans2D1" presStyleIdx="2" presStyleCnt="10"/>
       <dgm:spPr/>
+      <dgm:t>
+        <a:bodyPr/>
+        <a:lstStyle/>
+        <a:p>
+          <a:endParaRPr lang="en-SG"/>
+        </a:p>
+      </dgm:t>
     </dgm:pt>
     <dgm:pt modelId="{C0E22C63-F7FF-4110-B9DF-E56AB14F887A}" type="pres">
       <dgm:prSet presAssocID="{BBE87DA6-184D-4CD3-A2D4-A8355AAC3151}" presName="node" presStyleLbl="node1" presStyleIdx="3" presStyleCnt="11">
@@ -2742,14 +2804,35 @@
         </dgm:presLayoutVars>
       </dgm:prSet>
       <dgm:spPr/>
+      <dgm:t>
+        <a:bodyPr/>
+        <a:lstStyle/>
+        <a:p>
+          <a:endParaRPr lang="en-SG"/>
+        </a:p>
+      </dgm:t>
     </dgm:pt>
     <dgm:pt modelId="{3FDD5D8E-B541-4DC6-AA5D-7BA8841A1266}" type="pres">
       <dgm:prSet presAssocID="{7E03FC06-ED07-442D-BD84-DBDFFCB56DCD}" presName="sibTrans" presStyleLbl="sibTrans2D1" presStyleIdx="3" presStyleCnt="10"/>
       <dgm:spPr/>
+      <dgm:t>
+        <a:bodyPr/>
+        <a:lstStyle/>
+        <a:p>
+          <a:endParaRPr lang="en-SG"/>
+        </a:p>
+      </dgm:t>
     </dgm:pt>
     <dgm:pt modelId="{D0A79249-26F0-4C6C-A08C-72C46F270EB5}" type="pres">
       <dgm:prSet presAssocID="{7E03FC06-ED07-442D-BD84-DBDFFCB56DCD}" presName="connectorText" presStyleLbl="sibTrans2D1" presStyleIdx="3" presStyleCnt="10"/>
       <dgm:spPr/>
+      <dgm:t>
+        <a:bodyPr/>
+        <a:lstStyle/>
+        <a:p>
+          <a:endParaRPr lang="en-SG"/>
+        </a:p>
+      </dgm:t>
     </dgm:pt>
     <dgm:pt modelId="{AB821519-1C83-4734-A03C-650629DC546F}" type="pres">
       <dgm:prSet presAssocID="{90FD1D53-529E-415C-9B37-0BC706E11262}" presName="node" presStyleLbl="node1" presStyleIdx="4" presStyleCnt="11">
@@ -2758,14 +2841,35 @@
         </dgm:presLayoutVars>
       </dgm:prSet>
       <dgm:spPr/>
+      <dgm:t>
+        <a:bodyPr/>
+        <a:lstStyle/>
+        <a:p>
+          <a:endParaRPr lang="en-SG"/>
+        </a:p>
+      </dgm:t>
     </dgm:pt>
     <dgm:pt modelId="{48429A23-EECE-43CA-BCB7-F68C99EDB06B}" type="pres">
       <dgm:prSet presAssocID="{71E30308-8881-4281-AD8D-49773CAF25A9}" presName="sibTrans" presStyleLbl="sibTrans2D1" presStyleIdx="4" presStyleCnt="10"/>
       <dgm:spPr/>
+      <dgm:t>
+        <a:bodyPr/>
+        <a:lstStyle/>
+        <a:p>
+          <a:endParaRPr lang="en-SG"/>
+        </a:p>
+      </dgm:t>
     </dgm:pt>
     <dgm:pt modelId="{723DEF45-EA23-47F6-ABAF-945C6C8CD91F}" type="pres">
       <dgm:prSet presAssocID="{71E30308-8881-4281-AD8D-49773CAF25A9}" presName="connectorText" presStyleLbl="sibTrans2D1" presStyleIdx="4" presStyleCnt="10"/>
       <dgm:spPr/>
+      <dgm:t>
+        <a:bodyPr/>
+        <a:lstStyle/>
+        <a:p>
+          <a:endParaRPr lang="en-SG"/>
+        </a:p>
+      </dgm:t>
     </dgm:pt>
     <dgm:pt modelId="{91AF37EC-4C73-473F-9B9C-271B1E931ABF}" type="pres">
       <dgm:prSet presAssocID="{349F4C33-05BD-49F0-A60F-4AD0A44E3421}" presName="node" presStyleLbl="node1" presStyleIdx="5" presStyleCnt="11">
@@ -2774,14 +2878,35 @@
         </dgm:presLayoutVars>
       </dgm:prSet>
       <dgm:spPr/>
+      <dgm:t>
+        <a:bodyPr/>
+        <a:lstStyle/>
+        <a:p>
+          <a:endParaRPr lang="en-SG"/>
+        </a:p>
+      </dgm:t>
     </dgm:pt>
     <dgm:pt modelId="{9CDCA917-8A57-42DD-8CB5-43BA542C893E}" type="pres">
       <dgm:prSet presAssocID="{5FB10968-6FD1-4C62-8BBB-093293957C11}" presName="sibTrans" presStyleLbl="sibTrans2D1" presStyleIdx="5" presStyleCnt="10"/>
       <dgm:spPr/>
+      <dgm:t>
+        <a:bodyPr/>
+        <a:lstStyle/>
+        <a:p>
+          <a:endParaRPr lang="en-SG"/>
+        </a:p>
+      </dgm:t>
     </dgm:pt>
     <dgm:pt modelId="{AF8630E8-07D1-4DAE-B9D1-F688FC98A6A4}" type="pres">
       <dgm:prSet presAssocID="{5FB10968-6FD1-4C62-8BBB-093293957C11}" presName="connectorText" presStyleLbl="sibTrans2D1" presStyleIdx="5" presStyleCnt="10"/>
       <dgm:spPr/>
+      <dgm:t>
+        <a:bodyPr/>
+        <a:lstStyle/>
+        <a:p>
+          <a:endParaRPr lang="en-SG"/>
+        </a:p>
+      </dgm:t>
     </dgm:pt>
     <dgm:pt modelId="{4940F316-C710-49A6-A7DA-EA87F3CDF21E}" type="pres">
       <dgm:prSet presAssocID="{29ECE98B-0589-4BBA-97B1-D10A804006B1}" presName="node" presStyleLbl="node1" presStyleIdx="6" presStyleCnt="11">
@@ -2801,10 +2926,24 @@
     <dgm:pt modelId="{64022A33-5568-47E5-BCEE-C6CD960021AF}" type="pres">
       <dgm:prSet presAssocID="{580E531E-4313-4113-A834-28BC3C94F136}" presName="sibTrans" presStyleLbl="sibTrans2D1" presStyleIdx="6" presStyleCnt="10"/>
       <dgm:spPr/>
+      <dgm:t>
+        <a:bodyPr/>
+        <a:lstStyle/>
+        <a:p>
+          <a:endParaRPr lang="en-SG"/>
+        </a:p>
+      </dgm:t>
     </dgm:pt>
     <dgm:pt modelId="{6A64B284-20C2-4D23-B619-F0E49FB735D9}" type="pres">
       <dgm:prSet presAssocID="{580E531E-4313-4113-A834-28BC3C94F136}" presName="connectorText" presStyleLbl="sibTrans2D1" presStyleIdx="6" presStyleCnt="10"/>
       <dgm:spPr/>
+      <dgm:t>
+        <a:bodyPr/>
+        <a:lstStyle/>
+        <a:p>
+          <a:endParaRPr lang="en-SG"/>
+        </a:p>
+      </dgm:t>
     </dgm:pt>
     <dgm:pt modelId="{F31C34A5-9A98-46A4-90A2-9950EAA07BF1}" type="pres">
       <dgm:prSet presAssocID="{179A58B8-A931-4CE2-AB7B-651FC28C50E1}" presName="node" presStyleLbl="node1" presStyleIdx="7" presStyleCnt="11">
@@ -2824,10 +2963,24 @@
     <dgm:pt modelId="{2726BD94-02E8-47A8-938C-73229F45ECC4}" type="pres">
       <dgm:prSet presAssocID="{8D9859E2-FF71-48EE-914F-F93A84A25B7A}" presName="sibTrans" presStyleLbl="sibTrans2D1" presStyleIdx="7" presStyleCnt="10"/>
       <dgm:spPr/>
+      <dgm:t>
+        <a:bodyPr/>
+        <a:lstStyle/>
+        <a:p>
+          <a:endParaRPr lang="en-SG"/>
+        </a:p>
+      </dgm:t>
     </dgm:pt>
     <dgm:pt modelId="{04E53FE6-F6FB-4833-AEC0-28F0BF21AC43}" type="pres">
       <dgm:prSet presAssocID="{8D9859E2-FF71-48EE-914F-F93A84A25B7A}" presName="connectorText" presStyleLbl="sibTrans2D1" presStyleIdx="7" presStyleCnt="10"/>
       <dgm:spPr/>
+      <dgm:t>
+        <a:bodyPr/>
+        <a:lstStyle/>
+        <a:p>
+          <a:endParaRPr lang="en-SG"/>
+        </a:p>
+      </dgm:t>
     </dgm:pt>
     <dgm:pt modelId="{2E0147E3-CAD5-460D-8E29-5DEFF5F67F26}" type="pres">
       <dgm:prSet presAssocID="{574C1363-2BDA-4C3B-A1B3-8DBDE8762230}" presName="node" presStyleLbl="node1" presStyleIdx="8" presStyleCnt="11">
@@ -2847,10 +3000,24 @@
     <dgm:pt modelId="{F0E3C434-854B-48AB-B28F-75738F3ACE92}" type="pres">
       <dgm:prSet presAssocID="{0624F9CA-296E-46D5-81A8-58ED23B4A95B}" presName="sibTrans" presStyleLbl="sibTrans2D1" presStyleIdx="8" presStyleCnt="10"/>
       <dgm:spPr/>
+      <dgm:t>
+        <a:bodyPr/>
+        <a:lstStyle/>
+        <a:p>
+          <a:endParaRPr lang="en-SG"/>
+        </a:p>
+      </dgm:t>
     </dgm:pt>
     <dgm:pt modelId="{DAB49F24-DEF8-424B-B2E3-31F763477133}" type="pres">
       <dgm:prSet presAssocID="{0624F9CA-296E-46D5-81A8-58ED23B4A95B}" presName="connectorText" presStyleLbl="sibTrans2D1" presStyleIdx="8" presStyleCnt="10"/>
       <dgm:spPr/>
+      <dgm:t>
+        <a:bodyPr/>
+        <a:lstStyle/>
+        <a:p>
+          <a:endParaRPr lang="en-SG"/>
+        </a:p>
+      </dgm:t>
     </dgm:pt>
     <dgm:pt modelId="{BE79806F-65AA-402A-B99F-768016256B05}" type="pres">
       <dgm:prSet presAssocID="{F2D501DC-C84E-40F2-BD0A-8190A80C254C}" presName="node" presStyleLbl="node1" presStyleIdx="9" presStyleCnt="11">
@@ -2870,10 +3037,24 @@
     <dgm:pt modelId="{71AB9C45-BB20-434B-9458-75119F33C821}" type="pres">
       <dgm:prSet presAssocID="{A7423685-B6E1-471F-9C3A-241594E7684F}" presName="sibTrans" presStyleLbl="sibTrans2D1" presStyleIdx="9" presStyleCnt="10"/>
       <dgm:spPr/>
+      <dgm:t>
+        <a:bodyPr/>
+        <a:lstStyle/>
+        <a:p>
+          <a:endParaRPr lang="en-SG"/>
+        </a:p>
+      </dgm:t>
     </dgm:pt>
     <dgm:pt modelId="{4BCF2594-E111-412A-8A33-2C8C5028C7A5}" type="pres">
       <dgm:prSet presAssocID="{A7423685-B6E1-471F-9C3A-241594E7684F}" presName="connectorText" presStyleLbl="sibTrans2D1" presStyleIdx="9" presStyleCnt="10"/>
       <dgm:spPr/>
+      <dgm:t>
+        <a:bodyPr/>
+        <a:lstStyle/>
+        <a:p>
+          <a:endParaRPr lang="en-SG"/>
+        </a:p>
+      </dgm:t>
     </dgm:pt>
     <dgm:pt modelId="{F5A6B8F6-9362-4B2E-98E7-7CAAB7655979}" type="pres">
       <dgm:prSet presAssocID="{335E3776-F1A0-43C6-B8C4-8B9A6D4FF242}" presName="node" presStyleLbl="node1" presStyleIdx="10" presStyleCnt="11">
@@ -2892,71 +3073,71 @@
     </dgm:pt>
   </dgm:ptLst>
   <dgm:cxnLst>
+    <dgm:cxn modelId="{A9BBB81C-1515-4723-B088-03EC591238DA}" type="presOf" srcId="{E2472A66-36CA-412C-93F8-8A5E3B1EC1AD}" destId="{8758A5F0-B30F-4244-9AC6-FF6BC7836429}" srcOrd="0" destOrd="0" presId="urn:microsoft.com/office/officeart/2005/8/layout/process5"/>
+    <dgm:cxn modelId="{7F7BACB2-76F6-4457-A295-16EFFF373D48}" type="presOf" srcId="{179A58B8-A931-4CE2-AB7B-651FC28C50E1}" destId="{F31C34A5-9A98-46A4-90A2-9950EAA07BF1}" srcOrd="0" destOrd="0" presId="urn:microsoft.com/office/officeart/2005/8/layout/process5"/>
+    <dgm:cxn modelId="{E3120286-7FA1-46BC-8C8F-44ABD7FF75E3}" type="presOf" srcId="{FCD7909B-B7FD-4428-A9DE-4C4483FB8635}" destId="{B7DB7E90-D0C0-42AD-A431-571F11F03739}" srcOrd="1" destOrd="0" presId="urn:microsoft.com/office/officeart/2005/8/layout/process5"/>
+    <dgm:cxn modelId="{85B4DB38-F7C2-4DF4-9DD7-6B3A338E910E}" srcId="{42DFB88E-AA1E-4D00-8AB2-92C323B7CD47}" destId="{29ECE98B-0589-4BBA-97B1-D10A804006B1}" srcOrd="6" destOrd="0" parTransId="{AABE25EF-8A80-4873-8A00-D4D954DD7812}" sibTransId="{580E531E-4313-4113-A834-28BC3C94F136}"/>
+    <dgm:cxn modelId="{D1D33F54-5080-4D57-A564-2D0396AE4A01}" type="presOf" srcId="{71E30308-8881-4281-AD8D-49773CAF25A9}" destId="{48429A23-EECE-43CA-BCB7-F68C99EDB06B}" srcOrd="0" destOrd="0" presId="urn:microsoft.com/office/officeart/2005/8/layout/process5"/>
+    <dgm:cxn modelId="{874C6129-C13E-49A6-96B5-74B54F26C1DF}" type="presOf" srcId="{62B6B7C2-2888-4B1A-944D-E029CC1EF144}" destId="{C0E22C63-F7FF-4110-B9DF-E56AB14F887A}" srcOrd="0" destOrd="1" presId="urn:microsoft.com/office/officeart/2005/8/layout/process5"/>
+    <dgm:cxn modelId="{671EE31B-B23F-48CE-9C4F-B63BEFB9D80A}" type="presOf" srcId="{C8C02D00-3534-4253-A2D0-699608DB50B6}" destId="{AB821519-1C83-4734-A03C-650629DC546F}" srcOrd="0" destOrd="1" presId="urn:microsoft.com/office/officeart/2005/8/layout/process5"/>
+    <dgm:cxn modelId="{7C9C703F-E9A1-4F83-86C2-1BB05EEA4F75}" srcId="{42DFB88E-AA1E-4D00-8AB2-92C323B7CD47}" destId="{335E3776-F1A0-43C6-B8C4-8B9A6D4FF242}" srcOrd="10" destOrd="0" parTransId="{D664AF2A-E72E-4790-92AB-A72D5DF42739}" sibTransId="{34DFE2CC-96D2-4145-82F4-F2AF250CA757}"/>
+    <dgm:cxn modelId="{5B99B428-3C2F-4F7D-B44A-6144E9A22B58}" type="presOf" srcId="{03879816-5CA8-451B-B9AC-9C4F424F51F5}" destId="{7B7D6BB8-ADBC-4103-ACC3-34782A7C4A7B}" srcOrd="1" destOrd="0" presId="urn:microsoft.com/office/officeart/2005/8/layout/process5"/>
+    <dgm:cxn modelId="{9DFE6654-D200-4D52-A7D9-751BE42F36AB}" srcId="{42DFB88E-AA1E-4D00-8AB2-92C323B7CD47}" destId="{574C1363-2BDA-4C3B-A1B3-8DBDE8762230}" srcOrd="8" destOrd="0" parTransId="{DF42B121-5011-4F83-9C44-9FE9F6D86928}" sibTransId="{0624F9CA-296E-46D5-81A8-58ED23B4A95B}"/>
+    <dgm:cxn modelId="{E167F5C3-7A2F-4C37-B94C-533BBFDB2924}" type="presOf" srcId="{90FD1D53-529E-415C-9B37-0BC706E11262}" destId="{AB821519-1C83-4734-A03C-650629DC546F}" srcOrd="0" destOrd="0" presId="urn:microsoft.com/office/officeart/2005/8/layout/process5"/>
+    <dgm:cxn modelId="{2620777B-C0E8-4DD7-8E59-38FD7323C731}" srcId="{42DFB88E-AA1E-4D00-8AB2-92C323B7CD47}" destId="{DFD68C9A-FFCD-42C1-830A-EF91A91EB841}" srcOrd="1" destOrd="0" parTransId="{076466D6-0895-4F3C-B872-F428B5CB8C99}" sibTransId="{03879816-5CA8-451B-B9AC-9C4F424F51F5}"/>
+    <dgm:cxn modelId="{3351F7BD-4052-4FF6-B3AA-EBD6398F70B7}" type="presOf" srcId="{335E3776-F1A0-43C6-B8C4-8B9A6D4FF242}" destId="{F5A6B8F6-9362-4B2E-98E7-7CAAB7655979}" srcOrd="0" destOrd="0" presId="urn:microsoft.com/office/officeart/2005/8/layout/process5"/>
+    <dgm:cxn modelId="{2214E8A4-7007-4F5F-91FA-6F2913BB29B6}" type="presOf" srcId="{728D16CB-09B5-4ED4-A281-BBB889155E1C}" destId="{4940F316-C710-49A6-A7DA-EA87F3CDF21E}" srcOrd="0" destOrd="1" presId="urn:microsoft.com/office/officeart/2005/8/layout/process5"/>
+    <dgm:cxn modelId="{AB2C94EC-F469-4C0E-9E7D-C435582EEE81}" type="presOf" srcId="{FCD7909B-B7FD-4428-A9DE-4C4483FB8635}" destId="{BDD798C9-1337-4333-A2A2-EAFE709D345C}" srcOrd="0" destOrd="0" presId="urn:microsoft.com/office/officeart/2005/8/layout/process5"/>
+    <dgm:cxn modelId="{BD07C482-5711-449E-BCBC-64A670BBBD46}" type="presOf" srcId="{574C1363-2BDA-4C3B-A1B3-8DBDE8762230}" destId="{2E0147E3-CAD5-460D-8E29-5DEFF5F67F26}" srcOrd="0" destOrd="0" presId="urn:microsoft.com/office/officeart/2005/8/layout/process5"/>
+    <dgm:cxn modelId="{7095E001-2BC0-433F-A452-F4EA8BCA3ADB}" type="presOf" srcId="{7E03FC06-ED07-442D-BD84-DBDFFCB56DCD}" destId="{D0A79249-26F0-4C6C-A08C-72C46F270EB5}" srcOrd="1" destOrd="0" presId="urn:microsoft.com/office/officeart/2005/8/layout/process5"/>
+    <dgm:cxn modelId="{9D99D484-F291-423B-B876-0C719BBF99BB}" srcId="{DFD68C9A-FFCD-42C1-830A-EF91A91EB841}" destId="{56EBA743-46BB-4A58-9B03-F5782502DF2D}" srcOrd="0" destOrd="0" parTransId="{F3166D87-D91B-49AA-BF97-4E1799A7BEC0}" sibTransId="{887A42D0-13EC-4735-8C01-76C3B3F359E1}"/>
+    <dgm:cxn modelId="{74A683B6-C8C8-44AD-9A93-B11BA55266D2}" type="presOf" srcId="{349F4C33-05BD-49F0-A60F-4AD0A44E3421}" destId="{91AF37EC-4C73-473F-9B9C-271B1E931ABF}" srcOrd="0" destOrd="0" presId="urn:microsoft.com/office/officeart/2005/8/layout/process5"/>
+    <dgm:cxn modelId="{2185BBA2-93DA-4C66-A519-1762CF309FCC}" type="presOf" srcId="{25F94212-3B2B-4D62-B39B-B68A2ACB6610}" destId="{AF4AF97C-7901-47FD-8263-E81F2D3AC87B}" srcOrd="0" destOrd="0" presId="urn:microsoft.com/office/officeart/2005/8/layout/process5"/>
+    <dgm:cxn modelId="{EEB68354-99F7-40A6-85A3-B6F5D4135571}" srcId="{42DFB88E-AA1E-4D00-8AB2-92C323B7CD47}" destId="{179A58B8-A931-4CE2-AB7B-651FC28C50E1}" srcOrd="7" destOrd="0" parTransId="{51C1A499-21DE-4302-86BB-134CDA7DBF18}" sibTransId="{8D9859E2-FF71-48EE-914F-F93A84A25B7A}"/>
+    <dgm:cxn modelId="{000C23A6-7C8E-4705-B4D2-46B6741F8690}" srcId="{E90E3C00-F866-400E-B87C-9B5FDD30247C}" destId="{234AD240-D1EC-485C-B8E5-07764B8EA599}" srcOrd="0" destOrd="0" parTransId="{37FFD37C-6F97-4869-BC58-F3AC0B8AFEFE}" sibTransId="{4C7AFAA7-36BF-4E94-9B98-91DCBE73A3F9}"/>
+    <dgm:cxn modelId="{F11F40A4-6B39-4B3D-9B7D-1AD3BFAC1BF7}" type="presOf" srcId="{3D7718AA-1E09-4982-8A4B-3D227FACA6B0}" destId="{F31C34A5-9A98-46A4-90A2-9950EAA07BF1}" srcOrd="0" destOrd="1" presId="urn:microsoft.com/office/officeart/2005/8/layout/process5"/>
+    <dgm:cxn modelId="{9388F758-8E14-4CAF-9D33-19295066F504}" type="presOf" srcId="{8D9859E2-FF71-48EE-914F-F93A84A25B7A}" destId="{04E53FE6-F6FB-4833-AEC0-28F0BF21AC43}" srcOrd="1" destOrd="0" presId="urn:microsoft.com/office/officeart/2005/8/layout/process5"/>
+    <dgm:cxn modelId="{CBE68C00-3126-40A9-87D3-AE530EF833D6}" srcId="{42DFB88E-AA1E-4D00-8AB2-92C323B7CD47}" destId="{BBE87DA6-184D-4CD3-A2D4-A8355AAC3151}" srcOrd="3" destOrd="0" parTransId="{F8B57C51-96DD-475D-883D-736B08AB5306}" sibTransId="{7E03FC06-ED07-442D-BD84-DBDFFCB56DCD}"/>
+    <dgm:cxn modelId="{0519E014-9903-46D4-A06E-980D286F867A}" srcId="{179A58B8-A931-4CE2-AB7B-651FC28C50E1}" destId="{3D7718AA-1E09-4982-8A4B-3D227FACA6B0}" srcOrd="0" destOrd="0" parTransId="{6BF99B07-9644-41B4-80FF-D827BB8A916D}" sibTransId="{64271723-F1F2-4F9F-8705-AA2D81065B9E}"/>
+    <dgm:cxn modelId="{7B867B14-56B0-4EA2-BF3B-1518D57AD8E1}" type="presOf" srcId="{03879816-5CA8-451B-B9AC-9C4F424F51F5}" destId="{CF68994B-313F-4B97-BBED-0A71347F43FD}" srcOrd="0" destOrd="0" presId="urn:microsoft.com/office/officeart/2005/8/layout/process5"/>
+    <dgm:cxn modelId="{0BE1AD88-921F-47B3-A492-4F4F1F7E3235}" type="presOf" srcId="{E2472A66-36CA-412C-93F8-8A5E3B1EC1AD}" destId="{F036BF1A-5B9A-4C67-94C6-E0D372D031E1}" srcOrd="1" destOrd="0" presId="urn:microsoft.com/office/officeart/2005/8/layout/process5"/>
+    <dgm:cxn modelId="{513BEF12-FC79-4BC8-8AD8-741EC297AF8B}" type="presOf" srcId="{29ECE98B-0589-4BBA-97B1-D10A804006B1}" destId="{4940F316-C710-49A6-A7DA-EA87F3CDF21E}" srcOrd="0" destOrd="0" presId="urn:microsoft.com/office/officeart/2005/8/layout/process5"/>
+    <dgm:cxn modelId="{6670DDF1-2B10-44E9-B050-77C1A48B39E3}" type="presOf" srcId="{7E03FC06-ED07-442D-BD84-DBDFFCB56DCD}" destId="{3FDD5D8E-B541-4DC6-AA5D-7BA8841A1266}" srcOrd="0" destOrd="0" presId="urn:microsoft.com/office/officeart/2005/8/layout/process5"/>
+    <dgm:cxn modelId="{611541E6-81C8-4B61-85F7-A73FA6C58BB3}" type="presOf" srcId="{0624F9CA-296E-46D5-81A8-58ED23B4A95B}" destId="{DAB49F24-DEF8-424B-B2E3-31F763477133}" srcOrd="1" destOrd="0" presId="urn:microsoft.com/office/officeart/2005/8/layout/process5"/>
+    <dgm:cxn modelId="{44DD2557-35CF-477F-A236-7B843226FDD2}" type="presOf" srcId="{F2D501DC-C84E-40F2-BD0A-8190A80C254C}" destId="{BE79806F-65AA-402A-B99F-768016256B05}" srcOrd="0" destOrd="0" presId="urn:microsoft.com/office/officeart/2005/8/layout/process5"/>
+    <dgm:cxn modelId="{1AC39B69-E409-4D24-9477-89D1C41ACD66}" srcId="{42DFB88E-AA1E-4D00-8AB2-92C323B7CD47}" destId="{E90E3C00-F866-400E-B87C-9B5FDD30247C}" srcOrd="2" destOrd="0" parTransId="{EF369D29-C83C-4EC6-ACD2-82484822A8D9}" sibTransId="{E2472A66-36CA-412C-93F8-8A5E3B1EC1AD}"/>
+    <dgm:cxn modelId="{C540B733-1F9E-4BCC-ABFD-6F65C48D4261}" type="presOf" srcId="{DFD68C9A-FFCD-42C1-830A-EF91A91EB841}" destId="{3EDC1076-9DA9-4D3B-8EDC-E06622C16B09}" srcOrd="0" destOrd="0" presId="urn:microsoft.com/office/officeart/2005/8/layout/process5"/>
+    <dgm:cxn modelId="{C6516DC8-6854-4438-BA61-C52FC7B705FC}" type="presOf" srcId="{234AD240-D1EC-485C-B8E5-07764B8EA599}" destId="{981A6D3C-885E-4950-9CE5-080CB68683F6}" srcOrd="0" destOrd="1" presId="urn:microsoft.com/office/officeart/2005/8/layout/process5"/>
+    <dgm:cxn modelId="{6B558DC9-922F-4292-AC6B-1F7987AF9359}" srcId="{335E3776-F1A0-43C6-B8C4-8B9A6D4FF242}" destId="{96DF401E-712E-4CF2-8FBE-BAE1D124CFAA}" srcOrd="0" destOrd="0" parTransId="{74B6621E-3B43-41FA-A1E6-3D22AFE261F1}" sibTransId="{60942458-351C-4CBC-8F41-24314239EE82}"/>
+    <dgm:cxn modelId="{930DDF6B-A6A9-4B79-904A-E66FC7731ADF}" type="presOf" srcId="{42DFB88E-AA1E-4D00-8AB2-92C323B7CD47}" destId="{E54E2035-23D8-4E06-93A3-2E7D135EB1BE}" srcOrd="0" destOrd="0" presId="urn:microsoft.com/office/officeart/2005/8/layout/process5"/>
     <dgm:cxn modelId="{81B5B963-B165-4CD2-82CB-210843559C60}" srcId="{42DFB88E-AA1E-4D00-8AB2-92C323B7CD47}" destId="{F2D501DC-C84E-40F2-BD0A-8190A80C254C}" srcOrd="9" destOrd="0" parTransId="{583223EB-2E19-4F76-BD7E-3203166CC74A}" sibTransId="{A7423685-B6E1-471F-9C3A-241594E7684F}"/>
-    <dgm:cxn modelId="{6B558DC9-922F-4292-AC6B-1F7987AF9359}" srcId="{335E3776-F1A0-43C6-B8C4-8B9A6D4FF242}" destId="{96DF401E-712E-4CF2-8FBE-BAE1D124CFAA}" srcOrd="0" destOrd="0" parTransId="{74B6621E-3B43-41FA-A1E6-3D22AFE261F1}" sibTransId="{60942458-351C-4CBC-8F41-24314239EE82}"/>
-    <dgm:cxn modelId="{E3120286-7FA1-46BC-8C8F-44ABD7FF75E3}" type="presOf" srcId="{FCD7909B-B7FD-4428-A9DE-4C4483FB8635}" destId="{B7DB7E90-D0C0-42AD-A431-571F11F03739}" srcOrd="1" destOrd="0" presId="urn:microsoft.com/office/officeart/2005/8/layout/process5"/>
-    <dgm:cxn modelId="{A9BBB81C-1515-4723-B088-03EC591238DA}" type="presOf" srcId="{E2472A66-36CA-412C-93F8-8A5E3B1EC1AD}" destId="{8758A5F0-B30F-4244-9AC6-FF6BC7836429}" srcOrd="0" destOrd="0" presId="urn:microsoft.com/office/officeart/2005/8/layout/process5"/>
-    <dgm:cxn modelId="{7C9C703F-E9A1-4F83-86C2-1BB05EEA4F75}" srcId="{42DFB88E-AA1E-4D00-8AB2-92C323B7CD47}" destId="{335E3776-F1A0-43C6-B8C4-8B9A6D4FF242}" srcOrd="10" destOrd="0" parTransId="{D664AF2A-E72E-4790-92AB-A72D5DF42739}" sibTransId="{34DFE2CC-96D2-4145-82F4-F2AF250CA757}"/>
+    <dgm:cxn modelId="{1DA31A20-A5FE-4C14-803A-7B3DC9B18286}" srcId="{349F4C33-05BD-49F0-A60F-4AD0A44E3421}" destId="{44CE3614-BE41-4DC0-B699-926A6F5FED6B}" srcOrd="0" destOrd="0" parTransId="{9E48C893-3EA7-4CEB-9AF0-2F55CAB06AC7}" sibTransId="{7A366029-035F-4CAF-B269-7CF47ED9B3B7}"/>
+    <dgm:cxn modelId="{82311BFD-C3AC-433A-B4D9-0B465C83BB36}" type="presOf" srcId="{E90E3C00-F866-400E-B87C-9B5FDD30247C}" destId="{981A6D3C-885E-4950-9CE5-080CB68683F6}" srcOrd="0" destOrd="0" presId="urn:microsoft.com/office/officeart/2005/8/layout/process5"/>
+    <dgm:cxn modelId="{6E31A366-7B17-4177-B2A7-D85BF1DD6633}" type="presOf" srcId="{580E531E-4313-4113-A834-28BC3C94F136}" destId="{6A64B284-20C2-4D23-B619-F0E49FB735D9}" srcOrd="1" destOrd="0" presId="urn:microsoft.com/office/officeart/2005/8/layout/process5"/>
+    <dgm:cxn modelId="{1BC920DC-7BE9-40D3-895F-BAB26F13BF67}" type="presOf" srcId="{A31B0B19-2288-4503-A384-DBEF7FB8C745}" destId="{2E0147E3-CAD5-460D-8E29-5DEFF5F67F26}" srcOrd="0" destOrd="1" presId="urn:microsoft.com/office/officeart/2005/8/layout/process5"/>
+    <dgm:cxn modelId="{B4562658-F8ED-4014-839A-15E90AF81B47}" type="presOf" srcId="{A7423685-B6E1-471F-9C3A-241594E7684F}" destId="{4BCF2594-E111-412A-8A33-2C8C5028C7A5}" srcOrd="1" destOrd="0" presId="urn:microsoft.com/office/officeart/2005/8/layout/process5"/>
+    <dgm:cxn modelId="{D690D3E3-EB7A-4315-BB67-00A2FB6604D3}" type="presOf" srcId="{A7423685-B6E1-471F-9C3A-241594E7684F}" destId="{71AB9C45-BB20-434B-9458-75119F33C821}" srcOrd="0" destOrd="0" presId="urn:microsoft.com/office/officeart/2005/8/layout/process5"/>
+    <dgm:cxn modelId="{7DDFA458-FAEF-49CE-8ED1-1C0BF509D899}" srcId="{42DFB88E-AA1E-4D00-8AB2-92C323B7CD47}" destId="{25F94212-3B2B-4D62-B39B-B68A2ACB6610}" srcOrd="0" destOrd="0" parTransId="{6C029E10-B822-4C51-850D-E776692B1183}" sibTransId="{FCD7909B-B7FD-4428-A9DE-4C4483FB8635}"/>
+    <dgm:cxn modelId="{195773CA-5959-4A90-A723-45D15291F765}" type="presOf" srcId="{5FB10968-6FD1-4C62-8BBB-093293957C11}" destId="{AF8630E8-07D1-4DAE-B9D1-F688FC98A6A4}" srcOrd="1" destOrd="0" presId="urn:microsoft.com/office/officeart/2005/8/layout/process5"/>
+    <dgm:cxn modelId="{77FB4C59-CD65-4F8A-A4A2-B4493CCD03A8}" type="presOf" srcId="{BBE87DA6-184D-4CD3-A2D4-A8355AAC3151}" destId="{C0E22C63-F7FF-4110-B9DF-E56AB14F887A}" srcOrd="0" destOrd="0" presId="urn:microsoft.com/office/officeart/2005/8/layout/process5"/>
+    <dgm:cxn modelId="{CACC2940-BFEC-4FE7-AFF1-1BB84213066E}" type="presOf" srcId="{D6BE2781-E37D-4D9A-8A46-95F6CCC55AB1}" destId="{BE79806F-65AA-402A-B99F-768016256B05}" srcOrd="0" destOrd="1" presId="urn:microsoft.com/office/officeart/2005/8/layout/process5"/>
+    <dgm:cxn modelId="{817D9D35-B446-4057-B49D-A64FC5725AC1}" type="presOf" srcId="{8D9859E2-FF71-48EE-914F-F93A84A25B7A}" destId="{2726BD94-02E8-47A8-938C-73229F45ECC4}" srcOrd="0" destOrd="0" presId="urn:microsoft.com/office/officeart/2005/8/layout/process5"/>
+    <dgm:cxn modelId="{A62A9885-E82D-40B4-BCF0-696182087569}" srcId="{42DFB88E-AA1E-4D00-8AB2-92C323B7CD47}" destId="{90FD1D53-529E-415C-9B37-0BC706E11262}" srcOrd="4" destOrd="0" parTransId="{B89986F1-D747-4067-8146-EEFEEF775064}" sibTransId="{71E30308-8881-4281-AD8D-49773CAF25A9}"/>
+    <dgm:cxn modelId="{C9657DB6-19E9-4E47-A885-7D112FF8274A}" type="presOf" srcId="{D5003EE6-461C-4E1F-97AA-EBB93497FA19}" destId="{AF4AF97C-7901-47FD-8263-E81F2D3AC87B}" srcOrd="0" destOrd="1" presId="urn:microsoft.com/office/officeart/2005/8/layout/process5"/>
+    <dgm:cxn modelId="{45B89F29-3C19-4298-B739-61094F9EEDC9}" srcId="{574C1363-2BDA-4C3B-A1B3-8DBDE8762230}" destId="{A31B0B19-2288-4503-A384-DBEF7FB8C745}" srcOrd="0" destOrd="0" parTransId="{2372FF04-8C8F-42F4-A05F-03BA6C7D5BE8}" sibTransId="{D9A5691E-9BE2-4523-A3D8-478EC81E37DA}"/>
+    <dgm:cxn modelId="{6508571B-6A69-4CED-AF53-14226A7FF47F}" srcId="{F2D501DC-C84E-40F2-BD0A-8190A80C254C}" destId="{D6BE2781-E37D-4D9A-8A46-95F6CCC55AB1}" srcOrd="0" destOrd="0" parTransId="{A30A9E80-B536-44AD-8FF3-8735E4F56E09}" sibTransId="{955908A1-858D-4D02-BD75-4F29FA1FF139}"/>
+    <dgm:cxn modelId="{94547482-B3EE-4EA7-AC79-CE5D7E3EE5CA}" srcId="{25F94212-3B2B-4D62-B39B-B68A2ACB6610}" destId="{D5003EE6-461C-4E1F-97AA-EBB93497FA19}" srcOrd="0" destOrd="0" parTransId="{95832338-F981-49B9-A8AB-10BBBC8FA977}" sibTransId="{41937BC3-8F8D-478D-ABCC-A35F1702E30C}"/>
+    <dgm:cxn modelId="{1187F711-9F8D-4FD6-943D-A3B2BA0B8FD0}" type="presOf" srcId="{580E531E-4313-4113-A834-28BC3C94F136}" destId="{64022A33-5568-47E5-BCEE-C6CD960021AF}" srcOrd="0" destOrd="0" presId="urn:microsoft.com/office/officeart/2005/8/layout/process5"/>
     <dgm:cxn modelId="{22097E62-A3A4-4B44-BB98-1F1273775BD3}" srcId="{BBE87DA6-184D-4CD3-A2D4-A8355AAC3151}" destId="{62B6B7C2-2888-4B1A-944D-E029CC1EF144}" srcOrd="0" destOrd="0" parTransId="{242E0FA0-A544-48E9-BB85-E7C7FC11646C}" sibTransId="{2A07D562-0DE1-46CE-A445-7EBDD4CA8704}"/>
-    <dgm:cxn modelId="{94547482-B3EE-4EA7-AC79-CE5D7E3EE5CA}" srcId="{25F94212-3B2B-4D62-B39B-B68A2ACB6610}" destId="{D5003EE6-461C-4E1F-97AA-EBB93497FA19}" srcOrd="0" destOrd="0" parTransId="{95832338-F981-49B9-A8AB-10BBBC8FA977}" sibTransId="{41937BC3-8F8D-478D-ABCC-A35F1702E30C}"/>
-    <dgm:cxn modelId="{0BE1AD88-921F-47B3-A492-4F4F1F7E3235}" type="presOf" srcId="{E2472A66-36CA-412C-93F8-8A5E3B1EC1AD}" destId="{F036BF1A-5B9A-4C67-94C6-E0D372D031E1}" srcOrd="1" destOrd="0" presId="urn:microsoft.com/office/officeart/2005/8/layout/process5"/>
-    <dgm:cxn modelId="{9388F758-8E14-4CAF-9D33-19295066F504}" type="presOf" srcId="{8D9859E2-FF71-48EE-914F-F93A84A25B7A}" destId="{04E53FE6-F6FB-4833-AEC0-28F0BF21AC43}" srcOrd="1" destOrd="0" presId="urn:microsoft.com/office/officeart/2005/8/layout/process5"/>
-    <dgm:cxn modelId="{BD07C482-5711-449E-BCBC-64A670BBBD46}" type="presOf" srcId="{574C1363-2BDA-4C3B-A1B3-8DBDE8762230}" destId="{2E0147E3-CAD5-460D-8E29-5DEFF5F67F26}" srcOrd="0" destOrd="0" presId="urn:microsoft.com/office/officeart/2005/8/layout/process5"/>
-    <dgm:cxn modelId="{513BEF12-FC79-4BC8-8AD8-741EC297AF8B}" type="presOf" srcId="{29ECE98B-0589-4BBA-97B1-D10A804006B1}" destId="{4940F316-C710-49A6-A7DA-EA87F3CDF21E}" srcOrd="0" destOrd="0" presId="urn:microsoft.com/office/officeart/2005/8/layout/process5"/>
-    <dgm:cxn modelId="{82311BFD-C3AC-433A-B4D9-0B465C83BB36}" type="presOf" srcId="{E90E3C00-F866-400E-B87C-9B5FDD30247C}" destId="{981A6D3C-885E-4950-9CE5-080CB68683F6}" srcOrd="0" destOrd="0" presId="urn:microsoft.com/office/officeart/2005/8/layout/process5"/>
-    <dgm:cxn modelId="{6508571B-6A69-4CED-AF53-14226A7FF47F}" srcId="{F2D501DC-C84E-40F2-BD0A-8190A80C254C}" destId="{D6BE2781-E37D-4D9A-8A46-95F6CCC55AB1}" srcOrd="0" destOrd="0" parTransId="{A30A9E80-B536-44AD-8FF3-8735E4F56E09}" sibTransId="{955908A1-858D-4D02-BD75-4F29FA1FF139}"/>
-    <dgm:cxn modelId="{7095E001-2BC0-433F-A452-F4EA8BCA3ADB}" type="presOf" srcId="{7E03FC06-ED07-442D-BD84-DBDFFCB56DCD}" destId="{D0A79249-26F0-4C6C-A08C-72C46F270EB5}" srcOrd="1" destOrd="0" presId="urn:microsoft.com/office/officeart/2005/8/layout/process5"/>
+    <dgm:cxn modelId="{49B834F1-4392-4D0D-BD6A-F429C722650A}" type="presOf" srcId="{56EBA743-46BB-4A58-9B03-F5782502DF2D}" destId="{3EDC1076-9DA9-4D3B-8EDC-E06622C16B09}" srcOrd="0" destOrd="1" presId="urn:microsoft.com/office/officeart/2005/8/layout/process5"/>
+    <dgm:cxn modelId="{346C7CE7-F60F-480C-8FFE-275925E2C2DE}" type="presOf" srcId="{71E30308-8881-4281-AD8D-49773CAF25A9}" destId="{723DEF45-EA23-47F6-ABAF-945C6C8CD91F}" srcOrd="1" destOrd="0" presId="urn:microsoft.com/office/officeart/2005/8/layout/process5"/>
     <dgm:cxn modelId="{436E0E8D-9B60-40A0-8500-B3AE1185967A}" type="presOf" srcId="{96DF401E-712E-4CF2-8FBE-BAE1D124CFAA}" destId="{F5A6B8F6-9362-4B2E-98E7-7CAAB7655979}" srcOrd="0" destOrd="1" presId="urn:microsoft.com/office/officeart/2005/8/layout/process5"/>
-    <dgm:cxn modelId="{346C7CE7-F60F-480C-8FFE-275925E2C2DE}" type="presOf" srcId="{71E30308-8881-4281-AD8D-49773CAF25A9}" destId="{723DEF45-EA23-47F6-ABAF-945C6C8CD91F}" srcOrd="1" destOrd="0" presId="urn:microsoft.com/office/officeart/2005/8/layout/process5"/>
+    <dgm:cxn modelId="{1DCBA112-233F-4BE9-9FC4-E851B91F7672}" srcId="{42DFB88E-AA1E-4D00-8AB2-92C323B7CD47}" destId="{349F4C33-05BD-49F0-A60F-4AD0A44E3421}" srcOrd="5" destOrd="0" parTransId="{AB30F69B-2BAA-4DAF-8DD2-76FC85EFDE2F}" sibTransId="{5FB10968-6FD1-4C62-8BBB-093293957C11}"/>
     <dgm:cxn modelId="{72456382-460E-4C40-BE10-8FDB2ACC87E0}" type="presOf" srcId="{44CE3614-BE41-4DC0-B699-926A6F5FED6B}" destId="{91AF37EC-4C73-473F-9B9C-271B1E931ABF}" srcOrd="0" destOrd="1" presId="urn:microsoft.com/office/officeart/2005/8/layout/process5"/>
-    <dgm:cxn modelId="{1187F711-9F8D-4FD6-943D-A3B2BA0B8FD0}" type="presOf" srcId="{580E531E-4313-4113-A834-28BC3C94F136}" destId="{64022A33-5568-47E5-BCEE-C6CD960021AF}" srcOrd="0" destOrd="0" presId="urn:microsoft.com/office/officeart/2005/8/layout/process5"/>
-    <dgm:cxn modelId="{45B89F29-3C19-4298-B739-61094F9EEDC9}" srcId="{574C1363-2BDA-4C3B-A1B3-8DBDE8762230}" destId="{A31B0B19-2288-4503-A384-DBEF7FB8C745}" srcOrd="0" destOrd="0" parTransId="{2372FF04-8C8F-42F4-A05F-03BA6C7D5BE8}" sibTransId="{D9A5691E-9BE2-4523-A3D8-478EC81E37DA}"/>
-    <dgm:cxn modelId="{7F7BACB2-76F6-4457-A295-16EFFF373D48}" type="presOf" srcId="{179A58B8-A931-4CE2-AB7B-651FC28C50E1}" destId="{F31C34A5-9A98-46A4-90A2-9950EAA07BF1}" srcOrd="0" destOrd="0" presId="urn:microsoft.com/office/officeart/2005/8/layout/process5"/>
+    <dgm:cxn modelId="{EFBE85F3-3EEC-4743-9D9A-0106EB9A0B5C}" srcId="{29ECE98B-0589-4BBA-97B1-D10A804006B1}" destId="{728D16CB-09B5-4ED4-A281-BBB889155E1C}" srcOrd="0" destOrd="0" parTransId="{5F3485B6-310A-4CBF-87C1-174AC20CABEB}" sibTransId="{457D87DA-26EE-4B37-A761-4478A4526367}"/>
+    <dgm:cxn modelId="{8AB48E85-B469-489E-ACDB-A4073250835F}" type="presOf" srcId="{0624F9CA-296E-46D5-81A8-58ED23B4A95B}" destId="{F0E3C434-854B-48AB-B28F-75738F3ACE92}" srcOrd="0" destOrd="0" presId="urn:microsoft.com/office/officeart/2005/8/layout/process5"/>
     <dgm:cxn modelId="{4EDF74D6-2F1D-4123-9A19-407000BACD47}" srcId="{90FD1D53-529E-415C-9B37-0BC706E11262}" destId="{C8C02D00-3534-4253-A2D0-699608DB50B6}" srcOrd="0" destOrd="0" parTransId="{0D74217D-A1A4-4632-A7E2-E04AF1CFB471}" sibTransId="{B49ECFE1-7427-4027-B31C-74CBE8F4A6B5}"/>
-    <dgm:cxn modelId="{2620777B-C0E8-4DD7-8E59-38FD7323C731}" srcId="{42DFB88E-AA1E-4D00-8AB2-92C323B7CD47}" destId="{DFD68C9A-FFCD-42C1-830A-EF91A91EB841}" srcOrd="1" destOrd="0" parTransId="{076466D6-0895-4F3C-B872-F428B5CB8C99}" sibTransId="{03879816-5CA8-451B-B9AC-9C4F424F51F5}"/>
-    <dgm:cxn modelId="{7DDFA458-FAEF-49CE-8ED1-1C0BF509D899}" srcId="{42DFB88E-AA1E-4D00-8AB2-92C323B7CD47}" destId="{25F94212-3B2B-4D62-B39B-B68A2ACB6610}" srcOrd="0" destOrd="0" parTransId="{6C029E10-B822-4C51-850D-E776692B1183}" sibTransId="{FCD7909B-B7FD-4428-A9DE-4C4483FB8635}"/>
-    <dgm:cxn modelId="{EEB68354-99F7-40A6-85A3-B6F5D4135571}" srcId="{42DFB88E-AA1E-4D00-8AB2-92C323B7CD47}" destId="{179A58B8-A931-4CE2-AB7B-651FC28C50E1}" srcOrd="7" destOrd="0" parTransId="{51C1A499-21DE-4302-86BB-134CDA7DBF18}" sibTransId="{8D9859E2-FF71-48EE-914F-F93A84A25B7A}"/>
-    <dgm:cxn modelId="{C9657DB6-19E9-4E47-A885-7D112FF8274A}" type="presOf" srcId="{D5003EE6-461C-4E1F-97AA-EBB93497FA19}" destId="{AF4AF97C-7901-47FD-8263-E81F2D3AC87B}" srcOrd="0" destOrd="1" presId="urn:microsoft.com/office/officeart/2005/8/layout/process5"/>
-    <dgm:cxn modelId="{D1D33F54-5080-4D57-A564-2D0396AE4A01}" type="presOf" srcId="{71E30308-8881-4281-AD8D-49773CAF25A9}" destId="{48429A23-EECE-43CA-BCB7-F68C99EDB06B}" srcOrd="0" destOrd="0" presId="urn:microsoft.com/office/officeart/2005/8/layout/process5"/>
-    <dgm:cxn modelId="{2185BBA2-93DA-4C66-A519-1762CF309FCC}" type="presOf" srcId="{25F94212-3B2B-4D62-B39B-B68A2ACB6610}" destId="{AF4AF97C-7901-47FD-8263-E81F2D3AC87B}" srcOrd="0" destOrd="0" presId="urn:microsoft.com/office/officeart/2005/8/layout/process5"/>
     <dgm:cxn modelId="{848BF7AB-93EC-4C59-BD58-93B1657F9587}" type="presOf" srcId="{5FB10968-6FD1-4C62-8BBB-093293957C11}" destId="{9CDCA917-8A57-42DD-8CB5-43BA542C893E}" srcOrd="0" destOrd="0" presId="urn:microsoft.com/office/officeart/2005/8/layout/process5"/>
-    <dgm:cxn modelId="{1BC920DC-7BE9-40D3-895F-BAB26F13BF67}" type="presOf" srcId="{A31B0B19-2288-4503-A384-DBEF7FB8C745}" destId="{2E0147E3-CAD5-460D-8E29-5DEFF5F67F26}" srcOrd="0" destOrd="1" presId="urn:microsoft.com/office/officeart/2005/8/layout/process5"/>
-    <dgm:cxn modelId="{874C6129-C13E-49A6-96B5-74B54F26C1DF}" type="presOf" srcId="{62B6B7C2-2888-4B1A-944D-E029CC1EF144}" destId="{C0E22C63-F7FF-4110-B9DF-E56AB14F887A}" srcOrd="0" destOrd="1" presId="urn:microsoft.com/office/officeart/2005/8/layout/process5"/>
-    <dgm:cxn modelId="{8AB48E85-B469-489E-ACDB-A4073250835F}" type="presOf" srcId="{0624F9CA-296E-46D5-81A8-58ED23B4A95B}" destId="{F0E3C434-854B-48AB-B28F-75738F3ACE92}" srcOrd="0" destOrd="0" presId="urn:microsoft.com/office/officeart/2005/8/layout/process5"/>
-    <dgm:cxn modelId="{3351F7BD-4052-4FF6-B3AA-EBD6398F70B7}" type="presOf" srcId="{335E3776-F1A0-43C6-B8C4-8B9A6D4FF242}" destId="{F5A6B8F6-9362-4B2E-98E7-7CAAB7655979}" srcOrd="0" destOrd="0" presId="urn:microsoft.com/office/officeart/2005/8/layout/process5"/>
-    <dgm:cxn modelId="{77FB4C59-CD65-4F8A-A4A2-B4493CCD03A8}" type="presOf" srcId="{BBE87DA6-184D-4CD3-A2D4-A8355AAC3151}" destId="{C0E22C63-F7FF-4110-B9DF-E56AB14F887A}" srcOrd="0" destOrd="0" presId="urn:microsoft.com/office/officeart/2005/8/layout/process5"/>
-    <dgm:cxn modelId="{49B834F1-4392-4D0D-BD6A-F429C722650A}" type="presOf" srcId="{56EBA743-46BB-4A58-9B03-F5782502DF2D}" destId="{3EDC1076-9DA9-4D3B-8EDC-E06622C16B09}" srcOrd="0" destOrd="1" presId="urn:microsoft.com/office/officeart/2005/8/layout/process5"/>
-    <dgm:cxn modelId="{CACC2940-BFEC-4FE7-AFF1-1BB84213066E}" type="presOf" srcId="{D6BE2781-E37D-4D9A-8A46-95F6CCC55AB1}" destId="{BE79806F-65AA-402A-B99F-768016256B05}" srcOrd="0" destOrd="1" presId="urn:microsoft.com/office/officeart/2005/8/layout/process5"/>
-    <dgm:cxn modelId="{C540B733-1F9E-4BCC-ABFD-6F65C48D4261}" type="presOf" srcId="{DFD68C9A-FFCD-42C1-830A-EF91A91EB841}" destId="{3EDC1076-9DA9-4D3B-8EDC-E06622C16B09}" srcOrd="0" destOrd="0" presId="urn:microsoft.com/office/officeart/2005/8/layout/process5"/>
-    <dgm:cxn modelId="{9DFE6654-D200-4D52-A7D9-751BE42F36AB}" srcId="{42DFB88E-AA1E-4D00-8AB2-92C323B7CD47}" destId="{574C1363-2BDA-4C3B-A1B3-8DBDE8762230}" srcOrd="8" destOrd="0" parTransId="{DF42B121-5011-4F83-9C44-9FE9F6D86928}" sibTransId="{0624F9CA-296E-46D5-81A8-58ED23B4A95B}"/>
-    <dgm:cxn modelId="{6670DDF1-2B10-44E9-B050-77C1A48B39E3}" type="presOf" srcId="{7E03FC06-ED07-442D-BD84-DBDFFCB56DCD}" destId="{3FDD5D8E-B541-4DC6-AA5D-7BA8841A1266}" srcOrd="0" destOrd="0" presId="urn:microsoft.com/office/officeart/2005/8/layout/process5"/>
-    <dgm:cxn modelId="{930DDF6B-A6A9-4B79-904A-E66FC7731ADF}" type="presOf" srcId="{42DFB88E-AA1E-4D00-8AB2-92C323B7CD47}" destId="{E54E2035-23D8-4E06-93A3-2E7D135EB1BE}" srcOrd="0" destOrd="0" presId="urn:microsoft.com/office/officeart/2005/8/layout/process5"/>
-    <dgm:cxn modelId="{B4562658-F8ED-4014-839A-15E90AF81B47}" type="presOf" srcId="{A7423685-B6E1-471F-9C3A-241594E7684F}" destId="{4BCF2594-E111-412A-8A33-2C8C5028C7A5}" srcOrd="1" destOrd="0" presId="urn:microsoft.com/office/officeart/2005/8/layout/process5"/>
-    <dgm:cxn modelId="{1DCBA112-233F-4BE9-9FC4-E851B91F7672}" srcId="{42DFB88E-AA1E-4D00-8AB2-92C323B7CD47}" destId="{349F4C33-05BD-49F0-A60F-4AD0A44E3421}" srcOrd="5" destOrd="0" parTransId="{AB30F69B-2BAA-4DAF-8DD2-76FC85EFDE2F}" sibTransId="{5FB10968-6FD1-4C62-8BBB-093293957C11}"/>
-    <dgm:cxn modelId="{9D99D484-F291-423B-B876-0C719BBF99BB}" srcId="{DFD68C9A-FFCD-42C1-830A-EF91A91EB841}" destId="{56EBA743-46BB-4A58-9B03-F5782502DF2D}" srcOrd="0" destOrd="0" parTransId="{F3166D87-D91B-49AA-BF97-4E1799A7BEC0}" sibTransId="{887A42D0-13EC-4735-8C01-76C3B3F359E1}"/>
-    <dgm:cxn modelId="{EFBE85F3-3EEC-4743-9D9A-0106EB9A0B5C}" srcId="{29ECE98B-0589-4BBA-97B1-D10A804006B1}" destId="{728D16CB-09B5-4ED4-A281-BBB889155E1C}" srcOrd="0" destOrd="0" parTransId="{5F3485B6-310A-4CBF-87C1-174AC20CABEB}" sibTransId="{457D87DA-26EE-4B37-A761-4478A4526367}"/>
-    <dgm:cxn modelId="{611541E6-81C8-4B61-85F7-A73FA6C58BB3}" type="presOf" srcId="{0624F9CA-296E-46D5-81A8-58ED23B4A95B}" destId="{DAB49F24-DEF8-424B-B2E3-31F763477133}" srcOrd="1" destOrd="0" presId="urn:microsoft.com/office/officeart/2005/8/layout/process5"/>
-    <dgm:cxn modelId="{6E31A366-7B17-4177-B2A7-D85BF1DD6633}" type="presOf" srcId="{580E531E-4313-4113-A834-28BC3C94F136}" destId="{6A64B284-20C2-4D23-B619-F0E49FB735D9}" srcOrd="1" destOrd="0" presId="urn:microsoft.com/office/officeart/2005/8/layout/process5"/>
-    <dgm:cxn modelId="{85B4DB38-F7C2-4DF4-9DD7-6B3A338E910E}" srcId="{42DFB88E-AA1E-4D00-8AB2-92C323B7CD47}" destId="{29ECE98B-0589-4BBA-97B1-D10A804006B1}" srcOrd="6" destOrd="0" parTransId="{AABE25EF-8A80-4873-8A00-D4D954DD7812}" sibTransId="{580E531E-4313-4113-A834-28BC3C94F136}"/>
-    <dgm:cxn modelId="{D690D3E3-EB7A-4315-BB67-00A2FB6604D3}" type="presOf" srcId="{A7423685-B6E1-471F-9C3A-241594E7684F}" destId="{71AB9C45-BB20-434B-9458-75119F33C821}" srcOrd="0" destOrd="0" presId="urn:microsoft.com/office/officeart/2005/8/layout/process5"/>
-    <dgm:cxn modelId="{2214E8A4-7007-4F5F-91FA-6F2913BB29B6}" type="presOf" srcId="{728D16CB-09B5-4ED4-A281-BBB889155E1C}" destId="{4940F316-C710-49A6-A7DA-EA87F3CDF21E}" srcOrd="0" destOrd="1" presId="urn:microsoft.com/office/officeart/2005/8/layout/process5"/>
-    <dgm:cxn modelId="{74A683B6-C8C8-44AD-9A93-B11BA55266D2}" type="presOf" srcId="{349F4C33-05BD-49F0-A60F-4AD0A44E3421}" destId="{91AF37EC-4C73-473F-9B9C-271B1E931ABF}" srcOrd="0" destOrd="0" presId="urn:microsoft.com/office/officeart/2005/8/layout/process5"/>
-    <dgm:cxn modelId="{5B99B428-3C2F-4F7D-B44A-6144E9A22B58}" type="presOf" srcId="{03879816-5CA8-451B-B9AC-9C4F424F51F5}" destId="{7B7D6BB8-ADBC-4103-ACC3-34782A7C4A7B}" srcOrd="1" destOrd="0" presId="urn:microsoft.com/office/officeart/2005/8/layout/process5"/>
-    <dgm:cxn modelId="{671EE31B-B23F-48CE-9C4F-B63BEFB9D80A}" type="presOf" srcId="{C8C02D00-3534-4253-A2D0-699608DB50B6}" destId="{AB821519-1C83-4734-A03C-650629DC546F}" srcOrd="0" destOrd="1" presId="urn:microsoft.com/office/officeart/2005/8/layout/process5"/>
-    <dgm:cxn modelId="{44DD2557-35CF-477F-A236-7B843226FDD2}" type="presOf" srcId="{F2D501DC-C84E-40F2-BD0A-8190A80C254C}" destId="{BE79806F-65AA-402A-B99F-768016256B05}" srcOrd="0" destOrd="0" presId="urn:microsoft.com/office/officeart/2005/8/layout/process5"/>
-    <dgm:cxn modelId="{E167F5C3-7A2F-4C37-B94C-533BBFDB2924}" type="presOf" srcId="{90FD1D53-529E-415C-9B37-0BC706E11262}" destId="{AB821519-1C83-4734-A03C-650629DC546F}" srcOrd="0" destOrd="0" presId="urn:microsoft.com/office/officeart/2005/8/layout/process5"/>
-    <dgm:cxn modelId="{1AC39B69-E409-4D24-9477-89D1C41ACD66}" srcId="{42DFB88E-AA1E-4D00-8AB2-92C323B7CD47}" destId="{E90E3C00-F866-400E-B87C-9B5FDD30247C}" srcOrd="2" destOrd="0" parTransId="{EF369D29-C83C-4EC6-ACD2-82484822A8D9}" sibTransId="{E2472A66-36CA-412C-93F8-8A5E3B1EC1AD}"/>
-    <dgm:cxn modelId="{1DA31A20-A5FE-4C14-803A-7B3DC9B18286}" srcId="{349F4C33-05BD-49F0-A60F-4AD0A44E3421}" destId="{44CE3614-BE41-4DC0-B699-926A6F5FED6B}" srcOrd="0" destOrd="0" parTransId="{9E48C893-3EA7-4CEB-9AF0-2F55CAB06AC7}" sibTransId="{7A366029-035F-4CAF-B269-7CF47ED9B3B7}"/>
-    <dgm:cxn modelId="{A62A9885-E82D-40B4-BCF0-696182087569}" srcId="{42DFB88E-AA1E-4D00-8AB2-92C323B7CD47}" destId="{90FD1D53-529E-415C-9B37-0BC706E11262}" srcOrd="4" destOrd="0" parTransId="{B89986F1-D747-4067-8146-EEFEEF775064}" sibTransId="{71E30308-8881-4281-AD8D-49773CAF25A9}"/>
-    <dgm:cxn modelId="{7B867B14-56B0-4EA2-BF3B-1518D57AD8E1}" type="presOf" srcId="{03879816-5CA8-451B-B9AC-9C4F424F51F5}" destId="{CF68994B-313F-4B97-BBED-0A71347F43FD}" srcOrd="0" destOrd="0" presId="urn:microsoft.com/office/officeart/2005/8/layout/process5"/>
-    <dgm:cxn modelId="{195773CA-5959-4A90-A723-45D15291F765}" type="presOf" srcId="{5FB10968-6FD1-4C62-8BBB-093293957C11}" destId="{AF8630E8-07D1-4DAE-B9D1-F688FC98A6A4}" srcOrd="1" destOrd="0" presId="urn:microsoft.com/office/officeart/2005/8/layout/process5"/>
-    <dgm:cxn modelId="{F11F40A4-6B39-4B3D-9B7D-1AD3BFAC1BF7}" type="presOf" srcId="{3D7718AA-1E09-4982-8A4B-3D227FACA6B0}" destId="{F31C34A5-9A98-46A4-90A2-9950EAA07BF1}" srcOrd="0" destOrd="1" presId="urn:microsoft.com/office/officeart/2005/8/layout/process5"/>
-    <dgm:cxn modelId="{817D9D35-B446-4057-B49D-A64FC5725AC1}" type="presOf" srcId="{8D9859E2-FF71-48EE-914F-F93A84A25B7A}" destId="{2726BD94-02E8-47A8-938C-73229F45ECC4}" srcOrd="0" destOrd="0" presId="urn:microsoft.com/office/officeart/2005/8/layout/process5"/>
-    <dgm:cxn modelId="{CBE68C00-3126-40A9-87D3-AE530EF833D6}" srcId="{42DFB88E-AA1E-4D00-8AB2-92C323B7CD47}" destId="{BBE87DA6-184D-4CD3-A2D4-A8355AAC3151}" srcOrd="3" destOrd="0" parTransId="{F8B57C51-96DD-475D-883D-736B08AB5306}" sibTransId="{7E03FC06-ED07-442D-BD84-DBDFFCB56DCD}"/>
-    <dgm:cxn modelId="{C6516DC8-6854-4438-BA61-C52FC7B705FC}" type="presOf" srcId="{234AD240-D1EC-485C-B8E5-07764B8EA599}" destId="{981A6D3C-885E-4950-9CE5-080CB68683F6}" srcOrd="0" destOrd="1" presId="urn:microsoft.com/office/officeart/2005/8/layout/process5"/>
-    <dgm:cxn modelId="{AB2C94EC-F469-4C0E-9E7D-C435582EEE81}" type="presOf" srcId="{FCD7909B-B7FD-4428-A9DE-4C4483FB8635}" destId="{BDD798C9-1337-4333-A2A2-EAFE709D345C}" srcOrd="0" destOrd="0" presId="urn:microsoft.com/office/officeart/2005/8/layout/process5"/>
-    <dgm:cxn modelId="{0519E014-9903-46D4-A06E-980D286F867A}" srcId="{179A58B8-A931-4CE2-AB7B-651FC28C50E1}" destId="{3D7718AA-1E09-4982-8A4B-3D227FACA6B0}" srcOrd="0" destOrd="0" parTransId="{6BF99B07-9644-41B4-80FF-D827BB8A916D}" sibTransId="{64271723-F1F2-4F9F-8705-AA2D81065B9E}"/>
-    <dgm:cxn modelId="{000C23A6-7C8E-4705-B4D2-46B6741F8690}" srcId="{E90E3C00-F866-400E-B87C-9B5FDD30247C}" destId="{234AD240-D1EC-485C-B8E5-07764B8EA599}" srcOrd="0" destOrd="0" parTransId="{37FFD37C-6F97-4869-BC58-F3AC0B8AFEFE}" sibTransId="{4C7AFAA7-36BF-4E94-9B98-91DCBE73A3F9}"/>
     <dgm:cxn modelId="{DDF93275-4E5B-4994-B1AB-A03C85EFD5C4}" type="presParOf" srcId="{E54E2035-23D8-4E06-93A3-2E7D135EB1BE}" destId="{AF4AF97C-7901-47FD-8263-E81F2D3AC87B}" srcOrd="0" destOrd="0" presId="urn:microsoft.com/office/officeart/2005/8/layout/process5"/>
     <dgm:cxn modelId="{9A453693-5F71-4C67-AEE1-B6168EA90F10}" type="presParOf" srcId="{E54E2035-23D8-4E06-93A3-2E7D135EB1BE}" destId="{BDD798C9-1337-4333-A2A2-EAFE709D345C}" srcOrd="1" destOrd="0" presId="urn:microsoft.com/office/officeart/2005/8/layout/process5"/>
     <dgm:cxn modelId="{F7C20C89-EEA3-440D-AC52-7A533B4D528F}" type="presParOf" srcId="{BDD798C9-1337-4333-A2A2-EAFE709D345C}" destId="{B7DB7E90-D0C0-42AD-A431-571F11F03739}" srcOrd="0" destOrd="0" presId="urn:microsoft.com/office/officeart/2005/8/layout/process5"/>
@@ -3450,6 +3631,13 @@
         </dgm:presLayoutVars>
       </dgm:prSet>
       <dgm:spPr/>
+      <dgm:t>
+        <a:bodyPr/>
+        <a:lstStyle/>
+        <a:p>
+          <a:endParaRPr lang="en-SG"/>
+        </a:p>
+      </dgm:t>
     </dgm:pt>
     <dgm:pt modelId="{D709EEA8-6F08-48C5-963E-4B3E59313F50}" type="pres">
       <dgm:prSet presAssocID="{64BDADDE-82C1-455B-AD22-307887082DD0}" presName="node" presStyleLbl="node1" presStyleIdx="0" presStyleCnt="11">
@@ -3469,10 +3657,24 @@
     <dgm:pt modelId="{369D0CD2-6E0C-422B-9B62-A9B0076882BE}" type="pres">
       <dgm:prSet presAssocID="{14E3D99D-6801-4BE3-8C96-C3F2FBDC9151}" presName="sibTrans" presStyleLbl="sibTrans1D1" presStyleIdx="0" presStyleCnt="10"/>
       <dgm:spPr/>
+      <dgm:t>
+        <a:bodyPr/>
+        <a:lstStyle/>
+        <a:p>
+          <a:endParaRPr lang="en-SG"/>
+        </a:p>
+      </dgm:t>
     </dgm:pt>
     <dgm:pt modelId="{DFEC45F9-B460-42F3-913A-2336F74887CA}" type="pres">
       <dgm:prSet presAssocID="{14E3D99D-6801-4BE3-8C96-C3F2FBDC9151}" presName="connectorText" presStyleLbl="sibTrans1D1" presStyleIdx="0" presStyleCnt="10"/>
       <dgm:spPr/>
+      <dgm:t>
+        <a:bodyPr/>
+        <a:lstStyle/>
+        <a:p>
+          <a:endParaRPr lang="en-SG"/>
+        </a:p>
+      </dgm:t>
     </dgm:pt>
     <dgm:pt modelId="{761166BB-0464-4757-A811-FCC5F12DF2CC}" type="pres">
       <dgm:prSet presAssocID="{7E2E77AE-3201-4ABA-BA11-3B1DFF059ABF}" presName="node" presStyleLbl="node1" presStyleIdx="1" presStyleCnt="11">
@@ -3492,10 +3694,24 @@
     <dgm:pt modelId="{404B7F08-E8F3-4A1C-9D8E-75B4D7EBFE7D}" type="pres">
       <dgm:prSet presAssocID="{B7C1E7AB-04E6-43A9-A27A-A94BF618FA99}" presName="sibTrans" presStyleLbl="sibTrans1D1" presStyleIdx="1" presStyleCnt="10"/>
       <dgm:spPr/>
+      <dgm:t>
+        <a:bodyPr/>
+        <a:lstStyle/>
+        <a:p>
+          <a:endParaRPr lang="en-SG"/>
+        </a:p>
+      </dgm:t>
     </dgm:pt>
     <dgm:pt modelId="{43C9EA3E-2F45-4AFF-BF14-EA6FBD31454D}" type="pres">
       <dgm:prSet presAssocID="{B7C1E7AB-04E6-43A9-A27A-A94BF618FA99}" presName="connectorText" presStyleLbl="sibTrans1D1" presStyleIdx="1" presStyleCnt="10"/>
       <dgm:spPr/>
+      <dgm:t>
+        <a:bodyPr/>
+        <a:lstStyle/>
+        <a:p>
+          <a:endParaRPr lang="en-SG"/>
+        </a:p>
+      </dgm:t>
     </dgm:pt>
     <dgm:pt modelId="{6951C3C4-A85C-493D-8BC9-063148C94382}" type="pres">
       <dgm:prSet presAssocID="{01924994-A7C7-417A-8AAB-814C28E08592}" presName="node" presStyleLbl="node1" presStyleIdx="2" presStyleCnt="11">
@@ -3515,10 +3731,24 @@
     <dgm:pt modelId="{6C044EBF-327D-4A58-9F23-F2A5BBF0F47F}" type="pres">
       <dgm:prSet presAssocID="{A700F5CD-4A1D-47DA-A67F-425D47A4D247}" presName="sibTrans" presStyleLbl="sibTrans1D1" presStyleIdx="2" presStyleCnt="10"/>
       <dgm:spPr/>
+      <dgm:t>
+        <a:bodyPr/>
+        <a:lstStyle/>
+        <a:p>
+          <a:endParaRPr lang="en-SG"/>
+        </a:p>
+      </dgm:t>
     </dgm:pt>
     <dgm:pt modelId="{43445318-F8E3-4029-961D-92C49234167E}" type="pres">
       <dgm:prSet presAssocID="{A700F5CD-4A1D-47DA-A67F-425D47A4D247}" presName="connectorText" presStyleLbl="sibTrans1D1" presStyleIdx="2" presStyleCnt="10"/>
       <dgm:spPr/>
+      <dgm:t>
+        <a:bodyPr/>
+        <a:lstStyle/>
+        <a:p>
+          <a:endParaRPr lang="en-SG"/>
+        </a:p>
+      </dgm:t>
     </dgm:pt>
     <dgm:pt modelId="{0210BD04-31E4-48E2-B51C-94F4C4E5B143}" type="pres">
       <dgm:prSet presAssocID="{A6287A03-4FA0-4438-BC0B-BBB23AE36788}" presName="node" presStyleLbl="node1" presStyleIdx="3" presStyleCnt="11">
@@ -3538,10 +3768,24 @@
     <dgm:pt modelId="{2A776C23-0E45-448E-BD17-73FA9CEEE4FC}" type="pres">
       <dgm:prSet presAssocID="{BA99A9ED-B726-4834-A002-B8AD3E3C136E}" presName="sibTrans" presStyleLbl="sibTrans1D1" presStyleIdx="3" presStyleCnt="10"/>
       <dgm:spPr/>
+      <dgm:t>
+        <a:bodyPr/>
+        <a:lstStyle/>
+        <a:p>
+          <a:endParaRPr lang="en-SG"/>
+        </a:p>
+      </dgm:t>
     </dgm:pt>
     <dgm:pt modelId="{49ABCCAE-1FCC-4102-B9F1-29024C229997}" type="pres">
       <dgm:prSet presAssocID="{BA99A9ED-B726-4834-A002-B8AD3E3C136E}" presName="connectorText" presStyleLbl="sibTrans1D1" presStyleIdx="3" presStyleCnt="10"/>
       <dgm:spPr/>
+      <dgm:t>
+        <a:bodyPr/>
+        <a:lstStyle/>
+        <a:p>
+          <a:endParaRPr lang="en-SG"/>
+        </a:p>
+      </dgm:t>
     </dgm:pt>
     <dgm:pt modelId="{D4C5727C-9267-44F9-ABC0-B03E9120B6EC}" type="pres">
       <dgm:prSet presAssocID="{98A73136-A6FB-4F7A-90F8-4FFB1470EEEF}" presName="node" presStyleLbl="node1" presStyleIdx="4" presStyleCnt="11">
@@ -3561,10 +3805,24 @@
     <dgm:pt modelId="{68525CF7-533B-4681-9262-B5A32362DC39}" type="pres">
       <dgm:prSet presAssocID="{36132B82-29DD-42F7-98E2-C11D62E958FA}" presName="sibTrans" presStyleLbl="sibTrans1D1" presStyleIdx="4" presStyleCnt="10"/>
       <dgm:spPr/>
+      <dgm:t>
+        <a:bodyPr/>
+        <a:lstStyle/>
+        <a:p>
+          <a:endParaRPr lang="en-SG"/>
+        </a:p>
+      </dgm:t>
     </dgm:pt>
     <dgm:pt modelId="{7A10577A-4BA5-459B-B05D-1A7183677848}" type="pres">
       <dgm:prSet presAssocID="{36132B82-29DD-42F7-98E2-C11D62E958FA}" presName="connectorText" presStyleLbl="sibTrans1D1" presStyleIdx="4" presStyleCnt="10"/>
       <dgm:spPr/>
+      <dgm:t>
+        <a:bodyPr/>
+        <a:lstStyle/>
+        <a:p>
+          <a:endParaRPr lang="en-SG"/>
+        </a:p>
+      </dgm:t>
     </dgm:pt>
     <dgm:pt modelId="{98D89EA7-C3CD-49A5-9685-51DD564C993C}" type="pres">
       <dgm:prSet presAssocID="{C1CCA8ED-C2B7-473D-9C76-D924655FD094}" presName="node" presStyleLbl="node1" presStyleIdx="5" presStyleCnt="11">
@@ -3584,10 +3842,24 @@
     <dgm:pt modelId="{1CA4F472-4F25-4CB6-9D38-5C2065D92AD1}" type="pres">
       <dgm:prSet presAssocID="{04000FE4-EC91-4341-84E2-D45D7E21722C}" presName="sibTrans" presStyleLbl="sibTrans1D1" presStyleIdx="5" presStyleCnt="10"/>
       <dgm:spPr/>
+      <dgm:t>
+        <a:bodyPr/>
+        <a:lstStyle/>
+        <a:p>
+          <a:endParaRPr lang="en-SG"/>
+        </a:p>
+      </dgm:t>
     </dgm:pt>
     <dgm:pt modelId="{71F7C640-EE7F-4765-BBA8-FF9365804D04}" type="pres">
       <dgm:prSet presAssocID="{04000FE4-EC91-4341-84E2-D45D7E21722C}" presName="connectorText" presStyleLbl="sibTrans1D1" presStyleIdx="5" presStyleCnt="10"/>
       <dgm:spPr/>
+      <dgm:t>
+        <a:bodyPr/>
+        <a:lstStyle/>
+        <a:p>
+          <a:endParaRPr lang="en-SG"/>
+        </a:p>
+      </dgm:t>
     </dgm:pt>
     <dgm:pt modelId="{DDB446B5-9299-4314-B4DE-EE8200C68AC5}" type="pres">
       <dgm:prSet presAssocID="{B034B5BF-FA61-473F-9192-6FA85BD73EF4}" presName="node" presStyleLbl="node1" presStyleIdx="6" presStyleCnt="11">
@@ -3607,10 +3879,24 @@
     <dgm:pt modelId="{AEF3A22A-8587-4FF4-BED8-8BB863D1171F}" type="pres">
       <dgm:prSet presAssocID="{1F3A7237-2B2C-47FF-B896-F872E7ECC55E}" presName="sibTrans" presStyleLbl="sibTrans1D1" presStyleIdx="6" presStyleCnt="10"/>
       <dgm:spPr/>
+      <dgm:t>
+        <a:bodyPr/>
+        <a:lstStyle/>
+        <a:p>
+          <a:endParaRPr lang="en-SG"/>
+        </a:p>
+      </dgm:t>
     </dgm:pt>
     <dgm:pt modelId="{DCB37D50-D14B-4955-A6FA-BEB31E606F9A}" type="pres">
       <dgm:prSet presAssocID="{1F3A7237-2B2C-47FF-B896-F872E7ECC55E}" presName="connectorText" presStyleLbl="sibTrans1D1" presStyleIdx="6" presStyleCnt="10"/>
       <dgm:spPr/>
+      <dgm:t>
+        <a:bodyPr/>
+        <a:lstStyle/>
+        <a:p>
+          <a:endParaRPr lang="en-SG"/>
+        </a:p>
+      </dgm:t>
     </dgm:pt>
     <dgm:pt modelId="{6BA2E47B-A77B-4F20-8A22-85A0797B3620}" type="pres">
       <dgm:prSet presAssocID="{C900DF49-918C-4133-B3DB-613DAA4167D7}" presName="node" presStyleLbl="node1" presStyleIdx="7" presStyleCnt="11">
@@ -3619,14 +3905,35 @@
         </dgm:presLayoutVars>
       </dgm:prSet>
       <dgm:spPr/>
+      <dgm:t>
+        <a:bodyPr/>
+        <a:lstStyle/>
+        <a:p>
+          <a:endParaRPr lang="en-SG"/>
+        </a:p>
+      </dgm:t>
     </dgm:pt>
     <dgm:pt modelId="{55A07B2E-0858-4E17-8D28-FB396FECB34C}" type="pres">
       <dgm:prSet presAssocID="{D548F8D6-6AE7-437A-A438-63B4CA6E5E7C}" presName="sibTrans" presStyleLbl="sibTrans1D1" presStyleIdx="7" presStyleCnt="10"/>
       <dgm:spPr/>
+      <dgm:t>
+        <a:bodyPr/>
+        <a:lstStyle/>
+        <a:p>
+          <a:endParaRPr lang="en-SG"/>
+        </a:p>
+      </dgm:t>
     </dgm:pt>
     <dgm:pt modelId="{8CFD2AE0-B831-4065-A76A-D393682785A7}" type="pres">
       <dgm:prSet presAssocID="{D548F8D6-6AE7-437A-A438-63B4CA6E5E7C}" presName="connectorText" presStyleLbl="sibTrans1D1" presStyleIdx="7" presStyleCnt="10"/>
       <dgm:spPr/>
+      <dgm:t>
+        <a:bodyPr/>
+        <a:lstStyle/>
+        <a:p>
+          <a:endParaRPr lang="en-SG"/>
+        </a:p>
+      </dgm:t>
     </dgm:pt>
     <dgm:pt modelId="{04C7A86C-63B6-4569-B8DB-9993C5CE0174}" type="pres">
       <dgm:prSet presAssocID="{D357B5E4-A5E6-4D8E-85E4-F4202A13F327}" presName="node" presStyleLbl="node1" presStyleIdx="8" presStyleCnt="11">
@@ -3646,10 +3953,24 @@
     <dgm:pt modelId="{1A3A2490-70B8-4225-90D5-823F6B6527EE}" type="pres">
       <dgm:prSet presAssocID="{E731950A-6CC2-4D86-92D4-BA3E2C5AF25B}" presName="sibTrans" presStyleLbl="sibTrans1D1" presStyleIdx="8" presStyleCnt="10"/>
       <dgm:spPr/>
+      <dgm:t>
+        <a:bodyPr/>
+        <a:lstStyle/>
+        <a:p>
+          <a:endParaRPr lang="en-SG"/>
+        </a:p>
+      </dgm:t>
     </dgm:pt>
     <dgm:pt modelId="{7E0F7B38-CBC1-4E90-A629-48965C6F7887}" type="pres">
       <dgm:prSet presAssocID="{E731950A-6CC2-4D86-92D4-BA3E2C5AF25B}" presName="connectorText" presStyleLbl="sibTrans1D1" presStyleIdx="8" presStyleCnt="10"/>
       <dgm:spPr/>
+      <dgm:t>
+        <a:bodyPr/>
+        <a:lstStyle/>
+        <a:p>
+          <a:endParaRPr lang="en-SG"/>
+        </a:p>
+      </dgm:t>
     </dgm:pt>
     <dgm:pt modelId="{948B498E-43D5-4963-A000-23BCFBAB221B}" type="pres">
       <dgm:prSet presAssocID="{8D9ECDDD-62FF-4ACB-8211-B8E7A8DD1800}" presName="node" presStyleLbl="node1" presStyleIdx="9" presStyleCnt="11">
@@ -3669,10 +3990,24 @@
     <dgm:pt modelId="{28511E41-3CD7-44D4-8D52-30D01F2148BC}" type="pres">
       <dgm:prSet presAssocID="{5132F9B5-0ABE-4524-AC14-7BD8D29E2E1A}" presName="sibTrans" presStyleLbl="sibTrans1D1" presStyleIdx="9" presStyleCnt="10"/>
       <dgm:spPr/>
+      <dgm:t>
+        <a:bodyPr/>
+        <a:lstStyle/>
+        <a:p>
+          <a:endParaRPr lang="en-SG"/>
+        </a:p>
+      </dgm:t>
     </dgm:pt>
     <dgm:pt modelId="{5C5297A1-20FE-42DD-B07F-EDD3F32AE5BA}" type="pres">
       <dgm:prSet presAssocID="{5132F9B5-0ABE-4524-AC14-7BD8D29E2E1A}" presName="connectorText" presStyleLbl="sibTrans1D1" presStyleIdx="9" presStyleCnt="10"/>
       <dgm:spPr/>
+      <dgm:t>
+        <a:bodyPr/>
+        <a:lstStyle/>
+        <a:p>
+          <a:endParaRPr lang="en-SG"/>
+        </a:p>
+      </dgm:t>
     </dgm:pt>
     <dgm:pt modelId="{43A21E61-6DD6-4705-BCBF-DBB5E1326B00}" type="pres">
       <dgm:prSet presAssocID="{89DEA5C5-C32A-42F5-9694-51E14C6529CA}" presName="node" presStyleLbl="node1" presStyleIdx="10" presStyleCnt="11">
@@ -3706,13 +4041,13 @@
     <dgm:cxn modelId="{377E14CC-E0CD-4D24-BFA9-49D78885652E}" type="presOf" srcId="{C900DF49-918C-4133-B3DB-613DAA4167D7}" destId="{6BA2E47B-A77B-4F20-8A22-85A0797B3620}" srcOrd="0" destOrd="0" presId="urn:microsoft.com/office/officeart/2005/8/layout/bProcess3"/>
     <dgm:cxn modelId="{16CCEE4C-2B72-4525-A2E0-F91FA0299978}" type="presOf" srcId="{E731950A-6CC2-4D86-92D4-BA3E2C5AF25B}" destId="{1A3A2490-70B8-4225-90D5-823F6B6527EE}" srcOrd="0" destOrd="0" presId="urn:microsoft.com/office/officeart/2005/8/layout/bProcess3"/>
     <dgm:cxn modelId="{D36BA20F-FD3E-41F3-BC58-239EA2FEC779}" type="presOf" srcId="{1F3A7237-2B2C-47FF-B896-F872E7ECC55E}" destId="{DCB37D50-D14B-4955-A6FA-BEB31E606F9A}" srcOrd="1" destOrd="0" presId="urn:microsoft.com/office/officeart/2005/8/layout/bProcess3"/>
+    <dgm:cxn modelId="{46A84600-CC55-4B65-A57B-79E05D1E0348}" type="presOf" srcId="{5132F9B5-0ABE-4524-AC14-7BD8D29E2E1A}" destId="{28511E41-3CD7-44D4-8D52-30D01F2148BC}" srcOrd="0" destOrd="0" presId="urn:microsoft.com/office/officeart/2005/8/layout/bProcess3"/>
     <dgm:cxn modelId="{633F647E-1481-4303-8372-C00A9FCB6859}" srcId="{BFA75EF3-FA19-425E-B62E-35EB7CF3418F}" destId="{C1CCA8ED-C2B7-473D-9C76-D924655FD094}" srcOrd="5" destOrd="0" parTransId="{AD944F8D-3504-427A-80BB-C8604171EB72}" sibTransId="{04000FE4-EC91-4341-84E2-D45D7E21722C}"/>
-    <dgm:cxn modelId="{46A84600-CC55-4B65-A57B-79E05D1E0348}" type="presOf" srcId="{5132F9B5-0ABE-4524-AC14-7BD8D29E2E1A}" destId="{28511E41-3CD7-44D4-8D52-30D01F2148BC}" srcOrd="0" destOrd="0" presId="urn:microsoft.com/office/officeart/2005/8/layout/bProcess3"/>
     <dgm:cxn modelId="{1B04FD6F-2A41-4932-B8B9-E14656B68250}" srcId="{BFA75EF3-FA19-425E-B62E-35EB7CF3418F}" destId="{01924994-A7C7-417A-8AAB-814C28E08592}" srcOrd="2" destOrd="0" parTransId="{91442D27-0E92-4BE9-9104-44012101A3B1}" sibTransId="{A700F5CD-4A1D-47DA-A67F-425D47A4D247}"/>
     <dgm:cxn modelId="{8E151A06-A25C-44A1-899F-4E39C48B1002}" type="presOf" srcId="{36132B82-29DD-42F7-98E2-C11D62E958FA}" destId="{68525CF7-533B-4681-9262-B5A32362DC39}" srcOrd="0" destOrd="0" presId="urn:microsoft.com/office/officeart/2005/8/layout/bProcess3"/>
     <dgm:cxn modelId="{427949A7-E03C-4CFC-BA10-D0E385C48A81}" srcId="{BFA75EF3-FA19-425E-B62E-35EB7CF3418F}" destId="{A6287A03-4FA0-4438-BC0B-BBB23AE36788}" srcOrd="3" destOrd="0" parTransId="{53B0F9B3-70DB-4387-8E9D-F13376455BD3}" sibTransId="{BA99A9ED-B726-4834-A002-B8AD3E3C136E}"/>
+    <dgm:cxn modelId="{99A5BF83-FF67-49C6-94D3-0DA1A53A179C}" srcId="{BFA75EF3-FA19-425E-B62E-35EB7CF3418F}" destId="{89DEA5C5-C32A-42F5-9694-51E14C6529CA}" srcOrd="10" destOrd="0" parTransId="{DA668201-FC5F-4D01-BCC8-994F7C5FEF86}" sibTransId="{F34769B7-2695-440D-9C85-BC3132ADDA1D}"/>
     <dgm:cxn modelId="{441AC67E-791E-4234-9FE4-2B2E03EC7140}" type="presOf" srcId="{C1CCA8ED-C2B7-473D-9C76-D924655FD094}" destId="{98D89EA7-C3CD-49A5-9685-51DD564C993C}" srcOrd="0" destOrd="0" presId="urn:microsoft.com/office/officeart/2005/8/layout/bProcess3"/>
-    <dgm:cxn modelId="{99A5BF83-FF67-49C6-94D3-0DA1A53A179C}" srcId="{BFA75EF3-FA19-425E-B62E-35EB7CF3418F}" destId="{89DEA5C5-C32A-42F5-9694-51E14C6529CA}" srcOrd="10" destOrd="0" parTransId="{DA668201-FC5F-4D01-BCC8-994F7C5FEF86}" sibTransId="{F34769B7-2695-440D-9C85-BC3132ADDA1D}"/>
     <dgm:cxn modelId="{FAD9AC78-A782-4D43-ABC1-8AF825FF1DE8}" type="presOf" srcId="{04000FE4-EC91-4341-84E2-D45D7E21722C}" destId="{71F7C640-EE7F-4765-BBA8-FF9365804D04}" srcOrd="1" destOrd="0" presId="urn:microsoft.com/office/officeart/2005/8/layout/bProcess3"/>
     <dgm:cxn modelId="{419D4011-CE5B-4377-B970-D33F37292FF0}" type="presOf" srcId="{36132B82-29DD-42F7-98E2-C11D62E958FA}" destId="{7A10577A-4BA5-459B-B05D-1A7183677848}" srcOrd="1" destOrd="0" presId="urn:microsoft.com/office/officeart/2005/8/layout/bProcess3"/>
     <dgm:cxn modelId="{99A6869A-F3D9-47DC-A13D-A1A7B98876F6}" type="presOf" srcId="{B034B5BF-FA61-473F-9192-6FA85BD73EF4}" destId="{DDB446B5-9299-4314-B4DE-EE8200C68AC5}" srcOrd="0" destOrd="0" presId="urn:microsoft.com/office/officeart/2005/8/layout/bProcess3"/>
@@ -4568,11 +4903,7 @@
           </a:pPr>
           <a:r>
             <a:rPr lang="en-SG" sz="800" kern="1200" dirty="0" smtClean="0"/>
-            <a:t>Lead Architect</a:t>
-          </a:r>
-          <a:r>
-            <a:rPr lang="en-SG" sz="800" kern="1200" dirty="0" smtClean="0"/>
-            <a:t>:</a:t>
+            <a:t>Lead Architect:</a:t>
           </a:r>
           <a:br>
             <a:rPr lang="en-SG" sz="800" kern="1200" dirty="0" smtClean="0"/>
@@ -4927,11 +5258,7 @@
           </a:pPr>
           <a:r>
             <a:rPr lang="en-SG" sz="800" kern="1200" dirty="0" smtClean="0"/>
-            <a:t>Lead </a:t>
-          </a:r>
-          <a:r>
-            <a:rPr lang="en-SG" sz="800" kern="1200" dirty="0" smtClean="0"/>
-            <a:t>Architect</a:t>
+            <a:t>Lead Architect</a:t>
           </a:r>
           <a:br>
             <a:rPr lang="en-SG" sz="800" kern="1200" dirty="0" smtClean="0"/>
@@ -9913,7 +10240,7 @@
               <a:pPr>
                 <a:defRPr/>
               </a:pPr>
-              <a:t>4/6/2014</a:t>
+              <a:t>4/7/2014</a:t>
             </a:fld>
             <a:endParaRPr lang="en-US"/>
           </a:p>
@@ -11608,7 +11935,7 @@
               <a:pPr>
                 <a:defRPr/>
               </a:pPr>
-              <a:t>6/4/2014</a:t>
+              <a:t>7/4/2014</a:t>
             </a:fld>
             <a:endParaRPr lang="en-SG"/>
           </a:p>
@@ -11810,7 +12137,7 @@
               <a:pPr>
                 <a:defRPr/>
               </a:pPr>
-              <a:t>6/4/2014</a:t>
+              <a:t>7/4/2014</a:t>
             </a:fld>
             <a:endParaRPr lang="en-SG"/>
           </a:p>
@@ -12166,7 +12493,7 @@
               <a:pPr>
                 <a:defRPr/>
               </a:pPr>
-              <a:t>6/4/2014</a:t>
+              <a:t>7/4/2014</a:t>
             </a:fld>
             <a:endParaRPr lang="en-SG"/>
           </a:p>
@@ -12283,7 +12610,7 @@
               <a:pPr>
                 <a:defRPr/>
               </a:pPr>
-              <a:t>6/4/2014</a:t>
+              <a:t>7/4/2014</a:t>
             </a:fld>
             <a:endParaRPr lang="en-SG"/>
           </a:p>
@@ -12480,7 +12807,7 @@
               <a:pPr>
                 <a:defRPr/>
               </a:pPr>
-              <a:t>6/4/2014</a:t>
+              <a:t>7/4/2014</a:t>
             </a:fld>
             <a:endParaRPr lang="en-SG"/>
           </a:p>
@@ -12827,7 +13154,7 @@
               <a:pPr>
                 <a:defRPr/>
               </a:pPr>
-              <a:t>6/4/2014</a:t>
+              <a:t>7/4/2014</a:t>
             </a:fld>
             <a:endParaRPr lang="en-SG"/>
           </a:p>
@@ -13096,7 +13423,7 @@
               <a:pPr>
                 <a:defRPr/>
               </a:pPr>
-              <a:t>6/4/2014</a:t>
+              <a:t>7/4/2014</a:t>
             </a:fld>
             <a:endParaRPr lang="en-SG"/>
           </a:p>
@@ -13475,7 +13802,7 @@
               <a:pPr>
                 <a:defRPr/>
               </a:pPr>
-              <a:t>6/4/2014</a:t>
+              <a:t>7/4/2014</a:t>
             </a:fld>
             <a:endParaRPr lang="en-SG"/>
           </a:p>
@@ -13678,7 +14005,7 @@
               <a:pPr>
                 <a:defRPr/>
               </a:pPr>
-              <a:t>6/4/2014</a:t>
+              <a:t>7/4/2014</a:t>
             </a:fld>
             <a:endParaRPr lang="en-SG"/>
           </a:p>
@@ -13901,7 +14228,7 @@
               <a:pPr>
                 <a:defRPr/>
               </a:pPr>
-              <a:t>6/4/2014</a:t>
+              <a:t>7/4/2014</a:t>
             </a:fld>
             <a:endParaRPr lang="en-SG"/>
           </a:p>
@@ -14330,7 +14657,7 @@
               <a:pPr>
                 <a:defRPr/>
               </a:pPr>
-              <a:t>6/4/2014</a:t>
+              <a:t>7/4/2014</a:t>
             </a:fld>
             <a:endParaRPr lang="en-SG"/>
           </a:p>
@@ -14748,7 +15075,7 @@
               <a:pPr>
                 <a:defRPr/>
               </a:pPr>
-              <a:t>6/4/2014</a:t>
+              <a:t>7/4/2014</a:t>
             </a:fld>
             <a:endParaRPr lang="en-SG"/>
           </a:p>
@@ -15002,7 +15329,7 @@
               <a:pPr>
                 <a:defRPr/>
               </a:pPr>
-              <a:t>6/4/2014</a:t>
+              <a:t>7/4/2014</a:t>
             </a:fld>
             <a:endParaRPr lang="en-SG"/>
           </a:p>
@@ -26912,7 +27239,7 @@
           <a:graphicData uri="http://schemas.openxmlformats.org/presentationml/2006/ole">
             <mc:AlternateContent xmlns:mc="http://schemas.openxmlformats.org/markup-compatibility/2006">
               <mc:Choice xmlns:v="urn:schemas-microsoft-com:vml" Requires="v">
-                <p:oleObj spid="_x0000_s46157" name="Visio" r:id="rId3" imgW="6050954" imgH="4660654" progId="Visio.Drawing.11">
+                <p:oleObj spid="_x0000_s46158" name="Visio" r:id="rId3" imgW="6050954" imgH="4660654" progId="Visio.Drawing.11">
                   <p:embed/>
                 </p:oleObj>
               </mc:Choice>
@@ -27094,7 +27421,7 @@
           <a:graphicData uri="http://schemas.openxmlformats.org/presentationml/2006/ole">
             <mc:AlternateContent xmlns:mc="http://schemas.openxmlformats.org/markup-compatibility/2006">
               <mc:Choice xmlns:v="urn:schemas-microsoft-com:vml" Requires="v">
-                <p:oleObj spid="_x0000_s61511" name="Visio" r:id="rId3" imgW="6434247" imgH="5449047" progId="Visio.Drawing.11">
+                <p:oleObj spid="_x0000_s61512" name="Visio" r:id="rId3" imgW="6434247" imgH="5449047" progId="Visio.Drawing.11">
                   <p:embed/>
                 </p:oleObj>
               </mc:Choice>
@@ -32023,12 +32350,12 @@
           <a:graphicData uri="http://schemas.openxmlformats.org/presentationml/2006/ole">
             <mc:AlternateContent xmlns:mc="http://schemas.openxmlformats.org/markup-compatibility/2006">
               <mc:Choice xmlns:v="urn:schemas-microsoft-com:vml" Requires="v">
-                <p:oleObj spid="_x0000_s62506" name="Visio" r:id="rId3" imgW="8067518" imgH="4543307" progId="Visio.Drawing.15">
+                <p:oleObj spid="_x0000_s62507" name="Visio" r:id="rId4" imgW="8067518" imgH="4543307" progId="Visio.Drawing.15">
                   <p:embed/>
                 </p:oleObj>
               </mc:Choice>
               <mc:Fallback>
-                <p:oleObj name="Visio" r:id="rId3" imgW="8067518" imgH="4543307" progId="Visio.Drawing.15">
+                <p:oleObj name="Visio" r:id="rId4" imgW="8067518" imgH="4543307" progId="Visio.Drawing.15">
                   <p:embed/>
                   <p:pic>
                     <p:nvPicPr>
@@ -32037,7 +32364,7 @@
                       <p:nvPr/>
                     </p:nvPicPr>
                     <p:blipFill>
-                      <a:blip r:embed="rId4"/>
+                      <a:blip r:embed="rId5"/>
                       <a:stretch>
                         <a:fillRect/>
                       </a:stretch>
@@ -32297,12 +32624,12 @@
           <a:graphicData uri="http://schemas.openxmlformats.org/presentationml/2006/ole">
             <mc:AlternateContent xmlns:mc="http://schemas.openxmlformats.org/markup-compatibility/2006">
               <mc:Choice xmlns:v="urn:schemas-microsoft-com:vml" Requires="v">
-                <p:oleObj spid="_x0000_s63529" name="Visio" r:id="rId3" imgW="9467805" imgH="6496063" progId="Visio.Drawing.15">
+                <p:oleObj spid="_x0000_s63530" name="Visio" r:id="rId4" imgW="9467805" imgH="6496063" progId="Visio.Drawing.15">
                   <p:embed/>
                 </p:oleObj>
               </mc:Choice>
               <mc:Fallback>
-                <p:oleObj name="Visio" r:id="rId3" imgW="9467805" imgH="6496063" progId="Visio.Drawing.15">
+                <p:oleObj name="Visio" r:id="rId4" imgW="9467805" imgH="6496063" progId="Visio.Drawing.15">
                   <p:embed/>
                   <p:pic>
                     <p:nvPicPr>
@@ -32311,7 +32638,7 @@
                       <p:nvPr/>
                     </p:nvPicPr>
                     <p:blipFill>
-                      <a:blip r:embed="rId4"/>
+                      <a:blip r:embed="rId5"/>
                       <a:stretch>
                         <a:fillRect/>
                       </a:stretch>
@@ -36448,14 +36775,14 @@
             <p:ph sz="quarter" idx="1"/>
             <p:extLst>
               <p:ext uri="{D42A27DB-BD31-4B8C-83A1-F6EECF244321}">
-                <p14:modId xmlns:p14="http://schemas.microsoft.com/office/powerpoint/2010/main" val="370142901"/>
+                <p14:modId xmlns:p14="http://schemas.microsoft.com/office/powerpoint/2010/main" val="2310109017"/>
               </p:ext>
             </p:extLst>
           </p:nvPr>
         </p:nvGraphicFramePr>
         <p:xfrm>
-          <a:off x="827088" y="1557338"/>
-          <a:ext cx="7216844" cy="3312367"/>
+          <a:off x="539552" y="1412776"/>
+          <a:ext cx="7777360" cy="4463950"/>
         </p:xfrm>
         <a:graphic>
           <a:graphicData uri="http://schemas.openxmlformats.org/drawingml/2006/table">
@@ -36464,10 +36791,10 @@
                 <a:tableStyleId>{5C22544A-7EE6-4342-B048-85BDC9FD1C3A}</a:tableStyleId>
               </a:tblPr>
               <a:tblGrid>
-                <a:gridCol w="1897662"/>
-                <a:gridCol w="5319182"/>
+                <a:gridCol w="2045049"/>
+                <a:gridCol w="5732311"/>
               </a:tblGrid>
-              <a:tr h="429283">
+              <a:tr h="498641">
                 <a:tc>
                   <a:txBody>
                     <a:bodyPr/>
@@ -36482,12 +36809,12 @@
                         </a:spcAft>
                       </a:pPr>
                       <a:r>
-                        <a:rPr lang="en-GB" sz="1100" dirty="0">
+                        <a:rPr lang="en-GB" sz="1600" dirty="0">
                           <a:effectLst/>
                         </a:rPr>
                         <a:t>Stakeholder</a:t>
                       </a:r>
-                      <a:endParaRPr lang="en-SG" sz="1100" dirty="0">
+                      <a:endParaRPr lang="en-SG" sz="1600" dirty="0">
                         <a:effectLst/>
                         <a:latin typeface="Times New Roman"/>
                         <a:ea typeface="Times New Roman"/>
@@ -36510,12 +36837,12 @@
                         </a:spcAft>
                       </a:pPr>
                       <a:r>
-                        <a:rPr lang="en-GB" sz="1100">
+                        <a:rPr lang="en-GB" sz="1600">
                           <a:effectLst/>
                         </a:rPr>
                         <a:t>Key Concern</a:t>
                       </a:r>
-                      <a:endParaRPr lang="en-SG" sz="1100">
+                      <a:endParaRPr lang="en-SG" sz="1600">
                         <a:effectLst/>
                         <a:latin typeface="Times New Roman"/>
                         <a:ea typeface="Times New Roman"/>
@@ -36525,7 +36852,7 @@
                   <a:tcPr marL="68580" marR="68580" marT="0" marB="0"/>
                 </a:tc>
               </a:tr>
-              <a:tr h="240257">
+              <a:tr h="283236">
                 <a:tc>
                   <a:txBody>
                     <a:bodyPr/>
@@ -36540,12 +36867,12 @@
                         </a:spcAft>
                       </a:pPr>
                       <a:r>
-                        <a:rPr lang="en-GB" sz="1100">
+                        <a:rPr lang="en-GB" sz="1600">
                           <a:effectLst/>
                         </a:rPr>
                         <a:t>Customer</a:t>
                       </a:r>
-                      <a:endParaRPr lang="en-SG" sz="1100">
+                      <a:endParaRPr lang="en-SG" sz="1600">
                         <a:effectLst/>
                         <a:latin typeface="Times New Roman"/>
                         <a:ea typeface="Times New Roman"/>
@@ -36568,12 +36895,12 @@
                         </a:spcAft>
                       </a:pPr>
                       <a:r>
-                        <a:rPr lang="en-GB" sz="1100">
+                        <a:rPr lang="en-GB" sz="1600">
                           <a:effectLst/>
                         </a:rPr>
                         <a:t>Ability to place order with higher turn around date</a:t>
                       </a:r>
-                      <a:endParaRPr lang="en-SG" sz="1100">
+                      <a:endParaRPr lang="en-SG" sz="1600">
                         <a:effectLst/>
                         <a:latin typeface="Times New Roman"/>
                         <a:ea typeface="Times New Roman"/>
@@ -36583,7 +36910,7 @@
                   <a:tcPr marL="68580" marR="68580" marT="0" marB="0"/>
                 </a:tc>
               </a:tr>
-              <a:tr h="240257">
+              <a:tr h="566473">
                 <a:tc>
                   <a:txBody>
                     <a:bodyPr/>
@@ -36598,12 +36925,12 @@
                         </a:spcAft>
                       </a:pPr>
                       <a:r>
-                        <a:rPr lang="en-GB" sz="1100">
+                        <a:rPr lang="en-GB" sz="1600">
                           <a:effectLst/>
                         </a:rPr>
                         <a:t>CxO</a:t>
                       </a:r>
-                      <a:endParaRPr lang="en-SG" sz="1100">
+                      <a:endParaRPr lang="en-SG" sz="1600">
                         <a:effectLst/>
                         <a:latin typeface="Times New Roman"/>
                         <a:ea typeface="Times New Roman"/>
@@ -36626,12 +36953,12 @@
                         </a:spcAft>
                       </a:pPr>
                       <a:r>
-                        <a:rPr lang="en-GB" sz="1100">
+                        <a:rPr lang="en-GB" sz="1600">
                           <a:effectLst/>
                         </a:rPr>
                         <a:t>Losing sales? Prevent delay of shipment errors, Higher SLA, Cutting cost</a:t>
                       </a:r>
-                      <a:endParaRPr lang="en-SG" sz="1100">
+                      <a:endParaRPr lang="en-SG" sz="1600">
                         <a:effectLst/>
                         <a:latin typeface="Times New Roman"/>
                         <a:ea typeface="Times New Roman"/>
@@ -36641,7 +36968,7 @@
                   <a:tcPr marL="68580" marR="68580" marT="0" marB="0"/>
                 </a:tc>
               </a:tr>
-              <a:tr h="720771">
+              <a:tr h="849709">
                 <a:tc>
                   <a:txBody>
                     <a:bodyPr/>
@@ -36656,12 +36983,12 @@
                         </a:spcAft>
                       </a:pPr>
                       <a:r>
-                        <a:rPr lang="en-GB" sz="1100" dirty="0">
+                        <a:rPr lang="en-GB" sz="1600" dirty="0">
                           <a:effectLst/>
                         </a:rPr>
                         <a:t>Sales Team</a:t>
                       </a:r>
-                      <a:endParaRPr lang="en-SG" sz="1100" dirty="0">
+                      <a:endParaRPr lang="en-SG" sz="1600" dirty="0">
                         <a:effectLst/>
                         <a:latin typeface="Times New Roman"/>
                         <a:ea typeface="Times New Roman"/>
@@ -36684,12 +37011,12 @@
                         </a:spcAft>
                       </a:pPr>
                       <a:r>
-                        <a:rPr lang="en-GB" sz="1100">
+                        <a:rPr lang="en-GB" sz="1600" dirty="0">
                           <a:effectLst/>
                         </a:rPr>
                         <a:t>Real time sales order generation, and faster feedback from RFQ, Improve Up time  for VMS and CMS, at the same time improve customer service level through usage of technology</a:t>
                       </a:r>
-                      <a:endParaRPr lang="en-SG" sz="1100">
+                      <a:endParaRPr lang="en-SG" sz="1600" dirty="0">
                         <a:effectLst/>
                         <a:latin typeface="Times New Roman"/>
                         <a:ea typeface="Times New Roman"/>
@@ -36699,7 +37026,7 @@
                   <a:tcPr marL="68580" marR="68580" marT="0" marB="0"/>
                 </a:tc>
               </a:tr>
-              <a:tr h="480514">
+              <a:tr h="566473">
                 <a:tc>
                   <a:txBody>
                     <a:bodyPr/>
@@ -36714,12 +37041,12 @@
                         </a:spcAft>
                       </a:pPr>
                       <a:r>
-                        <a:rPr lang="en-GB" sz="1100">
+                        <a:rPr lang="en-GB" sz="1600">
                           <a:effectLst/>
                         </a:rPr>
                         <a:t>Order Processing Team</a:t>
                       </a:r>
-                      <a:endParaRPr lang="en-SG" sz="1100">
+                      <a:endParaRPr lang="en-SG" sz="1600">
                         <a:effectLst/>
                         <a:latin typeface="Times New Roman"/>
                         <a:ea typeface="Times New Roman"/>
@@ -36742,12 +37069,12 @@
                         </a:spcAft>
                       </a:pPr>
                       <a:r>
-                        <a:rPr lang="en-GB" sz="1100">
+                        <a:rPr lang="en-GB" sz="1600">
                           <a:effectLst/>
                         </a:rPr>
                         <a:t>To have real time checking on vessel availability and container availability</a:t>
                       </a:r>
-                      <a:endParaRPr lang="en-SG" sz="1100">
+                      <a:endParaRPr lang="en-SG" sz="1600">
                         <a:effectLst/>
                         <a:latin typeface="Times New Roman"/>
                         <a:ea typeface="Times New Roman"/>
@@ -36757,7 +37084,7 @@
                   <a:tcPr marL="68580" marR="68580" marT="0" marB="0"/>
                 </a:tc>
               </a:tr>
-              <a:tr h="480514">
+              <a:tr h="566473">
                 <a:tc>
                   <a:txBody>
                     <a:bodyPr/>
@@ -36772,12 +37099,12 @@
                         </a:spcAft>
                       </a:pPr>
                       <a:r>
-                        <a:rPr lang="en-GB" sz="1100">
+                        <a:rPr lang="en-GB" sz="1600">
                           <a:effectLst/>
                         </a:rPr>
                         <a:t>IT and Operations</a:t>
                       </a:r>
-                      <a:endParaRPr lang="en-SG" sz="1100">
+                      <a:endParaRPr lang="en-SG" sz="1600">
                         <a:effectLst/>
                         <a:latin typeface="Times New Roman"/>
                         <a:ea typeface="Times New Roman"/>
@@ -36800,12 +37127,12 @@
                         </a:spcAft>
                       </a:pPr>
                       <a:r>
-                        <a:rPr lang="en-GB" sz="1100">
+                        <a:rPr lang="en-GB" sz="1600">
                           <a:effectLst/>
                         </a:rPr>
                         <a:t>Sceptical on the investment of the new IT business goals, as they have no confident on the new system and technologies</a:t>
                       </a:r>
-                      <a:endParaRPr lang="en-SG" sz="1100">
+                      <a:endParaRPr lang="en-SG" sz="1600">
                         <a:effectLst/>
                         <a:latin typeface="Times New Roman"/>
                         <a:ea typeface="Times New Roman"/>
@@ -36815,7 +37142,7 @@
                   <a:tcPr marL="68580" marR="68580" marT="0" marB="0"/>
                 </a:tc>
               </a:tr>
-              <a:tr h="720771">
+              <a:tr h="1132945">
                 <a:tc>
                   <a:txBody>
                     <a:bodyPr/>
@@ -36830,12 +37157,12 @@
                         </a:spcAft>
                       </a:pPr>
                       <a:r>
-                        <a:rPr lang="en-GB" sz="1100">
+                        <a:rPr lang="en-GB" sz="1600">
                           <a:effectLst/>
                         </a:rPr>
                         <a:t>Container Management Team</a:t>
                       </a:r>
-                      <a:endParaRPr lang="en-SG" sz="1100">
+                      <a:endParaRPr lang="en-SG" sz="1600">
                         <a:effectLst/>
                         <a:latin typeface="Times New Roman"/>
                         <a:ea typeface="Times New Roman"/>
@@ -36858,12 +37185,12 @@
                         </a:spcAft>
                       </a:pPr>
                       <a:r>
-                        <a:rPr lang="en-GB" sz="1100" dirty="0">
+                        <a:rPr lang="en-GB" sz="1600" dirty="0">
                           <a:effectLst/>
                         </a:rPr>
                         <a:t>To have better recorded network with tow head operator, and hope could improve the efficiency of the local tow head operators. Current operation take too long to query a certain information from local tow head operator</a:t>
                       </a:r>
-                      <a:endParaRPr lang="en-SG" sz="1100" dirty="0">
+                      <a:endParaRPr lang="en-SG" sz="1600" dirty="0">
                         <a:effectLst/>
                         <a:latin typeface="Times New Roman"/>
                         <a:ea typeface="Times New Roman"/>
@@ -37876,7 +38203,7 @@
         </p:nvGraphicFramePr>
         <p:xfrm>
           <a:off x="457200" y="1484784"/>
-          <a:ext cx="8229600" cy="3765012"/>
+          <a:ext cx="8229600" cy="3601944"/>
         </p:xfrm>
         <a:graphic>
           <a:graphicData uri="http://schemas.openxmlformats.org/drawingml/2006/table">
@@ -40350,7 +40677,7 @@
           <a:graphicData uri="http://schemas.openxmlformats.org/presentationml/2006/ole">
             <mc:AlternateContent xmlns:mc="http://schemas.openxmlformats.org/markup-compatibility/2006">
               <mc:Choice xmlns:v="urn:schemas-microsoft-com:vml" Requires="v">
-                <p:oleObj spid="_x0000_s2118" name="Visio" r:id="rId3" imgW="9660374" imgH="6002783" progId="Visio.Drawing.11">
+                <p:oleObj spid="_x0000_s2119" name="Visio" r:id="rId3" imgW="9660374" imgH="6002783" progId="Visio.Drawing.11">
                   <p:embed/>
                 </p:oleObj>
               </mc:Choice>

--- a/Enterprise Architech Presentation.pptx
+++ b/Enterprise Architech Presentation.pptx
@@ -5,7 +5,7 @@
     <p:sldMasterId id="2147483720" r:id="rId1"/>
   </p:sldMasterIdLst>
   <p:notesMasterIdLst>
-    <p:notesMasterId r:id="rId55"/>
+    <p:notesMasterId r:id="rId57"/>
   </p:notesMasterIdLst>
   <p:sldIdLst>
     <p:sldId id="256" r:id="rId2"/>
@@ -51,16 +51,18 @@
     <p:sldId id="294" r:id="rId42"/>
     <p:sldId id="295" r:id="rId43"/>
     <p:sldId id="296" r:id="rId44"/>
-    <p:sldId id="293" r:id="rId45"/>
-    <p:sldId id="266" r:id="rId46"/>
-    <p:sldId id="282" r:id="rId47"/>
-    <p:sldId id="283" r:id="rId48"/>
-    <p:sldId id="299" r:id="rId49"/>
-    <p:sldId id="305" r:id="rId50"/>
-    <p:sldId id="306" r:id="rId51"/>
-    <p:sldId id="307" r:id="rId52"/>
-    <p:sldId id="311" r:id="rId53"/>
-    <p:sldId id="286" r:id="rId54"/>
+    <p:sldId id="314" r:id="rId45"/>
+    <p:sldId id="315" r:id="rId46"/>
+    <p:sldId id="293" r:id="rId47"/>
+    <p:sldId id="266" r:id="rId48"/>
+    <p:sldId id="282" r:id="rId49"/>
+    <p:sldId id="283" r:id="rId50"/>
+    <p:sldId id="299" r:id="rId51"/>
+    <p:sldId id="305" r:id="rId52"/>
+    <p:sldId id="306" r:id="rId53"/>
+    <p:sldId id="307" r:id="rId54"/>
+    <p:sldId id="311" r:id="rId55"/>
+    <p:sldId id="286" r:id="rId56"/>
   </p:sldIdLst>
   <p:sldSz cx="9144000" cy="6858000" type="screen4x3"/>
   <p:notesSz cx="6858000" cy="9144000"/>
@@ -191,7 +193,7 @@
   </p:defaultTextStyle>
   <p:extLst>
     <p:ext uri="{EFAFB233-063F-42B5-8137-9DF3F51BA10A}">
-      <p15:sldGuideLst xmlns:p15="http://schemas.microsoft.com/office/powerpoint/2012/main" xmlns="">
+      <p15:sldGuideLst xmlns="" xmlns:p15="http://schemas.microsoft.com/office/powerpoint/2012/main">
         <p15:guide id="1" orient="horz" pos="2160">
           <p15:clr>
             <a:srgbClr val="A4A3A4"/>
@@ -213,7 +215,7 @@
   <p:cmAuthor id="1" name="User81" initials="U" lastIdx="1" clrIdx="0">
     <p:extLst>
       <p:ext uri="{19B8F6BF-5375-455C-9EA6-DF929625EA0E}">
-        <p15:presenceInfo xmlns:p15="http://schemas.microsoft.com/office/powerpoint/2012/main" xmlns="" userId="User81" providerId="None"/>
+        <p15:presenceInfo xmlns="" xmlns:p15="http://schemas.microsoft.com/office/powerpoint/2012/main" userId="User81" providerId="None"/>
       </p:ext>
     </p:extLst>
   </p:cmAuthor>
@@ -227,7 +229,7 @@
     <p:text/>
     <p:extLst>
       <p:ext uri="{C676402C-5697-4E1C-873F-D02D1690AC5C}">
-        <p15:threadingInfo xmlns:p15="http://schemas.microsoft.com/office/powerpoint/2012/main" xmlns="" timeZoneBias="-480"/>
+        <p15:threadingInfo xmlns="" xmlns:p15="http://schemas.microsoft.com/office/powerpoint/2012/main" timeZoneBias="-480"/>
       </p:ext>
     </p:extLst>
   </p:cm>
@@ -4121,6 +4123,1890 @@
       <dsp:cNvGrpSpPr/>
     </dsp:nvGrpSpPr>
     <dsp:grpSpPr/>
+    <dsp:sp modelId="{AF4AF97C-7901-47FD-8263-E81F2D3AC87B}">
+      <dsp:nvSpPr>
+        <dsp:cNvPr id="0" name=""/>
+        <dsp:cNvSpPr/>
+      </dsp:nvSpPr>
+      <dsp:spPr>
+        <a:xfrm>
+          <a:off x="3706" y="618113"/>
+          <a:ext cx="1620743" cy="972446"/>
+        </a:xfrm>
+        <a:prstGeom prst="roundRect">
+          <a:avLst>
+            <a:gd name="adj" fmla="val 10000"/>
+          </a:avLst>
+        </a:prstGeom>
+        <a:solidFill>
+          <a:schemeClr val="accent1">
+            <a:hueOff val="0"/>
+            <a:satOff val="0"/>
+            <a:lumOff val="0"/>
+            <a:alphaOff val="0"/>
+          </a:schemeClr>
+        </a:solidFill>
+        <a:ln w="19050" cap="flat" cmpd="sng" algn="ctr">
+          <a:solidFill>
+            <a:schemeClr val="lt1">
+              <a:hueOff val="0"/>
+              <a:satOff val="0"/>
+              <a:lumOff val="0"/>
+              <a:alphaOff val="0"/>
+            </a:schemeClr>
+          </a:solidFill>
+          <a:prstDash val="solid"/>
+        </a:ln>
+        <a:effectLst/>
+      </dsp:spPr>
+      <dsp:style>
+        <a:lnRef idx="2">
+          <a:scrgbClr r="0" g="0" b="0"/>
+        </a:lnRef>
+        <a:fillRef idx="1">
+          <a:scrgbClr r="0" g="0" b="0"/>
+        </a:fillRef>
+        <a:effectRef idx="0">
+          <a:scrgbClr r="0" g="0" b="0"/>
+        </a:effectRef>
+        <a:fontRef idx="minor">
+          <a:schemeClr val="lt1"/>
+        </a:fontRef>
+      </dsp:style>
+      <dsp:txBody>
+        <a:bodyPr spcFirstLastPara="0" vert="horz" wrap="square" lIns="38100" tIns="38100" rIns="38100" bIns="38100" numCol="1" spcCol="1270" anchor="t" anchorCtr="0">
+          <a:noAutofit/>
+        </a:bodyPr>
+        <a:lstStyle/>
+        <a:p>
+          <a:pPr lvl="0" algn="l" defTabSz="444500">
+            <a:lnSpc>
+              <a:spcPct val="90000"/>
+            </a:lnSpc>
+            <a:spcBef>
+              <a:spcPct val="0"/>
+            </a:spcBef>
+            <a:spcAft>
+              <a:spcPct val="35000"/>
+            </a:spcAft>
+          </a:pPr>
+          <a:r>
+            <a:rPr lang="en-SG" sz="1000" b="1" kern="1200" dirty="0" smtClean="0"/>
+            <a:t>Raise Architecture Review Request</a:t>
+          </a:r>
+          <a:endParaRPr lang="en-SG" sz="1000" b="1" kern="1200" dirty="0"/>
+        </a:p>
+        <a:p>
+          <a:pPr marL="57150" lvl="1" indent="-57150" algn="l" defTabSz="355600">
+            <a:lnSpc>
+              <a:spcPct val="90000"/>
+            </a:lnSpc>
+            <a:spcBef>
+              <a:spcPct val="0"/>
+            </a:spcBef>
+            <a:spcAft>
+              <a:spcPct val="15000"/>
+            </a:spcAft>
+            <a:buChar char="••"/>
+          </a:pPr>
+          <a:r>
+            <a:rPr lang="en-SG" sz="800" kern="1200" dirty="0" smtClean="0"/>
+            <a:t>Mandated by Architecture Board Policies</a:t>
+          </a:r>
+          <a:endParaRPr lang="en-SG" sz="800" kern="1200" dirty="0"/>
+        </a:p>
+      </dsp:txBody>
+      <dsp:txXfrm>
+        <a:off x="32188" y="646595"/>
+        <a:ext cx="1563779" cy="915482"/>
+      </dsp:txXfrm>
+    </dsp:sp>
+    <dsp:sp modelId="{BDD798C9-1337-4333-A2A2-EAFE709D345C}">
+      <dsp:nvSpPr>
+        <dsp:cNvPr id="0" name=""/>
+        <dsp:cNvSpPr/>
+      </dsp:nvSpPr>
+      <dsp:spPr>
+        <a:xfrm>
+          <a:off x="1767075" y="903364"/>
+          <a:ext cx="343597" cy="401944"/>
+        </a:xfrm>
+        <a:prstGeom prst="rightArrow">
+          <a:avLst>
+            <a:gd name="adj1" fmla="val 60000"/>
+            <a:gd name="adj2" fmla="val 50000"/>
+          </a:avLst>
+        </a:prstGeom>
+        <a:solidFill>
+          <a:schemeClr val="accent1">
+            <a:tint val="60000"/>
+            <a:hueOff val="0"/>
+            <a:satOff val="0"/>
+            <a:lumOff val="0"/>
+            <a:alphaOff val="0"/>
+          </a:schemeClr>
+        </a:solidFill>
+        <a:ln>
+          <a:noFill/>
+        </a:ln>
+        <a:effectLst/>
+      </dsp:spPr>
+      <dsp:style>
+        <a:lnRef idx="0">
+          <a:scrgbClr r="0" g="0" b="0"/>
+        </a:lnRef>
+        <a:fillRef idx="1">
+          <a:scrgbClr r="0" g="0" b="0"/>
+        </a:fillRef>
+        <a:effectRef idx="0">
+          <a:scrgbClr r="0" g="0" b="0"/>
+        </a:effectRef>
+        <a:fontRef idx="minor">
+          <a:schemeClr val="lt1"/>
+        </a:fontRef>
+      </dsp:style>
+      <dsp:txBody>
+        <a:bodyPr spcFirstLastPara="0" vert="horz" wrap="square" lIns="0" tIns="0" rIns="0" bIns="0" numCol="1" spcCol="1270" anchor="ctr" anchorCtr="0">
+          <a:noAutofit/>
+        </a:bodyPr>
+        <a:lstStyle/>
+        <a:p>
+          <a:pPr lvl="0" algn="ctr" defTabSz="400050">
+            <a:lnSpc>
+              <a:spcPct val="90000"/>
+            </a:lnSpc>
+            <a:spcBef>
+              <a:spcPct val="0"/>
+            </a:spcBef>
+            <a:spcAft>
+              <a:spcPct val="35000"/>
+            </a:spcAft>
+          </a:pPr>
+          <a:endParaRPr lang="en-SG" sz="900" kern="1200"/>
+        </a:p>
+      </dsp:txBody>
+      <dsp:txXfrm>
+        <a:off x="1767075" y="983753"/>
+        <a:ext cx="240518" cy="241166"/>
+      </dsp:txXfrm>
+    </dsp:sp>
+    <dsp:sp modelId="{3EDC1076-9DA9-4D3B-8EDC-E06622C16B09}">
+      <dsp:nvSpPr>
+        <dsp:cNvPr id="0" name=""/>
+        <dsp:cNvSpPr/>
+      </dsp:nvSpPr>
+      <dsp:spPr>
+        <a:xfrm>
+          <a:off x="2272747" y="618113"/>
+          <a:ext cx="1620743" cy="972446"/>
+        </a:xfrm>
+        <a:prstGeom prst="roundRect">
+          <a:avLst>
+            <a:gd name="adj" fmla="val 10000"/>
+          </a:avLst>
+        </a:prstGeom>
+        <a:solidFill>
+          <a:schemeClr val="accent1">
+            <a:hueOff val="0"/>
+            <a:satOff val="0"/>
+            <a:lumOff val="0"/>
+            <a:alphaOff val="0"/>
+          </a:schemeClr>
+        </a:solidFill>
+        <a:ln w="19050" cap="flat" cmpd="sng" algn="ctr">
+          <a:solidFill>
+            <a:schemeClr val="lt1">
+              <a:hueOff val="0"/>
+              <a:satOff val="0"/>
+              <a:lumOff val="0"/>
+              <a:alphaOff val="0"/>
+            </a:schemeClr>
+          </a:solidFill>
+          <a:prstDash val="solid"/>
+        </a:ln>
+        <a:effectLst/>
+      </dsp:spPr>
+      <dsp:style>
+        <a:lnRef idx="2">
+          <a:scrgbClr r="0" g="0" b="0"/>
+        </a:lnRef>
+        <a:fillRef idx="1">
+          <a:scrgbClr r="0" g="0" b="0"/>
+        </a:fillRef>
+        <a:effectRef idx="0">
+          <a:scrgbClr r="0" g="0" b="0"/>
+        </a:effectRef>
+        <a:fontRef idx="minor">
+          <a:schemeClr val="lt1"/>
+        </a:fontRef>
+      </dsp:style>
+      <dsp:txBody>
+        <a:bodyPr spcFirstLastPara="0" vert="horz" wrap="square" lIns="38100" tIns="38100" rIns="38100" bIns="38100" numCol="1" spcCol="1270" anchor="t" anchorCtr="0">
+          <a:noAutofit/>
+        </a:bodyPr>
+        <a:lstStyle/>
+        <a:p>
+          <a:pPr lvl="0" algn="l" defTabSz="444500">
+            <a:lnSpc>
+              <a:spcPct val="90000"/>
+            </a:lnSpc>
+            <a:spcBef>
+              <a:spcPct val="0"/>
+            </a:spcBef>
+            <a:spcAft>
+              <a:spcPct val="35000"/>
+            </a:spcAft>
+          </a:pPr>
+          <a:r>
+            <a:rPr lang="en-SG" sz="1000" b="1" kern="1200" dirty="0" smtClean="0"/>
+            <a:t>Identify Responsible Organization</a:t>
+          </a:r>
+          <a:endParaRPr lang="en-SG" sz="1000" b="1" kern="1200" dirty="0"/>
+        </a:p>
+        <a:p>
+          <a:pPr marL="57150" lvl="1" indent="-57150" algn="l" defTabSz="355600">
+            <a:lnSpc>
+              <a:spcPct val="90000"/>
+            </a:lnSpc>
+            <a:spcBef>
+              <a:spcPct val="0"/>
+            </a:spcBef>
+            <a:spcAft>
+              <a:spcPct val="15000"/>
+            </a:spcAft>
+            <a:buChar char="••"/>
+          </a:pPr>
+          <a:r>
+            <a:rPr lang="en-SG" sz="800" kern="1200" dirty="0" smtClean="0"/>
+            <a:t>Architecture Review Coordinator: </a:t>
+          </a:r>
+          <a:br>
+            <a:rPr lang="en-SG" sz="800" kern="1200" dirty="0" smtClean="0"/>
+          </a:br>
+          <a:r>
+            <a:rPr lang="en-SG" sz="800" kern="1200" dirty="0" smtClean="0"/>
+            <a:t>1) Identify responsible department </a:t>
+          </a:r>
+          <a:br>
+            <a:rPr lang="en-SG" sz="800" kern="1200" dirty="0" smtClean="0"/>
+          </a:br>
+          <a:r>
+            <a:rPr lang="en-SG" sz="800" kern="1200" dirty="0" smtClean="0"/>
+            <a:t>2) Identify project principal</a:t>
+          </a:r>
+          <a:endParaRPr lang="en-SG" sz="800" kern="1200" dirty="0"/>
+        </a:p>
+      </dsp:txBody>
+      <dsp:txXfrm>
+        <a:off x="2301229" y="646595"/>
+        <a:ext cx="1563779" cy="915482"/>
+      </dsp:txXfrm>
+    </dsp:sp>
+    <dsp:sp modelId="{CF68994B-313F-4B97-BBED-0A71347F43FD}">
+      <dsp:nvSpPr>
+        <dsp:cNvPr id="0" name=""/>
+        <dsp:cNvSpPr/>
+      </dsp:nvSpPr>
+      <dsp:spPr>
+        <a:xfrm>
+          <a:off x="4036116" y="903364"/>
+          <a:ext cx="343597" cy="401944"/>
+        </a:xfrm>
+        <a:prstGeom prst="rightArrow">
+          <a:avLst>
+            <a:gd name="adj1" fmla="val 60000"/>
+            <a:gd name="adj2" fmla="val 50000"/>
+          </a:avLst>
+        </a:prstGeom>
+        <a:solidFill>
+          <a:schemeClr val="accent1">
+            <a:tint val="60000"/>
+            <a:hueOff val="0"/>
+            <a:satOff val="0"/>
+            <a:lumOff val="0"/>
+            <a:alphaOff val="0"/>
+          </a:schemeClr>
+        </a:solidFill>
+        <a:ln>
+          <a:noFill/>
+        </a:ln>
+        <a:effectLst/>
+      </dsp:spPr>
+      <dsp:style>
+        <a:lnRef idx="0">
+          <a:scrgbClr r="0" g="0" b="0"/>
+        </a:lnRef>
+        <a:fillRef idx="1">
+          <a:scrgbClr r="0" g="0" b="0"/>
+        </a:fillRef>
+        <a:effectRef idx="0">
+          <a:scrgbClr r="0" g="0" b="0"/>
+        </a:effectRef>
+        <a:fontRef idx="minor">
+          <a:schemeClr val="lt1"/>
+        </a:fontRef>
+      </dsp:style>
+      <dsp:txBody>
+        <a:bodyPr spcFirstLastPara="0" vert="horz" wrap="square" lIns="0" tIns="0" rIns="0" bIns="0" numCol="1" spcCol="1270" anchor="ctr" anchorCtr="0">
+          <a:noAutofit/>
+        </a:bodyPr>
+        <a:lstStyle/>
+        <a:p>
+          <a:pPr lvl="0" algn="ctr" defTabSz="400050">
+            <a:lnSpc>
+              <a:spcPct val="90000"/>
+            </a:lnSpc>
+            <a:spcBef>
+              <a:spcPct val="0"/>
+            </a:spcBef>
+            <a:spcAft>
+              <a:spcPct val="35000"/>
+            </a:spcAft>
+          </a:pPr>
+          <a:endParaRPr lang="en-SG" sz="900" kern="1200"/>
+        </a:p>
+      </dsp:txBody>
+      <dsp:txXfrm>
+        <a:off x="4036116" y="983753"/>
+        <a:ext cx="240518" cy="241166"/>
+      </dsp:txXfrm>
+    </dsp:sp>
+    <dsp:sp modelId="{981A6D3C-885E-4950-9CE5-080CB68683F6}">
+      <dsp:nvSpPr>
+        <dsp:cNvPr id="0" name=""/>
+        <dsp:cNvSpPr/>
+      </dsp:nvSpPr>
+      <dsp:spPr>
+        <a:xfrm>
+          <a:off x="4541788" y="618113"/>
+          <a:ext cx="1620743" cy="972446"/>
+        </a:xfrm>
+        <a:prstGeom prst="roundRect">
+          <a:avLst>
+            <a:gd name="adj" fmla="val 10000"/>
+          </a:avLst>
+        </a:prstGeom>
+        <a:solidFill>
+          <a:schemeClr val="accent1">
+            <a:hueOff val="0"/>
+            <a:satOff val="0"/>
+            <a:lumOff val="0"/>
+            <a:alphaOff val="0"/>
+          </a:schemeClr>
+        </a:solidFill>
+        <a:ln w="19050" cap="flat" cmpd="sng" algn="ctr">
+          <a:solidFill>
+            <a:schemeClr val="lt1">
+              <a:hueOff val="0"/>
+              <a:satOff val="0"/>
+              <a:lumOff val="0"/>
+              <a:alphaOff val="0"/>
+            </a:schemeClr>
+          </a:solidFill>
+          <a:prstDash val="solid"/>
+        </a:ln>
+        <a:effectLst/>
+      </dsp:spPr>
+      <dsp:style>
+        <a:lnRef idx="2">
+          <a:scrgbClr r="0" g="0" b="0"/>
+        </a:lnRef>
+        <a:fillRef idx="1">
+          <a:scrgbClr r="0" g="0" b="0"/>
+        </a:fillRef>
+        <a:effectRef idx="0">
+          <a:scrgbClr r="0" g="0" b="0"/>
+        </a:effectRef>
+        <a:fontRef idx="minor">
+          <a:schemeClr val="lt1"/>
+        </a:fontRef>
+      </dsp:style>
+      <dsp:txBody>
+        <a:bodyPr spcFirstLastPara="0" vert="horz" wrap="square" lIns="38100" tIns="38100" rIns="38100" bIns="38100" numCol="1" spcCol="1270" anchor="t" anchorCtr="0">
+          <a:noAutofit/>
+        </a:bodyPr>
+        <a:lstStyle/>
+        <a:p>
+          <a:pPr lvl="0" algn="l" defTabSz="444500">
+            <a:lnSpc>
+              <a:spcPct val="90000"/>
+            </a:lnSpc>
+            <a:spcBef>
+              <a:spcPct val="0"/>
+            </a:spcBef>
+            <a:spcAft>
+              <a:spcPct val="35000"/>
+            </a:spcAft>
+          </a:pPr>
+          <a:r>
+            <a:rPr lang="en-SG" sz="1000" b="1" kern="1200" dirty="0" smtClean="0"/>
+            <a:t>Identify Lead Architect (From Solution Architects)</a:t>
+          </a:r>
+          <a:endParaRPr lang="en-SG" sz="1000" b="1" kern="1200" dirty="0"/>
+        </a:p>
+        <a:p>
+          <a:pPr marL="57150" lvl="1" indent="-57150" algn="l" defTabSz="355600">
+            <a:lnSpc>
+              <a:spcPct val="90000"/>
+            </a:lnSpc>
+            <a:spcBef>
+              <a:spcPct val="0"/>
+            </a:spcBef>
+            <a:spcAft>
+              <a:spcPct val="15000"/>
+            </a:spcAft>
+            <a:buChar char="••"/>
+          </a:pPr>
+          <a:r>
+            <a:rPr lang="en-SG" sz="800" b="0" kern="1200" dirty="0" smtClean="0"/>
+            <a:t>Architecture Review Coordinator</a:t>
+          </a:r>
+          <a:endParaRPr lang="en-SG" sz="800" b="0" kern="1200" dirty="0"/>
+        </a:p>
+      </dsp:txBody>
+      <dsp:txXfrm>
+        <a:off x="4570270" y="646595"/>
+        <a:ext cx="1563779" cy="915482"/>
+      </dsp:txXfrm>
+    </dsp:sp>
+    <dsp:sp modelId="{8758A5F0-B30F-4244-9AC6-FF6BC7836429}">
+      <dsp:nvSpPr>
+        <dsp:cNvPr id="0" name=""/>
+        <dsp:cNvSpPr/>
+      </dsp:nvSpPr>
+      <dsp:spPr>
+        <a:xfrm>
+          <a:off x="6305157" y="903364"/>
+          <a:ext cx="343597" cy="401944"/>
+        </a:xfrm>
+        <a:prstGeom prst="rightArrow">
+          <a:avLst>
+            <a:gd name="adj1" fmla="val 60000"/>
+            <a:gd name="adj2" fmla="val 50000"/>
+          </a:avLst>
+        </a:prstGeom>
+        <a:solidFill>
+          <a:schemeClr val="accent1">
+            <a:tint val="60000"/>
+            <a:hueOff val="0"/>
+            <a:satOff val="0"/>
+            <a:lumOff val="0"/>
+            <a:alphaOff val="0"/>
+          </a:schemeClr>
+        </a:solidFill>
+        <a:ln>
+          <a:noFill/>
+        </a:ln>
+        <a:effectLst/>
+      </dsp:spPr>
+      <dsp:style>
+        <a:lnRef idx="0">
+          <a:scrgbClr r="0" g="0" b="0"/>
+        </a:lnRef>
+        <a:fillRef idx="1">
+          <a:scrgbClr r="0" g="0" b="0"/>
+        </a:fillRef>
+        <a:effectRef idx="0">
+          <a:scrgbClr r="0" g="0" b="0"/>
+        </a:effectRef>
+        <a:fontRef idx="minor">
+          <a:schemeClr val="lt1"/>
+        </a:fontRef>
+      </dsp:style>
+      <dsp:txBody>
+        <a:bodyPr spcFirstLastPara="0" vert="horz" wrap="square" lIns="0" tIns="0" rIns="0" bIns="0" numCol="1" spcCol="1270" anchor="ctr" anchorCtr="0">
+          <a:noAutofit/>
+        </a:bodyPr>
+        <a:lstStyle/>
+        <a:p>
+          <a:pPr lvl="0" algn="ctr" defTabSz="800100">
+            <a:lnSpc>
+              <a:spcPct val="90000"/>
+            </a:lnSpc>
+            <a:spcBef>
+              <a:spcPct val="0"/>
+            </a:spcBef>
+            <a:spcAft>
+              <a:spcPct val="35000"/>
+            </a:spcAft>
+          </a:pPr>
+          <a:endParaRPr lang="en-SG" sz="1800" kern="1200"/>
+        </a:p>
+      </dsp:txBody>
+      <dsp:txXfrm>
+        <a:off x="6305157" y="983753"/>
+        <a:ext cx="240518" cy="241166"/>
+      </dsp:txXfrm>
+    </dsp:sp>
+    <dsp:sp modelId="{C0E22C63-F7FF-4110-B9DF-E56AB14F887A}">
+      <dsp:nvSpPr>
+        <dsp:cNvPr id="0" name=""/>
+        <dsp:cNvSpPr/>
+      </dsp:nvSpPr>
+      <dsp:spPr>
+        <a:xfrm>
+          <a:off x="6810829" y="618113"/>
+          <a:ext cx="1620743" cy="972446"/>
+        </a:xfrm>
+        <a:prstGeom prst="roundRect">
+          <a:avLst>
+            <a:gd name="adj" fmla="val 10000"/>
+          </a:avLst>
+        </a:prstGeom>
+        <a:solidFill>
+          <a:schemeClr val="accent1">
+            <a:hueOff val="0"/>
+            <a:satOff val="0"/>
+            <a:lumOff val="0"/>
+            <a:alphaOff val="0"/>
+          </a:schemeClr>
+        </a:solidFill>
+        <a:ln w="19050" cap="flat" cmpd="sng" algn="ctr">
+          <a:solidFill>
+            <a:schemeClr val="lt1">
+              <a:hueOff val="0"/>
+              <a:satOff val="0"/>
+              <a:lumOff val="0"/>
+              <a:alphaOff val="0"/>
+            </a:schemeClr>
+          </a:solidFill>
+          <a:prstDash val="solid"/>
+        </a:ln>
+        <a:effectLst/>
+      </dsp:spPr>
+      <dsp:style>
+        <a:lnRef idx="2">
+          <a:scrgbClr r="0" g="0" b="0"/>
+        </a:lnRef>
+        <a:fillRef idx="1">
+          <a:scrgbClr r="0" g="0" b="0"/>
+        </a:fillRef>
+        <a:effectRef idx="0">
+          <a:scrgbClr r="0" g="0" b="0"/>
+        </a:effectRef>
+        <a:fontRef idx="minor">
+          <a:schemeClr val="lt1"/>
+        </a:fontRef>
+      </dsp:style>
+      <dsp:txBody>
+        <a:bodyPr spcFirstLastPara="0" vert="horz" wrap="square" lIns="38100" tIns="38100" rIns="38100" bIns="38100" numCol="1" spcCol="1270" anchor="t" anchorCtr="0">
+          <a:noAutofit/>
+        </a:bodyPr>
+        <a:lstStyle/>
+        <a:p>
+          <a:pPr lvl="0" algn="l" defTabSz="444500">
+            <a:lnSpc>
+              <a:spcPct val="90000"/>
+            </a:lnSpc>
+            <a:spcBef>
+              <a:spcPct val="0"/>
+            </a:spcBef>
+            <a:spcAft>
+              <a:spcPct val="35000"/>
+            </a:spcAft>
+          </a:pPr>
+          <a:r>
+            <a:rPr lang="en-SG" sz="1000" b="1" kern="1200" dirty="0" smtClean="0"/>
+            <a:t>Determine Scope of Review</a:t>
+          </a:r>
+          <a:endParaRPr lang="en-SG" sz="1000" b="1" kern="1200" dirty="0"/>
+        </a:p>
+        <a:p>
+          <a:pPr marL="57150" lvl="1" indent="-57150" algn="l" defTabSz="355600">
+            <a:lnSpc>
+              <a:spcPct val="90000"/>
+            </a:lnSpc>
+            <a:spcBef>
+              <a:spcPct val="0"/>
+            </a:spcBef>
+            <a:spcAft>
+              <a:spcPct val="15000"/>
+            </a:spcAft>
+            <a:buChar char="••"/>
+          </a:pPr>
+          <a:r>
+            <a:rPr lang="en-SG" sz="800" kern="1200" dirty="0" smtClean="0"/>
+            <a:t>Architecture Review Coordinator:</a:t>
+          </a:r>
+          <a:br>
+            <a:rPr lang="en-SG" sz="800" kern="1200" dirty="0" smtClean="0"/>
+          </a:br>
+          <a:r>
+            <a:rPr lang="en-SG" sz="800" kern="1200" dirty="0" smtClean="0"/>
+            <a:t>1) Identify other departments involved</a:t>
+          </a:r>
+          <a:br>
+            <a:rPr lang="en-SG" sz="800" kern="1200" dirty="0" smtClean="0"/>
+          </a:br>
+          <a:r>
+            <a:rPr lang="en-SG" sz="800" kern="1200" dirty="0" smtClean="0"/>
+            <a:t>2) Understand where system fits in corporate framework</a:t>
+          </a:r>
+          <a:endParaRPr lang="en-SG" sz="800" kern="1200" dirty="0"/>
+        </a:p>
+      </dsp:txBody>
+      <dsp:txXfrm>
+        <a:off x="6839311" y="646595"/>
+        <a:ext cx="1563779" cy="915482"/>
+      </dsp:txXfrm>
+    </dsp:sp>
+    <dsp:sp modelId="{3FDD5D8E-B541-4DC6-AA5D-7BA8841A1266}">
+      <dsp:nvSpPr>
+        <dsp:cNvPr id="0" name=""/>
+        <dsp:cNvSpPr/>
+      </dsp:nvSpPr>
+      <dsp:spPr>
+        <a:xfrm rot="5400000">
+          <a:off x="7449402" y="1704011"/>
+          <a:ext cx="343597" cy="401944"/>
+        </a:xfrm>
+        <a:prstGeom prst="rightArrow">
+          <a:avLst>
+            <a:gd name="adj1" fmla="val 60000"/>
+            <a:gd name="adj2" fmla="val 50000"/>
+          </a:avLst>
+        </a:prstGeom>
+        <a:solidFill>
+          <a:schemeClr val="accent1">
+            <a:tint val="60000"/>
+            <a:hueOff val="0"/>
+            <a:satOff val="0"/>
+            <a:lumOff val="0"/>
+            <a:alphaOff val="0"/>
+          </a:schemeClr>
+        </a:solidFill>
+        <a:ln>
+          <a:noFill/>
+        </a:ln>
+        <a:effectLst/>
+      </dsp:spPr>
+      <dsp:style>
+        <a:lnRef idx="0">
+          <a:scrgbClr r="0" g="0" b="0"/>
+        </a:lnRef>
+        <a:fillRef idx="1">
+          <a:scrgbClr r="0" g="0" b="0"/>
+        </a:fillRef>
+        <a:effectRef idx="0">
+          <a:scrgbClr r="0" g="0" b="0"/>
+        </a:effectRef>
+        <a:fontRef idx="minor">
+          <a:schemeClr val="lt1"/>
+        </a:fontRef>
+      </dsp:style>
+      <dsp:txBody>
+        <a:bodyPr spcFirstLastPara="0" vert="horz" wrap="square" lIns="0" tIns="0" rIns="0" bIns="0" numCol="1" spcCol="1270" anchor="ctr" anchorCtr="0">
+          <a:noAutofit/>
+        </a:bodyPr>
+        <a:lstStyle/>
+        <a:p>
+          <a:pPr lvl="0" algn="ctr" defTabSz="400050">
+            <a:lnSpc>
+              <a:spcPct val="90000"/>
+            </a:lnSpc>
+            <a:spcBef>
+              <a:spcPct val="0"/>
+            </a:spcBef>
+            <a:spcAft>
+              <a:spcPct val="35000"/>
+            </a:spcAft>
+          </a:pPr>
+          <a:endParaRPr lang="en-SG" sz="900" kern="1200"/>
+        </a:p>
+      </dsp:txBody>
+      <dsp:txXfrm rot="-5400000">
+        <a:off x="7500618" y="1733185"/>
+        <a:ext cx="241166" cy="240518"/>
+      </dsp:txXfrm>
+    </dsp:sp>
+    <dsp:sp modelId="{AB821519-1C83-4734-A03C-650629DC546F}">
+      <dsp:nvSpPr>
+        <dsp:cNvPr id="0" name=""/>
+        <dsp:cNvSpPr/>
+      </dsp:nvSpPr>
+      <dsp:spPr>
+        <a:xfrm>
+          <a:off x="6810829" y="2238856"/>
+          <a:ext cx="1620743" cy="972446"/>
+        </a:xfrm>
+        <a:prstGeom prst="roundRect">
+          <a:avLst>
+            <a:gd name="adj" fmla="val 10000"/>
+          </a:avLst>
+        </a:prstGeom>
+        <a:solidFill>
+          <a:schemeClr val="accent1">
+            <a:hueOff val="0"/>
+            <a:satOff val="0"/>
+            <a:lumOff val="0"/>
+            <a:alphaOff val="0"/>
+          </a:schemeClr>
+        </a:solidFill>
+        <a:ln w="19050" cap="flat" cmpd="sng" algn="ctr">
+          <a:solidFill>
+            <a:schemeClr val="lt1">
+              <a:hueOff val="0"/>
+              <a:satOff val="0"/>
+              <a:lumOff val="0"/>
+              <a:alphaOff val="0"/>
+            </a:schemeClr>
+          </a:solidFill>
+          <a:prstDash val="solid"/>
+        </a:ln>
+        <a:effectLst/>
+      </dsp:spPr>
+      <dsp:style>
+        <a:lnRef idx="2">
+          <a:scrgbClr r="0" g="0" b="0"/>
+        </a:lnRef>
+        <a:fillRef idx="1">
+          <a:scrgbClr r="0" g="0" b="0"/>
+        </a:fillRef>
+        <a:effectRef idx="0">
+          <a:scrgbClr r="0" g="0" b="0"/>
+        </a:effectRef>
+        <a:fontRef idx="minor">
+          <a:schemeClr val="lt1"/>
+        </a:fontRef>
+      </dsp:style>
+      <dsp:txBody>
+        <a:bodyPr spcFirstLastPara="0" vert="horz" wrap="square" lIns="38100" tIns="38100" rIns="38100" bIns="38100" numCol="1" spcCol="1270" anchor="t" anchorCtr="0">
+          <a:noAutofit/>
+        </a:bodyPr>
+        <a:lstStyle/>
+        <a:p>
+          <a:pPr lvl="0" algn="l" defTabSz="444500">
+            <a:lnSpc>
+              <a:spcPct val="90000"/>
+            </a:lnSpc>
+            <a:spcBef>
+              <a:spcPct val="0"/>
+            </a:spcBef>
+            <a:spcAft>
+              <a:spcPct val="35000"/>
+            </a:spcAft>
+          </a:pPr>
+          <a:r>
+            <a:rPr lang="en-SG" sz="1000" b="1" kern="1200" dirty="0" smtClean="0"/>
+            <a:t>Tailor Checklists</a:t>
+          </a:r>
+          <a:endParaRPr lang="en-SG" sz="1000" b="1" kern="1200" dirty="0"/>
+        </a:p>
+        <a:p>
+          <a:pPr marL="57150" lvl="1" indent="-57150" algn="l" defTabSz="355600">
+            <a:lnSpc>
+              <a:spcPct val="90000"/>
+            </a:lnSpc>
+            <a:spcBef>
+              <a:spcPct val="0"/>
+            </a:spcBef>
+            <a:spcAft>
+              <a:spcPct val="15000"/>
+            </a:spcAft>
+            <a:buChar char="••"/>
+          </a:pPr>
+          <a:r>
+            <a:rPr lang="en-SG" sz="800" kern="1200" dirty="0" smtClean="0"/>
+            <a:t>Lead Architect:</a:t>
+          </a:r>
+          <a:br>
+            <a:rPr lang="en-SG" sz="800" kern="1200" dirty="0" smtClean="0"/>
+          </a:br>
+          <a:r>
+            <a:rPr lang="en-SG" sz="800" kern="1200" dirty="0" smtClean="0"/>
+            <a:t>1) Determine appropriate checklist questions</a:t>
+          </a:r>
+          <a:endParaRPr lang="en-SG" sz="800" kern="1200" dirty="0"/>
+        </a:p>
+      </dsp:txBody>
+      <dsp:txXfrm>
+        <a:off x="6839311" y="2267338"/>
+        <a:ext cx="1563779" cy="915482"/>
+      </dsp:txXfrm>
+    </dsp:sp>
+    <dsp:sp modelId="{48429A23-EECE-43CA-BCB7-F68C99EDB06B}">
+      <dsp:nvSpPr>
+        <dsp:cNvPr id="0" name=""/>
+        <dsp:cNvSpPr/>
+      </dsp:nvSpPr>
+      <dsp:spPr>
+        <a:xfrm rot="10800000">
+          <a:off x="6324606" y="2524107"/>
+          <a:ext cx="343597" cy="401944"/>
+        </a:xfrm>
+        <a:prstGeom prst="rightArrow">
+          <a:avLst>
+            <a:gd name="adj1" fmla="val 60000"/>
+            <a:gd name="adj2" fmla="val 50000"/>
+          </a:avLst>
+        </a:prstGeom>
+        <a:solidFill>
+          <a:schemeClr val="accent1">
+            <a:tint val="60000"/>
+            <a:hueOff val="0"/>
+            <a:satOff val="0"/>
+            <a:lumOff val="0"/>
+            <a:alphaOff val="0"/>
+          </a:schemeClr>
+        </a:solidFill>
+        <a:ln>
+          <a:noFill/>
+        </a:ln>
+        <a:effectLst/>
+      </dsp:spPr>
+      <dsp:style>
+        <a:lnRef idx="0">
+          <a:scrgbClr r="0" g="0" b="0"/>
+        </a:lnRef>
+        <a:fillRef idx="1">
+          <a:scrgbClr r="0" g="0" b="0"/>
+        </a:fillRef>
+        <a:effectRef idx="0">
+          <a:scrgbClr r="0" g="0" b="0"/>
+        </a:effectRef>
+        <a:fontRef idx="minor">
+          <a:schemeClr val="lt1"/>
+        </a:fontRef>
+      </dsp:style>
+      <dsp:txBody>
+        <a:bodyPr spcFirstLastPara="0" vert="horz" wrap="square" lIns="0" tIns="0" rIns="0" bIns="0" numCol="1" spcCol="1270" anchor="ctr" anchorCtr="0">
+          <a:noAutofit/>
+        </a:bodyPr>
+        <a:lstStyle/>
+        <a:p>
+          <a:pPr lvl="0" algn="ctr" defTabSz="400050">
+            <a:lnSpc>
+              <a:spcPct val="90000"/>
+            </a:lnSpc>
+            <a:spcBef>
+              <a:spcPct val="0"/>
+            </a:spcBef>
+            <a:spcAft>
+              <a:spcPct val="35000"/>
+            </a:spcAft>
+          </a:pPr>
+          <a:endParaRPr lang="en-SG" sz="900" kern="1200"/>
+        </a:p>
+      </dsp:txBody>
+      <dsp:txXfrm rot="10800000">
+        <a:off x="6427685" y="2604496"/>
+        <a:ext cx="240518" cy="241166"/>
+      </dsp:txXfrm>
+    </dsp:sp>
+    <dsp:sp modelId="{91AF37EC-4C73-473F-9B9C-271B1E931ABF}">
+      <dsp:nvSpPr>
+        <dsp:cNvPr id="0" name=""/>
+        <dsp:cNvSpPr/>
+      </dsp:nvSpPr>
+      <dsp:spPr>
+        <a:xfrm>
+          <a:off x="4541788" y="2238856"/>
+          <a:ext cx="1620743" cy="972446"/>
+        </a:xfrm>
+        <a:prstGeom prst="roundRect">
+          <a:avLst>
+            <a:gd name="adj" fmla="val 10000"/>
+          </a:avLst>
+        </a:prstGeom>
+        <a:solidFill>
+          <a:schemeClr val="accent1">
+            <a:hueOff val="0"/>
+            <a:satOff val="0"/>
+            <a:lumOff val="0"/>
+            <a:alphaOff val="0"/>
+          </a:schemeClr>
+        </a:solidFill>
+        <a:ln w="19050" cap="flat" cmpd="sng" algn="ctr">
+          <a:solidFill>
+            <a:schemeClr val="lt1">
+              <a:hueOff val="0"/>
+              <a:satOff val="0"/>
+              <a:lumOff val="0"/>
+              <a:alphaOff val="0"/>
+            </a:schemeClr>
+          </a:solidFill>
+          <a:prstDash val="solid"/>
+        </a:ln>
+        <a:effectLst/>
+      </dsp:spPr>
+      <dsp:style>
+        <a:lnRef idx="2">
+          <a:scrgbClr r="0" g="0" b="0"/>
+        </a:lnRef>
+        <a:fillRef idx="1">
+          <a:scrgbClr r="0" g="0" b="0"/>
+        </a:fillRef>
+        <a:effectRef idx="0">
+          <a:scrgbClr r="0" g="0" b="0"/>
+        </a:effectRef>
+        <a:fontRef idx="minor">
+          <a:schemeClr val="lt1"/>
+        </a:fontRef>
+      </dsp:style>
+      <dsp:txBody>
+        <a:bodyPr spcFirstLastPara="0" vert="horz" wrap="square" lIns="38100" tIns="38100" rIns="38100" bIns="38100" numCol="1" spcCol="1270" anchor="t" anchorCtr="0">
+          <a:noAutofit/>
+        </a:bodyPr>
+        <a:lstStyle/>
+        <a:p>
+          <a:pPr lvl="0" algn="l" defTabSz="444500">
+            <a:lnSpc>
+              <a:spcPct val="90000"/>
+            </a:lnSpc>
+            <a:spcBef>
+              <a:spcPct val="0"/>
+            </a:spcBef>
+            <a:spcAft>
+              <a:spcPct val="35000"/>
+            </a:spcAft>
+          </a:pPr>
+          <a:r>
+            <a:rPr lang="en-SG" sz="1000" b="1" kern="1200" dirty="0" smtClean="0"/>
+            <a:t>Schedule Architecture Review Meeting</a:t>
+          </a:r>
+          <a:endParaRPr lang="en-SG" sz="1000" b="1" kern="1200" dirty="0"/>
+        </a:p>
+        <a:p>
+          <a:pPr marL="57150" lvl="1" indent="-57150" algn="l" defTabSz="355600">
+            <a:lnSpc>
+              <a:spcPct val="90000"/>
+            </a:lnSpc>
+            <a:spcBef>
+              <a:spcPct val="0"/>
+            </a:spcBef>
+            <a:spcAft>
+              <a:spcPct val="15000"/>
+            </a:spcAft>
+            <a:buChar char="••"/>
+          </a:pPr>
+          <a:r>
+            <a:rPr lang="en-SG" sz="800" kern="1200" dirty="0" smtClean="0"/>
+            <a:t>Architecture Review Coordinator</a:t>
+          </a:r>
+          <a:br>
+            <a:rPr lang="en-SG" sz="800" kern="1200" dirty="0" smtClean="0"/>
+          </a:br>
+          <a:r>
+            <a:rPr lang="en-SG" sz="800" kern="1200" dirty="0" smtClean="0"/>
+            <a:t>Chief Architect</a:t>
+          </a:r>
+          <a:br>
+            <a:rPr lang="en-SG" sz="800" kern="1200" dirty="0" smtClean="0"/>
+          </a:br>
+          <a:r>
+            <a:rPr lang="en-SG" sz="800" kern="1200" dirty="0" smtClean="0"/>
+            <a:t>1) Collaborate to setup meeting</a:t>
+          </a:r>
+          <a:endParaRPr lang="en-SG" sz="800" kern="1200" dirty="0"/>
+        </a:p>
+      </dsp:txBody>
+      <dsp:txXfrm>
+        <a:off x="4570270" y="2267338"/>
+        <a:ext cx="1563779" cy="915482"/>
+      </dsp:txXfrm>
+    </dsp:sp>
+    <dsp:sp modelId="{9CDCA917-8A57-42DD-8CB5-43BA542C893E}">
+      <dsp:nvSpPr>
+        <dsp:cNvPr id="0" name=""/>
+        <dsp:cNvSpPr/>
+      </dsp:nvSpPr>
+      <dsp:spPr>
+        <a:xfrm rot="10800000">
+          <a:off x="4055565" y="2524107"/>
+          <a:ext cx="343597" cy="401944"/>
+        </a:xfrm>
+        <a:prstGeom prst="rightArrow">
+          <a:avLst>
+            <a:gd name="adj1" fmla="val 60000"/>
+            <a:gd name="adj2" fmla="val 50000"/>
+          </a:avLst>
+        </a:prstGeom>
+        <a:solidFill>
+          <a:schemeClr val="accent1">
+            <a:tint val="60000"/>
+            <a:hueOff val="0"/>
+            <a:satOff val="0"/>
+            <a:lumOff val="0"/>
+            <a:alphaOff val="0"/>
+          </a:schemeClr>
+        </a:solidFill>
+        <a:ln>
+          <a:noFill/>
+        </a:ln>
+        <a:effectLst/>
+      </dsp:spPr>
+      <dsp:style>
+        <a:lnRef idx="0">
+          <a:scrgbClr r="0" g="0" b="0"/>
+        </a:lnRef>
+        <a:fillRef idx="1">
+          <a:scrgbClr r="0" g="0" b="0"/>
+        </a:fillRef>
+        <a:effectRef idx="0">
+          <a:scrgbClr r="0" g="0" b="0"/>
+        </a:effectRef>
+        <a:fontRef idx="minor">
+          <a:schemeClr val="lt1"/>
+        </a:fontRef>
+      </dsp:style>
+      <dsp:txBody>
+        <a:bodyPr spcFirstLastPara="0" vert="horz" wrap="square" lIns="0" tIns="0" rIns="0" bIns="0" numCol="1" spcCol="1270" anchor="ctr" anchorCtr="0">
+          <a:noAutofit/>
+        </a:bodyPr>
+        <a:lstStyle/>
+        <a:p>
+          <a:pPr lvl="0" algn="ctr" defTabSz="400050">
+            <a:lnSpc>
+              <a:spcPct val="90000"/>
+            </a:lnSpc>
+            <a:spcBef>
+              <a:spcPct val="0"/>
+            </a:spcBef>
+            <a:spcAft>
+              <a:spcPct val="35000"/>
+            </a:spcAft>
+          </a:pPr>
+          <a:endParaRPr lang="en-SG" sz="900" kern="1200"/>
+        </a:p>
+      </dsp:txBody>
+      <dsp:txXfrm rot="10800000">
+        <a:off x="4158644" y="2604496"/>
+        <a:ext cx="240518" cy="241166"/>
+      </dsp:txXfrm>
+    </dsp:sp>
+    <dsp:sp modelId="{4940F316-C710-49A6-A7DA-EA87F3CDF21E}">
+      <dsp:nvSpPr>
+        <dsp:cNvPr id="0" name=""/>
+        <dsp:cNvSpPr/>
+      </dsp:nvSpPr>
+      <dsp:spPr>
+        <a:xfrm>
+          <a:off x="2272747" y="2238856"/>
+          <a:ext cx="1620743" cy="972446"/>
+        </a:xfrm>
+        <a:prstGeom prst="roundRect">
+          <a:avLst>
+            <a:gd name="adj" fmla="val 10000"/>
+          </a:avLst>
+        </a:prstGeom>
+        <a:solidFill>
+          <a:schemeClr val="accent1">
+            <a:hueOff val="0"/>
+            <a:satOff val="0"/>
+            <a:lumOff val="0"/>
+            <a:alphaOff val="0"/>
+          </a:schemeClr>
+        </a:solidFill>
+        <a:ln w="19050" cap="flat" cmpd="sng" algn="ctr">
+          <a:solidFill>
+            <a:schemeClr val="lt1">
+              <a:hueOff val="0"/>
+              <a:satOff val="0"/>
+              <a:lumOff val="0"/>
+              <a:alphaOff val="0"/>
+            </a:schemeClr>
+          </a:solidFill>
+          <a:prstDash val="solid"/>
+        </a:ln>
+        <a:effectLst/>
+      </dsp:spPr>
+      <dsp:style>
+        <a:lnRef idx="2">
+          <a:scrgbClr r="0" g="0" b="0"/>
+        </a:lnRef>
+        <a:fillRef idx="1">
+          <a:scrgbClr r="0" g="0" b="0"/>
+        </a:fillRef>
+        <a:effectRef idx="0">
+          <a:scrgbClr r="0" g="0" b="0"/>
+        </a:effectRef>
+        <a:fontRef idx="minor">
+          <a:schemeClr val="lt1"/>
+        </a:fontRef>
+      </dsp:style>
+      <dsp:txBody>
+        <a:bodyPr spcFirstLastPara="0" vert="horz" wrap="square" lIns="38100" tIns="38100" rIns="38100" bIns="38100" numCol="1" spcCol="1270" anchor="t" anchorCtr="0">
+          <a:noAutofit/>
+        </a:bodyPr>
+        <a:lstStyle/>
+        <a:p>
+          <a:pPr lvl="0" algn="l" defTabSz="444500">
+            <a:lnSpc>
+              <a:spcPct val="90000"/>
+            </a:lnSpc>
+            <a:spcBef>
+              <a:spcPct val="0"/>
+            </a:spcBef>
+            <a:spcAft>
+              <a:spcPct val="35000"/>
+            </a:spcAft>
+          </a:pPr>
+          <a:r>
+            <a:rPr lang="en-SG" sz="1000" b="1" kern="1200" dirty="0" smtClean="0"/>
+            <a:t>Interview Project Principals</a:t>
+          </a:r>
+          <a:endParaRPr lang="en-SG" sz="1000" b="1" kern="1200" dirty="0"/>
+        </a:p>
+        <a:p>
+          <a:pPr marL="57150" lvl="1" indent="-57150" algn="l" defTabSz="355600">
+            <a:lnSpc>
+              <a:spcPct val="90000"/>
+            </a:lnSpc>
+            <a:spcBef>
+              <a:spcPct val="0"/>
+            </a:spcBef>
+            <a:spcAft>
+              <a:spcPct val="15000"/>
+            </a:spcAft>
+            <a:buChar char="••"/>
+          </a:pPr>
+          <a:r>
+            <a:rPr lang="en-SG" sz="800" kern="1200" dirty="0" smtClean="0"/>
+            <a:t>Lead Architect</a:t>
+          </a:r>
+          <a:br>
+            <a:rPr lang="en-SG" sz="800" kern="1200" dirty="0" smtClean="0"/>
+          </a:br>
+          <a:r>
+            <a:rPr lang="en-SG" sz="800" kern="1200" dirty="0" smtClean="0"/>
+            <a:t>Project Leader</a:t>
+          </a:r>
+          <a:br>
+            <a:rPr lang="en-SG" sz="800" kern="1200" dirty="0" smtClean="0"/>
+          </a:br>
+          <a:r>
+            <a:rPr lang="en-SG" sz="800" kern="1200" dirty="0" smtClean="0"/>
+            <a:t>Customers</a:t>
+          </a:r>
+          <a:br>
+            <a:rPr lang="en-SG" sz="800" kern="1200" dirty="0" smtClean="0"/>
+          </a:br>
+          <a:r>
+            <a:rPr lang="en-SG" sz="800" kern="1200" dirty="0" smtClean="0"/>
+            <a:t>1) Using checklists</a:t>
+          </a:r>
+          <a:endParaRPr lang="en-SG" sz="800" kern="1200" dirty="0"/>
+        </a:p>
+      </dsp:txBody>
+      <dsp:txXfrm>
+        <a:off x="2301229" y="2267338"/>
+        <a:ext cx="1563779" cy="915482"/>
+      </dsp:txXfrm>
+    </dsp:sp>
+    <dsp:sp modelId="{64022A33-5568-47E5-BCEE-C6CD960021AF}">
+      <dsp:nvSpPr>
+        <dsp:cNvPr id="0" name=""/>
+        <dsp:cNvSpPr/>
+      </dsp:nvSpPr>
+      <dsp:spPr>
+        <a:xfrm rot="10800000">
+          <a:off x="1786524" y="2524107"/>
+          <a:ext cx="343597" cy="401944"/>
+        </a:xfrm>
+        <a:prstGeom prst="rightArrow">
+          <a:avLst>
+            <a:gd name="adj1" fmla="val 60000"/>
+            <a:gd name="adj2" fmla="val 50000"/>
+          </a:avLst>
+        </a:prstGeom>
+        <a:solidFill>
+          <a:schemeClr val="accent1">
+            <a:tint val="60000"/>
+            <a:hueOff val="0"/>
+            <a:satOff val="0"/>
+            <a:lumOff val="0"/>
+            <a:alphaOff val="0"/>
+          </a:schemeClr>
+        </a:solidFill>
+        <a:ln>
+          <a:noFill/>
+        </a:ln>
+        <a:effectLst/>
+      </dsp:spPr>
+      <dsp:style>
+        <a:lnRef idx="0">
+          <a:scrgbClr r="0" g="0" b="0"/>
+        </a:lnRef>
+        <a:fillRef idx="1">
+          <a:scrgbClr r="0" g="0" b="0"/>
+        </a:fillRef>
+        <a:effectRef idx="0">
+          <a:scrgbClr r="0" g="0" b="0"/>
+        </a:effectRef>
+        <a:fontRef idx="minor">
+          <a:schemeClr val="lt1"/>
+        </a:fontRef>
+      </dsp:style>
+      <dsp:txBody>
+        <a:bodyPr spcFirstLastPara="0" vert="horz" wrap="square" lIns="0" tIns="0" rIns="0" bIns="0" numCol="1" spcCol="1270" anchor="ctr" anchorCtr="0">
+          <a:noAutofit/>
+        </a:bodyPr>
+        <a:lstStyle/>
+        <a:p>
+          <a:pPr lvl="0" algn="ctr" defTabSz="400050">
+            <a:lnSpc>
+              <a:spcPct val="90000"/>
+            </a:lnSpc>
+            <a:spcBef>
+              <a:spcPct val="0"/>
+            </a:spcBef>
+            <a:spcAft>
+              <a:spcPct val="35000"/>
+            </a:spcAft>
+          </a:pPr>
+          <a:endParaRPr lang="en-SG" sz="900" kern="1200"/>
+        </a:p>
+      </dsp:txBody>
+      <dsp:txXfrm rot="10800000">
+        <a:off x="1889603" y="2604496"/>
+        <a:ext cx="240518" cy="241166"/>
+      </dsp:txXfrm>
+    </dsp:sp>
+    <dsp:sp modelId="{F31C34A5-9A98-46A4-90A2-9950EAA07BF1}">
+      <dsp:nvSpPr>
+        <dsp:cNvPr id="0" name=""/>
+        <dsp:cNvSpPr/>
+      </dsp:nvSpPr>
+      <dsp:spPr>
+        <a:xfrm>
+          <a:off x="3706" y="2238856"/>
+          <a:ext cx="1620743" cy="972446"/>
+        </a:xfrm>
+        <a:prstGeom prst="roundRect">
+          <a:avLst>
+            <a:gd name="adj" fmla="val 10000"/>
+          </a:avLst>
+        </a:prstGeom>
+        <a:solidFill>
+          <a:schemeClr val="accent1">
+            <a:hueOff val="0"/>
+            <a:satOff val="0"/>
+            <a:lumOff val="0"/>
+            <a:alphaOff val="0"/>
+          </a:schemeClr>
+        </a:solidFill>
+        <a:ln w="19050" cap="flat" cmpd="sng" algn="ctr">
+          <a:solidFill>
+            <a:schemeClr val="lt1">
+              <a:hueOff val="0"/>
+              <a:satOff val="0"/>
+              <a:lumOff val="0"/>
+              <a:alphaOff val="0"/>
+            </a:schemeClr>
+          </a:solidFill>
+          <a:prstDash val="solid"/>
+        </a:ln>
+        <a:effectLst/>
+      </dsp:spPr>
+      <dsp:style>
+        <a:lnRef idx="2">
+          <a:scrgbClr r="0" g="0" b="0"/>
+        </a:lnRef>
+        <a:fillRef idx="1">
+          <a:scrgbClr r="0" g="0" b="0"/>
+        </a:fillRef>
+        <a:effectRef idx="0">
+          <a:scrgbClr r="0" g="0" b="0"/>
+        </a:effectRef>
+        <a:fontRef idx="minor">
+          <a:schemeClr val="lt1"/>
+        </a:fontRef>
+      </dsp:style>
+      <dsp:txBody>
+        <a:bodyPr spcFirstLastPara="0" vert="horz" wrap="square" lIns="38100" tIns="38100" rIns="38100" bIns="38100" numCol="1" spcCol="1270" anchor="t" anchorCtr="0">
+          <a:noAutofit/>
+        </a:bodyPr>
+        <a:lstStyle/>
+        <a:p>
+          <a:pPr lvl="0" algn="l" defTabSz="444500">
+            <a:lnSpc>
+              <a:spcPct val="90000"/>
+            </a:lnSpc>
+            <a:spcBef>
+              <a:spcPct val="0"/>
+            </a:spcBef>
+            <a:spcAft>
+              <a:spcPct val="35000"/>
+            </a:spcAft>
+          </a:pPr>
+          <a:r>
+            <a:rPr lang="en-SG" sz="1000" b="1" kern="1200" dirty="0" err="1" smtClean="0"/>
+            <a:t>Analyze</a:t>
+          </a:r>
+          <a:r>
+            <a:rPr lang="en-SG" sz="1000" b="1" kern="1200" dirty="0" smtClean="0"/>
+            <a:t> Completed Checklists</a:t>
+          </a:r>
+          <a:endParaRPr lang="en-SG" sz="1000" b="1" kern="1200" dirty="0"/>
+        </a:p>
+        <a:p>
+          <a:pPr marL="57150" lvl="1" indent="-57150" algn="l" defTabSz="355600">
+            <a:lnSpc>
+              <a:spcPct val="90000"/>
+            </a:lnSpc>
+            <a:spcBef>
+              <a:spcPct val="0"/>
+            </a:spcBef>
+            <a:spcAft>
+              <a:spcPct val="15000"/>
+            </a:spcAft>
+            <a:buChar char="••"/>
+          </a:pPr>
+          <a:r>
+            <a:rPr lang="en-SG" sz="800" kern="1200" dirty="0" smtClean="0"/>
+            <a:t>Lead Architect</a:t>
+          </a:r>
+          <a:br>
+            <a:rPr lang="en-SG" sz="800" kern="1200" dirty="0" smtClean="0"/>
+          </a:br>
+          <a:r>
+            <a:rPr lang="en-SG" sz="800" kern="1200" dirty="0" smtClean="0"/>
+            <a:t>1) Review against corporate standards</a:t>
+          </a:r>
+          <a:br>
+            <a:rPr lang="en-SG" sz="800" kern="1200" dirty="0" smtClean="0"/>
+          </a:br>
+          <a:r>
+            <a:rPr lang="en-SG" sz="800" kern="1200" dirty="0" smtClean="0"/>
+            <a:t>2) Identify and resolve issues</a:t>
+          </a:r>
+          <a:br>
+            <a:rPr lang="en-SG" sz="800" kern="1200" dirty="0" smtClean="0"/>
+          </a:br>
+          <a:r>
+            <a:rPr lang="en-SG" sz="800" kern="1200" dirty="0" smtClean="0"/>
+            <a:t>3) Determine recommendations</a:t>
+          </a:r>
+          <a:endParaRPr lang="en-SG" sz="800" kern="1200" dirty="0"/>
+        </a:p>
+      </dsp:txBody>
+      <dsp:txXfrm>
+        <a:off x="32188" y="2267338"/>
+        <a:ext cx="1563779" cy="915482"/>
+      </dsp:txXfrm>
+    </dsp:sp>
+    <dsp:sp modelId="{2726BD94-02E8-47A8-938C-73229F45ECC4}">
+      <dsp:nvSpPr>
+        <dsp:cNvPr id="0" name=""/>
+        <dsp:cNvSpPr/>
+      </dsp:nvSpPr>
+      <dsp:spPr>
+        <a:xfrm rot="5400000">
+          <a:off x="642279" y="3324755"/>
+          <a:ext cx="343597" cy="401944"/>
+        </a:xfrm>
+        <a:prstGeom prst="rightArrow">
+          <a:avLst>
+            <a:gd name="adj1" fmla="val 60000"/>
+            <a:gd name="adj2" fmla="val 50000"/>
+          </a:avLst>
+        </a:prstGeom>
+        <a:solidFill>
+          <a:schemeClr val="accent1">
+            <a:tint val="60000"/>
+            <a:hueOff val="0"/>
+            <a:satOff val="0"/>
+            <a:lumOff val="0"/>
+            <a:alphaOff val="0"/>
+          </a:schemeClr>
+        </a:solidFill>
+        <a:ln>
+          <a:noFill/>
+        </a:ln>
+        <a:effectLst/>
+      </dsp:spPr>
+      <dsp:style>
+        <a:lnRef idx="0">
+          <a:scrgbClr r="0" g="0" b="0"/>
+        </a:lnRef>
+        <a:fillRef idx="1">
+          <a:scrgbClr r="0" g="0" b="0"/>
+        </a:fillRef>
+        <a:effectRef idx="0">
+          <a:scrgbClr r="0" g="0" b="0"/>
+        </a:effectRef>
+        <a:fontRef idx="minor">
+          <a:schemeClr val="lt1"/>
+        </a:fontRef>
+      </dsp:style>
+      <dsp:txBody>
+        <a:bodyPr spcFirstLastPara="0" vert="horz" wrap="square" lIns="0" tIns="0" rIns="0" bIns="0" numCol="1" spcCol="1270" anchor="ctr" anchorCtr="0">
+          <a:noAutofit/>
+        </a:bodyPr>
+        <a:lstStyle/>
+        <a:p>
+          <a:pPr lvl="0" algn="ctr" defTabSz="400050">
+            <a:lnSpc>
+              <a:spcPct val="90000"/>
+            </a:lnSpc>
+            <a:spcBef>
+              <a:spcPct val="0"/>
+            </a:spcBef>
+            <a:spcAft>
+              <a:spcPct val="35000"/>
+            </a:spcAft>
+          </a:pPr>
+          <a:endParaRPr lang="en-SG" sz="900" kern="1200"/>
+        </a:p>
+      </dsp:txBody>
+      <dsp:txXfrm rot="-5400000">
+        <a:off x="693495" y="3353929"/>
+        <a:ext cx="241166" cy="240518"/>
+      </dsp:txXfrm>
+    </dsp:sp>
+    <dsp:sp modelId="{2E0147E3-CAD5-460D-8E29-5DEFF5F67F26}">
+      <dsp:nvSpPr>
+        <dsp:cNvPr id="0" name=""/>
+        <dsp:cNvSpPr/>
+      </dsp:nvSpPr>
+      <dsp:spPr>
+        <a:xfrm>
+          <a:off x="3706" y="3859600"/>
+          <a:ext cx="1620743" cy="972446"/>
+        </a:xfrm>
+        <a:prstGeom prst="roundRect">
+          <a:avLst>
+            <a:gd name="adj" fmla="val 10000"/>
+          </a:avLst>
+        </a:prstGeom>
+        <a:solidFill>
+          <a:schemeClr val="accent1">
+            <a:hueOff val="0"/>
+            <a:satOff val="0"/>
+            <a:lumOff val="0"/>
+            <a:alphaOff val="0"/>
+          </a:schemeClr>
+        </a:solidFill>
+        <a:ln w="19050" cap="flat" cmpd="sng" algn="ctr">
+          <a:solidFill>
+            <a:schemeClr val="lt1">
+              <a:hueOff val="0"/>
+              <a:satOff val="0"/>
+              <a:lumOff val="0"/>
+              <a:alphaOff val="0"/>
+            </a:schemeClr>
+          </a:solidFill>
+          <a:prstDash val="solid"/>
+        </a:ln>
+        <a:effectLst/>
+      </dsp:spPr>
+      <dsp:style>
+        <a:lnRef idx="2">
+          <a:scrgbClr r="0" g="0" b="0"/>
+        </a:lnRef>
+        <a:fillRef idx="1">
+          <a:scrgbClr r="0" g="0" b="0"/>
+        </a:fillRef>
+        <a:effectRef idx="0">
+          <a:scrgbClr r="0" g="0" b="0"/>
+        </a:effectRef>
+        <a:fontRef idx="minor">
+          <a:schemeClr val="lt1"/>
+        </a:fontRef>
+      </dsp:style>
+      <dsp:txBody>
+        <a:bodyPr spcFirstLastPara="0" vert="horz" wrap="square" lIns="38100" tIns="38100" rIns="38100" bIns="38100" numCol="1" spcCol="1270" anchor="t" anchorCtr="0">
+          <a:noAutofit/>
+        </a:bodyPr>
+        <a:lstStyle/>
+        <a:p>
+          <a:pPr lvl="0" algn="l" defTabSz="444500">
+            <a:lnSpc>
+              <a:spcPct val="90000"/>
+            </a:lnSpc>
+            <a:spcBef>
+              <a:spcPct val="0"/>
+            </a:spcBef>
+            <a:spcAft>
+              <a:spcPct val="35000"/>
+            </a:spcAft>
+          </a:pPr>
+          <a:r>
+            <a:rPr lang="en-SG" sz="1000" b="1" kern="1200" dirty="0" smtClean="0"/>
+            <a:t>Prepare Architecture Review Report</a:t>
+          </a:r>
+          <a:endParaRPr lang="en-SG" sz="1000" b="1" kern="1200" dirty="0"/>
+        </a:p>
+        <a:p>
+          <a:pPr marL="57150" lvl="1" indent="-57150" algn="l" defTabSz="355600">
+            <a:lnSpc>
+              <a:spcPct val="90000"/>
+            </a:lnSpc>
+            <a:spcBef>
+              <a:spcPct val="0"/>
+            </a:spcBef>
+            <a:spcAft>
+              <a:spcPct val="15000"/>
+            </a:spcAft>
+            <a:buChar char="••"/>
+          </a:pPr>
+          <a:r>
+            <a:rPr lang="en-SG" sz="800" kern="1200" dirty="0" smtClean="0"/>
+            <a:t>Lead Architect</a:t>
+          </a:r>
+          <a:endParaRPr lang="en-SG" sz="800" kern="1200" dirty="0"/>
+        </a:p>
+      </dsp:txBody>
+      <dsp:txXfrm>
+        <a:off x="32188" y="3888082"/>
+        <a:ext cx="1563779" cy="915482"/>
+      </dsp:txXfrm>
+    </dsp:sp>
+    <dsp:sp modelId="{F0E3C434-854B-48AB-B28F-75738F3ACE92}">
+      <dsp:nvSpPr>
+        <dsp:cNvPr id="0" name=""/>
+        <dsp:cNvSpPr/>
+      </dsp:nvSpPr>
+      <dsp:spPr>
+        <a:xfrm>
+          <a:off x="1767075" y="4144851"/>
+          <a:ext cx="343597" cy="401944"/>
+        </a:xfrm>
+        <a:prstGeom prst="rightArrow">
+          <a:avLst>
+            <a:gd name="adj1" fmla="val 60000"/>
+            <a:gd name="adj2" fmla="val 50000"/>
+          </a:avLst>
+        </a:prstGeom>
+        <a:solidFill>
+          <a:schemeClr val="accent1">
+            <a:tint val="60000"/>
+            <a:hueOff val="0"/>
+            <a:satOff val="0"/>
+            <a:lumOff val="0"/>
+            <a:alphaOff val="0"/>
+          </a:schemeClr>
+        </a:solidFill>
+        <a:ln>
+          <a:noFill/>
+        </a:ln>
+        <a:effectLst/>
+      </dsp:spPr>
+      <dsp:style>
+        <a:lnRef idx="0">
+          <a:scrgbClr r="0" g="0" b="0"/>
+        </a:lnRef>
+        <a:fillRef idx="1">
+          <a:scrgbClr r="0" g="0" b="0"/>
+        </a:fillRef>
+        <a:effectRef idx="0">
+          <a:scrgbClr r="0" g="0" b="0"/>
+        </a:effectRef>
+        <a:fontRef idx="minor">
+          <a:schemeClr val="lt1"/>
+        </a:fontRef>
+      </dsp:style>
+      <dsp:txBody>
+        <a:bodyPr spcFirstLastPara="0" vert="horz" wrap="square" lIns="0" tIns="0" rIns="0" bIns="0" numCol="1" spcCol="1270" anchor="ctr" anchorCtr="0">
+          <a:noAutofit/>
+        </a:bodyPr>
+        <a:lstStyle/>
+        <a:p>
+          <a:pPr lvl="0" algn="ctr" defTabSz="400050">
+            <a:lnSpc>
+              <a:spcPct val="90000"/>
+            </a:lnSpc>
+            <a:spcBef>
+              <a:spcPct val="0"/>
+            </a:spcBef>
+            <a:spcAft>
+              <a:spcPct val="35000"/>
+            </a:spcAft>
+          </a:pPr>
+          <a:endParaRPr lang="en-SG" sz="900" kern="1200"/>
+        </a:p>
+      </dsp:txBody>
+      <dsp:txXfrm>
+        <a:off x="1767075" y="4225240"/>
+        <a:ext cx="240518" cy="241166"/>
+      </dsp:txXfrm>
+    </dsp:sp>
+    <dsp:sp modelId="{BE79806F-65AA-402A-B99F-768016256B05}">
+      <dsp:nvSpPr>
+        <dsp:cNvPr id="0" name=""/>
+        <dsp:cNvSpPr/>
+      </dsp:nvSpPr>
+      <dsp:spPr>
+        <a:xfrm>
+          <a:off x="2272747" y="3859600"/>
+          <a:ext cx="1620743" cy="972446"/>
+        </a:xfrm>
+        <a:prstGeom prst="roundRect">
+          <a:avLst>
+            <a:gd name="adj" fmla="val 10000"/>
+          </a:avLst>
+        </a:prstGeom>
+        <a:solidFill>
+          <a:schemeClr val="accent1">
+            <a:hueOff val="0"/>
+            <a:satOff val="0"/>
+            <a:lumOff val="0"/>
+            <a:alphaOff val="0"/>
+          </a:schemeClr>
+        </a:solidFill>
+        <a:ln w="19050" cap="flat" cmpd="sng" algn="ctr">
+          <a:solidFill>
+            <a:schemeClr val="lt1">
+              <a:hueOff val="0"/>
+              <a:satOff val="0"/>
+              <a:lumOff val="0"/>
+              <a:alphaOff val="0"/>
+            </a:schemeClr>
+          </a:solidFill>
+          <a:prstDash val="solid"/>
+        </a:ln>
+        <a:effectLst/>
+      </dsp:spPr>
+      <dsp:style>
+        <a:lnRef idx="2">
+          <a:scrgbClr r="0" g="0" b="0"/>
+        </a:lnRef>
+        <a:fillRef idx="1">
+          <a:scrgbClr r="0" g="0" b="0"/>
+        </a:fillRef>
+        <a:effectRef idx="0">
+          <a:scrgbClr r="0" g="0" b="0"/>
+        </a:effectRef>
+        <a:fontRef idx="minor">
+          <a:schemeClr val="lt1"/>
+        </a:fontRef>
+      </dsp:style>
+      <dsp:txBody>
+        <a:bodyPr spcFirstLastPara="0" vert="horz" wrap="square" lIns="38100" tIns="38100" rIns="38100" bIns="38100" numCol="1" spcCol="1270" anchor="t" anchorCtr="0">
+          <a:noAutofit/>
+        </a:bodyPr>
+        <a:lstStyle/>
+        <a:p>
+          <a:pPr lvl="0" algn="l" defTabSz="444500">
+            <a:lnSpc>
+              <a:spcPct val="90000"/>
+            </a:lnSpc>
+            <a:spcBef>
+              <a:spcPct val="0"/>
+            </a:spcBef>
+            <a:spcAft>
+              <a:spcPct val="35000"/>
+            </a:spcAft>
+          </a:pPr>
+          <a:r>
+            <a:rPr lang="en-SG" sz="1000" b="1" kern="1200" dirty="0" smtClean="0"/>
+            <a:t>Present Review Findings</a:t>
+          </a:r>
+          <a:endParaRPr lang="en-SG" sz="1000" b="1" kern="1200" dirty="0"/>
+        </a:p>
+        <a:p>
+          <a:pPr marL="57150" lvl="1" indent="-57150" algn="l" defTabSz="355600">
+            <a:lnSpc>
+              <a:spcPct val="90000"/>
+            </a:lnSpc>
+            <a:spcBef>
+              <a:spcPct val="0"/>
+            </a:spcBef>
+            <a:spcAft>
+              <a:spcPct val="15000"/>
+            </a:spcAft>
+            <a:buChar char="••"/>
+          </a:pPr>
+          <a:r>
+            <a:rPr lang="en-SG" sz="800" kern="1200" dirty="0" smtClean="0"/>
+            <a:t>Lead Architect</a:t>
+          </a:r>
+          <a:br>
+            <a:rPr lang="en-SG" sz="800" kern="1200" dirty="0" smtClean="0"/>
+          </a:br>
+          <a:r>
+            <a:rPr lang="en-SG" sz="800" kern="1200" dirty="0" smtClean="0"/>
+            <a:t>1) To customer</a:t>
+          </a:r>
+          <a:br>
+            <a:rPr lang="en-SG" sz="800" kern="1200" dirty="0" smtClean="0"/>
+          </a:br>
+          <a:r>
+            <a:rPr lang="en-SG" sz="800" kern="1200" dirty="0" smtClean="0"/>
+            <a:t>2) To Architecture Advisory Board</a:t>
+          </a:r>
+          <a:endParaRPr lang="en-SG" sz="800" kern="1200" dirty="0"/>
+        </a:p>
+      </dsp:txBody>
+      <dsp:txXfrm>
+        <a:off x="2301229" y="3888082"/>
+        <a:ext cx="1563779" cy="915482"/>
+      </dsp:txXfrm>
+    </dsp:sp>
+    <dsp:sp modelId="{71AB9C45-BB20-434B-9458-75119F33C821}">
+      <dsp:nvSpPr>
+        <dsp:cNvPr id="0" name=""/>
+        <dsp:cNvSpPr/>
+      </dsp:nvSpPr>
+      <dsp:spPr>
+        <a:xfrm>
+          <a:off x="4036116" y="4144851"/>
+          <a:ext cx="343597" cy="401944"/>
+        </a:xfrm>
+        <a:prstGeom prst="rightArrow">
+          <a:avLst>
+            <a:gd name="adj1" fmla="val 60000"/>
+            <a:gd name="adj2" fmla="val 50000"/>
+          </a:avLst>
+        </a:prstGeom>
+        <a:solidFill>
+          <a:schemeClr val="accent1">
+            <a:tint val="60000"/>
+            <a:hueOff val="0"/>
+            <a:satOff val="0"/>
+            <a:lumOff val="0"/>
+            <a:alphaOff val="0"/>
+          </a:schemeClr>
+        </a:solidFill>
+        <a:ln>
+          <a:noFill/>
+        </a:ln>
+        <a:effectLst/>
+      </dsp:spPr>
+      <dsp:style>
+        <a:lnRef idx="0">
+          <a:scrgbClr r="0" g="0" b="0"/>
+        </a:lnRef>
+        <a:fillRef idx="1">
+          <a:scrgbClr r="0" g="0" b="0"/>
+        </a:fillRef>
+        <a:effectRef idx="0">
+          <a:scrgbClr r="0" g="0" b="0"/>
+        </a:effectRef>
+        <a:fontRef idx="minor">
+          <a:schemeClr val="lt1"/>
+        </a:fontRef>
+      </dsp:style>
+      <dsp:txBody>
+        <a:bodyPr spcFirstLastPara="0" vert="horz" wrap="square" lIns="0" tIns="0" rIns="0" bIns="0" numCol="1" spcCol="1270" anchor="ctr" anchorCtr="0">
+          <a:noAutofit/>
+        </a:bodyPr>
+        <a:lstStyle/>
+        <a:p>
+          <a:pPr lvl="0" algn="ctr" defTabSz="400050">
+            <a:lnSpc>
+              <a:spcPct val="90000"/>
+            </a:lnSpc>
+            <a:spcBef>
+              <a:spcPct val="0"/>
+            </a:spcBef>
+            <a:spcAft>
+              <a:spcPct val="35000"/>
+            </a:spcAft>
+          </a:pPr>
+          <a:endParaRPr lang="en-SG" sz="900" kern="1200"/>
+        </a:p>
+      </dsp:txBody>
+      <dsp:txXfrm>
+        <a:off x="4036116" y="4225240"/>
+        <a:ext cx="240518" cy="241166"/>
+      </dsp:txXfrm>
+    </dsp:sp>
+    <dsp:sp modelId="{F5A6B8F6-9362-4B2E-98E7-7CAAB7655979}">
+      <dsp:nvSpPr>
+        <dsp:cNvPr id="0" name=""/>
+        <dsp:cNvSpPr/>
+      </dsp:nvSpPr>
+      <dsp:spPr>
+        <a:xfrm>
+          <a:off x="4541788" y="3859600"/>
+          <a:ext cx="1620743" cy="972446"/>
+        </a:xfrm>
+        <a:prstGeom prst="roundRect">
+          <a:avLst>
+            <a:gd name="adj" fmla="val 10000"/>
+          </a:avLst>
+        </a:prstGeom>
+        <a:solidFill>
+          <a:schemeClr val="accent1">
+            <a:hueOff val="0"/>
+            <a:satOff val="0"/>
+            <a:lumOff val="0"/>
+            <a:alphaOff val="0"/>
+          </a:schemeClr>
+        </a:solidFill>
+        <a:ln w="19050" cap="flat" cmpd="sng" algn="ctr">
+          <a:solidFill>
+            <a:schemeClr val="lt1">
+              <a:hueOff val="0"/>
+              <a:satOff val="0"/>
+              <a:lumOff val="0"/>
+              <a:alphaOff val="0"/>
+            </a:schemeClr>
+          </a:solidFill>
+          <a:prstDash val="solid"/>
+        </a:ln>
+        <a:effectLst/>
+      </dsp:spPr>
+      <dsp:style>
+        <a:lnRef idx="2">
+          <a:scrgbClr r="0" g="0" b="0"/>
+        </a:lnRef>
+        <a:fillRef idx="1">
+          <a:scrgbClr r="0" g="0" b="0"/>
+        </a:fillRef>
+        <a:effectRef idx="0">
+          <a:scrgbClr r="0" g="0" b="0"/>
+        </a:effectRef>
+        <a:fontRef idx="minor">
+          <a:schemeClr val="lt1"/>
+        </a:fontRef>
+      </dsp:style>
+      <dsp:txBody>
+        <a:bodyPr spcFirstLastPara="0" vert="horz" wrap="square" lIns="38100" tIns="38100" rIns="38100" bIns="38100" numCol="1" spcCol="1270" anchor="t" anchorCtr="0">
+          <a:noAutofit/>
+        </a:bodyPr>
+        <a:lstStyle/>
+        <a:p>
+          <a:pPr lvl="0" algn="l" defTabSz="444500">
+            <a:lnSpc>
+              <a:spcPct val="90000"/>
+            </a:lnSpc>
+            <a:spcBef>
+              <a:spcPct val="0"/>
+            </a:spcBef>
+            <a:spcAft>
+              <a:spcPct val="35000"/>
+            </a:spcAft>
+          </a:pPr>
+          <a:r>
+            <a:rPr lang="en-SG" sz="1000" b="1" kern="1200" dirty="0" smtClean="0"/>
+            <a:t>Accept Review and Sign off</a:t>
+          </a:r>
+          <a:endParaRPr lang="en-SG" sz="1000" b="1" kern="1200" dirty="0"/>
+        </a:p>
+        <a:p>
+          <a:pPr marL="57150" lvl="1" indent="-57150" algn="l" defTabSz="355600">
+            <a:lnSpc>
+              <a:spcPct val="90000"/>
+            </a:lnSpc>
+            <a:spcBef>
+              <a:spcPct val="0"/>
+            </a:spcBef>
+            <a:spcAft>
+              <a:spcPct val="15000"/>
+            </a:spcAft>
+            <a:buChar char="••"/>
+          </a:pPr>
+          <a:r>
+            <a:rPr lang="en-SG" sz="800" kern="1200" dirty="0" smtClean="0"/>
+            <a:t>Architecture Advisory Board</a:t>
+          </a:r>
+          <a:br>
+            <a:rPr lang="en-SG" sz="800" kern="1200" dirty="0" smtClean="0"/>
+          </a:br>
+          <a:r>
+            <a:rPr lang="en-SG" sz="800" kern="1200" dirty="0" smtClean="0"/>
+            <a:t>Customer</a:t>
+          </a:r>
+          <a:endParaRPr lang="en-SG" sz="800" kern="1200" dirty="0"/>
+        </a:p>
+      </dsp:txBody>
+      <dsp:txXfrm>
+        <a:off x="4570270" y="3888082"/>
+        <a:ext cx="1563779" cy="915482"/>
+      </dsp:txXfrm>
+    </dsp:sp>
   </dsp:spTree>
 </dsp:drawing>
 </file>
@@ -4133,6 +6019,1691 @@
       <dsp:cNvGrpSpPr/>
     </dsp:nvGrpSpPr>
     <dsp:grpSpPr/>
+    <dsp:sp modelId="{369D0CD2-6E0C-422B-9B62-A9B0076882BE}">
+      <dsp:nvSpPr>
+        <dsp:cNvPr id="0" name=""/>
+        <dsp:cNvSpPr/>
+      </dsp:nvSpPr>
+      <dsp:spPr>
+        <a:xfrm>
+          <a:off x="1753851" y="967010"/>
+          <a:ext cx="372823" cy="91440"/>
+        </a:xfrm>
+        <a:custGeom>
+          <a:avLst/>
+          <a:gdLst/>
+          <a:ahLst/>
+          <a:cxnLst/>
+          <a:rect l="0" t="0" r="0" b="0"/>
+          <a:pathLst>
+            <a:path>
+              <a:moveTo>
+                <a:pt x="0" y="45720"/>
+              </a:moveTo>
+              <a:lnTo>
+                <a:pt x="372823" y="45720"/>
+              </a:lnTo>
+            </a:path>
+          </a:pathLst>
+        </a:custGeom>
+        <a:noFill/>
+        <a:ln w="9525" cap="flat" cmpd="sng" algn="ctr">
+          <a:solidFill>
+            <a:schemeClr val="accent1">
+              <a:hueOff val="0"/>
+              <a:satOff val="0"/>
+              <a:lumOff val="0"/>
+              <a:alphaOff val="0"/>
+            </a:schemeClr>
+          </a:solidFill>
+          <a:prstDash val="solid"/>
+          <a:tailEnd type="arrow"/>
+        </a:ln>
+        <a:effectLst/>
+      </dsp:spPr>
+      <dsp:style>
+        <a:lnRef idx="1">
+          <a:scrgbClr r="0" g="0" b="0"/>
+        </a:lnRef>
+        <a:fillRef idx="0">
+          <a:scrgbClr r="0" g="0" b="0"/>
+        </a:fillRef>
+        <a:effectRef idx="0">
+          <a:scrgbClr r="0" g="0" b="0"/>
+        </a:effectRef>
+        <a:fontRef idx="minor"/>
+      </dsp:style>
+      <dsp:txBody>
+        <a:bodyPr spcFirstLastPara="0" vert="horz" wrap="square" lIns="12700" tIns="0" rIns="12700" bIns="0" numCol="1" spcCol="1270" anchor="ctr" anchorCtr="0">
+          <a:noAutofit/>
+        </a:bodyPr>
+        <a:lstStyle/>
+        <a:p>
+          <a:pPr lvl="0" algn="ctr" defTabSz="222250">
+            <a:lnSpc>
+              <a:spcPct val="90000"/>
+            </a:lnSpc>
+            <a:spcBef>
+              <a:spcPct val="0"/>
+            </a:spcBef>
+            <a:spcAft>
+              <a:spcPct val="35000"/>
+            </a:spcAft>
+          </a:pPr>
+          <a:endParaRPr lang="en-SG" sz="500" kern="1200"/>
+        </a:p>
+      </dsp:txBody>
+      <dsp:txXfrm>
+        <a:off x="1930177" y="1010713"/>
+        <a:ext cx="20171" cy="4034"/>
+      </dsp:txXfrm>
+    </dsp:sp>
+    <dsp:sp modelId="{D709EEA8-6F08-48C5-963E-4B3E59313F50}">
+      <dsp:nvSpPr>
+        <dsp:cNvPr id="0" name=""/>
+        <dsp:cNvSpPr/>
+      </dsp:nvSpPr>
+      <dsp:spPr>
+        <a:xfrm>
+          <a:off x="1637" y="486526"/>
+          <a:ext cx="1754013" cy="1052408"/>
+        </a:xfrm>
+        <a:prstGeom prst="rect">
+          <a:avLst/>
+        </a:prstGeom>
+        <a:solidFill>
+          <a:schemeClr val="accent1">
+            <a:hueOff val="0"/>
+            <a:satOff val="0"/>
+            <a:lumOff val="0"/>
+            <a:alphaOff val="0"/>
+          </a:schemeClr>
+        </a:solidFill>
+        <a:ln w="19050" cap="flat" cmpd="sng" algn="ctr">
+          <a:solidFill>
+            <a:schemeClr val="lt1">
+              <a:hueOff val="0"/>
+              <a:satOff val="0"/>
+              <a:lumOff val="0"/>
+              <a:alphaOff val="0"/>
+            </a:schemeClr>
+          </a:solidFill>
+          <a:prstDash val="solid"/>
+        </a:ln>
+        <a:effectLst/>
+      </dsp:spPr>
+      <dsp:style>
+        <a:lnRef idx="2">
+          <a:scrgbClr r="0" g="0" b="0"/>
+        </a:lnRef>
+        <a:fillRef idx="1">
+          <a:scrgbClr r="0" g="0" b="0"/>
+        </a:fillRef>
+        <a:effectRef idx="0">
+          <a:scrgbClr r="0" g="0" b="0"/>
+        </a:effectRef>
+        <a:fontRef idx="minor">
+          <a:schemeClr val="lt1"/>
+        </a:fontRef>
+      </dsp:style>
+      <dsp:txBody>
+        <a:bodyPr spcFirstLastPara="0" vert="horz" wrap="square" lIns="71120" tIns="71120" rIns="71120" bIns="71120" numCol="1" spcCol="1270" anchor="ctr" anchorCtr="0">
+          <a:noAutofit/>
+        </a:bodyPr>
+        <a:lstStyle/>
+        <a:p>
+          <a:pPr lvl="0" algn="ctr" defTabSz="444500">
+            <a:lnSpc>
+              <a:spcPct val="90000"/>
+            </a:lnSpc>
+            <a:spcBef>
+              <a:spcPct val="0"/>
+            </a:spcBef>
+            <a:spcAft>
+              <a:spcPct val="35000"/>
+            </a:spcAft>
+          </a:pPr>
+          <a:r>
+            <a:rPr lang="en-SG" sz="1000" kern="1200" dirty="0" smtClean="0"/>
+            <a:t>Raise Architecture Exception</a:t>
+          </a:r>
+          <a:endParaRPr lang="en-SG" sz="1000" kern="1200" dirty="0"/>
+        </a:p>
+      </dsp:txBody>
+      <dsp:txXfrm>
+        <a:off x="1637" y="486526"/>
+        <a:ext cx="1754013" cy="1052408"/>
+      </dsp:txXfrm>
+    </dsp:sp>
+    <dsp:sp modelId="{404B7F08-E8F3-4A1C-9D8E-75B4D7EBFE7D}">
+      <dsp:nvSpPr>
+        <dsp:cNvPr id="0" name=""/>
+        <dsp:cNvSpPr/>
+      </dsp:nvSpPr>
+      <dsp:spPr>
+        <a:xfrm>
+          <a:off x="3911288" y="967010"/>
+          <a:ext cx="372823" cy="91440"/>
+        </a:xfrm>
+        <a:custGeom>
+          <a:avLst/>
+          <a:gdLst/>
+          <a:ahLst/>
+          <a:cxnLst/>
+          <a:rect l="0" t="0" r="0" b="0"/>
+          <a:pathLst>
+            <a:path>
+              <a:moveTo>
+                <a:pt x="0" y="45720"/>
+              </a:moveTo>
+              <a:lnTo>
+                <a:pt x="372823" y="45720"/>
+              </a:lnTo>
+            </a:path>
+          </a:pathLst>
+        </a:custGeom>
+        <a:noFill/>
+        <a:ln w="9525" cap="flat" cmpd="sng" algn="ctr">
+          <a:solidFill>
+            <a:schemeClr val="accent1">
+              <a:hueOff val="0"/>
+              <a:satOff val="0"/>
+              <a:lumOff val="0"/>
+              <a:alphaOff val="0"/>
+            </a:schemeClr>
+          </a:solidFill>
+          <a:prstDash val="solid"/>
+          <a:tailEnd type="arrow"/>
+        </a:ln>
+        <a:effectLst/>
+      </dsp:spPr>
+      <dsp:style>
+        <a:lnRef idx="1">
+          <a:scrgbClr r="0" g="0" b="0"/>
+        </a:lnRef>
+        <a:fillRef idx="0">
+          <a:scrgbClr r="0" g="0" b="0"/>
+        </a:fillRef>
+        <a:effectRef idx="0">
+          <a:scrgbClr r="0" g="0" b="0"/>
+        </a:effectRef>
+        <a:fontRef idx="minor"/>
+      </dsp:style>
+      <dsp:txBody>
+        <a:bodyPr spcFirstLastPara="0" vert="horz" wrap="square" lIns="12700" tIns="0" rIns="12700" bIns="0" numCol="1" spcCol="1270" anchor="ctr" anchorCtr="0">
+          <a:noAutofit/>
+        </a:bodyPr>
+        <a:lstStyle/>
+        <a:p>
+          <a:pPr lvl="0" algn="ctr" defTabSz="222250">
+            <a:lnSpc>
+              <a:spcPct val="90000"/>
+            </a:lnSpc>
+            <a:spcBef>
+              <a:spcPct val="0"/>
+            </a:spcBef>
+            <a:spcAft>
+              <a:spcPct val="35000"/>
+            </a:spcAft>
+          </a:pPr>
+          <a:endParaRPr lang="en-SG" sz="500" kern="1200"/>
+        </a:p>
+      </dsp:txBody>
+      <dsp:txXfrm>
+        <a:off x="4087614" y="1010713"/>
+        <a:ext cx="20171" cy="4034"/>
+      </dsp:txXfrm>
+    </dsp:sp>
+    <dsp:sp modelId="{761166BB-0464-4757-A811-FCC5F12DF2CC}">
+      <dsp:nvSpPr>
+        <dsp:cNvPr id="0" name=""/>
+        <dsp:cNvSpPr/>
+      </dsp:nvSpPr>
+      <dsp:spPr>
+        <a:xfrm>
+          <a:off x="2159074" y="486526"/>
+          <a:ext cx="1754013" cy="1052408"/>
+        </a:xfrm>
+        <a:prstGeom prst="rect">
+          <a:avLst/>
+        </a:prstGeom>
+        <a:solidFill>
+          <a:schemeClr val="accent1">
+            <a:hueOff val="0"/>
+            <a:satOff val="0"/>
+            <a:lumOff val="0"/>
+            <a:alphaOff val="0"/>
+          </a:schemeClr>
+        </a:solidFill>
+        <a:ln w="19050" cap="flat" cmpd="sng" algn="ctr">
+          <a:solidFill>
+            <a:schemeClr val="lt1">
+              <a:hueOff val="0"/>
+              <a:satOff val="0"/>
+              <a:lumOff val="0"/>
+              <a:alphaOff val="0"/>
+            </a:schemeClr>
+          </a:solidFill>
+          <a:prstDash val="solid"/>
+        </a:ln>
+        <a:effectLst/>
+      </dsp:spPr>
+      <dsp:style>
+        <a:lnRef idx="2">
+          <a:scrgbClr r="0" g="0" b="0"/>
+        </a:lnRef>
+        <a:fillRef idx="1">
+          <a:scrgbClr r="0" g="0" b="0"/>
+        </a:fillRef>
+        <a:effectRef idx="0">
+          <a:scrgbClr r="0" g="0" b="0"/>
+        </a:effectRef>
+        <a:fontRef idx="minor">
+          <a:schemeClr val="lt1"/>
+        </a:fontRef>
+      </dsp:style>
+      <dsp:txBody>
+        <a:bodyPr spcFirstLastPara="0" vert="horz" wrap="square" lIns="71120" tIns="71120" rIns="71120" bIns="71120" numCol="1" spcCol="1270" anchor="ctr" anchorCtr="0">
+          <a:noAutofit/>
+        </a:bodyPr>
+        <a:lstStyle/>
+        <a:p>
+          <a:pPr lvl="0" algn="ctr" defTabSz="444500">
+            <a:lnSpc>
+              <a:spcPct val="90000"/>
+            </a:lnSpc>
+            <a:spcBef>
+              <a:spcPct val="0"/>
+            </a:spcBef>
+            <a:spcAft>
+              <a:spcPct val="35000"/>
+            </a:spcAft>
+          </a:pPr>
+          <a:r>
+            <a:rPr lang="en-SG" sz="1000" kern="1200" dirty="0" smtClean="0"/>
+            <a:t>Identify Relevant Architecture </a:t>
+          </a:r>
+          <a:r>
+            <a:rPr lang="en-SG" sz="1000" kern="1200" dirty="0" err="1" smtClean="0"/>
+            <a:t>Artifacts</a:t>
+          </a:r>
+          <a:endParaRPr lang="en-SG" sz="1000" kern="1200" dirty="0"/>
+        </a:p>
+      </dsp:txBody>
+      <dsp:txXfrm>
+        <a:off x="2159074" y="486526"/>
+        <a:ext cx="1754013" cy="1052408"/>
+      </dsp:txXfrm>
+    </dsp:sp>
+    <dsp:sp modelId="{6C044EBF-327D-4A58-9F23-F2A5BBF0F47F}">
+      <dsp:nvSpPr>
+        <dsp:cNvPr id="0" name=""/>
+        <dsp:cNvSpPr/>
+      </dsp:nvSpPr>
+      <dsp:spPr>
+        <a:xfrm>
+          <a:off x="6068725" y="967010"/>
+          <a:ext cx="372823" cy="91440"/>
+        </a:xfrm>
+        <a:custGeom>
+          <a:avLst/>
+          <a:gdLst/>
+          <a:ahLst/>
+          <a:cxnLst/>
+          <a:rect l="0" t="0" r="0" b="0"/>
+          <a:pathLst>
+            <a:path>
+              <a:moveTo>
+                <a:pt x="0" y="45720"/>
+              </a:moveTo>
+              <a:lnTo>
+                <a:pt x="372823" y="45720"/>
+              </a:lnTo>
+            </a:path>
+          </a:pathLst>
+        </a:custGeom>
+        <a:noFill/>
+        <a:ln w="9525" cap="flat" cmpd="sng" algn="ctr">
+          <a:solidFill>
+            <a:schemeClr val="accent1">
+              <a:hueOff val="0"/>
+              <a:satOff val="0"/>
+              <a:lumOff val="0"/>
+              <a:alphaOff val="0"/>
+            </a:schemeClr>
+          </a:solidFill>
+          <a:prstDash val="solid"/>
+          <a:tailEnd type="arrow"/>
+        </a:ln>
+        <a:effectLst/>
+      </dsp:spPr>
+      <dsp:style>
+        <a:lnRef idx="1">
+          <a:scrgbClr r="0" g="0" b="0"/>
+        </a:lnRef>
+        <a:fillRef idx="0">
+          <a:scrgbClr r="0" g="0" b="0"/>
+        </a:fillRef>
+        <a:effectRef idx="0">
+          <a:scrgbClr r="0" g="0" b="0"/>
+        </a:effectRef>
+        <a:fontRef idx="minor"/>
+      </dsp:style>
+      <dsp:txBody>
+        <a:bodyPr spcFirstLastPara="0" vert="horz" wrap="square" lIns="12700" tIns="0" rIns="12700" bIns="0" numCol="1" spcCol="1270" anchor="ctr" anchorCtr="0">
+          <a:noAutofit/>
+        </a:bodyPr>
+        <a:lstStyle/>
+        <a:p>
+          <a:pPr lvl="0" algn="ctr" defTabSz="222250">
+            <a:lnSpc>
+              <a:spcPct val="90000"/>
+            </a:lnSpc>
+            <a:spcBef>
+              <a:spcPct val="0"/>
+            </a:spcBef>
+            <a:spcAft>
+              <a:spcPct val="35000"/>
+            </a:spcAft>
+          </a:pPr>
+          <a:endParaRPr lang="en-SG" sz="500" kern="1200"/>
+        </a:p>
+      </dsp:txBody>
+      <dsp:txXfrm>
+        <a:off x="6245051" y="1010713"/>
+        <a:ext cx="20171" cy="4034"/>
+      </dsp:txXfrm>
+    </dsp:sp>
+    <dsp:sp modelId="{6951C3C4-A85C-493D-8BC9-063148C94382}">
+      <dsp:nvSpPr>
+        <dsp:cNvPr id="0" name=""/>
+        <dsp:cNvSpPr/>
+      </dsp:nvSpPr>
+      <dsp:spPr>
+        <a:xfrm>
+          <a:off x="4316511" y="486526"/>
+          <a:ext cx="1754013" cy="1052408"/>
+        </a:xfrm>
+        <a:prstGeom prst="rect">
+          <a:avLst/>
+        </a:prstGeom>
+        <a:solidFill>
+          <a:schemeClr val="accent1">
+            <a:hueOff val="0"/>
+            <a:satOff val="0"/>
+            <a:lumOff val="0"/>
+            <a:alphaOff val="0"/>
+          </a:schemeClr>
+        </a:solidFill>
+        <a:ln w="19050" cap="flat" cmpd="sng" algn="ctr">
+          <a:solidFill>
+            <a:schemeClr val="lt1">
+              <a:hueOff val="0"/>
+              <a:satOff val="0"/>
+              <a:lumOff val="0"/>
+              <a:alphaOff val="0"/>
+            </a:schemeClr>
+          </a:solidFill>
+          <a:prstDash val="solid"/>
+        </a:ln>
+        <a:effectLst/>
+      </dsp:spPr>
+      <dsp:style>
+        <a:lnRef idx="2">
+          <a:scrgbClr r="0" g="0" b="0"/>
+        </a:lnRef>
+        <a:fillRef idx="1">
+          <a:scrgbClr r="0" g="0" b="0"/>
+        </a:fillRef>
+        <a:effectRef idx="0">
+          <a:scrgbClr r="0" g="0" b="0"/>
+        </a:effectRef>
+        <a:fontRef idx="minor">
+          <a:schemeClr val="lt1"/>
+        </a:fontRef>
+      </dsp:style>
+      <dsp:txBody>
+        <a:bodyPr spcFirstLastPara="0" vert="horz" wrap="square" lIns="71120" tIns="71120" rIns="71120" bIns="71120" numCol="1" spcCol="1270" anchor="ctr" anchorCtr="0">
+          <a:noAutofit/>
+        </a:bodyPr>
+        <a:lstStyle/>
+        <a:p>
+          <a:pPr lvl="0" algn="ctr" defTabSz="444500">
+            <a:lnSpc>
+              <a:spcPct val="90000"/>
+            </a:lnSpc>
+            <a:spcBef>
+              <a:spcPct val="0"/>
+            </a:spcBef>
+            <a:spcAft>
+              <a:spcPct val="35000"/>
+            </a:spcAft>
+          </a:pPr>
+          <a:r>
+            <a:rPr lang="en-SG" sz="1000" kern="1200" dirty="0" smtClean="0"/>
+            <a:t>Schedule Architecture Review Meeting with Project Implementation Team</a:t>
+          </a:r>
+          <a:endParaRPr lang="en-SG" sz="1000" kern="1200" dirty="0"/>
+        </a:p>
+      </dsp:txBody>
+      <dsp:txXfrm>
+        <a:off x="4316511" y="486526"/>
+        <a:ext cx="1754013" cy="1052408"/>
+      </dsp:txXfrm>
+    </dsp:sp>
+    <dsp:sp modelId="{2A776C23-0E45-448E-BD17-73FA9CEEE4FC}">
+      <dsp:nvSpPr>
+        <dsp:cNvPr id="0" name=""/>
+        <dsp:cNvSpPr/>
+      </dsp:nvSpPr>
+      <dsp:spPr>
+        <a:xfrm>
+          <a:off x="878644" y="1537135"/>
+          <a:ext cx="6472311" cy="372823"/>
+        </a:xfrm>
+        <a:custGeom>
+          <a:avLst/>
+          <a:gdLst/>
+          <a:ahLst/>
+          <a:cxnLst/>
+          <a:rect l="0" t="0" r="0" b="0"/>
+          <a:pathLst>
+            <a:path>
+              <a:moveTo>
+                <a:pt x="6472311" y="0"/>
+              </a:moveTo>
+              <a:lnTo>
+                <a:pt x="6472311" y="203511"/>
+              </a:lnTo>
+              <a:lnTo>
+                <a:pt x="0" y="203511"/>
+              </a:lnTo>
+              <a:lnTo>
+                <a:pt x="0" y="372823"/>
+              </a:lnTo>
+            </a:path>
+          </a:pathLst>
+        </a:custGeom>
+        <a:noFill/>
+        <a:ln w="9525" cap="flat" cmpd="sng" algn="ctr">
+          <a:solidFill>
+            <a:schemeClr val="accent1">
+              <a:hueOff val="0"/>
+              <a:satOff val="0"/>
+              <a:lumOff val="0"/>
+              <a:alphaOff val="0"/>
+            </a:schemeClr>
+          </a:solidFill>
+          <a:prstDash val="solid"/>
+          <a:tailEnd type="arrow"/>
+        </a:ln>
+        <a:effectLst/>
+      </dsp:spPr>
+      <dsp:style>
+        <a:lnRef idx="1">
+          <a:scrgbClr r="0" g="0" b="0"/>
+        </a:lnRef>
+        <a:fillRef idx="0">
+          <a:scrgbClr r="0" g="0" b="0"/>
+        </a:fillRef>
+        <a:effectRef idx="0">
+          <a:scrgbClr r="0" g="0" b="0"/>
+        </a:effectRef>
+        <a:fontRef idx="minor"/>
+      </dsp:style>
+      <dsp:txBody>
+        <a:bodyPr spcFirstLastPara="0" vert="horz" wrap="square" lIns="12700" tIns="0" rIns="12700" bIns="0" numCol="1" spcCol="1270" anchor="ctr" anchorCtr="0">
+          <a:noAutofit/>
+        </a:bodyPr>
+        <a:lstStyle/>
+        <a:p>
+          <a:pPr lvl="0" algn="ctr" defTabSz="222250">
+            <a:lnSpc>
+              <a:spcPct val="90000"/>
+            </a:lnSpc>
+            <a:spcBef>
+              <a:spcPct val="0"/>
+            </a:spcBef>
+            <a:spcAft>
+              <a:spcPct val="35000"/>
+            </a:spcAft>
+          </a:pPr>
+          <a:endParaRPr lang="en-SG" sz="500" kern="1200"/>
+        </a:p>
+      </dsp:txBody>
+      <dsp:txXfrm>
+        <a:off x="3952678" y="1721529"/>
+        <a:ext cx="324243" cy="4034"/>
+      </dsp:txXfrm>
+    </dsp:sp>
+    <dsp:sp modelId="{0210BD04-31E4-48E2-B51C-94F4C4E5B143}">
+      <dsp:nvSpPr>
+        <dsp:cNvPr id="0" name=""/>
+        <dsp:cNvSpPr/>
+      </dsp:nvSpPr>
+      <dsp:spPr>
+        <a:xfrm>
+          <a:off x="6473948" y="486526"/>
+          <a:ext cx="1754013" cy="1052408"/>
+        </a:xfrm>
+        <a:prstGeom prst="rect">
+          <a:avLst/>
+        </a:prstGeom>
+        <a:solidFill>
+          <a:schemeClr val="accent1">
+            <a:hueOff val="0"/>
+            <a:satOff val="0"/>
+            <a:lumOff val="0"/>
+            <a:alphaOff val="0"/>
+          </a:schemeClr>
+        </a:solidFill>
+        <a:ln w="19050" cap="flat" cmpd="sng" algn="ctr">
+          <a:solidFill>
+            <a:schemeClr val="lt1">
+              <a:hueOff val="0"/>
+              <a:satOff val="0"/>
+              <a:lumOff val="0"/>
+              <a:alphaOff val="0"/>
+            </a:schemeClr>
+          </a:solidFill>
+          <a:prstDash val="solid"/>
+        </a:ln>
+        <a:effectLst/>
+      </dsp:spPr>
+      <dsp:style>
+        <a:lnRef idx="2">
+          <a:scrgbClr r="0" g="0" b="0"/>
+        </a:lnRef>
+        <a:fillRef idx="1">
+          <a:scrgbClr r="0" g="0" b="0"/>
+        </a:fillRef>
+        <a:effectRef idx="0">
+          <a:scrgbClr r="0" g="0" b="0"/>
+        </a:effectRef>
+        <a:fontRef idx="minor">
+          <a:schemeClr val="lt1"/>
+        </a:fontRef>
+      </dsp:style>
+      <dsp:txBody>
+        <a:bodyPr spcFirstLastPara="0" vert="horz" wrap="square" lIns="71120" tIns="71120" rIns="71120" bIns="71120" numCol="1" spcCol="1270" anchor="ctr" anchorCtr="0">
+          <a:noAutofit/>
+        </a:bodyPr>
+        <a:lstStyle/>
+        <a:p>
+          <a:pPr lvl="0" algn="ctr" defTabSz="444500">
+            <a:lnSpc>
+              <a:spcPct val="90000"/>
+            </a:lnSpc>
+            <a:spcBef>
+              <a:spcPct val="0"/>
+            </a:spcBef>
+            <a:spcAft>
+              <a:spcPct val="35000"/>
+            </a:spcAft>
+          </a:pPr>
+          <a:r>
+            <a:rPr lang="en-SG" sz="1000" kern="1200" dirty="0" smtClean="0"/>
+            <a:t>Determine Validity of Exception with respect to the </a:t>
+          </a:r>
+          <a:r>
+            <a:rPr lang="en-SG" sz="1000" kern="1200" dirty="0" err="1" smtClean="0"/>
+            <a:t>Artifacts</a:t>
+          </a:r>
+          <a:endParaRPr lang="en-SG" sz="1000" kern="1200" dirty="0"/>
+        </a:p>
+      </dsp:txBody>
+      <dsp:txXfrm>
+        <a:off x="6473948" y="486526"/>
+        <a:ext cx="1754013" cy="1052408"/>
+      </dsp:txXfrm>
+    </dsp:sp>
+    <dsp:sp modelId="{68525CF7-533B-4681-9262-B5A32362DC39}">
+      <dsp:nvSpPr>
+        <dsp:cNvPr id="0" name=""/>
+        <dsp:cNvSpPr/>
+      </dsp:nvSpPr>
+      <dsp:spPr>
+        <a:xfrm>
+          <a:off x="1753851" y="2422842"/>
+          <a:ext cx="372823" cy="91440"/>
+        </a:xfrm>
+        <a:custGeom>
+          <a:avLst/>
+          <a:gdLst/>
+          <a:ahLst/>
+          <a:cxnLst/>
+          <a:rect l="0" t="0" r="0" b="0"/>
+          <a:pathLst>
+            <a:path>
+              <a:moveTo>
+                <a:pt x="0" y="45720"/>
+              </a:moveTo>
+              <a:lnTo>
+                <a:pt x="372823" y="45720"/>
+              </a:lnTo>
+            </a:path>
+          </a:pathLst>
+        </a:custGeom>
+        <a:noFill/>
+        <a:ln w="9525" cap="flat" cmpd="sng" algn="ctr">
+          <a:solidFill>
+            <a:schemeClr val="accent1">
+              <a:hueOff val="0"/>
+              <a:satOff val="0"/>
+              <a:lumOff val="0"/>
+              <a:alphaOff val="0"/>
+            </a:schemeClr>
+          </a:solidFill>
+          <a:prstDash val="solid"/>
+          <a:tailEnd type="arrow"/>
+        </a:ln>
+        <a:effectLst/>
+      </dsp:spPr>
+      <dsp:style>
+        <a:lnRef idx="1">
+          <a:scrgbClr r="0" g="0" b="0"/>
+        </a:lnRef>
+        <a:fillRef idx="0">
+          <a:scrgbClr r="0" g="0" b="0"/>
+        </a:fillRef>
+        <a:effectRef idx="0">
+          <a:scrgbClr r="0" g="0" b="0"/>
+        </a:effectRef>
+        <a:fontRef idx="minor"/>
+      </dsp:style>
+      <dsp:txBody>
+        <a:bodyPr spcFirstLastPara="0" vert="horz" wrap="square" lIns="12700" tIns="0" rIns="12700" bIns="0" numCol="1" spcCol="1270" anchor="ctr" anchorCtr="0">
+          <a:noAutofit/>
+        </a:bodyPr>
+        <a:lstStyle/>
+        <a:p>
+          <a:pPr lvl="0" algn="ctr" defTabSz="222250">
+            <a:lnSpc>
+              <a:spcPct val="90000"/>
+            </a:lnSpc>
+            <a:spcBef>
+              <a:spcPct val="0"/>
+            </a:spcBef>
+            <a:spcAft>
+              <a:spcPct val="35000"/>
+            </a:spcAft>
+          </a:pPr>
+          <a:endParaRPr lang="en-SG" sz="500" kern="1200"/>
+        </a:p>
+      </dsp:txBody>
+      <dsp:txXfrm>
+        <a:off x="1930177" y="2466545"/>
+        <a:ext cx="20171" cy="4034"/>
+      </dsp:txXfrm>
+    </dsp:sp>
+    <dsp:sp modelId="{D4C5727C-9267-44F9-ABC0-B03E9120B6EC}">
+      <dsp:nvSpPr>
+        <dsp:cNvPr id="0" name=""/>
+        <dsp:cNvSpPr/>
+      </dsp:nvSpPr>
+      <dsp:spPr>
+        <a:xfrm>
+          <a:off x="1637" y="1942358"/>
+          <a:ext cx="1754013" cy="1052408"/>
+        </a:xfrm>
+        <a:prstGeom prst="rect">
+          <a:avLst/>
+        </a:prstGeom>
+        <a:solidFill>
+          <a:schemeClr val="accent1">
+            <a:hueOff val="0"/>
+            <a:satOff val="0"/>
+            <a:lumOff val="0"/>
+            <a:alphaOff val="0"/>
+          </a:schemeClr>
+        </a:solidFill>
+        <a:ln w="19050" cap="flat" cmpd="sng" algn="ctr">
+          <a:solidFill>
+            <a:schemeClr val="lt1">
+              <a:hueOff val="0"/>
+              <a:satOff val="0"/>
+              <a:lumOff val="0"/>
+              <a:alphaOff val="0"/>
+            </a:schemeClr>
+          </a:solidFill>
+          <a:prstDash val="solid"/>
+        </a:ln>
+        <a:effectLst/>
+      </dsp:spPr>
+      <dsp:style>
+        <a:lnRef idx="2">
+          <a:scrgbClr r="0" g="0" b="0"/>
+        </a:lnRef>
+        <a:fillRef idx="1">
+          <a:scrgbClr r="0" g="0" b="0"/>
+        </a:fillRef>
+        <a:effectRef idx="0">
+          <a:scrgbClr r="0" g="0" b="0"/>
+        </a:effectRef>
+        <a:fontRef idx="minor">
+          <a:schemeClr val="lt1"/>
+        </a:fontRef>
+      </dsp:style>
+      <dsp:txBody>
+        <a:bodyPr spcFirstLastPara="0" vert="horz" wrap="square" lIns="71120" tIns="71120" rIns="71120" bIns="71120" numCol="1" spcCol="1270" anchor="ctr" anchorCtr="0">
+          <a:noAutofit/>
+        </a:bodyPr>
+        <a:lstStyle/>
+        <a:p>
+          <a:pPr lvl="0" algn="ctr" defTabSz="444500">
+            <a:lnSpc>
+              <a:spcPct val="90000"/>
+            </a:lnSpc>
+            <a:spcBef>
+              <a:spcPct val="0"/>
+            </a:spcBef>
+            <a:spcAft>
+              <a:spcPct val="35000"/>
+            </a:spcAft>
+          </a:pPr>
+          <a:r>
+            <a:rPr lang="en-SG" sz="1000" kern="1200" dirty="0" smtClean="0"/>
+            <a:t>If Exception is Invalid, Flag Exception as Non-Conformance and Requires Rectification</a:t>
+          </a:r>
+          <a:endParaRPr lang="en-SG" sz="1000" kern="1200" dirty="0"/>
+        </a:p>
+      </dsp:txBody>
+      <dsp:txXfrm>
+        <a:off x="1637" y="1942358"/>
+        <a:ext cx="1754013" cy="1052408"/>
+      </dsp:txXfrm>
+    </dsp:sp>
+    <dsp:sp modelId="{1CA4F472-4F25-4CB6-9D38-5C2065D92AD1}">
+      <dsp:nvSpPr>
+        <dsp:cNvPr id="0" name=""/>
+        <dsp:cNvSpPr/>
+      </dsp:nvSpPr>
+      <dsp:spPr>
+        <a:xfrm>
+          <a:off x="3911288" y="2422842"/>
+          <a:ext cx="372823" cy="91440"/>
+        </a:xfrm>
+        <a:custGeom>
+          <a:avLst/>
+          <a:gdLst/>
+          <a:ahLst/>
+          <a:cxnLst/>
+          <a:rect l="0" t="0" r="0" b="0"/>
+          <a:pathLst>
+            <a:path>
+              <a:moveTo>
+                <a:pt x="0" y="45720"/>
+              </a:moveTo>
+              <a:lnTo>
+                <a:pt x="372823" y="45720"/>
+              </a:lnTo>
+            </a:path>
+          </a:pathLst>
+        </a:custGeom>
+        <a:noFill/>
+        <a:ln w="9525" cap="flat" cmpd="sng" algn="ctr">
+          <a:solidFill>
+            <a:schemeClr val="accent1">
+              <a:hueOff val="0"/>
+              <a:satOff val="0"/>
+              <a:lumOff val="0"/>
+              <a:alphaOff val="0"/>
+            </a:schemeClr>
+          </a:solidFill>
+          <a:prstDash val="solid"/>
+          <a:tailEnd type="arrow"/>
+        </a:ln>
+        <a:effectLst/>
+      </dsp:spPr>
+      <dsp:style>
+        <a:lnRef idx="1">
+          <a:scrgbClr r="0" g="0" b="0"/>
+        </a:lnRef>
+        <a:fillRef idx="0">
+          <a:scrgbClr r="0" g="0" b="0"/>
+        </a:fillRef>
+        <a:effectRef idx="0">
+          <a:scrgbClr r="0" g="0" b="0"/>
+        </a:effectRef>
+        <a:fontRef idx="minor"/>
+      </dsp:style>
+      <dsp:txBody>
+        <a:bodyPr spcFirstLastPara="0" vert="horz" wrap="square" lIns="12700" tIns="0" rIns="12700" bIns="0" numCol="1" spcCol="1270" anchor="ctr" anchorCtr="0">
+          <a:noAutofit/>
+        </a:bodyPr>
+        <a:lstStyle/>
+        <a:p>
+          <a:pPr lvl="0" algn="ctr" defTabSz="222250">
+            <a:lnSpc>
+              <a:spcPct val="90000"/>
+            </a:lnSpc>
+            <a:spcBef>
+              <a:spcPct val="0"/>
+            </a:spcBef>
+            <a:spcAft>
+              <a:spcPct val="35000"/>
+            </a:spcAft>
+          </a:pPr>
+          <a:endParaRPr lang="en-SG" sz="500" kern="1200"/>
+        </a:p>
+      </dsp:txBody>
+      <dsp:txXfrm>
+        <a:off x="4087614" y="2466545"/>
+        <a:ext cx="20171" cy="4034"/>
+      </dsp:txXfrm>
+    </dsp:sp>
+    <dsp:sp modelId="{98D89EA7-C3CD-49A5-9685-51DD564C993C}">
+      <dsp:nvSpPr>
+        <dsp:cNvPr id="0" name=""/>
+        <dsp:cNvSpPr/>
+      </dsp:nvSpPr>
+      <dsp:spPr>
+        <a:xfrm>
+          <a:off x="2159074" y="1942358"/>
+          <a:ext cx="1754013" cy="1052408"/>
+        </a:xfrm>
+        <a:prstGeom prst="rect">
+          <a:avLst/>
+        </a:prstGeom>
+        <a:solidFill>
+          <a:schemeClr val="accent1">
+            <a:hueOff val="0"/>
+            <a:satOff val="0"/>
+            <a:lumOff val="0"/>
+            <a:alphaOff val="0"/>
+          </a:schemeClr>
+        </a:solidFill>
+        <a:ln w="19050" cap="flat" cmpd="sng" algn="ctr">
+          <a:solidFill>
+            <a:schemeClr val="lt1">
+              <a:hueOff val="0"/>
+              <a:satOff val="0"/>
+              <a:lumOff val="0"/>
+              <a:alphaOff val="0"/>
+            </a:schemeClr>
+          </a:solidFill>
+          <a:prstDash val="solid"/>
+        </a:ln>
+        <a:effectLst/>
+      </dsp:spPr>
+      <dsp:style>
+        <a:lnRef idx="2">
+          <a:scrgbClr r="0" g="0" b="0"/>
+        </a:lnRef>
+        <a:fillRef idx="1">
+          <a:scrgbClr r="0" g="0" b="0"/>
+        </a:fillRef>
+        <a:effectRef idx="0">
+          <a:scrgbClr r="0" g="0" b="0"/>
+        </a:effectRef>
+        <a:fontRef idx="minor">
+          <a:schemeClr val="lt1"/>
+        </a:fontRef>
+      </dsp:style>
+      <dsp:txBody>
+        <a:bodyPr spcFirstLastPara="0" vert="horz" wrap="square" lIns="71120" tIns="71120" rIns="71120" bIns="71120" numCol="1" spcCol="1270" anchor="ctr" anchorCtr="0">
+          <a:noAutofit/>
+        </a:bodyPr>
+        <a:lstStyle/>
+        <a:p>
+          <a:pPr lvl="0" algn="ctr" defTabSz="444500">
+            <a:lnSpc>
+              <a:spcPct val="90000"/>
+            </a:lnSpc>
+            <a:spcBef>
+              <a:spcPct val="0"/>
+            </a:spcBef>
+            <a:spcAft>
+              <a:spcPct val="35000"/>
+            </a:spcAft>
+          </a:pPr>
+          <a:r>
+            <a:rPr lang="en-SG" sz="1000" kern="1200" dirty="0" smtClean="0"/>
+            <a:t>If Exception is Valid, Escalate Exception to Architecture Advisory Board</a:t>
+          </a:r>
+          <a:endParaRPr lang="en-SG" sz="1000" kern="1200" dirty="0"/>
+        </a:p>
+      </dsp:txBody>
+      <dsp:txXfrm>
+        <a:off x="2159074" y="1942358"/>
+        <a:ext cx="1754013" cy="1052408"/>
+      </dsp:txXfrm>
+    </dsp:sp>
+    <dsp:sp modelId="{AEF3A22A-8587-4FF4-BED8-8BB863D1171F}">
+      <dsp:nvSpPr>
+        <dsp:cNvPr id="0" name=""/>
+        <dsp:cNvSpPr/>
+      </dsp:nvSpPr>
+      <dsp:spPr>
+        <a:xfrm>
+          <a:off x="6068725" y="2422842"/>
+          <a:ext cx="372823" cy="91440"/>
+        </a:xfrm>
+        <a:custGeom>
+          <a:avLst/>
+          <a:gdLst/>
+          <a:ahLst/>
+          <a:cxnLst/>
+          <a:rect l="0" t="0" r="0" b="0"/>
+          <a:pathLst>
+            <a:path>
+              <a:moveTo>
+                <a:pt x="0" y="45720"/>
+              </a:moveTo>
+              <a:lnTo>
+                <a:pt x="372823" y="45720"/>
+              </a:lnTo>
+            </a:path>
+          </a:pathLst>
+        </a:custGeom>
+        <a:noFill/>
+        <a:ln w="9525" cap="flat" cmpd="sng" algn="ctr">
+          <a:solidFill>
+            <a:schemeClr val="accent1">
+              <a:hueOff val="0"/>
+              <a:satOff val="0"/>
+              <a:lumOff val="0"/>
+              <a:alphaOff val="0"/>
+            </a:schemeClr>
+          </a:solidFill>
+          <a:prstDash val="solid"/>
+          <a:tailEnd type="arrow"/>
+        </a:ln>
+        <a:effectLst/>
+      </dsp:spPr>
+      <dsp:style>
+        <a:lnRef idx="1">
+          <a:scrgbClr r="0" g="0" b="0"/>
+        </a:lnRef>
+        <a:fillRef idx="0">
+          <a:scrgbClr r="0" g="0" b="0"/>
+        </a:fillRef>
+        <a:effectRef idx="0">
+          <a:scrgbClr r="0" g="0" b="0"/>
+        </a:effectRef>
+        <a:fontRef idx="minor"/>
+      </dsp:style>
+      <dsp:txBody>
+        <a:bodyPr spcFirstLastPara="0" vert="horz" wrap="square" lIns="12700" tIns="0" rIns="12700" bIns="0" numCol="1" spcCol="1270" anchor="ctr" anchorCtr="0">
+          <a:noAutofit/>
+        </a:bodyPr>
+        <a:lstStyle/>
+        <a:p>
+          <a:pPr lvl="0" algn="ctr" defTabSz="222250">
+            <a:lnSpc>
+              <a:spcPct val="90000"/>
+            </a:lnSpc>
+            <a:spcBef>
+              <a:spcPct val="0"/>
+            </a:spcBef>
+            <a:spcAft>
+              <a:spcPct val="35000"/>
+            </a:spcAft>
+          </a:pPr>
+          <a:endParaRPr lang="en-SG" sz="500" kern="1200"/>
+        </a:p>
+      </dsp:txBody>
+      <dsp:txXfrm>
+        <a:off x="6245051" y="2466545"/>
+        <a:ext cx="20171" cy="4034"/>
+      </dsp:txXfrm>
+    </dsp:sp>
+    <dsp:sp modelId="{DDB446B5-9299-4314-B4DE-EE8200C68AC5}">
+      <dsp:nvSpPr>
+        <dsp:cNvPr id="0" name=""/>
+        <dsp:cNvSpPr/>
+      </dsp:nvSpPr>
+      <dsp:spPr>
+        <a:xfrm>
+          <a:off x="4316511" y="1942358"/>
+          <a:ext cx="1754013" cy="1052408"/>
+        </a:xfrm>
+        <a:prstGeom prst="rect">
+          <a:avLst/>
+        </a:prstGeom>
+        <a:solidFill>
+          <a:schemeClr val="accent1">
+            <a:hueOff val="0"/>
+            <a:satOff val="0"/>
+            <a:lumOff val="0"/>
+            <a:alphaOff val="0"/>
+          </a:schemeClr>
+        </a:solidFill>
+        <a:ln w="19050" cap="flat" cmpd="sng" algn="ctr">
+          <a:solidFill>
+            <a:schemeClr val="lt1">
+              <a:hueOff val="0"/>
+              <a:satOff val="0"/>
+              <a:lumOff val="0"/>
+              <a:alphaOff val="0"/>
+            </a:schemeClr>
+          </a:solidFill>
+          <a:prstDash val="solid"/>
+        </a:ln>
+        <a:effectLst/>
+      </dsp:spPr>
+      <dsp:style>
+        <a:lnRef idx="2">
+          <a:scrgbClr r="0" g="0" b="0"/>
+        </a:lnRef>
+        <a:fillRef idx="1">
+          <a:scrgbClr r="0" g="0" b="0"/>
+        </a:fillRef>
+        <a:effectRef idx="0">
+          <a:scrgbClr r="0" g="0" b="0"/>
+        </a:effectRef>
+        <a:fontRef idx="minor">
+          <a:schemeClr val="lt1"/>
+        </a:fontRef>
+      </dsp:style>
+      <dsp:txBody>
+        <a:bodyPr spcFirstLastPara="0" vert="horz" wrap="square" lIns="71120" tIns="71120" rIns="71120" bIns="71120" numCol="1" spcCol="1270" anchor="ctr" anchorCtr="0">
+          <a:noAutofit/>
+        </a:bodyPr>
+        <a:lstStyle/>
+        <a:p>
+          <a:pPr lvl="0" algn="ctr" defTabSz="444500">
+            <a:lnSpc>
+              <a:spcPct val="90000"/>
+            </a:lnSpc>
+            <a:spcBef>
+              <a:spcPct val="0"/>
+            </a:spcBef>
+            <a:spcAft>
+              <a:spcPct val="35000"/>
+            </a:spcAft>
+          </a:pPr>
+          <a:r>
+            <a:rPr lang="en-SG" sz="1000" kern="1200" dirty="0" smtClean="0"/>
+            <a:t>Architecture Advisory Board to Determine if the Exception can be made.</a:t>
+          </a:r>
+          <a:endParaRPr lang="en-SG" sz="1000" kern="1200" dirty="0"/>
+        </a:p>
+      </dsp:txBody>
+      <dsp:txXfrm>
+        <a:off x="4316511" y="1942358"/>
+        <a:ext cx="1754013" cy="1052408"/>
+      </dsp:txXfrm>
+    </dsp:sp>
+    <dsp:sp modelId="{55A07B2E-0858-4E17-8D28-FB396FECB34C}">
+      <dsp:nvSpPr>
+        <dsp:cNvPr id="0" name=""/>
+        <dsp:cNvSpPr/>
+      </dsp:nvSpPr>
+      <dsp:spPr>
+        <a:xfrm>
+          <a:off x="878644" y="2992966"/>
+          <a:ext cx="6472311" cy="372823"/>
+        </a:xfrm>
+        <a:custGeom>
+          <a:avLst/>
+          <a:gdLst/>
+          <a:ahLst/>
+          <a:cxnLst/>
+          <a:rect l="0" t="0" r="0" b="0"/>
+          <a:pathLst>
+            <a:path>
+              <a:moveTo>
+                <a:pt x="6472311" y="0"/>
+              </a:moveTo>
+              <a:lnTo>
+                <a:pt x="6472311" y="203511"/>
+              </a:lnTo>
+              <a:lnTo>
+                <a:pt x="0" y="203511"/>
+              </a:lnTo>
+              <a:lnTo>
+                <a:pt x="0" y="372823"/>
+              </a:lnTo>
+            </a:path>
+          </a:pathLst>
+        </a:custGeom>
+        <a:noFill/>
+        <a:ln w="9525" cap="flat" cmpd="sng" algn="ctr">
+          <a:solidFill>
+            <a:schemeClr val="accent1">
+              <a:hueOff val="0"/>
+              <a:satOff val="0"/>
+              <a:lumOff val="0"/>
+              <a:alphaOff val="0"/>
+            </a:schemeClr>
+          </a:solidFill>
+          <a:prstDash val="solid"/>
+          <a:tailEnd type="arrow"/>
+        </a:ln>
+        <a:effectLst/>
+      </dsp:spPr>
+      <dsp:style>
+        <a:lnRef idx="1">
+          <a:scrgbClr r="0" g="0" b="0"/>
+        </a:lnRef>
+        <a:fillRef idx="0">
+          <a:scrgbClr r="0" g="0" b="0"/>
+        </a:fillRef>
+        <a:effectRef idx="0">
+          <a:scrgbClr r="0" g="0" b="0"/>
+        </a:effectRef>
+        <a:fontRef idx="minor"/>
+      </dsp:style>
+      <dsp:txBody>
+        <a:bodyPr spcFirstLastPara="0" vert="horz" wrap="square" lIns="12700" tIns="0" rIns="12700" bIns="0" numCol="1" spcCol="1270" anchor="ctr" anchorCtr="0">
+          <a:noAutofit/>
+        </a:bodyPr>
+        <a:lstStyle/>
+        <a:p>
+          <a:pPr lvl="0" algn="ctr" defTabSz="222250">
+            <a:lnSpc>
+              <a:spcPct val="90000"/>
+            </a:lnSpc>
+            <a:spcBef>
+              <a:spcPct val="0"/>
+            </a:spcBef>
+            <a:spcAft>
+              <a:spcPct val="35000"/>
+            </a:spcAft>
+          </a:pPr>
+          <a:endParaRPr lang="en-SG" sz="500" kern="1200"/>
+        </a:p>
+      </dsp:txBody>
+      <dsp:txXfrm>
+        <a:off x="3952678" y="3177361"/>
+        <a:ext cx="324243" cy="4034"/>
+      </dsp:txXfrm>
+    </dsp:sp>
+    <dsp:sp modelId="{6BA2E47B-A77B-4F20-8A22-85A0797B3620}">
+      <dsp:nvSpPr>
+        <dsp:cNvPr id="0" name=""/>
+        <dsp:cNvSpPr/>
+      </dsp:nvSpPr>
+      <dsp:spPr>
+        <a:xfrm>
+          <a:off x="6473948" y="1942358"/>
+          <a:ext cx="1754013" cy="1052408"/>
+        </a:xfrm>
+        <a:prstGeom prst="rect">
+          <a:avLst/>
+        </a:prstGeom>
+        <a:solidFill>
+          <a:schemeClr val="accent1">
+            <a:hueOff val="0"/>
+            <a:satOff val="0"/>
+            <a:lumOff val="0"/>
+            <a:alphaOff val="0"/>
+          </a:schemeClr>
+        </a:solidFill>
+        <a:ln w="19050" cap="flat" cmpd="sng" algn="ctr">
+          <a:solidFill>
+            <a:schemeClr val="lt1">
+              <a:hueOff val="0"/>
+              <a:satOff val="0"/>
+              <a:lumOff val="0"/>
+              <a:alphaOff val="0"/>
+            </a:schemeClr>
+          </a:solidFill>
+          <a:prstDash val="solid"/>
+        </a:ln>
+        <a:effectLst/>
+      </dsp:spPr>
+      <dsp:style>
+        <a:lnRef idx="2">
+          <a:scrgbClr r="0" g="0" b="0"/>
+        </a:lnRef>
+        <a:fillRef idx="1">
+          <a:scrgbClr r="0" g="0" b="0"/>
+        </a:fillRef>
+        <a:effectRef idx="0">
+          <a:scrgbClr r="0" g="0" b="0"/>
+        </a:effectRef>
+        <a:fontRef idx="minor">
+          <a:schemeClr val="lt1"/>
+        </a:fontRef>
+      </dsp:style>
+      <dsp:txBody>
+        <a:bodyPr spcFirstLastPara="0" vert="horz" wrap="square" lIns="71120" tIns="71120" rIns="71120" bIns="71120" numCol="1" spcCol="1270" anchor="ctr" anchorCtr="0">
+          <a:noAutofit/>
+        </a:bodyPr>
+        <a:lstStyle/>
+        <a:p>
+          <a:pPr lvl="0" algn="ctr" defTabSz="444500">
+            <a:lnSpc>
+              <a:spcPct val="90000"/>
+            </a:lnSpc>
+            <a:spcBef>
+              <a:spcPct val="0"/>
+            </a:spcBef>
+            <a:spcAft>
+              <a:spcPct val="35000"/>
+            </a:spcAft>
+          </a:pPr>
+          <a:r>
+            <a:rPr lang="en-SG" sz="1000" kern="1200" dirty="0" smtClean="0"/>
+            <a:t>If Exception can be made, approve the Exception</a:t>
+          </a:r>
+          <a:endParaRPr lang="en-SG" sz="1000" kern="1200" dirty="0"/>
+        </a:p>
+      </dsp:txBody>
+      <dsp:txXfrm>
+        <a:off x="6473948" y="1942358"/>
+        <a:ext cx="1754013" cy="1052408"/>
+      </dsp:txXfrm>
+    </dsp:sp>
+    <dsp:sp modelId="{1A3A2490-70B8-4225-90D5-823F6B6527EE}">
+      <dsp:nvSpPr>
+        <dsp:cNvPr id="0" name=""/>
+        <dsp:cNvSpPr/>
+      </dsp:nvSpPr>
+      <dsp:spPr>
+        <a:xfrm>
+          <a:off x="1753851" y="3878674"/>
+          <a:ext cx="372823" cy="91440"/>
+        </a:xfrm>
+        <a:custGeom>
+          <a:avLst/>
+          <a:gdLst/>
+          <a:ahLst/>
+          <a:cxnLst/>
+          <a:rect l="0" t="0" r="0" b="0"/>
+          <a:pathLst>
+            <a:path>
+              <a:moveTo>
+                <a:pt x="0" y="45720"/>
+              </a:moveTo>
+              <a:lnTo>
+                <a:pt x="372823" y="45720"/>
+              </a:lnTo>
+            </a:path>
+          </a:pathLst>
+        </a:custGeom>
+        <a:noFill/>
+        <a:ln w="9525" cap="flat" cmpd="sng" algn="ctr">
+          <a:solidFill>
+            <a:schemeClr val="accent1">
+              <a:hueOff val="0"/>
+              <a:satOff val="0"/>
+              <a:lumOff val="0"/>
+              <a:alphaOff val="0"/>
+            </a:schemeClr>
+          </a:solidFill>
+          <a:prstDash val="solid"/>
+          <a:tailEnd type="arrow"/>
+        </a:ln>
+        <a:effectLst/>
+      </dsp:spPr>
+      <dsp:style>
+        <a:lnRef idx="1">
+          <a:scrgbClr r="0" g="0" b="0"/>
+        </a:lnRef>
+        <a:fillRef idx="0">
+          <a:scrgbClr r="0" g="0" b="0"/>
+        </a:fillRef>
+        <a:effectRef idx="0">
+          <a:scrgbClr r="0" g="0" b="0"/>
+        </a:effectRef>
+        <a:fontRef idx="minor"/>
+      </dsp:style>
+      <dsp:txBody>
+        <a:bodyPr spcFirstLastPara="0" vert="horz" wrap="square" lIns="12700" tIns="0" rIns="12700" bIns="0" numCol="1" spcCol="1270" anchor="ctr" anchorCtr="0">
+          <a:noAutofit/>
+        </a:bodyPr>
+        <a:lstStyle/>
+        <a:p>
+          <a:pPr lvl="0" algn="ctr" defTabSz="222250">
+            <a:lnSpc>
+              <a:spcPct val="90000"/>
+            </a:lnSpc>
+            <a:spcBef>
+              <a:spcPct val="0"/>
+            </a:spcBef>
+            <a:spcAft>
+              <a:spcPct val="35000"/>
+            </a:spcAft>
+          </a:pPr>
+          <a:endParaRPr lang="en-SG" sz="500" kern="1200"/>
+        </a:p>
+      </dsp:txBody>
+      <dsp:txXfrm>
+        <a:off x="1930177" y="3922376"/>
+        <a:ext cx="20171" cy="4034"/>
+      </dsp:txXfrm>
+    </dsp:sp>
+    <dsp:sp modelId="{04C7A86C-63B6-4569-B8DB-9993C5CE0174}">
+      <dsp:nvSpPr>
+        <dsp:cNvPr id="0" name=""/>
+        <dsp:cNvSpPr/>
+      </dsp:nvSpPr>
+      <dsp:spPr>
+        <a:xfrm>
+          <a:off x="1637" y="3398189"/>
+          <a:ext cx="1754013" cy="1052408"/>
+        </a:xfrm>
+        <a:prstGeom prst="rect">
+          <a:avLst/>
+        </a:prstGeom>
+        <a:solidFill>
+          <a:schemeClr val="accent1">
+            <a:hueOff val="0"/>
+            <a:satOff val="0"/>
+            <a:lumOff val="0"/>
+            <a:alphaOff val="0"/>
+          </a:schemeClr>
+        </a:solidFill>
+        <a:ln w="19050" cap="flat" cmpd="sng" algn="ctr">
+          <a:solidFill>
+            <a:schemeClr val="lt1">
+              <a:hueOff val="0"/>
+              <a:satOff val="0"/>
+              <a:lumOff val="0"/>
+              <a:alphaOff val="0"/>
+            </a:schemeClr>
+          </a:solidFill>
+          <a:prstDash val="solid"/>
+        </a:ln>
+        <a:effectLst/>
+      </dsp:spPr>
+      <dsp:style>
+        <a:lnRef idx="2">
+          <a:scrgbClr r="0" g="0" b="0"/>
+        </a:lnRef>
+        <a:fillRef idx="1">
+          <a:scrgbClr r="0" g="0" b="0"/>
+        </a:fillRef>
+        <a:effectRef idx="0">
+          <a:scrgbClr r="0" g="0" b="0"/>
+        </a:effectRef>
+        <a:fontRef idx="minor">
+          <a:schemeClr val="lt1"/>
+        </a:fontRef>
+      </dsp:style>
+      <dsp:txBody>
+        <a:bodyPr spcFirstLastPara="0" vert="horz" wrap="square" lIns="71120" tIns="71120" rIns="71120" bIns="71120" numCol="1" spcCol="1270" anchor="ctr" anchorCtr="0">
+          <a:noAutofit/>
+        </a:bodyPr>
+        <a:lstStyle/>
+        <a:p>
+          <a:pPr lvl="0" algn="ctr" defTabSz="444500">
+            <a:lnSpc>
+              <a:spcPct val="90000"/>
+            </a:lnSpc>
+            <a:spcBef>
+              <a:spcPct val="0"/>
+            </a:spcBef>
+            <a:spcAft>
+              <a:spcPct val="35000"/>
+            </a:spcAft>
+          </a:pPr>
+          <a:r>
+            <a:rPr lang="en-SG" sz="1000" kern="1200" dirty="0" smtClean="0"/>
+            <a:t>If Exception is a result of Architecture </a:t>
+          </a:r>
+          <a:r>
+            <a:rPr lang="en-SG" sz="1000" kern="1200" dirty="0" err="1" smtClean="0"/>
+            <a:t>Artifact</a:t>
+          </a:r>
+          <a:r>
+            <a:rPr lang="en-SG" sz="1000" kern="1200" dirty="0" smtClean="0"/>
+            <a:t> errors, determine the impacted </a:t>
+          </a:r>
+          <a:r>
+            <a:rPr lang="en-SG" sz="1000" kern="1200" dirty="0" err="1" smtClean="0"/>
+            <a:t>Artifacts</a:t>
+          </a:r>
+          <a:r>
+            <a:rPr lang="en-SG" sz="1000" kern="1200" dirty="0" smtClean="0"/>
+            <a:t>.</a:t>
+          </a:r>
+          <a:endParaRPr lang="en-SG" sz="1000" kern="1200" dirty="0"/>
+        </a:p>
+      </dsp:txBody>
+      <dsp:txXfrm>
+        <a:off x="1637" y="3398189"/>
+        <a:ext cx="1754013" cy="1052408"/>
+      </dsp:txXfrm>
+    </dsp:sp>
+    <dsp:sp modelId="{28511E41-3CD7-44D4-8D52-30D01F2148BC}">
+      <dsp:nvSpPr>
+        <dsp:cNvPr id="0" name=""/>
+        <dsp:cNvSpPr/>
+      </dsp:nvSpPr>
+      <dsp:spPr>
+        <a:xfrm>
+          <a:off x="3911288" y="3878674"/>
+          <a:ext cx="372823" cy="91440"/>
+        </a:xfrm>
+        <a:custGeom>
+          <a:avLst/>
+          <a:gdLst/>
+          <a:ahLst/>
+          <a:cxnLst/>
+          <a:rect l="0" t="0" r="0" b="0"/>
+          <a:pathLst>
+            <a:path>
+              <a:moveTo>
+                <a:pt x="0" y="45720"/>
+              </a:moveTo>
+              <a:lnTo>
+                <a:pt x="372823" y="45720"/>
+              </a:lnTo>
+            </a:path>
+          </a:pathLst>
+        </a:custGeom>
+        <a:noFill/>
+        <a:ln w="9525" cap="flat" cmpd="sng" algn="ctr">
+          <a:solidFill>
+            <a:schemeClr val="accent1">
+              <a:hueOff val="0"/>
+              <a:satOff val="0"/>
+              <a:lumOff val="0"/>
+              <a:alphaOff val="0"/>
+            </a:schemeClr>
+          </a:solidFill>
+          <a:prstDash val="solid"/>
+          <a:tailEnd type="arrow"/>
+        </a:ln>
+        <a:effectLst/>
+      </dsp:spPr>
+      <dsp:style>
+        <a:lnRef idx="1">
+          <a:scrgbClr r="0" g="0" b="0"/>
+        </a:lnRef>
+        <a:fillRef idx="0">
+          <a:scrgbClr r="0" g="0" b="0"/>
+        </a:fillRef>
+        <a:effectRef idx="0">
+          <a:scrgbClr r="0" g="0" b="0"/>
+        </a:effectRef>
+        <a:fontRef idx="minor"/>
+      </dsp:style>
+      <dsp:txBody>
+        <a:bodyPr spcFirstLastPara="0" vert="horz" wrap="square" lIns="12700" tIns="0" rIns="12700" bIns="0" numCol="1" spcCol="1270" anchor="ctr" anchorCtr="0">
+          <a:noAutofit/>
+        </a:bodyPr>
+        <a:lstStyle/>
+        <a:p>
+          <a:pPr lvl="0" algn="ctr" defTabSz="222250">
+            <a:lnSpc>
+              <a:spcPct val="90000"/>
+            </a:lnSpc>
+            <a:spcBef>
+              <a:spcPct val="0"/>
+            </a:spcBef>
+            <a:spcAft>
+              <a:spcPct val="35000"/>
+            </a:spcAft>
+          </a:pPr>
+          <a:endParaRPr lang="en-SG" sz="500" kern="1200"/>
+        </a:p>
+      </dsp:txBody>
+      <dsp:txXfrm>
+        <a:off x="4087614" y="3922376"/>
+        <a:ext cx="20171" cy="4034"/>
+      </dsp:txXfrm>
+    </dsp:sp>
+    <dsp:sp modelId="{948B498E-43D5-4963-A000-23BCFBAB221B}">
+      <dsp:nvSpPr>
+        <dsp:cNvPr id="0" name=""/>
+        <dsp:cNvSpPr/>
+      </dsp:nvSpPr>
+      <dsp:spPr>
+        <a:xfrm>
+          <a:off x="2159074" y="3398189"/>
+          <a:ext cx="1754013" cy="1052408"/>
+        </a:xfrm>
+        <a:prstGeom prst="rect">
+          <a:avLst/>
+        </a:prstGeom>
+        <a:solidFill>
+          <a:schemeClr val="accent1">
+            <a:hueOff val="0"/>
+            <a:satOff val="0"/>
+            <a:lumOff val="0"/>
+            <a:alphaOff val="0"/>
+          </a:schemeClr>
+        </a:solidFill>
+        <a:ln w="19050" cap="flat" cmpd="sng" algn="ctr">
+          <a:solidFill>
+            <a:schemeClr val="lt1">
+              <a:hueOff val="0"/>
+              <a:satOff val="0"/>
+              <a:lumOff val="0"/>
+              <a:alphaOff val="0"/>
+            </a:schemeClr>
+          </a:solidFill>
+          <a:prstDash val="solid"/>
+        </a:ln>
+        <a:effectLst/>
+      </dsp:spPr>
+      <dsp:style>
+        <a:lnRef idx="2">
+          <a:scrgbClr r="0" g="0" b="0"/>
+        </a:lnRef>
+        <a:fillRef idx="1">
+          <a:scrgbClr r="0" g="0" b="0"/>
+        </a:fillRef>
+        <a:effectRef idx="0">
+          <a:scrgbClr r="0" g="0" b="0"/>
+        </a:effectRef>
+        <a:fontRef idx="minor">
+          <a:schemeClr val="lt1"/>
+        </a:fontRef>
+      </dsp:style>
+      <dsp:txBody>
+        <a:bodyPr spcFirstLastPara="0" vert="horz" wrap="square" lIns="71120" tIns="71120" rIns="71120" bIns="71120" numCol="1" spcCol="1270" anchor="ctr" anchorCtr="0">
+          <a:noAutofit/>
+        </a:bodyPr>
+        <a:lstStyle/>
+        <a:p>
+          <a:pPr lvl="0" algn="ctr" defTabSz="444500">
+            <a:lnSpc>
+              <a:spcPct val="90000"/>
+            </a:lnSpc>
+            <a:spcBef>
+              <a:spcPct val="0"/>
+            </a:spcBef>
+            <a:spcAft>
+              <a:spcPct val="35000"/>
+            </a:spcAft>
+          </a:pPr>
+          <a:r>
+            <a:rPr lang="en-SG" sz="1000" kern="1200" dirty="0" smtClean="0"/>
+            <a:t>Raise Change Request for Architecture </a:t>
+          </a:r>
+          <a:r>
+            <a:rPr lang="en-SG" sz="1000" kern="1200" dirty="0" err="1" smtClean="0"/>
+            <a:t>Artifacts</a:t>
+          </a:r>
+          <a:endParaRPr lang="en-SG" sz="1000" kern="1200" dirty="0"/>
+        </a:p>
+      </dsp:txBody>
+      <dsp:txXfrm>
+        <a:off x="2159074" y="3398189"/>
+        <a:ext cx="1754013" cy="1052408"/>
+      </dsp:txXfrm>
+    </dsp:sp>
+    <dsp:sp modelId="{43A21E61-6DD6-4705-BCBF-DBB5E1326B00}">
+      <dsp:nvSpPr>
+        <dsp:cNvPr id="0" name=""/>
+        <dsp:cNvSpPr/>
+      </dsp:nvSpPr>
+      <dsp:spPr>
+        <a:xfrm>
+          <a:off x="4316511" y="3398189"/>
+          <a:ext cx="1754013" cy="1052408"/>
+        </a:xfrm>
+        <a:prstGeom prst="rect">
+          <a:avLst/>
+        </a:prstGeom>
+        <a:solidFill>
+          <a:schemeClr val="accent1">
+            <a:hueOff val="0"/>
+            <a:satOff val="0"/>
+            <a:lumOff val="0"/>
+            <a:alphaOff val="0"/>
+          </a:schemeClr>
+        </a:solidFill>
+        <a:ln w="19050" cap="flat" cmpd="sng" algn="ctr">
+          <a:solidFill>
+            <a:schemeClr val="lt1">
+              <a:hueOff val="0"/>
+              <a:satOff val="0"/>
+              <a:lumOff val="0"/>
+              <a:alphaOff val="0"/>
+            </a:schemeClr>
+          </a:solidFill>
+          <a:prstDash val="solid"/>
+        </a:ln>
+        <a:effectLst/>
+      </dsp:spPr>
+      <dsp:style>
+        <a:lnRef idx="2">
+          <a:scrgbClr r="0" g="0" b="0"/>
+        </a:lnRef>
+        <a:fillRef idx="1">
+          <a:scrgbClr r="0" g="0" b="0"/>
+        </a:fillRef>
+        <a:effectRef idx="0">
+          <a:scrgbClr r="0" g="0" b="0"/>
+        </a:effectRef>
+        <a:fontRef idx="minor">
+          <a:schemeClr val="lt1"/>
+        </a:fontRef>
+      </dsp:style>
+      <dsp:txBody>
+        <a:bodyPr spcFirstLastPara="0" vert="horz" wrap="square" lIns="71120" tIns="71120" rIns="71120" bIns="71120" numCol="1" spcCol="1270" anchor="ctr" anchorCtr="0">
+          <a:noAutofit/>
+        </a:bodyPr>
+        <a:lstStyle/>
+        <a:p>
+          <a:pPr lvl="0" algn="ctr" defTabSz="444500">
+            <a:lnSpc>
+              <a:spcPct val="90000"/>
+            </a:lnSpc>
+            <a:spcBef>
+              <a:spcPct val="0"/>
+            </a:spcBef>
+            <a:spcAft>
+              <a:spcPct val="35000"/>
+            </a:spcAft>
+          </a:pPr>
+          <a:r>
+            <a:rPr lang="en-SG" sz="1000" kern="1200" dirty="0" smtClean="0"/>
+            <a:t>Flag Exception as Non-Conformance and Requires Rectification if Architecture </a:t>
+          </a:r>
+          <a:r>
+            <a:rPr lang="en-SG" sz="1000" kern="1200" dirty="0" err="1" smtClean="0"/>
+            <a:t>Artifacts</a:t>
+          </a:r>
+          <a:r>
+            <a:rPr lang="en-SG" sz="1000" kern="1200" dirty="0" smtClean="0"/>
+            <a:t> are accurate and correct and that Exception cannot be made</a:t>
+          </a:r>
+          <a:endParaRPr lang="en-SG" sz="1000" kern="1200" dirty="0"/>
+        </a:p>
+      </dsp:txBody>
+      <dsp:txXfrm>
+        <a:off x="4316511" y="3398189"/>
+        <a:ext cx="1754013" cy="1052408"/>
+      </dsp:txXfrm>
+    </dsp:sp>
   </dsp:spTree>
 </dsp:drawing>
 </file>
@@ -7894,7 +11465,7 @@
               <a:pPr>
                 <a:defRPr/>
               </a:pPr>
-              <a:t>49</a:t>
+              <a:t>51</a:t>
             </a:fld>
             <a:endParaRPr lang="en-US"/>
           </a:p>
@@ -7984,7 +11555,7 @@
               <a:pPr>
                 <a:defRPr/>
               </a:pPr>
-              <a:t>50</a:t>
+              <a:t>52</a:t>
             </a:fld>
             <a:endParaRPr lang="en-US"/>
           </a:p>
@@ -22994,7 +26565,7 @@
         </p:nvGraphicFramePr>
         <p:xfrm>
           <a:off x="468313" y="4005263"/>
-          <a:ext cx="8207375" cy="1085852"/>
+          <a:ext cx="8207375" cy="1157924"/>
         </p:xfrm>
         <a:graphic>
           <a:graphicData uri="http://schemas.openxmlformats.org/drawingml/2006/table">
@@ -23898,7 +27469,7 @@
           <a:graphicData uri="http://schemas.openxmlformats.org/presentationml/2006/ole">
             <mc:AlternateContent xmlns:mc="http://schemas.openxmlformats.org/markup-compatibility/2006">
               <mc:Choice xmlns:v="urn:schemas-microsoft-com:vml" Requires="v">
-                <p:oleObj spid="_x0000_s46161" name="Visio" r:id="rId3" imgW="6050954" imgH="4660654" progId="Visio.Drawing.11">
+                <p:oleObj spid="_x0000_s46170" name="Visio" r:id="rId3" imgW="6050954" imgH="4660654" progId="Visio.Drawing.11">
                   <p:embed/>
                 </p:oleObj>
               </mc:Choice>
@@ -24080,7 +27651,7 @@
           <a:graphicData uri="http://schemas.openxmlformats.org/presentationml/2006/ole">
             <mc:AlternateContent xmlns:mc="http://schemas.openxmlformats.org/markup-compatibility/2006">
               <mc:Choice xmlns:v="urn:schemas-microsoft-com:vml" Requires="v">
-                <p:oleObj spid="_x0000_s61515" name="Visio" r:id="rId3" imgW="6434247" imgH="5449047" progId="Visio.Drawing.11">
+                <p:oleObj spid="_x0000_s61524" name="Visio" r:id="rId3" imgW="6434247" imgH="5449047" progId="Visio.Drawing.11">
                   <p:embed/>
                 </p:oleObj>
               </mc:Choice>
@@ -24286,7 +27857,7 @@
         </p:nvGraphicFramePr>
         <p:xfrm>
           <a:off x="457200" y="1268760"/>
-          <a:ext cx="8207375" cy="3073524"/>
+          <a:ext cx="8207375" cy="3256404"/>
         </p:xfrm>
         <a:graphic>
           <a:graphicData uri="http://schemas.openxmlformats.org/drawingml/2006/table">
@@ -25120,7 +28691,7 @@
         </p:nvGraphicFramePr>
         <p:xfrm>
           <a:off x="457200" y="4725144"/>
-          <a:ext cx="8207375" cy="1397884"/>
+          <a:ext cx="8207375" cy="1652836"/>
         </p:xfrm>
         <a:graphic>
           <a:graphicData uri="http://schemas.openxmlformats.org/drawingml/2006/table">
@@ -26150,7 +29721,7 @@
         </p:nvGraphicFramePr>
         <p:xfrm>
           <a:off x="457200" y="826804"/>
-          <a:ext cx="8229600" cy="5410508"/>
+          <a:ext cx="8229600" cy="5636979"/>
         </p:xfrm>
         <a:graphic>
           <a:graphicData uri="http://schemas.openxmlformats.org/drawingml/2006/table">
@@ -27662,7 +31233,7 @@
         </p:nvGraphicFramePr>
         <p:xfrm>
           <a:off x="457200" y="908719"/>
-          <a:ext cx="8147248" cy="5328593"/>
+          <a:ext cx="8147248" cy="5333733"/>
         </p:xfrm>
         <a:graphic>
           <a:graphicData uri="http://schemas.openxmlformats.org/drawingml/2006/table">
@@ -29009,12 +32580,12 @@
           <a:graphicData uri="http://schemas.openxmlformats.org/presentationml/2006/ole">
             <mc:AlternateContent xmlns:mc="http://schemas.openxmlformats.org/markup-compatibility/2006">
               <mc:Choice xmlns:v="urn:schemas-microsoft-com:vml" Requires="v">
-                <p:oleObj spid="_x0000_s62510" name="Visio" r:id="rId4" imgW="8067518" imgH="4543307" progId="Visio.Drawing.15">
+                <p:oleObj spid="_x0000_s62519" name="Visio" r:id="rId3" imgW="8067518" imgH="4543307" progId="Visio.Drawing.15">
                   <p:embed/>
                 </p:oleObj>
               </mc:Choice>
               <mc:Fallback>
-                <p:oleObj name="Visio" r:id="rId4" imgW="8067518" imgH="4543307" progId="Visio.Drawing.15">
+                <p:oleObj name="Visio" r:id="rId3" imgW="8067518" imgH="4543307" progId="Visio.Drawing.15">
                   <p:embed/>
                   <p:pic>
                     <p:nvPicPr>
@@ -29023,7 +32594,7 @@
                       <p:nvPr/>
                     </p:nvPicPr>
                     <p:blipFill>
-                      <a:blip r:embed="rId5"/>
+                      <a:blip r:embed="rId4"/>
                       <a:stretch>
                         <a:fillRect/>
                       </a:stretch>
@@ -29283,12 +32854,12 @@
           <a:graphicData uri="http://schemas.openxmlformats.org/presentationml/2006/ole">
             <mc:AlternateContent xmlns:mc="http://schemas.openxmlformats.org/markup-compatibility/2006">
               <mc:Choice xmlns:v="urn:schemas-microsoft-com:vml" Requires="v">
-                <p:oleObj spid="_x0000_s63533" name="Visio" r:id="rId4" imgW="9467805" imgH="6496063" progId="Visio.Drawing.15">
+                <p:oleObj spid="_x0000_s63542" name="Visio" r:id="rId3" imgW="9467805" imgH="6496063" progId="Visio.Drawing.15">
                   <p:embed/>
                 </p:oleObj>
               </mc:Choice>
               <mc:Fallback>
-                <p:oleObj name="Visio" r:id="rId4" imgW="9467805" imgH="6496063" progId="Visio.Drawing.15">
+                <p:oleObj name="Visio" r:id="rId3" imgW="9467805" imgH="6496063" progId="Visio.Drawing.15">
                   <p:embed/>
                   <p:pic>
                     <p:nvPicPr>
@@ -29297,7 +32868,7 @@
                       <p:nvPr/>
                     </p:nvPicPr>
                     <p:blipFill>
-                      <a:blip r:embed="rId5"/>
+                      <a:blip r:embed="rId4"/>
                       <a:stretch>
                         <a:fillRect/>
                       </a:stretch>
@@ -32233,14 +35804,14 @@
           <p:nvPr>
             <p:extLst>
               <p:ext uri="{D42A27DB-BD31-4B8C-83A1-F6EECF244321}">
-                <p14:modId xmlns:p14="http://schemas.microsoft.com/office/powerpoint/2010/main" val="3822436284"/>
+                <p14:modId xmlns:p14="http://schemas.microsoft.com/office/powerpoint/2010/main" val="4042904551"/>
               </p:ext>
             </p:extLst>
           </p:nvPr>
         </p:nvGraphicFramePr>
         <p:xfrm>
-          <a:off x="1115617" y="1628800"/>
-          <a:ext cx="6696743" cy="3946062"/>
+          <a:off x="971600" y="1484785"/>
+          <a:ext cx="7128791" cy="4000670"/>
         </p:xfrm>
         <a:graphic>
           <a:graphicData uri="http://schemas.openxmlformats.org/drawingml/2006/table">
@@ -32249,10 +35820,10 @@
                 <a:tableStyleId>{5C22544A-7EE6-4342-B048-85BDC9FD1C3A}</a:tableStyleId>
               </a:tblPr>
               <a:tblGrid>
-                <a:gridCol w="4852776"/>
-                <a:gridCol w="1843967"/>
+                <a:gridCol w="5165859"/>
+                <a:gridCol w="1962932"/>
               </a:tblGrid>
-              <a:tr h="360040">
+              <a:tr h="432047">
                 <a:tc>
                   <a:txBody>
                     <a:bodyPr/>
@@ -32310,7 +35881,7 @@
                   <a:tcPr marL="68580" marR="68580" marT="0" marB="0"/>
                 </a:tc>
               </a:tr>
-              <a:tr h="230399">
+              <a:tr h="332447">
                 <a:tc>
                   <a:txBody>
                     <a:bodyPr/>
@@ -32380,7 +35951,7 @@
                   <a:tcPr marL="68580" marR="68580" marT="0" marB="0"/>
                 </a:tc>
               </a:tr>
-              <a:tr h="460798">
+              <a:tr h="496111">
                 <a:tc>
                   <a:txBody>
                     <a:bodyPr/>
@@ -32438,7 +36009,7 @@
                   <a:tcPr marL="68580" marR="68580" marT="0" marB="0"/>
                 </a:tc>
               </a:tr>
-              <a:tr h="230399">
+              <a:tr h="367985">
                 <a:tc>
                   <a:txBody>
                     <a:bodyPr/>
@@ -32496,7 +36067,7 @@
                   <a:tcPr marL="68580" marR="68580" marT="0" marB="0"/>
                 </a:tc>
               </a:tr>
-              <a:tr h="460798">
+              <a:tr h="335953">
                 <a:tc>
                   <a:txBody>
                     <a:bodyPr/>
@@ -32554,7 +36125,7 @@
                   <a:tcPr marL="68580" marR="68580" marT="0" marB="0"/>
                 </a:tc>
               </a:tr>
-              <a:tr h="460798">
+              <a:tr h="360040">
                 <a:tc>
                   <a:txBody>
                     <a:bodyPr/>
@@ -32612,7 +36183,7 @@
                   <a:tcPr marL="68580" marR="68580" marT="0" marB="0"/>
                 </a:tc>
               </a:tr>
-              <a:tr h="230399">
+              <a:tr h="360040">
                 <a:tc>
                   <a:txBody>
                     <a:bodyPr/>
@@ -32670,7 +36241,7 @@
                   <a:tcPr marL="68580" marR="68580" marT="0" marB="0"/>
                 </a:tc>
               </a:tr>
-              <a:tr h="460798">
+              <a:tr h="432048">
                 <a:tc>
                   <a:txBody>
                     <a:bodyPr/>
@@ -32728,7 +36299,7 @@
                   <a:tcPr marL="68580" marR="68580" marT="0" marB="0"/>
                 </a:tc>
               </a:tr>
-              <a:tr h="631852">
+              <a:tr h="432048">
                 <a:tc>
                   <a:txBody>
                     <a:bodyPr/>
@@ -32786,7 +36357,7 @@
                   <a:tcPr marL="68580" marR="68580" marT="0" marB="0"/>
                 </a:tc>
               </a:tr>
-              <a:tr h="419781">
+              <a:tr h="451951">
                 <a:tc>
                   <a:txBody>
                     <a:bodyPr/>
@@ -32898,7 +36469,11 @@
             <a:pPr eaLnBrk="1" hangingPunct="1"/>
             <a:r>
               <a:rPr lang="en-US" dirty="0" smtClean="0"/>
-              <a:t>Gap and Potential Solution (1)</a:t>
+              <a:t>Gap and Potential Solution </a:t>
+            </a:r>
+            <a:r>
+              <a:rPr lang="en-US" dirty="0" smtClean="0"/>
+              <a:t>(Business)</a:t>
             </a:r>
             <a:endParaRPr lang="en-SG" dirty="0" smtClean="0"/>
           </a:p>
@@ -32936,21 +36511,21 @@
       </p:sp>
       <p:graphicFrame>
         <p:nvGraphicFramePr>
-          <p:cNvPr id="4" name="Table 3"/>
+          <p:cNvPr id="5" name="Table 4"/>
           <p:cNvGraphicFramePr>
             <a:graphicFrameLocks noGrp="1"/>
           </p:cNvGraphicFramePr>
           <p:nvPr>
             <p:extLst>
               <p:ext uri="{D42A27DB-BD31-4B8C-83A1-F6EECF244321}">
-                <p14:modId xmlns:p14="http://schemas.microsoft.com/office/powerpoint/2010/main" val="998288601"/>
+                <p14:modId xmlns:p14="http://schemas.microsoft.com/office/powerpoint/2010/main" val="1649317766"/>
               </p:ext>
             </p:extLst>
           </p:nvPr>
         </p:nvGraphicFramePr>
         <p:xfrm>
-          <a:off x="457200" y="1412777"/>
-          <a:ext cx="8229599" cy="4557106"/>
+          <a:off x="755576" y="1620902"/>
+          <a:ext cx="7416874" cy="4163997"/>
         </p:xfrm>
         <a:graphic>
           <a:graphicData uri="http://schemas.openxmlformats.org/drawingml/2006/table">
@@ -32959,10 +36534,10 @@
                 <a:tableStyleId>{5C22544A-7EE6-4342-B048-85BDC9FD1C3A}</a:tableStyleId>
               </a:tblPr>
               <a:tblGrid>
-                <a:gridCol w="2727637"/>
-                <a:gridCol w="5501962"/>
+                <a:gridCol w="2597705"/>
+                <a:gridCol w="4819169"/>
               </a:tblGrid>
-              <a:tr h="283810">
+              <a:tr h="511954">
                 <a:tc>
                   <a:txBody>
                     <a:bodyPr/>
@@ -32970,7 +36545,7 @@
                     <a:p>
                       <a:pPr algn="l">
                         <a:lnSpc>
-                          <a:spcPct val="107000"/>
+                          <a:spcPct val="115000"/>
                         </a:lnSpc>
                         <a:spcBef>
                           <a:spcPts val="600"/>
@@ -32980,19 +36555,20 @@
                         </a:spcAft>
                       </a:pPr>
                       <a:r>
-                        <a:rPr lang="en-GB" sz="1400" dirty="0">
+                        <a:rPr lang="en-GB" sz="1800" dirty="0">
                           <a:effectLst/>
                         </a:rPr>
                         <a:t>Gap</a:t>
                       </a:r>
-                      <a:endParaRPr lang="en-SG" sz="1400" dirty="0">
+                      <a:endParaRPr lang="en-SG" sz="1800" dirty="0">
                         <a:effectLst/>
-                        <a:latin typeface="Times New Roman" panose="02020603050405020304" pitchFamily="18" charset="0"/>
-                        <a:ea typeface="Times New Roman" panose="02020603050405020304" pitchFamily="18" charset="0"/>
+                        <a:latin typeface="Times New Roman"/>
+                        <a:ea typeface="Times New Roman"/>
+                        <a:cs typeface="Times New Roman"/>
                       </a:endParaRPr>
                     </a:p>
                   </a:txBody>
-                  <a:tcPr marL="60772" marR="60772" marT="0" marB="0"/>
+                  <a:tcPr marL="68580" marR="68580" marT="0" marB="0"/>
                 </a:tc>
                 <a:tc>
                   <a:txBody>
@@ -33001,7 +36577,7 @@
                     <a:p>
                       <a:pPr algn="l">
                         <a:lnSpc>
-                          <a:spcPct val="107000"/>
+                          <a:spcPct val="115000"/>
                         </a:lnSpc>
                         <a:spcBef>
                           <a:spcPts val="600"/>
@@ -33011,22 +36587,23 @@
                         </a:spcAft>
                       </a:pPr>
                       <a:r>
-                        <a:rPr lang="en-GB" sz="1400" dirty="0">
+                        <a:rPr lang="en-GB" sz="1800" dirty="0">
                           <a:effectLst/>
                         </a:rPr>
                         <a:t>Potential Solution</a:t>
                       </a:r>
-                      <a:endParaRPr lang="en-SG" sz="1400" dirty="0">
+                      <a:endParaRPr lang="en-SG" sz="1800" dirty="0">
                         <a:effectLst/>
-                        <a:latin typeface="Times New Roman" panose="02020603050405020304" pitchFamily="18" charset="0"/>
-                        <a:ea typeface="Times New Roman" panose="02020603050405020304" pitchFamily="18" charset="0"/>
+                        <a:latin typeface="Times New Roman"/>
+                        <a:ea typeface="Times New Roman"/>
+                        <a:cs typeface="Times New Roman"/>
                       </a:endParaRPr>
                     </a:p>
                   </a:txBody>
-                  <a:tcPr marL="60772" marR="60772" marT="0" marB="0"/>
+                  <a:tcPr marL="68580" marR="68580" marT="0" marB="0"/>
                 </a:tc>
               </a:tr>
-              <a:tr h="158965">
+              <a:tr h="386079">
                 <a:tc>
                   <a:txBody>
                     <a:bodyPr/>
@@ -33034,7 +36611,7 @@
                     <a:p>
                       <a:pPr algn="l">
                         <a:lnSpc>
-                          <a:spcPct val="107000"/>
+                          <a:spcPct val="115000"/>
                         </a:lnSpc>
                         <a:spcBef>
                           <a:spcPts val="600"/>
@@ -33044,19 +36621,20 @@
                         </a:spcAft>
                       </a:pPr>
                       <a:r>
-                        <a:rPr lang="en-GB" sz="1000">
+                        <a:rPr lang="en-GB" sz="1100">
                           <a:effectLst/>
                         </a:rPr>
-                        <a:t>Too much manual intervene required.</a:t>
+                        <a:t>Too much manual intervention required.</a:t>
                       </a:r>
-                      <a:endParaRPr lang="en-SG" sz="1000">
+                      <a:endParaRPr lang="en-SG" sz="1100">
                         <a:effectLst/>
-                        <a:latin typeface="Times New Roman" panose="02020603050405020304" pitchFamily="18" charset="0"/>
-                        <a:ea typeface="Times New Roman" panose="02020603050405020304" pitchFamily="18" charset="0"/>
+                        <a:latin typeface="Times New Roman"/>
+                        <a:ea typeface="Times New Roman"/>
+                        <a:cs typeface="Times New Roman"/>
                       </a:endParaRPr>
                     </a:p>
                   </a:txBody>
-                  <a:tcPr marL="60772" marR="60772" marT="0" marB="0"/>
+                  <a:tcPr marL="68580" marR="68580" marT="0" marB="0"/>
                 </a:tc>
                 <a:tc>
                   <a:txBody>
@@ -33065,7 +36643,7 @@
                     <a:p>
                       <a:pPr marL="342900" lvl="0" indent="-342900" algn="l">
                         <a:lnSpc>
-                          <a:spcPct val="107000"/>
+                          <a:spcPct val="115000"/>
                         </a:lnSpc>
                         <a:spcBef>
                           <a:spcPts val="600"/>
@@ -33073,34 +36651,35 @@
                         <a:spcAft>
                           <a:spcPts val="300"/>
                         </a:spcAft>
-                        <a:buFont typeface="Symbol" panose="05050102010706020507" pitchFamily="18" charset="2"/>
+                        <a:buFont typeface="Symbol"/>
                         <a:buChar char=""/>
                       </a:pPr>
                       <a:r>
-                        <a:rPr lang="en-GB" sz="1000">
+                        <a:rPr lang="en-GB" sz="1100">
                           <a:effectLst/>
                         </a:rPr>
-                        <a:t>Re-engineer business processes to reduce manual effort and improve business efficiency.</a:t>
+                        <a:t>Re-engineer existing business processes to reduce manual effort and improve business efficiency.</a:t>
                       </a:r>
-                      <a:endParaRPr lang="en-SG" sz="1000">
+                      <a:endParaRPr lang="en-SG" sz="1100">
                         <a:effectLst/>
-                        <a:latin typeface="Times New Roman" panose="02020603050405020304" pitchFamily="18" charset="0"/>
-                        <a:ea typeface="Times New Roman" panose="02020603050405020304" pitchFamily="18" charset="0"/>
+                        <a:latin typeface="Times New Roman"/>
+                        <a:ea typeface="Times New Roman"/>
+                        <a:cs typeface="Times New Roman"/>
                       </a:endParaRPr>
                     </a:p>
                   </a:txBody>
-                  <a:tcPr marL="60772" marR="60772" marT="0" marB="0"/>
+                  <a:tcPr marL="68580" marR="68580" marT="0" marB="0"/>
                 </a:tc>
               </a:tr>
-              <a:tr h="679470">
+              <a:tr h="825835">
                 <a:tc>
                   <a:txBody>
                     <a:bodyPr/>
                     <a:lstStyle/>
                     <a:p>
-                      <a:pPr algn="l">
+                      <a:pPr algn="just">
                         <a:lnSpc>
-                          <a:spcPct val="107000"/>
+                          <a:spcPct val="115000"/>
                         </a:lnSpc>
                         <a:spcBef>
                           <a:spcPts val="600"/>
@@ -33110,19 +36689,20 @@
                         </a:spcAft>
                       </a:pPr>
                       <a:r>
-                        <a:rPr lang="en-GB" sz="1000" dirty="0">
+                        <a:rPr lang="en-GB" sz="1100">
                           <a:effectLst/>
                         </a:rPr>
                         <a:t>Integrate e-Business with partner and customer’s IT system</a:t>
                       </a:r>
-                      <a:endParaRPr lang="en-SG" sz="1000" dirty="0">
+                      <a:endParaRPr lang="en-SG" sz="1100">
                         <a:effectLst/>
-                        <a:latin typeface="Times New Roman" panose="02020603050405020304" pitchFamily="18" charset="0"/>
-                        <a:ea typeface="Times New Roman" panose="02020603050405020304" pitchFamily="18" charset="0"/>
+                        <a:latin typeface="Times New Roman"/>
+                        <a:ea typeface="Times New Roman"/>
+                        <a:cs typeface="Times New Roman"/>
                       </a:endParaRPr>
                     </a:p>
                   </a:txBody>
-                  <a:tcPr marL="60772" marR="60772" marT="0" marB="0"/>
+                  <a:tcPr marL="68580" marR="68580" marT="0" marB="0"/>
                 </a:tc>
                 <a:tc>
                   <a:txBody>
@@ -33131,7 +36711,7 @@
                     <a:p>
                       <a:pPr marL="342900" lvl="0" indent="-342900" algn="l">
                         <a:lnSpc>
-                          <a:spcPct val="107000"/>
+                          <a:spcPct val="115000"/>
                         </a:lnSpc>
                         <a:spcBef>
                           <a:spcPts val="600"/>
@@ -33139,23 +36719,23 @@
                         <a:spcAft>
                           <a:spcPts val="300"/>
                         </a:spcAft>
-                        <a:buFont typeface="Symbol" panose="05050102010706020507" pitchFamily="18" charset="2"/>
+                        <a:buFont typeface="Symbol"/>
                         <a:buChar char=""/>
                       </a:pPr>
                       <a:r>
-                        <a:rPr lang="en-GB" sz="1000">
+                        <a:rPr lang="en-GB" sz="1100">
                           <a:effectLst/>
                         </a:rPr>
                         <a:t>Revamp and consolidate SOS and CBS.</a:t>
                       </a:r>
-                      <a:endParaRPr lang="en-SG" sz="1000">
+                      <a:endParaRPr lang="en-SG" sz="1100">
                         <a:effectLst/>
                       </a:endParaRPr>
                     </a:p>
                     <a:p>
                       <a:pPr marL="342900" lvl="0" indent="-342900" algn="l">
                         <a:lnSpc>
-                          <a:spcPct val="107000"/>
+                          <a:spcPct val="115000"/>
                         </a:lnSpc>
                         <a:spcBef>
                           <a:spcPts val="600"/>
@@ -33163,23 +36743,23 @@
                         <a:spcAft>
                           <a:spcPts val="300"/>
                         </a:spcAft>
-                        <a:buFont typeface="Symbol" panose="05050102010706020507" pitchFamily="18" charset="2"/>
+                        <a:buFont typeface="Symbol"/>
                         <a:buChar char=""/>
                       </a:pPr>
                       <a:r>
-                        <a:rPr lang="en-GB" sz="1000">
+                        <a:rPr lang="en-GB" sz="1100">
                           <a:effectLst/>
                         </a:rPr>
                         <a:t>Revamp and consolidate VMS and CMS.</a:t>
                       </a:r>
-                      <a:endParaRPr lang="en-SG" sz="1000">
+                      <a:endParaRPr lang="en-SG" sz="1100">
                         <a:effectLst/>
                       </a:endParaRPr>
                     </a:p>
                     <a:p>
                       <a:pPr marL="342900" lvl="0" indent="-342900" algn="l">
                         <a:lnSpc>
-                          <a:spcPct val="107000"/>
+                          <a:spcPct val="115000"/>
                         </a:lnSpc>
                         <a:spcBef>
                           <a:spcPts val="600"/>
@@ -33187,26 +36767,27 @@
                         <a:spcAft>
                           <a:spcPts val="300"/>
                         </a:spcAft>
-                        <a:buFont typeface="Symbol" panose="05050102010706020507" pitchFamily="18" charset="2"/>
+                        <a:buFont typeface="Symbol"/>
                         <a:buChar char=""/>
                       </a:pPr>
                       <a:r>
-                        <a:rPr lang="en-GB" sz="1000">
+                        <a:rPr lang="en-GB" sz="1100">
                           <a:effectLst/>
                         </a:rPr>
                         <a:t>Integrate internal systems to improve business process efficiency.</a:t>
                       </a:r>
-                      <a:endParaRPr lang="en-SG" sz="1000">
+                      <a:endParaRPr lang="en-SG" sz="1100">
                         <a:effectLst/>
-                        <a:latin typeface="Times New Roman" panose="02020603050405020304" pitchFamily="18" charset="0"/>
-                        <a:ea typeface="Times New Roman" panose="02020603050405020304" pitchFamily="18" charset="0"/>
+                        <a:latin typeface="Times New Roman"/>
+                        <a:ea typeface="Times New Roman"/>
+                        <a:cs typeface="Times New Roman"/>
                       </a:endParaRPr>
                     </a:p>
                   </a:txBody>
-                  <a:tcPr marL="60772" marR="60772" marT="0" marB="0"/>
+                  <a:tcPr marL="68580" marR="68580" marT="0" marB="0"/>
                 </a:tc>
               </a:tr>
-              <a:tr h="939722">
+              <a:tr h="1146308">
                 <a:tc>
                   <a:txBody>
                     <a:bodyPr/>
@@ -33214,7 +36795,7 @@
                     <a:p>
                       <a:pPr algn="l">
                         <a:lnSpc>
-                          <a:spcPct val="107000"/>
+                          <a:spcPct val="115000"/>
                         </a:lnSpc>
                         <a:spcBef>
                           <a:spcPts val="600"/>
@@ -33224,19 +36805,20 @@
                         </a:spcAft>
                       </a:pPr>
                       <a:r>
-                        <a:rPr lang="en-GB" sz="1000" dirty="0">
+                        <a:rPr lang="en-GB" sz="1100">
                           <a:effectLst/>
                         </a:rPr>
                         <a:t>Focus on customer service is not enough</a:t>
                       </a:r>
-                      <a:endParaRPr lang="en-SG" sz="1000" dirty="0">
+                      <a:endParaRPr lang="en-SG" sz="1100">
                         <a:effectLst/>
-                        <a:latin typeface="Times New Roman" panose="02020603050405020304" pitchFamily="18" charset="0"/>
-                        <a:ea typeface="Times New Roman" panose="02020603050405020304" pitchFamily="18" charset="0"/>
+                        <a:latin typeface="Times New Roman"/>
+                        <a:ea typeface="Times New Roman"/>
+                        <a:cs typeface="Times New Roman"/>
                       </a:endParaRPr>
                     </a:p>
                   </a:txBody>
-                  <a:tcPr marL="60772" marR="60772" marT="0" marB="0"/>
+                  <a:tcPr marL="68580" marR="68580" marT="0" marB="0"/>
                 </a:tc>
                 <a:tc>
                   <a:txBody>
@@ -33245,7 +36827,7 @@
                     <a:p>
                       <a:pPr marL="342900" lvl="0" indent="-342900" algn="l">
                         <a:lnSpc>
-                          <a:spcPct val="107000"/>
+                          <a:spcPct val="115000"/>
                         </a:lnSpc>
                         <a:spcBef>
                           <a:spcPts val="600"/>
@@ -33253,23 +36835,23 @@
                         <a:spcAft>
                           <a:spcPts val="300"/>
                         </a:spcAft>
-                        <a:buFont typeface="Symbol" panose="05050102010706020507" pitchFamily="18" charset="2"/>
+                        <a:buFont typeface="Symbol"/>
                         <a:buChar char=""/>
                       </a:pPr>
                       <a:r>
-                        <a:rPr lang="en-GB" sz="1000">
+                        <a:rPr lang="en-GB" sz="1100">
                           <a:effectLst/>
                         </a:rPr>
                         <a:t>Provide customer registration.</a:t>
                       </a:r>
-                      <a:endParaRPr lang="en-SG" sz="1000">
+                      <a:endParaRPr lang="en-SG" sz="1100">
                         <a:effectLst/>
                       </a:endParaRPr>
                     </a:p>
                     <a:p>
                       <a:pPr marL="342900" lvl="0" indent="-342900" algn="l">
                         <a:lnSpc>
-                          <a:spcPct val="107000"/>
+                          <a:spcPct val="115000"/>
                         </a:lnSpc>
                         <a:spcBef>
                           <a:spcPts val="600"/>
@@ -33277,23 +36859,23 @@
                         <a:spcAft>
                           <a:spcPts val="300"/>
                         </a:spcAft>
-                        <a:buFont typeface="Symbol" panose="05050102010706020507" pitchFamily="18" charset="2"/>
+                        <a:buFont typeface="Symbol"/>
                         <a:buChar char=""/>
                       </a:pPr>
                       <a:r>
-                        <a:rPr lang="en-GB" sz="1000">
+                        <a:rPr lang="en-GB" sz="1100">
                           <a:effectLst/>
                         </a:rPr>
                         <a:t>Provide online order submission and order status tracking.</a:t>
                       </a:r>
-                      <a:endParaRPr lang="en-SG" sz="1000">
+                      <a:endParaRPr lang="en-SG" sz="1100">
                         <a:effectLst/>
                       </a:endParaRPr>
                     </a:p>
                     <a:p>
                       <a:pPr marL="342900" lvl="0" indent="-342900" algn="l">
                         <a:lnSpc>
-                          <a:spcPct val="107000"/>
+                          <a:spcPct val="115000"/>
                         </a:lnSpc>
                         <a:spcBef>
                           <a:spcPts val="600"/>
@@ -33301,23 +36883,23 @@
                         <a:spcAft>
                           <a:spcPts val="300"/>
                         </a:spcAft>
-                        <a:buFont typeface="Symbol" panose="05050102010706020507" pitchFamily="18" charset="2"/>
+                        <a:buFont typeface="Symbol"/>
                         <a:buChar char=""/>
                       </a:pPr>
                       <a:r>
-                        <a:rPr lang="en-GB" sz="1000">
+                        <a:rPr lang="en-GB" sz="1100">
                           <a:effectLst/>
                         </a:rPr>
                         <a:t>Provide online shipment tracking.</a:t>
                       </a:r>
-                      <a:endParaRPr lang="en-SG" sz="1000">
+                      <a:endParaRPr lang="en-SG" sz="1100">
                         <a:effectLst/>
                       </a:endParaRPr>
                     </a:p>
                     <a:p>
                       <a:pPr marL="342900" lvl="0" indent="-342900" algn="l">
                         <a:lnSpc>
-                          <a:spcPct val="107000"/>
+                          <a:spcPct val="115000"/>
                         </a:lnSpc>
                         <a:spcBef>
                           <a:spcPts val="600"/>
@@ -33325,26 +36907,27 @@
                         <a:spcAft>
                           <a:spcPts val="300"/>
                         </a:spcAft>
-                        <a:buFont typeface="Symbol" panose="05050102010706020507" pitchFamily="18" charset="2"/>
+                        <a:buFont typeface="Symbol"/>
                         <a:buChar char=""/>
                       </a:pPr>
                       <a:r>
-                        <a:rPr lang="en-GB" sz="1000">
+                        <a:rPr lang="en-GB" sz="1100">
                           <a:effectLst/>
                         </a:rPr>
                         <a:t>Accelerate process for repeat orders.</a:t>
                       </a:r>
-                      <a:endParaRPr lang="en-SG" sz="1000">
+                      <a:endParaRPr lang="en-SG" sz="1100">
                         <a:effectLst/>
-                        <a:latin typeface="Times New Roman" panose="02020603050405020304" pitchFamily="18" charset="0"/>
-                        <a:ea typeface="Times New Roman" panose="02020603050405020304" pitchFamily="18" charset="0"/>
+                        <a:latin typeface="Times New Roman"/>
+                        <a:ea typeface="Times New Roman"/>
+                        <a:cs typeface="Times New Roman"/>
                       </a:endParaRPr>
                     </a:p>
                   </a:txBody>
-                  <a:tcPr marL="60772" marR="60772" marT="0" marB="0"/>
+                  <a:tcPr marL="68580" marR="68580" marT="0" marB="0"/>
                 </a:tc>
               </a:tr>
-              <a:tr h="158965">
+              <a:tr h="386079">
                 <a:tc>
                   <a:txBody>
                     <a:bodyPr/>
@@ -33352,7 +36935,7 @@
                     <a:p>
                       <a:pPr algn="l">
                         <a:lnSpc>
-                          <a:spcPct val="107000"/>
+                          <a:spcPct val="115000"/>
                         </a:lnSpc>
                         <a:spcBef>
                           <a:spcPts val="600"/>
@@ -33362,19 +36945,20 @@
                         </a:spcAft>
                       </a:pPr>
                       <a:r>
-                        <a:rPr lang="en-GB" sz="1000" dirty="0">
+                        <a:rPr lang="en-GB" sz="1100">
                           <a:effectLst/>
                         </a:rPr>
-                        <a:t>Inaccuracy in sales report transaction data. </a:t>
+                        <a:t>Inaccuracy in sales report and transaction data. </a:t>
                       </a:r>
-                      <a:endParaRPr lang="en-SG" sz="1000" dirty="0">
+                      <a:endParaRPr lang="en-SG" sz="1100">
                         <a:effectLst/>
-                        <a:latin typeface="Times New Roman" panose="02020603050405020304" pitchFamily="18" charset="0"/>
-                        <a:ea typeface="Times New Roman" panose="02020603050405020304" pitchFamily="18" charset="0"/>
+                        <a:latin typeface="Times New Roman"/>
+                        <a:ea typeface="Times New Roman"/>
+                        <a:cs typeface="Times New Roman"/>
                       </a:endParaRPr>
                     </a:p>
                   </a:txBody>
-                  <a:tcPr marL="60772" marR="60772" marT="0" marB="0"/>
+                  <a:tcPr marL="68580" marR="68580" marT="0" marB="0"/>
                 </a:tc>
                 <a:tc>
                   <a:txBody>
@@ -33383,7 +36967,7 @@
                     <a:p>
                       <a:pPr marL="342900" lvl="0" indent="-342900" algn="l">
                         <a:lnSpc>
-                          <a:spcPct val="107000"/>
+                          <a:spcPct val="115000"/>
                         </a:lnSpc>
                         <a:spcBef>
                           <a:spcPts val="600"/>
@@ -33391,26 +36975,27 @@
                         <a:spcAft>
                           <a:spcPts val="300"/>
                         </a:spcAft>
-                        <a:buFont typeface="Symbol" panose="05050102010706020507" pitchFamily="18" charset="2"/>
+                        <a:buFont typeface="Symbol"/>
                         <a:buChar char=""/>
                       </a:pPr>
                       <a:r>
-                        <a:rPr lang="en-GB" sz="1000">
+                        <a:rPr lang="en-GB" sz="1100">
                           <a:effectLst/>
                         </a:rPr>
                         <a:t>To provide management report from consolidated system for better marketing analysis and decision.</a:t>
                       </a:r>
-                      <a:endParaRPr lang="en-SG" sz="1000">
+                      <a:endParaRPr lang="en-SG" sz="1100">
                         <a:effectLst/>
-                        <a:latin typeface="Times New Roman" panose="02020603050405020304" pitchFamily="18" charset="0"/>
-                        <a:ea typeface="Times New Roman" panose="02020603050405020304" pitchFamily="18" charset="0"/>
+                        <a:latin typeface="Times New Roman"/>
+                        <a:ea typeface="Times New Roman"/>
+                        <a:cs typeface="Times New Roman"/>
                       </a:endParaRPr>
                     </a:p>
                   </a:txBody>
-                  <a:tcPr marL="60772" marR="60772" marT="0" marB="0"/>
+                  <a:tcPr marL="68580" marR="68580" marT="0" marB="0"/>
                 </a:tc>
               </a:tr>
-              <a:tr h="476895">
+              <a:tr h="907742">
                 <a:tc>
                   <a:txBody>
                     <a:bodyPr/>
@@ -33418,7 +37003,7 @@
                     <a:p>
                       <a:pPr algn="l">
                         <a:lnSpc>
-                          <a:spcPct val="107000"/>
+                          <a:spcPct val="115000"/>
                         </a:lnSpc>
                         <a:spcBef>
                           <a:spcPts val="600"/>
@@ -33428,19 +37013,20 @@
                         </a:spcAft>
                       </a:pPr>
                       <a:r>
-                        <a:rPr lang="en-GB" sz="1000">
+                        <a:rPr lang="en-GB" sz="1100">
                           <a:effectLst/>
                         </a:rPr>
                         <a:t>Lack of management and monitoring in cooperation with local operators of tow-heads and port operators</a:t>
                       </a:r>
-                      <a:endParaRPr lang="en-SG" sz="1000">
+                      <a:endParaRPr lang="en-SG" sz="1100">
                         <a:effectLst/>
-                        <a:latin typeface="Times New Roman" panose="02020603050405020304" pitchFamily="18" charset="0"/>
-                        <a:ea typeface="Times New Roman" panose="02020603050405020304" pitchFamily="18" charset="0"/>
+                        <a:latin typeface="Times New Roman"/>
+                        <a:ea typeface="Times New Roman"/>
+                        <a:cs typeface="Times New Roman"/>
                       </a:endParaRPr>
                     </a:p>
                   </a:txBody>
-                  <a:tcPr marL="60772" marR="60772" marT="0" marB="0"/>
+                  <a:tcPr marL="68580" marR="68580" marT="0" marB="0"/>
                 </a:tc>
                 <a:tc>
                   <a:txBody>
@@ -33449,7 +37035,7 @@
                     <a:p>
                       <a:pPr marL="342900" lvl="0" indent="-342900" algn="l">
                         <a:lnSpc>
-                          <a:spcPct val="107000"/>
+                          <a:spcPct val="115000"/>
                         </a:lnSpc>
                         <a:spcBef>
                           <a:spcPts val="600"/>
@@ -33457,23 +37043,23 @@
                         <a:spcAft>
                           <a:spcPts val="300"/>
                         </a:spcAft>
-                        <a:buFont typeface="Symbol" panose="05050102010706020507" pitchFamily="18" charset="2"/>
+                        <a:buFont typeface="Symbol"/>
                         <a:buChar char=""/>
                       </a:pPr>
                       <a:r>
-                        <a:rPr lang="en-GB" sz="1000">
+                        <a:rPr lang="en-GB" sz="1100" dirty="0">
                           <a:effectLst/>
                         </a:rPr>
                         <a:t>Enhance existing systems to manage tow-heads operators and port operators.</a:t>
                       </a:r>
-                      <a:endParaRPr lang="en-SG" sz="1000">
+                      <a:endParaRPr lang="en-SG" sz="1100" dirty="0">
                         <a:effectLst/>
                       </a:endParaRPr>
                     </a:p>
                     <a:p>
                       <a:pPr marL="342900" lvl="0" indent="-342900" algn="l">
                         <a:lnSpc>
-                          <a:spcPct val="107000"/>
+                          <a:spcPct val="115000"/>
                         </a:lnSpc>
                         <a:spcBef>
                           <a:spcPts val="600"/>
@@ -33481,377 +37067,24 @@
                         <a:spcAft>
                           <a:spcPts val="300"/>
                         </a:spcAft>
-                        <a:buFont typeface="Symbol" panose="05050102010706020507" pitchFamily="18" charset="2"/>
+                        <a:buFont typeface="Symbol"/>
                         <a:buChar char=""/>
                       </a:pPr>
                       <a:r>
-                        <a:rPr lang="en-GB" sz="1000">
+                        <a:rPr lang="en-GB" sz="1100" dirty="0">
                           <a:effectLst/>
                         </a:rPr>
                         <a:t>Keep track of co-operators to help to make engagement and manage cost. </a:t>
                       </a:r>
-                      <a:endParaRPr lang="en-SG" sz="1000">
+                      <a:endParaRPr lang="en-SG" sz="1100" dirty="0">
                         <a:effectLst/>
-                        <a:latin typeface="Times New Roman" panose="02020603050405020304" pitchFamily="18" charset="0"/>
-                        <a:ea typeface="Times New Roman" panose="02020603050405020304" pitchFamily="18" charset="0"/>
+                        <a:latin typeface="Times New Roman"/>
+                        <a:ea typeface="Times New Roman"/>
+                        <a:cs typeface="Times New Roman"/>
                       </a:endParaRPr>
                     </a:p>
                   </a:txBody>
-                  <a:tcPr marL="60772" marR="60772" marT="0" marB="0"/>
-                </a:tc>
-              </a:tr>
-              <a:tr h="419217">
-                <a:tc>
-                  <a:txBody>
-                    <a:bodyPr/>
-                    <a:lstStyle/>
-                    <a:p>
-                      <a:pPr algn="l">
-                        <a:lnSpc>
-                          <a:spcPct val="107000"/>
-                        </a:lnSpc>
-                        <a:spcBef>
-                          <a:spcPts val="600"/>
-                        </a:spcBef>
-                        <a:spcAft>
-                          <a:spcPts val="300"/>
-                        </a:spcAft>
-                      </a:pPr>
-                      <a:r>
-                        <a:rPr lang="en-GB" sz="1000">
-                          <a:effectLst/>
-                        </a:rPr>
-                        <a:t>Lack of knowledge in SOS system</a:t>
-                      </a:r>
-                      <a:endParaRPr lang="en-SG" sz="1000">
-                        <a:effectLst/>
-                        <a:latin typeface="Times New Roman" panose="02020603050405020304" pitchFamily="18" charset="0"/>
-                        <a:ea typeface="Times New Roman" panose="02020603050405020304" pitchFamily="18" charset="0"/>
-                      </a:endParaRPr>
-                    </a:p>
-                  </a:txBody>
-                  <a:tcPr marL="60772" marR="60772" marT="0" marB="0"/>
-                </a:tc>
-                <a:tc>
-                  <a:txBody>
-                    <a:bodyPr/>
-                    <a:lstStyle/>
-                    <a:p>
-                      <a:pPr marL="342900" lvl="0" indent="-342900" algn="l">
-                        <a:lnSpc>
-                          <a:spcPct val="107000"/>
-                        </a:lnSpc>
-                        <a:spcBef>
-                          <a:spcPts val="600"/>
-                        </a:spcBef>
-                        <a:spcAft>
-                          <a:spcPts val="300"/>
-                        </a:spcAft>
-                        <a:buFont typeface="Symbol" panose="05050102010706020507" pitchFamily="18" charset="2"/>
-                        <a:buChar char=""/>
-                      </a:pPr>
-                      <a:r>
-                        <a:rPr lang="en-GB" sz="1000">
-                          <a:effectLst/>
-                        </a:rPr>
-                        <a:t>Study the implementation of SOS.</a:t>
-                      </a:r>
-                      <a:endParaRPr lang="en-SG" sz="1000">
-                        <a:effectLst/>
-                      </a:endParaRPr>
-                    </a:p>
-                    <a:p>
-                      <a:pPr marL="342900" lvl="0" indent="-342900" algn="l">
-                        <a:lnSpc>
-                          <a:spcPct val="107000"/>
-                        </a:lnSpc>
-                        <a:spcBef>
-                          <a:spcPts val="600"/>
-                        </a:spcBef>
-                        <a:spcAft>
-                          <a:spcPts val="300"/>
-                        </a:spcAft>
-                        <a:buFont typeface="Symbol" panose="05050102010706020507" pitchFamily="18" charset="2"/>
-                        <a:buChar char=""/>
-                      </a:pPr>
-                      <a:r>
-                        <a:rPr lang="en-GB" sz="1000">
-                          <a:effectLst/>
-                        </a:rPr>
-                        <a:t>Gather requirement of SOS before revamping the system.</a:t>
-                      </a:r>
-                      <a:endParaRPr lang="en-SG" sz="1000">
-                        <a:effectLst/>
-                        <a:latin typeface="Times New Roman" panose="02020603050405020304" pitchFamily="18" charset="0"/>
-                        <a:ea typeface="Times New Roman" panose="02020603050405020304" pitchFamily="18" charset="0"/>
-                      </a:endParaRPr>
-                    </a:p>
-                  </a:txBody>
-                  <a:tcPr marL="60772" marR="60772" marT="0" marB="0"/>
-                </a:tc>
-              </a:tr>
-              <a:tr h="158965">
-                <a:tc>
-                  <a:txBody>
-                    <a:bodyPr/>
-                    <a:lstStyle/>
-                    <a:p>
-                      <a:pPr algn="l">
-                        <a:lnSpc>
-                          <a:spcPct val="107000"/>
-                        </a:lnSpc>
-                        <a:spcBef>
-                          <a:spcPts val="600"/>
-                        </a:spcBef>
-                        <a:spcAft>
-                          <a:spcPts val="300"/>
-                        </a:spcAft>
-                      </a:pPr>
-                      <a:r>
-                        <a:rPr lang="en-GB" sz="1000">
-                          <a:effectLst/>
-                        </a:rPr>
-                        <a:t>Legacy data from SOS system</a:t>
-                      </a:r>
-                      <a:endParaRPr lang="en-SG" sz="1000">
-                        <a:effectLst/>
-                        <a:latin typeface="Times New Roman" panose="02020603050405020304" pitchFamily="18" charset="0"/>
-                        <a:ea typeface="Times New Roman" panose="02020603050405020304" pitchFamily="18" charset="0"/>
-                      </a:endParaRPr>
-                    </a:p>
-                  </a:txBody>
-                  <a:tcPr marL="60772" marR="60772" marT="0" marB="0"/>
-                </a:tc>
-                <a:tc>
-                  <a:txBody>
-                    <a:bodyPr/>
-                    <a:lstStyle/>
-                    <a:p>
-                      <a:pPr marL="342900" lvl="0" indent="-342900" algn="l">
-                        <a:lnSpc>
-                          <a:spcPct val="107000"/>
-                        </a:lnSpc>
-                        <a:spcBef>
-                          <a:spcPts val="600"/>
-                        </a:spcBef>
-                        <a:spcAft>
-                          <a:spcPts val="300"/>
-                        </a:spcAft>
-                        <a:buFont typeface="Symbol" panose="05050102010706020507" pitchFamily="18" charset="2"/>
-                        <a:buChar char=""/>
-                      </a:pPr>
-                      <a:r>
-                        <a:rPr lang="en-GB" sz="1000">
-                          <a:effectLst/>
-                        </a:rPr>
-                        <a:t>Proper data migration to move the data to new system.</a:t>
-                      </a:r>
-                      <a:endParaRPr lang="en-SG" sz="1000">
-                        <a:effectLst/>
-                        <a:latin typeface="Times New Roman" panose="02020603050405020304" pitchFamily="18" charset="0"/>
-                        <a:ea typeface="Times New Roman" panose="02020603050405020304" pitchFamily="18" charset="0"/>
-                      </a:endParaRPr>
-                    </a:p>
-                  </a:txBody>
-                  <a:tcPr marL="60772" marR="60772" marT="0" marB="0"/>
-                </a:tc>
-              </a:tr>
-              <a:tr h="317930">
-                <a:tc>
-                  <a:txBody>
-                    <a:bodyPr/>
-                    <a:lstStyle/>
-                    <a:p>
-                      <a:pPr algn="l">
-                        <a:lnSpc>
-                          <a:spcPct val="107000"/>
-                        </a:lnSpc>
-                        <a:spcBef>
-                          <a:spcPts val="600"/>
-                        </a:spcBef>
-                        <a:spcAft>
-                          <a:spcPts val="300"/>
-                        </a:spcAft>
-                      </a:pPr>
-                      <a:r>
-                        <a:rPr lang="en-GB" sz="1000">
-                          <a:effectLst/>
-                        </a:rPr>
-                        <a:t>Data are stored with different standard in different systems</a:t>
-                      </a:r>
-                      <a:endParaRPr lang="en-SG" sz="1000">
-                        <a:effectLst/>
-                        <a:latin typeface="Times New Roman" panose="02020603050405020304" pitchFamily="18" charset="0"/>
-                        <a:ea typeface="Times New Roman" panose="02020603050405020304" pitchFamily="18" charset="0"/>
-                      </a:endParaRPr>
-                    </a:p>
-                  </a:txBody>
-                  <a:tcPr marL="60772" marR="60772" marT="0" marB="0"/>
-                </a:tc>
-                <a:tc>
-                  <a:txBody>
-                    <a:bodyPr/>
-                    <a:lstStyle/>
-                    <a:p>
-                      <a:pPr marL="342900" lvl="0" indent="-342900" algn="l">
-                        <a:lnSpc>
-                          <a:spcPct val="107000"/>
-                        </a:lnSpc>
-                        <a:spcBef>
-                          <a:spcPts val="600"/>
-                        </a:spcBef>
-                        <a:spcAft>
-                          <a:spcPts val="300"/>
-                        </a:spcAft>
-                        <a:buFont typeface="Symbol" panose="05050102010706020507" pitchFamily="18" charset="2"/>
-                        <a:buChar char=""/>
-                      </a:pPr>
-                      <a:r>
-                        <a:rPr lang="en-GB" sz="1000">
-                          <a:effectLst/>
-                        </a:rPr>
-                        <a:t>Standardize the data storage. To develop a common data dictionary as guideline.</a:t>
-                      </a:r>
-                      <a:endParaRPr lang="en-SG" sz="1000">
-                        <a:effectLst/>
-                        <a:latin typeface="Times New Roman" panose="02020603050405020304" pitchFamily="18" charset="0"/>
-                        <a:ea typeface="Times New Roman" panose="02020603050405020304" pitchFamily="18" charset="0"/>
-                      </a:endParaRPr>
-                    </a:p>
-                  </a:txBody>
-                  <a:tcPr marL="60772" marR="60772" marT="0" marB="0"/>
-                </a:tc>
-              </a:tr>
-              <a:tr h="317930">
-                <a:tc>
-                  <a:txBody>
-                    <a:bodyPr/>
-                    <a:lstStyle/>
-                    <a:p>
-                      <a:pPr algn="l">
-                        <a:lnSpc>
-                          <a:spcPct val="107000"/>
-                        </a:lnSpc>
-                        <a:spcBef>
-                          <a:spcPts val="600"/>
-                        </a:spcBef>
-                        <a:spcAft>
-                          <a:spcPts val="300"/>
-                        </a:spcAft>
-                      </a:pPr>
-                      <a:r>
-                        <a:rPr lang="en-GB" sz="1000">
-                          <a:effectLst/>
-                        </a:rPr>
-                        <a:t>Lack of consistency in container and vessel optimization decision</a:t>
-                      </a:r>
-                      <a:endParaRPr lang="en-SG" sz="1000">
-                        <a:effectLst/>
-                        <a:latin typeface="Times New Roman" panose="02020603050405020304" pitchFamily="18" charset="0"/>
-                        <a:ea typeface="Times New Roman" panose="02020603050405020304" pitchFamily="18" charset="0"/>
-                      </a:endParaRPr>
-                    </a:p>
-                  </a:txBody>
-                  <a:tcPr marL="60772" marR="60772" marT="0" marB="0"/>
-                </a:tc>
-                <a:tc>
-                  <a:txBody>
-                    <a:bodyPr/>
-                    <a:lstStyle/>
-                    <a:p>
-                      <a:pPr marL="342900" lvl="0" indent="-342900" algn="l">
-                        <a:lnSpc>
-                          <a:spcPct val="107000"/>
-                        </a:lnSpc>
-                        <a:spcBef>
-                          <a:spcPts val="600"/>
-                        </a:spcBef>
-                        <a:spcAft>
-                          <a:spcPts val="300"/>
-                        </a:spcAft>
-                        <a:buFont typeface="Symbol" panose="05050102010706020507" pitchFamily="18" charset="2"/>
-                        <a:buChar char=""/>
-                      </a:pPr>
-                      <a:r>
-                        <a:rPr lang="en-GB" sz="1000">
-                          <a:effectLst/>
-                        </a:rPr>
-                        <a:t>Centralize and standardize the optimization algorithm for organizing container.</a:t>
-                      </a:r>
-                      <a:endParaRPr lang="en-SG" sz="1000">
-                        <a:effectLst/>
-                        <a:latin typeface="Times New Roman" panose="02020603050405020304" pitchFamily="18" charset="0"/>
-                        <a:ea typeface="Times New Roman" panose="02020603050405020304" pitchFamily="18" charset="0"/>
-                      </a:endParaRPr>
-                    </a:p>
-                  </a:txBody>
-                  <a:tcPr marL="60772" marR="60772" marT="0" marB="0"/>
-                </a:tc>
-              </a:tr>
-              <a:tr h="158965">
-                <a:tc>
-                  <a:txBody>
-                    <a:bodyPr/>
-                    <a:lstStyle/>
-                    <a:p>
-                      <a:pPr algn="l">
-                        <a:lnSpc>
-                          <a:spcPct val="107000"/>
-                        </a:lnSpc>
-                        <a:spcBef>
-                          <a:spcPts val="600"/>
-                        </a:spcBef>
-                        <a:spcAft>
-                          <a:spcPts val="300"/>
-                        </a:spcAft>
-                      </a:pPr>
-                      <a:r>
-                        <a:rPr lang="en-GB" sz="1000">
-                          <a:effectLst/>
-                        </a:rPr>
-                        <a:t>Tow-head operator information is not managed</a:t>
-                      </a:r>
-                      <a:endParaRPr lang="en-SG" sz="1000">
-                        <a:effectLst/>
-                        <a:latin typeface="Times New Roman" panose="02020603050405020304" pitchFamily="18" charset="0"/>
-                        <a:ea typeface="Times New Roman" panose="02020603050405020304" pitchFamily="18" charset="0"/>
-                      </a:endParaRPr>
-                    </a:p>
-                  </a:txBody>
-                  <a:tcPr marL="60772" marR="60772" marT="0" marB="0"/>
-                </a:tc>
-                <a:tc>
-                  <a:txBody>
-                    <a:bodyPr/>
-                    <a:lstStyle/>
-                    <a:p>
-                      <a:pPr marL="342900" lvl="0" indent="-342900" algn="l">
-                        <a:lnSpc>
-                          <a:spcPct val="107000"/>
-                        </a:lnSpc>
-                        <a:spcBef>
-                          <a:spcPts val="600"/>
-                        </a:spcBef>
-                        <a:spcAft>
-                          <a:spcPts val="300"/>
-                        </a:spcAft>
-                        <a:buFont typeface="Symbol" panose="05050102010706020507" pitchFamily="18" charset="2"/>
-                        <a:buChar char=""/>
-                      </a:pPr>
-                      <a:r>
-                        <a:rPr lang="en-GB" sz="1000" dirty="0">
-                          <a:effectLst/>
-                        </a:rPr>
-                        <a:t>To capture tow-head operator details information in system.</a:t>
-                      </a:r>
-                      <a:endParaRPr lang="en-SG" sz="1000" dirty="0">
-                        <a:effectLst/>
-                        <a:latin typeface="Times New Roman" panose="02020603050405020304" pitchFamily="18" charset="0"/>
-                        <a:ea typeface="Times New Roman" panose="02020603050405020304" pitchFamily="18" charset="0"/>
-                      </a:endParaRPr>
-                    </a:p>
-                  </a:txBody>
-                  <a:tcPr marL="60772" marR="60772" marT="0" marB="0"/>
+                  <a:tcPr marL="68580" marR="68580" marT="0" marB="0"/>
                 </a:tc>
               </a:tr>
             </a:tbl>
@@ -33917,7 +37150,7 @@
             </a:r>
             <a:r>
               <a:rPr lang="en-US" dirty="0" smtClean="0"/>
-              <a:t>(2)</a:t>
+              <a:t>(Information)</a:t>
             </a:r>
             <a:endParaRPr lang="en-SG" dirty="0" smtClean="0"/>
           </a:p>
@@ -33955,21 +37188,21 @@
       </p:sp>
       <p:graphicFrame>
         <p:nvGraphicFramePr>
-          <p:cNvPr id="6" name="Table 5"/>
+          <p:cNvPr id="3" name="Table 2"/>
           <p:cNvGraphicFramePr>
             <a:graphicFrameLocks noGrp="1"/>
           </p:cNvGraphicFramePr>
           <p:nvPr>
             <p:extLst>
               <p:ext uri="{D42A27DB-BD31-4B8C-83A1-F6EECF244321}">
-                <p14:modId xmlns:p14="http://schemas.microsoft.com/office/powerpoint/2010/main" val="2490827860"/>
+                <p14:modId xmlns:p14="http://schemas.microsoft.com/office/powerpoint/2010/main" val="2975662009"/>
               </p:ext>
             </p:extLst>
           </p:nvPr>
         </p:nvGraphicFramePr>
         <p:xfrm>
-          <a:off x="457200" y="1340769"/>
-          <a:ext cx="8229600" cy="4580346"/>
+          <a:off x="755576" y="1556792"/>
+          <a:ext cx="7560840" cy="2919545"/>
         </p:xfrm>
         <a:graphic>
           <a:graphicData uri="http://schemas.openxmlformats.org/drawingml/2006/table">
@@ -33978,10 +37211,10 @@
                 <a:tableStyleId>{5C22544A-7EE6-4342-B048-85BDC9FD1C3A}</a:tableStyleId>
               </a:tblPr>
               <a:tblGrid>
-                <a:gridCol w="2727637"/>
-                <a:gridCol w="5501963"/>
+                <a:gridCol w="2648128"/>
+                <a:gridCol w="4912712"/>
               </a:tblGrid>
-              <a:tr h="290286">
+              <a:tr h="432047">
                 <a:tc>
                   <a:txBody>
                     <a:bodyPr/>
@@ -33989,7 +37222,7 @@
                     <a:p>
                       <a:pPr algn="l">
                         <a:lnSpc>
-                          <a:spcPct val="107000"/>
+                          <a:spcPct val="115000"/>
                         </a:lnSpc>
                         <a:spcBef>
                           <a:spcPts val="600"/>
@@ -33999,19 +37232,20 @@
                         </a:spcAft>
                       </a:pPr>
                       <a:r>
-                        <a:rPr lang="en-GB" sz="1400" dirty="0">
+                        <a:rPr lang="en-GB" sz="1800" dirty="0">
                           <a:effectLst/>
                         </a:rPr>
                         <a:t>Gap</a:t>
                       </a:r>
-                      <a:endParaRPr lang="en-SG" sz="1400" dirty="0">
+                      <a:endParaRPr lang="en-SG" sz="1800" dirty="0">
                         <a:effectLst/>
-                        <a:latin typeface="Times New Roman" panose="02020603050405020304" pitchFamily="18" charset="0"/>
-                        <a:ea typeface="Times New Roman" panose="02020603050405020304" pitchFamily="18" charset="0"/>
+                        <a:latin typeface="Times New Roman"/>
+                        <a:ea typeface="Times New Roman"/>
+                        <a:cs typeface="Times New Roman"/>
                       </a:endParaRPr>
                     </a:p>
                   </a:txBody>
-                  <a:tcPr marL="60772" marR="60772" marT="0" marB="0"/>
+                  <a:tcPr marL="68580" marR="68580" marT="0" marB="0"/>
                 </a:tc>
                 <a:tc>
                   <a:txBody>
@@ -34020,7 +37254,7 @@
                     <a:p>
                       <a:pPr algn="l">
                         <a:lnSpc>
-                          <a:spcPct val="107000"/>
+                          <a:spcPct val="115000"/>
                         </a:lnSpc>
                         <a:spcBef>
                           <a:spcPts val="600"/>
@@ -34030,22 +37264,23 @@
                         </a:spcAft>
                       </a:pPr>
                       <a:r>
-                        <a:rPr lang="en-GB" sz="1400" dirty="0">
+                        <a:rPr lang="en-GB" sz="1800" dirty="0">
                           <a:effectLst/>
                         </a:rPr>
                         <a:t>Potential Solution</a:t>
                       </a:r>
-                      <a:endParaRPr lang="en-SG" sz="1400" dirty="0">
+                      <a:endParaRPr lang="en-SG" sz="1800" dirty="0">
                         <a:effectLst/>
-                        <a:latin typeface="Times New Roman" panose="02020603050405020304" pitchFamily="18" charset="0"/>
-                        <a:ea typeface="Times New Roman" panose="02020603050405020304" pitchFamily="18" charset="0"/>
+                        <a:latin typeface="Times New Roman"/>
+                        <a:ea typeface="Times New Roman"/>
+                        <a:cs typeface="Times New Roman"/>
                       </a:endParaRPr>
                     </a:p>
                   </a:txBody>
-                  <a:tcPr marL="60772" marR="60772" marT="0" marB="0"/>
+                  <a:tcPr marL="68580" marR="68580" marT="0" marB="0"/>
                 </a:tc>
               </a:tr>
-              <a:tr h="419217">
+              <a:tr h="680063">
                 <a:tc>
                   <a:txBody>
                     <a:bodyPr/>
@@ -34053,7 +37288,7 @@
                     <a:p>
                       <a:pPr algn="l">
                         <a:lnSpc>
-                          <a:spcPct val="107000"/>
+                          <a:spcPct val="115000"/>
                         </a:lnSpc>
                         <a:spcBef>
                           <a:spcPts val="600"/>
@@ -34063,19 +37298,20 @@
                         </a:spcAft>
                       </a:pPr>
                       <a:r>
-                        <a:rPr lang="en-GB" sz="1000">
+                        <a:rPr lang="en-GB" sz="1100">
                           <a:effectLst/>
                         </a:rPr>
-                        <a:t>Develop centralized SCBS system by consolidating and revamping SOS and CBS system</a:t>
+                        <a:t>Lack of knowledge in SOS system</a:t>
                       </a:r>
-                      <a:endParaRPr lang="en-SG" sz="1000">
+                      <a:endParaRPr lang="en-SG" sz="1100">
                         <a:effectLst/>
-                        <a:latin typeface="Times New Roman" panose="02020603050405020304" pitchFamily="18" charset="0"/>
-                        <a:ea typeface="Times New Roman" panose="02020603050405020304" pitchFamily="18" charset="0"/>
+                        <a:latin typeface="Times New Roman"/>
+                        <a:ea typeface="Times New Roman"/>
+                        <a:cs typeface="Times New Roman"/>
                       </a:endParaRPr>
                     </a:p>
                   </a:txBody>
-                  <a:tcPr marL="60772" marR="60772" marT="0" marB="0"/>
+                  <a:tcPr marL="68580" marR="68580" marT="0" marB="0"/>
                 </a:tc>
                 <a:tc>
                   <a:txBody>
@@ -34084,7 +37320,7 @@
                     <a:p>
                       <a:pPr marL="342900" lvl="0" indent="-342900" algn="l">
                         <a:lnSpc>
-                          <a:spcPct val="107000"/>
+                          <a:spcPct val="115000"/>
                         </a:lnSpc>
                         <a:spcBef>
                           <a:spcPts val="600"/>
@@ -34092,23 +37328,23 @@
                         <a:spcAft>
                           <a:spcPts val="300"/>
                         </a:spcAft>
-                        <a:buFont typeface="Symbol" panose="05050102010706020507" pitchFamily="18" charset="2"/>
+                        <a:buFont typeface="Symbol"/>
                         <a:buChar char=""/>
                       </a:pPr>
                       <a:r>
-                        <a:rPr lang="en-GB" sz="1000">
+                        <a:rPr lang="en-GB" sz="1100">
                           <a:effectLst/>
                         </a:rPr>
-                        <a:t>Develop the required system</a:t>
+                        <a:t>Study the implementation of SOS.</a:t>
                       </a:r>
-                      <a:endParaRPr lang="en-SG" sz="1000">
+                      <a:endParaRPr lang="en-SG" sz="1100">
                         <a:effectLst/>
                       </a:endParaRPr>
                     </a:p>
                     <a:p>
                       <a:pPr marL="342900" lvl="0" indent="-342900" algn="l">
                         <a:lnSpc>
-                          <a:spcPct val="107000"/>
+                          <a:spcPct val="115000"/>
                         </a:lnSpc>
                         <a:spcBef>
                           <a:spcPts val="600"/>
@@ -34116,26 +37352,27 @@
                         <a:spcAft>
                           <a:spcPts val="300"/>
                         </a:spcAft>
-                        <a:buFont typeface="Symbol" panose="05050102010706020507" pitchFamily="18" charset="2"/>
+                        <a:buFont typeface="Symbol"/>
                         <a:buChar char=""/>
                       </a:pPr>
                       <a:r>
-                        <a:rPr lang="en-GB" sz="1000">
+                        <a:rPr lang="en-GB" sz="1100">
                           <a:effectLst/>
                         </a:rPr>
-                        <a:t>Implement system failover to ensure system high availability.</a:t>
+                        <a:t>Gather requirement of SOS before revamping the system.</a:t>
                       </a:r>
-                      <a:endParaRPr lang="en-SG" sz="1000">
+                      <a:endParaRPr lang="en-SG" sz="1100">
                         <a:effectLst/>
-                        <a:latin typeface="Times New Roman" panose="02020603050405020304" pitchFamily="18" charset="0"/>
-                        <a:ea typeface="Times New Roman" panose="02020603050405020304" pitchFamily="18" charset="0"/>
+                        <a:latin typeface="Times New Roman"/>
+                        <a:ea typeface="Times New Roman"/>
+                        <a:cs typeface="Times New Roman"/>
                       </a:endParaRPr>
                     </a:p>
                   </a:txBody>
-                  <a:tcPr marL="60772" marR="60772" marT="0" marB="0"/>
+                  <a:tcPr marL="68580" marR="68580" marT="0" marB="0"/>
                 </a:tc>
               </a:tr>
-              <a:tr h="679470">
+              <a:tr h="248803">
                 <a:tc>
                   <a:txBody>
                     <a:bodyPr/>
@@ -34143,7 +37380,7 @@
                     <a:p>
                       <a:pPr algn="l">
                         <a:lnSpc>
-                          <a:spcPct val="107000"/>
+                          <a:spcPct val="115000"/>
                         </a:lnSpc>
                         <a:spcBef>
                           <a:spcPts val="600"/>
@@ -34153,19 +37390,20 @@
                         </a:spcAft>
                       </a:pPr>
                       <a:r>
-                        <a:rPr lang="en-GB" sz="1000" dirty="0">
+                        <a:rPr lang="en-GB" sz="1100">
                           <a:effectLst/>
                         </a:rPr>
-                        <a:t>Develop centralized VCMS system by consolidating and revamping VMS and CMS system</a:t>
+                        <a:t>Legacy data from SOS system</a:t>
                       </a:r>
-                      <a:endParaRPr lang="en-SG" sz="1000" dirty="0">
+                      <a:endParaRPr lang="en-SG" sz="1100">
                         <a:effectLst/>
-                        <a:latin typeface="Times New Roman" panose="02020603050405020304" pitchFamily="18" charset="0"/>
-                        <a:ea typeface="Times New Roman" panose="02020603050405020304" pitchFamily="18" charset="0"/>
+                        <a:latin typeface="Times New Roman"/>
+                        <a:ea typeface="Times New Roman"/>
+                        <a:cs typeface="Times New Roman"/>
                       </a:endParaRPr>
                     </a:p>
                   </a:txBody>
-                  <a:tcPr marL="60772" marR="60772" marT="0" marB="0"/>
+                  <a:tcPr marL="68580" marR="68580" marT="0" marB="0"/>
                 </a:tc>
                 <a:tc>
                   <a:txBody>
@@ -34174,7 +37412,7 @@
                     <a:p>
                       <a:pPr marL="342900" lvl="0" indent="-342900" algn="l">
                         <a:lnSpc>
-                          <a:spcPct val="107000"/>
+                          <a:spcPct val="115000"/>
                         </a:lnSpc>
                         <a:spcBef>
                           <a:spcPts val="600"/>
@@ -34182,74 +37420,27 @@
                         <a:spcAft>
                           <a:spcPts val="300"/>
                         </a:spcAft>
-                        <a:buFont typeface="Symbol" panose="05050102010706020507" pitchFamily="18" charset="2"/>
+                        <a:buFont typeface="Symbol"/>
                         <a:buChar char=""/>
                       </a:pPr>
                       <a:r>
-                        <a:rPr lang="en-GB" sz="1000">
+                        <a:rPr lang="en-GB" sz="1100">
                           <a:effectLst/>
                         </a:rPr>
-                        <a:t>To develop the required system</a:t>
+                        <a:t>Proper data migration to move the data to new system.</a:t>
                       </a:r>
-                      <a:endParaRPr lang="en-SG" sz="1000">
+                      <a:endParaRPr lang="en-SG" sz="1100">
                         <a:effectLst/>
-                      </a:endParaRPr>
-                    </a:p>
-                    <a:p>
-                      <a:pPr marL="342900" lvl="0" indent="-342900" algn="l">
-                        <a:lnSpc>
-                          <a:spcPct val="107000"/>
-                        </a:lnSpc>
-                        <a:spcBef>
-                          <a:spcPts val="600"/>
-                        </a:spcBef>
-                        <a:spcAft>
-                          <a:spcPts val="300"/>
-                        </a:spcAft>
-                        <a:buFont typeface="Symbol" panose="05050102010706020507" pitchFamily="18" charset="2"/>
-                        <a:buChar char=""/>
-                      </a:pPr>
-                      <a:r>
-                        <a:rPr lang="en-GB" sz="1000">
-                          <a:effectLst/>
-                        </a:rPr>
-                        <a:t>To include tow-head operator management functions.</a:t>
-                      </a:r>
-                      <a:endParaRPr lang="en-SG" sz="1000">
-                        <a:effectLst/>
-                      </a:endParaRPr>
-                    </a:p>
-                    <a:p>
-                      <a:pPr marL="342900" lvl="0" indent="-342900" algn="l">
-                        <a:lnSpc>
-                          <a:spcPct val="107000"/>
-                        </a:lnSpc>
-                        <a:spcBef>
-                          <a:spcPts val="600"/>
-                        </a:spcBef>
-                        <a:spcAft>
-                          <a:spcPts val="300"/>
-                        </a:spcAft>
-                        <a:buFont typeface="Symbol" panose="05050102010706020507" pitchFamily="18" charset="2"/>
-                        <a:buChar char=""/>
-                      </a:pPr>
-                      <a:r>
-                        <a:rPr lang="en-GB" sz="1000">
-                          <a:effectLst/>
-                        </a:rPr>
-                        <a:t>To implement system failover to reduce the unscheduled downtime.</a:t>
-                      </a:r>
-                      <a:endParaRPr lang="en-SG" sz="1000">
-                        <a:effectLst/>
-                        <a:latin typeface="Times New Roman" panose="02020603050405020304" pitchFamily="18" charset="0"/>
-                        <a:ea typeface="Times New Roman" panose="02020603050405020304" pitchFamily="18" charset="0"/>
+                        <a:latin typeface="Times New Roman"/>
+                        <a:ea typeface="Times New Roman"/>
+                        <a:cs typeface="Times New Roman"/>
                       </a:endParaRPr>
                     </a:p>
                   </a:txBody>
-                  <a:tcPr marL="60772" marR="60772" marT="0" marB="0"/>
+                  <a:tcPr marL="68580" marR="68580" marT="0" marB="0"/>
                 </a:tc>
               </a:tr>
-              <a:tr h="679470">
+              <a:tr h="519544">
                 <a:tc>
                   <a:txBody>
                     <a:bodyPr/>
@@ -34257,7 +37448,7 @@
                     <a:p>
                       <a:pPr algn="l">
                         <a:lnSpc>
-                          <a:spcPct val="107000"/>
+                          <a:spcPct val="115000"/>
                         </a:lnSpc>
                         <a:spcBef>
                           <a:spcPts val="600"/>
@@ -34267,19 +37458,20 @@
                         </a:spcAft>
                       </a:pPr>
                       <a:r>
-                        <a:rPr lang="en-GB" sz="1000">
+                        <a:rPr lang="en-GB" sz="1100" dirty="0">
                           <a:effectLst/>
                         </a:rPr>
-                        <a:t>Container Movement prediction engine requires high computational load and it would affect the performance of VCMS.</a:t>
+                        <a:t>Data are stored with different standard in different systems</a:t>
                       </a:r>
-                      <a:endParaRPr lang="en-SG" sz="1000">
+                      <a:endParaRPr lang="en-SG" sz="1100" dirty="0">
                         <a:effectLst/>
-                        <a:latin typeface="Times New Roman" panose="02020603050405020304" pitchFamily="18" charset="0"/>
-                        <a:ea typeface="Times New Roman" panose="02020603050405020304" pitchFamily="18" charset="0"/>
+                        <a:latin typeface="Times New Roman"/>
+                        <a:ea typeface="Times New Roman"/>
+                        <a:cs typeface="Times New Roman"/>
                       </a:endParaRPr>
                     </a:p>
                   </a:txBody>
-                  <a:tcPr marL="60772" marR="60772" marT="0" marB="0"/>
+                  <a:tcPr marL="68580" marR="68580" marT="0" marB="0"/>
                 </a:tc>
                 <a:tc>
                   <a:txBody>
@@ -34288,7 +37480,7 @@
                     <a:p>
                       <a:pPr marL="342900" lvl="0" indent="-342900" algn="l">
                         <a:lnSpc>
-                          <a:spcPct val="107000"/>
+                          <a:spcPct val="115000"/>
                         </a:lnSpc>
                         <a:spcBef>
                           <a:spcPts val="600"/>
@@ -34296,74 +37488,27 @@
                         <a:spcAft>
                           <a:spcPts val="300"/>
                         </a:spcAft>
-                        <a:buFont typeface="Symbol" panose="05050102010706020507" pitchFamily="18" charset="2"/>
+                        <a:buFont typeface="Symbol"/>
                         <a:buChar char=""/>
                       </a:pPr>
                       <a:r>
-                        <a:rPr lang="en-GB" sz="1000">
+                        <a:rPr lang="en-GB" sz="1100">
                           <a:effectLst/>
                         </a:rPr>
-                        <a:t>Separate the Container Movement prediction engine.</a:t>
+                        <a:t>Standardize the data storage. To develop a common data dictionary as guideline.</a:t>
                       </a:r>
-                      <a:endParaRPr lang="en-SG" sz="1000">
+                      <a:endParaRPr lang="en-SG" sz="1100">
                         <a:effectLst/>
-                      </a:endParaRPr>
-                    </a:p>
-                    <a:p>
-                      <a:pPr marL="342900" lvl="0" indent="-342900" algn="l">
-                        <a:lnSpc>
-                          <a:spcPct val="107000"/>
-                        </a:lnSpc>
-                        <a:spcBef>
-                          <a:spcPts val="600"/>
-                        </a:spcBef>
-                        <a:spcAft>
-                          <a:spcPts val="300"/>
-                        </a:spcAft>
-                        <a:buFont typeface="Symbol" panose="05050102010706020507" pitchFamily="18" charset="2"/>
-                        <a:buChar char=""/>
-                      </a:pPr>
-                      <a:r>
-                        <a:rPr lang="en-GB" sz="1000">
-                          <a:effectLst/>
-                        </a:rPr>
-                        <a:t>Deploy the engine in another distributed server.</a:t>
-                      </a:r>
-                      <a:endParaRPr lang="en-SG" sz="1000">
-                        <a:effectLst/>
-                      </a:endParaRPr>
-                    </a:p>
-                    <a:p>
-                      <a:pPr marL="342900" lvl="0" indent="-342900" algn="l">
-                        <a:lnSpc>
-                          <a:spcPct val="107000"/>
-                        </a:lnSpc>
-                        <a:spcBef>
-                          <a:spcPts val="600"/>
-                        </a:spcBef>
-                        <a:spcAft>
-                          <a:spcPts val="300"/>
-                        </a:spcAft>
-                        <a:buFont typeface="Symbol" panose="05050102010706020507" pitchFamily="18" charset="2"/>
-                        <a:buChar char=""/>
-                      </a:pPr>
-                      <a:r>
-                        <a:rPr lang="en-GB" sz="1000">
-                          <a:effectLst/>
-                        </a:rPr>
-                        <a:t>To provide the remote method invocation to VCMS.</a:t>
-                      </a:r>
-                      <a:endParaRPr lang="en-SG" sz="1000">
-                        <a:effectLst/>
-                        <a:latin typeface="Times New Roman" panose="02020603050405020304" pitchFamily="18" charset="0"/>
-                        <a:ea typeface="Times New Roman" panose="02020603050405020304" pitchFamily="18" charset="0"/>
+                        <a:latin typeface="Times New Roman"/>
+                        <a:ea typeface="Times New Roman"/>
+                        <a:cs typeface="Times New Roman"/>
                       </a:endParaRPr>
                     </a:p>
                   </a:txBody>
-                  <a:tcPr marL="60772" marR="60772" marT="0" marB="0"/>
+                  <a:tcPr marL="68580" marR="68580" marT="0" marB="0"/>
                 </a:tc>
               </a:tr>
-              <a:tr h="317930">
+              <a:tr h="519544">
                 <a:tc>
                   <a:txBody>
                     <a:bodyPr/>
@@ -34371,7 +37516,7 @@
                     <a:p>
                       <a:pPr algn="l">
                         <a:lnSpc>
-                          <a:spcPct val="107000"/>
+                          <a:spcPct val="115000"/>
                         </a:lnSpc>
                         <a:spcBef>
                           <a:spcPts val="600"/>
@@ -34381,19 +37526,20 @@
                         </a:spcAft>
                       </a:pPr>
                       <a:r>
-                        <a:rPr lang="en-GB" sz="1000">
+                        <a:rPr lang="en-GB" sz="1100">
                           <a:effectLst/>
                         </a:rPr>
-                        <a:t>Integration to SCBS for sophisticated customer’s procurement system</a:t>
+                        <a:t>Lack of consistency in container and vessel optimization decision</a:t>
                       </a:r>
-                      <a:endParaRPr lang="en-SG" sz="1000">
+                      <a:endParaRPr lang="en-SG" sz="1100">
                         <a:effectLst/>
-                        <a:latin typeface="Times New Roman" panose="02020603050405020304" pitchFamily="18" charset="0"/>
-                        <a:ea typeface="Times New Roman" panose="02020603050405020304" pitchFamily="18" charset="0"/>
+                        <a:latin typeface="Times New Roman"/>
+                        <a:ea typeface="Times New Roman"/>
+                        <a:cs typeface="Times New Roman"/>
                       </a:endParaRPr>
                     </a:p>
                   </a:txBody>
-                  <a:tcPr marL="60772" marR="60772" marT="0" marB="0"/>
+                  <a:tcPr marL="68580" marR="68580" marT="0" marB="0"/>
                 </a:tc>
                 <a:tc>
                   <a:txBody>
@@ -34402,7 +37548,7 @@
                     <a:p>
                       <a:pPr marL="342900" lvl="0" indent="-342900" algn="l">
                         <a:lnSpc>
-                          <a:spcPct val="107000"/>
+                          <a:spcPct val="115000"/>
                         </a:lnSpc>
                         <a:spcBef>
                           <a:spcPts val="600"/>
@@ -34410,26 +37556,27 @@
                         <a:spcAft>
                           <a:spcPts val="300"/>
                         </a:spcAft>
-                        <a:buFont typeface="Symbol" panose="05050102010706020507" pitchFamily="18" charset="2"/>
+                        <a:buFont typeface="Symbol"/>
                         <a:buChar char=""/>
                       </a:pPr>
                       <a:r>
-                        <a:rPr lang="en-GB" sz="1000">
+                        <a:rPr lang="en-GB" sz="1100">
                           <a:effectLst/>
                         </a:rPr>
-                        <a:t>Develop a set of Web Services in SCBS for integration.</a:t>
+                        <a:t>Centralize and standardize the optimization algorithm for organizing container.</a:t>
                       </a:r>
-                      <a:endParaRPr lang="en-SG" sz="1000">
+                      <a:endParaRPr lang="en-SG" sz="1100">
                         <a:effectLst/>
-                        <a:latin typeface="Times New Roman" panose="02020603050405020304" pitchFamily="18" charset="0"/>
-                        <a:ea typeface="Times New Roman" panose="02020603050405020304" pitchFamily="18" charset="0"/>
+                        <a:latin typeface="Times New Roman"/>
+                        <a:ea typeface="Times New Roman"/>
+                        <a:cs typeface="Times New Roman"/>
                       </a:endParaRPr>
                     </a:p>
                   </a:txBody>
-                  <a:tcPr marL="60772" marR="60772" marT="0" marB="0"/>
+                  <a:tcPr marL="68580" marR="68580" marT="0" marB="0"/>
                 </a:tc>
               </a:tr>
-              <a:tr h="419217">
+              <a:tr h="519544">
                 <a:tc>
                   <a:txBody>
                     <a:bodyPr/>
@@ -34437,7 +37584,7 @@
                     <a:p>
                       <a:pPr algn="l">
                         <a:lnSpc>
-                          <a:spcPct val="107000"/>
+                          <a:spcPct val="115000"/>
                         </a:lnSpc>
                         <a:spcBef>
                           <a:spcPts val="600"/>
@@ -34447,19 +37594,20 @@
                         </a:spcAft>
                       </a:pPr>
                       <a:r>
-                        <a:rPr lang="en-GB" sz="1000">
+                        <a:rPr lang="en-GB" sz="1100">
                           <a:effectLst/>
                         </a:rPr>
-                        <a:t>Integration to VCMS for Port Operators and internal applications</a:t>
+                        <a:t>Tow-head operator information is not managed</a:t>
                       </a:r>
-                      <a:endParaRPr lang="en-SG" sz="1000">
+                      <a:endParaRPr lang="en-SG" sz="1100">
                         <a:effectLst/>
-                        <a:latin typeface="Times New Roman" panose="02020603050405020304" pitchFamily="18" charset="0"/>
-                        <a:ea typeface="Times New Roman" panose="02020603050405020304" pitchFamily="18" charset="0"/>
+                        <a:latin typeface="Times New Roman"/>
+                        <a:ea typeface="Times New Roman"/>
+                        <a:cs typeface="Times New Roman"/>
                       </a:endParaRPr>
                     </a:p>
                   </a:txBody>
-                  <a:tcPr marL="60772" marR="60772" marT="0" marB="0"/>
+                  <a:tcPr marL="68580" marR="68580" marT="0" marB="0"/>
                 </a:tc>
                 <a:tc>
                   <a:txBody>
@@ -34468,7 +37616,7 @@
                     <a:p>
                       <a:pPr marL="342900" lvl="0" indent="-342900" algn="l">
                         <a:lnSpc>
-                          <a:spcPct val="107000"/>
+                          <a:spcPct val="115000"/>
                         </a:lnSpc>
                         <a:spcBef>
                           <a:spcPts val="600"/>
@@ -34476,275 +37624,24 @@
                         <a:spcAft>
                           <a:spcPts val="300"/>
                         </a:spcAft>
-                        <a:buFont typeface="Symbol" panose="05050102010706020507" pitchFamily="18" charset="2"/>
+                        <a:buFont typeface="Symbol"/>
                         <a:buChar char=""/>
                       </a:pPr>
                       <a:r>
-                        <a:rPr lang="en-GB" sz="1000">
+                        <a:rPr lang="en-GB" sz="1100" dirty="0">
                           <a:effectLst/>
                         </a:rPr>
-                        <a:t>Develop a set of Web Service in VCMS for Port Operators to integrate.</a:t>
+                        <a:t>To capture tow-head operator details information in system.</a:t>
                       </a:r>
-                      <a:endParaRPr lang="en-SG" sz="1000">
+                      <a:endParaRPr lang="en-SG" sz="1100" dirty="0">
                         <a:effectLst/>
-                      </a:endParaRPr>
-                    </a:p>
-                    <a:p>
-                      <a:pPr marL="342900" lvl="0" indent="-342900" algn="l">
-                        <a:lnSpc>
-                          <a:spcPct val="107000"/>
-                        </a:lnSpc>
-                        <a:spcBef>
-                          <a:spcPts val="600"/>
-                        </a:spcBef>
-                        <a:spcAft>
-                          <a:spcPts val="300"/>
-                        </a:spcAft>
-                        <a:buFont typeface="Symbol" panose="05050102010706020507" pitchFamily="18" charset="2"/>
-                        <a:buChar char=""/>
-                      </a:pPr>
-                      <a:r>
-                        <a:rPr lang="en-GB" sz="1000">
-                          <a:effectLst/>
-                        </a:rPr>
-                        <a:t>Develop another set of Web Service in VCMS for internal system to integrate.</a:t>
-                      </a:r>
-                      <a:endParaRPr lang="en-SG" sz="1000">
-                        <a:effectLst/>
-                        <a:latin typeface="Times New Roman" panose="02020603050405020304" pitchFamily="18" charset="0"/>
-                        <a:ea typeface="Times New Roman" panose="02020603050405020304" pitchFamily="18" charset="0"/>
+                        <a:latin typeface="Times New Roman"/>
+                        <a:ea typeface="Times New Roman"/>
+                        <a:cs typeface="Times New Roman"/>
                       </a:endParaRPr>
                     </a:p>
                   </a:txBody>
-                  <a:tcPr marL="60772" marR="60772" marT="0" marB="0"/>
-                </a:tc>
-              </a:tr>
-              <a:tr h="1098687">
-                <a:tc>
-                  <a:txBody>
-                    <a:bodyPr/>
-                    <a:lstStyle/>
-                    <a:p>
-                      <a:pPr algn="l">
-                        <a:lnSpc>
-                          <a:spcPct val="107000"/>
-                        </a:lnSpc>
-                        <a:spcBef>
-                          <a:spcPts val="600"/>
-                        </a:spcBef>
-                        <a:spcAft>
-                          <a:spcPts val="300"/>
-                        </a:spcAft>
-                      </a:pPr>
-                      <a:r>
-                        <a:rPr lang="en-GB" sz="1000">
-                          <a:effectLst/>
-                        </a:rPr>
-                        <a:t>Online RFQ and order submission is not supported</a:t>
-                      </a:r>
-                      <a:endParaRPr lang="en-SG" sz="1000">
-                        <a:effectLst/>
-                        <a:latin typeface="Times New Roman" panose="02020603050405020304" pitchFamily="18" charset="0"/>
-                        <a:ea typeface="Times New Roman" panose="02020603050405020304" pitchFamily="18" charset="0"/>
-                      </a:endParaRPr>
-                    </a:p>
-                  </a:txBody>
-                  <a:tcPr marL="60772" marR="60772" marT="0" marB="0"/>
-                </a:tc>
-                <a:tc>
-                  <a:txBody>
-                    <a:bodyPr/>
-                    <a:lstStyle/>
-                    <a:p>
-                      <a:pPr marL="342900" lvl="0" indent="-342900" algn="l">
-                        <a:lnSpc>
-                          <a:spcPct val="107000"/>
-                        </a:lnSpc>
-                        <a:spcBef>
-                          <a:spcPts val="600"/>
-                        </a:spcBef>
-                        <a:spcAft>
-                          <a:spcPts val="300"/>
-                        </a:spcAft>
-                        <a:buFont typeface="Symbol" panose="05050102010706020507" pitchFamily="18" charset="2"/>
-                        <a:buChar char=""/>
-                      </a:pPr>
-                      <a:r>
-                        <a:rPr lang="en-GB" sz="1000">
-                          <a:effectLst/>
-                        </a:rPr>
-                        <a:t>Integrate SGLines Web site with SCBS to allow customer registration.</a:t>
-                      </a:r>
-                      <a:endParaRPr lang="en-SG" sz="1000">
-                        <a:effectLst/>
-                      </a:endParaRPr>
-                    </a:p>
-                    <a:p>
-                      <a:pPr marL="342900" lvl="0" indent="-342900" algn="l">
-                        <a:lnSpc>
-                          <a:spcPct val="107000"/>
-                        </a:lnSpc>
-                        <a:spcBef>
-                          <a:spcPts val="600"/>
-                        </a:spcBef>
-                        <a:spcAft>
-                          <a:spcPts val="300"/>
-                        </a:spcAft>
-                        <a:buFont typeface="Symbol" panose="05050102010706020507" pitchFamily="18" charset="2"/>
-                        <a:buChar char=""/>
-                      </a:pPr>
-                      <a:r>
-                        <a:rPr lang="en-GB" sz="1000">
-                          <a:effectLst/>
-                        </a:rPr>
-                        <a:t>Integrate SGLines Web site with SCBS to allow customer to submit RFQ and order online from a new Web storefront.</a:t>
-                      </a:r>
-                      <a:endParaRPr lang="en-SG" sz="1000">
-                        <a:effectLst/>
-                      </a:endParaRPr>
-                    </a:p>
-                    <a:p>
-                      <a:pPr marL="342900" lvl="0" indent="-342900" algn="l">
-                        <a:lnSpc>
-                          <a:spcPct val="107000"/>
-                        </a:lnSpc>
-                        <a:spcBef>
-                          <a:spcPts val="600"/>
-                        </a:spcBef>
-                        <a:spcAft>
-                          <a:spcPts val="300"/>
-                        </a:spcAft>
-                        <a:buFont typeface="Symbol" panose="05050102010706020507" pitchFamily="18" charset="2"/>
-                        <a:buChar char=""/>
-                      </a:pPr>
-                      <a:r>
-                        <a:rPr lang="en-GB" sz="1000">
-                          <a:effectLst/>
-                        </a:rPr>
-                        <a:t>Customize the Web contents for different customer type and country.</a:t>
-                      </a:r>
-                      <a:endParaRPr lang="en-SG" sz="1000">
-                        <a:effectLst/>
-                      </a:endParaRPr>
-                    </a:p>
-                    <a:p>
-                      <a:pPr marL="342900" lvl="0" indent="-342900" algn="l">
-                        <a:lnSpc>
-                          <a:spcPct val="107000"/>
-                        </a:lnSpc>
-                        <a:spcBef>
-                          <a:spcPts val="600"/>
-                        </a:spcBef>
-                        <a:spcAft>
-                          <a:spcPts val="300"/>
-                        </a:spcAft>
-                        <a:buFont typeface="Symbol" panose="05050102010706020507" pitchFamily="18" charset="2"/>
-                        <a:buChar char=""/>
-                      </a:pPr>
-                      <a:r>
-                        <a:rPr lang="en-GB" sz="1000">
-                          <a:effectLst/>
-                        </a:rPr>
-                        <a:t>Support different types of browsers.</a:t>
-                      </a:r>
-                      <a:endParaRPr lang="en-SG" sz="1000">
-                        <a:effectLst/>
-                        <a:latin typeface="Times New Roman" panose="02020603050405020304" pitchFamily="18" charset="0"/>
-                        <a:ea typeface="Times New Roman" panose="02020603050405020304" pitchFamily="18" charset="0"/>
-                      </a:endParaRPr>
-                    </a:p>
-                  </a:txBody>
-                  <a:tcPr marL="60772" marR="60772" marT="0" marB="0"/>
-                </a:tc>
-              </a:tr>
-              <a:tr h="419217">
-                <a:tc>
-                  <a:txBody>
-                    <a:bodyPr/>
-                    <a:lstStyle/>
-                    <a:p>
-                      <a:pPr algn="l">
-                        <a:lnSpc>
-                          <a:spcPct val="107000"/>
-                        </a:lnSpc>
-                        <a:spcBef>
-                          <a:spcPts val="600"/>
-                        </a:spcBef>
-                        <a:spcAft>
-                          <a:spcPts val="300"/>
-                        </a:spcAft>
-                      </a:pPr>
-                      <a:r>
-                        <a:rPr lang="en-GB" sz="1000">
-                          <a:effectLst/>
-                        </a:rPr>
-                        <a:t>Generating management report would impact VCMS performance</a:t>
-                      </a:r>
-                      <a:endParaRPr lang="en-SG" sz="1000">
-                        <a:effectLst/>
-                        <a:latin typeface="Times New Roman" panose="02020603050405020304" pitchFamily="18" charset="0"/>
-                        <a:ea typeface="Times New Roman" panose="02020603050405020304" pitchFamily="18" charset="0"/>
-                      </a:endParaRPr>
-                    </a:p>
-                  </a:txBody>
-                  <a:tcPr marL="60772" marR="60772" marT="0" marB="0"/>
-                </a:tc>
-                <a:tc>
-                  <a:txBody>
-                    <a:bodyPr/>
-                    <a:lstStyle/>
-                    <a:p>
-                      <a:pPr marL="342900" lvl="0" indent="-342900" algn="l">
-                        <a:lnSpc>
-                          <a:spcPct val="107000"/>
-                        </a:lnSpc>
-                        <a:spcBef>
-                          <a:spcPts val="600"/>
-                        </a:spcBef>
-                        <a:spcAft>
-                          <a:spcPts val="300"/>
-                        </a:spcAft>
-                        <a:buFont typeface="Symbol" panose="05050102010706020507" pitchFamily="18" charset="2"/>
-                        <a:buChar char=""/>
-                      </a:pPr>
-                      <a:r>
-                        <a:rPr lang="en-GB" sz="1000" dirty="0">
-                          <a:effectLst/>
-                        </a:rPr>
-                        <a:t>Replicate data for VCMS system using DB feature and set the replicated data to be read only.</a:t>
-                      </a:r>
-                      <a:endParaRPr lang="en-SG" sz="1000" dirty="0">
-                        <a:effectLst/>
-                      </a:endParaRPr>
-                    </a:p>
-                    <a:p>
-                      <a:pPr marL="342900" lvl="0" indent="-342900" algn="l">
-                        <a:lnSpc>
-                          <a:spcPct val="107000"/>
-                        </a:lnSpc>
-                        <a:spcBef>
-                          <a:spcPts val="600"/>
-                        </a:spcBef>
-                        <a:spcAft>
-                          <a:spcPts val="300"/>
-                        </a:spcAft>
-                        <a:buFont typeface="Symbol" panose="05050102010706020507" pitchFamily="18" charset="2"/>
-                        <a:buChar char=""/>
-                      </a:pPr>
-                      <a:r>
-                        <a:rPr lang="en-GB" sz="1000" dirty="0">
-                          <a:effectLst/>
-                        </a:rPr>
-                        <a:t>Access replicated DB to generate management report.</a:t>
-                      </a:r>
-                      <a:endParaRPr lang="en-SG" sz="1000" dirty="0">
-                        <a:effectLst/>
-                        <a:latin typeface="Times New Roman" panose="02020603050405020304" pitchFamily="18" charset="0"/>
-                        <a:ea typeface="Times New Roman" panose="02020603050405020304" pitchFamily="18" charset="0"/>
-                      </a:endParaRPr>
-                    </a:p>
-                  </a:txBody>
-                  <a:tcPr marL="60772" marR="60772" marT="0" marB="0"/>
+                  <a:tcPr marL="68580" marR="68580" marT="0" marB="0"/>
                 </a:tc>
               </a:tr>
             </a:tbl>
@@ -34810,7 +37707,1208 @@
             </a:r>
             <a:r>
               <a:rPr lang="en-US" dirty="0" smtClean="0"/>
-              <a:t>(3)</a:t>
+              <a:t>(Application)</a:t>
+            </a:r>
+            <a:endParaRPr lang="en-SG" dirty="0" smtClean="0"/>
+          </a:p>
+        </p:txBody>
+      </p:sp>
+      <p:sp>
+        <p:nvSpPr>
+          <p:cNvPr id="49154" name="Content Placeholder 2"/>
+          <p:cNvSpPr>
+            <a:spLocks noGrp="1"/>
+          </p:cNvSpPr>
+          <p:nvPr>
+            <p:ph sz="quarter" idx="1"/>
+          </p:nvPr>
+        </p:nvSpPr>
+        <p:spPr>
+          <a:xfrm>
+            <a:off x="457200" y="1219200"/>
+            <a:ext cx="8229600" cy="4937125"/>
+          </a:xfrm>
+        </p:spPr>
+        <p:txBody>
+          <a:bodyPr/>
+          <a:lstStyle/>
+          <a:p>
+            <a:pPr marL="0" indent="0" eaLnBrk="1" hangingPunct="1">
+              <a:buNone/>
+            </a:pPr>
+            <a:r>
+              <a:rPr lang="en-SG" dirty="0" smtClean="0"/>
+              <a:t> </a:t>
+            </a:r>
+          </a:p>
+        </p:txBody>
+      </p:sp>
+      <p:graphicFrame>
+        <p:nvGraphicFramePr>
+          <p:cNvPr id="4" name="Table 3"/>
+          <p:cNvGraphicFramePr>
+            <a:graphicFrameLocks noGrp="1"/>
+          </p:cNvGraphicFramePr>
+          <p:nvPr>
+            <p:extLst>
+              <p:ext uri="{D42A27DB-BD31-4B8C-83A1-F6EECF244321}">
+                <p14:modId xmlns:p14="http://schemas.microsoft.com/office/powerpoint/2010/main" val="1483454944"/>
+              </p:ext>
+            </p:extLst>
+          </p:nvPr>
+        </p:nvGraphicFramePr>
+        <p:xfrm>
+          <a:off x="827584" y="1556793"/>
+          <a:ext cx="7488832" cy="4480078"/>
+        </p:xfrm>
+        <a:graphic>
+          <a:graphicData uri="http://schemas.openxmlformats.org/drawingml/2006/table">
+            <a:tbl>
+              <a:tblPr firstRow="1" firstCol="1" bandRow="1">
+                <a:tableStyleId>{5C22544A-7EE6-4342-B048-85BDC9FD1C3A}</a:tableStyleId>
+              </a:tblPr>
+              <a:tblGrid>
+                <a:gridCol w="2622908"/>
+                <a:gridCol w="4865924"/>
+              </a:tblGrid>
+              <a:tr h="432047">
+                <a:tc>
+                  <a:txBody>
+                    <a:bodyPr/>
+                    <a:lstStyle/>
+                    <a:p>
+                      <a:pPr algn="l">
+                        <a:lnSpc>
+                          <a:spcPct val="115000"/>
+                        </a:lnSpc>
+                        <a:spcBef>
+                          <a:spcPts val="600"/>
+                        </a:spcBef>
+                        <a:spcAft>
+                          <a:spcPts val="300"/>
+                        </a:spcAft>
+                      </a:pPr>
+                      <a:r>
+                        <a:rPr lang="en-GB" sz="1800" dirty="0">
+                          <a:effectLst/>
+                        </a:rPr>
+                        <a:t>Gap</a:t>
+                      </a:r>
+                      <a:endParaRPr lang="en-SG" sz="1800" dirty="0">
+                        <a:effectLst/>
+                        <a:latin typeface="Times New Roman"/>
+                        <a:ea typeface="Times New Roman"/>
+                        <a:cs typeface="Times New Roman"/>
+                      </a:endParaRPr>
+                    </a:p>
+                  </a:txBody>
+                  <a:tcPr marL="68580" marR="68580" marT="0" marB="0"/>
+                </a:tc>
+                <a:tc>
+                  <a:txBody>
+                    <a:bodyPr/>
+                    <a:lstStyle/>
+                    <a:p>
+                      <a:pPr algn="l">
+                        <a:lnSpc>
+                          <a:spcPct val="115000"/>
+                        </a:lnSpc>
+                        <a:spcBef>
+                          <a:spcPts val="600"/>
+                        </a:spcBef>
+                        <a:spcAft>
+                          <a:spcPts val="300"/>
+                        </a:spcAft>
+                      </a:pPr>
+                      <a:r>
+                        <a:rPr lang="en-GB" sz="1800" dirty="0">
+                          <a:effectLst/>
+                        </a:rPr>
+                        <a:t>Potential Solution</a:t>
+                      </a:r>
+                      <a:endParaRPr lang="en-SG" sz="1800" dirty="0">
+                        <a:effectLst/>
+                        <a:latin typeface="Times New Roman"/>
+                        <a:ea typeface="Times New Roman"/>
+                        <a:cs typeface="Times New Roman"/>
+                      </a:endParaRPr>
+                    </a:p>
+                  </a:txBody>
+                  <a:tcPr marL="68580" marR="68580" marT="0" marB="0"/>
+                </a:tc>
+              </a:tr>
+              <a:tr h="636667">
+                <a:tc>
+                  <a:txBody>
+                    <a:bodyPr/>
+                    <a:lstStyle/>
+                    <a:p>
+                      <a:pPr algn="l">
+                        <a:lnSpc>
+                          <a:spcPct val="115000"/>
+                        </a:lnSpc>
+                        <a:spcBef>
+                          <a:spcPts val="600"/>
+                        </a:spcBef>
+                        <a:spcAft>
+                          <a:spcPts val="300"/>
+                        </a:spcAft>
+                      </a:pPr>
+                      <a:r>
+                        <a:rPr lang="en-GB" sz="1100">
+                          <a:effectLst/>
+                        </a:rPr>
+                        <a:t>Develop centralized SCBS system by consolidating and revamping SOS and CBS system</a:t>
+                      </a:r>
+                      <a:endParaRPr lang="en-SG" sz="1100">
+                        <a:effectLst/>
+                        <a:latin typeface="Times New Roman"/>
+                        <a:ea typeface="Times New Roman"/>
+                        <a:cs typeface="Times New Roman"/>
+                      </a:endParaRPr>
+                    </a:p>
+                  </a:txBody>
+                  <a:tcPr marL="68580" marR="68580" marT="0" marB="0"/>
+                </a:tc>
+                <a:tc>
+                  <a:txBody>
+                    <a:bodyPr/>
+                    <a:lstStyle/>
+                    <a:p>
+                      <a:pPr marL="342900" lvl="0" indent="-342900" algn="l">
+                        <a:lnSpc>
+                          <a:spcPct val="115000"/>
+                        </a:lnSpc>
+                        <a:spcBef>
+                          <a:spcPts val="600"/>
+                        </a:spcBef>
+                        <a:spcAft>
+                          <a:spcPts val="300"/>
+                        </a:spcAft>
+                        <a:buFont typeface="Symbol"/>
+                        <a:buChar char=""/>
+                      </a:pPr>
+                      <a:r>
+                        <a:rPr lang="en-GB" sz="1100" dirty="0">
+                          <a:effectLst/>
+                        </a:rPr>
+                        <a:t>Develop the required system</a:t>
+                      </a:r>
+                      <a:endParaRPr lang="en-SG" sz="1100" dirty="0">
+                        <a:effectLst/>
+                      </a:endParaRPr>
+                    </a:p>
+                    <a:p>
+                      <a:pPr marL="342900" lvl="0" indent="-342900" algn="l">
+                        <a:lnSpc>
+                          <a:spcPct val="115000"/>
+                        </a:lnSpc>
+                        <a:spcBef>
+                          <a:spcPts val="600"/>
+                        </a:spcBef>
+                        <a:spcAft>
+                          <a:spcPts val="300"/>
+                        </a:spcAft>
+                        <a:buFont typeface="Symbol"/>
+                        <a:buChar char=""/>
+                      </a:pPr>
+                      <a:r>
+                        <a:rPr lang="en-GB" sz="1100" dirty="0">
+                          <a:effectLst/>
+                        </a:rPr>
+                        <a:t>Implement system failover to ensure system high availability.</a:t>
+                      </a:r>
+                      <a:endParaRPr lang="en-SG" sz="1100" dirty="0">
+                        <a:effectLst/>
+                        <a:latin typeface="Times New Roman"/>
+                        <a:ea typeface="Times New Roman"/>
+                        <a:cs typeface="Times New Roman"/>
+                      </a:endParaRPr>
+                    </a:p>
+                  </a:txBody>
+                  <a:tcPr marL="68580" marR="68580" marT="0" marB="0"/>
+                </a:tc>
+              </a:tr>
+              <a:tr h="895300">
+                <a:tc>
+                  <a:txBody>
+                    <a:bodyPr/>
+                    <a:lstStyle/>
+                    <a:p>
+                      <a:pPr algn="l">
+                        <a:lnSpc>
+                          <a:spcPct val="115000"/>
+                        </a:lnSpc>
+                        <a:spcBef>
+                          <a:spcPts val="600"/>
+                        </a:spcBef>
+                        <a:spcAft>
+                          <a:spcPts val="300"/>
+                        </a:spcAft>
+                      </a:pPr>
+                      <a:r>
+                        <a:rPr lang="en-GB" sz="1100">
+                          <a:effectLst/>
+                        </a:rPr>
+                        <a:t>Develop centralized VCMS system by consolidating and revamping VMS and CMS system</a:t>
+                      </a:r>
+                      <a:endParaRPr lang="en-SG" sz="1100">
+                        <a:effectLst/>
+                        <a:latin typeface="Times New Roman"/>
+                        <a:ea typeface="Times New Roman"/>
+                        <a:cs typeface="Times New Roman"/>
+                      </a:endParaRPr>
+                    </a:p>
+                  </a:txBody>
+                  <a:tcPr marL="68580" marR="68580" marT="0" marB="0"/>
+                </a:tc>
+                <a:tc>
+                  <a:txBody>
+                    <a:bodyPr/>
+                    <a:lstStyle/>
+                    <a:p>
+                      <a:pPr marL="342900" lvl="0" indent="-342900" algn="l">
+                        <a:lnSpc>
+                          <a:spcPct val="115000"/>
+                        </a:lnSpc>
+                        <a:spcBef>
+                          <a:spcPts val="600"/>
+                        </a:spcBef>
+                        <a:spcAft>
+                          <a:spcPts val="300"/>
+                        </a:spcAft>
+                        <a:buFont typeface="Symbol"/>
+                        <a:buChar char=""/>
+                      </a:pPr>
+                      <a:r>
+                        <a:rPr lang="en-GB" sz="1100">
+                          <a:effectLst/>
+                        </a:rPr>
+                        <a:t>To develop the required system</a:t>
+                      </a:r>
+                      <a:endParaRPr lang="en-SG" sz="1100">
+                        <a:effectLst/>
+                      </a:endParaRPr>
+                    </a:p>
+                    <a:p>
+                      <a:pPr marL="342900" lvl="0" indent="-342900" algn="l">
+                        <a:lnSpc>
+                          <a:spcPct val="115000"/>
+                        </a:lnSpc>
+                        <a:spcBef>
+                          <a:spcPts val="600"/>
+                        </a:spcBef>
+                        <a:spcAft>
+                          <a:spcPts val="300"/>
+                        </a:spcAft>
+                        <a:buFont typeface="Symbol"/>
+                        <a:buChar char=""/>
+                      </a:pPr>
+                      <a:r>
+                        <a:rPr lang="en-GB" sz="1100">
+                          <a:effectLst/>
+                        </a:rPr>
+                        <a:t>To include tow-head operator management functions.</a:t>
+                      </a:r>
+                      <a:endParaRPr lang="en-SG" sz="1100">
+                        <a:effectLst/>
+                      </a:endParaRPr>
+                    </a:p>
+                    <a:p>
+                      <a:pPr marL="342900" lvl="0" indent="-342900" algn="l">
+                        <a:lnSpc>
+                          <a:spcPct val="115000"/>
+                        </a:lnSpc>
+                        <a:spcBef>
+                          <a:spcPts val="600"/>
+                        </a:spcBef>
+                        <a:spcAft>
+                          <a:spcPts val="300"/>
+                        </a:spcAft>
+                        <a:buFont typeface="Symbol"/>
+                        <a:buChar char=""/>
+                      </a:pPr>
+                      <a:r>
+                        <a:rPr lang="en-GB" sz="1100">
+                          <a:effectLst/>
+                        </a:rPr>
+                        <a:t>To implement system failover to reduce the unscheduled downtime.</a:t>
+                      </a:r>
+                      <a:endParaRPr lang="en-SG" sz="1100">
+                        <a:effectLst/>
+                        <a:latin typeface="Times New Roman"/>
+                        <a:ea typeface="Times New Roman"/>
+                        <a:cs typeface="Times New Roman"/>
+                      </a:endParaRPr>
+                    </a:p>
+                  </a:txBody>
+                  <a:tcPr marL="68580" marR="68580" marT="0" marB="0"/>
+                </a:tc>
+              </a:tr>
+              <a:tr h="895300">
+                <a:tc>
+                  <a:txBody>
+                    <a:bodyPr/>
+                    <a:lstStyle/>
+                    <a:p>
+                      <a:pPr algn="l">
+                        <a:lnSpc>
+                          <a:spcPct val="115000"/>
+                        </a:lnSpc>
+                        <a:spcBef>
+                          <a:spcPts val="600"/>
+                        </a:spcBef>
+                        <a:spcAft>
+                          <a:spcPts val="300"/>
+                        </a:spcAft>
+                      </a:pPr>
+                      <a:r>
+                        <a:rPr lang="en-GB" sz="1100">
+                          <a:effectLst/>
+                        </a:rPr>
+                        <a:t>Container Movement prediction engine requires high computational load and it would affect the performance of VCMS.</a:t>
+                      </a:r>
+                      <a:endParaRPr lang="en-SG" sz="1100">
+                        <a:effectLst/>
+                        <a:latin typeface="Times New Roman"/>
+                        <a:ea typeface="Times New Roman"/>
+                        <a:cs typeface="Times New Roman"/>
+                      </a:endParaRPr>
+                    </a:p>
+                  </a:txBody>
+                  <a:tcPr marL="68580" marR="68580" marT="0" marB="0"/>
+                </a:tc>
+                <a:tc>
+                  <a:txBody>
+                    <a:bodyPr/>
+                    <a:lstStyle/>
+                    <a:p>
+                      <a:pPr marL="342900" lvl="0" indent="-342900" algn="l">
+                        <a:lnSpc>
+                          <a:spcPct val="115000"/>
+                        </a:lnSpc>
+                        <a:spcBef>
+                          <a:spcPts val="600"/>
+                        </a:spcBef>
+                        <a:spcAft>
+                          <a:spcPts val="300"/>
+                        </a:spcAft>
+                        <a:buFont typeface="Symbol"/>
+                        <a:buChar char=""/>
+                      </a:pPr>
+                      <a:r>
+                        <a:rPr lang="en-GB" sz="1100">
+                          <a:effectLst/>
+                        </a:rPr>
+                        <a:t>Separate the Container Movement prediction engine.</a:t>
+                      </a:r>
+                      <a:endParaRPr lang="en-SG" sz="1100">
+                        <a:effectLst/>
+                      </a:endParaRPr>
+                    </a:p>
+                    <a:p>
+                      <a:pPr marL="342900" lvl="0" indent="-342900" algn="l">
+                        <a:lnSpc>
+                          <a:spcPct val="115000"/>
+                        </a:lnSpc>
+                        <a:spcBef>
+                          <a:spcPts val="600"/>
+                        </a:spcBef>
+                        <a:spcAft>
+                          <a:spcPts val="300"/>
+                        </a:spcAft>
+                        <a:buFont typeface="Symbol"/>
+                        <a:buChar char=""/>
+                      </a:pPr>
+                      <a:r>
+                        <a:rPr lang="en-GB" sz="1100">
+                          <a:effectLst/>
+                        </a:rPr>
+                        <a:t>Deploy the engine in another distributed server.</a:t>
+                      </a:r>
+                      <a:endParaRPr lang="en-SG" sz="1100">
+                        <a:effectLst/>
+                      </a:endParaRPr>
+                    </a:p>
+                    <a:p>
+                      <a:pPr marL="342900" lvl="0" indent="-342900" algn="l">
+                        <a:lnSpc>
+                          <a:spcPct val="115000"/>
+                        </a:lnSpc>
+                        <a:spcBef>
+                          <a:spcPts val="600"/>
+                        </a:spcBef>
+                        <a:spcAft>
+                          <a:spcPts val="300"/>
+                        </a:spcAft>
+                        <a:buFont typeface="Symbol"/>
+                        <a:buChar char=""/>
+                      </a:pPr>
+                      <a:r>
+                        <a:rPr lang="en-GB" sz="1100">
+                          <a:effectLst/>
+                        </a:rPr>
+                        <a:t>To provide the remote method invocation to VCMS.</a:t>
+                      </a:r>
+                      <a:endParaRPr lang="en-SG" sz="1100">
+                        <a:effectLst/>
+                        <a:latin typeface="Times New Roman"/>
+                        <a:ea typeface="Times New Roman"/>
+                        <a:cs typeface="Times New Roman"/>
+                      </a:endParaRPr>
+                    </a:p>
+                  </a:txBody>
+                  <a:tcPr marL="68580" marR="68580" marT="0" marB="0"/>
+                </a:tc>
+              </a:tr>
+              <a:tr h="636667">
+                <a:tc>
+                  <a:txBody>
+                    <a:bodyPr/>
+                    <a:lstStyle/>
+                    <a:p>
+                      <a:pPr algn="l">
+                        <a:lnSpc>
+                          <a:spcPct val="115000"/>
+                        </a:lnSpc>
+                        <a:spcBef>
+                          <a:spcPts val="600"/>
+                        </a:spcBef>
+                        <a:spcAft>
+                          <a:spcPts val="300"/>
+                        </a:spcAft>
+                      </a:pPr>
+                      <a:r>
+                        <a:rPr lang="en-GB" sz="1100">
+                          <a:effectLst/>
+                        </a:rPr>
+                        <a:t>Integration to SCBS for sophisticated customer’s procurement system</a:t>
+                      </a:r>
+                      <a:endParaRPr lang="en-SG" sz="1100">
+                        <a:effectLst/>
+                        <a:latin typeface="Times New Roman"/>
+                        <a:ea typeface="Times New Roman"/>
+                        <a:cs typeface="Times New Roman"/>
+                      </a:endParaRPr>
+                    </a:p>
+                  </a:txBody>
+                  <a:tcPr marL="68580" marR="68580" marT="0" marB="0"/>
+                </a:tc>
+                <a:tc>
+                  <a:txBody>
+                    <a:bodyPr/>
+                    <a:lstStyle/>
+                    <a:p>
+                      <a:pPr marL="342900" lvl="0" indent="-342900" algn="l">
+                        <a:lnSpc>
+                          <a:spcPct val="115000"/>
+                        </a:lnSpc>
+                        <a:spcBef>
+                          <a:spcPts val="600"/>
+                        </a:spcBef>
+                        <a:spcAft>
+                          <a:spcPts val="300"/>
+                        </a:spcAft>
+                        <a:buFont typeface="Symbol"/>
+                        <a:buChar char=""/>
+                      </a:pPr>
+                      <a:r>
+                        <a:rPr lang="en-GB" sz="1100">
+                          <a:effectLst/>
+                        </a:rPr>
+                        <a:t>Develop a set of Web Services in SCBS for integration.</a:t>
+                      </a:r>
+                      <a:endParaRPr lang="en-SG" sz="1100">
+                        <a:effectLst/>
+                        <a:latin typeface="Times New Roman"/>
+                        <a:ea typeface="Times New Roman"/>
+                        <a:cs typeface="Times New Roman"/>
+                      </a:endParaRPr>
+                    </a:p>
+                  </a:txBody>
+                  <a:tcPr marL="68580" marR="68580" marT="0" marB="0"/>
+                </a:tc>
+              </a:tr>
+              <a:tr h="984097">
+                <a:tc>
+                  <a:txBody>
+                    <a:bodyPr/>
+                    <a:lstStyle/>
+                    <a:p>
+                      <a:pPr algn="l">
+                        <a:lnSpc>
+                          <a:spcPct val="115000"/>
+                        </a:lnSpc>
+                        <a:spcBef>
+                          <a:spcPts val="600"/>
+                        </a:spcBef>
+                        <a:spcAft>
+                          <a:spcPts val="300"/>
+                        </a:spcAft>
+                      </a:pPr>
+                      <a:r>
+                        <a:rPr lang="en-GB" sz="1100">
+                          <a:effectLst/>
+                        </a:rPr>
+                        <a:t>Integration to VCMS for Port Operators and internal applications</a:t>
+                      </a:r>
+                      <a:endParaRPr lang="en-SG" sz="1100">
+                        <a:effectLst/>
+                        <a:latin typeface="Times New Roman"/>
+                        <a:ea typeface="Times New Roman"/>
+                        <a:cs typeface="Times New Roman"/>
+                      </a:endParaRPr>
+                    </a:p>
+                  </a:txBody>
+                  <a:tcPr marL="68580" marR="68580" marT="0" marB="0"/>
+                </a:tc>
+                <a:tc>
+                  <a:txBody>
+                    <a:bodyPr/>
+                    <a:lstStyle/>
+                    <a:p>
+                      <a:pPr marL="342900" lvl="0" indent="-342900" algn="l">
+                        <a:lnSpc>
+                          <a:spcPct val="115000"/>
+                        </a:lnSpc>
+                        <a:spcBef>
+                          <a:spcPts val="600"/>
+                        </a:spcBef>
+                        <a:spcAft>
+                          <a:spcPts val="300"/>
+                        </a:spcAft>
+                        <a:buFont typeface="Symbol"/>
+                        <a:buChar char=""/>
+                      </a:pPr>
+                      <a:r>
+                        <a:rPr lang="en-GB" sz="1100" dirty="0">
+                          <a:effectLst/>
+                        </a:rPr>
+                        <a:t>Develop a set of Web Service in VCMS for Port Operators to integrate.</a:t>
+                      </a:r>
+                      <a:endParaRPr lang="en-SG" sz="1100" dirty="0">
+                        <a:effectLst/>
+                      </a:endParaRPr>
+                    </a:p>
+                    <a:p>
+                      <a:pPr marL="342900" lvl="0" indent="-342900" algn="l">
+                        <a:lnSpc>
+                          <a:spcPct val="115000"/>
+                        </a:lnSpc>
+                        <a:spcBef>
+                          <a:spcPts val="600"/>
+                        </a:spcBef>
+                        <a:spcAft>
+                          <a:spcPts val="300"/>
+                        </a:spcAft>
+                        <a:buFont typeface="Symbol"/>
+                        <a:buChar char=""/>
+                      </a:pPr>
+                      <a:r>
+                        <a:rPr lang="en-GB" sz="1100" dirty="0">
+                          <a:effectLst/>
+                        </a:rPr>
+                        <a:t>Develop another set of Web Service in VCMS for internal system to integrate.</a:t>
+                      </a:r>
+                      <a:endParaRPr lang="en-SG" sz="1100" dirty="0">
+                        <a:effectLst/>
+                        <a:latin typeface="Times New Roman"/>
+                        <a:ea typeface="Times New Roman"/>
+                        <a:cs typeface="Times New Roman"/>
+                      </a:endParaRPr>
+                    </a:p>
+                  </a:txBody>
+                  <a:tcPr marL="68580" marR="68580" marT="0" marB="0"/>
+                </a:tc>
+              </a:tr>
+            </a:tbl>
+          </a:graphicData>
+        </a:graphic>
+      </p:graphicFrame>
+    </p:spTree>
+    <p:extLst>
+      <p:ext uri="{BB962C8B-B14F-4D97-AF65-F5344CB8AC3E}">
+        <p14:creationId xmlns:p14="http://schemas.microsoft.com/office/powerpoint/2010/main" val="2452609840"/>
+      </p:ext>
+    </p:extLst>
+  </p:cSld>
+  <p:clrMapOvr>
+    <a:masterClrMapping/>
+  </p:clrMapOvr>
+  <p:timing>
+    <p:tnLst>
+      <p:par>
+        <p:cTn id="1" dur="indefinite" restart="never" nodeType="tmRoot"/>
+      </p:par>
+    </p:tnLst>
+  </p:timing>
+</p:sld>
+</file>
+
+<file path=ppt/slides/slide44.xml><?xml version="1.0" encoding="utf-8"?>
+<p:sld xmlns:a="http://schemas.openxmlformats.org/drawingml/2006/main" xmlns:r="http://schemas.openxmlformats.org/officeDocument/2006/relationships" xmlns:p="http://schemas.openxmlformats.org/presentationml/2006/main">
+  <p:cSld>
+    <p:spTree>
+      <p:nvGrpSpPr>
+        <p:cNvPr id="1" name=""/>
+        <p:cNvGrpSpPr/>
+        <p:nvPr/>
+      </p:nvGrpSpPr>
+      <p:grpSpPr>
+        <a:xfrm>
+          <a:off x="0" y="0"/>
+          <a:ext cx="0" cy="0"/>
+          <a:chOff x="0" y="0"/>
+          <a:chExt cx="0" cy="0"/>
+        </a:xfrm>
+      </p:grpSpPr>
+      <p:sp>
+        <p:nvSpPr>
+          <p:cNvPr id="49153" name="Title 1"/>
+          <p:cNvSpPr>
+            <a:spLocks noGrp="1"/>
+          </p:cNvSpPr>
+          <p:nvPr>
+            <p:ph type="title"/>
+          </p:nvPr>
+        </p:nvSpPr>
+        <p:spPr/>
+        <p:txBody>
+          <a:bodyPr/>
+          <a:lstStyle/>
+          <a:p>
+            <a:pPr eaLnBrk="1" hangingPunct="1"/>
+            <a:r>
+              <a:rPr lang="en-US" dirty="0"/>
+              <a:t>Gap and Potential Solution </a:t>
+            </a:r>
+            <a:r>
+              <a:rPr lang="en-US" dirty="0" smtClean="0"/>
+              <a:t>(Application)</a:t>
+            </a:r>
+            <a:br>
+              <a:rPr lang="en-US" dirty="0" smtClean="0"/>
+            </a:br>
+            <a:r>
+              <a:rPr lang="en-US" dirty="0" smtClean="0"/>
+              <a:t>continued…</a:t>
+            </a:r>
+            <a:endParaRPr lang="en-SG" dirty="0" smtClean="0"/>
+          </a:p>
+        </p:txBody>
+      </p:sp>
+      <p:sp>
+        <p:nvSpPr>
+          <p:cNvPr id="49154" name="Content Placeholder 2"/>
+          <p:cNvSpPr>
+            <a:spLocks noGrp="1"/>
+          </p:cNvSpPr>
+          <p:nvPr>
+            <p:ph sz="quarter" idx="1"/>
+          </p:nvPr>
+        </p:nvSpPr>
+        <p:spPr>
+          <a:xfrm>
+            <a:off x="457200" y="1219200"/>
+            <a:ext cx="8229600" cy="4937125"/>
+          </a:xfrm>
+        </p:spPr>
+        <p:txBody>
+          <a:bodyPr/>
+          <a:lstStyle/>
+          <a:p>
+            <a:pPr marL="0" indent="0" eaLnBrk="1" hangingPunct="1">
+              <a:buNone/>
+            </a:pPr>
+            <a:r>
+              <a:rPr lang="en-SG" dirty="0" smtClean="0"/>
+              <a:t> </a:t>
+            </a:r>
+          </a:p>
+        </p:txBody>
+      </p:sp>
+      <p:graphicFrame>
+        <p:nvGraphicFramePr>
+          <p:cNvPr id="2" name="Table 1"/>
+          <p:cNvGraphicFramePr>
+            <a:graphicFrameLocks noGrp="1"/>
+          </p:cNvGraphicFramePr>
+          <p:nvPr>
+            <p:extLst>
+              <p:ext uri="{D42A27DB-BD31-4B8C-83A1-F6EECF244321}">
+                <p14:modId xmlns:p14="http://schemas.microsoft.com/office/powerpoint/2010/main" val="2796909540"/>
+              </p:ext>
+            </p:extLst>
+          </p:nvPr>
+        </p:nvGraphicFramePr>
+        <p:xfrm>
+          <a:off x="755576" y="1556792"/>
+          <a:ext cx="7560840" cy="4254425"/>
+        </p:xfrm>
+        <a:graphic>
+          <a:graphicData uri="http://schemas.openxmlformats.org/drawingml/2006/table">
+            <a:tbl>
+              <a:tblPr firstRow="1" firstCol="1" bandRow="1">
+                <a:tableStyleId>{5C22544A-7EE6-4342-B048-85BDC9FD1C3A}</a:tableStyleId>
+              </a:tblPr>
+              <a:tblGrid>
+                <a:gridCol w="2648128"/>
+                <a:gridCol w="4912712"/>
+              </a:tblGrid>
+              <a:tr h="432048">
+                <a:tc>
+                  <a:txBody>
+                    <a:bodyPr/>
+                    <a:lstStyle/>
+                    <a:p>
+                      <a:pPr algn="l">
+                        <a:lnSpc>
+                          <a:spcPct val="115000"/>
+                        </a:lnSpc>
+                        <a:spcBef>
+                          <a:spcPts val="600"/>
+                        </a:spcBef>
+                        <a:spcAft>
+                          <a:spcPts val="300"/>
+                        </a:spcAft>
+                      </a:pPr>
+                      <a:r>
+                        <a:rPr lang="en-GB" sz="1800" dirty="0">
+                          <a:effectLst/>
+                        </a:rPr>
+                        <a:t>Gap</a:t>
+                      </a:r>
+                      <a:endParaRPr lang="en-SG" sz="1800" dirty="0">
+                        <a:effectLst/>
+                        <a:latin typeface="Times New Roman"/>
+                        <a:ea typeface="Times New Roman"/>
+                        <a:cs typeface="Times New Roman"/>
+                      </a:endParaRPr>
+                    </a:p>
+                  </a:txBody>
+                  <a:tcPr marL="68580" marR="68580" marT="0" marB="0"/>
+                </a:tc>
+                <a:tc>
+                  <a:txBody>
+                    <a:bodyPr/>
+                    <a:lstStyle/>
+                    <a:p>
+                      <a:pPr algn="l">
+                        <a:lnSpc>
+                          <a:spcPct val="115000"/>
+                        </a:lnSpc>
+                        <a:spcBef>
+                          <a:spcPts val="600"/>
+                        </a:spcBef>
+                        <a:spcAft>
+                          <a:spcPts val="300"/>
+                        </a:spcAft>
+                      </a:pPr>
+                      <a:r>
+                        <a:rPr lang="en-GB" sz="1800" dirty="0">
+                          <a:effectLst/>
+                        </a:rPr>
+                        <a:t>Potential Solution</a:t>
+                      </a:r>
+                      <a:endParaRPr lang="en-SG" sz="1800" dirty="0">
+                        <a:effectLst/>
+                        <a:latin typeface="Times New Roman"/>
+                        <a:ea typeface="Times New Roman"/>
+                        <a:cs typeface="Times New Roman"/>
+                      </a:endParaRPr>
+                    </a:p>
+                  </a:txBody>
+                  <a:tcPr marL="68580" marR="68580" marT="0" marB="0"/>
+                </a:tc>
+              </a:tr>
+              <a:tr h="1988214">
+                <a:tc>
+                  <a:txBody>
+                    <a:bodyPr/>
+                    <a:lstStyle/>
+                    <a:p>
+                      <a:pPr algn="l">
+                        <a:lnSpc>
+                          <a:spcPct val="115000"/>
+                        </a:lnSpc>
+                        <a:spcBef>
+                          <a:spcPts val="600"/>
+                        </a:spcBef>
+                        <a:spcAft>
+                          <a:spcPts val="300"/>
+                        </a:spcAft>
+                      </a:pPr>
+                      <a:r>
+                        <a:rPr lang="en-GB" sz="1100" dirty="0">
+                          <a:effectLst/>
+                        </a:rPr>
+                        <a:t>Online RFQ and order submission is not supported</a:t>
+                      </a:r>
+                      <a:endParaRPr lang="en-SG" sz="1100" dirty="0">
+                        <a:effectLst/>
+                        <a:latin typeface="Times New Roman"/>
+                        <a:ea typeface="Times New Roman"/>
+                        <a:cs typeface="Times New Roman"/>
+                      </a:endParaRPr>
+                    </a:p>
+                  </a:txBody>
+                  <a:tcPr marL="68580" marR="68580" marT="0" marB="0"/>
+                </a:tc>
+                <a:tc>
+                  <a:txBody>
+                    <a:bodyPr/>
+                    <a:lstStyle/>
+                    <a:p>
+                      <a:pPr marL="342900" lvl="0" indent="-342900" algn="l">
+                        <a:lnSpc>
+                          <a:spcPct val="115000"/>
+                        </a:lnSpc>
+                        <a:spcBef>
+                          <a:spcPts val="600"/>
+                        </a:spcBef>
+                        <a:spcAft>
+                          <a:spcPts val="300"/>
+                        </a:spcAft>
+                        <a:buFont typeface="Symbol"/>
+                        <a:buChar char=""/>
+                      </a:pPr>
+                      <a:r>
+                        <a:rPr lang="en-GB" sz="1100">
+                          <a:effectLst/>
+                        </a:rPr>
+                        <a:t>Integrate SGLines Web site with SCBS to allow customer registration.</a:t>
+                      </a:r>
+                      <a:endParaRPr lang="en-SG" sz="1100">
+                        <a:effectLst/>
+                      </a:endParaRPr>
+                    </a:p>
+                    <a:p>
+                      <a:pPr marL="342900" lvl="0" indent="-342900" algn="l">
+                        <a:lnSpc>
+                          <a:spcPct val="115000"/>
+                        </a:lnSpc>
+                        <a:spcBef>
+                          <a:spcPts val="600"/>
+                        </a:spcBef>
+                        <a:spcAft>
+                          <a:spcPts val="300"/>
+                        </a:spcAft>
+                        <a:buFont typeface="Symbol"/>
+                        <a:buChar char=""/>
+                      </a:pPr>
+                      <a:r>
+                        <a:rPr lang="en-GB" sz="1100">
+                          <a:effectLst/>
+                        </a:rPr>
+                        <a:t>Integrate SGLines Web site with SCBS to allow customer to submit RFQ and order online from a new Web storefront.</a:t>
+                      </a:r>
+                      <a:endParaRPr lang="en-SG" sz="1100">
+                        <a:effectLst/>
+                      </a:endParaRPr>
+                    </a:p>
+                    <a:p>
+                      <a:pPr marL="342900" lvl="0" indent="-342900" algn="l">
+                        <a:lnSpc>
+                          <a:spcPct val="115000"/>
+                        </a:lnSpc>
+                        <a:spcBef>
+                          <a:spcPts val="600"/>
+                        </a:spcBef>
+                        <a:spcAft>
+                          <a:spcPts val="300"/>
+                        </a:spcAft>
+                        <a:buFont typeface="Symbol"/>
+                        <a:buChar char=""/>
+                      </a:pPr>
+                      <a:r>
+                        <a:rPr lang="en-GB" sz="1100">
+                          <a:effectLst/>
+                        </a:rPr>
+                        <a:t>Customize the Web contents for different customer type and country.</a:t>
+                      </a:r>
+                      <a:endParaRPr lang="en-SG" sz="1100">
+                        <a:effectLst/>
+                      </a:endParaRPr>
+                    </a:p>
+                    <a:p>
+                      <a:pPr marL="342900" lvl="0" indent="-342900" algn="l">
+                        <a:lnSpc>
+                          <a:spcPct val="115000"/>
+                        </a:lnSpc>
+                        <a:spcBef>
+                          <a:spcPts val="600"/>
+                        </a:spcBef>
+                        <a:spcAft>
+                          <a:spcPts val="300"/>
+                        </a:spcAft>
+                        <a:buFont typeface="Symbol"/>
+                        <a:buChar char=""/>
+                      </a:pPr>
+                      <a:r>
+                        <a:rPr lang="en-GB" sz="1100">
+                          <a:effectLst/>
+                        </a:rPr>
+                        <a:t>Support different types of browsers.</a:t>
+                      </a:r>
+                      <a:endParaRPr lang="en-SG" sz="1100">
+                        <a:effectLst/>
+                        <a:latin typeface="Times New Roman"/>
+                        <a:ea typeface="Times New Roman"/>
+                        <a:cs typeface="Times New Roman"/>
+                      </a:endParaRPr>
+                    </a:p>
+                  </a:txBody>
+                  <a:tcPr marL="68580" marR="68580" marT="0" marB="0"/>
+                </a:tc>
+              </a:tr>
+              <a:tr h="802785">
+                <a:tc>
+                  <a:txBody>
+                    <a:bodyPr/>
+                    <a:lstStyle/>
+                    <a:p>
+                      <a:pPr algn="l">
+                        <a:lnSpc>
+                          <a:spcPct val="115000"/>
+                        </a:lnSpc>
+                        <a:spcBef>
+                          <a:spcPts val="600"/>
+                        </a:spcBef>
+                        <a:spcAft>
+                          <a:spcPts val="300"/>
+                        </a:spcAft>
+                      </a:pPr>
+                      <a:r>
+                        <a:rPr lang="en-GB" sz="1100">
+                          <a:effectLst/>
+                        </a:rPr>
+                        <a:t>Generating management report would impact VCMS performance</a:t>
+                      </a:r>
+                      <a:endParaRPr lang="en-SG" sz="1100">
+                        <a:effectLst/>
+                        <a:latin typeface="Times New Roman"/>
+                        <a:ea typeface="Times New Roman"/>
+                        <a:cs typeface="Times New Roman"/>
+                      </a:endParaRPr>
+                    </a:p>
+                  </a:txBody>
+                  <a:tcPr marL="68580" marR="68580" marT="0" marB="0"/>
+                </a:tc>
+                <a:tc>
+                  <a:txBody>
+                    <a:bodyPr/>
+                    <a:lstStyle/>
+                    <a:p>
+                      <a:pPr marL="342900" lvl="0" indent="-342900" algn="l">
+                        <a:lnSpc>
+                          <a:spcPct val="115000"/>
+                        </a:lnSpc>
+                        <a:spcBef>
+                          <a:spcPts val="600"/>
+                        </a:spcBef>
+                        <a:spcAft>
+                          <a:spcPts val="300"/>
+                        </a:spcAft>
+                        <a:buFont typeface="Symbol"/>
+                        <a:buChar char=""/>
+                      </a:pPr>
+                      <a:r>
+                        <a:rPr lang="en-GB" sz="1100">
+                          <a:effectLst/>
+                        </a:rPr>
+                        <a:t>Replicate data for VCMS system using DB feature and set the replicated data to be read only.</a:t>
+                      </a:r>
+                      <a:endParaRPr lang="en-SG" sz="1100">
+                        <a:effectLst/>
+                      </a:endParaRPr>
+                    </a:p>
+                    <a:p>
+                      <a:pPr marL="342900" lvl="0" indent="-342900" algn="l">
+                        <a:lnSpc>
+                          <a:spcPct val="115000"/>
+                        </a:lnSpc>
+                        <a:spcBef>
+                          <a:spcPts val="600"/>
+                        </a:spcBef>
+                        <a:spcAft>
+                          <a:spcPts val="300"/>
+                        </a:spcAft>
+                        <a:buFont typeface="Symbol"/>
+                        <a:buChar char=""/>
+                      </a:pPr>
+                      <a:r>
+                        <a:rPr lang="en-GB" sz="1100">
+                          <a:effectLst/>
+                        </a:rPr>
+                        <a:t>Access replicated DB to generate management report.</a:t>
+                      </a:r>
+                      <a:endParaRPr lang="en-SG" sz="1100">
+                        <a:effectLst/>
+                        <a:latin typeface="Times New Roman"/>
+                        <a:ea typeface="Times New Roman"/>
+                        <a:cs typeface="Times New Roman"/>
+                      </a:endParaRPr>
+                    </a:p>
+                  </a:txBody>
+                  <a:tcPr marL="68580" marR="68580" marT="0" marB="0"/>
+                </a:tc>
+              </a:tr>
+              <a:tr h="1031378">
+                <a:tc>
+                  <a:txBody>
+                    <a:bodyPr/>
+                    <a:lstStyle/>
+                    <a:p>
+                      <a:pPr algn="l">
+                        <a:lnSpc>
+                          <a:spcPct val="115000"/>
+                        </a:lnSpc>
+                        <a:spcBef>
+                          <a:spcPts val="600"/>
+                        </a:spcBef>
+                        <a:spcAft>
+                          <a:spcPts val="300"/>
+                        </a:spcAft>
+                      </a:pPr>
+                      <a:r>
+                        <a:rPr lang="en-GB" sz="1100">
+                          <a:effectLst/>
+                        </a:rPr>
+                        <a:t>Order process is not fully automated.</a:t>
+                      </a:r>
+                      <a:endParaRPr lang="en-SG" sz="1100">
+                        <a:effectLst/>
+                        <a:latin typeface="Times New Roman"/>
+                        <a:ea typeface="Times New Roman"/>
+                        <a:cs typeface="Times New Roman"/>
+                      </a:endParaRPr>
+                    </a:p>
+                  </a:txBody>
+                  <a:tcPr marL="68580" marR="68580" marT="0" marB="0"/>
+                </a:tc>
+                <a:tc>
+                  <a:txBody>
+                    <a:bodyPr/>
+                    <a:lstStyle/>
+                    <a:p>
+                      <a:pPr marL="342900" lvl="0" indent="-342900" algn="l">
+                        <a:lnSpc>
+                          <a:spcPct val="115000"/>
+                        </a:lnSpc>
+                        <a:spcBef>
+                          <a:spcPts val="600"/>
+                        </a:spcBef>
+                        <a:spcAft>
+                          <a:spcPts val="300"/>
+                        </a:spcAft>
+                        <a:buFont typeface="Symbol"/>
+                        <a:buChar char=""/>
+                      </a:pPr>
+                      <a:r>
+                        <a:rPr lang="en-GB" sz="1100" dirty="0">
+                          <a:effectLst/>
+                        </a:rPr>
+                        <a:t>Allow customer to continue to place order after RFQ with the details stated in RFQ.</a:t>
+                      </a:r>
+                      <a:endParaRPr lang="en-SG" sz="1100" dirty="0">
+                        <a:effectLst/>
+                      </a:endParaRPr>
+                    </a:p>
+                    <a:p>
+                      <a:pPr marL="342900" lvl="0" indent="-342900" algn="l">
+                        <a:lnSpc>
+                          <a:spcPct val="115000"/>
+                        </a:lnSpc>
+                        <a:spcBef>
+                          <a:spcPts val="600"/>
+                        </a:spcBef>
+                        <a:spcAft>
+                          <a:spcPts val="300"/>
+                        </a:spcAft>
+                        <a:buFont typeface="Symbol"/>
+                        <a:buChar char=""/>
+                      </a:pPr>
+                      <a:r>
+                        <a:rPr lang="en-GB" sz="1100" dirty="0">
+                          <a:effectLst/>
+                        </a:rPr>
+                        <a:t>Integrated SCBS and VCMS using Web Services provided for internal use to automate RFQ and order process.</a:t>
+                      </a:r>
+                      <a:endParaRPr lang="en-SG" sz="1100" dirty="0">
+                        <a:effectLst/>
+                        <a:latin typeface="Times New Roman"/>
+                        <a:ea typeface="Times New Roman"/>
+                        <a:cs typeface="Times New Roman"/>
+                      </a:endParaRPr>
+                    </a:p>
+                  </a:txBody>
+                  <a:tcPr marL="68580" marR="68580" marT="0" marB="0"/>
+                </a:tc>
+              </a:tr>
+            </a:tbl>
+          </a:graphicData>
+        </a:graphic>
+      </p:graphicFrame>
+    </p:spTree>
+    <p:extLst>
+      <p:ext uri="{BB962C8B-B14F-4D97-AF65-F5344CB8AC3E}">
+        <p14:creationId xmlns:p14="http://schemas.microsoft.com/office/powerpoint/2010/main" val="727614397"/>
+      </p:ext>
+    </p:extLst>
+  </p:cSld>
+  <p:clrMapOvr>
+    <a:masterClrMapping/>
+  </p:clrMapOvr>
+  <p:timing>
+    <p:tnLst>
+      <p:par>
+        <p:cTn id="1" dur="indefinite" restart="never" nodeType="tmRoot"/>
+      </p:par>
+    </p:tnLst>
+  </p:timing>
+</p:sld>
+</file>
+
+<file path=ppt/slides/slide45.xml><?xml version="1.0" encoding="utf-8"?>
+<p:sld xmlns:a="http://schemas.openxmlformats.org/drawingml/2006/main" xmlns:r="http://schemas.openxmlformats.org/officeDocument/2006/relationships" xmlns:p="http://schemas.openxmlformats.org/presentationml/2006/main">
+  <p:cSld>
+    <p:spTree>
+      <p:nvGrpSpPr>
+        <p:cNvPr id="1" name=""/>
+        <p:cNvGrpSpPr/>
+        <p:nvPr/>
+      </p:nvGrpSpPr>
+      <p:grpSpPr>
+        <a:xfrm>
+          <a:off x="0" y="0"/>
+          <a:ext cx="0" cy="0"/>
+          <a:chOff x="0" y="0"/>
+          <a:chExt cx="0" cy="0"/>
+        </a:xfrm>
+      </p:grpSpPr>
+      <p:sp>
+        <p:nvSpPr>
+          <p:cNvPr id="49153" name="Title 1"/>
+          <p:cNvSpPr>
+            <a:spLocks noGrp="1"/>
+          </p:cNvSpPr>
+          <p:nvPr>
+            <p:ph type="title"/>
+          </p:nvPr>
+        </p:nvSpPr>
+        <p:spPr/>
+        <p:txBody>
+          <a:bodyPr/>
+          <a:lstStyle/>
+          <a:p>
+            <a:pPr eaLnBrk="1" hangingPunct="1"/>
+            <a:r>
+              <a:rPr lang="en-US" dirty="0"/>
+              <a:t>Gap and Potential Solution </a:t>
+            </a:r>
+            <a:r>
+              <a:rPr lang="en-US" dirty="0" smtClean="0"/>
+              <a:t>(Technology)</a:t>
             </a:r>
             <a:endParaRPr lang="en-SG" dirty="0" smtClean="0"/>
           </a:p>
@@ -34855,14 +38953,14 @@
           <p:nvPr>
             <p:extLst>
               <p:ext uri="{D42A27DB-BD31-4B8C-83A1-F6EECF244321}">
-                <p14:modId xmlns:p14="http://schemas.microsoft.com/office/powerpoint/2010/main" val="343998489"/>
+                <p14:modId xmlns:p14="http://schemas.microsoft.com/office/powerpoint/2010/main" val="3296824776"/>
               </p:ext>
             </p:extLst>
           </p:nvPr>
         </p:nvGraphicFramePr>
         <p:xfrm>
-          <a:off x="457200" y="1484784"/>
-          <a:ext cx="8229600" cy="3601944"/>
+          <a:off x="827584" y="1553808"/>
+          <a:ext cx="7488832" cy="4554261"/>
         </p:xfrm>
         <a:graphic>
           <a:graphicData uri="http://schemas.openxmlformats.org/drawingml/2006/table">
@@ -34871,10 +38969,10 @@
                 <a:tableStyleId>{5C22544A-7EE6-4342-B048-85BDC9FD1C3A}</a:tableStyleId>
               </a:tblPr>
               <a:tblGrid>
-                <a:gridCol w="2727637"/>
-                <a:gridCol w="5501963"/>
+                <a:gridCol w="2622908"/>
+                <a:gridCol w="4865924"/>
               </a:tblGrid>
-              <a:tr h="355824">
+              <a:tr h="435032">
                 <a:tc>
                   <a:txBody>
                     <a:bodyPr/>
@@ -34882,7 +38980,7 @@
                     <a:p>
                       <a:pPr algn="l">
                         <a:lnSpc>
-                          <a:spcPct val="107000"/>
+                          <a:spcPct val="115000"/>
                         </a:lnSpc>
                         <a:spcBef>
                           <a:spcPts val="600"/>
@@ -34892,19 +38990,20 @@
                         </a:spcAft>
                       </a:pPr>
                       <a:r>
-                        <a:rPr lang="en-GB" sz="1400" dirty="0">
+                        <a:rPr lang="en-GB" sz="1800" dirty="0">
                           <a:effectLst/>
                         </a:rPr>
                         <a:t>Gap</a:t>
                       </a:r>
-                      <a:endParaRPr lang="en-SG" sz="1400" dirty="0">
+                      <a:endParaRPr lang="en-SG" sz="1800" dirty="0">
                         <a:effectLst/>
-                        <a:latin typeface="Times New Roman" panose="02020603050405020304" pitchFamily="18" charset="0"/>
-                        <a:ea typeface="Times New Roman" panose="02020603050405020304" pitchFamily="18" charset="0"/>
+                        <a:latin typeface="Times New Roman"/>
+                        <a:ea typeface="Times New Roman"/>
+                        <a:cs typeface="Times New Roman"/>
                       </a:endParaRPr>
                     </a:p>
                   </a:txBody>
-                  <a:tcPr marL="60772" marR="60772" marT="0" marB="0"/>
+                  <a:tcPr marL="68580" marR="68580" marT="0" marB="0"/>
                 </a:tc>
                 <a:tc>
                   <a:txBody>
@@ -34913,7 +39012,7 @@
                     <a:p>
                       <a:pPr algn="l">
                         <a:lnSpc>
-                          <a:spcPct val="107000"/>
+                          <a:spcPct val="115000"/>
                         </a:lnSpc>
                         <a:spcBef>
                           <a:spcPts val="600"/>
@@ -34923,22 +39022,23 @@
                         </a:spcAft>
                       </a:pPr>
                       <a:r>
-                        <a:rPr lang="en-GB" sz="1400" dirty="0">
+                        <a:rPr lang="en-GB" sz="1800" dirty="0">
                           <a:effectLst/>
                         </a:rPr>
                         <a:t>Potential Solution</a:t>
                       </a:r>
-                      <a:endParaRPr lang="en-SG" sz="1400" dirty="0">
+                      <a:endParaRPr lang="en-SG" sz="1800" dirty="0">
                         <a:effectLst/>
-                        <a:latin typeface="Times New Roman" panose="02020603050405020304" pitchFamily="18" charset="0"/>
-                        <a:ea typeface="Times New Roman" panose="02020603050405020304" pitchFamily="18" charset="0"/>
+                        <a:latin typeface="Times New Roman"/>
+                        <a:ea typeface="Times New Roman"/>
+                        <a:cs typeface="Times New Roman"/>
                       </a:endParaRPr>
                     </a:p>
                   </a:txBody>
-                  <a:tcPr marL="60772" marR="60772" marT="0" marB="0"/>
+                  <a:tcPr marL="68580" marR="68580" marT="0" marB="0"/>
                 </a:tc>
               </a:tr>
-              <a:tr h="578183">
+              <a:tr h="419880">
                 <a:tc>
                   <a:txBody>
                     <a:bodyPr/>
@@ -34946,7 +39046,7 @@
                     <a:p>
                       <a:pPr algn="l">
                         <a:lnSpc>
-                          <a:spcPct val="107000"/>
+                          <a:spcPct val="115000"/>
                         </a:lnSpc>
                         <a:spcBef>
                           <a:spcPts val="600"/>
@@ -34956,19 +39056,20 @@
                         </a:spcAft>
                       </a:pPr>
                       <a:r>
-                        <a:rPr lang="en-GB" sz="1000">
+                        <a:rPr lang="en-GB" sz="1100">
                           <a:effectLst/>
                         </a:rPr>
-                        <a:t>Order process is not fully automated.</a:t>
+                        <a:t>VMS and CMS were developed based on old technology</a:t>
                       </a:r>
-                      <a:endParaRPr lang="en-SG" sz="1000">
+                      <a:endParaRPr lang="en-SG" sz="1100">
                         <a:effectLst/>
-                        <a:latin typeface="Times New Roman" panose="02020603050405020304" pitchFamily="18" charset="0"/>
-                        <a:ea typeface="Times New Roman" panose="02020603050405020304" pitchFamily="18" charset="0"/>
+                        <a:latin typeface="Times New Roman"/>
+                        <a:ea typeface="Times New Roman"/>
+                        <a:cs typeface="Times New Roman"/>
                       </a:endParaRPr>
                     </a:p>
                   </a:txBody>
-                  <a:tcPr marL="60772" marR="60772" marT="0" marB="0"/>
+                  <a:tcPr marL="68580" marR="68580" marT="0" marB="0"/>
                 </a:tc>
                 <a:tc>
                   <a:txBody>
@@ -34977,7 +39078,7 @@
                     <a:p>
                       <a:pPr marL="342900" lvl="0" indent="-342900" algn="l">
                         <a:lnSpc>
-                          <a:spcPct val="107000"/>
+                          <a:spcPct val="115000"/>
                         </a:lnSpc>
                         <a:spcBef>
                           <a:spcPts val="600"/>
@@ -34985,50 +39086,27 @@
                         <a:spcAft>
                           <a:spcPts val="300"/>
                         </a:spcAft>
-                        <a:buFont typeface="Symbol" panose="05050102010706020507" pitchFamily="18" charset="2"/>
+                        <a:buFont typeface="Symbol"/>
                         <a:buChar char=""/>
                       </a:pPr>
                       <a:r>
-                        <a:rPr lang="en-GB" sz="1000">
+                        <a:rPr lang="en-GB" sz="1100">
                           <a:effectLst/>
                         </a:rPr>
-                        <a:t>Allow customer to continue to place order after RFQ with the details stated in RFQ.</a:t>
+                        <a:t>Adapt new technology when developing the consolidated VCMS system.</a:t>
                       </a:r>
-                      <a:endParaRPr lang="en-SG" sz="1000">
+                      <a:endParaRPr lang="en-SG" sz="1100">
                         <a:effectLst/>
-                      </a:endParaRPr>
-                    </a:p>
-                    <a:p>
-                      <a:pPr marL="342900" lvl="0" indent="-342900" algn="l">
-                        <a:lnSpc>
-                          <a:spcPct val="107000"/>
-                        </a:lnSpc>
-                        <a:spcBef>
-                          <a:spcPts val="600"/>
-                        </a:spcBef>
-                        <a:spcAft>
-                          <a:spcPts val="300"/>
-                        </a:spcAft>
-                        <a:buFont typeface="Symbol" panose="05050102010706020507" pitchFamily="18" charset="2"/>
-                        <a:buChar char=""/>
-                      </a:pPr>
-                      <a:r>
-                        <a:rPr lang="en-GB" sz="1000">
-                          <a:effectLst/>
-                        </a:rPr>
-                        <a:t>Integrated SCBS and VCMS using Web Services provided for internal use to automate RFQ and order process.</a:t>
-                      </a:r>
-                      <a:endParaRPr lang="en-SG" sz="1000">
-                        <a:effectLst/>
-                        <a:latin typeface="Times New Roman" panose="02020603050405020304" pitchFamily="18" charset="0"/>
-                        <a:ea typeface="Times New Roman" panose="02020603050405020304" pitchFamily="18" charset="0"/>
+                        <a:latin typeface="Times New Roman"/>
+                        <a:ea typeface="Times New Roman"/>
+                        <a:cs typeface="Times New Roman"/>
                       </a:endParaRPr>
                     </a:p>
                   </a:txBody>
-                  <a:tcPr marL="60772" marR="60772" marT="0" marB="0"/>
+                  <a:tcPr marL="68580" marR="68580" marT="0" marB="0"/>
                 </a:tc>
               </a:tr>
-              <a:tr h="317930">
+              <a:tr h="1684274">
                 <a:tc>
                   <a:txBody>
                     <a:bodyPr/>
@@ -35036,7 +39114,7 @@
                     <a:p>
                       <a:pPr algn="l">
                         <a:lnSpc>
-                          <a:spcPct val="107000"/>
+                          <a:spcPct val="115000"/>
                         </a:lnSpc>
                         <a:spcBef>
                           <a:spcPts val="600"/>
@@ -35046,19 +39124,20 @@
                         </a:spcAft>
                       </a:pPr>
                       <a:r>
-                        <a:rPr lang="en-GB" sz="1000">
+                        <a:rPr lang="en-GB" sz="1100" dirty="0">
                           <a:effectLst/>
                         </a:rPr>
-                        <a:t>VMS and CMS were developed based on old technology</a:t>
+                        <a:t>VMS and CMS tend to have unscheduled downtime</a:t>
                       </a:r>
-                      <a:endParaRPr lang="en-SG" sz="1000">
+                      <a:endParaRPr lang="en-SG" sz="1100" dirty="0">
                         <a:effectLst/>
-                        <a:latin typeface="Times New Roman" panose="02020603050405020304" pitchFamily="18" charset="0"/>
-                        <a:ea typeface="Times New Roman" panose="02020603050405020304" pitchFamily="18" charset="0"/>
+                        <a:latin typeface="Times New Roman"/>
+                        <a:ea typeface="Times New Roman"/>
+                        <a:cs typeface="Times New Roman"/>
                       </a:endParaRPr>
                     </a:p>
                   </a:txBody>
-                  <a:tcPr marL="60772" marR="60772" marT="0" marB="0"/>
+                  <a:tcPr marL="68580" marR="68580" marT="0" marB="0"/>
                 </a:tc>
                 <a:tc>
                   <a:txBody>
@@ -35067,7 +39146,7 @@
                     <a:p>
                       <a:pPr marL="342900" lvl="0" indent="-342900" algn="l">
                         <a:lnSpc>
-                          <a:spcPct val="107000"/>
+                          <a:spcPct val="115000"/>
                         </a:lnSpc>
                         <a:spcBef>
                           <a:spcPts val="600"/>
@@ -35075,26 +39154,99 @@
                         <a:spcAft>
                           <a:spcPts val="300"/>
                         </a:spcAft>
-                        <a:buFont typeface="Symbol" panose="05050102010706020507" pitchFamily="18" charset="2"/>
+                        <a:buFont typeface="Symbol"/>
                         <a:buChar char=""/>
                       </a:pPr>
                       <a:r>
-                        <a:rPr lang="en-GB" sz="1000">
+                        <a:rPr lang="en-GB" sz="1100">
                           <a:effectLst/>
                         </a:rPr>
-                        <a:t>Adapt new technology when developing the consolidated VCMS system.</a:t>
+                        <a:t>Improve application architecture when developing the VCMS system.</a:t>
                       </a:r>
-                      <a:endParaRPr lang="en-SG" sz="1000">
+                      <a:endParaRPr lang="en-SG" sz="1100">
                         <a:effectLst/>
-                        <a:latin typeface="Times New Roman" panose="02020603050405020304" pitchFamily="18" charset="0"/>
-                        <a:ea typeface="Times New Roman" panose="02020603050405020304" pitchFamily="18" charset="0"/>
+                      </a:endParaRPr>
+                    </a:p>
+                    <a:p>
+                      <a:pPr marL="342900" lvl="0" indent="-342900" algn="l">
+                        <a:lnSpc>
+                          <a:spcPct val="115000"/>
+                        </a:lnSpc>
+                        <a:spcBef>
+                          <a:spcPts val="600"/>
+                        </a:spcBef>
+                        <a:spcAft>
+                          <a:spcPts val="300"/>
+                        </a:spcAft>
+                        <a:buFont typeface="Symbol"/>
+                        <a:buChar char=""/>
+                      </a:pPr>
+                      <a:r>
+                        <a:rPr lang="en-GB" sz="1100">
+                          <a:effectLst/>
+                        </a:rPr>
+                        <a:t>Improve code quality for VCMS development.</a:t>
+                      </a:r>
+                      <a:endParaRPr lang="en-SG" sz="1100">
+                        <a:effectLst/>
+                      </a:endParaRPr>
+                    </a:p>
+                    <a:p>
+                      <a:pPr marL="342900" lvl="0" indent="-342900" algn="l">
+                        <a:lnSpc>
+                          <a:spcPct val="115000"/>
+                        </a:lnSpc>
+                        <a:spcBef>
+                          <a:spcPts val="600"/>
+                        </a:spcBef>
+                        <a:spcAft>
+                          <a:spcPts val="300"/>
+                        </a:spcAft>
+                        <a:buFont typeface="Symbol"/>
+                        <a:buChar char=""/>
+                      </a:pPr>
+                      <a:r>
+                        <a:rPr lang="en-GB" sz="1100">
+                          <a:effectLst/>
+                        </a:rPr>
+                        <a:t>Emphasize QA and plan sufficient review and testing to ensure the quality for the mission critical system.</a:t>
+                      </a:r>
+                      <a:endParaRPr lang="en-SG" sz="1100">
+                        <a:effectLst/>
+                      </a:endParaRPr>
+                    </a:p>
+                    <a:p>
+                      <a:pPr marL="342900" lvl="0" indent="-342900" algn="l">
+                        <a:lnSpc>
+                          <a:spcPct val="115000"/>
+                        </a:lnSpc>
+                        <a:spcBef>
+                          <a:spcPts val="600"/>
+                        </a:spcBef>
+                        <a:spcAft>
+                          <a:spcPts val="300"/>
+                        </a:spcAft>
+                        <a:buFont typeface="Symbol"/>
+                        <a:buChar char=""/>
+                      </a:pPr>
+                      <a:r>
+                        <a:rPr lang="en-GB" sz="1100">
+                          <a:effectLst/>
+                        </a:rPr>
+                        <a:t>To implement system failover to reduce the unscheduled downtime.</a:t>
+                      </a:r>
+                      <a:endParaRPr lang="en-SG" sz="1100">
+                        <a:effectLst/>
+                        <a:latin typeface="Times New Roman"/>
+                        <a:ea typeface="Times New Roman"/>
+                        <a:cs typeface="Times New Roman"/>
                       </a:endParaRPr>
                     </a:p>
                   </a:txBody>
-                  <a:tcPr marL="60772" marR="60772" marT="0" marB="0"/>
+                  <a:tcPr marL="68580" marR="68580" marT="0" marB="0"/>
                 </a:tc>
               </a:tr>
-              <a:tr h="1098687">
+              <a:tr h="898135">
                 <a:tc>
                   <a:txBody>
                     <a:bodyPr/>
@@ -35102,7 +39254,7 @@
                     <a:p>
                       <a:pPr algn="l">
                         <a:lnSpc>
-                          <a:spcPct val="107000"/>
+                          <a:spcPct val="115000"/>
                         </a:lnSpc>
                         <a:spcBef>
                           <a:spcPts val="600"/>
@@ -35112,19 +39264,20 @@
                         </a:spcAft>
                       </a:pPr>
                       <a:r>
-                        <a:rPr lang="en-GB" sz="1000" dirty="0">
+                        <a:rPr lang="en-GB" sz="1100">
                           <a:effectLst/>
                         </a:rPr>
-                        <a:t>VMS and CMS tend to have unscheduled downtime</a:t>
+                        <a:t>Network latency</a:t>
                       </a:r>
-                      <a:endParaRPr lang="en-SG" sz="1000" dirty="0">
+                      <a:endParaRPr lang="en-SG" sz="1100">
                         <a:effectLst/>
-                        <a:latin typeface="Times New Roman" panose="02020603050405020304" pitchFamily="18" charset="0"/>
-                        <a:ea typeface="Times New Roman" panose="02020603050405020304" pitchFamily="18" charset="0"/>
+                        <a:latin typeface="Times New Roman"/>
+                        <a:ea typeface="Times New Roman"/>
+                        <a:cs typeface="Times New Roman"/>
                       </a:endParaRPr>
                     </a:p>
                   </a:txBody>
-                  <a:tcPr marL="60772" marR="60772" marT="0" marB="0"/>
+                  <a:tcPr marL="68580" marR="68580" marT="0" marB="0"/>
                 </a:tc>
                 <a:tc>
                   <a:txBody>
@@ -35133,7 +39286,7 @@
                     <a:p>
                       <a:pPr marL="342900" lvl="0" indent="-342900" algn="l">
                         <a:lnSpc>
-                          <a:spcPct val="107000"/>
+                          <a:spcPct val="115000"/>
                         </a:lnSpc>
                         <a:spcBef>
                           <a:spcPts val="600"/>
@@ -35141,23 +39294,23 @@
                         <a:spcAft>
                           <a:spcPts val="300"/>
                         </a:spcAft>
-                        <a:buFont typeface="Symbol" panose="05050102010706020507" pitchFamily="18" charset="2"/>
+                        <a:buFont typeface="Symbol"/>
                         <a:buChar char=""/>
                       </a:pPr>
                       <a:r>
-                        <a:rPr lang="en-GB" sz="1000">
+                        <a:rPr lang="en-GB" sz="1100">
                           <a:effectLst/>
                         </a:rPr>
-                        <a:t>Improve application architecture when developing the VCMS system.</a:t>
+                        <a:t>Increase network bandwidth.</a:t>
                       </a:r>
-                      <a:endParaRPr lang="en-SG" sz="1000">
+                      <a:endParaRPr lang="en-SG" sz="1100">
                         <a:effectLst/>
                       </a:endParaRPr>
                     </a:p>
                     <a:p>
                       <a:pPr marL="342900" lvl="0" indent="-342900" algn="l">
                         <a:lnSpc>
-                          <a:spcPct val="107000"/>
+                          <a:spcPct val="115000"/>
                         </a:lnSpc>
                         <a:spcBef>
                           <a:spcPts val="600"/>
@@ -35165,23 +39318,23 @@
                         <a:spcAft>
                           <a:spcPts val="300"/>
                         </a:spcAft>
-                        <a:buFont typeface="Symbol" panose="05050102010706020507" pitchFamily="18" charset="2"/>
+                        <a:buFont typeface="Symbol"/>
                         <a:buChar char=""/>
                       </a:pPr>
                       <a:r>
-                        <a:rPr lang="en-GB" sz="1000">
+                        <a:rPr lang="en-GB" sz="1100">
                           <a:effectLst/>
                         </a:rPr>
-                        <a:t>Improve code quality for VCMS development.</a:t>
+                        <a:t>Separate Web Servers for transaction from staff and customer.</a:t>
                       </a:r>
-                      <a:endParaRPr lang="en-SG" sz="1000">
+                      <a:endParaRPr lang="en-SG" sz="1100">
                         <a:effectLst/>
                       </a:endParaRPr>
                     </a:p>
                     <a:p>
                       <a:pPr marL="342900" lvl="0" indent="-342900" algn="l">
                         <a:lnSpc>
-                          <a:spcPct val="107000"/>
+                          <a:spcPct val="115000"/>
                         </a:lnSpc>
                         <a:spcBef>
                           <a:spcPts val="600"/>
@@ -35189,50 +39342,27 @@
                         <a:spcAft>
                           <a:spcPts val="300"/>
                         </a:spcAft>
-                        <a:buFont typeface="Symbol" panose="05050102010706020507" pitchFamily="18" charset="2"/>
+                        <a:buFont typeface="Symbol"/>
                         <a:buChar char=""/>
                       </a:pPr>
                       <a:r>
-                        <a:rPr lang="en-GB" sz="1000">
+                        <a:rPr lang="en-GB" sz="1100">
                           <a:effectLst/>
                         </a:rPr>
-                        <a:t>Emphasize QA and plan sufficient review and testing to ensure the quality for the mission critical system.</a:t>
+                        <a:t>Install load balancer on top of Web Servers.</a:t>
                       </a:r>
-                      <a:endParaRPr lang="en-SG" sz="1000">
+                      <a:endParaRPr lang="en-SG" sz="1100">
                         <a:effectLst/>
-                      </a:endParaRPr>
-                    </a:p>
-                    <a:p>
-                      <a:pPr marL="342900" lvl="0" indent="-342900" algn="l">
-                        <a:lnSpc>
-                          <a:spcPct val="107000"/>
-                        </a:lnSpc>
-                        <a:spcBef>
-                          <a:spcPts val="600"/>
-                        </a:spcBef>
-                        <a:spcAft>
-                          <a:spcPts val="300"/>
-                        </a:spcAft>
-                        <a:buFont typeface="Symbol" panose="05050102010706020507" pitchFamily="18" charset="2"/>
-                        <a:buChar char=""/>
-                      </a:pPr>
-                      <a:r>
-                        <a:rPr lang="en-GB" sz="1000">
-                          <a:effectLst/>
-                        </a:rPr>
-                        <a:t>To implement system failover to reduce the unscheduled downtime.</a:t>
-                      </a:r>
-                      <a:endParaRPr lang="en-SG" sz="1000">
-                        <a:effectLst/>
-                        <a:latin typeface="Times New Roman" panose="02020603050405020304" pitchFamily="18" charset="0"/>
-                        <a:ea typeface="Times New Roman" panose="02020603050405020304" pitchFamily="18" charset="0"/>
+                        <a:latin typeface="Times New Roman"/>
+                        <a:ea typeface="Times New Roman"/>
+                        <a:cs typeface="Times New Roman"/>
                       </a:endParaRPr>
                     </a:p>
                   </a:txBody>
-                  <a:tcPr marL="60772" marR="60772" marT="0" marB="0"/>
+                  <a:tcPr marL="68580" marR="68580" marT="0" marB="0"/>
                 </a:tc>
               </a:tr>
-              <a:tr h="419217">
+              <a:tr h="1116940">
                 <a:tc>
                   <a:txBody>
                     <a:bodyPr/>
@@ -35240,7 +39370,7 @@
                     <a:p>
                       <a:pPr algn="l">
                         <a:lnSpc>
-                          <a:spcPct val="107000"/>
+                          <a:spcPct val="115000"/>
                         </a:lnSpc>
                         <a:spcBef>
                           <a:spcPts val="600"/>
@@ -35250,19 +39380,20 @@
                         </a:spcAft>
                       </a:pPr>
                       <a:r>
-                        <a:rPr lang="en-GB" sz="1000">
+                        <a:rPr lang="en-GB" sz="1100">
                           <a:effectLst/>
                         </a:rPr>
-                        <a:t>Network latency</a:t>
+                        <a:t>System security</a:t>
                       </a:r>
-                      <a:endParaRPr lang="en-SG" sz="1000">
+                      <a:endParaRPr lang="en-SG" sz="1100">
                         <a:effectLst/>
-                        <a:latin typeface="Times New Roman" panose="02020603050405020304" pitchFamily="18" charset="0"/>
-                        <a:ea typeface="Times New Roman" panose="02020603050405020304" pitchFamily="18" charset="0"/>
+                        <a:latin typeface="Times New Roman"/>
+                        <a:ea typeface="Times New Roman"/>
+                        <a:cs typeface="Times New Roman"/>
                       </a:endParaRPr>
                     </a:p>
                   </a:txBody>
-                  <a:tcPr marL="60772" marR="60772" marT="0" marB="0"/>
+                  <a:tcPr marL="68580" marR="68580" marT="0" marB="0"/>
                 </a:tc>
                 <a:tc>
                   <a:txBody>
@@ -35271,7 +39402,7 @@
                     <a:p>
                       <a:pPr marL="342900" lvl="0" indent="-342900" algn="l">
                         <a:lnSpc>
-                          <a:spcPct val="107000"/>
+                          <a:spcPct val="115000"/>
                         </a:lnSpc>
                         <a:spcBef>
                           <a:spcPts val="600"/>
@@ -35279,23 +39410,23 @@
                         <a:spcAft>
                           <a:spcPts val="300"/>
                         </a:spcAft>
-                        <a:buFont typeface="Symbol" panose="05050102010706020507" pitchFamily="18" charset="2"/>
+                        <a:buFont typeface="Symbol"/>
                         <a:buChar char=""/>
                       </a:pPr>
                       <a:r>
-                        <a:rPr lang="en-GB" sz="1000">
+                        <a:rPr lang="en-GB" sz="1100" dirty="0">
                           <a:effectLst/>
                         </a:rPr>
-                        <a:t>Separate Web Servers for transaction from staff and customer.</a:t>
+                        <a:t>Install and configure firewall for systems</a:t>
                       </a:r>
-                      <a:endParaRPr lang="en-SG" sz="1000">
+                      <a:endParaRPr lang="en-SG" sz="1100" dirty="0">
                         <a:effectLst/>
                       </a:endParaRPr>
                     </a:p>
                     <a:p>
                       <a:pPr marL="342900" lvl="0" indent="-342900" algn="l">
                         <a:lnSpc>
-                          <a:spcPct val="107000"/>
+                          <a:spcPct val="115000"/>
                         </a:lnSpc>
                         <a:spcBef>
                           <a:spcPts val="600"/>
@@ -35303,34 +39434,23 @@
                         <a:spcAft>
                           <a:spcPts val="300"/>
                         </a:spcAft>
-                        <a:buFont typeface="Symbol" panose="05050102010706020507" pitchFamily="18" charset="2"/>
+                        <a:buFont typeface="Symbol"/>
                         <a:buChar char=""/>
                       </a:pPr>
                       <a:r>
-                        <a:rPr lang="en-GB" sz="1000">
+                        <a:rPr lang="en-GB" sz="1100" dirty="0">
                           <a:effectLst/>
                         </a:rPr>
-                        <a:t>Install load balancer on top of Web Servers.</a:t>
+                        <a:t>Separate Web Servers for transaction from staff and customer.</a:t>
                       </a:r>
-                      <a:endParaRPr lang="en-SG" sz="1000">
+                      <a:endParaRPr lang="en-SG" sz="1100" dirty="0">
                         <a:effectLst/>
-                        <a:latin typeface="Times New Roman" panose="02020603050405020304" pitchFamily="18" charset="0"/>
-                        <a:ea typeface="Times New Roman" panose="02020603050405020304" pitchFamily="18" charset="0"/>
                       </a:endParaRPr>
                     </a:p>
-                  </a:txBody>
-                  <a:tcPr marL="60772" marR="60772" marT="0" marB="0"/>
-                </a:tc>
-              </a:tr>
-              <a:tr h="679470">
-                <a:tc>
-                  <a:txBody>
-                    <a:bodyPr/>
-                    <a:lstStyle/>
                     <a:p>
-                      <a:pPr algn="l">
+                      <a:pPr marL="342900" lvl="0" indent="-342900" algn="l">
                         <a:lnSpc>
-                          <a:spcPct val="107000"/>
+                          <a:spcPct val="115000"/>
                         </a:lnSpc>
                         <a:spcBef>
                           <a:spcPts val="600"/>
@@ -35338,102 +39458,24 @@
                         <a:spcAft>
                           <a:spcPts val="300"/>
                         </a:spcAft>
-                      </a:pPr>
-                      <a:r>
-                        <a:rPr lang="en-GB" sz="1000">
-                          <a:effectLst/>
-                        </a:rPr>
-                        <a:t>System security</a:t>
-                      </a:r>
-                      <a:endParaRPr lang="en-SG" sz="1000">
-                        <a:effectLst/>
-                        <a:latin typeface="Times New Roman" panose="02020603050405020304" pitchFamily="18" charset="0"/>
-                        <a:ea typeface="Times New Roman" panose="02020603050405020304" pitchFamily="18" charset="0"/>
-                      </a:endParaRPr>
-                    </a:p>
-                  </a:txBody>
-                  <a:tcPr marL="60772" marR="60772" marT="0" marB="0"/>
-                </a:tc>
-                <a:tc>
-                  <a:txBody>
-                    <a:bodyPr/>
-                    <a:lstStyle/>
-                    <a:p>
-                      <a:pPr marL="342900" lvl="0" indent="-342900" algn="l">
-                        <a:lnSpc>
-                          <a:spcPct val="107000"/>
-                        </a:lnSpc>
-                        <a:spcBef>
-                          <a:spcPts val="600"/>
-                        </a:spcBef>
-                        <a:spcAft>
-                          <a:spcPts val="300"/>
-                        </a:spcAft>
-                        <a:buFont typeface="Symbol" panose="05050102010706020507" pitchFamily="18" charset="2"/>
+                        <a:buFont typeface="Symbol"/>
                         <a:buChar char=""/>
                       </a:pPr>
                       <a:r>
-                        <a:rPr lang="en-GB" sz="1000" dirty="0">
-                          <a:effectLst/>
-                        </a:rPr>
-                        <a:t>Install and configure firewall for systems</a:t>
-                      </a:r>
-                      <a:endParaRPr lang="en-SG" sz="1000" dirty="0">
-                        <a:effectLst/>
-                      </a:endParaRPr>
-                    </a:p>
-                    <a:p>
-                      <a:pPr marL="342900" lvl="0" indent="-342900" algn="l">
-                        <a:lnSpc>
-                          <a:spcPct val="107000"/>
-                        </a:lnSpc>
-                        <a:spcBef>
-                          <a:spcPts val="600"/>
-                        </a:spcBef>
-                        <a:spcAft>
-                          <a:spcPts val="300"/>
-                        </a:spcAft>
-                        <a:buFont typeface="Symbol" panose="05050102010706020507" pitchFamily="18" charset="2"/>
-                        <a:buChar char=""/>
-                      </a:pPr>
-                      <a:r>
-                        <a:rPr lang="en-GB" sz="1000" dirty="0">
-                          <a:effectLst/>
-                        </a:rPr>
-                        <a:t>Separate Web Servers for transaction from staff and customer.</a:t>
-                      </a:r>
-                      <a:endParaRPr lang="en-SG" sz="1000" dirty="0">
-                        <a:effectLst/>
-                      </a:endParaRPr>
-                    </a:p>
-                    <a:p>
-                      <a:pPr marL="342900" lvl="0" indent="-342900" algn="l">
-                        <a:lnSpc>
-                          <a:spcPct val="107000"/>
-                        </a:lnSpc>
-                        <a:spcBef>
-                          <a:spcPts val="600"/>
-                        </a:spcBef>
-                        <a:spcAft>
-                          <a:spcPts val="300"/>
-                        </a:spcAft>
-                        <a:buFont typeface="Symbol" panose="05050102010706020507" pitchFamily="18" charset="2"/>
-                        <a:buChar char=""/>
-                      </a:pPr>
-                      <a:r>
-                        <a:rPr lang="en-GB" sz="1000" dirty="0">
+                        <a:rPr lang="en-GB" sz="1100" dirty="0">
                           <a:effectLst/>
                         </a:rPr>
                         <a:t>Require staff to use signed Java applets for secured login and encrypted client side processing.</a:t>
                       </a:r>
-                      <a:endParaRPr lang="en-SG" sz="1000" dirty="0">
+                      <a:endParaRPr lang="en-SG" sz="1100" dirty="0">
                         <a:effectLst/>
-                        <a:latin typeface="Times New Roman" panose="02020603050405020304" pitchFamily="18" charset="0"/>
-                        <a:ea typeface="Times New Roman" panose="02020603050405020304" pitchFamily="18" charset="0"/>
+                        <a:latin typeface="Times New Roman"/>
+                        <a:ea typeface="Times New Roman"/>
+                        <a:cs typeface="Times New Roman"/>
                       </a:endParaRPr>
                     </a:p>
                   </a:txBody>
-                  <a:tcPr marL="60772" marR="60772" marT="0" marB="0"/>
+                  <a:tcPr marL="68580" marR="68580" marT="0" marB="0"/>
                 </a:tc>
               </a:tr>
             </a:tbl>
@@ -35443,7 +39485,7 @@
     </p:spTree>
     <p:extLst>
       <p:ext uri="{BB962C8B-B14F-4D97-AF65-F5344CB8AC3E}">
-        <p14:creationId xmlns:p14="http://schemas.microsoft.com/office/powerpoint/2010/main" val="2452609840"/>
+        <p14:creationId xmlns:p14="http://schemas.microsoft.com/office/powerpoint/2010/main" val="1972820672"/>
       </p:ext>
     </p:extLst>
   </p:cSld>
@@ -35460,7 +39502,7 @@
 </p:sld>
 </file>
 
-<file path=ppt/slides/slide44.xml><?xml version="1.0" encoding="utf-8"?>
+<file path=ppt/slides/slide46.xml><?xml version="1.0" encoding="utf-8"?>
 <p:sld xmlns:a="http://schemas.openxmlformats.org/drawingml/2006/main" xmlns:r="http://schemas.openxmlformats.org/officeDocument/2006/relationships" xmlns:p="http://schemas.openxmlformats.org/presentationml/2006/main">
   <p:cSld>
     <p:spTree>
@@ -35546,7 +39588,7 @@
 </p:sld>
 </file>
 
-<file path=ppt/slides/slide45.xml><?xml version="1.0" encoding="utf-8"?>
+<file path=ppt/slides/slide47.xml><?xml version="1.0" encoding="utf-8"?>
 <p:sld xmlns:a="http://schemas.openxmlformats.org/drawingml/2006/main" xmlns:r="http://schemas.openxmlformats.org/officeDocument/2006/relationships" xmlns:p="http://schemas.openxmlformats.org/presentationml/2006/main">
   <p:cSld>
     <p:spTree>
@@ -35634,7 +39676,7 @@
 </p:sld>
 </file>
 
-<file path=ppt/slides/slide46.xml><?xml version="1.0" encoding="utf-8"?>
+<file path=ppt/slides/slide48.xml><?xml version="1.0" encoding="utf-8"?>
 <p:sld xmlns:a="http://schemas.openxmlformats.org/drawingml/2006/main" xmlns:r="http://schemas.openxmlformats.org/officeDocument/2006/relationships" xmlns:p="http://schemas.openxmlformats.org/presentationml/2006/main">
   <p:cSld>
     <p:spTree>
@@ -37268,7 +41310,7 @@
 </p:sld>
 </file>
 
-<file path=ppt/slides/slide47.xml><?xml version="1.0" encoding="utf-8"?>
+<file path=ppt/slides/slide49.xml><?xml version="1.0" encoding="utf-8"?>
 <p:sld xmlns:a="http://schemas.openxmlformats.org/drawingml/2006/main" xmlns:r="http://schemas.openxmlformats.org/officeDocument/2006/relationships" xmlns:p="http://schemas.openxmlformats.org/presentationml/2006/main">
   <p:cSld>
     <p:spTree>
@@ -37336,7 +41378,7 @@
           <a:graphicData uri="http://schemas.openxmlformats.org/presentationml/2006/ole">
             <mc:AlternateContent xmlns:mc="http://schemas.openxmlformats.org/markup-compatibility/2006">
               <mc:Choice xmlns:v="urn:schemas-microsoft-com:vml" Requires="v">
-                <p:oleObj spid="_x0000_s2122" name="Visio" r:id="rId3" imgW="9660374" imgH="6002783" progId="Visio.Drawing.11">
+                <p:oleObj spid="_x0000_s2131" name="Visio" r:id="rId3" imgW="9660374" imgH="6002783" progId="Visio.Drawing.11">
                   <p:embed/>
                 </p:oleObj>
               </mc:Choice>
@@ -37426,7 +41468,129 @@
 </p:sld>
 </file>
 
-<file path=ppt/slides/slide48.xml><?xml version="1.0" encoding="utf-8"?>
+<file path=ppt/slides/slide5.xml><?xml version="1.0" encoding="utf-8"?>
+<p:sld xmlns:a="http://schemas.openxmlformats.org/drawingml/2006/main" xmlns:r="http://schemas.openxmlformats.org/officeDocument/2006/relationships" xmlns:p="http://schemas.openxmlformats.org/presentationml/2006/main">
+  <p:cSld>
+    <p:spTree>
+      <p:nvGrpSpPr>
+        <p:cNvPr id="1" name=""/>
+        <p:cNvGrpSpPr/>
+        <p:nvPr/>
+      </p:nvGrpSpPr>
+      <p:grpSpPr>
+        <a:xfrm>
+          <a:off x="0" y="0"/>
+          <a:ext cx="0" cy="0"/>
+          <a:chOff x="0" y="0"/>
+          <a:chExt cx="0" cy="0"/>
+        </a:xfrm>
+      </p:grpSpPr>
+      <p:sp>
+        <p:nvSpPr>
+          <p:cNvPr id="20481" name="Title 1"/>
+          <p:cNvSpPr>
+            <a:spLocks noGrp="1"/>
+          </p:cNvSpPr>
+          <p:nvPr>
+            <p:ph type="title"/>
+          </p:nvPr>
+        </p:nvSpPr>
+        <p:spPr/>
+        <p:txBody>
+          <a:bodyPr/>
+          <a:lstStyle/>
+          <a:p>
+            <a:pPr eaLnBrk="1" hangingPunct="1"/>
+            <a:r>
+              <a:rPr lang="en-GB" dirty="0" smtClean="0"/>
+              <a:t>Business Vision</a:t>
+            </a:r>
+            <a:endParaRPr lang="en-SG" dirty="0" smtClean="0"/>
+          </a:p>
+        </p:txBody>
+      </p:sp>
+      <p:sp>
+        <p:nvSpPr>
+          <p:cNvPr id="20482" name="Content Placeholder 2"/>
+          <p:cNvSpPr>
+            <a:spLocks noGrp="1"/>
+          </p:cNvSpPr>
+          <p:nvPr>
+            <p:ph sz="quarter" idx="1"/>
+          </p:nvPr>
+        </p:nvSpPr>
+        <p:spPr>
+          <a:xfrm>
+            <a:off x="457200" y="1219200"/>
+            <a:ext cx="8229600" cy="4937125"/>
+          </a:xfrm>
+        </p:spPr>
+        <p:txBody>
+          <a:bodyPr/>
+          <a:lstStyle/>
+          <a:p>
+            <a:pPr eaLnBrk="1" hangingPunct="1"/>
+            <a:r>
+              <a:rPr lang="en-GB" b="1" dirty="0"/>
+              <a:t>R</a:t>
+            </a:r>
+            <a:r>
+              <a:rPr lang="en-GB" b="1" dirty="0" smtClean="0"/>
+              <a:t>estructuring and reorganising the processes</a:t>
+            </a:r>
+          </a:p>
+          <a:p>
+            <a:pPr eaLnBrk="1" hangingPunct="1"/>
+            <a:r>
+              <a:rPr lang="en-GB" b="1" dirty="0"/>
+              <a:t>I</a:t>
+            </a:r>
+            <a:r>
+              <a:rPr lang="en-GB" b="1" dirty="0" smtClean="0"/>
+              <a:t>mprovement in terms of revenue and operating profit</a:t>
+            </a:r>
+          </a:p>
+          <a:p>
+            <a:pPr eaLnBrk="1" hangingPunct="1"/>
+            <a:r>
+              <a:rPr lang="en-GB" b="1" dirty="0"/>
+              <a:t>M</a:t>
+            </a:r>
+            <a:r>
+              <a:rPr lang="en-GB" b="1" dirty="0" smtClean="0"/>
+              <a:t>odularity within department</a:t>
+            </a:r>
+          </a:p>
+          <a:p>
+            <a:pPr eaLnBrk="1" hangingPunct="1"/>
+            <a:r>
+              <a:rPr lang="en-GB" b="1" dirty="0"/>
+              <a:t>S</a:t>
+            </a:r>
+            <a:r>
+              <a:rPr lang="en-GB" b="1" dirty="0" smtClean="0"/>
+              <a:t>hared services / Information across multiple department</a:t>
+            </a:r>
+            <a:endParaRPr lang="en-SG" b="1" dirty="0" smtClean="0"/>
+          </a:p>
+        </p:txBody>
+      </p:sp>
+    </p:spTree>
+  </p:cSld>
+  <p:clrMapOvr>
+    <a:masterClrMapping/>
+  </p:clrMapOvr>
+  <p:timing>
+    <p:tnLst>
+      <p:par>
+        <p:cTn id="1" dur="indefinite" restart="never" nodeType="tmRoot"/>
+      </p:par>
+    </p:tnLst>
+  </p:timing>
+</p:sld>
+</file>
+
+<file path=ppt/slides/slide50.xml><?xml version="1.0" encoding="utf-8"?>
 <p:sld xmlns:a="http://schemas.openxmlformats.org/drawingml/2006/main" xmlns:r="http://schemas.openxmlformats.org/officeDocument/2006/relationships" xmlns:p="http://schemas.openxmlformats.org/presentationml/2006/main">
   <p:cSld>
     <p:spTree>
@@ -37512,7 +41676,7 @@
 </p:sld>
 </file>
 
-<file path=ppt/slides/slide49.xml><?xml version="1.0" encoding="utf-8"?>
+<file path=ppt/slides/slide51.xml><?xml version="1.0" encoding="utf-8"?>
 <p:sld xmlns:a="http://schemas.openxmlformats.org/drawingml/2006/main" xmlns:r="http://schemas.openxmlformats.org/officeDocument/2006/relationships" xmlns:p="http://schemas.openxmlformats.org/presentationml/2006/main">
   <p:cSld>
     <p:spTree>
@@ -39537,129 +43701,7 @@
 </p:sld>
 </file>
 
-<file path=ppt/slides/slide5.xml><?xml version="1.0" encoding="utf-8"?>
-<p:sld xmlns:a="http://schemas.openxmlformats.org/drawingml/2006/main" xmlns:r="http://schemas.openxmlformats.org/officeDocument/2006/relationships" xmlns:p="http://schemas.openxmlformats.org/presentationml/2006/main">
-  <p:cSld>
-    <p:spTree>
-      <p:nvGrpSpPr>
-        <p:cNvPr id="1" name=""/>
-        <p:cNvGrpSpPr/>
-        <p:nvPr/>
-      </p:nvGrpSpPr>
-      <p:grpSpPr>
-        <a:xfrm>
-          <a:off x="0" y="0"/>
-          <a:ext cx="0" cy="0"/>
-          <a:chOff x="0" y="0"/>
-          <a:chExt cx="0" cy="0"/>
-        </a:xfrm>
-      </p:grpSpPr>
-      <p:sp>
-        <p:nvSpPr>
-          <p:cNvPr id="20481" name="Title 1"/>
-          <p:cNvSpPr>
-            <a:spLocks noGrp="1"/>
-          </p:cNvSpPr>
-          <p:nvPr>
-            <p:ph type="title"/>
-          </p:nvPr>
-        </p:nvSpPr>
-        <p:spPr/>
-        <p:txBody>
-          <a:bodyPr/>
-          <a:lstStyle/>
-          <a:p>
-            <a:pPr eaLnBrk="1" hangingPunct="1"/>
-            <a:r>
-              <a:rPr lang="en-GB" dirty="0" smtClean="0"/>
-              <a:t>Business Vision</a:t>
-            </a:r>
-            <a:endParaRPr lang="en-SG" dirty="0" smtClean="0"/>
-          </a:p>
-        </p:txBody>
-      </p:sp>
-      <p:sp>
-        <p:nvSpPr>
-          <p:cNvPr id="20482" name="Content Placeholder 2"/>
-          <p:cNvSpPr>
-            <a:spLocks noGrp="1"/>
-          </p:cNvSpPr>
-          <p:nvPr>
-            <p:ph sz="quarter" idx="1"/>
-          </p:nvPr>
-        </p:nvSpPr>
-        <p:spPr>
-          <a:xfrm>
-            <a:off x="457200" y="1219200"/>
-            <a:ext cx="8229600" cy="4937125"/>
-          </a:xfrm>
-        </p:spPr>
-        <p:txBody>
-          <a:bodyPr/>
-          <a:lstStyle/>
-          <a:p>
-            <a:pPr eaLnBrk="1" hangingPunct="1"/>
-            <a:r>
-              <a:rPr lang="en-GB" b="1" dirty="0"/>
-              <a:t>R</a:t>
-            </a:r>
-            <a:r>
-              <a:rPr lang="en-GB" b="1" dirty="0" smtClean="0"/>
-              <a:t>estructuring and reorganising the processes</a:t>
-            </a:r>
-          </a:p>
-          <a:p>
-            <a:pPr eaLnBrk="1" hangingPunct="1"/>
-            <a:r>
-              <a:rPr lang="en-GB" b="1" dirty="0"/>
-              <a:t>I</a:t>
-            </a:r>
-            <a:r>
-              <a:rPr lang="en-GB" b="1" dirty="0" smtClean="0"/>
-              <a:t>mprovement in terms of revenue and operating profit</a:t>
-            </a:r>
-          </a:p>
-          <a:p>
-            <a:pPr eaLnBrk="1" hangingPunct="1"/>
-            <a:r>
-              <a:rPr lang="en-GB" b="1" dirty="0"/>
-              <a:t>M</a:t>
-            </a:r>
-            <a:r>
-              <a:rPr lang="en-GB" b="1" dirty="0" smtClean="0"/>
-              <a:t>odularity within department</a:t>
-            </a:r>
-          </a:p>
-          <a:p>
-            <a:pPr eaLnBrk="1" hangingPunct="1"/>
-            <a:r>
-              <a:rPr lang="en-GB" b="1" dirty="0"/>
-              <a:t>S</a:t>
-            </a:r>
-            <a:r>
-              <a:rPr lang="en-GB" b="1" dirty="0" smtClean="0"/>
-              <a:t>hared services / Information across multiple department</a:t>
-            </a:r>
-            <a:endParaRPr lang="en-SG" b="1" dirty="0" smtClean="0"/>
-          </a:p>
-        </p:txBody>
-      </p:sp>
-    </p:spTree>
-  </p:cSld>
-  <p:clrMapOvr>
-    <a:masterClrMapping/>
-  </p:clrMapOvr>
-  <p:timing>
-    <p:tnLst>
-      <p:par>
-        <p:cTn id="1" dur="indefinite" restart="never" nodeType="tmRoot"/>
-      </p:par>
-    </p:tnLst>
-  </p:timing>
-</p:sld>
-</file>
-
-<file path=ppt/slides/slide50.xml><?xml version="1.0" encoding="utf-8"?>
+<file path=ppt/slides/slide52.xml><?xml version="1.0" encoding="utf-8"?>
 <p:sld xmlns:a="http://schemas.openxmlformats.org/drawingml/2006/main" xmlns:r="http://schemas.openxmlformats.org/officeDocument/2006/relationships" xmlns:p="http://schemas.openxmlformats.org/presentationml/2006/main">
   <p:cSld>
     <p:spTree>
@@ -39774,7 +43816,7 @@
 </p:sld>
 </file>
 
-<file path=ppt/slides/slide51.xml><?xml version="1.0" encoding="utf-8"?>
+<file path=ppt/slides/slide53.xml><?xml version="1.0" encoding="utf-8"?>
 <p:sld xmlns:a="http://schemas.openxmlformats.org/drawingml/2006/main" xmlns:r="http://schemas.openxmlformats.org/officeDocument/2006/relationships" xmlns:p="http://schemas.openxmlformats.org/presentationml/2006/main">
   <p:cSld>
     <p:spTree>
@@ -39859,7 +43901,7 @@
 </p:sld>
 </file>
 
-<file path=ppt/slides/slide52.xml><?xml version="1.0" encoding="utf-8"?>
+<file path=ppt/slides/slide54.xml><?xml version="1.0" encoding="utf-8"?>
 <p:sld xmlns:a="http://schemas.openxmlformats.org/drawingml/2006/main" xmlns:r="http://schemas.openxmlformats.org/officeDocument/2006/relationships" xmlns:p="http://schemas.openxmlformats.org/presentationml/2006/main">
   <p:cSld>
     <p:spTree>
@@ -40844,7 +44886,7 @@
 </p:sld>
 </file>
 
-<file path=ppt/slides/slide53.xml><?xml version="1.0" encoding="utf-8"?>
+<file path=ppt/slides/slide55.xml><?xml version="1.0" encoding="utf-8"?>
 <p:sld xmlns:a="http://schemas.openxmlformats.org/drawingml/2006/main" xmlns:r="http://schemas.openxmlformats.org/officeDocument/2006/relationships" xmlns:p="http://schemas.openxmlformats.org/presentationml/2006/main">
   <p:cSld>
     <p:spTree>

--- a/Enterprise Architech Presentation.pptx
+++ b/Enterprise Architech Presentation.pptx
@@ -5,7 +5,7 @@
     <p:sldMasterId id="2147483720" r:id="rId1"/>
   </p:sldMasterIdLst>
   <p:notesMasterIdLst>
-    <p:notesMasterId r:id="rId57"/>
+    <p:notesMasterId r:id="rId58"/>
   </p:notesMasterIdLst>
   <p:sldIdLst>
     <p:sldId id="256" r:id="rId2"/>
@@ -62,7 +62,8 @@
     <p:sldId id="306" r:id="rId53"/>
     <p:sldId id="307" r:id="rId54"/>
     <p:sldId id="311" r:id="rId55"/>
-    <p:sldId id="286" r:id="rId56"/>
+    <p:sldId id="316" r:id="rId56"/>
+    <p:sldId id="286" r:id="rId57"/>
   </p:sldIdLst>
   <p:sldSz cx="9144000" cy="6858000" type="screen4x3"/>
   <p:notesSz cx="6858000" cy="9144000"/>
@@ -193,7 +194,7 @@
   </p:defaultTextStyle>
   <p:extLst>
     <p:ext uri="{EFAFB233-063F-42B5-8137-9DF3F51BA10A}">
-      <p15:sldGuideLst xmlns="" xmlns:p15="http://schemas.microsoft.com/office/powerpoint/2012/main">
+      <p15:sldGuideLst xmlns:p15="http://schemas.microsoft.com/office/powerpoint/2012/main">
         <p15:guide id="1" orient="horz" pos="2160">
           <p15:clr>
             <a:srgbClr val="A4A3A4"/>
@@ -215,7 +216,7 @@
   <p:cmAuthor id="1" name="User81" initials="U" lastIdx="1" clrIdx="0">
     <p:extLst>
       <p:ext uri="{19B8F6BF-5375-455C-9EA6-DF929625EA0E}">
-        <p15:presenceInfo xmlns="" xmlns:p15="http://schemas.microsoft.com/office/powerpoint/2012/main" userId="User81" providerId="None"/>
+        <p15:presenceInfo xmlns:p15="http://schemas.microsoft.com/office/powerpoint/2012/main" userId="User81" providerId="None"/>
       </p:ext>
     </p:extLst>
   </p:cmAuthor>
@@ -229,7 +230,7 @@
     <p:text/>
     <p:extLst>
       <p:ext uri="{C676402C-5697-4E1C-873F-D02D1690AC5C}">
-        <p15:threadingInfo xmlns="" xmlns:p15="http://schemas.microsoft.com/office/powerpoint/2012/main" timeZoneBias="-480"/>
+        <p15:threadingInfo xmlns:p15="http://schemas.microsoft.com/office/powerpoint/2012/main" timeZoneBias="-480"/>
       </p:ext>
     </p:extLst>
   </p:cm>
@@ -984,6 +985,753 @@
 </file>
 
 <file path=ppt/diagrams/colors2.xml><?xml version="1.0" encoding="utf-8"?>
+<dgm:colorsDef xmlns:dgm="http://schemas.openxmlformats.org/drawingml/2006/diagram" xmlns:a="http://schemas.openxmlformats.org/drawingml/2006/main" uniqueId="urn:microsoft.com/office/officeart/2005/8/colors/accent1_2">
+  <dgm:title val=""/>
+  <dgm:desc val=""/>
+  <dgm:catLst>
+    <dgm:cat type="accent1" pri="11200"/>
+  </dgm:catLst>
+  <dgm:styleLbl name="node0">
+    <dgm:fillClrLst meth="repeat">
+      <a:schemeClr val="accent1"/>
+    </dgm:fillClrLst>
+    <dgm:linClrLst meth="repeat">
+      <a:schemeClr val="lt1"/>
+    </dgm:linClrLst>
+    <dgm:effectClrLst/>
+    <dgm:txLinClrLst/>
+    <dgm:txFillClrLst/>
+    <dgm:txEffectClrLst/>
+  </dgm:styleLbl>
+  <dgm:styleLbl name="alignNode1">
+    <dgm:fillClrLst meth="repeat">
+      <a:schemeClr val="accent1"/>
+    </dgm:fillClrLst>
+    <dgm:linClrLst meth="repeat">
+      <a:schemeClr val="accent1"/>
+    </dgm:linClrLst>
+    <dgm:effectClrLst/>
+    <dgm:txLinClrLst/>
+    <dgm:txFillClrLst/>
+    <dgm:txEffectClrLst/>
+  </dgm:styleLbl>
+  <dgm:styleLbl name="node1">
+    <dgm:fillClrLst meth="repeat">
+      <a:schemeClr val="accent1"/>
+    </dgm:fillClrLst>
+    <dgm:linClrLst meth="repeat">
+      <a:schemeClr val="lt1"/>
+    </dgm:linClrLst>
+    <dgm:effectClrLst/>
+    <dgm:txLinClrLst/>
+    <dgm:txFillClrLst/>
+    <dgm:txEffectClrLst/>
+  </dgm:styleLbl>
+  <dgm:styleLbl name="lnNode1">
+    <dgm:fillClrLst meth="repeat">
+      <a:schemeClr val="accent1"/>
+    </dgm:fillClrLst>
+    <dgm:linClrLst meth="repeat">
+      <a:schemeClr val="lt1"/>
+    </dgm:linClrLst>
+    <dgm:effectClrLst/>
+    <dgm:txLinClrLst/>
+    <dgm:txFillClrLst/>
+    <dgm:txEffectClrLst/>
+  </dgm:styleLbl>
+  <dgm:styleLbl name="vennNode1">
+    <dgm:fillClrLst meth="repeat">
+      <a:schemeClr val="accent1">
+        <a:alpha val="50000"/>
+      </a:schemeClr>
+    </dgm:fillClrLst>
+    <dgm:linClrLst meth="repeat">
+      <a:schemeClr val="lt1"/>
+    </dgm:linClrLst>
+    <dgm:effectClrLst/>
+    <dgm:txLinClrLst/>
+    <dgm:txFillClrLst/>
+    <dgm:txEffectClrLst/>
+  </dgm:styleLbl>
+  <dgm:styleLbl name="node2">
+    <dgm:fillClrLst meth="repeat">
+      <a:schemeClr val="accent1"/>
+    </dgm:fillClrLst>
+    <dgm:linClrLst meth="repeat">
+      <a:schemeClr val="lt1"/>
+    </dgm:linClrLst>
+    <dgm:effectClrLst/>
+    <dgm:txLinClrLst/>
+    <dgm:txFillClrLst/>
+    <dgm:txEffectClrLst/>
+  </dgm:styleLbl>
+  <dgm:styleLbl name="node3">
+    <dgm:fillClrLst meth="repeat">
+      <a:schemeClr val="accent1"/>
+    </dgm:fillClrLst>
+    <dgm:linClrLst meth="repeat">
+      <a:schemeClr val="lt1"/>
+    </dgm:linClrLst>
+    <dgm:effectClrLst/>
+    <dgm:txLinClrLst/>
+    <dgm:txFillClrLst/>
+    <dgm:txEffectClrLst/>
+  </dgm:styleLbl>
+  <dgm:styleLbl name="node4">
+    <dgm:fillClrLst meth="repeat">
+      <a:schemeClr val="accent1"/>
+    </dgm:fillClrLst>
+    <dgm:linClrLst meth="repeat">
+      <a:schemeClr val="lt1"/>
+    </dgm:linClrLst>
+    <dgm:effectClrLst/>
+    <dgm:txLinClrLst/>
+    <dgm:txFillClrLst/>
+    <dgm:txEffectClrLst/>
+  </dgm:styleLbl>
+  <dgm:styleLbl name="fgImgPlace1">
+    <dgm:fillClrLst meth="repeat">
+      <a:schemeClr val="accent1">
+        <a:tint val="50000"/>
+      </a:schemeClr>
+    </dgm:fillClrLst>
+    <dgm:linClrLst meth="repeat">
+      <a:schemeClr val="lt1"/>
+    </dgm:linClrLst>
+    <dgm:effectClrLst/>
+    <dgm:txLinClrLst/>
+    <dgm:txFillClrLst meth="repeat">
+      <a:schemeClr val="lt1"/>
+    </dgm:txFillClrLst>
+    <dgm:txEffectClrLst/>
+  </dgm:styleLbl>
+  <dgm:styleLbl name="alignImgPlace1">
+    <dgm:fillClrLst meth="repeat">
+      <a:schemeClr val="accent1">
+        <a:tint val="50000"/>
+      </a:schemeClr>
+    </dgm:fillClrLst>
+    <dgm:linClrLst meth="repeat">
+      <a:schemeClr val="lt1"/>
+    </dgm:linClrLst>
+    <dgm:effectClrLst/>
+    <dgm:txLinClrLst/>
+    <dgm:txFillClrLst meth="repeat">
+      <a:schemeClr val="lt1"/>
+    </dgm:txFillClrLst>
+    <dgm:txEffectClrLst/>
+  </dgm:styleLbl>
+  <dgm:styleLbl name="bgImgPlace1">
+    <dgm:fillClrLst meth="repeat">
+      <a:schemeClr val="accent1">
+        <a:tint val="50000"/>
+      </a:schemeClr>
+    </dgm:fillClrLst>
+    <dgm:linClrLst meth="repeat">
+      <a:schemeClr val="lt1"/>
+    </dgm:linClrLst>
+    <dgm:effectClrLst/>
+    <dgm:txLinClrLst/>
+    <dgm:txFillClrLst meth="repeat">
+      <a:schemeClr val="lt1"/>
+    </dgm:txFillClrLst>
+    <dgm:txEffectClrLst/>
+  </dgm:styleLbl>
+  <dgm:styleLbl name="sibTrans2D1">
+    <dgm:fillClrLst meth="repeat">
+      <a:schemeClr val="accent1">
+        <a:tint val="60000"/>
+      </a:schemeClr>
+    </dgm:fillClrLst>
+    <dgm:linClrLst meth="repeat">
+      <a:schemeClr val="accent1">
+        <a:tint val="60000"/>
+      </a:schemeClr>
+    </dgm:linClrLst>
+    <dgm:effectClrLst/>
+    <dgm:txLinClrLst/>
+    <dgm:txFillClrLst/>
+    <dgm:txEffectClrLst/>
+  </dgm:styleLbl>
+  <dgm:styleLbl name="fgSibTrans2D1">
+    <dgm:fillClrLst meth="repeat">
+      <a:schemeClr val="accent1">
+        <a:tint val="60000"/>
+      </a:schemeClr>
+    </dgm:fillClrLst>
+    <dgm:linClrLst meth="repeat">
+      <a:schemeClr val="accent1">
+        <a:tint val="60000"/>
+      </a:schemeClr>
+    </dgm:linClrLst>
+    <dgm:effectClrLst/>
+    <dgm:txLinClrLst/>
+    <dgm:txFillClrLst/>
+    <dgm:txEffectClrLst/>
+  </dgm:styleLbl>
+  <dgm:styleLbl name="bgSibTrans2D1">
+    <dgm:fillClrLst meth="repeat">
+      <a:schemeClr val="accent1">
+        <a:tint val="60000"/>
+      </a:schemeClr>
+    </dgm:fillClrLst>
+    <dgm:linClrLst meth="repeat">
+      <a:schemeClr val="accent1">
+        <a:tint val="60000"/>
+      </a:schemeClr>
+    </dgm:linClrLst>
+    <dgm:effectClrLst/>
+    <dgm:txLinClrLst/>
+    <dgm:txFillClrLst/>
+    <dgm:txEffectClrLst/>
+  </dgm:styleLbl>
+  <dgm:styleLbl name="sibTrans1D1">
+    <dgm:fillClrLst meth="repeat">
+      <a:schemeClr val="accent1"/>
+    </dgm:fillClrLst>
+    <dgm:linClrLst meth="repeat">
+      <a:schemeClr val="accent1"/>
+    </dgm:linClrLst>
+    <dgm:effectClrLst/>
+    <dgm:txLinClrLst/>
+    <dgm:txFillClrLst meth="repeat">
+      <a:schemeClr val="tx1"/>
+    </dgm:txFillClrLst>
+    <dgm:txEffectClrLst/>
+  </dgm:styleLbl>
+  <dgm:styleLbl name="callout">
+    <dgm:fillClrLst meth="repeat">
+      <a:schemeClr val="accent1"/>
+    </dgm:fillClrLst>
+    <dgm:linClrLst meth="repeat">
+      <a:schemeClr val="accent1">
+        <a:tint val="50000"/>
+      </a:schemeClr>
+    </dgm:linClrLst>
+    <dgm:effectClrLst/>
+    <dgm:txLinClrLst/>
+    <dgm:txFillClrLst meth="repeat">
+      <a:schemeClr val="tx1"/>
+    </dgm:txFillClrLst>
+    <dgm:txEffectClrLst/>
+  </dgm:styleLbl>
+  <dgm:styleLbl name="asst0">
+    <dgm:fillClrLst meth="repeat">
+      <a:schemeClr val="accent1"/>
+    </dgm:fillClrLst>
+    <dgm:linClrLst meth="repeat">
+      <a:schemeClr val="lt1"/>
+    </dgm:linClrLst>
+    <dgm:effectClrLst/>
+    <dgm:txLinClrLst/>
+    <dgm:txFillClrLst/>
+    <dgm:txEffectClrLst/>
+  </dgm:styleLbl>
+  <dgm:styleLbl name="asst1">
+    <dgm:fillClrLst meth="repeat">
+      <a:schemeClr val="accent1"/>
+    </dgm:fillClrLst>
+    <dgm:linClrLst meth="repeat">
+      <a:schemeClr val="lt1"/>
+    </dgm:linClrLst>
+    <dgm:effectClrLst/>
+    <dgm:txLinClrLst/>
+    <dgm:txFillClrLst/>
+    <dgm:txEffectClrLst/>
+  </dgm:styleLbl>
+  <dgm:styleLbl name="asst2">
+    <dgm:fillClrLst meth="repeat">
+      <a:schemeClr val="accent1"/>
+    </dgm:fillClrLst>
+    <dgm:linClrLst meth="repeat">
+      <a:schemeClr val="lt1"/>
+    </dgm:linClrLst>
+    <dgm:effectClrLst/>
+    <dgm:txLinClrLst/>
+    <dgm:txFillClrLst/>
+    <dgm:txEffectClrLst/>
+  </dgm:styleLbl>
+  <dgm:styleLbl name="asst3">
+    <dgm:fillClrLst meth="repeat">
+      <a:schemeClr val="accent1"/>
+    </dgm:fillClrLst>
+    <dgm:linClrLst meth="repeat">
+      <a:schemeClr val="lt1"/>
+    </dgm:linClrLst>
+    <dgm:effectClrLst/>
+    <dgm:txLinClrLst/>
+    <dgm:txFillClrLst/>
+    <dgm:txEffectClrLst/>
+  </dgm:styleLbl>
+  <dgm:styleLbl name="asst4">
+    <dgm:fillClrLst meth="repeat">
+      <a:schemeClr val="accent1"/>
+    </dgm:fillClrLst>
+    <dgm:linClrLst meth="repeat">
+      <a:schemeClr val="lt1"/>
+    </dgm:linClrLst>
+    <dgm:effectClrLst/>
+    <dgm:txLinClrLst/>
+    <dgm:txFillClrLst/>
+    <dgm:txEffectClrLst/>
+  </dgm:styleLbl>
+  <dgm:styleLbl name="parChTrans2D1">
+    <dgm:fillClrLst meth="repeat">
+      <a:schemeClr val="accent1">
+        <a:tint val="60000"/>
+      </a:schemeClr>
+    </dgm:fillClrLst>
+    <dgm:linClrLst meth="repeat">
+      <a:schemeClr val="accent1">
+        <a:tint val="60000"/>
+      </a:schemeClr>
+    </dgm:linClrLst>
+    <dgm:effectClrLst/>
+    <dgm:txLinClrLst/>
+    <dgm:txFillClrLst meth="repeat">
+      <a:schemeClr val="lt1"/>
+    </dgm:txFillClrLst>
+    <dgm:txEffectClrLst/>
+  </dgm:styleLbl>
+  <dgm:styleLbl name="parChTrans2D2">
+    <dgm:fillClrLst meth="repeat">
+      <a:schemeClr val="accent1"/>
+    </dgm:fillClrLst>
+    <dgm:linClrLst meth="repeat">
+      <a:schemeClr val="accent1"/>
+    </dgm:linClrLst>
+    <dgm:effectClrLst/>
+    <dgm:txLinClrLst/>
+    <dgm:txFillClrLst meth="repeat">
+      <a:schemeClr val="lt1"/>
+    </dgm:txFillClrLst>
+    <dgm:txEffectClrLst/>
+  </dgm:styleLbl>
+  <dgm:styleLbl name="parChTrans2D3">
+    <dgm:fillClrLst meth="repeat">
+      <a:schemeClr val="accent1"/>
+    </dgm:fillClrLst>
+    <dgm:linClrLst meth="repeat">
+      <a:schemeClr val="accent1"/>
+    </dgm:linClrLst>
+    <dgm:effectClrLst/>
+    <dgm:txLinClrLst/>
+    <dgm:txFillClrLst meth="repeat">
+      <a:schemeClr val="lt1"/>
+    </dgm:txFillClrLst>
+    <dgm:txEffectClrLst/>
+  </dgm:styleLbl>
+  <dgm:styleLbl name="parChTrans2D4">
+    <dgm:fillClrLst meth="repeat">
+      <a:schemeClr val="accent1"/>
+    </dgm:fillClrLst>
+    <dgm:linClrLst meth="repeat">
+      <a:schemeClr val="accent1"/>
+    </dgm:linClrLst>
+    <dgm:effectClrLst/>
+    <dgm:txLinClrLst/>
+    <dgm:txFillClrLst meth="repeat">
+      <a:schemeClr val="lt1"/>
+    </dgm:txFillClrLst>
+    <dgm:txEffectClrLst/>
+  </dgm:styleLbl>
+  <dgm:styleLbl name="parChTrans1D1">
+    <dgm:fillClrLst meth="repeat">
+      <a:schemeClr val="accent1"/>
+    </dgm:fillClrLst>
+    <dgm:linClrLst meth="repeat">
+      <a:schemeClr val="accent1">
+        <a:shade val="60000"/>
+      </a:schemeClr>
+    </dgm:linClrLst>
+    <dgm:effectClrLst/>
+    <dgm:txLinClrLst/>
+    <dgm:txFillClrLst meth="repeat">
+      <a:schemeClr val="tx1"/>
+    </dgm:txFillClrLst>
+    <dgm:txEffectClrLst/>
+  </dgm:styleLbl>
+  <dgm:styleLbl name="parChTrans1D2">
+    <dgm:fillClrLst meth="repeat">
+      <a:schemeClr val="accent1"/>
+    </dgm:fillClrLst>
+    <dgm:linClrLst meth="repeat">
+      <a:schemeClr val="accent1">
+        <a:shade val="60000"/>
+      </a:schemeClr>
+    </dgm:linClrLst>
+    <dgm:effectClrLst/>
+    <dgm:txLinClrLst/>
+    <dgm:txFillClrLst meth="repeat">
+      <a:schemeClr val="tx1"/>
+    </dgm:txFillClrLst>
+    <dgm:txEffectClrLst/>
+  </dgm:styleLbl>
+  <dgm:styleLbl name="parChTrans1D3">
+    <dgm:fillClrLst meth="repeat">
+      <a:schemeClr val="accent1"/>
+    </dgm:fillClrLst>
+    <dgm:linClrLst meth="repeat">
+      <a:schemeClr val="accent1">
+        <a:shade val="80000"/>
+      </a:schemeClr>
+    </dgm:linClrLst>
+    <dgm:effectClrLst/>
+    <dgm:txLinClrLst/>
+    <dgm:txFillClrLst meth="repeat">
+      <a:schemeClr val="tx1"/>
+    </dgm:txFillClrLst>
+    <dgm:txEffectClrLst/>
+  </dgm:styleLbl>
+  <dgm:styleLbl name="parChTrans1D4">
+    <dgm:fillClrLst meth="repeat">
+      <a:schemeClr val="accent1"/>
+    </dgm:fillClrLst>
+    <dgm:linClrLst meth="repeat">
+      <a:schemeClr val="accent1">
+        <a:shade val="80000"/>
+      </a:schemeClr>
+    </dgm:linClrLst>
+    <dgm:effectClrLst/>
+    <dgm:txLinClrLst/>
+    <dgm:txFillClrLst meth="repeat">
+      <a:schemeClr val="tx1"/>
+    </dgm:txFillClrLst>
+    <dgm:txEffectClrLst/>
+  </dgm:styleLbl>
+  <dgm:styleLbl name="fgAcc1">
+    <dgm:fillClrLst meth="repeat">
+      <a:schemeClr val="lt1">
+        <a:alpha val="90000"/>
+      </a:schemeClr>
+    </dgm:fillClrLst>
+    <dgm:linClrLst meth="repeat">
+      <a:schemeClr val="accent1"/>
+    </dgm:linClrLst>
+    <dgm:effectClrLst/>
+    <dgm:txLinClrLst/>
+    <dgm:txFillClrLst meth="repeat">
+      <a:schemeClr val="dk1"/>
+    </dgm:txFillClrLst>
+    <dgm:txEffectClrLst/>
+  </dgm:styleLbl>
+  <dgm:styleLbl name="conFgAcc1">
+    <dgm:fillClrLst meth="repeat">
+      <a:schemeClr val="lt1">
+        <a:alpha val="90000"/>
+      </a:schemeClr>
+    </dgm:fillClrLst>
+    <dgm:linClrLst meth="repeat">
+      <a:schemeClr val="accent1"/>
+    </dgm:linClrLst>
+    <dgm:effectClrLst/>
+    <dgm:txLinClrLst/>
+    <dgm:txFillClrLst meth="repeat">
+      <a:schemeClr val="dk1"/>
+    </dgm:txFillClrLst>
+    <dgm:txEffectClrLst/>
+  </dgm:styleLbl>
+  <dgm:styleLbl name="alignAcc1">
+    <dgm:fillClrLst meth="repeat">
+      <a:schemeClr val="lt1">
+        <a:alpha val="90000"/>
+      </a:schemeClr>
+    </dgm:fillClrLst>
+    <dgm:linClrLst meth="repeat">
+      <a:schemeClr val="accent1"/>
+    </dgm:linClrLst>
+    <dgm:effectClrLst/>
+    <dgm:txLinClrLst/>
+    <dgm:txFillClrLst meth="repeat">
+      <a:schemeClr val="dk1"/>
+    </dgm:txFillClrLst>
+    <dgm:txEffectClrLst/>
+  </dgm:styleLbl>
+  <dgm:styleLbl name="trAlignAcc1">
+    <dgm:fillClrLst meth="repeat">
+      <a:schemeClr val="lt1">
+        <a:alpha val="40000"/>
+      </a:schemeClr>
+    </dgm:fillClrLst>
+    <dgm:linClrLst meth="repeat">
+      <a:schemeClr val="accent1"/>
+    </dgm:linClrLst>
+    <dgm:effectClrLst/>
+    <dgm:txLinClrLst/>
+    <dgm:txFillClrLst meth="repeat">
+      <a:schemeClr val="dk1"/>
+    </dgm:txFillClrLst>
+    <dgm:txEffectClrLst/>
+  </dgm:styleLbl>
+  <dgm:styleLbl name="bgAcc1">
+    <dgm:fillClrLst meth="repeat">
+      <a:schemeClr val="lt1">
+        <a:alpha val="90000"/>
+      </a:schemeClr>
+    </dgm:fillClrLst>
+    <dgm:linClrLst meth="repeat">
+      <a:schemeClr val="accent1"/>
+    </dgm:linClrLst>
+    <dgm:effectClrLst/>
+    <dgm:txLinClrLst/>
+    <dgm:txFillClrLst meth="repeat">
+      <a:schemeClr val="dk1"/>
+    </dgm:txFillClrLst>
+    <dgm:txEffectClrLst/>
+  </dgm:styleLbl>
+  <dgm:styleLbl name="solidFgAcc1">
+    <dgm:fillClrLst meth="repeat">
+      <a:schemeClr val="lt1"/>
+    </dgm:fillClrLst>
+    <dgm:linClrLst meth="repeat">
+      <a:schemeClr val="accent1"/>
+    </dgm:linClrLst>
+    <dgm:effectClrLst/>
+    <dgm:txLinClrLst/>
+    <dgm:txFillClrLst meth="repeat">
+      <a:schemeClr val="dk1"/>
+    </dgm:txFillClrLst>
+    <dgm:txEffectClrLst/>
+  </dgm:styleLbl>
+  <dgm:styleLbl name="solidAlignAcc1">
+    <dgm:fillClrLst meth="repeat">
+      <a:schemeClr val="lt1"/>
+    </dgm:fillClrLst>
+    <dgm:linClrLst meth="repeat">
+      <a:schemeClr val="accent1"/>
+    </dgm:linClrLst>
+    <dgm:effectClrLst/>
+    <dgm:txLinClrLst/>
+    <dgm:txFillClrLst meth="repeat">
+      <a:schemeClr val="dk1"/>
+    </dgm:txFillClrLst>
+    <dgm:txEffectClrLst/>
+  </dgm:styleLbl>
+  <dgm:styleLbl name="solidBgAcc1">
+    <dgm:fillClrLst meth="repeat">
+      <a:schemeClr val="lt1"/>
+    </dgm:fillClrLst>
+    <dgm:linClrLst meth="repeat">
+      <a:schemeClr val="accent1"/>
+    </dgm:linClrLst>
+    <dgm:effectClrLst/>
+    <dgm:txLinClrLst/>
+    <dgm:txFillClrLst meth="repeat">
+      <a:schemeClr val="dk1"/>
+    </dgm:txFillClrLst>
+    <dgm:txEffectClrLst/>
+  </dgm:styleLbl>
+  <dgm:styleLbl name="fgAccFollowNode1">
+    <dgm:fillClrLst meth="repeat">
+      <a:schemeClr val="accent1">
+        <a:alpha val="90000"/>
+        <a:tint val="40000"/>
+      </a:schemeClr>
+    </dgm:fillClrLst>
+    <dgm:linClrLst meth="repeat">
+      <a:schemeClr val="accent1">
+        <a:alpha val="90000"/>
+        <a:tint val="40000"/>
+      </a:schemeClr>
+    </dgm:linClrLst>
+    <dgm:effectClrLst/>
+    <dgm:txLinClrLst/>
+    <dgm:txFillClrLst meth="repeat">
+      <a:schemeClr val="dk1"/>
+    </dgm:txFillClrLst>
+    <dgm:txEffectClrLst/>
+  </dgm:styleLbl>
+  <dgm:styleLbl name="alignAccFollowNode1">
+    <dgm:fillClrLst meth="repeat">
+      <a:schemeClr val="accent1">
+        <a:alpha val="90000"/>
+        <a:tint val="40000"/>
+      </a:schemeClr>
+    </dgm:fillClrLst>
+    <dgm:linClrLst meth="repeat">
+      <a:schemeClr val="accent1">
+        <a:alpha val="90000"/>
+        <a:tint val="40000"/>
+      </a:schemeClr>
+    </dgm:linClrLst>
+    <dgm:effectClrLst/>
+    <dgm:txLinClrLst/>
+    <dgm:txFillClrLst meth="repeat">
+      <a:schemeClr val="dk1"/>
+    </dgm:txFillClrLst>
+    <dgm:txEffectClrLst/>
+  </dgm:styleLbl>
+  <dgm:styleLbl name="bgAccFollowNode1">
+    <dgm:fillClrLst meth="repeat">
+      <a:schemeClr val="accent1">
+        <a:alpha val="90000"/>
+        <a:tint val="40000"/>
+      </a:schemeClr>
+    </dgm:fillClrLst>
+    <dgm:linClrLst meth="repeat">
+      <a:schemeClr val="accent1">
+        <a:alpha val="90000"/>
+        <a:tint val="40000"/>
+      </a:schemeClr>
+    </dgm:linClrLst>
+    <dgm:effectClrLst/>
+    <dgm:txLinClrLst/>
+    <dgm:txFillClrLst meth="repeat">
+      <a:schemeClr val="dk1"/>
+    </dgm:txFillClrLst>
+    <dgm:txEffectClrLst/>
+  </dgm:styleLbl>
+  <dgm:styleLbl name="fgAcc0">
+    <dgm:fillClrLst meth="repeat">
+      <a:schemeClr val="lt1">
+        <a:alpha val="90000"/>
+      </a:schemeClr>
+    </dgm:fillClrLst>
+    <dgm:linClrLst meth="repeat">
+      <a:schemeClr val="accent1"/>
+    </dgm:linClrLst>
+    <dgm:effectClrLst/>
+    <dgm:txLinClrLst/>
+    <dgm:txFillClrLst meth="repeat">
+      <a:schemeClr val="dk1"/>
+    </dgm:txFillClrLst>
+    <dgm:txEffectClrLst/>
+  </dgm:styleLbl>
+  <dgm:styleLbl name="fgAcc2">
+    <dgm:fillClrLst meth="repeat">
+      <a:schemeClr val="lt1">
+        <a:alpha val="90000"/>
+      </a:schemeClr>
+    </dgm:fillClrLst>
+    <dgm:linClrLst meth="repeat">
+      <a:schemeClr val="accent1"/>
+    </dgm:linClrLst>
+    <dgm:effectClrLst/>
+    <dgm:txLinClrLst/>
+    <dgm:txFillClrLst meth="repeat">
+      <a:schemeClr val="dk1"/>
+    </dgm:txFillClrLst>
+    <dgm:txEffectClrLst/>
+  </dgm:styleLbl>
+  <dgm:styleLbl name="fgAcc3">
+    <dgm:fillClrLst meth="repeat">
+      <a:schemeClr val="lt1">
+        <a:alpha val="90000"/>
+      </a:schemeClr>
+    </dgm:fillClrLst>
+    <dgm:linClrLst meth="repeat">
+      <a:schemeClr val="accent1"/>
+    </dgm:linClrLst>
+    <dgm:effectClrLst/>
+    <dgm:txLinClrLst/>
+    <dgm:txFillClrLst meth="repeat">
+      <a:schemeClr val="dk1"/>
+    </dgm:txFillClrLst>
+    <dgm:txEffectClrLst/>
+  </dgm:styleLbl>
+  <dgm:styleLbl name="fgAcc4">
+    <dgm:fillClrLst meth="repeat">
+      <a:schemeClr val="lt1">
+        <a:alpha val="90000"/>
+      </a:schemeClr>
+    </dgm:fillClrLst>
+    <dgm:linClrLst meth="repeat">
+      <a:schemeClr val="accent1"/>
+    </dgm:linClrLst>
+    <dgm:effectClrLst/>
+    <dgm:txLinClrLst/>
+    <dgm:txFillClrLst meth="repeat">
+      <a:schemeClr val="dk1"/>
+    </dgm:txFillClrLst>
+    <dgm:txEffectClrLst/>
+  </dgm:styleLbl>
+  <dgm:styleLbl name="bgShp">
+    <dgm:fillClrLst meth="repeat">
+      <a:schemeClr val="accent1">
+        <a:tint val="40000"/>
+      </a:schemeClr>
+    </dgm:fillClrLst>
+    <dgm:linClrLst meth="repeat">
+      <a:schemeClr val="accent1"/>
+    </dgm:linClrLst>
+    <dgm:effectClrLst/>
+    <dgm:txLinClrLst/>
+    <dgm:txFillClrLst meth="repeat">
+      <a:schemeClr val="dk1"/>
+    </dgm:txFillClrLst>
+    <dgm:txEffectClrLst/>
+  </dgm:styleLbl>
+  <dgm:styleLbl name="dkBgShp">
+    <dgm:fillClrLst meth="repeat">
+      <a:schemeClr val="accent1">
+        <a:shade val="80000"/>
+      </a:schemeClr>
+    </dgm:fillClrLst>
+    <dgm:linClrLst meth="repeat">
+      <a:schemeClr val="accent1"/>
+    </dgm:linClrLst>
+    <dgm:effectClrLst/>
+    <dgm:txLinClrLst/>
+    <dgm:txFillClrLst meth="repeat">
+      <a:schemeClr val="lt1"/>
+    </dgm:txFillClrLst>
+    <dgm:txEffectClrLst/>
+  </dgm:styleLbl>
+  <dgm:styleLbl name="trBgShp">
+    <dgm:fillClrLst meth="repeat">
+      <a:schemeClr val="accent1">
+        <a:tint val="50000"/>
+        <a:alpha val="40000"/>
+      </a:schemeClr>
+    </dgm:fillClrLst>
+    <dgm:linClrLst meth="repeat">
+      <a:schemeClr val="accent1"/>
+    </dgm:linClrLst>
+    <dgm:effectClrLst/>
+    <dgm:txLinClrLst/>
+    <dgm:txFillClrLst meth="repeat">
+      <a:schemeClr val="lt1"/>
+    </dgm:txFillClrLst>
+    <dgm:txEffectClrLst/>
+  </dgm:styleLbl>
+  <dgm:styleLbl name="fgShp">
+    <dgm:fillClrLst meth="repeat">
+      <a:schemeClr val="accent1">
+        <a:tint val="60000"/>
+      </a:schemeClr>
+    </dgm:fillClrLst>
+    <dgm:linClrLst meth="repeat">
+      <a:schemeClr val="lt1"/>
+    </dgm:linClrLst>
+    <dgm:effectClrLst/>
+    <dgm:txLinClrLst/>
+    <dgm:txFillClrLst meth="repeat">
+      <a:schemeClr val="dk1"/>
+    </dgm:txFillClrLst>
+    <dgm:txEffectClrLst/>
+  </dgm:styleLbl>
+  <dgm:styleLbl name="revTx">
+    <dgm:fillClrLst meth="repeat">
+      <a:schemeClr val="lt1">
+        <a:alpha val="0"/>
+      </a:schemeClr>
+    </dgm:fillClrLst>
+    <dgm:linClrLst meth="repeat">
+      <a:schemeClr val="dk1">
+        <a:alpha val="0"/>
+      </a:schemeClr>
+    </dgm:linClrLst>
+    <dgm:effectClrLst/>
+    <dgm:txLinClrLst/>
+    <dgm:txFillClrLst meth="repeat">
+      <a:schemeClr val="tx1"/>
+    </dgm:txFillClrLst>
+    <dgm:txEffectClrLst/>
+  </dgm:styleLbl>
+</dgm:colorsDef>
+</file>
+
+<file path=ppt/diagrams/colors3.xml><?xml version="1.0" encoding="utf-8"?>
 <dgm:colorsDef xmlns:dgm="http://schemas.openxmlformats.org/drawingml/2006/diagram" xmlns:a="http://schemas.openxmlformats.org/drawingml/2006/main" uniqueId="urn:microsoft.com/office/officeart/2005/8/colors/accent1_2">
   <dgm:title val=""/>
   <dgm:desc val=""/>
@@ -3524,6 +4272,13 @@
     <dgm:pt modelId="{B30607FF-AB5F-4942-AC94-E4327BABAEB6}" type="parTrans" cxnId="{AC9F7971-A81F-4A11-A7FB-CE9E1D4C8DB0}">
       <dgm:prSet/>
       <dgm:spPr/>
+      <dgm:t>
+        <a:bodyPr/>
+        <a:lstStyle/>
+        <a:p>
+          <a:endParaRPr lang="en-SG"/>
+        </a:p>
+      </dgm:t>
     </dgm:pt>
     <dgm:pt modelId="{D548F8D6-6AE7-437A-A438-63B4CA6E5E7C}" type="sibTrans" cxnId="{AC9F7971-A81F-4A11-A7FB-CE9E1D4C8DB0}">
       <dgm:prSet/>
@@ -3570,6 +4325,13 @@
     <dgm:pt modelId="{1AF1E384-929A-46C0-9D62-CF5D605B5794}" type="parTrans" cxnId="{9AD63E45-6BD1-4D4A-841D-255A52EC60C6}">
       <dgm:prSet/>
       <dgm:spPr/>
+      <dgm:t>
+        <a:bodyPr/>
+        <a:lstStyle/>
+        <a:p>
+          <a:endParaRPr lang="en-SG"/>
+        </a:p>
+      </dgm:t>
     </dgm:pt>
     <dgm:pt modelId="{E731950A-6CC2-4D86-92D4-BA3E2C5AF25B}" type="sibTrans" cxnId="{9AD63E45-6BD1-4D4A-841D-255A52EC60C6}">
       <dgm:prSet/>
@@ -4104,6 +4866,216 @@
     <dgm:cxn modelId="{96BB1570-7120-4B86-959F-F1C76AAF63B1}" type="presParOf" srcId="{B387F5DF-C53A-47E2-9FD5-78D32846BCD5}" destId="{28511E41-3CD7-44D4-8D52-30D01F2148BC}" srcOrd="19" destOrd="0" presId="urn:microsoft.com/office/officeart/2005/8/layout/bProcess3"/>
     <dgm:cxn modelId="{19B7E0DD-9FFE-4731-B4FB-EB563787591A}" type="presParOf" srcId="{28511E41-3CD7-44D4-8D52-30D01F2148BC}" destId="{5C5297A1-20FE-42DD-B07F-EDD3F32AE5BA}" srcOrd="0" destOrd="0" presId="urn:microsoft.com/office/officeart/2005/8/layout/bProcess3"/>
     <dgm:cxn modelId="{22D398C1-BFE3-4348-90E2-7D35661329BA}" type="presParOf" srcId="{B387F5DF-C53A-47E2-9FD5-78D32846BCD5}" destId="{43A21E61-6DD6-4705-BCBF-DBB5E1326B00}" srcOrd="20" destOrd="0" presId="urn:microsoft.com/office/officeart/2005/8/layout/bProcess3"/>
+  </dgm:cxnLst>
+  <dgm:bg/>
+  <dgm:whole/>
+  <dgm:extLst>
+    <a:ext uri="http://schemas.microsoft.com/office/drawing/2008/diagram">
+      <dsp:dataModelExt xmlns:dsp="http://schemas.microsoft.com/office/drawing/2008/diagram" relId="rId6" minVer="http://schemas.openxmlformats.org/drawingml/2006/diagram"/>
+    </a:ext>
+  </dgm:extLst>
+</dgm:dataModel>
+</file>
+
+<file path=ppt/diagrams/data3.xml><?xml version="1.0" encoding="utf-8"?>
+<dgm:dataModel xmlns:dgm="http://schemas.openxmlformats.org/drawingml/2006/diagram" xmlns:a="http://schemas.openxmlformats.org/drawingml/2006/main">
+  <dgm:ptLst>
+    <dgm:pt modelId="{D303F310-F2CA-492A-9190-C895149F8B56}" type="doc">
+      <dgm:prSet loTypeId="urn:microsoft.com/office/officeart/2005/8/layout/cycle7" loCatId="cycle" qsTypeId="urn:microsoft.com/office/officeart/2005/8/quickstyle/simple1" qsCatId="simple" csTypeId="urn:microsoft.com/office/officeart/2005/8/colors/accent1_2" csCatId="accent1" phldr="1"/>
+      <dgm:spPr/>
+    </dgm:pt>
+    <dgm:pt modelId="{BFE6DA1B-87CC-4328-9497-4056C51D30E0}">
+      <dgm:prSet phldrT="[Text]"/>
+      <dgm:spPr/>
+      <dgm:t>
+        <a:bodyPr/>
+        <a:lstStyle/>
+        <a:p>
+          <a:r>
+            <a:rPr lang="en-SG" dirty="0" smtClean="0"/>
+            <a:t>Staff</a:t>
+          </a:r>
+          <a:endParaRPr lang="en-SG" dirty="0"/>
+        </a:p>
+      </dgm:t>
+    </dgm:pt>
+    <dgm:pt modelId="{C3206686-501B-48D6-A081-B781422CDDFF}" type="parTrans" cxnId="{07EFE398-4327-4D1C-9309-90E8F0BEC35A}">
+      <dgm:prSet/>
+      <dgm:spPr/>
+      <dgm:t>
+        <a:bodyPr/>
+        <a:lstStyle/>
+        <a:p>
+          <a:endParaRPr lang="en-SG"/>
+        </a:p>
+      </dgm:t>
+    </dgm:pt>
+    <dgm:pt modelId="{107EAA89-92DD-448F-8B5E-C94291ED9EF6}" type="sibTrans" cxnId="{07EFE398-4327-4D1C-9309-90E8F0BEC35A}">
+      <dgm:prSet/>
+      <dgm:spPr/>
+      <dgm:t>
+        <a:bodyPr/>
+        <a:lstStyle/>
+        <a:p>
+          <a:endParaRPr lang="en-SG"/>
+        </a:p>
+      </dgm:t>
+    </dgm:pt>
+    <dgm:pt modelId="{3F3A47D5-0314-4F43-B7F4-31167E7A55D5}">
+      <dgm:prSet phldrT="[Text]"/>
+      <dgm:spPr/>
+      <dgm:t>
+        <a:bodyPr/>
+        <a:lstStyle/>
+        <a:p>
+          <a:r>
+            <a:rPr lang="en-SG" dirty="0" smtClean="0"/>
+            <a:t>Enterprise Architecture Team</a:t>
+          </a:r>
+          <a:endParaRPr lang="en-SG" dirty="0"/>
+        </a:p>
+      </dgm:t>
+    </dgm:pt>
+    <dgm:pt modelId="{8F5A0E68-A9F8-4174-9BFF-3D7AC321A19B}" type="parTrans" cxnId="{09B039F2-2BC3-41F5-9CAC-2937DFAD3189}">
+      <dgm:prSet/>
+      <dgm:spPr/>
+      <dgm:t>
+        <a:bodyPr/>
+        <a:lstStyle/>
+        <a:p>
+          <a:endParaRPr lang="en-SG"/>
+        </a:p>
+      </dgm:t>
+    </dgm:pt>
+    <dgm:pt modelId="{6BBE5374-AA63-47B9-93F7-D418B877B780}" type="sibTrans" cxnId="{09B039F2-2BC3-41F5-9CAC-2937DFAD3189}">
+      <dgm:prSet/>
+      <dgm:spPr/>
+      <dgm:t>
+        <a:bodyPr/>
+        <a:lstStyle/>
+        <a:p>
+          <a:endParaRPr lang="en-SG"/>
+        </a:p>
+      </dgm:t>
+    </dgm:pt>
+    <dgm:pt modelId="{D8A41219-49DB-4795-A2B4-818424A98CF5}">
+      <dgm:prSet phldrT="[Text]"/>
+      <dgm:spPr/>
+      <dgm:t>
+        <a:bodyPr/>
+        <a:lstStyle/>
+        <a:p>
+          <a:r>
+            <a:rPr lang="en-SG" dirty="0" smtClean="0"/>
+            <a:t>Management</a:t>
+          </a:r>
+          <a:endParaRPr lang="en-SG" dirty="0"/>
+        </a:p>
+      </dgm:t>
+    </dgm:pt>
+    <dgm:pt modelId="{EFC1328D-7BEE-4E1B-9777-194F84201F94}" type="parTrans" cxnId="{69ACDD6F-52B0-489E-A53F-D6DFA34C5318}">
+      <dgm:prSet/>
+      <dgm:spPr/>
+      <dgm:t>
+        <a:bodyPr/>
+        <a:lstStyle/>
+        <a:p>
+          <a:endParaRPr lang="en-SG"/>
+        </a:p>
+      </dgm:t>
+    </dgm:pt>
+    <dgm:pt modelId="{6998258A-9834-4405-9A6D-7067FA882D48}" type="sibTrans" cxnId="{69ACDD6F-52B0-489E-A53F-D6DFA34C5318}">
+      <dgm:prSet/>
+      <dgm:spPr/>
+      <dgm:t>
+        <a:bodyPr/>
+        <a:lstStyle/>
+        <a:p>
+          <a:endParaRPr lang="en-SG" dirty="0"/>
+        </a:p>
+      </dgm:t>
+    </dgm:pt>
+    <dgm:pt modelId="{669D98D1-47FC-4D60-8053-35415B9BF672}" type="pres">
+      <dgm:prSet presAssocID="{D303F310-F2CA-492A-9190-C895149F8B56}" presName="Name0" presStyleCnt="0">
+        <dgm:presLayoutVars>
+          <dgm:dir/>
+          <dgm:resizeHandles val="exact"/>
+        </dgm:presLayoutVars>
+      </dgm:prSet>
+      <dgm:spPr/>
+    </dgm:pt>
+    <dgm:pt modelId="{BD8689FC-5D13-4BE1-970F-BA1EAB20E248}" type="pres">
+      <dgm:prSet presAssocID="{BFE6DA1B-87CC-4328-9497-4056C51D30E0}" presName="node" presStyleLbl="node1" presStyleIdx="0" presStyleCnt="3">
+        <dgm:presLayoutVars>
+          <dgm:bulletEnabled val="1"/>
+        </dgm:presLayoutVars>
+      </dgm:prSet>
+      <dgm:spPr/>
+    </dgm:pt>
+    <dgm:pt modelId="{6B7706DA-4FC0-4EEB-969C-050B129CF32D}" type="pres">
+      <dgm:prSet presAssocID="{107EAA89-92DD-448F-8B5E-C94291ED9EF6}" presName="sibTrans" presStyleLbl="sibTrans2D1" presStyleIdx="0" presStyleCnt="3"/>
+      <dgm:spPr/>
+    </dgm:pt>
+    <dgm:pt modelId="{759731D2-3ABF-456F-B11E-4F5D9D673C62}" type="pres">
+      <dgm:prSet presAssocID="{107EAA89-92DD-448F-8B5E-C94291ED9EF6}" presName="connectorText" presStyleLbl="sibTrans2D1" presStyleIdx="0" presStyleCnt="3"/>
+      <dgm:spPr/>
+    </dgm:pt>
+    <dgm:pt modelId="{DEFBC1F8-9C85-45A0-8D7C-EC539217577F}" type="pres">
+      <dgm:prSet presAssocID="{3F3A47D5-0314-4F43-B7F4-31167E7A55D5}" presName="node" presStyleLbl="node1" presStyleIdx="1" presStyleCnt="3">
+        <dgm:presLayoutVars>
+          <dgm:bulletEnabled val="1"/>
+        </dgm:presLayoutVars>
+      </dgm:prSet>
+      <dgm:spPr/>
+    </dgm:pt>
+    <dgm:pt modelId="{1C60ACB5-4638-4C41-A79C-1004967168B0}" type="pres">
+      <dgm:prSet presAssocID="{6BBE5374-AA63-47B9-93F7-D418B877B780}" presName="sibTrans" presStyleLbl="sibTrans2D1" presStyleIdx="1" presStyleCnt="3"/>
+      <dgm:spPr/>
+    </dgm:pt>
+    <dgm:pt modelId="{E3697BA3-EE72-4ACD-9FBA-E0FE8E1B852B}" type="pres">
+      <dgm:prSet presAssocID="{6BBE5374-AA63-47B9-93F7-D418B877B780}" presName="connectorText" presStyleLbl="sibTrans2D1" presStyleIdx="1" presStyleCnt="3"/>
+      <dgm:spPr/>
+    </dgm:pt>
+    <dgm:pt modelId="{B8BA6219-54A3-4A3F-B34E-A4302237367A}" type="pres">
+      <dgm:prSet presAssocID="{D8A41219-49DB-4795-A2B4-818424A98CF5}" presName="node" presStyleLbl="node1" presStyleIdx="2" presStyleCnt="3">
+        <dgm:presLayoutVars>
+          <dgm:bulletEnabled val="1"/>
+        </dgm:presLayoutVars>
+      </dgm:prSet>
+      <dgm:spPr/>
+    </dgm:pt>
+    <dgm:pt modelId="{0AA83027-EB9F-4DBA-A6DF-806BA717A056}" type="pres">
+      <dgm:prSet presAssocID="{6998258A-9834-4405-9A6D-7067FA882D48}" presName="sibTrans" presStyleLbl="sibTrans2D1" presStyleIdx="2" presStyleCnt="3"/>
+      <dgm:spPr/>
+    </dgm:pt>
+    <dgm:pt modelId="{9A984254-53CC-4D2C-886C-D2730382C17A}" type="pres">
+      <dgm:prSet presAssocID="{6998258A-9834-4405-9A6D-7067FA882D48}" presName="connectorText" presStyleLbl="sibTrans2D1" presStyleIdx="2" presStyleCnt="3"/>
+      <dgm:spPr/>
+    </dgm:pt>
+  </dgm:ptLst>
+  <dgm:cxnLst>
+    <dgm:cxn modelId="{405E8403-69F5-4684-845B-EFCBA4A09FF7}" type="presOf" srcId="{D8A41219-49DB-4795-A2B4-818424A98CF5}" destId="{B8BA6219-54A3-4A3F-B34E-A4302237367A}" srcOrd="0" destOrd="0" presId="urn:microsoft.com/office/officeart/2005/8/layout/cycle7"/>
+    <dgm:cxn modelId="{49171940-76B3-48E7-821C-D11C8F15851E}" type="presOf" srcId="{6998258A-9834-4405-9A6D-7067FA882D48}" destId="{9A984254-53CC-4D2C-886C-D2730382C17A}" srcOrd="1" destOrd="0" presId="urn:microsoft.com/office/officeart/2005/8/layout/cycle7"/>
+    <dgm:cxn modelId="{09B039F2-2BC3-41F5-9CAC-2937DFAD3189}" srcId="{D303F310-F2CA-492A-9190-C895149F8B56}" destId="{3F3A47D5-0314-4F43-B7F4-31167E7A55D5}" srcOrd="1" destOrd="0" parTransId="{8F5A0E68-A9F8-4174-9BFF-3D7AC321A19B}" sibTransId="{6BBE5374-AA63-47B9-93F7-D418B877B780}"/>
+    <dgm:cxn modelId="{022475EF-4A13-4DBF-A2DF-C4E92A0F26F6}" type="presOf" srcId="{D303F310-F2CA-492A-9190-C895149F8B56}" destId="{669D98D1-47FC-4D60-8053-35415B9BF672}" srcOrd="0" destOrd="0" presId="urn:microsoft.com/office/officeart/2005/8/layout/cycle7"/>
+    <dgm:cxn modelId="{69ACDD6F-52B0-489E-A53F-D6DFA34C5318}" srcId="{D303F310-F2CA-492A-9190-C895149F8B56}" destId="{D8A41219-49DB-4795-A2B4-818424A98CF5}" srcOrd="2" destOrd="0" parTransId="{EFC1328D-7BEE-4E1B-9777-194F84201F94}" sibTransId="{6998258A-9834-4405-9A6D-7067FA882D48}"/>
+    <dgm:cxn modelId="{B5683AFB-CBE5-42B5-9CF8-26D6172DD5B7}" type="presOf" srcId="{6BBE5374-AA63-47B9-93F7-D418B877B780}" destId="{1C60ACB5-4638-4C41-A79C-1004967168B0}" srcOrd="0" destOrd="0" presId="urn:microsoft.com/office/officeart/2005/8/layout/cycle7"/>
+    <dgm:cxn modelId="{FDAA5424-E5DB-43D2-8BE1-1713A4ABACBF}" type="presOf" srcId="{107EAA89-92DD-448F-8B5E-C94291ED9EF6}" destId="{759731D2-3ABF-456F-B11E-4F5D9D673C62}" srcOrd="1" destOrd="0" presId="urn:microsoft.com/office/officeart/2005/8/layout/cycle7"/>
+    <dgm:cxn modelId="{07EFE398-4327-4D1C-9309-90E8F0BEC35A}" srcId="{D303F310-F2CA-492A-9190-C895149F8B56}" destId="{BFE6DA1B-87CC-4328-9497-4056C51D30E0}" srcOrd="0" destOrd="0" parTransId="{C3206686-501B-48D6-A081-B781422CDDFF}" sibTransId="{107EAA89-92DD-448F-8B5E-C94291ED9EF6}"/>
+    <dgm:cxn modelId="{24A6A988-1740-491D-84A7-6D62662A88BC}" type="presOf" srcId="{6998258A-9834-4405-9A6D-7067FA882D48}" destId="{0AA83027-EB9F-4DBA-A6DF-806BA717A056}" srcOrd="0" destOrd="0" presId="urn:microsoft.com/office/officeart/2005/8/layout/cycle7"/>
+    <dgm:cxn modelId="{67C53043-2341-4AA1-B278-D768C5CB464B}" type="presOf" srcId="{BFE6DA1B-87CC-4328-9497-4056C51D30E0}" destId="{BD8689FC-5D13-4BE1-970F-BA1EAB20E248}" srcOrd="0" destOrd="0" presId="urn:microsoft.com/office/officeart/2005/8/layout/cycle7"/>
+    <dgm:cxn modelId="{23936516-EAA4-4736-BBE2-F8B7A1BFA120}" type="presOf" srcId="{107EAA89-92DD-448F-8B5E-C94291ED9EF6}" destId="{6B7706DA-4FC0-4EEB-969C-050B129CF32D}" srcOrd="0" destOrd="0" presId="urn:microsoft.com/office/officeart/2005/8/layout/cycle7"/>
+    <dgm:cxn modelId="{FF4FB676-691C-40EC-831B-F3CEE085D257}" type="presOf" srcId="{3F3A47D5-0314-4F43-B7F4-31167E7A55D5}" destId="{DEFBC1F8-9C85-45A0-8D7C-EC539217577F}" srcOrd="0" destOrd="0" presId="urn:microsoft.com/office/officeart/2005/8/layout/cycle7"/>
+    <dgm:cxn modelId="{B5950F16-86FE-44AE-98B8-E8A7BFD08234}" type="presOf" srcId="{6BBE5374-AA63-47B9-93F7-D418B877B780}" destId="{E3697BA3-EE72-4ACD-9FBA-E0FE8E1B852B}" srcOrd="1" destOrd="0" presId="urn:microsoft.com/office/officeart/2005/8/layout/cycle7"/>
+    <dgm:cxn modelId="{D80F507E-0A68-4F44-9F3D-6F40A2681459}" type="presParOf" srcId="{669D98D1-47FC-4D60-8053-35415B9BF672}" destId="{BD8689FC-5D13-4BE1-970F-BA1EAB20E248}" srcOrd="0" destOrd="0" presId="urn:microsoft.com/office/officeart/2005/8/layout/cycle7"/>
+    <dgm:cxn modelId="{C2C9E5F0-F693-4A34-A324-C2D9BE011004}" type="presParOf" srcId="{669D98D1-47FC-4D60-8053-35415B9BF672}" destId="{6B7706DA-4FC0-4EEB-969C-050B129CF32D}" srcOrd="1" destOrd="0" presId="urn:microsoft.com/office/officeart/2005/8/layout/cycle7"/>
+    <dgm:cxn modelId="{0FEFC07F-A631-4F83-BE6D-45FE7122A62A}" type="presParOf" srcId="{6B7706DA-4FC0-4EEB-969C-050B129CF32D}" destId="{759731D2-3ABF-456F-B11E-4F5D9D673C62}" srcOrd="0" destOrd="0" presId="urn:microsoft.com/office/officeart/2005/8/layout/cycle7"/>
+    <dgm:cxn modelId="{4CBC004D-114E-4B24-BBE0-8F31E0921575}" type="presParOf" srcId="{669D98D1-47FC-4D60-8053-35415B9BF672}" destId="{DEFBC1F8-9C85-45A0-8D7C-EC539217577F}" srcOrd="2" destOrd="0" presId="urn:microsoft.com/office/officeart/2005/8/layout/cycle7"/>
+    <dgm:cxn modelId="{98D66661-D3FB-4191-BF5A-BEF97B5687B4}" type="presParOf" srcId="{669D98D1-47FC-4D60-8053-35415B9BF672}" destId="{1C60ACB5-4638-4C41-A79C-1004967168B0}" srcOrd="3" destOrd="0" presId="urn:microsoft.com/office/officeart/2005/8/layout/cycle7"/>
+    <dgm:cxn modelId="{AF8A9AC2-DE05-42D1-8A75-EC1CDD1CFCD4}" type="presParOf" srcId="{1C60ACB5-4638-4C41-A79C-1004967168B0}" destId="{E3697BA3-EE72-4ACD-9FBA-E0FE8E1B852B}" srcOrd="0" destOrd="0" presId="urn:microsoft.com/office/officeart/2005/8/layout/cycle7"/>
+    <dgm:cxn modelId="{EBEBEED8-CB89-42DD-A0EE-BFB49B543FEE}" type="presParOf" srcId="{669D98D1-47FC-4D60-8053-35415B9BF672}" destId="{B8BA6219-54A3-4A3F-B34E-A4302237367A}" srcOrd="4" destOrd="0" presId="urn:microsoft.com/office/officeart/2005/8/layout/cycle7"/>
+    <dgm:cxn modelId="{5D91E126-8D46-4508-BD0E-1A5E46D00CC1}" type="presParOf" srcId="{669D98D1-47FC-4D60-8053-35415B9BF672}" destId="{0AA83027-EB9F-4DBA-A6DF-806BA717A056}" srcOrd="5" destOrd="0" presId="urn:microsoft.com/office/officeart/2005/8/layout/cycle7"/>
+    <dgm:cxn modelId="{E335D69D-5C39-464E-B899-75DCEE6F0350}" type="presParOf" srcId="{0AA83027-EB9F-4DBA-A6DF-806BA717A056}" destId="{9A984254-53CC-4D2C-886C-D2730382C17A}" srcOrd="0" destOrd="0" presId="urn:microsoft.com/office/officeart/2005/8/layout/cycle7"/>
   </dgm:cxnLst>
   <dgm:bg/>
   <dgm:whole/>
@@ -6147,12 +7119,12 @@
         </a:fontRef>
       </dsp:style>
       <dsp:txBody>
-        <a:bodyPr spcFirstLastPara="0" vert="horz" wrap="square" lIns="71120" tIns="71120" rIns="71120" bIns="71120" numCol="1" spcCol="1270" anchor="ctr" anchorCtr="0">
+        <a:bodyPr spcFirstLastPara="0" vert="horz" wrap="square" lIns="78232" tIns="78232" rIns="78232" bIns="78232" numCol="1" spcCol="1270" anchor="ctr" anchorCtr="0">
           <a:noAutofit/>
         </a:bodyPr>
         <a:lstStyle/>
         <a:p>
-          <a:pPr lvl="0" algn="ctr" defTabSz="444500">
+          <a:pPr lvl="0" algn="ctr" defTabSz="488950">
             <a:lnSpc>
               <a:spcPct val="90000"/>
             </a:lnSpc>
@@ -6164,10 +7136,10 @@
             </a:spcAft>
           </a:pPr>
           <a:r>
-            <a:rPr lang="en-SG" sz="1000" kern="1200" dirty="0" smtClean="0"/>
+            <a:rPr lang="en-SG" sz="1100" kern="1200" dirty="0" smtClean="0"/>
             <a:t>Raise Architecture Exception</a:t>
           </a:r>
-          <a:endParaRPr lang="en-SG" sz="1000" kern="1200" dirty="0"/>
+          <a:endParaRPr lang="en-SG" sz="1100" kern="1200" dirty="0"/>
         </a:p>
       </dsp:txBody>
       <dsp:txXfrm>
@@ -6303,12 +7275,12 @@
         </a:fontRef>
       </dsp:style>
       <dsp:txBody>
-        <a:bodyPr spcFirstLastPara="0" vert="horz" wrap="square" lIns="71120" tIns="71120" rIns="71120" bIns="71120" numCol="1" spcCol="1270" anchor="ctr" anchorCtr="0">
+        <a:bodyPr spcFirstLastPara="0" vert="horz" wrap="square" lIns="78232" tIns="78232" rIns="78232" bIns="78232" numCol="1" spcCol="1270" anchor="ctr" anchorCtr="0">
           <a:noAutofit/>
         </a:bodyPr>
         <a:lstStyle/>
         <a:p>
-          <a:pPr lvl="0" algn="ctr" defTabSz="444500">
+          <a:pPr lvl="0" algn="ctr" defTabSz="488950">
             <a:lnSpc>
               <a:spcPct val="90000"/>
             </a:lnSpc>
@@ -6320,14 +7292,14 @@
             </a:spcAft>
           </a:pPr>
           <a:r>
-            <a:rPr lang="en-SG" sz="1000" kern="1200" dirty="0" smtClean="0"/>
+            <a:rPr lang="en-SG" sz="1100" kern="1200" dirty="0" smtClean="0"/>
             <a:t>Identify Relevant Architecture </a:t>
           </a:r>
           <a:r>
-            <a:rPr lang="en-SG" sz="1000" kern="1200" dirty="0" err="1" smtClean="0"/>
+            <a:rPr lang="en-SG" sz="1100" kern="1200" dirty="0" err="1" smtClean="0"/>
             <a:t>Artifacts</a:t>
           </a:r>
-          <a:endParaRPr lang="en-SG" sz="1000" kern="1200" dirty="0"/>
+          <a:endParaRPr lang="en-SG" sz="1100" kern="1200" dirty="0"/>
         </a:p>
       </dsp:txBody>
       <dsp:txXfrm>
@@ -6463,12 +7435,12 @@
         </a:fontRef>
       </dsp:style>
       <dsp:txBody>
-        <a:bodyPr spcFirstLastPara="0" vert="horz" wrap="square" lIns="71120" tIns="71120" rIns="71120" bIns="71120" numCol="1" spcCol="1270" anchor="ctr" anchorCtr="0">
+        <a:bodyPr spcFirstLastPara="0" vert="horz" wrap="square" lIns="78232" tIns="78232" rIns="78232" bIns="78232" numCol="1" spcCol="1270" anchor="ctr" anchorCtr="0">
           <a:noAutofit/>
         </a:bodyPr>
         <a:lstStyle/>
         <a:p>
-          <a:pPr lvl="0" algn="ctr" defTabSz="444500">
+          <a:pPr lvl="0" algn="ctr" defTabSz="488950">
             <a:lnSpc>
               <a:spcPct val="90000"/>
             </a:lnSpc>
@@ -6480,10 +7452,10 @@
             </a:spcAft>
           </a:pPr>
           <a:r>
-            <a:rPr lang="en-SG" sz="1000" kern="1200" dirty="0" smtClean="0"/>
+            <a:rPr lang="en-SG" sz="1100" kern="1200" dirty="0" smtClean="0"/>
             <a:t>Schedule Architecture Review Meeting with Project Implementation Team</a:t>
           </a:r>
-          <a:endParaRPr lang="en-SG" sz="1000" kern="1200" dirty="0"/>
+          <a:endParaRPr lang="en-SG" sz="1100" kern="1200" dirty="0"/>
         </a:p>
       </dsp:txBody>
       <dsp:txXfrm>
@@ -6625,12 +7597,12 @@
         </a:fontRef>
       </dsp:style>
       <dsp:txBody>
-        <a:bodyPr spcFirstLastPara="0" vert="horz" wrap="square" lIns="71120" tIns="71120" rIns="71120" bIns="71120" numCol="1" spcCol="1270" anchor="ctr" anchorCtr="0">
+        <a:bodyPr spcFirstLastPara="0" vert="horz" wrap="square" lIns="78232" tIns="78232" rIns="78232" bIns="78232" numCol="1" spcCol="1270" anchor="ctr" anchorCtr="0">
           <a:noAutofit/>
         </a:bodyPr>
         <a:lstStyle/>
         <a:p>
-          <a:pPr lvl="0" algn="ctr" defTabSz="444500">
+          <a:pPr lvl="0" algn="ctr" defTabSz="488950">
             <a:lnSpc>
               <a:spcPct val="90000"/>
             </a:lnSpc>
@@ -6642,14 +7614,14 @@
             </a:spcAft>
           </a:pPr>
           <a:r>
-            <a:rPr lang="en-SG" sz="1000" kern="1200" dirty="0" smtClean="0"/>
+            <a:rPr lang="en-SG" sz="1100" kern="1200" dirty="0" smtClean="0"/>
             <a:t>Determine Validity of Exception with respect to the </a:t>
           </a:r>
           <a:r>
-            <a:rPr lang="en-SG" sz="1000" kern="1200" dirty="0" err="1" smtClean="0"/>
+            <a:rPr lang="en-SG" sz="1100" kern="1200" dirty="0" err="1" smtClean="0"/>
             <a:t>Artifacts</a:t>
           </a:r>
-          <a:endParaRPr lang="en-SG" sz="1000" kern="1200" dirty="0"/>
+          <a:endParaRPr lang="en-SG" sz="1100" kern="1200" dirty="0"/>
         </a:p>
       </dsp:txBody>
       <dsp:txXfrm>
@@ -6785,12 +7757,12 @@
         </a:fontRef>
       </dsp:style>
       <dsp:txBody>
-        <a:bodyPr spcFirstLastPara="0" vert="horz" wrap="square" lIns="71120" tIns="71120" rIns="71120" bIns="71120" numCol="1" spcCol="1270" anchor="ctr" anchorCtr="0">
+        <a:bodyPr spcFirstLastPara="0" vert="horz" wrap="square" lIns="78232" tIns="78232" rIns="78232" bIns="78232" numCol="1" spcCol="1270" anchor="ctr" anchorCtr="0">
           <a:noAutofit/>
         </a:bodyPr>
         <a:lstStyle/>
         <a:p>
-          <a:pPr lvl="0" algn="ctr" defTabSz="444500">
+          <a:pPr lvl="0" algn="ctr" defTabSz="488950">
             <a:lnSpc>
               <a:spcPct val="90000"/>
             </a:lnSpc>
@@ -6802,10 +7774,10 @@
             </a:spcAft>
           </a:pPr>
           <a:r>
-            <a:rPr lang="en-SG" sz="1000" kern="1200" dirty="0" smtClean="0"/>
+            <a:rPr lang="en-SG" sz="1100" kern="1200" dirty="0" smtClean="0"/>
             <a:t>If Exception is Invalid, Flag Exception as Non-Conformance and Requires Rectification</a:t>
           </a:r>
-          <a:endParaRPr lang="en-SG" sz="1000" kern="1200" dirty="0"/>
+          <a:endParaRPr lang="en-SG" sz="1100" kern="1200" dirty="0"/>
         </a:p>
       </dsp:txBody>
       <dsp:txXfrm>
@@ -6941,12 +7913,12 @@
         </a:fontRef>
       </dsp:style>
       <dsp:txBody>
-        <a:bodyPr spcFirstLastPara="0" vert="horz" wrap="square" lIns="71120" tIns="71120" rIns="71120" bIns="71120" numCol="1" spcCol="1270" anchor="ctr" anchorCtr="0">
+        <a:bodyPr spcFirstLastPara="0" vert="horz" wrap="square" lIns="78232" tIns="78232" rIns="78232" bIns="78232" numCol="1" spcCol="1270" anchor="ctr" anchorCtr="0">
           <a:noAutofit/>
         </a:bodyPr>
         <a:lstStyle/>
         <a:p>
-          <a:pPr lvl="0" algn="ctr" defTabSz="444500">
+          <a:pPr lvl="0" algn="ctr" defTabSz="488950">
             <a:lnSpc>
               <a:spcPct val="90000"/>
             </a:lnSpc>
@@ -6958,10 +7930,10 @@
             </a:spcAft>
           </a:pPr>
           <a:r>
-            <a:rPr lang="en-SG" sz="1000" kern="1200" dirty="0" smtClean="0"/>
+            <a:rPr lang="en-SG" sz="1100" kern="1200" dirty="0" smtClean="0"/>
             <a:t>If Exception is Valid, Escalate Exception to Architecture Advisory Board</a:t>
           </a:r>
-          <a:endParaRPr lang="en-SG" sz="1000" kern="1200" dirty="0"/>
+          <a:endParaRPr lang="en-SG" sz="1100" kern="1200" dirty="0"/>
         </a:p>
       </dsp:txBody>
       <dsp:txXfrm>
@@ -7097,12 +8069,12 @@
         </a:fontRef>
       </dsp:style>
       <dsp:txBody>
-        <a:bodyPr spcFirstLastPara="0" vert="horz" wrap="square" lIns="71120" tIns="71120" rIns="71120" bIns="71120" numCol="1" spcCol="1270" anchor="ctr" anchorCtr="0">
+        <a:bodyPr spcFirstLastPara="0" vert="horz" wrap="square" lIns="78232" tIns="78232" rIns="78232" bIns="78232" numCol="1" spcCol="1270" anchor="ctr" anchorCtr="0">
           <a:noAutofit/>
         </a:bodyPr>
         <a:lstStyle/>
         <a:p>
-          <a:pPr lvl="0" algn="ctr" defTabSz="444500">
+          <a:pPr lvl="0" algn="ctr" defTabSz="488950">
             <a:lnSpc>
               <a:spcPct val="90000"/>
             </a:lnSpc>
@@ -7114,10 +8086,10 @@
             </a:spcAft>
           </a:pPr>
           <a:r>
-            <a:rPr lang="en-SG" sz="1000" kern="1200" dirty="0" smtClean="0"/>
+            <a:rPr lang="en-SG" sz="1100" kern="1200" dirty="0" smtClean="0"/>
             <a:t>Architecture Advisory Board to Determine if the Exception can be made.</a:t>
           </a:r>
-          <a:endParaRPr lang="en-SG" sz="1000" kern="1200" dirty="0"/>
+          <a:endParaRPr lang="en-SG" sz="1100" kern="1200" dirty="0"/>
         </a:p>
       </dsp:txBody>
       <dsp:txXfrm>
@@ -7259,12 +8231,12 @@
         </a:fontRef>
       </dsp:style>
       <dsp:txBody>
-        <a:bodyPr spcFirstLastPara="0" vert="horz" wrap="square" lIns="71120" tIns="71120" rIns="71120" bIns="71120" numCol="1" spcCol="1270" anchor="ctr" anchorCtr="0">
+        <a:bodyPr spcFirstLastPara="0" vert="horz" wrap="square" lIns="78232" tIns="78232" rIns="78232" bIns="78232" numCol="1" spcCol="1270" anchor="ctr" anchorCtr="0">
           <a:noAutofit/>
         </a:bodyPr>
         <a:lstStyle/>
         <a:p>
-          <a:pPr lvl="0" algn="ctr" defTabSz="444500">
+          <a:pPr lvl="0" algn="ctr" defTabSz="488950">
             <a:lnSpc>
               <a:spcPct val="90000"/>
             </a:lnSpc>
@@ -7276,10 +8248,10 @@
             </a:spcAft>
           </a:pPr>
           <a:r>
-            <a:rPr lang="en-SG" sz="1000" kern="1200" dirty="0" smtClean="0"/>
+            <a:rPr lang="en-SG" sz="1100" kern="1200" dirty="0" smtClean="0"/>
             <a:t>If Exception can be made, approve the Exception</a:t>
           </a:r>
-          <a:endParaRPr lang="en-SG" sz="1000" kern="1200" dirty="0"/>
+          <a:endParaRPr lang="en-SG" sz="1100" kern="1200" dirty="0"/>
         </a:p>
       </dsp:txBody>
       <dsp:txXfrm>
@@ -7415,12 +8387,12 @@
         </a:fontRef>
       </dsp:style>
       <dsp:txBody>
-        <a:bodyPr spcFirstLastPara="0" vert="horz" wrap="square" lIns="71120" tIns="71120" rIns="71120" bIns="71120" numCol="1" spcCol="1270" anchor="ctr" anchorCtr="0">
+        <a:bodyPr spcFirstLastPara="0" vert="horz" wrap="square" lIns="78232" tIns="78232" rIns="78232" bIns="78232" numCol="1" spcCol="1270" anchor="ctr" anchorCtr="0">
           <a:noAutofit/>
         </a:bodyPr>
         <a:lstStyle/>
         <a:p>
-          <a:pPr lvl="0" algn="ctr" defTabSz="444500">
+          <a:pPr lvl="0" algn="ctr" defTabSz="488950">
             <a:lnSpc>
               <a:spcPct val="90000"/>
             </a:lnSpc>
@@ -7432,26 +8404,26 @@
             </a:spcAft>
           </a:pPr>
           <a:r>
-            <a:rPr lang="en-SG" sz="1000" kern="1200" dirty="0" smtClean="0"/>
+            <a:rPr lang="en-SG" sz="1100" kern="1200" dirty="0" smtClean="0"/>
             <a:t>If Exception is a result of Architecture </a:t>
           </a:r>
           <a:r>
-            <a:rPr lang="en-SG" sz="1000" kern="1200" dirty="0" err="1" smtClean="0"/>
+            <a:rPr lang="en-SG" sz="1100" kern="1200" dirty="0" err="1" smtClean="0"/>
             <a:t>Artifact</a:t>
           </a:r>
           <a:r>
-            <a:rPr lang="en-SG" sz="1000" kern="1200" dirty="0" smtClean="0"/>
+            <a:rPr lang="en-SG" sz="1100" kern="1200" dirty="0" smtClean="0"/>
             <a:t> errors, determine the impacted </a:t>
           </a:r>
           <a:r>
-            <a:rPr lang="en-SG" sz="1000" kern="1200" dirty="0" err="1" smtClean="0"/>
+            <a:rPr lang="en-SG" sz="1100" kern="1200" dirty="0" err="1" smtClean="0"/>
             <a:t>Artifacts</a:t>
           </a:r>
           <a:r>
-            <a:rPr lang="en-SG" sz="1000" kern="1200" dirty="0" smtClean="0"/>
+            <a:rPr lang="en-SG" sz="1100" kern="1200" dirty="0" smtClean="0"/>
             <a:t>.</a:t>
           </a:r>
-          <a:endParaRPr lang="en-SG" sz="1000" kern="1200" dirty="0"/>
+          <a:endParaRPr lang="en-SG" sz="1100" kern="1200" dirty="0"/>
         </a:p>
       </dsp:txBody>
       <dsp:txXfrm>
@@ -7587,12 +8559,12 @@
         </a:fontRef>
       </dsp:style>
       <dsp:txBody>
-        <a:bodyPr spcFirstLastPara="0" vert="horz" wrap="square" lIns="71120" tIns="71120" rIns="71120" bIns="71120" numCol="1" spcCol="1270" anchor="ctr" anchorCtr="0">
+        <a:bodyPr spcFirstLastPara="0" vert="horz" wrap="square" lIns="78232" tIns="78232" rIns="78232" bIns="78232" numCol="1" spcCol="1270" anchor="ctr" anchorCtr="0">
           <a:noAutofit/>
         </a:bodyPr>
         <a:lstStyle/>
         <a:p>
-          <a:pPr lvl="0" algn="ctr" defTabSz="444500">
+          <a:pPr lvl="0" algn="ctr" defTabSz="488950">
             <a:lnSpc>
               <a:spcPct val="90000"/>
             </a:lnSpc>
@@ -7604,14 +8576,14 @@
             </a:spcAft>
           </a:pPr>
           <a:r>
-            <a:rPr lang="en-SG" sz="1000" kern="1200" dirty="0" smtClean="0"/>
+            <a:rPr lang="en-SG" sz="1100" kern="1200" dirty="0" smtClean="0"/>
             <a:t>Raise Change Request for Architecture </a:t>
           </a:r>
           <a:r>
-            <a:rPr lang="en-SG" sz="1000" kern="1200" dirty="0" err="1" smtClean="0"/>
+            <a:rPr lang="en-SG" sz="1100" kern="1200" dirty="0" err="1" smtClean="0"/>
             <a:t>Artifacts</a:t>
           </a:r>
-          <a:endParaRPr lang="en-SG" sz="1000" kern="1200" dirty="0"/>
+          <a:endParaRPr lang="en-SG" sz="1100" kern="1200" dirty="0"/>
         </a:p>
       </dsp:txBody>
       <dsp:txXfrm>
@@ -7668,12 +8640,12 @@
         </a:fontRef>
       </dsp:style>
       <dsp:txBody>
-        <a:bodyPr spcFirstLastPara="0" vert="horz" wrap="square" lIns="71120" tIns="71120" rIns="71120" bIns="71120" numCol="1" spcCol="1270" anchor="ctr" anchorCtr="0">
+        <a:bodyPr spcFirstLastPara="0" vert="horz" wrap="square" lIns="78232" tIns="78232" rIns="78232" bIns="78232" numCol="1" spcCol="1270" anchor="ctr" anchorCtr="0">
           <a:noAutofit/>
         </a:bodyPr>
         <a:lstStyle/>
         <a:p>
-          <a:pPr lvl="0" algn="ctr" defTabSz="444500">
+          <a:pPr lvl="0" algn="ctr" defTabSz="488950">
             <a:lnSpc>
               <a:spcPct val="90000"/>
             </a:lnSpc>
@@ -7685,23 +8657,479 @@
             </a:spcAft>
           </a:pPr>
           <a:r>
-            <a:rPr lang="en-SG" sz="1000" kern="1200" dirty="0" smtClean="0"/>
+            <a:rPr lang="en-SG" sz="1100" kern="1200" dirty="0" smtClean="0"/>
             <a:t>Flag Exception as Non-Conformance and Requires Rectification if Architecture </a:t>
           </a:r>
           <a:r>
-            <a:rPr lang="en-SG" sz="1000" kern="1200" dirty="0" err="1" smtClean="0"/>
+            <a:rPr lang="en-SG" sz="1100" kern="1200" dirty="0" err="1" smtClean="0"/>
             <a:t>Artifacts</a:t>
           </a:r>
           <a:r>
-            <a:rPr lang="en-SG" sz="1000" kern="1200" dirty="0" smtClean="0"/>
+            <a:rPr lang="en-SG" sz="1100" kern="1200" dirty="0" smtClean="0"/>
             <a:t> are accurate and correct and that Exception cannot be made</a:t>
           </a:r>
-          <a:endParaRPr lang="en-SG" sz="1000" kern="1200" dirty="0"/>
+          <a:endParaRPr lang="en-SG" sz="1100" kern="1200" dirty="0"/>
         </a:p>
       </dsp:txBody>
       <dsp:txXfrm>
         <a:off x="4316511" y="3398189"/>
         <a:ext cx="1754013" cy="1052408"/>
+      </dsp:txXfrm>
+    </dsp:sp>
+  </dsp:spTree>
+</dsp:drawing>
+</file>
+
+<file path=ppt/diagrams/drawing3.xml><?xml version="1.0" encoding="utf-8"?>
+<dsp:drawing xmlns:dgm="http://schemas.openxmlformats.org/drawingml/2006/diagram" xmlns:dsp="http://schemas.microsoft.com/office/drawing/2008/diagram" xmlns:a="http://schemas.openxmlformats.org/drawingml/2006/main">
+  <dsp:spTree>
+    <dsp:nvGrpSpPr>
+      <dsp:cNvPr id="0" name=""/>
+      <dsp:cNvGrpSpPr/>
+    </dsp:nvGrpSpPr>
+    <dsp:grpSpPr/>
+    <dsp:sp modelId="{BD8689FC-5D13-4BE1-970F-BA1EAB20E248}">
+      <dsp:nvSpPr>
+        <dsp:cNvPr id="0" name=""/>
+        <dsp:cNvSpPr/>
+      </dsp:nvSpPr>
+      <dsp:spPr>
+        <a:xfrm>
+          <a:off x="2836961" y="1609"/>
+          <a:ext cx="2555676" cy="1277838"/>
+        </a:xfrm>
+        <a:prstGeom prst="roundRect">
+          <a:avLst>
+            <a:gd name="adj" fmla="val 10000"/>
+          </a:avLst>
+        </a:prstGeom>
+        <a:solidFill>
+          <a:schemeClr val="accent1">
+            <a:hueOff val="0"/>
+            <a:satOff val="0"/>
+            <a:lumOff val="0"/>
+            <a:alphaOff val="0"/>
+          </a:schemeClr>
+        </a:solidFill>
+        <a:ln w="19050" cap="flat" cmpd="sng" algn="ctr">
+          <a:solidFill>
+            <a:schemeClr val="lt1">
+              <a:hueOff val="0"/>
+              <a:satOff val="0"/>
+              <a:lumOff val="0"/>
+              <a:alphaOff val="0"/>
+            </a:schemeClr>
+          </a:solidFill>
+          <a:prstDash val="solid"/>
+        </a:ln>
+        <a:effectLst/>
+      </dsp:spPr>
+      <dsp:style>
+        <a:lnRef idx="2">
+          <a:scrgbClr r="0" g="0" b="0"/>
+        </a:lnRef>
+        <a:fillRef idx="1">
+          <a:scrgbClr r="0" g="0" b="0"/>
+        </a:fillRef>
+        <a:effectRef idx="0">
+          <a:scrgbClr r="0" g="0" b="0"/>
+        </a:effectRef>
+        <a:fontRef idx="minor">
+          <a:schemeClr val="lt1"/>
+        </a:fontRef>
+      </dsp:style>
+      <dsp:txBody>
+        <a:bodyPr spcFirstLastPara="0" vert="horz" wrap="square" lIns="95250" tIns="95250" rIns="95250" bIns="95250" numCol="1" spcCol="1270" anchor="ctr" anchorCtr="0">
+          <a:noAutofit/>
+        </a:bodyPr>
+        <a:lstStyle/>
+        <a:p>
+          <a:pPr lvl="0" algn="ctr" defTabSz="1111250">
+            <a:lnSpc>
+              <a:spcPct val="90000"/>
+            </a:lnSpc>
+            <a:spcBef>
+              <a:spcPct val="0"/>
+            </a:spcBef>
+            <a:spcAft>
+              <a:spcPct val="35000"/>
+            </a:spcAft>
+          </a:pPr>
+          <a:r>
+            <a:rPr lang="en-SG" sz="2500" kern="1200" dirty="0" smtClean="0"/>
+            <a:t>Staff</a:t>
+          </a:r>
+          <a:endParaRPr lang="en-SG" sz="2500" kern="1200" dirty="0"/>
+        </a:p>
+      </dsp:txBody>
+      <dsp:txXfrm>
+        <a:off x="2874388" y="39036"/>
+        <a:ext cx="2480822" cy="1202984"/>
+      </dsp:txXfrm>
+    </dsp:sp>
+    <dsp:sp modelId="{6B7706DA-4FC0-4EEB-969C-050B129CF32D}">
+      <dsp:nvSpPr>
+        <dsp:cNvPr id="0" name=""/>
+        <dsp:cNvSpPr/>
+      </dsp:nvSpPr>
+      <dsp:spPr>
+        <a:xfrm rot="3600000">
+          <a:off x="4503821" y="2244940"/>
+          <a:ext cx="1332789" cy="447243"/>
+        </a:xfrm>
+        <a:prstGeom prst="leftRightArrow">
+          <a:avLst>
+            <a:gd name="adj1" fmla="val 60000"/>
+            <a:gd name="adj2" fmla="val 50000"/>
+          </a:avLst>
+        </a:prstGeom>
+        <a:solidFill>
+          <a:schemeClr val="accent1">
+            <a:tint val="60000"/>
+            <a:hueOff val="0"/>
+            <a:satOff val="0"/>
+            <a:lumOff val="0"/>
+            <a:alphaOff val="0"/>
+          </a:schemeClr>
+        </a:solidFill>
+        <a:ln>
+          <a:noFill/>
+        </a:ln>
+        <a:effectLst/>
+      </dsp:spPr>
+      <dsp:style>
+        <a:lnRef idx="0">
+          <a:scrgbClr r="0" g="0" b="0"/>
+        </a:lnRef>
+        <a:fillRef idx="1">
+          <a:scrgbClr r="0" g="0" b="0"/>
+        </a:fillRef>
+        <a:effectRef idx="0">
+          <a:scrgbClr r="0" g="0" b="0"/>
+        </a:effectRef>
+        <a:fontRef idx="minor">
+          <a:schemeClr val="lt1"/>
+        </a:fontRef>
+      </dsp:style>
+      <dsp:txBody>
+        <a:bodyPr spcFirstLastPara="0" vert="horz" wrap="square" lIns="0" tIns="0" rIns="0" bIns="0" numCol="1" spcCol="1270" anchor="ctr" anchorCtr="0">
+          <a:noAutofit/>
+        </a:bodyPr>
+        <a:lstStyle/>
+        <a:p>
+          <a:pPr lvl="0" algn="ctr" defTabSz="889000">
+            <a:lnSpc>
+              <a:spcPct val="90000"/>
+            </a:lnSpc>
+            <a:spcBef>
+              <a:spcPct val="0"/>
+            </a:spcBef>
+            <a:spcAft>
+              <a:spcPct val="35000"/>
+            </a:spcAft>
+          </a:pPr>
+          <a:endParaRPr lang="en-SG" sz="2000" kern="1200"/>
+        </a:p>
+      </dsp:txBody>
+      <dsp:txXfrm>
+        <a:off x="4637994" y="2334389"/>
+        <a:ext cx="1064443" cy="268345"/>
+      </dsp:txXfrm>
+    </dsp:sp>
+    <dsp:sp modelId="{DEFBC1F8-9C85-45A0-8D7C-EC539217577F}">
+      <dsp:nvSpPr>
+        <dsp:cNvPr id="0" name=""/>
+        <dsp:cNvSpPr/>
+      </dsp:nvSpPr>
+      <dsp:spPr>
+        <a:xfrm>
+          <a:off x="4947793" y="3657677"/>
+          <a:ext cx="2555676" cy="1277838"/>
+        </a:xfrm>
+        <a:prstGeom prst="roundRect">
+          <a:avLst>
+            <a:gd name="adj" fmla="val 10000"/>
+          </a:avLst>
+        </a:prstGeom>
+        <a:solidFill>
+          <a:schemeClr val="accent1">
+            <a:hueOff val="0"/>
+            <a:satOff val="0"/>
+            <a:lumOff val="0"/>
+            <a:alphaOff val="0"/>
+          </a:schemeClr>
+        </a:solidFill>
+        <a:ln w="19050" cap="flat" cmpd="sng" algn="ctr">
+          <a:solidFill>
+            <a:schemeClr val="lt1">
+              <a:hueOff val="0"/>
+              <a:satOff val="0"/>
+              <a:lumOff val="0"/>
+              <a:alphaOff val="0"/>
+            </a:schemeClr>
+          </a:solidFill>
+          <a:prstDash val="solid"/>
+        </a:ln>
+        <a:effectLst/>
+      </dsp:spPr>
+      <dsp:style>
+        <a:lnRef idx="2">
+          <a:scrgbClr r="0" g="0" b="0"/>
+        </a:lnRef>
+        <a:fillRef idx="1">
+          <a:scrgbClr r="0" g="0" b="0"/>
+        </a:fillRef>
+        <a:effectRef idx="0">
+          <a:scrgbClr r="0" g="0" b="0"/>
+        </a:effectRef>
+        <a:fontRef idx="minor">
+          <a:schemeClr val="lt1"/>
+        </a:fontRef>
+      </dsp:style>
+      <dsp:txBody>
+        <a:bodyPr spcFirstLastPara="0" vert="horz" wrap="square" lIns="95250" tIns="95250" rIns="95250" bIns="95250" numCol="1" spcCol="1270" anchor="ctr" anchorCtr="0">
+          <a:noAutofit/>
+        </a:bodyPr>
+        <a:lstStyle/>
+        <a:p>
+          <a:pPr lvl="0" algn="ctr" defTabSz="1111250">
+            <a:lnSpc>
+              <a:spcPct val="90000"/>
+            </a:lnSpc>
+            <a:spcBef>
+              <a:spcPct val="0"/>
+            </a:spcBef>
+            <a:spcAft>
+              <a:spcPct val="35000"/>
+            </a:spcAft>
+          </a:pPr>
+          <a:r>
+            <a:rPr lang="en-SG" sz="2500" kern="1200" dirty="0" smtClean="0"/>
+            <a:t>Enterprise Architecture Team</a:t>
+          </a:r>
+          <a:endParaRPr lang="en-SG" sz="2500" kern="1200" dirty="0"/>
+        </a:p>
+      </dsp:txBody>
+      <dsp:txXfrm>
+        <a:off x="4985220" y="3695104"/>
+        <a:ext cx="2480822" cy="1202984"/>
+      </dsp:txXfrm>
+    </dsp:sp>
+    <dsp:sp modelId="{1C60ACB5-4638-4C41-A79C-1004967168B0}">
+      <dsp:nvSpPr>
+        <dsp:cNvPr id="0" name=""/>
+        <dsp:cNvSpPr/>
+      </dsp:nvSpPr>
+      <dsp:spPr>
+        <a:xfrm rot="10800000">
+          <a:off x="3448405" y="4072974"/>
+          <a:ext cx="1332789" cy="447243"/>
+        </a:xfrm>
+        <a:prstGeom prst="leftRightArrow">
+          <a:avLst>
+            <a:gd name="adj1" fmla="val 60000"/>
+            <a:gd name="adj2" fmla="val 50000"/>
+          </a:avLst>
+        </a:prstGeom>
+        <a:solidFill>
+          <a:schemeClr val="accent1">
+            <a:tint val="60000"/>
+            <a:hueOff val="0"/>
+            <a:satOff val="0"/>
+            <a:lumOff val="0"/>
+            <a:alphaOff val="0"/>
+          </a:schemeClr>
+        </a:solidFill>
+        <a:ln>
+          <a:noFill/>
+        </a:ln>
+        <a:effectLst/>
+      </dsp:spPr>
+      <dsp:style>
+        <a:lnRef idx="0">
+          <a:scrgbClr r="0" g="0" b="0"/>
+        </a:lnRef>
+        <a:fillRef idx="1">
+          <a:scrgbClr r="0" g="0" b="0"/>
+        </a:fillRef>
+        <a:effectRef idx="0">
+          <a:scrgbClr r="0" g="0" b="0"/>
+        </a:effectRef>
+        <a:fontRef idx="minor">
+          <a:schemeClr val="lt1"/>
+        </a:fontRef>
+      </dsp:style>
+      <dsp:txBody>
+        <a:bodyPr spcFirstLastPara="0" vert="horz" wrap="square" lIns="0" tIns="0" rIns="0" bIns="0" numCol="1" spcCol="1270" anchor="ctr" anchorCtr="0">
+          <a:noAutofit/>
+        </a:bodyPr>
+        <a:lstStyle/>
+        <a:p>
+          <a:pPr lvl="0" algn="ctr" defTabSz="889000">
+            <a:lnSpc>
+              <a:spcPct val="90000"/>
+            </a:lnSpc>
+            <a:spcBef>
+              <a:spcPct val="0"/>
+            </a:spcBef>
+            <a:spcAft>
+              <a:spcPct val="35000"/>
+            </a:spcAft>
+          </a:pPr>
+          <a:endParaRPr lang="en-SG" sz="2000" kern="1200"/>
+        </a:p>
+      </dsp:txBody>
+      <dsp:txXfrm rot="10800000">
+        <a:off x="3582578" y="4162423"/>
+        <a:ext cx="1064443" cy="268345"/>
+      </dsp:txXfrm>
+    </dsp:sp>
+    <dsp:sp modelId="{B8BA6219-54A3-4A3F-B34E-A4302237367A}">
+      <dsp:nvSpPr>
+        <dsp:cNvPr id="0" name=""/>
+        <dsp:cNvSpPr/>
+      </dsp:nvSpPr>
+      <dsp:spPr>
+        <a:xfrm>
+          <a:off x="726130" y="3657677"/>
+          <a:ext cx="2555676" cy="1277838"/>
+        </a:xfrm>
+        <a:prstGeom prst="roundRect">
+          <a:avLst>
+            <a:gd name="adj" fmla="val 10000"/>
+          </a:avLst>
+        </a:prstGeom>
+        <a:solidFill>
+          <a:schemeClr val="accent1">
+            <a:hueOff val="0"/>
+            <a:satOff val="0"/>
+            <a:lumOff val="0"/>
+            <a:alphaOff val="0"/>
+          </a:schemeClr>
+        </a:solidFill>
+        <a:ln w="19050" cap="flat" cmpd="sng" algn="ctr">
+          <a:solidFill>
+            <a:schemeClr val="lt1">
+              <a:hueOff val="0"/>
+              <a:satOff val="0"/>
+              <a:lumOff val="0"/>
+              <a:alphaOff val="0"/>
+            </a:schemeClr>
+          </a:solidFill>
+          <a:prstDash val="solid"/>
+        </a:ln>
+        <a:effectLst/>
+      </dsp:spPr>
+      <dsp:style>
+        <a:lnRef idx="2">
+          <a:scrgbClr r="0" g="0" b="0"/>
+        </a:lnRef>
+        <a:fillRef idx="1">
+          <a:scrgbClr r="0" g="0" b="0"/>
+        </a:fillRef>
+        <a:effectRef idx="0">
+          <a:scrgbClr r="0" g="0" b="0"/>
+        </a:effectRef>
+        <a:fontRef idx="minor">
+          <a:schemeClr val="lt1"/>
+        </a:fontRef>
+      </dsp:style>
+      <dsp:txBody>
+        <a:bodyPr spcFirstLastPara="0" vert="horz" wrap="square" lIns="95250" tIns="95250" rIns="95250" bIns="95250" numCol="1" spcCol="1270" anchor="ctr" anchorCtr="0">
+          <a:noAutofit/>
+        </a:bodyPr>
+        <a:lstStyle/>
+        <a:p>
+          <a:pPr lvl="0" algn="ctr" defTabSz="1111250">
+            <a:lnSpc>
+              <a:spcPct val="90000"/>
+            </a:lnSpc>
+            <a:spcBef>
+              <a:spcPct val="0"/>
+            </a:spcBef>
+            <a:spcAft>
+              <a:spcPct val="35000"/>
+            </a:spcAft>
+          </a:pPr>
+          <a:r>
+            <a:rPr lang="en-SG" sz="2500" kern="1200" dirty="0" smtClean="0"/>
+            <a:t>Management</a:t>
+          </a:r>
+          <a:endParaRPr lang="en-SG" sz="2500" kern="1200" dirty="0"/>
+        </a:p>
+      </dsp:txBody>
+      <dsp:txXfrm>
+        <a:off x="763557" y="3695104"/>
+        <a:ext cx="2480822" cy="1202984"/>
+      </dsp:txXfrm>
+    </dsp:sp>
+    <dsp:sp modelId="{0AA83027-EB9F-4DBA-A6DF-806BA717A056}">
+      <dsp:nvSpPr>
+        <dsp:cNvPr id="0" name=""/>
+        <dsp:cNvSpPr/>
+      </dsp:nvSpPr>
+      <dsp:spPr>
+        <a:xfrm rot="18000000">
+          <a:off x="2392989" y="2244940"/>
+          <a:ext cx="1332789" cy="447243"/>
+        </a:xfrm>
+        <a:prstGeom prst="leftRightArrow">
+          <a:avLst>
+            <a:gd name="adj1" fmla="val 60000"/>
+            <a:gd name="adj2" fmla="val 50000"/>
+          </a:avLst>
+        </a:prstGeom>
+        <a:solidFill>
+          <a:schemeClr val="accent1">
+            <a:tint val="60000"/>
+            <a:hueOff val="0"/>
+            <a:satOff val="0"/>
+            <a:lumOff val="0"/>
+            <a:alphaOff val="0"/>
+          </a:schemeClr>
+        </a:solidFill>
+        <a:ln>
+          <a:noFill/>
+        </a:ln>
+        <a:effectLst/>
+      </dsp:spPr>
+      <dsp:style>
+        <a:lnRef idx="0">
+          <a:scrgbClr r="0" g="0" b="0"/>
+        </a:lnRef>
+        <a:fillRef idx="1">
+          <a:scrgbClr r="0" g="0" b="0"/>
+        </a:fillRef>
+        <a:effectRef idx="0">
+          <a:scrgbClr r="0" g="0" b="0"/>
+        </a:effectRef>
+        <a:fontRef idx="minor">
+          <a:schemeClr val="lt1"/>
+        </a:fontRef>
+      </dsp:style>
+      <dsp:txBody>
+        <a:bodyPr spcFirstLastPara="0" vert="horz" wrap="square" lIns="0" tIns="0" rIns="0" bIns="0" numCol="1" spcCol="1270" anchor="ctr" anchorCtr="0">
+          <a:noAutofit/>
+        </a:bodyPr>
+        <a:lstStyle/>
+        <a:p>
+          <a:pPr lvl="0" algn="ctr" defTabSz="889000">
+            <a:lnSpc>
+              <a:spcPct val="90000"/>
+            </a:lnSpc>
+            <a:spcBef>
+              <a:spcPct val="0"/>
+            </a:spcBef>
+            <a:spcAft>
+              <a:spcPct val="35000"/>
+            </a:spcAft>
+          </a:pPr>
+          <a:endParaRPr lang="en-SG" sz="2000" kern="1200" dirty="0"/>
+        </a:p>
+      </dsp:txBody>
+      <dsp:txXfrm>
+        <a:off x="2527162" y="2334389"/>
+        <a:ext cx="1064443" cy="268345"/>
       </dsp:txXfrm>
     </dsp:sp>
   </dsp:spTree>
@@ -8062,6 +9490,194 @@
           </dgm:layoutNode>
         </dgm:layoutNode>
       </dgm:forEach>
+    </dgm:forEach>
+  </dgm:layoutNode>
+</dgm:layoutDef>
+</file>
+
+<file path=ppt/diagrams/layout3.xml><?xml version="1.0" encoding="utf-8"?>
+<dgm:layoutDef xmlns:dgm="http://schemas.openxmlformats.org/drawingml/2006/diagram" xmlns:a="http://schemas.openxmlformats.org/drawingml/2006/main" uniqueId="urn:microsoft.com/office/officeart/2005/8/layout/cycle7">
+  <dgm:title val=""/>
+  <dgm:desc val=""/>
+  <dgm:catLst>
+    <dgm:cat type="cycle" pri="6000"/>
+  </dgm:catLst>
+  <dgm:sampData>
+    <dgm:dataModel>
+      <dgm:ptLst>
+        <dgm:pt modelId="0" type="doc"/>
+        <dgm:pt modelId="1">
+          <dgm:prSet phldr="1"/>
+        </dgm:pt>
+        <dgm:pt modelId="2">
+          <dgm:prSet phldr="1"/>
+        </dgm:pt>
+        <dgm:pt modelId="3">
+          <dgm:prSet phldr="1"/>
+        </dgm:pt>
+      </dgm:ptLst>
+      <dgm:cxnLst>
+        <dgm:cxn modelId="6" srcId="0" destId="1" srcOrd="0" destOrd="0"/>
+        <dgm:cxn modelId="7" srcId="0" destId="2" srcOrd="1" destOrd="0"/>
+        <dgm:cxn modelId="8" srcId="0" destId="3" srcOrd="2" destOrd="0"/>
+      </dgm:cxnLst>
+      <dgm:bg/>
+      <dgm:whole/>
+    </dgm:dataModel>
+  </dgm:sampData>
+  <dgm:styleData>
+    <dgm:dataModel>
+      <dgm:ptLst>
+        <dgm:pt modelId="0" type="doc"/>
+        <dgm:pt modelId="1"/>
+        <dgm:pt modelId="2"/>
+        <dgm:pt modelId="3"/>
+      </dgm:ptLst>
+      <dgm:cxnLst>
+        <dgm:cxn modelId="4" srcId="0" destId="1" srcOrd="0" destOrd="0"/>
+        <dgm:cxn modelId="5" srcId="0" destId="2" srcOrd="1" destOrd="0"/>
+        <dgm:cxn modelId="6" srcId="0" destId="3" srcOrd="2" destOrd="0"/>
+      </dgm:cxnLst>
+      <dgm:bg/>
+      <dgm:whole/>
+    </dgm:dataModel>
+  </dgm:styleData>
+  <dgm:clrData>
+    <dgm:dataModel>
+      <dgm:ptLst>
+        <dgm:pt modelId="0" type="doc"/>
+        <dgm:pt modelId="1"/>
+        <dgm:pt modelId="2"/>
+        <dgm:pt modelId="3"/>
+        <dgm:pt modelId="4"/>
+        <dgm:pt modelId="5"/>
+        <dgm:pt modelId="6"/>
+      </dgm:ptLst>
+      <dgm:cxnLst>
+        <dgm:cxn modelId="7" srcId="0" destId="1" srcOrd="0" destOrd="0"/>
+        <dgm:cxn modelId="8" srcId="0" destId="2" srcOrd="1" destOrd="0"/>
+        <dgm:cxn modelId="9" srcId="0" destId="3" srcOrd="2" destOrd="0"/>
+        <dgm:cxn modelId="10" srcId="0" destId="4" srcOrd="3" destOrd="0"/>
+        <dgm:cxn modelId="11" srcId="0" destId="5" srcOrd="4" destOrd="0"/>
+        <dgm:cxn modelId="12" srcId="0" destId="6" srcOrd="5" destOrd="0"/>
+      </dgm:cxnLst>
+      <dgm:bg/>
+      <dgm:whole/>
+    </dgm:dataModel>
+  </dgm:clrData>
+  <dgm:layoutNode name="Name0">
+    <dgm:varLst>
+      <dgm:dir/>
+      <dgm:resizeHandles val="exact"/>
+    </dgm:varLst>
+    <dgm:choose name="Name1">
+      <dgm:if name="Name2" func="var" arg="dir" op="equ" val="norm">
+        <dgm:alg type="cycle">
+          <dgm:param type="stAng" val="0"/>
+          <dgm:param type="spanAng" val="360"/>
+        </dgm:alg>
+      </dgm:if>
+      <dgm:else name="Name3">
+        <dgm:alg type="cycle">
+          <dgm:param type="stAng" val="0"/>
+          <dgm:param type="spanAng" val="-360"/>
+        </dgm:alg>
+      </dgm:else>
+    </dgm:choose>
+    <dgm:shape xmlns:r="http://schemas.openxmlformats.org/officeDocument/2006/relationships" r:blip="">
+      <dgm:adjLst/>
+    </dgm:shape>
+    <dgm:presOf/>
+    <dgm:constrLst>
+      <dgm:constr type="diam" refType="w"/>
+      <dgm:constr type="w" for="ch" ptType="node" refType="w"/>
+      <dgm:constr type="primFontSz" for="ch" ptType="node" op="equ" val="65"/>
+      <dgm:constr type="w" for="ch" forName="sibTrans" refType="w" refFor="ch" refPtType="node" op="equ" fact="0.35"/>
+      <dgm:constr type="connDist" for="ch" forName="sibTrans" op="equ"/>
+      <dgm:constr type="primFontSz" for="des" forName="connectorText" op="equ" val="55"/>
+      <dgm:constr type="primFontSz" for="des" forName="connectorText" refType="primFontSz" refFor="ch" refPtType="node" op="lte" fact="0.8"/>
+      <dgm:constr type="sibSp" refType="w" refFor="ch" refPtType="node" op="equ" fact="0.65"/>
+    </dgm:constrLst>
+    <dgm:ruleLst/>
+    <dgm:forEach name="nodesForEach" axis="ch" ptType="node">
+      <dgm:layoutNode name="node">
+        <dgm:varLst>
+          <dgm:bulletEnabled val="1"/>
+        </dgm:varLst>
+        <dgm:alg type="tx"/>
+        <dgm:shape xmlns:r="http://schemas.openxmlformats.org/officeDocument/2006/relationships" type="roundRect" r:blip="">
+          <dgm:adjLst>
+            <dgm:adj idx="1" val="0.1"/>
+          </dgm:adjLst>
+        </dgm:shape>
+        <dgm:presOf axis="desOrSelf" ptType="node"/>
+        <dgm:constrLst>
+          <dgm:constr type="h" refType="w" fact="0.5"/>
+          <dgm:constr type="tMarg" refType="primFontSz" fact="0.3"/>
+          <dgm:constr type="bMarg" refType="primFontSz" fact="0.3"/>
+          <dgm:constr type="lMarg" refType="primFontSz" fact="0.3"/>
+          <dgm:constr type="rMarg" refType="primFontSz" fact="0.3"/>
+        </dgm:constrLst>
+        <dgm:ruleLst>
+          <dgm:rule type="primFontSz" val="5" fact="NaN" max="NaN"/>
+        </dgm:ruleLst>
+      </dgm:layoutNode>
+      <dgm:choose name="Name4">
+        <dgm:if name="Name5" axis="par ch" ptType="doc node" func="cnt" op="gt" val="1">
+          <dgm:forEach name="sibTransForEach" axis="followSib" ptType="sibTrans" hideLastTrans="0" cnt="1">
+            <dgm:layoutNode name="sibTrans">
+              <dgm:choose name="Name6">
+                <dgm:if name="Name7" axis="par ch" ptType="doc node" func="posEven" op="equ" val="1">
+                  <dgm:alg type="conn">
+                    <dgm:param type="begPts" val="radial"/>
+                    <dgm:param type="endPts" val="radial"/>
+                    <dgm:param type="begSty" val="arr"/>
+                    <dgm:param type="endSty" val="arr"/>
+                  </dgm:alg>
+                </dgm:if>
+                <dgm:else name="Name8">
+                  <dgm:alg type="conn">
+                    <dgm:param type="begPts" val="auto"/>
+                    <dgm:param type="endPts" val="auto"/>
+                    <dgm:param type="begSty" val="arr"/>
+                    <dgm:param type="endSty" val="arr"/>
+                  </dgm:alg>
+                </dgm:else>
+              </dgm:choose>
+              <dgm:shape xmlns:r="http://schemas.openxmlformats.org/officeDocument/2006/relationships" type="conn" r:blip="">
+                <dgm:adjLst/>
+              </dgm:shape>
+              <dgm:presOf axis="self"/>
+              <dgm:constrLst>
+                <dgm:constr type="h" refType="w" fact="0.5"/>
+                <dgm:constr type="connDist"/>
+                <dgm:constr type="begPad" refType="connDist" fact="0.1"/>
+                <dgm:constr type="endPad" refType="connDist" fact="0.1"/>
+              </dgm:constrLst>
+              <dgm:ruleLst/>
+              <dgm:layoutNode name="connectorText">
+                <dgm:alg type="tx">
+                  <dgm:param type="autoTxRot" val="grav"/>
+                </dgm:alg>
+                <dgm:shape xmlns:r="http://schemas.openxmlformats.org/officeDocument/2006/relationships" type="conn" r:blip="" hideGeom="1">
+                  <dgm:adjLst/>
+                </dgm:shape>
+                <dgm:presOf axis="self"/>
+                <dgm:constrLst>
+                  <dgm:constr type="lMarg"/>
+                  <dgm:constr type="rMarg"/>
+                  <dgm:constr type="tMarg"/>
+                  <dgm:constr type="bMarg"/>
+                </dgm:constrLst>
+                <dgm:ruleLst>
+                  <dgm:rule type="primFontSz" val="5" fact="NaN" max="NaN"/>
+                </dgm:ruleLst>
+              </dgm:layoutNode>
+            </dgm:layoutNode>
+          </dgm:forEach>
+        </dgm:if>
+        <dgm:else name="Name9"/>
+      </dgm:choose>
     </dgm:forEach>
   </dgm:layoutNode>
 </dgm:layoutDef>
@@ -10135,6 +11751,1040 @@
 </dgm:styleDef>
 </file>
 
+<file path=ppt/diagrams/quickStyle3.xml><?xml version="1.0" encoding="utf-8"?>
+<dgm:styleDef xmlns:dgm="http://schemas.openxmlformats.org/drawingml/2006/diagram" xmlns:a="http://schemas.openxmlformats.org/drawingml/2006/main" uniqueId="urn:microsoft.com/office/officeart/2005/8/quickstyle/simple1">
+  <dgm:title val=""/>
+  <dgm:desc val=""/>
+  <dgm:catLst>
+    <dgm:cat type="simple" pri="10100"/>
+  </dgm:catLst>
+  <dgm:scene3d>
+    <a:camera prst="orthographicFront"/>
+    <a:lightRig rig="threePt" dir="t"/>
+  </dgm:scene3d>
+  <dgm:styleLbl name="node0">
+    <dgm:scene3d>
+      <a:camera prst="orthographicFront"/>
+      <a:lightRig rig="threePt" dir="t"/>
+    </dgm:scene3d>
+    <dgm:sp3d/>
+    <dgm:txPr/>
+    <dgm:style>
+      <a:lnRef idx="2">
+        <a:scrgbClr r="0" g="0" b="0"/>
+      </a:lnRef>
+      <a:fillRef idx="1">
+        <a:scrgbClr r="0" g="0" b="0"/>
+      </a:fillRef>
+      <a:effectRef idx="0">
+        <a:scrgbClr r="0" g="0" b="0"/>
+      </a:effectRef>
+      <a:fontRef idx="minor">
+        <a:schemeClr val="lt1"/>
+      </a:fontRef>
+    </dgm:style>
+  </dgm:styleLbl>
+  <dgm:styleLbl name="lnNode1">
+    <dgm:scene3d>
+      <a:camera prst="orthographicFront"/>
+      <a:lightRig rig="threePt" dir="t"/>
+    </dgm:scene3d>
+    <dgm:sp3d/>
+    <dgm:txPr/>
+    <dgm:style>
+      <a:lnRef idx="2">
+        <a:scrgbClr r="0" g="0" b="0"/>
+      </a:lnRef>
+      <a:fillRef idx="1">
+        <a:scrgbClr r="0" g="0" b="0"/>
+      </a:fillRef>
+      <a:effectRef idx="0">
+        <a:scrgbClr r="0" g="0" b="0"/>
+      </a:effectRef>
+      <a:fontRef idx="minor">
+        <a:schemeClr val="lt1"/>
+      </a:fontRef>
+    </dgm:style>
+  </dgm:styleLbl>
+  <dgm:styleLbl name="vennNode1">
+    <dgm:scene3d>
+      <a:camera prst="orthographicFront"/>
+      <a:lightRig rig="threePt" dir="t"/>
+    </dgm:scene3d>
+    <dgm:sp3d/>
+    <dgm:txPr/>
+    <dgm:style>
+      <a:lnRef idx="2">
+        <a:scrgbClr r="0" g="0" b="0"/>
+      </a:lnRef>
+      <a:fillRef idx="1">
+        <a:scrgbClr r="0" g="0" b="0"/>
+      </a:fillRef>
+      <a:effectRef idx="0">
+        <a:scrgbClr r="0" g="0" b="0"/>
+      </a:effectRef>
+      <a:fontRef idx="minor">
+        <a:schemeClr val="tx1"/>
+      </a:fontRef>
+    </dgm:style>
+  </dgm:styleLbl>
+  <dgm:styleLbl name="alignNode1">
+    <dgm:scene3d>
+      <a:camera prst="orthographicFront"/>
+      <a:lightRig rig="threePt" dir="t"/>
+    </dgm:scene3d>
+    <dgm:sp3d/>
+    <dgm:txPr/>
+    <dgm:style>
+      <a:lnRef idx="2">
+        <a:scrgbClr r="0" g="0" b="0"/>
+      </a:lnRef>
+      <a:fillRef idx="1">
+        <a:scrgbClr r="0" g="0" b="0"/>
+      </a:fillRef>
+      <a:effectRef idx="0">
+        <a:scrgbClr r="0" g="0" b="0"/>
+      </a:effectRef>
+      <a:fontRef idx="minor">
+        <a:schemeClr val="lt1"/>
+      </a:fontRef>
+    </dgm:style>
+  </dgm:styleLbl>
+  <dgm:styleLbl name="node1">
+    <dgm:scene3d>
+      <a:camera prst="orthographicFront"/>
+      <a:lightRig rig="threePt" dir="t"/>
+    </dgm:scene3d>
+    <dgm:sp3d/>
+    <dgm:txPr/>
+    <dgm:style>
+      <a:lnRef idx="2">
+        <a:scrgbClr r="0" g="0" b="0"/>
+      </a:lnRef>
+      <a:fillRef idx="1">
+        <a:scrgbClr r="0" g="0" b="0"/>
+      </a:fillRef>
+      <a:effectRef idx="0">
+        <a:scrgbClr r="0" g="0" b="0"/>
+      </a:effectRef>
+      <a:fontRef idx="minor">
+        <a:schemeClr val="lt1"/>
+      </a:fontRef>
+    </dgm:style>
+  </dgm:styleLbl>
+  <dgm:styleLbl name="node2">
+    <dgm:scene3d>
+      <a:camera prst="orthographicFront"/>
+      <a:lightRig rig="threePt" dir="t"/>
+    </dgm:scene3d>
+    <dgm:sp3d/>
+    <dgm:txPr/>
+    <dgm:style>
+      <a:lnRef idx="2">
+        <a:scrgbClr r="0" g="0" b="0"/>
+      </a:lnRef>
+      <a:fillRef idx="1">
+        <a:scrgbClr r="0" g="0" b="0"/>
+      </a:fillRef>
+      <a:effectRef idx="0">
+        <a:scrgbClr r="0" g="0" b="0"/>
+      </a:effectRef>
+      <a:fontRef idx="minor">
+        <a:schemeClr val="lt1"/>
+      </a:fontRef>
+    </dgm:style>
+  </dgm:styleLbl>
+  <dgm:styleLbl name="node3">
+    <dgm:scene3d>
+      <a:camera prst="orthographicFront"/>
+      <a:lightRig rig="threePt" dir="t"/>
+    </dgm:scene3d>
+    <dgm:sp3d/>
+    <dgm:txPr/>
+    <dgm:style>
+      <a:lnRef idx="2">
+        <a:scrgbClr r="0" g="0" b="0"/>
+      </a:lnRef>
+      <a:fillRef idx="1">
+        <a:scrgbClr r="0" g="0" b="0"/>
+      </a:fillRef>
+      <a:effectRef idx="0">
+        <a:scrgbClr r="0" g="0" b="0"/>
+      </a:effectRef>
+      <a:fontRef idx="minor">
+        <a:schemeClr val="lt1"/>
+      </a:fontRef>
+    </dgm:style>
+  </dgm:styleLbl>
+  <dgm:styleLbl name="node4">
+    <dgm:scene3d>
+      <a:camera prst="orthographicFront"/>
+      <a:lightRig rig="threePt" dir="t"/>
+    </dgm:scene3d>
+    <dgm:sp3d/>
+    <dgm:txPr/>
+    <dgm:style>
+      <a:lnRef idx="2">
+        <a:scrgbClr r="0" g="0" b="0"/>
+      </a:lnRef>
+      <a:fillRef idx="1">
+        <a:scrgbClr r="0" g="0" b="0"/>
+      </a:fillRef>
+      <a:effectRef idx="0">
+        <a:scrgbClr r="0" g="0" b="0"/>
+      </a:effectRef>
+      <a:fontRef idx="minor">
+        <a:schemeClr val="lt1"/>
+      </a:fontRef>
+    </dgm:style>
+  </dgm:styleLbl>
+  <dgm:styleLbl name="fgImgPlace1">
+    <dgm:scene3d>
+      <a:camera prst="orthographicFront"/>
+      <a:lightRig rig="threePt" dir="t"/>
+    </dgm:scene3d>
+    <dgm:sp3d/>
+    <dgm:txPr/>
+    <dgm:style>
+      <a:lnRef idx="2">
+        <a:scrgbClr r="0" g="0" b="0"/>
+      </a:lnRef>
+      <a:fillRef idx="1">
+        <a:scrgbClr r="0" g="0" b="0"/>
+      </a:fillRef>
+      <a:effectRef idx="0">
+        <a:scrgbClr r="0" g="0" b="0"/>
+      </a:effectRef>
+      <a:fontRef idx="minor"/>
+    </dgm:style>
+  </dgm:styleLbl>
+  <dgm:styleLbl name="alignImgPlace1">
+    <dgm:scene3d>
+      <a:camera prst="orthographicFront"/>
+      <a:lightRig rig="threePt" dir="t"/>
+    </dgm:scene3d>
+    <dgm:sp3d/>
+    <dgm:txPr/>
+    <dgm:style>
+      <a:lnRef idx="2">
+        <a:scrgbClr r="0" g="0" b="0"/>
+      </a:lnRef>
+      <a:fillRef idx="1">
+        <a:scrgbClr r="0" g="0" b="0"/>
+      </a:fillRef>
+      <a:effectRef idx="0">
+        <a:scrgbClr r="0" g="0" b="0"/>
+      </a:effectRef>
+      <a:fontRef idx="minor"/>
+    </dgm:style>
+  </dgm:styleLbl>
+  <dgm:styleLbl name="bgImgPlace1">
+    <dgm:scene3d>
+      <a:camera prst="orthographicFront"/>
+      <a:lightRig rig="threePt" dir="t"/>
+    </dgm:scene3d>
+    <dgm:sp3d/>
+    <dgm:txPr/>
+    <dgm:style>
+      <a:lnRef idx="2">
+        <a:scrgbClr r="0" g="0" b="0"/>
+      </a:lnRef>
+      <a:fillRef idx="1">
+        <a:scrgbClr r="0" g="0" b="0"/>
+      </a:fillRef>
+      <a:effectRef idx="0">
+        <a:scrgbClr r="0" g="0" b="0"/>
+      </a:effectRef>
+      <a:fontRef idx="minor"/>
+    </dgm:style>
+  </dgm:styleLbl>
+  <dgm:styleLbl name="sibTrans2D1">
+    <dgm:scene3d>
+      <a:camera prst="orthographicFront"/>
+      <a:lightRig rig="threePt" dir="t"/>
+    </dgm:scene3d>
+    <dgm:sp3d/>
+    <dgm:txPr/>
+    <dgm:style>
+      <a:lnRef idx="0">
+        <a:scrgbClr r="0" g="0" b="0"/>
+      </a:lnRef>
+      <a:fillRef idx="1">
+        <a:scrgbClr r="0" g="0" b="0"/>
+      </a:fillRef>
+      <a:effectRef idx="0">
+        <a:scrgbClr r="0" g="0" b="0"/>
+      </a:effectRef>
+      <a:fontRef idx="minor">
+        <a:schemeClr val="lt1"/>
+      </a:fontRef>
+    </dgm:style>
+  </dgm:styleLbl>
+  <dgm:styleLbl name="fgSibTrans2D1">
+    <dgm:scene3d>
+      <a:camera prst="orthographicFront"/>
+      <a:lightRig rig="threePt" dir="t"/>
+    </dgm:scene3d>
+    <dgm:sp3d/>
+    <dgm:txPr/>
+    <dgm:style>
+      <a:lnRef idx="0">
+        <a:scrgbClr r="0" g="0" b="0"/>
+      </a:lnRef>
+      <a:fillRef idx="1">
+        <a:scrgbClr r="0" g="0" b="0"/>
+      </a:fillRef>
+      <a:effectRef idx="0">
+        <a:scrgbClr r="0" g="0" b="0"/>
+      </a:effectRef>
+      <a:fontRef idx="minor">
+        <a:schemeClr val="lt1"/>
+      </a:fontRef>
+    </dgm:style>
+  </dgm:styleLbl>
+  <dgm:styleLbl name="bgSibTrans2D1">
+    <dgm:scene3d>
+      <a:camera prst="orthographicFront"/>
+      <a:lightRig rig="threePt" dir="t"/>
+    </dgm:scene3d>
+    <dgm:sp3d/>
+    <dgm:txPr/>
+    <dgm:style>
+      <a:lnRef idx="0">
+        <a:scrgbClr r="0" g="0" b="0"/>
+      </a:lnRef>
+      <a:fillRef idx="1">
+        <a:scrgbClr r="0" g="0" b="0"/>
+      </a:fillRef>
+      <a:effectRef idx="0">
+        <a:scrgbClr r="0" g="0" b="0"/>
+      </a:effectRef>
+      <a:fontRef idx="minor">
+        <a:schemeClr val="lt1"/>
+      </a:fontRef>
+    </dgm:style>
+  </dgm:styleLbl>
+  <dgm:styleLbl name="sibTrans1D1">
+    <dgm:scene3d>
+      <a:camera prst="orthographicFront"/>
+      <a:lightRig rig="threePt" dir="t"/>
+    </dgm:scene3d>
+    <dgm:sp3d/>
+    <dgm:txPr/>
+    <dgm:style>
+      <a:lnRef idx="1">
+        <a:scrgbClr r="0" g="0" b="0"/>
+      </a:lnRef>
+      <a:fillRef idx="0">
+        <a:scrgbClr r="0" g="0" b="0"/>
+      </a:fillRef>
+      <a:effectRef idx="0">
+        <a:scrgbClr r="0" g="0" b="0"/>
+      </a:effectRef>
+      <a:fontRef idx="minor"/>
+    </dgm:style>
+  </dgm:styleLbl>
+  <dgm:styleLbl name="callout">
+    <dgm:scene3d>
+      <a:camera prst="orthographicFront"/>
+      <a:lightRig rig="threePt" dir="t"/>
+    </dgm:scene3d>
+    <dgm:sp3d/>
+    <dgm:txPr/>
+    <dgm:style>
+      <a:lnRef idx="2">
+        <a:scrgbClr r="0" g="0" b="0"/>
+      </a:lnRef>
+      <a:fillRef idx="1">
+        <a:scrgbClr r="0" g="0" b="0"/>
+      </a:fillRef>
+      <a:effectRef idx="0">
+        <a:scrgbClr r="0" g="0" b="0"/>
+      </a:effectRef>
+      <a:fontRef idx="minor"/>
+    </dgm:style>
+  </dgm:styleLbl>
+  <dgm:styleLbl name="asst0">
+    <dgm:scene3d>
+      <a:camera prst="orthographicFront"/>
+      <a:lightRig rig="threePt" dir="t"/>
+    </dgm:scene3d>
+    <dgm:sp3d/>
+    <dgm:txPr/>
+    <dgm:style>
+      <a:lnRef idx="2">
+        <a:scrgbClr r="0" g="0" b="0"/>
+      </a:lnRef>
+      <a:fillRef idx="1">
+        <a:scrgbClr r="0" g="0" b="0"/>
+      </a:fillRef>
+      <a:effectRef idx="0">
+        <a:scrgbClr r="0" g="0" b="0"/>
+      </a:effectRef>
+      <a:fontRef idx="minor">
+        <a:schemeClr val="lt1"/>
+      </a:fontRef>
+    </dgm:style>
+  </dgm:styleLbl>
+  <dgm:styleLbl name="asst1">
+    <dgm:scene3d>
+      <a:camera prst="orthographicFront"/>
+      <a:lightRig rig="threePt" dir="t"/>
+    </dgm:scene3d>
+    <dgm:sp3d/>
+    <dgm:txPr/>
+    <dgm:style>
+      <a:lnRef idx="2">
+        <a:scrgbClr r="0" g="0" b="0"/>
+      </a:lnRef>
+      <a:fillRef idx="1">
+        <a:scrgbClr r="0" g="0" b="0"/>
+      </a:fillRef>
+      <a:effectRef idx="0">
+        <a:scrgbClr r="0" g="0" b="0"/>
+      </a:effectRef>
+      <a:fontRef idx="minor">
+        <a:schemeClr val="lt1"/>
+      </a:fontRef>
+    </dgm:style>
+  </dgm:styleLbl>
+  <dgm:styleLbl name="asst2">
+    <dgm:scene3d>
+      <a:camera prst="orthographicFront"/>
+      <a:lightRig rig="threePt" dir="t"/>
+    </dgm:scene3d>
+    <dgm:sp3d/>
+    <dgm:txPr/>
+    <dgm:style>
+      <a:lnRef idx="2">
+        <a:scrgbClr r="0" g="0" b="0"/>
+      </a:lnRef>
+      <a:fillRef idx="1">
+        <a:scrgbClr r="0" g="0" b="0"/>
+      </a:fillRef>
+      <a:effectRef idx="0">
+        <a:scrgbClr r="0" g="0" b="0"/>
+      </a:effectRef>
+      <a:fontRef idx="minor">
+        <a:schemeClr val="lt1"/>
+      </a:fontRef>
+    </dgm:style>
+  </dgm:styleLbl>
+  <dgm:styleLbl name="asst3">
+    <dgm:scene3d>
+      <a:camera prst="orthographicFront"/>
+      <a:lightRig rig="threePt" dir="t"/>
+    </dgm:scene3d>
+    <dgm:sp3d/>
+    <dgm:txPr/>
+    <dgm:style>
+      <a:lnRef idx="2">
+        <a:scrgbClr r="0" g="0" b="0"/>
+      </a:lnRef>
+      <a:fillRef idx="1">
+        <a:scrgbClr r="0" g="0" b="0"/>
+      </a:fillRef>
+      <a:effectRef idx="0">
+        <a:scrgbClr r="0" g="0" b="0"/>
+      </a:effectRef>
+      <a:fontRef idx="minor">
+        <a:schemeClr val="lt1"/>
+      </a:fontRef>
+    </dgm:style>
+  </dgm:styleLbl>
+  <dgm:styleLbl name="asst4">
+    <dgm:scene3d>
+      <a:camera prst="orthographicFront"/>
+      <a:lightRig rig="threePt" dir="t"/>
+    </dgm:scene3d>
+    <dgm:sp3d/>
+    <dgm:txPr/>
+    <dgm:style>
+      <a:lnRef idx="2">
+        <a:scrgbClr r="0" g="0" b="0"/>
+      </a:lnRef>
+      <a:fillRef idx="1">
+        <a:scrgbClr r="0" g="0" b="0"/>
+      </a:fillRef>
+      <a:effectRef idx="0">
+        <a:scrgbClr r="0" g="0" b="0"/>
+      </a:effectRef>
+      <a:fontRef idx="minor">
+        <a:schemeClr val="lt1"/>
+      </a:fontRef>
+    </dgm:style>
+  </dgm:styleLbl>
+  <dgm:styleLbl name="parChTrans2D1">
+    <dgm:scene3d>
+      <a:camera prst="orthographicFront"/>
+      <a:lightRig rig="threePt" dir="t"/>
+    </dgm:scene3d>
+    <dgm:sp3d/>
+    <dgm:txPr/>
+    <dgm:style>
+      <a:lnRef idx="2">
+        <a:scrgbClr r="0" g="0" b="0"/>
+      </a:lnRef>
+      <a:fillRef idx="1">
+        <a:scrgbClr r="0" g="0" b="0"/>
+      </a:fillRef>
+      <a:effectRef idx="0">
+        <a:scrgbClr r="0" g="0" b="0"/>
+      </a:effectRef>
+      <a:fontRef idx="minor">
+        <a:schemeClr val="lt1"/>
+      </a:fontRef>
+    </dgm:style>
+  </dgm:styleLbl>
+  <dgm:styleLbl name="parChTrans2D2">
+    <dgm:scene3d>
+      <a:camera prst="orthographicFront"/>
+      <a:lightRig rig="threePt" dir="t"/>
+    </dgm:scene3d>
+    <dgm:sp3d/>
+    <dgm:txPr/>
+    <dgm:style>
+      <a:lnRef idx="2">
+        <a:scrgbClr r="0" g="0" b="0"/>
+      </a:lnRef>
+      <a:fillRef idx="1">
+        <a:scrgbClr r="0" g="0" b="0"/>
+      </a:fillRef>
+      <a:effectRef idx="0">
+        <a:scrgbClr r="0" g="0" b="0"/>
+      </a:effectRef>
+      <a:fontRef idx="minor">
+        <a:schemeClr val="lt1"/>
+      </a:fontRef>
+    </dgm:style>
+  </dgm:styleLbl>
+  <dgm:styleLbl name="parChTrans2D3">
+    <dgm:scene3d>
+      <a:camera prst="orthographicFront"/>
+      <a:lightRig rig="threePt" dir="t"/>
+    </dgm:scene3d>
+    <dgm:sp3d/>
+    <dgm:txPr/>
+    <dgm:style>
+      <a:lnRef idx="2">
+        <a:scrgbClr r="0" g="0" b="0"/>
+      </a:lnRef>
+      <a:fillRef idx="1">
+        <a:scrgbClr r="0" g="0" b="0"/>
+      </a:fillRef>
+      <a:effectRef idx="0">
+        <a:scrgbClr r="0" g="0" b="0"/>
+      </a:effectRef>
+      <a:fontRef idx="minor">
+        <a:schemeClr val="lt1"/>
+      </a:fontRef>
+    </dgm:style>
+  </dgm:styleLbl>
+  <dgm:styleLbl name="parChTrans2D4">
+    <dgm:scene3d>
+      <a:camera prst="orthographicFront"/>
+      <a:lightRig rig="threePt" dir="t"/>
+    </dgm:scene3d>
+    <dgm:sp3d/>
+    <dgm:txPr/>
+    <dgm:style>
+      <a:lnRef idx="2">
+        <a:scrgbClr r="0" g="0" b="0"/>
+      </a:lnRef>
+      <a:fillRef idx="1">
+        <a:scrgbClr r="0" g="0" b="0"/>
+      </a:fillRef>
+      <a:effectRef idx="0">
+        <a:scrgbClr r="0" g="0" b="0"/>
+      </a:effectRef>
+      <a:fontRef idx="minor">
+        <a:schemeClr val="lt1"/>
+      </a:fontRef>
+    </dgm:style>
+  </dgm:styleLbl>
+  <dgm:styleLbl name="parChTrans1D1">
+    <dgm:scene3d>
+      <a:camera prst="orthographicFront"/>
+      <a:lightRig rig="threePt" dir="t"/>
+    </dgm:scene3d>
+    <dgm:sp3d/>
+    <dgm:txPr/>
+    <dgm:style>
+      <a:lnRef idx="2">
+        <a:scrgbClr r="0" g="0" b="0"/>
+      </a:lnRef>
+      <a:fillRef idx="0">
+        <a:scrgbClr r="0" g="0" b="0"/>
+      </a:fillRef>
+      <a:effectRef idx="0">
+        <a:scrgbClr r="0" g="0" b="0"/>
+      </a:effectRef>
+      <a:fontRef idx="minor"/>
+    </dgm:style>
+  </dgm:styleLbl>
+  <dgm:styleLbl name="parChTrans1D2">
+    <dgm:scene3d>
+      <a:camera prst="orthographicFront"/>
+      <a:lightRig rig="threePt" dir="t"/>
+    </dgm:scene3d>
+    <dgm:sp3d/>
+    <dgm:txPr/>
+    <dgm:style>
+      <a:lnRef idx="2">
+        <a:scrgbClr r="0" g="0" b="0"/>
+      </a:lnRef>
+      <a:fillRef idx="0">
+        <a:scrgbClr r="0" g="0" b="0"/>
+      </a:fillRef>
+      <a:effectRef idx="0">
+        <a:scrgbClr r="0" g="0" b="0"/>
+      </a:effectRef>
+      <a:fontRef idx="minor"/>
+    </dgm:style>
+  </dgm:styleLbl>
+  <dgm:styleLbl name="parChTrans1D3">
+    <dgm:scene3d>
+      <a:camera prst="orthographicFront"/>
+      <a:lightRig rig="threePt" dir="t"/>
+    </dgm:scene3d>
+    <dgm:sp3d/>
+    <dgm:txPr/>
+    <dgm:style>
+      <a:lnRef idx="2">
+        <a:scrgbClr r="0" g="0" b="0"/>
+      </a:lnRef>
+      <a:fillRef idx="0">
+        <a:scrgbClr r="0" g="0" b="0"/>
+      </a:fillRef>
+      <a:effectRef idx="0">
+        <a:scrgbClr r="0" g="0" b="0"/>
+      </a:effectRef>
+      <a:fontRef idx="minor"/>
+    </dgm:style>
+  </dgm:styleLbl>
+  <dgm:styleLbl name="parChTrans1D4">
+    <dgm:scene3d>
+      <a:camera prst="orthographicFront"/>
+      <a:lightRig rig="threePt" dir="t"/>
+    </dgm:scene3d>
+    <dgm:sp3d/>
+    <dgm:txPr/>
+    <dgm:style>
+      <a:lnRef idx="2">
+        <a:scrgbClr r="0" g="0" b="0"/>
+      </a:lnRef>
+      <a:fillRef idx="0">
+        <a:scrgbClr r="0" g="0" b="0"/>
+      </a:fillRef>
+      <a:effectRef idx="0">
+        <a:scrgbClr r="0" g="0" b="0"/>
+      </a:effectRef>
+      <a:fontRef idx="minor"/>
+    </dgm:style>
+  </dgm:styleLbl>
+  <dgm:styleLbl name="fgAcc1">
+    <dgm:scene3d>
+      <a:camera prst="orthographicFront"/>
+      <a:lightRig rig="threePt" dir="t"/>
+    </dgm:scene3d>
+    <dgm:sp3d/>
+    <dgm:txPr/>
+    <dgm:style>
+      <a:lnRef idx="2">
+        <a:scrgbClr r="0" g="0" b="0"/>
+      </a:lnRef>
+      <a:fillRef idx="1">
+        <a:scrgbClr r="0" g="0" b="0"/>
+      </a:fillRef>
+      <a:effectRef idx="0">
+        <a:scrgbClr r="0" g="0" b="0"/>
+      </a:effectRef>
+      <a:fontRef idx="minor"/>
+    </dgm:style>
+  </dgm:styleLbl>
+  <dgm:styleLbl name="conFgAcc1">
+    <dgm:scene3d>
+      <a:camera prst="orthographicFront"/>
+      <a:lightRig rig="threePt" dir="t"/>
+    </dgm:scene3d>
+    <dgm:sp3d/>
+    <dgm:txPr/>
+    <dgm:style>
+      <a:lnRef idx="2">
+        <a:scrgbClr r="0" g="0" b="0"/>
+      </a:lnRef>
+      <a:fillRef idx="1">
+        <a:scrgbClr r="0" g="0" b="0"/>
+      </a:fillRef>
+      <a:effectRef idx="0">
+        <a:scrgbClr r="0" g="0" b="0"/>
+      </a:effectRef>
+      <a:fontRef idx="minor"/>
+    </dgm:style>
+  </dgm:styleLbl>
+  <dgm:styleLbl name="alignAcc1">
+    <dgm:scene3d>
+      <a:camera prst="orthographicFront"/>
+      <a:lightRig rig="threePt" dir="t"/>
+    </dgm:scene3d>
+    <dgm:sp3d/>
+    <dgm:txPr/>
+    <dgm:style>
+      <a:lnRef idx="2">
+        <a:scrgbClr r="0" g="0" b="0"/>
+      </a:lnRef>
+      <a:fillRef idx="1">
+        <a:scrgbClr r="0" g="0" b="0"/>
+      </a:fillRef>
+      <a:effectRef idx="0">
+        <a:scrgbClr r="0" g="0" b="0"/>
+      </a:effectRef>
+      <a:fontRef idx="minor"/>
+    </dgm:style>
+  </dgm:styleLbl>
+  <dgm:styleLbl name="trAlignAcc1">
+    <dgm:scene3d>
+      <a:camera prst="orthographicFront"/>
+      <a:lightRig rig="threePt" dir="t"/>
+    </dgm:scene3d>
+    <dgm:sp3d/>
+    <dgm:txPr/>
+    <dgm:style>
+      <a:lnRef idx="1">
+        <a:scrgbClr r="0" g="0" b="0"/>
+      </a:lnRef>
+      <a:fillRef idx="1">
+        <a:scrgbClr r="0" g="0" b="0"/>
+      </a:fillRef>
+      <a:effectRef idx="0">
+        <a:scrgbClr r="0" g="0" b="0"/>
+      </a:effectRef>
+      <a:fontRef idx="minor"/>
+    </dgm:style>
+  </dgm:styleLbl>
+  <dgm:styleLbl name="bgAcc1">
+    <dgm:scene3d>
+      <a:camera prst="orthographicFront"/>
+      <a:lightRig rig="threePt" dir="t"/>
+    </dgm:scene3d>
+    <dgm:sp3d/>
+    <dgm:txPr/>
+    <dgm:style>
+      <a:lnRef idx="2">
+        <a:scrgbClr r="0" g="0" b="0"/>
+      </a:lnRef>
+      <a:fillRef idx="1">
+        <a:scrgbClr r="0" g="0" b="0"/>
+      </a:fillRef>
+      <a:effectRef idx="0">
+        <a:scrgbClr r="0" g="0" b="0"/>
+      </a:effectRef>
+      <a:fontRef idx="minor"/>
+    </dgm:style>
+  </dgm:styleLbl>
+  <dgm:styleLbl name="solidFgAcc1">
+    <dgm:scene3d>
+      <a:camera prst="orthographicFront"/>
+      <a:lightRig rig="threePt" dir="t"/>
+    </dgm:scene3d>
+    <dgm:sp3d/>
+    <dgm:txPr/>
+    <dgm:style>
+      <a:lnRef idx="2">
+        <a:scrgbClr r="0" g="0" b="0"/>
+      </a:lnRef>
+      <a:fillRef idx="1">
+        <a:scrgbClr r="0" g="0" b="0"/>
+      </a:fillRef>
+      <a:effectRef idx="0">
+        <a:scrgbClr r="0" g="0" b="0"/>
+      </a:effectRef>
+      <a:fontRef idx="minor"/>
+    </dgm:style>
+  </dgm:styleLbl>
+  <dgm:styleLbl name="solidAlignAcc1">
+    <dgm:scene3d>
+      <a:camera prst="orthographicFront"/>
+      <a:lightRig rig="threePt" dir="t"/>
+    </dgm:scene3d>
+    <dgm:sp3d/>
+    <dgm:txPr/>
+    <dgm:style>
+      <a:lnRef idx="2">
+        <a:scrgbClr r="0" g="0" b="0"/>
+      </a:lnRef>
+      <a:fillRef idx="1">
+        <a:scrgbClr r="0" g="0" b="0"/>
+      </a:fillRef>
+      <a:effectRef idx="0">
+        <a:scrgbClr r="0" g="0" b="0"/>
+      </a:effectRef>
+      <a:fontRef idx="minor"/>
+    </dgm:style>
+  </dgm:styleLbl>
+  <dgm:styleLbl name="solidBgAcc1">
+    <dgm:scene3d>
+      <a:camera prst="orthographicFront"/>
+      <a:lightRig rig="threePt" dir="t"/>
+    </dgm:scene3d>
+    <dgm:sp3d/>
+    <dgm:txPr/>
+    <dgm:style>
+      <a:lnRef idx="2">
+        <a:scrgbClr r="0" g="0" b="0"/>
+      </a:lnRef>
+      <a:fillRef idx="1">
+        <a:scrgbClr r="0" g="0" b="0"/>
+      </a:fillRef>
+      <a:effectRef idx="0">
+        <a:scrgbClr r="0" g="0" b="0"/>
+      </a:effectRef>
+      <a:fontRef idx="minor"/>
+    </dgm:style>
+  </dgm:styleLbl>
+  <dgm:styleLbl name="fgAccFollowNode1">
+    <dgm:scene3d>
+      <a:camera prst="orthographicFront"/>
+      <a:lightRig rig="threePt" dir="t"/>
+    </dgm:scene3d>
+    <dgm:sp3d/>
+    <dgm:txPr/>
+    <dgm:style>
+      <a:lnRef idx="2">
+        <a:scrgbClr r="0" g="0" b="0"/>
+      </a:lnRef>
+      <a:fillRef idx="1">
+        <a:scrgbClr r="0" g="0" b="0"/>
+      </a:fillRef>
+      <a:effectRef idx="0">
+        <a:scrgbClr r="0" g="0" b="0"/>
+      </a:effectRef>
+      <a:fontRef idx="minor"/>
+    </dgm:style>
+  </dgm:styleLbl>
+  <dgm:styleLbl name="alignAccFollowNode1">
+    <dgm:scene3d>
+      <a:camera prst="orthographicFront"/>
+      <a:lightRig rig="threePt" dir="t"/>
+    </dgm:scene3d>
+    <dgm:sp3d/>
+    <dgm:txPr/>
+    <dgm:style>
+      <a:lnRef idx="2">
+        <a:scrgbClr r="0" g="0" b="0"/>
+      </a:lnRef>
+      <a:fillRef idx="1">
+        <a:scrgbClr r="0" g="0" b="0"/>
+      </a:fillRef>
+      <a:effectRef idx="0">
+        <a:scrgbClr r="0" g="0" b="0"/>
+      </a:effectRef>
+      <a:fontRef idx="minor"/>
+    </dgm:style>
+  </dgm:styleLbl>
+  <dgm:styleLbl name="bgAccFollowNode1">
+    <dgm:scene3d>
+      <a:camera prst="orthographicFront"/>
+      <a:lightRig rig="threePt" dir="t"/>
+    </dgm:scene3d>
+    <dgm:sp3d/>
+    <dgm:txPr/>
+    <dgm:style>
+      <a:lnRef idx="2">
+        <a:scrgbClr r="0" g="0" b="0"/>
+      </a:lnRef>
+      <a:fillRef idx="1">
+        <a:scrgbClr r="0" g="0" b="0"/>
+      </a:fillRef>
+      <a:effectRef idx="0">
+        <a:scrgbClr r="0" g="0" b="0"/>
+      </a:effectRef>
+      <a:fontRef idx="minor"/>
+    </dgm:style>
+  </dgm:styleLbl>
+  <dgm:styleLbl name="fgAcc0">
+    <dgm:scene3d>
+      <a:camera prst="orthographicFront"/>
+      <a:lightRig rig="threePt" dir="t"/>
+    </dgm:scene3d>
+    <dgm:sp3d/>
+    <dgm:txPr/>
+    <dgm:style>
+      <a:lnRef idx="2">
+        <a:scrgbClr r="0" g="0" b="0"/>
+      </a:lnRef>
+      <a:fillRef idx="1">
+        <a:scrgbClr r="0" g="0" b="0"/>
+      </a:fillRef>
+      <a:effectRef idx="0">
+        <a:scrgbClr r="0" g="0" b="0"/>
+      </a:effectRef>
+      <a:fontRef idx="minor"/>
+    </dgm:style>
+  </dgm:styleLbl>
+  <dgm:styleLbl name="fgAcc2">
+    <dgm:scene3d>
+      <a:camera prst="orthographicFront"/>
+      <a:lightRig rig="threePt" dir="t"/>
+    </dgm:scene3d>
+    <dgm:sp3d/>
+    <dgm:txPr/>
+    <dgm:style>
+      <a:lnRef idx="2">
+        <a:scrgbClr r="0" g="0" b="0"/>
+      </a:lnRef>
+      <a:fillRef idx="1">
+        <a:scrgbClr r="0" g="0" b="0"/>
+      </a:fillRef>
+      <a:effectRef idx="0">
+        <a:scrgbClr r="0" g="0" b="0"/>
+      </a:effectRef>
+      <a:fontRef idx="minor"/>
+    </dgm:style>
+  </dgm:styleLbl>
+  <dgm:styleLbl name="fgAcc3">
+    <dgm:scene3d>
+      <a:camera prst="orthographicFront"/>
+      <a:lightRig rig="threePt" dir="t"/>
+    </dgm:scene3d>
+    <dgm:sp3d/>
+    <dgm:txPr/>
+    <dgm:style>
+      <a:lnRef idx="2">
+        <a:scrgbClr r="0" g="0" b="0"/>
+      </a:lnRef>
+      <a:fillRef idx="1">
+        <a:scrgbClr r="0" g="0" b="0"/>
+      </a:fillRef>
+      <a:effectRef idx="0">
+        <a:scrgbClr r="0" g="0" b="0"/>
+      </a:effectRef>
+      <a:fontRef idx="minor"/>
+    </dgm:style>
+  </dgm:styleLbl>
+  <dgm:styleLbl name="fgAcc4">
+    <dgm:scene3d>
+      <a:camera prst="orthographicFront"/>
+      <a:lightRig rig="threePt" dir="t"/>
+    </dgm:scene3d>
+    <dgm:sp3d/>
+    <dgm:txPr/>
+    <dgm:style>
+      <a:lnRef idx="2">
+        <a:scrgbClr r="0" g="0" b="0"/>
+      </a:lnRef>
+      <a:fillRef idx="1">
+        <a:scrgbClr r="0" g="0" b="0"/>
+      </a:fillRef>
+      <a:effectRef idx="0">
+        <a:scrgbClr r="0" g="0" b="0"/>
+      </a:effectRef>
+      <a:fontRef idx="minor"/>
+    </dgm:style>
+  </dgm:styleLbl>
+  <dgm:styleLbl name="bgShp">
+    <dgm:scene3d>
+      <a:camera prst="orthographicFront"/>
+      <a:lightRig rig="threePt" dir="t"/>
+    </dgm:scene3d>
+    <dgm:sp3d/>
+    <dgm:txPr/>
+    <dgm:style>
+      <a:lnRef idx="0">
+        <a:scrgbClr r="0" g="0" b="0"/>
+      </a:lnRef>
+      <a:fillRef idx="1">
+        <a:scrgbClr r="0" g="0" b="0"/>
+      </a:fillRef>
+      <a:effectRef idx="0">
+        <a:scrgbClr r="0" g="0" b="0"/>
+      </a:effectRef>
+      <a:fontRef idx="minor"/>
+    </dgm:style>
+  </dgm:styleLbl>
+  <dgm:styleLbl name="dkBgShp">
+    <dgm:scene3d>
+      <a:camera prst="orthographicFront"/>
+      <a:lightRig rig="threePt" dir="t"/>
+    </dgm:scene3d>
+    <dgm:sp3d/>
+    <dgm:txPr/>
+    <dgm:style>
+      <a:lnRef idx="0">
+        <a:scrgbClr r="0" g="0" b="0"/>
+      </a:lnRef>
+      <a:fillRef idx="1">
+        <a:scrgbClr r="0" g="0" b="0"/>
+      </a:fillRef>
+      <a:effectRef idx="0">
+        <a:scrgbClr r="0" g="0" b="0"/>
+      </a:effectRef>
+      <a:fontRef idx="minor"/>
+    </dgm:style>
+  </dgm:styleLbl>
+  <dgm:styleLbl name="trBgShp">
+    <dgm:scene3d>
+      <a:camera prst="orthographicFront"/>
+      <a:lightRig rig="threePt" dir="t"/>
+    </dgm:scene3d>
+    <dgm:sp3d/>
+    <dgm:txPr/>
+    <dgm:style>
+      <a:lnRef idx="0">
+        <a:scrgbClr r="0" g="0" b="0"/>
+      </a:lnRef>
+      <a:fillRef idx="1">
+        <a:scrgbClr r="0" g="0" b="0"/>
+      </a:fillRef>
+      <a:effectRef idx="0">
+        <a:scrgbClr r="0" g="0" b="0"/>
+      </a:effectRef>
+      <a:fontRef idx="minor"/>
+    </dgm:style>
+  </dgm:styleLbl>
+  <dgm:styleLbl name="fgShp">
+    <dgm:scene3d>
+      <a:camera prst="orthographicFront"/>
+      <a:lightRig rig="threePt" dir="t"/>
+    </dgm:scene3d>
+    <dgm:sp3d/>
+    <dgm:txPr/>
+    <dgm:style>
+      <a:lnRef idx="2">
+        <a:scrgbClr r="0" g="0" b="0"/>
+      </a:lnRef>
+      <a:fillRef idx="1">
+        <a:scrgbClr r="0" g="0" b="0"/>
+      </a:fillRef>
+      <a:effectRef idx="0">
+        <a:scrgbClr r="0" g="0" b="0"/>
+      </a:effectRef>
+      <a:fontRef idx="minor"/>
+    </dgm:style>
+  </dgm:styleLbl>
+  <dgm:styleLbl name="revTx">
+    <dgm:scene3d>
+      <a:camera prst="orthographicFront"/>
+      <a:lightRig rig="threePt" dir="t"/>
+    </dgm:scene3d>
+    <dgm:sp3d/>
+    <dgm:txPr/>
+    <dgm:style>
+      <a:lnRef idx="0">
+        <a:scrgbClr r="0" g="0" b="0"/>
+      </a:lnRef>
+      <a:fillRef idx="0">
+        <a:scrgbClr r="0" g="0" b="0"/>
+      </a:fillRef>
+      <a:effectRef idx="0">
+        <a:scrgbClr r="0" g="0" b="0"/>
+      </a:effectRef>
+      <a:fontRef idx="minor"/>
+    </dgm:style>
+  </dgm:styleLbl>
+</dgm:styleDef>
+</file>
+
 <file path=ppt/notesMasters/notesMaster1.xml><?xml version="1.0" encoding="utf-8"?>
 <p:notesMaster xmlns:a="http://schemas.openxmlformats.org/drawingml/2006/main" xmlns:r="http://schemas.openxmlformats.org/officeDocument/2006/relationships" xmlns:p="http://schemas.openxmlformats.org/presentationml/2006/main">
   <p:cSld>
@@ -10244,7 +12894,7 @@
               <a:pPr>
                 <a:defRPr/>
               </a:pPr>
-              <a:t>4/7/2014</a:t>
+              <a:t>5/10/2014</a:t>
             </a:fld>
             <a:endParaRPr lang="en-US"/>
           </a:p>
@@ -11939,7 +14589,7 @@
               <a:pPr>
                 <a:defRPr/>
               </a:pPr>
-              <a:t>7/4/2014</a:t>
+              <a:t>10/5/2014</a:t>
             </a:fld>
             <a:endParaRPr lang="en-SG"/>
           </a:p>
@@ -12141,7 +14791,7 @@
               <a:pPr>
                 <a:defRPr/>
               </a:pPr>
-              <a:t>7/4/2014</a:t>
+              <a:t>10/5/2014</a:t>
             </a:fld>
             <a:endParaRPr lang="en-SG"/>
           </a:p>
@@ -12497,7 +15147,7 @@
               <a:pPr>
                 <a:defRPr/>
               </a:pPr>
-              <a:t>7/4/2014</a:t>
+              <a:t>10/5/2014</a:t>
             </a:fld>
             <a:endParaRPr lang="en-SG"/>
           </a:p>
@@ -12614,7 +15264,7 @@
               <a:pPr>
                 <a:defRPr/>
               </a:pPr>
-              <a:t>7/4/2014</a:t>
+              <a:t>10/5/2014</a:t>
             </a:fld>
             <a:endParaRPr lang="en-SG"/>
           </a:p>
@@ -12811,7 +15461,7 @@
               <a:pPr>
                 <a:defRPr/>
               </a:pPr>
-              <a:t>7/4/2014</a:t>
+              <a:t>10/5/2014</a:t>
             </a:fld>
             <a:endParaRPr lang="en-SG"/>
           </a:p>
@@ -13158,7 +15808,7 @@
               <a:pPr>
                 <a:defRPr/>
               </a:pPr>
-              <a:t>7/4/2014</a:t>
+              <a:t>10/5/2014</a:t>
             </a:fld>
             <a:endParaRPr lang="en-SG"/>
           </a:p>
@@ -13427,7 +16077,7 @@
               <a:pPr>
                 <a:defRPr/>
               </a:pPr>
-              <a:t>7/4/2014</a:t>
+              <a:t>10/5/2014</a:t>
             </a:fld>
             <a:endParaRPr lang="en-SG"/>
           </a:p>
@@ -13806,7 +16456,7 @@
               <a:pPr>
                 <a:defRPr/>
               </a:pPr>
-              <a:t>7/4/2014</a:t>
+              <a:t>10/5/2014</a:t>
             </a:fld>
             <a:endParaRPr lang="en-SG"/>
           </a:p>
@@ -14009,7 +16659,7 @@
               <a:pPr>
                 <a:defRPr/>
               </a:pPr>
-              <a:t>7/4/2014</a:t>
+              <a:t>10/5/2014</a:t>
             </a:fld>
             <a:endParaRPr lang="en-SG"/>
           </a:p>
@@ -14232,7 +16882,7 @@
               <a:pPr>
                 <a:defRPr/>
               </a:pPr>
-              <a:t>7/4/2014</a:t>
+              <a:t>10/5/2014</a:t>
             </a:fld>
             <a:endParaRPr lang="en-SG"/>
           </a:p>
@@ -14661,7 +17311,7 @@
               <a:pPr>
                 <a:defRPr/>
               </a:pPr>
-              <a:t>7/4/2014</a:t>
+              <a:t>10/5/2014</a:t>
             </a:fld>
             <a:endParaRPr lang="en-SG"/>
           </a:p>
@@ -15079,7 +17729,7 @@
               <a:pPr>
                 <a:defRPr/>
               </a:pPr>
-              <a:t>7/4/2014</a:t>
+              <a:t>10/5/2014</a:t>
             </a:fld>
             <a:endParaRPr lang="en-SG"/>
           </a:p>
@@ -15333,7 +17983,7 @@
               <a:pPr>
                 <a:defRPr/>
               </a:pPr>
-              <a:t>7/4/2014</a:t>
+              <a:t>10/5/2014</a:t>
             </a:fld>
             <a:endParaRPr lang="en-SG"/>
           </a:p>
@@ -27469,7 +30119,7 @@
           <a:graphicData uri="http://schemas.openxmlformats.org/presentationml/2006/ole">
             <mc:AlternateContent xmlns:mc="http://schemas.openxmlformats.org/markup-compatibility/2006">
               <mc:Choice xmlns:v="urn:schemas-microsoft-com:vml" Requires="v">
-                <p:oleObj spid="_x0000_s46170" name="Visio" r:id="rId3" imgW="6050954" imgH="4660654" progId="Visio.Drawing.11">
+                <p:oleObj spid="_x0000_s46173" name="Visio" r:id="rId3" imgW="6050954" imgH="4660654" progId="Visio.Drawing.11">
                   <p:embed/>
                 </p:oleObj>
               </mc:Choice>
@@ -27651,7 +30301,7 @@
           <a:graphicData uri="http://schemas.openxmlformats.org/presentationml/2006/ole">
             <mc:AlternateContent xmlns:mc="http://schemas.openxmlformats.org/markup-compatibility/2006">
               <mc:Choice xmlns:v="urn:schemas-microsoft-com:vml" Requires="v">
-                <p:oleObj spid="_x0000_s61524" name="Visio" r:id="rId3" imgW="6434247" imgH="5449047" progId="Visio.Drawing.11">
+                <p:oleObj spid="_x0000_s61527" name="Visio" r:id="rId3" imgW="6434247" imgH="5449047" progId="Visio.Drawing.11">
                   <p:embed/>
                 </p:oleObj>
               </mc:Choice>
@@ -32580,7 +35230,7 @@
           <a:graphicData uri="http://schemas.openxmlformats.org/presentationml/2006/ole">
             <mc:AlternateContent xmlns:mc="http://schemas.openxmlformats.org/markup-compatibility/2006">
               <mc:Choice xmlns:v="urn:schemas-microsoft-com:vml" Requires="v">
-                <p:oleObj spid="_x0000_s62519" name="Visio" r:id="rId3" imgW="8067518" imgH="4543307" progId="Visio.Drawing.15">
+                <p:oleObj spid="_x0000_s62522" name="Visio" r:id="rId3" imgW="8067518" imgH="4543307" progId="Visio.Drawing.15">
                   <p:embed/>
                 </p:oleObj>
               </mc:Choice>
@@ -32854,7 +35504,7 @@
           <a:graphicData uri="http://schemas.openxmlformats.org/presentationml/2006/ole">
             <mc:AlternateContent xmlns:mc="http://schemas.openxmlformats.org/markup-compatibility/2006">
               <mc:Choice xmlns:v="urn:schemas-microsoft-com:vml" Requires="v">
-                <p:oleObj spid="_x0000_s63542" name="Visio" r:id="rId3" imgW="9467805" imgH="6496063" progId="Visio.Drawing.15">
+                <p:oleObj spid="_x0000_s63545" name="Visio" r:id="rId3" imgW="9467805" imgH="6496063" progId="Visio.Drawing.15">
                   <p:embed/>
                 </p:oleObj>
               </mc:Choice>
@@ -36469,11 +39119,7 @@
             <a:pPr eaLnBrk="1" hangingPunct="1"/>
             <a:r>
               <a:rPr lang="en-US" dirty="0" smtClean="0"/>
-              <a:t>Gap and Potential Solution </a:t>
-            </a:r>
-            <a:r>
-              <a:rPr lang="en-US" dirty="0" smtClean="0"/>
-              <a:t>(Business)</a:t>
+              <a:t>Gap and Potential Solution (Business)</a:t>
             </a:r>
             <a:endParaRPr lang="en-SG" dirty="0" smtClean="0"/>
           </a:p>
@@ -41378,7 +44024,7 @@
           <a:graphicData uri="http://schemas.openxmlformats.org/presentationml/2006/ole">
             <mc:AlternateContent xmlns:mc="http://schemas.openxmlformats.org/markup-compatibility/2006">
               <mc:Choice xmlns:v="urn:schemas-microsoft-com:vml" Requires="v">
-                <p:oleObj spid="_x0000_s2131" name="Visio" r:id="rId3" imgW="9660374" imgH="6002783" progId="Visio.Drawing.11">
+                <p:oleObj spid="_x0000_s2134" name="Visio" r:id="rId3" imgW="9660374" imgH="6002783" progId="Visio.Drawing.11">
                   <p:embed/>
                 </p:oleObj>
               </mc:Choice>
@@ -41975,7 +44621,7 @@
               <a:pPr algn="ctr"/>
               <a:r>
                 <a:rPr lang="en-SG" sz="1050" dirty="0" smtClean="0"/>
-                <a:t>Architecture Advisory board</a:t>
+                <a:t>Architecture Board</a:t>
               </a:r>
               <a:endParaRPr lang="en-SG" sz="1050" dirty="0"/>
             </a:p>
@@ -43941,931 +46587,946 @@
           </a:p>
         </p:txBody>
       </p:sp>
-      <p:sp>
-        <p:nvSpPr>
-          <p:cNvPr id="4" name="Rounded Rectangle 3"/>
-          <p:cNvSpPr/>
+      <p:grpSp>
+        <p:nvGrpSpPr>
+          <p:cNvPr id="3" name="Group 2"/>
+          <p:cNvGrpSpPr/>
           <p:nvPr/>
-        </p:nvSpPr>
-        <p:spPr>
+        </p:nvGrpSpPr>
+        <p:grpSpPr>
           <a:xfrm>
-            <a:off x="457200" y="1484784"/>
-            <a:ext cx="2376264" cy="792088"/>
+            <a:off x="277180" y="1484784"/>
+            <a:ext cx="8543292" cy="5099383"/>
+            <a:chOff x="277180" y="1484784"/>
+            <a:chExt cx="8543292" cy="5099383"/>
           </a:xfrm>
-          <a:prstGeom prst="roundRect">
-            <a:avLst/>
-          </a:prstGeom>
-        </p:spPr>
-        <p:style>
-          <a:lnRef idx="2">
-            <a:schemeClr val="accent2">
-              <a:shade val="50000"/>
-            </a:schemeClr>
-          </a:lnRef>
-          <a:fillRef idx="1">
-            <a:schemeClr val="accent2"/>
-          </a:fillRef>
-          <a:effectRef idx="0">
-            <a:schemeClr val="accent2"/>
-          </a:effectRef>
-          <a:fontRef idx="minor">
-            <a:schemeClr val="lt1"/>
-          </a:fontRef>
-        </p:style>
-        <p:txBody>
-          <a:bodyPr rtlCol="0" anchor="ctr"/>
-          <a:lstStyle/>
-          <a:p>
-            <a:pPr algn="ctr"/>
-            <a:r>
-              <a:rPr lang="en-SG" dirty="0" smtClean="0"/>
-              <a:t>Raise Change Request</a:t>
-            </a:r>
-            <a:endParaRPr lang="en-SG" dirty="0"/>
-          </a:p>
-        </p:txBody>
-      </p:sp>
-      <p:sp>
-        <p:nvSpPr>
-          <p:cNvPr id="5" name="Rounded Rectangle 4"/>
-          <p:cNvSpPr/>
-          <p:nvPr/>
-        </p:nvSpPr>
-        <p:spPr>
-          <a:xfrm>
-            <a:off x="4283968" y="1484784"/>
-            <a:ext cx="2736304" cy="792088"/>
-          </a:xfrm>
-          <a:prstGeom prst="roundRect">
-            <a:avLst/>
-          </a:prstGeom>
-        </p:spPr>
-        <p:style>
-          <a:lnRef idx="2">
-            <a:schemeClr val="accent2">
-              <a:shade val="50000"/>
-            </a:schemeClr>
-          </a:lnRef>
-          <a:fillRef idx="1">
-            <a:schemeClr val="accent2"/>
-          </a:fillRef>
-          <a:effectRef idx="0">
-            <a:schemeClr val="accent2"/>
-          </a:effectRef>
-          <a:fontRef idx="minor">
-            <a:schemeClr val="lt1"/>
-          </a:fontRef>
-        </p:style>
-        <p:txBody>
-          <a:bodyPr rtlCol="0" anchor="ctr"/>
-          <a:lstStyle/>
-          <a:p>
-            <a:pPr algn="ctr"/>
-            <a:r>
-              <a:rPr lang="en-SG" dirty="0" smtClean="0"/>
-              <a:t>Classify Architectural Change into Categories</a:t>
-            </a:r>
-            <a:endParaRPr lang="en-SG" dirty="0"/>
-          </a:p>
-        </p:txBody>
-      </p:sp>
-      <p:cxnSp>
-        <p:nvCxnSpPr>
-          <p:cNvPr id="7" name="Straight Arrow Connector 6"/>
-          <p:cNvCxnSpPr>
-            <a:stCxn id="4" idx="3"/>
-            <a:endCxn id="5" idx="1"/>
-          </p:cNvCxnSpPr>
-          <p:nvPr/>
-        </p:nvCxnSpPr>
-        <p:spPr>
-          <a:xfrm>
-            <a:off x="2833464" y="1880828"/>
-            <a:ext cx="1450504" cy="0"/>
-          </a:xfrm>
-          <a:prstGeom prst="straightConnector1">
-            <a:avLst/>
-          </a:prstGeom>
-          <a:ln>
-            <a:tailEnd type="triangle"/>
-          </a:ln>
-        </p:spPr>
-        <p:style>
-          <a:lnRef idx="1">
-            <a:schemeClr val="accent1"/>
-          </a:lnRef>
-          <a:fillRef idx="0">
-            <a:schemeClr val="accent1"/>
-          </a:fillRef>
-          <a:effectRef idx="0">
-            <a:schemeClr val="accent1"/>
-          </a:effectRef>
-          <a:fontRef idx="minor">
-            <a:schemeClr val="tx1"/>
-          </a:fontRef>
-        </p:style>
-      </p:cxnSp>
-      <p:sp>
-        <p:nvSpPr>
-          <p:cNvPr id="8" name="Rounded Rectangle 7"/>
-          <p:cNvSpPr/>
-          <p:nvPr/>
-        </p:nvSpPr>
-        <p:spPr>
-          <a:xfrm>
-            <a:off x="277180" y="3336910"/>
-            <a:ext cx="2736304" cy="792088"/>
-          </a:xfrm>
-          <a:prstGeom prst="roundRect">
-            <a:avLst/>
-          </a:prstGeom>
-        </p:spPr>
-        <p:style>
-          <a:lnRef idx="2">
-            <a:schemeClr val="accent2">
-              <a:shade val="50000"/>
-            </a:schemeClr>
-          </a:lnRef>
-          <a:fillRef idx="1">
-            <a:schemeClr val="accent2"/>
-          </a:fillRef>
-          <a:effectRef idx="0">
-            <a:schemeClr val="accent2"/>
-          </a:effectRef>
-          <a:fontRef idx="minor">
-            <a:schemeClr val="lt1"/>
-          </a:fontRef>
-        </p:style>
-        <p:txBody>
-          <a:bodyPr rtlCol="0" anchor="ctr"/>
-          <a:lstStyle/>
-          <a:p>
-            <a:pPr algn="ctr"/>
-            <a:r>
-              <a:rPr lang="en-SG" dirty="0" smtClean="0"/>
-              <a:t>Handle using Change Management Technique</a:t>
-            </a:r>
-            <a:endParaRPr lang="en-SG" dirty="0"/>
-          </a:p>
-        </p:txBody>
-      </p:sp>
-      <p:sp>
-        <p:nvSpPr>
-          <p:cNvPr id="9" name="Rounded Rectangle 8"/>
-          <p:cNvSpPr/>
-          <p:nvPr/>
-        </p:nvSpPr>
-        <p:spPr>
-          <a:xfrm>
-            <a:off x="3180674" y="3336910"/>
-            <a:ext cx="2736304" cy="792088"/>
-          </a:xfrm>
-          <a:prstGeom prst="roundRect">
-            <a:avLst/>
-          </a:prstGeom>
-        </p:spPr>
-        <p:style>
-          <a:lnRef idx="2">
-            <a:schemeClr val="accent2">
-              <a:shade val="50000"/>
-            </a:schemeClr>
-          </a:lnRef>
-          <a:fillRef idx="1">
-            <a:schemeClr val="accent2"/>
-          </a:fillRef>
-          <a:effectRef idx="0">
-            <a:schemeClr val="accent2"/>
-          </a:effectRef>
-          <a:fontRef idx="minor">
-            <a:schemeClr val="lt1"/>
-          </a:fontRef>
-        </p:style>
-        <p:txBody>
-          <a:bodyPr rtlCol="0" anchor="ctr"/>
-          <a:lstStyle/>
-          <a:p>
-            <a:pPr algn="ctr"/>
-            <a:r>
-              <a:rPr lang="en-SG" dirty="0" smtClean="0"/>
-              <a:t>Go through Partial Re-Architecting</a:t>
-            </a:r>
-            <a:endParaRPr lang="en-SG" dirty="0"/>
-          </a:p>
-        </p:txBody>
-      </p:sp>
-      <p:sp>
-        <p:nvSpPr>
-          <p:cNvPr id="10" name="Rounded Rectangle 9"/>
-          <p:cNvSpPr/>
-          <p:nvPr/>
-        </p:nvSpPr>
-        <p:spPr>
-          <a:xfrm>
-            <a:off x="6084168" y="3336910"/>
-            <a:ext cx="2736304" cy="792088"/>
-          </a:xfrm>
-          <a:prstGeom prst="roundRect">
-            <a:avLst/>
-          </a:prstGeom>
-        </p:spPr>
-        <p:style>
-          <a:lnRef idx="2">
-            <a:schemeClr val="accent2">
-              <a:shade val="50000"/>
-            </a:schemeClr>
-          </a:lnRef>
-          <a:fillRef idx="1">
-            <a:schemeClr val="accent2"/>
-          </a:fillRef>
-          <a:effectRef idx="0">
-            <a:schemeClr val="accent2"/>
-          </a:effectRef>
-          <a:fontRef idx="minor">
-            <a:schemeClr val="lt1"/>
-          </a:fontRef>
-        </p:style>
-        <p:txBody>
-          <a:bodyPr rtlCol="0" anchor="ctr"/>
-          <a:lstStyle/>
-          <a:p>
-            <a:pPr algn="ctr"/>
-            <a:r>
-              <a:rPr lang="en-SG" dirty="0" smtClean="0"/>
-              <a:t>Go through entire ADM cycle</a:t>
-            </a:r>
-            <a:endParaRPr lang="en-SG" dirty="0"/>
-          </a:p>
-        </p:txBody>
-      </p:sp>
-      <p:cxnSp>
-        <p:nvCxnSpPr>
-          <p:cNvPr id="12" name="Straight Arrow Connector 11"/>
-          <p:cNvCxnSpPr>
-            <a:stCxn id="5" idx="2"/>
-            <a:endCxn id="8" idx="0"/>
-          </p:cNvCxnSpPr>
-          <p:nvPr/>
-        </p:nvCxnSpPr>
-        <p:spPr>
-          <a:xfrm flipH="1">
-            <a:off x="1645332" y="2276872"/>
-            <a:ext cx="4006788" cy="1060038"/>
-          </a:xfrm>
-          <a:prstGeom prst="straightConnector1">
-            <a:avLst/>
-          </a:prstGeom>
-          <a:ln>
-            <a:tailEnd type="triangle"/>
-          </a:ln>
-        </p:spPr>
-        <p:style>
-          <a:lnRef idx="1">
-            <a:schemeClr val="accent1"/>
-          </a:lnRef>
-          <a:fillRef idx="0">
-            <a:schemeClr val="accent1"/>
-          </a:fillRef>
-          <a:effectRef idx="0">
-            <a:schemeClr val="accent1"/>
-          </a:effectRef>
-          <a:fontRef idx="minor">
-            <a:schemeClr val="tx1"/>
-          </a:fontRef>
-        </p:style>
-      </p:cxnSp>
-      <p:cxnSp>
-        <p:nvCxnSpPr>
-          <p:cNvPr id="14" name="Straight Arrow Connector 13"/>
-          <p:cNvCxnSpPr>
-            <a:stCxn id="5" idx="2"/>
-            <a:endCxn id="9" idx="0"/>
-          </p:cNvCxnSpPr>
-          <p:nvPr/>
-        </p:nvCxnSpPr>
-        <p:spPr>
-          <a:xfrm flipH="1">
-            <a:off x="4548826" y="2276872"/>
-            <a:ext cx="1103294" cy="1060038"/>
-          </a:xfrm>
-          <a:prstGeom prst="straightConnector1">
-            <a:avLst/>
-          </a:prstGeom>
-          <a:ln>
-            <a:tailEnd type="triangle"/>
-          </a:ln>
-        </p:spPr>
-        <p:style>
-          <a:lnRef idx="1">
-            <a:schemeClr val="accent1"/>
-          </a:lnRef>
-          <a:fillRef idx="0">
-            <a:schemeClr val="accent1"/>
-          </a:fillRef>
-          <a:effectRef idx="0">
-            <a:schemeClr val="accent1"/>
-          </a:effectRef>
-          <a:fontRef idx="minor">
-            <a:schemeClr val="tx1"/>
-          </a:fontRef>
-        </p:style>
-      </p:cxnSp>
-      <p:cxnSp>
-        <p:nvCxnSpPr>
-          <p:cNvPr id="16" name="Straight Arrow Connector 15"/>
-          <p:cNvCxnSpPr>
-            <a:endCxn id="10" idx="0"/>
-          </p:cNvCxnSpPr>
-          <p:nvPr/>
-        </p:nvCxnSpPr>
-        <p:spPr>
-          <a:xfrm>
-            <a:off x="5652120" y="2276872"/>
-            <a:ext cx="1800200" cy="1060038"/>
-          </a:xfrm>
-          <a:prstGeom prst="straightConnector1">
-            <a:avLst/>
-          </a:prstGeom>
-          <a:ln>
-            <a:tailEnd type="triangle"/>
-          </a:ln>
-        </p:spPr>
-        <p:style>
-          <a:lnRef idx="1">
-            <a:schemeClr val="accent1"/>
-          </a:lnRef>
-          <a:fillRef idx="0">
-            <a:schemeClr val="accent1"/>
-          </a:fillRef>
-          <a:effectRef idx="0">
-            <a:schemeClr val="accent1"/>
-          </a:effectRef>
-          <a:fontRef idx="minor">
-            <a:schemeClr val="tx1"/>
-          </a:fontRef>
-        </p:style>
-      </p:cxnSp>
-      <p:sp>
-        <p:nvSpPr>
-          <p:cNvPr id="17" name="TextBox 16"/>
-          <p:cNvSpPr txBox="1"/>
-          <p:nvPr/>
-        </p:nvSpPr>
-        <p:spPr>
-          <a:xfrm>
-            <a:off x="1553067" y="2584891"/>
-            <a:ext cx="1544012" cy="369332"/>
-          </a:xfrm>
-          <a:prstGeom prst="rect">
-            <a:avLst/>
-          </a:prstGeom>
-          <a:noFill/>
-        </p:spPr>
-        <p:txBody>
-          <a:bodyPr wrap="none" rtlCol="0">
-            <a:spAutoFit/>
-          </a:bodyPr>
-          <a:lstStyle/>
-          <a:p>
-            <a:r>
-              <a:rPr lang="en-SG" dirty="0" smtClean="0"/>
-              <a:t>Simplification</a:t>
-            </a:r>
-            <a:endParaRPr lang="en-SG" dirty="0"/>
-          </a:p>
-        </p:txBody>
-      </p:sp>
-      <p:sp>
-        <p:nvSpPr>
-          <p:cNvPr id="18" name="TextBox 17"/>
-          <p:cNvSpPr txBox="1"/>
-          <p:nvPr/>
-        </p:nvSpPr>
-        <p:spPr>
-          <a:xfrm>
-            <a:off x="4200373" y="2782557"/>
-            <a:ext cx="1390124" cy="369332"/>
-          </a:xfrm>
-          <a:prstGeom prst="rect">
-            <a:avLst/>
-          </a:prstGeom>
-          <a:noFill/>
-        </p:spPr>
-        <p:txBody>
-          <a:bodyPr wrap="none" rtlCol="0">
-            <a:spAutoFit/>
-          </a:bodyPr>
-          <a:lstStyle/>
-          <a:p>
-            <a:r>
-              <a:rPr lang="en-SG" dirty="0" smtClean="0"/>
-              <a:t>Incremental</a:t>
-            </a:r>
-            <a:endParaRPr lang="en-SG" dirty="0"/>
-          </a:p>
-        </p:txBody>
-      </p:sp>
-      <p:sp>
-        <p:nvSpPr>
-          <p:cNvPr id="19" name="TextBox 18"/>
-          <p:cNvSpPr txBox="1"/>
-          <p:nvPr/>
-        </p:nvSpPr>
-        <p:spPr>
-          <a:xfrm>
-            <a:off x="6666611" y="2642002"/>
-            <a:ext cx="1762021" cy="369332"/>
-          </a:xfrm>
-          <a:prstGeom prst="rect">
-            <a:avLst/>
-          </a:prstGeom>
-          <a:noFill/>
-        </p:spPr>
-        <p:txBody>
-          <a:bodyPr wrap="none" rtlCol="0">
-            <a:spAutoFit/>
-          </a:bodyPr>
-          <a:lstStyle/>
-          <a:p>
-            <a:r>
-              <a:rPr lang="en-SG" dirty="0" smtClean="0"/>
-              <a:t>Re-Architecting</a:t>
-            </a:r>
-            <a:endParaRPr lang="en-SG" dirty="0"/>
-          </a:p>
-        </p:txBody>
-      </p:sp>
-      <p:sp>
-        <p:nvSpPr>
-          <p:cNvPr id="20" name="Rounded Rectangle 19"/>
-          <p:cNvSpPr/>
-          <p:nvPr/>
-        </p:nvSpPr>
-        <p:spPr>
-          <a:xfrm>
-            <a:off x="451698" y="4603947"/>
-            <a:ext cx="2376264" cy="792088"/>
-          </a:xfrm>
-          <a:prstGeom prst="roundRect">
-            <a:avLst/>
-          </a:prstGeom>
-        </p:spPr>
-        <p:style>
-          <a:lnRef idx="2">
-            <a:schemeClr val="accent2">
-              <a:shade val="50000"/>
-            </a:schemeClr>
-          </a:lnRef>
-          <a:fillRef idx="1">
-            <a:schemeClr val="accent2"/>
-          </a:fillRef>
-          <a:effectRef idx="0">
-            <a:schemeClr val="accent2"/>
-          </a:effectRef>
-          <a:fontRef idx="minor">
-            <a:schemeClr val="lt1"/>
-          </a:fontRef>
-        </p:style>
-        <p:txBody>
-          <a:bodyPr rtlCol="0" anchor="ctr"/>
-          <a:lstStyle/>
-          <a:p>
-            <a:pPr algn="ctr"/>
-            <a:r>
-              <a:rPr lang="en-SG" dirty="0" smtClean="0"/>
-              <a:t>Impact Analysis</a:t>
-            </a:r>
-            <a:endParaRPr lang="en-SG" dirty="0"/>
-          </a:p>
-        </p:txBody>
-      </p:sp>
-      <p:sp>
-        <p:nvSpPr>
-          <p:cNvPr id="21" name="Rounded Rectangle 20"/>
-          <p:cNvSpPr/>
-          <p:nvPr/>
-        </p:nvSpPr>
-        <p:spPr>
-          <a:xfrm>
-            <a:off x="5590497" y="5792079"/>
-            <a:ext cx="2376264" cy="792088"/>
-          </a:xfrm>
-          <a:prstGeom prst="roundRect">
-            <a:avLst/>
-          </a:prstGeom>
-        </p:spPr>
-        <p:style>
-          <a:lnRef idx="2">
-            <a:schemeClr val="accent2">
-              <a:shade val="50000"/>
-            </a:schemeClr>
-          </a:lnRef>
-          <a:fillRef idx="1">
-            <a:schemeClr val="accent2"/>
-          </a:fillRef>
-          <a:effectRef idx="0">
-            <a:schemeClr val="accent2"/>
-          </a:effectRef>
-          <a:fontRef idx="minor">
-            <a:schemeClr val="lt1"/>
-          </a:fontRef>
-        </p:style>
-        <p:txBody>
-          <a:bodyPr rtlCol="0" anchor="ctr"/>
-          <a:lstStyle/>
-          <a:p>
-            <a:pPr algn="ctr"/>
-            <a:r>
-              <a:rPr lang="en-SG" dirty="0" smtClean="0"/>
-              <a:t>Update Schedule and Plan</a:t>
-            </a:r>
-            <a:endParaRPr lang="en-SG" dirty="0"/>
-          </a:p>
-        </p:txBody>
-      </p:sp>
-      <p:sp>
-        <p:nvSpPr>
-          <p:cNvPr id="22" name="Rounded Rectangle 21"/>
-          <p:cNvSpPr/>
-          <p:nvPr/>
-        </p:nvSpPr>
-        <p:spPr>
-          <a:xfrm>
-            <a:off x="1992542" y="5792079"/>
-            <a:ext cx="2376264" cy="792088"/>
-          </a:xfrm>
-          <a:prstGeom prst="roundRect">
-            <a:avLst/>
-          </a:prstGeom>
-        </p:spPr>
-        <p:style>
-          <a:lnRef idx="2">
-            <a:schemeClr val="accent2">
-              <a:shade val="50000"/>
-            </a:schemeClr>
-          </a:lnRef>
-          <a:fillRef idx="1">
-            <a:schemeClr val="accent2"/>
-          </a:fillRef>
-          <a:effectRef idx="0">
-            <a:schemeClr val="accent2"/>
-          </a:effectRef>
-          <a:fontRef idx="minor">
-            <a:schemeClr val="lt1"/>
-          </a:fontRef>
-        </p:style>
-        <p:txBody>
-          <a:bodyPr rtlCol="0" anchor="ctr"/>
-          <a:lstStyle/>
-          <a:p>
-            <a:pPr algn="ctr"/>
-            <a:r>
-              <a:rPr lang="en-SG" dirty="0" smtClean="0"/>
-              <a:t>Implement Change on EA</a:t>
-            </a:r>
-            <a:endParaRPr lang="en-SG" dirty="0"/>
-          </a:p>
-        </p:txBody>
-      </p:sp>
-      <p:cxnSp>
-        <p:nvCxnSpPr>
-          <p:cNvPr id="24" name="Straight Arrow Connector 23"/>
-          <p:cNvCxnSpPr>
-            <a:stCxn id="8" idx="2"/>
-            <a:endCxn id="20" idx="0"/>
-          </p:cNvCxnSpPr>
-          <p:nvPr/>
-        </p:nvCxnSpPr>
-        <p:spPr>
-          <a:xfrm flipH="1">
-            <a:off x="1639830" y="4128998"/>
-            <a:ext cx="5502" cy="474949"/>
-          </a:xfrm>
-          <a:prstGeom prst="straightConnector1">
-            <a:avLst/>
-          </a:prstGeom>
-          <a:ln>
-            <a:tailEnd type="triangle"/>
-          </a:ln>
-        </p:spPr>
-        <p:style>
-          <a:lnRef idx="1">
-            <a:schemeClr val="accent1"/>
-          </a:lnRef>
-          <a:fillRef idx="0">
-            <a:schemeClr val="accent1"/>
-          </a:fillRef>
-          <a:effectRef idx="0">
-            <a:schemeClr val="accent1"/>
-          </a:effectRef>
-          <a:fontRef idx="minor">
-            <a:schemeClr val="tx1"/>
-          </a:fontRef>
-        </p:style>
-      </p:cxnSp>
-      <p:cxnSp>
-        <p:nvCxnSpPr>
-          <p:cNvPr id="25" name="Straight Arrow Connector 24"/>
-          <p:cNvCxnSpPr>
-            <a:stCxn id="9" idx="2"/>
-            <a:endCxn id="20" idx="0"/>
-          </p:cNvCxnSpPr>
-          <p:nvPr/>
-        </p:nvCxnSpPr>
-        <p:spPr>
-          <a:xfrm flipH="1">
-            <a:off x="1639830" y="4128998"/>
-            <a:ext cx="2908996" cy="474949"/>
-          </a:xfrm>
-          <a:prstGeom prst="straightConnector1">
-            <a:avLst/>
-          </a:prstGeom>
-          <a:ln>
-            <a:tailEnd type="triangle"/>
-          </a:ln>
-        </p:spPr>
-        <p:style>
-          <a:lnRef idx="1">
-            <a:schemeClr val="accent1"/>
-          </a:lnRef>
-          <a:fillRef idx="0">
-            <a:schemeClr val="accent1"/>
-          </a:fillRef>
-          <a:effectRef idx="0">
-            <a:schemeClr val="accent1"/>
-          </a:effectRef>
-          <a:fontRef idx="minor">
-            <a:schemeClr val="tx1"/>
-          </a:fontRef>
-        </p:style>
-      </p:cxnSp>
-      <p:cxnSp>
-        <p:nvCxnSpPr>
-          <p:cNvPr id="30" name="Straight Arrow Connector 29"/>
-          <p:cNvCxnSpPr>
-            <a:stCxn id="10" idx="2"/>
-            <a:endCxn id="20" idx="0"/>
-          </p:cNvCxnSpPr>
-          <p:nvPr/>
-        </p:nvCxnSpPr>
-        <p:spPr>
-          <a:xfrm flipH="1">
-            <a:off x="1639830" y="4128998"/>
-            <a:ext cx="5812490" cy="474949"/>
-          </a:xfrm>
-          <a:prstGeom prst="straightConnector1">
-            <a:avLst/>
-          </a:prstGeom>
-          <a:ln>
-            <a:tailEnd type="triangle"/>
-          </a:ln>
-        </p:spPr>
-        <p:style>
-          <a:lnRef idx="1">
-            <a:schemeClr val="accent1"/>
-          </a:lnRef>
-          <a:fillRef idx="0">
-            <a:schemeClr val="accent1"/>
-          </a:fillRef>
-          <a:effectRef idx="0">
-            <a:schemeClr val="accent1"/>
-          </a:effectRef>
-          <a:fontRef idx="minor">
-            <a:schemeClr val="tx1"/>
-          </a:fontRef>
-        </p:style>
-      </p:cxnSp>
-      <p:cxnSp>
-        <p:nvCxnSpPr>
-          <p:cNvPr id="33" name="Straight Arrow Connector 32"/>
-          <p:cNvCxnSpPr>
-            <a:stCxn id="20" idx="3"/>
-            <a:endCxn id="39" idx="1"/>
-          </p:cNvCxnSpPr>
-          <p:nvPr/>
-        </p:nvCxnSpPr>
-        <p:spPr>
-          <a:xfrm>
-            <a:off x="2827962" y="4999991"/>
-            <a:ext cx="440592" cy="0"/>
-          </a:xfrm>
-          <a:prstGeom prst="straightConnector1">
-            <a:avLst/>
-          </a:prstGeom>
-          <a:ln>
-            <a:tailEnd type="triangle"/>
-          </a:ln>
-        </p:spPr>
-        <p:style>
-          <a:lnRef idx="1">
-            <a:schemeClr val="accent1"/>
-          </a:lnRef>
-          <a:fillRef idx="0">
-            <a:schemeClr val="accent1"/>
-          </a:fillRef>
-          <a:effectRef idx="0">
-            <a:schemeClr val="accent1"/>
-          </a:effectRef>
-          <a:fontRef idx="minor">
-            <a:schemeClr val="tx1"/>
-          </a:fontRef>
-        </p:style>
-      </p:cxnSp>
-      <p:cxnSp>
-        <p:nvCxnSpPr>
-          <p:cNvPr id="36" name="Straight Arrow Connector 35"/>
-          <p:cNvCxnSpPr>
-            <a:stCxn id="21" idx="1"/>
-            <a:endCxn id="22" idx="3"/>
-          </p:cNvCxnSpPr>
-          <p:nvPr/>
-        </p:nvCxnSpPr>
-        <p:spPr>
-          <a:xfrm flipH="1">
-            <a:off x="4368806" y="6188123"/>
-            <a:ext cx="1221691" cy="0"/>
-          </a:xfrm>
-          <a:prstGeom prst="straightConnector1">
-            <a:avLst/>
-          </a:prstGeom>
-          <a:ln>
-            <a:tailEnd type="triangle"/>
-          </a:ln>
-        </p:spPr>
-        <p:style>
-          <a:lnRef idx="1">
-            <a:schemeClr val="accent1"/>
-          </a:lnRef>
-          <a:fillRef idx="0">
-            <a:schemeClr val="accent1"/>
-          </a:fillRef>
-          <a:effectRef idx="0">
-            <a:schemeClr val="accent1"/>
-          </a:effectRef>
-          <a:fontRef idx="minor">
-            <a:schemeClr val="tx1"/>
-          </a:fontRef>
-        </p:style>
-      </p:cxnSp>
-      <p:sp>
-        <p:nvSpPr>
-          <p:cNvPr id="39" name="Rounded Rectangle 38"/>
-          <p:cNvSpPr/>
-          <p:nvPr/>
-        </p:nvSpPr>
-        <p:spPr>
-          <a:xfrm>
-            <a:off x="3268554" y="4603947"/>
-            <a:ext cx="2376264" cy="792088"/>
-          </a:xfrm>
-          <a:prstGeom prst="roundRect">
-            <a:avLst/>
-          </a:prstGeom>
-        </p:spPr>
-        <p:style>
-          <a:lnRef idx="2">
-            <a:schemeClr val="accent2">
-              <a:shade val="50000"/>
-            </a:schemeClr>
-          </a:lnRef>
-          <a:fillRef idx="1">
-            <a:schemeClr val="accent2"/>
-          </a:fillRef>
-          <a:effectRef idx="0">
-            <a:schemeClr val="accent2"/>
-          </a:effectRef>
-          <a:fontRef idx="minor">
-            <a:schemeClr val="lt1"/>
-          </a:fontRef>
-        </p:style>
-        <p:txBody>
-          <a:bodyPr rtlCol="0" anchor="ctr"/>
-          <a:lstStyle/>
-          <a:p>
-            <a:pPr algn="ctr"/>
-            <a:r>
-              <a:rPr lang="en-SG" dirty="0" smtClean="0"/>
-              <a:t>Review Change with Architecture Advisory Board</a:t>
-            </a:r>
-            <a:endParaRPr lang="en-SG" dirty="0"/>
-          </a:p>
-        </p:txBody>
-      </p:sp>
-      <p:sp>
-        <p:nvSpPr>
-          <p:cNvPr id="40" name="Rounded Rectangle 39"/>
-          <p:cNvSpPr/>
-          <p:nvPr/>
-        </p:nvSpPr>
-        <p:spPr>
-          <a:xfrm>
-            <a:off x="6222201" y="4607799"/>
-            <a:ext cx="2376264" cy="792088"/>
-          </a:xfrm>
-          <a:prstGeom prst="roundRect">
-            <a:avLst/>
-          </a:prstGeom>
-        </p:spPr>
-        <p:style>
-          <a:lnRef idx="2">
-            <a:schemeClr val="accent2">
-              <a:shade val="50000"/>
-            </a:schemeClr>
-          </a:lnRef>
-          <a:fillRef idx="1">
-            <a:schemeClr val="accent2"/>
-          </a:fillRef>
-          <a:effectRef idx="0">
-            <a:schemeClr val="accent2"/>
-          </a:effectRef>
-          <a:fontRef idx="minor">
-            <a:schemeClr val="lt1"/>
-          </a:fontRef>
-        </p:style>
-        <p:txBody>
-          <a:bodyPr rtlCol="0" anchor="ctr"/>
-          <a:lstStyle/>
-          <a:p>
-            <a:pPr algn="ctr"/>
-            <a:r>
-              <a:rPr lang="en-SG" dirty="0" smtClean="0"/>
-              <a:t>Approve Change</a:t>
-            </a:r>
-            <a:endParaRPr lang="en-SG" dirty="0"/>
-          </a:p>
-        </p:txBody>
-      </p:sp>
-      <p:cxnSp>
-        <p:nvCxnSpPr>
-          <p:cNvPr id="58" name="Straight Arrow Connector 57"/>
-          <p:cNvCxnSpPr>
-            <a:stCxn id="39" idx="3"/>
-            <a:endCxn id="40" idx="1"/>
-          </p:cNvCxnSpPr>
-          <p:nvPr/>
-        </p:nvCxnSpPr>
-        <p:spPr>
-          <a:xfrm>
-            <a:off x="5644818" y="4999991"/>
-            <a:ext cx="577383" cy="3852"/>
-          </a:xfrm>
-          <a:prstGeom prst="straightConnector1">
-            <a:avLst/>
-          </a:prstGeom>
-          <a:ln>
-            <a:tailEnd type="triangle"/>
-          </a:ln>
-        </p:spPr>
-        <p:style>
-          <a:lnRef idx="1">
-            <a:schemeClr val="accent1"/>
-          </a:lnRef>
-          <a:fillRef idx="0">
-            <a:schemeClr val="accent1"/>
-          </a:fillRef>
-          <a:effectRef idx="0">
-            <a:schemeClr val="accent1"/>
-          </a:effectRef>
-          <a:fontRef idx="minor">
-            <a:schemeClr val="tx1"/>
-          </a:fontRef>
-        </p:style>
-      </p:cxnSp>
-      <p:cxnSp>
-        <p:nvCxnSpPr>
-          <p:cNvPr id="62" name="Straight Arrow Connector 61"/>
-          <p:cNvCxnSpPr>
-            <a:stCxn id="40" idx="2"/>
-            <a:endCxn id="21" idx="0"/>
-          </p:cNvCxnSpPr>
-          <p:nvPr/>
-        </p:nvCxnSpPr>
-        <p:spPr>
-          <a:xfrm flipH="1">
-            <a:off x="6778629" y="5399887"/>
-            <a:ext cx="631704" cy="392192"/>
-          </a:xfrm>
-          <a:prstGeom prst="straightConnector1">
-            <a:avLst/>
-          </a:prstGeom>
-          <a:ln>
-            <a:tailEnd type="triangle"/>
-          </a:ln>
-        </p:spPr>
-        <p:style>
-          <a:lnRef idx="1">
-            <a:schemeClr val="accent1"/>
-          </a:lnRef>
-          <a:fillRef idx="0">
-            <a:schemeClr val="accent1"/>
-          </a:fillRef>
-          <a:effectRef idx="0">
-            <a:schemeClr val="accent1"/>
-          </a:effectRef>
-          <a:fontRef idx="minor">
-            <a:schemeClr val="tx1"/>
-          </a:fontRef>
-        </p:style>
-      </p:cxnSp>
+        </p:grpSpPr>
+        <p:sp>
+          <p:nvSpPr>
+            <p:cNvPr id="4" name="Rounded Rectangle 3"/>
+            <p:cNvSpPr/>
+            <p:nvPr/>
+          </p:nvSpPr>
+          <p:spPr>
+            <a:xfrm>
+              <a:off x="457200" y="1484784"/>
+              <a:ext cx="2376264" cy="792088"/>
+            </a:xfrm>
+            <a:prstGeom prst="roundRect">
+              <a:avLst/>
+            </a:prstGeom>
+          </p:spPr>
+          <p:style>
+            <a:lnRef idx="2">
+              <a:schemeClr val="accent2">
+                <a:shade val="50000"/>
+              </a:schemeClr>
+            </a:lnRef>
+            <a:fillRef idx="1">
+              <a:schemeClr val="accent2"/>
+            </a:fillRef>
+            <a:effectRef idx="0">
+              <a:schemeClr val="accent2"/>
+            </a:effectRef>
+            <a:fontRef idx="minor">
+              <a:schemeClr val="lt1"/>
+            </a:fontRef>
+          </p:style>
+          <p:txBody>
+            <a:bodyPr rtlCol="0" anchor="ctr"/>
+            <a:lstStyle/>
+            <a:p>
+              <a:pPr algn="ctr"/>
+              <a:r>
+                <a:rPr lang="en-SG" dirty="0" smtClean="0"/>
+                <a:t>Raise Change Request</a:t>
+              </a:r>
+              <a:endParaRPr lang="en-SG" dirty="0"/>
+            </a:p>
+          </p:txBody>
+        </p:sp>
+        <p:sp>
+          <p:nvSpPr>
+            <p:cNvPr id="5" name="Rounded Rectangle 4"/>
+            <p:cNvSpPr/>
+            <p:nvPr/>
+          </p:nvSpPr>
+          <p:spPr>
+            <a:xfrm>
+              <a:off x="4283968" y="1484784"/>
+              <a:ext cx="2736304" cy="792088"/>
+            </a:xfrm>
+            <a:prstGeom prst="roundRect">
+              <a:avLst/>
+            </a:prstGeom>
+          </p:spPr>
+          <p:style>
+            <a:lnRef idx="2">
+              <a:schemeClr val="accent2">
+                <a:shade val="50000"/>
+              </a:schemeClr>
+            </a:lnRef>
+            <a:fillRef idx="1">
+              <a:schemeClr val="accent2"/>
+            </a:fillRef>
+            <a:effectRef idx="0">
+              <a:schemeClr val="accent2"/>
+            </a:effectRef>
+            <a:fontRef idx="minor">
+              <a:schemeClr val="lt1"/>
+            </a:fontRef>
+          </p:style>
+          <p:txBody>
+            <a:bodyPr rtlCol="0" anchor="ctr"/>
+            <a:lstStyle/>
+            <a:p>
+              <a:pPr algn="ctr"/>
+              <a:r>
+                <a:rPr lang="en-SG" dirty="0" smtClean="0"/>
+                <a:t>Classify Architectural Change into Categories</a:t>
+              </a:r>
+              <a:endParaRPr lang="en-SG" dirty="0"/>
+            </a:p>
+          </p:txBody>
+        </p:sp>
+        <p:cxnSp>
+          <p:nvCxnSpPr>
+            <p:cNvPr id="7" name="Straight Arrow Connector 6"/>
+            <p:cNvCxnSpPr>
+              <a:stCxn id="4" idx="3"/>
+              <a:endCxn id="5" idx="1"/>
+            </p:cNvCxnSpPr>
+            <p:nvPr/>
+          </p:nvCxnSpPr>
+          <p:spPr>
+            <a:xfrm>
+              <a:off x="2833464" y="1880828"/>
+              <a:ext cx="1450504" cy="0"/>
+            </a:xfrm>
+            <a:prstGeom prst="straightConnector1">
+              <a:avLst/>
+            </a:prstGeom>
+            <a:ln>
+              <a:tailEnd type="triangle"/>
+            </a:ln>
+          </p:spPr>
+          <p:style>
+            <a:lnRef idx="1">
+              <a:schemeClr val="accent1"/>
+            </a:lnRef>
+            <a:fillRef idx="0">
+              <a:schemeClr val="accent1"/>
+            </a:fillRef>
+            <a:effectRef idx="0">
+              <a:schemeClr val="accent1"/>
+            </a:effectRef>
+            <a:fontRef idx="minor">
+              <a:schemeClr val="tx1"/>
+            </a:fontRef>
+          </p:style>
+        </p:cxnSp>
+        <p:sp>
+          <p:nvSpPr>
+            <p:cNvPr id="8" name="Rounded Rectangle 7"/>
+            <p:cNvSpPr/>
+            <p:nvPr/>
+          </p:nvSpPr>
+          <p:spPr>
+            <a:xfrm>
+              <a:off x="277180" y="3336910"/>
+              <a:ext cx="2736304" cy="792088"/>
+            </a:xfrm>
+            <a:prstGeom prst="roundRect">
+              <a:avLst/>
+            </a:prstGeom>
+          </p:spPr>
+          <p:style>
+            <a:lnRef idx="2">
+              <a:schemeClr val="accent2">
+                <a:shade val="50000"/>
+              </a:schemeClr>
+            </a:lnRef>
+            <a:fillRef idx="1">
+              <a:schemeClr val="accent2"/>
+            </a:fillRef>
+            <a:effectRef idx="0">
+              <a:schemeClr val="accent2"/>
+            </a:effectRef>
+            <a:fontRef idx="minor">
+              <a:schemeClr val="lt1"/>
+            </a:fontRef>
+          </p:style>
+          <p:txBody>
+            <a:bodyPr rtlCol="0" anchor="ctr"/>
+            <a:lstStyle/>
+            <a:p>
+              <a:pPr algn="ctr"/>
+              <a:r>
+                <a:rPr lang="en-SG" dirty="0" smtClean="0"/>
+                <a:t>Handle using Change Management Technique</a:t>
+              </a:r>
+              <a:endParaRPr lang="en-SG" dirty="0"/>
+            </a:p>
+          </p:txBody>
+        </p:sp>
+        <p:sp>
+          <p:nvSpPr>
+            <p:cNvPr id="9" name="Rounded Rectangle 8"/>
+            <p:cNvSpPr/>
+            <p:nvPr/>
+          </p:nvSpPr>
+          <p:spPr>
+            <a:xfrm>
+              <a:off x="3180674" y="3336910"/>
+              <a:ext cx="2736304" cy="792088"/>
+            </a:xfrm>
+            <a:prstGeom prst="roundRect">
+              <a:avLst/>
+            </a:prstGeom>
+          </p:spPr>
+          <p:style>
+            <a:lnRef idx="2">
+              <a:schemeClr val="accent2">
+                <a:shade val="50000"/>
+              </a:schemeClr>
+            </a:lnRef>
+            <a:fillRef idx="1">
+              <a:schemeClr val="accent2"/>
+            </a:fillRef>
+            <a:effectRef idx="0">
+              <a:schemeClr val="accent2"/>
+            </a:effectRef>
+            <a:fontRef idx="minor">
+              <a:schemeClr val="lt1"/>
+            </a:fontRef>
+          </p:style>
+          <p:txBody>
+            <a:bodyPr rtlCol="0" anchor="ctr"/>
+            <a:lstStyle/>
+            <a:p>
+              <a:pPr algn="ctr"/>
+              <a:r>
+                <a:rPr lang="en-SG" dirty="0" smtClean="0"/>
+                <a:t>Go through Partial Re-Architecting</a:t>
+              </a:r>
+              <a:endParaRPr lang="en-SG" dirty="0"/>
+            </a:p>
+          </p:txBody>
+        </p:sp>
+        <p:sp>
+          <p:nvSpPr>
+            <p:cNvPr id="10" name="Rounded Rectangle 9"/>
+            <p:cNvSpPr/>
+            <p:nvPr/>
+          </p:nvSpPr>
+          <p:spPr>
+            <a:xfrm>
+              <a:off x="6084168" y="3336910"/>
+              <a:ext cx="2736304" cy="792088"/>
+            </a:xfrm>
+            <a:prstGeom prst="roundRect">
+              <a:avLst/>
+            </a:prstGeom>
+          </p:spPr>
+          <p:style>
+            <a:lnRef idx="2">
+              <a:schemeClr val="accent2">
+                <a:shade val="50000"/>
+              </a:schemeClr>
+            </a:lnRef>
+            <a:fillRef idx="1">
+              <a:schemeClr val="accent2"/>
+            </a:fillRef>
+            <a:effectRef idx="0">
+              <a:schemeClr val="accent2"/>
+            </a:effectRef>
+            <a:fontRef idx="minor">
+              <a:schemeClr val="lt1"/>
+            </a:fontRef>
+          </p:style>
+          <p:txBody>
+            <a:bodyPr rtlCol="0" anchor="ctr"/>
+            <a:lstStyle/>
+            <a:p>
+              <a:pPr algn="ctr"/>
+              <a:r>
+                <a:rPr lang="en-SG" dirty="0" smtClean="0"/>
+                <a:t>Go through entire ADM cycle</a:t>
+              </a:r>
+              <a:endParaRPr lang="en-SG" dirty="0"/>
+            </a:p>
+          </p:txBody>
+        </p:sp>
+        <p:cxnSp>
+          <p:nvCxnSpPr>
+            <p:cNvPr id="12" name="Straight Arrow Connector 11"/>
+            <p:cNvCxnSpPr>
+              <a:stCxn id="5" idx="2"/>
+              <a:endCxn id="8" idx="0"/>
+            </p:cNvCxnSpPr>
+            <p:nvPr/>
+          </p:nvCxnSpPr>
+          <p:spPr>
+            <a:xfrm flipH="1">
+              <a:off x="1645332" y="2276872"/>
+              <a:ext cx="4006788" cy="1060038"/>
+            </a:xfrm>
+            <a:prstGeom prst="straightConnector1">
+              <a:avLst/>
+            </a:prstGeom>
+            <a:ln>
+              <a:tailEnd type="triangle"/>
+            </a:ln>
+          </p:spPr>
+          <p:style>
+            <a:lnRef idx="1">
+              <a:schemeClr val="accent1"/>
+            </a:lnRef>
+            <a:fillRef idx="0">
+              <a:schemeClr val="accent1"/>
+            </a:fillRef>
+            <a:effectRef idx="0">
+              <a:schemeClr val="accent1"/>
+            </a:effectRef>
+            <a:fontRef idx="minor">
+              <a:schemeClr val="tx1"/>
+            </a:fontRef>
+          </p:style>
+        </p:cxnSp>
+        <p:cxnSp>
+          <p:nvCxnSpPr>
+            <p:cNvPr id="14" name="Straight Arrow Connector 13"/>
+            <p:cNvCxnSpPr>
+              <a:stCxn id="5" idx="2"/>
+              <a:endCxn id="9" idx="0"/>
+            </p:cNvCxnSpPr>
+            <p:nvPr/>
+          </p:nvCxnSpPr>
+          <p:spPr>
+            <a:xfrm flipH="1">
+              <a:off x="4548826" y="2276872"/>
+              <a:ext cx="1103294" cy="1060038"/>
+            </a:xfrm>
+            <a:prstGeom prst="straightConnector1">
+              <a:avLst/>
+            </a:prstGeom>
+            <a:ln>
+              <a:tailEnd type="triangle"/>
+            </a:ln>
+          </p:spPr>
+          <p:style>
+            <a:lnRef idx="1">
+              <a:schemeClr val="accent1"/>
+            </a:lnRef>
+            <a:fillRef idx="0">
+              <a:schemeClr val="accent1"/>
+            </a:fillRef>
+            <a:effectRef idx="0">
+              <a:schemeClr val="accent1"/>
+            </a:effectRef>
+            <a:fontRef idx="minor">
+              <a:schemeClr val="tx1"/>
+            </a:fontRef>
+          </p:style>
+        </p:cxnSp>
+        <p:cxnSp>
+          <p:nvCxnSpPr>
+            <p:cNvPr id="16" name="Straight Arrow Connector 15"/>
+            <p:cNvCxnSpPr>
+              <a:endCxn id="10" idx="0"/>
+            </p:cNvCxnSpPr>
+            <p:nvPr/>
+          </p:nvCxnSpPr>
+          <p:spPr>
+            <a:xfrm>
+              <a:off x="5652120" y="2276872"/>
+              <a:ext cx="1800200" cy="1060038"/>
+            </a:xfrm>
+            <a:prstGeom prst="straightConnector1">
+              <a:avLst/>
+            </a:prstGeom>
+            <a:ln>
+              <a:tailEnd type="triangle"/>
+            </a:ln>
+          </p:spPr>
+          <p:style>
+            <a:lnRef idx="1">
+              <a:schemeClr val="accent1"/>
+            </a:lnRef>
+            <a:fillRef idx="0">
+              <a:schemeClr val="accent1"/>
+            </a:fillRef>
+            <a:effectRef idx="0">
+              <a:schemeClr val="accent1"/>
+            </a:effectRef>
+            <a:fontRef idx="minor">
+              <a:schemeClr val="tx1"/>
+            </a:fontRef>
+          </p:style>
+        </p:cxnSp>
+        <p:sp>
+          <p:nvSpPr>
+            <p:cNvPr id="17" name="TextBox 16"/>
+            <p:cNvSpPr txBox="1"/>
+            <p:nvPr/>
+          </p:nvSpPr>
+          <p:spPr>
+            <a:xfrm>
+              <a:off x="1553067" y="2584891"/>
+              <a:ext cx="1544012" cy="369332"/>
+            </a:xfrm>
+            <a:prstGeom prst="rect">
+              <a:avLst/>
+            </a:prstGeom>
+            <a:noFill/>
+          </p:spPr>
+          <p:txBody>
+            <a:bodyPr wrap="none" rtlCol="0">
+              <a:spAutoFit/>
+            </a:bodyPr>
+            <a:lstStyle/>
+            <a:p>
+              <a:r>
+                <a:rPr lang="en-SG" dirty="0" smtClean="0"/>
+                <a:t>Simplification</a:t>
+              </a:r>
+              <a:endParaRPr lang="en-SG" dirty="0"/>
+            </a:p>
+          </p:txBody>
+        </p:sp>
+        <p:sp>
+          <p:nvSpPr>
+            <p:cNvPr id="18" name="TextBox 17"/>
+            <p:cNvSpPr txBox="1"/>
+            <p:nvPr/>
+          </p:nvSpPr>
+          <p:spPr>
+            <a:xfrm>
+              <a:off x="4200373" y="2782557"/>
+              <a:ext cx="1390124" cy="369332"/>
+            </a:xfrm>
+            <a:prstGeom prst="rect">
+              <a:avLst/>
+            </a:prstGeom>
+            <a:noFill/>
+          </p:spPr>
+          <p:txBody>
+            <a:bodyPr wrap="none" rtlCol="0">
+              <a:spAutoFit/>
+            </a:bodyPr>
+            <a:lstStyle/>
+            <a:p>
+              <a:r>
+                <a:rPr lang="en-SG" dirty="0" smtClean="0"/>
+                <a:t>Incremental</a:t>
+              </a:r>
+              <a:endParaRPr lang="en-SG" dirty="0"/>
+            </a:p>
+          </p:txBody>
+        </p:sp>
+        <p:sp>
+          <p:nvSpPr>
+            <p:cNvPr id="19" name="TextBox 18"/>
+            <p:cNvSpPr txBox="1"/>
+            <p:nvPr/>
+          </p:nvSpPr>
+          <p:spPr>
+            <a:xfrm>
+              <a:off x="6666611" y="2642002"/>
+              <a:ext cx="1762021" cy="369332"/>
+            </a:xfrm>
+            <a:prstGeom prst="rect">
+              <a:avLst/>
+            </a:prstGeom>
+            <a:noFill/>
+          </p:spPr>
+          <p:txBody>
+            <a:bodyPr wrap="none" rtlCol="0">
+              <a:spAutoFit/>
+            </a:bodyPr>
+            <a:lstStyle/>
+            <a:p>
+              <a:r>
+                <a:rPr lang="en-SG" dirty="0" smtClean="0"/>
+                <a:t>Re-Architecting</a:t>
+              </a:r>
+              <a:endParaRPr lang="en-SG" dirty="0"/>
+            </a:p>
+          </p:txBody>
+        </p:sp>
+        <p:sp>
+          <p:nvSpPr>
+            <p:cNvPr id="20" name="Rounded Rectangle 19"/>
+            <p:cNvSpPr/>
+            <p:nvPr/>
+          </p:nvSpPr>
+          <p:spPr>
+            <a:xfrm>
+              <a:off x="451698" y="4603947"/>
+              <a:ext cx="2376264" cy="792088"/>
+            </a:xfrm>
+            <a:prstGeom prst="roundRect">
+              <a:avLst/>
+            </a:prstGeom>
+          </p:spPr>
+          <p:style>
+            <a:lnRef idx="2">
+              <a:schemeClr val="accent2">
+                <a:shade val="50000"/>
+              </a:schemeClr>
+            </a:lnRef>
+            <a:fillRef idx="1">
+              <a:schemeClr val="accent2"/>
+            </a:fillRef>
+            <a:effectRef idx="0">
+              <a:schemeClr val="accent2"/>
+            </a:effectRef>
+            <a:fontRef idx="minor">
+              <a:schemeClr val="lt1"/>
+            </a:fontRef>
+          </p:style>
+          <p:txBody>
+            <a:bodyPr rtlCol="0" anchor="ctr"/>
+            <a:lstStyle/>
+            <a:p>
+              <a:pPr algn="ctr"/>
+              <a:r>
+                <a:rPr lang="en-SG" dirty="0" smtClean="0"/>
+                <a:t>Impact Analysis</a:t>
+              </a:r>
+              <a:endParaRPr lang="en-SG" dirty="0"/>
+            </a:p>
+          </p:txBody>
+        </p:sp>
+        <p:sp>
+          <p:nvSpPr>
+            <p:cNvPr id="21" name="Rounded Rectangle 20"/>
+            <p:cNvSpPr/>
+            <p:nvPr/>
+          </p:nvSpPr>
+          <p:spPr>
+            <a:xfrm>
+              <a:off x="5590497" y="5792079"/>
+              <a:ext cx="2376264" cy="792088"/>
+            </a:xfrm>
+            <a:prstGeom prst="roundRect">
+              <a:avLst/>
+            </a:prstGeom>
+          </p:spPr>
+          <p:style>
+            <a:lnRef idx="2">
+              <a:schemeClr val="accent2">
+                <a:shade val="50000"/>
+              </a:schemeClr>
+            </a:lnRef>
+            <a:fillRef idx="1">
+              <a:schemeClr val="accent2"/>
+            </a:fillRef>
+            <a:effectRef idx="0">
+              <a:schemeClr val="accent2"/>
+            </a:effectRef>
+            <a:fontRef idx="minor">
+              <a:schemeClr val="lt1"/>
+            </a:fontRef>
+          </p:style>
+          <p:txBody>
+            <a:bodyPr rtlCol="0" anchor="ctr"/>
+            <a:lstStyle/>
+            <a:p>
+              <a:pPr algn="ctr"/>
+              <a:r>
+                <a:rPr lang="en-SG" dirty="0" smtClean="0"/>
+                <a:t>Update Schedule and Plan</a:t>
+              </a:r>
+              <a:endParaRPr lang="en-SG" dirty="0"/>
+            </a:p>
+          </p:txBody>
+        </p:sp>
+        <p:sp>
+          <p:nvSpPr>
+            <p:cNvPr id="22" name="Rounded Rectangle 21"/>
+            <p:cNvSpPr/>
+            <p:nvPr/>
+          </p:nvSpPr>
+          <p:spPr>
+            <a:xfrm>
+              <a:off x="1992542" y="5792079"/>
+              <a:ext cx="2376264" cy="792088"/>
+            </a:xfrm>
+            <a:prstGeom prst="roundRect">
+              <a:avLst/>
+            </a:prstGeom>
+          </p:spPr>
+          <p:style>
+            <a:lnRef idx="2">
+              <a:schemeClr val="accent2">
+                <a:shade val="50000"/>
+              </a:schemeClr>
+            </a:lnRef>
+            <a:fillRef idx="1">
+              <a:schemeClr val="accent2"/>
+            </a:fillRef>
+            <a:effectRef idx="0">
+              <a:schemeClr val="accent2"/>
+            </a:effectRef>
+            <a:fontRef idx="minor">
+              <a:schemeClr val="lt1"/>
+            </a:fontRef>
+          </p:style>
+          <p:txBody>
+            <a:bodyPr rtlCol="0" anchor="ctr"/>
+            <a:lstStyle/>
+            <a:p>
+              <a:pPr algn="ctr"/>
+              <a:r>
+                <a:rPr lang="en-SG" dirty="0" smtClean="0"/>
+                <a:t>Implement Change on EA</a:t>
+              </a:r>
+              <a:endParaRPr lang="en-SG" dirty="0"/>
+            </a:p>
+          </p:txBody>
+        </p:sp>
+        <p:cxnSp>
+          <p:nvCxnSpPr>
+            <p:cNvPr id="24" name="Straight Arrow Connector 23"/>
+            <p:cNvCxnSpPr>
+              <a:stCxn id="8" idx="2"/>
+              <a:endCxn id="20" idx="0"/>
+            </p:cNvCxnSpPr>
+            <p:nvPr/>
+          </p:nvCxnSpPr>
+          <p:spPr>
+            <a:xfrm flipH="1">
+              <a:off x="1639830" y="4128998"/>
+              <a:ext cx="5502" cy="474949"/>
+            </a:xfrm>
+            <a:prstGeom prst="straightConnector1">
+              <a:avLst/>
+            </a:prstGeom>
+            <a:ln>
+              <a:tailEnd type="triangle"/>
+            </a:ln>
+          </p:spPr>
+          <p:style>
+            <a:lnRef idx="1">
+              <a:schemeClr val="accent1"/>
+            </a:lnRef>
+            <a:fillRef idx="0">
+              <a:schemeClr val="accent1"/>
+            </a:fillRef>
+            <a:effectRef idx="0">
+              <a:schemeClr val="accent1"/>
+            </a:effectRef>
+            <a:fontRef idx="minor">
+              <a:schemeClr val="tx1"/>
+            </a:fontRef>
+          </p:style>
+        </p:cxnSp>
+        <p:cxnSp>
+          <p:nvCxnSpPr>
+            <p:cNvPr id="25" name="Straight Arrow Connector 24"/>
+            <p:cNvCxnSpPr>
+              <a:stCxn id="9" idx="2"/>
+              <a:endCxn id="20" idx="0"/>
+            </p:cNvCxnSpPr>
+            <p:nvPr/>
+          </p:nvCxnSpPr>
+          <p:spPr>
+            <a:xfrm flipH="1">
+              <a:off x="1639830" y="4128998"/>
+              <a:ext cx="2908996" cy="474949"/>
+            </a:xfrm>
+            <a:prstGeom prst="straightConnector1">
+              <a:avLst/>
+            </a:prstGeom>
+            <a:ln>
+              <a:tailEnd type="triangle"/>
+            </a:ln>
+          </p:spPr>
+          <p:style>
+            <a:lnRef idx="1">
+              <a:schemeClr val="accent1"/>
+            </a:lnRef>
+            <a:fillRef idx="0">
+              <a:schemeClr val="accent1"/>
+            </a:fillRef>
+            <a:effectRef idx="0">
+              <a:schemeClr val="accent1"/>
+            </a:effectRef>
+            <a:fontRef idx="minor">
+              <a:schemeClr val="tx1"/>
+            </a:fontRef>
+          </p:style>
+        </p:cxnSp>
+        <p:cxnSp>
+          <p:nvCxnSpPr>
+            <p:cNvPr id="30" name="Straight Arrow Connector 29"/>
+            <p:cNvCxnSpPr>
+              <a:stCxn id="10" idx="2"/>
+              <a:endCxn id="20" idx="0"/>
+            </p:cNvCxnSpPr>
+            <p:nvPr/>
+          </p:nvCxnSpPr>
+          <p:spPr>
+            <a:xfrm flipH="1">
+              <a:off x="1639830" y="4128998"/>
+              <a:ext cx="5812490" cy="474949"/>
+            </a:xfrm>
+            <a:prstGeom prst="straightConnector1">
+              <a:avLst/>
+            </a:prstGeom>
+            <a:ln>
+              <a:tailEnd type="triangle"/>
+            </a:ln>
+          </p:spPr>
+          <p:style>
+            <a:lnRef idx="1">
+              <a:schemeClr val="accent1"/>
+            </a:lnRef>
+            <a:fillRef idx="0">
+              <a:schemeClr val="accent1"/>
+            </a:fillRef>
+            <a:effectRef idx="0">
+              <a:schemeClr val="accent1"/>
+            </a:effectRef>
+            <a:fontRef idx="minor">
+              <a:schemeClr val="tx1"/>
+            </a:fontRef>
+          </p:style>
+        </p:cxnSp>
+        <p:cxnSp>
+          <p:nvCxnSpPr>
+            <p:cNvPr id="33" name="Straight Arrow Connector 32"/>
+            <p:cNvCxnSpPr>
+              <a:stCxn id="20" idx="3"/>
+              <a:endCxn id="39" idx="1"/>
+            </p:cNvCxnSpPr>
+            <p:nvPr/>
+          </p:nvCxnSpPr>
+          <p:spPr>
+            <a:xfrm>
+              <a:off x="2827962" y="4999991"/>
+              <a:ext cx="440592" cy="0"/>
+            </a:xfrm>
+            <a:prstGeom prst="straightConnector1">
+              <a:avLst/>
+            </a:prstGeom>
+            <a:ln>
+              <a:tailEnd type="triangle"/>
+            </a:ln>
+          </p:spPr>
+          <p:style>
+            <a:lnRef idx="1">
+              <a:schemeClr val="accent1"/>
+            </a:lnRef>
+            <a:fillRef idx="0">
+              <a:schemeClr val="accent1"/>
+            </a:fillRef>
+            <a:effectRef idx="0">
+              <a:schemeClr val="accent1"/>
+            </a:effectRef>
+            <a:fontRef idx="minor">
+              <a:schemeClr val="tx1"/>
+            </a:fontRef>
+          </p:style>
+        </p:cxnSp>
+        <p:cxnSp>
+          <p:nvCxnSpPr>
+            <p:cNvPr id="36" name="Straight Arrow Connector 35"/>
+            <p:cNvCxnSpPr>
+              <a:stCxn id="21" idx="1"/>
+              <a:endCxn id="22" idx="3"/>
+            </p:cNvCxnSpPr>
+            <p:nvPr/>
+          </p:nvCxnSpPr>
+          <p:spPr>
+            <a:xfrm flipH="1">
+              <a:off x="4368806" y="6188123"/>
+              <a:ext cx="1221691" cy="0"/>
+            </a:xfrm>
+            <a:prstGeom prst="straightConnector1">
+              <a:avLst/>
+            </a:prstGeom>
+            <a:ln>
+              <a:tailEnd type="triangle"/>
+            </a:ln>
+          </p:spPr>
+          <p:style>
+            <a:lnRef idx="1">
+              <a:schemeClr val="accent1"/>
+            </a:lnRef>
+            <a:fillRef idx="0">
+              <a:schemeClr val="accent1"/>
+            </a:fillRef>
+            <a:effectRef idx="0">
+              <a:schemeClr val="accent1"/>
+            </a:effectRef>
+            <a:fontRef idx="minor">
+              <a:schemeClr val="tx1"/>
+            </a:fontRef>
+          </p:style>
+        </p:cxnSp>
+        <p:sp>
+          <p:nvSpPr>
+            <p:cNvPr id="39" name="Rounded Rectangle 38"/>
+            <p:cNvSpPr/>
+            <p:nvPr/>
+          </p:nvSpPr>
+          <p:spPr>
+            <a:xfrm>
+              <a:off x="3268554" y="4603947"/>
+              <a:ext cx="2376264" cy="792088"/>
+            </a:xfrm>
+            <a:prstGeom prst="roundRect">
+              <a:avLst/>
+            </a:prstGeom>
+          </p:spPr>
+          <p:style>
+            <a:lnRef idx="2">
+              <a:schemeClr val="accent2">
+                <a:shade val="50000"/>
+              </a:schemeClr>
+            </a:lnRef>
+            <a:fillRef idx="1">
+              <a:schemeClr val="accent2"/>
+            </a:fillRef>
+            <a:effectRef idx="0">
+              <a:schemeClr val="accent2"/>
+            </a:effectRef>
+            <a:fontRef idx="minor">
+              <a:schemeClr val="lt1"/>
+            </a:fontRef>
+          </p:style>
+          <p:txBody>
+            <a:bodyPr rtlCol="0" anchor="ctr"/>
+            <a:lstStyle/>
+            <a:p>
+              <a:pPr algn="ctr"/>
+              <a:r>
+                <a:rPr lang="en-SG" dirty="0" smtClean="0"/>
+                <a:t>Review Change with Architecture Advisory Board</a:t>
+              </a:r>
+              <a:endParaRPr lang="en-SG" dirty="0"/>
+            </a:p>
+          </p:txBody>
+        </p:sp>
+        <p:sp>
+          <p:nvSpPr>
+            <p:cNvPr id="40" name="Rounded Rectangle 39"/>
+            <p:cNvSpPr/>
+            <p:nvPr/>
+          </p:nvSpPr>
+          <p:spPr>
+            <a:xfrm>
+              <a:off x="6222201" y="4607799"/>
+              <a:ext cx="2376264" cy="792088"/>
+            </a:xfrm>
+            <a:prstGeom prst="roundRect">
+              <a:avLst/>
+            </a:prstGeom>
+          </p:spPr>
+          <p:style>
+            <a:lnRef idx="2">
+              <a:schemeClr val="accent2">
+                <a:shade val="50000"/>
+              </a:schemeClr>
+            </a:lnRef>
+            <a:fillRef idx="1">
+              <a:schemeClr val="accent2"/>
+            </a:fillRef>
+            <a:effectRef idx="0">
+              <a:schemeClr val="accent2"/>
+            </a:effectRef>
+            <a:fontRef idx="minor">
+              <a:schemeClr val="lt1"/>
+            </a:fontRef>
+          </p:style>
+          <p:txBody>
+            <a:bodyPr rtlCol="0" anchor="ctr"/>
+            <a:lstStyle/>
+            <a:p>
+              <a:pPr algn="ctr"/>
+              <a:r>
+                <a:rPr lang="en-SG" dirty="0" smtClean="0"/>
+                <a:t>Approve Change</a:t>
+              </a:r>
+              <a:endParaRPr lang="en-SG" dirty="0"/>
+            </a:p>
+          </p:txBody>
+        </p:sp>
+        <p:cxnSp>
+          <p:nvCxnSpPr>
+            <p:cNvPr id="58" name="Straight Arrow Connector 57"/>
+            <p:cNvCxnSpPr>
+              <a:stCxn id="39" idx="3"/>
+              <a:endCxn id="40" idx="1"/>
+            </p:cNvCxnSpPr>
+            <p:nvPr/>
+          </p:nvCxnSpPr>
+          <p:spPr>
+            <a:xfrm>
+              <a:off x="5644818" y="4999991"/>
+              <a:ext cx="577383" cy="3852"/>
+            </a:xfrm>
+            <a:prstGeom prst="straightConnector1">
+              <a:avLst/>
+            </a:prstGeom>
+            <a:ln>
+              <a:tailEnd type="triangle"/>
+            </a:ln>
+          </p:spPr>
+          <p:style>
+            <a:lnRef idx="1">
+              <a:schemeClr val="accent1"/>
+            </a:lnRef>
+            <a:fillRef idx="0">
+              <a:schemeClr val="accent1"/>
+            </a:fillRef>
+            <a:effectRef idx="0">
+              <a:schemeClr val="accent1"/>
+            </a:effectRef>
+            <a:fontRef idx="minor">
+              <a:schemeClr val="tx1"/>
+            </a:fontRef>
+          </p:style>
+        </p:cxnSp>
+        <p:cxnSp>
+          <p:nvCxnSpPr>
+            <p:cNvPr id="62" name="Straight Arrow Connector 61"/>
+            <p:cNvCxnSpPr>
+              <a:stCxn id="40" idx="2"/>
+              <a:endCxn id="21" idx="0"/>
+            </p:cNvCxnSpPr>
+            <p:nvPr/>
+          </p:nvCxnSpPr>
+          <p:spPr>
+            <a:xfrm flipH="1">
+              <a:off x="6778629" y="5399887"/>
+              <a:ext cx="631704" cy="392192"/>
+            </a:xfrm>
+            <a:prstGeom prst="straightConnector1">
+              <a:avLst/>
+            </a:prstGeom>
+            <a:ln>
+              <a:tailEnd type="triangle"/>
+            </a:ln>
+          </p:spPr>
+          <p:style>
+            <a:lnRef idx="1">
+              <a:schemeClr val="accent1"/>
+            </a:lnRef>
+            <a:fillRef idx="0">
+              <a:schemeClr val="accent1"/>
+            </a:fillRef>
+            <a:effectRef idx="0">
+              <a:schemeClr val="accent1"/>
+            </a:effectRef>
+            <a:fontRef idx="minor">
+              <a:schemeClr val="tx1"/>
+            </a:fontRef>
+          </p:style>
+        </p:cxnSp>
+      </p:grpSp>
     </p:spTree>
     <p:extLst>
       <p:ext uri="{BB962C8B-B14F-4D97-AF65-F5344CB8AC3E}">
@@ -44887,6 +47548,249 @@
 </file>
 
 <file path=ppt/slides/slide55.xml><?xml version="1.0" encoding="utf-8"?>
+<p:sld xmlns:a="http://schemas.openxmlformats.org/drawingml/2006/main" xmlns:r="http://schemas.openxmlformats.org/officeDocument/2006/relationships" xmlns:p="http://schemas.openxmlformats.org/presentationml/2006/main">
+  <p:cSld>
+    <p:spTree>
+      <p:nvGrpSpPr>
+        <p:cNvPr id="1" name=""/>
+        <p:cNvGrpSpPr/>
+        <p:nvPr/>
+      </p:nvGrpSpPr>
+      <p:grpSpPr>
+        <a:xfrm>
+          <a:off x="0" y="0"/>
+          <a:ext cx="0" cy="0"/>
+          <a:chOff x="0" y="0"/>
+          <a:chExt cx="0" cy="0"/>
+        </a:xfrm>
+      </p:grpSpPr>
+      <p:sp>
+        <p:nvSpPr>
+          <p:cNvPr id="2" name="Title 1"/>
+          <p:cNvSpPr>
+            <a:spLocks noGrp="1"/>
+          </p:cNvSpPr>
+          <p:nvPr>
+            <p:ph type="title"/>
+          </p:nvPr>
+        </p:nvSpPr>
+        <p:spPr/>
+        <p:txBody>
+          <a:bodyPr/>
+          <a:lstStyle/>
+          <a:p>
+            <a:endParaRPr lang="en-SG"/>
+          </a:p>
+        </p:txBody>
+      </p:sp>
+      <p:graphicFrame>
+        <p:nvGraphicFramePr>
+          <p:cNvPr id="4" name="Content Placeholder 3"/>
+          <p:cNvGraphicFramePr>
+            <a:graphicFrameLocks noGrp="1"/>
+          </p:cNvGraphicFramePr>
+          <p:nvPr>
+            <p:ph sz="quarter" idx="1"/>
+            <p:extLst>
+              <p:ext uri="{D42A27DB-BD31-4B8C-83A1-F6EECF244321}">
+                <p14:modId xmlns:p14="http://schemas.microsoft.com/office/powerpoint/2010/main" val="4217631378"/>
+              </p:ext>
+            </p:extLst>
+          </p:nvPr>
+        </p:nvGraphicFramePr>
+        <p:xfrm>
+          <a:off x="457200" y="1219200"/>
+          <a:ext cx="8229600" cy="4937125"/>
+        </p:xfrm>
+        <a:graphic>
+          <a:graphicData uri="http://schemas.openxmlformats.org/drawingml/2006/diagram">
+            <dgm:relIds xmlns:dgm="http://schemas.openxmlformats.org/drawingml/2006/diagram" xmlns:r="http://schemas.openxmlformats.org/officeDocument/2006/relationships" r:dm="rId2" r:lo="rId3" r:qs="rId4" r:cs="rId5"/>
+          </a:graphicData>
+        </a:graphic>
+      </p:graphicFrame>
+      <p:sp>
+        <p:nvSpPr>
+          <p:cNvPr id="5" name="TextBox 4"/>
+          <p:cNvSpPr txBox="1"/>
+          <p:nvPr/>
+        </p:nvSpPr>
+        <p:spPr>
+          <a:xfrm>
+            <a:off x="1475656" y="2924944"/>
+            <a:ext cx="2016224" cy="938719"/>
+          </a:xfrm>
+          <a:prstGeom prst="rect">
+            <a:avLst/>
+          </a:prstGeom>
+          <a:noFill/>
+        </p:spPr>
+        <p:txBody>
+          <a:bodyPr wrap="square" rtlCol="0">
+            <a:spAutoFit/>
+          </a:bodyPr>
+          <a:lstStyle/>
+          <a:p>
+            <a:pPr marL="171450" indent="-171450">
+              <a:buFontTx/>
+              <a:buChar char="-"/>
+            </a:pPr>
+            <a:r>
+              <a:rPr lang="en-SG" sz="1100" dirty="0" smtClean="0"/>
+              <a:t>Communicates the importance of EA</a:t>
+            </a:r>
+          </a:p>
+          <a:p>
+            <a:pPr marL="171450" indent="-171450">
+              <a:buFontTx/>
+              <a:buChar char="-"/>
+            </a:pPr>
+            <a:r>
+              <a:rPr lang="en-SG" sz="1100" dirty="0" smtClean="0"/>
+              <a:t>Proposal and Approval of EA related tasks</a:t>
+            </a:r>
+          </a:p>
+          <a:p>
+            <a:pPr marL="171450" indent="-171450">
+              <a:buFontTx/>
+              <a:buChar char="-"/>
+            </a:pPr>
+            <a:r>
+              <a:rPr lang="en-SG" sz="1100" dirty="0" smtClean="0"/>
+              <a:t>Supervision</a:t>
+            </a:r>
+            <a:endParaRPr lang="en-SG" sz="1100" dirty="0"/>
+          </a:p>
+        </p:txBody>
+      </p:sp>
+      <p:sp>
+        <p:nvSpPr>
+          <p:cNvPr id="6" name="TextBox 5"/>
+          <p:cNvSpPr txBox="1"/>
+          <p:nvPr/>
+        </p:nvSpPr>
+        <p:spPr>
+          <a:xfrm>
+            <a:off x="5940152" y="2924944"/>
+            <a:ext cx="2016224" cy="1446550"/>
+          </a:xfrm>
+          <a:prstGeom prst="rect">
+            <a:avLst/>
+          </a:prstGeom>
+          <a:noFill/>
+        </p:spPr>
+        <p:txBody>
+          <a:bodyPr wrap="square" rtlCol="0">
+            <a:spAutoFit/>
+          </a:bodyPr>
+          <a:lstStyle/>
+          <a:p>
+            <a:pPr marL="171450" indent="-171450">
+              <a:buFontTx/>
+              <a:buChar char="-"/>
+            </a:pPr>
+            <a:r>
+              <a:rPr lang="en-SG" sz="1100" dirty="0" smtClean="0"/>
+              <a:t>Feedback and contribute domain knowledge to EA team.</a:t>
+            </a:r>
+          </a:p>
+          <a:p>
+            <a:pPr marL="171450" indent="-171450">
+              <a:buFontTx/>
+              <a:buChar char="-"/>
+            </a:pPr>
+            <a:r>
+              <a:rPr lang="en-SG" sz="1100" dirty="0" smtClean="0"/>
+              <a:t>EA team coordinate with staff to understand their business or work process</a:t>
+            </a:r>
+          </a:p>
+          <a:p>
+            <a:pPr marL="171450" indent="-171450">
+              <a:buFontTx/>
+              <a:buChar char="-"/>
+            </a:pPr>
+            <a:r>
+              <a:rPr lang="en-SG" sz="1100" dirty="0" smtClean="0"/>
+              <a:t>Promote the use of EA to staff</a:t>
+            </a:r>
+            <a:endParaRPr lang="en-SG" sz="1100" dirty="0"/>
+          </a:p>
+        </p:txBody>
+      </p:sp>
+      <p:sp>
+        <p:nvSpPr>
+          <p:cNvPr id="7" name="TextBox 6"/>
+          <p:cNvSpPr txBox="1"/>
+          <p:nvPr/>
+        </p:nvSpPr>
+        <p:spPr>
+          <a:xfrm>
+            <a:off x="3540967" y="5760958"/>
+            <a:ext cx="2376264" cy="1107996"/>
+          </a:xfrm>
+          <a:prstGeom prst="rect">
+            <a:avLst/>
+          </a:prstGeom>
+          <a:noFill/>
+        </p:spPr>
+        <p:txBody>
+          <a:bodyPr wrap="square" rtlCol="0">
+            <a:spAutoFit/>
+          </a:bodyPr>
+          <a:lstStyle/>
+          <a:p>
+            <a:pPr marL="171450" indent="-171450">
+              <a:buFontTx/>
+              <a:buChar char="-"/>
+            </a:pPr>
+            <a:r>
+              <a:rPr lang="en-SG" sz="1100" dirty="0" smtClean="0"/>
+              <a:t>Promote the use of EA to Management</a:t>
+            </a:r>
+          </a:p>
+          <a:p>
+            <a:pPr marL="171450" indent="-171450">
+              <a:buFontTx/>
+              <a:buChar char="-"/>
+            </a:pPr>
+            <a:r>
+              <a:rPr lang="en-SG" sz="1100" dirty="0" smtClean="0"/>
+              <a:t>Provide metric results to management</a:t>
+            </a:r>
+          </a:p>
+          <a:p>
+            <a:pPr marL="171450" indent="-171450">
+              <a:buFontTx/>
+              <a:buChar char="-"/>
+            </a:pPr>
+            <a:r>
+              <a:rPr lang="en-SG" sz="1100" dirty="0" smtClean="0"/>
+              <a:t>Report the EA effectiveness to management</a:t>
+            </a:r>
+            <a:endParaRPr lang="en-SG" sz="1100" dirty="0"/>
+          </a:p>
+        </p:txBody>
+      </p:sp>
+    </p:spTree>
+    <p:extLst>
+      <p:ext uri="{BB962C8B-B14F-4D97-AF65-F5344CB8AC3E}">
+        <p14:creationId xmlns:p14="http://schemas.microsoft.com/office/powerpoint/2010/main" val="2374336840"/>
+      </p:ext>
+    </p:extLst>
+  </p:cSld>
+  <p:clrMapOvr>
+    <a:masterClrMapping/>
+  </p:clrMapOvr>
+  <p:timing>
+    <p:tnLst>
+      <p:par>
+        <p:cTn id="1" dur="indefinite" restart="never" nodeType="tmRoot"/>
+      </p:par>
+    </p:tnLst>
+  </p:timing>
+</p:sld>
+</file>
+
+<file path=ppt/slides/slide56.xml><?xml version="1.0" encoding="utf-8"?>
 <p:sld xmlns:a="http://schemas.openxmlformats.org/drawingml/2006/main" xmlns:r="http://schemas.openxmlformats.org/officeDocument/2006/relationships" xmlns:p="http://schemas.openxmlformats.org/presentationml/2006/main">
   <p:cSld>
     <p:spTree>
